--- a/TJCPowerPoint/bin/Debug/Files/ServiceWidescreen.pptx
+++ b/TJCPowerPoint/bin/Debug/Files/ServiceWidescreen.pptx
@@ -5,16 +5,17 @@
     <p:sldMasterId id="2147483660" r:id="rId1"/>
   </p:sldMasterIdLst>
   <p:notesMasterIdLst>
-    <p:notesMasterId r:id="rId6"/>
+    <p:notesMasterId r:id="rId7"/>
   </p:notesMasterIdLst>
   <p:handoutMasterIdLst>
-    <p:handoutMasterId r:id="rId7"/>
+    <p:handoutMasterId r:id="rId8"/>
   </p:handoutMasterIdLst>
   <p:sldIdLst>
     <p:sldId id="357" r:id="rId2"/>
     <p:sldId id="358" r:id="rId3"/>
     <p:sldId id="360" r:id="rId4"/>
-    <p:sldId id="359" r:id="rId5"/>
+    <p:sldId id="361" r:id="rId5"/>
+    <p:sldId id="359" r:id="rId6"/>
   </p:sldIdLst>
   <p:sldSz cx="12192000" cy="6858000"/>
   <p:notesSz cx="6858000" cy="9144000"/>
@@ -3998,11 +3999,11 @@
               </a:spcBef>
             </a:pPr>
             <a:r>
-              <a:rPr lang="en-US" altLang="zh-CN" sz="5400" dirty="0">
+              <a:rPr lang="en-US" altLang="zh-CN" sz="5400" b="1" dirty="0">
                 <a:solidFill>
                   <a:schemeClr val="bg1"/>
                 </a:solidFill>
-                <a:latin typeface="Book Antiqua" panose="02040602050305030304" pitchFamily="18" charset="0"/>
+                <a:latin typeface="Century Gothic" panose="020B0502020202020204" pitchFamily="34" charset="0"/>
                 <a:ea typeface="宋体" panose="02010600030101010101" pitchFamily="2" charset="-122"/>
               </a:rPr>
               <a:t>English</a:t>
@@ -4125,7 +4126,7 @@
                 <a:solidFill>
                   <a:schemeClr val="bg1"/>
                 </a:solidFill>
-                <a:latin typeface="Book Antiqua" panose="02040602050305030304" pitchFamily="18" charset="0"/>
+                <a:latin typeface="Century Gothic" panose="020B0502020202020204" pitchFamily="34" charset="0"/>
               </a:rPr>
               <a:t>Hymn</a:t>
             </a:r>
@@ -4134,7 +4135,7 @@
                 <a:solidFill>
                   <a:schemeClr val="bg1"/>
                 </a:solidFill>
-                <a:latin typeface="+mj-lt"/>
+                <a:latin typeface="Century Gothic" panose="020B0502020202020204" pitchFamily="34" charset="0"/>
               </a:rPr>
               <a:t> </a:t>
             </a:r>
@@ -4143,7 +4144,7 @@
                 <a:solidFill>
                   <a:schemeClr val="bg1"/>
                 </a:solidFill>
-                <a:latin typeface="+mj-lt"/>
+                <a:latin typeface="Century Gothic" panose="020B0502020202020204" pitchFamily="34" charset="0"/>
                 <a:ea typeface="金梅新中楷全字體" pitchFamily="49" charset="-120"/>
               </a:rPr>
               <a:t>詩</a:t>
@@ -4152,7 +4153,7 @@
               <a:solidFill>
                 <a:schemeClr val="bg1"/>
               </a:solidFill>
-              <a:latin typeface="+mj-lt"/>
+              <a:latin typeface="Century Gothic" panose="020B0502020202020204" pitchFamily="34" charset="0"/>
               <a:ea typeface="金梅新中楷全字體" pitchFamily="49" charset="-120"/>
             </a:endParaRPr>
           </a:p>
@@ -4166,7 +4167,7 @@
               <a:solidFill>
                 <a:srgbClr val="FFFFFF"/>
               </a:solidFill>
-              <a:latin typeface="+mj-lt"/>
+              <a:latin typeface="Century Gothic" panose="020B0502020202020204" pitchFamily="34" charset="0"/>
             </a:endParaRPr>
           </a:p>
         </p:txBody>
@@ -4240,7 +4241,7 @@
                 <a:solidFill>
                   <a:schemeClr val="bg1"/>
                 </a:solidFill>
-                <a:latin typeface="Book Antiqua" panose="02040602050305030304" pitchFamily="18" charset="0"/>
+                <a:latin typeface="Century Gothic" panose="020B0502020202020204" pitchFamily="34" charset="0"/>
               </a:rPr>
               <a:t>Hymn No</a:t>
             </a:r>
@@ -4249,7 +4250,7 @@
                 <a:solidFill>
                   <a:srgbClr val="FFFF99"/>
                 </a:solidFill>
-                <a:latin typeface="Book Antiqua" panose="02040602050305030304" pitchFamily="18" charset="0"/>
+                <a:latin typeface="Century Gothic" panose="020B0502020202020204" pitchFamily="34" charset="0"/>
               </a:rPr>
               <a:t>.</a:t>
             </a:r>
@@ -4266,8 +4267,8 @@
         </p:nvSpPr>
         <p:spPr bwMode="auto">
           <a:xfrm>
-            <a:off x="1847528" y="2782670"/>
-            <a:ext cx="3744416" cy="646331"/>
+            <a:off x="516086" y="2782670"/>
+            <a:ext cx="4499720" cy="646331"/>
           </a:xfrm>
           <a:prstGeom prst="rect">
             <a:avLst/>
@@ -4312,7 +4313,7 @@
           </a:bodyPr>
           <a:lstStyle/>
           <a:p>
-            <a:pPr algn="ctr" eaLnBrk="1" hangingPunct="1">
+            <a:pPr algn="r" eaLnBrk="1" hangingPunct="1">
               <a:spcBef>
                 <a:spcPct val="50000"/>
               </a:spcBef>
@@ -4324,7 +4325,7 @@
                 <a:solidFill>
                   <a:schemeClr val="bg1"/>
                 </a:solidFill>
-                <a:latin typeface="Book Antiqua" panose="02040602050305030304" pitchFamily="18" charset="0"/>
+                <a:latin typeface="Century Gothic" panose="020B0502020202020204" pitchFamily="34" charset="0"/>
               </a:rPr>
               <a:t>Bible Verse </a:t>
             </a:r>
@@ -4416,7 +4417,16 @@
                 </a:solidFill>
                 <a:latin typeface="Book Antiqua" panose="02040602050305030304" pitchFamily="18" charset="0"/>
               </a:rPr>
-              <a:t>English Book</a:t>
+              <a:t>English </a:t>
+            </a:r>
+            <a:r>
+              <a:rPr lang="en-US" altLang="en-US" sz="3300" dirty="0">
+                <a:solidFill>
+                  <a:schemeClr val="bg1"/>
+                </a:solidFill>
+                <a:latin typeface="Century Gothic" panose="020B0502020202020204" pitchFamily="34" charset="0"/>
+              </a:rPr>
+              <a:t>Book</a:t>
             </a:r>
           </a:p>
         </p:txBody>
@@ -4506,7 +4516,7 @@
         <p:spPr bwMode="auto">
           <a:xfrm>
             <a:off x="5591944" y="3728258"/>
-            <a:ext cx="4392612" cy="762000"/>
+            <a:ext cx="4896544" cy="769441"/>
           </a:xfrm>
           <a:prstGeom prst="rect">
             <a:avLst/>
@@ -4546,7 +4556,7 @@
           </a:extLst>
         </p:spPr>
         <p:txBody>
-          <a:bodyPr>
+          <a:bodyPr wrap="square">
             <a:spAutoFit/>
           </a:bodyPr>
           <a:lstStyle/>
@@ -4561,7 +4571,7 @@
                 <a:solidFill>
                   <a:schemeClr val="bg1"/>
                 </a:solidFill>
-                <a:latin typeface="Book Antiqua" panose="02040602050305030304" pitchFamily="18" charset="0"/>
+                <a:latin typeface="Century Gothic" panose="020B0502020202020204" pitchFamily="34" charset="0"/>
                 <a:ea typeface="宋体" panose="02010600030101010101" pitchFamily="2" charset="-122"/>
               </a:rPr>
               <a:t>Chapter &amp; Verse</a:t>
@@ -4668,7 +4678,7 @@
                 <a:solidFill>
                   <a:schemeClr val="bg1"/>
                 </a:solidFill>
-                <a:latin typeface="Book Antiqua" panose="02040602050305030304" pitchFamily="18" charset="0"/>
+                <a:latin typeface="Century Gothic" panose="020B0502020202020204" pitchFamily="34" charset="0"/>
                 <a:ea typeface="宋体" panose="02010600030101010101" pitchFamily="2" charset="-122"/>
               </a:rPr>
               <a:t>ServiceType</a:t>
@@ -4677,7 +4687,7 @@
               <a:solidFill>
                 <a:schemeClr val="bg1"/>
               </a:solidFill>
-              <a:latin typeface="Book Antiqua" panose="02040602050305030304" pitchFamily="18" charset="0"/>
+              <a:latin typeface="Century Gothic" panose="020B0502020202020204" pitchFamily="34" charset="0"/>
               <a:ea typeface="宋体" panose="02010600030101010101" pitchFamily="2" charset="-122"/>
             </a:endParaRPr>
           </a:p>
@@ -4855,7 +4865,7 @@
                   <a:solidFill>
                     <a:schemeClr val="bg1"/>
                   </a:solidFill>
-                  <a:latin typeface="+mn-lt"/>
+                  <a:latin typeface="Century Gothic" panose="020B0502020202020204" pitchFamily="34" charset="0"/>
                 </a:rPr>
                 <a:t>PLEASE SWITCH OFF YOUR MOBILE PHONE</a:t>
               </a:r>
@@ -4863,7 +4873,7 @@
                 <a:solidFill>
                   <a:schemeClr val="bg1"/>
                 </a:solidFill>
-                <a:latin typeface="+mn-lt"/>
+                <a:latin typeface="Century Gothic" panose="020B0502020202020204" pitchFamily="34" charset="0"/>
               </a:endParaRPr>
             </a:p>
           </p:txBody>
@@ -5006,7 +5016,7 @@
               <a:solidFill>
                 <a:schemeClr val="bg1"/>
               </a:solidFill>
-              <a:latin typeface="Book Antiqua" panose="02040602050305030304" pitchFamily="18" charset="0"/>
+              <a:latin typeface="Century Gothic" panose="020B0502020202020204" pitchFamily="34" charset="0"/>
               <a:ea typeface="金梅新中楷全字體" panose="02010509060101010101" pitchFamily="49" charset="-120"/>
             </a:endParaRPr>
           </a:p>
@@ -5080,7 +5090,7 @@
                 <a:solidFill>
                   <a:schemeClr val="bg1"/>
                 </a:solidFill>
-                <a:latin typeface="Book Antiqua" panose="02040602050305030304" pitchFamily="18" charset="0"/>
+                <a:latin typeface="Century Gothic" panose="020B0502020202020204" pitchFamily="34" charset="0"/>
               </a:rPr>
               <a:t>Prayer Requests</a:t>
             </a:r>
@@ -5089,7 +5099,7 @@
                 <a:solidFill>
                   <a:schemeClr val="bg1"/>
                 </a:solidFill>
-                <a:latin typeface="金梅新中楷全字體" panose="02010509060101010101" pitchFamily="49" charset="-120"/>
+                <a:latin typeface="Century Gothic" panose="020B0502020202020204" pitchFamily="34" charset="0"/>
                 <a:ea typeface="金梅新中楷全字體" panose="02010509060101010101" pitchFamily="49" charset="-120"/>
               </a:rPr>
               <a:t>- </a:t>
@@ -5099,7 +5109,7 @@
                 <a:solidFill>
                   <a:schemeClr val="bg1"/>
                 </a:solidFill>
-                <a:latin typeface="金梅新中楷全字體" panose="02010509060101010101" pitchFamily="49" charset="-120"/>
+                <a:latin typeface="Century Gothic" panose="020B0502020202020204" pitchFamily="34" charset="0"/>
                 <a:ea typeface="金梅新中楷全字體" panose="02010509060101010101" pitchFamily="49" charset="-120"/>
               </a:rPr>
               <a:t>代禱</a:t>
@@ -5108,7 +5118,7 @@
               <a:solidFill>
                 <a:schemeClr val="bg1"/>
               </a:solidFill>
-              <a:latin typeface="金梅新中楷全字體" panose="02010509060101010101" pitchFamily="49" charset="-120"/>
+              <a:latin typeface="Century Gothic" panose="020B0502020202020204" pitchFamily="34" charset="0"/>
               <a:ea typeface="金梅新中楷全字體" panose="02010509060101010101" pitchFamily="49" charset="-120"/>
             </a:endParaRPr>
           </a:p>
@@ -5141,7 +5151,9 @@
           <a:lstStyle/>
           <a:p>
             <a:r>
-              <a:rPr lang="en-GB" dirty="0"/>
+              <a:rPr lang="en-GB" dirty="0">
+                <a:latin typeface="Century Gothic" panose="020B0502020202020204" pitchFamily="34" charset="0"/>
+              </a:rPr>
               <a:t>Prayer Requests</a:t>
             </a:r>
           </a:p>
@@ -5219,7 +5231,7 @@
                 <a:solidFill>
                   <a:schemeClr val="bg1"/>
                 </a:solidFill>
-                <a:latin typeface="+mn-lt"/>
+                <a:latin typeface="Century Gothic" panose="020B0502020202020204" pitchFamily="34" charset="0"/>
                 <a:ea typeface="金梅新中楷全字體" panose="02010509060101010101" pitchFamily="49" charset="-120"/>
               </a:rPr>
               <a:t>請 關 您 的 手 提 電 話 </a:t>
@@ -5299,7 +5311,7 @@
                 <a:solidFill>
                   <a:schemeClr val="bg1"/>
                 </a:solidFill>
-                <a:latin typeface="+mn-lt"/>
+                <a:latin typeface="Century Gothic" panose="020B0502020202020204" pitchFamily="34" charset="0"/>
               </a:rPr>
               <a:t>PLEASE SWITCH OFF YOUR MOBILE PHONE</a:t>
             </a:r>
@@ -5307,7 +5319,7 @@
               <a:solidFill>
                 <a:schemeClr val="bg1"/>
               </a:solidFill>
-              <a:latin typeface="+mn-lt"/>
+              <a:latin typeface="Century Gothic" panose="020B0502020202020204" pitchFamily="34" charset="0"/>
             </a:endParaRPr>
           </a:p>
         </p:txBody>
@@ -5449,7 +5461,7 @@
               <a:solidFill>
                 <a:schemeClr val="bg1"/>
               </a:solidFill>
-              <a:latin typeface="Book Antiqua" panose="02040602050305030304" pitchFamily="18" charset="0"/>
+              <a:latin typeface="Century Gothic" panose="020B0502020202020204" pitchFamily="34" charset="0"/>
               <a:ea typeface="金梅新中楷全字體" panose="02010509060101010101" pitchFamily="49" charset="-120"/>
             </a:endParaRPr>
           </a:p>
@@ -5523,7 +5535,7 @@
                 <a:solidFill>
                   <a:schemeClr val="bg1"/>
                 </a:solidFill>
-                <a:latin typeface="Book Antiqua" panose="02040602050305030304" pitchFamily="18" charset="0"/>
+                <a:latin typeface="Century Gothic" panose="020B0502020202020204" pitchFamily="34" charset="0"/>
               </a:rPr>
               <a:t>Announcements </a:t>
             </a:r>
@@ -5532,7 +5544,7 @@
                 <a:solidFill>
                   <a:schemeClr val="bg1"/>
                 </a:solidFill>
-                <a:latin typeface="金梅新中楷全字體" panose="02010509060101010101" pitchFamily="49" charset="-120"/>
+                <a:latin typeface="Century Gothic" panose="020B0502020202020204" pitchFamily="34" charset="0"/>
                 <a:ea typeface="金梅新中楷全字體" panose="02010509060101010101" pitchFamily="49" charset="-120"/>
               </a:rPr>
               <a:t>- </a:t>
@@ -5542,7 +5554,7 @@
                 <a:solidFill>
                   <a:schemeClr val="bg1"/>
                 </a:solidFill>
-                <a:latin typeface="金梅新中楷全字體" panose="02010509060101010101" pitchFamily="49" charset="-120"/>
+                <a:latin typeface="Century Gothic" panose="020B0502020202020204" pitchFamily="34" charset="0"/>
                 <a:ea typeface="金梅新中楷全字體" panose="02010509060101010101" pitchFamily="49" charset="-120"/>
               </a:rPr>
               <a:t>佈告</a:t>
@@ -5551,7 +5563,7 @@
               <a:solidFill>
                 <a:schemeClr val="bg1"/>
               </a:solidFill>
-              <a:latin typeface="金梅新中楷全字體" panose="02010509060101010101" pitchFamily="49" charset="-120"/>
+              <a:latin typeface="Century Gothic" panose="020B0502020202020204" pitchFamily="34" charset="0"/>
               <a:ea typeface="金梅新中楷全字體" panose="02010509060101010101" pitchFamily="49" charset="-120"/>
             </a:endParaRPr>
           </a:p>
@@ -5584,7 +5596,9 @@
           <a:lstStyle/>
           <a:p>
             <a:r>
-              <a:rPr lang="en-GB" dirty="0"/>
+              <a:rPr lang="en-GB" dirty="0">
+                <a:latin typeface="Century Gothic" panose="020B0502020202020204" pitchFamily="34" charset="0"/>
+              </a:rPr>
               <a:t>Announcements</a:t>
             </a:r>
           </a:p>
@@ -5662,7 +5676,7 @@
                 <a:solidFill>
                   <a:schemeClr val="bg1"/>
                 </a:solidFill>
-                <a:latin typeface="+mn-lt"/>
+                <a:latin typeface="Century Gothic" panose="020B0502020202020204" pitchFamily="34" charset="0"/>
                 <a:ea typeface="金梅新中楷全字體" panose="02010509060101010101" pitchFamily="49" charset="-120"/>
               </a:rPr>
               <a:t>請 關 您 的 手 提 電 話 </a:t>
@@ -5742,7 +5756,7 @@
                 <a:solidFill>
                   <a:schemeClr val="bg1"/>
                 </a:solidFill>
-                <a:latin typeface="+mn-lt"/>
+                <a:latin typeface="Century Gothic" panose="020B0502020202020204" pitchFamily="34" charset="0"/>
               </a:rPr>
               <a:t>PLEASE SWITCH OFF YOUR MOBILE PHONE</a:t>
             </a:r>
@@ -5750,7 +5764,7 @@
               <a:solidFill>
                 <a:schemeClr val="bg1"/>
               </a:solidFill>
-              <a:latin typeface="+mn-lt"/>
+              <a:latin typeface="Century Gothic" panose="020B0502020202020204" pitchFamily="34" charset="0"/>
             </a:endParaRPr>
           </a:p>
         </p:txBody>
@@ -5832,381 +5846,200 @@
       </p:grpSpPr>
       <p:sp>
         <p:nvSpPr>
-          <p:cNvPr id="7170" name="Title 1"/>
-          <p:cNvSpPr>
-            <a:spLocks noGrp="1"/>
-          </p:cNvSpPr>
-          <p:nvPr>
-            <p:ph type="title"/>
-          </p:nvPr>
-        </p:nvSpPr>
-        <p:spPr>
+          <p:cNvPr id="12" name="Text Box 12">
+            <a:extLst>
+              <a:ext uri="{FF2B5EF4-FFF2-40B4-BE49-F238E27FC236}">
+                <a16:creationId xmlns:a16="http://schemas.microsoft.com/office/drawing/2014/main" id="{591C97DC-F419-4C94-A84E-E8038EFB7F71}"/>
+              </a:ext>
+            </a:extLst>
+          </p:cNvPr>
+          <p:cNvSpPr txBox="1">
+            <a:spLocks noChangeArrowheads="1"/>
+          </p:cNvSpPr>
+          <p:nvPr/>
+        </p:nvSpPr>
+        <p:spPr bwMode="auto">
           <a:xfrm>
-            <a:off x="-4921224" y="274638"/>
-            <a:ext cx="8507412" cy="1498600"/>
-          </a:xfrm>
-        </p:spPr>
-        <p:txBody>
-          <a:bodyPr/>
-          <a:lstStyle/>
-          <a:p>
-            <a:r>
-              <a:rPr lang="en-GB" altLang="en-US" sz="2800" b="1" dirty="0">
-                <a:solidFill>
-                  <a:schemeClr val="bg1"/>
-                </a:solidFill>
-                <a:latin typeface="Book Antiqua" panose="02040602050305030304" pitchFamily="18" charset="0"/>
-              </a:rPr>
-              <a:t>How to Pray</a:t>
-            </a:r>
-            <a:endParaRPr lang="en-GB" altLang="en-US" sz="2800" b="1" dirty="0">
-              <a:solidFill>
-                <a:schemeClr val="bg1"/>
-              </a:solidFill>
-              <a:latin typeface="金梅新中楷全字體" pitchFamily="49" charset="-120"/>
-              <a:ea typeface="金梅新中楷全字體" pitchFamily="49" charset="-120"/>
-            </a:endParaRPr>
-          </a:p>
-        </p:txBody>
-      </p:sp>
-      <p:sp>
-        <p:nvSpPr>
-          <p:cNvPr id="7171" name="Content Placeholder 2"/>
-          <p:cNvSpPr>
-            <a:spLocks noGrp="1"/>
-          </p:cNvSpPr>
-          <p:nvPr>
-            <p:ph idx="1"/>
-          </p:nvPr>
-        </p:nvSpPr>
-        <p:spPr/>
-        <p:txBody>
-          <a:bodyPr/>
-          <a:lstStyle/>
-          <a:p>
-            <a:pPr marL="0" indent="0">
-              <a:buNone/>
-            </a:pPr>
-            <a:endParaRPr lang="en-GB" altLang="en-US" sz="800" b="1" dirty="0">
-              <a:solidFill>
-                <a:schemeClr val="bg1"/>
-              </a:solidFill>
-              <a:latin typeface="Book Antiqua" panose="02040602050305030304" pitchFamily="18" charset="0"/>
-            </a:endParaRPr>
-          </a:p>
-          <a:p>
-            <a:pPr marL="0" indent="0">
-              <a:buNone/>
-            </a:pPr>
-            <a:r>
-              <a:rPr lang="en-GB" altLang="en-US" sz="2600" b="1" dirty="0">
-                <a:solidFill>
-                  <a:schemeClr val="bg1"/>
-                </a:solidFill>
-                <a:latin typeface="Book Antiqua" panose="02040602050305030304" pitchFamily="18" charset="0"/>
-              </a:rPr>
-              <a:t>Begin : </a:t>
-            </a:r>
-            <a:r>
-              <a:rPr lang="en-GB" altLang="en-US" sz="2600" dirty="0">
-                <a:solidFill>
-                  <a:schemeClr val="bg1"/>
-                </a:solidFill>
-                <a:latin typeface="Book Antiqua" panose="02040602050305030304" pitchFamily="18" charset="0"/>
-              </a:rPr>
-              <a:t>Hallelujah in the name of Jesus Christ I pray</a:t>
-            </a:r>
-          </a:p>
-          <a:p>
-            <a:pPr marL="0" indent="0">
-              <a:buNone/>
-            </a:pPr>
-            <a:r>
-              <a:rPr lang="zh-TW" altLang="en-US" b="1" dirty="0">
-                <a:solidFill>
-                  <a:schemeClr val="bg1"/>
-                </a:solidFill>
-                <a:latin typeface="金梅新中楷全字體" pitchFamily="49" charset="-120"/>
-                <a:ea typeface="金梅新中楷全字體" pitchFamily="49" charset="-120"/>
-              </a:rPr>
-              <a:t>開始</a:t>
-            </a:r>
-            <a:r>
-              <a:rPr lang="en-GB" altLang="zh-TW" b="1" dirty="0">
-                <a:solidFill>
-                  <a:schemeClr val="bg1"/>
-                </a:solidFill>
-                <a:latin typeface="金梅新中楷全字體" pitchFamily="49" charset="-120"/>
-                <a:ea typeface="金梅新中楷全字體" pitchFamily="49" charset="-120"/>
-              </a:rPr>
-              <a:t> : </a:t>
-            </a:r>
-            <a:r>
-              <a:rPr lang="zh-TW" altLang="en-US" b="1" dirty="0">
-                <a:solidFill>
-                  <a:schemeClr val="bg1"/>
-                </a:solidFill>
-                <a:latin typeface="金梅新中楷全字體" pitchFamily="49" charset="-120"/>
-                <a:ea typeface="金梅新中楷全字體" pitchFamily="49" charset="-120"/>
-              </a:rPr>
-              <a:t>哈利路亞奉主耶穌聖名禱告</a:t>
-            </a:r>
-            <a:endParaRPr lang="en-GB" altLang="zh-TW" dirty="0">
-              <a:solidFill>
-                <a:schemeClr val="bg1"/>
-              </a:solidFill>
-              <a:latin typeface="金梅新中楷全字體" pitchFamily="49" charset="-120"/>
-              <a:ea typeface="金梅新中楷全字體" pitchFamily="49" charset="-120"/>
-            </a:endParaRPr>
-          </a:p>
-          <a:p>
-            <a:pPr marL="0" indent="0">
-              <a:buNone/>
-            </a:pPr>
-            <a:endParaRPr lang="en-GB" altLang="en-US" sz="800" b="1" dirty="0">
-              <a:solidFill>
-                <a:schemeClr val="bg1"/>
-              </a:solidFill>
-              <a:latin typeface="Book Antiqua" panose="02040602050305030304" pitchFamily="18" charset="0"/>
-            </a:endParaRPr>
-          </a:p>
-          <a:p>
-            <a:pPr marL="0" indent="0">
-              <a:buNone/>
-            </a:pPr>
-            <a:r>
-              <a:rPr lang="en-GB" altLang="en-US" sz="2600" b="1" dirty="0">
-                <a:solidFill>
-                  <a:schemeClr val="bg1"/>
-                </a:solidFill>
-                <a:latin typeface="Book Antiqua" panose="02040602050305030304" pitchFamily="18" charset="0"/>
-              </a:rPr>
-              <a:t>During :</a:t>
-            </a:r>
-            <a:r>
-              <a:rPr lang="en-GB" altLang="en-US" sz="2600" dirty="0">
-                <a:solidFill>
-                  <a:schemeClr val="bg1"/>
-                </a:solidFill>
-                <a:latin typeface="Book Antiqua" panose="02040602050305030304" pitchFamily="18" charset="0"/>
-              </a:rPr>
-              <a:t> Hallelujah praise the Lord Jesus</a:t>
-            </a:r>
-          </a:p>
-          <a:p>
-            <a:pPr marL="0" indent="0">
-              <a:buNone/>
-            </a:pPr>
-            <a:r>
-              <a:rPr lang="zh-TW" altLang="en-US" b="1" dirty="0">
-                <a:solidFill>
-                  <a:schemeClr val="bg1"/>
-                </a:solidFill>
-                <a:latin typeface="金梅新中楷全字體" pitchFamily="49" charset="-120"/>
-                <a:ea typeface="金梅新中楷全字體" pitchFamily="49" charset="-120"/>
-              </a:rPr>
-              <a:t>中間 </a:t>
-            </a:r>
-            <a:r>
-              <a:rPr lang="en-GB" altLang="zh-TW" b="1" dirty="0">
-                <a:solidFill>
-                  <a:schemeClr val="bg1"/>
-                </a:solidFill>
-                <a:latin typeface="金梅新中楷全字體" pitchFamily="49" charset="-120"/>
-                <a:ea typeface="金梅新中楷全字體" pitchFamily="49" charset="-120"/>
-              </a:rPr>
-              <a:t>: </a:t>
-            </a:r>
-            <a:r>
-              <a:rPr lang="zh-TW" altLang="en-US" b="1" dirty="0">
-                <a:solidFill>
-                  <a:schemeClr val="bg1"/>
-                </a:solidFill>
-                <a:latin typeface="金梅新中楷全字體" pitchFamily="49" charset="-120"/>
-                <a:ea typeface="金梅新中楷全字體" pitchFamily="49" charset="-120"/>
-              </a:rPr>
-              <a:t>哈利路亞讚美主耶穌</a:t>
-            </a:r>
-            <a:endParaRPr lang="en-GB" altLang="zh-TW" dirty="0">
-              <a:solidFill>
-                <a:schemeClr val="bg1"/>
-              </a:solidFill>
-              <a:latin typeface="金梅新中楷全字體" pitchFamily="49" charset="-120"/>
-              <a:ea typeface="金梅新中楷全字體" pitchFamily="49" charset="-120"/>
-            </a:endParaRPr>
-          </a:p>
-          <a:p>
-            <a:pPr marL="0" indent="0">
-              <a:buNone/>
-            </a:pPr>
-            <a:endParaRPr lang="en-GB" altLang="en-US" sz="800" b="1" dirty="0">
-              <a:solidFill>
-                <a:schemeClr val="bg1"/>
-              </a:solidFill>
-              <a:latin typeface="Book Antiqua" panose="02040602050305030304" pitchFamily="18" charset="0"/>
-            </a:endParaRPr>
-          </a:p>
-          <a:p>
-            <a:pPr marL="0" indent="0">
-              <a:buNone/>
-            </a:pPr>
-            <a:r>
-              <a:rPr lang="en-GB" altLang="en-US" sz="2600" b="1" dirty="0">
-                <a:solidFill>
-                  <a:schemeClr val="bg1"/>
-                </a:solidFill>
-                <a:latin typeface="Book Antiqua" panose="02040602050305030304" pitchFamily="18" charset="0"/>
-              </a:rPr>
-              <a:t>End : </a:t>
-            </a:r>
-            <a:r>
-              <a:rPr lang="en-GB" altLang="en-US" sz="2600" dirty="0">
-                <a:solidFill>
-                  <a:schemeClr val="bg1"/>
-                </a:solidFill>
-                <a:latin typeface="Book Antiqua" panose="02040602050305030304" pitchFamily="18" charset="0"/>
-              </a:rPr>
-              <a:t>Amen</a:t>
-            </a:r>
-          </a:p>
-          <a:p>
-            <a:pPr marL="0" indent="0">
-              <a:buNone/>
-            </a:pPr>
-            <a:r>
-              <a:rPr lang="zh-TW" altLang="en-US" b="1" dirty="0">
-                <a:solidFill>
-                  <a:schemeClr val="bg1"/>
-                </a:solidFill>
-                <a:latin typeface="金梅新中楷全字體" pitchFamily="49" charset="-120"/>
-                <a:ea typeface="金梅新中楷全字體" pitchFamily="49" charset="-120"/>
-              </a:rPr>
-              <a:t>結束 </a:t>
-            </a:r>
-            <a:r>
-              <a:rPr lang="en-GB" altLang="zh-TW" b="1" dirty="0">
-                <a:solidFill>
-                  <a:schemeClr val="bg1"/>
-                </a:solidFill>
-                <a:latin typeface="金梅新中楷全字體" pitchFamily="49" charset="-120"/>
-                <a:ea typeface="金梅新中楷全字體" pitchFamily="49" charset="-120"/>
-              </a:rPr>
-              <a:t>: </a:t>
-            </a:r>
-            <a:r>
-              <a:rPr lang="zh-TW" altLang="en-US" b="1" dirty="0">
-                <a:solidFill>
-                  <a:schemeClr val="bg1"/>
-                </a:solidFill>
-                <a:latin typeface="金梅新中楷全字體" pitchFamily="49" charset="-120"/>
-                <a:ea typeface="金梅新中楷全字體" pitchFamily="49" charset="-120"/>
-              </a:rPr>
-              <a:t>阿們</a:t>
-            </a:r>
-            <a:endParaRPr lang="en-GB" altLang="en-US" sz="2800" dirty="0">
-              <a:solidFill>
-                <a:schemeClr val="bg1"/>
-              </a:solidFill>
-              <a:latin typeface="Bookman Old Style" panose="02050604050505020204" pitchFamily="18" charset="0"/>
-            </a:endParaRPr>
-          </a:p>
-        </p:txBody>
-      </p:sp>
-      <p:sp>
-        <p:nvSpPr>
-          <p:cNvPr id="2" name="TextBox 1"/>
-          <p:cNvSpPr txBox="1"/>
-          <p:nvPr/>
-        </p:nvSpPr>
-        <p:spPr>
-          <a:xfrm>
-            <a:off x="839416" y="116632"/>
-            <a:ext cx="10260632" cy="1815882"/>
+            <a:off x="1524000" y="597314"/>
+            <a:ext cx="9144000" cy="6432086"/>
           </a:xfrm>
           <a:prstGeom prst="rect">
             <a:avLst/>
           </a:prstGeom>
           <a:noFill/>
+          <a:ln>
+            <a:noFill/>
+          </a:ln>
+          <a:effectLst/>
+          <a:extLst>
+            <a:ext uri="{909E8E84-426E-40DD-AFC4-6F175D3DCCD1}">
+              <a14:hiddenFill xmlns:a14="http://schemas.microsoft.com/office/drawing/2010/main">
+                <a:solidFill>
+                  <a:schemeClr val="accent1"/>
+                </a:solidFill>
+              </a14:hiddenFill>
+            </a:ext>
+            <a:ext uri="{91240B29-F687-4F45-9708-019B960494DF}">
+              <a14:hiddenLine xmlns:a14="http://schemas.microsoft.com/office/drawing/2010/main" w="9525">
+                <a:solidFill>
+                  <a:schemeClr val="tx1"/>
+                </a:solidFill>
+                <a:miter lim="800000"/>
+                <a:headEnd/>
+                <a:tailEnd/>
+              </a14:hiddenLine>
+            </a:ext>
+            <a:ext uri="{AF507438-7753-43E0-B8FC-AC1667EBCBE1}">
+              <a14:hiddenEffects xmlns:a14="http://schemas.microsoft.com/office/drawing/2010/main">
+                <a:effectLst>
+                  <a:outerShdw dist="35921" dir="2700000" algn="ctr" rotWithShape="0">
+                    <a:schemeClr val="bg2"/>
+                  </a:outerShdw>
+                </a:effectLst>
+              </a14:hiddenEffects>
+            </a:ext>
+          </a:extLst>
         </p:spPr>
         <p:txBody>
-          <a:bodyPr wrap="square" rtlCol="0">
-            <a:spAutoFit/>
+          <a:bodyPr wrap="square">
+            <a:noAutofit/>
           </a:bodyPr>
           <a:lstStyle/>
           <a:p>
             <a:pPr algn="ctr"/>
-            <a:r>
-              <a:rPr lang="en-GB" altLang="en-US" sz="2800" b="1" dirty="0">
-                <a:solidFill>
-                  <a:schemeClr val="bg1"/>
-                </a:solidFill>
-                <a:latin typeface="Book Antiqua" panose="02040602050305030304" pitchFamily="18" charset="0"/>
-              </a:rPr>
-              <a:t>Welcome To True Jesus Church </a:t>
-            </a:r>
-            <a:br>
-              <a:rPr lang="en-GB" altLang="en-US" sz="2800" b="1" dirty="0">
-                <a:solidFill>
-                  <a:schemeClr val="bg1"/>
-                </a:solidFill>
-                <a:latin typeface="Book Antiqua" panose="02040602050305030304" pitchFamily="18" charset="0"/>
-              </a:rPr>
-            </a:br>
-            <a:r>
-              <a:rPr lang="en-GB" altLang="en-US" sz="2800" b="1" dirty="0">
-                <a:solidFill>
-                  <a:schemeClr val="bg1"/>
-                </a:solidFill>
-                <a:latin typeface="Book Antiqua" panose="02040602050305030304" pitchFamily="18" charset="0"/>
-              </a:rPr>
-              <a:t>Please Join Us In Prayer </a:t>
-            </a:r>
-            <a:br>
-              <a:rPr lang="en-GB" altLang="en-US" sz="2800" b="1" dirty="0">
-                <a:solidFill>
-                  <a:schemeClr val="bg1"/>
-                </a:solidFill>
-              </a:rPr>
-            </a:br>
-            <a:r>
-              <a:rPr lang="zh-TW" altLang="en-US" sz="2800" b="1" dirty="0">
-                <a:solidFill>
-                  <a:schemeClr val="bg1"/>
-                </a:solidFill>
-                <a:latin typeface="金梅新中楷全字體" pitchFamily="49" charset="-120"/>
-                <a:ea typeface="金梅新中楷全字體" pitchFamily="49" charset="-120"/>
-              </a:rPr>
-              <a:t>歡迎光臨真耶穌教會，請跟我們一起禱告</a:t>
-            </a:r>
-            <a:br>
-              <a:rPr lang="en-GB" altLang="zh-TW" sz="2800" b="1" dirty="0">
-                <a:solidFill>
-                  <a:schemeClr val="bg1"/>
-                </a:solidFill>
-                <a:latin typeface="金梅新中楷全字體" pitchFamily="49" charset="-120"/>
-                <a:ea typeface="金梅新中楷全字體" pitchFamily="49" charset="-120"/>
-              </a:rPr>
-            </a:br>
-            <a:r>
-              <a:rPr lang="en-GB" altLang="zh-TW" sz="2800" b="1" dirty="0">
-                <a:solidFill>
-                  <a:schemeClr val="bg1"/>
-                </a:solidFill>
-                <a:latin typeface="金梅新中楷全字體" pitchFamily="49" charset="-120"/>
-                <a:ea typeface="金梅新中楷全字體" pitchFamily="49" charset="-120"/>
-              </a:rPr>
-              <a:t>----------------------------------------------</a:t>
-            </a:r>
-            <a:endParaRPr lang="en-GB" sz="2800" dirty="0"/>
-          </a:p>
-        </p:txBody>
-      </p:sp>
-      <p:sp>
-        <p:nvSpPr>
-          <p:cNvPr id="8" name="Text Box 11">
+            <a:endParaRPr lang="en-GB" altLang="zh-TW" sz="2400" b="1" dirty="0">
+              <a:solidFill>
+                <a:schemeClr val="bg1"/>
+              </a:solidFill>
+              <a:latin typeface="Century Gothic" panose="020B0502020202020204" pitchFamily="34" charset="0"/>
+              <a:ea typeface="金梅新中楷全字體" panose="02010509060101010101" pitchFamily="49" charset="-120"/>
+            </a:endParaRPr>
+          </a:p>
+        </p:txBody>
+      </p:sp>
+      <p:sp>
+        <p:nvSpPr>
+          <p:cNvPr id="13" name="Text Box 12">
             <a:extLst>
               <a:ext uri="{FF2B5EF4-FFF2-40B4-BE49-F238E27FC236}">
-                <a16:creationId xmlns:a16="http://schemas.microsoft.com/office/drawing/2014/main" id="{95CA427C-F5C8-4A7C-B9BD-B79C02C03968}"/>
+                <a16:creationId xmlns:a16="http://schemas.microsoft.com/office/drawing/2014/main" id="{977E556A-8801-4241-B610-C5D48A41FAF4}"/>
+              </a:ext>
+            </a:extLst>
+          </p:cNvPr>
+          <p:cNvSpPr txBox="1">
+            <a:spLocks noChangeArrowheads="1"/>
+          </p:cNvSpPr>
+          <p:nvPr/>
+        </p:nvSpPr>
+        <p:spPr bwMode="auto">
+          <a:xfrm>
+            <a:off x="2615493" y="165266"/>
+            <a:ext cx="6961014" cy="432048"/>
+          </a:xfrm>
+          <a:prstGeom prst="rect">
+            <a:avLst/>
+          </a:prstGeom>
+          <a:noFill/>
+          <a:ln>
+            <a:noFill/>
+          </a:ln>
+          <a:effectLst/>
+          <a:extLst>
+            <a:ext uri="{909E8E84-426E-40DD-AFC4-6F175D3DCCD1}">
+              <a14:hiddenFill xmlns:a14="http://schemas.microsoft.com/office/drawing/2010/main">
+                <a:solidFill>
+                  <a:schemeClr val="accent1"/>
+                </a:solidFill>
+              </a14:hiddenFill>
+            </a:ext>
+            <a:ext uri="{91240B29-F687-4F45-9708-019B960494DF}">
+              <a14:hiddenLine xmlns:a14="http://schemas.microsoft.com/office/drawing/2010/main" w="9525">
+                <a:solidFill>
+                  <a:schemeClr val="tx1"/>
+                </a:solidFill>
+                <a:miter lim="800000"/>
+                <a:headEnd/>
+                <a:tailEnd/>
+              </a14:hiddenLine>
+            </a:ext>
+            <a:ext uri="{AF507438-7753-43E0-B8FC-AC1667EBCBE1}">
+              <a14:hiddenEffects xmlns:a14="http://schemas.microsoft.com/office/drawing/2010/main">
+                <a:effectLst>
+                  <a:outerShdw dist="35921" dir="2700000" algn="ctr" rotWithShape="0">
+                    <a:schemeClr val="bg2"/>
+                  </a:outerShdw>
+                </a:effectLst>
+              </a14:hiddenEffects>
+            </a:ext>
+          </a:extLst>
+        </p:spPr>
+        <p:txBody>
+          <a:bodyPr wrap="square">
+            <a:noAutofit/>
+          </a:bodyPr>
+          <a:lstStyle/>
+          <a:p>
+            <a:pPr algn="ctr"/>
+            <a:r>
+              <a:rPr lang="en-GB" altLang="en-US" sz="3200" b="1" u="sng" dirty="0">
+                <a:solidFill>
+                  <a:schemeClr val="bg1"/>
+                </a:solidFill>
+                <a:latin typeface="Century Gothic" panose="020B0502020202020204" pitchFamily="34" charset="0"/>
+              </a:rPr>
+              <a:t>Holy Communion</a:t>
+            </a:r>
+            <a:endParaRPr lang="en-GB" altLang="zh-TW" sz="3200" b="1" u="sng" dirty="0">
+              <a:solidFill>
+                <a:schemeClr val="bg1"/>
+              </a:solidFill>
+              <a:latin typeface="Century Gothic" panose="020B0502020202020204" pitchFamily="34" charset="0"/>
+              <a:ea typeface="金梅新中楷全字體" panose="02010509060101010101" pitchFamily="49" charset="-120"/>
+            </a:endParaRPr>
+          </a:p>
+        </p:txBody>
+      </p:sp>
+      <p:sp>
+        <p:nvSpPr>
+          <p:cNvPr id="14" name="Title 1">
+            <a:extLst>
+              <a:ext uri="{FF2B5EF4-FFF2-40B4-BE49-F238E27FC236}">
+                <a16:creationId xmlns:a16="http://schemas.microsoft.com/office/drawing/2014/main" id="{24CDB64D-DDA9-4535-BAD4-A67954A30EFA}"/>
+              </a:ext>
+            </a:extLst>
+          </p:cNvPr>
+          <p:cNvSpPr>
+            <a:spLocks noGrp="1"/>
+          </p:cNvSpPr>
+          <p:nvPr>
+            <p:ph type="title"/>
+          </p:nvPr>
+        </p:nvSpPr>
+        <p:spPr>
+          <a:xfrm>
+            <a:off x="-8677472" y="1772816"/>
+            <a:ext cx="8229600" cy="1143000"/>
+          </a:xfrm>
+        </p:spPr>
+        <p:txBody>
+          <a:bodyPr/>
+          <a:lstStyle/>
+          <a:p>
+            <a:r>
+              <a:rPr lang="en-GB" dirty="0">
+                <a:latin typeface="Century Gothic" panose="020B0502020202020204" pitchFamily="34" charset="0"/>
+              </a:rPr>
+              <a:t>Holy Communion</a:t>
+            </a:r>
+          </a:p>
+        </p:txBody>
+      </p:sp>
+      <p:sp>
+        <p:nvSpPr>
+          <p:cNvPr id="15" name="Text Box 11">
+            <a:extLst>
+              <a:ext uri="{FF2B5EF4-FFF2-40B4-BE49-F238E27FC236}">
+                <a16:creationId xmlns:a16="http://schemas.microsoft.com/office/drawing/2014/main" id="{477ACD59-8BFC-4C4F-A03C-2734A0DDEA0E}"/>
               </a:ext>
             </a:extLst>
           </p:cNvPr>
@@ -6273,7 +6106,7 @@
                 <a:solidFill>
                   <a:schemeClr val="bg1"/>
                 </a:solidFill>
-                <a:latin typeface="+mn-lt"/>
+                <a:latin typeface="Century Gothic" panose="020B0502020202020204" pitchFamily="34" charset="0"/>
                 <a:ea typeface="金梅新中楷全字體" panose="02010509060101010101" pitchFamily="49" charset="-120"/>
               </a:rPr>
               <a:t>請 關 您 的 手 提 電 話 </a:t>
@@ -6283,10 +6116,10 @@
       </p:sp>
       <p:sp>
         <p:nvSpPr>
-          <p:cNvPr id="9" name="Text Box 12">
+          <p:cNvPr id="16" name="Text Box 12">
             <a:extLst>
               <a:ext uri="{FF2B5EF4-FFF2-40B4-BE49-F238E27FC236}">
-                <a16:creationId xmlns:a16="http://schemas.microsoft.com/office/drawing/2014/main" id="{B2DE150A-3568-4054-96DD-D8330B5C6053}"/>
+                <a16:creationId xmlns:a16="http://schemas.microsoft.com/office/drawing/2014/main" id="{B3226B90-A60E-4858-9843-992A1A218231}"/>
               </a:ext>
             </a:extLst>
           </p:cNvPr>
@@ -6353,7 +6186,7 @@
                 <a:solidFill>
                   <a:schemeClr val="bg1"/>
                 </a:solidFill>
-                <a:latin typeface="+mn-lt"/>
+                <a:latin typeface="Century Gothic" panose="020B0502020202020204" pitchFamily="34" charset="0"/>
               </a:rPr>
               <a:t>PLEASE SWITCH OFF YOUR MOBILE PHONE</a:t>
             </a:r>
@@ -6361,7 +6194,621 @@
               <a:solidFill>
                 <a:schemeClr val="bg1"/>
               </a:solidFill>
-              <a:latin typeface="+mn-lt"/>
+              <a:latin typeface="Century Gothic" panose="020B0502020202020204" pitchFamily="34" charset="0"/>
+            </a:endParaRPr>
+          </a:p>
+        </p:txBody>
+      </p:sp>
+      <p:pic>
+        <p:nvPicPr>
+          <p:cNvPr id="17" name="Picture 2" descr="Custom No Mobile Phones Sign | The Sign Shed">
+            <a:extLst>
+              <a:ext uri="{FF2B5EF4-FFF2-40B4-BE49-F238E27FC236}">
+                <a16:creationId xmlns:a16="http://schemas.microsoft.com/office/drawing/2014/main" id="{118396B3-35BF-481E-B54E-C6514DEC0556}"/>
+              </a:ext>
+            </a:extLst>
+          </p:cNvPr>
+          <p:cNvPicPr>
+            <a:picLocks noChangeAspect="1" noChangeArrowheads="1"/>
+          </p:cNvPicPr>
+          <p:nvPr/>
+        </p:nvPicPr>
+        <p:blipFill rotWithShape="1">
+          <a:blip r:embed="rId2" cstate="print">
+            <a:extLst>
+              <a:ext uri="{28A0092B-C50C-407E-A947-70E740481C1C}">
+                <a14:useLocalDpi xmlns:a14="http://schemas.microsoft.com/office/drawing/2010/main" val="0"/>
+              </a:ext>
+            </a:extLst>
+          </a:blip>
+          <a:srcRect l="3327" t="11250" r="71169" b="12911"/>
+          <a:stretch/>
+        </p:blipFill>
+        <p:spPr bwMode="auto">
+          <a:xfrm>
+            <a:off x="335360" y="6202015"/>
+            <a:ext cx="432048" cy="432048"/>
+          </a:xfrm>
+          <a:prstGeom prst="rect">
+            <a:avLst/>
+          </a:prstGeom>
+          <a:noFill/>
+          <a:extLst>
+            <a:ext uri="{909E8E84-426E-40DD-AFC4-6F175D3DCCD1}">
+              <a14:hiddenFill xmlns:a14="http://schemas.microsoft.com/office/drawing/2010/main">
+                <a:solidFill>
+                  <a:srgbClr val="FFFFFF"/>
+                </a:solidFill>
+              </a14:hiddenFill>
+            </a:ext>
+          </a:extLst>
+        </p:spPr>
+      </p:pic>
+    </p:spTree>
+    <p:extLst>
+      <p:ext uri="{BB962C8B-B14F-4D97-AF65-F5344CB8AC3E}">
+        <p14:creationId xmlns:p14="http://schemas.microsoft.com/office/powerpoint/2010/main" val="1339517695"/>
+      </p:ext>
+    </p:extLst>
+  </p:cSld>
+  <p:clrMapOvr>
+    <a:masterClrMapping/>
+  </p:clrMapOvr>
+</p:sld>
+</file>
+
+<file path=ppt/slides/slide5.xml><?xml version="1.0" encoding="utf-8"?>
+<p:sld xmlns:a="http://schemas.openxmlformats.org/drawingml/2006/main" xmlns:r="http://schemas.openxmlformats.org/officeDocument/2006/relationships" xmlns:p="http://schemas.openxmlformats.org/presentationml/2006/main">
+  <p:cSld>
+    <p:spTree>
+      <p:nvGrpSpPr>
+        <p:cNvPr id="1" name=""/>
+        <p:cNvGrpSpPr/>
+        <p:nvPr/>
+      </p:nvGrpSpPr>
+      <p:grpSpPr>
+        <a:xfrm>
+          <a:off x="0" y="0"/>
+          <a:ext cx="0" cy="0"/>
+          <a:chOff x="0" y="0"/>
+          <a:chExt cx="0" cy="0"/>
+        </a:xfrm>
+      </p:grpSpPr>
+      <p:sp>
+        <p:nvSpPr>
+          <p:cNvPr id="7170" name="Title 1"/>
+          <p:cNvSpPr>
+            <a:spLocks noGrp="1"/>
+          </p:cNvSpPr>
+          <p:nvPr>
+            <p:ph type="title"/>
+          </p:nvPr>
+        </p:nvSpPr>
+        <p:spPr>
+          <a:xfrm>
+            <a:off x="-4921224" y="274638"/>
+            <a:ext cx="8507412" cy="1498600"/>
+          </a:xfrm>
+        </p:spPr>
+        <p:txBody>
+          <a:bodyPr/>
+          <a:lstStyle/>
+          <a:p>
+            <a:r>
+              <a:rPr lang="en-GB" altLang="en-US" sz="2800" b="1" dirty="0">
+                <a:solidFill>
+                  <a:schemeClr val="bg1"/>
+                </a:solidFill>
+                <a:latin typeface="Century Gothic" panose="020B0502020202020204" pitchFamily="34" charset="0"/>
+              </a:rPr>
+              <a:t>How to Pray</a:t>
+            </a:r>
+            <a:endParaRPr lang="en-GB" altLang="en-US" sz="2800" b="1" dirty="0">
+              <a:solidFill>
+                <a:schemeClr val="bg1"/>
+              </a:solidFill>
+              <a:latin typeface="Century Gothic" panose="020B0502020202020204" pitchFamily="34" charset="0"/>
+              <a:ea typeface="金梅新中楷全字體" pitchFamily="49" charset="-120"/>
+            </a:endParaRPr>
+          </a:p>
+        </p:txBody>
+      </p:sp>
+      <p:sp>
+        <p:nvSpPr>
+          <p:cNvPr id="7171" name="Content Placeholder 2"/>
+          <p:cNvSpPr>
+            <a:spLocks noGrp="1"/>
+          </p:cNvSpPr>
+          <p:nvPr>
+            <p:ph idx="1"/>
+          </p:nvPr>
+        </p:nvSpPr>
+        <p:spPr/>
+        <p:txBody>
+          <a:bodyPr/>
+          <a:lstStyle/>
+          <a:p>
+            <a:pPr marL="0" indent="0">
+              <a:buNone/>
+            </a:pPr>
+            <a:endParaRPr lang="en-GB" altLang="en-US" sz="800" b="1" dirty="0">
+              <a:solidFill>
+                <a:schemeClr val="bg1"/>
+              </a:solidFill>
+              <a:latin typeface="Century Gothic" panose="020B0502020202020204" pitchFamily="34" charset="0"/>
+            </a:endParaRPr>
+          </a:p>
+          <a:p>
+            <a:pPr marL="0" indent="0">
+              <a:buNone/>
+            </a:pPr>
+            <a:r>
+              <a:rPr lang="en-GB" altLang="en-US" sz="2600" b="1" dirty="0">
+                <a:solidFill>
+                  <a:schemeClr val="bg1"/>
+                </a:solidFill>
+                <a:latin typeface="Century Gothic" panose="020B0502020202020204" pitchFamily="34" charset="0"/>
+              </a:rPr>
+              <a:t>Begin : </a:t>
+            </a:r>
+            <a:r>
+              <a:rPr lang="en-GB" altLang="en-US" sz="2600" dirty="0">
+                <a:solidFill>
+                  <a:schemeClr val="bg1"/>
+                </a:solidFill>
+                <a:latin typeface="Century Gothic" panose="020B0502020202020204" pitchFamily="34" charset="0"/>
+              </a:rPr>
+              <a:t>Hallelujah in the name of Jesus Christ I pray</a:t>
+            </a:r>
+          </a:p>
+          <a:p>
+            <a:pPr marL="0" indent="0">
+              <a:buNone/>
+            </a:pPr>
+            <a:r>
+              <a:rPr lang="zh-TW" altLang="en-US" b="1" dirty="0">
+                <a:solidFill>
+                  <a:schemeClr val="bg1"/>
+                </a:solidFill>
+                <a:latin typeface="Century Gothic" panose="020B0502020202020204" pitchFamily="34" charset="0"/>
+                <a:ea typeface="金梅新中楷全字體" pitchFamily="49" charset="-120"/>
+              </a:rPr>
+              <a:t>開始</a:t>
+            </a:r>
+            <a:r>
+              <a:rPr lang="en-GB" altLang="zh-TW" b="1" dirty="0">
+                <a:solidFill>
+                  <a:schemeClr val="bg1"/>
+                </a:solidFill>
+                <a:latin typeface="Century Gothic" panose="020B0502020202020204" pitchFamily="34" charset="0"/>
+                <a:ea typeface="金梅新中楷全字體" pitchFamily="49" charset="-120"/>
+              </a:rPr>
+              <a:t> : </a:t>
+            </a:r>
+            <a:r>
+              <a:rPr lang="zh-TW" altLang="en-US" b="1" dirty="0">
+                <a:solidFill>
+                  <a:schemeClr val="bg1"/>
+                </a:solidFill>
+                <a:latin typeface="Century Gothic" panose="020B0502020202020204" pitchFamily="34" charset="0"/>
+                <a:ea typeface="金梅新中楷全字體" pitchFamily="49" charset="-120"/>
+              </a:rPr>
+              <a:t>哈利路亞奉主耶穌聖名禱告</a:t>
+            </a:r>
+            <a:endParaRPr lang="en-GB" altLang="zh-TW" dirty="0">
+              <a:solidFill>
+                <a:schemeClr val="bg1"/>
+              </a:solidFill>
+              <a:latin typeface="Century Gothic" panose="020B0502020202020204" pitchFamily="34" charset="0"/>
+              <a:ea typeface="金梅新中楷全字體" pitchFamily="49" charset="-120"/>
+            </a:endParaRPr>
+          </a:p>
+          <a:p>
+            <a:pPr marL="0" indent="0">
+              <a:buNone/>
+            </a:pPr>
+            <a:endParaRPr lang="en-GB" altLang="en-US" sz="800" b="1" dirty="0">
+              <a:solidFill>
+                <a:schemeClr val="bg1"/>
+              </a:solidFill>
+              <a:latin typeface="Century Gothic" panose="020B0502020202020204" pitchFamily="34" charset="0"/>
+            </a:endParaRPr>
+          </a:p>
+          <a:p>
+            <a:pPr marL="0" indent="0">
+              <a:buNone/>
+            </a:pPr>
+            <a:r>
+              <a:rPr lang="en-GB" altLang="en-US" sz="2600" b="1" dirty="0">
+                <a:solidFill>
+                  <a:schemeClr val="bg1"/>
+                </a:solidFill>
+                <a:latin typeface="Century Gothic" panose="020B0502020202020204" pitchFamily="34" charset="0"/>
+              </a:rPr>
+              <a:t>During :</a:t>
+            </a:r>
+            <a:r>
+              <a:rPr lang="en-GB" altLang="en-US" sz="2600" dirty="0">
+                <a:solidFill>
+                  <a:schemeClr val="bg1"/>
+                </a:solidFill>
+                <a:latin typeface="Century Gothic" panose="020B0502020202020204" pitchFamily="34" charset="0"/>
+              </a:rPr>
+              <a:t> Hallelujah praise the Lord Jesus</a:t>
+            </a:r>
+          </a:p>
+          <a:p>
+            <a:pPr marL="0" indent="0">
+              <a:buNone/>
+            </a:pPr>
+            <a:r>
+              <a:rPr lang="zh-TW" altLang="en-US" b="1" dirty="0">
+                <a:solidFill>
+                  <a:schemeClr val="bg1"/>
+                </a:solidFill>
+                <a:latin typeface="Century Gothic" panose="020B0502020202020204" pitchFamily="34" charset="0"/>
+                <a:ea typeface="金梅新中楷全字體" pitchFamily="49" charset="-120"/>
+              </a:rPr>
+              <a:t>中間 </a:t>
+            </a:r>
+            <a:r>
+              <a:rPr lang="en-GB" altLang="zh-TW" b="1" dirty="0">
+                <a:solidFill>
+                  <a:schemeClr val="bg1"/>
+                </a:solidFill>
+                <a:latin typeface="Century Gothic" panose="020B0502020202020204" pitchFamily="34" charset="0"/>
+                <a:ea typeface="金梅新中楷全字體" pitchFamily="49" charset="-120"/>
+              </a:rPr>
+              <a:t>: </a:t>
+            </a:r>
+            <a:r>
+              <a:rPr lang="zh-TW" altLang="en-US" b="1" dirty="0">
+                <a:solidFill>
+                  <a:schemeClr val="bg1"/>
+                </a:solidFill>
+                <a:latin typeface="Century Gothic" panose="020B0502020202020204" pitchFamily="34" charset="0"/>
+                <a:ea typeface="金梅新中楷全字體" pitchFamily="49" charset="-120"/>
+              </a:rPr>
+              <a:t>哈利路亞讚美主耶穌</a:t>
+            </a:r>
+            <a:endParaRPr lang="en-GB" altLang="zh-TW" dirty="0">
+              <a:solidFill>
+                <a:schemeClr val="bg1"/>
+              </a:solidFill>
+              <a:latin typeface="Century Gothic" panose="020B0502020202020204" pitchFamily="34" charset="0"/>
+              <a:ea typeface="金梅新中楷全字體" pitchFamily="49" charset="-120"/>
+            </a:endParaRPr>
+          </a:p>
+          <a:p>
+            <a:pPr marL="0" indent="0">
+              <a:buNone/>
+            </a:pPr>
+            <a:endParaRPr lang="en-GB" altLang="en-US" sz="800" b="1" dirty="0">
+              <a:solidFill>
+                <a:schemeClr val="bg1"/>
+              </a:solidFill>
+              <a:latin typeface="Century Gothic" panose="020B0502020202020204" pitchFamily="34" charset="0"/>
+            </a:endParaRPr>
+          </a:p>
+          <a:p>
+            <a:pPr marL="0" indent="0">
+              <a:buNone/>
+            </a:pPr>
+            <a:r>
+              <a:rPr lang="en-GB" altLang="en-US" sz="2600" b="1" dirty="0">
+                <a:solidFill>
+                  <a:schemeClr val="bg1"/>
+                </a:solidFill>
+                <a:latin typeface="Century Gothic" panose="020B0502020202020204" pitchFamily="34" charset="0"/>
+              </a:rPr>
+              <a:t>End : </a:t>
+            </a:r>
+            <a:r>
+              <a:rPr lang="en-GB" altLang="en-US" sz="2600" dirty="0">
+                <a:solidFill>
+                  <a:schemeClr val="bg1"/>
+                </a:solidFill>
+                <a:latin typeface="Century Gothic" panose="020B0502020202020204" pitchFamily="34" charset="0"/>
+              </a:rPr>
+              <a:t>Amen</a:t>
+            </a:r>
+          </a:p>
+          <a:p>
+            <a:pPr marL="0" indent="0">
+              <a:buNone/>
+            </a:pPr>
+            <a:r>
+              <a:rPr lang="zh-TW" altLang="en-US" b="1" dirty="0">
+                <a:solidFill>
+                  <a:schemeClr val="bg1"/>
+                </a:solidFill>
+                <a:latin typeface="Century Gothic" panose="020B0502020202020204" pitchFamily="34" charset="0"/>
+                <a:ea typeface="金梅新中楷全字體" pitchFamily="49" charset="-120"/>
+              </a:rPr>
+              <a:t>結束 </a:t>
+            </a:r>
+            <a:r>
+              <a:rPr lang="en-GB" altLang="zh-TW" b="1" dirty="0">
+                <a:solidFill>
+                  <a:schemeClr val="bg1"/>
+                </a:solidFill>
+                <a:latin typeface="Century Gothic" panose="020B0502020202020204" pitchFamily="34" charset="0"/>
+                <a:ea typeface="金梅新中楷全字體" pitchFamily="49" charset="-120"/>
+              </a:rPr>
+              <a:t>: </a:t>
+            </a:r>
+            <a:r>
+              <a:rPr lang="zh-TW" altLang="en-US" b="1" dirty="0">
+                <a:solidFill>
+                  <a:schemeClr val="bg1"/>
+                </a:solidFill>
+                <a:latin typeface="Century Gothic" panose="020B0502020202020204" pitchFamily="34" charset="0"/>
+                <a:ea typeface="金梅新中楷全字體" pitchFamily="49" charset="-120"/>
+              </a:rPr>
+              <a:t>阿們</a:t>
+            </a:r>
+            <a:endParaRPr lang="en-GB" altLang="en-US" sz="2800" dirty="0">
+              <a:solidFill>
+                <a:schemeClr val="bg1"/>
+              </a:solidFill>
+              <a:latin typeface="Century Gothic" panose="020B0502020202020204" pitchFamily="34" charset="0"/>
+            </a:endParaRPr>
+          </a:p>
+        </p:txBody>
+      </p:sp>
+      <p:sp>
+        <p:nvSpPr>
+          <p:cNvPr id="2" name="TextBox 1"/>
+          <p:cNvSpPr txBox="1"/>
+          <p:nvPr/>
+        </p:nvSpPr>
+        <p:spPr>
+          <a:xfrm>
+            <a:off x="839416" y="116632"/>
+            <a:ext cx="10260632" cy="1815882"/>
+          </a:xfrm>
+          <a:prstGeom prst="rect">
+            <a:avLst/>
+          </a:prstGeom>
+          <a:noFill/>
+        </p:spPr>
+        <p:txBody>
+          <a:bodyPr wrap="square" rtlCol="0">
+            <a:spAutoFit/>
+          </a:bodyPr>
+          <a:lstStyle/>
+          <a:p>
+            <a:pPr algn="ctr"/>
+            <a:r>
+              <a:rPr lang="en-GB" altLang="en-US" sz="2800" b="1" dirty="0">
+                <a:solidFill>
+                  <a:schemeClr val="bg1"/>
+                </a:solidFill>
+                <a:latin typeface="Century Gothic" panose="020B0502020202020204" pitchFamily="34" charset="0"/>
+              </a:rPr>
+              <a:t>Welcome To True Jesus Church </a:t>
+            </a:r>
+            <a:br>
+              <a:rPr lang="en-GB" altLang="en-US" sz="2800" b="1" dirty="0">
+                <a:solidFill>
+                  <a:schemeClr val="bg1"/>
+                </a:solidFill>
+                <a:latin typeface="Century Gothic" panose="020B0502020202020204" pitchFamily="34" charset="0"/>
+              </a:rPr>
+            </a:br>
+            <a:r>
+              <a:rPr lang="en-GB" altLang="en-US" sz="2800" b="1" dirty="0">
+                <a:solidFill>
+                  <a:schemeClr val="bg1"/>
+                </a:solidFill>
+                <a:latin typeface="Century Gothic" panose="020B0502020202020204" pitchFamily="34" charset="0"/>
+              </a:rPr>
+              <a:t>Please Join Us In Prayer </a:t>
+            </a:r>
+            <a:br>
+              <a:rPr lang="en-GB" altLang="en-US" sz="2800" b="1" dirty="0">
+                <a:solidFill>
+                  <a:schemeClr val="bg1"/>
+                </a:solidFill>
+                <a:latin typeface="Century Gothic" panose="020B0502020202020204" pitchFamily="34" charset="0"/>
+              </a:rPr>
+            </a:br>
+            <a:r>
+              <a:rPr lang="zh-TW" altLang="en-US" sz="2800" b="1" dirty="0">
+                <a:solidFill>
+                  <a:schemeClr val="bg1"/>
+                </a:solidFill>
+                <a:latin typeface="Century Gothic" panose="020B0502020202020204" pitchFamily="34" charset="0"/>
+                <a:ea typeface="金梅新中楷全字體" pitchFamily="49" charset="-120"/>
+              </a:rPr>
+              <a:t>歡迎光臨真耶穌教會，請跟我們一起禱告</a:t>
+            </a:r>
+            <a:br>
+              <a:rPr lang="en-GB" altLang="zh-TW" sz="2800" b="1" dirty="0">
+                <a:solidFill>
+                  <a:schemeClr val="bg1"/>
+                </a:solidFill>
+                <a:latin typeface="Century Gothic" panose="020B0502020202020204" pitchFamily="34" charset="0"/>
+                <a:ea typeface="金梅新中楷全字體" pitchFamily="49" charset="-120"/>
+              </a:rPr>
+            </a:br>
+            <a:r>
+              <a:rPr lang="en-GB" altLang="zh-TW" sz="2800" b="1" dirty="0">
+                <a:solidFill>
+                  <a:schemeClr val="bg1"/>
+                </a:solidFill>
+                <a:latin typeface="Century Gothic" panose="020B0502020202020204" pitchFamily="34" charset="0"/>
+                <a:ea typeface="金梅新中楷全字體" pitchFamily="49" charset="-120"/>
+              </a:rPr>
+              <a:t>----------------------------------------------</a:t>
+            </a:r>
+            <a:endParaRPr lang="en-GB" sz="2800" dirty="0">
+              <a:latin typeface="Century Gothic" panose="020B0502020202020204" pitchFamily="34" charset="0"/>
+            </a:endParaRPr>
+          </a:p>
+        </p:txBody>
+      </p:sp>
+      <p:sp>
+        <p:nvSpPr>
+          <p:cNvPr id="8" name="Text Box 11">
+            <a:extLst>
+              <a:ext uri="{FF2B5EF4-FFF2-40B4-BE49-F238E27FC236}">
+                <a16:creationId xmlns:a16="http://schemas.microsoft.com/office/drawing/2014/main" id="{95CA427C-F5C8-4A7C-B9BD-B79C02C03968}"/>
+              </a:ext>
+            </a:extLst>
+          </p:cNvPr>
+          <p:cNvSpPr txBox="1">
+            <a:spLocks noChangeArrowheads="1"/>
+          </p:cNvSpPr>
+          <p:nvPr/>
+        </p:nvSpPr>
+        <p:spPr bwMode="auto">
+          <a:xfrm>
+            <a:off x="767482" y="6165304"/>
+            <a:ext cx="2736156" cy="338554"/>
+          </a:xfrm>
+          <a:prstGeom prst="rect">
+            <a:avLst/>
+          </a:prstGeom>
+          <a:noFill/>
+          <a:ln>
+            <a:noFill/>
+          </a:ln>
+          <a:effectLst/>
+          <a:extLst>
+            <a:ext uri="{909E8E84-426E-40DD-AFC4-6F175D3DCCD1}">
+              <a14:hiddenFill xmlns:a14="http://schemas.microsoft.com/office/drawing/2010/main">
+                <a:solidFill>
+                  <a:schemeClr val="accent1"/>
+                </a:solidFill>
+              </a14:hiddenFill>
+            </a:ext>
+            <a:ext uri="{91240B29-F687-4F45-9708-019B960494DF}">
+              <a14:hiddenLine xmlns:a14="http://schemas.microsoft.com/office/drawing/2010/main" w="9525">
+                <a:solidFill>
+                  <a:schemeClr val="tx1"/>
+                </a:solidFill>
+                <a:miter lim="800000"/>
+                <a:headEnd/>
+                <a:tailEnd/>
+              </a14:hiddenLine>
+            </a:ext>
+            <a:ext uri="{AF507438-7753-43E0-B8FC-AC1667EBCBE1}">
+              <a14:hiddenEffects xmlns:a14="http://schemas.microsoft.com/office/drawing/2010/main">
+                <a:effectLst>
+                  <a:outerShdw dist="35921" dir="2700000" algn="ctr" rotWithShape="0">
+                    <a:schemeClr val="bg2"/>
+                  </a:outerShdw>
+                </a:effectLst>
+              </a14:hiddenEffects>
+            </a:ext>
+          </a:extLst>
+        </p:spPr>
+        <p:txBody>
+          <a:bodyPr wrap="square">
+            <a:spAutoFit/>
+          </a:bodyPr>
+          <a:lstStyle/>
+          <a:p>
+            <a:pPr>
+              <a:spcBef>
+                <a:spcPct val="50000"/>
+              </a:spcBef>
+            </a:pPr>
+            <a:r>
+              <a:rPr lang="en-US" altLang="en-US" sz="1600" dirty="0">
+                <a:solidFill>
+                  <a:schemeClr val="bg1"/>
+                </a:solidFill>
+                <a:latin typeface="Century Gothic" panose="020B0502020202020204" pitchFamily="34" charset="0"/>
+                <a:ea typeface="金梅新中楷全字體" panose="02010509060101010101" pitchFamily="49" charset="-120"/>
+              </a:rPr>
+              <a:t>請 關 您 的 手 提 電 話 </a:t>
+            </a:r>
+          </a:p>
+        </p:txBody>
+      </p:sp>
+      <p:sp>
+        <p:nvSpPr>
+          <p:cNvPr id="9" name="Text Box 12">
+            <a:extLst>
+              <a:ext uri="{FF2B5EF4-FFF2-40B4-BE49-F238E27FC236}">
+                <a16:creationId xmlns:a16="http://schemas.microsoft.com/office/drawing/2014/main" id="{B2DE150A-3568-4054-96DD-D8330B5C6053}"/>
+              </a:ext>
+            </a:extLst>
+          </p:cNvPr>
+          <p:cNvSpPr txBox="1">
+            <a:spLocks noChangeArrowheads="1"/>
+          </p:cNvSpPr>
+          <p:nvPr/>
+        </p:nvSpPr>
+        <p:spPr bwMode="auto">
+          <a:xfrm>
+            <a:off x="767482" y="6427242"/>
+            <a:ext cx="3672334" cy="276999"/>
+          </a:xfrm>
+          <a:prstGeom prst="rect">
+            <a:avLst/>
+          </a:prstGeom>
+          <a:noFill/>
+          <a:ln>
+            <a:noFill/>
+          </a:ln>
+          <a:effectLst/>
+          <a:extLst>
+            <a:ext uri="{909E8E84-426E-40DD-AFC4-6F175D3DCCD1}">
+              <a14:hiddenFill xmlns:a14="http://schemas.microsoft.com/office/drawing/2010/main">
+                <a:solidFill>
+                  <a:schemeClr val="accent1"/>
+                </a:solidFill>
+              </a14:hiddenFill>
+            </a:ext>
+            <a:ext uri="{91240B29-F687-4F45-9708-019B960494DF}">
+              <a14:hiddenLine xmlns:a14="http://schemas.microsoft.com/office/drawing/2010/main" w="9525">
+                <a:solidFill>
+                  <a:schemeClr val="tx1"/>
+                </a:solidFill>
+                <a:miter lim="800000"/>
+                <a:headEnd/>
+                <a:tailEnd/>
+              </a14:hiddenLine>
+            </a:ext>
+            <a:ext uri="{AF507438-7753-43E0-B8FC-AC1667EBCBE1}">
+              <a14:hiddenEffects xmlns:a14="http://schemas.microsoft.com/office/drawing/2010/main">
+                <a:effectLst>
+                  <a:outerShdw dist="35921" dir="2700000" algn="ctr" rotWithShape="0">
+                    <a:schemeClr val="bg2"/>
+                  </a:outerShdw>
+                </a:effectLst>
+              </a14:hiddenEffects>
+            </a:ext>
+          </a:extLst>
+        </p:spPr>
+        <p:txBody>
+          <a:bodyPr wrap="square">
+            <a:spAutoFit/>
+          </a:bodyPr>
+          <a:lstStyle/>
+          <a:p>
+            <a:pPr>
+              <a:spcBef>
+                <a:spcPct val="50000"/>
+              </a:spcBef>
+            </a:pPr>
+            <a:r>
+              <a:rPr lang="en-GB" altLang="en-US" sz="1200" b="1" dirty="0">
+                <a:solidFill>
+                  <a:schemeClr val="bg1"/>
+                </a:solidFill>
+                <a:latin typeface="Century Gothic" panose="020B0502020202020204" pitchFamily="34" charset="0"/>
+              </a:rPr>
+              <a:t>PLEASE SWITCH OFF YOUR MOBILE PHONE</a:t>
+            </a:r>
+            <a:endParaRPr lang="en-US" altLang="en-US" sz="1200" b="1" dirty="0">
+              <a:solidFill>
+                <a:schemeClr val="bg1"/>
+              </a:solidFill>
+              <a:latin typeface="Century Gothic" panose="020B0502020202020204" pitchFamily="34" charset="0"/>
             </a:endParaRPr>
           </a:p>
         </p:txBody>

--- a/TJCPowerPoint/bin/Debug/Files/ServiceWidescreen.pptx
+++ b/TJCPowerPoint/bin/Debug/Files/ServiceWidescreen.pptx
@@ -3947,8 +3947,8 @@
         </p:nvSpPr>
         <p:spPr bwMode="auto">
           <a:xfrm>
-            <a:off x="1524000" y="211138"/>
-            <a:ext cx="9144000" cy="914400"/>
+            <a:off x="335360" y="211138"/>
+            <a:ext cx="11592842" cy="914400"/>
           </a:xfrm>
           <a:prstGeom prst="rect">
             <a:avLst/>
@@ -3988,7 +3988,7 @@
           </a:extLst>
         </p:spPr>
         <p:txBody>
-          <a:bodyPr>
+          <a:bodyPr wrap="square">
             <a:spAutoFit/>
           </a:bodyPr>
           <a:lstStyle/>
@@ -4021,8 +4021,8 @@
         </p:nvSpPr>
         <p:spPr bwMode="auto">
           <a:xfrm>
-            <a:off x="1530569" y="1143061"/>
-            <a:ext cx="9144000" cy="1006475"/>
+            <a:off x="335360" y="1143061"/>
+            <a:ext cx="11592842" cy="1006475"/>
           </a:xfrm>
           <a:prstGeom prst="rect">
             <a:avLst/>
@@ -4073,7 +4073,7 @@
               </a:spcBef>
             </a:pPr>
             <a:r>
-              <a:rPr lang="en-US" altLang="zh-CN" sz="6000" dirty="0">
+              <a:rPr lang="en-US" altLang="zh-CN" sz="6000" b="1" dirty="0">
                 <a:solidFill>
                   <a:schemeClr val="bg1"/>
                 </a:solidFill>
@@ -4140,7 +4140,7 @@
               <a:t> </a:t>
             </a:r>
             <a:r>
-              <a:rPr lang="zh-TW" altLang="en-US" sz="3600" b="1" dirty="0">
+              <a:rPr lang="zh-TW" altLang="en-US" sz="3600" dirty="0">
                 <a:solidFill>
                   <a:schemeClr val="bg1"/>
                 </a:solidFill>
@@ -4149,7 +4149,7 @@
               </a:rPr>
               <a:t>詩</a:t>
             </a:r>
-            <a:endParaRPr lang="en-US" altLang="en-US" sz="3600" b="1" dirty="0">
+            <a:endParaRPr lang="en-US" altLang="en-US" sz="3600" dirty="0">
               <a:solidFill>
                 <a:schemeClr val="bg1"/>
               </a:solidFill>
@@ -4359,8 +4359,8 @@
         </p:nvSpPr>
         <p:spPr bwMode="auto">
           <a:xfrm>
-            <a:off x="1199456" y="3482146"/>
-            <a:ext cx="3816350" cy="595312"/>
+            <a:off x="335360" y="3482146"/>
+            <a:ext cx="4680446" cy="595312"/>
           </a:xfrm>
           <a:prstGeom prst="rect">
             <a:avLst/>
@@ -4400,7 +4400,7 @@
           </a:extLst>
         </p:spPr>
         <p:txBody>
-          <a:bodyPr>
+          <a:bodyPr wrap="square">
             <a:spAutoFit/>
           </a:bodyPr>
           <a:lstStyle/>
@@ -4441,8 +4441,8 @@
         </p:nvSpPr>
         <p:spPr bwMode="auto">
           <a:xfrm>
-            <a:off x="1199530" y="4201840"/>
-            <a:ext cx="3816350" cy="595313"/>
+            <a:off x="516086" y="4201840"/>
+            <a:ext cx="4499794" cy="595313"/>
           </a:xfrm>
           <a:prstGeom prst="rect">
             <a:avLst/>
@@ -4482,7 +4482,7 @@
           </a:extLst>
         </p:spPr>
         <p:txBody>
-          <a:bodyPr>
+          <a:bodyPr wrap="square">
             <a:spAutoFit/>
           </a:bodyPr>
           <a:lstStyle/>
@@ -4516,7 +4516,7 @@
         <p:spPr bwMode="auto">
           <a:xfrm>
             <a:off x="5591944" y="3728258"/>
-            <a:ext cx="4896544" cy="769441"/>
+            <a:ext cx="5400526" cy="769441"/>
           </a:xfrm>
           <a:prstGeom prst="rect">
             <a:avLst/>
@@ -6286,27 +6286,24 @@
         </p:nvSpPr>
         <p:spPr>
           <a:xfrm>
-            <a:off x="-4921224" y="274638"/>
+            <a:off x="-8737648" y="2060848"/>
             <a:ext cx="8507412" cy="1498600"/>
           </a:xfrm>
         </p:spPr>
         <p:txBody>
-          <a:bodyPr/>
-          <a:lstStyle/>
-          <a:p>
-            <a:r>
-              <a:rPr lang="en-GB" altLang="en-US" sz="2800" b="1" dirty="0">
-                <a:solidFill>
-                  <a:schemeClr val="bg1"/>
-                </a:solidFill>
+          <a:bodyPr>
+            <a:normAutofit/>
+          </a:bodyPr>
+          <a:lstStyle/>
+          <a:p>
+            <a:pPr algn="ctr"/>
+            <a:r>
+              <a:rPr lang="en-GB" altLang="en-US" dirty="0">
                 <a:latin typeface="Century Gothic" panose="020B0502020202020204" pitchFamily="34" charset="0"/>
               </a:rPr>
               <a:t>How to Pray</a:t>
             </a:r>
-            <a:endParaRPr lang="en-GB" altLang="en-US" sz="2800" b="1" dirty="0">
-              <a:solidFill>
-                <a:schemeClr val="bg1"/>
-              </a:solidFill>
+            <a:endParaRPr lang="en-GB" altLang="en-US" dirty="0">
               <a:latin typeface="Century Gothic" panose="020B0502020202020204" pitchFamily="34" charset="0"/>
               <a:ea typeface="金梅新中楷全字體" pitchFamily="49" charset="-120"/>
             </a:endParaRPr>

--- a/TJCPowerPoint/bin/Debug/Files/ServiceWidescreen.pptx
+++ b/TJCPowerPoint/bin/Debug/Files/ServiceWidescreen.pptx
@@ -5,17 +5,18 @@
     <p:sldMasterId id="2147483660" r:id="rId1"/>
   </p:sldMasterIdLst>
   <p:notesMasterIdLst>
-    <p:notesMasterId r:id="rId7"/>
+    <p:notesMasterId r:id="rId8"/>
   </p:notesMasterIdLst>
   <p:handoutMasterIdLst>
-    <p:handoutMasterId r:id="rId8"/>
+    <p:handoutMasterId r:id="rId9"/>
   </p:handoutMasterIdLst>
   <p:sldIdLst>
     <p:sldId id="357" r:id="rId2"/>
     <p:sldId id="358" r:id="rId3"/>
-    <p:sldId id="360" r:id="rId4"/>
-    <p:sldId id="361" r:id="rId5"/>
-    <p:sldId id="359" r:id="rId6"/>
+    <p:sldId id="362" r:id="rId4"/>
+    <p:sldId id="360" r:id="rId5"/>
+    <p:sldId id="361" r:id="rId6"/>
+    <p:sldId id="359" r:id="rId7"/>
   </p:sldIdLst>
   <p:sldSz cx="12192000" cy="6858000"/>
   <p:notesSz cx="6858000" cy="9144000"/>
@@ -5396,6 +5397,442 @@
       </p:grpSpPr>
       <p:sp>
         <p:nvSpPr>
+          <p:cNvPr id="7" name="Text Box 12">
+            <a:extLst>
+              <a:ext uri="{FF2B5EF4-FFF2-40B4-BE49-F238E27FC236}">
+                <a16:creationId xmlns:a16="http://schemas.microsoft.com/office/drawing/2014/main" id="{4A814393-22EC-4030-B099-593A4A5B942E}"/>
+              </a:ext>
+            </a:extLst>
+          </p:cNvPr>
+          <p:cNvSpPr txBox="1">
+            <a:spLocks noChangeArrowheads="1"/>
+          </p:cNvSpPr>
+          <p:nvPr/>
+        </p:nvSpPr>
+        <p:spPr bwMode="auto">
+          <a:xfrm>
+            <a:off x="1871470" y="116632"/>
+            <a:ext cx="8449060" cy="648072"/>
+          </a:xfrm>
+          <a:prstGeom prst="rect">
+            <a:avLst/>
+          </a:prstGeom>
+          <a:noFill/>
+          <a:ln>
+            <a:noFill/>
+          </a:ln>
+          <a:effectLst/>
+          <a:extLst>
+            <a:ext uri="{909E8E84-426E-40DD-AFC4-6F175D3DCCD1}">
+              <a14:hiddenFill xmlns:a14="http://schemas.microsoft.com/office/drawing/2010/main">
+                <a:solidFill>
+                  <a:schemeClr val="accent1"/>
+                </a:solidFill>
+              </a14:hiddenFill>
+            </a:ext>
+            <a:ext uri="{91240B29-F687-4F45-9708-019B960494DF}">
+              <a14:hiddenLine xmlns:a14="http://schemas.microsoft.com/office/drawing/2010/main" w="9525">
+                <a:solidFill>
+                  <a:schemeClr val="tx1"/>
+                </a:solidFill>
+                <a:miter lim="800000"/>
+                <a:headEnd/>
+                <a:tailEnd/>
+              </a14:hiddenLine>
+            </a:ext>
+            <a:ext uri="{AF507438-7753-43E0-B8FC-AC1667EBCBE1}">
+              <a14:hiddenEffects xmlns:a14="http://schemas.microsoft.com/office/drawing/2010/main">
+                <a:effectLst>
+                  <a:outerShdw dist="35921" dir="2700000" algn="ctr" rotWithShape="0">
+                    <a:schemeClr val="bg2"/>
+                  </a:outerShdw>
+                </a:effectLst>
+              </a14:hiddenEffects>
+            </a:ext>
+          </a:extLst>
+        </p:spPr>
+        <p:txBody>
+          <a:bodyPr wrap="square">
+            <a:noAutofit/>
+          </a:bodyPr>
+          <a:lstStyle/>
+          <a:p>
+            <a:pPr algn="ctr"/>
+            <a:r>
+              <a:rPr lang="en-GB" altLang="en-US" sz="3200" b="1" u="sng" dirty="0">
+                <a:solidFill>
+                  <a:schemeClr val="bg1"/>
+                </a:solidFill>
+                <a:latin typeface="Century Gothic" panose="020B0502020202020204" pitchFamily="34" charset="0"/>
+              </a:rPr>
+              <a:t>Prayer Requests</a:t>
+            </a:r>
+            <a:r>
+              <a:rPr lang="en-GB" altLang="en-US" sz="3200" b="1" u="sng" dirty="0">
+                <a:solidFill>
+                  <a:schemeClr val="bg1"/>
+                </a:solidFill>
+                <a:latin typeface="Century Gothic" panose="020B0502020202020204" pitchFamily="34" charset="0"/>
+                <a:ea typeface="金梅新中楷全字體" panose="02010509060101010101" pitchFamily="49" charset="-120"/>
+              </a:rPr>
+              <a:t>- </a:t>
+            </a:r>
+            <a:r>
+              <a:rPr lang="zh-TW" altLang="en-US" sz="3200" b="1" u="sng" dirty="0">
+                <a:solidFill>
+                  <a:schemeClr val="bg1"/>
+                </a:solidFill>
+                <a:latin typeface="Century Gothic" panose="020B0502020202020204" pitchFamily="34" charset="0"/>
+                <a:ea typeface="金梅新中楷全字體" panose="02010509060101010101" pitchFamily="49" charset="-120"/>
+              </a:rPr>
+              <a:t>代禱</a:t>
+            </a:r>
+            <a:endParaRPr lang="en-GB" altLang="zh-TW" sz="3200" b="1" u="sng" dirty="0">
+              <a:solidFill>
+                <a:schemeClr val="bg1"/>
+              </a:solidFill>
+              <a:latin typeface="Century Gothic" panose="020B0502020202020204" pitchFamily="34" charset="0"/>
+              <a:ea typeface="金梅新中楷全字體" panose="02010509060101010101" pitchFamily="49" charset="-120"/>
+            </a:endParaRPr>
+          </a:p>
+        </p:txBody>
+      </p:sp>
+      <p:sp>
+        <p:nvSpPr>
+          <p:cNvPr id="8" name="Title 1">
+            <a:extLst>
+              <a:ext uri="{FF2B5EF4-FFF2-40B4-BE49-F238E27FC236}">
+                <a16:creationId xmlns:a16="http://schemas.microsoft.com/office/drawing/2014/main" id="{3DD2CCF3-660C-4B35-8262-BE8668E0E220}"/>
+              </a:ext>
+            </a:extLst>
+          </p:cNvPr>
+          <p:cNvSpPr>
+            <a:spLocks noGrp="1"/>
+          </p:cNvSpPr>
+          <p:nvPr>
+            <p:ph type="ctrTitle"/>
+          </p:nvPr>
+        </p:nvSpPr>
+        <p:spPr>
+          <a:xfrm>
+            <a:off x="-7741368" y="2619557"/>
+            <a:ext cx="6858000" cy="2387600"/>
+          </a:xfrm>
+        </p:spPr>
+        <p:txBody>
+          <a:bodyPr/>
+          <a:lstStyle/>
+          <a:p>
+            <a:r>
+              <a:rPr lang="en-GB" dirty="0">
+                <a:latin typeface="Century Gothic" panose="020B0502020202020204" pitchFamily="34" charset="0"/>
+              </a:rPr>
+              <a:t>Prayer Requests (</a:t>
+            </a:r>
+            <a:r>
+              <a:rPr lang="en-GB" dirty="0" err="1">
+                <a:latin typeface="Century Gothic" panose="020B0502020202020204" pitchFamily="34" charset="0"/>
+              </a:rPr>
+              <a:t>Streamelements</a:t>
+            </a:r>
+            <a:r>
+              <a:rPr lang="en-GB" dirty="0">
+                <a:latin typeface="Century Gothic" panose="020B0502020202020204" pitchFamily="34" charset="0"/>
+              </a:rPr>
+              <a:t>)</a:t>
+            </a:r>
+          </a:p>
+        </p:txBody>
+      </p:sp>
+      <p:sp>
+        <p:nvSpPr>
+          <p:cNvPr id="9" name="Text Box 11">
+            <a:extLst>
+              <a:ext uri="{FF2B5EF4-FFF2-40B4-BE49-F238E27FC236}">
+                <a16:creationId xmlns:a16="http://schemas.microsoft.com/office/drawing/2014/main" id="{A5F6359B-EDA7-4B4D-903A-22796AF5B2D4}"/>
+              </a:ext>
+            </a:extLst>
+          </p:cNvPr>
+          <p:cNvSpPr txBox="1">
+            <a:spLocks noChangeArrowheads="1"/>
+          </p:cNvSpPr>
+          <p:nvPr/>
+        </p:nvSpPr>
+        <p:spPr bwMode="auto">
+          <a:xfrm>
+            <a:off x="767482" y="6165304"/>
+            <a:ext cx="2736156" cy="338554"/>
+          </a:xfrm>
+          <a:prstGeom prst="rect">
+            <a:avLst/>
+          </a:prstGeom>
+          <a:noFill/>
+          <a:ln>
+            <a:noFill/>
+          </a:ln>
+          <a:effectLst/>
+          <a:extLst>
+            <a:ext uri="{909E8E84-426E-40DD-AFC4-6F175D3DCCD1}">
+              <a14:hiddenFill xmlns:a14="http://schemas.microsoft.com/office/drawing/2010/main">
+                <a:solidFill>
+                  <a:schemeClr val="accent1"/>
+                </a:solidFill>
+              </a14:hiddenFill>
+            </a:ext>
+            <a:ext uri="{91240B29-F687-4F45-9708-019B960494DF}">
+              <a14:hiddenLine xmlns:a14="http://schemas.microsoft.com/office/drawing/2010/main" w="9525">
+                <a:solidFill>
+                  <a:schemeClr val="tx1"/>
+                </a:solidFill>
+                <a:miter lim="800000"/>
+                <a:headEnd/>
+                <a:tailEnd/>
+              </a14:hiddenLine>
+            </a:ext>
+            <a:ext uri="{AF507438-7753-43E0-B8FC-AC1667EBCBE1}">
+              <a14:hiddenEffects xmlns:a14="http://schemas.microsoft.com/office/drawing/2010/main">
+                <a:effectLst>
+                  <a:outerShdw dist="35921" dir="2700000" algn="ctr" rotWithShape="0">
+                    <a:schemeClr val="bg2"/>
+                  </a:outerShdw>
+                </a:effectLst>
+              </a14:hiddenEffects>
+            </a:ext>
+          </a:extLst>
+        </p:spPr>
+        <p:txBody>
+          <a:bodyPr wrap="square">
+            <a:spAutoFit/>
+          </a:bodyPr>
+          <a:lstStyle/>
+          <a:p>
+            <a:pPr>
+              <a:spcBef>
+                <a:spcPct val="50000"/>
+              </a:spcBef>
+            </a:pPr>
+            <a:r>
+              <a:rPr lang="en-US" altLang="en-US" sz="1600" dirty="0">
+                <a:solidFill>
+                  <a:schemeClr val="bg1"/>
+                </a:solidFill>
+                <a:latin typeface="Century Gothic" panose="020B0502020202020204" pitchFamily="34" charset="0"/>
+                <a:ea typeface="金梅新中楷全字體" panose="02010509060101010101" pitchFamily="49" charset="-120"/>
+              </a:rPr>
+              <a:t>請 關 您 的 手 提 電 話 </a:t>
+            </a:r>
+          </a:p>
+        </p:txBody>
+      </p:sp>
+      <p:sp>
+        <p:nvSpPr>
+          <p:cNvPr id="10" name="Text Box 12">
+            <a:extLst>
+              <a:ext uri="{FF2B5EF4-FFF2-40B4-BE49-F238E27FC236}">
+                <a16:creationId xmlns:a16="http://schemas.microsoft.com/office/drawing/2014/main" id="{4F2342DD-2BD5-48A1-AD38-7EE43180200F}"/>
+              </a:ext>
+            </a:extLst>
+          </p:cNvPr>
+          <p:cNvSpPr txBox="1">
+            <a:spLocks noChangeArrowheads="1"/>
+          </p:cNvSpPr>
+          <p:nvPr/>
+        </p:nvSpPr>
+        <p:spPr bwMode="auto">
+          <a:xfrm>
+            <a:off x="767482" y="6427242"/>
+            <a:ext cx="3672334" cy="276999"/>
+          </a:xfrm>
+          <a:prstGeom prst="rect">
+            <a:avLst/>
+          </a:prstGeom>
+          <a:noFill/>
+          <a:ln>
+            <a:noFill/>
+          </a:ln>
+          <a:effectLst/>
+          <a:extLst>
+            <a:ext uri="{909E8E84-426E-40DD-AFC4-6F175D3DCCD1}">
+              <a14:hiddenFill xmlns:a14="http://schemas.microsoft.com/office/drawing/2010/main">
+                <a:solidFill>
+                  <a:schemeClr val="accent1"/>
+                </a:solidFill>
+              </a14:hiddenFill>
+            </a:ext>
+            <a:ext uri="{91240B29-F687-4F45-9708-019B960494DF}">
+              <a14:hiddenLine xmlns:a14="http://schemas.microsoft.com/office/drawing/2010/main" w="9525">
+                <a:solidFill>
+                  <a:schemeClr val="tx1"/>
+                </a:solidFill>
+                <a:miter lim="800000"/>
+                <a:headEnd/>
+                <a:tailEnd/>
+              </a14:hiddenLine>
+            </a:ext>
+            <a:ext uri="{AF507438-7753-43E0-B8FC-AC1667EBCBE1}">
+              <a14:hiddenEffects xmlns:a14="http://schemas.microsoft.com/office/drawing/2010/main">
+                <a:effectLst>
+                  <a:outerShdw dist="35921" dir="2700000" algn="ctr" rotWithShape="0">
+                    <a:schemeClr val="bg2"/>
+                  </a:outerShdw>
+                </a:effectLst>
+              </a14:hiddenEffects>
+            </a:ext>
+          </a:extLst>
+        </p:spPr>
+        <p:txBody>
+          <a:bodyPr wrap="square">
+            <a:spAutoFit/>
+          </a:bodyPr>
+          <a:lstStyle/>
+          <a:p>
+            <a:pPr>
+              <a:spcBef>
+                <a:spcPct val="50000"/>
+              </a:spcBef>
+            </a:pPr>
+            <a:r>
+              <a:rPr lang="en-GB" altLang="en-US" sz="1200" b="1" dirty="0">
+                <a:solidFill>
+                  <a:schemeClr val="bg1"/>
+                </a:solidFill>
+                <a:latin typeface="Century Gothic" panose="020B0502020202020204" pitchFamily="34" charset="0"/>
+              </a:rPr>
+              <a:t>PLEASE SWITCH OFF YOUR MOBILE PHONE</a:t>
+            </a:r>
+            <a:endParaRPr lang="en-US" altLang="en-US" sz="1200" b="1" dirty="0">
+              <a:solidFill>
+                <a:schemeClr val="bg1"/>
+              </a:solidFill>
+              <a:latin typeface="Century Gothic" panose="020B0502020202020204" pitchFamily="34" charset="0"/>
+            </a:endParaRPr>
+          </a:p>
+        </p:txBody>
+      </p:sp>
+      <p:pic>
+        <p:nvPicPr>
+          <p:cNvPr id="11" name="Picture 2" descr="Custom No Mobile Phones Sign | The Sign Shed">
+            <a:extLst>
+              <a:ext uri="{FF2B5EF4-FFF2-40B4-BE49-F238E27FC236}">
+                <a16:creationId xmlns:a16="http://schemas.microsoft.com/office/drawing/2014/main" id="{69B74F00-D138-4D1A-BB3A-FF6169EDC215}"/>
+              </a:ext>
+            </a:extLst>
+          </p:cNvPr>
+          <p:cNvPicPr>
+            <a:picLocks noChangeAspect="1" noChangeArrowheads="1"/>
+          </p:cNvPicPr>
+          <p:nvPr/>
+        </p:nvPicPr>
+        <p:blipFill rotWithShape="1">
+          <a:blip r:embed="rId2" cstate="print">
+            <a:extLst>
+              <a:ext uri="{28A0092B-C50C-407E-A947-70E740481C1C}">
+                <a14:useLocalDpi xmlns:a14="http://schemas.microsoft.com/office/drawing/2010/main" val="0"/>
+              </a:ext>
+            </a:extLst>
+          </a:blip>
+          <a:srcRect l="3327" t="11250" r="71169" b="12911"/>
+          <a:stretch/>
+        </p:blipFill>
+        <p:spPr bwMode="auto">
+          <a:xfrm>
+            <a:off x="335360" y="6202015"/>
+            <a:ext cx="432048" cy="432048"/>
+          </a:xfrm>
+          <a:prstGeom prst="rect">
+            <a:avLst/>
+          </a:prstGeom>
+          <a:noFill/>
+          <a:extLst>
+            <a:ext uri="{909E8E84-426E-40DD-AFC4-6F175D3DCCD1}">
+              <a14:hiddenFill xmlns:a14="http://schemas.microsoft.com/office/drawing/2010/main">
+                <a:solidFill>
+                  <a:srgbClr val="FFFFFF"/>
+                </a:solidFill>
+              </a14:hiddenFill>
+            </a:ext>
+          </a:extLst>
+        </p:spPr>
+      </p:pic>
+      <p:pic>
+        <p:nvPicPr>
+          <p:cNvPr id="1026" name="Picture 2">
+            <a:extLst>
+              <a:ext uri="{FF2B5EF4-FFF2-40B4-BE49-F238E27FC236}">
+                <a16:creationId xmlns:a16="http://schemas.microsoft.com/office/drawing/2014/main" id="{1EF5EF65-39D7-40FC-A8CE-1178C47C1069}"/>
+              </a:ext>
+            </a:extLst>
+          </p:cNvPr>
+          <p:cNvPicPr>
+            <a:picLocks noChangeAspect="1" noChangeArrowheads="1"/>
+          </p:cNvPicPr>
+          <p:nvPr/>
+        </p:nvPicPr>
+        <p:blipFill>
+          <a:blip r:embed="rId3">
+            <a:extLst>
+              <a:ext uri="{28A0092B-C50C-407E-A947-70E740481C1C}">
+                <a14:useLocalDpi xmlns:a14="http://schemas.microsoft.com/office/drawing/2010/main" val="0"/>
+              </a:ext>
+            </a:extLst>
+          </a:blip>
+          <a:srcRect/>
+          <a:stretch>
+            <a:fillRect/>
+          </a:stretch>
+        </p:blipFill>
+        <p:spPr bwMode="auto">
+          <a:xfrm>
+            <a:off x="0" y="0"/>
+            <a:ext cx="12192000" cy="6858000"/>
+          </a:xfrm>
+          <a:prstGeom prst="rect">
+            <a:avLst/>
+          </a:prstGeom>
+          <a:noFill/>
+          <a:extLst>
+            <a:ext uri="{909E8E84-426E-40DD-AFC4-6F175D3DCCD1}">
+              <a14:hiddenFill xmlns:a14="http://schemas.microsoft.com/office/drawing/2010/main">
+                <a:solidFill>
+                  <a:srgbClr val="FFFFFF"/>
+                </a:solidFill>
+              </a14:hiddenFill>
+            </a:ext>
+          </a:extLst>
+        </p:spPr>
+      </p:pic>
+    </p:spTree>
+    <p:extLst>
+      <p:ext uri="{BB962C8B-B14F-4D97-AF65-F5344CB8AC3E}">
+        <p14:creationId xmlns:p14="http://schemas.microsoft.com/office/powerpoint/2010/main" val="3351645641"/>
+      </p:ext>
+    </p:extLst>
+  </p:cSld>
+  <p:clrMapOvr>
+    <a:masterClrMapping/>
+  </p:clrMapOvr>
+</p:sld>
+</file>
+
+<file path=ppt/slides/slide4.xml><?xml version="1.0" encoding="utf-8"?>
+<p:sld xmlns:a="http://schemas.openxmlformats.org/drawingml/2006/main" xmlns:r="http://schemas.openxmlformats.org/officeDocument/2006/relationships" xmlns:p="http://schemas.openxmlformats.org/presentationml/2006/main">
+  <p:cSld>
+    <p:spTree>
+      <p:nvGrpSpPr>
+        <p:cNvPr id="1" name=""/>
+        <p:cNvGrpSpPr/>
+        <p:nvPr/>
+      </p:nvGrpSpPr>
+      <p:grpSpPr>
+        <a:xfrm>
+          <a:off x="0" y="0"/>
+          <a:ext cx="0" cy="0"/>
+          <a:chOff x="0" y="0"/>
+          <a:chExt cx="0" cy="0"/>
+        </a:xfrm>
+      </p:grpSpPr>
+      <p:sp>
+        <p:nvSpPr>
           <p:cNvPr id="12" name="Text Box 12">
             <a:extLst>
               <a:ext uri="{FF2B5EF4-FFF2-40B4-BE49-F238E27FC236}">
@@ -5827,7 +6264,7 @@
 </p:sld>
 </file>
 
-<file path=ppt/slides/slide4.xml><?xml version="1.0" encoding="utf-8"?>
+<file path=ppt/slides/slide5.xml><?xml version="1.0" encoding="utf-8"?>
 <p:sld xmlns:a="http://schemas.openxmlformats.org/drawingml/2006/main" xmlns:r="http://schemas.openxmlformats.org/officeDocument/2006/relationships" xmlns:p="http://schemas.openxmlformats.org/presentationml/2006/main">
   <p:cSld>
     <p:spTree>
@@ -5846,10 +6283,10 @@
       </p:grpSpPr>
       <p:sp>
         <p:nvSpPr>
-          <p:cNvPr id="12" name="Text Box 12">
+          <p:cNvPr id="13" name="Text Box 12">
             <a:extLst>
               <a:ext uri="{FF2B5EF4-FFF2-40B4-BE49-F238E27FC236}">
-                <a16:creationId xmlns:a16="http://schemas.microsoft.com/office/drawing/2014/main" id="{591C97DC-F419-4C94-A84E-E8038EFB7F71}"/>
+                <a16:creationId xmlns:a16="http://schemas.microsoft.com/office/drawing/2014/main" id="{977E556A-8801-4241-B610-C5D48A41FAF4}"/>
               </a:ext>
             </a:extLst>
           </p:cNvPr>
@@ -5860,8 +6297,8 @@
         </p:nvSpPr>
         <p:spPr bwMode="auto">
           <a:xfrm>
-            <a:off x="1524000" y="597314"/>
-            <a:ext cx="9144000" cy="6432086"/>
+            <a:off x="2615493" y="165266"/>
+            <a:ext cx="6961014" cy="671446"/>
           </a:xfrm>
           <a:prstGeom prst="rect">
             <a:avLst/>
@@ -5907,79 +6344,6 @@
           <a:lstStyle/>
           <a:p>
             <a:pPr algn="ctr"/>
-            <a:endParaRPr lang="en-GB" altLang="zh-TW" sz="2400" b="1" dirty="0">
-              <a:solidFill>
-                <a:schemeClr val="bg1"/>
-              </a:solidFill>
-              <a:latin typeface="Century Gothic" panose="020B0502020202020204" pitchFamily="34" charset="0"/>
-              <a:ea typeface="金梅新中楷全字體" panose="02010509060101010101" pitchFamily="49" charset="-120"/>
-            </a:endParaRPr>
-          </a:p>
-        </p:txBody>
-      </p:sp>
-      <p:sp>
-        <p:nvSpPr>
-          <p:cNvPr id="13" name="Text Box 12">
-            <a:extLst>
-              <a:ext uri="{FF2B5EF4-FFF2-40B4-BE49-F238E27FC236}">
-                <a16:creationId xmlns:a16="http://schemas.microsoft.com/office/drawing/2014/main" id="{977E556A-8801-4241-B610-C5D48A41FAF4}"/>
-              </a:ext>
-            </a:extLst>
-          </p:cNvPr>
-          <p:cNvSpPr txBox="1">
-            <a:spLocks noChangeArrowheads="1"/>
-          </p:cNvSpPr>
-          <p:nvPr/>
-        </p:nvSpPr>
-        <p:spPr bwMode="auto">
-          <a:xfrm>
-            <a:off x="2615493" y="165266"/>
-            <a:ext cx="6961014" cy="432048"/>
-          </a:xfrm>
-          <a:prstGeom prst="rect">
-            <a:avLst/>
-          </a:prstGeom>
-          <a:noFill/>
-          <a:ln>
-            <a:noFill/>
-          </a:ln>
-          <a:effectLst/>
-          <a:extLst>
-            <a:ext uri="{909E8E84-426E-40DD-AFC4-6F175D3DCCD1}">
-              <a14:hiddenFill xmlns:a14="http://schemas.microsoft.com/office/drawing/2010/main">
-                <a:solidFill>
-                  <a:schemeClr val="accent1"/>
-                </a:solidFill>
-              </a14:hiddenFill>
-            </a:ext>
-            <a:ext uri="{91240B29-F687-4F45-9708-019B960494DF}">
-              <a14:hiddenLine xmlns:a14="http://schemas.microsoft.com/office/drawing/2010/main" w="9525">
-                <a:solidFill>
-                  <a:schemeClr val="tx1"/>
-                </a:solidFill>
-                <a:miter lim="800000"/>
-                <a:headEnd/>
-                <a:tailEnd/>
-              </a14:hiddenLine>
-            </a:ext>
-            <a:ext uri="{AF507438-7753-43E0-B8FC-AC1667EBCBE1}">
-              <a14:hiddenEffects xmlns:a14="http://schemas.microsoft.com/office/drawing/2010/main">
-                <a:effectLst>
-                  <a:outerShdw dist="35921" dir="2700000" algn="ctr" rotWithShape="0">
-                    <a:schemeClr val="bg2"/>
-                  </a:outerShdw>
-                </a:effectLst>
-              </a14:hiddenEffects>
-            </a:ext>
-          </a:extLst>
-        </p:spPr>
-        <p:txBody>
-          <a:bodyPr wrap="square">
-            <a:noAutofit/>
-          </a:bodyPr>
-          <a:lstStyle/>
-          <a:p>
-            <a:pPr algn="ctr"/>
             <a:r>
               <a:rPr lang="en-GB" altLang="en-US" sz="3200" b="1" u="sng" dirty="0">
                 <a:solidFill>
@@ -5987,7 +6351,17 @@
                 </a:solidFill>
                 <a:latin typeface="Century Gothic" panose="020B0502020202020204" pitchFamily="34" charset="0"/>
               </a:rPr>
-              <a:t>Holy Communion</a:t>
+              <a:t>Holy Communion </a:t>
+            </a:r>
+            <a:r>
+              <a:rPr lang="ja-JP" altLang="en-US" sz="3200" b="1" i="0" u="sng" dirty="0">
+                <a:solidFill>
+                  <a:schemeClr val="bg1"/>
+                </a:solidFill>
+                <a:effectLst/>
+                <a:latin typeface="Roboto" panose="02000000000000000000" pitchFamily="2" charset="0"/>
+              </a:rPr>
+              <a:t>聖餐典禮</a:t>
             </a:r>
             <a:endParaRPr lang="en-GB" altLang="zh-TW" sz="3200" b="1" u="sng" dirty="0">
               <a:solidFill>
@@ -6244,6 +6618,96 @@
           </a:extLst>
         </p:spPr>
       </p:pic>
+      <p:sp>
+        <p:nvSpPr>
+          <p:cNvPr id="2" name="TextBox 1">
+            <a:extLst>
+              <a:ext uri="{FF2B5EF4-FFF2-40B4-BE49-F238E27FC236}">
+                <a16:creationId xmlns:a16="http://schemas.microsoft.com/office/drawing/2014/main" id="{FC4F1879-493F-4201-BC24-C2CC96213270}"/>
+              </a:ext>
+            </a:extLst>
+          </p:cNvPr>
+          <p:cNvSpPr txBox="1"/>
+          <p:nvPr/>
+        </p:nvSpPr>
+        <p:spPr>
+          <a:xfrm>
+            <a:off x="623392" y="1418731"/>
+            <a:ext cx="5616624" cy="735779"/>
+          </a:xfrm>
+          <a:prstGeom prst="rect">
+            <a:avLst/>
+          </a:prstGeom>
+          <a:noFill/>
+        </p:spPr>
+        <p:txBody>
+          <a:bodyPr wrap="square" rtlCol="0">
+            <a:spAutoFit/>
+          </a:bodyPr>
+          <a:lstStyle/>
+          <a:p>
+            <a:pPr algn="ctr">
+              <a:lnSpc>
+                <a:spcPct val="150000"/>
+              </a:lnSpc>
+            </a:pPr>
+            <a:r>
+              <a:rPr lang="en-GB" sz="3200" b="1" dirty="0">
+                <a:solidFill>
+                  <a:schemeClr val="bg1"/>
+                </a:solidFill>
+                <a:latin typeface="Century Gothic" panose="020B0502020202020204" pitchFamily="34" charset="0"/>
+              </a:rPr>
+              <a:t>Bread:</a:t>
+            </a:r>
+          </a:p>
+        </p:txBody>
+      </p:sp>
+      <p:sp>
+        <p:nvSpPr>
+          <p:cNvPr id="9" name="TextBox 8">
+            <a:extLst>
+              <a:ext uri="{FF2B5EF4-FFF2-40B4-BE49-F238E27FC236}">
+                <a16:creationId xmlns:a16="http://schemas.microsoft.com/office/drawing/2014/main" id="{4A2FC0DC-54B3-4412-B6AE-526721ED8741}"/>
+              </a:ext>
+            </a:extLst>
+          </p:cNvPr>
+          <p:cNvSpPr txBox="1"/>
+          <p:nvPr/>
+        </p:nvSpPr>
+        <p:spPr>
+          <a:xfrm>
+            <a:off x="5951984" y="1418731"/>
+            <a:ext cx="5616624" cy="735779"/>
+          </a:xfrm>
+          <a:prstGeom prst="rect">
+            <a:avLst/>
+          </a:prstGeom>
+          <a:noFill/>
+        </p:spPr>
+        <p:txBody>
+          <a:bodyPr wrap="square" rtlCol="0">
+            <a:spAutoFit/>
+          </a:bodyPr>
+          <a:lstStyle/>
+          <a:p>
+            <a:pPr algn="ctr">
+              <a:lnSpc>
+                <a:spcPct val="150000"/>
+              </a:lnSpc>
+            </a:pPr>
+            <a:r>
+              <a:rPr lang="en-GB" sz="3200" b="1" dirty="0">
+                <a:solidFill>
+                  <a:schemeClr val="bg1"/>
+                </a:solidFill>
+                <a:latin typeface="Century Gothic" panose="020B0502020202020204" pitchFamily="34" charset="0"/>
+              </a:rPr>
+              <a:t>Cup:</a:t>
+            </a:r>
+          </a:p>
+        </p:txBody>
+      </p:sp>
     </p:spTree>
     <p:extLst>
       <p:ext uri="{BB962C8B-B14F-4D97-AF65-F5344CB8AC3E}">
@@ -6257,7 +6721,7 @@
 </p:sld>
 </file>
 
-<file path=ppt/slides/slide5.xml><?xml version="1.0" encoding="utf-8"?>
+<file path=ppt/slides/slide6.xml><?xml version="1.0" encoding="utf-8"?>
 <p:sld xmlns:a="http://schemas.openxmlformats.org/drawingml/2006/main" xmlns:r="http://schemas.openxmlformats.org/officeDocument/2006/relationships" xmlns:p="http://schemas.openxmlformats.org/presentationml/2006/main">
   <p:cSld>
     <p:spTree>

--- a/TJCPowerPoint/bin/Debug/Files/ServiceWidescreen.pptx
+++ b/TJCPowerPoint/bin/Debug/Files/ServiceWidescreen.pptx
@@ -5397,108 +5397,6 @@
       </p:grpSpPr>
       <p:sp>
         <p:nvSpPr>
-          <p:cNvPr id="7" name="Text Box 12">
-            <a:extLst>
-              <a:ext uri="{FF2B5EF4-FFF2-40B4-BE49-F238E27FC236}">
-                <a16:creationId xmlns:a16="http://schemas.microsoft.com/office/drawing/2014/main" id="{4A814393-22EC-4030-B099-593A4A5B942E}"/>
-              </a:ext>
-            </a:extLst>
-          </p:cNvPr>
-          <p:cNvSpPr txBox="1">
-            <a:spLocks noChangeArrowheads="1"/>
-          </p:cNvSpPr>
-          <p:nvPr/>
-        </p:nvSpPr>
-        <p:spPr bwMode="auto">
-          <a:xfrm>
-            <a:off x="1871470" y="116632"/>
-            <a:ext cx="8449060" cy="648072"/>
-          </a:xfrm>
-          <a:prstGeom prst="rect">
-            <a:avLst/>
-          </a:prstGeom>
-          <a:noFill/>
-          <a:ln>
-            <a:noFill/>
-          </a:ln>
-          <a:effectLst/>
-          <a:extLst>
-            <a:ext uri="{909E8E84-426E-40DD-AFC4-6F175D3DCCD1}">
-              <a14:hiddenFill xmlns:a14="http://schemas.microsoft.com/office/drawing/2010/main">
-                <a:solidFill>
-                  <a:schemeClr val="accent1"/>
-                </a:solidFill>
-              </a14:hiddenFill>
-            </a:ext>
-            <a:ext uri="{91240B29-F687-4F45-9708-019B960494DF}">
-              <a14:hiddenLine xmlns:a14="http://schemas.microsoft.com/office/drawing/2010/main" w="9525">
-                <a:solidFill>
-                  <a:schemeClr val="tx1"/>
-                </a:solidFill>
-                <a:miter lim="800000"/>
-                <a:headEnd/>
-                <a:tailEnd/>
-              </a14:hiddenLine>
-            </a:ext>
-            <a:ext uri="{AF507438-7753-43E0-B8FC-AC1667EBCBE1}">
-              <a14:hiddenEffects xmlns:a14="http://schemas.microsoft.com/office/drawing/2010/main">
-                <a:effectLst>
-                  <a:outerShdw dist="35921" dir="2700000" algn="ctr" rotWithShape="0">
-                    <a:schemeClr val="bg2"/>
-                  </a:outerShdw>
-                </a:effectLst>
-              </a14:hiddenEffects>
-            </a:ext>
-          </a:extLst>
-        </p:spPr>
-        <p:txBody>
-          <a:bodyPr wrap="square">
-            <a:noAutofit/>
-          </a:bodyPr>
-          <a:lstStyle/>
-          <a:p>
-            <a:pPr algn="ctr"/>
-            <a:r>
-              <a:rPr lang="en-GB" altLang="en-US" sz="3200" b="1" u="sng" dirty="0">
-                <a:solidFill>
-                  <a:schemeClr val="bg1"/>
-                </a:solidFill>
-                <a:latin typeface="Century Gothic" panose="020B0502020202020204" pitchFamily="34" charset="0"/>
-              </a:rPr>
-              <a:t>Prayer Requests</a:t>
-            </a:r>
-            <a:r>
-              <a:rPr lang="en-GB" altLang="en-US" sz="3200" b="1" u="sng" dirty="0">
-                <a:solidFill>
-                  <a:schemeClr val="bg1"/>
-                </a:solidFill>
-                <a:latin typeface="Century Gothic" panose="020B0502020202020204" pitchFamily="34" charset="0"/>
-                <a:ea typeface="金梅新中楷全字體" panose="02010509060101010101" pitchFamily="49" charset="-120"/>
-              </a:rPr>
-              <a:t>- </a:t>
-            </a:r>
-            <a:r>
-              <a:rPr lang="zh-TW" altLang="en-US" sz="3200" b="1" u="sng" dirty="0">
-                <a:solidFill>
-                  <a:schemeClr val="bg1"/>
-                </a:solidFill>
-                <a:latin typeface="Century Gothic" panose="020B0502020202020204" pitchFamily="34" charset="0"/>
-                <a:ea typeface="金梅新中楷全字體" panose="02010509060101010101" pitchFamily="49" charset="-120"/>
-              </a:rPr>
-              <a:t>代禱</a:t>
-            </a:r>
-            <a:endParaRPr lang="en-GB" altLang="zh-TW" sz="3200" b="1" u="sng" dirty="0">
-              <a:solidFill>
-                <a:schemeClr val="bg1"/>
-              </a:solidFill>
-              <a:latin typeface="Century Gothic" panose="020B0502020202020204" pitchFamily="34" charset="0"/>
-              <a:ea typeface="金梅新中楷全字體" panose="02010509060101010101" pitchFamily="49" charset="-120"/>
-            </a:endParaRPr>
-          </a:p>
-        </p:txBody>
-      </p:sp>
-      <p:sp>
-        <p:nvSpPr>
           <p:cNvPr id="8" name="Title 1">
             <a:extLst>
               <a:ext uri="{FF2B5EF4-FFF2-40B4-BE49-F238E27FC236}">
@@ -5546,261 +5444,45 @@
       </p:sp>
       <p:sp>
         <p:nvSpPr>
-          <p:cNvPr id="9" name="Text Box 11">
+          <p:cNvPr id="2" name="TextBox 1">
             <a:extLst>
               <a:ext uri="{FF2B5EF4-FFF2-40B4-BE49-F238E27FC236}">
-                <a16:creationId xmlns:a16="http://schemas.microsoft.com/office/drawing/2014/main" id="{A5F6359B-EDA7-4B4D-903A-22796AF5B2D4}"/>
+                <a16:creationId xmlns:a16="http://schemas.microsoft.com/office/drawing/2014/main" id="{6EC0A171-41D3-4538-A3AA-95F4377BCA8B}"/>
               </a:ext>
             </a:extLst>
           </p:cNvPr>
-          <p:cNvSpPr txBox="1">
-            <a:spLocks noChangeArrowheads="1"/>
-          </p:cNvSpPr>
+          <p:cNvSpPr txBox="1"/>
           <p:nvPr/>
         </p:nvSpPr>
-        <p:spPr bwMode="auto">
+        <p:spPr>
           <a:xfrm>
-            <a:off x="767482" y="6165304"/>
-            <a:ext cx="2736156" cy="338554"/>
+            <a:off x="3575720" y="3105834"/>
+            <a:ext cx="5040560" cy="646331"/>
           </a:xfrm>
           <a:prstGeom prst="rect">
             <a:avLst/>
           </a:prstGeom>
           <a:noFill/>
-          <a:ln>
-            <a:noFill/>
-          </a:ln>
-          <a:effectLst/>
-          <a:extLst>
-            <a:ext uri="{909E8E84-426E-40DD-AFC4-6F175D3DCCD1}">
-              <a14:hiddenFill xmlns:a14="http://schemas.microsoft.com/office/drawing/2010/main">
-                <a:solidFill>
-                  <a:schemeClr val="accent1"/>
-                </a:solidFill>
-              </a14:hiddenFill>
-            </a:ext>
-            <a:ext uri="{91240B29-F687-4F45-9708-019B960494DF}">
-              <a14:hiddenLine xmlns:a14="http://schemas.microsoft.com/office/drawing/2010/main" w="9525">
-                <a:solidFill>
-                  <a:schemeClr val="tx1"/>
-                </a:solidFill>
-                <a:miter lim="800000"/>
-                <a:headEnd/>
-                <a:tailEnd/>
-              </a14:hiddenLine>
-            </a:ext>
-            <a:ext uri="{AF507438-7753-43E0-B8FC-AC1667EBCBE1}">
-              <a14:hiddenEffects xmlns:a14="http://schemas.microsoft.com/office/drawing/2010/main">
-                <a:effectLst>
-                  <a:outerShdw dist="35921" dir="2700000" algn="ctr" rotWithShape="0">
-                    <a:schemeClr val="bg2"/>
-                  </a:outerShdw>
-                </a:effectLst>
-              </a14:hiddenEffects>
-            </a:ext>
-          </a:extLst>
         </p:spPr>
         <p:txBody>
-          <a:bodyPr wrap="square">
+          <a:bodyPr wrap="square" rtlCol="0">
             <a:spAutoFit/>
           </a:bodyPr>
           <a:lstStyle/>
           <a:p>
-            <a:pPr>
-              <a:spcBef>
-                <a:spcPct val="50000"/>
-              </a:spcBef>
-            </a:pPr>
-            <a:r>
-              <a:rPr lang="en-US" altLang="en-US" sz="1600" dirty="0">
-                <a:solidFill>
-                  <a:schemeClr val="bg1"/>
-                </a:solidFill>
-                <a:latin typeface="Century Gothic" panose="020B0502020202020204" pitchFamily="34" charset="0"/>
-                <a:ea typeface="金梅新中楷全字體" panose="02010509060101010101" pitchFamily="49" charset="-120"/>
-              </a:rPr>
-              <a:t>請 關 您 的 手 提 電 話 </a:t>
-            </a:r>
-          </a:p>
-        </p:txBody>
-      </p:sp>
-      <p:sp>
-        <p:nvSpPr>
-          <p:cNvPr id="10" name="Text Box 12">
-            <a:extLst>
-              <a:ext uri="{FF2B5EF4-FFF2-40B4-BE49-F238E27FC236}">
-                <a16:creationId xmlns:a16="http://schemas.microsoft.com/office/drawing/2014/main" id="{4F2342DD-2BD5-48A1-AD38-7EE43180200F}"/>
-              </a:ext>
-            </a:extLst>
-          </p:cNvPr>
-          <p:cNvSpPr txBox="1">
-            <a:spLocks noChangeArrowheads="1"/>
-          </p:cNvSpPr>
-          <p:nvPr/>
-        </p:nvSpPr>
-        <p:spPr bwMode="auto">
-          <a:xfrm>
-            <a:off x="767482" y="6427242"/>
-            <a:ext cx="3672334" cy="276999"/>
-          </a:xfrm>
-          <a:prstGeom prst="rect">
-            <a:avLst/>
-          </a:prstGeom>
-          <a:noFill/>
-          <a:ln>
-            <a:noFill/>
-          </a:ln>
-          <a:effectLst/>
-          <a:extLst>
-            <a:ext uri="{909E8E84-426E-40DD-AFC4-6F175D3DCCD1}">
-              <a14:hiddenFill xmlns:a14="http://schemas.microsoft.com/office/drawing/2010/main">
-                <a:solidFill>
-                  <a:schemeClr val="accent1"/>
-                </a:solidFill>
-              </a14:hiddenFill>
-            </a:ext>
-            <a:ext uri="{91240B29-F687-4F45-9708-019B960494DF}">
-              <a14:hiddenLine xmlns:a14="http://schemas.microsoft.com/office/drawing/2010/main" w="9525">
-                <a:solidFill>
-                  <a:schemeClr val="tx1"/>
-                </a:solidFill>
-                <a:miter lim="800000"/>
-                <a:headEnd/>
-                <a:tailEnd/>
-              </a14:hiddenLine>
-            </a:ext>
-            <a:ext uri="{AF507438-7753-43E0-B8FC-AC1667EBCBE1}">
-              <a14:hiddenEffects xmlns:a14="http://schemas.microsoft.com/office/drawing/2010/main">
-                <a:effectLst>
-                  <a:outerShdw dist="35921" dir="2700000" algn="ctr" rotWithShape="0">
-                    <a:schemeClr val="bg2"/>
-                  </a:outerShdw>
-                </a:effectLst>
-              </a14:hiddenEffects>
-            </a:ext>
-          </a:extLst>
-        </p:spPr>
-        <p:txBody>
-          <a:bodyPr wrap="square">
-            <a:spAutoFit/>
-          </a:bodyPr>
-          <a:lstStyle/>
-          <a:p>
-            <a:pPr>
-              <a:spcBef>
-                <a:spcPct val="50000"/>
-              </a:spcBef>
-            </a:pPr>
-            <a:r>
-              <a:rPr lang="en-GB" altLang="en-US" sz="1200" b="1" dirty="0">
+            <a:pPr algn="ctr"/>
+            <a:r>
+              <a:rPr lang="en-GB" sz="3600" b="1" dirty="0">
                 <a:solidFill>
                   <a:schemeClr val="bg1"/>
                 </a:solidFill>
                 <a:latin typeface="Century Gothic" panose="020B0502020202020204" pitchFamily="34" charset="0"/>
               </a:rPr>
-              <a:t>PLEASE SWITCH OFF YOUR MOBILE PHONE</a:t>
-            </a:r>
-            <a:endParaRPr lang="en-US" altLang="en-US" sz="1200" b="1" dirty="0">
-              <a:solidFill>
-                <a:schemeClr val="bg1"/>
-              </a:solidFill>
-              <a:latin typeface="Century Gothic" panose="020B0502020202020204" pitchFamily="34" charset="0"/>
-            </a:endParaRPr>
-          </a:p>
-        </p:txBody>
-      </p:sp>
-      <p:pic>
-        <p:nvPicPr>
-          <p:cNvPr id="11" name="Picture 2" descr="Custom No Mobile Phones Sign | The Sign Shed">
-            <a:extLst>
-              <a:ext uri="{FF2B5EF4-FFF2-40B4-BE49-F238E27FC236}">
-                <a16:creationId xmlns:a16="http://schemas.microsoft.com/office/drawing/2014/main" id="{69B74F00-D138-4D1A-BB3A-FF6169EDC215}"/>
-              </a:ext>
-            </a:extLst>
-          </p:cNvPr>
-          <p:cNvPicPr>
-            <a:picLocks noChangeAspect="1" noChangeArrowheads="1"/>
-          </p:cNvPicPr>
-          <p:nvPr/>
-        </p:nvPicPr>
-        <p:blipFill rotWithShape="1">
-          <a:blip r:embed="rId2" cstate="print">
-            <a:extLst>
-              <a:ext uri="{28A0092B-C50C-407E-A947-70E740481C1C}">
-                <a14:useLocalDpi xmlns:a14="http://schemas.microsoft.com/office/drawing/2010/main" val="0"/>
-              </a:ext>
-            </a:extLst>
-          </a:blip>
-          <a:srcRect l="3327" t="11250" r="71169" b="12911"/>
-          <a:stretch/>
-        </p:blipFill>
-        <p:spPr bwMode="auto">
-          <a:xfrm>
-            <a:off x="335360" y="6202015"/>
-            <a:ext cx="432048" cy="432048"/>
-          </a:xfrm>
-          <a:prstGeom prst="rect">
-            <a:avLst/>
-          </a:prstGeom>
-          <a:noFill/>
-          <a:extLst>
-            <a:ext uri="{909E8E84-426E-40DD-AFC4-6F175D3DCCD1}">
-              <a14:hiddenFill xmlns:a14="http://schemas.microsoft.com/office/drawing/2010/main">
-                <a:solidFill>
-                  <a:srgbClr val="FFFFFF"/>
-                </a:solidFill>
-              </a14:hiddenFill>
-            </a:ext>
-          </a:extLst>
-        </p:spPr>
-      </p:pic>
-      <p:pic>
-        <p:nvPicPr>
-          <p:cNvPr id="1026" name="Picture 2">
-            <a:extLst>
-              <a:ext uri="{FF2B5EF4-FFF2-40B4-BE49-F238E27FC236}">
-                <a16:creationId xmlns:a16="http://schemas.microsoft.com/office/drawing/2014/main" id="{1EF5EF65-39D7-40FC-A8CE-1178C47C1069}"/>
-              </a:ext>
-            </a:extLst>
-          </p:cNvPr>
-          <p:cNvPicPr>
-            <a:picLocks noChangeAspect="1" noChangeArrowheads="1"/>
-          </p:cNvPicPr>
-          <p:nvPr/>
-        </p:nvPicPr>
-        <p:blipFill>
-          <a:blip r:embed="rId3">
-            <a:extLst>
-              <a:ext uri="{28A0092B-C50C-407E-A947-70E740481C1C}">
-                <a14:useLocalDpi xmlns:a14="http://schemas.microsoft.com/office/drawing/2010/main" val="0"/>
-              </a:ext>
-            </a:extLst>
-          </a:blip>
-          <a:srcRect/>
-          <a:stretch>
-            <a:fillRect/>
-          </a:stretch>
-        </p:blipFill>
-        <p:spPr bwMode="auto">
-          <a:xfrm>
-            <a:off x="0" y="0"/>
-            <a:ext cx="12192000" cy="6858000"/>
-          </a:xfrm>
-          <a:prstGeom prst="rect">
-            <a:avLst/>
-          </a:prstGeom>
-          <a:noFill/>
-          <a:extLst>
-            <a:ext uri="{909E8E84-426E-40DD-AFC4-6F175D3DCCD1}">
-              <a14:hiddenFill xmlns:a14="http://schemas.microsoft.com/office/drawing/2010/main">
-                <a:solidFill>
-                  <a:srgbClr val="FFFFFF"/>
-                </a:solidFill>
-              </a14:hiddenFill>
-            </a:ext>
-          </a:extLst>
-        </p:spPr>
-      </p:pic>
+              <a:t>IMAGE PLACEHOLDER</a:t>
+            </a:r>
+          </a:p>
+        </p:txBody>
+      </p:sp>
     </p:spTree>
     <p:extLst>
       <p:ext uri="{BB962C8B-B14F-4D97-AF65-F5344CB8AC3E}">

--- a/TJCPowerPoint/bin/Debug/Files/ServiceWidescreen.pptx
+++ b/TJCPowerPoint/bin/Debug/Files/ServiceWidescreen.pptx
@@ -4268,8 +4268,8 @@
         </p:nvSpPr>
         <p:spPr bwMode="auto">
           <a:xfrm>
-            <a:off x="516086" y="2782670"/>
-            <a:ext cx="4499720" cy="646331"/>
+            <a:off x="335359" y="2636912"/>
+            <a:ext cx="4680447" cy="769441"/>
           </a:xfrm>
           <a:prstGeom prst="rect">
             <a:avLst/>
@@ -4314,7 +4314,7 @@
           </a:bodyPr>
           <a:lstStyle/>
           <a:p>
-            <a:pPr algn="r" eaLnBrk="1" hangingPunct="1">
+            <a:pPr eaLnBrk="1" hangingPunct="1">
               <a:spcBef>
                 <a:spcPct val="50000"/>
               </a:spcBef>
@@ -4322,7 +4322,7 @@
               <a:buNone/>
             </a:pPr>
             <a:r>
-              <a:rPr lang="en-GB" altLang="en-US" sz="3600" dirty="0">
+              <a:rPr lang="en-GB" altLang="en-US" sz="4400" dirty="0">
                 <a:solidFill>
                   <a:schemeClr val="bg1"/>
                 </a:solidFill>
@@ -4331,7 +4331,7 @@
               <a:t>Bible Verse </a:t>
             </a:r>
             <a:r>
-              <a:rPr lang="zh-TW" altLang="en-US" sz="3600" b="1" dirty="0">
+              <a:rPr lang="zh-TW" altLang="en-US" sz="4400" b="1" dirty="0">
                 <a:solidFill>
                   <a:schemeClr val="bg1"/>
                 </a:solidFill>
@@ -4340,7 +4340,7 @@
               </a:rPr>
               <a:t>經文</a:t>
             </a:r>
-            <a:endParaRPr lang="en-US" altLang="en-US" sz="3600" b="1" dirty="0">
+            <a:endParaRPr lang="en-US" altLang="en-US" sz="4400" b="1" dirty="0">
               <a:solidFill>
                 <a:schemeClr val="bg1"/>
               </a:solidFill>
@@ -4361,7 +4361,7 @@
         <p:spPr bwMode="auto">
           <a:xfrm>
             <a:off x="335360" y="3482146"/>
-            <a:ext cx="4680446" cy="595312"/>
+            <a:ext cx="4680446" cy="707886"/>
           </a:xfrm>
           <a:prstGeom prst="rect">
             <a:avLst/>
@@ -4412,7 +4412,7 @@
               </a:spcBef>
             </a:pPr>
             <a:r>
-              <a:rPr lang="en-US" altLang="en-US" sz="3300" dirty="0">
+              <a:rPr lang="en-US" altLang="en-US" sz="4000" dirty="0">
                 <a:solidFill>
                   <a:schemeClr val="bg1"/>
                 </a:solidFill>
@@ -4421,7 +4421,7 @@
               <a:t>English </a:t>
             </a:r>
             <a:r>
-              <a:rPr lang="en-US" altLang="en-US" sz="3300" dirty="0">
+              <a:rPr lang="en-US" altLang="en-US" sz="4000" dirty="0">
                 <a:solidFill>
                   <a:schemeClr val="bg1"/>
                 </a:solidFill>
@@ -4443,7 +4443,7 @@
         <p:spPr bwMode="auto">
           <a:xfrm>
             <a:off x="516086" y="4201840"/>
-            <a:ext cx="4499794" cy="595313"/>
+            <a:ext cx="4499794" cy="707886"/>
           </a:xfrm>
           <a:prstGeom prst="rect">
             <a:avLst/>
@@ -4494,7 +4494,7 @@
               </a:spcBef>
             </a:pPr>
             <a:r>
-              <a:rPr lang="en-US" altLang="en-US" sz="3300" dirty="0">
+              <a:rPr lang="en-US" altLang="en-US" sz="4000" dirty="0">
                 <a:solidFill>
                   <a:schemeClr val="bg1"/>
                 </a:solidFill>
@@ -4517,7 +4517,7 @@
         <p:spPr bwMode="auto">
           <a:xfrm>
             <a:off x="5591944" y="3728258"/>
-            <a:ext cx="5400526" cy="769441"/>
+            <a:ext cx="6083970" cy="830997"/>
           </a:xfrm>
           <a:prstGeom prst="rect">
             <a:avLst/>
@@ -4568,7 +4568,7 @@
               </a:spcBef>
             </a:pPr>
             <a:r>
-              <a:rPr lang="en-US" altLang="zh-CN" sz="4400" dirty="0">
+              <a:rPr lang="en-US" altLang="zh-CN" sz="4800" dirty="0">
                 <a:solidFill>
                   <a:schemeClr val="bg1"/>
                 </a:solidFill>

--- a/TJCPowerPoint/bin/Debug/Files/ServiceWidescreen.pptx
+++ b/TJCPowerPoint/bin/Debug/Files/ServiceWidescreen.pptx
@@ -4123,25 +4123,16 @@
               </a:spcBef>
             </a:pPr>
             <a:r>
-              <a:rPr lang="en-GB" altLang="en-US" sz="3600" dirty="0">
+              <a:rPr lang="en-GB" altLang="en-US" sz="3600" b="1" dirty="0">
                 <a:solidFill>
                   <a:schemeClr val="bg1"/>
                 </a:solidFill>
                 <a:latin typeface="Century Gothic" panose="020B0502020202020204" pitchFamily="34" charset="0"/>
               </a:rPr>
-              <a:t>Hymn</a:t>
-            </a:r>
-            <a:r>
-              <a:rPr lang="en-GB" altLang="en-US" sz="3600" b="1" dirty="0">
-                <a:solidFill>
-                  <a:schemeClr val="bg1"/>
-                </a:solidFill>
-                <a:latin typeface="Century Gothic" panose="020B0502020202020204" pitchFamily="34" charset="0"/>
-              </a:rPr>
-              <a:t> </a:t>
-            </a:r>
-            <a:r>
-              <a:rPr lang="zh-TW" altLang="en-US" sz="3600" dirty="0">
+              <a:t>Hymn </a:t>
+            </a:r>
+            <a:r>
+              <a:rPr lang="zh-TW" altLang="en-US" sz="3600" b="1" dirty="0">
                 <a:solidFill>
                   <a:schemeClr val="bg1"/>
                 </a:solidFill>
@@ -4150,7 +4141,7 @@
               </a:rPr>
               <a:t>詩</a:t>
             </a:r>
-            <a:endParaRPr lang="en-US" altLang="en-US" sz="3600" dirty="0">
+            <a:endParaRPr lang="en-US" altLang="en-US" sz="3600" b="1" dirty="0">
               <a:solidFill>
                 <a:schemeClr val="bg1"/>
               </a:solidFill>
@@ -4322,7 +4313,7 @@
               <a:buNone/>
             </a:pPr>
             <a:r>
-              <a:rPr lang="en-GB" altLang="en-US" sz="4400" dirty="0">
+              <a:rPr lang="en-GB" altLang="en-US" sz="4400" b="1" dirty="0">
                 <a:solidFill>
                   <a:schemeClr val="bg1"/>
                 </a:solidFill>

--- a/TJCPowerPoint/bin/Debug/Files/ServiceWidescreen.pptx
+++ b/TJCPowerPoint/bin/Debug/Files/ServiceWidescreen.pptx
@@ -4096,8 +4096,8 @@
         </p:nvSpPr>
         <p:spPr bwMode="auto">
           <a:xfrm>
-            <a:off x="1524000" y="2743760"/>
-            <a:ext cx="9144000" cy="1477328"/>
+            <a:off x="1524000" y="2487087"/>
+            <a:ext cx="9144000" cy="1661993"/>
           </a:xfrm>
           <a:prstGeom prst="rect">
             <a:avLst/>
@@ -4123,7 +4123,7 @@
               </a:spcBef>
             </a:pPr>
             <a:r>
-              <a:rPr lang="en-GB" altLang="en-US" sz="3600" b="1" dirty="0">
+              <a:rPr lang="en-GB" altLang="en-US" sz="4800" b="1" dirty="0">
                 <a:solidFill>
                   <a:schemeClr val="bg1"/>
                 </a:solidFill>
@@ -4132,7 +4132,7 @@
               <a:t>Hymn </a:t>
             </a:r>
             <a:r>
-              <a:rPr lang="zh-TW" altLang="en-US" sz="3600" b="1" dirty="0">
+              <a:rPr lang="zh-TW" altLang="en-US" sz="4800" b="1" dirty="0">
                 <a:solidFill>
                   <a:schemeClr val="bg1"/>
                 </a:solidFill>
@@ -4141,7 +4141,7 @@
               </a:rPr>
               <a:t>詩</a:t>
             </a:r>
-            <a:endParaRPr lang="en-US" altLang="en-US" sz="3600" b="1" dirty="0">
+            <a:endParaRPr lang="en-US" altLang="en-US" sz="4800" b="1" dirty="0">
               <a:solidFill>
                 <a:schemeClr val="bg1"/>
               </a:solidFill>
@@ -4352,7 +4352,7 @@
         <p:spPr bwMode="auto">
           <a:xfrm>
             <a:off x="335360" y="3482146"/>
-            <a:ext cx="4680446" cy="707886"/>
+            <a:ext cx="5652192" cy="830997"/>
           </a:xfrm>
           <a:prstGeom prst="rect">
             <a:avLst/>
@@ -4403,7 +4403,7 @@
               </a:spcBef>
             </a:pPr>
             <a:r>
-              <a:rPr lang="en-US" altLang="en-US" sz="4000" dirty="0">
+              <a:rPr lang="en-US" altLang="en-US" sz="4800" dirty="0">
                 <a:solidFill>
                   <a:schemeClr val="bg1"/>
                 </a:solidFill>
@@ -4412,7 +4412,7 @@
               <a:t>English </a:t>
             </a:r>
             <a:r>
-              <a:rPr lang="en-US" altLang="en-US" sz="4000" dirty="0">
+              <a:rPr lang="en-US" altLang="en-US" sz="4800" dirty="0">
                 <a:solidFill>
                   <a:schemeClr val="bg1"/>
                 </a:solidFill>
@@ -4433,8 +4433,8 @@
         </p:nvSpPr>
         <p:spPr bwMode="auto">
           <a:xfrm>
-            <a:off x="516086" y="4201840"/>
-            <a:ext cx="4499794" cy="707886"/>
+            <a:off x="516085" y="4201840"/>
+            <a:ext cx="5471467" cy="830997"/>
           </a:xfrm>
           <a:prstGeom prst="rect">
             <a:avLst/>
@@ -4485,7 +4485,7 @@
               </a:spcBef>
             </a:pPr>
             <a:r>
-              <a:rPr lang="en-US" altLang="en-US" sz="4000" dirty="0">
+              <a:rPr lang="en-US" altLang="en-US" sz="4800" dirty="0">
                 <a:solidFill>
                   <a:schemeClr val="bg1"/>
                 </a:solidFill>
@@ -4507,8 +4507,8 @@
         </p:nvSpPr>
         <p:spPr bwMode="auto">
           <a:xfrm>
-            <a:off x="5591944" y="3728258"/>
-            <a:ext cx="6083970" cy="830997"/>
+            <a:off x="6204446" y="3728258"/>
+            <a:ext cx="5471468" cy="830997"/>
           </a:xfrm>
           <a:prstGeom prst="rect">
             <a:avLst/>

--- a/TJCPowerPoint/bin/Debug/Files/ServiceWidescreen.pptx
+++ b/TJCPowerPoint/bin/Debug/Files/ServiceWidescreen.pptx
@@ -5956,6 +5956,96 @@
       </p:grpSpPr>
       <p:sp>
         <p:nvSpPr>
+          <p:cNvPr id="2" name="TextBox 1">
+            <a:extLst>
+              <a:ext uri="{FF2B5EF4-FFF2-40B4-BE49-F238E27FC236}">
+                <a16:creationId xmlns:a16="http://schemas.microsoft.com/office/drawing/2014/main" id="{FC4F1879-493F-4201-BC24-C2CC96213270}"/>
+              </a:ext>
+            </a:extLst>
+          </p:cNvPr>
+          <p:cNvSpPr txBox="1"/>
+          <p:nvPr/>
+        </p:nvSpPr>
+        <p:spPr>
+          <a:xfrm>
+            <a:off x="623392" y="1418731"/>
+            <a:ext cx="5616624" cy="735779"/>
+          </a:xfrm>
+          <a:prstGeom prst="rect">
+            <a:avLst/>
+          </a:prstGeom>
+          <a:noFill/>
+        </p:spPr>
+        <p:txBody>
+          <a:bodyPr wrap="square" rtlCol="0">
+            <a:spAutoFit/>
+          </a:bodyPr>
+          <a:lstStyle/>
+          <a:p>
+            <a:pPr algn="ctr">
+              <a:lnSpc>
+                <a:spcPct val="150000"/>
+              </a:lnSpc>
+            </a:pPr>
+            <a:r>
+              <a:rPr lang="en-GB" sz="3200" b="1" dirty="0">
+                <a:solidFill>
+                  <a:schemeClr val="bg1"/>
+                </a:solidFill>
+                <a:latin typeface="Century Gothic" panose="020B0502020202020204" pitchFamily="34" charset="0"/>
+              </a:rPr>
+              <a:t>Bread:</a:t>
+            </a:r>
+          </a:p>
+        </p:txBody>
+      </p:sp>
+      <p:sp>
+        <p:nvSpPr>
+          <p:cNvPr id="9" name="TextBox 8">
+            <a:extLst>
+              <a:ext uri="{FF2B5EF4-FFF2-40B4-BE49-F238E27FC236}">
+                <a16:creationId xmlns:a16="http://schemas.microsoft.com/office/drawing/2014/main" id="{4A2FC0DC-54B3-4412-B6AE-526721ED8741}"/>
+              </a:ext>
+            </a:extLst>
+          </p:cNvPr>
+          <p:cNvSpPr txBox="1"/>
+          <p:nvPr/>
+        </p:nvSpPr>
+        <p:spPr>
+          <a:xfrm>
+            <a:off x="5951984" y="1418731"/>
+            <a:ext cx="5616624" cy="735779"/>
+          </a:xfrm>
+          <a:prstGeom prst="rect">
+            <a:avLst/>
+          </a:prstGeom>
+          <a:noFill/>
+        </p:spPr>
+        <p:txBody>
+          <a:bodyPr wrap="square" rtlCol="0">
+            <a:spAutoFit/>
+          </a:bodyPr>
+          <a:lstStyle/>
+          <a:p>
+            <a:pPr algn="ctr">
+              <a:lnSpc>
+                <a:spcPct val="150000"/>
+              </a:lnSpc>
+            </a:pPr>
+            <a:r>
+              <a:rPr lang="en-GB" sz="3200" b="1" dirty="0">
+                <a:solidFill>
+                  <a:schemeClr val="bg1"/>
+                </a:solidFill>
+                <a:latin typeface="Century Gothic" panose="020B0502020202020204" pitchFamily="34" charset="0"/>
+              </a:rPr>
+              <a:t>Cup:</a:t>
+            </a:r>
+          </a:p>
+        </p:txBody>
+      </p:sp>
+      <p:sp>
+        <p:nvSpPr>
           <p:cNvPr id="13" name="Text Box 12">
             <a:extLst>
               <a:ext uri="{FF2B5EF4-FFF2-40B4-BE49-F238E27FC236}">
@@ -6081,306 +6171,237 @@
           </a:p>
         </p:txBody>
       </p:sp>
-      <p:sp>
-        <p:nvSpPr>
-          <p:cNvPr id="15" name="Text Box 11">
+      <p:grpSp>
+        <p:nvGrpSpPr>
+          <p:cNvPr id="3" name="Group 2">
             <a:extLst>
               <a:ext uri="{FF2B5EF4-FFF2-40B4-BE49-F238E27FC236}">
-                <a16:creationId xmlns:a16="http://schemas.microsoft.com/office/drawing/2014/main" id="{477ACD59-8BFC-4C4F-A03C-2734A0DDEA0E}"/>
+                <a16:creationId xmlns:a16="http://schemas.microsoft.com/office/drawing/2014/main" id="{840D6C36-748A-4206-AE63-8E2CE72D6360}"/>
               </a:ext>
             </a:extLst>
           </p:cNvPr>
-          <p:cNvSpPr txBox="1">
-            <a:spLocks noChangeArrowheads="1"/>
-          </p:cNvSpPr>
+          <p:cNvGrpSpPr/>
           <p:nvPr/>
-        </p:nvSpPr>
-        <p:spPr bwMode="auto">
+        </p:nvGrpSpPr>
+        <p:grpSpPr>
           <a:xfrm>
-            <a:off x="767482" y="6165304"/>
-            <a:ext cx="2736156" cy="338554"/>
+            <a:off x="335360" y="6165304"/>
+            <a:ext cx="4104456" cy="538937"/>
+            <a:chOff x="335360" y="6165304"/>
+            <a:chExt cx="4104456" cy="538937"/>
           </a:xfrm>
-          <a:prstGeom prst="rect">
-            <a:avLst/>
-          </a:prstGeom>
-          <a:noFill/>
-          <a:ln>
+        </p:grpSpPr>
+        <p:sp>
+          <p:nvSpPr>
+            <p:cNvPr id="15" name="Text Box 11">
+              <a:extLst>
+                <a:ext uri="{FF2B5EF4-FFF2-40B4-BE49-F238E27FC236}">
+                  <a16:creationId xmlns:a16="http://schemas.microsoft.com/office/drawing/2014/main" id="{477ACD59-8BFC-4C4F-A03C-2734A0DDEA0E}"/>
+                </a:ext>
+              </a:extLst>
+            </p:cNvPr>
+            <p:cNvSpPr txBox="1">
+              <a:spLocks noChangeArrowheads="1"/>
+            </p:cNvSpPr>
+            <p:nvPr/>
+          </p:nvSpPr>
+          <p:spPr bwMode="auto">
+            <a:xfrm>
+              <a:off x="767482" y="6165304"/>
+              <a:ext cx="2736156" cy="338554"/>
+            </a:xfrm>
+            <a:prstGeom prst="rect">
+              <a:avLst/>
+            </a:prstGeom>
             <a:noFill/>
-          </a:ln>
-          <a:effectLst/>
-          <a:extLst>
-            <a:ext uri="{909E8E84-426E-40DD-AFC4-6F175D3DCCD1}">
-              <a14:hiddenFill xmlns:a14="http://schemas.microsoft.com/office/drawing/2010/main">
-                <a:solidFill>
-                  <a:schemeClr val="accent1"/>
-                </a:solidFill>
-              </a14:hiddenFill>
-            </a:ext>
-            <a:ext uri="{91240B29-F687-4F45-9708-019B960494DF}">
-              <a14:hiddenLine xmlns:a14="http://schemas.microsoft.com/office/drawing/2010/main" w="9525">
-                <a:solidFill>
-                  <a:schemeClr val="tx1"/>
-                </a:solidFill>
-                <a:miter lim="800000"/>
-                <a:headEnd/>
-                <a:tailEnd/>
-              </a14:hiddenLine>
-            </a:ext>
-            <a:ext uri="{AF507438-7753-43E0-B8FC-AC1667EBCBE1}">
-              <a14:hiddenEffects xmlns:a14="http://schemas.microsoft.com/office/drawing/2010/main">
-                <a:effectLst>
-                  <a:outerShdw dist="35921" dir="2700000" algn="ctr" rotWithShape="0">
-                    <a:schemeClr val="bg2"/>
-                  </a:outerShdw>
-                </a:effectLst>
-              </a14:hiddenEffects>
-            </a:ext>
-          </a:extLst>
-        </p:spPr>
-        <p:txBody>
-          <a:bodyPr wrap="square">
-            <a:spAutoFit/>
-          </a:bodyPr>
-          <a:lstStyle/>
-          <a:p>
-            <a:pPr>
-              <a:spcBef>
-                <a:spcPct val="50000"/>
-              </a:spcBef>
-            </a:pPr>
-            <a:r>
-              <a:rPr lang="en-US" altLang="en-US" sz="1600" dirty="0">
-                <a:solidFill>
-                  <a:schemeClr val="bg1"/>
-                </a:solidFill>
-                <a:latin typeface="Century Gothic" panose="020B0502020202020204" pitchFamily="34" charset="0"/>
-                <a:ea typeface="金梅新中楷全字體" panose="02010509060101010101" pitchFamily="49" charset="-120"/>
-              </a:rPr>
-              <a:t>請 關 您 的 手 提 電 話 </a:t>
-            </a:r>
-          </a:p>
-        </p:txBody>
-      </p:sp>
-      <p:sp>
-        <p:nvSpPr>
-          <p:cNvPr id="16" name="Text Box 12">
+            <a:ln>
+              <a:noFill/>
+            </a:ln>
+            <a:effectLst/>
             <a:extLst>
-              <a:ext uri="{FF2B5EF4-FFF2-40B4-BE49-F238E27FC236}">
-                <a16:creationId xmlns:a16="http://schemas.microsoft.com/office/drawing/2014/main" id="{B3226B90-A60E-4858-9843-992A1A218231}"/>
+              <a:ext uri="{909E8E84-426E-40DD-AFC4-6F175D3DCCD1}">
+                <a14:hiddenFill xmlns:a14="http://schemas.microsoft.com/office/drawing/2010/main">
+                  <a:solidFill>
+                    <a:schemeClr val="accent1"/>
+                  </a:solidFill>
+                </a14:hiddenFill>
+              </a:ext>
+              <a:ext uri="{91240B29-F687-4F45-9708-019B960494DF}">
+                <a14:hiddenLine xmlns:a14="http://schemas.microsoft.com/office/drawing/2010/main" w="9525">
+                  <a:solidFill>
+                    <a:schemeClr val="tx1"/>
+                  </a:solidFill>
+                  <a:miter lim="800000"/>
+                  <a:headEnd/>
+                  <a:tailEnd/>
+                </a14:hiddenLine>
+              </a:ext>
+              <a:ext uri="{AF507438-7753-43E0-B8FC-AC1667EBCBE1}">
+                <a14:hiddenEffects xmlns:a14="http://schemas.microsoft.com/office/drawing/2010/main">
+                  <a:effectLst>
+                    <a:outerShdw dist="35921" dir="2700000" algn="ctr" rotWithShape="0">
+                      <a:schemeClr val="bg2"/>
+                    </a:outerShdw>
+                  </a:effectLst>
+                </a14:hiddenEffects>
               </a:ext>
             </a:extLst>
-          </p:cNvPr>
-          <p:cNvSpPr txBox="1">
-            <a:spLocks noChangeArrowheads="1"/>
-          </p:cNvSpPr>
-          <p:nvPr/>
-        </p:nvSpPr>
-        <p:spPr bwMode="auto">
-          <a:xfrm>
-            <a:off x="767482" y="6427242"/>
-            <a:ext cx="3672334" cy="276999"/>
-          </a:xfrm>
-          <a:prstGeom prst="rect">
-            <a:avLst/>
-          </a:prstGeom>
-          <a:noFill/>
-          <a:ln>
+          </p:spPr>
+          <p:txBody>
+            <a:bodyPr wrap="square">
+              <a:spAutoFit/>
+            </a:bodyPr>
+            <a:lstStyle/>
+            <a:p>
+              <a:pPr>
+                <a:spcBef>
+                  <a:spcPct val="50000"/>
+                </a:spcBef>
+              </a:pPr>
+              <a:r>
+                <a:rPr lang="en-US" altLang="en-US" sz="1600" dirty="0">
+                  <a:solidFill>
+                    <a:schemeClr val="bg1"/>
+                  </a:solidFill>
+                  <a:latin typeface="Century Gothic" panose="020B0502020202020204" pitchFamily="34" charset="0"/>
+                  <a:ea typeface="金梅新中楷全字體" panose="02010509060101010101" pitchFamily="49" charset="-120"/>
+                </a:rPr>
+                <a:t>請 關 您 的 手 提 電 話 </a:t>
+              </a:r>
+            </a:p>
+          </p:txBody>
+        </p:sp>
+        <p:sp>
+          <p:nvSpPr>
+            <p:cNvPr id="16" name="Text Box 12">
+              <a:extLst>
+                <a:ext uri="{FF2B5EF4-FFF2-40B4-BE49-F238E27FC236}">
+                  <a16:creationId xmlns:a16="http://schemas.microsoft.com/office/drawing/2014/main" id="{B3226B90-A60E-4858-9843-992A1A218231}"/>
+                </a:ext>
+              </a:extLst>
+            </p:cNvPr>
+            <p:cNvSpPr txBox="1">
+              <a:spLocks noChangeArrowheads="1"/>
+            </p:cNvSpPr>
+            <p:nvPr/>
+          </p:nvSpPr>
+          <p:spPr bwMode="auto">
+            <a:xfrm>
+              <a:off x="767482" y="6427242"/>
+              <a:ext cx="3672334" cy="276999"/>
+            </a:xfrm>
+            <a:prstGeom prst="rect">
+              <a:avLst/>
+            </a:prstGeom>
             <a:noFill/>
-          </a:ln>
-          <a:effectLst/>
-          <a:extLst>
-            <a:ext uri="{909E8E84-426E-40DD-AFC4-6F175D3DCCD1}">
-              <a14:hiddenFill xmlns:a14="http://schemas.microsoft.com/office/drawing/2010/main">
-                <a:solidFill>
-                  <a:schemeClr val="accent1"/>
-                </a:solidFill>
-              </a14:hiddenFill>
-            </a:ext>
-            <a:ext uri="{91240B29-F687-4F45-9708-019B960494DF}">
-              <a14:hiddenLine xmlns:a14="http://schemas.microsoft.com/office/drawing/2010/main" w="9525">
-                <a:solidFill>
-                  <a:schemeClr val="tx1"/>
-                </a:solidFill>
-                <a:miter lim="800000"/>
-                <a:headEnd/>
-                <a:tailEnd/>
-              </a14:hiddenLine>
-            </a:ext>
-            <a:ext uri="{AF507438-7753-43E0-B8FC-AC1667EBCBE1}">
-              <a14:hiddenEffects xmlns:a14="http://schemas.microsoft.com/office/drawing/2010/main">
-                <a:effectLst>
-                  <a:outerShdw dist="35921" dir="2700000" algn="ctr" rotWithShape="0">
-                    <a:schemeClr val="bg2"/>
-                  </a:outerShdw>
-                </a:effectLst>
-              </a14:hiddenEffects>
-            </a:ext>
-          </a:extLst>
-        </p:spPr>
-        <p:txBody>
-          <a:bodyPr wrap="square">
-            <a:spAutoFit/>
-          </a:bodyPr>
-          <a:lstStyle/>
-          <a:p>
-            <a:pPr>
-              <a:spcBef>
-                <a:spcPct val="50000"/>
-              </a:spcBef>
-            </a:pPr>
-            <a:r>
-              <a:rPr lang="en-GB" altLang="en-US" sz="1200" b="1" dirty="0">
-                <a:solidFill>
-                  <a:schemeClr val="bg1"/>
-                </a:solidFill>
-                <a:latin typeface="Century Gothic" panose="020B0502020202020204" pitchFamily="34" charset="0"/>
-              </a:rPr>
-              <a:t>PLEASE SWITCH OFF YOUR MOBILE PHONE</a:t>
-            </a:r>
-            <a:endParaRPr lang="en-US" altLang="en-US" sz="1200" b="1" dirty="0">
-              <a:solidFill>
-                <a:schemeClr val="bg1"/>
-              </a:solidFill>
-              <a:latin typeface="Century Gothic" panose="020B0502020202020204" pitchFamily="34" charset="0"/>
-            </a:endParaRPr>
-          </a:p>
-        </p:txBody>
-      </p:sp>
-      <p:pic>
-        <p:nvPicPr>
-          <p:cNvPr id="17" name="Picture 2" descr="Custom No Mobile Phones Sign | The Sign Shed">
+            <a:ln>
+              <a:noFill/>
+            </a:ln>
+            <a:effectLst/>
             <a:extLst>
-              <a:ext uri="{FF2B5EF4-FFF2-40B4-BE49-F238E27FC236}">
-                <a16:creationId xmlns:a16="http://schemas.microsoft.com/office/drawing/2014/main" id="{118396B3-35BF-481E-B54E-C6514DEC0556}"/>
+              <a:ext uri="{909E8E84-426E-40DD-AFC4-6F175D3DCCD1}">
+                <a14:hiddenFill xmlns:a14="http://schemas.microsoft.com/office/drawing/2010/main">
+                  <a:solidFill>
+                    <a:schemeClr val="accent1"/>
+                  </a:solidFill>
+                </a14:hiddenFill>
+              </a:ext>
+              <a:ext uri="{91240B29-F687-4F45-9708-019B960494DF}">
+                <a14:hiddenLine xmlns:a14="http://schemas.microsoft.com/office/drawing/2010/main" w="9525">
+                  <a:solidFill>
+                    <a:schemeClr val="tx1"/>
+                  </a:solidFill>
+                  <a:miter lim="800000"/>
+                  <a:headEnd/>
+                  <a:tailEnd/>
+                </a14:hiddenLine>
+              </a:ext>
+              <a:ext uri="{AF507438-7753-43E0-B8FC-AC1667EBCBE1}">
+                <a14:hiddenEffects xmlns:a14="http://schemas.microsoft.com/office/drawing/2010/main">
+                  <a:effectLst>
+                    <a:outerShdw dist="35921" dir="2700000" algn="ctr" rotWithShape="0">
+                      <a:schemeClr val="bg2"/>
+                    </a:outerShdw>
+                  </a:effectLst>
+                </a14:hiddenEffects>
               </a:ext>
             </a:extLst>
-          </p:cNvPr>
-          <p:cNvPicPr>
-            <a:picLocks noChangeAspect="1" noChangeArrowheads="1"/>
-          </p:cNvPicPr>
-          <p:nvPr/>
-        </p:nvPicPr>
-        <p:blipFill rotWithShape="1">
-          <a:blip r:embed="rId2" cstate="print">
+          </p:spPr>
+          <p:txBody>
+            <a:bodyPr wrap="square">
+              <a:spAutoFit/>
+            </a:bodyPr>
+            <a:lstStyle/>
+            <a:p>
+              <a:pPr>
+                <a:spcBef>
+                  <a:spcPct val="50000"/>
+                </a:spcBef>
+              </a:pPr>
+              <a:r>
+                <a:rPr lang="en-GB" altLang="en-US" sz="1200" b="1" dirty="0">
+                  <a:solidFill>
+                    <a:schemeClr val="bg1"/>
+                  </a:solidFill>
+                  <a:latin typeface="Century Gothic" panose="020B0502020202020204" pitchFamily="34" charset="0"/>
+                </a:rPr>
+                <a:t>PLEASE SWITCH OFF YOUR MOBILE PHONE</a:t>
+              </a:r>
+              <a:endParaRPr lang="en-US" altLang="en-US" sz="1200" b="1" dirty="0">
+                <a:solidFill>
+                  <a:schemeClr val="bg1"/>
+                </a:solidFill>
+                <a:latin typeface="Century Gothic" panose="020B0502020202020204" pitchFamily="34" charset="0"/>
+              </a:endParaRPr>
+            </a:p>
+          </p:txBody>
+        </p:sp>
+        <p:pic>
+          <p:nvPicPr>
+            <p:cNvPr id="17" name="Picture 2" descr="Custom No Mobile Phones Sign | The Sign Shed">
+              <a:extLst>
+                <a:ext uri="{FF2B5EF4-FFF2-40B4-BE49-F238E27FC236}">
+                  <a16:creationId xmlns:a16="http://schemas.microsoft.com/office/drawing/2014/main" id="{118396B3-35BF-481E-B54E-C6514DEC0556}"/>
+                </a:ext>
+              </a:extLst>
+            </p:cNvPr>
+            <p:cNvPicPr>
+              <a:picLocks noChangeAspect="1" noChangeArrowheads="1"/>
+            </p:cNvPicPr>
+            <p:nvPr/>
+          </p:nvPicPr>
+          <p:blipFill rotWithShape="1">
+            <a:blip r:embed="rId2" cstate="print">
+              <a:extLst>
+                <a:ext uri="{28A0092B-C50C-407E-A947-70E740481C1C}">
+                  <a14:useLocalDpi xmlns:a14="http://schemas.microsoft.com/office/drawing/2010/main" val="0"/>
+                </a:ext>
+              </a:extLst>
+            </a:blip>
+            <a:srcRect l="3327" t="11250" r="71169" b="12911"/>
+            <a:stretch/>
+          </p:blipFill>
+          <p:spPr bwMode="auto">
+            <a:xfrm>
+              <a:off x="335360" y="6202015"/>
+              <a:ext cx="432048" cy="432048"/>
+            </a:xfrm>
+            <a:prstGeom prst="rect">
+              <a:avLst/>
+            </a:prstGeom>
+            <a:noFill/>
             <a:extLst>
-              <a:ext uri="{28A0092B-C50C-407E-A947-70E740481C1C}">
-                <a14:useLocalDpi xmlns:a14="http://schemas.microsoft.com/office/drawing/2010/main" val="0"/>
+              <a:ext uri="{909E8E84-426E-40DD-AFC4-6F175D3DCCD1}">
+                <a14:hiddenFill xmlns:a14="http://schemas.microsoft.com/office/drawing/2010/main">
+                  <a:solidFill>
+                    <a:srgbClr val="FFFFFF"/>
+                  </a:solidFill>
+                </a14:hiddenFill>
               </a:ext>
             </a:extLst>
-          </a:blip>
-          <a:srcRect l="3327" t="11250" r="71169" b="12911"/>
-          <a:stretch/>
-        </p:blipFill>
-        <p:spPr bwMode="auto">
-          <a:xfrm>
-            <a:off x="335360" y="6202015"/>
-            <a:ext cx="432048" cy="432048"/>
-          </a:xfrm>
-          <a:prstGeom prst="rect">
-            <a:avLst/>
-          </a:prstGeom>
-          <a:noFill/>
-          <a:extLst>
-            <a:ext uri="{909E8E84-426E-40DD-AFC4-6F175D3DCCD1}">
-              <a14:hiddenFill xmlns:a14="http://schemas.microsoft.com/office/drawing/2010/main">
-                <a:solidFill>
-                  <a:srgbClr val="FFFFFF"/>
-                </a:solidFill>
-              </a14:hiddenFill>
-            </a:ext>
-          </a:extLst>
-        </p:spPr>
-      </p:pic>
-      <p:sp>
-        <p:nvSpPr>
-          <p:cNvPr id="2" name="TextBox 1">
-            <a:extLst>
-              <a:ext uri="{FF2B5EF4-FFF2-40B4-BE49-F238E27FC236}">
-                <a16:creationId xmlns:a16="http://schemas.microsoft.com/office/drawing/2014/main" id="{FC4F1879-493F-4201-BC24-C2CC96213270}"/>
-              </a:ext>
-            </a:extLst>
-          </p:cNvPr>
-          <p:cNvSpPr txBox="1"/>
-          <p:nvPr/>
-        </p:nvSpPr>
-        <p:spPr>
-          <a:xfrm>
-            <a:off x="623392" y="1418731"/>
-            <a:ext cx="5616624" cy="735779"/>
-          </a:xfrm>
-          <a:prstGeom prst="rect">
-            <a:avLst/>
-          </a:prstGeom>
-          <a:noFill/>
-        </p:spPr>
-        <p:txBody>
-          <a:bodyPr wrap="square" rtlCol="0">
-            <a:spAutoFit/>
-          </a:bodyPr>
-          <a:lstStyle/>
-          <a:p>
-            <a:pPr algn="ctr">
-              <a:lnSpc>
-                <a:spcPct val="150000"/>
-              </a:lnSpc>
-            </a:pPr>
-            <a:r>
-              <a:rPr lang="en-GB" sz="3200" b="1" dirty="0">
-                <a:solidFill>
-                  <a:schemeClr val="bg1"/>
-                </a:solidFill>
-                <a:latin typeface="Century Gothic" panose="020B0502020202020204" pitchFamily="34" charset="0"/>
-              </a:rPr>
-              <a:t>Bread:</a:t>
-            </a:r>
-          </a:p>
-        </p:txBody>
-      </p:sp>
-      <p:sp>
-        <p:nvSpPr>
-          <p:cNvPr id="9" name="TextBox 8">
-            <a:extLst>
-              <a:ext uri="{FF2B5EF4-FFF2-40B4-BE49-F238E27FC236}">
-                <a16:creationId xmlns:a16="http://schemas.microsoft.com/office/drawing/2014/main" id="{4A2FC0DC-54B3-4412-B6AE-526721ED8741}"/>
-              </a:ext>
-            </a:extLst>
-          </p:cNvPr>
-          <p:cNvSpPr txBox="1"/>
-          <p:nvPr/>
-        </p:nvSpPr>
-        <p:spPr>
-          <a:xfrm>
-            <a:off x="5951984" y="1418731"/>
-            <a:ext cx="5616624" cy="735779"/>
-          </a:xfrm>
-          <a:prstGeom prst="rect">
-            <a:avLst/>
-          </a:prstGeom>
-          <a:noFill/>
-        </p:spPr>
-        <p:txBody>
-          <a:bodyPr wrap="square" rtlCol="0">
-            <a:spAutoFit/>
-          </a:bodyPr>
-          <a:lstStyle/>
-          <a:p>
-            <a:pPr algn="ctr">
-              <a:lnSpc>
-                <a:spcPct val="150000"/>
-              </a:lnSpc>
-            </a:pPr>
-            <a:r>
-              <a:rPr lang="en-GB" sz="3200" b="1" dirty="0">
-                <a:solidFill>
-                  <a:schemeClr val="bg1"/>
-                </a:solidFill>
-                <a:latin typeface="Century Gothic" panose="020B0502020202020204" pitchFamily="34" charset="0"/>
-              </a:rPr>
-              <a:t>Cup:</a:t>
-            </a:r>
-          </a:p>
-        </p:txBody>
-      </p:sp>
+          </p:spPr>
+        </p:pic>
+      </p:grpSp>
     </p:spTree>
     <p:extLst>
       <p:ext uri="{BB962C8B-B14F-4D97-AF65-F5344CB8AC3E}">

--- a/TJCPowerPoint/bin/Debug/Files/ServiceWidescreen.pptx
+++ b/TJCPowerPoint/bin/Debug/Files/ServiceWidescreen.pptx
@@ -3948,7 +3948,7 @@
         </p:nvSpPr>
         <p:spPr bwMode="auto">
           <a:xfrm>
-            <a:off x="335360" y="211138"/>
+            <a:off x="335360" y="188640"/>
             <a:ext cx="11592842" cy="914400"/>
           </a:xfrm>
           <a:prstGeom prst="rect">
@@ -4022,7 +4022,7 @@
         </p:nvSpPr>
         <p:spPr bwMode="auto">
           <a:xfrm>
-            <a:off x="335360" y="1143061"/>
+            <a:off x="335360" y="1120563"/>
             <a:ext cx="11592842" cy="1006475"/>
           </a:xfrm>
           <a:prstGeom prst="rect">
@@ -4096,8 +4096,8 @@
         </p:nvSpPr>
         <p:spPr bwMode="auto">
           <a:xfrm>
-            <a:off x="1524000" y="2487087"/>
-            <a:ext cx="9144000" cy="1661993"/>
+            <a:off x="1524000" y="2348880"/>
+            <a:ext cx="9144000" cy="2246769"/>
           </a:xfrm>
           <a:prstGeom prst="rect">
             <a:avLst/>
@@ -4123,16 +4123,16 @@
               </a:spcBef>
             </a:pPr>
             <a:r>
-              <a:rPr lang="en-GB" altLang="en-US" sz="4800" b="1" dirty="0">
+              <a:rPr lang="en-GB" altLang="en-US" sz="5600" dirty="0">
                 <a:solidFill>
                   <a:schemeClr val="bg1"/>
                 </a:solidFill>
                 <a:latin typeface="Century Gothic" panose="020B0502020202020204" pitchFamily="34" charset="0"/>
               </a:rPr>
-              <a:t>Hymn </a:t>
-            </a:r>
-            <a:r>
-              <a:rPr lang="zh-TW" altLang="en-US" sz="4800" b="1" dirty="0">
+              <a:t>Hymns </a:t>
+            </a:r>
+            <a:r>
+              <a:rPr lang="zh-TW" altLang="en-US" sz="5600" dirty="0">
                 <a:solidFill>
                   <a:schemeClr val="bg1"/>
                 </a:solidFill>
@@ -4141,7 +4141,7 @@
               </a:rPr>
               <a:t>詩</a:t>
             </a:r>
-            <a:endParaRPr lang="en-US" altLang="en-US" sz="4800" b="1" dirty="0">
+            <a:endParaRPr lang="en-US" altLang="en-US" sz="5600" dirty="0">
               <a:solidFill>
                 <a:schemeClr val="bg1"/>
               </a:solidFill>
@@ -4155,7 +4155,7 @@
                 <a:spcPct val="50000"/>
               </a:spcBef>
             </a:pPr>
-            <a:endParaRPr lang="en-US" altLang="en-US" sz="3600" b="1" dirty="0">
+            <a:endParaRPr lang="en-US" altLang="en-US" sz="5600" dirty="0">
               <a:solidFill>
                 <a:srgbClr val="FFFFFF"/>
               </a:solidFill>
@@ -4175,7 +4175,7 @@
         <p:spPr bwMode="auto">
           <a:xfrm>
             <a:off x="1530570" y="3356993"/>
-            <a:ext cx="9137431" cy="461473"/>
+            <a:ext cx="9137431" cy="781752"/>
           </a:xfrm>
           <a:prstGeom prst="rect">
             <a:avLst/>
@@ -4229,7 +4229,7 @@
               </a:spcBef>
             </a:pPr>
             <a:r>
-              <a:rPr lang="en-US" altLang="en-US" sz="2900" dirty="0">
+              <a:rPr lang="en-US" altLang="en-US" sz="5600" dirty="0">
                 <a:solidFill>
                   <a:schemeClr val="bg1"/>
                 </a:solidFill>
@@ -4238,7 +4238,7 @@
               <a:t>Hymn No</a:t>
             </a:r>
             <a:r>
-              <a:rPr lang="en-US" altLang="en-US" sz="2900" dirty="0">
+              <a:rPr lang="en-US" altLang="en-US" sz="5600" dirty="0">
                 <a:solidFill>
                   <a:srgbClr val="FFFF99"/>
                 </a:solidFill>
@@ -4351,7 +4351,7 @@
         </p:nvSpPr>
         <p:spPr bwMode="auto">
           <a:xfrm>
-            <a:off x="335360" y="3482146"/>
+            <a:off x="119336" y="3482146"/>
             <a:ext cx="5652192" cy="830997"/>
           </a:xfrm>
           <a:prstGeom prst="rect">
@@ -4433,7 +4433,7 @@
         </p:nvSpPr>
         <p:spPr bwMode="auto">
           <a:xfrm>
-            <a:off x="516085" y="4201840"/>
+            <a:off x="300061" y="4201840"/>
             <a:ext cx="5471467" cy="830997"/>
           </a:xfrm>
           <a:prstGeom prst="rect">
@@ -4507,8 +4507,8 @@
         </p:nvSpPr>
         <p:spPr bwMode="auto">
           <a:xfrm>
-            <a:off x="6204446" y="3728258"/>
-            <a:ext cx="5471468" cy="830997"/>
+            <a:off x="5952253" y="3728258"/>
+            <a:ext cx="5975949" cy="2308324"/>
           </a:xfrm>
           <a:prstGeom prst="rect">
             <a:avLst/>
@@ -4559,7 +4559,7 @@
               </a:spcBef>
             </a:pPr>
             <a:r>
-              <a:rPr lang="en-US" altLang="zh-CN" sz="4800" dirty="0">
+              <a:rPr lang="en-US" altLang="zh-CN" sz="7200" dirty="0">
                 <a:solidFill>
                   <a:schemeClr val="bg1"/>
                 </a:solidFill>

--- a/TJCPowerPoint/bin/Debug/Files/ServiceWidescreen.pptx
+++ b/TJCPowerPoint/bin/Debug/Files/ServiceWidescreen.pptx
@@ -4123,7 +4123,7 @@
               </a:spcBef>
             </a:pPr>
             <a:r>
-              <a:rPr lang="en-GB" altLang="en-US" sz="5600" dirty="0">
+              <a:rPr lang="en-GB" altLang="en-US" sz="5600" b="1" dirty="0">
                 <a:solidFill>
                   <a:schemeClr val="bg1"/>
                 </a:solidFill>
@@ -4132,7 +4132,7 @@
               <a:t>Hymns </a:t>
             </a:r>
             <a:r>
-              <a:rPr lang="zh-TW" altLang="en-US" sz="5600" dirty="0">
+              <a:rPr lang="zh-TW" altLang="en-US" sz="5600" b="1" dirty="0">
                 <a:solidFill>
                   <a:schemeClr val="bg1"/>
                 </a:solidFill>
@@ -4141,7 +4141,7 @@
               </a:rPr>
               <a:t>詩</a:t>
             </a:r>
-            <a:endParaRPr lang="en-US" altLang="en-US" sz="5600" dirty="0">
+            <a:endParaRPr lang="en-US" altLang="en-US" sz="5600" b="1" dirty="0">
               <a:solidFill>
                 <a:schemeClr val="bg1"/>
               </a:solidFill>
@@ -4155,7 +4155,7 @@
                 <a:spcPct val="50000"/>
               </a:spcBef>
             </a:pPr>
-            <a:endParaRPr lang="en-US" altLang="en-US" sz="5600" dirty="0">
+            <a:endParaRPr lang="en-US" altLang="en-US" sz="5600" b="1" dirty="0">
               <a:solidFill>
                 <a:srgbClr val="FFFFFF"/>
               </a:solidFill>
@@ -4259,7 +4259,7 @@
         </p:nvSpPr>
         <p:spPr bwMode="auto">
           <a:xfrm>
-            <a:off x="335359" y="2636912"/>
+            <a:off x="335359" y="2492896"/>
             <a:ext cx="4680447" cy="769441"/>
           </a:xfrm>
           <a:prstGeom prst="rect">
@@ -4351,7 +4351,7 @@
         </p:nvSpPr>
         <p:spPr bwMode="auto">
           <a:xfrm>
-            <a:off x="119336" y="3482146"/>
+            <a:off x="119336" y="3429000"/>
             <a:ext cx="5652192" cy="830997"/>
           </a:xfrm>
           <a:prstGeom prst="rect">
@@ -4433,7 +4433,7 @@
         </p:nvSpPr>
         <p:spPr bwMode="auto">
           <a:xfrm>
-            <a:off x="300061" y="4201840"/>
+            <a:off x="300061" y="4398203"/>
             <a:ext cx="5471467" cy="830997"/>
           </a:xfrm>
           <a:prstGeom prst="rect">
@@ -4507,7 +4507,7 @@
         </p:nvSpPr>
         <p:spPr bwMode="auto">
           <a:xfrm>
-            <a:off x="5952253" y="3728258"/>
+            <a:off x="5952253" y="3819128"/>
             <a:ext cx="5975949" cy="2308324"/>
           </a:xfrm>
           <a:prstGeom prst="rect">

--- a/TJCPowerPoint/bin/Debug/Files/ServiceWidescreen.pptx
+++ b/TJCPowerPoint/bin/Debug/Files/ServiceWidescreen.pptx
@@ -4433,7 +4433,7 @@
         </p:nvSpPr>
         <p:spPr bwMode="auto">
           <a:xfrm>
-            <a:off x="300061" y="4398203"/>
+            <a:off x="300061" y="4365104"/>
             <a:ext cx="5471467" cy="830997"/>
           </a:xfrm>
           <a:prstGeom prst="rect">

--- a/TJCPowerPoint/bin/Debug/Files/ServiceWidescreen.pptx
+++ b/TJCPowerPoint/bin/Debug/Files/ServiceWidescreen.pptx
@@ -5,18 +5,19 @@
     <p:sldMasterId id="2147483660" r:id="rId1"/>
   </p:sldMasterIdLst>
   <p:notesMasterIdLst>
-    <p:notesMasterId r:id="rId8"/>
+    <p:notesMasterId r:id="rId9"/>
   </p:notesMasterIdLst>
   <p:handoutMasterIdLst>
-    <p:handoutMasterId r:id="rId9"/>
+    <p:handoutMasterId r:id="rId10"/>
   </p:handoutMasterIdLst>
   <p:sldIdLst>
     <p:sldId id="357" r:id="rId2"/>
-    <p:sldId id="358" r:id="rId3"/>
-    <p:sldId id="362" r:id="rId4"/>
+    <p:sldId id="362" r:id="rId3"/>
+    <p:sldId id="358" r:id="rId4"/>
     <p:sldId id="360" r:id="rId5"/>
     <p:sldId id="361" r:id="rId6"/>
     <p:sldId id="359" r:id="rId7"/>
+    <p:sldId id="363" r:id="rId8"/>
   </p:sldIdLst>
   <p:sldSz cx="12192000" cy="6858000"/>
   <p:notesSz cx="6858000" cy="9144000"/>
@@ -4508,7 +4509,7 @@
         <p:spPr bwMode="auto">
           <a:xfrm>
             <a:off x="5952253" y="3819128"/>
-            <a:ext cx="5975949" cy="2308324"/>
+            <a:ext cx="6239747" cy="2308324"/>
           </a:xfrm>
           <a:prstGeom prst="rect">
             <a:avLst/>
@@ -4548,7 +4549,7 @@
           </a:extLst>
         </p:spPr>
         <p:txBody>
-          <a:bodyPr wrap="square">
+          <a:bodyPr wrap="square" lIns="0" rIns="0">
             <a:spAutoFit/>
           </a:bodyPr>
           <a:lstStyle/>
@@ -4685,237 +4686,42 @@
           </a:p>
         </p:txBody>
       </p:sp>
-      <p:grpSp>
-        <p:nvGrpSpPr>
-          <p:cNvPr id="3" name="Group 2">
+      <p:pic>
+        <p:nvPicPr>
+          <p:cNvPr id="14" name="Picture 13" descr="Logo&#10;&#10;Description automatically generated with medium confidence">
             <a:extLst>
               <a:ext uri="{FF2B5EF4-FFF2-40B4-BE49-F238E27FC236}">
-                <a16:creationId xmlns:a16="http://schemas.microsoft.com/office/drawing/2014/main" id="{78D3D5A9-8002-4946-8AAB-89E5571D684C}"/>
+                <a16:creationId xmlns:a16="http://schemas.microsoft.com/office/drawing/2014/main" id="{D601D51F-3402-FDB9-D1E1-CF9AEE9E0E3A}"/>
               </a:ext>
             </a:extLst>
           </p:cNvPr>
-          <p:cNvGrpSpPr/>
+          <p:cNvPicPr>
+            <a:picLocks noChangeAspect="1"/>
+          </p:cNvPicPr>
           <p:nvPr/>
-        </p:nvGrpSpPr>
-        <p:grpSpPr>
-          <a:xfrm>
-            <a:off x="335360" y="6165304"/>
-            <a:ext cx="4104456" cy="538937"/>
-            <a:chOff x="335360" y="6165304"/>
-            <a:chExt cx="4104456" cy="538937"/>
-          </a:xfrm>
-        </p:grpSpPr>
-        <p:sp>
-          <p:nvSpPr>
-            <p:cNvPr id="16" name="Text Box 11">
-              <a:extLst>
-                <a:ext uri="{FF2B5EF4-FFF2-40B4-BE49-F238E27FC236}">
-                  <a16:creationId xmlns:a16="http://schemas.microsoft.com/office/drawing/2014/main" id="{FD7E944A-711C-41E4-8491-C90508960074}"/>
-                </a:ext>
-              </a:extLst>
-            </p:cNvPr>
-            <p:cNvSpPr txBox="1">
-              <a:spLocks noChangeArrowheads="1"/>
-            </p:cNvSpPr>
-            <p:nvPr/>
-          </p:nvSpPr>
-          <p:spPr bwMode="auto">
-            <a:xfrm>
-              <a:off x="767482" y="6165304"/>
-              <a:ext cx="2736156" cy="338554"/>
-            </a:xfrm>
-            <a:prstGeom prst="rect">
-              <a:avLst/>
-            </a:prstGeom>
-            <a:noFill/>
-            <a:ln>
-              <a:noFill/>
-            </a:ln>
-            <a:effectLst/>
+        </p:nvPicPr>
+        <p:blipFill>
+          <a:blip r:embed="rId3" cstate="print">
             <a:extLst>
-              <a:ext uri="{909E8E84-426E-40DD-AFC4-6F175D3DCCD1}">
-                <a14:hiddenFill xmlns:a14="http://schemas.microsoft.com/office/drawing/2010/main">
-                  <a:solidFill>
-                    <a:schemeClr val="accent1"/>
-                  </a:solidFill>
-                </a14:hiddenFill>
-              </a:ext>
-              <a:ext uri="{91240B29-F687-4F45-9708-019B960494DF}">
-                <a14:hiddenLine xmlns:a14="http://schemas.microsoft.com/office/drawing/2010/main" w="9525">
-                  <a:solidFill>
-                    <a:schemeClr val="tx1"/>
-                  </a:solidFill>
-                  <a:miter lim="800000"/>
-                  <a:headEnd/>
-                  <a:tailEnd/>
-                </a14:hiddenLine>
-              </a:ext>
-              <a:ext uri="{AF507438-7753-43E0-B8FC-AC1667EBCBE1}">
-                <a14:hiddenEffects xmlns:a14="http://schemas.microsoft.com/office/drawing/2010/main">
-                  <a:effectLst>
-                    <a:outerShdw dist="35921" dir="2700000" algn="ctr" rotWithShape="0">
-                      <a:schemeClr val="bg2"/>
-                    </a:outerShdw>
-                  </a:effectLst>
-                </a14:hiddenEffects>
+              <a:ext uri="{28A0092B-C50C-407E-A947-70E740481C1C}">
+                <a14:useLocalDpi xmlns:a14="http://schemas.microsoft.com/office/drawing/2010/main" val="0"/>
               </a:ext>
             </a:extLst>
-          </p:spPr>
-          <p:txBody>
-            <a:bodyPr wrap="square">
-              <a:spAutoFit/>
-            </a:bodyPr>
-            <a:lstStyle/>
-            <a:p>
-              <a:pPr>
-                <a:spcBef>
-                  <a:spcPct val="50000"/>
-                </a:spcBef>
-              </a:pPr>
-              <a:r>
-                <a:rPr lang="en-US" altLang="en-US" sz="1600" dirty="0">
-                  <a:solidFill>
-                    <a:schemeClr val="bg1"/>
-                  </a:solidFill>
-                  <a:latin typeface="+mn-lt"/>
-                  <a:ea typeface="金梅新中楷全字體" panose="02010509060101010101" pitchFamily="49" charset="-120"/>
-                </a:rPr>
-                <a:t>請 關 您 的 手 提 電 話 </a:t>
-              </a:r>
-            </a:p>
-          </p:txBody>
-        </p:sp>
-        <p:sp>
-          <p:nvSpPr>
-            <p:cNvPr id="17" name="Text Box 12">
-              <a:extLst>
-                <a:ext uri="{FF2B5EF4-FFF2-40B4-BE49-F238E27FC236}">
-                  <a16:creationId xmlns:a16="http://schemas.microsoft.com/office/drawing/2014/main" id="{CAB9F7E6-2E50-4266-AC18-5A7B26BAC8FC}"/>
-                </a:ext>
-              </a:extLst>
-            </p:cNvPr>
-            <p:cNvSpPr txBox="1">
-              <a:spLocks noChangeArrowheads="1"/>
-            </p:cNvSpPr>
-            <p:nvPr/>
-          </p:nvSpPr>
-          <p:spPr bwMode="auto">
-            <a:xfrm>
-              <a:off x="767482" y="6427242"/>
-              <a:ext cx="3672334" cy="276999"/>
-            </a:xfrm>
-            <a:prstGeom prst="rect">
-              <a:avLst/>
-            </a:prstGeom>
-            <a:noFill/>
-            <a:ln>
-              <a:noFill/>
-            </a:ln>
-            <a:effectLst/>
-            <a:extLst>
-              <a:ext uri="{909E8E84-426E-40DD-AFC4-6F175D3DCCD1}">
-                <a14:hiddenFill xmlns:a14="http://schemas.microsoft.com/office/drawing/2010/main">
-                  <a:solidFill>
-                    <a:schemeClr val="accent1"/>
-                  </a:solidFill>
-                </a14:hiddenFill>
-              </a:ext>
-              <a:ext uri="{91240B29-F687-4F45-9708-019B960494DF}">
-                <a14:hiddenLine xmlns:a14="http://schemas.microsoft.com/office/drawing/2010/main" w="9525">
-                  <a:solidFill>
-                    <a:schemeClr val="tx1"/>
-                  </a:solidFill>
-                  <a:miter lim="800000"/>
-                  <a:headEnd/>
-                  <a:tailEnd/>
-                </a14:hiddenLine>
-              </a:ext>
-              <a:ext uri="{AF507438-7753-43E0-B8FC-AC1667EBCBE1}">
-                <a14:hiddenEffects xmlns:a14="http://schemas.microsoft.com/office/drawing/2010/main">
-                  <a:effectLst>
-                    <a:outerShdw dist="35921" dir="2700000" algn="ctr" rotWithShape="0">
-                      <a:schemeClr val="bg2"/>
-                    </a:outerShdw>
-                  </a:effectLst>
-                </a14:hiddenEffects>
-              </a:ext>
-            </a:extLst>
-          </p:spPr>
-          <p:txBody>
-            <a:bodyPr wrap="square">
-              <a:spAutoFit/>
-            </a:bodyPr>
-            <a:lstStyle/>
-            <a:p>
-              <a:pPr>
-                <a:spcBef>
-                  <a:spcPct val="50000"/>
-                </a:spcBef>
-              </a:pPr>
-              <a:r>
-                <a:rPr lang="en-GB" altLang="en-US" sz="1200" b="1" dirty="0">
-                  <a:solidFill>
-                    <a:schemeClr val="bg1"/>
-                  </a:solidFill>
-                  <a:latin typeface="Century Gothic" panose="020B0502020202020204" pitchFamily="34" charset="0"/>
-                </a:rPr>
-                <a:t>PLEASE SWITCH OFF YOUR MOBILE PHONE</a:t>
-              </a:r>
-              <a:endParaRPr lang="en-US" altLang="en-US" sz="1200" b="1" dirty="0">
-                <a:solidFill>
-                  <a:schemeClr val="bg1"/>
-                </a:solidFill>
-                <a:latin typeface="Century Gothic" panose="020B0502020202020204" pitchFamily="34" charset="0"/>
-              </a:endParaRPr>
-            </a:p>
-          </p:txBody>
-        </p:sp>
-        <p:pic>
-          <p:nvPicPr>
-            <p:cNvPr id="18" name="Picture 2" descr="Custom No Mobile Phones Sign | The Sign Shed">
-              <a:extLst>
-                <a:ext uri="{FF2B5EF4-FFF2-40B4-BE49-F238E27FC236}">
-                  <a16:creationId xmlns:a16="http://schemas.microsoft.com/office/drawing/2014/main" id="{198AE553-A78B-4238-8954-5B5301A1BDC8}"/>
-                </a:ext>
-              </a:extLst>
-            </p:cNvPr>
-            <p:cNvPicPr>
-              <a:picLocks noChangeAspect="1" noChangeArrowheads="1"/>
-            </p:cNvPicPr>
-            <p:nvPr/>
-          </p:nvPicPr>
-          <p:blipFill rotWithShape="1">
-            <a:blip r:embed="rId3" cstate="print">
-              <a:extLst>
-                <a:ext uri="{28A0092B-C50C-407E-A947-70E740481C1C}">
-                  <a14:useLocalDpi xmlns:a14="http://schemas.microsoft.com/office/drawing/2010/main" val="0"/>
-                </a:ext>
-              </a:extLst>
-            </a:blip>
-            <a:srcRect l="3327" t="11250" r="71169" b="12911"/>
-            <a:stretch/>
-          </p:blipFill>
-          <p:spPr bwMode="auto">
-            <a:xfrm>
-              <a:off x="335360" y="6202015"/>
-              <a:ext cx="432048" cy="432048"/>
-            </a:xfrm>
-            <a:prstGeom prst="rect">
-              <a:avLst/>
-            </a:prstGeom>
-            <a:noFill/>
-            <a:extLst>
-              <a:ext uri="{909E8E84-426E-40DD-AFC4-6F175D3DCCD1}">
-                <a14:hiddenFill xmlns:a14="http://schemas.microsoft.com/office/drawing/2010/main">
-                  <a:solidFill>
-                    <a:srgbClr val="FFFFFF"/>
-                  </a:solidFill>
-                </a14:hiddenFill>
-              </a:ext>
-            </a:extLst>
-          </p:spPr>
-        </p:pic>
-      </p:grpSp>
+          </a:blip>
+          <a:stretch>
+            <a:fillRect/>
+          </a:stretch>
+        </p:blipFill>
+        <p:spPr>
+          <a:xfrm>
+            <a:off x="335359" y="6269250"/>
+            <a:ext cx="2664297" cy="344791"/>
+          </a:xfrm>
+          <a:prstGeom prst="rect">
+            <a:avLst/>
+          </a:prstGeom>
+        </p:spPr>
+      </p:pic>
     </p:spTree>
   </p:cSld>
   <p:clrMapOvr>
@@ -4943,181 +4749,6 @@
       </p:grpSpPr>
       <p:sp>
         <p:nvSpPr>
-          <p:cNvPr id="6" name="Text Box 12">
-            <a:extLst>
-              <a:ext uri="{FF2B5EF4-FFF2-40B4-BE49-F238E27FC236}">
-                <a16:creationId xmlns:a16="http://schemas.microsoft.com/office/drawing/2014/main" id="{BEA17A2D-ADBC-44E7-8241-0C2921ADB5E3}"/>
-              </a:ext>
-            </a:extLst>
-          </p:cNvPr>
-          <p:cNvSpPr txBox="1">
-            <a:spLocks noChangeArrowheads="1"/>
-          </p:cNvSpPr>
-          <p:nvPr/>
-        </p:nvSpPr>
-        <p:spPr bwMode="auto">
-          <a:xfrm>
-            <a:off x="1524001" y="597314"/>
-            <a:ext cx="9143999" cy="6432086"/>
-          </a:xfrm>
-          <a:prstGeom prst="rect">
-            <a:avLst/>
-          </a:prstGeom>
-          <a:noFill/>
-          <a:ln>
-            <a:noFill/>
-          </a:ln>
-          <a:effectLst/>
-          <a:extLst>
-            <a:ext uri="{909E8E84-426E-40DD-AFC4-6F175D3DCCD1}">
-              <a14:hiddenFill xmlns:a14="http://schemas.microsoft.com/office/drawing/2010/main">
-                <a:solidFill>
-                  <a:schemeClr val="accent1"/>
-                </a:solidFill>
-              </a14:hiddenFill>
-            </a:ext>
-            <a:ext uri="{91240B29-F687-4F45-9708-019B960494DF}">
-              <a14:hiddenLine xmlns:a14="http://schemas.microsoft.com/office/drawing/2010/main" w="9525">
-                <a:solidFill>
-                  <a:schemeClr val="tx1"/>
-                </a:solidFill>
-                <a:miter lim="800000"/>
-                <a:headEnd/>
-                <a:tailEnd/>
-              </a14:hiddenLine>
-            </a:ext>
-            <a:ext uri="{AF507438-7753-43E0-B8FC-AC1667EBCBE1}">
-              <a14:hiddenEffects xmlns:a14="http://schemas.microsoft.com/office/drawing/2010/main">
-                <a:effectLst>
-                  <a:outerShdw dist="35921" dir="2700000" algn="ctr" rotWithShape="0">
-                    <a:schemeClr val="bg2"/>
-                  </a:outerShdw>
-                </a:effectLst>
-              </a14:hiddenEffects>
-            </a:ext>
-          </a:extLst>
-        </p:spPr>
-        <p:txBody>
-          <a:bodyPr wrap="square">
-            <a:noAutofit/>
-          </a:bodyPr>
-          <a:lstStyle/>
-          <a:p>
-            <a:pPr algn="ctr"/>
-            <a:endParaRPr lang="en-GB" altLang="zh-TW" sz="2200" b="1" dirty="0">
-              <a:solidFill>
-                <a:schemeClr val="bg1"/>
-              </a:solidFill>
-              <a:latin typeface="Century Gothic" panose="020B0502020202020204" pitchFamily="34" charset="0"/>
-              <a:ea typeface="金梅新中楷全字體" panose="02010509060101010101" pitchFamily="49" charset="-120"/>
-            </a:endParaRPr>
-          </a:p>
-        </p:txBody>
-      </p:sp>
-      <p:sp>
-        <p:nvSpPr>
-          <p:cNvPr id="7" name="Text Box 12">
-            <a:extLst>
-              <a:ext uri="{FF2B5EF4-FFF2-40B4-BE49-F238E27FC236}">
-                <a16:creationId xmlns:a16="http://schemas.microsoft.com/office/drawing/2014/main" id="{4A814393-22EC-4030-B099-593A4A5B942E}"/>
-              </a:ext>
-            </a:extLst>
-          </p:cNvPr>
-          <p:cNvSpPr txBox="1">
-            <a:spLocks noChangeArrowheads="1"/>
-          </p:cNvSpPr>
-          <p:nvPr/>
-        </p:nvSpPr>
-        <p:spPr bwMode="auto">
-          <a:xfrm>
-            <a:off x="1871470" y="116632"/>
-            <a:ext cx="8449060" cy="648072"/>
-          </a:xfrm>
-          <a:prstGeom prst="rect">
-            <a:avLst/>
-          </a:prstGeom>
-          <a:noFill/>
-          <a:ln>
-            <a:noFill/>
-          </a:ln>
-          <a:effectLst/>
-          <a:extLst>
-            <a:ext uri="{909E8E84-426E-40DD-AFC4-6F175D3DCCD1}">
-              <a14:hiddenFill xmlns:a14="http://schemas.microsoft.com/office/drawing/2010/main">
-                <a:solidFill>
-                  <a:schemeClr val="accent1"/>
-                </a:solidFill>
-              </a14:hiddenFill>
-            </a:ext>
-            <a:ext uri="{91240B29-F687-4F45-9708-019B960494DF}">
-              <a14:hiddenLine xmlns:a14="http://schemas.microsoft.com/office/drawing/2010/main" w="9525">
-                <a:solidFill>
-                  <a:schemeClr val="tx1"/>
-                </a:solidFill>
-                <a:miter lim="800000"/>
-                <a:headEnd/>
-                <a:tailEnd/>
-              </a14:hiddenLine>
-            </a:ext>
-            <a:ext uri="{AF507438-7753-43E0-B8FC-AC1667EBCBE1}">
-              <a14:hiddenEffects xmlns:a14="http://schemas.microsoft.com/office/drawing/2010/main">
-                <a:effectLst>
-                  <a:outerShdw dist="35921" dir="2700000" algn="ctr" rotWithShape="0">
-                    <a:schemeClr val="bg2"/>
-                  </a:outerShdw>
-                </a:effectLst>
-              </a14:hiddenEffects>
-            </a:ext>
-          </a:extLst>
-        </p:spPr>
-        <p:txBody>
-          <a:bodyPr wrap="square">
-            <a:noAutofit/>
-          </a:bodyPr>
-          <a:lstStyle/>
-          <a:p>
-            <a:pPr algn="ctr"/>
-            <a:r>
-              <a:rPr lang="en-GB" altLang="en-US" sz="3200" b="1" u="sng" dirty="0">
-                <a:solidFill>
-                  <a:schemeClr val="bg1"/>
-                </a:solidFill>
-                <a:latin typeface="Century Gothic" panose="020B0502020202020204" pitchFamily="34" charset="0"/>
-              </a:rPr>
-              <a:t>Prayer Requests</a:t>
-            </a:r>
-            <a:r>
-              <a:rPr lang="en-GB" altLang="en-US" sz="3200" b="1" u="sng" dirty="0">
-                <a:solidFill>
-                  <a:schemeClr val="bg1"/>
-                </a:solidFill>
-                <a:latin typeface="Century Gothic" panose="020B0502020202020204" pitchFamily="34" charset="0"/>
-                <a:ea typeface="金梅新中楷全字體" panose="02010509060101010101" pitchFamily="49" charset="-120"/>
-              </a:rPr>
-              <a:t>- </a:t>
-            </a:r>
-            <a:r>
-              <a:rPr lang="zh-TW" altLang="en-US" sz="3200" b="1" u="sng" dirty="0">
-                <a:solidFill>
-                  <a:schemeClr val="bg1"/>
-                </a:solidFill>
-                <a:latin typeface="Century Gothic" panose="020B0502020202020204" pitchFamily="34" charset="0"/>
-                <a:ea typeface="金梅新中楷全字體" panose="02010509060101010101" pitchFamily="49" charset="-120"/>
-              </a:rPr>
-              <a:t>代禱</a:t>
-            </a:r>
-            <a:endParaRPr lang="en-GB" altLang="zh-TW" sz="3200" b="1" u="sng" dirty="0">
-              <a:solidFill>
-                <a:schemeClr val="bg1"/>
-              </a:solidFill>
-              <a:latin typeface="Century Gothic" panose="020B0502020202020204" pitchFamily="34" charset="0"/>
-              <a:ea typeface="金梅新中楷全字體" panose="02010509060101010101" pitchFamily="49" charset="-120"/>
-            </a:endParaRPr>
-          </a:p>
-        </p:txBody>
-      </p:sp>
-      <p:sp>
-        <p:nvSpPr>
           <p:cNvPr id="8" name="Title 1">
             <a:extLst>
               <a:ext uri="{FF2B5EF4-FFF2-40B4-BE49-F238E27FC236}">
@@ -5146,191 +4777,79 @@
               <a:rPr lang="en-GB" dirty="0">
                 <a:latin typeface="Century Gothic" panose="020B0502020202020204" pitchFamily="34" charset="0"/>
               </a:rPr>
-              <a:t>Prayer Requests</a:t>
-            </a:r>
-          </a:p>
-        </p:txBody>
-      </p:sp>
-      <p:sp>
-        <p:nvSpPr>
-          <p:cNvPr id="9" name="Text Box 11">
+              <a:t>Prayer Requests (</a:t>
+            </a:r>
+            <a:r>
+              <a:rPr lang="en-GB" dirty="0" err="1">
+                <a:latin typeface="Century Gothic" panose="020B0502020202020204" pitchFamily="34" charset="0"/>
+              </a:rPr>
+              <a:t>Streamelements</a:t>
+            </a:r>
+            <a:r>
+              <a:rPr lang="en-GB" dirty="0">
+                <a:latin typeface="Century Gothic" panose="020B0502020202020204" pitchFamily="34" charset="0"/>
+              </a:rPr>
+              <a:t>)</a:t>
+            </a:r>
+          </a:p>
+        </p:txBody>
+      </p:sp>
+      <p:sp>
+        <p:nvSpPr>
+          <p:cNvPr id="2" name="TextBox 1">
             <a:extLst>
               <a:ext uri="{FF2B5EF4-FFF2-40B4-BE49-F238E27FC236}">
-                <a16:creationId xmlns:a16="http://schemas.microsoft.com/office/drawing/2014/main" id="{A5F6359B-EDA7-4B4D-903A-22796AF5B2D4}"/>
+                <a16:creationId xmlns:a16="http://schemas.microsoft.com/office/drawing/2014/main" id="{6EC0A171-41D3-4538-A3AA-95F4377BCA8B}"/>
               </a:ext>
             </a:extLst>
           </p:cNvPr>
-          <p:cNvSpPr txBox="1">
-            <a:spLocks noChangeArrowheads="1"/>
-          </p:cNvSpPr>
+          <p:cNvSpPr txBox="1"/>
           <p:nvPr/>
         </p:nvSpPr>
-        <p:spPr bwMode="auto">
+        <p:spPr>
           <a:xfrm>
-            <a:off x="767482" y="6165304"/>
-            <a:ext cx="2736156" cy="338554"/>
+            <a:off x="3575720" y="3105834"/>
+            <a:ext cx="5040560" cy="646331"/>
           </a:xfrm>
           <a:prstGeom prst="rect">
             <a:avLst/>
           </a:prstGeom>
           <a:noFill/>
-          <a:ln>
-            <a:noFill/>
-          </a:ln>
-          <a:effectLst/>
-          <a:extLst>
-            <a:ext uri="{909E8E84-426E-40DD-AFC4-6F175D3DCCD1}">
-              <a14:hiddenFill xmlns:a14="http://schemas.microsoft.com/office/drawing/2010/main">
-                <a:solidFill>
-                  <a:schemeClr val="accent1"/>
-                </a:solidFill>
-              </a14:hiddenFill>
-            </a:ext>
-            <a:ext uri="{91240B29-F687-4F45-9708-019B960494DF}">
-              <a14:hiddenLine xmlns:a14="http://schemas.microsoft.com/office/drawing/2010/main" w="9525">
-                <a:solidFill>
-                  <a:schemeClr val="tx1"/>
-                </a:solidFill>
-                <a:miter lim="800000"/>
-                <a:headEnd/>
-                <a:tailEnd/>
-              </a14:hiddenLine>
-            </a:ext>
-            <a:ext uri="{AF507438-7753-43E0-B8FC-AC1667EBCBE1}">
-              <a14:hiddenEffects xmlns:a14="http://schemas.microsoft.com/office/drawing/2010/main">
-                <a:effectLst>
-                  <a:outerShdw dist="35921" dir="2700000" algn="ctr" rotWithShape="0">
-                    <a:schemeClr val="bg2"/>
-                  </a:outerShdw>
-                </a:effectLst>
-              </a14:hiddenEffects>
-            </a:ext>
-          </a:extLst>
         </p:spPr>
         <p:txBody>
-          <a:bodyPr wrap="square">
+          <a:bodyPr wrap="square" rtlCol="0">
             <a:spAutoFit/>
           </a:bodyPr>
           <a:lstStyle/>
           <a:p>
-            <a:pPr>
-              <a:spcBef>
-                <a:spcPct val="50000"/>
-              </a:spcBef>
-            </a:pPr>
-            <a:r>
-              <a:rPr lang="en-US" altLang="en-US" sz="1600" dirty="0">
+            <a:pPr algn="ctr"/>
+            <a:r>
+              <a:rPr lang="en-GB" sz="3600" b="1" dirty="0">
                 <a:solidFill>
                   <a:schemeClr val="bg1"/>
                 </a:solidFill>
                 <a:latin typeface="Century Gothic" panose="020B0502020202020204" pitchFamily="34" charset="0"/>
-                <a:ea typeface="金梅新中楷全字體" panose="02010509060101010101" pitchFamily="49" charset="-120"/>
               </a:rPr>
-              <a:t>請 關 您 的 手 提 電 話 </a:t>
-            </a:r>
-          </a:p>
-        </p:txBody>
-      </p:sp>
-      <p:sp>
-        <p:nvSpPr>
-          <p:cNvPr id="10" name="Text Box 12">
+              <a:t>IMAGE PLACEHOLDER</a:t>
+            </a:r>
+          </a:p>
+        </p:txBody>
+      </p:sp>
+      <p:pic>
+        <p:nvPicPr>
+          <p:cNvPr id="4" name="Picture 3" descr="Logo&#10;&#10;Description automatically generated with medium confidence">
             <a:extLst>
               <a:ext uri="{FF2B5EF4-FFF2-40B4-BE49-F238E27FC236}">
-                <a16:creationId xmlns:a16="http://schemas.microsoft.com/office/drawing/2014/main" id="{4F2342DD-2BD5-48A1-AD38-7EE43180200F}"/>
-              </a:ext>
-            </a:extLst>
-          </p:cNvPr>
-          <p:cNvSpPr txBox="1">
-            <a:spLocks noChangeArrowheads="1"/>
-          </p:cNvSpPr>
-          <p:nvPr/>
-        </p:nvSpPr>
-        <p:spPr bwMode="auto">
-          <a:xfrm>
-            <a:off x="767482" y="6427242"/>
-            <a:ext cx="3672334" cy="276999"/>
-          </a:xfrm>
-          <a:prstGeom prst="rect">
-            <a:avLst/>
-          </a:prstGeom>
-          <a:noFill/>
-          <a:ln>
-            <a:noFill/>
-          </a:ln>
-          <a:effectLst/>
-          <a:extLst>
-            <a:ext uri="{909E8E84-426E-40DD-AFC4-6F175D3DCCD1}">
-              <a14:hiddenFill xmlns:a14="http://schemas.microsoft.com/office/drawing/2010/main">
-                <a:solidFill>
-                  <a:schemeClr val="accent1"/>
-                </a:solidFill>
-              </a14:hiddenFill>
-            </a:ext>
-            <a:ext uri="{91240B29-F687-4F45-9708-019B960494DF}">
-              <a14:hiddenLine xmlns:a14="http://schemas.microsoft.com/office/drawing/2010/main" w="9525">
-                <a:solidFill>
-                  <a:schemeClr val="tx1"/>
-                </a:solidFill>
-                <a:miter lim="800000"/>
-                <a:headEnd/>
-                <a:tailEnd/>
-              </a14:hiddenLine>
-            </a:ext>
-            <a:ext uri="{AF507438-7753-43E0-B8FC-AC1667EBCBE1}">
-              <a14:hiddenEffects xmlns:a14="http://schemas.microsoft.com/office/drawing/2010/main">
-                <a:effectLst>
-                  <a:outerShdw dist="35921" dir="2700000" algn="ctr" rotWithShape="0">
-                    <a:schemeClr val="bg2"/>
-                  </a:outerShdw>
-                </a:effectLst>
-              </a14:hiddenEffects>
-            </a:ext>
-          </a:extLst>
-        </p:spPr>
-        <p:txBody>
-          <a:bodyPr wrap="square">
-            <a:spAutoFit/>
-          </a:bodyPr>
-          <a:lstStyle/>
-          <a:p>
-            <a:pPr>
-              <a:spcBef>
-                <a:spcPct val="50000"/>
-              </a:spcBef>
-            </a:pPr>
-            <a:r>
-              <a:rPr lang="en-GB" altLang="en-US" sz="1200" b="1" dirty="0">
-                <a:solidFill>
-                  <a:schemeClr val="bg1"/>
-                </a:solidFill>
-                <a:latin typeface="Century Gothic" panose="020B0502020202020204" pitchFamily="34" charset="0"/>
-              </a:rPr>
-              <a:t>PLEASE SWITCH OFF YOUR MOBILE PHONE</a:t>
-            </a:r>
-            <a:endParaRPr lang="en-US" altLang="en-US" sz="1200" b="1" dirty="0">
-              <a:solidFill>
-                <a:schemeClr val="bg1"/>
-              </a:solidFill>
-              <a:latin typeface="Century Gothic" panose="020B0502020202020204" pitchFamily="34" charset="0"/>
-            </a:endParaRPr>
-          </a:p>
-        </p:txBody>
-      </p:sp>
-      <p:pic>
-        <p:nvPicPr>
-          <p:cNvPr id="11" name="Picture 2" descr="Custom No Mobile Phones Sign | The Sign Shed">
-            <a:extLst>
-              <a:ext uri="{FF2B5EF4-FFF2-40B4-BE49-F238E27FC236}">
-                <a16:creationId xmlns:a16="http://schemas.microsoft.com/office/drawing/2014/main" id="{69B74F00-D138-4D1A-BB3A-FF6169EDC215}"/>
+                <a16:creationId xmlns:a16="http://schemas.microsoft.com/office/drawing/2014/main" id="{EF8D15DB-F83E-5ECF-5377-49C260198166}"/>
               </a:ext>
             </a:extLst>
           </p:cNvPr>
           <p:cNvPicPr>
-            <a:picLocks noChangeAspect="1" noChangeArrowheads="1"/>
+            <a:picLocks noChangeAspect="1"/>
           </p:cNvPicPr>
           <p:nvPr/>
         </p:nvPicPr>
-        <p:blipFill rotWithShape="1">
+        <p:blipFill>
           <a:blip r:embed="rId2" cstate="print">
             <a:extLst>
               <a:ext uri="{28A0092B-C50C-407E-A947-70E740481C1C}">
@@ -5338,30 +4857,26 @@
               </a:ext>
             </a:extLst>
           </a:blip>
-          <a:srcRect l="3327" t="11250" r="71169" b="12911"/>
-          <a:stretch/>
+          <a:stretch>
+            <a:fillRect/>
+          </a:stretch>
         </p:blipFill>
-        <p:spPr bwMode="auto">
+        <p:spPr>
           <a:xfrm>
-            <a:off x="335360" y="6202015"/>
-            <a:ext cx="432048" cy="432048"/>
+            <a:off x="335359" y="6269250"/>
+            <a:ext cx="2664297" cy="344791"/>
           </a:xfrm>
           <a:prstGeom prst="rect">
             <a:avLst/>
           </a:prstGeom>
-          <a:noFill/>
-          <a:extLst>
-            <a:ext uri="{909E8E84-426E-40DD-AFC4-6F175D3DCCD1}">
-              <a14:hiddenFill xmlns:a14="http://schemas.microsoft.com/office/drawing/2010/main">
-                <a:solidFill>
-                  <a:srgbClr val="FFFFFF"/>
-                </a:solidFill>
-              </a14:hiddenFill>
-            </a:ext>
-          </a:extLst>
         </p:spPr>
       </p:pic>
     </p:spTree>
+    <p:extLst>
+      <p:ext uri="{BB962C8B-B14F-4D97-AF65-F5344CB8AC3E}">
+        <p14:creationId xmlns:p14="http://schemas.microsoft.com/office/powerpoint/2010/main" val="3351645641"/>
+      </p:ext>
+    </p:extLst>
   </p:cSld>
   <p:clrMapOvr>
     <a:masterClrMapping/>
@@ -5388,6 +4903,181 @@
       </p:grpSpPr>
       <p:sp>
         <p:nvSpPr>
+          <p:cNvPr id="6" name="Text Box 12">
+            <a:extLst>
+              <a:ext uri="{FF2B5EF4-FFF2-40B4-BE49-F238E27FC236}">
+                <a16:creationId xmlns:a16="http://schemas.microsoft.com/office/drawing/2014/main" id="{BEA17A2D-ADBC-44E7-8241-0C2921ADB5E3}"/>
+              </a:ext>
+            </a:extLst>
+          </p:cNvPr>
+          <p:cNvSpPr txBox="1">
+            <a:spLocks noChangeArrowheads="1"/>
+          </p:cNvSpPr>
+          <p:nvPr/>
+        </p:nvSpPr>
+        <p:spPr bwMode="auto">
+          <a:xfrm>
+            <a:off x="1" y="908720"/>
+            <a:ext cx="12192000" cy="5256584"/>
+          </a:xfrm>
+          <a:prstGeom prst="rect">
+            <a:avLst/>
+          </a:prstGeom>
+          <a:noFill/>
+          <a:ln>
+            <a:noFill/>
+          </a:ln>
+          <a:effectLst/>
+          <a:extLst>
+            <a:ext uri="{909E8E84-426E-40DD-AFC4-6F175D3DCCD1}">
+              <a14:hiddenFill xmlns:a14="http://schemas.microsoft.com/office/drawing/2010/main">
+                <a:solidFill>
+                  <a:schemeClr val="accent1"/>
+                </a:solidFill>
+              </a14:hiddenFill>
+            </a:ext>
+            <a:ext uri="{91240B29-F687-4F45-9708-019B960494DF}">
+              <a14:hiddenLine xmlns:a14="http://schemas.microsoft.com/office/drawing/2010/main" w="9525">
+                <a:solidFill>
+                  <a:schemeClr val="tx1"/>
+                </a:solidFill>
+                <a:miter lim="800000"/>
+                <a:headEnd/>
+                <a:tailEnd/>
+              </a14:hiddenLine>
+            </a:ext>
+            <a:ext uri="{AF507438-7753-43E0-B8FC-AC1667EBCBE1}">
+              <a14:hiddenEffects xmlns:a14="http://schemas.microsoft.com/office/drawing/2010/main">
+                <a:effectLst>
+                  <a:outerShdw dist="35921" dir="2700000" algn="ctr" rotWithShape="0">
+                    <a:schemeClr val="bg2"/>
+                  </a:outerShdw>
+                </a:effectLst>
+              </a14:hiddenEffects>
+            </a:ext>
+          </a:extLst>
+        </p:spPr>
+        <p:txBody>
+          <a:bodyPr wrap="square">
+            <a:noAutofit/>
+          </a:bodyPr>
+          <a:lstStyle/>
+          <a:p>
+            <a:pPr algn="ctr"/>
+            <a:endParaRPr lang="en-GB" altLang="zh-TW" sz="2200" b="1" dirty="0">
+              <a:solidFill>
+                <a:schemeClr val="bg1"/>
+              </a:solidFill>
+              <a:latin typeface="Century Gothic" panose="020B0502020202020204" pitchFamily="34" charset="0"/>
+              <a:ea typeface="金梅新中楷全字體" panose="02010509060101010101" pitchFamily="49" charset="-120"/>
+            </a:endParaRPr>
+          </a:p>
+        </p:txBody>
+      </p:sp>
+      <p:sp>
+        <p:nvSpPr>
+          <p:cNvPr id="7" name="Text Box 12">
+            <a:extLst>
+              <a:ext uri="{FF2B5EF4-FFF2-40B4-BE49-F238E27FC236}">
+                <a16:creationId xmlns:a16="http://schemas.microsoft.com/office/drawing/2014/main" id="{4A814393-22EC-4030-B099-593A4A5B942E}"/>
+              </a:ext>
+            </a:extLst>
+          </p:cNvPr>
+          <p:cNvSpPr txBox="1">
+            <a:spLocks noChangeArrowheads="1"/>
+          </p:cNvSpPr>
+          <p:nvPr/>
+        </p:nvSpPr>
+        <p:spPr bwMode="auto">
+          <a:xfrm>
+            <a:off x="1871470" y="260648"/>
+            <a:ext cx="8449060" cy="648072"/>
+          </a:xfrm>
+          <a:prstGeom prst="rect">
+            <a:avLst/>
+          </a:prstGeom>
+          <a:noFill/>
+          <a:ln>
+            <a:noFill/>
+          </a:ln>
+          <a:effectLst/>
+          <a:extLst>
+            <a:ext uri="{909E8E84-426E-40DD-AFC4-6F175D3DCCD1}">
+              <a14:hiddenFill xmlns:a14="http://schemas.microsoft.com/office/drawing/2010/main">
+                <a:solidFill>
+                  <a:schemeClr val="accent1"/>
+                </a:solidFill>
+              </a14:hiddenFill>
+            </a:ext>
+            <a:ext uri="{91240B29-F687-4F45-9708-019B960494DF}">
+              <a14:hiddenLine xmlns:a14="http://schemas.microsoft.com/office/drawing/2010/main" w="9525">
+                <a:solidFill>
+                  <a:schemeClr val="tx1"/>
+                </a:solidFill>
+                <a:miter lim="800000"/>
+                <a:headEnd/>
+                <a:tailEnd/>
+              </a14:hiddenLine>
+            </a:ext>
+            <a:ext uri="{AF507438-7753-43E0-B8FC-AC1667EBCBE1}">
+              <a14:hiddenEffects xmlns:a14="http://schemas.microsoft.com/office/drawing/2010/main">
+                <a:effectLst>
+                  <a:outerShdw dist="35921" dir="2700000" algn="ctr" rotWithShape="0">
+                    <a:schemeClr val="bg2"/>
+                  </a:outerShdw>
+                </a:effectLst>
+              </a14:hiddenEffects>
+            </a:ext>
+          </a:extLst>
+        </p:spPr>
+        <p:txBody>
+          <a:bodyPr wrap="square">
+            <a:noAutofit/>
+          </a:bodyPr>
+          <a:lstStyle/>
+          <a:p>
+            <a:pPr algn="ctr"/>
+            <a:r>
+              <a:rPr lang="en-GB" altLang="en-US" sz="3200" b="1" u="sng" dirty="0">
+                <a:solidFill>
+                  <a:schemeClr val="bg1"/>
+                </a:solidFill>
+                <a:latin typeface="Century Gothic" panose="020B0502020202020204" pitchFamily="34" charset="0"/>
+              </a:rPr>
+              <a:t>Prayer Requests</a:t>
+            </a:r>
+            <a:r>
+              <a:rPr lang="en-GB" altLang="en-US" sz="3200" b="1" u="sng" dirty="0">
+                <a:solidFill>
+                  <a:schemeClr val="bg1"/>
+                </a:solidFill>
+                <a:latin typeface="Century Gothic" panose="020B0502020202020204" pitchFamily="34" charset="0"/>
+                <a:ea typeface="金梅新中楷全字體" panose="02010509060101010101" pitchFamily="49" charset="-120"/>
+              </a:rPr>
+              <a:t>- </a:t>
+            </a:r>
+            <a:r>
+              <a:rPr lang="zh-TW" altLang="en-US" sz="3200" b="1" u="sng" dirty="0">
+                <a:solidFill>
+                  <a:schemeClr val="bg1"/>
+                </a:solidFill>
+                <a:latin typeface="Century Gothic" panose="020B0502020202020204" pitchFamily="34" charset="0"/>
+                <a:ea typeface="金梅新中楷全字體" panose="02010509060101010101" pitchFamily="49" charset="-120"/>
+              </a:rPr>
+              <a:t>代禱</a:t>
+            </a:r>
+            <a:endParaRPr lang="en-GB" altLang="zh-TW" sz="3200" b="1" u="sng" dirty="0">
+              <a:solidFill>
+                <a:schemeClr val="bg1"/>
+              </a:solidFill>
+              <a:latin typeface="Century Gothic" panose="020B0502020202020204" pitchFamily="34" charset="0"/>
+              <a:ea typeface="金梅新中楷全字體" panose="02010509060101010101" pitchFamily="49" charset="-120"/>
+            </a:endParaRPr>
+          </a:p>
+        </p:txBody>
+      </p:sp>
+      <p:sp>
+        <p:nvSpPr>
           <p:cNvPr id="8" name="Title 1">
             <a:extLst>
               <a:ext uri="{FF2B5EF4-FFF2-40B4-BE49-F238E27FC236}">
@@ -5416,70 +5106,48 @@
               <a:rPr lang="en-GB" dirty="0">
                 <a:latin typeface="Century Gothic" panose="020B0502020202020204" pitchFamily="34" charset="0"/>
               </a:rPr>
-              <a:t>Prayer Requests (</a:t>
-            </a:r>
-            <a:r>
-              <a:rPr lang="en-GB" dirty="0" err="1">
-                <a:latin typeface="Century Gothic" panose="020B0502020202020204" pitchFamily="34" charset="0"/>
-              </a:rPr>
-              <a:t>Streamelements</a:t>
-            </a:r>
-            <a:r>
-              <a:rPr lang="en-GB" dirty="0">
-                <a:latin typeface="Century Gothic" panose="020B0502020202020204" pitchFamily="34" charset="0"/>
-              </a:rPr>
-              <a:t>)</a:t>
-            </a:r>
-          </a:p>
-        </p:txBody>
-      </p:sp>
-      <p:sp>
-        <p:nvSpPr>
-          <p:cNvPr id="2" name="TextBox 1">
+              <a:t>Prayer Requests</a:t>
+            </a:r>
+          </a:p>
+        </p:txBody>
+      </p:sp>
+      <p:pic>
+        <p:nvPicPr>
+          <p:cNvPr id="12" name="Picture 11" descr="Logo&#10;&#10;Description automatically generated with medium confidence">
             <a:extLst>
               <a:ext uri="{FF2B5EF4-FFF2-40B4-BE49-F238E27FC236}">
-                <a16:creationId xmlns:a16="http://schemas.microsoft.com/office/drawing/2014/main" id="{6EC0A171-41D3-4538-A3AA-95F4377BCA8B}"/>
+                <a16:creationId xmlns:a16="http://schemas.microsoft.com/office/drawing/2014/main" id="{283A1F9D-9D7A-BE3F-52D7-C209A5783C48}"/>
               </a:ext>
             </a:extLst>
           </p:cNvPr>
-          <p:cNvSpPr txBox="1"/>
+          <p:cNvPicPr>
+            <a:picLocks noChangeAspect="1"/>
+          </p:cNvPicPr>
           <p:nvPr/>
-        </p:nvSpPr>
+        </p:nvPicPr>
+        <p:blipFill>
+          <a:blip r:embed="rId2" cstate="print">
+            <a:extLst>
+              <a:ext uri="{28A0092B-C50C-407E-A947-70E740481C1C}">
+                <a14:useLocalDpi xmlns:a14="http://schemas.microsoft.com/office/drawing/2010/main" val="0"/>
+              </a:ext>
+            </a:extLst>
+          </a:blip>
+          <a:stretch>
+            <a:fillRect/>
+          </a:stretch>
+        </p:blipFill>
         <p:spPr>
           <a:xfrm>
-            <a:off x="3575720" y="3105834"/>
-            <a:ext cx="5040560" cy="646331"/>
+            <a:off x="335359" y="6269250"/>
+            <a:ext cx="2664297" cy="344791"/>
           </a:xfrm>
           <a:prstGeom prst="rect">
             <a:avLst/>
           </a:prstGeom>
-          <a:noFill/>
         </p:spPr>
-        <p:txBody>
-          <a:bodyPr wrap="square" rtlCol="0">
-            <a:spAutoFit/>
-          </a:bodyPr>
-          <a:lstStyle/>
-          <a:p>
-            <a:pPr algn="ctr"/>
-            <a:r>
-              <a:rPr lang="en-GB" sz="3600" b="1" dirty="0">
-                <a:solidFill>
-                  <a:schemeClr val="bg1"/>
-                </a:solidFill>
-                <a:latin typeface="Century Gothic" panose="020B0502020202020204" pitchFamily="34" charset="0"/>
-              </a:rPr>
-              <a:t>IMAGE PLACEHOLDER</a:t>
-            </a:r>
-          </a:p>
-        </p:txBody>
-      </p:sp>
+      </p:pic>
     </p:spTree>
-    <p:extLst>
-      <p:ext uri="{BB962C8B-B14F-4D97-AF65-F5344CB8AC3E}">
-        <p14:creationId xmlns:p14="http://schemas.microsoft.com/office/powerpoint/2010/main" val="3351645641"/>
-      </p:ext>
-    </p:extLst>
   </p:cSld>
   <p:clrMapOvr>
     <a:masterClrMapping/>
@@ -5520,8 +5188,8 @@
         </p:nvSpPr>
         <p:spPr bwMode="auto">
           <a:xfrm>
-            <a:off x="1524000" y="597314"/>
-            <a:ext cx="9144000" cy="6432086"/>
+            <a:off x="0" y="908720"/>
+            <a:ext cx="12192000" cy="5360530"/>
           </a:xfrm>
           <a:prstGeom prst="rect">
             <a:avLst/>
@@ -5593,7 +5261,7 @@
         </p:nvSpPr>
         <p:spPr bwMode="auto">
           <a:xfrm>
-            <a:off x="2615493" y="165266"/>
+            <a:off x="2615493" y="260648"/>
             <a:ext cx="6961014" cy="432048"/>
           </a:xfrm>
           <a:prstGeom prst="rect">
@@ -5714,186 +5382,21 @@
           </a:p>
         </p:txBody>
       </p:sp>
-      <p:sp>
-        <p:nvSpPr>
-          <p:cNvPr id="15" name="Text Box 11">
+      <p:pic>
+        <p:nvPicPr>
+          <p:cNvPr id="8" name="Picture 7" descr="Logo&#10;&#10;Description automatically generated with medium confidence">
             <a:extLst>
               <a:ext uri="{FF2B5EF4-FFF2-40B4-BE49-F238E27FC236}">
-                <a16:creationId xmlns:a16="http://schemas.microsoft.com/office/drawing/2014/main" id="{477ACD59-8BFC-4C4F-A03C-2734A0DDEA0E}"/>
-              </a:ext>
-            </a:extLst>
-          </p:cNvPr>
-          <p:cNvSpPr txBox="1">
-            <a:spLocks noChangeArrowheads="1"/>
-          </p:cNvSpPr>
-          <p:nvPr/>
-        </p:nvSpPr>
-        <p:spPr bwMode="auto">
-          <a:xfrm>
-            <a:off x="767482" y="6165304"/>
-            <a:ext cx="2736156" cy="338554"/>
-          </a:xfrm>
-          <a:prstGeom prst="rect">
-            <a:avLst/>
-          </a:prstGeom>
-          <a:noFill/>
-          <a:ln>
-            <a:noFill/>
-          </a:ln>
-          <a:effectLst/>
-          <a:extLst>
-            <a:ext uri="{909E8E84-426E-40DD-AFC4-6F175D3DCCD1}">
-              <a14:hiddenFill xmlns:a14="http://schemas.microsoft.com/office/drawing/2010/main">
-                <a:solidFill>
-                  <a:schemeClr val="accent1"/>
-                </a:solidFill>
-              </a14:hiddenFill>
-            </a:ext>
-            <a:ext uri="{91240B29-F687-4F45-9708-019B960494DF}">
-              <a14:hiddenLine xmlns:a14="http://schemas.microsoft.com/office/drawing/2010/main" w="9525">
-                <a:solidFill>
-                  <a:schemeClr val="tx1"/>
-                </a:solidFill>
-                <a:miter lim="800000"/>
-                <a:headEnd/>
-                <a:tailEnd/>
-              </a14:hiddenLine>
-            </a:ext>
-            <a:ext uri="{AF507438-7753-43E0-B8FC-AC1667EBCBE1}">
-              <a14:hiddenEffects xmlns:a14="http://schemas.microsoft.com/office/drawing/2010/main">
-                <a:effectLst>
-                  <a:outerShdw dist="35921" dir="2700000" algn="ctr" rotWithShape="0">
-                    <a:schemeClr val="bg2"/>
-                  </a:outerShdw>
-                </a:effectLst>
-              </a14:hiddenEffects>
-            </a:ext>
-          </a:extLst>
-        </p:spPr>
-        <p:txBody>
-          <a:bodyPr wrap="square">
-            <a:spAutoFit/>
-          </a:bodyPr>
-          <a:lstStyle/>
-          <a:p>
-            <a:pPr>
-              <a:spcBef>
-                <a:spcPct val="50000"/>
-              </a:spcBef>
-            </a:pPr>
-            <a:r>
-              <a:rPr lang="en-US" altLang="en-US" sz="1600" dirty="0">
-                <a:solidFill>
-                  <a:schemeClr val="bg1"/>
-                </a:solidFill>
-                <a:latin typeface="Century Gothic" panose="020B0502020202020204" pitchFamily="34" charset="0"/>
-                <a:ea typeface="金梅新中楷全字體" panose="02010509060101010101" pitchFamily="49" charset="-120"/>
-              </a:rPr>
-              <a:t>請 關 您 的 手 提 電 話 </a:t>
-            </a:r>
-          </a:p>
-        </p:txBody>
-      </p:sp>
-      <p:sp>
-        <p:nvSpPr>
-          <p:cNvPr id="16" name="Text Box 12">
-            <a:extLst>
-              <a:ext uri="{FF2B5EF4-FFF2-40B4-BE49-F238E27FC236}">
-                <a16:creationId xmlns:a16="http://schemas.microsoft.com/office/drawing/2014/main" id="{B3226B90-A60E-4858-9843-992A1A218231}"/>
-              </a:ext>
-            </a:extLst>
-          </p:cNvPr>
-          <p:cNvSpPr txBox="1">
-            <a:spLocks noChangeArrowheads="1"/>
-          </p:cNvSpPr>
-          <p:nvPr/>
-        </p:nvSpPr>
-        <p:spPr bwMode="auto">
-          <a:xfrm>
-            <a:off x="767482" y="6427242"/>
-            <a:ext cx="3672334" cy="276999"/>
-          </a:xfrm>
-          <a:prstGeom prst="rect">
-            <a:avLst/>
-          </a:prstGeom>
-          <a:noFill/>
-          <a:ln>
-            <a:noFill/>
-          </a:ln>
-          <a:effectLst/>
-          <a:extLst>
-            <a:ext uri="{909E8E84-426E-40DD-AFC4-6F175D3DCCD1}">
-              <a14:hiddenFill xmlns:a14="http://schemas.microsoft.com/office/drawing/2010/main">
-                <a:solidFill>
-                  <a:schemeClr val="accent1"/>
-                </a:solidFill>
-              </a14:hiddenFill>
-            </a:ext>
-            <a:ext uri="{91240B29-F687-4F45-9708-019B960494DF}">
-              <a14:hiddenLine xmlns:a14="http://schemas.microsoft.com/office/drawing/2010/main" w="9525">
-                <a:solidFill>
-                  <a:schemeClr val="tx1"/>
-                </a:solidFill>
-                <a:miter lim="800000"/>
-                <a:headEnd/>
-                <a:tailEnd/>
-              </a14:hiddenLine>
-            </a:ext>
-            <a:ext uri="{AF507438-7753-43E0-B8FC-AC1667EBCBE1}">
-              <a14:hiddenEffects xmlns:a14="http://schemas.microsoft.com/office/drawing/2010/main">
-                <a:effectLst>
-                  <a:outerShdw dist="35921" dir="2700000" algn="ctr" rotWithShape="0">
-                    <a:schemeClr val="bg2"/>
-                  </a:outerShdw>
-                </a:effectLst>
-              </a14:hiddenEffects>
-            </a:ext>
-          </a:extLst>
-        </p:spPr>
-        <p:txBody>
-          <a:bodyPr wrap="square">
-            <a:spAutoFit/>
-          </a:bodyPr>
-          <a:lstStyle/>
-          <a:p>
-            <a:pPr>
-              <a:spcBef>
-                <a:spcPct val="50000"/>
-              </a:spcBef>
-            </a:pPr>
-            <a:r>
-              <a:rPr lang="en-GB" altLang="en-US" sz="1200" b="1" dirty="0">
-                <a:solidFill>
-                  <a:schemeClr val="bg1"/>
-                </a:solidFill>
-                <a:latin typeface="Century Gothic" panose="020B0502020202020204" pitchFamily="34" charset="0"/>
-              </a:rPr>
-              <a:t>PLEASE SWITCH OFF YOUR MOBILE PHONE</a:t>
-            </a:r>
-            <a:endParaRPr lang="en-US" altLang="en-US" sz="1200" b="1" dirty="0">
-              <a:solidFill>
-                <a:schemeClr val="bg1"/>
-              </a:solidFill>
-              <a:latin typeface="Century Gothic" panose="020B0502020202020204" pitchFamily="34" charset="0"/>
-            </a:endParaRPr>
-          </a:p>
-        </p:txBody>
-      </p:sp>
-      <p:pic>
-        <p:nvPicPr>
-          <p:cNvPr id="17" name="Picture 2" descr="Custom No Mobile Phones Sign | The Sign Shed">
-            <a:extLst>
-              <a:ext uri="{FF2B5EF4-FFF2-40B4-BE49-F238E27FC236}">
-                <a16:creationId xmlns:a16="http://schemas.microsoft.com/office/drawing/2014/main" id="{118396B3-35BF-481E-B54E-C6514DEC0556}"/>
+                <a16:creationId xmlns:a16="http://schemas.microsoft.com/office/drawing/2014/main" id="{A65649BC-6B24-CAB9-AF72-440EBBC7D223}"/>
               </a:ext>
             </a:extLst>
           </p:cNvPr>
           <p:cNvPicPr>
-            <a:picLocks noChangeAspect="1" noChangeArrowheads="1"/>
+            <a:picLocks noChangeAspect="1"/>
           </p:cNvPicPr>
           <p:nvPr/>
         </p:nvPicPr>
-        <p:blipFill rotWithShape="1">
+        <p:blipFill>
           <a:blip r:embed="rId2" cstate="print">
             <a:extLst>
               <a:ext uri="{28A0092B-C50C-407E-A947-70E740481C1C}">
@@ -5901,27 +5404,18 @@
               </a:ext>
             </a:extLst>
           </a:blip>
-          <a:srcRect l="3327" t="11250" r="71169" b="12911"/>
-          <a:stretch/>
+          <a:stretch>
+            <a:fillRect/>
+          </a:stretch>
         </p:blipFill>
-        <p:spPr bwMode="auto">
+        <p:spPr>
           <a:xfrm>
-            <a:off x="335360" y="6202015"/>
-            <a:ext cx="432048" cy="432048"/>
+            <a:off x="335359" y="6269250"/>
+            <a:ext cx="2664297" cy="344791"/>
           </a:xfrm>
           <a:prstGeom prst="rect">
             <a:avLst/>
           </a:prstGeom>
-          <a:noFill/>
-          <a:extLst>
-            <a:ext uri="{909E8E84-426E-40DD-AFC4-6F175D3DCCD1}">
-              <a14:hiddenFill xmlns:a14="http://schemas.microsoft.com/office/drawing/2010/main">
-                <a:solidFill>
-                  <a:srgbClr val="FFFFFF"/>
-                </a:solidFill>
-              </a14:hiddenFill>
-            </a:ext>
-          </a:extLst>
         </p:spPr>
       </p:pic>
     </p:spTree>
@@ -5968,7 +5462,7 @@
         </p:nvSpPr>
         <p:spPr>
           <a:xfrm>
-            <a:off x="623392" y="1418731"/>
+            <a:off x="551384" y="2204864"/>
             <a:ext cx="5616624" cy="735779"/>
           </a:xfrm>
           <a:prstGeom prst="rect">
@@ -5988,23 +5482,23 @@
               </a:lnSpc>
             </a:pPr>
             <a:r>
-              <a:rPr lang="en-GB" sz="3200" b="1" dirty="0">
+              <a:rPr lang="en-GB" sz="3200" dirty="0">
                 <a:solidFill>
                   <a:schemeClr val="bg1"/>
                 </a:solidFill>
                 <a:latin typeface="Century Gothic" panose="020B0502020202020204" pitchFamily="34" charset="0"/>
               </a:rPr>
-              <a:t>Bread:</a:t>
-            </a:r>
-          </a:p>
-        </p:txBody>
-      </p:sp>
-      <p:sp>
-        <p:nvSpPr>
-          <p:cNvPr id="9" name="TextBox 8">
+              <a:t>-</a:t>
+            </a:r>
+          </a:p>
+        </p:txBody>
+      </p:sp>
+      <p:sp>
+        <p:nvSpPr>
+          <p:cNvPr id="11" name="TextBox 10">
             <a:extLst>
               <a:ext uri="{FF2B5EF4-FFF2-40B4-BE49-F238E27FC236}">
-                <a16:creationId xmlns:a16="http://schemas.microsoft.com/office/drawing/2014/main" id="{4A2FC0DC-54B3-4412-B6AE-526721ED8741}"/>
+                <a16:creationId xmlns:a16="http://schemas.microsoft.com/office/drawing/2014/main" id="{60901149-CE29-414A-E785-70ADD41E8777}"/>
               </a:ext>
             </a:extLst>
           </p:cNvPr>
@@ -6013,7 +5507,7 @@
         </p:nvSpPr>
         <p:spPr>
           <a:xfrm>
-            <a:off x="5951984" y="1418731"/>
+            <a:off x="5879976" y="2204864"/>
             <a:ext cx="5616624" cy="735779"/>
           </a:xfrm>
           <a:prstGeom prst="rect">
@@ -6033,13 +5527,13 @@
               </a:lnSpc>
             </a:pPr>
             <a:r>
-              <a:rPr lang="en-GB" sz="3200" b="1" dirty="0">
+              <a:rPr lang="en-GB" sz="3200" dirty="0">
                 <a:solidFill>
                   <a:schemeClr val="bg1"/>
                 </a:solidFill>
                 <a:latin typeface="Century Gothic" panose="020B0502020202020204" pitchFamily="34" charset="0"/>
               </a:rPr>
-              <a:t>Cup:</a:t>
+              <a:t>-</a:t>
             </a:r>
           </a:p>
         </p:txBody>
@@ -6060,7 +5554,7 @@
         </p:nvSpPr>
         <p:spPr bwMode="auto">
           <a:xfrm>
-            <a:off x="2615493" y="165266"/>
+            <a:off x="2615493" y="333015"/>
             <a:ext cx="6961014" cy="671446"/>
           </a:xfrm>
           <a:prstGeom prst="rect">
@@ -6171,237 +5665,132 @@
           </a:p>
         </p:txBody>
       </p:sp>
-      <p:grpSp>
-        <p:nvGrpSpPr>
-          <p:cNvPr id="3" name="Group 2">
+      <p:pic>
+        <p:nvPicPr>
+          <p:cNvPr id="10" name="Picture 9" descr="Logo&#10;&#10;Description automatically generated with medium confidence">
             <a:extLst>
               <a:ext uri="{FF2B5EF4-FFF2-40B4-BE49-F238E27FC236}">
-                <a16:creationId xmlns:a16="http://schemas.microsoft.com/office/drawing/2014/main" id="{840D6C36-748A-4206-AE63-8E2CE72D6360}"/>
+                <a16:creationId xmlns:a16="http://schemas.microsoft.com/office/drawing/2014/main" id="{09972652-1A6A-1B4B-0131-D25F4E4DEDD8}"/>
               </a:ext>
             </a:extLst>
           </p:cNvPr>
-          <p:cNvGrpSpPr/>
+          <p:cNvPicPr>
+            <a:picLocks noChangeAspect="1"/>
+          </p:cNvPicPr>
           <p:nvPr/>
-        </p:nvGrpSpPr>
-        <p:grpSpPr>
-          <a:xfrm>
-            <a:off x="335360" y="6165304"/>
-            <a:ext cx="4104456" cy="538937"/>
-            <a:chOff x="335360" y="6165304"/>
-            <a:chExt cx="4104456" cy="538937"/>
-          </a:xfrm>
-        </p:grpSpPr>
-        <p:sp>
-          <p:nvSpPr>
-            <p:cNvPr id="15" name="Text Box 11">
-              <a:extLst>
-                <a:ext uri="{FF2B5EF4-FFF2-40B4-BE49-F238E27FC236}">
-                  <a16:creationId xmlns:a16="http://schemas.microsoft.com/office/drawing/2014/main" id="{477ACD59-8BFC-4C4F-A03C-2734A0DDEA0E}"/>
-                </a:ext>
-              </a:extLst>
-            </p:cNvPr>
-            <p:cNvSpPr txBox="1">
-              <a:spLocks noChangeArrowheads="1"/>
-            </p:cNvSpPr>
-            <p:nvPr/>
-          </p:nvSpPr>
-          <p:spPr bwMode="auto">
-            <a:xfrm>
-              <a:off x="767482" y="6165304"/>
-              <a:ext cx="2736156" cy="338554"/>
-            </a:xfrm>
-            <a:prstGeom prst="rect">
-              <a:avLst/>
-            </a:prstGeom>
-            <a:noFill/>
-            <a:ln>
-              <a:noFill/>
-            </a:ln>
-            <a:effectLst/>
+        </p:nvPicPr>
+        <p:blipFill>
+          <a:blip r:embed="rId2" cstate="print">
             <a:extLst>
-              <a:ext uri="{909E8E84-426E-40DD-AFC4-6F175D3DCCD1}">
-                <a14:hiddenFill xmlns:a14="http://schemas.microsoft.com/office/drawing/2010/main">
-                  <a:solidFill>
-                    <a:schemeClr val="accent1"/>
-                  </a:solidFill>
-                </a14:hiddenFill>
-              </a:ext>
-              <a:ext uri="{91240B29-F687-4F45-9708-019B960494DF}">
-                <a14:hiddenLine xmlns:a14="http://schemas.microsoft.com/office/drawing/2010/main" w="9525">
-                  <a:solidFill>
-                    <a:schemeClr val="tx1"/>
-                  </a:solidFill>
-                  <a:miter lim="800000"/>
-                  <a:headEnd/>
-                  <a:tailEnd/>
-                </a14:hiddenLine>
-              </a:ext>
-              <a:ext uri="{AF507438-7753-43E0-B8FC-AC1667EBCBE1}">
-                <a14:hiddenEffects xmlns:a14="http://schemas.microsoft.com/office/drawing/2010/main">
-                  <a:effectLst>
-                    <a:outerShdw dist="35921" dir="2700000" algn="ctr" rotWithShape="0">
-                      <a:schemeClr val="bg2"/>
-                    </a:outerShdw>
-                  </a:effectLst>
-                </a14:hiddenEffects>
+              <a:ext uri="{28A0092B-C50C-407E-A947-70E740481C1C}">
+                <a14:useLocalDpi xmlns:a14="http://schemas.microsoft.com/office/drawing/2010/main" val="0"/>
               </a:ext>
             </a:extLst>
-          </p:spPr>
-          <p:txBody>
-            <a:bodyPr wrap="square">
-              <a:spAutoFit/>
-            </a:bodyPr>
-            <a:lstStyle/>
-            <a:p>
-              <a:pPr>
-                <a:spcBef>
-                  <a:spcPct val="50000"/>
-                </a:spcBef>
-              </a:pPr>
-              <a:r>
-                <a:rPr lang="en-US" altLang="en-US" sz="1600" dirty="0">
-                  <a:solidFill>
-                    <a:schemeClr val="bg1"/>
-                  </a:solidFill>
-                  <a:latin typeface="Century Gothic" panose="020B0502020202020204" pitchFamily="34" charset="0"/>
-                  <a:ea typeface="金梅新中楷全字體" panose="02010509060101010101" pitchFamily="49" charset="-120"/>
-                </a:rPr>
-                <a:t>請 關 您 的 手 提 電 話 </a:t>
-              </a:r>
-            </a:p>
-          </p:txBody>
-        </p:sp>
-        <p:sp>
-          <p:nvSpPr>
-            <p:cNvPr id="16" name="Text Box 12">
-              <a:extLst>
-                <a:ext uri="{FF2B5EF4-FFF2-40B4-BE49-F238E27FC236}">
-                  <a16:creationId xmlns:a16="http://schemas.microsoft.com/office/drawing/2014/main" id="{B3226B90-A60E-4858-9843-992A1A218231}"/>
-                </a:ext>
-              </a:extLst>
-            </p:cNvPr>
-            <p:cNvSpPr txBox="1">
-              <a:spLocks noChangeArrowheads="1"/>
-            </p:cNvSpPr>
-            <p:nvPr/>
-          </p:nvSpPr>
-          <p:spPr bwMode="auto">
-            <a:xfrm>
-              <a:off x="767482" y="6427242"/>
-              <a:ext cx="3672334" cy="276999"/>
-            </a:xfrm>
-            <a:prstGeom prst="rect">
-              <a:avLst/>
-            </a:prstGeom>
-            <a:noFill/>
-            <a:ln>
-              <a:noFill/>
-            </a:ln>
-            <a:effectLst/>
+          </a:blip>
+          <a:stretch>
+            <a:fillRect/>
+          </a:stretch>
+        </p:blipFill>
+        <p:spPr>
+          <a:xfrm>
+            <a:off x="335359" y="6269250"/>
+            <a:ext cx="2664297" cy="344791"/>
+          </a:xfrm>
+          <a:prstGeom prst="rect">
+            <a:avLst/>
+          </a:prstGeom>
+        </p:spPr>
+      </p:pic>
+      <p:sp>
+        <p:nvSpPr>
+          <p:cNvPr id="7" name="TextBox 6">
             <a:extLst>
-              <a:ext uri="{909E8E84-426E-40DD-AFC4-6F175D3DCCD1}">
-                <a14:hiddenFill xmlns:a14="http://schemas.microsoft.com/office/drawing/2010/main">
-                  <a:solidFill>
-                    <a:schemeClr val="accent1"/>
-                  </a:solidFill>
-                </a14:hiddenFill>
-              </a:ext>
-              <a:ext uri="{91240B29-F687-4F45-9708-019B960494DF}">
-                <a14:hiddenLine xmlns:a14="http://schemas.microsoft.com/office/drawing/2010/main" w="9525">
-                  <a:solidFill>
-                    <a:schemeClr val="tx1"/>
-                  </a:solidFill>
-                  <a:miter lim="800000"/>
-                  <a:headEnd/>
-                  <a:tailEnd/>
-                </a14:hiddenLine>
-              </a:ext>
-              <a:ext uri="{AF507438-7753-43E0-B8FC-AC1667EBCBE1}">
-                <a14:hiddenEffects xmlns:a14="http://schemas.microsoft.com/office/drawing/2010/main">
-                  <a:effectLst>
-                    <a:outerShdw dist="35921" dir="2700000" algn="ctr" rotWithShape="0">
-                      <a:schemeClr val="bg2"/>
-                    </a:outerShdw>
-                  </a:effectLst>
-                </a14:hiddenEffects>
+              <a:ext uri="{FF2B5EF4-FFF2-40B4-BE49-F238E27FC236}">
+                <a16:creationId xmlns:a16="http://schemas.microsoft.com/office/drawing/2014/main" id="{A120D86B-9412-FFFA-2E86-3E358DE4B992}"/>
               </a:ext>
             </a:extLst>
-          </p:spPr>
-          <p:txBody>
-            <a:bodyPr wrap="square">
-              <a:spAutoFit/>
-            </a:bodyPr>
-            <a:lstStyle/>
-            <a:p>
-              <a:pPr>
-                <a:spcBef>
-                  <a:spcPct val="50000"/>
-                </a:spcBef>
-              </a:pPr>
-              <a:r>
-                <a:rPr lang="en-GB" altLang="en-US" sz="1200" b="1" dirty="0">
-                  <a:solidFill>
-                    <a:schemeClr val="bg1"/>
-                  </a:solidFill>
-                  <a:latin typeface="Century Gothic" panose="020B0502020202020204" pitchFamily="34" charset="0"/>
-                </a:rPr>
-                <a:t>PLEASE SWITCH OFF YOUR MOBILE PHONE</a:t>
-              </a:r>
-              <a:endParaRPr lang="en-US" altLang="en-US" sz="1200" b="1" dirty="0">
+          </p:cNvPr>
+          <p:cNvSpPr txBox="1"/>
+          <p:nvPr/>
+        </p:nvSpPr>
+        <p:spPr>
+          <a:xfrm>
+            <a:off x="551384" y="1495032"/>
+            <a:ext cx="5616624" cy="735779"/>
+          </a:xfrm>
+          <a:prstGeom prst="rect">
+            <a:avLst/>
+          </a:prstGeom>
+          <a:noFill/>
+        </p:spPr>
+        <p:txBody>
+          <a:bodyPr wrap="square" rtlCol="0">
+            <a:spAutoFit/>
+          </a:bodyPr>
+          <a:lstStyle/>
+          <a:p>
+            <a:pPr algn="ctr">
+              <a:lnSpc>
+                <a:spcPct val="150000"/>
+              </a:lnSpc>
+            </a:pPr>
+            <a:r>
+              <a:rPr lang="en-GB" sz="3200" b="1" dirty="0">
                 <a:solidFill>
                   <a:schemeClr val="bg1"/>
                 </a:solidFill>
                 <a:latin typeface="Century Gothic" panose="020B0502020202020204" pitchFamily="34" charset="0"/>
-              </a:endParaRPr>
-            </a:p>
-          </p:txBody>
-        </p:sp>
-        <p:pic>
-          <p:nvPicPr>
-            <p:cNvPr id="17" name="Picture 2" descr="Custom No Mobile Phones Sign | The Sign Shed">
-              <a:extLst>
-                <a:ext uri="{FF2B5EF4-FFF2-40B4-BE49-F238E27FC236}">
-                  <a16:creationId xmlns:a16="http://schemas.microsoft.com/office/drawing/2014/main" id="{118396B3-35BF-481E-B54E-C6514DEC0556}"/>
-                </a:ext>
-              </a:extLst>
-            </p:cNvPr>
-            <p:cNvPicPr>
-              <a:picLocks noChangeAspect="1" noChangeArrowheads="1"/>
-            </p:cNvPicPr>
-            <p:nvPr/>
-          </p:nvPicPr>
-          <p:blipFill rotWithShape="1">
-            <a:blip r:embed="rId2" cstate="print">
-              <a:extLst>
-                <a:ext uri="{28A0092B-C50C-407E-A947-70E740481C1C}">
-                  <a14:useLocalDpi xmlns:a14="http://schemas.microsoft.com/office/drawing/2010/main" val="0"/>
-                </a:ext>
-              </a:extLst>
-            </a:blip>
-            <a:srcRect l="3327" t="11250" r="71169" b="12911"/>
-            <a:stretch/>
-          </p:blipFill>
-          <p:spPr bwMode="auto">
-            <a:xfrm>
-              <a:off x="335360" y="6202015"/>
-              <a:ext cx="432048" cy="432048"/>
-            </a:xfrm>
-            <a:prstGeom prst="rect">
-              <a:avLst/>
-            </a:prstGeom>
-            <a:noFill/>
+              </a:rPr>
+              <a:t>Bread:</a:t>
+            </a:r>
+          </a:p>
+        </p:txBody>
+      </p:sp>
+      <p:sp>
+        <p:nvSpPr>
+          <p:cNvPr id="8" name="TextBox 7">
             <a:extLst>
-              <a:ext uri="{909E8E84-426E-40DD-AFC4-6F175D3DCCD1}">
-                <a14:hiddenFill xmlns:a14="http://schemas.microsoft.com/office/drawing/2010/main">
-                  <a:solidFill>
-                    <a:srgbClr val="FFFFFF"/>
-                  </a:solidFill>
-                </a14:hiddenFill>
+              <a:ext uri="{FF2B5EF4-FFF2-40B4-BE49-F238E27FC236}">
+                <a16:creationId xmlns:a16="http://schemas.microsoft.com/office/drawing/2014/main" id="{FAE06038-3F4F-5E0F-699C-9FFE1D160046}"/>
               </a:ext>
             </a:extLst>
-          </p:spPr>
-        </p:pic>
-      </p:grpSp>
+          </p:cNvPr>
+          <p:cNvSpPr txBox="1"/>
+          <p:nvPr/>
+        </p:nvSpPr>
+        <p:spPr>
+          <a:xfrm>
+            <a:off x="5889398" y="1542131"/>
+            <a:ext cx="5616624" cy="735779"/>
+          </a:xfrm>
+          <a:prstGeom prst="rect">
+            <a:avLst/>
+          </a:prstGeom>
+          <a:noFill/>
+        </p:spPr>
+        <p:txBody>
+          <a:bodyPr wrap="square" rtlCol="0">
+            <a:spAutoFit/>
+          </a:bodyPr>
+          <a:lstStyle/>
+          <a:p>
+            <a:pPr algn="ctr">
+              <a:lnSpc>
+                <a:spcPct val="150000"/>
+              </a:lnSpc>
+            </a:pPr>
+            <a:r>
+              <a:rPr lang="en-GB" sz="3200" b="1" dirty="0">
+                <a:solidFill>
+                  <a:schemeClr val="bg1"/>
+                </a:solidFill>
+                <a:latin typeface="Century Gothic" panose="020B0502020202020204" pitchFamily="34" charset="0"/>
+              </a:rPr>
+              <a:t>Cup:</a:t>
+            </a:r>
+          </a:p>
+        </p:txBody>
+      </p:sp>
     </p:spTree>
     <p:extLst>
       <p:ext uri="{BB962C8B-B14F-4D97-AF65-F5344CB8AC3E}">
@@ -6470,256 +5859,13 @@
       </p:sp>
       <p:sp>
         <p:nvSpPr>
-          <p:cNvPr id="7171" name="Content Placeholder 2"/>
-          <p:cNvSpPr>
-            <a:spLocks noGrp="1"/>
-          </p:cNvSpPr>
-          <p:nvPr>
-            <p:ph idx="1"/>
-          </p:nvPr>
-        </p:nvSpPr>
-        <p:spPr/>
-        <p:txBody>
-          <a:bodyPr/>
-          <a:lstStyle/>
-          <a:p>
-            <a:pPr marL="0" indent="0">
-              <a:buNone/>
-            </a:pPr>
-            <a:endParaRPr lang="en-GB" altLang="en-US" sz="800" b="1" dirty="0">
-              <a:solidFill>
-                <a:schemeClr val="bg1"/>
-              </a:solidFill>
-              <a:latin typeface="Century Gothic" panose="020B0502020202020204" pitchFamily="34" charset="0"/>
-            </a:endParaRPr>
-          </a:p>
-          <a:p>
-            <a:pPr marL="0" indent="0">
-              <a:buNone/>
-            </a:pPr>
-            <a:r>
-              <a:rPr lang="en-GB" altLang="en-US" sz="2600" b="1" dirty="0">
-                <a:solidFill>
-                  <a:schemeClr val="bg1"/>
-                </a:solidFill>
-                <a:latin typeface="Century Gothic" panose="020B0502020202020204" pitchFamily="34" charset="0"/>
-              </a:rPr>
-              <a:t>Begin : </a:t>
-            </a:r>
-            <a:r>
-              <a:rPr lang="en-GB" altLang="en-US" sz="2600" dirty="0">
-                <a:solidFill>
-                  <a:schemeClr val="bg1"/>
-                </a:solidFill>
-                <a:latin typeface="Century Gothic" panose="020B0502020202020204" pitchFamily="34" charset="0"/>
-              </a:rPr>
-              <a:t>Hallelujah in the name of Jesus Christ I pray</a:t>
-            </a:r>
-          </a:p>
-          <a:p>
-            <a:pPr marL="0" indent="0">
-              <a:buNone/>
-            </a:pPr>
-            <a:r>
-              <a:rPr lang="zh-TW" altLang="en-US" b="1" dirty="0">
-                <a:solidFill>
-                  <a:schemeClr val="bg1"/>
-                </a:solidFill>
-                <a:latin typeface="Century Gothic" panose="020B0502020202020204" pitchFamily="34" charset="0"/>
-                <a:ea typeface="金梅新中楷全字體" pitchFamily="49" charset="-120"/>
-              </a:rPr>
-              <a:t>開始</a:t>
-            </a:r>
-            <a:r>
-              <a:rPr lang="en-GB" altLang="zh-TW" b="1" dirty="0">
-                <a:solidFill>
-                  <a:schemeClr val="bg1"/>
-                </a:solidFill>
-                <a:latin typeface="Century Gothic" panose="020B0502020202020204" pitchFamily="34" charset="0"/>
-                <a:ea typeface="金梅新中楷全字體" pitchFamily="49" charset="-120"/>
-              </a:rPr>
-              <a:t> : </a:t>
-            </a:r>
-            <a:r>
-              <a:rPr lang="zh-TW" altLang="en-US" b="1" dirty="0">
-                <a:solidFill>
-                  <a:schemeClr val="bg1"/>
-                </a:solidFill>
-                <a:latin typeface="Century Gothic" panose="020B0502020202020204" pitchFamily="34" charset="0"/>
-                <a:ea typeface="金梅新中楷全字體" pitchFamily="49" charset="-120"/>
-              </a:rPr>
-              <a:t>哈利路亞奉主耶穌聖名禱告</a:t>
-            </a:r>
-            <a:endParaRPr lang="en-GB" altLang="zh-TW" dirty="0">
-              <a:solidFill>
-                <a:schemeClr val="bg1"/>
-              </a:solidFill>
-              <a:latin typeface="Century Gothic" panose="020B0502020202020204" pitchFamily="34" charset="0"/>
-              <a:ea typeface="金梅新中楷全字體" pitchFamily="49" charset="-120"/>
-            </a:endParaRPr>
-          </a:p>
-          <a:p>
-            <a:pPr marL="0" indent="0">
-              <a:buNone/>
-            </a:pPr>
-            <a:endParaRPr lang="en-GB" altLang="en-US" sz="800" b="1" dirty="0">
-              <a:solidFill>
-                <a:schemeClr val="bg1"/>
-              </a:solidFill>
-              <a:latin typeface="Century Gothic" panose="020B0502020202020204" pitchFamily="34" charset="0"/>
-            </a:endParaRPr>
-          </a:p>
-          <a:p>
-            <a:pPr marL="0" indent="0">
-              <a:buNone/>
-            </a:pPr>
-            <a:r>
-              <a:rPr lang="en-GB" altLang="en-US" sz="2600" b="1" dirty="0">
-                <a:solidFill>
-                  <a:schemeClr val="bg1"/>
-                </a:solidFill>
-                <a:latin typeface="Century Gothic" panose="020B0502020202020204" pitchFamily="34" charset="0"/>
-              </a:rPr>
-              <a:t>During :</a:t>
-            </a:r>
-            <a:r>
-              <a:rPr lang="en-GB" altLang="en-US" sz="2600" dirty="0">
-                <a:solidFill>
-                  <a:schemeClr val="bg1"/>
-                </a:solidFill>
-                <a:latin typeface="Century Gothic" panose="020B0502020202020204" pitchFamily="34" charset="0"/>
-              </a:rPr>
-              <a:t> Hallelujah praise the Lord Jesus</a:t>
-            </a:r>
-          </a:p>
-          <a:p>
-            <a:pPr marL="0" indent="0">
-              <a:buNone/>
-            </a:pPr>
-            <a:r>
-              <a:rPr lang="zh-TW" altLang="en-US" b="1" dirty="0">
-                <a:solidFill>
-                  <a:schemeClr val="bg1"/>
-                </a:solidFill>
-                <a:latin typeface="Century Gothic" panose="020B0502020202020204" pitchFamily="34" charset="0"/>
-                <a:ea typeface="金梅新中楷全字體" pitchFamily="49" charset="-120"/>
-              </a:rPr>
-              <a:t>中間 </a:t>
-            </a:r>
-            <a:r>
-              <a:rPr lang="en-GB" altLang="zh-TW" b="1" dirty="0">
-                <a:solidFill>
-                  <a:schemeClr val="bg1"/>
-                </a:solidFill>
-                <a:latin typeface="Century Gothic" panose="020B0502020202020204" pitchFamily="34" charset="0"/>
-                <a:ea typeface="金梅新中楷全字體" pitchFamily="49" charset="-120"/>
-              </a:rPr>
-              <a:t>: </a:t>
-            </a:r>
-            <a:r>
-              <a:rPr lang="zh-TW" altLang="en-US" b="1" dirty="0">
-                <a:solidFill>
-                  <a:schemeClr val="bg1"/>
-                </a:solidFill>
-                <a:latin typeface="Century Gothic" panose="020B0502020202020204" pitchFamily="34" charset="0"/>
-                <a:ea typeface="金梅新中楷全字體" pitchFamily="49" charset="-120"/>
-              </a:rPr>
-              <a:t>哈利路亞讚美主耶穌</a:t>
-            </a:r>
-            <a:endParaRPr lang="en-GB" altLang="zh-TW" dirty="0">
-              <a:solidFill>
-                <a:schemeClr val="bg1"/>
-              </a:solidFill>
-              <a:latin typeface="Century Gothic" panose="020B0502020202020204" pitchFamily="34" charset="0"/>
-              <a:ea typeface="金梅新中楷全字體" pitchFamily="49" charset="-120"/>
-            </a:endParaRPr>
-          </a:p>
-          <a:p>
-            <a:pPr marL="0" indent="0">
-              <a:buNone/>
-            </a:pPr>
-            <a:endParaRPr lang="en-GB" altLang="en-US" sz="800" b="1" dirty="0">
-              <a:solidFill>
-                <a:schemeClr val="bg1"/>
-              </a:solidFill>
-              <a:latin typeface="Century Gothic" panose="020B0502020202020204" pitchFamily="34" charset="0"/>
-            </a:endParaRPr>
-          </a:p>
-          <a:p>
-            <a:pPr marL="0" indent="0">
-              <a:buNone/>
-            </a:pPr>
-            <a:r>
-              <a:rPr lang="en-GB" altLang="en-US" sz="2600" b="1" dirty="0">
-                <a:solidFill>
-                  <a:schemeClr val="bg1"/>
-                </a:solidFill>
-                <a:latin typeface="Century Gothic" panose="020B0502020202020204" pitchFamily="34" charset="0"/>
-              </a:rPr>
-              <a:t>End : </a:t>
-            </a:r>
-            <a:r>
-              <a:rPr lang="en-GB" altLang="en-US" sz="2600" dirty="0">
-                <a:solidFill>
-                  <a:schemeClr val="bg1"/>
-                </a:solidFill>
-                <a:latin typeface="Century Gothic" panose="020B0502020202020204" pitchFamily="34" charset="0"/>
-              </a:rPr>
-              <a:t>Amen</a:t>
-            </a:r>
-          </a:p>
-          <a:p>
-            <a:pPr marL="0" indent="0">
-              <a:buNone/>
-            </a:pPr>
-            <a:r>
-              <a:rPr lang="zh-TW" altLang="en-US" b="1" dirty="0">
-                <a:solidFill>
-                  <a:schemeClr val="bg1"/>
-                </a:solidFill>
-                <a:latin typeface="Century Gothic" panose="020B0502020202020204" pitchFamily="34" charset="0"/>
-                <a:ea typeface="金梅新中楷全字體" pitchFamily="49" charset="-120"/>
-              </a:rPr>
-              <a:t>結束 </a:t>
-            </a:r>
-            <a:r>
-              <a:rPr lang="en-GB" altLang="zh-TW" b="1" dirty="0">
-                <a:solidFill>
-                  <a:schemeClr val="bg1"/>
-                </a:solidFill>
-                <a:latin typeface="Century Gothic" panose="020B0502020202020204" pitchFamily="34" charset="0"/>
-                <a:ea typeface="金梅新中楷全字體" pitchFamily="49" charset="-120"/>
-              </a:rPr>
-              <a:t>: </a:t>
-            </a:r>
-            <a:r>
-              <a:rPr lang="zh-TW" altLang="en-US" b="1" dirty="0">
-                <a:solidFill>
-                  <a:schemeClr val="bg1"/>
-                </a:solidFill>
-                <a:latin typeface="Century Gothic" panose="020B0502020202020204" pitchFamily="34" charset="0"/>
-                <a:ea typeface="金梅新中楷全字體" pitchFamily="49" charset="-120"/>
-              </a:rPr>
-              <a:t>阿們</a:t>
-            </a:r>
-            <a:endParaRPr lang="en-GB" altLang="en-US" sz="2800" dirty="0">
-              <a:solidFill>
-                <a:schemeClr val="bg1"/>
-              </a:solidFill>
-              <a:latin typeface="Century Gothic" panose="020B0502020202020204" pitchFamily="34" charset="0"/>
-            </a:endParaRPr>
-          </a:p>
-        </p:txBody>
-      </p:sp>
-      <p:sp>
-        <p:nvSpPr>
           <p:cNvPr id="2" name="TextBox 1"/>
           <p:cNvSpPr txBox="1"/>
           <p:nvPr/>
         </p:nvSpPr>
         <p:spPr>
           <a:xfrm>
-            <a:off x="839416" y="116632"/>
+            <a:off x="965684" y="391868"/>
             <a:ext cx="10260632" cy="1815882"/>
           </a:xfrm>
           <a:prstGeom prst="rect">
@@ -6741,24 +5887,7 @@
                 </a:solidFill>
                 <a:latin typeface="Century Gothic" panose="020B0502020202020204" pitchFamily="34" charset="0"/>
               </a:rPr>
-              <a:t>Welcome To True Jesus Church </a:t>
-            </a:r>
-            <a:br>
-              <a:rPr lang="en-GB" altLang="en-US" sz="2800" b="1" dirty="0">
-                <a:solidFill>
-                  <a:schemeClr val="bg1"/>
-                </a:solidFill>
-                <a:latin typeface="Century Gothic" panose="020B0502020202020204" pitchFamily="34" charset="0"/>
-              </a:rPr>
-            </a:br>
-            <a:r>
-              <a:rPr lang="en-GB" altLang="en-US" sz="2800" b="1" dirty="0">
-                <a:solidFill>
-                  <a:schemeClr val="bg1"/>
-                </a:solidFill>
-                <a:latin typeface="Century Gothic" panose="020B0502020202020204" pitchFamily="34" charset="0"/>
-              </a:rPr>
-              <a:t>Please Join Us In Prayer </a:t>
+              <a:t>Welcome To True Jesus Church , Please Join Us In Prayer </a:t>
             </a:r>
             <a:br>
               <a:rPr lang="en-GB" altLang="en-US" sz="2800" b="1" dirty="0">
@@ -6795,194 +5924,458 @@
                 <a:latin typeface="Century Gothic" panose="020B0502020202020204" pitchFamily="34" charset="0"/>
                 <a:ea typeface="金梅新中楷全字體" pitchFamily="49" charset="-120"/>
               </a:rPr>
-              <a:t>----------------------------------------------</a:t>
-            </a:r>
-            <a:endParaRPr lang="en-GB" sz="2800" dirty="0">
+              <a:t>-------------------------------------------------------------------</a:t>
+            </a:r>
+          </a:p>
+          <a:p>
+            <a:pPr algn="ctr"/>
+            <a:endParaRPr lang="en-GB" sz="2800" b="1" dirty="0">
+              <a:solidFill>
+                <a:schemeClr val="bg1"/>
+              </a:solidFill>
               <a:latin typeface="Century Gothic" panose="020B0502020202020204" pitchFamily="34" charset="0"/>
+              <a:ea typeface="金梅新中楷全字體" pitchFamily="49" charset="-120"/>
             </a:endParaRPr>
           </a:p>
         </p:txBody>
       </p:sp>
       <p:sp>
         <p:nvSpPr>
-          <p:cNvPr id="8" name="Text Box 11">
+          <p:cNvPr id="11" name="TextBox 10">
             <a:extLst>
               <a:ext uri="{FF2B5EF4-FFF2-40B4-BE49-F238E27FC236}">
-                <a16:creationId xmlns:a16="http://schemas.microsoft.com/office/drawing/2014/main" id="{95CA427C-F5C8-4A7C-B9BD-B79C02C03968}"/>
+                <a16:creationId xmlns:a16="http://schemas.microsoft.com/office/drawing/2014/main" id="{235016D5-86EA-E742-B39A-4D64FDB8E053}"/>
               </a:ext>
             </a:extLst>
           </p:cNvPr>
-          <p:cNvSpPr txBox="1">
-            <a:spLocks noChangeArrowheads="1"/>
-          </p:cNvSpPr>
+          <p:cNvSpPr txBox="1"/>
           <p:nvPr/>
         </p:nvSpPr>
-        <p:spPr bwMode="auto">
+        <p:spPr>
           <a:xfrm>
-            <a:off x="767482" y="6165304"/>
-            <a:ext cx="2736156" cy="338554"/>
+            <a:off x="335360" y="2111239"/>
+            <a:ext cx="5760640" cy="3416320"/>
           </a:xfrm>
           <a:prstGeom prst="rect">
             <a:avLst/>
           </a:prstGeom>
           <a:noFill/>
-          <a:ln>
-            <a:noFill/>
-          </a:ln>
-          <a:effectLst/>
-          <a:extLst>
-            <a:ext uri="{909E8E84-426E-40DD-AFC4-6F175D3DCCD1}">
-              <a14:hiddenFill xmlns:a14="http://schemas.microsoft.com/office/drawing/2010/main">
-                <a:solidFill>
-                  <a:schemeClr val="accent1"/>
-                </a:solidFill>
-              </a14:hiddenFill>
-            </a:ext>
-            <a:ext uri="{91240B29-F687-4F45-9708-019B960494DF}">
-              <a14:hiddenLine xmlns:a14="http://schemas.microsoft.com/office/drawing/2010/main" w="9525">
-                <a:solidFill>
-                  <a:schemeClr val="tx1"/>
-                </a:solidFill>
-                <a:miter lim="800000"/>
-                <a:headEnd/>
-                <a:tailEnd/>
-              </a14:hiddenLine>
-            </a:ext>
-            <a:ext uri="{AF507438-7753-43E0-B8FC-AC1667EBCBE1}">
-              <a14:hiddenEffects xmlns:a14="http://schemas.microsoft.com/office/drawing/2010/main">
-                <a:effectLst>
-                  <a:outerShdw dist="35921" dir="2700000" algn="ctr" rotWithShape="0">
-                    <a:schemeClr val="bg2"/>
-                  </a:outerShdw>
-                </a:effectLst>
-              </a14:hiddenEffects>
-            </a:ext>
-          </a:extLst>
         </p:spPr>
         <p:txBody>
-          <a:bodyPr wrap="square">
+          <a:bodyPr wrap="square" lIns="0" rtlCol="0" anchor="ctr">
             <a:spAutoFit/>
           </a:bodyPr>
           <a:lstStyle/>
           <a:p>
-            <a:pPr>
-              <a:spcBef>
-                <a:spcPct val="50000"/>
-              </a:spcBef>
-            </a:pPr>
-            <a:r>
-              <a:rPr lang="en-US" altLang="en-US" sz="1600" dirty="0">
-                <a:solidFill>
-                  <a:schemeClr val="bg1"/>
-                </a:solidFill>
+            <a:pPr algn="l"/>
+            <a:r>
+              <a:rPr lang="en-GB" sz="2400" i="0" dirty="0">
+                <a:solidFill>
+                  <a:srgbClr val="FFFFFF"/>
+                </a:solidFill>
+                <a:effectLst/>
                 <a:latin typeface="Century Gothic" panose="020B0502020202020204" pitchFamily="34" charset="0"/>
-                <a:ea typeface="金梅新中楷全字體" panose="02010509060101010101" pitchFamily="49" charset="-120"/>
               </a:rPr>
-              <a:t>請 關 您 的 手 提 電 話 </a:t>
-            </a:r>
-          </a:p>
-        </p:txBody>
-      </p:sp>
-      <p:sp>
-        <p:nvSpPr>
-          <p:cNvPr id="9" name="Text Box 12">
+              <a:t>Kneel with humility.</a:t>
+            </a:r>
+          </a:p>
+          <a:p>
+            <a:pPr algn="l"/>
+            <a:r>
+              <a:rPr lang="en-GB" sz="2400" i="0" dirty="0">
+                <a:solidFill>
+                  <a:srgbClr val="FFFFFF"/>
+                </a:solidFill>
+                <a:effectLst/>
+                <a:latin typeface="Century Gothic" panose="020B0502020202020204" pitchFamily="34" charset="0"/>
+              </a:rPr>
+              <a:t>Close your eyes to concentrate.</a:t>
+            </a:r>
+          </a:p>
+          <a:p>
+            <a:pPr algn="l"/>
+            <a:r>
+              <a:rPr lang="en-GB" sz="2400" i="0" dirty="0">
+                <a:solidFill>
+                  <a:srgbClr val="FFFFFF"/>
+                </a:solidFill>
+                <a:effectLst/>
+                <a:latin typeface="Century Gothic" panose="020B0502020202020204" pitchFamily="34" charset="0"/>
+              </a:rPr>
+              <a:t>Begin by saying, </a:t>
+            </a:r>
+            <a:r>
+              <a:rPr lang="en-GB" sz="2400" b="1" i="1" dirty="0">
+                <a:solidFill>
+                  <a:srgbClr val="DAF5FF"/>
+                </a:solidFill>
+                <a:effectLst/>
+                <a:latin typeface="Century Gothic" panose="020B0502020202020204" pitchFamily="34" charset="0"/>
+              </a:rPr>
+              <a:t>“In the name of the Lord Jesus Christ I pray.”</a:t>
+            </a:r>
+            <a:endParaRPr lang="en-GB" sz="2400" b="1" i="0" dirty="0">
+              <a:solidFill>
+                <a:srgbClr val="FFFFFF"/>
+              </a:solidFill>
+              <a:effectLst/>
+              <a:latin typeface="Century Gothic" panose="020B0502020202020204" pitchFamily="34" charset="0"/>
+            </a:endParaRPr>
+          </a:p>
+          <a:p>
+            <a:pPr algn="l"/>
+            <a:r>
+              <a:rPr lang="en-GB" sz="2400" i="0" dirty="0">
+                <a:solidFill>
+                  <a:srgbClr val="FFFFFF"/>
+                </a:solidFill>
+                <a:effectLst/>
+                <a:latin typeface="Century Gothic" panose="020B0502020202020204" pitchFamily="34" charset="0"/>
+              </a:rPr>
+              <a:t>Praise the Lord by saying, </a:t>
+            </a:r>
+            <a:r>
+              <a:rPr lang="en-GB" sz="2400" b="1" i="1" dirty="0">
+                <a:solidFill>
+                  <a:srgbClr val="DAF5FF"/>
+                </a:solidFill>
+                <a:effectLst/>
+                <a:latin typeface="Century Gothic" panose="020B0502020202020204" pitchFamily="34" charset="0"/>
+              </a:rPr>
+              <a:t>“Hallelujah!”</a:t>
+            </a:r>
+            <a:endParaRPr lang="en-GB" sz="2400" b="1" i="0" dirty="0">
+              <a:solidFill>
+                <a:srgbClr val="FFFFFF"/>
+              </a:solidFill>
+              <a:effectLst/>
+              <a:latin typeface="Century Gothic" panose="020B0502020202020204" pitchFamily="34" charset="0"/>
+            </a:endParaRPr>
+          </a:p>
+          <a:p>
+            <a:pPr algn="l"/>
+            <a:r>
+              <a:rPr lang="en-GB" sz="2400" i="0" dirty="0">
+                <a:solidFill>
+                  <a:srgbClr val="FFFFFF"/>
+                </a:solidFill>
+                <a:effectLst/>
+                <a:latin typeface="Century Gothic" panose="020B0502020202020204" pitchFamily="34" charset="0"/>
+              </a:rPr>
+              <a:t>Spend time to speak with God from your heart and ask Him to fill you with the Holy Spirit.</a:t>
+            </a:r>
+          </a:p>
+          <a:p>
+            <a:pPr algn="l"/>
+            <a:r>
+              <a:rPr lang="en-GB" sz="2400" i="0" dirty="0">
+                <a:solidFill>
+                  <a:srgbClr val="FFFFFF"/>
+                </a:solidFill>
+                <a:effectLst/>
+                <a:latin typeface="Century Gothic" panose="020B0502020202020204" pitchFamily="34" charset="0"/>
+              </a:rPr>
+              <a:t>Conclude your prayer with, </a:t>
+            </a:r>
+            <a:r>
+              <a:rPr lang="en-GB" sz="2400" b="1" i="1" dirty="0">
+                <a:solidFill>
+                  <a:srgbClr val="DAF5FF"/>
+                </a:solidFill>
+                <a:effectLst/>
+                <a:latin typeface="Century Gothic" panose="020B0502020202020204" pitchFamily="34" charset="0"/>
+              </a:rPr>
+              <a:t>“Amen.”</a:t>
+            </a:r>
+            <a:endParaRPr lang="en-GB" sz="2400" b="1" i="0" dirty="0">
+              <a:solidFill>
+                <a:srgbClr val="FFFFFF"/>
+              </a:solidFill>
+              <a:effectLst/>
+              <a:latin typeface="Century Gothic" panose="020B0502020202020204" pitchFamily="34" charset="0"/>
+            </a:endParaRPr>
+          </a:p>
+        </p:txBody>
+      </p:sp>
+      <p:sp>
+        <p:nvSpPr>
+          <p:cNvPr id="13" name="TextBox 12">
             <a:extLst>
               <a:ext uri="{FF2B5EF4-FFF2-40B4-BE49-F238E27FC236}">
-                <a16:creationId xmlns:a16="http://schemas.microsoft.com/office/drawing/2014/main" id="{B2DE150A-3568-4054-96DD-D8330B5C6053}"/>
+                <a16:creationId xmlns:a16="http://schemas.microsoft.com/office/drawing/2014/main" id="{C204AB72-B659-2754-2040-B5F198104EBB}"/>
               </a:ext>
             </a:extLst>
           </p:cNvPr>
-          <p:cNvSpPr txBox="1">
-            <a:spLocks noChangeArrowheads="1"/>
-          </p:cNvSpPr>
+          <p:cNvSpPr txBox="1"/>
           <p:nvPr/>
         </p:nvSpPr>
-        <p:spPr bwMode="auto">
+        <p:spPr>
           <a:xfrm>
-            <a:off x="767482" y="6427242"/>
-            <a:ext cx="3672334" cy="276999"/>
+            <a:off x="6168008" y="2111239"/>
+            <a:ext cx="6023992" cy="3539430"/>
           </a:xfrm>
           <a:prstGeom prst="rect">
             <a:avLst/>
           </a:prstGeom>
           <a:noFill/>
-          <a:ln>
-            <a:noFill/>
-          </a:ln>
-          <a:effectLst/>
-          <a:extLst>
-            <a:ext uri="{909E8E84-426E-40DD-AFC4-6F175D3DCCD1}">
-              <a14:hiddenFill xmlns:a14="http://schemas.microsoft.com/office/drawing/2010/main">
-                <a:solidFill>
-                  <a:schemeClr val="accent1"/>
-                </a:solidFill>
-              </a14:hiddenFill>
-            </a:ext>
-            <a:ext uri="{91240B29-F687-4F45-9708-019B960494DF}">
-              <a14:hiddenLine xmlns:a14="http://schemas.microsoft.com/office/drawing/2010/main" w="9525">
-                <a:solidFill>
-                  <a:schemeClr val="tx1"/>
-                </a:solidFill>
-                <a:miter lim="800000"/>
-                <a:headEnd/>
-                <a:tailEnd/>
-              </a14:hiddenLine>
-            </a:ext>
-            <a:ext uri="{AF507438-7753-43E0-B8FC-AC1667EBCBE1}">
-              <a14:hiddenEffects xmlns:a14="http://schemas.microsoft.com/office/drawing/2010/main">
-                <a:effectLst>
-                  <a:outerShdw dist="35921" dir="2700000" algn="ctr" rotWithShape="0">
-                    <a:schemeClr val="bg2"/>
-                  </a:outerShdw>
-                </a:effectLst>
-              </a14:hiddenEffects>
-            </a:ext>
-          </a:extLst>
         </p:spPr>
         <p:txBody>
-          <a:bodyPr wrap="square">
+          <a:bodyPr wrap="square" rtlCol="0" anchor="ctr">
             <a:spAutoFit/>
           </a:bodyPr>
           <a:lstStyle/>
           <a:p>
-            <a:pPr>
-              <a:spcBef>
-                <a:spcPct val="50000"/>
-              </a:spcBef>
-            </a:pPr>
-            <a:r>
-              <a:rPr lang="en-GB" altLang="en-US" sz="1200" b="1" dirty="0">
-                <a:solidFill>
-                  <a:schemeClr val="bg1"/>
-                </a:solidFill>
+            <a:pPr algn="l"/>
+            <a:r>
+              <a:rPr lang="zh-TW" altLang="en-US" sz="3200" i="0" dirty="0">
+                <a:solidFill>
+                  <a:srgbClr val="FFFFFF"/>
+                </a:solidFill>
+                <a:effectLst/>
                 <a:latin typeface="Century Gothic" panose="020B0502020202020204" pitchFamily="34" charset="0"/>
+                <a:ea typeface="金梅新中楷全字體" panose="02010509060101010101"/>
               </a:rPr>
-              <a:t>PLEASE SWITCH OFF YOUR MOBILE PHONE</a:t>
-            </a:r>
-            <a:endParaRPr lang="en-US" altLang="en-US" sz="1200" b="1" dirty="0">
+              <a:t>虔誠地跪下</a:t>
+            </a:r>
+          </a:p>
+          <a:p>
+            <a:pPr algn="l"/>
+            <a:r>
+              <a:rPr lang="zh-TW" altLang="en-US" sz="3200" i="0" dirty="0">
+                <a:solidFill>
+                  <a:srgbClr val="FFFFFF"/>
+                </a:solidFill>
+                <a:effectLst/>
+                <a:latin typeface="Century Gothic" panose="020B0502020202020204" pitchFamily="34" charset="0"/>
+                <a:ea typeface="金梅新中楷全字體" panose="02010509060101010101"/>
+              </a:rPr>
+              <a:t>閉上眼睛專心預備</a:t>
+            </a:r>
+          </a:p>
+          <a:p>
+            <a:pPr algn="l"/>
+            <a:r>
+              <a:rPr lang="zh-TW" altLang="en-US" sz="3200" i="0" dirty="0">
+                <a:solidFill>
+                  <a:srgbClr val="FFFFFF"/>
+                </a:solidFill>
+                <a:effectLst/>
+                <a:latin typeface="Century Gothic" panose="020B0502020202020204" pitchFamily="34" charset="0"/>
+                <a:ea typeface="金梅新中楷全字體" panose="02010509060101010101"/>
+              </a:rPr>
+              <a:t>先唸</a:t>
+            </a:r>
+            <a:r>
+              <a:rPr lang="en-US" altLang="zh-TW" sz="3200" i="0" dirty="0">
+                <a:solidFill>
+                  <a:srgbClr val="FFFFFF"/>
+                </a:solidFill>
+                <a:effectLst/>
+                <a:latin typeface="Century Gothic" panose="020B0502020202020204" pitchFamily="34" charset="0"/>
+                <a:ea typeface="金梅新中楷全字體" panose="02010509060101010101"/>
+              </a:rPr>
+              <a:t>, </a:t>
+            </a:r>
+            <a:r>
+              <a:rPr lang="en-US" altLang="zh-TW" sz="3200" b="1" i="0" dirty="0">
+                <a:solidFill>
+                  <a:srgbClr val="DAF5FF"/>
+                </a:solidFill>
+                <a:effectLst/>
+                <a:latin typeface="Century Gothic" panose="020B0502020202020204" pitchFamily="34" charset="0"/>
+                <a:ea typeface="金梅新中楷全字體" panose="02010509060101010101"/>
+              </a:rPr>
+              <a:t>“</a:t>
+            </a:r>
+            <a:r>
+              <a:rPr lang="zh-TW" altLang="en-US" sz="3200" b="1" i="0" dirty="0">
+                <a:solidFill>
+                  <a:srgbClr val="DAF5FF"/>
+                </a:solidFill>
+                <a:effectLst/>
+                <a:latin typeface="Century Gothic" panose="020B0502020202020204" pitchFamily="34" charset="0"/>
+                <a:ea typeface="金梅新中楷全字體" panose="02010509060101010101"/>
+              </a:rPr>
+              <a:t>奉主耶穌聖名禱告”</a:t>
+            </a:r>
+          </a:p>
+          <a:p>
+            <a:pPr algn="l"/>
+            <a:r>
+              <a:rPr lang="zh-TW" altLang="en-US" sz="3200" i="0" dirty="0">
+                <a:solidFill>
+                  <a:srgbClr val="FFFFFF"/>
+                </a:solidFill>
+                <a:effectLst/>
+                <a:latin typeface="Century Gothic" panose="020B0502020202020204" pitchFamily="34" charset="0"/>
+                <a:ea typeface="金梅新中楷全字體" panose="02010509060101010101"/>
+              </a:rPr>
+              <a:t>重複唸</a:t>
+            </a:r>
+            <a:r>
+              <a:rPr lang="en-US" altLang="zh-TW" sz="3200" i="0" dirty="0">
+                <a:solidFill>
+                  <a:srgbClr val="FFFFFF"/>
+                </a:solidFill>
+                <a:effectLst/>
+                <a:latin typeface="Century Gothic" panose="020B0502020202020204" pitchFamily="34" charset="0"/>
+                <a:ea typeface="金梅新中楷全字體" panose="02010509060101010101"/>
+              </a:rPr>
+              <a:t>, </a:t>
+            </a:r>
+            <a:r>
+              <a:rPr lang="en-US" altLang="zh-TW" sz="3200" b="1" i="0" dirty="0">
+                <a:solidFill>
+                  <a:srgbClr val="DAF5FF"/>
+                </a:solidFill>
+                <a:effectLst/>
+                <a:latin typeface="Century Gothic" panose="020B0502020202020204" pitchFamily="34" charset="0"/>
+                <a:ea typeface="金梅新中楷全字體" panose="02010509060101010101"/>
+              </a:rPr>
+              <a:t>“</a:t>
+            </a:r>
+            <a:r>
+              <a:rPr lang="zh-TW" altLang="en-US" sz="3200" b="1" i="0" dirty="0">
+                <a:solidFill>
+                  <a:srgbClr val="DAF5FF"/>
+                </a:solidFill>
+                <a:effectLst/>
+                <a:latin typeface="Century Gothic" panose="020B0502020202020204" pitchFamily="34" charset="0"/>
+                <a:ea typeface="金梅新中楷全字體" panose="02010509060101010101"/>
+              </a:rPr>
+              <a:t>哈利路亞</a:t>
+            </a:r>
+            <a:r>
+              <a:rPr lang="en-US" altLang="zh-TW" sz="3200" b="1" i="0" dirty="0">
+                <a:solidFill>
+                  <a:srgbClr val="DAF5FF"/>
+                </a:solidFill>
+                <a:effectLst/>
+                <a:latin typeface="Century Gothic" panose="020B0502020202020204" pitchFamily="34" charset="0"/>
+                <a:ea typeface="金梅新中楷全字體" panose="02010509060101010101"/>
+              </a:rPr>
+              <a:t>, </a:t>
+            </a:r>
+            <a:r>
+              <a:rPr lang="zh-TW" altLang="en-US" sz="3200" b="1" i="0" dirty="0">
+                <a:solidFill>
+                  <a:srgbClr val="DAF5FF"/>
+                </a:solidFill>
+                <a:effectLst/>
+                <a:latin typeface="Century Gothic" panose="020B0502020202020204" pitchFamily="34" charset="0"/>
+                <a:ea typeface="金梅新中楷全字體" panose="02010509060101010101"/>
+              </a:rPr>
+              <a:t>讚美主耶穌”</a:t>
+            </a:r>
+          </a:p>
+          <a:p>
+            <a:pPr algn="l"/>
+            <a:r>
+              <a:rPr lang="zh-TW" altLang="en-US" sz="3200" i="0" dirty="0">
+                <a:solidFill>
+                  <a:srgbClr val="FFFFFF"/>
+                </a:solidFill>
+                <a:effectLst/>
+                <a:latin typeface="Century Gothic" panose="020B0502020202020204" pitchFamily="34" charset="0"/>
+                <a:ea typeface="金梅新中楷全字體" panose="02010509060101010101"/>
+              </a:rPr>
+              <a:t>您也可以將您的需要告訴神</a:t>
+            </a:r>
+            <a:r>
+              <a:rPr lang="en-US" altLang="zh-TW" sz="3200" i="0" dirty="0">
+                <a:solidFill>
+                  <a:srgbClr val="FFFFFF"/>
+                </a:solidFill>
+                <a:effectLst/>
+                <a:latin typeface="Century Gothic" panose="020B0502020202020204" pitchFamily="34" charset="0"/>
+                <a:ea typeface="金梅新中楷全字體" panose="02010509060101010101"/>
+              </a:rPr>
+              <a:t>, </a:t>
+            </a:r>
+            <a:r>
+              <a:rPr lang="zh-TW" altLang="en-US" sz="3200" i="0" dirty="0">
+                <a:solidFill>
+                  <a:srgbClr val="FFFFFF"/>
+                </a:solidFill>
+                <a:effectLst/>
+                <a:latin typeface="Century Gothic" panose="020B0502020202020204" pitchFamily="34" charset="0"/>
+                <a:ea typeface="金梅新中楷全字體" panose="02010509060101010101"/>
+              </a:rPr>
+              <a:t>並祈求祂賞賜您聖靈</a:t>
+            </a:r>
+          </a:p>
+          <a:p>
+            <a:pPr algn="l"/>
+            <a:r>
+              <a:rPr lang="zh-TW" altLang="en-US" sz="3200" i="0" dirty="0">
+                <a:solidFill>
+                  <a:srgbClr val="FFFFFF"/>
+                </a:solidFill>
+                <a:effectLst/>
+                <a:latin typeface="Century Gothic" panose="020B0502020202020204" pitchFamily="34" charset="0"/>
+                <a:ea typeface="金梅新中楷全字體" panose="02010509060101010101"/>
+              </a:rPr>
+              <a:t>最後以 </a:t>
+            </a:r>
+            <a:r>
+              <a:rPr lang="zh-TW" altLang="en-US" sz="3200" b="1" i="0" dirty="0">
+                <a:solidFill>
+                  <a:srgbClr val="DAF5FF"/>
+                </a:solidFill>
+                <a:effectLst/>
+                <a:latin typeface="Century Gothic" panose="020B0502020202020204" pitchFamily="34" charset="0"/>
+                <a:ea typeface="金梅新中楷全字體" panose="02010509060101010101"/>
+              </a:rPr>
+              <a:t>“阿們</a:t>
+            </a:r>
+            <a:r>
+              <a:rPr lang="en-US" altLang="zh-TW" sz="3200" b="1" i="0" dirty="0">
+                <a:solidFill>
+                  <a:srgbClr val="DAF5FF"/>
+                </a:solidFill>
+                <a:effectLst/>
+                <a:latin typeface="Century Gothic" panose="020B0502020202020204" pitchFamily="34" charset="0"/>
+                <a:ea typeface="金梅新中楷全字體" panose="02010509060101010101"/>
+              </a:rPr>
+              <a:t>!” </a:t>
+            </a:r>
+            <a:r>
+              <a:rPr lang="zh-TW" altLang="en-US" sz="3200" i="0" dirty="0">
+                <a:solidFill>
+                  <a:srgbClr val="FFFFFF"/>
+                </a:solidFill>
+                <a:effectLst/>
+                <a:latin typeface="Century Gothic" panose="020B0502020202020204" pitchFamily="34" charset="0"/>
+                <a:ea typeface="金梅新中楷全字體" panose="02010509060101010101"/>
+              </a:rPr>
+              <a:t>結束禱告</a:t>
+            </a:r>
+            <a:endParaRPr lang="en-GB" sz="3200" i="0" dirty="0">
               <a:solidFill>
-                <a:schemeClr val="bg1"/>
+                <a:srgbClr val="FFFFFF"/>
               </a:solidFill>
+              <a:effectLst/>
               <a:latin typeface="Century Gothic" panose="020B0502020202020204" pitchFamily="34" charset="0"/>
+              <a:ea typeface="金梅新中楷全字體" panose="02010509060101010101"/>
             </a:endParaRPr>
           </a:p>
         </p:txBody>
       </p:sp>
       <p:pic>
         <p:nvPicPr>
-          <p:cNvPr id="10" name="Picture 2" descr="Custom No Mobile Phones Sign | The Sign Shed">
+          <p:cNvPr id="12" name="Picture 11" descr="Logo&#10;&#10;Description automatically generated with medium confidence">
             <a:extLst>
               <a:ext uri="{FF2B5EF4-FFF2-40B4-BE49-F238E27FC236}">
-                <a16:creationId xmlns:a16="http://schemas.microsoft.com/office/drawing/2014/main" id="{EDDDC766-0B69-4B94-B4A1-534F4DEA9BC2}"/>
+                <a16:creationId xmlns:a16="http://schemas.microsoft.com/office/drawing/2014/main" id="{F29E64E1-49CD-78DB-0ADB-1706C40BEF50}"/>
               </a:ext>
             </a:extLst>
           </p:cNvPr>
           <p:cNvPicPr>
-            <a:picLocks noChangeAspect="1" noChangeArrowheads="1"/>
+            <a:picLocks noChangeAspect="1"/>
           </p:cNvPicPr>
           <p:nvPr/>
         </p:nvPicPr>
-        <p:blipFill rotWithShape="1">
+        <p:blipFill>
           <a:blip r:embed="rId2" cstate="print">
             <a:extLst>
               <a:ext uri="{28A0092B-C50C-407E-A947-70E740481C1C}">
@@ -6990,33 +6383,186 @@
               </a:ext>
             </a:extLst>
           </a:blip>
-          <a:srcRect l="3327" t="11250" r="71169" b="12911"/>
-          <a:stretch/>
+          <a:stretch>
+            <a:fillRect/>
+          </a:stretch>
         </p:blipFill>
-        <p:spPr bwMode="auto">
+        <p:spPr>
           <a:xfrm>
-            <a:off x="335360" y="6202015"/>
-            <a:ext cx="432048" cy="432048"/>
+            <a:off x="335359" y="6269250"/>
+            <a:ext cx="2664297" cy="344791"/>
           </a:xfrm>
           <a:prstGeom prst="rect">
             <a:avLst/>
           </a:prstGeom>
-          <a:noFill/>
-          <a:extLst>
-            <a:ext uri="{909E8E84-426E-40DD-AFC4-6F175D3DCCD1}">
-              <a14:hiddenFill xmlns:a14="http://schemas.microsoft.com/office/drawing/2010/main">
-                <a:solidFill>
-                  <a:srgbClr val="FFFFFF"/>
-                </a:solidFill>
-              </a14:hiddenFill>
-            </a:ext>
-          </a:extLst>
         </p:spPr>
       </p:pic>
     </p:spTree>
     <p:extLst>
       <p:ext uri="{BB962C8B-B14F-4D97-AF65-F5344CB8AC3E}">
         <p14:creationId xmlns:p14="http://schemas.microsoft.com/office/powerpoint/2010/main" val="2970436884"/>
+      </p:ext>
+    </p:extLst>
+  </p:cSld>
+  <p:clrMapOvr>
+    <a:masterClrMapping/>
+  </p:clrMapOvr>
+</p:sld>
+</file>
+
+<file path=ppt/slides/slide7.xml><?xml version="1.0" encoding="utf-8"?>
+<p:sld xmlns:a="http://schemas.openxmlformats.org/drawingml/2006/main" xmlns:r="http://schemas.openxmlformats.org/officeDocument/2006/relationships" xmlns:p="http://schemas.openxmlformats.org/presentationml/2006/main">
+  <p:cSld>
+    <p:spTree>
+      <p:nvGrpSpPr>
+        <p:cNvPr id="1" name=""/>
+        <p:cNvGrpSpPr/>
+        <p:nvPr/>
+      </p:nvGrpSpPr>
+      <p:grpSpPr>
+        <a:xfrm>
+          <a:off x="0" y="0"/>
+          <a:ext cx="0" cy="0"/>
+          <a:chOff x="0" y="0"/>
+          <a:chExt cx="0" cy="0"/>
+        </a:xfrm>
+      </p:grpSpPr>
+      <p:sp>
+        <p:nvSpPr>
+          <p:cNvPr id="7170" name="Title 1"/>
+          <p:cNvSpPr>
+            <a:spLocks noGrp="1"/>
+          </p:cNvSpPr>
+          <p:nvPr>
+            <p:ph type="title"/>
+          </p:nvPr>
+        </p:nvSpPr>
+        <p:spPr>
+          <a:xfrm>
+            <a:off x="-8737648" y="2060848"/>
+            <a:ext cx="8507412" cy="1498600"/>
+          </a:xfrm>
+        </p:spPr>
+        <p:txBody>
+          <a:bodyPr>
+            <a:normAutofit/>
+          </a:bodyPr>
+          <a:lstStyle/>
+          <a:p>
+            <a:pPr algn="ctr"/>
+            <a:r>
+              <a:rPr lang="en-GB" altLang="en-US" dirty="0">
+                <a:latin typeface="Century Gothic" panose="020B0502020202020204" pitchFamily="34" charset="0"/>
+              </a:rPr>
+              <a:t>How to Pray</a:t>
+            </a:r>
+            <a:endParaRPr lang="en-GB" altLang="en-US" dirty="0">
+              <a:latin typeface="Century Gothic" panose="020B0502020202020204" pitchFamily="34" charset="0"/>
+              <a:ea typeface="金梅新中楷全字體" pitchFamily="49" charset="-120"/>
+            </a:endParaRPr>
+          </a:p>
+        </p:txBody>
+      </p:sp>
+      <p:pic>
+        <p:nvPicPr>
+          <p:cNvPr id="12" name="Picture 11" descr="Logo&#10;&#10;Description automatically generated with medium confidence">
+            <a:extLst>
+              <a:ext uri="{FF2B5EF4-FFF2-40B4-BE49-F238E27FC236}">
+                <a16:creationId xmlns:a16="http://schemas.microsoft.com/office/drawing/2014/main" id="{F29E64E1-49CD-78DB-0ADB-1706C40BEF50}"/>
+              </a:ext>
+            </a:extLst>
+          </p:cNvPr>
+          <p:cNvPicPr>
+            <a:picLocks noChangeAspect="1"/>
+          </p:cNvPicPr>
+          <p:nvPr/>
+        </p:nvPicPr>
+        <p:blipFill>
+          <a:blip r:embed="rId2" cstate="print">
+            <a:extLst>
+              <a:ext uri="{28A0092B-C50C-407E-A947-70E740481C1C}">
+                <a14:useLocalDpi xmlns:a14="http://schemas.microsoft.com/office/drawing/2010/main" val="0"/>
+              </a:ext>
+            </a:extLst>
+          </a:blip>
+          <a:stretch>
+            <a:fillRect/>
+          </a:stretch>
+        </p:blipFill>
+        <p:spPr>
+          <a:xfrm>
+            <a:off x="335359" y="6269250"/>
+            <a:ext cx="2664297" cy="344791"/>
+          </a:xfrm>
+          <a:prstGeom prst="rect">
+            <a:avLst/>
+          </a:prstGeom>
+        </p:spPr>
+      </p:pic>
+      <p:sp>
+        <p:nvSpPr>
+          <p:cNvPr id="9" name="TextBox 8">
+            <a:extLst>
+              <a:ext uri="{FF2B5EF4-FFF2-40B4-BE49-F238E27FC236}">
+                <a16:creationId xmlns:a16="http://schemas.microsoft.com/office/drawing/2014/main" id="{EB7FD2AF-7F03-5326-A748-9D97F0B7E43C}"/>
+              </a:ext>
+            </a:extLst>
+          </p:cNvPr>
+          <p:cNvSpPr txBox="1"/>
+          <p:nvPr/>
+        </p:nvSpPr>
+        <p:spPr>
+          <a:xfrm>
+            <a:off x="0" y="692696"/>
+            <a:ext cx="12192000" cy="1446550"/>
+          </a:xfrm>
+          <a:prstGeom prst="rect">
+            <a:avLst/>
+          </a:prstGeom>
+          <a:noFill/>
+        </p:spPr>
+        <p:txBody>
+          <a:bodyPr wrap="square" rtlCol="0">
+            <a:spAutoFit/>
+          </a:bodyPr>
+          <a:lstStyle/>
+          <a:p>
+            <a:pPr algn="ctr"/>
+            <a:r>
+              <a:rPr lang="en-GB" altLang="en-US" sz="4400" b="1" dirty="0">
+                <a:solidFill>
+                  <a:schemeClr val="bg1"/>
+                </a:solidFill>
+                <a:latin typeface="Century Gothic" panose="020B0502020202020204" pitchFamily="34" charset="0"/>
+              </a:rPr>
+              <a:t>Please Turn Off/Silence Your Devices</a:t>
+            </a:r>
+          </a:p>
+          <a:p>
+            <a:pPr algn="ctr"/>
+            <a:r>
+              <a:rPr lang="ja-JP" altLang="en-US" sz="4400" b="1" dirty="0">
+                <a:solidFill>
+                  <a:schemeClr val="bg1"/>
+                </a:solidFill>
+                <a:latin typeface="Century Gothic" panose="020B0502020202020204" pitchFamily="34" charset="0"/>
+              </a:rPr>
+              <a:t>請靜音或關閉所有電子設備</a:t>
+            </a:r>
+            <a:endParaRPr lang="en-GB" sz="4400" b="1" dirty="0">
+              <a:solidFill>
+                <a:schemeClr val="bg1"/>
+              </a:solidFill>
+              <a:latin typeface="Century Gothic" panose="020B0502020202020204" pitchFamily="34" charset="0"/>
+              <a:ea typeface="金梅新中楷全字體" pitchFamily="49" charset="-120"/>
+            </a:endParaRPr>
+          </a:p>
+        </p:txBody>
+      </p:sp>
+    </p:spTree>
+    <p:extLst>
+      <p:ext uri="{BB962C8B-B14F-4D97-AF65-F5344CB8AC3E}">
+        <p14:creationId xmlns:p14="http://schemas.microsoft.com/office/powerpoint/2010/main" val="1579287213"/>
       </p:ext>
     </p:extLst>
   </p:cSld>

--- a/TJCPowerPoint/bin/Debug/Files/ServiceWidescreen.pptx
+++ b/TJCPowerPoint/bin/Debug/Files/ServiceWidescreen.pptx
@@ -4236,16 +4236,7 @@
                 </a:solidFill>
                 <a:latin typeface="Century Gothic" panose="020B0502020202020204" pitchFamily="34" charset="0"/>
               </a:rPr>
-              <a:t>Hymn No</a:t>
-            </a:r>
-            <a:r>
-              <a:rPr lang="en-US" altLang="en-US" sz="5600" dirty="0">
-                <a:solidFill>
-                  <a:srgbClr val="FFFF99"/>
-                </a:solidFill>
-                <a:latin typeface="Century Gothic" panose="020B0502020202020204" pitchFamily="34" charset="0"/>
-              </a:rPr>
-              <a:t>.</a:t>
+              <a:t>Hymn No.</a:t>
             </a:r>
           </a:p>
         </p:txBody>
@@ -4615,7 +4606,7 @@
         </p:nvSpPr>
         <p:spPr bwMode="auto">
           <a:xfrm>
-            <a:off x="7464152" y="6269250"/>
+            <a:off x="263798" y="5785450"/>
             <a:ext cx="4464050" cy="400110"/>
           </a:xfrm>
           <a:prstGeom prst="rect">
@@ -4661,13 +4652,13 @@
           </a:bodyPr>
           <a:lstStyle/>
           <a:p>
-            <a:pPr algn="r">
+            <a:pPr>
               <a:spcBef>
                 <a:spcPct val="50000"/>
               </a:spcBef>
             </a:pPr>
             <a:r>
-              <a:rPr lang="en-US" altLang="zh-CN" sz="2000" b="1" dirty="0" err="1">
+              <a:rPr lang="en-US" altLang="zh-CN" sz="2000" dirty="0" err="1">
                 <a:solidFill>
                   <a:schemeClr val="bg1"/>
                 </a:solidFill>
@@ -4676,7 +4667,7 @@
               </a:rPr>
               <a:t>ServiceType</a:t>
             </a:r>
-            <a:endParaRPr lang="en-US" altLang="zh-CN" sz="2000" b="1" dirty="0">
+            <a:endParaRPr lang="en-US" altLang="zh-CN" sz="2000" dirty="0">
               <a:solidFill>
                 <a:schemeClr val="bg1"/>
               </a:solidFill>
@@ -4722,6 +4713,111 @@
           </a:prstGeom>
         </p:spPr>
       </p:pic>
+      <p:sp>
+        <p:nvSpPr>
+          <p:cNvPr id="16" name="TextBox 15">
+            <a:extLst>
+              <a:ext uri="{FF2B5EF4-FFF2-40B4-BE49-F238E27FC236}">
+                <a16:creationId xmlns:a16="http://schemas.microsoft.com/office/drawing/2014/main" id="{A9B7581C-46DB-838D-282E-D4FAAF819EAD}"/>
+              </a:ext>
+            </a:extLst>
+          </p:cNvPr>
+          <p:cNvSpPr txBox="1"/>
+          <p:nvPr/>
+        </p:nvSpPr>
+        <p:spPr>
+          <a:xfrm>
+            <a:off x="4727848" y="6269250"/>
+            <a:ext cx="7246931" cy="369332"/>
+          </a:xfrm>
+          <a:prstGeom prst="rect">
+            <a:avLst/>
+          </a:prstGeom>
+          <a:noFill/>
+          <a:ln>
+            <a:solidFill>
+              <a:srgbClr val="FF0000"/>
+            </a:solidFill>
+          </a:ln>
+        </p:spPr>
+        <p:txBody>
+          <a:bodyPr wrap="square" rtlCol="0" anchor="ctr">
+            <a:spAutoFit/>
+          </a:bodyPr>
+          <a:lstStyle/>
+          <a:p>
+            <a:r>
+              <a:rPr lang="en-GB" dirty="0">
+                <a:solidFill>
+                  <a:schemeClr val="bg1"/>
+                </a:solidFill>
+                <a:latin typeface="Century Gothic" panose="020B0502020202020204" pitchFamily="34" charset="0"/>
+              </a:rPr>
+              <a:t>Please Turn Off/Silence Your Devices </a:t>
+            </a:r>
+            <a:r>
+              <a:rPr lang="ja-JP" altLang="en-US" dirty="0">
+                <a:solidFill>
+                  <a:schemeClr val="bg1"/>
+                </a:solidFill>
+                <a:latin typeface="Century Gothic" panose="020B0502020202020204" pitchFamily="34" charset="0"/>
+              </a:rPr>
+              <a:t>請靜音或關閉所有電子設備</a:t>
+            </a:r>
+          </a:p>
+        </p:txBody>
+      </p:sp>
+      <p:pic>
+        <p:nvPicPr>
+          <p:cNvPr id="6" name="Picture 5" descr="Shape&#10;&#10;Description automatically generated with low confidence">
+            <a:extLst>
+              <a:ext uri="{FF2B5EF4-FFF2-40B4-BE49-F238E27FC236}">
+                <a16:creationId xmlns:a16="http://schemas.microsoft.com/office/drawing/2014/main" id="{60F51B84-28FB-5C8C-9FAA-CE4D35626CCC}"/>
+              </a:ext>
+            </a:extLst>
+          </p:cNvPr>
+          <p:cNvPicPr>
+            <a:picLocks noChangeAspect="1"/>
+          </p:cNvPicPr>
+          <p:nvPr/>
+        </p:nvPicPr>
+        <p:blipFill>
+          <a:blip r:embed="rId4" cstate="print">
+            <a:extLst>
+              <a:ext uri="{BEBA8EAE-BF5A-486C-A8C5-ECC9F3942E4B}">
+                <a14:imgProps xmlns:a14="http://schemas.microsoft.com/office/drawing/2010/main">
+                  <a14:imgLayer r:embed="rId5">
+                    <a14:imgEffect>
+                      <a14:colorTemperature colorTemp="11500"/>
+                    </a14:imgEffect>
+                    <a14:imgEffect>
+                      <a14:saturation sat="400000"/>
+                    </a14:imgEffect>
+                    <a14:imgEffect>
+                      <a14:brightnessContrast bright="100000" contrast="100000"/>
+                    </a14:imgEffect>
+                  </a14:imgLayer>
+                </a14:imgProps>
+              </a:ext>
+              <a:ext uri="{28A0092B-C50C-407E-A947-70E740481C1C}">
+                <a14:useLocalDpi xmlns:a14="http://schemas.microsoft.com/office/drawing/2010/main" val="0"/>
+              </a:ext>
+            </a:extLst>
+          </a:blip>
+          <a:stretch>
+            <a:fillRect/>
+          </a:stretch>
+        </p:blipFill>
+        <p:spPr>
+          <a:xfrm>
+            <a:off x="11658489" y="6309320"/>
+            <a:ext cx="280267" cy="280267"/>
+          </a:xfrm>
+          <a:prstGeom prst="rect">
+            <a:avLst/>
+          </a:prstGeom>
+        </p:spPr>
+      </p:pic>
     </p:spTree>
   </p:cSld>
   <p:clrMapOvr>
@@ -4871,6 +4967,61 @@
           </a:prstGeom>
         </p:spPr>
       </p:pic>
+      <p:sp>
+        <p:nvSpPr>
+          <p:cNvPr id="5" name="TextBox 4">
+            <a:extLst>
+              <a:ext uri="{FF2B5EF4-FFF2-40B4-BE49-F238E27FC236}">
+                <a16:creationId xmlns:a16="http://schemas.microsoft.com/office/drawing/2014/main" id="{5C267276-DF8A-372C-5156-A93B36A78D45}"/>
+              </a:ext>
+            </a:extLst>
+          </p:cNvPr>
+          <p:cNvSpPr txBox="1"/>
+          <p:nvPr/>
+        </p:nvSpPr>
+        <p:spPr>
+          <a:xfrm>
+            <a:off x="4943872" y="6269250"/>
+            <a:ext cx="7030907" cy="369332"/>
+          </a:xfrm>
+          <a:prstGeom prst="rect">
+            <a:avLst/>
+          </a:prstGeom>
+          <a:noFill/>
+          <a:ln>
+            <a:solidFill>
+              <a:srgbClr val="FF0000"/>
+            </a:solidFill>
+          </a:ln>
+        </p:spPr>
+        <p:txBody>
+          <a:bodyPr wrap="square" rtlCol="0" anchor="ctr">
+            <a:spAutoFit/>
+          </a:bodyPr>
+          <a:lstStyle/>
+          <a:p>
+            <a:pPr algn="ctr"/>
+            <a:r>
+              <a:rPr lang="en-GB" dirty="0">
+                <a:solidFill>
+                  <a:schemeClr val="bg1"/>
+                </a:solidFill>
+                <a:latin typeface="Century Gothic" panose="020B0502020202020204" pitchFamily="34" charset="0"/>
+              </a:rPr>
+              <a:t>Please Turn Off/Silence Your Devices </a:t>
+            </a:r>
+            <a:r>
+              <a:rPr lang="ja-JP" altLang="en-US" dirty="0">
+                <a:solidFill>
+                  <a:schemeClr val="bg1"/>
+                </a:solidFill>
+                <a:latin typeface="Century Gothic" panose="020B0502020202020204" pitchFamily="34" charset="0"/>
+              </a:rPr>
+              <a:t>請靜音或關閉所有電子設備</a:t>
+            </a:r>
+          </a:p>
+        </p:txBody>
+      </p:sp>
     </p:spTree>
     <p:extLst>
       <p:ext uri="{BB962C8B-B14F-4D97-AF65-F5344CB8AC3E}">
@@ -5113,10 +5264,10 @@
       </p:sp>
       <p:pic>
         <p:nvPicPr>
-          <p:cNvPr id="12" name="Picture 11" descr="Logo&#10;&#10;Description automatically generated with medium confidence">
+          <p:cNvPr id="13" name="Picture 12" descr="Logo&#10;&#10;Description automatically generated with medium confidence">
             <a:extLst>
               <a:ext uri="{FF2B5EF4-FFF2-40B4-BE49-F238E27FC236}">
-                <a16:creationId xmlns:a16="http://schemas.microsoft.com/office/drawing/2014/main" id="{283A1F9D-9D7A-BE3F-52D7-C209A5783C48}"/>
+                <a16:creationId xmlns:a16="http://schemas.microsoft.com/office/drawing/2014/main" id="{6600E01F-4758-2B8B-681F-4C63BAF18B4D}"/>
               </a:ext>
             </a:extLst>
           </p:cNvPr>
@@ -5147,6 +5298,61 @@
           </a:prstGeom>
         </p:spPr>
       </p:pic>
+      <p:sp>
+        <p:nvSpPr>
+          <p:cNvPr id="14" name="TextBox 13">
+            <a:extLst>
+              <a:ext uri="{FF2B5EF4-FFF2-40B4-BE49-F238E27FC236}">
+                <a16:creationId xmlns:a16="http://schemas.microsoft.com/office/drawing/2014/main" id="{B73F8483-201C-9DF2-57C3-564DB1A100B6}"/>
+              </a:ext>
+            </a:extLst>
+          </p:cNvPr>
+          <p:cNvSpPr txBox="1"/>
+          <p:nvPr/>
+        </p:nvSpPr>
+        <p:spPr>
+          <a:xfrm>
+            <a:off x="4943872" y="6269250"/>
+            <a:ext cx="7030907" cy="369332"/>
+          </a:xfrm>
+          <a:prstGeom prst="rect">
+            <a:avLst/>
+          </a:prstGeom>
+          <a:noFill/>
+          <a:ln>
+            <a:solidFill>
+              <a:srgbClr val="FF0000"/>
+            </a:solidFill>
+          </a:ln>
+        </p:spPr>
+        <p:txBody>
+          <a:bodyPr wrap="square" rtlCol="0" anchor="ctr">
+            <a:spAutoFit/>
+          </a:bodyPr>
+          <a:lstStyle/>
+          <a:p>
+            <a:pPr algn="ctr"/>
+            <a:r>
+              <a:rPr lang="en-GB" dirty="0">
+                <a:solidFill>
+                  <a:schemeClr val="bg1"/>
+                </a:solidFill>
+                <a:latin typeface="Century Gothic" panose="020B0502020202020204" pitchFamily="34" charset="0"/>
+              </a:rPr>
+              <a:t>Please Turn Off/Silence Your Devices </a:t>
+            </a:r>
+            <a:r>
+              <a:rPr lang="ja-JP" altLang="en-US" dirty="0">
+                <a:solidFill>
+                  <a:schemeClr val="bg1"/>
+                </a:solidFill>
+                <a:latin typeface="Century Gothic" panose="020B0502020202020204" pitchFamily="34" charset="0"/>
+              </a:rPr>
+              <a:t>請靜音或關閉所有電子設備</a:t>
+            </a:r>
+          </a:p>
+        </p:txBody>
+      </p:sp>
     </p:spTree>
   </p:cSld>
   <p:clrMapOvr>
@@ -5384,10 +5590,10 @@
       </p:sp>
       <p:pic>
         <p:nvPicPr>
-          <p:cNvPr id="8" name="Picture 7" descr="Logo&#10;&#10;Description automatically generated with medium confidence">
+          <p:cNvPr id="9" name="Picture 8" descr="Logo&#10;&#10;Description automatically generated with medium confidence">
             <a:extLst>
               <a:ext uri="{FF2B5EF4-FFF2-40B4-BE49-F238E27FC236}">
-                <a16:creationId xmlns:a16="http://schemas.microsoft.com/office/drawing/2014/main" id="{A65649BC-6B24-CAB9-AF72-440EBBC7D223}"/>
+                <a16:creationId xmlns:a16="http://schemas.microsoft.com/office/drawing/2014/main" id="{605C6900-1A85-0725-D99B-AAF3A940D377}"/>
               </a:ext>
             </a:extLst>
           </p:cNvPr>
@@ -5418,6 +5624,61 @@
           </a:prstGeom>
         </p:spPr>
       </p:pic>
+      <p:sp>
+        <p:nvSpPr>
+          <p:cNvPr id="10" name="TextBox 9">
+            <a:extLst>
+              <a:ext uri="{FF2B5EF4-FFF2-40B4-BE49-F238E27FC236}">
+                <a16:creationId xmlns:a16="http://schemas.microsoft.com/office/drawing/2014/main" id="{A216DF36-6D31-ABC2-E939-9615A1B90BD6}"/>
+              </a:ext>
+            </a:extLst>
+          </p:cNvPr>
+          <p:cNvSpPr txBox="1"/>
+          <p:nvPr/>
+        </p:nvSpPr>
+        <p:spPr>
+          <a:xfrm>
+            <a:off x="4943872" y="6269250"/>
+            <a:ext cx="7030907" cy="369332"/>
+          </a:xfrm>
+          <a:prstGeom prst="rect">
+            <a:avLst/>
+          </a:prstGeom>
+          <a:noFill/>
+          <a:ln>
+            <a:solidFill>
+              <a:srgbClr val="FF0000"/>
+            </a:solidFill>
+          </a:ln>
+        </p:spPr>
+        <p:txBody>
+          <a:bodyPr wrap="square" rtlCol="0" anchor="ctr">
+            <a:spAutoFit/>
+          </a:bodyPr>
+          <a:lstStyle/>
+          <a:p>
+            <a:pPr algn="ctr"/>
+            <a:r>
+              <a:rPr lang="en-GB" dirty="0">
+                <a:solidFill>
+                  <a:schemeClr val="bg1"/>
+                </a:solidFill>
+                <a:latin typeface="Century Gothic" panose="020B0502020202020204" pitchFamily="34" charset="0"/>
+              </a:rPr>
+              <a:t>Please Turn Off/Silence Your Devices </a:t>
+            </a:r>
+            <a:r>
+              <a:rPr lang="ja-JP" altLang="en-US" dirty="0">
+                <a:solidFill>
+                  <a:schemeClr val="bg1"/>
+                </a:solidFill>
+                <a:latin typeface="Century Gothic" panose="020B0502020202020204" pitchFamily="34" charset="0"/>
+              </a:rPr>
+              <a:t>請靜音或關閉所有電子設備</a:t>
+            </a:r>
+          </a:p>
+        </p:txBody>
+      </p:sp>
     </p:spTree>
     <p:extLst>
       <p:ext uri="{BB962C8B-B14F-4D97-AF65-F5344CB8AC3E}">
@@ -5665,12 +5926,102 @@
           </a:p>
         </p:txBody>
       </p:sp>
+      <p:sp>
+        <p:nvSpPr>
+          <p:cNvPr id="7" name="TextBox 6">
+            <a:extLst>
+              <a:ext uri="{FF2B5EF4-FFF2-40B4-BE49-F238E27FC236}">
+                <a16:creationId xmlns:a16="http://schemas.microsoft.com/office/drawing/2014/main" id="{A120D86B-9412-FFFA-2E86-3E358DE4B992}"/>
+              </a:ext>
+            </a:extLst>
+          </p:cNvPr>
+          <p:cNvSpPr txBox="1"/>
+          <p:nvPr/>
+        </p:nvSpPr>
+        <p:spPr>
+          <a:xfrm>
+            <a:off x="551384" y="1495032"/>
+            <a:ext cx="5616624" cy="735779"/>
+          </a:xfrm>
+          <a:prstGeom prst="rect">
+            <a:avLst/>
+          </a:prstGeom>
+          <a:noFill/>
+        </p:spPr>
+        <p:txBody>
+          <a:bodyPr wrap="square" rtlCol="0">
+            <a:spAutoFit/>
+          </a:bodyPr>
+          <a:lstStyle/>
+          <a:p>
+            <a:pPr algn="ctr">
+              <a:lnSpc>
+                <a:spcPct val="150000"/>
+              </a:lnSpc>
+            </a:pPr>
+            <a:r>
+              <a:rPr lang="en-GB" sz="3200" b="1" dirty="0">
+                <a:solidFill>
+                  <a:schemeClr val="bg1"/>
+                </a:solidFill>
+                <a:latin typeface="Century Gothic" panose="020B0502020202020204" pitchFamily="34" charset="0"/>
+              </a:rPr>
+              <a:t>Bread:</a:t>
+            </a:r>
+          </a:p>
+        </p:txBody>
+      </p:sp>
+      <p:sp>
+        <p:nvSpPr>
+          <p:cNvPr id="8" name="TextBox 7">
+            <a:extLst>
+              <a:ext uri="{FF2B5EF4-FFF2-40B4-BE49-F238E27FC236}">
+                <a16:creationId xmlns:a16="http://schemas.microsoft.com/office/drawing/2014/main" id="{FAE06038-3F4F-5E0F-699C-9FFE1D160046}"/>
+              </a:ext>
+            </a:extLst>
+          </p:cNvPr>
+          <p:cNvSpPr txBox="1"/>
+          <p:nvPr/>
+        </p:nvSpPr>
+        <p:spPr>
+          <a:xfrm>
+            <a:off x="5889398" y="1542131"/>
+            <a:ext cx="5616624" cy="735779"/>
+          </a:xfrm>
+          <a:prstGeom prst="rect">
+            <a:avLst/>
+          </a:prstGeom>
+          <a:noFill/>
+        </p:spPr>
+        <p:txBody>
+          <a:bodyPr wrap="square" rtlCol="0">
+            <a:spAutoFit/>
+          </a:bodyPr>
+          <a:lstStyle/>
+          <a:p>
+            <a:pPr algn="ctr">
+              <a:lnSpc>
+                <a:spcPct val="150000"/>
+              </a:lnSpc>
+            </a:pPr>
+            <a:r>
+              <a:rPr lang="en-GB" sz="3200" b="1" dirty="0">
+                <a:solidFill>
+                  <a:schemeClr val="bg1"/>
+                </a:solidFill>
+                <a:latin typeface="Century Gothic" panose="020B0502020202020204" pitchFamily="34" charset="0"/>
+              </a:rPr>
+              <a:t>Cup:</a:t>
+            </a:r>
+          </a:p>
+        </p:txBody>
+      </p:sp>
       <p:pic>
         <p:nvPicPr>
-          <p:cNvPr id="10" name="Picture 9" descr="Logo&#10;&#10;Description automatically generated with medium confidence">
+          <p:cNvPr id="15" name="Picture 14" descr="Logo&#10;&#10;Description automatically generated with medium confidence">
             <a:extLst>
               <a:ext uri="{FF2B5EF4-FFF2-40B4-BE49-F238E27FC236}">
-                <a16:creationId xmlns:a16="http://schemas.microsoft.com/office/drawing/2014/main" id="{09972652-1A6A-1B4B-0131-D25F4E4DEDD8}"/>
+                <a16:creationId xmlns:a16="http://schemas.microsoft.com/office/drawing/2014/main" id="{1B56477B-AF8D-03B6-F74E-187B3DB893EB}"/>
               </a:ext>
             </a:extLst>
           </p:cNvPr>
@@ -5703,10 +6054,10 @@
       </p:pic>
       <p:sp>
         <p:nvSpPr>
-          <p:cNvPr id="7" name="TextBox 6">
+          <p:cNvPr id="16" name="TextBox 15">
             <a:extLst>
               <a:ext uri="{FF2B5EF4-FFF2-40B4-BE49-F238E27FC236}">
-                <a16:creationId xmlns:a16="http://schemas.microsoft.com/office/drawing/2014/main" id="{A120D86B-9412-FFFA-2E86-3E358DE4B992}"/>
+                <a16:creationId xmlns:a16="http://schemas.microsoft.com/office/drawing/2014/main" id="{F3AEC46C-8DB5-5C09-ECB8-BD8CFEBAE7C3}"/>
               </a:ext>
             </a:extLst>
           </p:cNvPr>
@@ -5715,78 +6066,43 @@
         </p:nvSpPr>
         <p:spPr>
           <a:xfrm>
-            <a:off x="551384" y="1495032"/>
-            <a:ext cx="5616624" cy="735779"/>
+            <a:off x="4943872" y="6269250"/>
+            <a:ext cx="7030907" cy="369332"/>
           </a:xfrm>
           <a:prstGeom prst="rect">
             <a:avLst/>
           </a:prstGeom>
           <a:noFill/>
-        </p:spPr>
-        <p:txBody>
-          <a:bodyPr wrap="square" rtlCol="0">
+          <a:ln>
+            <a:solidFill>
+              <a:srgbClr val="FF0000"/>
+            </a:solidFill>
+          </a:ln>
+        </p:spPr>
+        <p:txBody>
+          <a:bodyPr wrap="square" rtlCol="0" anchor="ctr">
             <a:spAutoFit/>
           </a:bodyPr>
           <a:lstStyle/>
           <a:p>
-            <a:pPr algn="ctr">
-              <a:lnSpc>
-                <a:spcPct val="150000"/>
-              </a:lnSpc>
-            </a:pPr>
-            <a:r>
-              <a:rPr lang="en-GB" sz="3200" b="1" dirty="0">
+            <a:pPr algn="ctr"/>
+            <a:r>
+              <a:rPr lang="en-GB" dirty="0">
                 <a:solidFill>
                   <a:schemeClr val="bg1"/>
                 </a:solidFill>
                 <a:latin typeface="Century Gothic" panose="020B0502020202020204" pitchFamily="34" charset="0"/>
               </a:rPr>
-              <a:t>Bread:</a:t>
-            </a:r>
-          </a:p>
-        </p:txBody>
-      </p:sp>
-      <p:sp>
-        <p:nvSpPr>
-          <p:cNvPr id="8" name="TextBox 7">
-            <a:extLst>
-              <a:ext uri="{FF2B5EF4-FFF2-40B4-BE49-F238E27FC236}">
-                <a16:creationId xmlns:a16="http://schemas.microsoft.com/office/drawing/2014/main" id="{FAE06038-3F4F-5E0F-699C-9FFE1D160046}"/>
-              </a:ext>
-            </a:extLst>
-          </p:cNvPr>
-          <p:cNvSpPr txBox="1"/>
-          <p:nvPr/>
-        </p:nvSpPr>
-        <p:spPr>
-          <a:xfrm>
-            <a:off x="5889398" y="1542131"/>
-            <a:ext cx="5616624" cy="735779"/>
-          </a:xfrm>
-          <a:prstGeom prst="rect">
-            <a:avLst/>
-          </a:prstGeom>
-          <a:noFill/>
-        </p:spPr>
-        <p:txBody>
-          <a:bodyPr wrap="square" rtlCol="0">
-            <a:spAutoFit/>
-          </a:bodyPr>
-          <a:lstStyle/>
-          <a:p>
-            <a:pPr algn="ctr">
-              <a:lnSpc>
-                <a:spcPct val="150000"/>
-              </a:lnSpc>
-            </a:pPr>
-            <a:r>
-              <a:rPr lang="en-GB" sz="3200" b="1" dirty="0">
+              <a:t>Please Turn Off/Silence Your Devices </a:t>
+            </a:r>
+            <a:r>
+              <a:rPr lang="ja-JP" altLang="en-US" dirty="0">
                 <a:solidFill>
                   <a:schemeClr val="bg1"/>
                 </a:solidFill>
                 <a:latin typeface="Century Gothic" panose="020B0502020202020204" pitchFamily="34" charset="0"/>
               </a:rPr>
-              <a:t>Cup:</a:t>
+              <a:t>請靜音或關閉所有電子設備</a:t>
             </a:r>
           </a:p>
         </p:txBody>
@@ -6363,10 +6679,10 @@
       </p:sp>
       <p:pic>
         <p:nvPicPr>
-          <p:cNvPr id="12" name="Picture 11" descr="Logo&#10;&#10;Description automatically generated with medium confidence">
+          <p:cNvPr id="9" name="Picture 8" descr="Logo&#10;&#10;Description automatically generated with medium confidence">
             <a:extLst>
               <a:ext uri="{FF2B5EF4-FFF2-40B4-BE49-F238E27FC236}">
-                <a16:creationId xmlns:a16="http://schemas.microsoft.com/office/drawing/2014/main" id="{F29E64E1-49CD-78DB-0ADB-1706C40BEF50}"/>
+                <a16:creationId xmlns:a16="http://schemas.microsoft.com/office/drawing/2014/main" id="{08FB6A1C-1FE7-894F-7F68-6DDAB352156F}"/>
               </a:ext>
             </a:extLst>
           </p:cNvPr>
@@ -6397,6 +6713,61 @@
           </a:prstGeom>
         </p:spPr>
       </p:pic>
+      <p:sp>
+        <p:nvSpPr>
+          <p:cNvPr id="10" name="TextBox 9">
+            <a:extLst>
+              <a:ext uri="{FF2B5EF4-FFF2-40B4-BE49-F238E27FC236}">
+                <a16:creationId xmlns:a16="http://schemas.microsoft.com/office/drawing/2014/main" id="{159355D8-9E21-C844-1A0C-056079E734C3}"/>
+              </a:ext>
+            </a:extLst>
+          </p:cNvPr>
+          <p:cNvSpPr txBox="1"/>
+          <p:nvPr/>
+        </p:nvSpPr>
+        <p:spPr>
+          <a:xfrm>
+            <a:off x="4943872" y="6269250"/>
+            <a:ext cx="7030907" cy="369332"/>
+          </a:xfrm>
+          <a:prstGeom prst="rect">
+            <a:avLst/>
+          </a:prstGeom>
+          <a:noFill/>
+          <a:ln>
+            <a:solidFill>
+              <a:srgbClr val="FF0000"/>
+            </a:solidFill>
+          </a:ln>
+        </p:spPr>
+        <p:txBody>
+          <a:bodyPr wrap="square" rtlCol="0" anchor="ctr">
+            <a:spAutoFit/>
+          </a:bodyPr>
+          <a:lstStyle/>
+          <a:p>
+            <a:pPr algn="ctr"/>
+            <a:r>
+              <a:rPr lang="en-GB" dirty="0">
+                <a:solidFill>
+                  <a:schemeClr val="bg1"/>
+                </a:solidFill>
+                <a:latin typeface="Century Gothic" panose="020B0502020202020204" pitchFamily="34" charset="0"/>
+              </a:rPr>
+              <a:t>Please Turn Off/Silence Your Devices </a:t>
+            </a:r>
+            <a:r>
+              <a:rPr lang="ja-JP" altLang="en-US" dirty="0">
+                <a:solidFill>
+                  <a:schemeClr val="bg1"/>
+                </a:solidFill>
+                <a:latin typeface="Century Gothic" panose="020B0502020202020204" pitchFamily="34" charset="0"/>
+              </a:rPr>
+              <a:t>請靜音或關閉所有電子設備</a:t>
+            </a:r>
+          </a:p>
+        </p:txBody>
+      </p:sp>
     </p:spTree>
     <p:extLst>
       <p:ext uri="{BB962C8B-B14F-4D97-AF65-F5344CB8AC3E}">
@@ -6463,12 +6834,77 @@
           </a:p>
         </p:txBody>
       </p:sp>
+      <p:sp>
+        <p:nvSpPr>
+          <p:cNvPr id="9" name="TextBox 8">
+            <a:extLst>
+              <a:ext uri="{FF2B5EF4-FFF2-40B4-BE49-F238E27FC236}">
+                <a16:creationId xmlns:a16="http://schemas.microsoft.com/office/drawing/2014/main" id="{EB7FD2AF-7F03-5326-A748-9D97F0B7E43C}"/>
+              </a:ext>
+            </a:extLst>
+          </p:cNvPr>
+          <p:cNvSpPr txBox="1"/>
+          <p:nvPr/>
+        </p:nvSpPr>
+        <p:spPr>
+          <a:xfrm>
+            <a:off x="479376" y="637429"/>
+            <a:ext cx="11233247" cy="1446550"/>
+          </a:xfrm>
+          <a:prstGeom prst="rect">
+            <a:avLst/>
+          </a:prstGeom>
+          <a:noFill/>
+          <a:ln>
+            <a:solidFill>
+              <a:srgbClr val="FF0000"/>
+            </a:solidFill>
+          </a:ln>
+        </p:spPr>
+        <p:txBody>
+          <a:bodyPr wrap="square" rtlCol="0">
+            <a:spAutoFit/>
+          </a:bodyPr>
+          <a:lstStyle/>
+          <a:p>
+            <a:pPr algn="ctr"/>
+            <a:r>
+              <a:rPr lang="en-GB" altLang="en-US" sz="4400" b="1" dirty="0">
+                <a:solidFill>
+                  <a:schemeClr val="bg1"/>
+                </a:solidFill>
+                <a:latin typeface="Century Gothic" panose="020B0502020202020204" pitchFamily="34" charset="0"/>
+              </a:rPr>
+              <a:t>Please Turn Off/Silence Your Devices</a:t>
+            </a:r>
+          </a:p>
+          <a:p>
+            <a:pPr algn="ctr"/>
+            <a:r>
+              <a:rPr lang="ja-JP" altLang="en-US" sz="4400" b="1" dirty="0">
+                <a:solidFill>
+                  <a:schemeClr val="bg1"/>
+                </a:solidFill>
+                <a:latin typeface="Century Gothic" panose="020B0502020202020204" pitchFamily="34" charset="0"/>
+              </a:rPr>
+              <a:t>請靜音或關閉所有電子設備</a:t>
+            </a:r>
+            <a:endParaRPr lang="en-GB" sz="4400" b="1" dirty="0">
+              <a:solidFill>
+                <a:schemeClr val="bg1"/>
+              </a:solidFill>
+              <a:latin typeface="Century Gothic" panose="020B0502020202020204" pitchFamily="34" charset="0"/>
+              <a:ea typeface="金梅新中楷全字體" pitchFamily="49" charset="-120"/>
+            </a:endParaRPr>
+          </a:p>
+        </p:txBody>
+      </p:sp>
       <p:pic>
         <p:nvPicPr>
-          <p:cNvPr id="12" name="Picture 11" descr="Logo&#10;&#10;Description automatically generated with medium confidence">
+          <p:cNvPr id="7" name="Picture 6" descr="Logo&#10;&#10;Description automatically generated with medium confidence">
             <a:extLst>
               <a:ext uri="{FF2B5EF4-FFF2-40B4-BE49-F238E27FC236}">
-                <a16:creationId xmlns:a16="http://schemas.microsoft.com/office/drawing/2014/main" id="{F29E64E1-49CD-78DB-0ADB-1706C40BEF50}"/>
+                <a16:creationId xmlns:a16="http://schemas.microsoft.com/office/drawing/2014/main" id="{7D8F5CB1-CB81-80C7-2EEC-931ED922A40D}"/>
               </a:ext>
             </a:extLst>
           </p:cNvPr>
@@ -6499,66 +6935,147 @@
           </a:prstGeom>
         </p:spPr>
       </p:pic>
-      <p:sp>
-        <p:nvSpPr>
-          <p:cNvPr id="9" name="TextBox 8">
+      <p:pic>
+        <p:nvPicPr>
+          <p:cNvPr id="5" name="Picture 4" descr="Shape&#10;&#10;Description automatically generated with low confidence">
             <a:extLst>
               <a:ext uri="{FF2B5EF4-FFF2-40B4-BE49-F238E27FC236}">
-                <a16:creationId xmlns:a16="http://schemas.microsoft.com/office/drawing/2014/main" id="{EB7FD2AF-7F03-5326-A748-9D97F0B7E43C}"/>
+                <a16:creationId xmlns:a16="http://schemas.microsoft.com/office/drawing/2014/main" id="{AC9BD3E1-856D-B518-3D09-AA2FCBC6B91A}"/>
               </a:ext>
             </a:extLst>
           </p:cNvPr>
-          <p:cNvSpPr txBox="1"/>
+          <p:cNvPicPr>
+            <a:picLocks noChangeAspect="1"/>
+          </p:cNvPicPr>
           <p:nvPr/>
-        </p:nvSpPr>
+        </p:nvPicPr>
+        <p:blipFill>
+          <a:blip r:embed="rId3" cstate="print">
+            <a:extLst>
+              <a:ext uri="{BEBA8EAE-BF5A-486C-A8C5-ECC9F3942E4B}">
+                <a14:imgProps xmlns:a14="http://schemas.microsoft.com/office/drawing/2010/main">
+                  <a14:imgLayer r:embed="rId4">
+                    <a14:imgEffect>
+                      <a14:colorTemperature colorTemp="11500"/>
+                    </a14:imgEffect>
+                    <a14:imgEffect>
+                      <a14:saturation sat="400000"/>
+                    </a14:imgEffect>
+                    <a14:imgEffect>
+                      <a14:brightnessContrast bright="100000" contrast="100000"/>
+                    </a14:imgEffect>
+                  </a14:imgLayer>
+                </a14:imgProps>
+              </a:ext>
+              <a:ext uri="{28A0092B-C50C-407E-A947-70E740481C1C}">
+                <a14:useLocalDpi xmlns:a14="http://schemas.microsoft.com/office/drawing/2010/main" val="0"/>
+              </a:ext>
+            </a:extLst>
+          </a:blip>
+          <a:stretch>
+            <a:fillRect/>
+          </a:stretch>
+        </p:blipFill>
         <p:spPr>
           <a:xfrm>
-            <a:off x="0" y="692696"/>
-            <a:ext cx="12192000" cy="1446550"/>
+            <a:off x="1710701" y="2869813"/>
+            <a:ext cx="2359386" cy="2359386"/>
           </a:xfrm>
           <a:prstGeom prst="rect">
             <a:avLst/>
           </a:prstGeom>
-          <a:noFill/>
-        </p:spPr>
-        <p:txBody>
-          <a:bodyPr wrap="square" rtlCol="0">
-            <a:spAutoFit/>
-          </a:bodyPr>
-          <a:lstStyle/>
-          <a:p>
-            <a:pPr algn="ctr"/>
-            <a:r>
-              <a:rPr lang="en-GB" altLang="en-US" sz="4400" b="1" dirty="0">
-                <a:solidFill>
-                  <a:schemeClr val="bg1"/>
-                </a:solidFill>
-                <a:latin typeface="Century Gothic" panose="020B0502020202020204" pitchFamily="34" charset="0"/>
-              </a:rPr>
-              <a:t>Please Turn Off/Silence Your Devices</a:t>
-            </a:r>
-          </a:p>
-          <a:p>
-            <a:pPr algn="ctr"/>
-            <a:r>
-              <a:rPr lang="ja-JP" altLang="en-US" sz="4400" b="1" dirty="0">
-                <a:solidFill>
-                  <a:schemeClr val="bg1"/>
-                </a:solidFill>
-                <a:latin typeface="Century Gothic" panose="020B0502020202020204" pitchFamily="34" charset="0"/>
-              </a:rPr>
-              <a:t>請靜音或關閉所有電子設備</a:t>
-            </a:r>
-            <a:endParaRPr lang="en-GB" sz="4400" b="1" dirty="0">
-              <a:solidFill>
-                <a:schemeClr val="bg1"/>
-              </a:solidFill>
-              <a:latin typeface="Century Gothic" panose="020B0502020202020204" pitchFamily="34" charset="0"/>
-              <a:ea typeface="金梅新中楷全字體" pitchFamily="49" charset="-120"/>
-            </a:endParaRPr>
-          </a:p>
-        </p:txBody>
-      </p:sp>
+        </p:spPr>
+      </p:pic>
+      <p:pic>
+        <p:nvPicPr>
+          <p:cNvPr id="3" name="Picture 2" descr="Shape&#10;&#10;Description automatically generated with low confidence">
+            <a:extLst>
+              <a:ext uri="{FF2B5EF4-FFF2-40B4-BE49-F238E27FC236}">
+                <a16:creationId xmlns:a16="http://schemas.microsoft.com/office/drawing/2014/main" id="{F2B8EEB5-A2A8-2246-92B8-D793C3FDC5FE}"/>
+              </a:ext>
+            </a:extLst>
+          </p:cNvPr>
+          <p:cNvPicPr>
+            <a:picLocks noChangeAspect="1"/>
+          </p:cNvPicPr>
+          <p:nvPr/>
+        </p:nvPicPr>
+        <p:blipFill>
+          <a:blip r:embed="rId5">
+            <a:extLst>
+              <a:ext uri="{BEBA8EAE-BF5A-486C-A8C5-ECC9F3942E4B}">
+                <a14:imgProps xmlns:a14="http://schemas.microsoft.com/office/drawing/2010/main">
+                  <a14:imgLayer r:embed="rId6">
+                    <a14:imgEffect>
+                      <a14:brightnessContrast bright="100000" contrast="100000"/>
+                    </a14:imgEffect>
+                  </a14:imgLayer>
+                </a14:imgProps>
+              </a:ext>
+              <a:ext uri="{28A0092B-C50C-407E-A947-70E740481C1C}">
+                <a14:useLocalDpi xmlns:a14="http://schemas.microsoft.com/office/drawing/2010/main" val="0"/>
+              </a:ext>
+            </a:extLst>
+          </a:blip>
+          <a:stretch>
+            <a:fillRect/>
+          </a:stretch>
+        </p:blipFill>
+        <p:spPr>
+          <a:xfrm>
+            <a:off x="5015880" y="2869814"/>
+            <a:ext cx="2359385" cy="2359385"/>
+          </a:xfrm>
+          <a:prstGeom prst="rect">
+            <a:avLst/>
+          </a:prstGeom>
+        </p:spPr>
+      </p:pic>
+      <p:pic>
+        <p:nvPicPr>
+          <p:cNvPr id="6" name="Picture 5" descr="Shape&#10;&#10;Description automatically generated with low confidence">
+            <a:extLst>
+              <a:ext uri="{FF2B5EF4-FFF2-40B4-BE49-F238E27FC236}">
+                <a16:creationId xmlns:a16="http://schemas.microsoft.com/office/drawing/2014/main" id="{E4E05851-7A29-58F2-A0E9-7AFC98E740B6}"/>
+              </a:ext>
+            </a:extLst>
+          </p:cNvPr>
+          <p:cNvPicPr>
+            <a:picLocks noChangeAspect="1"/>
+          </p:cNvPicPr>
+          <p:nvPr/>
+        </p:nvPicPr>
+        <p:blipFill>
+          <a:blip r:embed="rId7">
+            <a:extLst>
+              <a:ext uri="{BEBA8EAE-BF5A-486C-A8C5-ECC9F3942E4B}">
+                <a14:imgProps xmlns:a14="http://schemas.microsoft.com/office/drawing/2010/main">
+                  <a14:imgLayer r:embed="rId8">
+                    <a14:imgEffect>
+                      <a14:brightnessContrast bright="100000" contrast="100000"/>
+                    </a14:imgEffect>
+                  </a14:imgLayer>
+                </a14:imgProps>
+              </a:ext>
+              <a:ext uri="{28A0092B-C50C-407E-A947-70E740481C1C}">
+                <a14:useLocalDpi xmlns:a14="http://schemas.microsoft.com/office/drawing/2010/main" val="0"/>
+              </a:ext>
+            </a:extLst>
+          </a:blip>
+          <a:stretch>
+            <a:fillRect/>
+          </a:stretch>
+        </p:blipFill>
+        <p:spPr>
+          <a:xfrm>
+            <a:off x="8121914" y="2866900"/>
+            <a:ext cx="2359385" cy="2359385"/>
+          </a:xfrm>
+          <a:prstGeom prst="rect">
+            <a:avLst/>
+          </a:prstGeom>
+        </p:spPr>
+      </p:pic>
     </p:spTree>
     <p:extLst>
       <p:ext uri="{BB962C8B-B14F-4D97-AF65-F5344CB8AC3E}">

--- a/TJCPowerPoint/bin/Debug/Files/ServiceWidescreen.pptx
+++ b/TJCPowerPoint/bin/Debug/Files/ServiceWidescreen.pptx
@@ -4251,8 +4251,8 @@
         </p:nvSpPr>
         <p:spPr bwMode="auto">
           <a:xfrm>
-            <a:off x="335359" y="2492896"/>
-            <a:ext cx="4680447" cy="769441"/>
+            <a:off x="300061" y="2503862"/>
+            <a:ext cx="5004520" cy="769441"/>
           </a:xfrm>
           <a:prstGeom prst="rect">
             <a:avLst/>
@@ -4734,7 +4734,7 @@
             <a:avLst/>
           </a:prstGeom>
           <a:noFill/>
-          <a:ln>
+          <a:ln w="12700">
             <a:solidFill>
               <a:srgbClr val="FF0000"/>
             </a:solidFill>
@@ -4969,10 +4969,10 @@
       </p:pic>
       <p:sp>
         <p:nvSpPr>
-          <p:cNvPr id="5" name="TextBox 4">
+          <p:cNvPr id="7" name="TextBox 6">
             <a:extLst>
               <a:ext uri="{FF2B5EF4-FFF2-40B4-BE49-F238E27FC236}">
-                <a16:creationId xmlns:a16="http://schemas.microsoft.com/office/drawing/2014/main" id="{5C267276-DF8A-372C-5156-A93B36A78D45}"/>
+                <a16:creationId xmlns:a16="http://schemas.microsoft.com/office/drawing/2014/main" id="{FBBBCCBC-05E2-CF12-4E20-877482BC8B6D}"/>
               </a:ext>
             </a:extLst>
           </p:cNvPr>
@@ -4981,14 +4981,14 @@
         </p:nvSpPr>
         <p:spPr>
           <a:xfrm>
-            <a:off x="4943872" y="6269250"/>
-            <a:ext cx="7030907" cy="369332"/>
+            <a:off x="4727848" y="6269250"/>
+            <a:ext cx="7246931" cy="369332"/>
           </a:xfrm>
           <a:prstGeom prst="rect">
             <a:avLst/>
           </a:prstGeom>
           <a:noFill/>
-          <a:ln>
+          <a:ln w="12700">
             <a:solidFill>
               <a:srgbClr val="FF0000"/>
             </a:solidFill>
@@ -5000,7 +5000,6 @@
           </a:bodyPr>
           <a:lstStyle/>
           <a:p>
-            <a:pPr algn="ctr"/>
             <a:r>
               <a:rPr lang="en-GB" dirty="0">
                 <a:solidFill>
@@ -5022,6 +5021,57 @@
           </a:p>
         </p:txBody>
       </p:sp>
+      <p:pic>
+        <p:nvPicPr>
+          <p:cNvPr id="9" name="Picture 8" descr="Shape&#10;&#10;Description automatically generated with low confidence">
+            <a:extLst>
+              <a:ext uri="{FF2B5EF4-FFF2-40B4-BE49-F238E27FC236}">
+                <a16:creationId xmlns:a16="http://schemas.microsoft.com/office/drawing/2014/main" id="{E5FA3662-B218-9881-059F-4819B3270E54}"/>
+              </a:ext>
+            </a:extLst>
+          </p:cNvPr>
+          <p:cNvPicPr>
+            <a:picLocks noChangeAspect="1"/>
+          </p:cNvPicPr>
+          <p:nvPr/>
+        </p:nvPicPr>
+        <p:blipFill>
+          <a:blip r:embed="rId3" cstate="print">
+            <a:extLst>
+              <a:ext uri="{BEBA8EAE-BF5A-486C-A8C5-ECC9F3942E4B}">
+                <a14:imgProps xmlns:a14="http://schemas.microsoft.com/office/drawing/2010/main">
+                  <a14:imgLayer r:embed="rId4">
+                    <a14:imgEffect>
+                      <a14:colorTemperature colorTemp="11500"/>
+                    </a14:imgEffect>
+                    <a14:imgEffect>
+                      <a14:saturation sat="400000"/>
+                    </a14:imgEffect>
+                    <a14:imgEffect>
+                      <a14:brightnessContrast bright="100000" contrast="100000"/>
+                    </a14:imgEffect>
+                  </a14:imgLayer>
+                </a14:imgProps>
+              </a:ext>
+              <a:ext uri="{28A0092B-C50C-407E-A947-70E740481C1C}">
+                <a14:useLocalDpi xmlns:a14="http://schemas.microsoft.com/office/drawing/2010/main" val="0"/>
+              </a:ext>
+            </a:extLst>
+          </a:blip>
+          <a:stretch>
+            <a:fillRect/>
+          </a:stretch>
+        </p:blipFill>
+        <p:spPr>
+          <a:xfrm>
+            <a:off x="11658489" y="6309320"/>
+            <a:ext cx="280267" cy="280267"/>
+          </a:xfrm>
+          <a:prstGeom prst="rect">
+            <a:avLst/>
+          </a:prstGeom>
+        </p:spPr>
+      </p:pic>
     </p:spTree>
     <p:extLst>
       <p:ext uri="{BB962C8B-B14F-4D97-AF65-F5344CB8AC3E}">
@@ -5300,10 +5350,10 @@
       </p:pic>
       <p:sp>
         <p:nvSpPr>
-          <p:cNvPr id="14" name="TextBox 13">
+          <p:cNvPr id="9" name="TextBox 8">
             <a:extLst>
               <a:ext uri="{FF2B5EF4-FFF2-40B4-BE49-F238E27FC236}">
-                <a16:creationId xmlns:a16="http://schemas.microsoft.com/office/drawing/2014/main" id="{B73F8483-201C-9DF2-57C3-564DB1A100B6}"/>
+                <a16:creationId xmlns:a16="http://schemas.microsoft.com/office/drawing/2014/main" id="{1CCA3FC1-CDE7-6686-71F6-101A52A12056}"/>
               </a:ext>
             </a:extLst>
           </p:cNvPr>
@@ -5312,14 +5362,14 @@
         </p:nvSpPr>
         <p:spPr>
           <a:xfrm>
-            <a:off x="4943872" y="6269250"/>
-            <a:ext cx="7030907" cy="369332"/>
+            <a:off x="4727848" y="6269250"/>
+            <a:ext cx="7246931" cy="369332"/>
           </a:xfrm>
           <a:prstGeom prst="rect">
             <a:avLst/>
           </a:prstGeom>
           <a:noFill/>
-          <a:ln>
+          <a:ln w="12700">
             <a:solidFill>
               <a:srgbClr val="FF0000"/>
             </a:solidFill>
@@ -5331,7 +5381,6 @@
           </a:bodyPr>
           <a:lstStyle/>
           <a:p>
-            <a:pPr algn="ctr"/>
             <a:r>
               <a:rPr lang="en-GB" dirty="0">
                 <a:solidFill>
@@ -5353,6 +5402,57 @@
           </a:p>
         </p:txBody>
       </p:sp>
+      <p:pic>
+        <p:nvPicPr>
+          <p:cNvPr id="10" name="Picture 9" descr="Shape&#10;&#10;Description automatically generated with low confidence">
+            <a:extLst>
+              <a:ext uri="{FF2B5EF4-FFF2-40B4-BE49-F238E27FC236}">
+                <a16:creationId xmlns:a16="http://schemas.microsoft.com/office/drawing/2014/main" id="{CB613418-962F-FCFF-C920-68BDD1AA5BB4}"/>
+              </a:ext>
+            </a:extLst>
+          </p:cNvPr>
+          <p:cNvPicPr>
+            <a:picLocks noChangeAspect="1"/>
+          </p:cNvPicPr>
+          <p:nvPr/>
+        </p:nvPicPr>
+        <p:blipFill>
+          <a:blip r:embed="rId3" cstate="print">
+            <a:extLst>
+              <a:ext uri="{BEBA8EAE-BF5A-486C-A8C5-ECC9F3942E4B}">
+                <a14:imgProps xmlns:a14="http://schemas.microsoft.com/office/drawing/2010/main">
+                  <a14:imgLayer r:embed="rId4">
+                    <a14:imgEffect>
+                      <a14:colorTemperature colorTemp="11500"/>
+                    </a14:imgEffect>
+                    <a14:imgEffect>
+                      <a14:saturation sat="400000"/>
+                    </a14:imgEffect>
+                    <a14:imgEffect>
+                      <a14:brightnessContrast bright="100000" contrast="100000"/>
+                    </a14:imgEffect>
+                  </a14:imgLayer>
+                </a14:imgProps>
+              </a:ext>
+              <a:ext uri="{28A0092B-C50C-407E-A947-70E740481C1C}">
+                <a14:useLocalDpi xmlns:a14="http://schemas.microsoft.com/office/drawing/2010/main" val="0"/>
+              </a:ext>
+            </a:extLst>
+          </a:blip>
+          <a:stretch>
+            <a:fillRect/>
+          </a:stretch>
+        </p:blipFill>
+        <p:spPr>
+          <a:xfrm>
+            <a:off x="11658489" y="6309320"/>
+            <a:ext cx="280267" cy="280267"/>
+          </a:xfrm>
+          <a:prstGeom prst="rect">
+            <a:avLst/>
+          </a:prstGeom>
+        </p:spPr>
+      </p:pic>
     </p:spTree>
   </p:cSld>
   <p:clrMapOvr>
@@ -5626,10 +5726,10 @@
       </p:pic>
       <p:sp>
         <p:nvSpPr>
-          <p:cNvPr id="10" name="TextBox 9">
+          <p:cNvPr id="7" name="TextBox 6">
             <a:extLst>
               <a:ext uri="{FF2B5EF4-FFF2-40B4-BE49-F238E27FC236}">
-                <a16:creationId xmlns:a16="http://schemas.microsoft.com/office/drawing/2014/main" id="{A216DF36-6D31-ABC2-E939-9615A1B90BD6}"/>
+                <a16:creationId xmlns:a16="http://schemas.microsoft.com/office/drawing/2014/main" id="{2B94C6DD-22CE-1BB7-508C-F71FE0F3999E}"/>
               </a:ext>
             </a:extLst>
           </p:cNvPr>
@@ -5638,14 +5738,14 @@
         </p:nvSpPr>
         <p:spPr>
           <a:xfrm>
-            <a:off x="4943872" y="6269250"/>
-            <a:ext cx="7030907" cy="369332"/>
+            <a:off x="4727848" y="6269250"/>
+            <a:ext cx="7246931" cy="369332"/>
           </a:xfrm>
           <a:prstGeom prst="rect">
             <a:avLst/>
           </a:prstGeom>
           <a:noFill/>
-          <a:ln>
+          <a:ln w="12700">
             <a:solidFill>
               <a:srgbClr val="FF0000"/>
             </a:solidFill>
@@ -5657,7 +5757,6 @@
           </a:bodyPr>
           <a:lstStyle/>
           <a:p>
-            <a:pPr algn="ctr"/>
             <a:r>
               <a:rPr lang="en-GB" dirty="0">
                 <a:solidFill>
@@ -5679,6 +5778,57 @@
           </a:p>
         </p:txBody>
       </p:sp>
+      <p:pic>
+        <p:nvPicPr>
+          <p:cNvPr id="8" name="Picture 7" descr="Shape&#10;&#10;Description automatically generated with low confidence">
+            <a:extLst>
+              <a:ext uri="{FF2B5EF4-FFF2-40B4-BE49-F238E27FC236}">
+                <a16:creationId xmlns:a16="http://schemas.microsoft.com/office/drawing/2014/main" id="{0D9DC441-861C-D083-5FF1-426B383C7AA1}"/>
+              </a:ext>
+            </a:extLst>
+          </p:cNvPr>
+          <p:cNvPicPr>
+            <a:picLocks noChangeAspect="1"/>
+          </p:cNvPicPr>
+          <p:nvPr/>
+        </p:nvPicPr>
+        <p:blipFill>
+          <a:blip r:embed="rId3" cstate="print">
+            <a:extLst>
+              <a:ext uri="{BEBA8EAE-BF5A-486C-A8C5-ECC9F3942E4B}">
+                <a14:imgProps xmlns:a14="http://schemas.microsoft.com/office/drawing/2010/main">
+                  <a14:imgLayer r:embed="rId4">
+                    <a14:imgEffect>
+                      <a14:colorTemperature colorTemp="11500"/>
+                    </a14:imgEffect>
+                    <a14:imgEffect>
+                      <a14:saturation sat="400000"/>
+                    </a14:imgEffect>
+                    <a14:imgEffect>
+                      <a14:brightnessContrast bright="100000" contrast="100000"/>
+                    </a14:imgEffect>
+                  </a14:imgLayer>
+                </a14:imgProps>
+              </a:ext>
+              <a:ext uri="{28A0092B-C50C-407E-A947-70E740481C1C}">
+                <a14:useLocalDpi xmlns:a14="http://schemas.microsoft.com/office/drawing/2010/main" val="0"/>
+              </a:ext>
+            </a:extLst>
+          </a:blip>
+          <a:stretch>
+            <a:fillRect/>
+          </a:stretch>
+        </p:blipFill>
+        <p:spPr>
+          <a:xfrm>
+            <a:off x="11658489" y="6309320"/>
+            <a:ext cx="280267" cy="280267"/>
+          </a:xfrm>
+          <a:prstGeom prst="rect">
+            <a:avLst/>
+          </a:prstGeom>
+        </p:spPr>
+      </p:pic>
     </p:spTree>
     <p:extLst>
       <p:ext uri="{BB962C8B-B14F-4D97-AF65-F5344CB8AC3E}">
@@ -6054,10 +6204,10 @@
       </p:pic>
       <p:sp>
         <p:nvSpPr>
-          <p:cNvPr id="16" name="TextBox 15">
+          <p:cNvPr id="10" name="TextBox 9">
             <a:extLst>
               <a:ext uri="{FF2B5EF4-FFF2-40B4-BE49-F238E27FC236}">
-                <a16:creationId xmlns:a16="http://schemas.microsoft.com/office/drawing/2014/main" id="{F3AEC46C-8DB5-5C09-ECB8-BD8CFEBAE7C3}"/>
+                <a16:creationId xmlns:a16="http://schemas.microsoft.com/office/drawing/2014/main" id="{6B0E78A7-2C1A-D831-4793-20106228AC64}"/>
               </a:ext>
             </a:extLst>
           </p:cNvPr>
@@ -6066,14 +6216,14 @@
         </p:nvSpPr>
         <p:spPr>
           <a:xfrm>
-            <a:off x="4943872" y="6269250"/>
-            <a:ext cx="7030907" cy="369332"/>
+            <a:off x="4727848" y="6269250"/>
+            <a:ext cx="7246931" cy="369332"/>
           </a:xfrm>
           <a:prstGeom prst="rect">
             <a:avLst/>
           </a:prstGeom>
           <a:noFill/>
-          <a:ln>
+          <a:ln w="12700">
             <a:solidFill>
               <a:srgbClr val="FF0000"/>
             </a:solidFill>
@@ -6085,7 +6235,6 @@
           </a:bodyPr>
           <a:lstStyle/>
           <a:p>
-            <a:pPr algn="ctr"/>
             <a:r>
               <a:rPr lang="en-GB" dirty="0">
                 <a:solidFill>
@@ -6107,6 +6256,57 @@
           </a:p>
         </p:txBody>
       </p:sp>
+      <p:pic>
+        <p:nvPicPr>
+          <p:cNvPr id="12" name="Picture 11" descr="Shape&#10;&#10;Description automatically generated with low confidence">
+            <a:extLst>
+              <a:ext uri="{FF2B5EF4-FFF2-40B4-BE49-F238E27FC236}">
+                <a16:creationId xmlns:a16="http://schemas.microsoft.com/office/drawing/2014/main" id="{471D372F-F992-2808-6EC2-F753888040DD}"/>
+              </a:ext>
+            </a:extLst>
+          </p:cNvPr>
+          <p:cNvPicPr>
+            <a:picLocks noChangeAspect="1"/>
+          </p:cNvPicPr>
+          <p:nvPr/>
+        </p:nvPicPr>
+        <p:blipFill>
+          <a:blip r:embed="rId3" cstate="print">
+            <a:extLst>
+              <a:ext uri="{BEBA8EAE-BF5A-486C-A8C5-ECC9F3942E4B}">
+                <a14:imgProps xmlns:a14="http://schemas.microsoft.com/office/drawing/2010/main">
+                  <a14:imgLayer r:embed="rId4">
+                    <a14:imgEffect>
+                      <a14:colorTemperature colorTemp="11500"/>
+                    </a14:imgEffect>
+                    <a14:imgEffect>
+                      <a14:saturation sat="400000"/>
+                    </a14:imgEffect>
+                    <a14:imgEffect>
+                      <a14:brightnessContrast bright="100000" contrast="100000"/>
+                    </a14:imgEffect>
+                  </a14:imgLayer>
+                </a14:imgProps>
+              </a:ext>
+              <a:ext uri="{28A0092B-C50C-407E-A947-70E740481C1C}">
+                <a14:useLocalDpi xmlns:a14="http://schemas.microsoft.com/office/drawing/2010/main" val="0"/>
+              </a:ext>
+            </a:extLst>
+          </a:blip>
+          <a:stretch>
+            <a:fillRect/>
+          </a:stretch>
+        </p:blipFill>
+        <p:spPr>
+          <a:xfrm>
+            <a:off x="11658489" y="6309320"/>
+            <a:ext cx="280267" cy="280267"/>
+          </a:xfrm>
+          <a:prstGeom prst="rect">
+            <a:avLst/>
+          </a:prstGeom>
+        </p:spPr>
+      </p:pic>
     </p:spTree>
     <p:extLst>
       <p:ext uri="{BB962C8B-B14F-4D97-AF65-F5344CB8AC3E}">
@@ -6181,8 +6381,8 @@
         </p:nvSpPr>
         <p:spPr>
           <a:xfrm>
-            <a:off x="965684" y="391868"/>
-            <a:ext cx="10260632" cy="1815882"/>
+            <a:off x="0" y="391868"/>
+            <a:ext cx="12191999" cy="1815882"/>
           </a:xfrm>
           <a:prstGeom prst="rect">
             <a:avLst/>
@@ -6240,7 +6440,7 @@
                 <a:latin typeface="Century Gothic" panose="020B0502020202020204" pitchFamily="34" charset="0"/>
                 <a:ea typeface="金梅新中楷全字體" pitchFamily="49" charset="-120"/>
               </a:rPr>
-              <a:t>-------------------------------------------------------------------</a:t>
+              <a:t>------------------------------------------------------------------</a:t>
             </a:r>
           </a:p>
           <a:p>
@@ -6269,7 +6469,7 @@
         </p:nvSpPr>
         <p:spPr>
           <a:xfrm>
-            <a:off x="335360" y="2111239"/>
+            <a:off x="335360" y="2060848"/>
             <a:ext cx="5760640" cy="3416320"/>
           </a:xfrm>
           <a:prstGeom prst="rect">
@@ -6427,7 +6627,7 @@
         </p:nvSpPr>
         <p:spPr>
           <a:xfrm>
-            <a:off x="6168008" y="2111239"/>
+            <a:off x="6168008" y="2060848"/>
             <a:ext cx="6023992" cy="3539430"/>
           </a:xfrm>
           <a:prstGeom prst="rect">
@@ -6715,10 +6915,10 @@
       </p:pic>
       <p:sp>
         <p:nvSpPr>
-          <p:cNvPr id="10" name="TextBox 9">
+          <p:cNvPr id="8" name="TextBox 7">
             <a:extLst>
               <a:ext uri="{FF2B5EF4-FFF2-40B4-BE49-F238E27FC236}">
-                <a16:creationId xmlns:a16="http://schemas.microsoft.com/office/drawing/2014/main" id="{159355D8-9E21-C844-1A0C-056079E734C3}"/>
+                <a16:creationId xmlns:a16="http://schemas.microsoft.com/office/drawing/2014/main" id="{2773390B-123D-F96F-081F-9943FC21B10E}"/>
               </a:ext>
             </a:extLst>
           </p:cNvPr>
@@ -6727,14 +6927,14 @@
         </p:nvSpPr>
         <p:spPr>
           <a:xfrm>
-            <a:off x="4943872" y="6269250"/>
-            <a:ext cx="7030907" cy="369332"/>
+            <a:off x="4727848" y="6269250"/>
+            <a:ext cx="7246931" cy="369332"/>
           </a:xfrm>
           <a:prstGeom prst="rect">
             <a:avLst/>
           </a:prstGeom>
           <a:noFill/>
-          <a:ln>
+          <a:ln w="12700">
             <a:solidFill>
               <a:srgbClr val="FF0000"/>
             </a:solidFill>
@@ -6746,7 +6946,6 @@
           </a:bodyPr>
           <a:lstStyle/>
           <a:p>
-            <a:pPr algn="ctr"/>
             <a:r>
               <a:rPr lang="en-GB" dirty="0">
                 <a:solidFill>
@@ -6768,6 +6967,57 @@
           </a:p>
         </p:txBody>
       </p:sp>
+      <p:pic>
+        <p:nvPicPr>
+          <p:cNvPr id="12" name="Picture 11" descr="Shape&#10;&#10;Description automatically generated with low confidence">
+            <a:extLst>
+              <a:ext uri="{FF2B5EF4-FFF2-40B4-BE49-F238E27FC236}">
+                <a16:creationId xmlns:a16="http://schemas.microsoft.com/office/drawing/2014/main" id="{18CE34BC-5A9E-48C4-CF17-5E7B688F8CEE}"/>
+              </a:ext>
+            </a:extLst>
+          </p:cNvPr>
+          <p:cNvPicPr>
+            <a:picLocks noChangeAspect="1"/>
+          </p:cNvPicPr>
+          <p:nvPr/>
+        </p:nvPicPr>
+        <p:blipFill>
+          <a:blip r:embed="rId3" cstate="print">
+            <a:extLst>
+              <a:ext uri="{BEBA8EAE-BF5A-486C-A8C5-ECC9F3942E4B}">
+                <a14:imgProps xmlns:a14="http://schemas.microsoft.com/office/drawing/2010/main">
+                  <a14:imgLayer r:embed="rId4">
+                    <a14:imgEffect>
+                      <a14:colorTemperature colorTemp="11500"/>
+                    </a14:imgEffect>
+                    <a14:imgEffect>
+                      <a14:saturation sat="400000"/>
+                    </a14:imgEffect>
+                    <a14:imgEffect>
+                      <a14:brightnessContrast bright="100000" contrast="100000"/>
+                    </a14:imgEffect>
+                  </a14:imgLayer>
+                </a14:imgProps>
+              </a:ext>
+              <a:ext uri="{28A0092B-C50C-407E-A947-70E740481C1C}">
+                <a14:useLocalDpi xmlns:a14="http://schemas.microsoft.com/office/drawing/2010/main" val="0"/>
+              </a:ext>
+            </a:extLst>
+          </a:blip>
+          <a:stretch>
+            <a:fillRect/>
+          </a:stretch>
+        </p:blipFill>
+        <p:spPr>
+          <a:xfrm>
+            <a:off x="11658489" y="6309320"/>
+            <a:ext cx="280267" cy="280267"/>
+          </a:xfrm>
+          <a:prstGeom prst="rect">
+            <a:avLst/>
+          </a:prstGeom>
+        </p:spPr>
+      </p:pic>
     </p:spTree>
     <p:extLst>
       <p:ext uri="{BB962C8B-B14F-4D97-AF65-F5344CB8AC3E}">
@@ -6855,7 +7105,7 @@
             <a:avLst/>
           </a:prstGeom>
           <a:noFill/>
-          <a:ln>
+          <a:ln w="63500">
             <a:solidFill>
               <a:srgbClr val="FF0000"/>
             </a:solidFill>

--- a/TJCPowerPoint/bin/Debug/Files/ServiceWidescreen.pptx
+++ b/TJCPowerPoint/bin/Debug/Files/ServiceWidescreen.pptx
@@ -3949,8 +3949,8 @@
         </p:nvSpPr>
         <p:spPr bwMode="auto">
           <a:xfrm>
-            <a:off x="335360" y="188640"/>
-            <a:ext cx="11592842" cy="914400"/>
+            <a:off x="0" y="260648"/>
+            <a:ext cx="12192000" cy="914400"/>
           </a:xfrm>
           <a:prstGeom prst="rect">
             <a:avLst/>
@@ -4023,8 +4023,8 @@
         </p:nvSpPr>
         <p:spPr bwMode="auto">
           <a:xfrm>
-            <a:off x="335360" y="1120563"/>
-            <a:ext cx="11592842" cy="1006475"/>
+            <a:off x="0" y="1192571"/>
+            <a:ext cx="12192000" cy="1006475"/>
           </a:xfrm>
           <a:prstGeom prst="rect">
             <a:avLst/>
@@ -4606,8 +4606,8 @@
         </p:nvSpPr>
         <p:spPr bwMode="auto">
           <a:xfrm>
-            <a:off x="263798" y="5785450"/>
-            <a:ext cx="4464050" cy="400110"/>
+            <a:off x="252966" y="5877272"/>
+            <a:ext cx="4330866" cy="400110"/>
           </a:xfrm>
           <a:prstGeom prst="rect">
             <a:avLst/>
@@ -4647,7 +4647,7 @@
           </a:extLst>
         </p:spPr>
         <p:txBody>
-          <a:bodyPr>
+          <a:bodyPr wrap="square">
             <a:spAutoFit/>
           </a:bodyPr>
           <a:lstStyle/>
@@ -4658,31 +4658,24 @@
               </a:spcBef>
             </a:pPr>
             <a:r>
-              <a:rPr lang="en-US" altLang="zh-CN" sz="2000" dirty="0" err="1">
+              <a:rPr lang="en-US" altLang="zh-CN" sz="2000" dirty="0">
                 <a:solidFill>
                   <a:schemeClr val="bg1"/>
                 </a:solidFill>
                 <a:latin typeface="Century Gothic" panose="020B0502020202020204" pitchFamily="34" charset="0"/>
                 <a:ea typeface="宋体" panose="02010600030101010101" pitchFamily="2" charset="-122"/>
               </a:rPr>
-              <a:t>ServiceType</a:t>
-            </a:r>
-            <a:endParaRPr lang="en-US" altLang="zh-CN" sz="2000" dirty="0">
-              <a:solidFill>
-                <a:schemeClr val="bg1"/>
-              </a:solidFill>
-              <a:latin typeface="Century Gothic" panose="020B0502020202020204" pitchFamily="34" charset="0"/>
-              <a:ea typeface="宋体" panose="02010600030101010101" pitchFamily="2" charset="-122"/>
-            </a:endParaRPr>
+              <a:t>Service Type</a:t>
+            </a:r>
           </a:p>
         </p:txBody>
       </p:sp>
       <p:pic>
         <p:nvPicPr>
-          <p:cNvPr id="14" name="Picture 13" descr="Logo&#10;&#10;Description automatically generated with medium confidence">
+          <p:cNvPr id="21" name="Picture 20" descr="Logo&#10;&#10;Description automatically generated with medium confidence">
             <a:extLst>
               <a:ext uri="{FF2B5EF4-FFF2-40B4-BE49-F238E27FC236}">
-                <a16:creationId xmlns:a16="http://schemas.microsoft.com/office/drawing/2014/main" id="{D601D51F-3402-FDB9-D1E1-CF9AEE9E0E3A}"/>
+                <a16:creationId xmlns:a16="http://schemas.microsoft.com/office/drawing/2014/main" id="{DBC24699-ADC3-1E04-E310-3FA11B41F0DF}"/>
               </a:ext>
             </a:extLst>
           </p:cNvPr>
@@ -4713,111 +4706,132 @@
           </a:prstGeom>
         </p:spPr>
       </p:pic>
-      <p:sp>
-        <p:nvSpPr>
-          <p:cNvPr id="16" name="TextBox 15">
+      <p:grpSp>
+        <p:nvGrpSpPr>
+          <p:cNvPr id="22" name="Group 21">
             <a:extLst>
               <a:ext uri="{FF2B5EF4-FFF2-40B4-BE49-F238E27FC236}">
-                <a16:creationId xmlns:a16="http://schemas.microsoft.com/office/drawing/2014/main" id="{A9B7581C-46DB-838D-282E-D4FAAF819EAD}"/>
+                <a16:creationId xmlns:a16="http://schemas.microsoft.com/office/drawing/2014/main" id="{DCC0CD01-B0C7-17AF-454C-CAB88B5C80D6}"/>
               </a:ext>
             </a:extLst>
           </p:cNvPr>
-          <p:cNvSpPr txBox="1"/>
+          <p:cNvGrpSpPr/>
           <p:nvPr/>
-        </p:nvSpPr>
-        <p:spPr>
+        </p:nvGrpSpPr>
+        <p:grpSpPr>
           <a:xfrm>
             <a:off x="4727848" y="6269250"/>
             <a:ext cx="7246931" cy="369332"/>
+            <a:chOff x="4727848" y="6269250"/>
+            <a:chExt cx="7246931" cy="369332"/>
           </a:xfrm>
-          <a:prstGeom prst="rect">
-            <a:avLst/>
-          </a:prstGeom>
-          <a:noFill/>
-          <a:ln w="12700">
-            <a:solidFill>
-              <a:srgbClr val="FF0000"/>
-            </a:solidFill>
-          </a:ln>
-        </p:spPr>
-        <p:txBody>
-          <a:bodyPr wrap="square" rtlCol="0" anchor="ctr">
-            <a:spAutoFit/>
-          </a:bodyPr>
-          <a:lstStyle/>
-          <a:p>
-            <a:r>
-              <a:rPr lang="en-GB" dirty="0">
-                <a:solidFill>
-                  <a:schemeClr val="bg1"/>
-                </a:solidFill>
-                <a:latin typeface="Century Gothic" panose="020B0502020202020204" pitchFamily="34" charset="0"/>
-              </a:rPr>
-              <a:t>Please Turn Off/Silence Your Devices </a:t>
-            </a:r>
-            <a:r>
-              <a:rPr lang="ja-JP" altLang="en-US" dirty="0">
-                <a:solidFill>
-                  <a:schemeClr val="bg1"/>
-                </a:solidFill>
-                <a:latin typeface="Century Gothic" panose="020B0502020202020204" pitchFamily="34" charset="0"/>
-              </a:rPr>
-              <a:t>請靜音或關閉所有電子設備</a:t>
-            </a:r>
-          </a:p>
-        </p:txBody>
-      </p:sp>
-      <p:pic>
-        <p:nvPicPr>
-          <p:cNvPr id="6" name="Picture 5" descr="Shape&#10;&#10;Description automatically generated with low confidence">
-            <a:extLst>
-              <a:ext uri="{FF2B5EF4-FFF2-40B4-BE49-F238E27FC236}">
-                <a16:creationId xmlns:a16="http://schemas.microsoft.com/office/drawing/2014/main" id="{60F51B84-28FB-5C8C-9FAA-CE4D35626CCC}"/>
-              </a:ext>
-            </a:extLst>
-          </p:cNvPr>
-          <p:cNvPicPr>
-            <a:picLocks noChangeAspect="1"/>
-          </p:cNvPicPr>
-          <p:nvPr/>
-        </p:nvPicPr>
-        <p:blipFill>
-          <a:blip r:embed="rId4" cstate="print">
-            <a:extLst>
-              <a:ext uri="{BEBA8EAE-BF5A-486C-A8C5-ECC9F3942E4B}">
-                <a14:imgProps xmlns:a14="http://schemas.microsoft.com/office/drawing/2010/main">
-                  <a14:imgLayer r:embed="rId5">
-                    <a14:imgEffect>
-                      <a14:colorTemperature colorTemp="11500"/>
-                    </a14:imgEffect>
-                    <a14:imgEffect>
-                      <a14:saturation sat="400000"/>
-                    </a14:imgEffect>
-                    <a14:imgEffect>
-                      <a14:brightnessContrast bright="100000" contrast="100000"/>
-                    </a14:imgEffect>
-                  </a14:imgLayer>
-                </a14:imgProps>
-              </a:ext>
-              <a:ext uri="{28A0092B-C50C-407E-A947-70E740481C1C}">
-                <a14:useLocalDpi xmlns:a14="http://schemas.microsoft.com/office/drawing/2010/main" val="0"/>
-              </a:ext>
-            </a:extLst>
-          </a:blip>
-          <a:stretch>
-            <a:fillRect/>
-          </a:stretch>
-        </p:blipFill>
-        <p:spPr>
-          <a:xfrm>
-            <a:off x="11658489" y="6309320"/>
-            <a:ext cx="280267" cy="280267"/>
-          </a:xfrm>
-          <a:prstGeom prst="rect">
-            <a:avLst/>
-          </a:prstGeom>
-        </p:spPr>
-      </p:pic>
+        </p:grpSpPr>
+        <p:sp>
+          <p:nvSpPr>
+            <p:cNvPr id="23" name="TextBox 22">
+              <a:extLst>
+                <a:ext uri="{FF2B5EF4-FFF2-40B4-BE49-F238E27FC236}">
+                  <a16:creationId xmlns:a16="http://schemas.microsoft.com/office/drawing/2014/main" id="{05BB4C74-D38F-A3C1-A90A-E680D921BA2A}"/>
+                </a:ext>
+              </a:extLst>
+            </p:cNvPr>
+            <p:cNvSpPr txBox="1"/>
+            <p:nvPr/>
+          </p:nvSpPr>
+          <p:spPr>
+            <a:xfrm>
+              <a:off x="4727848" y="6269250"/>
+              <a:ext cx="7246931" cy="369332"/>
+            </a:xfrm>
+            <a:prstGeom prst="rect">
+              <a:avLst/>
+            </a:prstGeom>
+            <a:noFill/>
+            <a:ln w="12700">
+              <a:solidFill>
+                <a:srgbClr val="FF0000"/>
+              </a:solidFill>
+            </a:ln>
+          </p:spPr>
+          <p:txBody>
+            <a:bodyPr wrap="square" rtlCol="0" anchor="ctr">
+              <a:spAutoFit/>
+            </a:bodyPr>
+            <a:lstStyle/>
+            <a:p>
+              <a:r>
+                <a:rPr lang="en-GB" dirty="0">
+                  <a:solidFill>
+                    <a:schemeClr val="bg1"/>
+                  </a:solidFill>
+                  <a:latin typeface="Century Gothic" panose="020B0502020202020204" pitchFamily="34" charset="0"/>
+                </a:rPr>
+                <a:t>Please Turn Off/Silence Your Devices </a:t>
+              </a:r>
+              <a:r>
+                <a:rPr lang="ja-JP" altLang="en-US" dirty="0">
+                  <a:solidFill>
+                    <a:schemeClr val="bg1"/>
+                  </a:solidFill>
+                  <a:latin typeface="Century Gothic" panose="020B0502020202020204" pitchFamily="34" charset="0"/>
+                </a:rPr>
+                <a:t>請靜音或關閉所有電子設備</a:t>
+              </a:r>
+            </a:p>
+          </p:txBody>
+        </p:sp>
+        <p:pic>
+          <p:nvPicPr>
+            <p:cNvPr id="24" name="Picture 23" descr="Shape&#10;&#10;Description automatically generated with low confidence">
+              <a:extLst>
+                <a:ext uri="{FF2B5EF4-FFF2-40B4-BE49-F238E27FC236}">
+                  <a16:creationId xmlns:a16="http://schemas.microsoft.com/office/drawing/2014/main" id="{10B15791-20DE-9334-AE79-E03696114A61}"/>
+                </a:ext>
+              </a:extLst>
+            </p:cNvPr>
+            <p:cNvPicPr>
+              <a:picLocks noChangeAspect="1"/>
+            </p:cNvPicPr>
+            <p:nvPr/>
+          </p:nvPicPr>
+          <p:blipFill>
+            <a:blip r:embed="rId4" cstate="print">
+              <a:extLst>
+                <a:ext uri="{BEBA8EAE-BF5A-486C-A8C5-ECC9F3942E4B}">
+                  <a14:imgProps xmlns:a14="http://schemas.microsoft.com/office/drawing/2010/main">
+                    <a14:imgLayer r:embed="rId5">
+                      <a14:imgEffect>
+                        <a14:colorTemperature colorTemp="11500"/>
+                      </a14:imgEffect>
+                      <a14:imgEffect>
+                        <a14:saturation sat="400000"/>
+                      </a14:imgEffect>
+                      <a14:imgEffect>
+                        <a14:brightnessContrast bright="100000" contrast="100000"/>
+                      </a14:imgEffect>
+                    </a14:imgLayer>
+                  </a14:imgProps>
+                </a:ext>
+                <a:ext uri="{28A0092B-C50C-407E-A947-70E740481C1C}">
+                  <a14:useLocalDpi xmlns:a14="http://schemas.microsoft.com/office/drawing/2010/main" val="0"/>
+                </a:ext>
+              </a:extLst>
+            </a:blip>
+            <a:stretch>
+              <a:fillRect/>
+            </a:stretch>
+          </p:blipFill>
+          <p:spPr>
+            <a:xfrm>
+              <a:off x="11658489" y="6309320"/>
+              <a:ext cx="280267" cy="280267"/>
+            </a:xfrm>
+            <a:prstGeom prst="rect">
+              <a:avLst/>
+            </a:prstGeom>
+          </p:spPr>
+        </p:pic>
+      </p:grpSp>
     </p:spTree>
   </p:cSld>
   <p:clrMapOvr>
@@ -4933,10 +4947,10 @@
       </p:sp>
       <p:pic>
         <p:nvPicPr>
-          <p:cNvPr id="4" name="Picture 3" descr="Logo&#10;&#10;Description automatically generated with medium confidence">
+          <p:cNvPr id="7" name="Picture 6" descr="Logo&#10;&#10;Description automatically generated with medium confidence">
             <a:extLst>
               <a:ext uri="{FF2B5EF4-FFF2-40B4-BE49-F238E27FC236}">
-                <a16:creationId xmlns:a16="http://schemas.microsoft.com/office/drawing/2014/main" id="{EF8D15DB-F83E-5ECF-5377-49C260198166}"/>
+                <a16:creationId xmlns:a16="http://schemas.microsoft.com/office/drawing/2014/main" id="{EF3F0058-932D-CAD4-BFC4-012B47F2E596}"/>
               </a:ext>
             </a:extLst>
           </p:cNvPr>
@@ -4967,111 +4981,132 @@
           </a:prstGeom>
         </p:spPr>
       </p:pic>
-      <p:sp>
-        <p:nvSpPr>
-          <p:cNvPr id="7" name="TextBox 6">
+      <p:grpSp>
+        <p:nvGrpSpPr>
+          <p:cNvPr id="10" name="Group 9">
             <a:extLst>
               <a:ext uri="{FF2B5EF4-FFF2-40B4-BE49-F238E27FC236}">
-                <a16:creationId xmlns:a16="http://schemas.microsoft.com/office/drawing/2014/main" id="{FBBBCCBC-05E2-CF12-4E20-877482BC8B6D}"/>
+                <a16:creationId xmlns:a16="http://schemas.microsoft.com/office/drawing/2014/main" id="{B50CA5B8-8805-53D1-00DD-452CD66728A9}"/>
               </a:ext>
             </a:extLst>
           </p:cNvPr>
-          <p:cNvSpPr txBox="1"/>
+          <p:cNvGrpSpPr/>
           <p:nvPr/>
-        </p:nvSpPr>
-        <p:spPr>
+        </p:nvGrpSpPr>
+        <p:grpSpPr>
           <a:xfrm>
             <a:off x="4727848" y="6269250"/>
             <a:ext cx="7246931" cy="369332"/>
+            <a:chOff x="4727848" y="6269250"/>
+            <a:chExt cx="7246931" cy="369332"/>
           </a:xfrm>
-          <a:prstGeom prst="rect">
-            <a:avLst/>
-          </a:prstGeom>
-          <a:noFill/>
-          <a:ln w="12700">
-            <a:solidFill>
-              <a:srgbClr val="FF0000"/>
-            </a:solidFill>
-          </a:ln>
-        </p:spPr>
-        <p:txBody>
-          <a:bodyPr wrap="square" rtlCol="0" anchor="ctr">
-            <a:spAutoFit/>
-          </a:bodyPr>
-          <a:lstStyle/>
-          <a:p>
-            <a:r>
-              <a:rPr lang="en-GB" dirty="0">
-                <a:solidFill>
-                  <a:schemeClr val="bg1"/>
-                </a:solidFill>
-                <a:latin typeface="Century Gothic" panose="020B0502020202020204" pitchFamily="34" charset="0"/>
-              </a:rPr>
-              <a:t>Please Turn Off/Silence Your Devices </a:t>
-            </a:r>
-            <a:r>
-              <a:rPr lang="ja-JP" altLang="en-US" dirty="0">
-                <a:solidFill>
-                  <a:schemeClr val="bg1"/>
-                </a:solidFill>
-                <a:latin typeface="Century Gothic" panose="020B0502020202020204" pitchFamily="34" charset="0"/>
-              </a:rPr>
-              <a:t>請靜音或關閉所有電子設備</a:t>
-            </a:r>
-          </a:p>
-        </p:txBody>
-      </p:sp>
-      <p:pic>
-        <p:nvPicPr>
-          <p:cNvPr id="9" name="Picture 8" descr="Shape&#10;&#10;Description automatically generated with low confidence">
-            <a:extLst>
-              <a:ext uri="{FF2B5EF4-FFF2-40B4-BE49-F238E27FC236}">
-                <a16:creationId xmlns:a16="http://schemas.microsoft.com/office/drawing/2014/main" id="{E5FA3662-B218-9881-059F-4819B3270E54}"/>
-              </a:ext>
-            </a:extLst>
-          </p:cNvPr>
-          <p:cNvPicPr>
-            <a:picLocks noChangeAspect="1"/>
-          </p:cNvPicPr>
-          <p:nvPr/>
-        </p:nvPicPr>
-        <p:blipFill>
-          <a:blip r:embed="rId3" cstate="print">
-            <a:extLst>
-              <a:ext uri="{BEBA8EAE-BF5A-486C-A8C5-ECC9F3942E4B}">
-                <a14:imgProps xmlns:a14="http://schemas.microsoft.com/office/drawing/2010/main">
-                  <a14:imgLayer r:embed="rId4">
-                    <a14:imgEffect>
-                      <a14:colorTemperature colorTemp="11500"/>
-                    </a14:imgEffect>
-                    <a14:imgEffect>
-                      <a14:saturation sat="400000"/>
-                    </a14:imgEffect>
-                    <a14:imgEffect>
-                      <a14:brightnessContrast bright="100000" contrast="100000"/>
-                    </a14:imgEffect>
-                  </a14:imgLayer>
-                </a14:imgProps>
-              </a:ext>
-              <a:ext uri="{28A0092B-C50C-407E-A947-70E740481C1C}">
-                <a14:useLocalDpi xmlns:a14="http://schemas.microsoft.com/office/drawing/2010/main" val="0"/>
-              </a:ext>
-            </a:extLst>
-          </a:blip>
-          <a:stretch>
-            <a:fillRect/>
-          </a:stretch>
-        </p:blipFill>
-        <p:spPr>
-          <a:xfrm>
-            <a:off x="11658489" y="6309320"/>
-            <a:ext cx="280267" cy="280267"/>
-          </a:xfrm>
-          <a:prstGeom prst="rect">
-            <a:avLst/>
-          </a:prstGeom>
-        </p:spPr>
-      </p:pic>
+        </p:grpSpPr>
+        <p:sp>
+          <p:nvSpPr>
+            <p:cNvPr id="11" name="TextBox 10">
+              <a:extLst>
+                <a:ext uri="{FF2B5EF4-FFF2-40B4-BE49-F238E27FC236}">
+                  <a16:creationId xmlns:a16="http://schemas.microsoft.com/office/drawing/2014/main" id="{3F544960-5BA9-F9E8-426E-B0815B0CA4FF}"/>
+                </a:ext>
+              </a:extLst>
+            </p:cNvPr>
+            <p:cNvSpPr txBox="1"/>
+            <p:nvPr/>
+          </p:nvSpPr>
+          <p:spPr>
+            <a:xfrm>
+              <a:off x="4727848" y="6269250"/>
+              <a:ext cx="7246931" cy="369332"/>
+            </a:xfrm>
+            <a:prstGeom prst="rect">
+              <a:avLst/>
+            </a:prstGeom>
+            <a:noFill/>
+            <a:ln w="12700">
+              <a:solidFill>
+                <a:srgbClr val="FF0000"/>
+              </a:solidFill>
+            </a:ln>
+          </p:spPr>
+          <p:txBody>
+            <a:bodyPr wrap="square" rtlCol="0" anchor="ctr">
+              <a:spAutoFit/>
+            </a:bodyPr>
+            <a:lstStyle/>
+            <a:p>
+              <a:r>
+                <a:rPr lang="en-GB" dirty="0">
+                  <a:solidFill>
+                    <a:schemeClr val="bg1"/>
+                  </a:solidFill>
+                  <a:latin typeface="Century Gothic" panose="020B0502020202020204" pitchFamily="34" charset="0"/>
+                </a:rPr>
+                <a:t>Please Turn Off/Silence Your Devices </a:t>
+              </a:r>
+              <a:r>
+                <a:rPr lang="ja-JP" altLang="en-US" dirty="0">
+                  <a:solidFill>
+                    <a:schemeClr val="bg1"/>
+                  </a:solidFill>
+                  <a:latin typeface="Century Gothic" panose="020B0502020202020204" pitchFamily="34" charset="0"/>
+                </a:rPr>
+                <a:t>請靜音或關閉所有電子設備</a:t>
+              </a:r>
+            </a:p>
+          </p:txBody>
+        </p:sp>
+        <p:pic>
+          <p:nvPicPr>
+            <p:cNvPr id="12" name="Picture 11" descr="Shape&#10;&#10;Description automatically generated with low confidence">
+              <a:extLst>
+                <a:ext uri="{FF2B5EF4-FFF2-40B4-BE49-F238E27FC236}">
+                  <a16:creationId xmlns:a16="http://schemas.microsoft.com/office/drawing/2014/main" id="{63ADF49D-012D-D5FE-25FE-3BB90345F7BA}"/>
+                </a:ext>
+              </a:extLst>
+            </p:cNvPr>
+            <p:cNvPicPr>
+              <a:picLocks noChangeAspect="1"/>
+            </p:cNvPicPr>
+            <p:nvPr/>
+          </p:nvPicPr>
+          <p:blipFill>
+            <a:blip r:embed="rId3" cstate="print">
+              <a:extLst>
+                <a:ext uri="{BEBA8EAE-BF5A-486C-A8C5-ECC9F3942E4B}">
+                  <a14:imgProps xmlns:a14="http://schemas.microsoft.com/office/drawing/2010/main">
+                    <a14:imgLayer r:embed="rId4">
+                      <a14:imgEffect>
+                        <a14:colorTemperature colorTemp="11500"/>
+                      </a14:imgEffect>
+                      <a14:imgEffect>
+                        <a14:saturation sat="400000"/>
+                      </a14:imgEffect>
+                      <a14:imgEffect>
+                        <a14:brightnessContrast bright="100000" contrast="100000"/>
+                      </a14:imgEffect>
+                    </a14:imgLayer>
+                  </a14:imgProps>
+                </a:ext>
+                <a:ext uri="{28A0092B-C50C-407E-A947-70E740481C1C}">
+                  <a14:useLocalDpi xmlns:a14="http://schemas.microsoft.com/office/drawing/2010/main" val="0"/>
+                </a:ext>
+              </a:extLst>
+            </a:blip>
+            <a:stretch>
+              <a:fillRect/>
+            </a:stretch>
+          </p:blipFill>
+          <p:spPr>
+            <a:xfrm>
+              <a:off x="11658489" y="6309320"/>
+              <a:ext cx="280267" cy="280267"/>
+            </a:xfrm>
+            <a:prstGeom prst="rect">
+              <a:avLst/>
+            </a:prstGeom>
+          </p:spPr>
+        </p:pic>
+      </p:grpSp>
     </p:spTree>
     <p:extLst>
       <p:ext uri="{BB962C8B-B14F-4D97-AF65-F5344CB8AC3E}">
@@ -5314,10 +5349,10 @@
       </p:sp>
       <p:pic>
         <p:nvPicPr>
-          <p:cNvPr id="13" name="Picture 12" descr="Logo&#10;&#10;Description automatically generated with medium confidence">
+          <p:cNvPr id="10" name="Picture 9" descr="Logo&#10;&#10;Description automatically generated with medium confidence">
             <a:extLst>
               <a:ext uri="{FF2B5EF4-FFF2-40B4-BE49-F238E27FC236}">
-                <a16:creationId xmlns:a16="http://schemas.microsoft.com/office/drawing/2014/main" id="{6600E01F-4758-2B8B-681F-4C63BAF18B4D}"/>
+                <a16:creationId xmlns:a16="http://schemas.microsoft.com/office/drawing/2014/main" id="{4B9C37FE-474E-75AE-EB47-0B5BAAE4724E}"/>
               </a:ext>
             </a:extLst>
           </p:cNvPr>
@@ -5350,10 +5385,10 @@
       </p:pic>
       <p:sp>
         <p:nvSpPr>
-          <p:cNvPr id="9" name="TextBox 8">
+          <p:cNvPr id="13" name="TextBox 12">
             <a:extLst>
               <a:ext uri="{FF2B5EF4-FFF2-40B4-BE49-F238E27FC236}">
-                <a16:creationId xmlns:a16="http://schemas.microsoft.com/office/drawing/2014/main" id="{1CCA3FC1-CDE7-6686-71F6-101A52A12056}"/>
+                <a16:creationId xmlns:a16="http://schemas.microsoft.com/office/drawing/2014/main" id="{160FD5B9-5D70-90FC-58DD-41A324FC01C9}"/>
               </a:ext>
             </a:extLst>
           </p:cNvPr>
@@ -5402,57 +5437,6 @@
           </a:p>
         </p:txBody>
       </p:sp>
-      <p:pic>
-        <p:nvPicPr>
-          <p:cNvPr id="10" name="Picture 9" descr="Shape&#10;&#10;Description automatically generated with low confidence">
-            <a:extLst>
-              <a:ext uri="{FF2B5EF4-FFF2-40B4-BE49-F238E27FC236}">
-                <a16:creationId xmlns:a16="http://schemas.microsoft.com/office/drawing/2014/main" id="{CB613418-962F-FCFF-C920-68BDD1AA5BB4}"/>
-              </a:ext>
-            </a:extLst>
-          </p:cNvPr>
-          <p:cNvPicPr>
-            <a:picLocks noChangeAspect="1"/>
-          </p:cNvPicPr>
-          <p:nvPr/>
-        </p:nvPicPr>
-        <p:blipFill>
-          <a:blip r:embed="rId3" cstate="print">
-            <a:extLst>
-              <a:ext uri="{BEBA8EAE-BF5A-486C-A8C5-ECC9F3942E4B}">
-                <a14:imgProps xmlns:a14="http://schemas.microsoft.com/office/drawing/2010/main">
-                  <a14:imgLayer r:embed="rId4">
-                    <a14:imgEffect>
-                      <a14:colorTemperature colorTemp="11500"/>
-                    </a14:imgEffect>
-                    <a14:imgEffect>
-                      <a14:saturation sat="400000"/>
-                    </a14:imgEffect>
-                    <a14:imgEffect>
-                      <a14:brightnessContrast bright="100000" contrast="100000"/>
-                    </a14:imgEffect>
-                  </a14:imgLayer>
-                </a14:imgProps>
-              </a:ext>
-              <a:ext uri="{28A0092B-C50C-407E-A947-70E740481C1C}">
-                <a14:useLocalDpi xmlns:a14="http://schemas.microsoft.com/office/drawing/2010/main" val="0"/>
-              </a:ext>
-            </a:extLst>
-          </a:blip>
-          <a:stretch>
-            <a:fillRect/>
-          </a:stretch>
-        </p:blipFill>
-        <p:spPr>
-          <a:xfrm>
-            <a:off x="11658489" y="6309320"/>
-            <a:ext cx="280267" cy="280267"/>
-          </a:xfrm>
-          <a:prstGeom prst="rect">
-            <a:avLst/>
-          </a:prstGeom>
-        </p:spPr>
-      </p:pic>
     </p:spTree>
   </p:cSld>
   <p:clrMapOvr>
@@ -5690,10 +5674,10 @@
       </p:sp>
       <p:pic>
         <p:nvPicPr>
-          <p:cNvPr id="9" name="Picture 8" descr="Logo&#10;&#10;Description automatically generated with medium confidence">
+          <p:cNvPr id="10" name="Picture 9" descr="Logo&#10;&#10;Description automatically generated with medium confidence">
             <a:extLst>
               <a:ext uri="{FF2B5EF4-FFF2-40B4-BE49-F238E27FC236}">
-                <a16:creationId xmlns:a16="http://schemas.microsoft.com/office/drawing/2014/main" id="{605C6900-1A85-0725-D99B-AAF3A940D377}"/>
+                <a16:creationId xmlns:a16="http://schemas.microsoft.com/office/drawing/2014/main" id="{940DD04F-5B14-1343-137A-865E387E5E71}"/>
               </a:ext>
             </a:extLst>
           </p:cNvPr>
@@ -5724,111 +5708,132 @@
           </a:prstGeom>
         </p:spPr>
       </p:pic>
-      <p:sp>
-        <p:nvSpPr>
-          <p:cNvPr id="7" name="TextBox 6">
+      <p:grpSp>
+        <p:nvGrpSpPr>
+          <p:cNvPr id="17" name="Group 16">
             <a:extLst>
               <a:ext uri="{FF2B5EF4-FFF2-40B4-BE49-F238E27FC236}">
-                <a16:creationId xmlns:a16="http://schemas.microsoft.com/office/drawing/2014/main" id="{2B94C6DD-22CE-1BB7-508C-F71FE0F3999E}"/>
+                <a16:creationId xmlns:a16="http://schemas.microsoft.com/office/drawing/2014/main" id="{97D82DA4-AC81-2E49-D3E2-E01AE3674073}"/>
               </a:ext>
             </a:extLst>
           </p:cNvPr>
-          <p:cNvSpPr txBox="1"/>
+          <p:cNvGrpSpPr/>
           <p:nvPr/>
-        </p:nvSpPr>
-        <p:spPr>
+        </p:nvGrpSpPr>
+        <p:grpSpPr>
           <a:xfrm>
             <a:off x="4727848" y="6269250"/>
             <a:ext cx="7246931" cy="369332"/>
+            <a:chOff x="4727848" y="6269250"/>
+            <a:chExt cx="7246931" cy="369332"/>
           </a:xfrm>
-          <a:prstGeom prst="rect">
-            <a:avLst/>
-          </a:prstGeom>
-          <a:noFill/>
-          <a:ln w="12700">
-            <a:solidFill>
-              <a:srgbClr val="FF0000"/>
-            </a:solidFill>
-          </a:ln>
-        </p:spPr>
-        <p:txBody>
-          <a:bodyPr wrap="square" rtlCol="0" anchor="ctr">
-            <a:spAutoFit/>
-          </a:bodyPr>
-          <a:lstStyle/>
-          <a:p>
-            <a:r>
-              <a:rPr lang="en-GB" dirty="0">
-                <a:solidFill>
-                  <a:schemeClr val="bg1"/>
-                </a:solidFill>
-                <a:latin typeface="Century Gothic" panose="020B0502020202020204" pitchFamily="34" charset="0"/>
-              </a:rPr>
-              <a:t>Please Turn Off/Silence Your Devices </a:t>
-            </a:r>
-            <a:r>
-              <a:rPr lang="ja-JP" altLang="en-US" dirty="0">
-                <a:solidFill>
-                  <a:schemeClr val="bg1"/>
-                </a:solidFill>
-                <a:latin typeface="Century Gothic" panose="020B0502020202020204" pitchFamily="34" charset="0"/>
-              </a:rPr>
-              <a:t>請靜音或關閉所有電子設備</a:t>
-            </a:r>
-          </a:p>
-        </p:txBody>
-      </p:sp>
-      <p:pic>
-        <p:nvPicPr>
-          <p:cNvPr id="8" name="Picture 7" descr="Shape&#10;&#10;Description automatically generated with low confidence">
-            <a:extLst>
-              <a:ext uri="{FF2B5EF4-FFF2-40B4-BE49-F238E27FC236}">
-                <a16:creationId xmlns:a16="http://schemas.microsoft.com/office/drawing/2014/main" id="{0D9DC441-861C-D083-5FF1-426B383C7AA1}"/>
-              </a:ext>
-            </a:extLst>
-          </p:cNvPr>
-          <p:cNvPicPr>
-            <a:picLocks noChangeAspect="1"/>
-          </p:cNvPicPr>
-          <p:nvPr/>
-        </p:nvPicPr>
-        <p:blipFill>
-          <a:blip r:embed="rId3" cstate="print">
-            <a:extLst>
-              <a:ext uri="{BEBA8EAE-BF5A-486C-A8C5-ECC9F3942E4B}">
-                <a14:imgProps xmlns:a14="http://schemas.microsoft.com/office/drawing/2010/main">
-                  <a14:imgLayer r:embed="rId4">
-                    <a14:imgEffect>
-                      <a14:colorTemperature colorTemp="11500"/>
-                    </a14:imgEffect>
-                    <a14:imgEffect>
-                      <a14:saturation sat="400000"/>
-                    </a14:imgEffect>
-                    <a14:imgEffect>
-                      <a14:brightnessContrast bright="100000" contrast="100000"/>
-                    </a14:imgEffect>
-                  </a14:imgLayer>
-                </a14:imgProps>
-              </a:ext>
-              <a:ext uri="{28A0092B-C50C-407E-A947-70E740481C1C}">
-                <a14:useLocalDpi xmlns:a14="http://schemas.microsoft.com/office/drawing/2010/main" val="0"/>
-              </a:ext>
-            </a:extLst>
-          </a:blip>
-          <a:stretch>
-            <a:fillRect/>
-          </a:stretch>
-        </p:blipFill>
-        <p:spPr>
-          <a:xfrm>
-            <a:off x="11658489" y="6309320"/>
-            <a:ext cx="280267" cy="280267"/>
-          </a:xfrm>
-          <a:prstGeom prst="rect">
-            <a:avLst/>
-          </a:prstGeom>
-        </p:spPr>
-      </p:pic>
+        </p:grpSpPr>
+        <p:sp>
+          <p:nvSpPr>
+            <p:cNvPr id="18" name="TextBox 17">
+              <a:extLst>
+                <a:ext uri="{FF2B5EF4-FFF2-40B4-BE49-F238E27FC236}">
+                  <a16:creationId xmlns:a16="http://schemas.microsoft.com/office/drawing/2014/main" id="{95A24E26-4FC2-36F5-7113-3E883FFB42BF}"/>
+                </a:ext>
+              </a:extLst>
+            </p:cNvPr>
+            <p:cNvSpPr txBox="1"/>
+            <p:nvPr/>
+          </p:nvSpPr>
+          <p:spPr>
+            <a:xfrm>
+              <a:off x="4727848" y="6269250"/>
+              <a:ext cx="7246931" cy="369332"/>
+            </a:xfrm>
+            <a:prstGeom prst="rect">
+              <a:avLst/>
+            </a:prstGeom>
+            <a:noFill/>
+            <a:ln w="12700">
+              <a:solidFill>
+                <a:srgbClr val="FF0000"/>
+              </a:solidFill>
+            </a:ln>
+          </p:spPr>
+          <p:txBody>
+            <a:bodyPr wrap="square" rtlCol="0" anchor="ctr">
+              <a:spAutoFit/>
+            </a:bodyPr>
+            <a:lstStyle/>
+            <a:p>
+              <a:r>
+                <a:rPr lang="en-GB" dirty="0">
+                  <a:solidFill>
+                    <a:schemeClr val="bg1"/>
+                  </a:solidFill>
+                  <a:latin typeface="Century Gothic" panose="020B0502020202020204" pitchFamily="34" charset="0"/>
+                </a:rPr>
+                <a:t>Please Turn Off/Silence Your Devices </a:t>
+              </a:r>
+              <a:r>
+                <a:rPr lang="ja-JP" altLang="en-US" dirty="0">
+                  <a:solidFill>
+                    <a:schemeClr val="bg1"/>
+                  </a:solidFill>
+                  <a:latin typeface="Century Gothic" panose="020B0502020202020204" pitchFamily="34" charset="0"/>
+                </a:rPr>
+                <a:t>請靜音或關閉所有電子設備</a:t>
+              </a:r>
+            </a:p>
+          </p:txBody>
+        </p:sp>
+        <p:pic>
+          <p:nvPicPr>
+            <p:cNvPr id="19" name="Picture 18" descr="Shape&#10;&#10;Description automatically generated with low confidence">
+              <a:extLst>
+                <a:ext uri="{FF2B5EF4-FFF2-40B4-BE49-F238E27FC236}">
+                  <a16:creationId xmlns:a16="http://schemas.microsoft.com/office/drawing/2014/main" id="{09B6433A-856A-2F8B-C544-F278D802C8D8}"/>
+                </a:ext>
+              </a:extLst>
+            </p:cNvPr>
+            <p:cNvPicPr>
+              <a:picLocks noChangeAspect="1"/>
+            </p:cNvPicPr>
+            <p:nvPr/>
+          </p:nvPicPr>
+          <p:blipFill>
+            <a:blip r:embed="rId3" cstate="print">
+              <a:extLst>
+                <a:ext uri="{BEBA8EAE-BF5A-486C-A8C5-ECC9F3942E4B}">
+                  <a14:imgProps xmlns:a14="http://schemas.microsoft.com/office/drawing/2010/main">
+                    <a14:imgLayer r:embed="rId4">
+                      <a14:imgEffect>
+                        <a14:colorTemperature colorTemp="11500"/>
+                      </a14:imgEffect>
+                      <a14:imgEffect>
+                        <a14:saturation sat="400000"/>
+                      </a14:imgEffect>
+                      <a14:imgEffect>
+                        <a14:brightnessContrast bright="100000" contrast="100000"/>
+                      </a14:imgEffect>
+                    </a14:imgLayer>
+                  </a14:imgProps>
+                </a:ext>
+                <a:ext uri="{28A0092B-C50C-407E-A947-70E740481C1C}">
+                  <a14:useLocalDpi xmlns:a14="http://schemas.microsoft.com/office/drawing/2010/main" val="0"/>
+                </a:ext>
+              </a:extLst>
+            </a:blip>
+            <a:stretch>
+              <a:fillRect/>
+            </a:stretch>
+          </p:blipFill>
+          <p:spPr>
+            <a:xfrm>
+              <a:off x="11658489" y="6309320"/>
+              <a:ext cx="280267" cy="280267"/>
+            </a:xfrm>
+            <a:prstGeom prst="rect">
+              <a:avLst/>
+            </a:prstGeom>
+          </p:spPr>
+        </p:pic>
+      </p:grpSp>
     </p:spTree>
     <p:extLst>
       <p:ext uri="{BB962C8B-B14F-4D97-AF65-F5344CB8AC3E}">
@@ -6168,10 +6173,10 @@
       </p:sp>
       <p:pic>
         <p:nvPicPr>
-          <p:cNvPr id="15" name="Picture 14" descr="Logo&#10;&#10;Description automatically generated with medium confidence">
+          <p:cNvPr id="10" name="Picture 9" descr="Logo&#10;&#10;Description automatically generated with medium confidence">
             <a:extLst>
               <a:ext uri="{FF2B5EF4-FFF2-40B4-BE49-F238E27FC236}">
-                <a16:creationId xmlns:a16="http://schemas.microsoft.com/office/drawing/2014/main" id="{1B56477B-AF8D-03B6-F74E-187B3DB893EB}"/>
+                <a16:creationId xmlns:a16="http://schemas.microsoft.com/office/drawing/2014/main" id="{15BFF19F-AA9C-229D-A100-E7ADFDA9412E}"/>
               </a:ext>
             </a:extLst>
           </p:cNvPr>
@@ -6202,111 +6207,132 @@
           </a:prstGeom>
         </p:spPr>
       </p:pic>
-      <p:sp>
-        <p:nvSpPr>
-          <p:cNvPr id="10" name="TextBox 9">
+      <p:grpSp>
+        <p:nvGrpSpPr>
+          <p:cNvPr id="12" name="Group 11">
             <a:extLst>
               <a:ext uri="{FF2B5EF4-FFF2-40B4-BE49-F238E27FC236}">
-                <a16:creationId xmlns:a16="http://schemas.microsoft.com/office/drawing/2014/main" id="{6B0E78A7-2C1A-D831-4793-20106228AC64}"/>
+                <a16:creationId xmlns:a16="http://schemas.microsoft.com/office/drawing/2014/main" id="{EE839703-6E9B-DC61-39FC-5510B9E3DBB8}"/>
               </a:ext>
             </a:extLst>
           </p:cNvPr>
-          <p:cNvSpPr txBox="1"/>
+          <p:cNvGrpSpPr/>
           <p:nvPr/>
-        </p:nvSpPr>
-        <p:spPr>
+        </p:nvGrpSpPr>
+        <p:grpSpPr>
           <a:xfrm>
             <a:off x="4727848" y="6269250"/>
             <a:ext cx="7246931" cy="369332"/>
+            <a:chOff x="4727848" y="6269250"/>
+            <a:chExt cx="7246931" cy="369332"/>
           </a:xfrm>
-          <a:prstGeom prst="rect">
-            <a:avLst/>
-          </a:prstGeom>
-          <a:noFill/>
-          <a:ln w="12700">
-            <a:solidFill>
-              <a:srgbClr val="FF0000"/>
-            </a:solidFill>
-          </a:ln>
-        </p:spPr>
-        <p:txBody>
-          <a:bodyPr wrap="square" rtlCol="0" anchor="ctr">
-            <a:spAutoFit/>
-          </a:bodyPr>
-          <a:lstStyle/>
-          <a:p>
-            <a:r>
-              <a:rPr lang="en-GB" dirty="0">
-                <a:solidFill>
-                  <a:schemeClr val="bg1"/>
-                </a:solidFill>
-                <a:latin typeface="Century Gothic" panose="020B0502020202020204" pitchFamily="34" charset="0"/>
-              </a:rPr>
-              <a:t>Please Turn Off/Silence Your Devices </a:t>
-            </a:r>
-            <a:r>
-              <a:rPr lang="ja-JP" altLang="en-US" dirty="0">
-                <a:solidFill>
-                  <a:schemeClr val="bg1"/>
-                </a:solidFill>
-                <a:latin typeface="Century Gothic" panose="020B0502020202020204" pitchFamily="34" charset="0"/>
-              </a:rPr>
-              <a:t>請靜音或關閉所有電子設備</a:t>
-            </a:r>
-          </a:p>
-        </p:txBody>
-      </p:sp>
-      <p:pic>
-        <p:nvPicPr>
-          <p:cNvPr id="12" name="Picture 11" descr="Shape&#10;&#10;Description automatically generated with low confidence">
-            <a:extLst>
-              <a:ext uri="{FF2B5EF4-FFF2-40B4-BE49-F238E27FC236}">
-                <a16:creationId xmlns:a16="http://schemas.microsoft.com/office/drawing/2014/main" id="{471D372F-F992-2808-6EC2-F753888040DD}"/>
-              </a:ext>
-            </a:extLst>
-          </p:cNvPr>
-          <p:cNvPicPr>
-            <a:picLocks noChangeAspect="1"/>
-          </p:cNvPicPr>
-          <p:nvPr/>
-        </p:nvPicPr>
-        <p:blipFill>
-          <a:blip r:embed="rId3" cstate="print">
-            <a:extLst>
-              <a:ext uri="{BEBA8EAE-BF5A-486C-A8C5-ECC9F3942E4B}">
-                <a14:imgProps xmlns:a14="http://schemas.microsoft.com/office/drawing/2010/main">
-                  <a14:imgLayer r:embed="rId4">
-                    <a14:imgEffect>
-                      <a14:colorTemperature colorTemp="11500"/>
-                    </a14:imgEffect>
-                    <a14:imgEffect>
-                      <a14:saturation sat="400000"/>
-                    </a14:imgEffect>
-                    <a14:imgEffect>
-                      <a14:brightnessContrast bright="100000" contrast="100000"/>
-                    </a14:imgEffect>
-                  </a14:imgLayer>
-                </a14:imgProps>
-              </a:ext>
-              <a:ext uri="{28A0092B-C50C-407E-A947-70E740481C1C}">
-                <a14:useLocalDpi xmlns:a14="http://schemas.microsoft.com/office/drawing/2010/main" val="0"/>
-              </a:ext>
-            </a:extLst>
-          </a:blip>
-          <a:stretch>
-            <a:fillRect/>
-          </a:stretch>
-        </p:blipFill>
-        <p:spPr>
-          <a:xfrm>
-            <a:off x="11658489" y="6309320"/>
-            <a:ext cx="280267" cy="280267"/>
-          </a:xfrm>
-          <a:prstGeom prst="rect">
-            <a:avLst/>
-          </a:prstGeom>
-        </p:spPr>
-      </p:pic>
+        </p:grpSpPr>
+        <p:sp>
+          <p:nvSpPr>
+            <p:cNvPr id="16" name="TextBox 15">
+              <a:extLst>
+                <a:ext uri="{FF2B5EF4-FFF2-40B4-BE49-F238E27FC236}">
+                  <a16:creationId xmlns:a16="http://schemas.microsoft.com/office/drawing/2014/main" id="{975D79B1-2591-7370-D76B-4510EAF0F219}"/>
+                </a:ext>
+              </a:extLst>
+            </p:cNvPr>
+            <p:cNvSpPr txBox="1"/>
+            <p:nvPr/>
+          </p:nvSpPr>
+          <p:spPr>
+            <a:xfrm>
+              <a:off x="4727848" y="6269250"/>
+              <a:ext cx="7246931" cy="369332"/>
+            </a:xfrm>
+            <a:prstGeom prst="rect">
+              <a:avLst/>
+            </a:prstGeom>
+            <a:noFill/>
+            <a:ln w="12700">
+              <a:solidFill>
+                <a:srgbClr val="FF0000"/>
+              </a:solidFill>
+            </a:ln>
+          </p:spPr>
+          <p:txBody>
+            <a:bodyPr wrap="square" rtlCol="0" anchor="ctr">
+              <a:spAutoFit/>
+            </a:bodyPr>
+            <a:lstStyle/>
+            <a:p>
+              <a:r>
+                <a:rPr lang="en-GB" dirty="0">
+                  <a:solidFill>
+                    <a:schemeClr val="bg1"/>
+                  </a:solidFill>
+                  <a:latin typeface="Century Gothic" panose="020B0502020202020204" pitchFamily="34" charset="0"/>
+                </a:rPr>
+                <a:t>Please Turn Off/Silence Your Devices </a:t>
+              </a:r>
+              <a:r>
+                <a:rPr lang="ja-JP" altLang="en-US" dirty="0">
+                  <a:solidFill>
+                    <a:schemeClr val="bg1"/>
+                  </a:solidFill>
+                  <a:latin typeface="Century Gothic" panose="020B0502020202020204" pitchFamily="34" charset="0"/>
+                </a:rPr>
+                <a:t>請靜音或關閉所有電子設備</a:t>
+              </a:r>
+            </a:p>
+          </p:txBody>
+        </p:sp>
+        <p:pic>
+          <p:nvPicPr>
+            <p:cNvPr id="17" name="Picture 16" descr="Shape&#10;&#10;Description automatically generated with low confidence">
+              <a:extLst>
+                <a:ext uri="{FF2B5EF4-FFF2-40B4-BE49-F238E27FC236}">
+                  <a16:creationId xmlns:a16="http://schemas.microsoft.com/office/drawing/2014/main" id="{93C4BB65-371C-3F3C-9A4B-5E51505B8F7C}"/>
+                </a:ext>
+              </a:extLst>
+            </p:cNvPr>
+            <p:cNvPicPr>
+              <a:picLocks noChangeAspect="1"/>
+            </p:cNvPicPr>
+            <p:nvPr/>
+          </p:nvPicPr>
+          <p:blipFill>
+            <a:blip r:embed="rId3" cstate="print">
+              <a:extLst>
+                <a:ext uri="{BEBA8EAE-BF5A-486C-A8C5-ECC9F3942E4B}">
+                  <a14:imgProps xmlns:a14="http://schemas.microsoft.com/office/drawing/2010/main">
+                    <a14:imgLayer r:embed="rId4">
+                      <a14:imgEffect>
+                        <a14:colorTemperature colorTemp="11500"/>
+                      </a14:imgEffect>
+                      <a14:imgEffect>
+                        <a14:saturation sat="400000"/>
+                      </a14:imgEffect>
+                      <a14:imgEffect>
+                        <a14:brightnessContrast bright="100000" contrast="100000"/>
+                      </a14:imgEffect>
+                    </a14:imgLayer>
+                  </a14:imgProps>
+                </a:ext>
+                <a:ext uri="{28A0092B-C50C-407E-A947-70E740481C1C}">
+                  <a14:useLocalDpi xmlns:a14="http://schemas.microsoft.com/office/drawing/2010/main" val="0"/>
+                </a:ext>
+              </a:extLst>
+            </a:blip>
+            <a:stretch>
+              <a:fillRect/>
+            </a:stretch>
+          </p:blipFill>
+          <p:spPr>
+            <a:xfrm>
+              <a:off x="11658489" y="6309320"/>
+              <a:ext cx="280267" cy="280267"/>
+            </a:xfrm>
+            <a:prstGeom prst="rect">
+              <a:avLst/>
+            </a:prstGeom>
+          </p:spPr>
+        </p:pic>
+      </p:grpSp>
     </p:spTree>
     <p:extLst>
       <p:ext uri="{BB962C8B-B14F-4D97-AF65-F5344CB8AC3E}">
@@ -6913,111 +6939,132 @@
           </a:prstGeom>
         </p:spPr>
       </p:pic>
-      <p:sp>
-        <p:nvSpPr>
-          <p:cNvPr id="8" name="TextBox 7">
+      <p:grpSp>
+        <p:nvGrpSpPr>
+          <p:cNvPr id="3" name="Group 2">
             <a:extLst>
               <a:ext uri="{FF2B5EF4-FFF2-40B4-BE49-F238E27FC236}">
-                <a16:creationId xmlns:a16="http://schemas.microsoft.com/office/drawing/2014/main" id="{2773390B-123D-F96F-081F-9943FC21B10E}"/>
+                <a16:creationId xmlns:a16="http://schemas.microsoft.com/office/drawing/2014/main" id="{DC67E14D-12D8-4301-C7BA-4921E28A4A0D}"/>
               </a:ext>
             </a:extLst>
           </p:cNvPr>
-          <p:cNvSpPr txBox="1"/>
+          <p:cNvGrpSpPr/>
           <p:nvPr/>
-        </p:nvSpPr>
-        <p:spPr>
+        </p:nvGrpSpPr>
+        <p:grpSpPr>
           <a:xfrm>
             <a:off x="4727848" y="6269250"/>
             <a:ext cx="7246931" cy="369332"/>
+            <a:chOff x="4727848" y="6269250"/>
+            <a:chExt cx="7246931" cy="369332"/>
           </a:xfrm>
-          <a:prstGeom prst="rect">
-            <a:avLst/>
-          </a:prstGeom>
-          <a:noFill/>
-          <a:ln w="12700">
-            <a:solidFill>
-              <a:srgbClr val="FF0000"/>
-            </a:solidFill>
-          </a:ln>
-        </p:spPr>
-        <p:txBody>
-          <a:bodyPr wrap="square" rtlCol="0" anchor="ctr">
-            <a:spAutoFit/>
-          </a:bodyPr>
-          <a:lstStyle/>
-          <a:p>
-            <a:r>
-              <a:rPr lang="en-GB" dirty="0">
-                <a:solidFill>
-                  <a:schemeClr val="bg1"/>
-                </a:solidFill>
-                <a:latin typeface="Century Gothic" panose="020B0502020202020204" pitchFamily="34" charset="0"/>
-              </a:rPr>
-              <a:t>Please Turn Off/Silence Your Devices </a:t>
-            </a:r>
-            <a:r>
-              <a:rPr lang="ja-JP" altLang="en-US" dirty="0">
-                <a:solidFill>
-                  <a:schemeClr val="bg1"/>
-                </a:solidFill>
-                <a:latin typeface="Century Gothic" panose="020B0502020202020204" pitchFamily="34" charset="0"/>
-              </a:rPr>
-              <a:t>請靜音或關閉所有電子設備</a:t>
-            </a:r>
-          </a:p>
-        </p:txBody>
-      </p:sp>
-      <p:pic>
-        <p:nvPicPr>
-          <p:cNvPr id="12" name="Picture 11" descr="Shape&#10;&#10;Description automatically generated with low confidence">
-            <a:extLst>
-              <a:ext uri="{FF2B5EF4-FFF2-40B4-BE49-F238E27FC236}">
-                <a16:creationId xmlns:a16="http://schemas.microsoft.com/office/drawing/2014/main" id="{18CE34BC-5A9E-48C4-CF17-5E7B688F8CEE}"/>
-              </a:ext>
-            </a:extLst>
-          </p:cNvPr>
-          <p:cNvPicPr>
-            <a:picLocks noChangeAspect="1"/>
-          </p:cNvPicPr>
-          <p:nvPr/>
-        </p:nvPicPr>
-        <p:blipFill>
-          <a:blip r:embed="rId3" cstate="print">
-            <a:extLst>
-              <a:ext uri="{BEBA8EAE-BF5A-486C-A8C5-ECC9F3942E4B}">
-                <a14:imgProps xmlns:a14="http://schemas.microsoft.com/office/drawing/2010/main">
-                  <a14:imgLayer r:embed="rId4">
-                    <a14:imgEffect>
-                      <a14:colorTemperature colorTemp="11500"/>
-                    </a14:imgEffect>
-                    <a14:imgEffect>
-                      <a14:saturation sat="400000"/>
-                    </a14:imgEffect>
-                    <a14:imgEffect>
-                      <a14:brightnessContrast bright="100000" contrast="100000"/>
-                    </a14:imgEffect>
-                  </a14:imgLayer>
-                </a14:imgProps>
-              </a:ext>
-              <a:ext uri="{28A0092B-C50C-407E-A947-70E740481C1C}">
-                <a14:useLocalDpi xmlns:a14="http://schemas.microsoft.com/office/drawing/2010/main" val="0"/>
-              </a:ext>
-            </a:extLst>
-          </a:blip>
-          <a:stretch>
-            <a:fillRect/>
-          </a:stretch>
-        </p:blipFill>
-        <p:spPr>
-          <a:xfrm>
-            <a:off x="11658489" y="6309320"/>
-            <a:ext cx="280267" cy="280267"/>
-          </a:xfrm>
-          <a:prstGeom prst="rect">
-            <a:avLst/>
-          </a:prstGeom>
-        </p:spPr>
-      </p:pic>
+        </p:grpSpPr>
+        <p:sp>
+          <p:nvSpPr>
+            <p:cNvPr id="8" name="TextBox 7">
+              <a:extLst>
+                <a:ext uri="{FF2B5EF4-FFF2-40B4-BE49-F238E27FC236}">
+                  <a16:creationId xmlns:a16="http://schemas.microsoft.com/office/drawing/2014/main" id="{2773390B-123D-F96F-081F-9943FC21B10E}"/>
+                </a:ext>
+              </a:extLst>
+            </p:cNvPr>
+            <p:cNvSpPr txBox="1"/>
+            <p:nvPr/>
+          </p:nvSpPr>
+          <p:spPr>
+            <a:xfrm>
+              <a:off x="4727848" y="6269250"/>
+              <a:ext cx="7246931" cy="369332"/>
+            </a:xfrm>
+            <a:prstGeom prst="rect">
+              <a:avLst/>
+            </a:prstGeom>
+            <a:noFill/>
+            <a:ln w="12700">
+              <a:solidFill>
+                <a:srgbClr val="FF0000"/>
+              </a:solidFill>
+            </a:ln>
+          </p:spPr>
+          <p:txBody>
+            <a:bodyPr wrap="square" rtlCol="0" anchor="ctr">
+              <a:spAutoFit/>
+            </a:bodyPr>
+            <a:lstStyle/>
+            <a:p>
+              <a:r>
+                <a:rPr lang="en-GB" dirty="0">
+                  <a:solidFill>
+                    <a:schemeClr val="bg1"/>
+                  </a:solidFill>
+                  <a:latin typeface="Century Gothic" panose="020B0502020202020204" pitchFamily="34" charset="0"/>
+                </a:rPr>
+                <a:t>Please Turn Off/Silence Your Devices </a:t>
+              </a:r>
+              <a:r>
+                <a:rPr lang="ja-JP" altLang="en-US" dirty="0">
+                  <a:solidFill>
+                    <a:schemeClr val="bg1"/>
+                  </a:solidFill>
+                  <a:latin typeface="Century Gothic" panose="020B0502020202020204" pitchFamily="34" charset="0"/>
+                </a:rPr>
+                <a:t>請靜音或關閉所有電子設備</a:t>
+              </a:r>
+            </a:p>
+          </p:txBody>
+        </p:sp>
+        <p:pic>
+          <p:nvPicPr>
+            <p:cNvPr id="12" name="Picture 11" descr="Shape&#10;&#10;Description automatically generated with low confidence">
+              <a:extLst>
+                <a:ext uri="{FF2B5EF4-FFF2-40B4-BE49-F238E27FC236}">
+                  <a16:creationId xmlns:a16="http://schemas.microsoft.com/office/drawing/2014/main" id="{18CE34BC-5A9E-48C4-CF17-5E7B688F8CEE}"/>
+                </a:ext>
+              </a:extLst>
+            </p:cNvPr>
+            <p:cNvPicPr>
+              <a:picLocks noChangeAspect="1"/>
+            </p:cNvPicPr>
+            <p:nvPr/>
+          </p:nvPicPr>
+          <p:blipFill>
+            <a:blip r:embed="rId3" cstate="print">
+              <a:extLst>
+                <a:ext uri="{BEBA8EAE-BF5A-486C-A8C5-ECC9F3942E4B}">
+                  <a14:imgProps xmlns:a14="http://schemas.microsoft.com/office/drawing/2010/main">
+                    <a14:imgLayer r:embed="rId4">
+                      <a14:imgEffect>
+                        <a14:colorTemperature colorTemp="11500"/>
+                      </a14:imgEffect>
+                      <a14:imgEffect>
+                        <a14:saturation sat="400000"/>
+                      </a14:imgEffect>
+                      <a14:imgEffect>
+                        <a14:brightnessContrast bright="100000" contrast="100000"/>
+                      </a14:imgEffect>
+                    </a14:imgLayer>
+                  </a14:imgProps>
+                </a:ext>
+                <a:ext uri="{28A0092B-C50C-407E-A947-70E740481C1C}">
+                  <a14:useLocalDpi xmlns:a14="http://schemas.microsoft.com/office/drawing/2010/main" val="0"/>
+                </a:ext>
+              </a:extLst>
+            </a:blip>
+            <a:stretch>
+              <a:fillRect/>
+            </a:stretch>
+          </p:blipFill>
+          <p:spPr>
+            <a:xfrm>
+              <a:off x="11658489" y="6309320"/>
+              <a:ext cx="280267" cy="280267"/>
+            </a:xfrm>
+            <a:prstGeom prst="rect">
+              <a:avLst/>
+            </a:prstGeom>
+          </p:spPr>
+        </p:pic>
+      </p:grpSp>
     </p:spTree>
     <p:extLst>
       <p:ext uri="{BB962C8B-B14F-4D97-AF65-F5344CB8AC3E}">

--- a/TJCPowerPoint/bin/Debug/Files/ServiceWidescreen.pptx
+++ b/TJCPowerPoint/bin/Debug/Files/ServiceWidescreen.pptx
@@ -5,10 +5,10 @@
     <p:sldMasterId id="2147483660" r:id="rId1"/>
   </p:sldMasterIdLst>
   <p:notesMasterIdLst>
-    <p:notesMasterId r:id="rId9"/>
+    <p:notesMasterId r:id="rId10"/>
   </p:notesMasterIdLst>
   <p:handoutMasterIdLst>
-    <p:handoutMasterId r:id="rId10"/>
+    <p:handoutMasterId r:id="rId11"/>
   </p:handoutMasterIdLst>
   <p:sldIdLst>
     <p:sldId id="357" r:id="rId2"/>
@@ -18,6 +18,7 @@
     <p:sldId id="361" r:id="rId6"/>
     <p:sldId id="359" r:id="rId7"/>
     <p:sldId id="363" r:id="rId8"/>
+    <p:sldId id="364" r:id="rId9"/>
   </p:sldIdLst>
   <p:sldSz cx="12192000" cy="6858000"/>
   <p:notesSz cx="6858000" cy="9144000"/>
@@ -4584,7 +4585,11 @@
           <a:lstStyle/>
           <a:p>
             <a:r>
-              <a:rPr lang="en-GB" dirty="0"/>
+              <a:rPr lang="en-GB" dirty="0">
+                <a:solidFill>
+                  <a:schemeClr val="bg1"/>
+                </a:solidFill>
+              </a:rPr>
               <a:t>Service/Hymnal</a:t>
             </a:r>
           </a:p>
@@ -4747,7 +4752,7 @@
               <a:avLst/>
             </a:prstGeom>
             <a:noFill/>
-            <a:ln w="12700">
+            <a:ln w="19050">
               <a:solidFill>
                 <a:srgbClr val="FF0000"/>
               </a:solidFill>
@@ -4885,21 +4890,12 @@
           <a:p>
             <a:r>
               <a:rPr lang="en-GB" dirty="0">
+                <a:solidFill>
+                  <a:schemeClr val="bg1"/>
+                </a:solidFill>
                 <a:latin typeface="Century Gothic" panose="020B0502020202020204" pitchFamily="34" charset="0"/>
               </a:rPr>
-              <a:t>Prayer Requests (</a:t>
-            </a:r>
-            <a:r>
-              <a:rPr lang="en-GB" dirty="0" err="1">
-                <a:latin typeface="Century Gothic" panose="020B0502020202020204" pitchFamily="34" charset="0"/>
-              </a:rPr>
-              <a:t>Streamelements</a:t>
-            </a:r>
-            <a:r>
-              <a:rPr lang="en-GB" dirty="0">
-                <a:latin typeface="Century Gothic" panose="020B0502020202020204" pitchFamily="34" charset="0"/>
-              </a:rPr>
-              <a:t>)</a:t>
+              <a:t>Prayer Requests (Image)</a:t>
             </a:r>
           </a:p>
         </p:txBody>
@@ -5022,7 +5018,7 @@
               <a:avLst/>
             </a:prstGeom>
             <a:noFill/>
-            <a:ln w="12700">
+            <a:ln w="19050">
               <a:solidFill>
                 <a:srgbClr val="FF0000"/>
               </a:solidFill>
@@ -5404,7 +5400,7 @@
             <a:avLst/>
           </a:prstGeom>
           <a:noFill/>
-          <a:ln w="12700">
+          <a:ln w="19050">
             <a:solidFill>
               <a:srgbClr val="FF0000"/>
             </a:solidFill>
@@ -5437,6 +5433,57 @@
           </a:p>
         </p:txBody>
       </p:sp>
+      <p:pic>
+        <p:nvPicPr>
+          <p:cNvPr id="9" name="Picture 8" descr="Shape&#10;&#10;Description automatically generated with low confidence">
+            <a:extLst>
+              <a:ext uri="{FF2B5EF4-FFF2-40B4-BE49-F238E27FC236}">
+                <a16:creationId xmlns:a16="http://schemas.microsoft.com/office/drawing/2014/main" id="{74DC84FB-B8E8-09F8-D629-C4E6D71E8C7F}"/>
+              </a:ext>
+            </a:extLst>
+          </p:cNvPr>
+          <p:cNvPicPr>
+            <a:picLocks noChangeAspect="1"/>
+          </p:cNvPicPr>
+          <p:nvPr/>
+        </p:nvPicPr>
+        <p:blipFill>
+          <a:blip r:embed="rId3" cstate="print">
+            <a:extLst>
+              <a:ext uri="{BEBA8EAE-BF5A-486C-A8C5-ECC9F3942E4B}">
+                <a14:imgProps xmlns:a14="http://schemas.microsoft.com/office/drawing/2010/main">
+                  <a14:imgLayer r:embed="rId4">
+                    <a14:imgEffect>
+                      <a14:colorTemperature colorTemp="11500"/>
+                    </a14:imgEffect>
+                    <a14:imgEffect>
+                      <a14:saturation sat="400000"/>
+                    </a14:imgEffect>
+                    <a14:imgEffect>
+                      <a14:brightnessContrast bright="100000" contrast="100000"/>
+                    </a14:imgEffect>
+                  </a14:imgLayer>
+                </a14:imgProps>
+              </a:ext>
+              <a:ext uri="{28A0092B-C50C-407E-A947-70E740481C1C}">
+                <a14:useLocalDpi xmlns:a14="http://schemas.microsoft.com/office/drawing/2010/main" val="0"/>
+              </a:ext>
+            </a:extLst>
+          </a:blip>
+          <a:stretch>
+            <a:fillRect/>
+          </a:stretch>
+        </p:blipFill>
+        <p:spPr>
+          <a:xfrm>
+            <a:off x="11658489" y="6309320"/>
+            <a:ext cx="280267" cy="280267"/>
+          </a:xfrm>
+          <a:prstGeom prst="rect">
+            <a:avLst/>
+          </a:prstGeom>
+        </p:spPr>
+      </p:pic>
     </p:spTree>
   </p:cSld>
   <p:clrMapOvr>
@@ -5663,8 +5710,12 @@
           <a:bodyPr/>
           <a:lstStyle/>
           <a:p>
+            <a:pPr algn="ctr"/>
             <a:r>
               <a:rPr lang="en-GB" dirty="0">
+                <a:solidFill>
+                  <a:schemeClr val="bg1"/>
+                </a:solidFill>
                 <a:latin typeface="Century Gothic" panose="020B0502020202020204" pitchFamily="34" charset="0"/>
               </a:rPr>
               <a:t>Announcements</a:t>
@@ -5749,7 +5800,7 @@
               <a:avLst/>
             </a:prstGeom>
             <a:noFill/>
-            <a:ln w="12700">
+            <a:ln w="19050">
               <a:solidFill>
                 <a:srgbClr val="FF0000"/>
               </a:solidFill>
@@ -6072,8 +6123,12 @@
           <a:bodyPr/>
           <a:lstStyle/>
           <a:p>
+            <a:pPr algn="ctr"/>
             <a:r>
               <a:rPr lang="en-GB" dirty="0">
+                <a:solidFill>
+                  <a:schemeClr val="bg1"/>
+                </a:solidFill>
                 <a:latin typeface="Century Gothic" panose="020B0502020202020204" pitchFamily="34" charset="0"/>
               </a:rPr>
               <a:t>Holy Communion</a:t>
@@ -6248,7 +6303,7 @@
               <a:avLst/>
             </a:prstGeom>
             <a:noFill/>
-            <a:ln w="12700">
+            <a:ln w="19050">
               <a:solidFill>
                 <a:srgbClr val="FF0000"/>
               </a:solidFill>
@@ -6388,11 +6443,17 @@
             <a:pPr algn="ctr"/>
             <a:r>
               <a:rPr lang="en-GB" altLang="en-US" dirty="0">
+                <a:solidFill>
+                  <a:schemeClr val="bg1"/>
+                </a:solidFill>
                 <a:latin typeface="Century Gothic" panose="020B0502020202020204" pitchFamily="34" charset="0"/>
               </a:rPr>
               <a:t>How to Pray</a:t>
             </a:r>
             <a:endParaRPr lang="en-GB" altLang="en-US" dirty="0">
+              <a:solidFill>
+                <a:schemeClr val="bg1"/>
+              </a:solidFill>
               <a:latin typeface="Century Gothic" panose="020B0502020202020204" pitchFamily="34" charset="0"/>
               <a:ea typeface="金梅新中楷全字體" pitchFamily="49" charset="-120"/>
             </a:endParaRPr>
@@ -6980,7 +7041,7 @@
               <a:avLst/>
             </a:prstGeom>
             <a:noFill/>
-            <a:ln w="12700">
+            <a:ln w="19050">
               <a:solidFill>
                 <a:srgbClr val="FF0000"/>
               </a:solidFill>
@@ -7062,6 +7123,11 @@
             <a:prstGeom prst="rect">
               <a:avLst/>
             </a:prstGeom>
+            <a:ln w="19050">
+              <a:solidFill>
+                <a:schemeClr val="tx1"/>
+              </a:solidFill>
+            </a:ln>
           </p:spPr>
         </p:pic>
       </p:grpSp>
@@ -7095,42 +7161,6 @@
           <a:chExt cx="0" cy="0"/>
         </a:xfrm>
       </p:grpSpPr>
-      <p:sp>
-        <p:nvSpPr>
-          <p:cNvPr id="7170" name="Title 1"/>
-          <p:cNvSpPr>
-            <a:spLocks noGrp="1"/>
-          </p:cNvSpPr>
-          <p:nvPr>
-            <p:ph type="title"/>
-          </p:nvPr>
-        </p:nvSpPr>
-        <p:spPr>
-          <a:xfrm>
-            <a:off x="-8737648" y="2060848"/>
-            <a:ext cx="8507412" cy="1498600"/>
-          </a:xfrm>
-        </p:spPr>
-        <p:txBody>
-          <a:bodyPr>
-            <a:normAutofit/>
-          </a:bodyPr>
-          <a:lstStyle/>
-          <a:p>
-            <a:pPr algn="ctr"/>
-            <a:r>
-              <a:rPr lang="en-GB" altLang="en-US" dirty="0">
-                <a:latin typeface="Century Gothic" panose="020B0502020202020204" pitchFamily="34" charset="0"/>
-              </a:rPr>
-              <a:t>How to Pray</a:t>
-            </a:r>
-            <a:endParaRPr lang="en-GB" altLang="en-US" dirty="0">
-              <a:latin typeface="Century Gothic" panose="020B0502020202020204" pitchFamily="34" charset="0"/>
-              <a:ea typeface="金梅新中楷全字體" pitchFamily="49" charset="-120"/>
-            </a:endParaRPr>
-          </a:p>
-        </p:txBody>
-      </p:sp>
       <p:sp>
         <p:nvSpPr>
           <p:cNvPr id="9" name="TextBox 8">
@@ -7377,6 +7407,299 @@
     <p:extLst>
       <p:ext uri="{BB962C8B-B14F-4D97-AF65-F5344CB8AC3E}">
         <p14:creationId xmlns:p14="http://schemas.microsoft.com/office/powerpoint/2010/main" val="1579287213"/>
+      </p:ext>
+    </p:extLst>
+  </p:cSld>
+  <p:clrMapOvr>
+    <a:masterClrMapping/>
+  </p:clrMapOvr>
+</p:sld>
+</file>
+
+<file path=ppt/slides/slide8.xml><?xml version="1.0" encoding="utf-8"?>
+<p:sld xmlns:a="http://schemas.openxmlformats.org/drawingml/2006/main" xmlns:r="http://schemas.openxmlformats.org/officeDocument/2006/relationships" xmlns:p="http://schemas.openxmlformats.org/presentationml/2006/main">
+  <p:cSld>
+    <p:spTree>
+      <p:nvGrpSpPr>
+        <p:cNvPr id="1" name=""/>
+        <p:cNvGrpSpPr/>
+        <p:nvPr/>
+      </p:nvGrpSpPr>
+      <p:grpSpPr>
+        <a:xfrm>
+          <a:off x="0" y="0"/>
+          <a:ext cx="0" cy="0"/>
+          <a:chOff x="0" y="0"/>
+          <a:chExt cx="0" cy="0"/>
+        </a:xfrm>
+      </p:grpSpPr>
+      <p:sp>
+        <p:nvSpPr>
+          <p:cNvPr id="10" name="Title 1">
+            <a:extLst>
+              <a:ext uri="{FF2B5EF4-FFF2-40B4-BE49-F238E27FC236}">
+                <a16:creationId xmlns:a16="http://schemas.microsoft.com/office/drawing/2014/main" id="{A29A4E1D-6B90-5AD8-9DB2-C35F6160DFE2}"/>
+              </a:ext>
+            </a:extLst>
+          </p:cNvPr>
+          <p:cNvSpPr txBox="1">
+            <a:spLocks/>
+          </p:cNvSpPr>
+          <p:nvPr/>
+        </p:nvSpPr>
+        <p:spPr>
+          <a:xfrm>
+            <a:off x="-7741368" y="2619557"/>
+            <a:ext cx="6858000" cy="2387600"/>
+          </a:xfrm>
+          <a:prstGeom prst="rect">
+            <a:avLst/>
+          </a:prstGeom>
+        </p:spPr>
+        <p:txBody>
+          <a:bodyPr vert="horz" lIns="91440" tIns="45720" rIns="91440" bIns="45720" rtlCol="0" anchor="ctr">
+            <a:normAutofit/>
+          </a:bodyPr>
+          <a:lstStyle>
+            <a:lvl1pPr algn="l" defTabSz="914400" rtl="0" eaLnBrk="1" latinLnBrk="0" hangingPunct="1">
+              <a:lnSpc>
+                <a:spcPct val="90000"/>
+              </a:lnSpc>
+              <a:spcBef>
+                <a:spcPct val="0"/>
+              </a:spcBef>
+              <a:buNone/>
+              <a:defRPr sz="4400" kern="1200">
+                <a:solidFill>
+                  <a:schemeClr val="tx1"/>
+                </a:solidFill>
+                <a:latin typeface="+mj-lt"/>
+                <a:ea typeface="+mj-ea"/>
+                <a:cs typeface="+mj-cs"/>
+              </a:defRPr>
+            </a:lvl1pPr>
+          </a:lstStyle>
+          <a:p>
+            <a:pPr algn="ctr"/>
+            <a:r>
+              <a:rPr lang="en-GB" dirty="0">
+                <a:solidFill>
+                  <a:schemeClr val="bg1"/>
+                </a:solidFill>
+                <a:latin typeface="Century Gothic" panose="020B0502020202020204" pitchFamily="34" charset="0"/>
+              </a:rPr>
+              <a:t>Service Times</a:t>
+            </a:r>
+          </a:p>
+        </p:txBody>
+      </p:sp>
+      <p:sp>
+        <p:nvSpPr>
+          <p:cNvPr id="11" name="TextBox 10">
+            <a:extLst>
+              <a:ext uri="{FF2B5EF4-FFF2-40B4-BE49-F238E27FC236}">
+                <a16:creationId xmlns:a16="http://schemas.microsoft.com/office/drawing/2014/main" id="{ADA8455D-134F-486C-C096-FFC55CA1AF07}"/>
+              </a:ext>
+            </a:extLst>
+          </p:cNvPr>
+          <p:cNvSpPr txBox="1"/>
+          <p:nvPr/>
+        </p:nvSpPr>
+        <p:spPr>
+          <a:xfrm>
+            <a:off x="3575720" y="3105834"/>
+            <a:ext cx="5040560" cy="646331"/>
+          </a:xfrm>
+          <a:prstGeom prst="rect">
+            <a:avLst/>
+          </a:prstGeom>
+          <a:noFill/>
+        </p:spPr>
+        <p:txBody>
+          <a:bodyPr wrap="square" rtlCol="0">
+            <a:spAutoFit/>
+          </a:bodyPr>
+          <a:lstStyle/>
+          <a:p>
+            <a:pPr algn="ctr"/>
+            <a:r>
+              <a:rPr lang="en-GB" sz="3600" b="1" dirty="0">
+                <a:solidFill>
+                  <a:schemeClr val="bg1"/>
+                </a:solidFill>
+                <a:latin typeface="Century Gothic" panose="020B0502020202020204" pitchFamily="34" charset="0"/>
+              </a:rPr>
+              <a:t>IMAGE PLACEHOLDER</a:t>
+            </a:r>
+          </a:p>
+        </p:txBody>
+      </p:sp>
+      <p:pic>
+        <p:nvPicPr>
+          <p:cNvPr id="12" name="Picture 11" descr="Logo&#10;&#10;Description automatically generated with medium confidence">
+            <a:extLst>
+              <a:ext uri="{FF2B5EF4-FFF2-40B4-BE49-F238E27FC236}">
+                <a16:creationId xmlns:a16="http://schemas.microsoft.com/office/drawing/2014/main" id="{FC6FCAC7-28DE-2AD7-A34C-985D97CD84F3}"/>
+              </a:ext>
+            </a:extLst>
+          </p:cNvPr>
+          <p:cNvPicPr>
+            <a:picLocks noChangeAspect="1"/>
+          </p:cNvPicPr>
+          <p:nvPr/>
+        </p:nvPicPr>
+        <p:blipFill>
+          <a:blip r:embed="rId2" cstate="print">
+            <a:extLst>
+              <a:ext uri="{28A0092B-C50C-407E-A947-70E740481C1C}">
+                <a14:useLocalDpi xmlns:a14="http://schemas.microsoft.com/office/drawing/2010/main" val="0"/>
+              </a:ext>
+            </a:extLst>
+          </a:blip>
+          <a:stretch>
+            <a:fillRect/>
+          </a:stretch>
+        </p:blipFill>
+        <p:spPr>
+          <a:xfrm>
+            <a:off x="335359" y="6269250"/>
+            <a:ext cx="2664297" cy="344791"/>
+          </a:xfrm>
+          <a:prstGeom prst="rect">
+            <a:avLst/>
+          </a:prstGeom>
+        </p:spPr>
+      </p:pic>
+      <p:grpSp>
+        <p:nvGrpSpPr>
+          <p:cNvPr id="13" name="Group 12">
+            <a:extLst>
+              <a:ext uri="{FF2B5EF4-FFF2-40B4-BE49-F238E27FC236}">
+                <a16:creationId xmlns:a16="http://schemas.microsoft.com/office/drawing/2014/main" id="{35212C79-2A94-CDE2-E1E0-4971A16CB7A4}"/>
+              </a:ext>
+            </a:extLst>
+          </p:cNvPr>
+          <p:cNvGrpSpPr/>
+          <p:nvPr/>
+        </p:nvGrpSpPr>
+        <p:grpSpPr>
+          <a:xfrm>
+            <a:off x="4727848" y="6269250"/>
+            <a:ext cx="7246931" cy="369332"/>
+            <a:chOff x="4727848" y="6269250"/>
+            <a:chExt cx="7246931" cy="369332"/>
+          </a:xfrm>
+        </p:grpSpPr>
+        <p:sp>
+          <p:nvSpPr>
+            <p:cNvPr id="14" name="TextBox 13">
+              <a:extLst>
+                <a:ext uri="{FF2B5EF4-FFF2-40B4-BE49-F238E27FC236}">
+                  <a16:creationId xmlns:a16="http://schemas.microsoft.com/office/drawing/2014/main" id="{F01C5CB4-79EB-E86F-3BC8-0D48A1127167}"/>
+                </a:ext>
+              </a:extLst>
+            </p:cNvPr>
+            <p:cNvSpPr txBox="1"/>
+            <p:nvPr/>
+          </p:nvSpPr>
+          <p:spPr>
+            <a:xfrm>
+              <a:off x="4727848" y="6269250"/>
+              <a:ext cx="7246931" cy="369332"/>
+            </a:xfrm>
+            <a:prstGeom prst="rect">
+              <a:avLst/>
+            </a:prstGeom>
+            <a:noFill/>
+            <a:ln w="19050">
+              <a:solidFill>
+                <a:srgbClr val="FF0000"/>
+              </a:solidFill>
+            </a:ln>
+          </p:spPr>
+          <p:txBody>
+            <a:bodyPr wrap="square" rtlCol="0" anchor="ctr">
+              <a:spAutoFit/>
+            </a:bodyPr>
+            <a:lstStyle/>
+            <a:p>
+              <a:r>
+                <a:rPr lang="en-GB" dirty="0">
+                  <a:solidFill>
+                    <a:schemeClr val="bg1"/>
+                  </a:solidFill>
+                  <a:latin typeface="Century Gothic" panose="020B0502020202020204" pitchFamily="34" charset="0"/>
+                </a:rPr>
+                <a:t>Please Turn Off/Silence Your Devices </a:t>
+              </a:r>
+              <a:r>
+                <a:rPr lang="ja-JP" altLang="en-US" dirty="0">
+                  <a:solidFill>
+                    <a:schemeClr val="bg1"/>
+                  </a:solidFill>
+                  <a:latin typeface="Century Gothic" panose="020B0502020202020204" pitchFamily="34" charset="0"/>
+                </a:rPr>
+                <a:t>請靜音或關閉所有電子設備</a:t>
+              </a:r>
+            </a:p>
+          </p:txBody>
+        </p:sp>
+        <p:pic>
+          <p:nvPicPr>
+            <p:cNvPr id="15" name="Picture 14" descr="Shape&#10;&#10;Description automatically generated with low confidence">
+              <a:extLst>
+                <a:ext uri="{FF2B5EF4-FFF2-40B4-BE49-F238E27FC236}">
+                  <a16:creationId xmlns:a16="http://schemas.microsoft.com/office/drawing/2014/main" id="{59210A52-B8A0-B230-BDDD-5B62C0DDCE8E}"/>
+                </a:ext>
+              </a:extLst>
+            </p:cNvPr>
+            <p:cNvPicPr>
+              <a:picLocks noChangeAspect="1"/>
+            </p:cNvPicPr>
+            <p:nvPr/>
+          </p:nvPicPr>
+          <p:blipFill>
+            <a:blip r:embed="rId3" cstate="print">
+              <a:extLst>
+                <a:ext uri="{BEBA8EAE-BF5A-486C-A8C5-ECC9F3942E4B}">
+                  <a14:imgProps xmlns:a14="http://schemas.microsoft.com/office/drawing/2010/main">
+                    <a14:imgLayer r:embed="rId4">
+                      <a14:imgEffect>
+                        <a14:colorTemperature colorTemp="11500"/>
+                      </a14:imgEffect>
+                      <a14:imgEffect>
+                        <a14:saturation sat="400000"/>
+                      </a14:imgEffect>
+                      <a14:imgEffect>
+                        <a14:brightnessContrast bright="100000" contrast="100000"/>
+                      </a14:imgEffect>
+                    </a14:imgLayer>
+                  </a14:imgProps>
+                </a:ext>
+                <a:ext uri="{28A0092B-C50C-407E-A947-70E740481C1C}">
+                  <a14:useLocalDpi xmlns:a14="http://schemas.microsoft.com/office/drawing/2010/main" val="0"/>
+                </a:ext>
+              </a:extLst>
+            </a:blip>
+            <a:stretch>
+              <a:fillRect/>
+            </a:stretch>
+          </p:blipFill>
+          <p:spPr>
+            <a:xfrm>
+              <a:off x="11658489" y="6309320"/>
+              <a:ext cx="280267" cy="280267"/>
+            </a:xfrm>
+            <a:prstGeom prst="rect">
+              <a:avLst/>
+            </a:prstGeom>
+          </p:spPr>
+        </p:pic>
+      </p:grpSp>
+    </p:spTree>
+    <p:extLst>
+      <p:ext uri="{BB962C8B-B14F-4D97-AF65-F5344CB8AC3E}">
+        <p14:creationId xmlns:p14="http://schemas.microsoft.com/office/powerpoint/2010/main" val="3742231344"/>
       </p:ext>
     </p:extLst>
   </p:cSld>

--- a/TJCPowerPoint/bin/Debug/Files/ServiceWidescreen.pptx
+++ b/TJCPowerPoint/bin/Debug/Files/ServiceWidescreen.pptx
@@ -4133,7 +4133,7 @@
               </a:spcBef>
             </a:pPr>
             <a:r>
-              <a:rPr lang="en-GB" altLang="en-US" sz="5600" b="1" dirty="0">
+              <a:rPr lang="en-GB" altLang="en-US" sz="5600" dirty="0">
                 <a:solidFill>
                   <a:schemeClr val="bg1"/>
                 </a:solidFill>
@@ -4142,21 +4142,21 @@
               <a:t>Hymns </a:t>
             </a:r>
             <a:r>
-              <a:rPr lang="zh-TW" altLang="en-US" sz="5600" b="1" dirty="0">
+              <a:rPr lang="zh-TW" altLang="en-US" sz="5600" dirty="0">
                 <a:solidFill>
                   <a:schemeClr val="bg1"/>
                 </a:solidFill>
-                <a:latin typeface="Century Gothic" panose="020B0502020202020204" pitchFamily="34" charset="0"/>
-                <a:ea typeface="金梅新中楷全字體" pitchFamily="49" charset="-120"/>
+                <a:latin typeface="Microsoft JhengHei" panose="020B0604030504040204" pitchFamily="34" charset="-120"/>
+                <a:ea typeface="Microsoft JhengHei" panose="020B0604030504040204" pitchFamily="34" charset="-120"/>
               </a:rPr>
               <a:t>詩</a:t>
             </a:r>
-            <a:endParaRPr lang="en-US" altLang="en-US" sz="5600" b="1" dirty="0">
+            <a:endParaRPr lang="en-US" altLang="en-US" sz="5600" dirty="0">
               <a:solidFill>
                 <a:schemeClr val="bg1"/>
               </a:solidFill>
-              <a:latin typeface="Century Gothic" panose="020B0502020202020204" pitchFamily="34" charset="0"/>
-              <a:ea typeface="金梅新中楷全字體" pitchFamily="49" charset="-120"/>
+              <a:latin typeface="Microsoft JhengHei" panose="020B0604030504040204" pitchFamily="34" charset="-120"/>
+              <a:ea typeface="Microsoft JhengHei" panose="020B0604030504040204" pitchFamily="34" charset="-120"/>
             </a:endParaRPr>
           </a:p>
           <a:p>
@@ -4314,7 +4314,7 @@
               <a:buNone/>
             </a:pPr>
             <a:r>
-              <a:rPr lang="en-GB" altLang="en-US" sz="4400" b="1" dirty="0">
+              <a:rPr lang="en-GB" altLang="en-US" sz="4400" dirty="0">
                 <a:solidFill>
                   <a:schemeClr val="bg1"/>
                 </a:solidFill>
@@ -4323,21 +4323,21 @@
               <a:t>Bible Verse </a:t>
             </a:r>
             <a:r>
-              <a:rPr lang="zh-TW" altLang="en-US" sz="4400" b="1" dirty="0">
+              <a:rPr lang="zh-TW" altLang="en-US" sz="4400" dirty="0">
                 <a:solidFill>
                   <a:schemeClr val="bg1"/>
                 </a:solidFill>
-                <a:latin typeface="+mj-lt"/>
-                <a:ea typeface="金梅新中楷全字體" pitchFamily="49" charset="-120"/>
+                <a:latin typeface="Microsoft JhengHei" panose="020B0604030504040204" pitchFamily="34" charset="-120"/>
+                <a:ea typeface="Microsoft JhengHei" panose="020B0604030504040204" pitchFamily="34" charset="-120"/>
               </a:rPr>
               <a:t>經文</a:t>
             </a:r>
-            <a:endParaRPr lang="en-US" altLang="en-US" sz="4400" b="1" dirty="0">
+            <a:endParaRPr lang="en-US" altLang="en-US" sz="4400" dirty="0">
               <a:solidFill>
                 <a:schemeClr val="bg1"/>
               </a:solidFill>
-              <a:latin typeface="+mj-lt"/>
-              <a:ea typeface="金梅新中楷全字體" pitchFamily="49" charset="-120"/>
+              <a:latin typeface="Microsoft JhengHei" panose="020B0604030504040204" pitchFamily="34" charset="-120"/>
+              <a:ea typeface="Microsoft JhengHei" panose="020B0604030504040204" pitchFamily="34" charset="-120"/>
             </a:endParaRPr>
           </a:p>
         </p:txBody>
@@ -4408,18 +4408,9 @@
                 <a:solidFill>
                   <a:schemeClr val="bg1"/>
                 </a:solidFill>
-                <a:latin typeface="Book Antiqua" panose="02040602050305030304" pitchFamily="18" charset="0"/>
-              </a:rPr>
-              <a:t>English </a:t>
-            </a:r>
-            <a:r>
-              <a:rPr lang="en-US" altLang="en-US" sz="4800" dirty="0">
-                <a:solidFill>
-                  <a:schemeClr val="bg1"/>
-                </a:solidFill>
                 <a:latin typeface="Century Gothic" panose="020B0502020202020204" pitchFamily="34" charset="0"/>
               </a:rPr>
-              <a:t>Book</a:t>
+              <a:t>English Book</a:t>
             </a:r>
           </a:p>
         </p:txBody>
@@ -4490,8 +4481,8 @@
                 <a:solidFill>
                   <a:schemeClr val="bg1"/>
                 </a:solidFill>
-                <a:latin typeface="金梅新中楷全字體" panose="02010509060101010101" pitchFamily="49" charset="-120"/>
-                <a:ea typeface="金梅新中楷全字體" panose="02010509060101010101" pitchFamily="49" charset="-120"/>
+                <a:latin typeface="Microsoft JhengHei" panose="020B0604030504040204" pitchFamily="34" charset="-120"/>
+                <a:ea typeface="Microsoft JhengHei" panose="020B0604030504040204" pitchFamily="34" charset="-120"/>
               </a:rPr>
               <a:t>Chinese Book</a:t>
             </a:r>
@@ -5060,7 +5051,8 @@
                   <a:solidFill>
                     <a:schemeClr val="bg1"/>
                   </a:solidFill>
-                  <a:latin typeface="Century Gothic" panose="020B0502020202020204" pitchFamily="34" charset="0"/>
+                  <a:latin typeface="Microsoft JhengHei" panose="020B0604030504040204" pitchFamily="34" charset="-120"/>
+                  <a:ea typeface="Microsoft JhengHei" panose="020B0604030504040204" pitchFamily="34" charset="-120"/>
                 </a:rPr>
                 <a:t>請靜音或關閉所有電子設備</a:t>
               </a:r>
@@ -5450,7 +5442,8 @@
                 <a:solidFill>
                   <a:schemeClr val="bg1"/>
                 </a:solidFill>
-                <a:latin typeface="Century Gothic" panose="020B0502020202020204" pitchFamily="34" charset="0"/>
+                <a:latin typeface="Microsoft JhengHei" panose="020B0604030504040204" pitchFamily="34" charset="-120"/>
+                <a:ea typeface="Microsoft JhengHei" panose="020B0604030504040204" pitchFamily="34" charset="-120"/>
               </a:rPr>
               <a:t>請靜音或關閉所有電子設備</a:t>
             </a:r>
@@ -5604,7 +5597,7 @@
           <a:lstStyle/>
           <a:p>
             <a:pPr algn="ctr"/>
-            <a:endParaRPr lang="en-GB" altLang="zh-TW" sz="2400" b="1" dirty="0">
+            <a:endParaRPr lang="en-GB" altLang="zh-TW" sz="2400" dirty="0">
               <a:solidFill>
                 <a:schemeClr val="bg1"/>
               </a:solidFill>
@@ -5701,8 +5694,8 @@
                 <a:solidFill>
                   <a:schemeClr val="bg1"/>
                 </a:solidFill>
-                <a:latin typeface="Century Gothic" panose="020B0502020202020204" pitchFamily="34" charset="0"/>
-                <a:ea typeface="金梅新中楷全字體" panose="02010509060101010101" pitchFamily="49" charset="-120"/>
+                <a:latin typeface="Microsoft JhengHei" panose="020B0604030504040204" pitchFamily="34" charset="-120"/>
+                <a:ea typeface="Microsoft JhengHei" panose="020B0604030504040204" pitchFamily="34" charset="-120"/>
               </a:rPr>
               <a:t>佈告</a:t>
             </a:r>
@@ -5710,8 +5703,8 @@
               <a:solidFill>
                 <a:schemeClr val="bg1"/>
               </a:solidFill>
-              <a:latin typeface="Century Gothic" panose="020B0502020202020204" pitchFamily="34" charset="0"/>
-              <a:ea typeface="金梅新中楷全字體" panose="02010509060101010101" pitchFamily="49" charset="-120"/>
+              <a:latin typeface="Microsoft JhengHei" panose="020B0604030504040204" pitchFamily="34" charset="-120"/>
+              <a:ea typeface="Microsoft JhengHei" panose="020B0604030504040204" pitchFamily="34" charset="-120"/>
             </a:endParaRPr>
           </a:p>
         </p:txBody>
@@ -5858,7 +5851,8 @@
                   <a:solidFill>
                     <a:schemeClr val="bg1"/>
                   </a:solidFill>
-                  <a:latin typeface="Century Gothic" panose="020B0502020202020204" pitchFamily="34" charset="0"/>
+                  <a:latin typeface="Microsoft JhengHei" panose="020B0604030504040204" pitchFamily="34" charset="-120"/>
+                  <a:ea typeface="Microsoft JhengHei" panose="020B0604030504040204" pitchFamily="34" charset="-120"/>
                 </a:rPr>
                 <a:t>請靜音或關閉所有電子設備</a:t>
               </a:r>
@@ -6123,7 +6117,8 @@
                   <a:schemeClr val="bg1"/>
                 </a:solidFill>
                 <a:effectLst/>
-                <a:latin typeface="Roboto" panose="02000000000000000000" pitchFamily="2" charset="0"/>
+                <a:latin typeface="Microsoft JhengHei" panose="020B0604030504040204" pitchFamily="34" charset="-120"/>
+                <a:ea typeface="Microsoft JhengHei" panose="020B0604030504040204" pitchFamily="34" charset="-120"/>
               </a:rPr>
               <a:t>聖餐典禮</a:t>
             </a:r>
@@ -6131,8 +6126,8 @@
               <a:solidFill>
                 <a:schemeClr val="bg1"/>
               </a:solidFill>
-              <a:latin typeface="Century Gothic" panose="020B0502020202020204" pitchFamily="34" charset="0"/>
-              <a:ea typeface="金梅新中楷全字體" panose="02010509060101010101" pitchFamily="49" charset="-120"/>
+              <a:latin typeface="Microsoft JhengHei" panose="020B0604030504040204" pitchFamily="34" charset="-120"/>
+              <a:ea typeface="Microsoft JhengHei" panose="020B0604030504040204" pitchFamily="34" charset="-120"/>
             </a:endParaRPr>
           </a:p>
         </p:txBody>
@@ -6553,8 +6548,8 @@
                 <a:solidFill>
                   <a:schemeClr val="bg1"/>
                 </a:solidFill>
-                <a:latin typeface="Century Gothic" panose="020B0502020202020204" pitchFamily="34" charset="0"/>
-                <a:ea typeface="金梅新中楷全字體" pitchFamily="49" charset="-120"/>
+                <a:latin typeface="Microsoft JhengHei" panose="020B0604030504040204" pitchFamily="34" charset="-120"/>
+                <a:ea typeface="Microsoft JhengHei" panose="020B0604030504040204" pitchFamily="34" charset="-120"/>
               </a:rPr>
               <a:t>歡迎光臨真耶穌教會，請跟我們一起禱告</a:t>
             </a:r>
@@ -6783,8 +6778,8 @@
                   <a:srgbClr val="FFFFFF"/>
                 </a:solidFill>
                 <a:effectLst/>
-                <a:latin typeface="Century Gothic" panose="020B0502020202020204" pitchFamily="34" charset="0"/>
-                <a:ea typeface="金梅新中楷全字體" panose="02010509060101010101"/>
+                <a:latin typeface="Microsoft JhengHei" panose="020B0604030504040204" pitchFamily="34" charset="-120"/>
+                <a:ea typeface="Microsoft JhengHei" panose="020B0604030504040204" pitchFamily="34" charset="-120"/>
               </a:rPr>
               <a:t>虔誠地跪下</a:t>
             </a:r>
@@ -6797,8 +6792,8 @@
                   <a:srgbClr val="FFFFFF"/>
                 </a:solidFill>
                 <a:effectLst/>
-                <a:latin typeface="Century Gothic" panose="020B0502020202020204" pitchFamily="34" charset="0"/>
-                <a:ea typeface="金梅新中楷全字體" panose="02010509060101010101"/>
+                <a:latin typeface="Microsoft JhengHei" panose="020B0604030504040204" pitchFamily="34" charset="-120"/>
+                <a:ea typeface="Microsoft JhengHei" panose="020B0604030504040204" pitchFamily="34" charset="-120"/>
               </a:rPr>
               <a:t>閉上眼睛專心預備</a:t>
             </a:r>
@@ -6811,8 +6806,8 @@
                   <a:srgbClr val="FFFFFF"/>
                 </a:solidFill>
                 <a:effectLst/>
-                <a:latin typeface="Century Gothic" panose="020B0502020202020204" pitchFamily="34" charset="0"/>
-                <a:ea typeface="金梅新中楷全字體" panose="02010509060101010101"/>
+                <a:latin typeface="Microsoft JhengHei" panose="020B0604030504040204" pitchFamily="34" charset="-120"/>
+                <a:ea typeface="Microsoft JhengHei" panose="020B0604030504040204" pitchFamily="34" charset="-120"/>
               </a:rPr>
               <a:t>先唸</a:t>
             </a:r>
@@ -6822,8 +6817,8 @@
                   <a:srgbClr val="FFFFFF"/>
                 </a:solidFill>
                 <a:effectLst/>
-                <a:latin typeface="Century Gothic" panose="020B0502020202020204" pitchFamily="34" charset="0"/>
-                <a:ea typeface="金梅新中楷全字體" panose="02010509060101010101"/>
+                <a:latin typeface="Microsoft JhengHei" panose="020B0604030504040204" pitchFamily="34" charset="-120"/>
+                <a:ea typeface="Microsoft JhengHei" panose="020B0604030504040204" pitchFamily="34" charset="-120"/>
               </a:rPr>
               <a:t>, </a:t>
             </a:r>
@@ -6833,8 +6828,8 @@
                   <a:srgbClr val="DAF5FF"/>
                 </a:solidFill>
                 <a:effectLst/>
-                <a:latin typeface="Century Gothic" panose="020B0502020202020204" pitchFamily="34" charset="0"/>
-                <a:ea typeface="金梅新中楷全字體" panose="02010509060101010101"/>
+                <a:latin typeface="Microsoft JhengHei" panose="020B0604030504040204" pitchFamily="34" charset="-120"/>
+                <a:ea typeface="Microsoft JhengHei" panose="020B0604030504040204" pitchFamily="34" charset="-120"/>
               </a:rPr>
               <a:t>“</a:t>
             </a:r>
@@ -6844,8 +6839,8 @@
                   <a:srgbClr val="DAF5FF"/>
                 </a:solidFill>
                 <a:effectLst/>
-                <a:latin typeface="Century Gothic" panose="020B0502020202020204" pitchFamily="34" charset="0"/>
-                <a:ea typeface="金梅新中楷全字體" panose="02010509060101010101"/>
+                <a:latin typeface="Microsoft JhengHei" panose="020B0604030504040204" pitchFamily="34" charset="-120"/>
+                <a:ea typeface="Microsoft JhengHei" panose="020B0604030504040204" pitchFamily="34" charset="-120"/>
               </a:rPr>
               <a:t>奉主耶穌聖名禱告”</a:t>
             </a:r>
@@ -6858,8 +6853,8 @@
                   <a:srgbClr val="FFFFFF"/>
                 </a:solidFill>
                 <a:effectLst/>
-                <a:latin typeface="Century Gothic" panose="020B0502020202020204" pitchFamily="34" charset="0"/>
-                <a:ea typeface="金梅新中楷全字體" panose="02010509060101010101"/>
+                <a:latin typeface="Microsoft JhengHei" panose="020B0604030504040204" pitchFamily="34" charset="-120"/>
+                <a:ea typeface="Microsoft JhengHei" panose="020B0604030504040204" pitchFamily="34" charset="-120"/>
               </a:rPr>
               <a:t>重複唸</a:t>
             </a:r>
@@ -6869,8 +6864,8 @@
                   <a:srgbClr val="FFFFFF"/>
                 </a:solidFill>
                 <a:effectLst/>
-                <a:latin typeface="Century Gothic" panose="020B0502020202020204" pitchFamily="34" charset="0"/>
-                <a:ea typeface="金梅新中楷全字體" panose="02010509060101010101"/>
+                <a:latin typeface="Microsoft JhengHei" panose="020B0604030504040204" pitchFamily="34" charset="-120"/>
+                <a:ea typeface="Microsoft JhengHei" panose="020B0604030504040204" pitchFamily="34" charset="-120"/>
               </a:rPr>
               <a:t>, </a:t>
             </a:r>
@@ -6880,8 +6875,8 @@
                   <a:srgbClr val="DAF5FF"/>
                 </a:solidFill>
                 <a:effectLst/>
-                <a:latin typeface="Century Gothic" panose="020B0502020202020204" pitchFamily="34" charset="0"/>
-                <a:ea typeface="金梅新中楷全字體" panose="02010509060101010101"/>
+                <a:latin typeface="Microsoft JhengHei" panose="020B0604030504040204" pitchFamily="34" charset="-120"/>
+                <a:ea typeface="Microsoft JhengHei" panose="020B0604030504040204" pitchFamily="34" charset="-120"/>
               </a:rPr>
               <a:t>“</a:t>
             </a:r>
@@ -6891,8 +6886,8 @@
                   <a:srgbClr val="DAF5FF"/>
                 </a:solidFill>
                 <a:effectLst/>
-                <a:latin typeface="Century Gothic" panose="020B0502020202020204" pitchFamily="34" charset="0"/>
-                <a:ea typeface="金梅新中楷全字體" panose="02010509060101010101"/>
+                <a:latin typeface="Microsoft JhengHei" panose="020B0604030504040204" pitchFamily="34" charset="-120"/>
+                <a:ea typeface="Microsoft JhengHei" panose="020B0604030504040204" pitchFamily="34" charset="-120"/>
               </a:rPr>
               <a:t>哈利路亞</a:t>
             </a:r>
@@ -6902,8 +6897,8 @@
                   <a:srgbClr val="DAF5FF"/>
                 </a:solidFill>
                 <a:effectLst/>
-                <a:latin typeface="Century Gothic" panose="020B0502020202020204" pitchFamily="34" charset="0"/>
-                <a:ea typeface="金梅新中楷全字體" panose="02010509060101010101"/>
+                <a:latin typeface="Microsoft JhengHei" panose="020B0604030504040204" pitchFamily="34" charset="-120"/>
+                <a:ea typeface="Microsoft JhengHei" panose="020B0604030504040204" pitchFamily="34" charset="-120"/>
               </a:rPr>
               <a:t>, </a:t>
             </a:r>
@@ -6913,8 +6908,8 @@
                   <a:srgbClr val="DAF5FF"/>
                 </a:solidFill>
                 <a:effectLst/>
-                <a:latin typeface="Century Gothic" panose="020B0502020202020204" pitchFamily="34" charset="0"/>
-                <a:ea typeface="金梅新中楷全字體" panose="02010509060101010101"/>
+                <a:latin typeface="Microsoft JhengHei" panose="020B0604030504040204" pitchFamily="34" charset="-120"/>
+                <a:ea typeface="Microsoft JhengHei" panose="020B0604030504040204" pitchFamily="34" charset="-120"/>
               </a:rPr>
               <a:t>讚美主耶穌”</a:t>
             </a:r>
@@ -6927,8 +6922,8 @@
                   <a:srgbClr val="FFFFFF"/>
                 </a:solidFill>
                 <a:effectLst/>
-                <a:latin typeface="Century Gothic" panose="020B0502020202020204" pitchFamily="34" charset="0"/>
-                <a:ea typeface="金梅新中楷全字體" panose="02010509060101010101"/>
+                <a:latin typeface="Microsoft JhengHei" panose="020B0604030504040204" pitchFamily="34" charset="-120"/>
+                <a:ea typeface="Microsoft JhengHei" panose="020B0604030504040204" pitchFamily="34" charset="-120"/>
               </a:rPr>
               <a:t>您也可以將您的需要告訴神</a:t>
             </a:r>
@@ -6938,8 +6933,8 @@
                   <a:srgbClr val="FFFFFF"/>
                 </a:solidFill>
                 <a:effectLst/>
-                <a:latin typeface="Century Gothic" panose="020B0502020202020204" pitchFamily="34" charset="0"/>
-                <a:ea typeface="金梅新中楷全字體" panose="02010509060101010101"/>
+                <a:latin typeface="Microsoft JhengHei" panose="020B0604030504040204" pitchFamily="34" charset="-120"/>
+                <a:ea typeface="Microsoft JhengHei" panose="020B0604030504040204" pitchFamily="34" charset="-120"/>
               </a:rPr>
               <a:t>, </a:t>
             </a:r>
@@ -6949,8 +6944,8 @@
                   <a:srgbClr val="FFFFFF"/>
                 </a:solidFill>
                 <a:effectLst/>
-                <a:latin typeface="Century Gothic" panose="020B0502020202020204" pitchFamily="34" charset="0"/>
-                <a:ea typeface="金梅新中楷全字體" panose="02010509060101010101"/>
+                <a:latin typeface="Microsoft JhengHei" panose="020B0604030504040204" pitchFamily="34" charset="-120"/>
+                <a:ea typeface="Microsoft JhengHei" panose="020B0604030504040204" pitchFamily="34" charset="-120"/>
               </a:rPr>
               <a:t>並祈求祂賞賜您聖靈</a:t>
             </a:r>
@@ -6963,8 +6958,8 @@
                   <a:srgbClr val="FFFFFF"/>
                 </a:solidFill>
                 <a:effectLst/>
-                <a:latin typeface="Century Gothic" panose="020B0502020202020204" pitchFamily="34" charset="0"/>
-                <a:ea typeface="金梅新中楷全字體" panose="02010509060101010101"/>
+                <a:latin typeface="Microsoft JhengHei" panose="020B0604030504040204" pitchFamily="34" charset="-120"/>
+                <a:ea typeface="Microsoft JhengHei" panose="020B0604030504040204" pitchFamily="34" charset="-120"/>
               </a:rPr>
               <a:t>最後以 </a:t>
             </a:r>
@@ -6974,8 +6969,8 @@
                   <a:srgbClr val="DAF5FF"/>
                 </a:solidFill>
                 <a:effectLst/>
-                <a:latin typeface="Century Gothic" panose="020B0502020202020204" pitchFamily="34" charset="0"/>
-                <a:ea typeface="金梅新中楷全字體" panose="02010509060101010101"/>
+                <a:latin typeface="Microsoft JhengHei" panose="020B0604030504040204" pitchFamily="34" charset="-120"/>
+                <a:ea typeface="Microsoft JhengHei" panose="020B0604030504040204" pitchFamily="34" charset="-120"/>
               </a:rPr>
               <a:t>“阿們</a:t>
             </a:r>
@@ -6985,8 +6980,8 @@
                   <a:srgbClr val="DAF5FF"/>
                 </a:solidFill>
                 <a:effectLst/>
-                <a:latin typeface="Century Gothic" panose="020B0502020202020204" pitchFamily="34" charset="0"/>
-                <a:ea typeface="金梅新中楷全字體" panose="02010509060101010101"/>
+                <a:latin typeface="Microsoft JhengHei" panose="020B0604030504040204" pitchFamily="34" charset="-120"/>
+                <a:ea typeface="Microsoft JhengHei" panose="020B0604030504040204" pitchFamily="34" charset="-120"/>
               </a:rPr>
               <a:t>!” </a:t>
             </a:r>
@@ -6996,8 +6991,8 @@
                   <a:srgbClr val="FFFFFF"/>
                 </a:solidFill>
                 <a:effectLst/>
-                <a:latin typeface="Century Gothic" panose="020B0502020202020204" pitchFamily="34" charset="0"/>
-                <a:ea typeface="金梅新中楷全字體" panose="02010509060101010101"/>
+                <a:latin typeface="Microsoft JhengHei" panose="020B0604030504040204" pitchFamily="34" charset="-120"/>
+                <a:ea typeface="Microsoft JhengHei" panose="020B0604030504040204" pitchFamily="34" charset="-120"/>
               </a:rPr>
               <a:t>結束禱告</a:t>
             </a:r>
@@ -7006,8 +7001,8 @@
                 <a:srgbClr val="FFFFFF"/>
               </a:solidFill>
               <a:effectLst/>
-              <a:latin typeface="Century Gothic" panose="020B0502020202020204" pitchFamily="34" charset="0"/>
-              <a:ea typeface="金梅新中楷全字體" panose="02010509060101010101"/>
+              <a:latin typeface="Microsoft JhengHei" panose="020B0604030504040204" pitchFamily="34" charset="-120"/>
+              <a:ea typeface="Microsoft JhengHei" panose="020B0604030504040204" pitchFamily="34" charset="-120"/>
             </a:endParaRPr>
           </a:p>
         </p:txBody>
@@ -7115,7 +7110,8 @@
                   <a:solidFill>
                     <a:schemeClr val="bg1"/>
                   </a:solidFill>
-                  <a:latin typeface="Century Gothic" panose="020B0502020202020204" pitchFamily="34" charset="0"/>
+                  <a:latin typeface="Microsoft JhengHei" panose="020B0604030504040204" pitchFamily="34" charset="-120"/>
+                  <a:ea typeface="Microsoft JhengHei" panose="020B0604030504040204" pitchFamily="34" charset="-120"/>
                 </a:rPr>
                 <a:t>請靜音或關閉所有電子設備</a:t>
               </a:r>
@@ -7268,7 +7264,8 @@
                 <a:solidFill>
                   <a:schemeClr val="bg1"/>
                 </a:solidFill>
-                <a:latin typeface="Century Gothic" panose="020B0502020202020204" pitchFamily="34" charset="0"/>
+                <a:latin typeface="Microsoft JhengHei" panose="020B0604030504040204" pitchFamily="34" charset="-120"/>
+                <a:ea typeface="Microsoft JhengHei" panose="020B0604030504040204" pitchFamily="34" charset="-120"/>
               </a:rPr>
               <a:t>請靜音或關閉所有電子設備</a:t>
             </a:r>
@@ -7276,8 +7273,8 @@
               <a:solidFill>
                 <a:schemeClr val="bg1"/>
               </a:solidFill>
-              <a:latin typeface="Century Gothic" panose="020B0502020202020204" pitchFamily="34" charset="0"/>
-              <a:ea typeface="金梅新中楷全字體" pitchFamily="49" charset="-120"/>
+              <a:latin typeface="Microsoft JhengHei" panose="020B0604030504040204" pitchFamily="34" charset="-120"/>
+              <a:ea typeface="Microsoft JhengHei" panose="020B0604030504040204" pitchFamily="34" charset="-120"/>
             </a:endParaRPr>
           </a:p>
         </p:txBody>
@@ -7701,7 +7698,8 @@
                   <a:solidFill>
                     <a:schemeClr val="bg1"/>
                   </a:solidFill>
-                  <a:latin typeface="Century Gothic" panose="020B0502020202020204" pitchFamily="34" charset="0"/>
+                  <a:latin typeface="Microsoft JhengHei" panose="020B0604030504040204" pitchFamily="34" charset="-120"/>
+                  <a:ea typeface="Microsoft JhengHei" panose="020B0604030504040204" pitchFamily="34" charset="-120"/>
                 </a:rPr>
                 <a:t>請靜音或關閉所有電子設備</a:t>
               </a:r>

--- a/TJCPowerPoint/bin/Debug/Files/ServiceWidescreen.pptx
+++ b/TJCPowerPoint/bin/Debug/Files/ServiceWidescreen.pptx
@@ -3958,7 +3958,7 @@
         </p:nvSpPr>
         <p:spPr bwMode="auto">
           <a:xfrm>
-            <a:off x="0" y="260648"/>
+            <a:off x="0" y="66328"/>
             <a:ext cx="12192000" cy="914400"/>
           </a:xfrm>
           <a:prstGeom prst="rect">
@@ -4106,7 +4106,7 @@
         </p:nvSpPr>
         <p:spPr bwMode="auto">
           <a:xfrm>
-            <a:off x="1524000" y="2348880"/>
+            <a:off x="1524000" y="2406367"/>
             <a:ext cx="9144000" cy="2246769"/>
           </a:xfrm>
           <a:prstGeom prst="rect">
@@ -4184,7 +4184,7 @@
         </p:nvSpPr>
         <p:spPr bwMode="auto">
           <a:xfrm>
-            <a:off x="1530570" y="3356993"/>
+            <a:off x="1530570" y="3414480"/>
             <a:ext cx="9137431" cy="781752"/>
           </a:xfrm>
           <a:prstGeom prst="rect">
@@ -4260,7 +4260,7 @@
         </p:nvSpPr>
         <p:spPr bwMode="auto">
           <a:xfrm>
-            <a:off x="300061" y="2503862"/>
+            <a:off x="300061" y="2561349"/>
             <a:ext cx="5004520" cy="769441"/>
           </a:xfrm>
           <a:prstGeom prst="rect">

--- a/TJCPowerPoint/bin/Debug/Files/ServiceWidescreen.pptx
+++ b/TJCPowerPoint/bin/Debug/Files/ServiceWidescreen.pptx
@@ -4014,8 +4014,9 @@
                 <a:solidFill>
                   <a:schemeClr val="bg1"/>
                 </a:solidFill>
-                <a:latin typeface="Century Gothic" panose="020B0502020202020204" pitchFamily="34" charset="0"/>
+                <a:latin typeface="Segoe UI" panose="020B0502040204020203" pitchFamily="34" charset="0"/>
                 <a:ea typeface="宋体" panose="02010600030101010101" pitchFamily="2" charset="-122"/>
+                <a:cs typeface="Segoe UI" panose="020B0502040204020203" pitchFamily="34" charset="0"/>
               </a:rPr>
               <a:t>English</a:t>
             </a:r>
@@ -4032,7 +4033,7 @@
         </p:nvSpPr>
         <p:spPr bwMode="auto">
           <a:xfrm>
-            <a:off x="0" y="1192571"/>
+            <a:off x="0" y="1078929"/>
             <a:ext cx="12192000" cy="1006475"/>
           </a:xfrm>
           <a:prstGeom prst="rect">
@@ -4142,16 +4143,16 @@
               <a:t>Hymns </a:t>
             </a:r>
             <a:r>
-              <a:rPr lang="zh-TW" altLang="en-US" sz="5600" dirty="0">
+              <a:rPr lang="zh-TW" altLang="en-US" sz="5400" dirty="0">
                 <a:solidFill>
                   <a:schemeClr val="bg1"/>
                 </a:solidFill>
                 <a:latin typeface="Microsoft JhengHei" panose="020B0604030504040204" pitchFamily="34" charset="-120"/>
                 <a:ea typeface="Microsoft JhengHei" panose="020B0604030504040204" pitchFamily="34" charset="-120"/>
               </a:rPr>
-              <a:t>詩</a:t>
-            </a:r>
-            <a:endParaRPr lang="en-US" altLang="en-US" sz="5600" dirty="0">
+              <a:t>诗歌</a:t>
+            </a:r>
+            <a:endParaRPr lang="en-US" altLang="en-US" sz="6000" dirty="0">
               <a:solidFill>
                 <a:schemeClr val="bg1"/>
               </a:solidFill>
@@ -4330,7 +4331,7 @@
                 <a:latin typeface="Microsoft JhengHei" panose="020B0604030504040204" pitchFamily="34" charset="-120"/>
                 <a:ea typeface="Microsoft JhengHei" panose="020B0604030504040204" pitchFamily="34" charset="-120"/>
               </a:rPr>
-              <a:t>經文</a:t>
+              <a:t>经文</a:t>
             </a:r>
             <a:endParaRPr lang="en-US" altLang="en-US" sz="4400" dirty="0">
               <a:solidFill>
@@ -4773,14 +4774,20 @@
                 <a:t>Please Turn Off/Silence Your Devices </a:t>
               </a:r>
               <a:r>
-                <a:rPr lang="ja-JP" altLang="en-US" dirty="0">
+                <a:rPr lang="zh-CN" altLang="en-US" dirty="0">
                   <a:solidFill>
                     <a:schemeClr val="bg1"/>
                   </a:solidFill>
                   <a:latin typeface="Century Gothic" panose="020B0502020202020204" pitchFamily="34" charset="0"/>
                 </a:rPr>
-                <a:t>請靜音或關閉所有電子設備</a:t>
+                <a:t>请静音或关闭所有电子设备</a:t>
               </a:r>
+              <a:endParaRPr lang="ja-JP" altLang="en-US" dirty="0">
+                <a:solidFill>
+                  <a:schemeClr val="bg1"/>
+                </a:solidFill>
+                <a:latin typeface="Century Gothic" panose="020B0502020202020204" pitchFamily="34" charset="0"/>
+              </a:endParaRPr>
             </a:p>
           </p:txBody>
         </p:sp>
@@ -4941,7 +4948,8 @@
                 <a:solidFill>
                   <a:schemeClr val="bg1"/>
                 </a:solidFill>
-                <a:latin typeface="Century Gothic" panose="020B0502020202020204" pitchFamily="34" charset="0"/>
+                <a:latin typeface="Segoe UI" panose="020B0502040204020203" pitchFamily="34" charset="0"/>
+                <a:cs typeface="Segoe UI" panose="020B0502040204020203" pitchFamily="34" charset="0"/>
               </a:rPr>
               <a:t>IMAGE PLACEHOLDER</a:t>
             </a:r>
@@ -5047,15 +5055,20 @@
                 <a:t>Please Turn Off/Silence Your Devices </a:t>
               </a:r>
               <a:r>
-                <a:rPr lang="ja-JP" altLang="en-US" dirty="0">
+                <a:rPr lang="zh-CN" altLang="en-US" dirty="0">
                   <a:solidFill>
                     <a:schemeClr val="bg1"/>
                   </a:solidFill>
-                  <a:latin typeface="Microsoft JhengHei" panose="020B0604030504040204" pitchFamily="34" charset="-120"/>
-                  <a:ea typeface="Microsoft JhengHei" panose="020B0604030504040204" pitchFamily="34" charset="-120"/>
+                  <a:latin typeface="Century Gothic" panose="020B0502020202020204" pitchFamily="34" charset="0"/>
                 </a:rPr>
-                <a:t>請靜音或關閉所有電子設備</a:t>
+                <a:t>请静音或关闭所有电子设备</a:t>
               </a:r>
+              <a:endParaRPr lang="ja-JP" altLang="en-US" dirty="0">
+                <a:solidFill>
+                  <a:schemeClr val="bg1"/>
+                </a:solidFill>
+                <a:latin typeface="Century Gothic" panose="020B0502020202020204" pitchFamily="34" charset="0"/>
+              </a:endParaRPr>
             </a:p>
           </p:txBody>
         </p:sp>
@@ -5290,9 +5303,10 @@
                 <a:solidFill>
                   <a:schemeClr val="bg1"/>
                 </a:solidFill>
-                <a:latin typeface="Century Gothic" panose="020B0502020202020204" pitchFamily="34" charset="0"/>
+                <a:latin typeface="Segoe UI" panose="020B0502040204020203" pitchFamily="34" charset="0"/>
+                <a:cs typeface="Segoe UI" panose="020B0502040204020203" pitchFamily="34" charset="0"/>
               </a:rPr>
-              <a:t>Prayer Requests</a:t>
+              <a:t>Prayer Requests </a:t>
             </a:r>
             <a:r>
               <a:rPr lang="en-GB" altLang="en-US" sz="3200" b="1" u="sng" dirty="0">
@@ -5438,15 +5452,20 @@
               <a:t>Please Turn Off/Silence Your Devices </a:t>
             </a:r>
             <a:r>
-              <a:rPr lang="ja-JP" altLang="en-US" dirty="0">
+              <a:rPr lang="zh-CN" altLang="en-US" dirty="0">
                 <a:solidFill>
                   <a:schemeClr val="bg1"/>
                 </a:solidFill>
-                <a:latin typeface="Microsoft JhengHei" panose="020B0604030504040204" pitchFamily="34" charset="-120"/>
-                <a:ea typeface="Microsoft JhengHei" panose="020B0604030504040204" pitchFamily="34" charset="-120"/>
+                <a:latin typeface="Century Gothic" panose="020B0502020202020204" pitchFamily="34" charset="0"/>
               </a:rPr>
-              <a:t>請靜音或關閉所有電子設備</a:t>
-            </a:r>
+              <a:t>请静音或关闭所有电子设备</a:t>
+            </a:r>
+            <a:endParaRPr lang="ja-JP" altLang="en-US" dirty="0">
+              <a:solidFill>
+                <a:schemeClr val="bg1"/>
+              </a:solidFill>
+              <a:latin typeface="Century Gothic" panose="020B0502020202020204" pitchFamily="34" charset="0"/>
+            </a:endParaRPr>
           </a:p>
         </p:txBody>
       </p:sp>
@@ -5675,9 +5694,19 @@
                 <a:solidFill>
                   <a:schemeClr val="bg1"/>
                 </a:solidFill>
+                <a:latin typeface="Segoe UI" panose="020B0502040204020203" pitchFamily="34" charset="0"/>
+                <a:cs typeface="Segoe UI" panose="020B0502040204020203" pitchFamily="34" charset="0"/>
+              </a:rPr>
+              <a:t>Announcements</a:t>
+            </a:r>
+            <a:r>
+              <a:rPr lang="en-GB" altLang="en-US" sz="3200" b="1" u="sng" dirty="0">
+                <a:solidFill>
+                  <a:schemeClr val="bg1"/>
+                </a:solidFill>
                 <a:latin typeface="Century Gothic" panose="020B0502020202020204" pitchFamily="34" charset="0"/>
               </a:rPr>
-              <a:t>Announcements </a:t>
+              <a:t> </a:t>
             </a:r>
             <a:r>
               <a:rPr lang="en-GB" altLang="en-US" sz="3200" b="1" u="sng" dirty="0">
@@ -5847,15 +5876,20 @@
                 <a:t>Please Turn Off/Silence Your Devices </a:t>
               </a:r>
               <a:r>
-                <a:rPr lang="ja-JP" altLang="en-US" dirty="0">
+                <a:rPr lang="zh-CN" altLang="en-US" dirty="0">
                   <a:solidFill>
                     <a:schemeClr val="bg1"/>
                   </a:solidFill>
-                  <a:latin typeface="Microsoft JhengHei" panose="020B0604030504040204" pitchFamily="34" charset="-120"/>
-                  <a:ea typeface="Microsoft JhengHei" panose="020B0604030504040204" pitchFamily="34" charset="-120"/>
+                  <a:latin typeface="Century Gothic" panose="020B0502020202020204" pitchFamily="34" charset="0"/>
                 </a:rPr>
-                <a:t>請靜音或關閉所有電子設備</a:t>
+                <a:t>请静音或关闭所有电子设备</a:t>
               </a:r>
+              <a:endParaRPr lang="ja-JP" altLang="en-US" dirty="0">
+                <a:solidFill>
+                  <a:schemeClr val="bg1"/>
+                </a:solidFill>
+                <a:latin typeface="Century Gothic" panose="020B0502020202020204" pitchFamily="34" charset="0"/>
+              </a:endParaRPr>
             </a:p>
           </p:txBody>
         </p:sp>
@@ -6107,7 +6141,8 @@
                 <a:solidFill>
                   <a:schemeClr val="bg1"/>
                 </a:solidFill>
-                <a:latin typeface="Century Gothic" panose="020B0502020202020204" pitchFamily="34" charset="0"/>
+                <a:latin typeface="Segoe UI" panose="020B0502040204020203" pitchFamily="34" charset="0"/>
+                <a:cs typeface="Segoe UI" panose="020B0502040204020203" pitchFamily="34" charset="0"/>
               </a:rPr>
               <a:t>Holy Communion </a:t>
             </a:r>
@@ -6360,14 +6395,20 @@
                 <a:t>Please Turn Off/Silence Your Devices </a:t>
               </a:r>
               <a:r>
-                <a:rPr lang="ja-JP" altLang="en-US" dirty="0">
+                <a:rPr lang="zh-CN" altLang="en-US" dirty="0">
                   <a:solidFill>
                     <a:schemeClr val="bg1"/>
                   </a:solidFill>
                   <a:latin typeface="Century Gothic" panose="020B0502020202020204" pitchFamily="34" charset="0"/>
                 </a:rPr>
-                <a:t>請靜音或關閉所有電子設備</a:t>
+                <a:t>请静音或关闭所有电子设备</a:t>
               </a:r>
+              <a:endParaRPr lang="ja-JP" altLang="en-US" dirty="0">
+                <a:solidFill>
+                  <a:schemeClr val="bg1"/>
+                </a:solidFill>
+                <a:latin typeface="Century Gothic" panose="020B0502020202020204" pitchFamily="34" charset="0"/>
+              </a:endParaRPr>
             </a:p>
           </p:txBody>
         </p:sp>
@@ -6531,7 +6572,8 @@
                 <a:solidFill>
                   <a:schemeClr val="bg1"/>
                 </a:solidFill>
-                <a:latin typeface="Century Gothic" panose="020B0502020202020204" pitchFamily="34" charset="0"/>
+                <a:latin typeface="Segoe UI" panose="020B0502040204020203" pitchFamily="34" charset="0"/>
+                <a:cs typeface="Segoe UI" panose="020B0502040204020203" pitchFamily="34" charset="0"/>
               </a:rPr>
               <a:t>Welcome To True Jesus Church , Please Join Us In Prayer </a:t>
             </a:r>
@@ -7106,15 +7148,20 @@
                 <a:t>Please Turn Off/Silence Your Devices </a:t>
               </a:r>
               <a:r>
-                <a:rPr lang="ja-JP" altLang="en-US" dirty="0">
+                <a:rPr lang="zh-CN" altLang="en-US" dirty="0">
                   <a:solidFill>
                     <a:schemeClr val="bg1"/>
                   </a:solidFill>
-                  <a:latin typeface="Microsoft JhengHei" panose="020B0604030504040204" pitchFamily="34" charset="-120"/>
-                  <a:ea typeface="Microsoft JhengHei" panose="020B0604030504040204" pitchFamily="34" charset="-120"/>
+                  <a:latin typeface="Century Gothic" panose="020B0502020202020204" pitchFamily="34" charset="0"/>
                 </a:rPr>
-                <a:t>請靜音或關閉所有電子設備</a:t>
+                <a:t>请静音或关闭所有电子设备</a:t>
               </a:r>
+              <a:endParaRPr lang="ja-JP" altLang="en-US" dirty="0">
+                <a:solidFill>
+                  <a:schemeClr val="bg1"/>
+                </a:solidFill>
+                <a:latin typeface="Century Gothic" panose="020B0502020202020204" pitchFamily="34" charset="0"/>
+              </a:endParaRPr>
             </a:p>
           </p:txBody>
         </p:sp>
@@ -7252,7 +7299,8 @@
                 <a:solidFill>
                   <a:schemeClr val="bg1"/>
                 </a:solidFill>
-                <a:latin typeface="Century Gothic" panose="020B0502020202020204" pitchFamily="34" charset="0"/>
+                <a:latin typeface="Segoe UI" panose="020B0502040204020203" pitchFamily="34" charset="0"/>
+                <a:cs typeface="Segoe UI" panose="020B0502040204020203" pitchFamily="34" charset="0"/>
               </a:rPr>
               <a:t>Please Turn Off/Silence Your Devices</a:t>
             </a:r>
@@ -7260,14 +7308,14 @@
           <a:p>
             <a:pPr algn="ctr"/>
             <a:r>
-              <a:rPr lang="ja-JP" altLang="en-US" sz="4400" b="1" dirty="0">
+              <a:rPr lang="zh-CN" altLang="en-US" sz="4400" b="1" dirty="0">
                 <a:solidFill>
                   <a:schemeClr val="bg1"/>
                 </a:solidFill>
                 <a:latin typeface="Microsoft JhengHei" panose="020B0604030504040204" pitchFamily="34" charset="-120"/>
                 <a:ea typeface="Microsoft JhengHei" panose="020B0604030504040204" pitchFamily="34" charset="-120"/>
               </a:rPr>
-              <a:t>請靜音或關閉所有電子設備</a:t>
+              <a:t>请静音或关闭所有电子设备</a:t>
             </a:r>
             <a:endParaRPr lang="en-GB" sz="4400" b="1" dirty="0">
               <a:solidFill>
@@ -7588,7 +7636,8 @@
                 <a:solidFill>
                   <a:schemeClr val="bg1"/>
                 </a:solidFill>
-                <a:latin typeface="Century Gothic" panose="020B0502020202020204" pitchFamily="34" charset="0"/>
+                <a:latin typeface="Segoe UI" panose="020B0502040204020203" pitchFamily="34" charset="0"/>
+                <a:cs typeface="Segoe UI" panose="020B0502040204020203" pitchFamily="34" charset="0"/>
               </a:rPr>
               <a:t>IMAGE PLACEHOLDER</a:t>
             </a:r>

--- a/TJCPowerPoint/bin/Debug/Files/ServiceWidescreen.pptx
+++ b/TJCPowerPoint/bin/Debug/Files/ServiceWidescreen.pptx
@@ -4150,7 +4150,7 @@
                 <a:latin typeface="Microsoft JhengHei" panose="020B0604030504040204" pitchFamily="34" charset="-120"/>
                 <a:ea typeface="Microsoft JhengHei" panose="020B0604030504040204" pitchFamily="34" charset="-120"/>
               </a:rPr>
-              <a:t>诗歌</a:t>
+              <a:t>诗</a:t>
             </a:r>
             <a:endParaRPr lang="en-US" altLang="en-US" sz="6000" dirty="0">
               <a:solidFill>

--- a/TJCPowerPoint/bin/Debug/Files/ServiceWidescreen.pptx
+++ b/TJCPowerPoint/bin/Debug/Files/ServiceWidescreen.pptx
@@ -4150,7 +4150,7 @@
                 <a:latin typeface="Microsoft JhengHei" panose="020B0604030504040204" pitchFamily="34" charset="-120"/>
                 <a:ea typeface="Microsoft JhengHei" panose="020B0604030504040204" pitchFamily="34" charset="-120"/>
               </a:rPr>
-              <a:t>诗</a:t>
+              <a:t>詩</a:t>
             </a:r>
             <a:endParaRPr lang="en-US" altLang="en-US" sz="6000" dirty="0">
               <a:solidFill>
@@ -4331,7 +4331,7 @@
                 <a:latin typeface="Microsoft JhengHei" panose="020B0604030504040204" pitchFamily="34" charset="-120"/>
                 <a:ea typeface="Microsoft JhengHei" panose="020B0604030504040204" pitchFamily="34" charset="-120"/>
               </a:rPr>
-              <a:t>经文</a:t>
+              <a:t>經文</a:t>
             </a:r>
             <a:endParaRPr lang="en-US" altLang="en-US" sz="4400" dirty="0">
               <a:solidFill>
@@ -4774,13 +4774,13 @@
                 <a:t>Please Turn Off/Silence Your Devices </a:t>
               </a:r>
               <a:r>
-                <a:rPr lang="zh-CN" altLang="en-US" dirty="0">
+                <a:rPr lang="zh-TW" altLang="en-US" dirty="0">
                   <a:solidFill>
                     <a:schemeClr val="bg1"/>
                   </a:solidFill>
                   <a:latin typeface="Century Gothic" panose="020B0502020202020204" pitchFamily="34" charset="0"/>
                 </a:rPr>
-                <a:t>请静音或关闭所有电子设备</a:t>
+                <a:t>請靜音或關閉所有電子設備</a:t>
               </a:r>
               <a:endParaRPr lang="ja-JP" altLang="en-US" dirty="0">
                 <a:solidFill>
@@ -5055,13 +5055,13 @@
                 <a:t>Please Turn Off/Silence Your Devices </a:t>
               </a:r>
               <a:r>
-                <a:rPr lang="zh-CN" altLang="en-US" dirty="0">
+                <a:rPr lang="zh-TW" altLang="en-US" dirty="0">
                   <a:solidFill>
                     <a:schemeClr val="bg1"/>
                   </a:solidFill>
                   <a:latin typeface="Century Gothic" panose="020B0502020202020204" pitchFamily="34" charset="0"/>
                 </a:rPr>
-                <a:t>请静音或关闭所有电子设备</a:t>
+                <a:t>請靜音或關閉所有電子設備</a:t>
               </a:r>
               <a:endParaRPr lang="ja-JP" altLang="en-US" dirty="0">
                 <a:solidFill>
@@ -5452,13 +5452,13 @@
               <a:t>Please Turn Off/Silence Your Devices </a:t>
             </a:r>
             <a:r>
-              <a:rPr lang="zh-CN" altLang="en-US" dirty="0">
+              <a:rPr lang="zh-TW" altLang="en-US" dirty="0">
                 <a:solidFill>
                   <a:schemeClr val="bg1"/>
                 </a:solidFill>
                 <a:latin typeface="Century Gothic" panose="020B0502020202020204" pitchFamily="34" charset="0"/>
               </a:rPr>
-              <a:t>请静音或关闭所有电子设备</a:t>
+              <a:t>請靜音或關閉所有電子設備</a:t>
             </a:r>
             <a:endParaRPr lang="ja-JP" altLang="en-US" dirty="0">
               <a:solidFill>
@@ -5876,13 +5876,13 @@
                 <a:t>Please Turn Off/Silence Your Devices </a:t>
               </a:r>
               <a:r>
-                <a:rPr lang="zh-CN" altLang="en-US" dirty="0">
+                <a:rPr lang="zh-TW" altLang="en-US" dirty="0">
                   <a:solidFill>
                     <a:schemeClr val="bg1"/>
                   </a:solidFill>
                   <a:latin typeface="Century Gothic" panose="020B0502020202020204" pitchFamily="34" charset="0"/>
                 </a:rPr>
-                <a:t>请静音或关闭所有电子设备</a:t>
+                <a:t>請靜音或關閉所有電子設備</a:t>
               </a:r>
               <a:endParaRPr lang="ja-JP" altLang="en-US" dirty="0">
                 <a:solidFill>
@@ -6395,13 +6395,13 @@
                 <a:t>Please Turn Off/Silence Your Devices </a:t>
               </a:r>
               <a:r>
-                <a:rPr lang="zh-CN" altLang="en-US" dirty="0">
+                <a:rPr lang="zh-TW" altLang="en-US" dirty="0">
                   <a:solidFill>
                     <a:schemeClr val="bg1"/>
                   </a:solidFill>
                   <a:latin typeface="Century Gothic" panose="020B0502020202020204" pitchFamily="34" charset="0"/>
                 </a:rPr>
-                <a:t>请静音或关闭所有电子设备</a:t>
+                <a:t>請靜音或關閉所有電子設備</a:t>
               </a:r>
               <a:endParaRPr lang="ja-JP" altLang="en-US" dirty="0">
                 <a:solidFill>
@@ -7304,18 +7304,25 @@
               </a:rPr>
               <a:t>Please Turn Off/Silence Your Devices</a:t>
             </a:r>
+            <a:endParaRPr lang="zh-TW" altLang="en-US" sz="4400" b="1" dirty="0">
+              <a:solidFill>
+                <a:schemeClr val="bg1"/>
+              </a:solidFill>
+              <a:latin typeface="Microsoft JhengHei" panose="020B0604030504040204" pitchFamily="34" charset="-120"/>
+              <a:ea typeface="Microsoft JhengHei" panose="020B0604030504040204" pitchFamily="34" charset="-120"/>
+            </a:endParaRPr>
           </a:p>
           <a:p>
             <a:pPr algn="ctr"/>
             <a:r>
-              <a:rPr lang="zh-CN" altLang="en-US" sz="4400" b="1" dirty="0">
+              <a:rPr lang="zh-TW" altLang="en-US" sz="4400" b="1" dirty="0">
                 <a:solidFill>
                   <a:schemeClr val="bg1"/>
                 </a:solidFill>
                 <a:latin typeface="Microsoft JhengHei" panose="020B0604030504040204" pitchFamily="34" charset="-120"/>
                 <a:ea typeface="Microsoft JhengHei" panose="020B0604030504040204" pitchFamily="34" charset="-120"/>
               </a:rPr>
-              <a:t>请静音或关闭所有电子设备</a:t>
+              <a:t>請靜音或關閉所有電子設備</a:t>
             </a:r>
             <a:endParaRPr lang="en-GB" sz="4400" b="1" dirty="0">
               <a:solidFill>
@@ -7743,15 +7750,20 @@
                 <a:t>Please Turn Off/Silence Your Devices </a:t>
               </a:r>
               <a:r>
-                <a:rPr lang="ja-JP" altLang="en-US" dirty="0">
+                <a:rPr lang="zh-TW" altLang="en-US" dirty="0">
                   <a:solidFill>
                     <a:schemeClr val="bg1"/>
                   </a:solidFill>
-                  <a:latin typeface="Microsoft JhengHei" panose="020B0604030504040204" pitchFamily="34" charset="-120"/>
-                  <a:ea typeface="Microsoft JhengHei" panose="020B0604030504040204" pitchFamily="34" charset="-120"/>
+                  <a:latin typeface="Century Gothic" panose="020B0502020202020204" pitchFamily="34" charset="0"/>
                 </a:rPr>
                 <a:t>請靜音或關閉所有電子設備</a:t>
               </a:r>
+              <a:endParaRPr lang="ja-JP" altLang="en-US" dirty="0">
+                <a:solidFill>
+                  <a:schemeClr val="bg1"/>
+                </a:solidFill>
+                <a:latin typeface="Century Gothic" panose="020B0502020202020204" pitchFamily="34" charset="0"/>
+              </a:endParaRPr>
             </a:p>
           </p:txBody>
         </p:sp>

--- a/TJCPowerPoint/bin/Debug/Files/ServiceWidescreen.pptx
+++ b/TJCPowerPoint/bin/Debug/Files/ServiceWidescreen.pptx
@@ -4107,8 +4107,8 @@
         </p:nvSpPr>
         <p:spPr bwMode="auto">
           <a:xfrm>
-            <a:off x="1524000" y="2406367"/>
-            <a:ext cx="9144000" cy="2246769"/>
+            <a:off x="1524000" y="2393344"/>
+            <a:ext cx="9144000" cy="830997"/>
           </a:xfrm>
           <a:prstGeom prst="rect">
             <a:avLst/>
@@ -4134,7 +4134,7 @@
               </a:spcBef>
             </a:pPr>
             <a:r>
-              <a:rPr lang="en-GB" altLang="en-US" sz="5600" dirty="0">
+              <a:rPr lang="en-GB" altLang="en-US" sz="4800" dirty="0">
                 <a:solidFill>
                   <a:schemeClr val="bg1"/>
                 </a:solidFill>
@@ -4143,7 +4143,7 @@
               <a:t>Hymns </a:t>
             </a:r>
             <a:r>
-              <a:rPr lang="zh-TW" altLang="en-US" sz="5400" dirty="0">
+              <a:rPr lang="zh-TW" altLang="en-US" sz="4400" dirty="0">
                 <a:solidFill>
                   <a:schemeClr val="bg1"/>
                 </a:solidFill>
@@ -4152,21 +4152,7 @@
               </a:rPr>
               <a:t>詩</a:t>
             </a:r>
-            <a:endParaRPr lang="en-US" altLang="en-US" sz="6000" dirty="0">
-              <a:solidFill>
-                <a:schemeClr val="bg1"/>
-              </a:solidFill>
-              <a:latin typeface="Microsoft JhengHei" panose="020B0604030504040204" pitchFamily="34" charset="-120"/>
-              <a:ea typeface="Microsoft JhengHei" panose="020B0604030504040204" pitchFamily="34" charset="-120"/>
-            </a:endParaRPr>
-          </a:p>
-          <a:p>
-            <a:pPr>
-              <a:spcBef>
-                <a:spcPct val="50000"/>
-              </a:spcBef>
-            </a:pPr>
-            <a:endParaRPr lang="en-US" altLang="en-US" sz="5600" b="1" dirty="0">
+            <a:endParaRPr lang="en-US" altLang="en-US" sz="4800" b="1" dirty="0">
               <a:solidFill>
                 <a:srgbClr val="FFFFFF"/>
               </a:solidFill>
@@ -4261,7 +4247,7 @@
         </p:nvSpPr>
         <p:spPr bwMode="auto">
           <a:xfrm>
-            <a:off x="300061" y="2561349"/>
+            <a:off x="335359" y="2454900"/>
             <a:ext cx="5004520" cy="769441"/>
           </a:xfrm>
           <a:prstGeom prst="rect">
@@ -4725,10 +4711,10 @@
         </p:nvGrpSpPr>
         <p:grpSpPr>
           <a:xfrm>
-            <a:off x="4727848" y="6269250"/>
-            <a:ext cx="7246931" cy="369332"/>
-            <a:chOff x="4727848" y="6269250"/>
-            <a:chExt cx="7246931" cy="369332"/>
+            <a:off x="5015880" y="6269250"/>
+            <a:ext cx="6958899" cy="369332"/>
+            <a:chOff x="5015880" y="6269250"/>
+            <a:chExt cx="6958899" cy="369332"/>
           </a:xfrm>
         </p:grpSpPr>
         <p:sp>
@@ -4745,8 +4731,8 @@
           </p:nvSpPr>
           <p:spPr>
             <a:xfrm>
-              <a:off x="4727848" y="6269250"/>
-              <a:ext cx="7246931" cy="369332"/>
+              <a:off x="5015880" y="6269250"/>
+              <a:ext cx="6958899" cy="369332"/>
             </a:xfrm>
             <a:prstGeom prst="rect">
               <a:avLst/>
@@ -4769,7 +4755,8 @@
                   <a:solidFill>
                     <a:schemeClr val="bg1"/>
                   </a:solidFill>
-                  <a:latin typeface="Century Gothic" panose="020B0502020202020204" pitchFamily="34" charset="0"/>
+                  <a:latin typeface="Segoe UI Semibold" panose="020B0702040204020203" pitchFamily="34" charset="0"/>
+                  <a:cs typeface="Segoe UI Semibold" panose="020B0702040204020203" pitchFamily="34" charset="0"/>
                 </a:rPr>
                 <a:t>Please Turn Off/Silence Your Devices </a:t>
               </a:r>
@@ -4778,7 +4765,8 @@
                   <a:solidFill>
                     <a:schemeClr val="bg1"/>
                   </a:solidFill>
-                  <a:latin typeface="Century Gothic" panose="020B0502020202020204" pitchFamily="34" charset="0"/>
+                  <a:latin typeface="Microsoft JhengHei" panose="020B0604030504040204" pitchFamily="34" charset="-120"/>
+                  <a:ea typeface="Microsoft JhengHei" panose="020B0604030504040204" pitchFamily="34" charset="-120"/>
                 </a:rPr>
                 <a:t>請靜音或關閉所有電子設備</a:t>
               </a:r>
@@ -4786,7 +4774,8 @@
                 <a:solidFill>
                   <a:schemeClr val="bg1"/>
                 </a:solidFill>
-                <a:latin typeface="Century Gothic" panose="020B0502020202020204" pitchFamily="34" charset="0"/>
+                <a:latin typeface="Microsoft JhengHei" panose="020B0604030504040204" pitchFamily="34" charset="-120"/>
+                <a:ea typeface="Microsoft JhengHei" panose="020B0604030504040204" pitchFamily="34" charset="-120"/>
               </a:endParaRPr>
             </a:p>
           </p:txBody>
@@ -4928,8 +4917,8 @@
         </p:nvSpPr>
         <p:spPr>
           <a:xfrm>
-            <a:off x="3575720" y="3105834"/>
-            <a:ext cx="5040560" cy="646331"/>
+            <a:off x="2999656" y="3105834"/>
+            <a:ext cx="6192688" cy="646331"/>
           </a:xfrm>
           <a:prstGeom prst="rect">
             <a:avLst/>
@@ -4951,7 +4940,7 @@
                 <a:latin typeface="Segoe UI" panose="020B0502040204020203" pitchFamily="34" charset="0"/>
                 <a:cs typeface="Segoe UI" panose="020B0502040204020203" pitchFamily="34" charset="0"/>
               </a:rPr>
-              <a:t>IMAGE PLACEHOLDER</a:t>
+              <a:t>PRAYER REQUEST IMAGE</a:t>
             </a:r>
           </a:p>
         </p:txBody>
@@ -4994,10 +4983,10 @@
       </p:pic>
       <p:grpSp>
         <p:nvGrpSpPr>
-          <p:cNvPr id="10" name="Group 9">
+          <p:cNvPr id="3" name="Group 2">
             <a:extLst>
               <a:ext uri="{FF2B5EF4-FFF2-40B4-BE49-F238E27FC236}">
-                <a16:creationId xmlns:a16="http://schemas.microsoft.com/office/drawing/2014/main" id="{B50CA5B8-8805-53D1-00DD-452CD66728A9}"/>
+                <a16:creationId xmlns:a16="http://schemas.microsoft.com/office/drawing/2014/main" id="{3B61ED75-E6A1-A7FA-FD39-1B8FFD10881B}"/>
               </a:ext>
             </a:extLst>
           </p:cNvPr>
@@ -5006,18 +4995,18 @@
         </p:nvGrpSpPr>
         <p:grpSpPr>
           <a:xfrm>
-            <a:off x="4727848" y="6269250"/>
-            <a:ext cx="7246931" cy="369332"/>
-            <a:chOff x="4727848" y="6269250"/>
-            <a:chExt cx="7246931" cy="369332"/>
+            <a:off x="5015880" y="6269250"/>
+            <a:ext cx="6958899" cy="369332"/>
+            <a:chOff x="5015880" y="6269250"/>
+            <a:chExt cx="6958899" cy="369332"/>
           </a:xfrm>
         </p:grpSpPr>
         <p:sp>
           <p:nvSpPr>
-            <p:cNvPr id="11" name="TextBox 10">
+            <p:cNvPr id="4" name="TextBox 3">
               <a:extLst>
                 <a:ext uri="{FF2B5EF4-FFF2-40B4-BE49-F238E27FC236}">
-                  <a16:creationId xmlns:a16="http://schemas.microsoft.com/office/drawing/2014/main" id="{3F544960-5BA9-F9E8-426E-B0815B0CA4FF}"/>
+                  <a16:creationId xmlns:a16="http://schemas.microsoft.com/office/drawing/2014/main" id="{2B889C2D-1BE1-25D7-D89D-329394630B7A}"/>
                 </a:ext>
               </a:extLst>
             </p:cNvPr>
@@ -5026,8 +5015,8 @@
           </p:nvSpPr>
           <p:spPr>
             <a:xfrm>
-              <a:off x="4727848" y="6269250"/>
-              <a:ext cx="7246931" cy="369332"/>
+              <a:off x="5015880" y="6269250"/>
+              <a:ext cx="6958899" cy="369332"/>
             </a:xfrm>
             <a:prstGeom prst="rect">
               <a:avLst/>
@@ -5050,7 +5039,8 @@
                   <a:solidFill>
                     <a:schemeClr val="bg1"/>
                   </a:solidFill>
-                  <a:latin typeface="Century Gothic" panose="020B0502020202020204" pitchFamily="34" charset="0"/>
+                  <a:latin typeface="Segoe UI Semibold" panose="020B0702040204020203" pitchFamily="34" charset="0"/>
+                  <a:cs typeface="Segoe UI Semibold" panose="020B0702040204020203" pitchFamily="34" charset="0"/>
                 </a:rPr>
                 <a:t>Please Turn Off/Silence Your Devices </a:t>
               </a:r>
@@ -5059,7 +5049,8 @@
                   <a:solidFill>
                     <a:schemeClr val="bg1"/>
                   </a:solidFill>
-                  <a:latin typeface="Century Gothic" panose="020B0502020202020204" pitchFamily="34" charset="0"/>
+                  <a:latin typeface="Microsoft JhengHei" panose="020B0604030504040204" pitchFamily="34" charset="-120"/>
+                  <a:ea typeface="Microsoft JhengHei" panose="020B0604030504040204" pitchFamily="34" charset="-120"/>
                 </a:rPr>
                 <a:t>請靜音或關閉所有電子設備</a:t>
               </a:r>
@@ -5067,17 +5058,18 @@
                 <a:solidFill>
                   <a:schemeClr val="bg1"/>
                 </a:solidFill>
-                <a:latin typeface="Century Gothic" panose="020B0502020202020204" pitchFamily="34" charset="0"/>
+                <a:latin typeface="Microsoft JhengHei" panose="020B0604030504040204" pitchFamily="34" charset="-120"/>
+                <a:ea typeface="Microsoft JhengHei" panose="020B0604030504040204" pitchFamily="34" charset="-120"/>
               </a:endParaRPr>
             </a:p>
           </p:txBody>
         </p:sp>
         <p:pic>
           <p:nvPicPr>
-            <p:cNvPr id="12" name="Picture 11" descr="Shape&#10;&#10;Description automatically generated with low confidence">
+            <p:cNvPr id="5" name="Picture 4" descr="Shape&#10;&#10;Description automatically generated with low confidence">
               <a:extLst>
                 <a:ext uri="{FF2B5EF4-FFF2-40B4-BE49-F238E27FC236}">
-                  <a16:creationId xmlns:a16="http://schemas.microsoft.com/office/drawing/2014/main" id="{63ADF49D-012D-D5FE-25FE-3BB90345F7BA}"/>
+                  <a16:creationId xmlns:a16="http://schemas.microsoft.com/office/drawing/2014/main" id="{735C222B-99FF-A410-A7A0-5803C8F770EF}"/>
                 </a:ext>
               </a:extLst>
             </p:cNvPr>
@@ -5409,72 +5401,440 @@
           </a:prstGeom>
         </p:spPr>
       </p:pic>
-      <p:sp>
-        <p:nvSpPr>
-          <p:cNvPr id="13" name="TextBox 12">
+      <p:grpSp>
+        <p:nvGrpSpPr>
+          <p:cNvPr id="5" name="Group 4">
             <a:extLst>
               <a:ext uri="{FF2B5EF4-FFF2-40B4-BE49-F238E27FC236}">
-                <a16:creationId xmlns:a16="http://schemas.microsoft.com/office/drawing/2014/main" id="{160FD5B9-5D70-90FC-58DD-41A324FC01C9}"/>
+                <a16:creationId xmlns:a16="http://schemas.microsoft.com/office/drawing/2014/main" id="{4318CBAA-1023-5E94-22FC-22E1AAA68E3C}"/>
               </a:ext>
             </a:extLst>
           </p:cNvPr>
-          <p:cNvSpPr txBox="1"/>
+          <p:cNvGrpSpPr/>
           <p:nvPr/>
-        </p:nvSpPr>
-        <p:spPr>
+        </p:nvGrpSpPr>
+        <p:grpSpPr>
           <a:xfrm>
-            <a:off x="4727848" y="6269250"/>
-            <a:ext cx="7246931" cy="369332"/>
+            <a:off x="5015880" y="6269250"/>
+            <a:ext cx="6958899" cy="369332"/>
+            <a:chOff x="5015880" y="6269250"/>
+            <a:chExt cx="6958899" cy="369332"/>
+          </a:xfrm>
+        </p:grpSpPr>
+        <p:sp>
+          <p:nvSpPr>
+            <p:cNvPr id="11" name="TextBox 10">
+              <a:extLst>
+                <a:ext uri="{FF2B5EF4-FFF2-40B4-BE49-F238E27FC236}">
+                  <a16:creationId xmlns:a16="http://schemas.microsoft.com/office/drawing/2014/main" id="{B4260CEC-5476-21B3-5FCC-4587C1581A3E}"/>
+                </a:ext>
+              </a:extLst>
+            </p:cNvPr>
+            <p:cNvSpPr txBox="1"/>
+            <p:nvPr/>
+          </p:nvSpPr>
+          <p:spPr>
+            <a:xfrm>
+              <a:off x="5015880" y="6269250"/>
+              <a:ext cx="6958899" cy="369332"/>
+            </a:xfrm>
+            <a:prstGeom prst="rect">
+              <a:avLst/>
+            </a:prstGeom>
+            <a:noFill/>
+            <a:ln w="19050">
+              <a:solidFill>
+                <a:srgbClr val="FF0000"/>
+              </a:solidFill>
+            </a:ln>
+          </p:spPr>
+          <p:txBody>
+            <a:bodyPr wrap="square" rtlCol="0" anchor="ctr">
+              <a:spAutoFit/>
+            </a:bodyPr>
+            <a:lstStyle/>
+            <a:p>
+              <a:r>
+                <a:rPr lang="en-GB" dirty="0">
+                  <a:solidFill>
+                    <a:schemeClr val="bg1"/>
+                  </a:solidFill>
+                  <a:latin typeface="Segoe UI Semibold" panose="020B0702040204020203" pitchFamily="34" charset="0"/>
+                  <a:cs typeface="Segoe UI Semibold" panose="020B0702040204020203" pitchFamily="34" charset="0"/>
+                </a:rPr>
+                <a:t>Please Turn Off/Silence Your Devices </a:t>
+              </a:r>
+              <a:r>
+                <a:rPr lang="zh-TW" altLang="en-US" dirty="0">
+                  <a:solidFill>
+                    <a:schemeClr val="bg1"/>
+                  </a:solidFill>
+                  <a:latin typeface="Microsoft JhengHei" panose="020B0604030504040204" pitchFamily="34" charset="-120"/>
+                  <a:ea typeface="Microsoft JhengHei" panose="020B0604030504040204" pitchFamily="34" charset="-120"/>
+                </a:rPr>
+                <a:t>請靜音或關閉所有電子設備</a:t>
+              </a:r>
+              <a:endParaRPr lang="ja-JP" altLang="en-US" dirty="0">
+                <a:solidFill>
+                  <a:schemeClr val="bg1"/>
+                </a:solidFill>
+                <a:latin typeface="Microsoft JhengHei" panose="020B0604030504040204" pitchFamily="34" charset="-120"/>
+                <a:ea typeface="Microsoft JhengHei" panose="020B0604030504040204" pitchFamily="34" charset="-120"/>
+              </a:endParaRPr>
+            </a:p>
+          </p:txBody>
+        </p:sp>
+        <p:pic>
+          <p:nvPicPr>
+            <p:cNvPr id="12" name="Picture 11" descr="Shape&#10;&#10;Description automatically generated with low confidence">
+              <a:extLst>
+                <a:ext uri="{FF2B5EF4-FFF2-40B4-BE49-F238E27FC236}">
+                  <a16:creationId xmlns:a16="http://schemas.microsoft.com/office/drawing/2014/main" id="{F0558265-5741-04E4-E88D-DF9AA0E66F6F}"/>
+                </a:ext>
+              </a:extLst>
+            </p:cNvPr>
+            <p:cNvPicPr>
+              <a:picLocks noChangeAspect="1"/>
+            </p:cNvPicPr>
+            <p:nvPr/>
+          </p:nvPicPr>
+          <p:blipFill>
+            <a:blip r:embed="rId3" cstate="print">
+              <a:extLst>
+                <a:ext uri="{BEBA8EAE-BF5A-486C-A8C5-ECC9F3942E4B}">
+                  <a14:imgProps xmlns:a14="http://schemas.microsoft.com/office/drawing/2010/main">
+                    <a14:imgLayer r:embed="rId4">
+                      <a14:imgEffect>
+                        <a14:colorTemperature colorTemp="11500"/>
+                      </a14:imgEffect>
+                      <a14:imgEffect>
+                        <a14:saturation sat="400000"/>
+                      </a14:imgEffect>
+                      <a14:imgEffect>
+                        <a14:brightnessContrast bright="100000" contrast="100000"/>
+                      </a14:imgEffect>
+                    </a14:imgLayer>
+                  </a14:imgProps>
+                </a:ext>
+                <a:ext uri="{28A0092B-C50C-407E-A947-70E740481C1C}">
+                  <a14:useLocalDpi xmlns:a14="http://schemas.microsoft.com/office/drawing/2010/main" val="0"/>
+                </a:ext>
+              </a:extLst>
+            </a:blip>
+            <a:stretch>
+              <a:fillRect/>
+            </a:stretch>
+          </p:blipFill>
+          <p:spPr>
+            <a:xfrm>
+              <a:off x="11658489" y="6309320"/>
+              <a:ext cx="280267" cy="280267"/>
+            </a:xfrm>
+            <a:prstGeom prst="rect">
+              <a:avLst/>
+            </a:prstGeom>
+          </p:spPr>
+        </p:pic>
+      </p:grpSp>
+    </p:spTree>
+  </p:cSld>
+  <p:clrMapOvr>
+    <a:masterClrMapping/>
+  </p:clrMapOvr>
+</p:sld>
+</file>
+
+<file path=ppt/slides/slide4.xml><?xml version="1.0" encoding="utf-8"?>
+<p:sld xmlns:a="http://schemas.openxmlformats.org/drawingml/2006/main" xmlns:r="http://schemas.openxmlformats.org/officeDocument/2006/relationships" xmlns:p="http://schemas.openxmlformats.org/presentationml/2006/main">
+  <p:cSld>
+    <p:bg>
+      <p:bgPr>
+        <a:solidFill>
+          <a:schemeClr val="tx1"/>
+        </a:solidFill>
+        <a:effectLst/>
+      </p:bgPr>
+    </p:bg>
+    <p:spTree>
+      <p:nvGrpSpPr>
+        <p:cNvPr id="1" name=""/>
+        <p:cNvGrpSpPr/>
+        <p:nvPr/>
+      </p:nvGrpSpPr>
+      <p:grpSpPr>
+        <a:xfrm>
+          <a:off x="0" y="0"/>
+          <a:ext cx="0" cy="0"/>
+          <a:chOff x="0" y="0"/>
+          <a:chExt cx="0" cy="0"/>
+        </a:xfrm>
+      </p:grpSpPr>
+      <p:sp>
+        <p:nvSpPr>
+          <p:cNvPr id="12" name="Text Box 12">
+            <a:extLst>
+              <a:ext uri="{FF2B5EF4-FFF2-40B4-BE49-F238E27FC236}">
+                <a16:creationId xmlns:a16="http://schemas.microsoft.com/office/drawing/2014/main" id="{591C97DC-F419-4C94-A84E-E8038EFB7F71}"/>
+              </a:ext>
+            </a:extLst>
+          </p:cNvPr>
+          <p:cNvSpPr txBox="1">
+            <a:spLocks noChangeArrowheads="1"/>
+          </p:cNvSpPr>
+          <p:nvPr/>
+        </p:nvSpPr>
+        <p:spPr bwMode="auto">
+          <a:xfrm>
+            <a:off x="0" y="908720"/>
+            <a:ext cx="12192000" cy="5360530"/>
           </a:xfrm>
           <a:prstGeom prst="rect">
             <a:avLst/>
           </a:prstGeom>
           <a:noFill/>
-          <a:ln w="19050">
-            <a:solidFill>
-              <a:srgbClr val="FF0000"/>
-            </a:solidFill>
+          <a:ln>
+            <a:noFill/>
           </a:ln>
+          <a:effectLst/>
+          <a:extLst>
+            <a:ext uri="{909E8E84-426E-40DD-AFC4-6F175D3DCCD1}">
+              <a14:hiddenFill xmlns:a14="http://schemas.microsoft.com/office/drawing/2010/main">
+                <a:solidFill>
+                  <a:schemeClr val="accent1"/>
+                </a:solidFill>
+              </a14:hiddenFill>
+            </a:ext>
+            <a:ext uri="{91240B29-F687-4F45-9708-019B960494DF}">
+              <a14:hiddenLine xmlns:a14="http://schemas.microsoft.com/office/drawing/2010/main" w="9525">
+                <a:solidFill>
+                  <a:schemeClr val="tx1"/>
+                </a:solidFill>
+                <a:miter lim="800000"/>
+                <a:headEnd/>
+                <a:tailEnd/>
+              </a14:hiddenLine>
+            </a:ext>
+            <a:ext uri="{AF507438-7753-43E0-B8FC-AC1667EBCBE1}">
+              <a14:hiddenEffects xmlns:a14="http://schemas.microsoft.com/office/drawing/2010/main">
+                <a:effectLst>
+                  <a:outerShdw dist="35921" dir="2700000" algn="ctr" rotWithShape="0">
+                    <a:schemeClr val="bg2"/>
+                  </a:outerShdw>
+                </a:effectLst>
+              </a14:hiddenEffects>
+            </a:ext>
+          </a:extLst>
         </p:spPr>
         <p:txBody>
-          <a:bodyPr wrap="square" rtlCol="0" anchor="ctr">
-            <a:spAutoFit/>
+          <a:bodyPr wrap="square">
+            <a:noAutofit/>
           </a:bodyPr>
           <a:lstStyle/>
           <a:p>
-            <a:r>
-              <a:rPr lang="en-GB" dirty="0">
-                <a:solidFill>
-                  <a:schemeClr val="bg1"/>
-                </a:solidFill>
-                <a:latin typeface="Century Gothic" panose="020B0502020202020204" pitchFamily="34" charset="0"/>
-              </a:rPr>
-              <a:t>Please Turn Off/Silence Your Devices </a:t>
-            </a:r>
-            <a:r>
-              <a:rPr lang="zh-TW" altLang="en-US" dirty="0">
-                <a:solidFill>
-                  <a:schemeClr val="bg1"/>
-                </a:solidFill>
-                <a:latin typeface="Century Gothic" panose="020B0502020202020204" pitchFamily="34" charset="0"/>
-              </a:rPr>
-              <a:t>請靜音或關閉所有電子設備</a:t>
-            </a:r>
-            <a:endParaRPr lang="ja-JP" altLang="en-US" dirty="0">
+            <a:pPr algn="ctr"/>
+            <a:endParaRPr lang="en-GB" altLang="zh-TW" sz="2400" dirty="0">
               <a:solidFill>
                 <a:schemeClr val="bg1"/>
               </a:solidFill>
               <a:latin typeface="Century Gothic" panose="020B0502020202020204" pitchFamily="34" charset="0"/>
+              <a:ea typeface="金梅新中楷全字體" panose="02010509060101010101" pitchFamily="49" charset="-120"/>
             </a:endParaRPr>
+          </a:p>
+        </p:txBody>
+      </p:sp>
+      <p:sp>
+        <p:nvSpPr>
+          <p:cNvPr id="13" name="Text Box 12">
+            <a:extLst>
+              <a:ext uri="{FF2B5EF4-FFF2-40B4-BE49-F238E27FC236}">
+                <a16:creationId xmlns:a16="http://schemas.microsoft.com/office/drawing/2014/main" id="{977E556A-8801-4241-B610-C5D48A41FAF4}"/>
+              </a:ext>
+            </a:extLst>
+          </p:cNvPr>
+          <p:cNvSpPr txBox="1">
+            <a:spLocks noChangeArrowheads="1"/>
+          </p:cNvSpPr>
+          <p:nvPr/>
+        </p:nvSpPr>
+        <p:spPr bwMode="auto">
+          <a:xfrm>
+            <a:off x="2615493" y="260648"/>
+            <a:ext cx="6961014" cy="432048"/>
+          </a:xfrm>
+          <a:prstGeom prst="rect">
+            <a:avLst/>
+          </a:prstGeom>
+          <a:noFill/>
+          <a:ln>
+            <a:noFill/>
+          </a:ln>
+          <a:effectLst/>
+          <a:extLst>
+            <a:ext uri="{909E8E84-426E-40DD-AFC4-6F175D3DCCD1}">
+              <a14:hiddenFill xmlns:a14="http://schemas.microsoft.com/office/drawing/2010/main">
+                <a:solidFill>
+                  <a:schemeClr val="accent1"/>
+                </a:solidFill>
+              </a14:hiddenFill>
+            </a:ext>
+            <a:ext uri="{91240B29-F687-4F45-9708-019B960494DF}">
+              <a14:hiddenLine xmlns:a14="http://schemas.microsoft.com/office/drawing/2010/main" w="9525">
+                <a:solidFill>
+                  <a:schemeClr val="tx1"/>
+                </a:solidFill>
+                <a:miter lim="800000"/>
+                <a:headEnd/>
+                <a:tailEnd/>
+              </a14:hiddenLine>
+            </a:ext>
+            <a:ext uri="{AF507438-7753-43E0-B8FC-AC1667EBCBE1}">
+              <a14:hiddenEffects xmlns:a14="http://schemas.microsoft.com/office/drawing/2010/main">
+                <a:effectLst>
+                  <a:outerShdw dist="35921" dir="2700000" algn="ctr" rotWithShape="0">
+                    <a:schemeClr val="bg2"/>
+                  </a:outerShdw>
+                </a:effectLst>
+              </a14:hiddenEffects>
+            </a:ext>
+          </a:extLst>
+        </p:spPr>
+        <p:txBody>
+          <a:bodyPr wrap="square">
+            <a:noAutofit/>
+          </a:bodyPr>
+          <a:lstStyle/>
+          <a:p>
+            <a:pPr algn="ctr"/>
+            <a:r>
+              <a:rPr lang="en-GB" altLang="en-US" sz="3200" b="1" u="sng" dirty="0">
+                <a:solidFill>
+                  <a:schemeClr val="bg1"/>
+                </a:solidFill>
+                <a:latin typeface="Segoe UI" panose="020B0502040204020203" pitchFamily="34" charset="0"/>
+                <a:cs typeface="Segoe UI" panose="020B0502040204020203" pitchFamily="34" charset="0"/>
+              </a:rPr>
+              <a:t>Announcements</a:t>
+            </a:r>
+            <a:r>
+              <a:rPr lang="en-GB" altLang="en-US" sz="3200" b="1" u="sng" dirty="0">
+                <a:solidFill>
+                  <a:schemeClr val="bg1"/>
+                </a:solidFill>
+                <a:latin typeface="Century Gothic" panose="020B0502020202020204" pitchFamily="34" charset="0"/>
+              </a:rPr>
+              <a:t> </a:t>
+            </a:r>
+            <a:r>
+              <a:rPr lang="en-GB" altLang="en-US" sz="3200" b="1" u="sng" dirty="0">
+                <a:solidFill>
+                  <a:schemeClr val="bg1"/>
+                </a:solidFill>
+                <a:latin typeface="Century Gothic" panose="020B0502020202020204" pitchFamily="34" charset="0"/>
+                <a:ea typeface="金梅新中楷全字體" panose="02010509060101010101" pitchFamily="49" charset="-120"/>
+              </a:rPr>
+              <a:t>- </a:t>
+            </a:r>
+            <a:r>
+              <a:rPr lang="zh-TW" altLang="en-US" sz="3200" b="1" u="sng" dirty="0">
+                <a:solidFill>
+                  <a:schemeClr val="bg1"/>
+                </a:solidFill>
+                <a:latin typeface="Microsoft JhengHei" panose="020B0604030504040204" pitchFamily="34" charset="-120"/>
+                <a:ea typeface="Microsoft JhengHei" panose="020B0604030504040204" pitchFamily="34" charset="-120"/>
+              </a:rPr>
+              <a:t>佈告</a:t>
+            </a:r>
+            <a:endParaRPr lang="en-GB" altLang="zh-TW" sz="3200" b="1" u="sng" dirty="0">
+              <a:solidFill>
+                <a:schemeClr val="bg1"/>
+              </a:solidFill>
+              <a:latin typeface="Microsoft JhengHei" panose="020B0604030504040204" pitchFamily="34" charset="-120"/>
+              <a:ea typeface="Microsoft JhengHei" panose="020B0604030504040204" pitchFamily="34" charset="-120"/>
+            </a:endParaRPr>
+          </a:p>
+        </p:txBody>
+      </p:sp>
+      <p:sp>
+        <p:nvSpPr>
+          <p:cNvPr id="14" name="Title 1">
+            <a:extLst>
+              <a:ext uri="{FF2B5EF4-FFF2-40B4-BE49-F238E27FC236}">
+                <a16:creationId xmlns:a16="http://schemas.microsoft.com/office/drawing/2014/main" id="{24CDB64D-DDA9-4535-BAD4-A67954A30EFA}"/>
+              </a:ext>
+            </a:extLst>
+          </p:cNvPr>
+          <p:cNvSpPr>
+            <a:spLocks noGrp="1"/>
+          </p:cNvSpPr>
+          <p:nvPr>
+            <p:ph type="title"/>
+          </p:nvPr>
+        </p:nvSpPr>
+        <p:spPr>
+          <a:xfrm>
+            <a:off x="-8677472" y="1772816"/>
+            <a:ext cx="8229600" cy="1143000"/>
+          </a:xfrm>
+        </p:spPr>
+        <p:txBody>
+          <a:bodyPr/>
+          <a:lstStyle/>
+          <a:p>
+            <a:pPr algn="ctr"/>
+            <a:r>
+              <a:rPr lang="en-GB" dirty="0">
+                <a:solidFill>
+                  <a:schemeClr val="bg1"/>
+                </a:solidFill>
+                <a:latin typeface="Century Gothic" panose="020B0502020202020204" pitchFamily="34" charset="0"/>
+              </a:rPr>
+              <a:t>Announcements</a:t>
+            </a:r>
           </a:p>
         </p:txBody>
       </p:sp>
       <p:pic>
         <p:nvPicPr>
-          <p:cNvPr id="9" name="Picture 8" descr="Shape&#10;&#10;Description automatically generated with low confidence">
+          <p:cNvPr id="10" name="Picture 9" descr="Logo&#10;&#10;Description automatically generated with medium confidence">
             <a:extLst>
               <a:ext uri="{FF2B5EF4-FFF2-40B4-BE49-F238E27FC236}">
-                <a16:creationId xmlns:a16="http://schemas.microsoft.com/office/drawing/2014/main" id="{74DC84FB-B8E8-09F8-D629-C4E6D71E8C7F}"/>
+                <a16:creationId xmlns:a16="http://schemas.microsoft.com/office/drawing/2014/main" id="{940DD04F-5B14-1343-137A-865E387E5E71}"/>
+              </a:ext>
+            </a:extLst>
+          </p:cNvPr>
+          <p:cNvPicPr>
+            <a:picLocks noChangeAspect="1"/>
+          </p:cNvPicPr>
+          <p:nvPr/>
+        </p:nvPicPr>
+        <p:blipFill>
+          <a:blip r:embed="rId2" cstate="print">
+            <a:extLst>
+              <a:ext uri="{28A0092B-C50C-407E-A947-70E740481C1C}">
+                <a14:useLocalDpi xmlns:a14="http://schemas.microsoft.com/office/drawing/2010/main" val="0"/>
+              </a:ext>
+            </a:extLst>
+          </a:blip>
+          <a:stretch>
+            <a:fillRect/>
+          </a:stretch>
+        </p:blipFill>
+        <p:spPr>
+          <a:xfrm>
+            <a:off x="335359" y="6269250"/>
+            <a:ext cx="2664297" cy="344791"/>
+          </a:xfrm>
+          <a:prstGeom prst="rect">
+            <a:avLst/>
+          </a:prstGeom>
+        </p:spPr>
+      </p:pic>
+      <p:pic>
+        <p:nvPicPr>
+          <p:cNvPr id="19" name="Picture 18" descr="Shape&#10;&#10;Description automatically generated with low confidence">
+            <a:extLst>
+              <a:ext uri="{FF2B5EF4-FFF2-40B4-BE49-F238E27FC236}">
+                <a16:creationId xmlns:a16="http://schemas.microsoft.com/office/drawing/2014/main" id="{09B6433A-856A-2F8B-C544-F278D802C8D8}"/>
               </a:ext>
             </a:extLst>
           </p:cNvPr>
@@ -5520,305 +5880,12 @@
           </a:prstGeom>
         </p:spPr>
       </p:pic>
-    </p:spTree>
-  </p:cSld>
-  <p:clrMapOvr>
-    <a:masterClrMapping/>
-  </p:clrMapOvr>
-</p:sld>
-</file>
-
-<file path=ppt/slides/slide4.xml><?xml version="1.0" encoding="utf-8"?>
-<p:sld xmlns:a="http://schemas.openxmlformats.org/drawingml/2006/main" xmlns:r="http://schemas.openxmlformats.org/officeDocument/2006/relationships" xmlns:p="http://schemas.openxmlformats.org/presentationml/2006/main">
-  <p:cSld>
-    <p:bg>
-      <p:bgPr>
-        <a:solidFill>
-          <a:schemeClr val="tx1"/>
-        </a:solidFill>
-        <a:effectLst/>
-      </p:bgPr>
-    </p:bg>
-    <p:spTree>
-      <p:nvGrpSpPr>
-        <p:cNvPr id="1" name=""/>
-        <p:cNvGrpSpPr/>
-        <p:nvPr/>
-      </p:nvGrpSpPr>
-      <p:grpSpPr>
-        <a:xfrm>
-          <a:off x="0" y="0"/>
-          <a:ext cx="0" cy="0"/>
-          <a:chOff x="0" y="0"/>
-          <a:chExt cx="0" cy="0"/>
-        </a:xfrm>
-      </p:grpSpPr>
-      <p:sp>
-        <p:nvSpPr>
-          <p:cNvPr id="12" name="Text Box 12">
+      <p:grpSp>
+        <p:nvGrpSpPr>
+          <p:cNvPr id="2" name="Group 1">
             <a:extLst>
               <a:ext uri="{FF2B5EF4-FFF2-40B4-BE49-F238E27FC236}">
-                <a16:creationId xmlns:a16="http://schemas.microsoft.com/office/drawing/2014/main" id="{591C97DC-F419-4C94-A84E-E8038EFB7F71}"/>
-              </a:ext>
-            </a:extLst>
-          </p:cNvPr>
-          <p:cNvSpPr txBox="1">
-            <a:spLocks noChangeArrowheads="1"/>
-          </p:cNvSpPr>
-          <p:nvPr/>
-        </p:nvSpPr>
-        <p:spPr bwMode="auto">
-          <a:xfrm>
-            <a:off x="0" y="908720"/>
-            <a:ext cx="12192000" cy="5360530"/>
-          </a:xfrm>
-          <a:prstGeom prst="rect">
-            <a:avLst/>
-          </a:prstGeom>
-          <a:noFill/>
-          <a:ln>
-            <a:noFill/>
-          </a:ln>
-          <a:effectLst/>
-          <a:extLst>
-            <a:ext uri="{909E8E84-426E-40DD-AFC4-6F175D3DCCD1}">
-              <a14:hiddenFill xmlns:a14="http://schemas.microsoft.com/office/drawing/2010/main">
-                <a:solidFill>
-                  <a:schemeClr val="accent1"/>
-                </a:solidFill>
-              </a14:hiddenFill>
-            </a:ext>
-            <a:ext uri="{91240B29-F687-4F45-9708-019B960494DF}">
-              <a14:hiddenLine xmlns:a14="http://schemas.microsoft.com/office/drawing/2010/main" w="9525">
-                <a:solidFill>
-                  <a:schemeClr val="tx1"/>
-                </a:solidFill>
-                <a:miter lim="800000"/>
-                <a:headEnd/>
-                <a:tailEnd/>
-              </a14:hiddenLine>
-            </a:ext>
-            <a:ext uri="{AF507438-7753-43E0-B8FC-AC1667EBCBE1}">
-              <a14:hiddenEffects xmlns:a14="http://schemas.microsoft.com/office/drawing/2010/main">
-                <a:effectLst>
-                  <a:outerShdw dist="35921" dir="2700000" algn="ctr" rotWithShape="0">
-                    <a:schemeClr val="bg2"/>
-                  </a:outerShdw>
-                </a:effectLst>
-              </a14:hiddenEffects>
-            </a:ext>
-          </a:extLst>
-        </p:spPr>
-        <p:txBody>
-          <a:bodyPr wrap="square">
-            <a:noAutofit/>
-          </a:bodyPr>
-          <a:lstStyle/>
-          <a:p>
-            <a:pPr algn="ctr"/>
-            <a:endParaRPr lang="en-GB" altLang="zh-TW" sz="2400" dirty="0">
-              <a:solidFill>
-                <a:schemeClr val="bg1"/>
-              </a:solidFill>
-              <a:latin typeface="Century Gothic" panose="020B0502020202020204" pitchFamily="34" charset="0"/>
-              <a:ea typeface="金梅新中楷全字體" panose="02010509060101010101" pitchFamily="49" charset="-120"/>
-            </a:endParaRPr>
-          </a:p>
-        </p:txBody>
-      </p:sp>
-      <p:sp>
-        <p:nvSpPr>
-          <p:cNvPr id="13" name="Text Box 12">
-            <a:extLst>
-              <a:ext uri="{FF2B5EF4-FFF2-40B4-BE49-F238E27FC236}">
-                <a16:creationId xmlns:a16="http://schemas.microsoft.com/office/drawing/2014/main" id="{977E556A-8801-4241-B610-C5D48A41FAF4}"/>
-              </a:ext>
-            </a:extLst>
-          </p:cNvPr>
-          <p:cNvSpPr txBox="1">
-            <a:spLocks noChangeArrowheads="1"/>
-          </p:cNvSpPr>
-          <p:nvPr/>
-        </p:nvSpPr>
-        <p:spPr bwMode="auto">
-          <a:xfrm>
-            <a:off x="2615493" y="260648"/>
-            <a:ext cx="6961014" cy="432048"/>
-          </a:xfrm>
-          <a:prstGeom prst="rect">
-            <a:avLst/>
-          </a:prstGeom>
-          <a:noFill/>
-          <a:ln>
-            <a:noFill/>
-          </a:ln>
-          <a:effectLst/>
-          <a:extLst>
-            <a:ext uri="{909E8E84-426E-40DD-AFC4-6F175D3DCCD1}">
-              <a14:hiddenFill xmlns:a14="http://schemas.microsoft.com/office/drawing/2010/main">
-                <a:solidFill>
-                  <a:schemeClr val="accent1"/>
-                </a:solidFill>
-              </a14:hiddenFill>
-            </a:ext>
-            <a:ext uri="{91240B29-F687-4F45-9708-019B960494DF}">
-              <a14:hiddenLine xmlns:a14="http://schemas.microsoft.com/office/drawing/2010/main" w="9525">
-                <a:solidFill>
-                  <a:schemeClr val="tx1"/>
-                </a:solidFill>
-                <a:miter lim="800000"/>
-                <a:headEnd/>
-                <a:tailEnd/>
-              </a14:hiddenLine>
-            </a:ext>
-            <a:ext uri="{AF507438-7753-43E0-B8FC-AC1667EBCBE1}">
-              <a14:hiddenEffects xmlns:a14="http://schemas.microsoft.com/office/drawing/2010/main">
-                <a:effectLst>
-                  <a:outerShdw dist="35921" dir="2700000" algn="ctr" rotWithShape="0">
-                    <a:schemeClr val="bg2"/>
-                  </a:outerShdw>
-                </a:effectLst>
-              </a14:hiddenEffects>
-            </a:ext>
-          </a:extLst>
-        </p:spPr>
-        <p:txBody>
-          <a:bodyPr wrap="square">
-            <a:noAutofit/>
-          </a:bodyPr>
-          <a:lstStyle/>
-          <a:p>
-            <a:pPr algn="ctr"/>
-            <a:r>
-              <a:rPr lang="en-GB" altLang="en-US" sz="3200" b="1" u="sng" dirty="0">
-                <a:solidFill>
-                  <a:schemeClr val="bg1"/>
-                </a:solidFill>
-                <a:latin typeface="Segoe UI" panose="020B0502040204020203" pitchFamily="34" charset="0"/>
-                <a:cs typeface="Segoe UI" panose="020B0502040204020203" pitchFamily="34" charset="0"/>
-              </a:rPr>
-              <a:t>Announcements</a:t>
-            </a:r>
-            <a:r>
-              <a:rPr lang="en-GB" altLang="en-US" sz="3200" b="1" u="sng" dirty="0">
-                <a:solidFill>
-                  <a:schemeClr val="bg1"/>
-                </a:solidFill>
-                <a:latin typeface="Century Gothic" panose="020B0502020202020204" pitchFamily="34" charset="0"/>
-              </a:rPr>
-              <a:t> </a:t>
-            </a:r>
-            <a:r>
-              <a:rPr lang="en-GB" altLang="en-US" sz="3200" b="1" u="sng" dirty="0">
-                <a:solidFill>
-                  <a:schemeClr val="bg1"/>
-                </a:solidFill>
-                <a:latin typeface="Century Gothic" panose="020B0502020202020204" pitchFamily="34" charset="0"/>
-                <a:ea typeface="金梅新中楷全字體" panose="02010509060101010101" pitchFamily="49" charset="-120"/>
-              </a:rPr>
-              <a:t>- </a:t>
-            </a:r>
-            <a:r>
-              <a:rPr lang="zh-TW" altLang="en-US" sz="3200" b="1" u="sng" dirty="0">
-                <a:solidFill>
-                  <a:schemeClr val="bg1"/>
-                </a:solidFill>
-                <a:latin typeface="Microsoft JhengHei" panose="020B0604030504040204" pitchFamily="34" charset="-120"/>
-                <a:ea typeface="Microsoft JhengHei" panose="020B0604030504040204" pitchFamily="34" charset="-120"/>
-              </a:rPr>
-              <a:t>佈告</a:t>
-            </a:r>
-            <a:endParaRPr lang="en-GB" altLang="zh-TW" sz="3200" b="1" u="sng" dirty="0">
-              <a:solidFill>
-                <a:schemeClr val="bg1"/>
-              </a:solidFill>
-              <a:latin typeface="Microsoft JhengHei" panose="020B0604030504040204" pitchFamily="34" charset="-120"/>
-              <a:ea typeface="Microsoft JhengHei" panose="020B0604030504040204" pitchFamily="34" charset="-120"/>
-            </a:endParaRPr>
-          </a:p>
-        </p:txBody>
-      </p:sp>
-      <p:sp>
-        <p:nvSpPr>
-          <p:cNvPr id="14" name="Title 1">
-            <a:extLst>
-              <a:ext uri="{FF2B5EF4-FFF2-40B4-BE49-F238E27FC236}">
-                <a16:creationId xmlns:a16="http://schemas.microsoft.com/office/drawing/2014/main" id="{24CDB64D-DDA9-4535-BAD4-A67954A30EFA}"/>
-              </a:ext>
-            </a:extLst>
-          </p:cNvPr>
-          <p:cNvSpPr>
-            <a:spLocks noGrp="1"/>
-          </p:cNvSpPr>
-          <p:nvPr>
-            <p:ph type="title"/>
-          </p:nvPr>
-        </p:nvSpPr>
-        <p:spPr>
-          <a:xfrm>
-            <a:off x="-8677472" y="1772816"/>
-            <a:ext cx="8229600" cy="1143000"/>
-          </a:xfrm>
-        </p:spPr>
-        <p:txBody>
-          <a:bodyPr/>
-          <a:lstStyle/>
-          <a:p>
-            <a:pPr algn="ctr"/>
-            <a:r>
-              <a:rPr lang="en-GB" dirty="0">
-                <a:solidFill>
-                  <a:schemeClr val="bg1"/>
-                </a:solidFill>
-                <a:latin typeface="Century Gothic" panose="020B0502020202020204" pitchFamily="34" charset="0"/>
-              </a:rPr>
-              <a:t>Announcements</a:t>
-            </a:r>
-          </a:p>
-        </p:txBody>
-      </p:sp>
-      <p:pic>
-        <p:nvPicPr>
-          <p:cNvPr id="10" name="Picture 9" descr="Logo&#10;&#10;Description automatically generated with medium confidence">
-            <a:extLst>
-              <a:ext uri="{FF2B5EF4-FFF2-40B4-BE49-F238E27FC236}">
-                <a16:creationId xmlns:a16="http://schemas.microsoft.com/office/drawing/2014/main" id="{940DD04F-5B14-1343-137A-865E387E5E71}"/>
-              </a:ext>
-            </a:extLst>
-          </p:cNvPr>
-          <p:cNvPicPr>
-            <a:picLocks noChangeAspect="1"/>
-          </p:cNvPicPr>
-          <p:nvPr/>
-        </p:nvPicPr>
-        <p:blipFill>
-          <a:blip r:embed="rId2" cstate="print">
-            <a:extLst>
-              <a:ext uri="{28A0092B-C50C-407E-A947-70E740481C1C}">
-                <a14:useLocalDpi xmlns:a14="http://schemas.microsoft.com/office/drawing/2010/main" val="0"/>
-              </a:ext>
-            </a:extLst>
-          </a:blip>
-          <a:stretch>
-            <a:fillRect/>
-          </a:stretch>
-        </p:blipFill>
-        <p:spPr>
-          <a:xfrm>
-            <a:off x="335359" y="6269250"/>
-            <a:ext cx="2664297" cy="344791"/>
-          </a:xfrm>
-          <a:prstGeom prst="rect">
-            <a:avLst/>
-          </a:prstGeom>
-        </p:spPr>
-      </p:pic>
-      <p:grpSp>
-        <p:nvGrpSpPr>
-          <p:cNvPr id="17" name="Group 16">
-            <a:extLst>
-              <a:ext uri="{FF2B5EF4-FFF2-40B4-BE49-F238E27FC236}">
-                <a16:creationId xmlns:a16="http://schemas.microsoft.com/office/drawing/2014/main" id="{97D82DA4-AC81-2E49-D3E2-E01AE3674073}"/>
+                <a16:creationId xmlns:a16="http://schemas.microsoft.com/office/drawing/2014/main" id="{B6B54496-D172-1277-B502-7A2167571B1F}"/>
               </a:ext>
             </a:extLst>
           </p:cNvPr>
@@ -5827,18 +5894,18 @@
         </p:nvGrpSpPr>
         <p:grpSpPr>
           <a:xfrm>
-            <a:off x="4727848" y="6269250"/>
-            <a:ext cx="7246931" cy="369332"/>
-            <a:chOff x="4727848" y="6269250"/>
-            <a:chExt cx="7246931" cy="369332"/>
+            <a:off x="5015880" y="6269250"/>
+            <a:ext cx="6958899" cy="369332"/>
+            <a:chOff x="5015880" y="6269250"/>
+            <a:chExt cx="6958899" cy="369332"/>
           </a:xfrm>
         </p:grpSpPr>
         <p:sp>
           <p:nvSpPr>
-            <p:cNvPr id="18" name="TextBox 17">
+            <p:cNvPr id="3" name="TextBox 2">
               <a:extLst>
                 <a:ext uri="{FF2B5EF4-FFF2-40B4-BE49-F238E27FC236}">
-                  <a16:creationId xmlns:a16="http://schemas.microsoft.com/office/drawing/2014/main" id="{95A24E26-4FC2-36F5-7113-3E883FFB42BF}"/>
+                  <a16:creationId xmlns:a16="http://schemas.microsoft.com/office/drawing/2014/main" id="{E287CD42-9BA7-DCCB-4681-6C21879CF068}"/>
                 </a:ext>
               </a:extLst>
             </p:cNvPr>
@@ -5847,8 +5914,8 @@
           </p:nvSpPr>
           <p:spPr>
             <a:xfrm>
-              <a:off x="4727848" y="6269250"/>
-              <a:ext cx="7246931" cy="369332"/>
+              <a:off x="5015880" y="6269250"/>
+              <a:ext cx="6958899" cy="369332"/>
             </a:xfrm>
             <a:prstGeom prst="rect">
               <a:avLst/>
@@ -5871,7 +5938,8 @@
                   <a:solidFill>
                     <a:schemeClr val="bg1"/>
                   </a:solidFill>
-                  <a:latin typeface="Century Gothic" panose="020B0502020202020204" pitchFamily="34" charset="0"/>
+                  <a:latin typeface="Segoe UI Semibold" panose="020B0702040204020203" pitchFamily="34" charset="0"/>
+                  <a:cs typeface="Segoe UI Semibold" panose="020B0702040204020203" pitchFamily="34" charset="0"/>
                 </a:rPr>
                 <a:t>Please Turn Off/Silence Your Devices </a:t>
               </a:r>
@@ -5880,7 +5948,8 @@
                   <a:solidFill>
                     <a:schemeClr val="bg1"/>
                   </a:solidFill>
-                  <a:latin typeface="Century Gothic" panose="020B0502020202020204" pitchFamily="34" charset="0"/>
+                  <a:latin typeface="Microsoft JhengHei" panose="020B0604030504040204" pitchFamily="34" charset="-120"/>
+                  <a:ea typeface="Microsoft JhengHei" panose="020B0604030504040204" pitchFamily="34" charset="-120"/>
                 </a:rPr>
                 <a:t>請靜音或關閉所有電子設備</a:t>
               </a:r>
@@ -5888,17 +5957,18 @@
                 <a:solidFill>
                   <a:schemeClr val="bg1"/>
                 </a:solidFill>
-                <a:latin typeface="Century Gothic" panose="020B0502020202020204" pitchFamily="34" charset="0"/>
+                <a:latin typeface="Microsoft JhengHei" panose="020B0604030504040204" pitchFamily="34" charset="-120"/>
+                <a:ea typeface="Microsoft JhengHei" panose="020B0604030504040204" pitchFamily="34" charset="-120"/>
               </a:endParaRPr>
             </a:p>
           </p:txBody>
         </p:sp>
         <p:pic>
           <p:nvPicPr>
-            <p:cNvPr id="19" name="Picture 18" descr="Shape&#10;&#10;Description automatically generated with low confidence">
+            <p:cNvPr id="4" name="Picture 3" descr="Shape&#10;&#10;Description automatically generated with low confidence">
               <a:extLst>
                 <a:ext uri="{FF2B5EF4-FFF2-40B4-BE49-F238E27FC236}">
-                  <a16:creationId xmlns:a16="http://schemas.microsoft.com/office/drawing/2014/main" id="{09B6433A-856A-2F8B-C544-F278D802C8D8}"/>
+                  <a16:creationId xmlns:a16="http://schemas.microsoft.com/office/drawing/2014/main" id="{E48C9A32-387E-DE66-7B51-E101AD9A5BB1}"/>
                 </a:ext>
               </a:extLst>
             </p:cNvPr>
@@ -5985,6 +6055,74 @@
       </p:grpSpPr>
       <p:sp>
         <p:nvSpPr>
+          <p:cNvPr id="6" name="TextBox 5">
+            <a:extLst>
+              <a:ext uri="{FF2B5EF4-FFF2-40B4-BE49-F238E27FC236}">
+                <a16:creationId xmlns:a16="http://schemas.microsoft.com/office/drawing/2014/main" id="{955D95AD-4773-FC73-1AF7-7F4E685AEB24}"/>
+              </a:ext>
+            </a:extLst>
+          </p:cNvPr>
+          <p:cNvSpPr txBox="1"/>
+          <p:nvPr/>
+        </p:nvSpPr>
+        <p:spPr>
+          <a:xfrm>
+            <a:off x="335359" y="908720"/>
+            <a:ext cx="11521280" cy="769441"/>
+          </a:xfrm>
+          <a:prstGeom prst="rect">
+            <a:avLst/>
+          </a:prstGeom>
+          <a:solidFill>
+            <a:schemeClr val="tx1">
+              <a:lumMod val="75000"/>
+              <a:lumOff val="25000"/>
+            </a:schemeClr>
+          </a:solidFill>
+        </p:spPr>
+        <p:txBody>
+          <a:bodyPr wrap="square" rtlCol="0">
+            <a:spAutoFit/>
+          </a:bodyPr>
+          <a:lstStyle/>
+          <a:p>
+            <a:pPr algn="ctr"/>
+            <a:r>
+              <a:rPr lang="en-GB" sz="4400" b="1" dirty="0">
+                <a:solidFill>
+                  <a:schemeClr val="bg1"/>
+                </a:solidFill>
+                <a:latin typeface="Segoe UI" panose="020B0502040204020203" pitchFamily="34" charset="0"/>
+                <a:cs typeface="Segoe UI" panose="020B0502040204020203" pitchFamily="34" charset="0"/>
+              </a:rPr>
+              <a:t>Hymns </a:t>
+            </a:r>
+            <a:r>
+              <a:rPr lang="ja-JP" altLang="en-US" sz="4400" b="1" dirty="0">
+                <a:solidFill>
+                  <a:schemeClr val="bg1"/>
+                </a:solidFill>
+                <a:latin typeface="Microsoft JhengHei UI" panose="020B0604030504040204" pitchFamily="34" charset="-120"/>
+                <a:ea typeface="Microsoft JhengHei UI" panose="020B0604030504040204" pitchFamily="34" charset="-120"/>
+                <a:cs typeface="Segoe UI" panose="020B0502040204020203" pitchFamily="34" charset="0"/>
+              </a:rPr>
+              <a:t>詩</a:t>
+            </a:r>
+            <a:r>
+              <a:rPr lang="en-GB" sz="4400" b="1" dirty="0">
+                <a:solidFill>
+                  <a:schemeClr val="bg1"/>
+                </a:solidFill>
+                <a:latin typeface="Segoe UI" panose="020B0502040204020203" pitchFamily="34" charset="0"/>
+                <a:cs typeface="Segoe UI" panose="020B0502040204020203" pitchFamily="34" charset="0"/>
+              </a:rPr>
+              <a:t>: </a:t>
+            </a:r>
+          </a:p>
+        </p:txBody>
+      </p:sp>
+      <p:sp>
+        <p:nvSpPr>
           <p:cNvPr id="2" name="TextBox 1">
             <a:extLst>
               <a:ext uri="{FF2B5EF4-FFF2-40B4-BE49-F238E27FC236}">
@@ -5997,7 +6135,7 @@
         </p:nvSpPr>
         <p:spPr>
           <a:xfrm>
-            <a:off x="0" y="2204864"/>
+            <a:off x="0" y="2327551"/>
             <a:ext cx="6168008" cy="735779"/>
           </a:xfrm>
           <a:prstGeom prst="rect">
@@ -6042,7 +6180,7 @@
         </p:nvSpPr>
         <p:spPr>
           <a:xfrm>
-            <a:off x="6096000" y="2204864"/>
+            <a:off x="6096000" y="2327551"/>
             <a:ext cx="6096000" cy="735779"/>
           </a:xfrm>
           <a:prstGeom prst="rect">
@@ -6089,7 +6227,7 @@
         </p:nvSpPr>
         <p:spPr bwMode="auto">
           <a:xfrm>
-            <a:off x="2615493" y="333015"/>
+            <a:off x="2615493" y="188640"/>
             <a:ext cx="6961014" cy="671446"/>
           </a:xfrm>
           <a:prstGeom prst="rect">
@@ -6220,7 +6358,7 @@
         </p:nvSpPr>
         <p:spPr>
           <a:xfrm>
-            <a:off x="0" y="1468077"/>
+            <a:off x="0" y="1562653"/>
             <a:ext cx="6096000" cy="735779"/>
           </a:xfrm>
           <a:prstGeom prst="rect">
@@ -6265,7 +6403,7 @@
         </p:nvSpPr>
         <p:spPr>
           <a:xfrm>
-            <a:off x="6096000" y="1542131"/>
+            <a:off x="6132004" y="1556792"/>
             <a:ext cx="6096000" cy="735779"/>
           </a:xfrm>
           <a:prstGeom prst="rect">
@@ -6334,10 +6472,10 @@
       </p:pic>
       <p:grpSp>
         <p:nvGrpSpPr>
-          <p:cNvPr id="12" name="Group 11">
+          <p:cNvPr id="3" name="Group 2">
             <a:extLst>
               <a:ext uri="{FF2B5EF4-FFF2-40B4-BE49-F238E27FC236}">
-                <a16:creationId xmlns:a16="http://schemas.microsoft.com/office/drawing/2014/main" id="{EE839703-6E9B-DC61-39FC-5510B9E3DBB8}"/>
+                <a16:creationId xmlns:a16="http://schemas.microsoft.com/office/drawing/2014/main" id="{91B4F195-D2AF-A8BA-DD5B-0F12BA8271C5}"/>
               </a:ext>
             </a:extLst>
           </p:cNvPr>
@@ -6346,18 +6484,18 @@
         </p:nvGrpSpPr>
         <p:grpSpPr>
           <a:xfrm>
-            <a:off x="4727848" y="6269250"/>
-            <a:ext cx="7246931" cy="369332"/>
-            <a:chOff x="4727848" y="6269250"/>
-            <a:chExt cx="7246931" cy="369332"/>
+            <a:off x="5015880" y="6269250"/>
+            <a:ext cx="6958899" cy="369332"/>
+            <a:chOff x="5015880" y="6269250"/>
+            <a:chExt cx="6958899" cy="369332"/>
           </a:xfrm>
         </p:grpSpPr>
         <p:sp>
           <p:nvSpPr>
-            <p:cNvPr id="16" name="TextBox 15">
+            <p:cNvPr id="4" name="TextBox 3">
               <a:extLst>
                 <a:ext uri="{FF2B5EF4-FFF2-40B4-BE49-F238E27FC236}">
-                  <a16:creationId xmlns:a16="http://schemas.microsoft.com/office/drawing/2014/main" id="{975D79B1-2591-7370-D76B-4510EAF0F219}"/>
+                  <a16:creationId xmlns:a16="http://schemas.microsoft.com/office/drawing/2014/main" id="{07B39FE7-2A46-AB36-7F4D-66491EB5F9B2}"/>
                 </a:ext>
               </a:extLst>
             </p:cNvPr>
@@ -6366,8 +6504,8 @@
           </p:nvSpPr>
           <p:spPr>
             <a:xfrm>
-              <a:off x="4727848" y="6269250"/>
-              <a:ext cx="7246931" cy="369332"/>
+              <a:off x="5015880" y="6269250"/>
+              <a:ext cx="6958899" cy="369332"/>
             </a:xfrm>
             <a:prstGeom prst="rect">
               <a:avLst/>
@@ -6390,7 +6528,8 @@
                   <a:solidFill>
                     <a:schemeClr val="bg1"/>
                   </a:solidFill>
-                  <a:latin typeface="Century Gothic" panose="020B0502020202020204" pitchFamily="34" charset="0"/>
+                  <a:latin typeface="Segoe UI Semibold" panose="020B0702040204020203" pitchFamily="34" charset="0"/>
+                  <a:cs typeface="Segoe UI Semibold" panose="020B0702040204020203" pitchFamily="34" charset="0"/>
                 </a:rPr>
                 <a:t>Please Turn Off/Silence Your Devices </a:t>
               </a:r>
@@ -6399,7 +6538,8 @@
                   <a:solidFill>
                     <a:schemeClr val="bg1"/>
                   </a:solidFill>
-                  <a:latin typeface="Century Gothic" panose="020B0502020202020204" pitchFamily="34" charset="0"/>
+                  <a:latin typeface="Microsoft JhengHei" panose="020B0604030504040204" pitchFamily="34" charset="-120"/>
+                  <a:ea typeface="Microsoft JhengHei" panose="020B0604030504040204" pitchFamily="34" charset="-120"/>
                 </a:rPr>
                 <a:t>請靜音或關閉所有電子設備</a:t>
               </a:r>
@@ -6407,17 +6547,18 @@
                 <a:solidFill>
                   <a:schemeClr val="bg1"/>
                 </a:solidFill>
-                <a:latin typeface="Century Gothic" panose="020B0502020202020204" pitchFamily="34" charset="0"/>
+                <a:latin typeface="Microsoft JhengHei" panose="020B0604030504040204" pitchFamily="34" charset="-120"/>
+                <a:ea typeface="Microsoft JhengHei" panose="020B0604030504040204" pitchFamily="34" charset="-120"/>
               </a:endParaRPr>
             </a:p>
           </p:txBody>
         </p:sp>
         <p:pic>
           <p:nvPicPr>
-            <p:cNvPr id="17" name="Picture 16" descr="Shape&#10;&#10;Description automatically generated with low confidence">
+            <p:cNvPr id="5" name="Picture 4" descr="Shape&#10;&#10;Description automatically generated with low confidence">
               <a:extLst>
                 <a:ext uri="{FF2B5EF4-FFF2-40B4-BE49-F238E27FC236}">
-                  <a16:creationId xmlns:a16="http://schemas.microsoft.com/office/drawing/2014/main" id="{93C4BB65-371C-3F3C-9A4B-5E51505B8F7C}"/>
+                  <a16:creationId xmlns:a16="http://schemas.microsoft.com/office/drawing/2014/main" id="{122FDB51-3754-A377-EC05-51EBF7D9F33D}"/>
                 </a:ext>
               </a:extLst>
             </p:cNvPr>
@@ -7087,10 +7228,10 @@
       </p:pic>
       <p:grpSp>
         <p:nvGrpSpPr>
-          <p:cNvPr id="3" name="Group 2">
+          <p:cNvPr id="4" name="Group 3">
             <a:extLst>
               <a:ext uri="{FF2B5EF4-FFF2-40B4-BE49-F238E27FC236}">
-                <a16:creationId xmlns:a16="http://schemas.microsoft.com/office/drawing/2014/main" id="{DC67E14D-12D8-4301-C7BA-4921E28A4A0D}"/>
+                <a16:creationId xmlns:a16="http://schemas.microsoft.com/office/drawing/2014/main" id="{95089782-747A-BF76-B9D9-55BBB3BDCD96}"/>
               </a:ext>
             </a:extLst>
           </p:cNvPr>
@@ -7099,18 +7240,18 @@
         </p:nvGrpSpPr>
         <p:grpSpPr>
           <a:xfrm>
-            <a:off x="4727848" y="6269250"/>
-            <a:ext cx="7246931" cy="369332"/>
-            <a:chOff x="4727848" y="6269250"/>
-            <a:chExt cx="7246931" cy="369332"/>
+            <a:off x="5015880" y="6269250"/>
+            <a:ext cx="6958899" cy="369332"/>
+            <a:chOff x="5015880" y="6269250"/>
+            <a:chExt cx="6958899" cy="369332"/>
           </a:xfrm>
         </p:grpSpPr>
         <p:sp>
           <p:nvSpPr>
-            <p:cNvPr id="8" name="TextBox 7">
+            <p:cNvPr id="5" name="TextBox 4">
               <a:extLst>
                 <a:ext uri="{FF2B5EF4-FFF2-40B4-BE49-F238E27FC236}">
-                  <a16:creationId xmlns:a16="http://schemas.microsoft.com/office/drawing/2014/main" id="{2773390B-123D-F96F-081F-9943FC21B10E}"/>
+                  <a16:creationId xmlns:a16="http://schemas.microsoft.com/office/drawing/2014/main" id="{ABF9F8A3-8FC4-BEE7-C742-CC4F2256994E}"/>
                 </a:ext>
               </a:extLst>
             </p:cNvPr>
@@ -7119,8 +7260,8 @@
           </p:nvSpPr>
           <p:spPr>
             <a:xfrm>
-              <a:off x="4727848" y="6269250"/>
-              <a:ext cx="7246931" cy="369332"/>
+              <a:off x="5015880" y="6269250"/>
+              <a:ext cx="6958899" cy="369332"/>
             </a:xfrm>
             <a:prstGeom prst="rect">
               <a:avLst/>
@@ -7143,34 +7284,37 @@
                   <a:solidFill>
                     <a:schemeClr val="bg1"/>
                   </a:solidFill>
-                  <a:latin typeface="Century Gothic" panose="020B0502020202020204" pitchFamily="34" charset="0"/>
+                  <a:latin typeface="Segoe UI Semibold" panose="020B0702040204020203" pitchFamily="34" charset="0"/>
+                  <a:cs typeface="Segoe UI Semibold" panose="020B0702040204020203" pitchFamily="34" charset="0"/>
                 </a:rPr>
                 <a:t>Please Turn Off/Silence Your Devices </a:t>
               </a:r>
               <a:r>
-                <a:rPr lang="zh-CN" altLang="en-US" dirty="0">
+                <a:rPr lang="zh-TW" altLang="en-US" dirty="0">
                   <a:solidFill>
                     <a:schemeClr val="bg1"/>
                   </a:solidFill>
-                  <a:latin typeface="Century Gothic" panose="020B0502020202020204" pitchFamily="34" charset="0"/>
+                  <a:latin typeface="Microsoft JhengHei" panose="020B0604030504040204" pitchFamily="34" charset="-120"/>
+                  <a:ea typeface="Microsoft JhengHei" panose="020B0604030504040204" pitchFamily="34" charset="-120"/>
                 </a:rPr>
-                <a:t>请静音或关闭所有电子设备</a:t>
+                <a:t>請靜音或關閉所有電子設備</a:t>
               </a:r>
               <a:endParaRPr lang="ja-JP" altLang="en-US" dirty="0">
                 <a:solidFill>
                   <a:schemeClr val="bg1"/>
                 </a:solidFill>
-                <a:latin typeface="Century Gothic" panose="020B0502020202020204" pitchFamily="34" charset="0"/>
+                <a:latin typeface="Microsoft JhengHei" panose="020B0604030504040204" pitchFamily="34" charset="-120"/>
+                <a:ea typeface="Microsoft JhengHei" panose="020B0604030504040204" pitchFamily="34" charset="-120"/>
               </a:endParaRPr>
             </a:p>
           </p:txBody>
         </p:sp>
         <p:pic>
           <p:nvPicPr>
-            <p:cNvPr id="12" name="Picture 11" descr="Shape&#10;&#10;Description automatically generated with low confidence">
+            <p:cNvPr id="6" name="Picture 5" descr="Shape&#10;&#10;Description automatically generated with low confidence">
               <a:extLst>
                 <a:ext uri="{FF2B5EF4-FFF2-40B4-BE49-F238E27FC236}">
-                  <a16:creationId xmlns:a16="http://schemas.microsoft.com/office/drawing/2014/main" id="{18CE34BC-5A9E-48C4-CF17-5E7B688F8CEE}"/>
+                  <a16:creationId xmlns:a16="http://schemas.microsoft.com/office/drawing/2014/main" id="{E1B4DD36-6C7F-7A60-CAC2-6D30E0FAB4DC}"/>
                 </a:ext>
               </a:extLst>
             </p:cNvPr>
@@ -7214,11 +7358,6 @@
             <a:prstGeom prst="rect">
               <a:avLst/>
             </a:prstGeom>
-            <a:ln w="19050">
-              <a:solidFill>
-                <a:schemeClr val="tx1"/>
-              </a:solidFill>
-            </a:ln>
           </p:spPr>
         </p:pic>
       </p:grpSp>
@@ -7282,9 +7421,7 @@
           </a:prstGeom>
           <a:noFill/>
           <a:ln w="63500">
-            <a:solidFill>
-              <a:srgbClr val="FF0000"/>
-            </a:solidFill>
+            <a:noFill/>
           </a:ln>
         </p:spPr>
         <p:txBody>
@@ -7646,7 +7783,7 @@
                 <a:latin typeface="Segoe UI" panose="020B0502040204020203" pitchFamily="34" charset="0"/>
                 <a:cs typeface="Segoe UI" panose="020B0502040204020203" pitchFamily="34" charset="0"/>
               </a:rPr>
-              <a:t>IMAGE PLACEHOLDER</a:t>
+              <a:t>SERVICE TIMES IMAGE</a:t>
             </a:r>
           </a:p>
         </p:txBody>
@@ -7689,10 +7826,10 @@
       </p:pic>
       <p:grpSp>
         <p:nvGrpSpPr>
-          <p:cNvPr id="13" name="Group 12">
+          <p:cNvPr id="2" name="Group 1">
             <a:extLst>
               <a:ext uri="{FF2B5EF4-FFF2-40B4-BE49-F238E27FC236}">
-                <a16:creationId xmlns:a16="http://schemas.microsoft.com/office/drawing/2014/main" id="{35212C79-2A94-CDE2-E1E0-4971A16CB7A4}"/>
+                <a16:creationId xmlns:a16="http://schemas.microsoft.com/office/drawing/2014/main" id="{39F465D4-0E11-D6F1-66F3-BA207A7CB505}"/>
               </a:ext>
             </a:extLst>
           </p:cNvPr>
@@ -7701,18 +7838,18 @@
         </p:nvGrpSpPr>
         <p:grpSpPr>
           <a:xfrm>
-            <a:off x="4727848" y="6269250"/>
-            <a:ext cx="7246931" cy="369332"/>
-            <a:chOff x="4727848" y="6269250"/>
-            <a:chExt cx="7246931" cy="369332"/>
+            <a:off x="5015880" y="6269250"/>
+            <a:ext cx="6958899" cy="369332"/>
+            <a:chOff x="5015880" y="6269250"/>
+            <a:chExt cx="6958899" cy="369332"/>
           </a:xfrm>
         </p:grpSpPr>
         <p:sp>
           <p:nvSpPr>
-            <p:cNvPr id="14" name="TextBox 13">
+            <p:cNvPr id="3" name="TextBox 2">
               <a:extLst>
                 <a:ext uri="{FF2B5EF4-FFF2-40B4-BE49-F238E27FC236}">
-                  <a16:creationId xmlns:a16="http://schemas.microsoft.com/office/drawing/2014/main" id="{F01C5CB4-79EB-E86F-3BC8-0D48A1127167}"/>
+                  <a16:creationId xmlns:a16="http://schemas.microsoft.com/office/drawing/2014/main" id="{D1EB7A38-350C-5FD4-666D-E4BEEB3769FD}"/>
                 </a:ext>
               </a:extLst>
             </p:cNvPr>
@@ -7721,8 +7858,8 @@
           </p:nvSpPr>
           <p:spPr>
             <a:xfrm>
-              <a:off x="4727848" y="6269250"/>
-              <a:ext cx="7246931" cy="369332"/>
+              <a:off x="5015880" y="6269250"/>
+              <a:ext cx="6958899" cy="369332"/>
             </a:xfrm>
             <a:prstGeom prst="rect">
               <a:avLst/>
@@ -7745,7 +7882,8 @@
                   <a:solidFill>
                     <a:schemeClr val="bg1"/>
                   </a:solidFill>
-                  <a:latin typeface="Century Gothic" panose="020B0502020202020204" pitchFamily="34" charset="0"/>
+                  <a:latin typeface="Segoe UI Semibold" panose="020B0702040204020203" pitchFamily="34" charset="0"/>
+                  <a:cs typeface="Segoe UI Semibold" panose="020B0702040204020203" pitchFamily="34" charset="0"/>
                 </a:rPr>
                 <a:t>Please Turn Off/Silence Your Devices </a:t>
               </a:r>
@@ -7754,7 +7892,8 @@
                   <a:solidFill>
                     <a:schemeClr val="bg1"/>
                   </a:solidFill>
-                  <a:latin typeface="Century Gothic" panose="020B0502020202020204" pitchFamily="34" charset="0"/>
+                  <a:latin typeface="Microsoft JhengHei" panose="020B0604030504040204" pitchFamily="34" charset="-120"/>
+                  <a:ea typeface="Microsoft JhengHei" panose="020B0604030504040204" pitchFamily="34" charset="-120"/>
                 </a:rPr>
                 <a:t>請靜音或關閉所有電子設備</a:t>
               </a:r>
@@ -7762,17 +7901,18 @@
                 <a:solidFill>
                   <a:schemeClr val="bg1"/>
                 </a:solidFill>
-                <a:latin typeface="Century Gothic" panose="020B0502020202020204" pitchFamily="34" charset="0"/>
+                <a:latin typeface="Microsoft JhengHei" panose="020B0604030504040204" pitchFamily="34" charset="-120"/>
+                <a:ea typeface="Microsoft JhengHei" panose="020B0604030504040204" pitchFamily="34" charset="-120"/>
               </a:endParaRPr>
             </a:p>
           </p:txBody>
         </p:sp>
         <p:pic>
           <p:nvPicPr>
-            <p:cNvPr id="15" name="Picture 14" descr="Shape&#10;&#10;Description automatically generated with low confidence">
+            <p:cNvPr id="4" name="Picture 3" descr="Shape&#10;&#10;Description automatically generated with low confidence">
               <a:extLst>
                 <a:ext uri="{FF2B5EF4-FFF2-40B4-BE49-F238E27FC236}">
-                  <a16:creationId xmlns:a16="http://schemas.microsoft.com/office/drawing/2014/main" id="{59210A52-B8A0-B230-BDDD-5B62C0DDCE8E}"/>
+                  <a16:creationId xmlns:a16="http://schemas.microsoft.com/office/drawing/2014/main" id="{D16AC897-C33E-407E-20B7-D9DC4C5C0B87}"/>
                 </a:ext>
               </a:extLst>
             </p:cNvPr>

--- a/TJCPowerPoint/bin/Debug/Files/ServiceWidescreen.pptx
+++ b/TJCPowerPoint/bin/Debug/Files/ServiceWidescreen.pptx
@@ -5126,6 +5126,18 @@
   <p:clrMapOvr>
     <a:masterClrMapping/>
   </p:clrMapOvr>
+  <mc:AlternateContent xmlns:mc="http://schemas.openxmlformats.org/markup-compatibility/2006" xmlns:p14="http://schemas.microsoft.com/office/powerpoint/2010/main">
+    <mc:Choice Requires="p14">
+      <p:transition spd="med" p14:dur="700">
+        <p:fade/>
+      </p:transition>
+    </mc:Choice>
+    <mc:Fallback xmlns="">
+      <p:transition spd="med">
+        <p:fade/>
+      </p:transition>
+    </mc:Fallback>
+  </mc:AlternateContent>
 </p:sld>
 </file>
 
@@ -5541,6 +5553,18 @@
   <p:clrMapOvr>
     <a:masterClrMapping/>
   </p:clrMapOvr>
+  <mc:AlternateContent xmlns:mc="http://schemas.openxmlformats.org/markup-compatibility/2006" xmlns:p14="http://schemas.microsoft.com/office/powerpoint/2010/main">
+    <mc:Choice Requires="p14">
+      <p:transition spd="med" p14:dur="700">
+        <p:fade/>
+      </p:transition>
+    </mc:Choice>
+    <mc:Fallback xmlns="">
+      <p:transition spd="med">
+        <p:fade/>
+      </p:transition>
+    </mc:Fallback>
+  </mc:AlternateContent>
 </p:sld>
 </file>
 
@@ -6025,6 +6049,18 @@
   <p:clrMapOvr>
     <a:masterClrMapping/>
   </p:clrMapOvr>
+  <mc:AlternateContent xmlns:mc="http://schemas.openxmlformats.org/markup-compatibility/2006" xmlns:p14="http://schemas.microsoft.com/office/powerpoint/2010/main">
+    <mc:Choice Requires="p14">
+      <p:transition spd="med" p14:dur="700">
+        <p:fade/>
+      </p:transition>
+    </mc:Choice>
+    <mc:Fallback xmlns="">
+      <p:transition spd="med">
+        <p:fade/>
+      </p:transition>
+    </mc:Fallback>
+  </mc:AlternateContent>
 </p:sld>
 </file>
 
@@ -6615,6 +6651,18 @@
   <p:clrMapOvr>
     <a:masterClrMapping/>
   </p:clrMapOvr>
+  <mc:AlternateContent xmlns:mc="http://schemas.openxmlformats.org/markup-compatibility/2006" xmlns:p14="http://schemas.microsoft.com/office/powerpoint/2010/main">
+    <mc:Choice Requires="p14">
+      <p:transition spd="med" p14:dur="700">
+        <p:fade/>
+      </p:transition>
+    </mc:Choice>
+    <mc:Fallback xmlns="">
+      <p:transition spd="med">
+        <p:fade/>
+      </p:transition>
+    </mc:Fallback>
+  </mc:AlternateContent>
 </p:sld>
 </file>
 
@@ -7371,6 +7419,18 @@
   <p:clrMapOvr>
     <a:masterClrMapping/>
   </p:clrMapOvr>
+  <mc:AlternateContent xmlns:mc="http://schemas.openxmlformats.org/markup-compatibility/2006" xmlns:p14="http://schemas.microsoft.com/office/powerpoint/2010/main">
+    <mc:Choice Requires="p14">
+      <p:transition spd="med" p14:dur="700">
+        <p:fade/>
+      </p:transition>
+    </mc:Choice>
+    <mc:Fallback xmlns="">
+      <p:transition spd="med">
+        <p:fade/>
+      </p:transition>
+    </mc:Fallback>
+  </mc:AlternateContent>
 </p:sld>
 </file>
 
@@ -7658,6 +7718,18 @@
   <p:clrMapOvr>
     <a:masterClrMapping/>
   </p:clrMapOvr>
+  <mc:AlternateContent xmlns:mc="http://schemas.openxmlformats.org/markup-compatibility/2006" xmlns:p14="http://schemas.microsoft.com/office/powerpoint/2010/main">
+    <mc:Choice Requires="p14">
+      <p:transition spd="med" p14:dur="700">
+        <p:fade/>
+      </p:transition>
+    </mc:Choice>
+    <mc:Fallback xmlns="">
+      <p:transition spd="med">
+        <p:fade/>
+      </p:transition>
+    </mc:Fallback>
+  </mc:AlternateContent>
 </p:sld>
 </file>
 
@@ -7969,6 +8041,18 @@
   <p:clrMapOvr>
     <a:masterClrMapping/>
   </p:clrMapOvr>
+  <mc:AlternateContent xmlns:mc="http://schemas.openxmlformats.org/markup-compatibility/2006" xmlns:p14="http://schemas.microsoft.com/office/powerpoint/2010/main">
+    <mc:Choice Requires="p14">
+      <p:transition spd="med" p14:dur="700">
+        <p:fade/>
+      </p:transition>
+    </mc:Choice>
+    <mc:Fallback xmlns="">
+      <p:transition spd="med">
+        <p:fade/>
+      </p:transition>
+    </mc:Fallback>
+  </mc:AlternateContent>
 </p:sld>
 </file>
 

--- a/TJCPowerPoint/bin/Debug/Files/ServiceWidescreen.pptx
+++ b/TJCPowerPoint/bin/Debug/Files/ServiceWidescreen.pptx
@@ -4247,7 +4247,7 @@
         </p:nvSpPr>
         <p:spPr bwMode="auto">
           <a:xfrm>
-            <a:off x="335359" y="2454900"/>
+            <a:off x="222502" y="2449050"/>
             <a:ext cx="5004520" cy="769441"/>
           </a:xfrm>
           <a:prstGeom prst="rect">
@@ -5126,18 +5126,6 @@
   <p:clrMapOvr>
     <a:masterClrMapping/>
   </p:clrMapOvr>
-  <mc:AlternateContent xmlns:mc="http://schemas.openxmlformats.org/markup-compatibility/2006" xmlns:p14="http://schemas.microsoft.com/office/powerpoint/2010/main">
-    <mc:Choice Requires="p14">
-      <p:transition spd="med" p14:dur="700">
-        <p:fade/>
-      </p:transition>
-    </mc:Choice>
-    <mc:Fallback xmlns="">
-      <p:transition spd="med">
-        <p:fade/>
-      </p:transition>
-    </mc:Fallback>
-  </mc:AlternateContent>
 </p:sld>
 </file>
 
@@ -5553,18 +5541,6 @@
   <p:clrMapOvr>
     <a:masterClrMapping/>
   </p:clrMapOvr>
-  <mc:AlternateContent xmlns:mc="http://schemas.openxmlformats.org/markup-compatibility/2006" xmlns:p14="http://schemas.microsoft.com/office/powerpoint/2010/main">
-    <mc:Choice Requires="p14">
-      <p:transition spd="med" p14:dur="700">
-        <p:fade/>
-      </p:transition>
-    </mc:Choice>
-    <mc:Fallback xmlns="">
-      <p:transition spd="med">
-        <p:fade/>
-      </p:transition>
-    </mc:Fallback>
-  </mc:AlternateContent>
 </p:sld>
 </file>
 
@@ -6049,18 +6025,6 @@
   <p:clrMapOvr>
     <a:masterClrMapping/>
   </p:clrMapOvr>
-  <mc:AlternateContent xmlns:mc="http://schemas.openxmlformats.org/markup-compatibility/2006" xmlns:p14="http://schemas.microsoft.com/office/powerpoint/2010/main">
-    <mc:Choice Requires="p14">
-      <p:transition spd="med" p14:dur="700">
-        <p:fade/>
-      </p:transition>
-    </mc:Choice>
-    <mc:Fallback xmlns="">
-      <p:transition spd="med">
-        <p:fade/>
-      </p:transition>
-    </mc:Fallback>
-  </mc:AlternateContent>
 </p:sld>
 </file>
 
@@ -6651,18 +6615,6 @@
   <p:clrMapOvr>
     <a:masterClrMapping/>
   </p:clrMapOvr>
-  <mc:AlternateContent xmlns:mc="http://schemas.openxmlformats.org/markup-compatibility/2006" xmlns:p14="http://schemas.microsoft.com/office/powerpoint/2010/main">
-    <mc:Choice Requires="p14">
-      <p:transition spd="med" p14:dur="700">
-        <p:fade/>
-      </p:transition>
-    </mc:Choice>
-    <mc:Fallback xmlns="">
-      <p:transition spd="med">
-        <p:fade/>
-      </p:transition>
-    </mc:Fallback>
-  </mc:AlternateContent>
 </p:sld>
 </file>
 
@@ -7419,18 +7371,6 @@
   <p:clrMapOvr>
     <a:masterClrMapping/>
   </p:clrMapOvr>
-  <mc:AlternateContent xmlns:mc="http://schemas.openxmlformats.org/markup-compatibility/2006" xmlns:p14="http://schemas.microsoft.com/office/powerpoint/2010/main">
-    <mc:Choice Requires="p14">
-      <p:transition spd="med" p14:dur="700">
-        <p:fade/>
-      </p:transition>
-    </mc:Choice>
-    <mc:Fallback xmlns="">
-      <p:transition spd="med">
-        <p:fade/>
-      </p:transition>
-    </mc:Fallback>
-  </mc:AlternateContent>
 </p:sld>
 </file>
 
@@ -7718,18 +7658,6 @@
   <p:clrMapOvr>
     <a:masterClrMapping/>
   </p:clrMapOvr>
-  <mc:AlternateContent xmlns:mc="http://schemas.openxmlformats.org/markup-compatibility/2006" xmlns:p14="http://schemas.microsoft.com/office/powerpoint/2010/main">
-    <mc:Choice Requires="p14">
-      <p:transition spd="med" p14:dur="700">
-        <p:fade/>
-      </p:transition>
-    </mc:Choice>
-    <mc:Fallback xmlns="">
-      <p:transition spd="med">
-        <p:fade/>
-      </p:transition>
-    </mc:Fallback>
-  </mc:AlternateContent>
 </p:sld>
 </file>
 
@@ -8041,18 +7969,6 @@
   <p:clrMapOvr>
     <a:masterClrMapping/>
   </p:clrMapOvr>
-  <mc:AlternateContent xmlns:mc="http://schemas.openxmlformats.org/markup-compatibility/2006" xmlns:p14="http://schemas.microsoft.com/office/powerpoint/2010/main">
-    <mc:Choice Requires="p14">
-      <p:transition spd="med" p14:dur="700">
-        <p:fade/>
-      </p:transition>
-    </mc:Choice>
-    <mc:Fallback xmlns="">
-      <p:transition spd="med">
-        <p:fade/>
-      </p:transition>
-    </mc:Fallback>
-  </mc:AlternateContent>
 </p:sld>
 </file>
 

--- a/TJCPowerPoint/bin/Debug/Files/ServiceWidescreen.pptx
+++ b/TJCPowerPoint/bin/Debug/Files/ServiceWidescreen.pptx
@@ -4711,10 +4711,10 @@
         </p:nvGrpSpPr>
         <p:grpSpPr>
           <a:xfrm>
-            <a:off x="5015880" y="6269250"/>
-            <a:ext cx="6958899" cy="369332"/>
-            <a:chOff x="5015880" y="6269250"/>
-            <a:chExt cx="6958899" cy="369332"/>
+            <a:off x="4943872" y="6269250"/>
+            <a:ext cx="7030907" cy="369332"/>
+            <a:chOff x="4943872" y="6269250"/>
+            <a:chExt cx="7030907" cy="369332"/>
           </a:xfrm>
         </p:grpSpPr>
         <p:sp>
@@ -4731,8 +4731,8 @@
           </p:nvSpPr>
           <p:spPr>
             <a:xfrm>
-              <a:off x="5015880" y="6269250"/>
-              <a:ext cx="6958899" cy="369332"/>
+              <a:off x="4943872" y="6269250"/>
+              <a:ext cx="7030907" cy="369332"/>
             </a:xfrm>
             <a:prstGeom prst="rect">
               <a:avLst/>
@@ -4761,7 +4761,7 @@
                 <a:t>Please Turn Off/Silence Your Devices </a:t>
               </a:r>
               <a:r>
-                <a:rPr lang="zh-TW" altLang="en-US" dirty="0">
+                <a:rPr lang="zh-TW" altLang="en-US" b="1" dirty="0">
                   <a:solidFill>
                     <a:schemeClr val="bg1"/>
                   </a:solidFill>
@@ -4770,7 +4770,7 @@
                 </a:rPr>
                 <a:t>請靜音或關閉所有電子設備</a:t>
               </a:r>
-              <a:endParaRPr lang="ja-JP" altLang="en-US" dirty="0">
+              <a:endParaRPr lang="ja-JP" altLang="en-US" b="1" dirty="0">
                 <a:solidFill>
                   <a:schemeClr val="bg1"/>
                 </a:solidFill>
@@ -4983,10 +4983,10 @@
       </p:pic>
       <p:grpSp>
         <p:nvGrpSpPr>
-          <p:cNvPr id="3" name="Group 2">
+          <p:cNvPr id="12" name="Group 11">
             <a:extLst>
               <a:ext uri="{FF2B5EF4-FFF2-40B4-BE49-F238E27FC236}">
-                <a16:creationId xmlns:a16="http://schemas.microsoft.com/office/drawing/2014/main" id="{3B61ED75-E6A1-A7FA-FD39-1B8FFD10881B}"/>
+                <a16:creationId xmlns:a16="http://schemas.microsoft.com/office/drawing/2014/main" id="{EA784185-13AE-4868-C382-B47CF5BA31B0}"/>
               </a:ext>
             </a:extLst>
           </p:cNvPr>
@@ -4995,18 +4995,18 @@
         </p:nvGrpSpPr>
         <p:grpSpPr>
           <a:xfrm>
-            <a:off x="5015880" y="6269250"/>
-            <a:ext cx="6958899" cy="369332"/>
-            <a:chOff x="5015880" y="6269250"/>
-            <a:chExt cx="6958899" cy="369332"/>
+            <a:off x="4943872" y="6269250"/>
+            <a:ext cx="7030907" cy="369332"/>
+            <a:chOff x="4943872" y="6269250"/>
+            <a:chExt cx="7030907" cy="369332"/>
           </a:xfrm>
         </p:grpSpPr>
         <p:sp>
           <p:nvSpPr>
-            <p:cNvPr id="4" name="TextBox 3">
+            <p:cNvPr id="13" name="TextBox 12">
               <a:extLst>
                 <a:ext uri="{FF2B5EF4-FFF2-40B4-BE49-F238E27FC236}">
-                  <a16:creationId xmlns:a16="http://schemas.microsoft.com/office/drawing/2014/main" id="{2B889C2D-1BE1-25D7-D89D-329394630B7A}"/>
+                  <a16:creationId xmlns:a16="http://schemas.microsoft.com/office/drawing/2014/main" id="{DFAB295F-71BE-BE22-C4E0-5EF12CFEB00C}"/>
                 </a:ext>
               </a:extLst>
             </p:cNvPr>
@@ -5015,8 +5015,8 @@
           </p:nvSpPr>
           <p:spPr>
             <a:xfrm>
-              <a:off x="5015880" y="6269250"/>
-              <a:ext cx="6958899" cy="369332"/>
+              <a:off x="4943872" y="6269250"/>
+              <a:ext cx="7030907" cy="369332"/>
             </a:xfrm>
             <a:prstGeom prst="rect">
               <a:avLst/>
@@ -5045,7 +5045,7 @@
                 <a:t>Please Turn Off/Silence Your Devices </a:t>
               </a:r>
               <a:r>
-                <a:rPr lang="zh-TW" altLang="en-US" dirty="0">
+                <a:rPr lang="zh-TW" altLang="en-US" b="1" dirty="0">
                   <a:solidFill>
                     <a:schemeClr val="bg1"/>
                   </a:solidFill>
@@ -5054,7 +5054,7 @@
                 </a:rPr>
                 <a:t>請靜音或關閉所有電子設備</a:t>
               </a:r>
-              <a:endParaRPr lang="ja-JP" altLang="en-US" dirty="0">
+              <a:endParaRPr lang="ja-JP" altLang="en-US" b="1" dirty="0">
                 <a:solidFill>
                   <a:schemeClr val="bg1"/>
                 </a:solidFill>
@@ -5066,10 +5066,10 @@
         </p:sp>
         <p:pic>
           <p:nvPicPr>
-            <p:cNvPr id="5" name="Picture 4" descr="Shape&#10;&#10;Description automatically generated with low confidence">
+            <p:cNvPr id="14" name="Picture 13" descr="Shape&#10;&#10;Description automatically generated with low confidence">
               <a:extLst>
                 <a:ext uri="{FF2B5EF4-FFF2-40B4-BE49-F238E27FC236}">
-                  <a16:creationId xmlns:a16="http://schemas.microsoft.com/office/drawing/2014/main" id="{735C222B-99FF-A410-A7A0-5803C8F770EF}"/>
+                  <a16:creationId xmlns:a16="http://schemas.microsoft.com/office/drawing/2014/main" id="{2C89D9E1-335C-8F1D-D009-8B3BEF47AAE9}"/>
                 </a:ext>
               </a:extLst>
             </p:cNvPr>
@@ -5403,10 +5403,10 @@
       </p:pic>
       <p:grpSp>
         <p:nvGrpSpPr>
-          <p:cNvPr id="5" name="Group 4">
+          <p:cNvPr id="15" name="Group 14">
             <a:extLst>
               <a:ext uri="{FF2B5EF4-FFF2-40B4-BE49-F238E27FC236}">
-                <a16:creationId xmlns:a16="http://schemas.microsoft.com/office/drawing/2014/main" id="{4318CBAA-1023-5E94-22FC-22E1AAA68E3C}"/>
+                <a16:creationId xmlns:a16="http://schemas.microsoft.com/office/drawing/2014/main" id="{7CAA8467-B68D-5C2D-8A31-749055A2A62E}"/>
               </a:ext>
             </a:extLst>
           </p:cNvPr>
@@ -5415,18 +5415,18 @@
         </p:nvGrpSpPr>
         <p:grpSpPr>
           <a:xfrm>
-            <a:off x="5015880" y="6269250"/>
-            <a:ext cx="6958899" cy="369332"/>
-            <a:chOff x="5015880" y="6269250"/>
-            <a:chExt cx="6958899" cy="369332"/>
+            <a:off x="4943872" y="6269250"/>
+            <a:ext cx="7030907" cy="369332"/>
+            <a:chOff x="4943872" y="6269250"/>
+            <a:chExt cx="7030907" cy="369332"/>
           </a:xfrm>
         </p:grpSpPr>
         <p:sp>
           <p:nvSpPr>
-            <p:cNvPr id="11" name="TextBox 10">
+            <p:cNvPr id="16" name="TextBox 15">
               <a:extLst>
                 <a:ext uri="{FF2B5EF4-FFF2-40B4-BE49-F238E27FC236}">
-                  <a16:creationId xmlns:a16="http://schemas.microsoft.com/office/drawing/2014/main" id="{B4260CEC-5476-21B3-5FCC-4587C1581A3E}"/>
+                  <a16:creationId xmlns:a16="http://schemas.microsoft.com/office/drawing/2014/main" id="{784C48A4-3316-3B61-0390-24A4BF874F85}"/>
                 </a:ext>
               </a:extLst>
             </p:cNvPr>
@@ -5435,8 +5435,8 @@
           </p:nvSpPr>
           <p:spPr>
             <a:xfrm>
-              <a:off x="5015880" y="6269250"/>
-              <a:ext cx="6958899" cy="369332"/>
+              <a:off x="4943872" y="6269250"/>
+              <a:ext cx="7030907" cy="369332"/>
             </a:xfrm>
             <a:prstGeom prst="rect">
               <a:avLst/>
@@ -5465,7 +5465,7 @@
                 <a:t>Please Turn Off/Silence Your Devices </a:t>
               </a:r>
               <a:r>
-                <a:rPr lang="zh-TW" altLang="en-US" dirty="0">
+                <a:rPr lang="zh-TW" altLang="en-US" b="1" dirty="0">
                   <a:solidFill>
                     <a:schemeClr val="bg1"/>
                   </a:solidFill>
@@ -5474,7 +5474,7 @@
                 </a:rPr>
                 <a:t>請靜音或關閉所有電子設備</a:t>
               </a:r>
-              <a:endParaRPr lang="ja-JP" altLang="en-US" dirty="0">
+              <a:endParaRPr lang="ja-JP" altLang="en-US" b="1" dirty="0">
                 <a:solidFill>
                   <a:schemeClr val="bg1"/>
                 </a:solidFill>
@@ -5486,10 +5486,10 @@
         </p:sp>
         <p:pic>
           <p:nvPicPr>
-            <p:cNvPr id="12" name="Picture 11" descr="Shape&#10;&#10;Description automatically generated with low confidence">
+            <p:cNvPr id="17" name="Picture 16" descr="Shape&#10;&#10;Description automatically generated with low confidence">
               <a:extLst>
                 <a:ext uri="{FF2B5EF4-FFF2-40B4-BE49-F238E27FC236}">
-                  <a16:creationId xmlns:a16="http://schemas.microsoft.com/office/drawing/2014/main" id="{F0558265-5741-04E4-E88D-DF9AA0E66F6F}"/>
+                  <a16:creationId xmlns:a16="http://schemas.microsoft.com/office/drawing/2014/main" id="{8DEE2E64-EE7D-350D-C2CA-178FDA5B9B9B}"/>
                 </a:ext>
               </a:extLst>
             </p:cNvPr>
@@ -5829,63 +5829,12 @@
           </a:prstGeom>
         </p:spPr>
       </p:pic>
-      <p:pic>
-        <p:nvPicPr>
-          <p:cNvPr id="19" name="Picture 18" descr="Shape&#10;&#10;Description automatically generated with low confidence">
+      <p:grpSp>
+        <p:nvGrpSpPr>
+          <p:cNvPr id="5" name="Group 4">
             <a:extLst>
               <a:ext uri="{FF2B5EF4-FFF2-40B4-BE49-F238E27FC236}">
-                <a16:creationId xmlns:a16="http://schemas.microsoft.com/office/drawing/2014/main" id="{09B6433A-856A-2F8B-C544-F278D802C8D8}"/>
-              </a:ext>
-            </a:extLst>
-          </p:cNvPr>
-          <p:cNvPicPr>
-            <a:picLocks noChangeAspect="1"/>
-          </p:cNvPicPr>
-          <p:nvPr/>
-        </p:nvPicPr>
-        <p:blipFill>
-          <a:blip r:embed="rId3" cstate="print">
-            <a:extLst>
-              <a:ext uri="{BEBA8EAE-BF5A-486C-A8C5-ECC9F3942E4B}">
-                <a14:imgProps xmlns:a14="http://schemas.microsoft.com/office/drawing/2010/main">
-                  <a14:imgLayer r:embed="rId4">
-                    <a14:imgEffect>
-                      <a14:colorTemperature colorTemp="11500"/>
-                    </a14:imgEffect>
-                    <a14:imgEffect>
-                      <a14:saturation sat="400000"/>
-                    </a14:imgEffect>
-                    <a14:imgEffect>
-                      <a14:brightnessContrast bright="100000" contrast="100000"/>
-                    </a14:imgEffect>
-                  </a14:imgLayer>
-                </a14:imgProps>
-              </a:ext>
-              <a:ext uri="{28A0092B-C50C-407E-A947-70E740481C1C}">
-                <a14:useLocalDpi xmlns:a14="http://schemas.microsoft.com/office/drawing/2010/main" val="0"/>
-              </a:ext>
-            </a:extLst>
-          </a:blip>
-          <a:stretch>
-            <a:fillRect/>
-          </a:stretch>
-        </p:blipFill>
-        <p:spPr>
-          <a:xfrm>
-            <a:off x="11658489" y="6309320"/>
-            <a:ext cx="280267" cy="280267"/>
-          </a:xfrm>
-          <a:prstGeom prst="rect">
-            <a:avLst/>
-          </a:prstGeom>
-        </p:spPr>
-      </p:pic>
-      <p:grpSp>
-        <p:nvGrpSpPr>
-          <p:cNvPr id="2" name="Group 1">
-            <a:extLst>
-              <a:ext uri="{FF2B5EF4-FFF2-40B4-BE49-F238E27FC236}">
-                <a16:creationId xmlns:a16="http://schemas.microsoft.com/office/drawing/2014/main" id="{B6B54496-D172-1277-B502-7A2167571B1F}"/>
+                <a16:creationId xmlns:a16="http://schemas.microsoft.com/office/drawing/2014/main" id="{FBA56367-5D7F-F80A-690E-BD9BD6315755}"/>
               </a:ext>
             </a:extLst>
           </p:cNvPr>
@@ -5894,18 +5843,18 @@
         </p:nvGrpSpPr>
         <p:grpSpPr>
           <a:xfrm>
-            <a:off x="5015880" y="6269250"/>
-            <a:ext cx="6958899" cy="369332"/>
-            <a:chOff x="5015880" y="6269250"/>
-            <a:chExt cx="6958899" cy="369332"/>
+            <a:off x="4943872" y="6269250"/>
+            <a:ext cx="7030907" cy="369332"/>
+            <a:chOff x="4943872" y="6269250"/>
+            <a:chExt cx="7030907" cy="369332"/>
           </a:xfrm>
         </p:grpSpPr>
         <p:sp>
           <p:nvSpPr>
-            <p:cNvPr id="3" name="TextBox 2">
+            <p:cNvPr id="6" name="TextBox 5">
               <a:extLst>
                 <a:ext uri="{FF2B5EF4-FFF2-40B4-BE49-F238E27FC236}">
-                  <a16:creationId xmlns:a16="http://schemas.microsoft.com/office/drawing/2014/main" id="{E287CD42-9BA7-DCCB-4681-6C21879CF068}"/>
+                  <a16:creationId xmlns:a16="http://schemas.microsoft.com/office/drawing/2014/main" id="{8A5CD7F2-FF03-54D0-C56F-1A4B1B478C1D}"/>
                 </a:ext>
               </a:extLst>
             </p:cNvPr>
@@ -5914,8 +5863,8 @@
           </p:nvSpPr>
           <p:spPr>
             <a:xfrm>
-              <a:off x="5015880" y="6269250"/>
-              <a:ext cx="6958899" cy="369332"/>
+              <a:off x="4943872" y="6269250"/>
+              <a:ext cx="7030907" cy="369332"/>
             </a:xfrm>
             <a:prstGeom prst="rect">
               <a:avLst/>
@@ -5944,7 +5893,7 @@
                 <a:t>Please Turn Off/Silence Your Devices </a:t>
               </a:r>
               <a:r>
-                <a:rPr lang="zh-TW" altLang="en-US" dirty="0">
+                <a:rPr lang="zh-TW" altLang="en-US" b="1" dirty="0">
                   <a:solidFill>
                     <a:schemeClr val="bg1"/>
                   </a:solidFill>
@@ -5953,7 +5902,7 @@
                 </a:rPr>
                 <a:t>請靜音或關閉所有電子設備</a:t>
               </a:r>
-              <a:endParaRPr lang="ja-JP" altLang="en-US" dirty="0">
+              <a:endParaRPr lang="ja-JP" altLang="en-US" b="1" dirty="0">
                 <a:solidFill>
                   <a:schemeClr val="bg1"/>
                 </a:solidFill>
@@ -5965,10 +5914,10 @@
         </p:sp>
         <p:pic>
           <p:nvPicPr>
-            <p:cNvPr id="4" name="Picture 3" descr="Shape&#10;&#10;Description automatically generated with low confidence">
+            <p:cNvPr id="7" name="Picture 6" descr="Shape&#10;&#10;Description automatically generated with low confidence">
               <a:extLst>
                 <a:ext uri="{FF2B5EF4-FFF2-40B4-BE49-F238E27FC236}">
-                  <a16:creationId xmlns:a16="http://schemas.microsoft.com/office/drawing/2014/main" id="{E48C9A32-387E-DE66-7B51-E101AD9A5BB1}"/>
+                  <a16:creationId xmlns:a16="http://schemas.microsoft.com/office/drawing/2014/main" id="{10313FF2-6F54-6076-FF3C-88FDC73625A1}"/>
                 </a:ext>
               </a:extLst>
             </p:cNvPr>
@@ -6472,10 +6421,10 @@
       </p:pic>
       <p:grpSp>
         <p:nvGrpSpPr>
-          <p:cNvPr id="3" name="Group 2">
+          <p:cNvPr id="9" name="Group 8">
             <a:extLst>
               <a:ext uri="{FF2B5EF4-FFF2-40B4-BE49-F238E27FC236}">
-                <a16:creationId xmlns:a16="http://schemas.microsoft.com/office/drawing/2014/main" id="{91B4F195-D2AF-A8BA-DD5B-0F12BA8271C5}"/>
+                <a16:creationId xmlns:a16="http://schemas.microsoft.com/office/drawing/2014/main" id="{FA35DE02-3554-30EF-5C0C-D36458671DD8}"/>
               </a:ext>
             </a:extLst>
           </p:cNvPr>
@@ -6484,18 +6433,18 @@
         </p:nvGrpSpPr>
         <p:grpSpPr>
           <a:xfrm>
-            <a:off x="5015880" y="6269250"/>
-            <a:ext cx="6958899" cy="369332"/>
-            <a:chOff x="5015880" y="6269250"/>
-            <a:chExt cx="6958899" cy="369332"/>
+            <a:off x="4943872" y="6269250"/>
+            <a:ext cx="7030907" cy="369332"/>
+            <a:chOff x="4943872" y="6269250"/>
+            <a:chExt cx="7030907" cy="369332"/>
           </a:xfrm>
         </p:grpSpPr>
         <p:sp>
           <p:nvSpPr>
-            <p:cNvPr id="4" name="TextBox 3">
+            <p:cNvPr id="12" name="TextBox 11">
               <a:extLst>
                 <a:ext uri="{FF2B5EF4-FFF2-40B4-BE49-F238E27FC236}">
-                  <a16:creationId xmlns:a16="http://schemas.microsoft.com/office/drawing/2014/main" id="{07B39FE7-2A46-AB36-7F4D-66491EB5F9B2}"/>
+                  <a16:creationId xmlns:a16="http://schemas.microsoft.com/office/drawing/2014/main" id="{7253A105-AF99-120A-0AFB-95D7548B80B4}"/>
                 </a:ext>
               </a:extLst>
             </p:cNvPr>
@@ -6504,8 +6453,8 @@
           </p:nvSpPr>
           <p:spPr>
             <a:xfrm>
-              <a:off x="5015880" y="6269250"/>
-              <a:ext cx="6958899" cy="369332"/>
+              <a:off x="4943872" y="6269250"/>
+              <a:ext cx="7030907" cy="369332"/>
             </a:xfrm>
             <a:prstGeom prst="rect">
               <a:avLst/>
@@ -6534,7 +6483,7 @@
                 <a:t>Please Turn Off/Silence Your Devices </a:t>
               </a:r>
               <a:r>
-                <a:rPr lang="zh-TW" altLang="en-US" dirty="0">
+                <a:rPr lang="zh-TW" altLang="en-US" b="1" dirty="0">
                   <a:solidFill>
                     <a:schemeClr val="bg1"/>
                   </a:solidFill>
@@ -6543,7 +6492,7 @@
                 </a:rPr>
                 <a:t>請靜音或關閉所有電子設備</a:t>
               </a:r>
-              <a:endParaRPr lang="ja-JP" altLang="en-US" dirty="0">
+              <a:endParaRPr lang="ja-JP" altLang="en-US" b="1" dirty="0">
                 <a:solidFill>
                   <a:schemeClr val="bg1"/>
                 </a:solidFill>
@@ -6555,10 +6504,10 @@
         </p:sp>
         <p:pic>
           <p:nvPicPr>
-            <p:cNvPr id="5" name="Picture 4" descr="Shape&#10;&#10;Description automatically generated with low confidence">
+            <p:cNvPr id="15" name="Picture 14" descr="Shape&#10;&#10;Description automatically generated with low confidence">
               <a:extLst>
                 <a:ext uri="{FF2B5EF4-FFF2-40B4-BE49-F238E27FC236}">
-                  <a16:creationId xmlns:a16="http://schemas.microsoft.com/office/drawing/2014/main" id="{122FDB51-3754-A377-EC05-51EBF7D9F33D}"/>
+                  <a16:creationId xmlns:a16="http://schemas.microsoft.com/office/drawing/2014/main" id="{E48848AA-660E-29D6-5F51-FA23126B5FBF}"/>
                 </a:ext>
               </a:extLst>
             </p:cNvPr>
@@ -7228,10 +7177,10 @@
       </p:pic>
       <p:grpSp>
         <p:nvGrpSpPr>
-          <p:cNvPr id="4" name="Group 3">
+          <p:cNvPr id="3" name="Group 2">
             <a:extLst>
               <a:ext uri="{FF2B5EF4-FFF2-40B4-BE49-F238E27FC236}">
-                <a16:creationId xmlns:a16="http://schemas.microsoft.com/office/drawing/2014/main" id="{95089782-747A-BF76-B9D9-55BBB3BDCD96}"/>
+                <a16:creationId xmlns:a16="http://schemas.microsoft.com/office/drawing/2014/main" id="{CBCD34F9-788F-4FC6-1A0F-24EF71190889}"/>
               </a:ext>
             </a:extLst>
           </p:cNvPr>
@@ -7240,18 +7189,18 @@
         </p:nvGrpSpPr>
         <p:grpSpPr>
           <a:xfrm>
-            <a:off x="5015880" y="6269250"/>
-            <a:ext cx="6958899" cy="369332"/>
-            <a:chOff x="5015880" y="6269250"/>
-            <a:chExt cx="6958899" cy="369332"/>
+            <a:off x="4943872" y="6269250"/>
+            <a:ext cx="7030907" cy="369332"/>
+            <a:chOff x="4943872" y="6269250"/>
+            <a:chExt cx="7030907" cy="369332"/>
           </a:xfrm>
         </p:grpSpPr>
         <p:sp>
           <p:nvSpPr>
-            <p:cNvPr id="5" name="TextBox 4">
+            <p:cNvPr id="7" name="TextBox 6">
               <a:extLst>
                 <a:ext uri="{FF2B5EF4-FFF2-40B4-BE49-F238E27FC236}">
-                  <a16:creationId xmlns:a16="http://schemas.microsoft.com/office/drawing/2014/main" id="{ABF9F8A3-8FC4-BEE7-C742-CC4F2256994E}"/>
+                  <a16:creationId xmlns:a16="http://schemas.microsoft.com/office/drawing/2014/main" id="{609D2C82-3903-C488-E915-7CFDF291964A}"/>
                 </a:ext>
               </a:extLst>
             </p:cNvPr>
@@ -7260,8 +7209,8 @@
           </p:nvSpPr>
           <p:spPr>
             <a:xfrm>
-              <a:off x="5015880" y="6269250"/>
-              <a:ext cx="6958899" cy="369332"/>
+              <a:off x="4943872" y="6269250"/>
+              <a:ext cx="7030907" cy="369332"/>
             </a:xfrm>
             <a:prstGeom prst="rect">
               <a:avLst/>
@@ -7290,7 +7239,7 @@
                 <a:t>Please Turn Off/Silence Your Devices </a:t>
               </a:r>
               <a:r>
-                <a:rPr lang="zh-TW" altLang="en-US" dirty="0">
+                <a:rPr lang="zh-TW" altLang="en-US" b="1" dirty="0">
                   <a:solidFill>
                     <a:schemeClr val="bg1"/>
                   </a:solidFill>
@@ -7299,7 +7248,7 @@
                 </a:rPr>
                 <a:t>請靜音或關閉所有電子設備</a:t>
               </a:r>
-              <a:endParaRPr lang="ja-JP" altLang="en-US" dirty="0">
+              <a:endParaRPr lang="ja-JP" altLang="en-US" b="1" dirty="0">
                 <a:solidFill>
                   <a:schemeClr val="bg1"/>
                 </a:solidFill>
@@ -7311,10 +7260,10 @@
         </p:sp>
         <p:pic>
           <p:nvPicPr>
-            <p:cNvPr id="6" name="Picture 5" descr="Shape&#10;&#10;Description automatically generated with low confidence">
+            <p:cNvPr id="8" name="Picture 7" descr="Shape&#10;&#10;Description automatically generated with low confidence">
               <a:extLst>
                 <a:ext uri="{FF2B5EF4-FFF2-40B4-BE49-F238E27FC236}">
-                  <a16:creationId xmlns:a16="http://schemas.microsoft.com/office/drawing/2014/main" id="{E1B4DD36-6C7F-7A60-CAC2-6D30E0FAB4DC}"/>
+                  <a16:creationId xmlns:a16="http://schemas.microsoft.com/office/drawing/2014/main" id="{86A4792D-0D87-3DBC-8CAB-465A13C64B77}"/>
                 </a:ext>
               </a:extLst>
             </p:cNvPr>
@@ -7371,6 +7320,18 @@
   <p:clrMapOvr>
     <a:masterClrMapping/>
   </p:clrMapOvr>
+  <mc:AlternateContent xmlns:mc="http://schemas.openxmlformats.org/markup-compatibility/2006">
+    <mc:Choice xmlns:p14="http://schemas.microsoft.com/office/powerpoint/2010/main" Requires="p14">
+      <p:transition spd="med" p14:dur="700">
+        <p:fade/>
+      </p:transition>
+    </mc:Choice>
+    <mc:Fallback>
+      <p:transition spd="med">
+        <p:fade/>
+      </p:transition>
+    </mc:Fallback>
+  </mc:AlternateContent>
 </p:sld>
 </file>
 
@@ -7658,6 +7619,18 @@
   <p:clrMapOvr>
     <a:masterClrMapping/>
   </p:clrMapOvr>
+  <mc:AlternateContent xmlns:mc="http://schemas.openxmlformats.org/markup-compatibility/2006">
+    <mc:Choice xmlns:p14="http://schemas.microsoft.com/office/powerpoint/2010/main" Requires="p14">
+      <p:transition spd="med" p14:dur="700">
+        <p:fade/>
+      </p:transition>
+    </mc:Choice>
+    <mc:Fallback>
+      <p:transition spd="med">
+        <p:fade/>
+      </p:transition>
+    </mc:Fallback>
+  </mc:AlternateContent>
 </p:sld>
 </file>
 
@@ -7826,10 +7799,10 @@
       </p:pic>
       <p:grpSp>
         <p:nvGrpSpPr>
-          <p:cNvPr id="2" name="Group 1">
+          <p:cNvPr id="5" name="Group 4">
             <a:extLst>
               <a:ext uri="{FF2B5EF4-FFF2-40B4-BE49-F238E27FC236}">
-                <a16:creationId xmlns:a16="http://schemas.microsoft.com/office/drawing/2014/main" id="{39F465D4-0E11-D6F1-66F3-BA207A7CB505}"/>
+                <a16:creationId xmlns:a16="http://schemas.microsoft.com/office/drawing/2014/main" id="{277B2C79-2A8B-B992-9C76-550EEBEAE835}"/>
               </a:ext>
             </a:extLst>
           </p:cNvPr>
@@ -7838,18 +7811,18 @@
         </p:nvGrpSpPr>
         <p:grpSpPr>
           <a:xfrm>
-            <a:off x="5015880" y="6269250"/>
-            <a:ext cx="6958899" cy="369332"/>
-            <a:chOff x="5015880" y="6269250"/>
-            <a:chExt cx="6958899" cy="369332"/>
+            <a:off x="4943872" y="6269250"/>
+            <a:ext cx="7030907" cy="369332"/>
+            <a:chOff x="4943872" y="6269250"/>
+            <a:chExt cx="7030907" cy="369332"/>
           </a:xfrm>
         </p:grpSpPr>
         <p:sp>
           <p:nvSpPr>
-            <p:cNvPr id="3" name="TextBox 2">
+            <p:cNvPr id="6" name="TextBox 5">
               <a:extLst>
                 <a:ext uri="{FF2B5EF4-FFF2-40B4-BE49-F238E27FC236}">
-                  <a16:creationId xmlns:a16="http://schemas.microsoft.com/office/drawing/2014/main" id="{D1EB7A38-350C-5FD4-666D-E4BEEB3769FD}"/>
+                  <a16:creationId xmlns:a16="http://schemas.microsoft.com/office/drawing/2014/main" id="{CAB4616D-1493-C0B1-6B24-457549FC9E10}"/>
                 </a:ext>
               </a:extLst>
             </p:cNvPr>
@@ -7858,8 +7831,8 @@
           </p:nvSpPr>
           <p:spPr>
             <a:xfrm>
-              <a:off x="5015880" y="6269250"/>
-              <a:ext cx="6958899" cy="369332"/>
+              <a:off x="4943872" y="6269250"/>
+              <a:ext cx="7030907" cy="369332"/>
             </a:xfrm>
             <a:prstGeom prst="rect">
               <a:avLst/>
@@ -7888,7 +7861,7 @@
                 <a:t>Please Turn Off/Silence Your Devices </a:t>
               </a:r>
               <a:r>
-                <a:rPr lang="zh-TW" altLang="en-US" dirty="0">
+                <a:rPr lang="zh-TW" altLang="en-US" b="1" dirty="0">
                   <a:solidFill>
                     <a:schemeClr val="bg1"/>
                   </a:solidFill>
@@ -7897,7 +7870,7 @@
                 </a:rPr>
                 <a:t>請靜音或關閉所有電子設備</a:t>
               </a:r>
-              <a:endParaRPr lang="ja-JP" altLang="en-US" dirty="0">
+              <a:endParaRPr lang="ja-JP" altLang="en-US" b="1" dirty="0">
                 <a:solidFill>
                   <a:schemeClr val="bg1"/>
                 </a:solidFill>
@@ -7909,10 +7882,10 @@
         </p:sp>
         <p:pic>
           <p:nvPicPr>
-            <p:cNvPr id="4" name="Picture 3" descr="Shape&#10;&#10;Description automatically generated with low confidence">
+            <p:cNvPr id="7" name="Picture 6" descr="Shape&#10;&#10;Description automatically generated with low confidence">
               <a:extLst>
                 <a:ext uri="{FF2B5EF4-FFF2-40B4-BE49-F238E27FC236}">
-                  <a16:creationId xmlns:a16="http://schemas.microsoft.com/office/drawing/2014/main" id="{D16AC897-C33E-407E-20B7-D9DC4C5C0B87}"/>
+                  <a16:creationId xmlns:a16="http://schemas.microsoft.com/office/drawing/2014/main" id="{162933C6-905E-45A4-702C-E8273197FEE3}"/>
                 </a:ext>
               </a:extLst>
             </p:cNvPr>

--- a/TJCPowerPoint/bin/Debug/Files/ServiceWidescreen.pptx
+++ b/TJCPowerPoint/bin/Debug/Files/ServiceWidescreen.pptx
@@ -5,20 +5,19 @@
     <p:sldMasterId id="2147483660" r:id="rId1"/>
   </p:sldMasterIdLst>
   <p:notesMasterIdLst>
-    <p:notesMasterId r:id="rId10"/>
+    <p:notesMasterId r:id="rId9"/>
   </p:notesMasterIdLst>
   <p:handoutMasterIdLst>
-    <p:handoutMasterId r:id="rId11"/>
+    <p:handoutMasterId r:id="rId10"/>
   </p:handoutMasterIdLst>
   <p:sldIdLst>
     <p:sldId id="357" r:id="rId2"/>
-    <p:sldId id="362" r:id="rId3"/>
-    <p:sldId id="358" r:id="rId4"/>
-    <p:sldId id="360" r:id="rId5"/>
-    <p:sldId id="361" r:id="rId6"/>
-    <p:sldId id="359" r:id="rId7"/>
-    <p:sldId id="363" r:id="rId8"/>
-    <p:sldId id="364" r:id="rId9"/>
+    <p:sldId id="358" r:id="rId3"/>
+    <p:sldId id="360" r:id="rId4"/>
+    <p:sldId id="361" r:id="rId5"/>
+    <p:sldId id="359" r:id="rId6"/>
+    <p:sldId id="363" r:id="rId7"/>
+    <p:sldId id="364" r:id="rId8"/>
   </p:sldIdLst>
   <p:sldSz cx="12192000" cy="6858000"/>
   <p:notesSz cx="6858000" cy="9144000"/>
@@ -4867,295 +4866,6 @@
       </p:grpSpPr>
       <p:sp>
         <p:nvSpPr>
-          <p:cNvPr id="8" name="Title 1">
-            <a:extLst>
-              <a:ext uri="{FF2B5EF4-FFF2-40B4-BE49-F238E27FC236}">
-                <a16:creationId xmlns:a16="http://schemas.microsoft.com/office/drawing/2014/main" id="{3DD2CCF3-660C-4B35-8262-BE8668E0E220}"/>
-              </a:ext>
-            </a:extLst>
-          </p:cNvPr>
-          <p:cNvSpPr>
-            <a:spLocks noGrp="1"/>
-          </p:cNvSpPr>
-          <p:nvPr>
-            <p:ph type="ctrTitle"/>
-          </p:nvPr>
-        </p:nvSpPr>
-        <p:spPr>
-          <a:xfrm>
-            <a:off x="-7741368" y="2619557"/>
-            <a:ext cx="6858000" cy="2387600"/>
-          </a:xfrm>
-        </p:spPr>
-        <p:txBody>
-          <a:bodyPr/>
-          <a:lstStyle/>
-          <a:p>
-            <a:r>
-              <a:rPr lang="en-GB" dirty="0">
-                <a:solidFill>
-                  <a:schemeClr val="bg1"/>
-                </a:solidFill>
-                <a:latin typeface="Century Gothic" panose="020B0502020202020204" pitchFamily="34" charset="0"/>
-              </a:rPr>
-              <a:t>Prayer Requests (Image)</a:t>
-            </a:r>
-          </a:p>
-        </p:txBody>
-      </p:sp>
-      <p:sp>
-        <p:nvSpPr>
-          <p:cNvPr id="2" name="TextBox 1">
-            <a:extLst>
-              <a:ext uri="{FF2B5EF4-FFF2-40B4-BE49-F238E27FC236}">
-                <a16:creationId xmlns:a16="http://schemas.microsoft.com/office/drawing/2014/main" id="{6EC0A171-41D3-4538-A3AA-95F4377BCA8B}"/>
-              </a:ext>
-            </a:extLst>
-          </p:cNvPr>
-          <p:cNvSpPr txBox="1"/>
-          <p:nvPr/>
-        </p:nvSpPr>
-        <p:spPr>
-          <a:xfrm>
-            <a:off x="2999656" y="3105834"/>
-            <a:ext cx="6192688" cy="646331"/>
-          </a:xfrm>
-          <a:prstGeom prst="rect">
-            <a:avLst/>
-          </a:prstGeom>
-          <a:noFill/>
-        </p:spPr>
-        <p:txBody>
-          <a:bodyPr wrap="square" rtlCol="0">
-            <a:spAutoFit/>
-          </a:bodyPr>
-          <a:lstStyle/>
-          <a:p>
-            <a:pPr algn="ctr"/>
-            <a:r>
-              <a:rPr lang="en-GB" sz="3600" b="1" dirty="0">
-                <a:solidFill>
-                  <a:schemeClr val="bg1"/>
-                </a:solidFill>
-                <a:latin typeface="Segoe UI" panose="020B0502040204020203" pitchFamily="34" charset="0"/>
-                <a:cs typeface="Segoe UI" panose="020B0502040204020203" pitchFamily="34" charset="0"/>
-              </a:rPr>
-              <a:t>PRAYER REQUEST IMAGE</a:t>
-            </a:r>
-          </a:p>
-        </p:txBody>
-      </p:sp>
-      <p:pic>
-        <p:nvPicPr>
-          <p:cNvPr id="7" name="Picture 6" descr="Logo&#10;&#10;Description automatically generated with medium confidence">
-            <a:extLst>
-              <a:ext uri="{FF2B5EF4-FFF2-40B4-BE49-F238E27FC236}">
-                <a16:creationId xmlns:a16="http://schemas.microsoft.com/office/drawing/2014/main" id="{EF3F0058-932D-CAD4-BFC4-012B47F2E596}"/>
-              </a:ext>
-            </a:extLst>
-          </p:cNvPr>
-          <p:cNvPicPr>
-            <a:picLocks noChangeAspect="1"/>
-          </p:cNvPicPr>
-          <p:nvPr/>
-        </p:nvPicPr>
-        <p:blipFill>
-          <a:blip r:embed="rId2" cstate="print">
-            <a:extLst>
-              <a:ext uri="{28A0092B-C50C-407E-A947-70E740481C1C}">
-                <a14:useLocalDpi xmlns:a14="http://schemas.microsoft.com/office/drawing/2010/main" val="0"/>
-              </a:ext>
-            </a:extLst>
-          </a:blip>
-          <a:stretch>
-            <a:fillRect/>
-          </a:stretch>
-        </p:blipFill>
-        <p:spPr>
-          <a:xfrm>
-            <a:off x="335359" y="6269250"/>
-            <a:ext cx="2664297" cy="344791"/>
-          </a:xfrm>
-          <a:prstGeom prst="rect">
-            <a:avLst/>
-          </a:prstGeom>
-        </p:spPr>
-      </p:pic>
-      <p:grpSp>
-        <p:nvGrpSpPr>
-          <p:cNvPr id="12" name="Group 11">
-            <a:extLst>
-              <a:ext uri="{FF2B5EF4-FFF2-40B4-BE49-F238E27FC236}">
-                <a16:creationId xmlns:a16="http://schemas.microsoft.com/office/drawing/2014/main" id="{EA784185-13AE-4868-C382-B47CF5BA31B0}"/>
-              </a:ext>
-            </a:extLst>
-          </p:cNvPr>
-          <p:cNvGrpSpPr/>
-          <p:nvPr/>
-        </p:nvGrpSpPr>
-        <p:grpSpPr>
-          <a:xfrm>
-            <a:off x="4943872" y="6269250"/>
-            <a:ext cx="7030907" cy="369332"/>
-            <a:chOff x="4943872" y="6269250"/>
-            <a:chExt cx="7030907" cy="369332"/>
-          </a:xfrm>
-        </p:grpSpPr>
-        <p:sp>
-          <p:nvSpPr>
-            <p:cNvPr id="13" name="TextBox 12">
-              <a:extLst>
-                <a:ext uri="{FF2B5EF4-FFF2-40B4-BE49-F238E27FC236}">
-                  <a16:creationId xmlns:a16="http://schemas.microsoft.com/office/drawing/2014/main" id="{DFAB295F-71BE-BE22-C4E0-5EF12CFEB00C}"/>
-                </a:ext>
-              </a:extLst>
-            </p:cNvPr>
-            <p:cNvSpPr txBox="1"/>
-            <p:nvPr/>
-          </p:nvSpPr>
-          <p:spPr>
-            <a:xfrm>
-              <a:off x="4943872" y="6269250"/>
-              <a:ext cx="7030907" cy="369332"/>
-            </a:xfrm>
-            <a:prstGeom prst="rect">
-              <a:avLst/>
-            </a:prstGeom>
-            <a:noFill/>
-            <a:ln w="19050">
-              <a:solidFill>
-                <a:srgbClr val="FF0000"/>
-              </a:solidFill>
-            </a:ln>
-          </p:spPr>
-          <p:txBody>
-            <a:bodyPr wrap="square" rtlCol="0" anchor="ctr">
-              <a:spAutoFit/>
-            </a:bodyPr>
-            <a:lstStyle/>
-            <a:p>
-              <a:r>
-                <a:rPr lang="en-GB" dirty="0">
-                  <a:solidFill>
-                    <a:schemeClr val="bg1"/>
-                  </a:solidFill>
-                  <a:latin typeface="Segoe UI Semibold" panose="020B0702040204020203" pitchFamily="34" charset="0"/>
-                  <a:cs typeface="Segoe UI Semibold" panose="020B0702040204020203" pitchFamily="34" charset="0"/>
-                </a:rPr>
-                <a:t>Please Turn Off/Silence Your Devices </a:t>
-              </a:r>
-              <a:r>
-                <a:rPr lang="zh-TW" altLang="en-US" b="1" dirty="0">
-                  <a:solidFill>
-                    <a:schemeClr val="bg1"/>
-                  </a:solidFill>
-                  <a:latin typeface="Microsoft JhengHei" panose="020B0604030504040204" pitchFamily="34" charset="-120"/>
-                  <a:ea typeface="Microsoft JhengHei" panose="020B0604030504040204" pitchFamily="34" charset="-120"/>
-                </a:rPr>
-                <a:t>請靜音或關閉所有電子設備</a:t>
-              </a:r>
-              <a:endParaRPr lang="ja-JP" altLang="en-US" b="1" dirty="0">
-                <a:solidFill>
-                  <a:schemeClr val="bg1"/>
-                </a:solidFill>
-                <a:latin typeface="Microsoft JhengHei" panose="020B0604030504040204" pitchFamily="34" charset="-120"/>
-                <a:ea typeface="Microsoft JhengHei" panose="020B0604030504040204" pitchFamily="34" charset="-120"/>
-              </a:endParaRPr>
-            </a:p>
-          </p:txBody>
-        </p:sp>
-        <p:pic>
-          <p:nvPicPr>
-            <p:cNvPr id="14" name="Picture 13" descr="Shape&#10;&#10;Description automatically generated with low confidence">
-              <a:extLst>
-                <a:ext uri="{FF2B5EF4-FFF2-40B4-BE49-F238E27FC236}">
-                  <a16:creationId xmlns:a16="http://schemas.microsoft.com/office/drawing/2014/main" id="{2C89D9E1-335C-8F1D-D009-8B3BEF47AAE9}"/>
-                </a:ext>
-              </a:extLst>
-            </p:cNvPr>
-            <p:cNvPicPr>
-              <a:picLocks noChangeAspect="1"/>
-            </p:cNvPicPr>
-            <p:nvPr/>
-          </p:nvPicPr>
-          <p:blipFill>
-            <a:blip r:embed="rId3" cstate="print">
-              <a:extLst>
-                <a:ext uri="{BEBA8EAE-BF5A-486C-A8C5-ECC9F3942E4B}">
-                  <a14:imgProps xmlns:a14="http://schemas.microsoft.com/office/drawing/2010/main">
-                    <a14:imgLayer r:embed="rId4">
-                      <a14:imgEffect>
-                        <a14:colorTemperature colorTemp="11500"/>
-                      </a14:imgEffect>
-                      <a14:imgEffect>
-                        <a14:saturation sat="400000"/>
-                      </a14:imgEffect>
-                      <a14:imgEffect>
-                        <a14:brightnessContrast bright="100000" contrast="100000"/>
-                      </a14:imgEffect>
-                    </a14:imgLayer>
-                  </a14:imgProps>
-                </a:ext>
-                <a:ext uri="{28A0092B-C50C-407E-A947-70E740481C1C}">
-                  <a14:useLocalDpi xmlns:a14="http://schemas.microsoft.com/office/drawing/2010/main" val="0"/>
-                </a:ext>
-              </a:extLst>
-            </a:blip>
-            <a:stretch>
-              <a:fillRect/>
-            </a:stretch>
-          </p:blipFill>
-          <p:spPr>
-            <a:xfrm>
-              <a:off x="11658489" y="6309320"/>
-              <a:ext cx="280267" cy="280267"/>
-            </a:xfrm>
-            <a:prstGeom prst="rect">
-              <a:avLst/>
-            </a:prstGeom>
-          </p:spPr>
-        </p:pic>
-      </p:grpSp>
-    </p:spTree>
-    <p:extLst>
-      <p:ext uri="{BB962C8B-B14F-4D97-AF65-F5344CB8AC3E}">
-        <p14:creationId xmlns:p14="http://schemas.microsoft.com/office/powerpoint/2010/main" val="3351645641"/>
-      </p:ext>
-    </p:extLst>
-  </p:cSld>
-  <p:clrMapOvr>
-    <a:masterClrMapping/>
-  </p:clrMapOvr>
-</p:sld>
-</file>
-
-<file path=ppt/slides/slide3.xml><?xml version="1.0" encoding="utf-8"?>
-<p:sld xmlns:a="http://schemas.openxmlformats.org/drawingml/2006/main" xmlns:r="http://schemas.openxmlformats.org/officeDocument/2006/relationships" xmlns:p="http://schemas.openxmlformats.org/presentationml/2006/main">
-  <p:cSld>
-    <p:bg>
-      <p:bgPr>
-        <a:solidFill>
-          <a:schemeClr val="tx1"/>
-        </a:solidFill>
-        <a:effectLst/>
-      </p:bgPr>
-    </p:bg>
-    <p:spTree>
-      <p:nvGrpSpPr>
-        <p:cNvPr id="1" name=""/>
-        <p:cNvGrpSpPr/>
-        <p:nvPr/>
-      </p:nvGrpSpPr>
-      <p:grpSpPr>
-        <a:xfrm>
-          <a:off x="0" y="0"/>
-          <a:ext cx="0" cy="0"/>
-          <a:chOff x="0" y="0"/>
-          <a:chExt cx="0" cy="0"/>
-        </a:xfrm>
-      </p:grpSpPr>
-      <p:sp>
-        <p:nvSpPr>
           <p:cNvPr id="6" name="Text Box 12">
             <a:extLst>
               <a:ext uri="{FF2B5EF4-FFF2-40B4-BE49-F238E27FC236}">
@@ -5544,7 +5254,7 @@
 </p:sld>
 </file>
 
-<file path=ppt/slides/slide4.xml><?xml version="1.0" encoding="utf-8"?>
+<file path=ppt/slides/slide3.xml><?xml version="1.0" encoding="utf-8"?>
 <p:sld xmlns:a="http://schemas.openxmlformats.org/drawingml/2006/main" xmlns:r="http://schemas.openxmlformats.org/officeDocument/2006/relationships" xmlns:p="http://schemas.openxmlformats.org/presentationml/2006/main">
   <p:cSld>
     <p:bg>
@@ -5977,7 +5687,7 @@
 </p:sld>
 </file>
 
-<file path=ppt/slides/slide5.xml><?xml version="1.0" encoding="utf-8"?>
+<file path=ppt/slides/slide4.xml><?xml version="1.0" encoding="utf-8"?>
 <p:sld xmlns:a="http://schemas.openxmlformats.org/drawingml/2006/main" xmlns:r="http://schemas.openxmlformats.org/officeDocument/2006/relationships" xmlns:p="http://schemas.openxmlformats.org/presentationml/2006/main">
   <p:cSld>
     <p:bg>
@@ -6567,7 +6277,7 @@
 </p:sld>
 </file>
 
-<file path=ppt/slides/slide6.xml><?xml version="1.0" encoding="utf-8"?>
+<file path=ppt/slides/slide5.xml><?xml version="1.0" encoding="utf-8"?>
 <p:sld xmlns:a="http://schemas.openxmlformats.org/drawingml/2006/main" xmlns:r="http://schemas.openxmlformats.org/officeDocument/2006/relationships" xmlns:p="http://schemas.openxmlformats.org/presentationml/2006/main">
   <p:cSld>
     <p:bg>
@@ -7320,13 +7030,13 @@
   <p:clrMapOvr>
     <a:masterClrMapping/>
   </p:clrMapOvr>
-  <mc:AlternateContent xmlns:mc="http://schemas.openxmlformats.org/markup-compatibility/2006">
-    <mc:Choice xmlns:p14="http://schemas.microsoft.com/office/powerpoint/2010/main" Requires="p14">
+  <mc:AlternateContent xmlns:mc="http://schemas.openxmlformats.org/markup-compatibility/2006" xmlns:p14="http://schemas.microsoft.com/office/powerpoint/2010/main">
+    <mc:Choice Requires="p14">
       <p:transition spd="med" p14:dur="700">
         <p:fade/>
       </p:transition>
     </mc:Choice>
-    <mc:Fallback>
+    <mc:Fallback xmlns="">
       <p:transition spd="med">
         <p:fade/>
       </p:transition>
@@ -7335,7 +7045,7 @@
 </p:sld>
 </file>
 
-<file path=ppt/slides/slide7.xml><?xml version="1.0" encoding="utf-8"?>
+<file path=ppt/slides/slide6.xml><?xml version="1.0" encoding="utf-8"?>
 <p:sld xmlns:a="http://schemas.openxmlformats.org/drawingml/2006/main" xmlns:r="http://schemas.openxmlformats.org/officeDocument/2006/relationships" xmlns:p="http://schemas.openxmlformats.org/presentationml/2006/main">
   <p:cSld>
     <p:bg>
@@ -7619,13 +7329,13 @@
   <p:clrMapOvr>
     <a:masterClrMapping/>
   </p:clrMapOvr>
-  <mc:AlternateContent xmlns:mc="http://schemas.openxmlformats.org/markup-compatibility/2006">
-    <mc:Choice xmlns:p14="http://schemas.microsoft.com/office/powerpoint/2010/main" Requires="p14">
+  <mc:AlternateContent xmlns:mc="http://schemas.openxmlformats.org/markup-compatibility/2006" xmlns:p14="http://schemas.microsoft.com/office/powerpoint/2010/main">
+    <mc:Choice Requires="p14">
       <p:transition spd="med" p14:dur="700">
         <p:fade/>
       </p:transition>
     </mc:Choice>
-    <mc:Fallback>
+    <mc:Fallback xmlns="">
       <p:transition spd="med">
         <p:fade/>
       </p:transition>
@@ -7634,7 +7344,7 @@
 </p:sld>
 </file>
 
-<file path=ppt/slides/slide8.xml><?xml version="1.0" encoding="utf-8"?>
+<file path=ppt/slides/slide7.xml><?xml version="1.0" encoding="utf-8"?>
 <p:sld xmlns:a="http://schemas.openxmlformats.org/drawingml/2006/main" xmlns:r="http://schemas.openxmlformats.org/officeDocument/2006/relationships" xmlns:p="http://schemas.openxmlformats.org/presentationml/2006/main">
   <p:cSld>
     <p:bg>

--- a/TJCPowerPoint/bin/Debug/Files/ServiceWidescreen.pptx
+++ b/TJCPowerPoint/bin/Debug/Files/ServiceWidescreen.pptx
@@ -4927,7 +4927,7 @@
           <a:lstStyle/>
           <a:p>
             <a:pPr algn="ctr"/>
-            <a:endParaRPr lang="en-GB" altLang="zh-TW" sz="2200" b="1" dirty="0">
+            <a:endParaRPr lang="en-GB" altLang="zh-TW" sz="2400" dirty="0">
               <a:solidFill>
                 <a:schemeClr val="bg1"/>
               </a:solidFill>
@@ -5795,7 +5795,7 @@
         <p:spPr>
           <a:xfrm>
             <a:off x="0" y="2327551"/>
-            <a:ext cx="6168008" cy="735779"/>
+            <a:ext cx="6168008" cy="656718"/>
           </a:xfrm>
           <a:prstGeom prst="rect">
             <a:avLst/>
@@ -5814,7 +5814,7 @@
               </a:lnSpc>
             </a:pPr>
             <a:r>
-              <a:rPr lang="en-GB" sz="3200" dirty="0">
+              <a:rPr lang="en-GB" sz="2800" dirty="0">
                 <a:solidFill>
                   <a:schemeClr val="bg1"/>
                 </a:solidFill>
@@ -5840,7 +5840,7 @@
         <p:spPr>
           <a:xfrm>
             <a:off x="6096000" y="2327551"/>
-            <a:ext cx="6096000" cy="735779"/>
+            <a:ext cx="6096000" cy="656718"/>
           </a:xfrm>
           <a:prstGeom prst="rect">
             <a:avLst/>
@@ -5859,7 +5859,7 @@
               </a:lnSpc>
             </a:pPr>
             <a:r>
-              <a:rPr lang="en-GB" sz="3200" dirty="0">
+              <a:rPr lang="en-GB" sz="2800" dirty="0">
                 <a:solidFill>
                   <a:schemeClr val="bg1"/>
                 </a:solidFill>

--- a/TJCPowerPoint/bin/Debug/Files/ServiceWidescreen.pptx
+++ b/TJCPowerPoint/bin/Debug/Files/ServiceWidescreen.pptx
@@ -5,10 +5,10 @@
     <p:sldMasterId id="2147483660" r:id="rId1"/>
   </p:sldMasterIdLst>
   <p:notesMasterIdLst>
-    <p:notesMasterId r:id="rId9"/>
+    <p:notesMasterId r:id="rId10"/>
   </p:notesMasterIdLst>
   <p:handoutMasterIdLst>
-    <p:handoutMasterId r:id="rId10"/>
+    <p:handoutMasterId r:id="rId11"/>
   </p:handoutMasterIdLst>
   <p:sldIdLst>
     <p:sldId id="357" r:id="rId2"/>
@@ -16,8 +16,9 @@
     <p:sldId id="360" r:id="rId4"/>
     <p:sldId id="361" r:id="rId5"/>
     <p:sldId id="359" r:id="rId6"/>
-    <p:sldId id="363" r:id="rId7"/>
-    <p:sldId id="364" r:id="rId8"/>
+    <p:sldId id="365" r:id="rId7"/>
+    <p:sldId id="363" r:id="rId8"/>
+    <p:sldId id="364" r:id="rId9"/>
   </p:sldIdLst>
   <p:sldSz cx="12192000" cy="6858000"/>
   <p:notesSz cx="6858000" cy="9144000"/>
@@ -4106,8 +4107,8 @@
         </p:nvSpPr>
         <p:spPr bwMode="auto">
           <a:xfrm>
-            <a:off x="1524000" y="2393344"/>
-            <a:ext cx="9144000" cy="830997"/>
+            <a:off x="1519747" y="2515543"/>
+            <a:ext cx="9144000" cy="769441"/>
           </a:xfrm>
           <a:prstGeom prst="rect">
             <a:avLst/>
@@ -4133,16 +4134,25 @@
               </a:spcBef>
             </a:pPr>
             <a:r>
-              <a:rPr lang="en-GB" altLang="en-US" sz="4800" dirty="0">
+              <a:rPr lang="en-GB" altLang="en-US" sz="4000" dirty="0">
                 <a:solidFill>
                   <a:schemeClr val="bg1"/>
                 </a:solidFill>
                 <a:latin typeface="Century Gothic" panose="020B0502020202020204" pitchFamily="34" charset="0"/>
               </a:rPr>
-              <a:t>Hymns </a:t>
-            </a:r>
-            <a:r>
-              <a:rPr lang="zh-TW" altLang="en-US" sz="4400" dirty="0">
+              <a:t>Hymns</a:t>
+            </a:r>
+            <a:r>
+              <a:rPr lang="en-GB" altLang="en-US" sz="4400" dirty="0">
+                <a:solidFill>
+                  <a:schemeClr val="bg1"/>
+                </a:solidFill>
+                <a:latin typeface="Century Gothic" panose="020B0502020202020204" pitchFamily="34" charset="0"/>
+              </a:rPr>
+              <a:t> </a:t>
+            </a:r>
+            <a:r>
+              <a:rPr lang="zh-TW" altLang="en-US" sz="4000" dirty="0">
                 <a:solidFill>
                   <a:schemeClr val="bg1"/>
                 </a:solidFill>
@@ -4151,7 +4161,7 @@
               </a:rPr>
               <a:t>詩</a:t>
             </a:r>
-            <a:endParaRPr lang="en-US" altLang="en-US" sz="4800" b="1" dirty="0">
+            <a:endParaRPr lang="en-US" altLang="en-US" sz="4400" b="1" dirty="0">
               <a:solidFill>
                 <a:srgbClr val="FFFFFF"/>
               </a:solidFill>
@@ -4246,8 +4256,8 @@
         </p:nvSpPr>
         <p:spPr bwMode="auto">
           <a:xfrm>
-            <a:off x="222502" y="2449050"/>
-            <a:ext cx="5004520" cy="769441"/>
+            <a:off x="222502" y="2505090"/>
+            <a:ext cx="5004520" cy="707886"/>
           </a:xfrm>
           <a:prstGeom prst="rect">
             <a:avLst/>
@@ -4300,7 +4310,7 @@
               <a:buNone/>
             </a:pPr>
             <a:r>
-              <a:rPr lang="en-GB" altLang="en-US" sz="4400" dirty="0">
+              <a:rPr lang="en-GB" altLang="en-US" sz="4000" dirty="0">
                 <a:solidFill>
                   <a:schemeClr val="bg1"/>
                 </a:solidFill>
@@ -4309,7 +4319,7 @@
               <a:t>Bible Verse </a:t>
             </a:r>
             <a:r>
-              <a:rPr lang="zh-TW" altLang="en-US" sz="4400" dirty="0">
+              <a:rPr lang="zh-TW" altLang="en-US" sz="4000" dirty="0">
                 <a:solidFill>
                   <a:schemeClr val="bg1"/>
                 </a:solidFill>
@@ -4318,7 +4328,7 @@
               </a:rPr>
               <a:t>經文</a:t>
             </a:r>
-            <a:endParaRPr lang="en-US" altLang="en-US" sz="4400" dirty="0">
+            <a:endParaRPr lang="en-US" altLang="en-US" sz="4000" dirty="0">
               <a:solidFill>
                 <a:schemeClr val="bg1"/>
               </a:solidFill>
@@ -5001,7 +5011,7 @@
           <a:p>
             <a:pPr algn="ctr"/>
             <a:r>
-              <a:rPr lang="en-GB" altLang="en-US" sz="3200" b="1" u="sng" dirty="0">
+              <a:rPr lang="en-GB" altLang="en-US" sz="3200" b="1" dirty="0">
                 <a:solidFill>
                   <a:schemeClr val="bg1"/>
                 </a:solidFill>
@@ -5011,7 +5021,7 @@
               <a:t>Prayer Requests </a:t>
             </a:r>
             <a:r>
-              <a:rPr lang="en-GB" altLang="en-US" sz="3200" b="1" u="sng" dirty="0">
+              <a:rPr lang="en-GB" altLang="en-US" sz="3200" b="1" dirty="0">
                 <a:solidFill>
                   <a:schemeClr val="bg1"/>
                 </a:solidFill>
@@ -5021,7 +5031,7 @@
               <a:t>- </a:t>
             </a:r>
             <a:r>
-              <a:rPr lang="zh-TW" altLang="en-US" sz="3200" b="1" u="sng" dirty="0">
+              <a:rPr lang="zh-TW" altLang="en-US" sz="3200" b="1" dirty="0">
                 <a:solidFill>
                   <a:schemeClr val="bg1"/>
                 </a:solidFill>
@@ -5030,7 +5040,7 @@
               </a:rPr>
               <a:t>代禱</a:t>
             </a:r>
-            <a:endParaRPr lang="en-GB" altLang="zh-TW" sz="3200" b="1" u="sng" dirty="0">
+            <a:endParaRPr lang="en-GB" altLang="zh-TW" sz="3200" b="1" dirty="0">
               <a:solidFill>
                 <a:schemeClr val="bg1"/>
               </a:solidFill>
@@ -5416,7 +5426,7 @@
           <a:p>
             <a:pPr algn="ctr"/>
             <a:r>
-              <a:rPr lang="en-GB" altLang="en-US" sz="3200" b="1" u="sng" dirty="0">
+              <a:rPr lang="en-GB" altLang="en-US" sz="3200" b="1" dirty="0">
                 <a:solidFill>
                   <a:schemeClr val="bg1"/>
                 </a:solidFill>
@@ -5426,7 +5436,7 @@
               <a:t>Announcements</a:t>
             </a:r>
             <a:r>
-              <a:rPr lang="en-GB" altLang="en-US" sz="3200" b="1" u="sng" dirty="0">
+              <a:rPr lang="en-GB" altLang="en-US" sz="3200" b="1" dirty="0">
                 <a:solidFill>
                   <a:schemeClr val="bg1"/>
                 </a:solidFill>
@@ -5435,7 +5445,7 @@
               <a:t> </a:t>
             </a:r>
             <a:r>
-              <a:rPr lang="en-GB" altLang="en-US" sz="3200" b="1" u="sng" dirty="0">
+              <a:rPr lang="en-GB" altLang="en-US" sz="3200" b="1" dirty="0">
                 <a:solidFill>
                   <a:schemeClr val="bg1"/>
                 </a:solidFill>
@@ -5445,7 +5455,7 @@
               <a:t>- </a:t>
             </a:r>
             <a:r>
-              <a:rPr lang="zh-TW" altLang="en-US" sz="3200" b="1" u="sng" dirty="0">
+              <a:rPr lang="zh-TW" altLang="en-US" sz="3200" b="1" dirty="0">
                 <a:solidFill>
                   <a:schemeClr val="bg1"/>
                 </a:solidFill>
@@ -5454,7 +5464,7 @@
               </a:rPr>
               <a:t>佈告</a:t>
             </a:r>
-            <a:endParaRPr lang="en-GB" altLang="zh-TW" sz="3200" b="1" u="sng" dirty="0">
+            <a:endParaRPr lang="en-GB" altLang="zh-TW" sz="3200" b="1" dirty="0">
               <a:solidFill>
                 <a:schemeClr val="bg1"/>
               </a:solidFill>
@@ -5714,6 +5724,61 @@
       </p:grpSpPr>
       <p:sp>
         <p:nvSpPr>
+          <p:cNvPr id="4" name="Rectangle 3">
+            <a:extLst>
+              <a:ext uri="{FF2B5EF4-FFF2-40B4-BE49-F238E27FC236}">
+                <a16:creationId xmlns:a16="http://schemas.microsoft.com/office/drawing/2014/main" id="{92B26967-1931-B409-90C7-32C75D09D409}"/>
+              </a:ext>
+            </a:extLst>
+          </p:cNvPr>
+          <p:cNvSpPr/>
+          <p:nvPr/>
+        </p:nvSpPr>
+        <p:spPr>
+          <a:xfrm>
+            <a:off x="-1" y="0"/>
+            <a:ext cx="5118641" cy="6858000"/>
+          </a:xfrm>
+          <a:prstGeom prst="rect">
+            <a:avLst/>
+          </a:prstGeom>
+          <a:solidFill>
+            <a:schemeClr val="tx1">
+              <a:lumMod val="75000"/>
+              <a:lumOff val="25000"/>
+            </a:schemeClr>
+          </a:solidFill>
+          <a:ln>
+            <a:noFill/>
+          </a:ln>
+        </p:spPr>
+        <p:style>
+          <a:lnRef idx="2">
+            <a:schemeClr val="accent1">
+              <a:shade val="50000"/>
+            </a:schemeClr>
+          </a:lnRef>
+          <a:fillRef idx="1">
+            <a:schemeClr val="accent1"/>
+          </a:fillRef>
+          <a:effectRef idx="0">
+            <a:schemeClr val="accent1"/>
+          </a:effectRef>
+          <a:fontRef idx="minor">
+            <a:schemeClr val="lt1"/>
+          </a:fontRef>
+        </p:style>
+        <p:txBody>
+          <a:bodyPr rtlCol="0" anchor="ctr"/>
+          <a:lstStyle/>
+          <a:p>
+            <a:pPr algn="ctr"/>
+            <a:endParaRPr lang="en-GB"/>
+          </a:p>
+        </p:txBody>
+      </p:sp>
+      <p:sp>
+        <p:nvSpPr>
           <p:cNvPr id="6" name="TextBox 5">
             <a:extLst>
               <a:ext uri="{FF2B5EF4-FFF2-40B4-BE49-F238E27FC236}">
@@ -5726,18 +5791,13 @@
         </p:nvSpPr>
         <p:spPr>
           <a:xfrm>
-            <a:off x="335359" y="908720"/>
-            <a:ext cx="11521280" cy="769441"/>
+            <a:off x="-2" y="2875583"/>
+            <a:ext cx="5118640" cy="769441"/>
           </a:xfrm>
           <a:prstGeom prst="rect">
             <a:avLst/>
           </a:prstGeom>
-          <a:solidFill>
-            <a:schemeClr val="tx1">
-              <a:lumMod val="75000"/>
-              <a:lumOff val="25000"/>
-            </a:schemeClr>
-          </a:solidFill>
+          <a:noFill/>
         </p:spPr>
         <p:txBody>
           <a:bodyPr wrap="square" rtlCol="0">
@@ -5747,32 +5807,43 @@
           <a:p>
             <a:pPr algn="ctr"/>
             <a:r>
-              <a:rPr lang="en-GB" sz="4400" b="1" dirty="0">
+              <a:rPr lang="en-GB" sz="4400" dirty="0">
                 <a:solidFill>
                   <a:schemeClr val="bg1"/>
                 </a:solidFill>
-                <a:latin typeface="Segoe UI" panose="020B0502040204020203" pitchFamily="34" charset="0"/>
+                <a:latin typeface="Century Gothic" panose="020B0502020202020204" pitchFamily="34" charset="0"/>
                 <a:cs typeface="Segoe UI" panose="020B0502040204020203" pitchFamily="34" charset="0"/>
               </a:rPr>
-              <a:t>Hymns </a:t>
-            </a:r>
-            <a:r>
-              <a:rPr lang="ja-JP" altLang="en-US" sz="4400" b="1" dirty="0">
+              <a:t>Hymns</a:t>
+            </a:r>
+            <a:r>
+              <a:rPr lang="en-GB" sz="4400" dirty="0">
                 <a:solidFill>
                   <a:schemeClr val="bg1"/>
                 </a:solidFill>
-                <a:latin typeface="Microsoft JhengHei UI" panose="020B0604030504040204" pitchFamily="34" charset="-120"/>
-                <a:ea typeface="Microsoft JhengHei UI" panose="020B0604030504040204" pitchFamily="34" charset="-120"/>
+                <a:latin typeface="Microsoft JhengHei" panose="020B0604030504040204" pitchFamily="34" charset="-120"/>
+                <a:ea typeface="Microsoft JhengHei" panose="020B0604030504040204" pitchFamily="34" charset="-120"/>
+                <a:cs typeface="Segoe UI" panose="020B0502040204020203" pitchFamily="34" charset="0"/>
+              </a:rPr>
+              <a:t> </a:t>
+            </a:r>
+            <a:r>
+              <a:rPr lang="ja-JP" altLang="en-US" sz="4400" dirty="0">
+                <a:solidFill>
+                  <a:schemeClr val="bg1"/>
+                </a:solidFill>
+                <a:latin typeface="Microsoft JhengHei" panose="020B0604030504040204" pitchFamily="34" charset="-120"/>
+                <a:ea typeface="Microsoft JhengHei" panose="020B0604030504040204" pitchFamily="34" charset="-120"/>
                 <a:cs typeface="Segoe UI" panose="020B0502040204020203" pitchFamily="34" charset="0"/>
               </a:rPr>
               <a:t>詩</a:t>
             </a:r>
             <a:r>
-              <a:rPr lang="en-GB" sz="4400" b="1" dirty="0">
+              <a:rPr lang="en-GB" sz="4400" dirty="0">
                 <a:solidFill>
                   <a:schemeClr val="bg1"/>
                 </a:solidFill>
-                <a:latin typeface="Segoe UI" panose="020B0502040204020203" pitchFamily="34" charset="0"/>
+                <a:latin typeface="Century Gothic" panose="020B0502020202020204" pitchFamily="34" charset="0"/>
                 <a:cs typeface="Segoe UI" panose="020B0502040204020203" pitchFamily="34" charset="0"/>
               </a:rPr>
               <a:t>: </a:t>
@@ -5794,8 +5865,8 @@
         </p:nvSpPr>
         <p:spPr>
           <a:xfrm>
-            <a:off x="0" y="2327551"/>
-            <a:ext cx="6168008" cy="656718"/>
+            <a:off x="5118637" y="917319"/>
+            <a:ext cx="7073362" cy="656718"/>
           </a:xfrm>
           <a:prstGeom prst="rect">
             <a:avLst/>
@@ -5839,8 +5910,8 @@
         </p:nvSpPr>
         <p:spPr>
           <a:xfrm>
-            <a:off x="6096000" y="2327551"/>
-            <a:ext cx="6096000" cy="656718"/>
+            <a:off x="5118637" y="3983735"/>
+            <a:ext cx="7073362" cy="656718"/>
           </a:xfrm>
           <a:prstGeom prst="rect">
             <a:avLst/>
@@ -5886,8 +5957,8 @@
         </p:nvSpPr>
         <p:spPr bwMode="auto">
           <a:xfrm>
-            <a:off x="2615493" y="188640"/>
-            <a:ext cx="6961014" cy="671446"/>
+            <a:off x="291066" y="1132261"/>
+            <a:ext cx="4536504" cy="1377159"/>
           </a:xfrm>
           <a:prstGeom prst="rect">
             <a:avLst/>
@@ -5934,7 +6005,7 @@
           <a:p>
             <a:pPr algn="ctr"/>
             <a:r>
-              <a:rPr lang="en-GB" altLang="en-US" sz="3200" b="1" u="sng" dirty="0">
+              <a:rPr lang="en-GB" altLang="en-US" sz="4000" b="1" dirty="0">
                 <a:solidFill>
                   <a:schemeClr val="bg1"/>
                 </a:solidFill>
@@ -5944,7 +6015,7 @@
               <a:t>Holy Communion </a:t>
             </a:r>
             <a:r>
-              <a:rPr lang="ja-JP" altLang="en-US" sz="3200" b="1" i="0" u="sng" dirty="0">
+              <a:rPr lang="ja-JP" altLang="en-US" sz="4000" b="1" i="0" dirty="0">
                 <a:solidFill>
                   <a:schemeClr val="bg1"/>
                 </a:solidFill>
@@ -5954,7 +6025,7 @@
               </a:rPr>
               <a:t>聖餐典禮</a:t>
             </a:r>
-            <a:endParaRPr lang="en-GB" altLang="zh-TW" sz="3200" b="1" u="sng" dirty="0">
+            <a:endParaRPr lang="en-GB" altLang="zh-TW" sz="4000" b="1" dirty="0">
               <a:solidFill>
                 <a:schemeClr val="bg1"/>
               </a:solidFill>
@@ -6017,7 +6088,7 @@
         </p:nvSpPr>
         <p:spPr>
           <a:xfrm>
-            <a:off x="0" y="1562653"/>
+            <a:off x="5607318" y="181540"/>
             <a:ext cx="6096000" cy="735779"/>
           </a:xfrm>
           <a:prstGeom prst="rect">
@@ -6062,7 +6133,7 @@
         </p:nvSpPr>
         <p:spPr>
           <a:xfrm>
-            <a:off x="6132004" y="1556792"/>
+            <a:off x="5607318" y="3212976"/>
             <a:ext cx="6096000" cy="735779"/>
           </a:xfrm>
           <a:prstGeom prst="rect">
@@ -6129,141 +6200,6 @@
           </a:prstGeom>
         </p:spPr>
       </p:pic>
-      <p:grpSp>
-        <p:nvGrpSpPr>
-          <p:cNvPr id="9" name="Group 8">
-            <a:extLst>
-              <a:ext uri="{FF2B5EF4-FFF2-40B4-BE49-F238E27FC236}">
-                <a16:creationId xmlns:a16="http://schemas.microsoft.com/office/drawing/2014/main" id="{FA35DE02-3554-30EF-5C0C-D36458671DD8}"/>
-              </a:ext>
-            </a:extLst>
-          </p:cNvPr>
-          <p:cNvGrpSpPr/>
-          <p:nvPr/>
-        </p:nvGrpSpPr>
-        <p:grpSpPr>
-          <a:xfrm>
-            <a:off x="4943872" y="6269250"/>
-            <a:ext cx="7030907" cy="369332"/>
-            <a:chOff x="4943872" y="6269250"/>
-            <a:chExt cx="7030907" cy="369332"/>
-          </a:xfrm>
-        </p:grpSpPr>
-        <p:sp>
-          <p:nvSpPr>
-            <p:cNvPr id="12" name="TextBox 11">
-              <a:extLst>
-                <a:ext uri="{FF2B5EF4-FFF2-40B4-BE49-F238E27FC236}">
-                  <a16:creationId xmlns:a16="http://schemas.microsoft.com/office/drawing/2014/main" id="{7253A105-AF99-120A-0AFB-95D7548B80B4}"/>
-                </a:ext>
-              </a:extLst>
-            </p:cNvPr>
-            <p:cNvSpPr txBox="1"/>
-            <p:nvPr/>
-          </p:nvSpPr>
-          <p:spPr>
-            <a:xfrm>
-              <a:off x="4943872" y="6269250"/>
-              <a:ext cx="7030907" cy="369332"/>
-            </a:xfrm>
-            <a:prstGeom prst="rect">
-              <a:avLst/>
-            </a:prstGeom>
-            <a:noFill/>
-            <a:ln w="19050">
-              <a:solidFill>
-                <a:srgbClr val="FF0000"/>
-              </a:solidFill>
-            </a:ln>
-          </p:spPr>
-          <p:txBody>
-            <a:bodyPr wrap="square" rtlCol="0" anchor="ctr">
-              <a:spAutoFit/>
-            </a:bodyPr>
-            <a:lstStyle/>
-            <a:p>
-              <a:r>
-                <a:rPr lang="en-GB" dirty="0">
-                  <a:solidFill>
-                    <a:schemeClr val="bg1"/>
-                  </a:solidFill>
-                  <a:latin typeface="Segoe UI Semibold" panose="020B0702040204020203" pitchFamily="34" charset="0"/>
-                  <a:cs typeface="Segoe UI Semibold" panose="020B0702040204020203" pitchFamily="34" charset="0"/>
-                </a:rPr>
-                <a:t>Please Turn Off/Silence Your Devices </a:t>
-              </a:r>
-              <a:r>
-                <a:rPr lang="zh-TW" altLang="en-US" b="1" dirty="0">
-                  <a:solidFill>
-                    <a:schemeClr val="bg1"/>
-                  </a:solidFill>
-                  <a:latin typeface="Microsoft JhengHei" panose="020B0604030504040204" pitchFamily="34" charset="-120"/>
-                  <a:ea typeface="Microsoft JhengHei" panose="020B0604030504040204" pitchFamily="34" charset="-120"/>
-                </a:rPr>
-                <a:t>請靜音或關閉所有電子設備</a:t>
-              </a:r>
-              <a:endParaRPr lang="ja-JP" altLang="en-US" b="1" dirty="0">
-                <a:solidFill>
-                  <a:schemeClr val="bg1"/>
-                </a:solidFill>
-                <a:latin typeface="Microsoft JhengHei" panose="020B0604030504040204" pitchFamily="34" charset="-120"/>
-                <a:ea typeface="Microsoft JhengHei" panose="020B0604030504040204" pitchFamily="34" charset="-120"/>
-              </a:endParaRPr>
-            </a:p>
-          </p:txBody>
-        </p:sp>
-        <p:pic>
-          <p:nvPicPr>
-            <p:cNvPr id="15" name="Picture 14" descr="Shape&#10;&#10;Description automatically generated with low confidence">
-              <a:extLst>
-                <a:ext uri="{FF2B5EF4-FFF2-40B4-BE49-F238E27FC236}">
-                  <a16:creationId xmlns:a16="http://schemas.microsoft.com/office/drawing/2014/main" id="{E48848AA-660E-29D6-5F51-FA23126B5FBF}"/>
-                </a:ext>
-              </a:extLst>
-            </p:cNvPr>
-            <p:cNvPicPr>
-              <a:picLocks noChangeAspect="1"/>
-            </p:cNvPicPr>
-            <p:nvPr/>
-          </p:nvPicPr>
-          <p:blipFill>
-            <a:blip r:embed="rId3" cstate="print">
-              <a:extLst>
-                <a:ext uri="{BEBA8EAE-BF5A-486C-A8C5-ECC9F3942E4B}">
-                  <a14:imgProps xmlns:a14="http://schemas.microsoft.com/office/drawing/2010/main">
-                    <a14:imgLayer r:embed="rId4">
-                      <a14:imgEffect>
-                        <a14:colorTemperature colorTemp="11500"/>
-                      </a14:imgEffect>
-                      <a14:imgEffect>
-                        <a14:saturation sat="400000"/>
-                      </a14:imgEffect>
-                      <a14:imgEffect>
-                        <a14:brightnessContrast bright="100000" contrast="100000"/>
-                      </a14:imgEffect>
-                    </a14:imgLayer>
-                  </a14:imgProps>
-                </a:ext>
-                <a:ext uri="{28A0092B-C50C-407E-A947-70E740481C1C}">
-                  <a14:useLocalDpi xmlns:a14="http://schemas.microsoft.com/office/drawing/2010/main" val="0"/>
-                </a:ext>
-              </a:extLst>
-            </a:blip>
-            <a:stretch>
-              <a:fillRect/>
-            </a:stretch>
-          </p:blipFill>
-          <p:spPr>
-            <a:xfrm>
-              <a:off x="11658489" y="6309320"/>
-              <a:ext cx="280267" cy="280267"/>
-            </a:xfrm>
-            <a:prstGeom prst="rect">
-              <a:avLst/>
-            </a:prstGeom>
-          </p:spPr>
-        </p:pic>
-      </p:grpSp>
     </p:spTree>
     <p:extLst>
       <p:ext uri="{BB962C8B-B14F-4D97-AF65-F5344CB8AC3E}">
@@ -6353,7 +6289,7 @@
         <p:spPr>
           <a:xfrm>
             <a:off x="0" y="391868"/>
-            <a:ext cx="12191999" cy="1815882"/>
+            <a:ext cx="12191999" cy="954107"/>
           </a:xfrm>
           <a:prstGeom prst="rect">
             <a:avLst/>
@@ -6395,28 +6331,6 @@
               </a:rPr>
               <a:t>歡迎光臨真耶穌教會，請跟我們一起禱告</a:t>
             </a:r>
-            <a:br>
-              <a:rPr lang="en-GB" altLang="zh-TW" sz="2800" b="1" dirty="0">
-                <a:solidFill>
-                  <a:schemeClr val="bg1"/>
-                </a:solidFill>
-                <a:latin typeface="Century Gothic" panose="020B0502020202020204" pitchFamily="34" charset="0"/>
-                <a:ea typeface="金梅新中楷全字體" pitchFamily="49" charset="-120"/>
-              </a:rPr>
-            </a:br>
-            <a:r>
-              <a:rPr lang="en-GB" altLang="zh-TW" sz="2800" b="1" dirty="0">
-                <a:solidFill>
-                  <a:schemeClr val="bg1"/>
-                </a:solidFill>
-                <a:latin typeface="Century Gothic" panose="020B0502020202020204" pitchFamily="34" charset="0"/>
-                <a:ea typeface="金梅新中楷全字體" pitchFamily="49" charset="-120"/>
-              </a:rPr>
-              <a:t>------------------------------------------------------------------</a:t>
-            </a:r>
-          </a:p>
-          <a:p>
-            <a:pPr algn="ctr"/>
             <a:endParaRPr lang="en-GB" sz="2800" b="1" dirty="0">
               <a:solidFill>
                 <a:schemeClr val="bg1"/>
@@ -7020,6 +6934,49 @@
           </p:spPr>
         </p:pic>
       </p:grpSp>
+      <p:cxnSp>
+        <p:nvCxnSpPr>
+          <p:cNvPr id="5" name="Straight Connector 4">
+            <a:extLst>
+              <a:ext uri="{FF2B5EF4-FFF2-40B4-BE49-F238E27FC236}">
+                <a16:creationId xmlns:a16="http://schemas.microsoft.com/office/drawing/2014/main" id="{47A1ED19-9EAE-46BB-2964-AEB5C870521D}"/>
+              </a:ext>
+            </a:extLst>
+          </p:cNvPr>
+          <p:cNvCxnSpPr>
+            <a:cxnSpLocks/>
+          </p:cNvCxnSpPr>
+          <p:nvPr/>
+        </p:nvCxnSpPr>
+        <p:spPr>
+          <a:xfrm>
+            <a:off x="294302" y="1556792"/>
+            <a:ext cx="11603397" cy="0"/>
+          </a:xfrm>
+          <a:prstGeom prst="line">
+            <a:avLst/>
+          </a:prstGeom>
+          <a:ln w="76200">
+            <a:solidFill>
+              <a:schemeClr val="bg1"/>
+            </a:solidFill>
+          </a:ln>
+        </p:spPr>
+        <p:style>
+          <a:lnRef idx="1">
+            <a:schemeClr val="accent1"/>
+          </a:lnRef>
+          <a:fillRef idx="0">
+            <a:schemeClr val="accent1"/>
+          </a:fillRef>
+          <a:effectRef idx="0">
+            <a:schemeClr val="accent1"/>
+          </a:effectRef>
+          <a:fontRef idx="minor">
+            <a:schemeClr val="tx1"/>
+          </a:fontRef>
+        </p:style>
+      </p:cxnSp>
     </p:spTree>
     <p:extLst>
       <p:ext uri="{BB962C8B-B14F-4D97-AF65-F5344CB8AC3E}">
@@ -7030,28 +6987,497 @@
   <p:clrMapOvr>
     <a:masterClrMapping/>
   </p:clrMapOvr>
-  <mc:AlternateContent xmlns:mc="http://schemas.openxmlformats.org/markup-compatibility/2006" xmlns:p14="http://schemas.microsoft.com/office/powerpoint/2010/main">
-    <mc:Choice Requires="p14">
-      <p:transition spd="med" p14:dur="700">
-        <p:fade/>
-      </p:transition>
-    </mc:Choice>
-    <mc:Fallback xmlns="">
-      <p:transition spd="med">
-        <p:fade/>
-      </p:transition>
-    </mc:Fallback>
-  </mc:AlternateContent>
 </p:sld>
 </file>
 
 <file path=ppt/slides/slide6.xml><?xml version="1.0" encoding="utf-8"?>
 <p:sld xmlns:a="http://schemas.openxmlformats.org/drawingml/2006/main" xmlns:r="http://schemas.openxmlformats.org/officeDocument/2006/relationships" xmlns:p="http://schemas.openxmlformats.org/presentationml/2006/main">
   <p:cSld>
+    <p:spTree>
+      <p:nvGrpSpPr>
+        <p:cNvPr id="1" name=""/>
+        <p:cNvGrpSpPr/>
+        <p:nvPr/>
+      </p:nvGrpSpPr>
+      <p:grpSpPr>
+        <a:xfrm>
+          <a:off x="0" y="0"/>
+          <a:ext cx="0" cy="0"/>
+          <a:chOff x="0" y="0"/>
+          <a:chExt cx="0" cy="0"/>
+        </a:xfrm>
+      </p:grpSpPr>
+      <p:sp>
+        <p:nvSpPr>
+          <p:cNvPr id="5" name="TextBox 4">
+            <a:extLst>
+              <a:ext uri="{FF2B5EF4-FFF2-40B4-BE49-F238E27FC236}">
+                <a16:creationId xmlns:a16="http://schemas.microsoft.com/office/drawing/2014/main" id="{B8C2B8E2-D11D-57CD-53C8-E9766D2521CA}"/>
+              </a:ext>
+            </a:extLst>
+          </p:cNvPr>
+          <p:cNvSpPr txBox="1"/>
+          <p:nvPr/>
+        </p:nvSpPr>
+        <p:spPr>
+          <a:xfrm>
+            <a:off x="5896644" y="3524697"/>
+            <a:ext cx="6106884" cy="923330"/>
+          </a:xfrm>
+          <a:prstGeom prst="rect">
+            <a:avLst/>
+          </a:prstGeom>
+          <a:noFill/>
+        </p:spPr>
+        <p:txBody>
+          <a:bodyPr wrap="square">
+            <a:spAutoFit/>
+          </a:bodyPr>
+          <a:lstStyle/>
+          <a:p>
+            <a:pPr algn="r"/>
+            <a:fld id="{5A428485-E877-48E8-B288-A00821AA8FEC}" type="datetime13">
+              <a:rPr lang="en-US" altLang="en-US" sz="5400" b="1" smtClean="0">
+                <a:solidFill>
+                  <a:schemeClr val="bg1"/>
+                </a:solidFill>
+                <a:latin typeface="Segoe UI" panose="020B0502040204020203" pitchFamily="34" charset="0"/>
+                <a:cs typeface="Segoe UI" panose="020B0502040204020203" pitchFamily="34" charset="0"/>
+              </a:rPr>
+              <a:pPr algn="r"/>
+              <a:t>4:57:29 PM</a:t>
+            </a:fld>
+            <a:endParaRPr lang="en-GB" sz="5400" dirty="0"/>
+          </a:p>
+        </p:txBody>
+      </p:sp>
+      <p:sp>
+        <p:nvSpPr>
+          <p:cNvPr id="2" name="Rectangle 1">
+            <a:extLst>
+              <a:ext uri="{FF2B5EF4-FFF2-40B4-BE49-F238E27FC236}">
+                <a16:creationId xmlns:a16="http://schemas.microsoft.com/office/drawing/2014/main" id="{A5EDBB23-EE74-BD8E-68BB-188BA81E44C9}"/>
+              </a:ext>
+            </a:extLst>
+          </p:cNvPr>
+          <p:cNvSpPr/>
+          <p:nvPr/>
+        </p:nvSpPr>
+        <p:spPr>
+          <a:xfrm>
+            <a:off x="-1" y="0"/>
+            <a:ext cx="5118641" cy="6858000"/>
+          </a:xfrm>
+          <a:prstGeom prst="rect">
+            <a:avLst/>
+          </a:prstGeom>
+          <a:solidFill>
+            <a:schemeClr val="tx1">
+              <a:lumMod val="75000"/>
+              <a:lumOff val="25000"/>
+            </a:schemeClr>
+          </a:solidFill>
+          <a:ln>
+            <a:noFill/>
+          </a:ln>
+        </p:spPr>
+        <p:style>
+          <a:lnRef idx="2">
+            <a:schemeClr val="accent1">
+              <a:shade val="50000"/>
+            </a:schemeClr>
+          </a:lnRef>
+          <a:fillRef idx="1">
+            <a:schemeClr val="accent1"/>
+          </a:fillRef>
+          <a:effectRef idx="0">
+            <a:schemeClr val="accent1"/>
+          </a:effectRef>
+          <a:fontRef idx="minor">
+            <a:schemeClr val="lt1"/>
+          </a:fontRef>
+        </p:style>
+        <p:txBody>
+          <a:bodyPr rtlCol="0" anchor="ctr"/>
+          <a:lstStyle/>
+          <a:p>
+            <a:pPr algn="ctr"/>
+            <a:endParaRPr lang="en-GB"/>
+          </a:p>
+        </p:txBody>
+      </p:sp>
+      <p:pic>
+        <p:nvPicPr>
+          <p:cNvPr id="7" name="Picture 6" descr="Logo&#10;&#10;Description automatically generated with medium confidence">
+            <a:extLst>
+              <a:ext uri="{FF2B5EF4-FFF2-40B4-BE49-F238E27FC236}">
+                <a16:creationId xmlns:a16="http://schemas.microsoft.com/office/drawing/2014/main" id="{7D8F5CB1-CB81-80C7-2EEC-931ED922A40D}"/>
+              </a:ext>
+            </a:extLst>
+          </p:cNvPr>
+          <p:cNvPicPr>
+            <a:picLocks noChangeAspect="1"/>
+          </p:cNvPicPr>
+          <p:nvPr/>
+        </p:nvPicPr>
+        <p:blipFill>
+          <a:blip r:embed="rId2" cstate="print">
+            <a:extLst>
+              <a:ext uri="{28A0092B-C50C-407E-A947-70E740481C1C}">
+                <a14:useLocalDpi xmlns:a14="http://schemas.microsoft.com/office/drawing/2010/main" val="0"/>
+              </a:ext>
+            </a:extLst>
+          </a:blip>
+          <a:stretch>
+            <a:fillRect/>
+          </a:stretch>
+        </p:blipFill>
+        <p:spPr>
+          <a:xfrm>
+            <a:off x="701938" y="1330693"/>
+            <a:ext cx="3714759" cy="480733"/>
+          </a:xfrm>
+          <a:prstGeom prst="rect">
+            <a:avLst/>
+          </a:prstGeom>
+        </p:spPr>
+      </p:pic>
+      <p:sp>
+        <p:nvSpPr>
+          <p:cNvPr id="10" name="TextBox 9">
+            <a:extLst>
+              <a:ext uri="{FF2B5EF4-FFF2-40B4-BE49-F238E27FC236}">
+                <a16:creationId xmlns:a16="http://schemas.microsoft.com/office/drawing/2014/main" id="{6DA65BC6-CF8D-7742-7648-A497F05CD732}"/>
+              </a:ext>
+            </a:extLst>
+          </p:cNvPr>
+          <p:cNvSpPr txBox="1"/>
+          <p:nvPr/>
+        </p:nvSpPr>
+        <p:spPr>
+          <a:xfrm>
+            <a:off x="5231904" y="6023029"/>
+            <a:ext cx="6395128" cy="646331"/>
+          </a:xfrm>
+          <a:prstGeom prst="rect">
+            <a:avLst/>
+          </a:prstGeom>
+          <a:noFill/>
+          <a:ln w="19050">
+            <a:noFill/>
+          </a:ln>
+        </p:spPr>
+        <p:txBody>
+          <a:bodyPr wrap="square" rtlCol="0" anchor="ctr">
+            <a:spAutoFit/>
+          </a:bodyPr>
+          <a:lstStyle/>
+          <a:p>
+            <a:pPr algn="r"/>
+            <a:r>
+              <a:rPr lang="en-GB" dirty="0">
+                <a:solidFill>
+                  <a:schemeClr val="bg1"/>
+                </a:solidFill>
+                <a:latin typeface="Segoe UI Semibold" panose="020B0702040204020203" pitchFamily="34" charset="0"/>
+                <a:cs typeface="Segoe UI Semibold" panose="020B0702040204020203" pitchFamily="34" charset="0"/>
+              </a:rPr>
+              <a:t>Please Turn Off/Silence Your Devices </a:t>
+            </a:r>
+          </a:p>
+          <a:p>
+            <a:pPr algn="r"/>
+            <a:r>
+              <a:rPr lang="zh-TW" altLang="en-US" b="1" dirty="0">
+                <a:solidFill>
+                  <a:schemeClr val="bg1"/>
+                </a:solidFill>
+                <a:latin typeface="Microsoft JhengHei" panose="020B0604030504040204" pitchFamily="34" charset="-120"/>
+                <a:ea typeface="Microsoft JhengHei" panose="020B0604030504040204" pitchFamily="34" charset="-120"/>
+              </a:rPr>
+              <a:t>請靜音或關閉所有電子設備</a:t>
+            </a:r>
+            <a:endParaRPr lang="ja-JP" altLang="en-US" b="1" dirty="0">
+              <a:solidFill>
+                <a:schemeClr val="bg1"/>
+              </a:solidFill>
+              <a:latin typeface="Microsoft JhengHei" panose="020B0604030504040204" pitchFamily="34" charset="-120"/>
+              <a:ea typeface="Microsoft JhengHei" panose="020B0604030504040204" pitchFamily="34" charset="-120"/>
+            </a:endParaRPr>
+          </a:p>
+        </p:txBody>
+      </p:sp>
+      <p:pic>
+        <p:nvPicPr>
+          <p:cNvPr id="11" name="Picture 10" descr="Shape&#10;&#10;Description automatically generated with low confidence">
+            <a:extLst>
+              <a:ext uri="{FF2B5EF4-FFF2-40B4-BE49-F238E27FC236}">
+                <a16:creationId xmlns:a16="http://schemas.microsoft.com/office/drawing/2014/main" id="{D870190A-DEF8-5DAD-B86F-568A59A5C0E3}"/>
+              </a:ext>
+            </a:extLst>
+          </p:cNvPr>
+          <p:cNvPicPr>
+            <a:picLocks noChangeAspect="1"/>
+          </p:cNvPicPr>
+          <p:nvPr/>
+        </p:nvPicPr>
+        <p:blipFill>
+          <a:blip r:embed="rId3" cstate="print">
+            <a:extLst>
+              <a:ext uri="{BEBA8EAE-BF5A-486C-A8C5-ECC9F3942E4B}">
+                <a14:imgProps xmlns:a14="http://schemas.microsoft.com/office/drawing/2010/main">
+                  <a14:imgLayer r:embed="rId4">
+                    <a14:imgEffect>
+                      <a14:colorTemperature colorTemp="11500"/>
+                    </a14:imgEffect>
+                    <a14:imgEffect>
+                      <a14:saturation sat="400000"/>
+                    </a14:imgEffect>
+                    <a14:imgEffect>
+                      <a14:brightnessContrast bright="100000" contrast="100000"/>
+                    </a14:imgEffect>
+                  </a14:imgLayer>
+                </a14:imgProps>
+              </a:ext>
+              <a:ext uri="{28A0092B-C50C-407E-A947-70E740481C1C}">
+                <a14:useLocalDpi xmlns:a14="http://schemas.microsoft.com/office/drawing/2010/main" val="0"/>
+              </a:ext>
+            </a:extLst>
+          </a:blip>
+          <a:stretch>
+            <a:fillRect/>
+          </a:stretch>
+        </p:blipFill>
+        <p:spPr>
+          <a:xfrm>
+            <a:off x="11544706" y="6093296"/>
+            <a:ext cx="508138" cy="508138"/>
+          </a:xfrm>
+          <a:prstGeom prst="rect">
+            <a:avLst/>
+          </a:prstGeom>
+          <a:ln>
+            <a:noFill/>
+          </a:ln>
+        </p:spPr>
+      </p:pic>
+      <p:sp>
+        <p:nvSpPr>
+          <p:cNvPr id="15" name="TextBox 14">
+            <a:extLst>
+              <a:ext uri="{FF2B5EF4-FFF2-40B4-BE49-F238E27FC236}">
+                <a16:creationId xmlns:a16="http://schemas.microsoft.com/office/drawing/2014/main" id="{A43ACE95-BAD5-34EA-AAE0-5B30B782E5D7}"/>
+              </a:ext>
+            </a:extLst>
+          </p:cNvPr>
+          <p:cNvSpPr txBox="1"/>
+          <p:nvPr/>
+        </p:nvSpPr>
+        <p:spPr>
+          <a:xfrm>
+            <a:off x="363076" y="2274838"/>
+            <a:ext cx="4392485" cy="2308324"/>
+          </a:xfrm>
+          <a:prstGeom prst="rect">
+            <a:avLst/>
+          </a:prstGeom>
+          <a:noFill/>
+        </p:spPr>
+        <p:txBody>
+          <a:bodyPr wrap="square" rtlCol="0">
+            <a:spAutoFit/>
+          </a:bodyPr>
+          <a:lstStyle/>
+          <a:p>
+            <a:pPr algn="ctr"/>
+            <a:r>
+              <a:rPr lang="en-GB" altLang="en-US" sz="3600" b="1" dirty="0">
+                <a:solidFill>
+                  <a:schemeClr val="bg1"/>
+                </a:solidFill>
+                <a:latin typeface="Segoe UI" panose="020B0502040204020203" pitchFamily="34" charset="0"/>
+                <a:cs typeface="Segoe UI" panose="020B0502040204020203" pitchFamily="34" charset="0"/>
+              </a:rPr>
+              <a:t>Welcome To True Jesus Church</a:t>
+            </a:r>
+            <a:r>
+              <a:rPr lang="en-GB" altLang="en-US" sz="3600" b="1" dirty="0">
+                <a:solidFill>
+                  <a:schemeClr val="bg1"/>
+                </a:solidFill>
+                <a:latin typeface="Century Gothic" panose="020B0502020202020204" pitchFamily="34" charset="0"/>
+                <a:cs typeface="Segoe UI" panose="020B0502040204020203" pitchFamily="34" charset="0"/>
+              </a:rPr>
+              <a:t> </a:t>
+            </a:r>
+          </a:p>
+          <a:p>
+            <a:pPr algn="ctr"/>
+            <a:endParaRPr lang="en-GB" altLang="en-US" sz="3600" b="1" dirty="0">
+              <a:solidFill>
+                <a:schemeClr val="bg1"/>
+              </a:solidFill>
+              <a:latin typeface="Century Gothic" panose="020B0502020202020204" pitchFamily="34" charset="0"/>
+              <a:cs typeface="Segoe UI" panose="020B0502040204020203" pitchFamily="34" charset="0"/>
+            </a:endParaRPr>
+          </a:p>
+          <a:p>
+            <a:pPr algn="ctr"/>
+            <a:r>
+              <a:rPr lang="zh-TW" altLang="en-US" sz="3600" b="1" dirty="0">
+                <a:solidFill>
+                  <a:schemeClr val="bg1"/>
+                </a:solidFill>
+                <a:latin typeface="Microsoft JhengHei" panose="020B0604030504040204" pitchFamily="34" charset="-120"/>
+                <a:ea typeface="Microsoft JhengHei" panose="020B0604030504040204" pitchFamily="34" charset="-120"/>
+              </a:rPr>
+              <a:t>歡迎光臨真耶穌教會</a:t>
+            </a:r>
+            <a:endParaRPr lang="en-GB" sz="3600" b="1" dirty="0">
+              <a:solidFill>
+                <a:schemeClr val="bg1"/>
+              </a:solidFill>
+              <a:latin typeface="Century Gothic" panose="020B0502020202020204" pitchFamily="34" charset="0"/>
+              <a:ea typeface="金梅新中楷全字體" pitchFamily="49" charset="-120"/>
+            </a:endParaRPr>
+          </a:p>
+        </p:txBody>
+      </p:sp>
+      <p:pic>
+        <p:nvPicPr>
+          <p:cNvPr id="24" name="Picture 23">
+            <a:extLst>
+              <a:ext uri="{FF2B5EF4-FFF2-40B4-BE49-F238E27FC236}">
+                <a16:creationId xmlns:a16="http://schemas.microsoft.com/office/drawing/2014/main" id="{26876B72-FC5D-E685-B5CA-3B114DE93445}"/>
+              </a:ext>
+            </a:extLst>
+          </p:cNvPr>
+          <p:cNvPicPr>
+            <a:picLocks noChangeAspect="1"/>
+          </p:cNvPicPr>
+          <p:nvPr/>
+        </p:nvPicPr>
+        <p:blipFill>
+          <a:blip r:embed="rId5">
+            <a:lum bright="70000" contrast="-70000"/>
+          </a:blip>
+          <a:stretch>
+            <a:fillRect/>
+          </a:stretch>
+        </p:blipFill>
+        <p:spPr>
+          <a:xfrm>
+            <a:off x="9896028" y="1737993"/>
+            <a:ext cx="952500" cy="952500"/>
+          </a:xfrm>
+          <a:prstGeom prst="rect">
+            <a:avLst/>
+          </a:prstGeom>
+        </p:spPr>
+      </p:pic>
+      <p:pic>
+        <p:nvPicPr>
+          <p:cNvPr id="33" name="Picture 32">
+            <a:extLst>
+              <a:ext uri="{FF2B5EF4-FFF2-40B4-BE49-F238E27FC236}">
+                <a16:creationId xmlns:a16="http://schemas.microsoft.com/office/drawing/2014/main" id="{7D20D07D-D567-97E9-94C0-AEBC29E0D713}"/>
+              </a:ext>
+            </a:extLst>
+          </p:cNvPr>
+          <p:cNvPicPr>
+            <a:picLocks noChangeAspect="1"/>
+          </p:cNvPicPr>
+          <p:nvPr/>
+        </p:nvPicPr>
+        <p:blipFill>
+          <a:blip r:embed="rId6">
+            <a:lum bright="70000" contrast="-70000"/>
+          </a:blip>
+          <a:stretch>
+            <a:fillRect/>
+          </a:stretch>
+        </p:blipFill>
+        <p:spPr>
+          <a:xfrm>
+            <a:off x="10995829" y="1792496"/>
+            <a:ext cx="860811" cy="860811"/>
+          </a:xfrm>
+          <a:prstGeom prst="rect">
+            <a:avLst/>
+          </a:prstGeom>
+        </p:spPr>
+      </p:pic>
+      <p:sp>
+        <p:nvSpPr>
+          <p:cNvPr id="3" name="Date Placeholder 2">
+            <a:extLst>
+              <a:ext uri="{FF2B5EF4-FFF2-40B4-BE49-F238E27FC236}">
+                <a16:creationId xmlns:a16="http://schemas.microsoft.com/office/drawing/2014/main" id="{BAAB78FB-DD60-75C6-EF35-77AABE3524E6}"/>
+              </a:ext>
+            </a:extLst>
+          </p:cNvPr>
+          <p:cNvSpPr>
+            <a:spLocks noGrp="1"/>
+          </p:cNvSpPr>
+          <p:nvPr>
+            <p:ph type="dt" sz="half" idx="10"/>
+          </p:nvPr>
+        </p:nvSpPr>
+        <p:spPr>
+          <a:xfrm>
+            <a:off x="5118641" y="2778753"/>
+            <a:ext cx="6892121" cy="620499"/>
+          </a:xfrm>
+        </p:spPr>
+        <p:txBody>
+          <a:bodyPr/>
+          <a:lstStyle/>
+          <a:p>
+            <a:pPr algn="r"/>
+            <a:fld id="{262A5D92-C80E-4DBB-870F-20F2BA8487B9}" type="datetime2">
+              <a:rPr lang="en-US" altLang="en-US" sz="3600" b="1" smtClean="0">
+                <a:solidFill>
+                  <a:schemeClr val="bg1"/>
+                </a:solidFill>
+                <a:latin typeface="Segoe UI" panose="020B0502040204020203" pitchFamily="34" charset="0"/>
+                <a:cs typeface="Segoe UI" panose="020B0502040204020203" pitchFamily="34" charset="0"/>
+              </a:rPr>
+              <a:pPr algn="r"/>
+              <a:t>Sunday, November 27, 2022</a:t>
+            </a:fld>
+            <a:endParaRPr lang="en-US" altLang="en-US" sz="3600" b="1" dirty="0">
+              <a:solidFill>
+                <a:schemeClr val="bg1"/>
+              </a:solidFill>
+              <a:latin typeface="Segoe UI" panose="020B0502040204020203" pitchFamily="34" charset="0"/>
+              <a:cs typeface="Segoe UI" panose="020B0502040204020203" pitchFamily="34" charset="0"/>
+            </a:endParaRPr>
+          </a:p>
+        </p:txBody>
+      </p:sp>
+    </p:spTree>
+    <p:extLst>
+      <p:ext uri="{BB962C8B-B14F-4D97-AF65-F5344CB8AC3E}">
+        <p14:creationId xmlns:p14="http://schemas.microsoft.com/office/powerpoint/2010/main" val="35723793"/>
+      </p:ext>
+    </p:extLst>
+  </p:cSld>
+  <p:clrMapOvr>
+    <a:masterClrMapping/>
+  </p:clrMapOvr>
+</p:sld>
+</file>
+
+<file path=ppt/slides/slide7.xml><?xml version="1.0" encoding="utf-8"?>
+<p:sld xmlns:a="http://schemas.openxmlformats.org/drawingml/2006/main" xmlns:r="http://schemas.openxmlformats.org/officeDocument/2006/relationships" xmlns:p="http://schemas.openxmlformats.org/presentationml/2006/main">
+  <p:cSld>
     <p:bg>
       <p:bgPr>
         <a:solidFill>
-          <a:schemeClr val="tx1"/>
+          <a:schemeClr val="tx1">
+            <a:lumMod val="75000"/>
+            <a:lumOff val="25000"/>
+          </a:schemeClr>
         </a:solidFill>
         <a:effectLst/>
       </p:bgPr>
@@ -7329,22 +7755,10 @@
   <p:clrMapOvr>
     <a:masterClrMapping/>
   </p:clrMapOvr>
-  <mc:AlternateContent xmlns:mc="http://schemas.openxmlformats.org/markup-compatibility/2006" xmlns:p14="http://schemas.microsoft.com/office/powerpoint/2010/main">
-    <mc:Choice Requires="p14">
-      <p:transition spd="med" p14:dur="700">
-        <p:fade/>
-      </p:transition>
-    </mc:Choice>
-    <mc:Fallback xmlns="">
-      <p:transition spd="med">
-        <p:fade/>
-      </p:transition>
-    </mc:Fallback>
-  </mc:AlternateContent>
 </p:sld>
 </file>
 
-<file path=ppt/slides/slide7.xml><?xml version="1.0" encoding="utf-8"?>
+<file path=ppt/slides/slide8.xml><?xml version="1.0" encoding="utf-8"?>
 <p:sld xmlns:a="http://schemas.openxmlformats.org/drawingml/2006/main" xmlns:r="http://schemas.openxmlformats.org/officeDocument/2006/relationships" xmlns:p="http://schemas.openxmlformats.org/presentationml/2006/main">
   <p:cSld>
     <p:bg>

--- a/TJCPowerPoint/bin/Debug/Files/ServiceWidescreen.pptx
+++ b/TJCPowerPoint/bin/Debug/Files/ServiceWidescreen.pptx
@@ -5866,7 +5866,7 @@
         <p:spPr>
           <a:xfrm>
             <a:off x="5118637" y="917319"/>
-            <a:ext cx="7073362" cy="656718"/>
+            <a:ext cx="7073362" cy="576120"/>
           </a:xfrm>
           <a:prstGeom prst="rect">
             <a:avLst/>
@@ -5885,7 +5885,7 @@
               </a:lnSpc>
             </a:pPr>
             <a:r>
-              <a:rPr lang="en-GB" sz="2800" dirty="0">
+              <a:rPr lang="en-GB" sz="2400" dirty="0">
                 <a:solidFill>
                   <a:schemeClr val="bg1"/>
                 </a:solidFill>
@@ -5911,7 +5911,7 @@
         <p:spPr>
           <a:xfrm>
             <a:off x="5118637" y="3983735"/>
-            <a:ext cx="7073362" cy="656718"/>
+            <a:ext cx="7073362" cy="576120"/>
           </a:xfrm>
           <a:prstGeom prst="rect">
             <a:avLst/>
@@ -5930,7 +5930,7 @@
               </a:lnSpc>
             </a:pPr>
             <a:r>
-              <a:rPr lang="en-GB" sz="2800" dirty="0">
+              <a:rPr lang="en-GB" sz="2400" dirty="0">
                 <a:solidFill>
                   <a:schemeClr val="bg1"/>
                 </a:solidFill>
@@ -7045,7 +7045,7 @@
                 <a:cs typeface="Segoe UI" panose="020B0502040204020203" pitchFamily="34" charset="0"/>
               </a:rPr>
               <a:pPr algn="r"/>
-              <a:t>4:57:29 PM</a:t>
+              <a:t>10:34:49 PM</a:t>
             </a:fld>
             <a:endParaRPr lang="en-GB" sz="5400" dirty="0"/>
           </a:p>
@@ -7367,7 +7367,7 @@
         </p:blipFill>
         <p:spPr>
           <a:xfrm>
-            <a:off x="9896028" y="1737993"/>
+            <a:off x="9896028" y="1484784"/>
             <a:ext cx="952500" cy="952500"/>
           </a:xfrm>
           <a:prstGeom prst="rect">
@@ -7399,7 +7399,7 @@
         </p:blipFill>
         <p:spPr>
           <a:xfrm>
-            <a:off x="10995829" y="1792496"/>
+            <a:off x="10995829" y="1539287"/>
             <a:ext cx="860811" cy="860811"/>
           </a:xfrm>
           <a:prstGeom prst="rect">
@@ -7443,7 +7443,7 @@
                 <a:cs typeface="Segoe UI" panose="020B0502040204020203" pitchFamily="34" charset="0"/>
               </a:rPr>
               <a:pPr algn="r"/>
-              <a:t>Sunday, November 27, 2022</a:t>
+              <a:t>Wednesday, November 30, 2022</a:t>
             </a:fld>
             <a:endParaRPr lang="en-US" altLang="en-US" sz="3600" b="1" dirty="0">
               <a:solidFill>

--- a/TJCPowerPoint/bin/Debug/Files/ServiceWidescreen.pptx
+++ b/TJCPowerPoint/bin/Debug/Files/ServiceWidescreen.pptx
@@ -5744,8 +5744,8 @@
           </a:prstGeom>
           <a:solidFill>
             <a:schemeClr val="tx1">
-              <a:lumMod val="75000"/>
-              <a:lumOff val="25000"/>
+              <a:lumMod val="65000"/>
+              <a:lumOff val="35000"/>
             </a:schemeClr>
           </a:solidFill>
           <a:ln>
@@ -5809,7 +5809,10 @@
             <a:r>
               <a:rPr lang="en-GB" sz="4400" dirty="0">
                 <a:solidFill>
-                  <a:schemeClr val="bg1"/>
+                  <a:schemeClr val="accent1">
+                    <a:lumMod val="20000"/>
+                    <a:lumOff val="80000"/>
+                  </a:schemeClr>
                 </a:solidFill>
                 <a:latin typeface="Century Gothic" panose="020B0502020202020204" pitchFamily="34" charset="0"/>
                 <a:cs typeface="Segoe UI" panose="020B0502040204020203" pitchFamily="34" charset="0"/>
@@ -5819,7 +5822,10 @@
             <a:r>
               <a:rPr lang="en-GB" sz="4400" dirty="0">
                 <a:solidFill>
-                  <a:schemeClr val="bg1"/>
+                  <a:schemeClr val="accent1">
+                    <a:lumMod val="20000"/>
+                    <a:lumOff val="80000"/>
+                  </a:schemeClr>
                 </a:solidFill>
                 <a:latin typeface="Microsoft JhengHei" panose="020B0604030504040204" pitchFamily="34" charset="-120"/>
                 <a:ea typeface="Microsoft JhengHei" panose="020B0604030504040204" pitchFamily="34" charset="-120"/>
@@ -5830,7 +5836,10 @@
             <a:r>
               <a:rPr lang="ja-JP" altLang="en-US" sz="4400" dirty="0">
                 <a:solidFill>
-                  <a:schemeClr val="bg1"/>
+                  <a:schemeClr val="accent1">
+                    <a:lumMod val="20000"/>
+                    <a:lumOff val="80000"/>
+                  </a:schemeClr>
                 </a:solidFill>
                 <a:latin typeface="Microsoft JhengHei" panose="020B0604030504040204" pitchFamily="34" charset="-120"/>
                 <a:ea typeface="Microsoft JhengHei" panose="020B0604030504040204" pitchFamily="34" charset="-120"/>
@@ -5841,7 +5850,10 @@
             <a:r>
               <a:rPr lang="en-GB" sz="4400" dirty="0">
                 <a:solidFill>
-                  <a:schemeClr val="bg1"/>
+                  <a:schemeClr val="accent1">
+                    <a:lumMod val="20000"/>
+                    <a:lumOff val="80000"/>
+                  </a:schemeClr>
                 </a:solidFill>
                 <a:latin typeface="Century Gothic" panose="020B0502020202020204" pitchFamily="34" charset="0"/>
                 <a:cs typeface="Segoe UI" panose="020B0502040204020203" pitchFamily="34" charset="0"/>
@@ -7009,10 +7021,10 @@
       </p:grpSpPr>
       <p:sp>
         <p:nvSpPr>
-          <p:cNvPr id="5" name="TextBox 4">
+          <p:cNvPr id="4" name="TextBox 3">
             <a:extLst>
               <a:ext uri="{FF2B5EF4-FFF2-40B4-BE49-F238E27FC236}">
-                <a16:creationId xmlns:a16="http://schemas.microsoft.com/office/drawing/2014/main" id="{B8C2B8E2-D11D-57CD-53C8-E9766D2521CA}"/>
+                <a16:creationId xmlns:a16="http://schemas.microsoft.com/office/drawing/2014/main" id="{7EFFF85D-FE50-8E41-080A-A46A30A7CB09}"/>
               </a:ext>
             </a:extLst>
           </p:cNvPr>
@@ -7021,33 +7033,43 @@
         </p:nvSpPr>
         <p:spPr>
           <a:xfrm>
-            <a:off x="5896644" y="3524697"/>
-            <a:ext cx="6106884" cy="923330"/>
+            <a:off x="5603494" y="3399252"/>
+            <a:ext cx="6395128" cy="1015663"/>
           </a:xfrm>
           <a:prstGeom prst="rect">
             <a:avLst/>
           </a:prstGeom>
           <a:noFill/>
+          <a:ln w="19050">
+            <a:noFill/>
+          </a:ln>
         </p:spPr>
         <p:txBody>
-          <a:bodyPr wrap="square">
+          <a:bodyPr wrap="square" rtlCol="0" anchor="ctr">
             <a:spAutoFit/>
           </a:bodyPr>
           <a:lstStyle/>
           <a:p>
             <a:pPr algn="r"/>
-            <a:fld id="{5A428485-E877-48E8-B288-A00821AA8FEC}" type="datetime13">
-              <a:rPr lang="en-US" altLang="en-US" sz="5400" b="1" smtClean="0">
+            <a:r>
+              <a:rPr lang="en-GB" altLang="ja-JP" sz="6000" b="1" dirty="0">
                 <a:solidFill>
                   <a:schemeClr val="bg1"/>
                 </a:solidFill>
                 <a:latin typeface="Segoe UI" panose="020B0502040204020203" pitchFamily="34" charset="0"/>
+                <a:ea typeface="Microsoft JhengHei" panose="020B0604030504040204" pitchFamily="34" charset="-120"/>
                 <a:cs typeface="Segoe UI" panose="020B0502040204020203" pitchFamily="34" charset="0"/>
               </a:rPr>
-              <a:pPr algn="r"/>
-              <a:t>10:34:49 PM</a:t>
-            </a:fld>
-            <a:endParaRPr lang="en-GB" sz="5400" dirty="0"/>
+              <a:t>TIME</a:t>
+            </a:r>
+            <a:endParaRPr lang="ja-JP" altLang="en-US" sz="6000" b="1" dirty="0">
+              <a:solidFill>
+                <a:schemeClr val="bg1"/>
+              </a:solidFill>
+              <a:latin typeface="Segoe UI" panose="020B0502040204020203" pitchFamily="34" charset="0"/>
+              <a:ea typeface="Microsoft JhengHei" panose="020B0604030504040204" pitchFamily="34" charset="-120"/>
+              <a:cs typeface="Segoe UI" panose="020B0502040204020203" pitchFamily="34" charset="0"/>
+            </a:endParaRPr>
           </a:p>
         </p:txBody>
       </p:sp>
@@ -7073,8 +7095,8 @@
           </a:prstGeom>
           <a:solidFill>
             <a:schemeClr val="tx1">
-              <a:lumMod val="75000"/>
-              <a:lumOff val="25000"/>
+              <a:lumMod val="65000"/>
+              <a:lumOff val="35000"/>
             </a:schemeClr>
           </a:solidFill>
           <a:ln>
@@ -7443,7 +7465,7 @@
                 <a:cs typeface="Segoe UI" panose="020B0502040204020203" pitchFamily="34" charset="0"/>
               </a:rPr>
               <a:pPr algn="r"/>
-              <a:t>Wednesday, November 30, 2022</a:t>
+              <a:t>Thursday, December 8, 2022</a:t>
             </a:fld>
             <a:endParaRPr lang="en-US" altLang="en-US" sz="3600" b="1" dirty="0">
               <a:solidFill>
@@ -7475,8 +7497,8 @@
       <p:bgPr>
         <a:solidFill>
           <a:schemeClr val="tx1">
-            <a:lumMod val="75000"/>
-            <a:lumOff val="25000"/>
+            <a:lumMod val="65000"/>
+            <a:lumOff val="35000"/>
           </a:schemeClr>
         </a:solidFill>
         <a:effectLst/>

--- a/TJCPowerPoint/bin/Debug/Files/ServiceWidescreen.pptx
+++ b/TJCPowerPoint/bin/Debug/Files/ServiceWidescreen.pptx
@@ -5,20 +5,22 @@
     <p:sldMasterId id="2147483660" r:id="rId1"/>
   </p:sldMasterIdLst>
   <p:notesMasterIdLst>
-    <p:notesMasterId r:id="rId10"/>
+    <p:notesMasterId r:id="rId12"/>
   </p:notesMasterIdLst>
   <p:handoutMasterIdLst>
-    <p:handoutMasterId r:id="rId11"/>
+    <p:handoutMasterId r:id="rId13"/>
   </p:handoutMasterIdLst>
   <p:sldIdLst>
-    <p:sldId id="357" r:id="rId2"/>
-    <p:sldId id="358" r:id="rId3"/>
-    <p:sldId id="360" r:id="rId4"/>
-    <p:sldId id="361" r:id="rId5"/>
-    <p:sldId id="359" r:id="rId6"/>
-    <p:sldId id="365" r:id="rId7"/>
-    <p:sldId id="363" r:id="rId8"/>
-    <p:sldId id="364" r:id="rId9"/>
+    <p:sldId id="365" r:id="rId2"/>
+    <p:sldId id="357" r:id="rId3"/>
+    <p:sldId id="367" r:id="rId4"/>
+    <p:sldId id="366" r:id="rId5"/>
+    <p:sldId id="358" r:id="rId6"/>
+    <p:sldId id="360" r:id="rId7"/>
+    <p:sldId id="361" r:id="rId8"/>
+    <p:sldId id="359" r:id="rId9"/>
+    <p:sldId id="363" r:id="rId10"/>
+    <p:sldId id="364" r:id="rId11"/>
   </p:sldIdLst>
   <p:sldSz cx="12192000" cy="6858000"/>
   <p:notesSz cx="6858000" cy="9144000"/>
@@ -1093,7 +1095,7 @@
             <a:fld id="{41DDB78E-45AE-4915-A272-867B43D17459}" type="slidenum">
               <a:rPr lang="en-US" altLang="en-US" smtClean="0"/>
               <a:pPr/>
-              <a:t>1</a:t>
+              <a:t>2</a:t>
             </a:fld>
             <a:endParaRPr lang="en-US" altLang="en-US"/>
           </a:p>
@@ -1103,6 +1105,96 @@
     <p:extLst>
       <p:ext uri="{BB962C8B-B14F-4D97-AF65-F5344CB8AC3E}">
         <p14:creationId xmlns:p14="http://schemas.microsoft.com/office/powerpoint/2010/main" val="6809023"/>
+      </p:ext>
+    </p:extLst>
+  </p:cSld>
+  <p:clrMapOvr>
+    <a:masterClrMapping/>
+  </p:clrMapOvr>
+</p:notes>
+</file>
+
+<file path=ppt/notesSlides/notesSlide2.xml><?xml version="1.0" encoding="utf-8"?>
+<p:notes xmlns:a="http://schemas.openxmlformats.org/drawingml/2006/main" xmlns:r="http://schemas.openxmlformats.org/officeDocument/2006/relationships" xmlns:p="http://schemas.openxmlformats.org/presentationml/2006/main">
+  <p:cSld>
+    <p:spTree>
+      <p:nvGrpSpPr>
+        <p:cNvPr id="1" name=""/>
+        <p:cNvGrpSpPr/>
+        <p:nvPr/>
+      </p:nvGrpSpPr>
+      <p:grpSpPr>
+        <a:xfrm>
+          <a:off x="0" y="0"/>
+          <a:ext cx="0" cy="0"/>
+          <a:chOff x="0" y="0"/>
+          <a:chExt cx="0" cy="0"/>
+        </a:xfrm>
+      </p:grpSpPr>
+      <p:sp>
+        <p:nvSpPr>
+          <p:cNvPr id="2" name="Slide Image Placeholder 1"/>
+          <p:cNvSpPr>
+            <a:spLocks noGrp="1" noRot="1" noChangeAspect="1"/>
+          </p:cNvSpPr>
+          <p:nvPr>
+            <p:ph type="sldImg"/>
+          </p:nvPr>
+        </p:nvSpPr>
+        <p:spPr>
+          <a:xfrm>
+            <a:off x="381000" y="685800"/>
+            <a:ext cx="6096000" cy="3429000"/>
+          </a:xfrm>
+        </p:spPr>
+      </p:sp>
+      <p:sp>
+        <p:nvSpPr>
+          <p:cNvPr id="3" name="Notes Placeholder 2"/>
+          <p:cNvSpPr>
+            <a:spLocks noGrp="1"/>
+          </p:cNvSpPr>
+          <p:nvPr>
+            <p:ph type="body" idx="1"/>
+          </p:nvPr>
+        </p:nvSpPr>
+        <p:spPr/>
+        <p:txBody>
+          <a:bodyPr/>
+          <a:lstStyle/>
+          <a:p>
+            <a:endParaRPr lang="en-GB" dirty="0"/>
+          </a:p>
+        </p:txBody>
+      </p:sp>
+      <p:sp>
+        <p:nvSpPr>
+          <p:cNvPr id="4" name="Slide Number Placeholder 3"/>
+          <p:cNvSpPr>
+            <a:spLocks noGrp="1"/>
+          </p:cNvSpPr>
+          <p:nvPr>
+            <p:ph type="sldNum" sz="quarter" idx="10"/>
+          </p:nvPr>
+        </p:nvSpPr>
+        <p:spPr/>
+        <p:txBody>
+          <a:bodyPr/>
+          <a:lstStyle/>
+          <a:p>
+            <a:fld id="{41DDB78E-45AE-4915-A272-867B43D17459}" type="slidenum">
+              <a:rPr lang="en-US" altLang="en-US" smtClean="0"/>
+              <a:pPr/>
+              <a:t>3</a:t>
+            </a:fld>
+            <a:endParaRPr lang="en-US" altLang="en-US"/>
+          </a:p>
+        </p:txBody>
+      </p:sp>
+    </p:spTree>
+    <p:extLst>
+      <p:ext uri="{BB962C8B-B14F-4D97-AF65-F5344CB8AC3E}">
+        <p14:creationId xmlns:p14="http://schemas.microsoft.com/office/powerpoint/2010/main" val="5168465"/>
       </p:ext>
     </p:extLst>
   </p:cSld>
@@ -3388,9 +3480,16 @@
   <p:cSld>
     <p:bg>
       <p:bgPr>
-        <a:solidFill>
-          <a:schemeClr val="tx1"/>
-        </a:solidFill>
+        <a:blipFill dpi="0" rotWithShape="1">
+          <a:blip r:embed="rId13">
+            <a:alphaModFix amt="15000"/>
+            <a:lum/>
+          </a:blip>
+          <a:srcRect/>
+          <a:stretch>
+            <a:fillRect/>
+          </a:stretch>
+        </a:blipFill>
         <a:effectLst/>
       </p:bgPr>
     </p:bg>
@@ -3926,14 +4025,6 @@
 <file path=ppt/slides/slide1.xml><?xml version="1.0" encoding="utf-8"?>
 <p:sld xmlns:a="http://schemas.openxmlformats.org/drawingml/2006/main" xmlns:r="http://schemas.openxmlformats.org/officeDocument/2006/relationships" xmlns:p="http://schemas.openxmlformats.org/presentationml/2006/main">
   <p:cSld>
-    <p:bg>
-      <p:bgPr>
-        <a:solidFill>
-          <a:schemeClr val="tx1"/>
-        </a:solidFill>
-        <a:effectLst/>
-      </p:bgPr>
-    </p:bg>
     <p:spTree>
       <p:nvGrpSpPr>
         <p:cNvPr id="1" name=""/>
@@ -3950,6 +4041,789 @@
       </p:grpSpPr>
       <p:sp>
         <p:nvSpPr>
+          <p:cNvPr id="4" name="TextBox 3">
+            <a:extLst>
+              <a:ext uri="{FF2B5EF4-FFF2-40B4-BE49-F238E27FC236}">
+                <a16:creationId xmlns:a16="http://schemas.microsoft.com/office/drawing/2014/main" id="{7EFFF85D-FE50-8E41-080A-A46A30A7CB09}"/>
+              </a:ext>
+            </a:extLst>
+          </p:cNvPr>
+          <p:cNvSpPr txBox="1"/>
+          <p:nvPr/>
+        </p:nvSpPr>
+        <p:spPr>
+          <a:xfrm>
+            <a:off x="5603494" y="3399252"/>
+            <a:ext cx="6395128" cy="1015663"/>
+          </a:xfrm>
+          <a:prstGeom prst="rect">
+            <a:avLst/>
+          </a:prstGeom>
+          <a:noFill/>
+          <a:ln w="19050">
+            <a:noFill/>
+          </a:ln>
+        </p:spPr>
+        <p:txBody>
+          <a:bodyPr wrap="square" rtlCol="0" anchor="ctr">
+            <a:spAutoFit/>
+          </a:bodyPr>
+          <a:lstStyle/>
+          <a:p>
+            <a:pPr algn="r"/>
+            <a:r>
+              <a:rPr lang="en-GB" altLang="ja-JP" sz="6000" b="1" dirty="0">
+                <a:latin typeface="Segoe UI" panose="020B0502040204020203" pitchFamily="34" charset="0"/>
+                <a:ea typeface="Microsoft JhengHei" panose="020B0604030504040204" pitchFamily="34" charset="-120"/>
+                <a:cs typeface="Segoe UI" panose="020B0502040204020203" pitchFamily="34" charset="0"/>
+              </a:rPr>
+              <a:t>TIME</a:t>
+            </a:r>
+            <a:endParaRPr lang="ja-JP" altLang="en-US" sz="6000" b="1" dirty="0">
+              <a:latin typeface="Segoe UI" panose="020B0502040204020203" pitchFamily="34" charset="0"/>
+              <a:ea typeface="Microsoft JhengHei" panose="020B0604030504040204" pitchFamily="34" charset="-120"/>
+              <a:cs typeface="Segoe UI" panose="020B0502040204020203" pitchFamily="34" charset="0"/>
+            </a:endParaRPr>
+          </a:p>
+        </p:txBody>
+      </p:sp>
+      <p:sp>
+        <p:nvSpPr>
+          <p:cNvPr id="2" name="Rectangle 1">
+            <a:extLst>
+              <a:ext uri="{FF2B5EF4-FFF2-40B4-BE49-F238E27FC236}">
+                <a16:creationId xmlns:a16="http://schemas.microsoft.com/office/drawing/2014/main" id="{A5EDBB23-EE74-BD8E-68BB-188BA81E44C9}"/>
+              </a:ext>
+            </a:extLst>
+          </p:cNvPr>
+          <p:cNvSpPr/>
+          <p:nvPr/>
+        </p:nvSpPr>
+        <p:spPr>
+          <a:xfrm>
+            <a:off x="-1" y="0"/>
+            <a:ext cx="5118641" cy="6858000"/>
+          </a:xfrm>
+          <a:prstGeom prst="rect">
+            <a:avLst/>
+          </a:prstGeom>
+          <a:solidFill>
+            <a:srgbClr val="BFBFBF">
+              <a:alpha val="60000"/>
+            </a:srgbClr>
+          </a:solidFill>
+          <a:ln>
+            <a:noFill/>
+          </a:ln>
+        </p:spPr>
+        <p:style>
+          <a:lnRef idx="2">
+            <a:schemeClr val="accent1">
+              <a:shade val="50000"/>
+            </a:schemeClr>
+          </a:lnRef>
+          <a:fillRef idx="1">
+            <a:schemeClr val="accent1"/>
+          </a:fillRef>
+          <a:effectRef idx="0">
+            <a:schemeClr val="accent1"/>
+          </a:effectRef>
+          <a:fontRef idx="minor">
+            <a:schemeClr val="lt1"/>
+          </a:fontRef>
+        </p:style>
+        <p:txBody>
+          <a:bodyPr rtlCol="0" anchor="ctr"/>
+          <a:lstStyle/>
+          <a:p>
+            <a:pPr algn="ctr"/>
+            <a:endParaRPr lang="en-GB">
+              <a:solidFill>
+                <a:schemeClr val="tx1"/>
+              </a:solidFill>
+            </a:endParaRPr>
+          </a:p>
+        </p:txBody>
+      </p:sp>
+      <p:sp>
+        <p:nvSpPr>
+          <p:cNvPr id="10" name="TextBox 9">
+            <a:extLst>
+              <a:ext uri="{FF2B5EF4-FFF2-40B4-BE49-F238E27FC236}">
+                <a16:creationId xmlns:a16="http://schemas.microsoft.com/office/drawing/2014/main" id="{6DA65BC6-CF8D-7742-7648-A497F05CD732}"/>
+              </a:ext>
+            </a:extLst>
+          </p:cNvPr>
+          <p:cNvSpPr txBox="1"/>
+          <p:nvPr/>
+        </p:nvSpPr>
+        <p:spPr>
+          <a:xfrm>
+            <a:off x="5231904" y="6023029"/>
+            <a:ext cx="6395128" cy="646331"/>
+          </a:xfrm>
+          <a:prstGeom prst="rect">
+            <a:avLst/>
+          </a:prstGeom>
+          <a:noFill/>
+          <a:ln w="19050">
+            <a:noFill/>
+          </a:ln>
+        </p:spPr>
+        <p:txBody>
+          <a:bodyPr wrap="square" rtlCol="0" anchor="ctr">
+            <a:spAutoFit/>
+          </a:bodyPr>
+          <a:lstStyle/>
+          <a:p>
+            <a:pPr algn="r"/>
+            <a:r>
+              <a:rPr lang="en-GB" dirty="0">
+                <a:latin typeface="Segoe UI Semibold" panose="020B0702040204020203" pitchFamily="34" charset="0"/>
+                <a:cs typeface="Segoe UI Semibold" panose="020B0702040204020203" pitchFamily="34" charset="0"/>
+              </a:rPr>
+              <a:t>Please Turn Off/Silence Your Devices </a:t>
+            </a:r>
+          </a:p>
+          <a:p>
+            <a:pPr algn="r"/>
+            <a:r>
+              <a:rPr lang="zh-TW" altLang="en-US" b="1" dirty="0">
+                <a:latin typeface="Microsoft JhengHei" panose="020B0604030504040204" pitchFamily="34" charset="-120"/>
+                <a:ea typeface="Microsoft JhengHei" panose="020B0604030504040204" pitchFamily="34" charset="-120"/>
+              </a:rPr>
+              <a:t>請靜音或關閉所有電子設備</a:t>
+            </a:r>
+            <a:endParaRPr lang="ja-JP" altLang="en-US" b="1" dirty="0">
+              <a:latin typeface="Microsoft JhengHei" panose="020B0604030504040204" pitchFamily="34" charset="-120"/>
+              <a:ea typeface="Microsoft JhengHei" panose="020B0604030504040204" pitchFamily="34" charset="-120"/>
+            </a:endParaRPr>
+          </a:p>
+        </p:txBody>
+      </p:sp>
+      <p:pic>
+        <p:nvPicPr>
+          <p:cNvPr id="11" name="Picture 10" descr="Shape&#10;&#10;Description automatically generated with low confidence">
+            <a:extLst>
+              <a:ext uri="{FF2B5EF4-FFF2-40B4-BE49-F238E27FC236}">
+                <a16:creationId xmlns:a16="http://schemas.microsoft.com/office/drawing/2014/main" id="{D870190A-DEF8-5DAD-B86F-568A59A5C0E3}"/>
+              </a:ext>
+            </a:extLst>
+          </p:cNvPr>
+          <p:cNvPicPr>
+            <a:picLocks noChangeAspect="1"/>
+          </p:cNvPicPr>
+          <p:nvPr/>
+        </p:nvPicPr>
+        <p:blipFill>
+          <a:blip r:embed="rId2" cstate="print">
+            <a:extLst>
+              <a:ext uri="{BEBA8EAE-BF5A-486C-A8C5-ECC9F3942E4B}">
+                <a14:imgProps xmlns:a14="http://schemas.microsoft.com/office/drawing/2010/main">
+                  <a14:imgLayer r:embed="rId3">
+                    <a14:imgEffect>
+                      <a14:colorTemperature colorTemp="11500"/>
+                    </a14:imgEffect>
+                    <a14:imgEffect>
+                      <a14:saturation sat="400000"/>
+                    </a14:imgEffect>
+                    <a14:imgEffect>
+                      <a14:brightnessContrast bright="-40000" contrast="-40000"/>
+                    </a14:imgEffect>
+                  </a14:imgLayer>
+                </a14:imgProps>
+              </a:ext>
+              <a:ext uri="{28A0092B-C50C-407E-A947-70E740481C1C}">
+                <a14:useLocalDpi xmlns:a14="http://schemas.microsoft.com/office/drawing/2010/main" val="0"/>
+              </a:ext>
+            </a:extLst>
+          </a:blip>
+          <a:stretch>
+            <a:fillRect/>
+          </a:stretch>
+        </p:blipFill>
+        <p:spPr>
+          <a:xfrm>
+            <a:off x="11544706" y="6093296"/>
+            <a:ext cx="508138" cy="508138"/>
+          </a:xfrm>
+          <a:prstGeom prst="rect">
+            <a:avLst/>
+          </a:prstGeom>
+          <a:ln>
+            <a:noFill/>
+          </a:ln>
+        </p:spPr>
+      </p:pic>
+      <p:sp>
+        <p:nvSpPr>
+          <p:cNvPr id="15" name="TextBox 14">
+            <a:extLst>
+              <a:ext uri="{FF2B5EF4-FFF2-40B4-BE49-F238E27FC236}">
+                <a16:creationId xmlns:a16="http://schemas.microsoft.com/office/drawing/2014/main" id="{A43ACE95-BAD5-34EA-AAE0-5B30B782E5D7}"/>
+              </a:ext>
+            </a:extLst>
+          </p:cNvPr>
+          <p:cNvSpPr txBox="1"/>
+          <p:nvPr/>
+        </p:nvSpPr>
+        <p:spPr>
+          <a:xfrm>
+            <a:off x="363076" y="2274838"/>
+            <a:ext cx="4392485" cy="2308324"/>
+          </a:xfrm>
+          <a:prstGeom prst="rect">
+            <a:avLst/>
+          </a:prstGeom>
+          <a:noFill/>
+        </p:spPr>
+        <p:txBody>
+          <a:bodyPr wrap="square" rtlCol="0">
+            <a:spAutoFit/>
+          </a:bodyPr>
+          <a:lstStyle/>
+          <a:p>
+            <a:pPr algn="ctr"/>
+            <a:r>
+              <a:rPr lang="en-GB" altLang="en-US" sz="3600" b="1" dirty="0">
+                <a:latin typeface="Segoe UI" panose="020B0502040204020203" pitchFamily="34" charset="0"/>
+                <a:cs typeface="Segoe UI" panose="020B0502040204020203" pitchFamily="34" charset="0"/>
+              </a:rPr>
+              <a:t>Welcome To True Jesus Church</a:t>
+            </a:r>
+            <a:r>
+              <a:rPr lang="en-GB" altLang="en-US" sz="3600" b="1" dirty="0">
+                <a:latin typeface="Century Gothic" panose="020B0502020202020204" pitchFamily="34" charset="0"/>
+                <a:cs typeface="Segoe UI" panose="020B0502040204020203" pitchFamily="34" charset="0"/>
+              </a:rPr>
+              <a:t> </a:t>
+            </a:r>
+          </a:p>
+          <a:p>
+            <a:pPr algn="ctr"/>
+            <a:endParaRPr lang="en-GB" altLang="en-US" sz="3600" b="1" dirty="0">
+              <a:latin typeface="Century Gothic" panose="020B0502020202020204" pitchFamily="34" charset="0"/>
+              <a:cs typeface="Segoe UI" panose="020B0502040204020203" pitchFamily="34" charset="0"/>
+            </a:endParaRPr>
+          </a:p>
+          <a:p>
+            <a:pPr algn="ctr"/>
+            <a:r>
+              <a:rPr lang="zh-TW" altLang="en-US" sz="3600" b="1" dirty="0">
+                <a:latin typeface="Microsoft JhengHei" panose="020B0604030504040204" pitchFamily="34" charset="-120"/>
+                <a:ea typeface="Microsoft JhengHei" panose="020B0604030504040204" pitchFamily="34" charset="-120"/>
+              </a:rPr>
+              <a:t>歡迎光臨真耶穌教會</a:t>
+            </a:r>
+            <a:endParaRPr lang="en-GB" sz="3600" b="1" dirty="0">
+              <a:latin typeface="Century Gothic" panose="020B0502020202020204" pitchFamily="34" charset="0"/>
+              <a:ea typeface="金梅新中楷全字體" pitchFamily="49" charset="-120"/>
+            </a:endParaRPr>
+          </a:p>
+        </p:txBody>
+      </p:sp>
+      <p:pic>
+        <p:nvPicPr>
+          <p:cNvPr id="24" name="Picture 23">
+            <a:extLst>
+              <a:ext uri="{FF2B5EF4-FFF2-40B4-BE49-F238E27FC236}">
+                <a16:creationId xmlns:a16="http://schemas.microsoft.com/office/drawing/2014/main" id="{26876B72-FC5D-E685-B5CA-3B114DE93445}"/>
+              </a:ext>
+            </a:extLst>
+          </p:cNvPr>
+          <p:cNvPicPr>
+            <a:picLocks noChangeAspect="1"/>
+          </p:cNvPicPr>
+          <p:nvPr/>
+        </p:nvPicPr>
+        <p:blipFill>
+          <a:blip r:embed="rId4">
+            <a:duotone>
+              <a:schemeClr val="accent3">
+                <a:shade val="45000"/>
+                <a:satMod val="135000"/>
+              </a:schemeClr>
+              <a:prstClr val="white"/>
+            </a:duotone>
+          </a:blip>
+          <a:stretch>
+            <a:fillRect/>
+          </a:stretch>
+        </p:blipFill>
+        <p:spPr>
+          <a:xfrm>
+            <a:off x="9896028" y="1484784"/>
+            <a:ext cx="952500" cy="952500"/>
+          </a:xfrm>
+          <a:prstGeom prst="rect">
+            <a:avLst/>
+          </a:prstGeom>
+        </p:spPr>
+      </p:pic>
+      <p:pic>
+        <p:nvPicPr>
+          <p:cNvPr id="33" name="Picture 32">
+            <a:extLst>
+              <a:ext uri="{FF2B5EF4-FFF2-40B4-BE49-F238E27FC236}">
+                <a16:creationId xmlns:a16="http://schemas.microsoft.com/office/drawing/2014/main" id="{7D20D07D-D567-97E9-94C0-AEBC29E0D713}"/>
+              </a:ext>
+            </a:extLst>
+          </p:cNvPr>
+          <p:cNvPicPr>
+            <a:picLocks noChangeAspect="1"/>
+          </p:cNvPicPr>
+          <p:nvPr/>
+        </p:nvPicPr>
+        <p:blipFill>
+          <a:blip r:embed="rId5">
+            <a:duotone>
+              <a:schemeClr val="accent3">
+                <a:shade val="45000"/>
+                <a:satMod val="135000"/>
+              </a:schemeClr>
+              <a:prstClr val="white"/>
+            </a:duotone>
+          </a:blip>
+          <a:stretch>
+            <a:fillRect/>
+          </a:stretch>
+        </p:blipFill>
+        <p:spPr>
+          <a:xfrm>
+            <a:off x="10995829" y="1539287"/>
+            <a:ext cx="860811" cy="860811"/>
+          </a:xfrm>
+          <a:prstGeom prst="rect">
+            <a:avLst/>
+          </a:prstGeom>
+        </p:spPr>
+      </p:pic>
+      <p:sp>
+        <p:nvSpPr>
+          <p:cNvPr id="3" name="Date Placeholder 2">
+            <a:extLst>
+              <a:ext uri="{FF2B5EF4-FFF2-40B4-BE49-F238E27FC236}">
+                <a16:creationId xmlns:a16="http://schemas.microsoft.com/office/drawing/2014/main" id="{BAAB78FB-DD60-75C6-EF35-77AABE3524E6}"/>
+              </a:ext>
+            </a:extLst>
+          </p:cNvPr>
+          <p:cNvSpPr>
+            <a:spLocks noGrp="1"/>
+          </p:cNvSpPr>
+          <p:nvPr>
+            <p:ph type="dt" sz="half" idx="10"/>
+          </p:nvPr>
+        </p:nvSpPr>
+        <p:spPr>
+          <a:xfrm>
+            <a:off x="5118641" y="2778753"/>
+            <a:ext cx="6892121" cy="620499"/>
+          </a:xfrm>
+        </p:spPr>
+        <p:txBody>
+          <a:bodyPr/>
+          <a:lstStyle/>
+          <a:p>
+            <a:pPr algn="r"/>
+            <a:fld id="{262A5D92-C80E-4DBB-870F-20F2BA8487B9}" type="datetime2">
+              <a:rPr lang="en-US" altLang="en-US" sz="3600" b="1" smtClean="0">
+                <a:solidFill>
+                  <a:schemeClr val="tx1"/>
+                </a:solidFill>
+                <a:latin typeface="Segoe UI" panose="020B0502040204020203" pitchFamily="34" charset="0"/>
+                <a:cs typeface="Segoe UI" panose="020B0502040204020203" pitchFamily="34" charset="0"/>
+              </a:rPr>
+              <a:pPr algn="r"/>
+              <a:t>Tuesday, December 27, 2022</a:t>
+            </a:fld>
+            <a:endParaRPr lang="en-US" altLang="en-US" sz="3600" b="1" dirty="0">
+              <a:solidFill>
+                <a:schemeClr val="tx1"/>
+              </a:solidFill>
+              <a:latin typeface="Segoe UI" panose="020B0502040204020203" pitchFamily="34" charset="0"/>
+              <a:cs typeface="Segoe UI" panose="020B0502040204020203" pitchFamily="34" charset="0"/>
+            </a:endParaRPr>
+          </a:p>
+        </p:txBody>
+      </p:sp>
+      <p:pic>
+        <p:nvPicPr>
+          <p:cNvPr id="5" name="Picture 4" descr="Logo&#10;&#10;Description automatically generated with medium confidence">
+            <a:extLst>
+              <a:ext uri="{FF2B5EF4-FFF2-40B4-BE49-F238E27FC236}">
+                <a16:creationId xmlns:a16="http://schemas.microsoft.com/office/drawing/2014/main" id="{F1A632EC-8D41-3594-8946-6F29BE18D9E9}"/>
+              </a:ext>
+            </a:extLst>
+          </p:cNvPr>
+          <p:cNvPicPr>
+            <a:picLocks noChangeAspect="1"/>
+          </p:cNvPicPr>
+          <p:nvPr/>
+        </p:nvPicPr>
+        <p:blipFill>
+          <a:blip r:embed="rId6" cstate="print">
+            <a:biLevel thresh="75000"/>
+            <a:extLst>
+              <a:ext uri="{BEBA8EAE-BF5A-486C-A8C5-ECC9F3942E4B}">
+                <a14:imgProps xmlns:a14="http://schemas.microsoft.com/office/drawing/2010/main">
+                  <a14:imgLayer r:embed="rId7">
+                    <a14:imgEffect>
+                      <a14:brightnessContrast bright="-40000" contrast="-40000"/>
+                    </a14:imgEffect>
+                  </a14:imgLayer>
+                </a14:imgProps>
+              </a:ext>
+              <a:ext uri="{28A0092B-C50C-407E-A947-70E740481C1C}">
+                <a14:useLocalDpi xmlns:a14="http://schemas.microsoft.com/office/drawing/2010/main" val="0"/>
+              </a:ext>
+            </a:extLst>
+          </a:blip>
+          <a:stretch>
+            <a:fillRect/>
+          </a:stretch>
+        </p:blipFill>
+        <p:spPr>
+          <a:xfrm>
+            <a:off x="1227169" y="1772816"/>
+            <a:ext cx="2664297" cy="344791"/>
+          </a:xfrm>
+          <a:prstGeom prst="rect">
+            <a:avLst/>
+          </a:prstGeom>
+        </p:spPr>
+      </p:pic>
+    </p:spTree>
+    <p:extLst>
+      <p:ext uri="{BB962C8B-B14F-4D97-AF65-F5344CB8AC3E}">
+        <p14:creationId xmlns:p14="http://schemas.microsoft.com/office/powerpoint/2010/main" val="35723793"/>
+      </p:ext>
+    </p:extLst>
+  </p:cSld>
+  <p:clrMapOvr>
+    <a:masterClrMapping/>
+  </p:clrMapOvr>
+</p:sld>
+</file>
+
+<file path=ppt/slides/slide10.xml><?xml version="1.0" encoding="utf-8"?>
+<p:sld xmlns:a="http://schemas.openxmlformats.org/drawingml/2006/main" xmlns:r="http://schemas.openxmlformats.org/officeDocument/2006/relationships" xmlns:p="http://schemas.openxmlformats.org/presentationml/2006/main">
+  <p:cSld>
+    <p:spTree>
+      <p:nvGrpSpPr>
+        <p:cNvPr id="1" name=""/>
+        <p:cNvGrpSpPr/>
+        <p:nvPr/>
+      </p:nvGrpSpPr>
+      <p:grpSpPr>
+        <a:xfrm>
+          <a:off x="0" y="0"/>
+          <a:ext cx="0" cy="0"/>
+          <a:chOff x="0" y="0"/>
+          <a:chExt cx="0" cy="0"/>
+        </a:xfrm>
+      </p:grpSpPr>
+      <p:sp>
+        <p:nvSpPr>
+          <p:cNvPr id="10" name="Title 1">
+            <a:extLst>
+              <a:ext uri="{FF2B5EF4-FFF2-40B4-BE49-F238E27FC236}">
+                <a16:creationId xmlns:a16="http://schemas.microsoft.com/office/drawing/2014/main" id="{A29A4E1D-6B90-5AD8-9DB2-C35F6160DFE2}"/>
+              </a:ext>
+            </a:extLst>
+          </p:cNvPr>
+          <p:cNvSpPr txBox="1">
+            <a:spLocks/>
+          </p:cNvSpPr>
+          <p:nvPr/>
+        </p:nvSpPr>
+        <p:spPr>
+          <a:xfrm>
+            <a:off x="-7741368" y="2619557"/>
+            <a:ext cx="6858000" cy="2387600"/>
+          </a:xfrm>
+          <a:prstGeom prst="rect">
+            <a:avLst/>
+          </a:prstGeom>
+        </p:spPr>
+        <p:txBody>
+          <a:bodyPr vert="horz" lIns="91440" tIns="45720" rIns="91440" bIns="45720" rtlCol="0" anchor="ctr">
+            <a:normAutofit/>
+          </a:bodyPr>
+          <a:lstStyle>
+            <a:lvl1pPr algn="l" defTabSz="914400" rtl="0" eaLnBrk="1" latinLnBrk="0" hangingPunct="1">
+              <a:lnSpc>
+                <a:spcPct val="90000"/>
+              </a:lnSpc>
+              <a:spcBef>
+                <a:spcPct val="0"/>
+              </a:spcBef>
+              <a:buNone/>
+              <a:defRPr sz="4400" kern="1200">
+                <a:solidFill>
+                  <a:schemeClr val="tx1"/>
+                </a:solidFill>
+                <a:latin typeface="+mj-lt"/>
+                <a:ea typeface="+mj-ea"/>
+                <a:cs typeface="+mj-cs"/>
+              </a:defRPr>
+            </a:lvl1pPr>
+          </a:lstStyle>
+          <a:p>
+            <a:pPr algn="ctr"/>
+            <a:r>
+              <a:rPr lang="en-GB" dirty="0">
+                <a:latin typeface="Century Gothic" panose="020B0502020202020204" pitchFamily="34" charset="0"/>
+              </a:rPr>
+              <a:t>Service Times</a:t>
+            </a:r>
+          </a:p>
+        </p:txBody>
+      </p:sp>
+      <p:sp>
+        <p:nvSpPr>
+          <p:cNvPr id="11" name="TextBox 10">
+            <a:extLst>
+              <a:ext uri="{FF2B5EF4-FFF2-40B4-BE49-F238E27FC236}">
+                <a16:creationId xmlns:a16="http://schemas.microsoft.com/office/drawing/2014/main" id="{ADA8455D-134F-486C-C096-FFC55CA1AF07}"/>
+              </a:ext>
+            </a:extLst>
+          </p:cNvPr>
+          <p:cNvSpPr txBox="1"/>
+          <p:nvPr/>
+        </p:nvSpPr>
+        <p:spPr>
+          <a:xfrm>
+            <a:off x="3575720" y="3105834"/>
+            <a:ext cx="5040560" cy="646331"/>
+          </a:xfrm>
+          <a:prstGeom prst="rect">
+            <a:avLst/>
+          </a:prstGeom>
+          <a:noFill/>
+        </p:spPr>
+        <p:txBody>
+          <a:bodyPr wrap="square" rtlCol="0">
+            <a:spAutoFit/>
+          </a:bodyPr>
+          <a:lstStyle/>
+          <a:p>
+            <a:pPr algn="ctr"/>
+            <a:r>
+              <a:rPr lang="en-GB" sz="3600" b="1" dirty="0">
+                <a:latin typeface="Segoe UI" panose="020B0502040204020203" pitchFamily="34" charset="0"/>
+                <a:cs typeface="Segoe UI" panose="020B0502040204020203" pitchFamily="34" charset="0"/>
+              </a:rPr>
+              <a:t>SERVICE TIMES IMAGE</a:t>
+            </a:r>
+          </a:p>
+        </p:txBody>
+      </p:sp>
+      <p:pic>
+        <p:nvPicPr>
+          <p:cNvPr id="12" name="Picture 11" descr="Logo&#10;&#10;Description automatically generated with medium confidence">
+            <a:extLst>
+              <a:ext uri="{FF2B5EF4-FFF2-40B4-BE49-F238E27FC236}">
+                <a16:creationId xmlns:a16="http://schemas.microsoft.com/office/drawing/2014/main" id="{FC6FCAC7-28DE-2AD7-A34C-985D97CD84F3}"/>
+              </a:ext>
+            </a:extLst>
+          </p:cNvPr>
+          <p:cNvPicPr>
+            <a:picLocks noChangeAspect="1"/>
+          </p:cNvPicPr>
+          <p:nvPr/>
+        </p:nvPicPr>
+        <p:blipFill>
+          <a:blip r:embed="rId2" cstate="print">
+            <a:biLevel thresh="75000"/>
+            <a:extLst>
+              <a:ext uri="{BEBA8EAE-BF5A-486C-A8C5-ECC9F3942E4B}">
+                <a14:imgProps xmlns:a14="http://schemas.microsoft.com/office/drawing/2010/main">
+                  <a14:imgLayer r:embed="rId3">
+                    <a14:imgEffect>
+                      <a14:brightnessContrast bright="-40000" contrast="-40000"/>
+                    </a14:imgEffect>
+                  </a14:imgLayer>
+                </a14:imgProps>
+              </a:ext>
+              <a:ext uri="{28A0092B-C50C-407E-A947-70E740481C1C}">
+                <a14:useLocalDpi xmlns:a14="http://schemas.microsoft.com/office/drawing/2010/main" val="0"/>
+              </a:ext>
+            </a:extLst>
+          </a:blip>
+          <a:stretch>
+            <a:fillRect/>
+          </a:stretch>
+        </p:blipFill>
+        <p:spPr>
+          <a:xfrm>
+            <a:off x="335359" y="6269250"/>
+            <a:ext cx="2664297" cy="344791"/>
+          </a:xfrm>
+          <a:prstGeom prst="rect">
+            <a:avLst/>
+          </a:prstGeom>
+        </p:spPr>
+      </p:pic>
+      <p:grpSp>
+        <p:nvGrpSpPr>
+          <p:cNvPr id="2" name="Group 1">
+            <a:extLst>
+              <a:ext uri="{FF2B5EF4-FFF2-40B4-BE49-F238E27FC236}">
+                <a16:creationId xmlns:a16="http://schemas.microsoft.com/office/drawing/2014/main" id="{F4C4B2FF-AD8B-F4A5-7166-F8BEB5521966}"/>
+              </a:ext>
+            </a:extLst>
+          </p:cNvPr>
+          <p:cNvGrpSpPr/>
+          <p:nvPr/>
+        </p:nvGrpSpPr>
+        <p:grpSpPr>
+          <a:xfrm>
+            <a:off x="4943872" y="6249605"/>
+            <a:ext cx="7030907" cy="408623"/>
+            <a:chOff x="4943872" y="6249605"/>
+            <a:chExt cx="7030907" cy="408623"/>
+          </a:xfrm>
+        </p:grpSpPr>
+        <p:sp>
+          <p:nvSpPr>
+            <p:cNvPr id="3" name="TextBox 2">
+              <a:extLst>
+                <a:ext uri="{FF2B5EF4-FFF2-40B4-BE49-F238E27FC236}">
+                  <a16:creationId xmlns:a16="http://schemas.microsoft.com/office/drawing/2014/main" id="{44C835E2-C660-5420-54C3-11E50835789B}"/>
+                </a:ext>
+              </a:extLst>
+            </p:cNvPr>
+            <p:cNvSpPr txBox="1"/>
+            <p:nvPr/>
+          </p:nvSpPr>
+          <p:spPr>
+            <a:xfrm>
+              <a:off x="4943872" y="6249605"/>
+              <a:ext cx="7030907" cy="408623"/>
+            </a:xfrm>
+            <a:prstGeom prst="roundRect">
+              <a:avLst>
+                <a:gd name="adj" fmla="val 20010"/>
+              </a:avLst>
+            </a:prstGeom>
+            <a:noFill/>
+            <a:ln w="19050">
+              <a:solidFill>
+                <a:srgbClr val="FF0000"/>
+              </a:solidFill>
+            </a:ln>
+          </p:spPr>
+          <p:txBody>
+            <a:bodyPr wrap="square" rtlCol="0" anchor="ctr">
+              <a:spAutoFit/>
+            </a:bodyPr>
+            <a:lstStyle/>
+            <a:p>
+              <a:r>
+                <a:rPr lang="en-GB" dirty="0">
+                  <a:latin typeface="Segoe UI Semibold" panose="020B0702040204020203" pitchFamily="34" charset="0"/>
+                  <a:cs typeface="Segoe UI Semibold" panose="020B0702040204020203" pitchFamily="34" charset="0"/>
+                </a:rPr>
+                <a:t>Please Turn Off/Silence Your Devices </a:t>
+              </a:r>
+              <a:r>
+                <a:rPr lang="zh-TW" altLang="en-US" b="1" dirty="0">
+                  <a:latin typeface="Microsoft JhengHei" panose="020B0604030504040204" pitchFamily="34" charset="-120"/>
+                  <a:ea typeface="Microsoft JhengHei" panose="020B0604030504040204" pitchFamily="34" charset="-120"/>
+                </a:rPr>
+                <a:t>請靜音或關閉所有電子設備</a:t>
+              </a:r>
+              <a:endParaRPr lang="ja-JP" altLang="en-US" b="1" dirty="0">
+                <a:latin typeface="Microsoft JhengHei" panose="020B0604030504040204" pitchFamily="34" charset="-120"/>
+                <a:ea typeface="Microsoft JhengHei" panose="020B0604030504040204" pitchFamily="34" charset="-120"/>
+              </a:endParaRPr>
+            </a:p>
+          </p:txBody>
+        </p:sp>
+        <p:pic>
+          <p:nvPicPr>
+            <p:cNvPr id="4" name="Picture 3" descr="Shape&#10;&#10;Description automatically generated with low confidence">
+              <a:extLst>
+                <a:ext uri="{FF2B5EF4-FFF2-40B4-BE49-F238E27FC236}">
+                  <a16:creationId xmlns:a16="http://schemas.microsoft.com/office/drawing/2014/main" id="{FB19521B-11B4-5B65-72A2-9C70E28EB1F1}"/>
+                </a:ext>
+              </a:extLst>
+            </p:cNvPr>
+            <p:cNvPicPr>
+              <a:picLocks noChangeAspect="1"/>
+            </p:cNvPicPr>
+            <p:nvPr/>
+          </p:nvPicPr>
+          <p:blipFill>
+            <a:blip r:embed="rId4" cstate="print">
+              <a:extLst>
+                <a:ext uri="{BEBA8EAE-BF5A-486C-A8C5-ECC9F3942E4B}">
+                  <a14:imgProps xmlns:a14="http://schemas.microsoft.com/office/drawing/2010/main">
+                    <a14:imgLayer r:embed="rId5">
+                      <a14:imgEffect>
+                        <a14:colorTemperature colorTemp="11500"/>
+                      </a14:imgEffect>
+                      <a14:imgEffect>
+                        <a14:saturation sat="400000"/>
+                      </a14:imgEffect>
+                      <a14:imgEffect>
+                        <a14:brightnessContrast bright="-40000" contrast="-40000"/>
+                      </a14:imgEffect>
+                    </a14:imgLayer>
+                  </a14:imgProps>
+                </a:ext>
+                <a:ext uri="{28A0092B-C50C-407E-A947-70E740481C1C}">
+                  <a14:useLocalDpi xmlns:a14="http://schemas.microsoft.com/office/drawing/2010/main" val="0"/>
+                </a:ext>
+              </a:extLst>
+            </a:blip>
+            <a:stretch>
+              <a:fillRect/>
+            </a:stretch>
+          </p:blipFill>
+          <p:spPr>
+            <a:xfrm>
+              <a:off x="11658489" y="6309320"/>
+              <a:ext cx="280267" cy="280267"/>
+            </a:xfrm>
+            <a:prstGeom prst="rect">
+              <a:avLst/>
+            </a:prstGeom>
+          </p:spPr>
+        </p:pic>
+      </p:grpSp>
+    </p:spTree>
+    <p:extLst>
+      <p:ext uri="{BB962C8B-B14F-4D97-AF65-F5344CB8AC3E}">
+        <p14:creationId xmlns:p14="http://schemas.microsoft.com/office/powerpoint/2010/main" val="3742231344"/>
+      </p:ext>
+    </p:extLst>
+  </p:cSld>
+  <p:clrMapOvr>
+    <a:masterClrMapping/>
+  </p:clrMapOvr>
+</p:sld>
+</file>
+
+<file path=ppt/slides/slide2.xml><?xml version="1.0" encoding="utf-8"?>
+<p:sld xmlns:a="http://schemas.openxmlformats.org/drawingml/2006/main" xmlns:r="http://schemas.openxmlformats.org/officeDocument/2006/relationships" xmlns:p="http://schemas.openxmlformats.org/presentationml/2006/main">
+  <p:cSld>
+    <p:spTree>
+      <p:nvGrpSpPr>
+        <p:cNvPr id="1" name=""/>
+        <p:cNvGrpSpPr/>
+        <p:nvPr/>
+      </p:nvGrpSpPr>
+      <p:grpSpPr>
+        <a:xfrm>
+          <a:off x="0" y="0"/>
+          <a:ext cx="0" cy="0"/>
+          <a:chOff x="0" y="0"/>
+          <a:chExt cx="0" cy="0"/>
+        </a:xfrm>
+      </p:grpSpPr>
+      <p:sp>
+        <p:nvSpPr>
           <p:cNvPr id="344066" name="Text Box 2"/>
           <p:cNvSpPr txBox="1">
             <a:spLocks noChangeArrowheads="1"/>
@@ -3958,7 +4832,7 @@
         </p:nvSpPr>
         <p:spPr bwMode="auto">
           <a:xfrm>
-            <a:off x="0" y="66328"/>
+            <a:off x="0" y="814864"/>
             <a:ext cx="12192000" cy="914400"/>
           </a:xfrm>
           <a:prstGeom prst="rect">
@@ -4011,9 +4885,6 @@
             </a:pPr>
             <a:r>
               <a:rPr lang="en-US" altLang="zh-CN" sz="5400" b="1" dirty="0">
-                <a:solidFill>
-                  <a:schemeClr val="bg1"/>
-                </a:solidFill>
                 <a:latin typeface="Segoe UI" panose="020B0502040204020203" pitchFamily="34" charset="0"/>
                 <a:ea typeface="宋体" panose="02010600030101010101" pitchFamily="2" charset="-122"/>
                 <a:cs typeface="Segoe UI" panose="020B0502040204020203" pitchFamily="34" charset="0"/>
@@ -4033,7 +4904,7 @@
         </p:nvSpPr>
         <p:spPr bwMode="auto">
           <a:xfrm>
-            <a:off x="0" y="1078929"/>
+            <a:off x="0" y="1802909"/>
             <a:ext cx="12192000" cy="1006475"/>
           </a:xfrm>
           <a:prstGeom prst="rect">
@@ -4087,7 +4958,9 @@
             <a:r>
               <a:rPr lang="en-US" altLang="zh-CN" sz="6000" b="1" dirty="0">
                 <a:solidFill>
-                  <a:schemeClr val="bg1"/>
+                  <a:schemeClr val="accent1">
+                    <a:lumMod val="50000"/>
+                  </a:schemeClr>
                 </a:solidFill>
                 <a:latin typeface="金梅新中楷全字體" panose="02010509060101010101" pitchFamily="49" charset="-120"/>
                 <a:ea typeface="金梅新中楷全字體" panose="02010509060101010101" pitchFamily="49" charset="-120"/>
@@ -4107,8 +4980,8 @@
         </p:nvSpPr>
         <p:spPr bwMode="auto">
           <a:xfrm>
-            <a:off x="1519747" y="2515543"/>
-            <a:ext cx="9144000" cy="769441"/>
+            <a:off x="1519747" y="3025408"/>
+            <a:ext cx="9144000" cy="707886"/>
           </a:xfrm>
           <a:prstGeom prst="rect">
             <a:avLst/>
@@ -4135,36 +5008,18 @@
             </a:pPr>
             <a:r>
               <a:rPr lang="en-GB" altLang="en-US" sz="4000" dirty="0">
-                <a:solidFill>
-                  <a:schemeClr val="bg1"/>
-                </a:solidFill>
                 <a:latin typeface="Century Gothic" panose="020B0502020202020204" pitchFamily="34" charset="0"/>
               </a:rPr>
-              <a:t>Hymns</a:t>
-            </a:r>
-            <a:r>
-              <a:rPr lang="en-GB" altLang="en-US" sz="4400" dirty="0">
-                <a:solidFill>
-                  <a:schemeClr val="bg1"/>
-                </a:solidFill>
-                <a:latin typeface="Century Gothic" panose="020B0502020202020204" pitchFamily="34" charset="0"/>
-              </a:rPr>
-              <a:t> </a:t>
+              <a:t>Hymns </a:t>
             </a:r>
             <a:r>
               <a:rPr lang="zh-TW" altLang="en-US" sz="4000" dirty="0">
-                <a:solidFill>
-                  <a:schemeClr val="bg1"/>
-                </a:solidFill>
                 <a:latin typeface="Microsoft JhengHei" panose="020B0604030504040204" pitchFamily="34" charset="-120"/>
                 <a:ea typeface="Microsoft JhengHei" panose="020B0604030504040204" pitchFamily="34" charset="-120"/>
               </a:rPr>
               <a:t>詩</a:t>
             </a:r>
-            <a:endParaRPr lang="en-US" altLang="en-US" sz="4400" b="1" dirty="0">
-              <a:solidFill>
-                <a:srgbClr val="FFFFFF"/>
-              </a:solidFill>
+            <a:endParaRPr lang="en-US" altLang="en-US" sz="4000" b="1" dirty="0">
               <a:latin typeface="Century Gothic" panose="020B0502020202020204" pitchFamily="34" charset="0"/>
             </a:endParaRPr>
           </a:p>
@@ -4180,8 +5035,8 @@
         </p:nvSpPr>
         <p:spPr bwMode="auto">
           <a:xfrm>
-            <a:off x="1530570" y="3414480"/>
-            <a:ext cx="9137431" cy="781752"/>
+            <a:off x="1530570" y="3924345"/>
+            <a:ext cx="9137431" cy="584775"/>
           </a:xfrm>
           <a:prstGeom prst="rect">
             <a:avLst/>
@@ -4235,10 +5090,7 @@
               </a:spcBef>
             </a:pPr>
             <a:r>
-              <a:rPr lang="en-US" altLang="en-US" sz="5600" dirty="0">
-                <a:solidFill>
-                  <a:schemeClr val="bg1"/>
-                </a:solidFill>
+              <a:rPr lang="en-US" altLang="en-US" sz="4000" dirty="0">
                 <a:latin typeface="Century Gothic" panose="020B0502020202020204" pitchFamily="34" charset="0"/>
               </a:rPr>
               <a:t>Hymn No.</a:t>
@@ -4248,7 +5100,13 @@
       </p:sp>
       <p:sp>
         <p:nvSpPr>
-          <p:cNvPr id="344070" name="Text Box 6"/>
+          <p:cNvPr id="15" name="Text Box 10">
+            <a:extLst>
+              <a:ext uri="{FF2B5EF4-FFF2-40B4-BE49-F238E27FC236}">
+                <a16:creationId xmlns:a16="http://schemas.microsoft.com/office/drawing/2014/main" id="{90246C2A-6C5E-406F-8738-05ACA671C742}"/>
+              </a:ext>
+            </a:extLst>
+          </p:cNvPr>
           <p:cNvSpPr txBox="1">
             <a:spLocks noChangeArrowheads="1"/>
           </p:cNvSpPr>
@@ -4256,8 +5114,8 @@
         </p:nvSpPr>
         <p:spPr bwMode="auto">
           <a:xfrm>
-            <a:off x="222502" y="2505090"/>
-            <a:ext cx="5004520" cy="707886"/>
+            <a:off x="252966" y="5877272"/>
+            <a:ext cx="4330866" cy="400110"/>
           </a:xfrm>
           <a:prstGeom prst="rect">
             <a:avLst/>
@@ -4302,45 +5160,256 @@
           </a:bodyPr>
           <a:lstStyle/>
           <a:p>
-            <a:pPr eaLnBrk="1" hangingPunct="1">
+            <a:pPr>
               <a:spcBef>
                 <a:spcPct val="50000"/>
               </a:spcBef>
-              <a:buFontTx/>
-              <a:buNone/>
             </a:pPr>
             <a:r>
-              <a:rPr lang="en-GB" altLang="en-US" sz="4000" dirty="0">
-                <a:solidFill>
-                  <a:schemeClr val="bg1"/>
-                </a:solidFill>
+              <a:rPr lang="en-US" altLang="zh-CN" sz="2000" dirty="0">
                 <a:latin typeface="Century Gothic" panose="020B0502020202020204" pitchFamily="34" charset="0"/>
+                <a:ea typeface="宋体" panose="02010600030101010101" pitchFamily="2" charset="-122"/>
               </a:rPr>
-              <a:t>Bible Verse </a:t>
-            </a:r>
-            <a:r>
-              <a:rPr lang="zh-TW" altLang="en-US" sz="4000" dirty="0">
-                <a:solidFill>
-                  <a:schemeClr val="bg1"/>
-                </a:solidFill>
+              <a:t>Service Type</a:t>
+            </a:r>
+          </a:p>
+        </p:txBody>
+      </p:sp>
+      <p:sp>
+        <p:nvSpPr>
+          <p:cNvPr id="2" name="Title 1"/>
+          <p:cNvSpPr>
+            <a:spLocks noGrp="1"/>
+          </p:cNvSpPr>
+          <p:nvPr>
+            <p:ph type="ctrTitle"/>
+          </p:nvPr>
+        </p:nvSpPr>
+        <p:spPr>
+          <a:xfrm>
+            <a:off x="-8533456" y="2706867"/>
+            <a:ext cx="6539934" cy="1008018"/>
+          </a:xfrm>
+        </p:spPr>
+        <p:txBody>
+          <a:bodyPr/>
+          <a:lstStyle/>
+          <a:p>
+            <a:r>
+              <a:rPr lang="en-GB" dirty="0"/>
+              <a:t>Service/Hymnal</a:t>
+            </a:r>
+          </a:p>
+        </p:txBody>
+      </p:sp>
+      <p:grpSp>
+        <p:nvGrpSpPr>
+          <p:cNvPr id="22" name="Group 21">
+            <a:extLst>
+              <a:ext uri="{FF2B5EF4-FFF2-40B4-BE49-F238E27FC236}">
+                <a16:creationId xmlns:a16="http://schemas.microsoft.com/office/drawing/2014/main" id="{DCC0CD01-B0C7-17AF-454C-CAB88B5C80D6}"/>
+              </a:ext>
+            </a:extLst>
+          </p:cNvPr>
+          <p:cNvGrpSpPr/>
+          <p:nvPr/>
+        </p:nvGrpSpPr>
+        <p:grpSpPr>
+          <a:xfrm>
+            <a:off x="4943872" y="6249605"/>
+            <a:ext cx="7030907" cy="408623"/>
+            <a:chOff x="4943872" y="6249605"/>
+            <a:chExt cx="7030907" cy="408623"/>
+          </a:xfrm>
+        </p:grpSpPr>
+        <p:sp>
+          <p:nvSpPr>
+            <p:cNvPr id="23" name="TextBox 22">
+              <a:extLst>
+                <a:ext uri="{FF2B5EF4-FFF2-40B4-BE49-F238E27FC236}">
+                  <a16:creationId xmlns:a16="http://schemas.microsoft.com/office/drawing/2014/main" id="{05BB4C74-D38F-A3C1-A90A-E680D921BA2A}"/>
+                </a:ext>
+              </a:extLst>
+            </p:cNvPr>
+            <p:cNvSpPr txBox="1"/>
+            <p:nvPr/>
+          </p:nvSpPr>
+          <p:spPr>
+            <a:xfrm>
+              <a:off x="4943872" y="6249605"/>
+              <a:ext cx="7030907" cy="408623"/>
+            </a:xfrm>
+            <a:prstGeom prst="roundRect">
+              <a:avLst>
+                <a:gd name="adj" fmla="val 20010"/>
+              </a:avLst>
+            </a:prstGeom>
+            <a:noFill/>
+            <a:ln w="19050">
+              <a:solidFill>
+                <a:srgbClr val="FF0000"/>
+              </a:solidFill>
+            </a:ln>
+          </p:spPr>
+          <p:txBody>
+            <a:bodyPr wrap="square" rtlCol="0" anchor="ctr">
+              <a:spAutoFit/>
+            </a:bodyPr>
+            <a:lstStyle/>
+            <a:p>
+              <a:r>
+                <a:rPr lang="en-GB" dirty="0">
+                  <a:latin typeface="Segoe UI Semibold" panose="020B0702040204020203" pitchFamily="34" charset="0"/>
+                  <a:cs typeface="Segoe UI Semibold" panose="020B0702040204020203" pitchFamily="34" charset="0"/>
+                </a:rPr>
+                <a:t>Please Turn Off/Silence Your Devices </a:t>
+              </a:r>
+              <a:r>
+                <a:rPr lang="zh-TW" altLang="en-US" b="1" dirty="0">
+                  <a:latin typeface="Microsoft JhengHei" panose="020B0604030504040204" pitchFamily="34" charset="-120"/>
+                  <a:ea typeface="Microsoft JhengHei" panose="020B0604030504040204" pitchFamily="34" charset="-120"/>
+                </a:rPr>
+                <a:t>請靜音或關閉所有電子設備</a:t>
+              </a:r>
+              <a:endParaRPr lang="ja-JP" altLang="en-US" b="1" dirty="0">
                 <a:latin typeface="Microsoft JhengHei" panose="020B0604030504040204" pitchFamily="34" charset="-120"/>
                 <a:ea typeface="Microsoft JhengHei" panose="020B0604030504040204" pitchFamily="34" charset="-120"/>
-              </a:rPr>
-              <a:t>經文</a:t>
-            </a:r>
-            <a:endParaRPr lang="en-US" altLang="en-US" sz="4000" dirty="0">
-              <a:solidFill>
-                <a:schemeClr val="bg1"/>
-              </a:solidFill>
-              <a:latin typeface="Microsoft JhengHei" panose="020B0604030504040204" pitchFamily="34" charset="-120"/>
-              <a:ea typeface="Microsoft JhengHei" panose="020B0604030504040204" pitchFamily="34" charset="-120"/>
-            </a:endParaRPr>
-          </a:p>
-        </p:txBody>
-      </p:sp>
-      <p:sp>
-        <p:nvSpPr>
-          <p:cNvPr id="344071" name="Text Box 7"/>
+              </a:endParaRPr>
+            </a:p>
+          </p:txBody>
+        </p:sp>
+        <p:pic>
+          <p:nvPicPr>
+            <p:cNvPr id="24" name="Picture 23" descr="Shape&#10;&#10;Description automatically generated with low confidence">
+              <a:extLst>
+                <a:ext uri="{FF2B5EF4-FFF2-40B4-BE49-F238E27FC236}">
+                  <a16:creationId xmlns:a16="http://schemas.microsoft.com/office/drawing/2014/main" id="{10B15791-20DE-9334-AE79-E03696114A61}"/>
+                </a:ext>
+              </a:extLst>
+            </p:cNvPr>
+            <p:cNvPicPr>
+              <a:picLocks noChangeAspect="1"/>
+            </p:cNvPicPr>
+            <p:nvPr/>
+          </p:nvPicPr>
+          <p:blipFill>
+            <a:blip r:embed="rId3" cstate="print">
+              <a:extLst>
+                <a:ext uri="{BEBA8EAE-BF5A-486C-A8C5-ECC9F3942E4B}">
+                  <a14:imgProps xmlns:a14="http://schemas.microsoft.com/office/drawing/2010/main">
+                    <a14:imgLayer r:embed="rId4">
+                      <a14:imgEffect>
+                        <a14:colorTemperature colorTemp="11500"/>
+                      </a14:imgEffect>
+                      <a14:imgEffect>
+                        <a14:saturation sat="400000"/>
+                      </a14:imgEffect>
+                      <a14:imgEffect>
+                        <a14:brightnessContrast bright="-40000" contrast="-40000"/>
+                      </a14:imgEffect>
+                    </a14:imgLayer>
+                  </a14:imgProps>
+                </a:ext>
+                <a:ext uri="{28A0092B-C50C-407E-A947-70E740481C1C}">
+                  <a14:useLocalDpi xmlns:a14="http://schemas.microsoft.com/office/drawing/2010/main" val="0"/>
+                </a:ext>
+              </a:extLst>
+            </a:blip>
+            <a:stretch>
+              <a:fillRect/>
+            </a:stretch>
+          </p:blipFill>
+          <p:spPr>
+            <a:xfrm>
+              <a:off x="11658489" y="6309320"/>
+              <a:ext cx="280267" cy="280267"/>
+            </a:xfrm>
+            <a:prstGeom prst="rect">
+              <a:avLst/>
+            </a:prstGeom>
+          </p:spPr>
+        </p:pic>
+      </p:grpSp>
+      <p:pic>
+        <p:nvPicPr>
+          <p:cNvPr id="3" name="Picture 2" descr="Logo&#10;&#10;Description automatically generated with medium confidence">
+            <a:extLst>
+              <a:ext uri="{FF2B5EF4-FFF2-40B4-BE49-F238E27FC236}">
+                <a16:creationId xmlns:a16="http://schemas.microsoft.com/office/drawing/2014/main" id="{D9FAAAA7-28DF-9604-C947-11910295E41A}"/>
+              </a:ext>
+            </a:extLst>
+          </p:cNvPr>
+          <p:cNvPicPr>
+            <a:picLocks noChangeAspect="1"/>
+          </p:cNvPicPr>
+          <p:nvPr/>
+        </p:nvPicPr>
+        <p:blipFill>
+          <a:blip r:embed="rId5" cstate="print">
+            <a:biLevel thresh="75000"/>
+            <a:extLst>
+              <a:ext uri="{BEBA8EAE-BF5A-486C-A8C5-ECC9F3942E4B}">
+                <a14:imgProps xmlns:a14="http://schemas.microsoft.com/office/drawing/2010/main">
+                  <a14:imgLayer r:embed="rId6">
+                    <a14:imgEffect>
+                      <a14:brightnessContrast bright="-40000" contrast="-40000"/>
+                    </a14:imgEffect>
+                  </a14:imgLayer>
+                </a14:imgProps>
+              </a:ext>
+              <a:ext uri="{28A0092B-C50C-407E-A947-70E740481C1C}">
+                <a14:useLocalDpi xmlns:a14="http://schemas.microsoft.com/office/drawing/2010/main" val="0"/>
+              </a:ext>
+            </a:extLst>
+          </a:blip>
+          <a:stretch>
+            <a:fillRect/>
+          </a:stretch>
+        </p:blipFill>
+        <p:spPr>
+          <a:xfrm>
+            <a:off x="335359" y="6269250"/>
+            <a:ext cx="2664297" cy="344791"/>
+          </a:xfrm>
+          <a:prstGeom prst="rect">
+            <a:avLst/>
+          </a:prstGeom>
+        </p:spPr>
+      </p:pic>
+    </p:spTree>
+  </p:cSld>
+  <p:clrMapOvr>
+    <a:masterClrMapping/>
+  </p:clrMapOvr>
+</p:sld>
+</file>
+
+<file path=ppt/slides/slide3.xml><?xml version="1.0" encoding="utf-8"?>
+<p:sld xmlns:a="http://schemas.openxmlformats.org/drawingml/2006/main" xmlns:r="http://schemas.openxmlformats.org/officeDocument/2006/relationships" xmlns:p="http://schemas.openxmlformats.org/presentationml/2006/main">
+  <p:cSld>
+    <p:spTree>
+      <p:nvGrpSpPr>
+        <p:cNvPr id="1" name=""/>
+        <p:cNvGrpSpPr/>
+        <p:nvPr/>
+      </p:nvGrpSpPr>
+      <p:grpSpPr>
+        <a:xfrm>
+          <a:off x="0" y="0"/>
+          <a:ext cx="0" cy="0"/>
+          <a:chOff x="0" y="0"/>
+          <a:chExt cx="0" cy="0"/>
+        </a:xfrm>
+      </p:grpSpPr>
+      <p:sp>
+        <p:nvSpPr>
+          <p:cNvPr id="4" name="Text Box 2">
+            <a:extLst>
+              <a:ext uri="{FF2B5EF4-FFF2-40B4-BE49-F238E27FC236}">
+                <a16:creationId xmlns:a16="http://schemas.microsoft.com/office/drawing/2014/main" id="{21384A1C-6723-8919-8628-8B11E6CBD507}"/>
+              </a:ext>
+            </a:extLst>
+          </p:cNvPr>
           <p:cNvSpPr txBox="1">
             <a:spLocks noChangeArrowheads="1"/>
           </p:cNvSpPr>
@@ -4348,8 +5417,8 @@
         </p:nvSpPr>
         <p:spPr bwMode="auto">
           <a:xfrm>
-            <a:off x="119336" y="3429000"/>
-            <a:ext cx="5652192" cy="830997"/>
+            <a:off x="0" y="210344"/>
+            <a:ext cx="12192000" cy="914400"/>
           </a:xfrm>
           <a:prstGeom prst="rect">
             <a:avLst/>
@@ -4394,26 +5463,25 @@
           </a:bodyPr>
           <a:lstStyle/>
           <a:p>
-            <a:pPr algn="r">
+            <a:pPr algn="ctr">
               <a:spcBef>
                 <a:spcPct val="50000"/>
               </a:spcBef>
             </a:pPr>
             <a:r>
-              <a:rPr lang="en-US" altLang="en-US" sz="4800" dirty="0">
-                <a:solidFill>
-                  <a:schemeClr val="bg1"/>
-                </a:solidFill>
-                <a:latin typeface="Century Gothic" panose="020B0502020202020204" pitchFamily="34" charset="0"/>
+              <a:rPr lang="en-US" altLang="zh-CN" sz="5400" b="1" dirty="0">
+                <a:latin typeface="Segoe UI" panose="020B0502040204020203" pitchFamily="34" charset="0"/>
+                <a:ea typeface="宋体" panose="02010600030101010101" pitchFamily="2" charset="-122"/>
+                <a:cs typeface="Segoe UI" panose="020B0502040204020203" pitchFamily="34" charset="0"/>
               </a:rPr>
-              <a:t>English Book</a:t>
-            </a:r>
-          </a:p>
-        </p:txBody>
-      </p:sp>
-      <p:sp>
-        <p:nvSpPr>
-          <p:cNvPr id="344072" name="Text Box 8"/>
+              <a:t>English</a:t>
+            </a:r>
+          </a:p>
+        </p:txBody>
+      </p:sp>
+      <p:sp>
+        <p:nvSpPr>
+          <p:cNvPr id="344067" name="Text Box 3"/>
           <p:cNvSpPr txBox="1">
             <a:spLocks noChangeArrowheads="1"/>
           </p:cNvSpPr>
@@ -4421,8 +5489,8 @@
         </p:nvSpPr>
         <p:spPr bwMode="auto">
           <a:xfrm>
-            <a:off x="300061" y="4365104"/>
-            <a:ext cx="5471467" cy="830997"/>
+            <a:off x="0" y="1198389"/>
+            <a:ext cx="12192000" cy="1006475"/>
           </a:xfrm>
           <a:prstGeom prst="rect">
             <a:avLst/>
@@ -4467,27 +5535,29 @@
           </a:bodyPr>
           <a:lstStyle/>
           <a:p>
-            <a:pPr algn="r">
+            <a:pPr algn="ctr">
               <a:spcBef>
                 <a:spcPct val="50000"/>
               </a:spcBef>
             </a:pPr>
             <a:r>
-              <a:rPr lang="en-US" altLang="en-US" sz="4800" dirty="0">
+              <a:rPr lang="en-US" altLang="zh-CN" sz="6000" b="1" dirty="0">
                 <a:solidFill>
-                  <a:schemeClr val="bg1"/>
+                  <a:schemeClr val="accent1">
+                    <a:lumMod val="50000"/>
+                  </a:schemeClr>
                 </a:solidFill>
-                <a:latin typeface="Microsoft JhengHei" panose="020B0604030504040204" pitchFamily="34" charset="-120"/>
-                <a:ea typeface="Microsoft JhengHei" panose="020B0604030504040204" pitchFamily="34" charset="-120"/>
+                <a:latin typeface="金梅新中楷全字體" panose="02010509060101010101" pitchFamily="49" charset="-120"/>
+                <a:ea typeface="金梅新中楷全字體" panose="02010509060101010101" pitchFamily="49" charset="-120"/>
               </a:rPr>
-              <a:t>Chinese Book</a:t>
-            </a:r>
-          </a:p>
-        </p:txBody>
-      </p:sp>
-      <p:sp>
-        <p:nvSpPr>
-          <p:cNvPr id="344073" name="Text Box 9"/>
+              <a:t>Chinese</a:t>
+            </a:r>
+          </a:p>
+        </p:txBody>
+      </p:sp>
+      <p:sp>
+        <p:nvSpPr>
+          <p:cNvPr id="344070" name="Text Box 6"/>
           <p:cNvSpPr txBox="1">
             <a:spLocks noChangeArrowheads="1"/>
           </p:cNvSpPr>
@@ -4495,8 +5565,8 @@
         </p:nvSpPr>
         <p:spPr bwMode="auto">
           <a:xfrm>
-            <a:off x="5952253" y="3819128"/>
-            <a:ext cx="6239747" cy="2308324"/>
+            <a:off x="222502" y="2505090"/>
+            <a:ext cx="5004520" cy="707886"/>
           </a:xfrm>
           <a:prstGeom prst="rect">
             <a:avLst/>
@@ -4536,69 +5606,41 @@
           </a:extLst>
         </p:spPr>
         <p:txBody>
-          <a:bodyPr wrap="square" lIns="0" rIns="0">
+          <a:bodyPr wrap="square">
             <a:spAutoFit/>
           </a:bodyPr>
           <a:lstStyle/>
           <a:p>
-            <a:pPr>
+            <a:pPr eaLnBrk="1" hangingPunct="1">
               <a:spcBef>
                 <a:spcPct val="50000"/>
               </a:spcBef>
+              <a:buFontTx/>
+              <a:buNone/>
             </a:pPr>
             <a:r>
-              <a:rPr lang="en-US" altLang="zh-CN" sz="7200" dirty="0">
-                <a:solidFill>
-                  <a:schemeClr val="bg1"/>
-                </a:solidFill>
+              <a:rPr lang="en-GB" altLang="en-US" sz="4000" dirty="0">
                 <a:latin typeface="Century Gothic" panose="020B0502020202020204" pitchFamily="34" charset="0"/>
-                <a:ea typeface="宋体" panose="02010600030101010101" pitchFamily="2" charset="-122"/>
               </a:rPr>
-              <a:t>Chapter &amp; Verse</a:t>
-            </a:r>
-          </a:p>
-        </p:txBody>
-      </p:sp>
-      <p:sp>
-        <p:nvSpPr>
-          <p:cNvPr id="2" name="Title 1"/>
-          <p:cNvSpPr>
-            <a:spLocks noGrp="1"/>
-          </p:cNvSpPr>
-          <p:nvPr>
-            <p:ph type="ctrTitle"/>
-          </p:nvPr>
-        </p:nvSpPr>
-        <p:spPr>
-          <a:xfrm>
-            <a:off x="-8533456" y="2706867"/>
-            <a:ext cx="6539934" cy="1008018"/>
-          </a:xfrm>
-        </p:spPr>
-        <p:txBody>
-          <a:bodyPr/>
-          <a:lstStyle/>
-          <a:p>
-            <a:r>
-              <a:rPr lang="en-GB" dirty="0">
-                <a:solidFill>
-                  <a:schemeClr val="bg1"/>
-                </a:solidFill>
+              <a:t>Bible Verse </a:t>
+            </a:r>
+            <a:r>
+              <a:rPr lang="zh-TW" altLang="en-US" sz="4000" dirty="0">
+                <a:latin typeface="Microsoft JhengHei" panose="020B0604030504040204" pitchFamily="34" charset="-120"/>
+                <a:ea typeface="Microsoft JhengHei" panose="020B0604030504040204" pitchFamily="34" charset="-120"/>
               </a:rPr>
-              <a:t>Service/Hymnal</a:t>
-            </a:r>
-          </a:p>
-        </p:txBody>
-      </p:sp>
-      <p:sp>
-        <p:nvSpPr>
-          <p:cNvPr id="15" name="Text Box 10">
-            <a:extLst>
-              <a:ext uri="{FF2B5EF4-FFF2-40B4-BE49-F238E27FC236}">
-                <a16:creationId xmlns:a16="http://schemas.microsoft.com/office/drawing/2014/main" id="{90246C2A-6C5E-406F-8738-05ACA671C742}"/>
-              </a:ext>
-            </a:extLst>
-          </p:cNvPr>
+              <a:t>經文</a:t>
+            </a:r>
+            <a:endParaRPr lang="en-US" altLang="en-US" sz="4000" dirty="0">
+              <a:latin typeface="Microsoft JhengHei" panose="020B0604030504040204" pitchFamily="34" charset="-120"/>
+              <a:ea typeface="Microsoft JhengHei" panose="020B0604030504040204" pitchFamily="34" charset="-120"/>
+            </a:endParaRPr>
+          </a:p>
+        </p:txBody>
+      </p:sp>
+      <p:sp>
+        <p:nvSpPr>
+          <p:cNvPr id="344071" name="Text Box 7"/>
           <p:cNvSpPr txBox="1">
             <a:spLocks noChangeArrowheads="1"/>
           </p:cNvSpPr>
@@ -4606,8 +5648,8 @@
         </p:nvSpPr>
         <p:spPr bwMode="auto">
           <a:xfrm>
-            <a:off x="252966" y="5877272"/>
-            <a:ext cx="4330866" cy="400110"/>
+            <a:off x="119336" y="3429000"/>
+            <a:ext cx="5652192" cy="830997"/>
           </a:xfrm>
           <a:prstGeom prst="rect">
             <a:avLst/>
@@ -4652,237 +5694,23 @@
           </a:bodyPr>
           <a:lstStyle/>
           <a:p>
-            <a:pPr>
+            <a:pPr algn="r">
               <a:spcBef>
                 <a:spcPct val="50000"/>
               </a:spcBef>
             </a:pPr>
             <a:r>
-              <a:rPr lang="en-US" altLang="zh-CN" sz="2000" dirty="0">
-                <a:solidFill>
-                  <a:schemeClr val="bg1"/>
-                </a:solidFill>
+              <a:rPr lang="en-US" altLang="en-US" sz="4800" dirty="0">
                 <a:latin typeface="Century Gothic" panose="020B0502020202020204" pitchFamily="34" charset="0"/>
-                <a:ea typeface="宋体" panose="02010600030101010101" pitchFamily="2" charset="-122"/>
               </a:rPr>
-              <a:t>Service Type</a:t>
-            </a:r>
-          </a:p>
-        </p:txBody>
-      </p:sp>
-      <p:pic>
-        <p:nvPicPr>
-          <p:cNvPr id="21" name="Picture 20" descr="Logo&#10;&#10;Description automatically generated with medium confidence">
-            <a:extLst>
-              <a:ext uri="{FF2B5EF4-FFF2-40B4-BE49-F238E27FC236}">
-                <a16:creationId xmlns:a16="http://schemas.microsoft.com/office/drawing/2014/main" id="{DBC24699-ADC3-1E04-E310-3FA11B41F0DF}"/>
-              </a:ext>
-            </a:extLst>
-          </p:cNvPr>
-          <p:cNvPicPr>
-            <a:picLocks noChangeAspect="1"/>
-          </p:cNvPicPr>
-          <p:nvPr/>
-        </p:nvPicPr>
-        <p:blipFill>
-          <a:blip r:embed="rId3" cstate="print">
-            <a:extLst>
-              <a:ext uri="{28A0092B-C50C-407E-A947-70E740481C1C}">
-                <a14:useLocalDpi xmlns:a14="http://schemas.microsoft.com/office/drawing/2010/main" val="0"/>
-              </a:ext>
-            </a:extLst>
-          </a:blip>
-          <a:stretch>
-            <a:fillRect/>
-          </a:stretch>
-        </p:blipFill>
-        <p:spPr>
-          <a:xfrm>
-            <a:off x="335359" y="6269250"/>
-            <a:ext cx="2664297" cy="344791"/>
-          </a:xfrm>
-          <a:prstGeom prst="rect">
-            <a:avLst/>
-          </a:prstGeom>
-        </p:spPr>
-      </p:pic>
-      <p:grpSp>
-        <p:nvGrpSpPr>
-          <p:cNvPr id="22" name="Group 21">
-            <a:extLst>
-              <a:ext uri="{FF2B5EF4-FFF2-40B4-BE49-F238E27FC236}">
-                <a16:creationId xmlns:a16="http://schemas.microsoft.com/office/drawing/2014/main" id="{DCC0CD01-B0C7-17AF-454C-CAB88B5C80D6}"/>
-              </a:ext>
-            </a:extLst>
-          </p:cNvPr>
-          <p:cNvGrpSpPr/>
-          <p:nvPr/>
-        </p:nvGrpSpPr>
-        <p:grpSpPr>
-          <a:xfrm>
-            <a:off x="4943872" y="6269250"/>
-            <a:ext cx="7030907" cy="369332"/>
-            <a:chOff x="4943872" y="6269250"/>
-            <a:chExt cx="7030907" cy="369332"/>
-          </a:xfrm>
-        </p:grpSpPr>
-        <p:sp>
-          <p:nvSpPr>
-            <p:cNvPr id="23" name="TextBox 22">
-              <a:extLst>
-                <a:ext uri="{FF2B5EF4-FFF2-40B4-BE49-F238E27FC236}">
-                  <a16:creationId xmlns:a16="http://schemas.microsoft.com/office/drawing/2014/main" id="{05BB4C74-D38F-A3C1-A90A-E680D921BA2A}"/>
-                </a:ext>
-              </a:extLst>
-            </p:cNvPr>
-            <p:cNvSpPr txBox="1"/>
-            <p:nvPr/>
-          </p:nvSpPr>
-          <p:spPr>
-            <a:xfrm>
-              <a:off x="4943872" y="6269250"/>
-              <a:ext cx="7030907" cy="369332"/>
-            </a:xfrm>
-            <a:prstGeom prst="rect">
-              <a:avLst/>
-            </a:prstGeom>
-            <a:noFill/>
-            <a:ln w="19050">
-              <a:solidFill>
-                <a:srgbClr val="FF0000"/>
-              </a:solidFill>
-            </a:ln>
-          </p:spPr>
-          <p:txBody>
-            <a:bodyPr wrap="square" rtlCol="0" anchor="ctr">
-              <a:spAutoFit/>
-            </a:bodyPr>
-            <a:lstStyle/>
-            <a:p>
-              <a:r>
-                <a:rPr lang="en-GB" dirty="0">
-                  <a:solidFill>
-                    <a:schemeClr val="bg1"/>
-                  </a:solidFill>
-                  <a:latin typeface="Segoe UI Semibold" panose="020B0702040204020203" pitchFamily="34" charset="0"/>
-                  <a:cs typeface="Segoe UI Semibold" panose="020B0702040204020203" pitchFamily="34" charset="0"/>
-                </a:rPr>
-                <a:t>Please Turn Off/Silence Your Devices </a:t>
-              </a:r>
-              <a:r>
-                <a:rPr lang="zh-TW" altLang="en-US" b="1" dirty="0">
-                  <a:solidFill>
-                    <a:schemeClr val="bg1"/>
-                  </a:solidFill>
-                  <a:latin typeface="Microsoft JhengHei" panose="020B0604030504040204" pitchFamily="34" charset="-120"/>
-                  <a:ea typeface="Microsoft JhengHei" panose="020B0604030504040204" pitchFamily="34" charset="-120"/>
-                </a:rPr>
-                <a:t>請靜音或關閉所有電子設備</a:t>
-              </a:r>
-              <a:endParaRPr lang="ja-JP" altLang="en-US" b="1" dirty="0">
-                <a:solidFill>
-                  <a:schemeClr val="bg1"/>
-                </a:solidFill>
-                <a:latin typeface="Microsoft JhengHei" panose="020B0604030504040204" pitchFamily="34" charset="-120"/>
-                <a:ea typeface="Microsoft JhengHei" panose="020B0604030504040204" pitchFamily="34" charset="-120"/>
-              </a:endParaRPr>
-            </a:p>
-          </p:txBody>
-        </p:sp>
-        <p:pic>
-          <p:nvPicPr>
-            <p:cNvPr id="24" name="Picture 23" descr="Shape&#10;&#10;Description automatically generated with low confidence">
-              <a:extLst>
-                <a:ext uri="{FF2B5EF4-FFF2-40B4-BE49-F238E27FC236}">
-                  <a16:creationId xmlns:a16="http://schemas.microsoft.com/office/drawing/2014/main" id="{10B15791-20DE-9334-AE79-E03696114A61}"/>
-                </a:ext>
-              </a:extLst>
-            </p:cNvPr>
-            <p:cNvPicPr>
-              <a:picLocks noChangeAspect="1"/>
-            </p:cNvPicPr>
-            <p:nvPr/>
-          </p:nvPicPr>
-          <p:blipFill>
-            <a:blip r:embed="rId4" cstate="print">
-              <a:extLst>
-                <a:ext uri="{BEBA8EAE-BF5A-486C-A8C5-ECC9F3942E4B}">
-                  <a14:imgProps xmlns:a14="http://schemas.microsoft.com/office/drawing/2010/main">
-                    <a14:imgLayer r:embed="rId5">
-                      <a14:imgEffect>
-                        <a14:colorTemperature colorTemp="11500"/>
-                      </a14:imgEffect>
-                      <a14:imgEffect>
-                        <a14:saturation sat="400000"/>
-                      </a14:imgEffect>
-                      <a14:imgEffect>
-                        <a14:brightnessContrast bright="100000" contrast="100000"/>
-                      </a14:imgEffect>
-                    </a14:imgLayer>
-                  </a14:imgProps>
-                </a:ext>
-                <a:ext uri="{28A0092B-C50C-407E-A947-70E740481C1C}">
-                  <a14:useLocalDpi xmlns:a14="http://schemas.microsoft.com/office/drawing/2010/main" val="0"/>
-                </a:ext>
-              </a:extLst>
-            </a:blip>
-            <a:stretch>
-              <a:fillRect/>
-            </a:stretch>
-          </p:blipFill>
-          <p:spPr>
-            <a:xfrm>
-              <a:off x="11658489" y="6309320"/>
-              <a:ext cx="280267" cy="280267"/>
-            </a:xfrm>
-            <a:prstGeom prst="rect">
-              <a:avLst/>
-            </a:prstGeom>
-          </p:spPr>
-        </p:pic>
-      </p:grpSp>
-    </p:spTree>
-  </p:cSld>
-  <p:clrMapOvr>
-    <a:masterClrMapping/>
-  </p:clrMapOvr>
-</p:sld>
-</file>
-
-<file path=ppt/slides/slide2.xml><?xml version="1.0" encoding="utf-8"?>
-<p:sld xmlns:a="http://schemas.openxmlformats.org/drawingml/2006/main" xmlns:r="http://schemas.openxmlformats.org/officeDocument/2006/relationships" xmlns:p="http://schemas.openxmlformats.org/presentationml/2006/main">
-  <p:cSld>
-    <p:bg>
-      <p:bgPr>
-        <a:solidFill>
-          <a:schemeClr val="tx1"/>
-        </a:solidFill>
-        <a:effectLst/>
-      </p:bgPr>
-    </p:bg>
-    <p:spTree>
-      <p:nvGrpSpPr>
-        <p:cNvPr id="1" name=""/>
-        <p:cNvGrpSpPr/>
-        <p:nvPr/>
-      </p:nvGrpSpPr>
-      <p:grpSpPr>
-        <a:xfrm>
-          <a:off x="0" y="0"/>
-          <a:ext cx="0" cy="0"/>
-          <a:chOff x="0" y="0"/>
-          <a:chExt cx="0" cy="0"/>
-        </a:xfrm>
-      </p:grpSpPr>
-      <p:sp>
-        <p:nvSpPr>
-          <p:cNvPr id="6" name="Text Box 12">
-            <a:extLst>
-              <a:ext uri="{FF2B5EF4-FFF2-40B4-BE49-F238E27FC236}">
-                <a16:creationId xmlns:a16="http://schemas.microsoft.com/office/drawing/2014/main" id="{BEA17A2D-ADBC-44E7-8241-0C2921ADB5E3}"/>
-              </a:ext>
-            </a:extLst>
-          </p:cNvPr>
+              <a:t>English Book</a:t>
+            </a:r>
+          </a:p>
+        </p:txBody>
+      </p:sp>
+      <p:sp>
+        <p:nvSpPr>
+          <p:cNvPr id="344072" name="Text Box 8"/>
           <p:cNvSpPr txBox="1">
             <a:spLocks noChangeArrowheads="1"/>
           </p:cNvSpPr>
@@ -4890,8 +5718,8 @@
         </p:nvSpPr>
         <p:spPr bwMode="auto">
           <a:xfrm>
-            <a:off x="1" y="908720"/>
-            <a:ext cx="12192000" cy="5256584"/>
+            <a:off x="300061" y="4365104"/>
+            <a:ext cx="5471467" cy="830997"/>
           </a:xfrm>
           <a:prstGeom prst="rect">
             <a:avLst/>
@@ -4932,30 +5760,33 @@
         </p:spPr>
         <p:txBody>
           <a:bodyPr wrap="square">
-            <a:noAutofit/>
+            <a:spAutoFit/>
           </a:bodyPr>
           <a:lstStyle/>
           <a:p>
-            <a:pPr algn="ctr"/>
-            <a:endParaRPr lang="en-GB" altLang="zh-TW" sz="2400" dirty="0">
-              <a:solidFill>
-                <a:schemeClr val="bg1"/>
-              </a:solidFill>
-              <a:latin typeface="Century Gothic" panose="020B0502020202020204" pitchFamily="34" charset="0"/>
-              <a:ea typeface="金梅新中楷全字體" panose="02010509060101010101" pitchFamily="49" charset="-120"/>
-            </a:endParaRPr>
-          </a:p>
-        </p:txBody>
-      </p:sp>
-      <p:sp>
-        <p:nvSpPr>
-          <p:cNvPr id="7" name="Text Box 12">
-            <a:extLst>
-              <a:ext uri="{FF2B5EF4-FFF2-40B4-BE49-F238E27FC236}">
-                <a16:creationId xmlns:a16="http://schemas.microsoft.com/office/drawing/2014/main" id="{4A814393-22EC-4030-B099-593A4A5B942E}"/>
-              </a:ext>
-            </a:extLst>
-          </p:cNvPr>
+            <a:pPr algn="r">
+              <a:spcBef>
+                <a:spcPct val="50000"/>
+              </a:spcBef>
+            </a:pPr>
+            <a:r>
+              <a:rPr lang="en-US" altLang="en-US" sz="4800" dirty="0">
+                <a:solidFill>
+                  <a:schemeClr val="accent1">
+                    <a:lumMod val="50000"/>
+                  </a:schemeClr>
+                </a:solidFill>
+                <a:latin typeface="Microsoft JhengHei" panose="020B0604030504040204" pitchFamily="34" charset="-120"/>
+                <a:ea typeface="Microsoft JhengHei" panose="020B0604030504040204" pitchFamily="34" charset="-120"/>
+              </a:rPr>
+              <a:t>Chinese Book</a:t>
+            </a:r>
+          </a:p>
+        </p:txBody>
+      </p:sp>
+      <p:sp>
+        <p:nvSpPr>
+          <p:cNvPr id="344073" name="Text Box 9"/>
           <p:cNvSpPr txBox="1">
             <a:spLocks noChangeArrowheads="1"/>
           </p:cNvSpPr>
@@ -4963,8 +5794,8 @@
         </p:nvSpPr>
         <p:spPr bwMode="auto">
           <a:xfrm>
-            <a:off x="1871470" y="260648"/>
-            <a:ext cx="8449060" cy="648072"/>
+            <a:off x="5952253" y="3819128"/>
+            <a:ext cx="6239747" cy="2308324"/>
           </a:xfrm>
           <a:prstGeom prst="rect">
             <a:avLst/>
@@ -5004,297 +5835,32 @@
           </a:extLst>
         </p:spPr>
         <p:txBody>
-          <a:bodyPr wrap="square">
-            <a:noAutofit/>
+          <a:bodyPr wrap="square" lIns="0" rIns="0">
+            <a:spAutoFit/>
           </a:bodyPr>
           <a:lstStyle/>
           <a:p>
-            <a:pPr algn="ctr"/>
-            <a:r>
-              <a:rPr lang="en-GB" altLang="en-US" sz="3200" b="1" dirty="0">
-                <a:solidFill>
-                  <a:schemeClr val="bg1"/>
-                </a:solidFill>
-                <a:latin typeface="Segoe UI" panose="020B0502040204020203" pitchFamily="34" charset="0"/>
-                <a:cs typeface="Segoe UI" panose="020B0502040204020203" pitchFamily="34" charset="0"/>
+            <a:pPr>
+              <a:spcBef>
+                <a:spcPct val="50000"/>
+              </a:spcBef>
+            </a:pPr>
+            <a:r>
+              <a:rPr lang="en-US" altLang="zh-CN" sz="7200" dirty="0">
+                <a:latin typeface="Century Gothic" panose="020B0502020202020204" pitchFamily="34" charset="0"/>
+                <a:ea typeface="宋体" panose="02010600030101010101" pitchFamily="2" charset="-122"/>
               </a:rPr>
-              <a:t>Prayer Requests </a:t>
-            </a:r>
-            <a:r>
-              <a:rPr lang="en-GB" altLang="en-US" sz="3200" b="1" dirty="0">
-                <a:solidFill>
-                  <a:schemeClr val="bg1"/>
-                </a:solidFill>
-                <a:latin typeface="Century Gothic" panose="020B0502020202020204" pitchFamily="34" charset="0"/>
-                <a:ea typeface="金梅新中楷全字體" panose="02010509060101010101" pitchFamily="49" charset="-120"/>
-              </a:rPr>
-              <a:t>- </a:t>
-            </a:r>
-            <a:r>
-              <a:rPr lang="zh-TW" altLang="en-US" sz="3200" b="1" dirty="0">
-                <a:solidFill>
-                  <a:schemeClr val="bg1"/>
-                </a:solidFill>
-                <a:latin typeface="Century Gothic" panose="020B0502020202020204" pitchFamily="34" charset="0"/>
-                <a:ea typeface="金梅新中楷全字體" panose="02010509060101010101" pitchFamily="49" charset="-120"/>
-              </a:rPr>
-              <a:t>代禱</a:t>
-            </a:r>
-            <a:endParaRPr lang="en-GB" altLang="zh-TW" sz="3200" b="1" dirty="0">
-              <a:solidFill>
-                <a:schemeClr val="bg1"/>
-              </a:solidFill>
-              <a:latin typeface="Century Gothic" panose="020B0502020202020204" pitchFamily="34" charset="0"/>
-              <a:ea typeface="金梅新中楷全字體" panose="02010509060101010101" pitchFamily="49" charset="-120"/>
-            </a:endParaRPr>
-          </a:p>
-        </p:txBody>
-      </p:sp>
-      <p:sp>
-        <p:nvSpPr>
-          <p:cNvPr id="8" name="Title 1">
+              <a:t>Chapter &amp; Verse</a:t>
+            </a:r>
+          </a:p>
+        </p:txBody>
+      </p:sp>
+      <p:sp>
+        <p:nvSpPr>
+          <p:cNvPr id="15" name="Text Box 10">
             <a:extLst>
               <a:ext uri="{FF2B5EF4-FFF2-40B4-BE49-F238E27FC236}">
-                <a16:creationId xmlns:a16="http://schemas.microsoft.com/office/drawing/2014/main" id="{3DD2CCF3-660C-4B35-8262-BE8668E0E220}"/>
-              </a:ext>
-            </a:extLst>
-          </p:cNvPr>
-          <p:cNvSpPr>
-            <a:spLocks noGrp="1"/>
-          </p:cNvSpPr>
-          <p:nvPr>
-            <p:ph type="ctrTitle"/>
-          </p:nvPr>
-        </p:nvSpPr>
-        <p:spPr>
-          <a:xfrm>
-            <a:off x="-7741368" y="2619557"/>
-            <a:ext cx="6858000" cy="2387600"/>
-          </a:xfrm>
-        </p:spPr>
-        <p:txBody>
-          <a:bodyPr/>
-          <a:lstStyle/>
-          <a:p>
-            <a:r>
-              <a:rPr lang="en-GB" dirty="0">
-                <a:latin typeface="Century Gothic" panose="020B0502020202020204" pitchFamily="34" charset="0"/>
-              </a:rPr>
-              <a:t>Prayer Requests</a:t>
-            </a:r>
-          </a:p>
-        </p:txBody>
-      </p:sp>
-      <p:pic>
-        <p:nvPicPr>
-          <p:cNvPr id="10" name="Picture 9" descr="Logo&#10;&#10;Description automatically generated with medium confidence">
-            <a:extLst>
-              <a:ext uri="{FF2B5EF4-FFF2-40B4-BE49-F238E27FC236}">
-                <a16:creationId xmlns:a16="http://schemas.microsoft.com/office/drawing/2014/main" id="{4B9C37FE-474E-75AE-EB47-0B5BAAE4724E}"/>
-              </a:ext>
-            </a:extLst>
-          </p:cNvPr>
-          <p:cNvPicPr>
-            <a:picLocks noChangeAspect="1"/>
-          </p:cNvPicPr>
-          <p:nvPr/>
-        </p:nvPicPr>
-        <p:blipFill>
-          <a:blip r:embed="rId2" cstate="print">
-            <a:extLst>
-              <a:ext uri="{28A0092B-C50C-407E-A947-70E740481C1C}">
-                <a14:useLocalDpi xmlns:a14="http://schemas.microsoft.com/office/drawing/2010/main" val="0"/>
-              </a:ext>
-            </a:extLst>
-          </a:blip>
-          <a:stretch>
-            <a:fillRect/>
-          </a:stretch>
-        </p:blipFill>
-        <p:spPr>
-          <a:xfrm>
-            <a:off x="335359" y="6269250"/>
-            <a:ext cx="2664297" cy="344791"/>
-          </a:xfrm>
-          <a:prstGeom prst="rect">
-            <a:avLst/>
-          </a:prstGeom>
-        </p:spPr>
-      </p:pic>
-      <p:grpSp>
-        <p:nvGrpSpPr>
-          <p:cNvPr id="15" name="Group 14">
-            <a:extLst>
-              <a:ext uri="{FF2B5EF4-FFF2-40B4-BE49-F238E27FC236}">
-                <a16:creationId xmlns:a16="http://schemas.microsoft.com/office/drawing/2014/main" id="{7CAA8467-B68D-5C2D-8A31-749055A2A62E}"/>
-              </a:ext>
-            </a:extLst>
-          </p:cNvPr>
-          <p:cNvGrpSpPr/>
-          <p:nvPr/>
-        </p:nvGrpSpPr>
-        <p:grpSpPr>
-          <a:xfrm>
-            <a:off x="4943872" y="6269250"/>
-            <a:ext cx="7030907" cy="369332"/>
-            <a:chOff x="4943872" y="6269250"/>
-            <a:chExt cx="7030907" cy="369332"/>
-          </a:xfrm>
-        </p:grpSpPr>
-        <p:sp>
-          <p:nvSpPr>
-            <p:cNvPr id="16" name="TextBox 15">
-              <a:extLst>
-                <a:ext uri="{FF2B5EF4-FFF2-40B4-BE49-F238E27FC236}">
-                  <a16:creationId xmlns:a16="http://schemas.microsoft.com/office/drawing/2014/main" id="{784C48A4-3316-3B61-0390-24A4BF874F85}"/>
-                </a:ext>
-              </a:extLst>
-            </p:cNvPr>
-            <p:cNvSpPr txBox="1"/>
-            <p:nvPr/>
-          </p:nvSpPr>
-          <p:spPr>
-            <a:xfrm>
-              <a:off x="4943872" y="6269250"/>
-              <a:ext cx="7030907" cy="369332"/>
-            </a:xfrm>
-            <a:prstGeom prst="rect">
-              <a:avLst/>
-            </a:prstGeom>
-            <a:noFill/>
-            <a:ln w="19050">
-              <a:solidFill>
-                <a:srgbClr val="FF0000"/>
-              </a:solidFill>
-            </a:ln>
-          </p:spPr>
-          <p:txBody>
-            <a:bodyPr wrap="square" rtlCol="0" anchor="ctr">
-              <a:spAutoFit/>
-            </a:bodyPr>
-            <a:lstStyle/>
-            <a:p>
-              <a:r>
-                <a:rPr lang="en-GB" dirty="0">
-                  <a:solidFill>
-                    <a:schemeClr val="bg1"/>
-                  </a:solidFill>
-                  <a:latin typeface="Segoe UI Semibold" panose="020B0702040204020203" pitchFamily="34" charset="0"/>
-                  <a:cs typeface="Segoe UI Semibold" panose="020B0702040204020203" pitchFamily="34" charset="0"/>
-                </a:rPr>
-                <a:t>Please Turn Off/Silence Your Devices </a:t>
-              </a:r>
-              <a:r>
-                <a:rPr lang="zh-TW" altLang="en-US" b="1" dirty="0">
-                  <a:solidFill>
-                    <a:schemeClr val="bg1"/>
-                  </a:solidFill>
-                  <a:latin typeface="Microsoft JhengHei" panose="020B0604030504040204" pitchFamily="34" charset="-120"/>
-                  <a:ea typeface="Microsoft JhengHei" panose="020B0604030504040204" pitchFamily="34" charset="-120"/>
-                </a:rPr>
-                <a:t>請靜音或關閉所有電子設備</a:t>
-              </a:r>
-              <a:endParaRPr lang="ja-JP" altLang="en-US" b="1" dirty="0">
-                <a:solidFill>
-                  <a:schemeClr val="bg1"/>
-                </a:solidFill>
-                <a:latin typeface="Microsoft JhengHei" panose="020B0604030504040204" pitchFamily="34" charset="-120"/>
-                <a:ea typeface="Microsoft JhengHei" panose="020B0604030504040204" pitchFamily="34" charset="-120"/>
-              </a:endParaRPr>
-            </a:p>
-          </p:txBody>
-        </p:sp>
-        <p:pic>
-          <p:nvPicPr>
-            <p:cNvPr id="17" name="Picture 16" descr="Shape&#10;&#10;Description automatically generated with low confidence">
-              <a:extLst>
-                <a:ext uri="{FF2B5EF4-FFF2-40B4-BE49-F238E27FC236}">
-                  <a16:creationId xmlns:a16="http://schemas.microsoft.com/office/drawing/2014/main" id="{8DEE2E64-EE7D-350D-C2CA-178FDA5B9B9B}"/>
-                </a:ext>
-              </a:extLst>
-            </p:cNvPr>
-            <p:cNvPicPr>
-              <a:picLocks noChangeAspect="1"/>
-            </p:cNvPicPr>
-            <p:nvPr/>
-          </p:nvPicPr>
-          <p:blipFill>
-            <a:blip r:embed="rId3" cstate="print">
-              <a:extLst>
-                <a:ext uri="{BEBA8EAE-BF5A-486C-A8C5-ECC9F3942E4B}">
-                  <a14:imgProps xmlns:a14="http://schemas.microsoft.com/office/drawing/2010/main">
-                    <a14:imgLayer r:embed="rId4">
-                      <a14:imgEffect>
-                        <a14:colorTemperature colorTemp="11500"/>
-                      </a14:imgEffect>
-                      <a14:imgEffect>
-                        <a14:saturation sat="400000"/>
-                      </a14:imgEffect>
-                      <a14:imgEffect>
-                        <a14:brightnessContrast bright="100000" contrast="100000"/>
-                      </a14:imgEffect>
-                    </a14:imgLayer>
-                  </a14:imgProps>
-                </a:ext>
-                <a:ext uri="{28A0092B-C50C-407E-A947-70E740481C1C}">
-                  <a14:useLocalDpi xmlns:a14="http://schemas.microsoft.com/office/drawing/2010/main" val="0"/>
-                </a:ext>
-              </a:extLst>
-            </a:blip>
-            <a:stretch>
-              <a:fillRect/>
-            </a:stretch>
-          </p:blipFill>
-          <p:spPr>
-            <a:xfrm>
-              <a:off x="11658489" y="6309320"/>
-              <a:ext cx="280267" cy="280267"/>
-            </a:xfrm>
-            <a:prstGeom prst="rect">
-              <a:avLst/>
-            </a:prstGeom>
-          </p:spPr>
-        </p:pic>
-      </p:grpSp>
-    </p:spTree>
-  </p:cSld>
-  <p:clrMapOvr>
-    <a:masterClrMapping/>
-  </p:clrMapOvr>
-</p:sld>
-</file>
-
-<file path=ppt/slides/slide3.xml><?xml version="1.0" encoding="utf-8"?>
-<p:sld xmlns:a="http://schemas.openxmlformats.org/drawingml/2006/main" xmlns:r="http://schemas.openxmlformats.org/officeDocument/2006/relationships" xmlns:p="http://schemas.openxmlformats.org/presentationml/2006/main">
-  <p:cSld>
-    <p:bg>
-      <p:bgPr>
-        <a:solidFill>
-          <a:schemeClr val="tx1"/>
-        </a:solidFill>
-        <a:effectLst/>
-      </p:bgPr>
-    </p:bg>
-    <p:spTree>
-      <p:nvGrpSpPr>
-        <p:cNvPr id="1" name=""/>
-        <p:cNvGrpSpPr/>
-        <p:nvPr/>
-      </p:nvGrpSpPr>
-      <p:grpSpPr>
-        <a:xfrm>
-          <a:off x="0" y="0"/>
-          <a:ext cx="0" cy="0"/>
-          <a:chOff x="0" y="0"/>
-          <a:chExt cx="0" cy="0"/>
-        </a:xfrm>
-      </p:grpSpPr>
-      <p:sp>
-        <p:nvSpPr>
-          <p:cNvPr id="12" name="Text Box 12">
-            <a:extLst>
-              <a:ext uri="{FF2B5EF4-FFF2-40B4-BE49-F238E27FC236}">
-                <a16:creationId xmlns:a16="http://schemas.microsoft.com/office/drawing/2014/main" id="{591C97DC-F419-4C94-A84E-E8038EFB7F71}"/>
+                <a16:creationId xmlns:a16="http://schemas.microsoft.com/office/drawing/2014/main" id="{90246C2A-6C5E-406F-8738-05ACA671C742}"/>
               </a:ext>
             </a:extLst>
           </p:cNvPr>
@@ -5305,8 +5871,8 @@
         </p:nvSpPr>
         <p:spPr bwMode="auto">
           <a:xfrm>
-            <a:off x="0" y="908720"/>
-            <a:ext cx="12192000" cy="5360530"/>
+            <a:off x="252966" y="5877272"/>
+            <a:ext cx="4330866" cy="400110"/>
           </a:xfrm>
           <a:prstGeom prst="rect">
             <a:avLst/>
@@ -5347,27 +5913,262 @@
         </p:spPr>
         <p:txBody>
           <a:bodyPr wrap="square">
-            <a:noAutofit/>
+            <a:spAutoFit/>
           </a:bodyPr>
           <a:lstStyle/>
           <a:p>
-            <a:pPr algn="ctr"/>
-            <a:endParaRPr lang="en-GB" altLang="zh-TW" sz="2400" dirty="0">
-              <a:solidFill>
-                <a:schemeClr val="bg1"/>
-              </a:solidFill>
-              <a:latin typeface="Century Gothic" panose="020B0502020202020204" pitchFamily="34" charset="0"/>
-              <a:ea typeface="金梅新中楷全字體" panose="02010509060101010101" pitchFamily="49" charset="-120"/>
-            </a:endParaRPr>
-          </a:p>
-        </p:txBody>
-      </p:sp>
-      <p:sp>
-        <p:nvSpPr>
-          <p:cNvPr id="13" name="Text Box 12">
+            <a:pPr>
+              <a:spcBef>
+                <a:spcPct val="50000"/>
+              </a:spcBef>
+            </a:pPr>
+            <a:r>
+              <a:rPr lang="en-US" altLang="zh-CN" sz="2000" dirty="0">
+                <a:latin typeface="Century Gothic" panose="020B0502020202020204" pitchFamily="34" charset="0"/>
+                <a:ea typeface="宋体" panose="02010600030101010101" pitchFamily="2" charset="-122"/>
+              </a:rPr>
+              <a:t>Service Type</a:t>
+            </a:r>
+          </a:p>
+        </p:txBody>
+      </p:sp>
+      <p:sp>
+        <p:nvSpPr>
+          <p:cNvPr id="2" name="Title 1"/>
+          <p:cNvSpPr>
+            <a:spLocks noGrp="1"/>
+          </p:cNvSpPr>
+          <p:nvPr>
+            <p:ph type="ctrTitle"/>
+          </p:nvPr>
+        </p:nvSpPr>
+        <p:spPr>
+          <a:xfrm>
+            <a:off x="-8533456" y="2706867"/>
+            <a:ext cx="6539934" cy="1008018"/>
+          </a:xfrm>
+        </p:spPr>
+        <p:txBody>
+          <a:bodyPr/>
+          <a:lstStyle/>
+          <a:p>
+            <a:r>
+              <a:rPr lang="en-GB" dirty="0"/>
+              <a:t>Service/Hymnal</a:t>
+            </a:r>
+          </a:p>
+        </p:txBody>
+      </p:sp>
+      <p:grpSp>
+        <p:nvGrpSpPr>
+          <p:cNvPr id="22" name="Group 21">
             <a:extLst>
               <a:ext uri="{FF2B5EF4-FFF2-40B4-BE49-F238E27FC236}">
-                <a16:creationId xmlns:a16="http://schemas.microsoft.com/office/drawing/2014/main" id="{977E556A-8801-4241-B610-C5D48A41FAF4}"/>
+                <a16:creationId xmlns:a16="http://schemas.microsoft.com/office/drawing/2014/main" id="{DCC0CD01-B0C7-17AF-454C-CAB88B5C80D6}"/>
+              </a:ext>
+            </a:extLst>
+          </p:cNvPr>
+          <p:cNvGrpSpPr/>
+          <p:nvPr/>
+        </p:nvGrpSpPr>
+        <p:grpSpPr>
+          <a:xfrm>
+            <a:off x="4943872" y="6249605"/>
+            <a:ext cx="7030907" cy="408623"/>
+            <a:chOff x="4943872" y="6249605"/>
+            <a:chExt cx="7030907" cy="408623"/>
+          </a:xfrm>
+        </p:grpSpPr>
+        <p:sp>
+          <p:nvSpPr>
+            <p:cNvPr id="23" name="TextBox 22">
+              <a:extLst>
+                <a:ext uri="{FF2B5EF4-FFF2-40B4-BE49-F238E27FC236}">
+                  <a16:creationId xmlns:a16="http://schemas.microsoft.com/office/drawing/2014/main" id="{05BB4C74-D38F-A3C1-A90A-E680D921BA2A}"/>
+                </a:ext>
+              </a:extLst>
+            </p:cNvPr>
+            <p:cNvSpPr txBox="1"/>
+            <p:nvPr/>
+          </p:nvSpPr>
+          <p:spPr>
+            <a:xfrm>
+              <a:off x="4943872" y="6249605"/>
+              <a:ext cx="7030907" cy="408623"/>
+            </a:xfrm>
+            <a:prstGeom prst="roundRect">
+              <a:avLst>
+                <a:gd name="adj" fmla="val 20010"/>
+              </a:avLst>
+            </a:prstGeom>
+            <a:noFill/>
+            <a:ln w="19050">
+              <a:solidFill>
+                <a:srgbClr val="FF0000"/>
+              </a:solidFill>
+            </a:ln>
+          </p:spPr>
+          <p:txBody>
+            <a:bodyPr wrap="square" rtlCol="0" anchor="ctr">
+              <a:spAutoFit/>
+            </a:bodyPr>
+            <a:lstStyle/>
+            <a:p>
+              <a:r>
+                <a:rPr lang="en-GB" dirty="0">
+                  <a:latin typeface="Segoe UI Semibold" panose="020B0702040204020203" pitchFamily="34" charset="0"/>
+                  <a:cs typeface="Segoe UI Semibold" panose="020B0702040204020203" pitchFamily="34" charset="0"/>
+                </a:rPr>
+                <a:t>Please Turn Off/Silence Your Devices </a:t>
+              </a:r>
+              <a:r>
+                <a:rPr lang="zh-TW" altLang="en-US" b="1" dirty="0">
+                  <a:latin typeface="Microsoft JhengHei" panose="020B0604030504040204" pitchFamily="34" charset="-120"/>
+                  <a:ea typeface="Microsoft JhengHei" panose="020B0604030504040204" pitchFamily="34" charset="-120"/>
+                </a:rPr>
+                <a:t>請靜音或關閉所有電子設備</a:t>
+              </a:r>
+              <a:endParaRPr lang="ja-JP" altLang="en-US" b="1" dirty="0">
+                <a:latin typeface="Microsoft JhengHei" panose="020B0604030504040204" pitchFamily="34" charset="-120"/>
+                <a:ea typeface="Microsoft JhengHei" panose="020B0604030504040204" pitchFamily="34" charset="-120"/>
+              </a:endParaRPr>
+            </a:p>
+          </p:txBody>
+        </p:sp>
+        <p:pic>
+          <p:nvPicPr>
+            <p:cNvPr id="24" name="Picture 23" descr="Shape&#10;&#10;Description automatically generated with low confidence">
+              <a:extLst>
+                <a:ext uri="{FF2B5EF4-FFF2-40B4-BE49-F238E27FC236}">
+                  <a16:creationId xmlns:a16="http://schemas.microsoft.com/office/drawing/2014/main" id="{10B15791-20DE-9334-AE79-E03696114A61}"/>
+                </a:ext>
+              </a:extLst>
+            </p:cNvPr>
+            <p:cNvPicPr>
+              <a:picLocks noChangeAspect="1"/>
+            </p:cNvPicPr>
+            <p:nvPr/>
+          </p:nvPicPr>
+          <p:blipFill>
+            <a:blip r:embed="rId3" cstate="print">
+              <a:extLst>
+                <a:ext uri="{BEBA8EAE-BF5A-486C-A8C5-ECC9F3942E4B}">
+                  <a14:imgProps xmlns:a14="http://schemas.microsoft.com/office/drawing/2010/main">
+                    <a14:imgLayer r:embed="rId4">
+                      <a14:imgEffect>
+                        <a14:colorTemperature colorTemp="11500"/>
+                      </a14:imgEffect>
+                      <a14:imgEffect>
+                        <a14:saturation sat="400000"/>
+                      </a14:imgEffect>
+                      <a14:imgEffect>
+                        <a14:brightnessContrast bright="-40000" contrast="-40000"/>
+                      </a14:imgEffect>
+                    </a14:imgLayer>
+                  </a14:imgProps>
+                </a:ext>
+                <a:ext uri="{28A0092B-C50C-407E-A947-70E740481C1C}">
+                  <a14:useLocalDpi xmlns:a14="http://schemas.microsoft.com/office/drawing/2010/main" val="0"/>
+                </a:ext>
+              </a:extLst>
+            </a:blip>
+            <a:stretch>
+              <a:fillRect/>
+            </a:stretch>
+          </p:blipFill>
+          <p:spPr>
+            <a:xfrm>
+              <a:off x="11658489" y="6309320"/>
+              <a:ext cx="280267" cy="280267"/>
+            </a:xfrm>
+            <a:prstGeom prst="rect">
+              <a:avLst/>
+            </a:prstGeom>
+          </p:spPr>
+        </p:pic>
+      </p:grpSp>
+      <p:pic>
+        <p:nvPicPr>
+          <p:cNvPr id="3" name="Picture 2" descr="Logo&#10;&#10;Description automatically generated with medium confidence">
+            <a:extLst>
+              <a:ext uri="{FF2B5EF4-FFF2-40B4-BE49-F238E27FC236}">
+                <a16:creationId xmlns:a16="http://schemas.microsoft.com/office/drawing/2014/main" id="{D9FAAAA7-28DF-9604-C947-11910295E41A}"/>
+              </a:ext>
+            </a:extLst>
+          </p:cNvPr>
+          <p:cNvPicPr>
+            <a:picLocks noChangeAspect="1"/>
+          </p:cNvPicPr>
+          <p:nvPr/>
+        </p:nvPicPr>
+        <p:blipFill>
+          <a:blip r:embed="rId5" cstate="print">
+            <a:biLevel thresh="75000"/>
+            <a:extLst>
+              <a:ext uri="{BEBA8EAE-BF5A-486C-A8C5-ECC9F3942E4B}">
+                <a14:imgProps xmlns:a14="http://schemas.microsoft.com/office/drawing/2010/main">
+                  <a14:imgLayer r:embed="rId6">
+                    <a14:imgEffect>
+                      <a14:brightnessContrast bright="-40000" contrast="-40000"/>
+                    </a14:imgEffect>
+                  </a14:imgLayer>
+                </a14:imgProps>
+              </a:ext>
+              <a:ext uri="{28A0092B-C50C-407E-A947-70E740481C1C}">
+                <a14:useLocalDpi xmlns:a14="http://schemas.microsoft.com/office/drawing/2010/main" val="0"/>
+              </a:ext>
+            </a:extLst>
+          </a:blip>
+          <a:stretch>
+            <a:fillRect/>
+          </a:stretch>
+        </p:blipFill>
+        <p:spPr>
+          <a:xfrm>
+            <a:off x="335359" y="6269250"/>
+            <a:ext cx="2664297" cy="344791"/>
+          </a:xfrm>
+          <a:prstGeom prst="rect">
+            <a:avLst/>
+          </a:prstGeom>
+        </p:spPr>
+      </p:pic>
+    </p:spTree>
+    <p:extLst>
+      <p:ext uri="{BB962C8B-B14F-4D97-AF65-F5344CB8AC3E}">
+        <p14:creationId xmlns:p14="http://schemas.microsoft.com/office/powerpoint/2010/main" val="2369020613"/>
+      </p:ext>
+    </p:extLst>
+  </p:cSld>
+  <p:clrMapOvr>
+    <a:masterClrMapping/>
+  </p:clrMapOvr>
+</p:sld>
+</file>
+
+<file path=ppt/slides/slide4.xml><?xml version="1.0" encoding="utf-8"?>
+<p:sld xmlns:a="http://schemas.openxmlformats.org/drawingml/2006/main" xmlns:r="http://schemas.openxmlformats.org/officeDocument/2006/relationships" xmlns:p="http://schemas.openxmlformats.org/presentationml/2006/main">
+  <p:cSld>
+    <p:spTree>
+      <p:nvGrpSpPr>
+        <p:cNvPr id="1" name=""/>
+        <p:cNvGrpSpPr/>
+        <p:nvPr/>
+      </p:nvGrpSpPr>
+      <p:grpSpPr>
+        <a:xfrm>
+          <a:off x="0" y="0"/>
+          <a:ext cx="0" cy="0"/>
+          <a:chOff x="0" y="0"/>
+          <a:chExt cx="0" cy="0"/>
+        </a:xfrm>
+      </p:grpSpPr>
+      <p:sp>
+        <p:nvSpPr>
+          <p:cNvPr id="6" name="Text Box 12">
+            <a:extLst>
+              <a:ext uri="{FF2B5EF4-FFF2-40B4-BE49-F238E27FC236}">
+                <a16:creationId xmlns:a16="http://schemas.microsoft.com/office/drawing/2014/main" id="{BEA17A2D-ADBC-44E7-8241-0C2921ADB5E3}"/>
               </a:ext>
             </a:extLst>
           </p:cNvPr>
@@ -5378,8 +6179,8 @@
         </p:nvSpPr>
         <p:spPr bwMode="auto">
           <a:xfrm>
-            <a:off x="2615493" y="260648"/>
-            <a:ext cx="6961014" cy="432048"/>
+            <a:off x="1" y="1700808"/>
+            <a:ext cx="12192000" cy="4464496"/>
           </a:xfrm>
           <a:prstGeom prst="rect">
             <a:avLst/>
@@ -5424,62 +6225,111 @@
           </a:bodyPr>
           <a:lstStyle/>
           <a:p>
+            <a:pPr algn="ctr">
+              <a:lnSpc>
+                <a:spcPct val="150000"/>
+              </a:lnSpc>
+            </a:pPr>
+            <a:r>
+              <a:rPr lang="en-GB" altLang="zh-TW" sz="4000" dirty="0">
+                <a:latin typeface="Century Gothic" panose="020B0502020202020204" pitchFamily="34" charset="0"/>
+                <a:ea typeface="金梅新中楷全字體" panose="02010509060101010101" pitchFamily="49" charset="-120"/>
+              </a:rPr>
+              <a:t>Hymn Nos</a:t>
+            </a:r>
+          </a:p>
+        </p:txBody>
+      </p:sp>
+      <p:sp>
+        <p:nvSpPr>
+          <p:cNvPr id="7" name="Text Box 12">
+            <a:extLst>
+              <a:ext uri="{FF2B5EF4-FFF2-40B4-BE49-F238E27FC236}">
+                <a16:creationId xmlns:a16="http://schemas.microsoft.com/office/drawing/2014/main" id="{4A814393-22EC-4030-B099-593A4A5B942E}"/>
+              </a:ext>
+            </a:extLst>
+          </p:cNvPr>
+          <p:cNvSpPr txBox="1">
+            <a:spLocks noChangeArrowheads="1"/>
+          </p:cNvSpPr>
+          <p:nvPr/>
+        </p:nvSpPr>
+        <p:spPr bwMode="auto">
+          <a:xfrm>
+            <a:off x="1871470" y="704601"/>
+            <a:ext cx="8449060" cy="648072"/>
+          </a:xfrm>
+          <a:prstGeom prst="rect">
+            <a:avLst/>
+          </a:prstGeom>
+          <a:noFill/>
+          <a:ln>
+            <a:noFill/>
+          </a:ln>
+          <a:effectLst/>
+          <a:extLst>
+            <a:ext uri="{909E8E84-426E-40DD-AFC4-6F175D3DCCD1}">
+              <a14:hiddenFill xmlns:a14="http://schemas.microsoft.com/office/drawing/2010/main">
+                <a:solidFill>
+                  <a:schemeClr val="accent1"/>
+                </a:solidFill>
+              </a14:hiddenFill>
+            </a:ext>
+            <a:ext uri="{91240B29-F687-4F45-9708-019B960494DF}">
+              <a14:hiddenLine xmlns:a14="http://schemas.microsoft.com/office/drawing/2010/main" w="9525">
+                <a:solidFill>
+                  <a:schemeClr val="tx1"/>
+                </a:solidFill>
+                <a:miter lim="800000"/>
+                <a:headEnd/>
+                <a:tailEnd/>
+              </a14:hiddenLine>
+            </a:ext>
+            <a:ext uri="{AF507438-7753-43E0-B8FC-AC1667EBCBE1}">
+              <a14:hiddenEffects xmlns:a14="http://schemas.microsoft.com/office/drawing/2010/main">
+                <a:effectLst>
+                  <a:outerShdw dist="35921" dir="2700000" algn="ctr" rotWithShape="0">
+                    <a:schemeClr val="bg2"/>
+                  </a:outerShdw>
+                </a:effectLst>
+              </a14:hiddenEffects>
+            </a:ext>
+          </a:extLst>
+        </p:spPr>
+        <p:txBody>
+          <a:bodyPr wrap="square">
+            <a:noAutofit/>
+          </a:bodyPr>
+          <a:lstStyle/>
+          <a:p>
             <a:pPr algn="ctr"/>
             <a:r>
-              <a:rPr lang="en-GB" altLang="en-US" sz="3200" b="1" dirty="0">
-                <a:solidFill>
-                  <a:schemeClr val="bg1"/>
-                </a:solidFill>
+              <a:rPr lang="en-GB" altLang="en-US" sz="4400" b="1" dirty="0">
                 <a:latin typeface="Segoe UI" panose="020B0502040204020203" pitchFamily="34" charset="0"/>
                 <a:cs typeface="Segoe UI" panose="020B0502040204020203" pitchFamily="34" charset="0"/>
               </a:rPr>
-              <a:t>Announcements</a:t>
-            </a:r>
-            <a:r>
-              <a:rPr lang="en-GB" altLang="en-US" sz="3200" b="1" dirty="0">
-                <a:solidFill>
-                  <a:schemeClr val="bg1"/>
-                </a:solidFill>
-                <a:latin typeface="Century Gothic" panose="020B0502020202020204" pitchFamily="34" charset="0"/>
+              <a:t>HYMNAL </a:t>
+            </a:r>
+            <a:r>
+              <a:rPr lang="ja-JP" altLang="en-US" sz="4400" b="1" dirty="0">
+                <a:latin typeface="Segoe UI" panose="020B0502040204020203" pitchFamily="34" charset="0"/>
+                <a:cs typeface="Segoe UI" panose="020B0502040204020203" pitchFamily="34" charset="0"/>
               </a:rPr>
-              <a:t> </a:t>
-            </a:r>
-            <a:r>
-              <a:rPr lang="en-GB" altLang="en-US" sz="3200" b="1" dirty="0">
-                <a:solidFill>
-                  <a:schemeClr val="bg1"/>
-                </a:solidFill>
-                <a:latin typeface="Century Gothic" panose="020B0502020202020204" pitchFamily="34" charset="0"/>
-                <a:ea typeface="金梅新中楷全字體" panose="02010509060101010101" pitchFamily="49" charset="-120"/>
-              </a:rPr>
-              <a:t>- </a:t>
-            </a:r>
-            <a:r>
-              <a:rPr lang="zh-TW" altLang="en-US" sz="3200" b="1" dirty="0">
-                <a:solidFill>
-                  <a:schemeClr val="bg1"/>
-                </a:solidFill>
-                <a:latin typeface="Microsoft JhengHei" panose="020B0604030504040204" pitchFamily="34" charset="-120"/>
-                <a:ea typeface="Microsoft JhengHei" panose="020B0604030504040204" pitchFamily="34" charset="-120"/>
-              </a:rPr>
-              <a:t>佈告</a:t>
-            </a:r>
-            <a:endParaRPr lang="en-GB" altLang="zh-TW" sz="3200" b="1" dirty="0">
-              <a:solidFill>
-                <a:schemeClr val="bg1"/>
-              </a:solidFill>
-              <a:latin typeface="Microsoft JhengHei" panose="020B0604030504040204" pitchFamily="34" charset="-120"/>
-              <a:ea typeface="Microsoft JhengHei" panose="020B0604030504040204" pitchFamily="34" charset="-120"/>
+              <a:t>詩頌</a:t>
+            </a:r>
+            <a:endParaRPr lang="en-GB" altLang="zh-TW" sz="4400" b="1" dirty="0">
+              <a:latin typeface="Century Gothic" panose="020B0502020202020204" pitchFamily="34" charset="0"/>
+              <a:ea typeface="金梅新中楷全字體" panose="02010509060101010101" pitchFamily="49" charset="-120"/>
             </a:endParaRPr>
           </a:p>
         </p:txBody>
       </p:sp>
       <p:sp>
         <p:nvSpPr>
-          <p:cNvPr id="14" name="Title 1">
+          <p:cNvPr id="8" name="Title 1">
             <a:extLst>
               <a:ext uri="{FF2B5EF4-FFF2-40B4-BE49-F238E27FC236}">
-                <a16:creationId xmlns:a16="http://schemas.microsoft.com/office/drawing/2014/main" id="{24CDB64D-DDA9-4535-BAD4-A67954A30EFA}"/>
+                <a16:creationId xmlns:a16="http://schemas.microsoft.com/office/drawing/2014/main" id="{3DD2CCF3-660C-4B35-8262-BE8668E0E220}"/>
               </a:ext>
             </a:extLst>
           </p:cNvPr>
@@ -5487,38 +6337,34 @@
             <a:spLocks noGrp="1"/>
           </p:cNvSpPr>
           <p:nvPr>
-            <p:ph type="title"/>
+            <p:ph type="ctrTitle"/>
           </p:nvPr>
         </p:nvSpPr>
         <p:spPr>
           <a:xfrm>
-            <a:off x="-8677472" y="1772816"/>
-            <a:ext cx="8229600" cy="1143000"/>
+            <a:off x="-7741368" y="2619557"/>
+            <a:ext cx="6858000" cy="2387600"/>
           </a:xfrm>
         </p:spPr>
         <p:txBody>
           <a:bodyPr/>
           <a:lstStyle/>
           <a:p>
-            <a:pPr algn="ctr"/>
             <a:r>
               <a:rPr lang="en-GB" dirty="0">
-                <a:solidFill>
-                  <a:schemeClr val="bg1"/>
-                </a:solidFill>
                 <a:latin typeface="Century Gothic" panose="020B0502020202020204" pitchFamily="34" charset="0"/>
               </a:rPr>
-              <a:t>Announcements</a:t>
+              <a:t>Prayer Requests</a:t>
             </a:r>
           </a:p>
         </p:txBody>
       </p:sp>
       <p:pic>
         <p:nvPicPr>
-          <p:cNvPr id="10" name="Picture 9" descr="Logo&#10;&#10;Description automatically generated with medium confidence">
+          <p:cNvPr id="2" name="Picture 1" descr="Logo&#10;&#10;Description automatically generated with medium confidence">
             <a:extLst>
               <a:ext uri="{FF2B5EF4-FFF2-40B4-BE49-F238E27FC236}">
-                <a16:creationId xmlns:a16="http://schemas.microsoft.com/office/drawing/2014/main" id="{940DD04F-5B14-1343-137A-865E387E5E71}"/>
+                <a16:creationId xmlns:a16="http://schemas.microsoft.com/office/drawing/2014/main" id="{661169E3-5597-08BC-CD34-36619FAD7EBF}"/>
               </a:ext>
             </a:extLst>
           </p:cNvPr>
@@ -5529,7 +6375,17 @@
         </p:nvPicPr>
         <p:blipFill>
           <a:blip r:embed="rId2" cstate="print">
+            <a:biLevel thresh="75000"/>
             <a:extLst>
+              <a:ext uri="{BEBA8EAE-BF5A-486C-A8C5-ECC9F3942E4B}">
+                <a14:imgProps xmlns:a14="http://schemas.microsoft.com/office/drawing/2010/main">
+                  <a14:imgLayer r:embed="rId3">
+                    <a14:imgEffect>
+                      <a14:brightnessContrast bright="-40000" contrast="-40000"/>
+                    </a14:imgEffect>
+                  </a14:imgLayer>
+                </a14:imgProps>
+              </a:ext>
               <a:ext uri="{28A0092B-C50C-407E-A947-70E740481C1C}">
                 <a14:useLocalDpi xmlns:a14="http://schemas.microsoft.com/office/drawing/2010/main" val="0"/>
               </a:ext>
@@ -5551,10 +6407,10 @@
       </p:pic>
       <p:grpSp>
         <p:nvGrpSpPr>
-          <p:cNvPr id="5" name="Group 4">
+          <p:cNvPr id="11" name="Group 10">
             <a:extLst>
               <a:ext uri="{FF2B5EF4-FFF2-40B4-BE49-F238E27FC236}">
-                <a16:creationId xmlns:a16="http://schemas.microsoft.com/office/drawing/2014/main" id="{FBA56367-5D7F-F80A-690E-BD9BD6315755}"/>
+                <a16:creationId xmlns:a16="http://schemas.microsoft.com/office/drawing/2014/main" id="{380A6CC6-9203-73C7-CA23-2796A926B45A}"/>
               </a:ext>
             </a:extLst>
           </p:cNvPr>
@@ -5563,18 +6419,18 @@
         </p:nvGrpSpPr>
         <p:grpSpPr>
           <a:xfrm>
-            <a:off x="4943872" y="6269250"/>
-            <a:ext cx="7030907" cy="369332"/>
-            <a:chOff x="4943872" y="6269250"/>
-            <a:chExt cx="7030907" cy="369332"/>
+            <a:off x="4943872" y="6249605"/>
+            <a:ext cx="7030907" cy="408623"/>
+            <a:chOff x="4943872" y="6249605"/>
+            <a:chExt cx="7030907" cy="408623"/>
           </a:xfrm>
         </p:grpSpPr>
         <p:sp>
           <p:nvSpPr>
-            <p:cNvPr id="6" name="TextBox 5">
+            <p:cNvPr id="12" name="TextBox 11">
               <a:extLst>
                 <a:ext uri="{FF2B5EF4-FFF2-40B4-BE49-F238E27FC236}">
-                  <a16:creationId xmlns:a16="http://schemas.microsoft.com/office/drawing/2014/main" id="{8A5CD7F2-FF03-54D0-C56F-1A4B1B478C1D}"/>
+                  <a16:creationId xmlns:a16="http://schemas.microsoft.com/office/drawing/2014/main" id="{5A57C609-C94E-8A3D-DC6C-A7950ECD9901}"/>
                 </a:ext>
               </a:extLst>
             </p:cNvPr>
@@ -5583,11 +6439,13 @@
           </p:nvSpPr>
           <p:spPr>
             <a:xfrm>
-              <a:off x="4943872" y="6269250"/>
-              <a:ext cx="7030907" cy="369332"/>
+              <a:off x="4943872" y="6249605"/>
+              <a:ext cx="7030907" cy="408623"/>
             </a:xfrm>
-            <a:prstGeom prst="rect">
-              <a:avLst/>
+            <a:prstGeom prst="roundRect">
+              <a:avLst>
+                <a:gd name="adj" fmla="val 20010"/>
+              </a:avLst>
             </a:prstGeom>
             <a:noFill/>
             <a:ln w="19050">
@@ -5604,9 +6462,6 @@
             <a:p>
               <a:r>
                 <a:rPr lang="en-GB" dirty="0">
-                  <a:solidFill>
-                    <a:schemeClr val="bg1"/>
-                  </a:solidFill>
                   <a:latin typeface="Segoe UI Semibold" panose="020B0702040204020203" pitchFamily="34" charset="0"/>
                   <a:cs typeface="Segoe UI Semibold" panose="020B0702040204020203" pitchFamily="34" charset="0"/>
                 </a:rPr>
@@ -5614,18 +6469,12 @@
               </a:r>
               <a:r>
                 <a:rPr lang="zh-TW" altLang="en-US" b="1" dirty="0">
-                  <a:solidFill>
-                    <a:schemeClr val="bg1"/>
-                  </a:solidFill>
                   <a:latin typeface="Microsoft JhengHei" panose="020B0604030504040204" pitchFamily="34" charset="-120"/>
                   <a:ea typeface="Microsoft JhengHei" panose="020B0604030504040204" pitchFamily="34" charset="-120"/>
                 </a:rPr>
                 <a:t>請靜音或關閉所有電子設備</a:t>
               </a:r>
               <a:endParaRPr lang="ja-JP" altLang="en-US" b="1" dirty="0">
-                <a:solidFill>
-                  <a:schemeClr val="bg1"/>
-                </a:solidFill>
                 <a:latin typeface="Microsoft JhengHei" panose="020B0604030504040204" pitchFamily="34" charset="-120"/>
                 <a:ea typeface="Microsoft JhengHei" panose="020B0604030504040204" pitchFamily="34" charset="-120"/>
               </a:endParaRPr>
@@ -5634,10 +6483,10 @@
         </p:sp>
         <p:pic>
           <p:nvPicPr>
-            <p:cNvPr id="7" name="Picture 6" descr="Shape&#10;&#10;Description automatically generated with low confidence">
+            <p:cNvPr id="13" name="Picture 12" descr="Shape&#10;&#10;Description automatically generated with low confidence">
               <a:extLst>
                 <a:ext uri="{FF2B5EF4-FFF2-40B4-BE49-F238E27FC236}">
-                  <a16:creationId xmlns:a16="http://schemas.microsoft.com/office/drawing/2014/main" id="{10313FF2-6F54-6076-FF3C-88FDC73625A1}"/>
+                  <a16:creationId xmlns:a16="http://schemas.microsoft.com/office/drawing/2014/main" id="{913080F3-8473-294B-AE49-FF3F3BCBDF8E}"/>
                 </a:ext>
               </a:extLst>
             </p:cNvPr>
@@ -5647,11 +6496,11 @@
             <p:nvPr/>
           </p:nvPicPr>
           <p:blipFill>
-            <a:blip r:embed="rId3" cstate="print">
+            <a:blip r:embed="rId4" cstate="print">
               <a:extLst>
                 <a:ext uri="{BEBA8EAE-BF5A-486C-A8C5-ECC9F3942E4B}">
                   <a14:imgProps xmlns:a14="http://schemas.microsoft.com/office/drawing/2010/main">
-                    <a14:imgLayer r:embed="rId4">
+                    <a14:imgLayer r:embed="rId5">
                       <a14:imgEffect>
                         <a14:colorTemperature colorTemp="11500"/>
                       </a14:imgEffect>
@@ -5659,7 +6508,795 @@
                         <a14:saturation sat="400000"/>
                       </a14:imgEffect>
                       <a14:imgEffect>
-                        <a14:brightnessContrast bright="100000" contrast="100000"/>
+                        <a14:brightnessContrast bright="-40000" contrast="-40000"/>
+                      </a14:imgEffect>
+                    </a14:imgLayer>
+                  </a14:imgProps>
+                </a:ext>
+                <a:ext uri="{28A0092B-C50C-407E-A947-70E740481C1C}">
+                  <a14:useLocalDpi xmlns:a14="http://schemas.microsoft.com/office/drawing/2010/main" val="0"/>
+                </a:ext>
+              </a:extLst>
+            </a:blip>
+            <a:stretch>
+              <a:fillRect/>
+            </a:stretch>
+          </p:blipFill>
+          <p:spPr>
+            <a:xfrm>
+              <a:off x="11658489" y="6309320"/>
+              <a:ext cx="280267" cy="280267"/>
+            </a:xfrm>
+            <a:prstGeom prst="rect">
+              <a:avLst/>
+            </a:prstGeom>
+          </p:spPr>
+        </p:pic>
+      </p:grpSp>
+    </p:spTree>
+    <p:extLst>
+      <p:ext uri="{BB962C8B-B14F-4D97-AF65-F5344CB8AC3E}">
+        <p14:creationId xmlns:p14="http://schemas.microsoft.com/office/powerpoint/2010/main" val="4225015750"/>
+      </p:ext>
+    </p:extLst>
+  </p:cSld>
+  <p:clrMapOvr>
+    <a:masterClrMapping/>
+  </p:clrMapOvr>
+</p:sld>
+</file>
+
+<file path=ppt/slides/slide5.xml><?xml version="1.0" encoding="utf-8"?>
+<p:sld xmlns:a="http://schemas.openxmlformats.org/drawingml/2006/main" xmlns:r="http://schemas.openxmlformats.org/officeDocument/2006/relationships" xmlns:p="http://schemas.openxmlformats.org/presentationml/2006/main">
+  <p:cSld>
+    <p:spTree>
+      <p:nvGrpSpPr>
+        <p:cNvPr id="1" name=""/>
+        <p:cNvGrpSpPr/>
+        <p:nvPr/>
+      </p:nvGrpSpPr>
+      <p:grpSpPr>
+        <a:xfrm>
+          <a:off x="0" y="0"/>
+          <a:ext cx="0" cy="0"/>
+          <a:chOff x="0" y="0"/>
+          <a:chExt cx="0" cy="0"/>
+        </a:xfrm>
+      </p:grpSpPr>
+      <p:sp>
+        <p:nvSpPr>
+          <p:cNvPr id="6" name="Text Box 12">
+            <a:extLst>
+              <a:ext uri="{FF2B5EF4-FFF2-40B4-BE49-F238E27FC236}">
+                <a16:creationId xmlns:a16="http://schemas.microsoft.com/office/drawing/2014/main" id="{BEA17A2D-ADBC-44E7-8241-0C2921ADB5E3}"/>
+              </a:ext>
+            </a:extLst>
+          </p:cNvPr>
+          <p:cNvSpPr txBox="1">
+            <a:spLocks noChangeArrowheads="1"/>
+          </p:cNvSpPr>
+          <p:nvPr/>
+        </p:nvSpPr>
+        <p:spPr bwMode="auto">
+          <a:xfrm>
+            <a:off x="1" y="908720"/>
+            <a:ext cx="12192000" cy="5256584"/>
+          </a:xfrm>
+          <a:prstGeom prst="rect">
+            <a:avLst/>
+          </a:prstGeom>
+          <a:noFill/>
+          <a:ln>
+            <a:noFill/>
+          </a:ln>
+          <a:effectLst/>
+          <a:extLst>
+            <a:ext uri="{909E8E84-426E-40DD-AFC4-6F175D3DCCD1}">
+              <a14:hiddenFill xmlns:a14="http://schemas.microsoft.com/office/drawing/2010/main">
+                <a:solidFill>
+                  <a:schemeClr val="accent1"/>
+                </a:solidFill>
+              </a14:hiddenFill>
+            </a:ext>
+            <a:ext uri="{91240B29-F687-4F45-9708-019B960494DF}">
+              <a14:hiddenLine xmlns:a14="http://schemas.microsoft.com/office/drawing/2010/main" w="9525">
+                <a:solidFill>
+                  <a:schemeClr val="tx1"/>
+                </a:solidFill>
+                <a:miter lim="800000"/>
+                <a:headEnd/>
+                <a:tailEnd/>
+              </a14:hiddenLine>
+            </a:ext>
+            <a:ext uri="{AF507438-7753-43E0-B8FC-AC1667EBCBE1}">
+              <a14:hiddenEffects xmlns:a14="http://schemas.microsoft.com/office/drawing/2010/main">
+                <a:effectLst>
+                  <a:outerShdw dist="35921" dir="2700000" algn="ctr" rotWithShape="0">
+                    <a:schemeClr val="bg2"/>
+                  </a:outerShdw>
+                </a:effectLst>
+              </a14:hiddenEffects>
+            </a:ext>
+          </a:extLst>
+        </p:spPr>
+        <p:txBody>
+          <a:bodyPr wrap="square">
+            <a:noAutofit/>
+          </a:bodyPr>
+          <a:lstStyle/>
+          <a:p>
+            <a:pPr algn="ctr"/>
+            <a:endParaRPr lang="en-GB" altLang="zh-TW" sz="2400" dirty="0">
+              <a:latin typeface="Century Gothic" panose="020B0502020202020204" pitchFamily="34" charset="0"/>
+              <a:ea typeface="金梅新中楷全字體" panose="02010509060101010101" pitchFamily="49" charset="-120"/>
+            </a:endParaRPr>
+          </a:p>
+        </p:txBody>
+      </p:sp>
+      <p:sp>
+        <p:nvSpPr>
+          <p:cNvPr id="7" name="Text Box 12">
+            <a:extLst>
+              <a:ext uri="{FF2B5EF4-FFF2-40B4-BE49-F238E27FC236}">
+                <a16:creationId xmlns:a16="http://schemas.microsoft.com/office/drawing/2014/main" id="{4A814393-22EC-4030-B099-593A4A5B942E}"/>
+              </a:ext>
+            </a:extLst>
+          </p:cNvPr>
+          <p:cNvSpPr txBox="1">
+            <a:spLocks noChangeArrowheads="1"/>
+          </p:cNvSpPr>
+          <p:nvPr/>
+        </p:nvSpPr>
+        <p:spPr bwMode="auto">
+          <a:xfrm>
+            <a:off x="1871470" y="116632"/>
+            <a:ext cx="8449060" cy="648072"/>
+          </a:xfrm>
+          <a:prstGeom prst="rect">
+            <a:avLst/>
+          </a:prstGeom>
+          <a:noFill/>
+          <a:ln>
+            <a:noFill/>
+          </a:ln>
+          <a:effectLst/>
+          <a:extLst>
+            <a:ext uri="{909E8E84-426E-40DD-AFC4-6F175D3DCCD1}">
+              <a14:hiddenFill xmlns:a14="http://schemas.microsoft.com/office/drawing/2010/main">
+                <a:solidFill>
+                  <a:schemeClr val="accent1"/>
+                </a:solidFill>
+              </a14:hiddenFill>
+            </a:ext>
+            <a:ext uri="{91240B29-F687-4F45-9708-019B960494DF}">
+              <a14:hiddenLine xmlns:a14="http://schemas.microsoft.com/office/drawing/2010/main" w="9525">
+                <a:solidFill>
+                  <a:schemeClr val="tx1"/>
+                </a:solidFill>
+                <a:miter lim="800000"/>
+                <a:headEnd/>
+                <a:tailEnd/>
+              </a14:hiddenLine>
+            </a:ext>
+            <a:ext uri="{AF507438-7753-43E0-B8FC-AC1667EBCBE1}">
+              <a14:hiddenEffects xmlns:a14="http://schemas.microsoft.com/office/drawing/2010/main">
+                <a:effectLst>
+                  <a:outerShdw dist="35921" dir="2700000" algn="ctr" rotWithShape="0">
+                    <a:schemeClr val="bg2"/>
+                  </a:outerShdw>
+                </a:effectLst>
+              </a14:hiddenEffects>
+            </a:ext>
+          </a:extLst>
+        </p:spPr>
+        <p:txBody>
+          <a:bodyPr wrap="square">
+            <a:noAutofit/>
+          </a:bodyPr>
+          <a:lstStyle/>
+          <a:p>
+            <a:pPr algn="ctr"/>
+            <a:r>
+              <a:rPr lang="en-GB" altLang="en-US" sz="4400" b="1" dirty="0">
+                <a:latin typeface="Segoe UI" panose="020B0502040204020203" pitchFamily="34" charset="0"/>
+                <a:cs typeface="Segoe UI" panose="020B0502040204020203" pitchFamily="34" charset="0"/>
+              </a:rPr>
+              <a:t>PRAYER REQUESTS </a:t>
+            </a:r>
+            <a:r>
+              <a:rPr lang="zh-TW" altLang="en-US" sz="4400" b="1" dirty="0">
+                <a:latin typeface="Century Gothic" panose="020B0502020202020204" pitchFamily="34" charset="0"/>
+                <a:ea typeface="金梅新中楷全字體" panose="02010509060101010101" pitchFamily="49" charset="-120"/>
+              </a:rPr>
+              <a:t>代禱</a:t>
+            </a:r>
+            <a:endParaRPr lang="en-GB" altLang="zh-TW" sz="4400" b="1" dirty="0">
+              <a:latin typeface="Century Gothic" panose="020B0502020202020204" pitchFamily="34" charset="0"/>
+              <a:ea typeface="金梅新中楷全字體" panose="02010509060101010101" pitchFamily="49" charset="-120"/>
+            </a:endParaRPr>
+          </a:p>
+        </p:txBody>
+      </p:sp>
+      <p:sp>
+        <p:nvSpPr>
+          <p:cNvPr id="8" name="Title 1">
+            <a:extLst>
+              <a:ext uri="{FF2B5EF4-FFF2-40B4-BE49-F238E27FC236}">
+                <a16:creationId xmlns:a16="http://schemas.microsoft.com/office/drawing/2014/main" id="{3DD2CCF3-660C-4B35-8262-BE8668E0E220}"/>
+              </a:ext>
+            </a:extLst>
+          </p:cNvPr>
+          <p:cNvSpPr>
+            <a:spLocks noGrp="1"/>
+          </p:cNvSpPr>
+          <p:nvPr>
+            <p:ph type="ctrTitle"/>
+          </p:nvPr>
+        </p:nvSpPr>
+        <p:spPr>
+          <a:xfrm>
+            <a:off x="-7741368" y="2619557"/>
+            <a:ext cx="6858000" cy="2387600"/>
+          </a:xfrm>
+        </p:spPr>
+        <p:txBody>
+          <a:bodyPr/>
+          <a:lstStyle/>
+          <a:p>
+            <a:r>
+              <a:rPr lang="en-GB" dirty="0">
+                <a:latin typeface="Century Gothic" panose="020B0502020202020204" pitchFamily="34" charset="0"/>
+              </a:rPr>
+              <a:t>Prayer Requests</a:t>
+            </a:r>
+          </a:p>
+        </p:txBody>
+      </p:sp>
+      <p:pic>
+        <p:nvPicPr>
+          <p:cNvPr id="2" name="Picture 1" descr="Logo&#10;&#10;Description automatically generated with medium confidence">
+            <a:extLst>
+              <a:ext uri="{FF2B5EF4-FFF2-40B4-BE49-F238E27FC236}">
+                <a16:creationId xmlns:a16="http://schemas.microsoft.com/office/drawing/2014/main" id="{661169E3-5597-08BC-CD34-36619FAD7EBF}"/>
+              </a:ext>
+            </a:extLst>
+          </p:cNvPr>
+          <p:cNvPicPr>
+            <a:picLocks noChangeAspect="1"/>
+          </p:cNvPicPr>
+          <p:nvPr/>
+        </p:nvPicPr>
+        <p:blipFill>
+          <a:blip r:embed="rId2" cstate="print">
+            <a:biLevel thresh="75000"/>
+            <a:extLst>
+              <a:ext uri="{BEBA8EAE-BF5A-486C-A8C5-ECC9F3942E4B}">
+                <a14:imgProps xmlns:a14="http://schemas.microsoft.com/office/drawing/2010/main">
+                  <a14:imgLayer r:embed="rId3">
+                    <a14:imgEffect>
+                      <a14:brightnessContrast bright="-40000" contrast="-40000"/>
+                    </a14:imgEffect>
+                  </a14:imgLayer>
+                </a14:imgProps>
+              </a:ext>
+              <a:ext uri="{28A0092B-C50C-407E-A947-70E740481C1C}">
+                <a14:useLocalDpi xmlns:a14="http://schemas.microsoft.com/office/drawing/2010/main" val="0"/>
+              </a:ext>
+            </a:extLst>
+          </a:blip>
+          <a:stretch>
+            <a:fillRect/>
+          </a:stretch>
+        </p:blipFill>
+        <p:spPr>
+          <a:xfrm>
+            <a:off x="335359" y="6269250"/>
+            <a:ext cx="2664297" cy="344791"/>
+          </a:xfrm>
+          <a:prstGeom prst="rect">
+            <a:avLst/>
+          </a:prstGeom>
+        </p:spPr>
+      </p:pic>
+      <p:grpSp>
+        <p:nvGrpSpPr>
+          <p:cNvPr id="9" name="Group 8">
+            <a:extLst>
+              <a:ext uri="{FF2B5EF4-FFF2-40B4-BE49-F238E27FC236}">
+                <a16:creationId xmlns:a16="http://schemas.microsoft.com/office/drawing/2014/main" id="{56B3184A-7DFD-D1FB-9A22-51CC36991F00}"/>
+              </a:ext>
+            </a:extLst>
+          </p:cNvPr>
+          <p:cNvGrpSpPr/>
+          <p:nvPr/>
+        </p:nvGrpSpPr>
+        <p:grpSpPr>
+          <a:xfrm>
+            <a:off x="4943872" y="6249605"/>
+            <a:ext cx="7030907" cy="408623"/>
+            <a:chOff x="4943872" y="6249605"/>
+            <a:chExt cx="7030907" cy="408623"/>
+          </a:xfrm>
+        </p:grpSpPr>
+        <p:sp>
+          <p:nvSpPr>
+            <p:cNvPr id="10" name="TextBox 9">
+              <a:extLst>
+                <a:ext uri="{FF2B5EF4-FFF2-40B4-BE49-F238E27FC236}">
+                  <a16:creationId xmlns:a16="http://schemas.microsoft.com/office/drawing/2014/main" id="{52F4399D-BF2D-EC3D-8904-2BC356CE4D40}"/>
+                </a:ext>
+              </a:extLst>
+            </p:cNvPr>
+            <p:cNvSpPr txBox="1"/>
+            <p:nvPr/>
+          </p:nvSpPr>
+          <p:spPr>
+            <a:xfrm>
+              <a:off x="4943872" y="6249605"/>
+              <a:ext cx="7030907" cy="408623"/>
+            </a:xfrm>
+            <a:prstGeom prst="roundRect">
+              <a:avLst>
+                <a:gd name="adj" fmla="val 20010"/>
+              </a:avLst>
+            </a:prstGeom>
+            <a:noFill/>
+            <a:ln w="19050">
+              <a:solidFill>
+                <a:srgbClr val="FF0000"/>
+              </a:solidFill>
+            </a:ln>
+          </p:spPr>
+          <p:txBody>
+            <a:bodyPr wrap="square" rtlCol="0" anchor="ctr">
+              <a:spAutoFit/>
+            </a:bodyPr>
+            <a:lstStyle/>
+            <a:p>
+              <a:r>
+                <a:rPr lang="en-GB" dirty="0">
+                  <a:latin typeface="Segoe UI Semibold" panose="020B0702040204020203" pitchFamily="34" charset="0"/>
+                  <a:cs typeface="Segoe UI Semibold" panose="020B0702040204020203" pitchFamily="34" charset="0"/>
+                </a:rPr>
+                <a:t>Please Turn Off/Silence Your Devices </a:t>
+              </a:r>
+              <a:r>
+                <a:rPr lang="zh-TW" altLang="en-US" b="1" dirty="0">
+                  <a:latin typeface="Microsoft JhengHei" panose="020B0604030504040204" pitchFamily="34" charset="-120"/>
+                  <a:ea typeface="Microsoft JhengHei" panose="020B0604030504040204" pitchFamily="34" charset="-120"/>
+                </a:rPr>
+                <a:t>請靜音或關閉所有電子設備</a:t>
+              </a:r>
+              <a:endParaRPr lang="ja-JP" altLang="en-US" b="1" dirty="0">
+                <a:latin typeface="Microsoft JhengHei" panose="020B0604030504040204" pitchFamily="34" charset="-120"/>
+                <a:ea typeface="Microsoft JhengHei" panose="020B0604030504040204" pitchFamily="34" charset="-120"/>
+              </a:endParaRPr>
+            </a:p>
+          </p:txBody>
+        </p:sp>
+        <p:pic>
+          <p:nvPicPr>
+            <p:cNvPr id="11" name="Picture 10" descr="Shape&#10;&#10;Description automatically generated with low confidence">
+              <a:extLst>
+                <a:ext uri="{FF2B5EF4-FFF2-40B4-BE49-F238E27FC236}">
+                  <a16:creationId xmlns:a16="http://schemas.microsoft.com/office/drawing/2014/main" id="{3A24F300-BE0C-7C4E-796D-D0BA005A7BE1}"/>
+                </a:ext>
+              </a:extLst>
+            </p:cNvPr>
+            <p:cNvPicPr>
+              <a:picLocks noChangeAspect="1"/>
+            </p:cNvPicPr>
+            <p:nvPr/>
+          </p:nvPicPr>
+          <p:blipFill>
+            <a:blip r:embed="rId4" cstate="print">
+              <a:extLst>
+                <a:ext uri="{BEBA8EAE-BF5A-486C-A8C5-ECC9F3942E4B}">
+                  <a14:imgProps xmlns:a14="http://schemas.microsoft.com/office/drawing/2010/main">
+                    <a14:imgLayer r:embed="rId5">
+                      <a14:imgEffect>
+                        <a14:colorTemperature colorTemp="11500"/>
+                      </a14:imgEffect>
+                      <a14:imgEffect>
+                        <a14:saturation sat="400000"/>
+                      </a14:imgEffect>
+                      <a14:imgEffect>
+                        <a14:brightnessContrast bright="-40000" contrast="-40000"/>
+                      </a14:imgEffect>
+                    </a14:imgLayer>
+                  </a14:imgProps>
+                </a:ext>
+                <a:ext uri="{28A0092B-C50C-407E-A947-70E740481C1C}">
+                  <a14:useLocalDpi xmlns:a14="http://schemas.microsoft.com/office/drawing/2010/main" val="0"/>
+                </a:ext>
+              </a:extLst>
+            </a:blip>
+            <a:stretch>
+              <a:fillRect/>
+            </a:stretch>
+          </p:blipFill>
+          <p:spPr>
+            <a:xfrm>
+              <a:off x="11658489" y="6309320"/>
+              <a:ext cx="280267" cy="280267"/>
+            </a:xfrm>
+            <a:prstGeom prst="rect">
+              <a:avLst/>
+            </a:prstGeom>
+          </p:spPr>
+        </p:pic>
+      </p:grpSp>
+    </p:spTree>
+  </p:cSld>
+  <p:clrMapOvr>
+    <a:masterClrMapping/>
+  </p:clrMapOvr>
+</p:sld>
+</file>
+
+<file path=ppt/slides/slide6.xml><?xml version="1.0" encoding="utf-8"?>
+<p:sld xmlns:a="http://schemas.openxmlformats.org/drawingml/2006/main" xmlns:r="http://schemas.openxmlformats.org/officeDocument/2006/relationships" xmlns:p="http://schemas.openxmlformats.org/presentationml/2006/main">
+  <p:cSld>
+    <p:spTree>
+      <p:nvGrpSpPr>
+        <p:cNvPr id="1" name=""/>
+        <p:cNvGrpSpPr/>
+        <p:nvPr/>
+      </p:nvGrpSpPr>
+      <p:grpSpPr>
+        <a:xfrm>
+          <a:off x="0" y="0"/>
+          <a:ext cx="0" cy="0"/>
+          <a:chOff x="0" y="0"/>
+          <a:chExt cx="0" cy="0"/>
+        </a:xfrm>
+      </p:grpSpPr>
+      <p:sp>
+        <p:nvSpPr>
+          <p:cNvPr id="12" name="Text Box 12">
+            <a:extLst>
+              <a:ext uri="{FF2B5EF4-FFF2-40B4-BE49-F238E27FC236}">
+                <a16:creationId xmlns:a16="http://schemas.microsoft.com/office/drawing/2014/main" id="{591C97DC-F419-4C94-A84E-E8038EFB7F71}"/>
+              </a:ext>
+            </a:extLst>
+          </p:cNvPr>
+          <p:cNvSpPr txBox="1">
+            <a:spLocks noChangeArrowheads="1"/>
+          </p:cNvSpPr>
+          <p:nvPr/>
+        </p:nvSpPr>
+        <p:spPr bwMode="auto">
+          <a:xfrm>
+            <a:off x="0" y="908720"/>
+            <a:ext cx="12192000" cy="5360530"/>
+          </a:xfrm>
+          <a:prstGeom prst="rect">
+            <a:avLst/>
+          </a:prstGeom>
+          <a:noFill/>
+          <a:ln>
+            <a:noFill/>
+          </a:ln>
+          <a:effectLst/>
+          <a:extLst>
+            <a:ext uri="{909E8E84-426E-40DD-AFC4-6F175D3DCCD1}">
+              <a14:hiddenFill xmlns:a14="http://schemas.microsoft.com/office/drawing/2010/main">
+                <a:solidFill>
+                  <a:schemeClr val="accent1"/>
+                </a:solidFill>
+              </a14:hiddenFill>
+            </a:ext>
+            <a:ext uri="{91240B29-F687-4F45-9708-019B960494DF}">
+              <a14:hiddenLine xmlns:a14="http://schemas.microsoft.com/office/drawing/2010/main" w="9525">
+                <a:solidFill>
+                  <a:schemeClr val="tx1"/>
+                </a:solidFill>
+                <a:miter lim="800000"/>
+                <a:headEnd/>
+                <a:tailEnd/>
+              </a14:hiddenLine>
+            </a:ext>
+            <a:ext uri="{AF507438-7753-43E0-B8FC-AC1667EBCBE1}">
+              <a14:hiddenEffects xmlns:a14="http://schemas.microsoft.com/office/drawing/2010/main">
+                <a:effectLst>
+                  <a:outerShdw dist="35921" dir="2700000" algn="ctr" rotWithShape="0">
+                    <a:schemeClr val="bg2"/>
+                  </a:outerShdw>
+                </a:effectLst>
+              </a14:hiddenEffects>
+            </a:ext>
+          </a:extLst>
+        </p:spPr>
+        <p:txBody>
+          <a:bodyPr wrap="square">
+            <a:noAutofit/>
+          </a:bodyPr>
+          <a:lstStyle/>
+          <a:p>
+            <a:pPr algn="ctr"/>
+            <a:endParaRPr lang="en-GB" altLang="zh-TW" sz="2400" dirty="0">
+              <a:latin typeface="Century Gothic" panose="020B0502020202020204" pitchFamily="34" charset="0"/>
+              <a:ea typeface="金梅新中楷全字體" panose="02010509060101010101" pitchFamily="49" charset="-120"/>
+            </a:endParaRPr>
+          </a:p>
+        </p:txBody>
+      </p:sp>
+      <p:sp>
+        <p:nvSpPr>
+          <p:cNvPr id="13" name="Text Box 12">
+            <a:extLst>
+              <a:ext uri="{FF2B5EF4-FFF2-40B4-BE49-F238E27FC236}">
+                <a16:creationId xmlns:a16="http://schemas.microsoft.com/office/drawing/2014/main" id="{977E556A-8801-4241-B610-C5D48A41FAF4}"/>
+              </a:ext>
+            </a:extLst>
+          </p:cNvPr>
+          <p:cNvSpPr txBox="1">
+            <a:spLocks noChangeArrowheads="1"/>
+          </p:cNvSpPr>
+          <p:nvPr/>
+        </p:nvSpPr>
+        <p:spPr bwMode="auto">
+          <a:xfrm>
+            <a:off x="2615493" y="116632"/>
+            <a:ext cx="6961014" cy="576064"/>
+          </a:xfrm>
+          <a:prstGeom prst="rect">
+            <a:avLst/>
+          </a:prstGeom>
+          <a:noFill/>
+          <a:ln>
+            <a:noFill/>
+          </a:ln>
+          <a:effectLst/>
+          <a:extLst>
+            <a:ext uri="{909E8E84-426E-40DD-AFC4-6F175D3DCCD1}">
+              <a14:hiddenFill xmlns:a14="http://schemas.microsoft.com/office/drawing/2010/main">
+                <a:solidFill>
+                  <a:schemeClr val="accent1"/>
+                </a:solidFill>
+              </a14:hiddenFill>
+            </a:ext>
+            <a:ext uri="{91240B29-F687-4F45-9708-019B960494DF}">
+              <a14:hiddenLine xmlns:a14="http://schemas.microsoft.com/office/drawing/2010/main" w="9525">
+                <a:solidFill>
+                  <a:schemeClr val="tx1"/>
+                </a:solidFill>
+                <a:miter lim="800000"/>
+                <a:headEnd/>
+                <a:tailEnd/>
+              </a14:hiddenLine>
+            </a:ext>
+            <a:ext uri="{AF507438-7753-43E0-B8FC-AC1667EBCBE1}">
+              <a14:hiddenEffects xmlns:a14="http://schemas.microsoft.com/office/drawing/2010/main">
+                <a:effectLst>
+                  <a:outerShdw dist="35921" dir="2700000" algn="ctr" rotWithShape="0">
+                    <a:schemeClr val="bg2"/>
+                  </a:outerShdw>
+                </a:effectLst>
+              </a14:hiddenEffects>
+            </a:ext>
+          </a:extLst>
+        </p:spPr>
+        <p:txBody>
+          <a:bodyPr wrap="square">
+            <a:noAutofit/>
+          </a:bodyPr>
+          <a:lstStyle/>
+          <a:p>
+            <a:pPr algn="ctr"/>
+            <a:r>
+              <a:rPr lang="en-GB" altLang="en-US" sz="4400" b="1" dirty="0">
+                <a:latin typeface="Segoe UI" panose="020B0502040204020203" pitchFamily="34" charset="0"/>
+                <a:cs typeface="Segoe UI" panose="020B0502040204020203" pitchFamily="34" charset="0"/>
+              </a:rPr>
+              <a:t>ANNOUNCEMENTS</a:t>
+            </a:r>
+            <a:r>
+              <a:rPr lang="en-GB" altLang="en-US" sz="4400" b="1" dirty="0">
+                <a:latin typeface="Century Gothic" panose="020B0502020202020204" pitchFamily="34" charset="0"/>
+              </a:rPr>
+              <a:t> </a:t>
+            </a:r>
+            <a:r>
+              <a:rPr lang="zh-TW" altLang="en-US" sz="4400" b="1" dirty="0">
+                <a:latin typeface="Microsoft JhengHei" panose="020B0604030504040204" pitchFamily="34" charset="-120"/>
+                <a:ea typeface="Microsoft JhengHei" panose="020B0604030504040204" pitchFamily="34" charset="-120"/>
+              </a:rPr>
+              <a:t>佈告</a:t>
+            </a:r>
+            <a:endParaRPr lang="en-GB" altLang="zh-TW" sz="4400" b="1" dirty="0">
+              <a:latin typeface="Microsoft JhengHei" panose="020B0604030504040204" pitchFamily="34" charset="-120"/>
+              <a:ea typeface="Microsoft JhengHei" panose="020B0604030504040204" pitchFamily="34" charset="-120"/>
+            </a:endParaRPr>
+          </a:p>
+        </p:txBody>
+      </p:sp>
+      <p:sp>
+        <p:nvSpPr>
+          <p:cNvPr id="14" name="Title 1">
+            <a:extLst>
+              <a:ext uri="{FF2B5EF4-FFF2-40B4-BE49-F238E27FC236}">
+                <a16:creationId xmlns:a16="http://schemas.microsoft.com/office/drawing/2014/main" id="{24CDB64D-DDA9-4535-BAD4-A67954A30EFA}"/>
+              </a:ext>
+            </a:extLst>
+          </p:cNvPr>
+          <p:cNvSpPr>
+            <a:spLocks noGrp="1"/>
+          </p:cNvSpPr>
+          <p:nvPr>
+            <p:ph type="title"/>
+          </p:nvPr>
+        </p:nvSpPr>
+        <p:spPr>
+          <a:xfrm>
+            <a:off x="-8677472" y="1772816"/>
+            <a:ext cx="8229600" cy="1143000"/>
+          </a:xfrm>
+        </p:spPr>
+        <p:txBody>
+          <a:bodyPr/>
+          <a:lstStyle/>
+          <a:p>
+            <a:pPr algn="ctr"/>
+            <a:r>
+              <a:rPr lang="en-GB" dirty="0">
+                <a:latin typeface="Century Gothic" panose="020B0502020202020204" pitchFamily="34" charset="0"/>
+              </a:rPr>
+              <a:t>Announcements</a:t>
+            </a:r>
+          </a:p>
+        </p:txBody>
+      </p:sp>
+      <p:pic>
+        <p:nvPicPr>
+          <p:cNvPr id="2" name="Picture 1" descr="Logo&#10;&#10;Description automatically generated with medium confidence">
+            <a:extLst>
+              <a:ext uri="{FF2B5EF4-FFF2-40B4-BE49-F238E27FC236}">
+                <a16:creationId xmlns:a16="http://schemas.microsoft.com/office/drawing/2014/main" id="{61E44AF9-1DFC-3437-F1FE-0DF85AB4BFB1}"/>
+              </a:ext>
+            </a:extLst>
+          </p:cNvPr>
+          <p:cNvPicPr>
+            <a:picLocks noChangeAspect="1"/>
+          </p:cNvPicPr>
+          <p:nvPr/>
+        </p:nvPicPr>
+        <p:blipFill>
+          <a:blip r:embed="rId2" cstate="print">
+            <a:biLevel thresh="75000"/>
+            <a:extLst>
+              <a:ext uri="{BEBA8EAE-BF5A-486C-A8C5-ECC9F3942E4B}">
+                <a14:imgProps xmlns:a14="http://schemas.microsoft.com/office/drawing/2010/main">
+                  <a14:imgLayer r:embed="rId3">
+                    <a14:imgEffect>
+                      <a14:brightnessContrast bright="-40000" contrast="-40000"/>
+                    </a14:imgEffect>
+                  </a14:imgLayer>
+                </a14:imgProps>
+              </a:ext>
+              <a:ext uri="{28A0092B-C50C-407E-A947-70E740481C1C}">
+                <a14:useLocalDpi xmlns:a14="http://schemas.microsoft.com/office/drawing/2010/main" val="0"/>
+              </a:ext>
+            </a:extLst>
+          </a:blip>
+          <a:stretch>
+            <a:fillRect/>
+          </a:stretch>
+        </p:blipFill>
+        <p:spPr>
+          <a:xfrm>
+            <a:off x="335359" y="6269250"/>
+            <a:ext cx="2664297" cy="344791"/>
+          </a:xfrm>
+          <a:prstGeom prst="rect">
+            <a:avLst/>
+          </a:prstGeom>
+        </p:spPr>
+      </p:pic>
+      <p:grpSp>
+        <p:nvGrpSpPr>
+          <p:cNvPr id="3" name="Group 2">
+            <a:extLst>
+              <a:ext uri="{FF2B5EF4-FFF2-40B4-BE49-F238E27FC236}">
+                <a16:creationId xmlns:a16="http://schemas.microsoft.com/office/drawing/2014/main" id="{37BC86C3-13F2-CA6B-4ED4-09E0FF70E026}"/>
+              </a:ext>
+            </a:extLst>
+          </p:cNvPr>
+          <p:cNvGrpSpPr/>
+          <p:nvPr/>
+        </p:nvGrpSpPr>
+        <p:grpSpPr>
+          <a:xfrm>
+            <a:off x="4943872" y="6249605"/>
+            <a:ext cx="7030907" cy="408623"/>
+            <a:chOff x="4943872" y="6249605"/>
+            <a:chExt cx="7030907" cy="408623"/>
+          </a:xfrm>
+        </p:grpSpPr>
+        <p:sp>
+          <p:nvSpPr>
+            <p:cNvPr id="4" name="TextBox 3">
+              <a:extLst>
+                <a:ext uri="{FF2B5EF4-FFF2-40B4-BE49-F238E27FC236}">
+                  <a16:creationId xmlns:a16="http://schemas.microsoft.com/office/drawing/2014/main" id="{FEB43C20-C417-6234-D984-F8DABFD80BFE}"/>
+                </a:ext>
+              </a:extLst>
+            </p:cNvPr>
+            <p:cNvSpPr txBox="1"/>
+            <p:nvPr/>
+          </p:nvSpPr>
+          <p:spPr>
+            <a:xfrm>
+              <a:off x="4943872" y="6249605"/>
+              <a:ext cx="7030907" cy="408623"/>
+            </a:xfrm>
+            <a:prstGeom prst="roundRect">
+              <a:avLst>
+                <a:gd name="adj" fmla="val 20010"/>
+              </a:avLst>
+            </a:prstGeom>
+            <a:noFill/>
+            <a:ln w="19050">
+              <a:solidFill>
+                <a:srgbClr val="FF0000"/>
+              </a:solidFill>
+            </a:ln>
+          </p:spPr>
+          <p:txBody>
+            <a:bodyPr wrap="square" rtlCol="0" anchor="ctr">
+              <a:spAutoFit/>
+            </a:bodyPr>
+            <a:lstStyle/>
+            <a:p>
+              <a:r>
+                <a:rPr lang="en-GB" dirty="0">
+                  <a:latin typeface="Segoe UI Semibold" panose="020B0702040204020203" pitchFamily="34" charset="0"/>
+                  <a:cs typeface="Segoe UI Semibold" panose="020B0702040204020203" pitchFamily="34" charset="0"/>
+                </a:rPr>
+                <a:t>Please Turn Off/Silence Your Devices </a:t>
+              </a:r>
+              <a:r>
+                <a:rPr lang="zh-TW" altLang="en-US" b="1" dirty="0">
+                  <a:latin typeface="Microsoft JhengHei" panose="020B0604030504040204" pitchFamily="34" charset="-120"/>
+                  <a:ea typeface="Microsoft JhengHei" panose="020B0604030504040204" pitchFamily="34" charset="-120"/>
+                </a:rPr>
+                <a:t>請靜音或關閉所有電子設備</a:t>
+              </a:r>
+              <a:endParaRPr lang="ja-JP" altLang="en-US" b="1" dirty="0">
+                <a:latin typeface="Microsoft JhengHei" panose="020B0604030504040204" pitchFamily="34" charset="-120"/>
+                <a:ea typeface="Microsoft JhengHei" panose="020B0604030504040204" pitchFamily="34" charset="-120"/>
+              </a:endParaRPr>
+            </a:p>
+          </p:txBody>
+        </p:sp>
+        <p:pic>
+          <p:nvPicPr>
+            <p:cNvPr id="8" name="Picture 7" descr="Shape&#10;&#10;Description automatically generated with low confidence">
+              <a:extLst>
+                <a:ext uri="{FF2B5EF4-FFF2-40B4-BE49-F238E27FC236}">
+                  <a16:creationId xmlns:a16="http://schemas.microsoft.com/office/drawing/2014/main" id="{C8293B79-46C3-1DBE-7960-7FEB258BAA00}"/>
+                </a:ext>
+              </a:extLst>
+            </p:cNvPr>
+            <p:cNvPicPr>
+              <a:picLocks noChangeAspect="1"/>
+            </p:cNvPicPr>
+            <p:nvPr/>
+          </p:nvPicPr>
+          <p:blipFill>
+            <a:blip r:embed="rId4" cstate="print">
+              <a:extLst>
+                <a:ext uri="{BEBA8EAE-BF5A-486C-A8C5-ECC9F3942E4B}">
+                  <a14:imgProps xmlns:a14="http://schemas.microsoft.com/office/drawing/2010/main">
+                    <a14:imgLayer r:embed="rId5">
+                      <a14:imgEffect>
+                        <a14:colorTemperature colorTemp="11500"/>
+                      </a14:imgEffect>
+                      <a14:imgEffect>
+                        <a14:saturation sat="400000"/>
+                      </a14:imgEffect>
+                      <a14:imgEffect>
+                        <a14:brightnessContrast bright="-40000" contrast="-40000"/>
                       </a14:imgEffect>
                     </a14:imgLayer>
                   </a14:imgProps>
@@ -5697,17 +7334,9 @@
 </p:sld>
 </file>
 
-<file path=ppt/slides/slide4.xml><?xml version="1.0" encoding="utf-8"?>
+<file path=ppt/slides/slide7.xml><?xml version="1.0" encoding="utf-8"?>
 <p:sld xmlns:a="http://schemas.openxmlformats.org/drawingml/2006/main" xmlns:r="http://schemas.openxmlformats.org/officeDocument/2006/relationships" xmlns:p="http://schemas.openxmlformats.org/presentationml/2006/main">
   <p:cSld>
-    <p:bg>
-      <p:bgPr>
-        <a:solidFill>
-          <a:schemeClr val="tx1"/>
-        </a:solidFill>
-        <a:effectLst/>
-      </p:bgPr>
-    </p:bg>
     <p:spTree>
       <p:nvGrpSpPr>
         <p:cNvPr id="1" name=""/>
@@ -5743,10 +7372,9 @@
             <a:avLst/>
           </a:prstGeom>
           <a:solidFill>
-            <a:schemeClr val="tx1">
-              <a:lumMod val="65000"/>
-              <a:lumOff val="35000"/>
-            </a:schemeClr>
+            <a:srgbClr val="BFBFBF">
+              <a:alpha val="50196"/>
+            </a:srgbClr>
           </a:solidFill>
           <a:ln>
             <a:noFill/>
@@ -5773,16 +7401,20 @@
           <a:lstStyle/>
           <a:p>
             <a:pPr algn="ctr"/>
-            <a:endParaRPr lang="en-GB"/>
-          </a:p>
-        </p:txBody>
-      </p:sp>
-      <p:sp>
-        <p:nvSpPr>
-          <p:cNvPr id="6" name="TextBox 5">
+            <a:endParaRPr lang="en-GB">
+              <a:solidFill>
+                <a:schemeClr val="tx1"/>
+              </a:solidFill>
+            </a:endParaRPr>
+          </a:p>
+        </p:txBody>
+      </p:sp>
+      <p:sp>
+        <p:nvSpPr>
+          <p:cNvPr id="5" name="TextBox 4">
             <a:extLst>
               <a:ext uri="{FF2B5EF4-FFF2-40B4-BE49-F238E27FC236}">
-                <a16:creationId xmlns:a16="http://schemas.microsoft.com/office/drawing/2014/main" id="{955D95AD-4773-FC73-1AF7-7F4E685AEB24}"/>
+                <a16:creationId xmlns:a16="http://schemas.microsoft.com/office/drawing/2014/main" id="{B2D51502-57FE-8887-4DC6-7A176EDB3285}"/>
               </a:ext>
             </a:extLst>
           </p:cNvPr>
@@ -5791,8 +7423,8 @@
         </p:nvSpPr>
         <p:spPr>
           <a:xfrm>
-            <a:off x="-2" y="2875583"/>
-            <a:ext cx="5118640" cy="769441"/>
+            <a:off x="-17334" y="2132856"/>
+            <a:ext cx="5118640" cy="979242"/>
           </a:xfrm>
           <a:prstGeom prst="rect">
             <a:avLst/>
@@ -5805,60 +7437,17 @@
           </a:bodyPr>
           <a:lstStyle/>
           <a:p>
-            <a:pPr algn="ctr"/>
+            <a:pPr algn="ctr">
+              <a:lnSpc>
+                <a:spcPct val="150000"/>
+              </a:lnSpc>
+            </a:pPr>
             <a:r>
               <a:rPr lang="en-GB" sz="4400" dirty="0">
-                <a:solidFill>
-                  <a:schemeClr val="accent1">
-                    <a:lumMod val="20000"/>
-                    <a:lumOff val="80000"/>
-                  </a:schemeClr>
-                </a:solidFill>
                 <a:latin typeface="Century Gothic" panose="020B0502020202020204" pitchFamily="34" charset="0"/>
                 <a:cs typeface="Segoe UI" panose="020B0502040204020203" pitchFamily="34" charset="0"/>
               </a:rPr>
-              <a:t>Hymns</a:t>
-            </a:r>
-            <a:r>
-              <a:rPr lang="en-GB" sz="4400" dirty="0">
-                <a:solidFill>
-                  <a:schemeClr val="accent1">
-                    <a:lumMod val="20000"/>
-                    <a:lumOff val="80000"/>
-                  </a:schemeClr>
-                </a:solidFill>
-                <a:latin typeface="Microsoft JhengHei" panose="020B0604030504040204" pitchFamily="34" charset="-120"/>
-                <a:ea typeface="Microsoft JhengHei" panose="020B0604030504040204" pitchFamily="34" charset="-120"/>
-                <a:cs typeface="Segoe UI" panose="020B0502040204020203" pitchFamily="34" charset="0"/>
-              </a:rPr>
-              <a:t> </a:t>
-            </a:r>
-            <a:r>
-              <a:rPr lang="ja-JP" altLang="en-US" sz="4400" dirty="0">
-                <a:solidFill>
-                  <a:schemeClr val="accent1">
-                    <a:lumMod val="20000"/>
-                    <a:lumOff val="80000"/>
-                  </a:schemeClr>
-                </a:solidFill>
-                <a:latin typeface="Microsoft JhengHei" panose="020B0604030504040204" pitchFamily="34" charset="-120"/>
-                <a:ea typeface="Microsoft JhengHei" panose="020B0604030504040204" pitchFamily="34" charset="-120"/>
-                <a:cs typeface="Segoe UI" panose="020B0502040204020203" pitchFamily="34" charset="0"/>
-              </a:rPr>
-              <a:t>詩</a:t>
-            </a:r>
-            <a:r>
-              <a:rPr lang="en-GB" sz="4400" dirty="0">
-                <a:solidFill>
-                  <a:schemeClr val="accent1">
-                    <a:lumMod val="20000"/>
-                    <a:lumOff val="80000"/>
-                  </a:schemeClr>
-                </a:solidFill>
-                <a:latin typeface="Century Gothic" panose="020B0502020202020204" pitchFamily="34" charset="0"/>
-                <a:cs typeface="Segoe UI" panose="020B0502040204020203" pitchFamily="34" charset="0"/>
-              </a:rPr>
-              <a:t>: </a:t>
+              <a:t>HYMN No</a:t>
             </a:r>
           </a:p>
         </p:txBody>
@@ -5878,7 +7467,7 @@
         <p:spPr>
           <a:xfrm>
             <a:off x="5118637" y="917319"/>
-            <a:ext cx="7073362" cy="576120"/>
+            <a:ext cx="7073362" cy="737318"/>
           </a:xfrm>
           <a:prstGeom prst="rect">
             <a:avLst/>
@@ -5897,10 +7486,7 @@
               </a:lnSpc>
             </a:pPr>
             <a:r>
-              <a:rPr lang="en-GB" sz="2400" dirty="0">
-                <a:solidFill>
-                  <a:schemeClr val="bg1"/>
-                </a:solidFill>
+              <a:rPr lang="en-GB" sz="3200" dirty="0">
                 <a:latin typeface="Century Gothic" panose="020B0502020202020204" pitchFamily="34" charset="0"/>
               </a:rPr>
               <a:t>-</a:t>
@@ -5923,7 +7509,7 @@
         <p:spPr>
           <a:xfrm>
             <a:off x="5118637" y="3983735"/>
-            <a:ext cx="7073362" cy="576120"/>
+            <a:ext cx="7073362" cy="737318"/>
           </a:xfrm>
           <a:prstGeom prst="rect">
             <a:avLst/>
@@ -5942,10 +7528,7 @@
               </a:lnSpc>
             </a:pPr>
             <a:r>
-              <a:rPr lang="en-GB" sz="2400" dirty="0">
-                <a:solidFill>
-                  <a:schemeClr val="bg1"/>
-                </a:solidFill>
+              <a:rPr lang="en-GB" sz="3200" dirty="0">
                 <a:latin typeface="Century Gothic" panose="020B0502020202020204" pitchFamily="34" charset="0"/>
               </a:rPr>
               <a:t>-</a:t>
@@ -5969,7 +7552,7 @@
         </p:nvSpPr>
         <p:spPr bwMode="auto">
           <a:xfrm>
-            <a:off x="291066" y="1132261"/>
+            <a:off x="291066" y="251641"/>
             <a:ext cx="4536504" cy="1377159"/>
           </a:xfrm>
           <a:prstGeom prst="rect">
@@ -6017,30 +7600,21 @@
           <a:p>
             <a:pPr algn="ctr"/>
             <a:r>
-              <a:rPr lang="en-GB" altLang="en-US" sz="4000" b="1" dirty="0">
-                <a:solidFill>
-                  <a:schemeClr val="bg1"/>
-                </a:solidFill>
+              <a:rPr lang="en-GB" altLang="en-US" sz="3600" b="1" dirty="0">
                 <a:latin typeface="Segoe UI" panose="020B0502040204020203" pitchFamily="34" charset="0"/>
                 <a:cs typeface="Segoe UI" panose="020B0502040204020203" pitchFamily="34" charset="0"/>
               </a:rPr>
-              <a:t>Holy Communion </a:t>
-            </a:r>
-            <a:r>
-              <a:rPr lang="ja-JP" altLang="en-US" sz="4000" b="1" i="0" dirty="0">
-                <a:solidFill>
-                  <a:schemeClr val="bg1"/>
-                </a:solidFill>
+              <a:t>HOLY COMMUNION</a:t>
+            </a:r>
+            <a:r>
+              <a:rPr lang="ja-JP" altLang="en-US" sz="3600" b="1" i="0" dirty="0">
                 <a:effectLst/>
                 <a:latin typeface="Microsoft JhengHei" panose="020B0604030504040204" pitchFamily="34" charset="-120"/>
                 <a:ea typeface="Microsoft JhengHei" panose="020B0604030504040204" pitchFamily="34" charset="-120"/>
               </a:rPr>
               <a:t>聖餐典禮</a:t>
             </a:r>
-            <a:endParaRPr lang="en-GB" altLang="zh-TW" sz="4000" b="1" dirty="0">
-              <a:solidFill>
-                <a:schemeClr val="bg1"/>
-              </a:solidFill>
+            <a:endParaRPr lang="en-GB" altLang="zh-TW" sz="3600" b="1" dirty="0">
               <a:latin typeface="Microsoft JhengHei" panose="020B0604030504040204" pitchFamily="34" charset="-120"/>
               <a:ea typeface="Microsoft JhengHei" panose="020B0604030504040204" pitchFamily="34" charset="-120"/>
             </a:endParaRPr>
@@ -6076,12 +7650,71 @@
             <a:pPr algn="ctr"/>
             <a:r>
               <a:rPr lang="en-GB" dirty="0">
-                <a:solidFill>
-                  <a:schemeClr val="bg1"/>
-                </a:solidFill>
                 <a:latin typeface="Century Gothic" panose="020B0502020202020204" pitchFamily="34" charset="0"/>
               </a:rPr>
               <a:t>Holy Communion</a:t>
+            </a:r>
+          </a:p>
+        </p:txBody>
+      </p:sp>
+      <p:sp>
+        <p:nvSpPr>
+          <p:cNvPr id="6" name="TextBox 5">
+            <a:extLst>
+              <a:ext uri="{FF2B5EF4-FFF2-40B4-BE49-F238E27FC236}">
+                <a16:creationId xmlns:a16="http://schemas.microsoft.com/office/drawing/2014/main" id="{955D95AD-4773-FC73-1AF7-7F4E685AEB24}"/>
+              </a:ext>
+            </a:extLst>
+          </p:cNvPr>
+          <p:cNvSpPr txBox="1"/>
+          <p:nvPr/>
+        </p:nvSpPr>
+        <p:spPr>
+          <a:xfrm>
+            <a:off x="-17334" y="1556792"/>
+            <a:ext cx="5118640" cy="584775"/>
+          </a:xfrm>
+          <a:prstGeom prst="rect">
+            <a:avLst/>
+          </a:prstGeom>
+          <a:noFill/>
+        </p:spPr>
+        <p:txBody>
+          <a:bodyPr wrap="square" rtlCol="0">
+            <a:spAutoFit/>
+          </a:bodyPr>
+          <a:lstStyle/>
+          <a:p>
+            <a:pPr algn="ctr"/>
+            <a:r>
+              <a:rPr lang="en-GB" sz="3200" u="sng" dirty="0">
+                <a:latin typeface="Century Gothic" panose="020B0502020202020204" pitchFamily="34" charset="0"/>
+                <a:cs typeface="Segoe UI" panose="020B0502040204020203" pitchFamily="34" charset="0"/>
+              </a:rPr>
+              <a:t>Hymns</a:t>
+            </a:r>
+            <a:r>
+              <a:rPr lang="en-GB" sz="3200" u="sng" dirty="0">
+                <a:latin typeface="Microsoft JhengHei" panose="020B0604030504040204" pitchFamily="34" charset="-120"/>
+                <a:ea typeface="Microsoft JhengHei" panose="020B0604030504040204" pitchFamily="34" charset="-120"/>
+                <a:cs typeface="Segoe UI" panose="020B0502040204020203" pitchFamily="34" charset="0"/>
+              </a:rPr>
+              <a:t> </a:t>
+            </a:r>
+            <a:r>
+              <a:rPr lang="ja-JP" altLang="en-US" sz="3200" u="sng" dirty="0">
+                <a:latin typeface="Microsoft JhengHei" panose="020B0604030504040204" pitchFamily="34" charset="-120"/>
+                <a:ea typeface="Microsoft JhengHei" panose="020B0604030504040204" pitchFamily="34" charset="-120"/>
+                <a:cs typeface="Segoe UI" panose="020B0502040204020203" pitchFamily="34" charset="0"/>
+              </a:rPr>
+              <a:t>詩</a:t>
+            </a:r>
+            <a:r>
+              <a:rPr lang="en-GB" sz="3200" u="sng" dirty="0">
+                <a:latin typeface="Century Gothic" panose="020B0502020202020204" pitchFamily="34" charset="0"/>
+                <a:cs typeface="Segoe UI" panose="020B0502040204020203" pitchFamily="34" charset="0"/>
+              </a:rPr>
+              <a:t> </a:t>
             </a:r>
           </a:p>
         </p:txBody>
@@ -6121,12 +7754,10 @@
             </a:pPr>
             <a:r>
               <a:rPr lang="en-GB" sz="3200" b="1" dirty="0">
-                <a:solidFill>
-                  <a:schemeClr val="bg1"/>
-                </a:solidFill>
-                <a:latin typeface="Century Gothic" panose="020B0502020202020204" pitchFamily="34" charset="0"/>
+                <a:latin typeface="Segoe UI" panose="020B0502040204020203" pitchFamily="34" charset="0"/>
+                <a:cs typeface="Segoe UI" panose="020B0502040204020203" pitchFamily="34" charset="0"/>
               </a:rPr>
-              <a:t>Bread:</a:t>
+              <a:t>BREAD</a:t>
             </a:r>
           </a:p>
         </p:txBody>
@@ -6166,22 +7797,20 @@
             </a:pPr>
             <a:r>
               <a:rPr lang="en-GB" sz="3200" b="1" dirty="0">
-                <a:solidFill>
-                  <a:schemeClr val="bg1"/>
-                </a:solidFill>
-                <a:latin typeface="Century Gothic" panose="020B0502020202020204" pitchFamily="34" charset="0"/>
+                <a:latin typeface="Segoe UI" panose="020B0502040204020203" pitchFamily="34" charset="0"/>
+                <a:cs typeface="Segoe UI" panose="020B0502040204020203" pitchFamily="34" charset="0"/>
               </a:rPr>
-              <a:t>Cup:</a:t>
+              <a:t>CUP</a:t>
             </a:r>
           </a:p>
         </p:txBody>
       </p:sp>
       <p:pic>
         <p:nvPicPr>
-          <p:cNvPr id="10" name="Picture 9" descr="Logo&#10;&#10;Description automatically generated with medium confidence">
+          <p:cNvPr id="3" name="Picture 2" descr="Logo&#10;&#10;Description automatically generated with medium confidence">
             <a:extLst>
               <a:ext uri="{FF2B5EF4-FFF2-40B4-BE49-F238E27FC236}">
-                <a16:creationId xmlns:a16="http://schemas.microsoft.com/office/drawing/2014/main" id="{15BFF19F-AA9C-229D-A100-E7ADFDA9412E}"/>
+                <a16:creationId xmlns:a16="http://schemas.microsoft.com/office/drawing/2014/main" id="{F7D8E68C-15A3-8305-1DC9-3743B7075A6E}"/>
               </a:ext>
             </a:extLst>
           </p:cNvPr>
@@ -6192,7 +7821,17 @@
         </p:nvPicPr>
         <p:blipFill>
           <a:blip r:embed="rId2" cstate="print">
+            <a:biLevel thresh="75000"/>
             <a:extLst>
+              <a:ext uri="{BEBA8EAE-BF5A-486C-A8C5-ECC9F3942E4B}">
+                <a14:imgProps xmlns:a14="http://schemas.microsoft.com/office/drawing/2010/main">
+                  <a14:imgLayer r:embed="rId3">
+                    <a14:imgEffect>
+                      <a14:brightnessContrast bright="-40000" contrast="-40000"/>
+                    </a14:imgEffect>
+                  </a14:imgLayer>
+                </a14:imgProps>
+              </a:ext>
               <a:ext uri="{28A0092B-C50C-407E-A947-70E740481C1C}">
                 <a14:useLocalDpi xmlns:a14="http://schemas.microsoft.com/office/drawing/2010/main" val="0"/>
               </a:ext>
@@ -6225,17 +7864,9 @@
 </p:sld>
 </file>
 
-<file path=ppt/slides/slide5.xml><?xml version="1.0" encoding="utf-8"?>
+<file path=ppt/slides/slide8.xml><?xml version="1.0" encoding="utf-8"?>
 <p:sld xmlns:a="http://schemas.openxmlformats.org/drawingml/2006/main" xmlns:r="http://schemas.openxmlformats.org/officeDocument/2006/relationships" xmlns:p="http://schemas.openxmlformats.org/presentationml/2006/main">
   <p:cSld>
-    <p:bg>
-      <p:bgPr>
-        <a:solidFill>
-          <a:schemeClr val="tx1"/>
-        </a:solidFill>
-        <a:effectLst/>
-      </p:bgPr>
-    </p:bg>
     <p:spTree>
       <p:nvGrpSpPr>
         <p:cNvPr id="1" name=""/>
@@ -6275,17 +7906,11 @@
             <a:pPr algn="ctr"/>
             <a:r>
               <a:rPr lang="en-GB" altLang="en-US" dirty="0">
-                <a:solidFill>
-                  <a:schemeClr val="bg1"/>
-                </a:solidFill>
                 <a:latin typeface="Century Gothic" panose="020B0502020202020204" pitchFamily="34" charset="0"/>
               </a:rPr>
               <a:t>How to Pray</a:t>
             </a:r>
             <a:endParaRPr lang="en-GB" altLang="en-US" dirty="0">
-              <a:solidFill>
-                <a:schemeClr val="bg1"/>
-              </a:solidFill>
               <a:latin typeface="Century Gothic" panose="020B0502020202020204" pitchFamily="34" charset="0"/>
               <a:ea typeface="金梅新中楷全字體" pitchFamily="49" charset="-120"/>
             </a:endParaRPr>
@@ -6317,9 +7942,6 @@
             <a:pPr algn="ctr"/>
             <a:r>
               <a:rPr lang="en-GB" altLang="en-US" sz="2800" b="1" dirty="0">
-                <a:solidFill>
-                  <a:schemeClr val="bg1"/>
-                </a:solidFill>
                 <a:latin typeface="Segoe UI" panose="020B0502040204020203" pitchFamily="34" charset="0"/>
                 <a:cs typeface="Segoe UI" panose="020B0502040204020203" pitchFamily="34" charset="0"/>
               </a:rPr>
@@ -6327,26 +7949,17 @@
             </a:r>
             <a:br>
               <a:rPr lang="en-GB" altLang="en-US" sz="2800" b="1" dirty="0">
-                <a:solidFill>
-                  <a:schemeClr val="bg1"/>
-                </a:solidFill>
                 <a:latin typeface="Century Gothic" panose="020B0502020202020204" pitchFamily="34" charset="0"/>
               </a:rPr>
             </a:br>
             <a:r>
               <a:rPr lang="zh-TW" altLang="en-US" sz="2800" b="1" dirty="0">
-                <a:solidFill>
-                  <a:schemeClr val="bg1"/>
-                </a:solidFill>
                 <a:latin typeface="Microsoft JhengHei" panose="020B0604030504040204" pitchFamily="34" charset="-120"/>
                 <a:ea typeface="Microsoft JhengHei" panose="020B0604030504040204" pitchFamily="34" charset="-120"/>
               </a:rPr>
               <a:t>歡迎光臨真耶穌教會，請跟我們一起禱告</a:t>
             </a:r>
             <a:endParaRPr lang="en-GB" sz="2800" b="1" dirty="0">
-              <a:solidFill>
-                <a:schemeClr val="bg1"/>
-              </a:solidFill>
               <a:latin typeface="Century Gothic" panose="020B0502020202020204" pitchFamily="34" charset="0"/>
               <a:ea typeface="金梅新中楷全字體" pitchFamily="49" charset="-120"/>
             </a:endParaRPr>
@@ -6384,9 +7997,6 @@
             <a:pPr algn="l"/>
             <a:r>
               <a:rPr lang="en-GB" sz="2400" i="0" dirty="0">
-                <a:solidFill>
-                  <a:srgbClr val="FFFFFF"/>
-                </a:solidFill>
                 <a:effectLst/>
                 <a:latin typeface="Century Gothic" panose="020B0502020202020204" pitchFamily="34" charset="0"/>
               </a:rPr>
@@ -6397,9 +8007,6 @@
             <a:pPr algn="l"/>
             <a:r>
               <a:rPr lang="en-GB" sz="2400" i="0" dirty="0">
-                <a:solidFill>
-                  <a:srgbClr val="FFFFFF"/>
-                </a:solidFill>
                 <a:effectLst/>
                 <a:latin typeface="Century Gothic" panose="020B0502020202020204" pitchFamily="34" charset="0"/>
               </a:rPr>
@@ -6410,9 +8017,6 @@
             <a:pPr algn="l"/>
             <a:r>
               <a:rPr lang="en-GB" sz="2400" i="0" dirty="0">
-                <a:solidFill>
-                  <a:srgbClr val="FFFFFF"/>
-                </a:solidFill>
                 <a:effectLst/>
                 <a:latin typeface="Century Gothic" panose="020B0502020202020204" pitchFamily="34" charset="0"/>
               </a:rPr>
@@ -6421,7 +8025,9 @@
             <a:r>
               <a:rPr lang="en-GB" sz="2400" b="1" i="1" dirty="0">
                 <a:solidFill>
-                  <a:srgbClr val="DAF5FF"/>
+                  <a:schemeClr val="accent1">
+                    <a:lumMod val="50000"/>
+                  </a:schemeClr>
                 </a:solidFill>
                 <a:effectLst/>
                 <a:latin typeface="Century Gothic" panose="020B0502020202020204" pitchFamily="34" charset="0"/>
@@ -6430,7 +8036,9 @@
             </a:r>
             <a:endParaRPr lang="en-GB" sz="2400" b="1" i="0" dirty="0">
               <a:solidFill>
-                <a:srgbClr val="FFFFFF"/>
+                <a:schemeClr val="accent1">
+                  <a:lumMod val="50000"/>
+                </a:schemeClr>
               </a:solidFill>
               <a:effectLst/>
               <a:latin typeface="Century Gothic" panose="020B0502020202020204" pitchFamily="34" charset="0"/>
@@ -6440,9 +8048,6 @@
             <a:pPr algn="l"/>
             <a:r>
               <a:rPr lang="en-GB" sz="2400" i="0" dirty="0">
-                <a:solidFill>
-                  <a:srgbClr val="FFFFFF"/>
-                </a:solidFill>
                 <a:effectLst/>
                 <a:latin typeface="Century Gothic" panose="020B0502020202020204" pitchFamily="34" charset="0"/>
               </a:rPr>
@@ -6451,7 +8056,9 @@
             <a:r>
               <a:rPr lang="en-GB" sz="2400" b="1" i="1" dirty="0">
                 <a:solidFill>
-                  <a:srgbClr val="DAF5FF"/>
+                  <a:schemeClr val="accent1">
+                    <a:lumMod val="50000"/>
+                  </a:schemeClr>
                 </a:solidFill>
                 <a:effectLst/>
                 <a:latin typeface="Century Gothic" panose="020B0502020202020204" pitchFamily="34" charset="0"/>
@@ -6460,7 +8067,9 @@
             </a:r>
             <a:endParaRPr lang="en-GB" sz="2400" b="1" i="0" dirty="0">
               <a:solidFill>
-                <a:srgbClr val="FFFFFF"/>
+                <a:schemeClr val="accent1">
+                  <a:lumMod val="50000"/>
+                </a:schemeClr>
               </a:solidFill>
               <a:effectLst/>
               <a:latin typeface="Century Gothic" panose="020B0502020202020204" pitchFamily="34" charset="0"/>
@@ -6470,9 +8079,6 @@
             <a:pPr algn="l"/>
             <a:r>
               <a:rPr lang="en-GB" sz="2400" i="0" dirty="0">
-                <a:solidFill>
-                  <a:srgbClr val="FFFFFF"/>
-                </a:solidFill>
                 <a:effectLst/>
                 <a:latin typeface="Century Gothic" panose="020B0502020202020204" pitchFamily="34" charset="0"/>
               </a:rPr>
@@ -6483,9 +8089,6 @@
             <a:pPr algn="l"/>
             <a:r>
               <a:rPr lang="en-GB" sz="2400" i="0" dirty="0">
-                <a:solidFill>
-                  <a:srgbClr val="FFFFFF"/>
-                </a:solidFill>
                 <a:effectLst/>
                 <a:latin typeface="Century Gothic" panose="020B0502020202020204" pitchFamily="34" charset="0"/>
               </a:rPr>
@@ -6494,7 +8097,9 @@
             <a:r>
               <a:rPr lang="en-GB" sz="2400" b="1" i="1" dirty="0">
                 <a:solidFill>
-                  <a:srgbClr val="DAF5FF"/>
+                  <a:schemeClr val="accent1">
+                    <a:lumMod val="50000"/>
+                  </a:schemeClr>
                 </a:solidFill>
                 <a:effectLst/>
                 <a:latin typeface="Century Gothic" panose="020B0502020202020204" pitchFamily="34" charset="0"/>
@@ -6503,7 +8108,9 @@
             </a:r>
             <a:endParaRPr lang="en-GB" sz="2400" b="1" i="0" dirty="0">
               <a:solidFill>
-                <a:srgbClr val="FFFFFF"/>
+                <a:schemeClr val="accent1">
+                  <a:lumMod val="50000"/>
+                </a:schemeClr>
               </a:solidFill>
               <a:effectLst/>
               <a:latin typeface="Century Gothic" panose="020B0502020202020204" pitchFamily="34" charset="0"/>
@@ -6542,47 +8149,119 @@
             <a:pPr algn="l"/>
             <a:r>
               <a:rPr lang="zh-TW" altLang="en-US" sz="3200" i="0" dirty="0">
+                <a:effectLst/>
+                <a:latin typeface="Microsoft JhengHei" panose="020B0604030504040204" pitchFamily="34" charset="-120"/>
+                <a:ea typeface="Microsoft JhengHei" panose="020B0604030504040204" pitchFamily="34" charset="-120"/>
+              </a:rPr>
+              <a:t>虔誠地跪下</a:t>
+            </a:r>
+          </a:p>
+          <a:p>
+            <a:pPr algn="l"/>
+            <a:r>
+              <a:rPr lang="zh-TW" altLang="en-US" sz="3200" i="0" dirty="0">
+                <a:effectLst/>
+                <a:latin typeface="Microsoft JhengHei" panose="020B0604030504040204" pitchFamily="34" charset="-120"/>
+                <a:ea typeface="Microsoft JhengHei" panose="020B0604030504040204" pitchFamily="34" charset="-120"/>
+              </a:rPr>
+              <a:t>閉上眼睛專心預備</a:t>
+            </a:r>
+          </a:p>
+          <a:p>
+            <a:pPr algn="l"/>
+            <a:r>
+              <a:rPr lang="zh-TW" altLang="en-US" sz="3200" i="0" dirty="0">
+                <a:effectLst/>
+                <a:latin typeface="Microsoft JhengHei" panose="020B0604030504040204" pitchFamily="34" charset="-120"/>
+                <a:ea typeface="Microsoft JhengHei" panose="020B0604030504040204" pitchFamily="34" charset="-120"/>
+              </a:rPr>
+              <a:t>先唸</a:t>
+            </a:r>
+            <a:r>
+              <a:rPr lang="en-US" altLang="zh-TW" sz="3200" i="0" dirty="0">
+                <a:effectLst/>
+                <a:latin typeface="Microsoft JhengHei" panose="020B0604030504040204" pitchFamily="34" charset="-120"/>
+                <a:ea typeface="Microsoft JhengHei" panose="020B0604030504040204" pitchFamily="34" charset="-120"/>
+              </a:rPr>
+              <a:t>, </a:t>
+            </a:r>
+            <a:r>
+              <a:rPr lang="en-US" altLang="zh-TW" sz="3200" b="1" i="0" dirty="0">
                 <a:solidFill>
-                  <a:srgbClr val="FFFFFF"/>
+                  <a:schemeClr val="accent1">
+                    <a:lumMod val="50000"/>
+                  </a:schemeClr>
                 </a:solidFill>
                 <a:effectLst/>
                 <a:latin typeface="Microsoft JhengHei" panose="020B0604030504040204" pitchFamily="34" charset="-120"/>
                 <a:ea typeface="Microsoft JhengHei" panose="020B0604030504040204" pitchFamily="34" charset="-120"/>
               </a:rPr>
-              <a:t>虔誠地跪下</a:t>
-            </a:r>
-          </a:p>
-          <a:p>
-            <a:pPr algn="l"/>
-            <a:r>
-              <a:rPr lang="zh-TW" altLang="en-US" sz="3200" i="0" dirty="0">
+              <a:t>“</a:t>
+            </a:r>
+            <a:r>
+              <a:rPr lang="zh-TW" altLang="en-US" sz="3200" b="1" i="0" dirty="0">
                 <a:solidFill>
-                  <a:srgbClr val="FFFFFF"/>
+                  <a:schemeClr val="accent1">
+                    <a:lumMod val="50000"/>
+                  </a:schemeClr>
                 </a:solidFill>
                 <a:effectLst/>
                 <a:latin typeface="Microsoft JhengHei" panose="020B0604030504040204" pitchFamily="34" charset="-120"/>
                 <a:ea typeface="Microsoft JhengHei" panose="020B0604030504040204" pitchFamily="34" charset="-120"/>
               </a:rPr>
-              <a:t>閉上眼睛專心預備</a:t>
+              <a:t>奉主耶穌聖名禱告”</a:t>
             </a:r>
           </a:p>
           <a:p>
             <a:pPr algn="l"/>
             <a:r>
               <a:rPr lang="zh-TW" altLang="en-US" sz="3200" i="0" dirty="0">
+                <a:effectLst/>
+                <a:latin typeface="Microsoft JhengHei" panose="020B0604030504040204" pitchFamily="34" charset="-120"/>
+                <a:ea typeface="Microsoft JhengHei" panose="020B0604030504040204" pitchFamily="34" charset="-120"/>
+              </a:rPr>
+              <a:t>重複唸</a:t>
+            </a:r>
+            <a:r>
+              <a:rPr lang="en-US" altLang="zh-TW" sz="3200" i="0" dirty="0">
+                <a:effectLst/>
+                <a:latin typeface="Microsoft JhengHei" panose="020B0604030504040204" pitchFamily="34" charset="-120"/>
+                <a:ea typeface="Microsoft JhengHei" panose="020B0604030504040204" pitchFamily="34" charset="-120"/>
+              </a:rPr>
+              <a:t>, </a:t>
+            </a:r>
+            <a:r>
+              <a:rPr lang="en-US" altLang="zh-TW" sz="3200" b="1" i="0" dirty="0">
                 <a:solidFill>
-                  <a:srgbClr val="FFFFFF"/>
+                  <a:schemeClr val="accent1">
+                    <a:lumMod val="50000"/>
+                  </a:schemeClr>
                 </a:solidFill>
                 <a:effectLst/>
                 <a:latin typeface="Microsoft JhengHei" panose="020B0604030504040204" pitchFamily="34" charset="-120"/>
                 <a:ea typeface="Microsoft JhengHei" panose="020B0604030504040204" pitchFamily="34" charset="-120"/>
               </a:rPr>
-              <a:t>先唸</a:t>
-            </a:r>
-            <a:r>
-              <a:rPr lang="en-US" altLang="zh-TW" sz="3200" i="0" dirty="0">
+              <a:t>“</a:t>
+            </a:r>
+            <a:r>
+              <a:rPr lang="zh-TW" altLang="en-US" sz="3200" b="1" i="0" dirty="0">
                 <a:solidFill>
-                  <a:srgbClr val="FFFFFF"/>
+                  <a:schemeClr val="accent1">
+                    <a:lumMod val="50000"/>
+                  </a:schemeClr>
+                </a:solidFill>
+                <a:effectLst/>
+                <a:latin typeface="Microsoft JhengHei" panose="020B0604030504040204" pitchFamily="34" charset="-120"/>
+                <a:ea typeface="Microsoft JhengHei" panose="020B0604030504040204" pitchFamily="34" charset="-120"/>
+              </a:rPr>
+              <a:t>哈利路亞</a:t>
+            </a:r>
+            <a:r>
+              <a:rPr lang="en-US" altLang="zh-TW" sz="3200" b="1" i="0" dirty="0">
+                <a:solidFill>
+                  <a:schemeClr val="accent1">
+                    <a:lumMod val="50000"/>
+                  </a:schemeClr>
                 </a:solidFill>
                 <a:effectLst/>
                 <a:latin typeface="Microsoft JhengHei" panose="020B0604030504040204" pitchFamily="34" charset="-120"/>
@@ -6591,89 +8270,11 @@
               <a:t>, </a:t>
             </a:r>
             <a:r>
-              <a:rPr lang="en-US" altLang="zh-TW" sz="3200" b="1" i="0" dirty="0">
-                <a:solidFill>
-                  <a:srgbClr val="DAF5FF"/>
-                </a:solidFill>
-                <a:effectLst/>
-                <a:latin typeface="Microsoft JhengHei" panose="020B0604030504040204" pitchFamily="34" charset="-120"/>
-                <a:ea typeface="Microsoft JhengHei" panose="020B0604030504040204" pitchFamily="34" charset="-120"/>
-              </a:rPr>
-              <a:t>“</a:t>
-            </a:r>
-            <a:r>
               <a:rPr lang="zh-TW" altLang="en-US" sz="3200" b="1" i="0" dirty="0">
                 <a:solidFill>
-                  <a:srgbClr val="DAF5FF"/>
-                </a:solidFill>
-                <a:effectLst/>
-                <a:latin typeface="Microsoft JhengHei" panose="020B0604030504040204" pitchFamily="34" charset="-120"/>
-                <a:ea typeface="Microsoft JhengHei" panose="020B0604030504040204" pitchFamily="34" charset="-120"/>
-              </a:rPr>
-              <a:t>奉主耶穌聖名禱告”</a:t>
-            </a:r>
-          </a:p>
-          <a:p>
-            <a:pPr algn="l"/>
-            <a:r>
-              <a:rPr lang="zh-TW" altLang="en-US" sz="3200" i="0" dirty="0">
-                <a:solidFill>
-                  <a:srgbClr val="FFFFFF"/>
-                </a:solidFill>
-                <a:effectLst/>
-                <a:latin typeface="Microsoft JhengHei" panose="020B0604030504040204" pitchFamily="34" charset="-120"/>
-                <a:ea typeface="Microsoft JhengHei" panose="020B0604030504040204" pitchFamily="34" charset="-120"/>
-              </a:rPr>
-              <a:t>重複唸</a:t>
-            </a:r>
-            <a:r>
-              <a:rPr lang="en-US" altLang="zh-TW" sz="3200" i="0" dirty="0">
-                <a:solidFill>
-                  <a:srgbClr val="FFFFFF"/>
-                </a:solidFill>
-                <a:effectLst/>
-                <a:latin typeface="Microsoft JhengHei" panose="020B0604030504040204" pitchFamily="34" charset="-120"/>
-                <a:ea typeface="Microsoft JhengHei" panose="020B0604030504040204" pitchFamily="34" charset="-120"/>
-              </a:rPr>
-              <a:t>, </a:t>
-            </a:r>
-            <a:r>
-              <a:rPr lang="en-US" altLang="zh-TW" sz="3200" b="1" i="0" dirty="0">
-                <a:solidFill>
-                  <a:srgbClr val="DAF5FF"/>
-                </a:solidFill>
-                <a:effectLst/>
-                <a:latin typeface="Microsoft JhengHei" panose="020B0604030504040204" pitchFamily="34" charset="-120"/>
-                <a:ea typeface="Microsoft JhengHei" panose="020B0604030504040204" pitchFamily="34" charset="-120"/>
-              </a:rPr>
-              <a:t>“</a:t>
-            </a:r>
-            <a:r>
-              <a:rPr lang="zh-TW" altLang="en-US" sz="3200" b="1" i="0" dirty="0">
-                <a:solidFill>
-                  <a:srgbClr val="DAF5FF"/>
-                </a:solidFill>
-                <a:effectLst/>
-                <a:latin typeface="Microsoft JhengHei" panose="020B0604030504040204" pitchFamily="34" charset="-120"/>
-                <a:ea typeface="Microsoft JhengHei" panose="020B0604030504040204" pitchFamily="34" charset="-120"/>
-              </a:rPr>
-              <a:t>哈利路亞</a:t>
-            </a:r>
-            <a:r>
-              <a:rPr lang="en-US" altLang="zh-TW" sz="3200" b="1" i="0" dirty="0">
-                <a:solidFill>
-                  <a:srgbClr val="DAF5FF"/>
-                </a:solidFill>
-                <a:effectLst/>
-                <a:latin typeface="Microsoft JhengHei" panose="020B0604030504040204" pitchFamily="34" charset="-120"/>
-                <a:ea typeface="Microsoft JhengHei" panose="020B0604030504040204" pitchFamily="34" charset="-120"/>
-              </a:rPr>
-              <a:t>, </a:t>
-            </a:r>
-            <a:r>
-              <a:rPr lang="zh-TW" altLang="en-US" sz="3200" b="1" i="0" dirty="0">
-                <a:solidFill>
-                  <a:srgbClr val="DAF5FF"/>
+                  <a:schemeClr val="accent1">
+                    <a:lumMod val="50000"/>
+                  </a:schemeClr>
                 </a:solidFill>
                 <a:effectLst/>
                 <a:latin typeface="Microsoft JhengHei" panose="020B0604030504040204" pitchFamily="34" charset="-120"/>
@@ -6686,9 +8287,6 @@
             <a:pPr algn="l"/>
             <a:r>
               <a:rPr lang="zh-TW" altLang="en-US" sz="3200" i="0" dirty="0">
-                <a:solidFill>
-                  <a:srgbClr val="FFFFFF"/>
-                </a:solidFill>
                 <a:effectLst/>
                 <a:latin typeface="Microsoft JhengHei" panose="020B0604030504040204" pitchFamily="34" charset="-120"/>
                 <a:ea typeface="Microsoft JhengHei" panose="020B0604030504040204" pitchFamily="34" charset="-120"/>
@@ -6697,9 +8295,6 @@
             </a:r>
             <a:r>
               <a:rPr lang="en-US" altLang="zh-TW" sz="3200" i="0" dirty="0">
-                <a:solidFill>
-                  <a:srgbClr val="FFFFFF"/>
-                </a:solidFill>
                 <a:effectLst/>
                 <a:latin typeface="Microsoft JhengHei" panose="020B0604030504040204" pitchFamily="34" charset="-120"/>
                 <a:ea typeface="Microsoft JhengHei" panose="020B0604030504040204" pitchFamily="34" charset="-120"/>
@@ -6708,9 +8303,6 @@
             </a:r>
             <a:r>
               <a:rPr lang="zh-TW" altLang="en-US" sz="3200" i="0" dirty="0">
-                <a:solidFill>
-                  <a:srgbClr val="FFFFFF"/>
-                </a:solidFill>
                 <a:effectLst/>
                 <a:latin typeface="Microsoft JhengHei" panose="020B0604030504040204" pitchFamily="34" charset="-120"/>
                 <a:ea typeface="Microsoft JhengHei" panose="020B0604030504040204" pitchFamily="34" charset="-120"/>
@@ -6722,9 +8314,6 @@
             <a:pPr algn="l"/>
             <a:r>
               <a:rPr lang="zh-TW" altLang="en-US" sz="3200" i="0" dirty="0">
-                <a:solidFill>
-                  <a:srgbClr val="FFFFFF"/>
-                </a:solidFill>
                 <a:effectLst/>
                 <a:latin typeface="Microsoft JhengHei" panose="020B0604030504040204" pitchFamily="34" charset="-120"/>
                 <a:ea typeface="Microsoft JhengHei" panose="020B0604030504040204" pitchFamily="34" charset="-120"/>
@@ -6734,7 +8323,9 @@
             <a:r>
               <a:rPr lang="zh-TW" altLang="en-US" sz="3200" b="1" i="0" dirty="0">
                 <a:solidFill>
-                  <a:srgbClr val="DAF5FF"/>
+                  <a:schemeClr val="accent1">
+                    <a:lumMod val="50000"/>
+                  </a:schemeClr>
                 </a:solidFill>
                 <a:effectLst/>
                 <a:latin typeface="Microsoft JhengHei" panose="020B0604030504040204" pitchFamily="34" charset="-120"/>
@@ -6745,7 +8336,9 @@
             <a:r>
               <a:rPr lang="en-US" altLang="zh-TW" sz="3200" b="1" i="0" dirty="0">
                 <a:solidFill>
-                  <a:srgbClr val="DAF5FF"/>
+                  <a:schemeClr val="accent1">
+                    <a:lumMod val="50000"/>
+                  </a:schemeClr>
                 </a:solidFill>
                 <a:effectLst/>
                 <a:latin typeface="Microsoft JhengHei" panose="020B0604030504040204" pitchFamily="34" charset="-120"/>
@@ -6755,9 +8348,6 @@
             </a:r>
             <a:r>
               <a:rPr lang="zh-TW" altLang="en-US" sz="3200" i="0" dirty="0">
-                <a:solidFill>
-                  <a:srgbClr val="FFFFFF"/>
-                </a:solidFill>
                 <a:effectLst/>
                 <a:latin typeface="Microsoft JhengHei" panose="020B0604030504040204" pitchFamily="34" charset="-120"/>
                 <a:ea typeface="Microsoft JhengHei" panose="020B0604030504040204" pitchFamily="34" charset="-120"/>
@@ -6765,9 +8355,6 @@
               <a:t>結束禱告</a:t>
             </a:r>
             <a:endParaRPr lang="en-GB" sz="3200" i="0" dirty="0">
-              <a:solidFill>
-                <a:srgbClr val="FFFFFF"/>
-              </a:solidFill>
               <a:effectLst/>
               <a:latin typeface="Microsoft JhengHei" panose="020B0604030504040204" pitchFamily="34" charset="-120"/>
               <a:ea typeface="Microsoft JhengHei" panose="020B0604030504040204" pitchFamily="34" charset="-120"/>
@@ -6775,177 +8362,6 @@
           </a:p>
         </p:txBody>
       </p:sp>
-      <p:pic>
-        <p:nvPicPr>
-          <p:cNvPr id="9" name="Picture 8" descr="Logo&#10;&#10;Description automatically generated with medium confidence">
-            <a:extLst>
-              <a:ext uri="{FF2B5EF4-FFF2-40B4-BE49-F238E27FC236}">
-                <a16:creationId xmlns:a16="http://schemas.microsoft.com/office/drawing/2014/main" id="{08FB6A1C-1FE7-894F-7F68-6DDAB352156F}"/>
-              </a:ext>
-            </a:extLst>
-          </p:cNvPr>
-          <p:cNvPicPr>
-            <a:picLocks noChangeAspect="1"/>
-          </p:cNvPicPr>
-          <p:nvPr/>
-        </p:nvPicPr>
-        <p:blipFill>
-          <a:blip r:embed="rId2" cstate="print">
-            <a:extLst>
-              <a:ext uri="{28A0092B-C50C-407E-A947-70E740481C1C}">
-                <a14:useLocalDpi xmlns:a14="http://schemas.microsoft.com/office/drawing/2010/main" val="0"/>
-              </a:ext>
-            </a:extLst>
-          </a:blip>
-          <a:stretch>
-            <a:fillRect/>
-          </a:stretch>
-        </p:blipFill>
-        <p:spPr>
-          <a:xfrm>
-            <a:off x="335359" y="6269250"/>
-            <a:ext cx="2664297" cy="344791"/>
-          </a:xfrm>
-          <a:prstGeom prst="rect">
-            <a:avLst/>
-          </a:prstGeom>
-        </p:spPr>
-      </p:pic>
-      <p:grpSp>
-        <p:nvGrpSpPr>
-          <p:cNvPr id="3" name="Group 2">
-            <a:extLst>
-              <a:ext uri="{FF2B5EF4-FFF2-40B4-BE49-F238E27FC236}">
-                <a16:creationId xmlns:a16="http://schemas.microsoft.com/office/drawing/2014/main" id="{CBCD34F9-788F-4FC6-1A0F-24EF71190889}"/>
-              </a:ext>
-            </a:extLst>
-          </p:cNvPr>
-          <p:cNvGrpSpPr/>
-          <p:nvPr/>
-        </p:nvGrpSpPr>
-        <p:grpSpPr>
-          <a:xfrm>
-            <a:off x="4943872" y="6269250"/>
-            <a:ext cx="7030907" cy="369332"/>
-            <a:chOff x="4943872" y="6269250"/>
-            <a:chExt cx="7030907" cy="369332"/>
-          </a:xfrm>
-        </p:grpSpPr>
-        <p:sp>
-          <p:nvSpPr>
-            <p:cNvPr id="7" name="TextBox 6">
-              <a:extLst>
-                <a:ext uri="{FF2B5EF4-FFF2-40B4-BE49-F238E27FC236}">
-                  <a16:creationId xmlns:a16="http://schemas.microsoft.com/office/drawing/2014/main" id="{609D2C82-3903-C488-E915-7CFDF291964A}"/>
-                </a:ext>
-              </a:extLst>
-            </p:cNvPr>
-            <p:cNvSpPr txBox="1"/>
-            <p:nvPr/>
-          </p:nvSpPr>
-          <p:spPr>
-            <a:xfrm>
-              <a:off x="4943872" y="6269250"/>
-              <a:ext cx="7030907" cy="369332"/>
-            </a:xfrm>
-            <a:prstGeom prst="rect">
-              <a:avLst/>
-            </a:prstGeom>
-            <a:noFill/>
-            <a:ln w="19050">
-              <a:solidFill>
-                <a:srgbClr val="FF0000"/>
-              </a:solidFill>
-            </a:ln>
-          </p:spPr>
-          <p:txBody>
-            <a:bodyPr wrap="square" rtlCol="0" anchor="ctr">
-              <a:spAutoFit/>
-            </a:bodyPr>
-            <a:lstStyle/>
-            <a:p>
-              <a:r>
-                <a:rPr lang="en-GB" dirty="0">
-                  <a:solidFill>
-                    <a:schemeClr val="bg1"/>
-                  </a:solidFill>
-                  <a:latin typeface="Segoe UI Semibold" panose="020B0702040204020203" pitchFamily="34" charset="0"/>
-                  <a:cs typeface="Segoe UI Semibold" panose="020B0702040204020203" pitchFamily="34" charset="0"/>
-                </a:rPr>
-                <a:t>Please Turn Off/Silence Your Devices </a:t>
-              </a:r>
-              <a:r>
-                <a:rPr lang="zh-TW" altLang="en-US" b="1" dirty="0">
-                  <a:solidFill>
-                    <a:schemeClr val="bg1"/>
-                  </a:solidFill>
-                  <a:latin typeface="Microsoft JhengHei" panose="020B0604030504040204" pitchFamily="34" charset="-120"/>
-                  <a:ea typeface="Microsoft JhengHei" panose="020B0604030504040204" pitchFamily="34" charset="-120"/>
-                </a:rPr>
-                <a:t>請靜音或關閉所有電子設備</a:t>
-              </a:r>
-              <a:endParaRPr lang="ja-JP" altLang="en-US" b="1" dirty="0">
-                <a:solidFill>
-                  <a:schemeClr val="bg1"/>
-                </a:solidFill>
-                <a:latin typeface="Microsoft JhengHei" panose="020B0604030504040204" pitchFamily="34" charset="-120"/>
-                <a:ea typeface="Microsoft JhengHei" panose="020B0604030504040204" pitchFamily="34" charset="-120"/>
-              </a:endParaRPr>
-            </a:p>
-          </p:txBody>
-        </p:sp>
-        <p:pic>
-          <p:nvPicPr>
-            <p:cNvPr id="8" name="Picture 7" descr="Shape&#10;&#10;Description automatically generated with low confidence">
-              <a:extLst>
-                <a:ext uri="{FF2B5EF4-FFF2-40B4-BE49-F238E27FC236}">
-                  <a16:creationId xmlns:a16="http://schemas.microsoft.com/office/drawing/2014/main" id="{86A4792D-0D87-3DBC-8CAB-465A13C64B77}"/>
-                </a:ext>
-              </a:extLst>
-            </p:cNvPr>
-            <p:cNvPicPr>
-              <a:picLocks noChangeAspect="1"/>
-            </p:cNvPicPr>
-            <p:nvPr/>
-          </p:nvPicPr>
-          <p:blipFill>
-            <a:blip r:embed="rId3" cstate="print">
-              <a:extLst>
-                <a:ext uri="{BEBA8EAE-BF5A-486C-A8C5-ECC9F3942E4B}">
-                  <a14:imgProps xmlns:a14="http://schemas.microsoft.com/office/drawing/2010/main">
-                    <a14:imgLayer r:embed="rId4">
-                      <a14:imgEffect>
-                        <a14:colorTemperature colorTemp="11500"/>
-                      </a14:imgEffect>
-                      <a14:imgEffect>
-                        <a14:saturation sat="400000"/>
-                      </a14:imgEffect>
-                      <a14:imgEffect>
-                        <a14:brightnessContrast bright="100000" contrast="100000"/>
-                      </a14:imgEffect>
-                    </a14:imgLayer>
-                  </a14:imgProps>
-                </a:ext>
-                <a:ext uri="{28A0092B-C50C-407E-A947-70E740481C1C}">
-                  <a14:useLocalDpi xmlns:a14="http://schemas.microsoft.com/office/drawing/2010/main" val="0"/>
-                </a:ext>
-              </a:extLst>
-            </a:blip>
-            <a:stretch>
-              <a:fillRect/>
-            </a:stretch>
-          </p:blipFill>
-          <p:spPr>
-            <a:xfrm>
-              <a:off x="11658489" y="6309320"/>
-              <a:ext cx="280267" cy="280267"/>
-            </a:xfrm>
-            <a:prstGeom prst="rect">
-              <a:avLst/>
-            </a:prstGeom>
-          </p:spPr>
-        </p:pic>
-      </p:grpSp>
       <p:cxnSp>
         <p:nvCxnSpPr>
           <p:cNvPr id="5" name="Straight Connector 4">
@@ -6970,7 +8386,10 @@
           </a:prstGeom>
           <a:ln w="76200">
             <a:solidFill>
-              <a:schemeClr val="bg1"/>
+              <a:schemeClr val="tx1">
+                <a:lumMod val="85000"/>
+                <a:lumOff val="15000"/>
+              </a:schemeClr>
             </a:solidFill>
           </a:ln>
         </p:spPr>
@@ -6989,151 +8408,12 @@
           </a:fontRef>
         </p:style>
       </p:cxnSp>
-    </p:spTree>
-    <p:extLst>
-      <p:ext uri="{BB962C8B-B14F-4D97-AF65-F5344CB8AC3E}">
-        <p14:creationId xmlns:p14="http://schemas.microsoft.com/office/powerpoint/2010/main" val="2970436884"/>
-      </p:ext>
-    </p:extLst>
-  </p:cSld>
-  <p:clrMapOvr>
-    <a:masterClrMapping/>
-  </p:clrMapOvr>
-</p:sld>
-</file>
-
-<file path=ppt/slides/slide6.xml><?xml version="1.0" encoding="utf-8"?>
-<p:sld xmlns:a="http://schemas.openxmlformats.org/drawingml/2006/main" xmlns:r="http://schemas.openxmlformats.org/officeDocument/2006/relationships" xmlns:p="http://schemas.openxmlformats.org/presentationml/2006/main">
-  <p:cSld>
-    <p:spTree>
-      <p:nvGrpSpPr>
-        <p:cNvPr id="1" name=""/>
-        <p:cNvGrpSpPr/>
-        <p:nvPr/>
-      </p:nvGrpSpPr>
-      <p:grpSpPr>
-        <a:xfrm>
-          <a:off x="0" y="0"/>
-          <a:ext cx="0" cy="0"/>
-          <a:chOff x="0" y="0"/>
-          <a:chExt cx="0" cy="0"/>
-        </a:xfrm>
-      </p:grpSpPr>
-      <p:sp>
-        <p:nvSpPr>
-          <p:cNvPr id="4" name="TextBox 3">
+      <p:pic>
+        <p:nvPicPr>
+          <p:cNvPr id="4" name="Picture 3" descr="Logo&#10;&#10;Description automatically generated with medium confidence">
             <a:extLst>
               <a:ext uri="{FF2B5EF4-FFF2-40B4-BE49-F238E27FC236}">
-                <a16:creationId xmlns:a16="http://schemas.microsoft.com/office/drawing/2014/main" id="{7EFFF85D-FE50-8E41-080A-A46A30A7CB09}"/>
-              </a:ext>
-            </a:extLst>
-          </p:cNvPr>
-          <p:cNvSpPr txBox="1"/>
-          <p:nvPr/>
-        </p:nvSpPr>
-        <p:spPr>
-          <a:xfrm>
-            <a:off x="5603494" y="3399252"/>
-            <a:ext cx="6395128" cy="1015663"/>
-          </a:xfrm>
-          <a:prstGeom prst="rect">
-            <a:avLst/>
-          </a:prstGeom>
-          <a:noFill/>
-          <a:ln w="19050">
-            <a:noFill/>
-          </a:ln>
-        </p:spPr>
-        <p:txBody>
-          <a:bodyPr wrap="square" rtlCol="0" anchor="ctr">
-            <a:spAutoFit/>
-          </a:bodyPr>
-          <a:lstStyle/>
-          <a:p>
-            <a:pPr algn="r"/>
-            <a:r>
-              <a:rPr lang="en-GB" altLang="ja-JP" sz="6000" b="1" dirty="0">
-                <a:solidFill>
-                  <a:schemeClr val="bg1"/>
-                </a:solidFill>
-                <a:latin typeface="Segoe UI" panose="020B0502040204020203" pitchFamily="34" charset="0"/>
-                <a:ea typeface="Microsoft JhengHei" panose="020B0604030504040204" pitchFamily="34" charset="-120"/>
-                <a:cs typeface="Segoe UI" panose="020B0502040204020203" pitchFamily="34" charset="0"/>
-              </a:rPr>
-              <a:t>TIME</a:t>
-            </a:r>
-            <a:endParaRPr lang="ja-JP" altLang="en-US" sz="6000" b="1" dirty="0">
-              <a:solidFill>
-                <a:schemeClr val="bg1"/>
-              </a:solidFill>
-              <a:latin typeface="Segoe UI" panose="020B0502040204020203" pitchFamily="34" charset="0"/>
-              <a:ea typeface="Microsoft JhengHei" panose="020B0604030504040204" pitchFamily="34" charset="-120"/>
-              <a:cs typeface="Segoe UI" panose="020B0502040204020203" pitchFamily="34" charset="0"/>
-            </a:endParaRPr>
-          </a:p>
-        </p:txBody>
-      </p:sp>
-      <p:sp>
-        <p:nvSpPr>
-          <p:cNvPr id="2" name="Rectangle 1">
-            <a:extLst>
-              <a:ext uri="{FF2B5EF4-FFF2-40B4-BE49-F238E27FC236}">
-                <a16:creationId xmlns:a16="http://schemas.microsoft.com/office/drawing/2014/main" id="{A5EDBB23-EE74-BD8E-68BB-188BA81E44C9}"/>
-              </a:ext>
-            </a:extLst>
-          </p:cNvPr>
-          <p:cNvSpPr/>
-          <p:nvPr/>
-        </p:nvSpPr>
-        <p:spPr>
-          <a:xfrm>
-            <a:off x="-1" y="0"/>
-            <a:ext cx="5118641" cy="6858000"/>
-          </a:xfrm>
-          <a:prstGeom prst="rect">
-            <a:avLst/>
-          </a:prstGeom>
-          <a:solidFill>
-            <a:schemeClr val="tx1">
-              <a:lumMod val="65000"/>
-              <a:lumOff val="35000"/>
-            </a:schemeClr>
-          </a:solidFill>
-          <a:ln>
-            <a:noFill/>
-          </a:ln>
-        </p:spPr>
-        <p:style>
-          <a:lnRef idx="2">
-            <a:schemeClr val="accent1">
-              <a:shade val="50000"/>
-            </a:schemeClr>
-          </a:lnRef>
-          <a:fillRef idx="1">
-            <a:schemeClr val="accent1"/>
-          </a:fillRef>
-          <a:effectRef idx="0">
-            <a:schemeClr val="accent1"/>
-          </a:effectRef>
-          <a:fontRef idx="minor">
-            <a:schemeClr val="lt1"/>
-          </a:fontRef>
-        </p:style>
-        <p:txBody>
-          <a:bodyPr rtlCol="0" anchor="ctr"/>
-          <a:lstStyle/>
-          <a:p>
-            <a:pPr algn="ctr"/>
-            <a:endParaRPr lang="en-GB"/>
-          </a:p>
-        </p:txBody>
-      </p:sp>
-      <p:pic>
-        <p:nvPicPr>
-          <p:cNvPr id="7" name="Picture 6" descr="Logo&#10;&#10;Description automatically generated with medium confidence">
-            <a:extLst>
-              <a:ext uri="{FF2B5EF4-FFF2-40B4-BE49-F238E27FC236}">
-                <a16:creationId xmlns:a16="http://schemas.microsoft.com/office/drawing/2014/main" id="{7D8F5CB1-CB81-80C7-2EEC-931ED922A40D}"/>
+                <a16:creationId xmlns:a16="http://schemas.microsoft.com/office/drawing/2014/main" id="{4CC1EF52-4B55-1857-C153-A5CCD28ECD0F}"/>
               </a:ext>
             </a:extLst>
           </p:cNvPr>
@@ -7144,119 +8424,13 @@
         </p:nvPicPr>
         <p:blipFill>
           <a:blip r:embed="rId2" cstate="print">
-            <a:extLst>
-              <a:ext uri="{28A0092B-C50C-407E-A947-70E740481C1C}">
-                <a14:useLocalDpi xmlns:a14="http://schemas.microsoft.com/office/drawing/2010/main" val="0"/>
-              </a:ext>
-            </a:extLst>
-          </a:blip>
-          <a:stretch>
-            <a:fillRect/>
-          </a:stretch>
-        </p:blipFill>
-        <p:spPr>
-          <a:xfrm>
-            <a:off x="701938" y="1330693"/>
-            <a:ext cx="3714759" cy="480733"/>
-          </a:xfrm>
-          <a:prstGeom prst="rect">
-            <a:avLst/>
-          </a:prstGeom>
-        </p:spPr>
-      </p:pic>
-      <p:sp>
-        <p:nvSpPr>
-          <p:cNvPr id="10" name="TextBox 9">
-            <a:extLst>
-              <a:ext uri="{FF2B5EF4-FFF2-40B4-BE49-F238E27FC236}">
-                <a16:creationId xmlns:a16="http://schemas.microsoft.com/office/drawing/2014/main" id="{6DA65BC6-CF8D-7742-7648-A497F05CD732}"/>
-              </a:ext>
-            </a:extLst>
-          </p:cNvPr>
-          <p:cNvSpPr txBox="1"/>
-          <p:nvPr/>
-        </p:nvSpPr>
-        <p:spPr>
-          <a:xfrm>
-            <a:off x="5231904" y="6023029"/>
-            <a:ext cx="6395128" cy="646331"/>
-          </a:xfrm>
-          <a:prstGeom prst="rect">
-            <a:avLst/>
-          </a:prstGeom>
-          <a:noFill/>
-          <a:ln w="19050">
-            <a:noFill/>
-          </a:ln>
-        </p:spPr>
-        <p:txBody>
-          <a:bodyPr wrap="square" rtlCol="0" anchor="ctr">
-            <a:spAutoFit/>
-          </a:bodyPr>
-          <a:lstStyle/>
-          <a:p>
-            <a:pPr algn="r"/>
-            <a:r>
-              <a:rPr lang="en-GB" dirty="0">
-                <a:solidFill>
-                  <a:schemeClr val="bg1"/>
-                </a:solidFill>
-                <a:latin typeface="Segoe UI Semibold" panose="020B0702040204020203" pitchFamily="34" charset="0"/>
-                <a:cs typeface="Segoe UI Semibold" panose="020B0702040204020203" pitchFamily="34" charset="0"/>
-              </a:rPr>
-              <a:t>Please Turn Off/Silence Your Devices </a:t>
-            </a:r>
-          </a:p>
-          <a:p>
-            <a:pPr algn="r"/>
-            <a:r>
-              <a:rPr lang="zh-TW" altLang="en-US" b="1" dirty="0">
-                <a:solidFill>
-                  <a:schemeClr val="bg1"/>
-                </a:solidFill>
-                <a:latin typeface="Microsoft JhengHei" panose="020B0604030504040204" pitchFamily="34" charset="-120"/>
-                <a:ea typeface="Microsoft JhengHei" panose="020B0604030504040204" pitchFamily="34" charset="-120"/>
-              </a:rPr>
-              <a:t>請靜音或關閉所有電子設備</a:t>
-            </a:r>
-            <a:endParaRPr lang="ja-JP" altLang="en-US" b="1" dirty="0">
-              <a:solidFill>
-                <a:schemeClr val="bg1"/>
-              </a:solidFill>
-              <a:latin typeface="Microsoft JhengHei" panose="020B0604030504040204" pitchFamily="34" charset="-120"/>
-              <a:ea typeface="Microsoft JhengHei" panose="020B0604030504040204" pitchFamily="34" charset="-120"/>
-            </a:endParaRPr>
-          </a:p>
-        </p:txBody>
-      </p:sp>
-      <p:pic>
-        <p:nvPicPr>
-          <p:cNvPr id="11" name="Picture 10" descr="Shape&#10;&#10;Description automatically generated with low confidence">
-            <a:extLst>
-              <a:ext uri="{FF2B5EF4-FFF2-40B4-BE49-F238E27FC236}">
-                <a16:creationId xmlns:a16="http://schemas.microsoft.com/office/drawing/2014/main" id="{D870190A-DEF8-5DAD-B86F-568A59A5C0E3}"/>
-              </a:ext>
-            </a:extLst>
-          </p:cNvPr>
-          <p:cNvPicPr>
-            <a:picLocks noChangeAspect="1"/>
-          </p:cNvPicPr>
-          <p:nvPr/>
-        </p:nvPicPr>
-        <p:blipFill>
-          <a:blip r:embed="rId3" cstate="print">
+            <a:biLevel thresh="75000"/>
             <a:extLst>
               <a:ext uri="{BEBA8EAE-BF5A-486C-A8C5-ECC9F3942E4B}">
                 <a14:imgProps xmlns:a14="http://schemas.microsoft.com/office/drawing/2010/main">
-                  <a14:imgLayer r:embed="rId4">
+                  <a14:imgLayer r:embed="rId3">
                     <a14:imgEffect>
-                      <a14:colorTemperature colorTemp="11500"/>
-                    </a14:imgEffect>
-                    <a14:imgEffect>
-                      <a14:saturation sat="400000"/>
-                    </a14:imgEffect>
-                    <a14:imgEffect>
-                      <a14:brightnessContrast bright="100000" contrast="100000"/>
+                      <a14:brightnessContrast bright="-40000" contrast="-40000"/>
                     </a14:imgEffect>
                   </a14:imgLayer>
                 </a14:imgProps>
@@ -7272,669 +8446,6 @@
         </p:blipFill>
         <p:spPr>
           <a:xfrm>
-            <a:off x="11544706" y="6093296"/>
-            <a:ext cx="508138" cy="508138"/>
-          </a:xfrm>
-          <a:prstGeom prst="rect">
-            <a:avLst/>
-          </a:prstGeom>
-          <a:ln>
-            <a:noFill/>
-          </a:ln>
-        </p:spPr>
-      </p:pic>
-      <p:sp>
-        <p:nvSpPr>
-          <p:cNvPr id="15" name="TextBox 14">
-            <a:extLst>
-              <a:ext uri="{FF2B5EF4-FFF2-40B4-BE49-F238E27FC236}">
-                <a16:creationId xmlns:a16="http://schemas.microsoft.com/office/drawing/2014/main" id="{A43ACE95-BAD5-34EA-AAE0-5B30B782E5D7}"/>
-              </a:ext>
-            </a:extLst>
-          </p:cNvPr>
-          <p:cNvSpPr txBox="1"/>
-          <p:nvPr/>
-        </p:nvSpPr>
-        <p:spPr>
-          <a:xfrm>
-            <a:off x="363076" y="2274838"/>
-            <a:ext cx="4392485" cy="2308324"/>
-          </a:xfrm>
-          <a:prstGeom prst="rect">
-            <a:avLst/>
-          </a:prstGeom>
-          <a:noFill/>
-        </p:spPr>
-        <p:txBody>
-          <a:bodyPr wrap="square" rtlCol="0">
-            <a:spAutoFit/>
-          </a:bodyPr>
-          <a:lstStyle/>
-          <a:p>
-            <a:pPr algn="ctr"/>
-            <a:r>
-              <a:rPr lang="en-GB" altLang="en-US" sz="3600" b="1" dirty="0">
-                <a:solidFill>
-                  <a:schemeClr val="bg1"/>
-                </a:solidFill>
-                <a:latin typeface="Segoe UI" panose="020B0502040204020203" pitchFamily="34" charset="0"/>
-                <a:cs typeface="Segoe UI" panose="020B0502040204020203" pitchFamily="34" charset="0"/>
-              </a:rPr>
-              <a:t>Welcome To True Jesus Church</a:t>
-            </a:r>
-            <a:r>
-              <a:rPr lang="en-GB" altLang="en-US" sz="3600" b="1" dirty="0">
-                <a:solidFill>
-                  <a:schemeClr val="bg1"/>
-                </a:solidFill>
-                <a:latin typeface="Century Gothic" panose="020B0502020202020204" pitchFamily="34" charset="0"/>
-                <a:cs typeface="Segoe UI" panose="020B0502040204020203" pitchFamily="34" charset="0"/>
-              </a:rPr>
-              <a:t> </a:t>
-            </a:r>
-          </a:p>
-          <a:p>
-            <a:pPr algn="ctr"/>
-            <a:endParaRPr lang="en-GB" altLang="en-US" sz="3600" b="1" dirty="0">
-              <a:solidFill>
-                <a:schemeClr val="bg1"/>
-              </a:solidFill>
-              <a:latin typeface="Century Gothic" panose="020B0502020202020204" pitchFamily="34" charset="0"/>
-              <a:cs typeface="Segoe UI" panose="020B0502040204020203" pitchFamily="34" charset="0"/>
-            </a:endParaRPr>
-          </a:p>
-          <a:p>
-            <a:pPr algn="ctr"/>
-            <a:r>
-              <a:rPr lang="zh-TW" altLang="en-US" sz="3600" b="1" dirty="0">
-                <a:solidFill>
-                  <a:schemeClr val="bg1"/>
-                </a:solidFill>
-                <a:latin typeface="Microsoft JhengHei" panose="020B0604030504040204" pitchFamily="34" charset="-120"/>
-                <a:ea typeface="Microsoft JhengHei" panose="020B0604030504040204" pitchFamily="34" charset="-120"/>
-              </a:rPr>
-              <a:t>歡迎光臨真耶穌教會</a:t>
-            </a:r>
-            <a:endParaRPr lang="en-GB" sz="3600" b="1" dirty="0">
-              <a:solidFill>
-                <a:schemeClr val="bg1"/>
-              </a:solidFill>
-              <a:latin typeface="Century Gothic" panose="020B0502020202020204" pitchFamily="34" charset="0"/>
-              <a:ea typeface="金梅新中楷全字體" pitchFamily="49" charset="-120"/>
-            </a:endParaRPr>
-          </a:p>
-        </p:txBody>
-      </p:sp>
-      <p:pic>
-        <p:nvPicPr>
-          <p:cNvPr id="24" name="Picture 23">
-            <a:extLst>
-              <a:ext uri="{FF2B5EF4-FFF2-40B4-BE49-F238E27FC236}">
-                <a16:creationId xmlns:a16="http://schemas.microsoft.com/office/drawing/2014/main" id="{26876B72-FC5D-E685-B5CA-3B114DE93445}"/>
-              </a:ext>
-            </a:extLst>
-          </p:cNvPr>
-          <p:cNvPicPr>
-            <a:picLocks noChangeAspect="1"/>
-          </p:cNvPicPr>
-          <p:nvPr/>
-        </p:nvPicPr>
-        <p:blipFill>
-          <a:blip r:embed="rId5">
-            <a:lum bright="70000" contrast="-70000"/>
-          </a:blip>
-          <a:stretch>
-            <a:fillRect/>
-          </a:stretch>
-        </p:blipFill>
-        <p:spPr>
-          <a:xfrm>
-            <a:off x="9896028" y="1484784"/>
-            <a:ext cx="952500" cy="952500"/>
-          </a:xfrm>
-          <a:prstGeom prst="rect">
-            <a:avLst/>
-          </a:prstGeom>
-        </p:spPr>
-      </p:pic>
-      <p:pic>
-        <p:nvPicPr>
-          <p:cNvPr id="33" name="Picture 32">
-            <a:extLst>
-              <a:ext uri="{FF2B5EF4-FFF2-40B4-BE49-F238E27FC236}">
-                <a16:creationId xmlns:a16="http://schemas.microsoft.com/office/drawing/2014/main" id="{7D20D07D-D567-97E9-94C0-AEBC29E0D713}"/>
-              </a:ext>
-            </a:extLst>
-          </p:cNvPr>
-          <p:cNvPicPr>
-            <a:picLocks noChangeAspect="1"/>
-          </p:cNvPicPr>
-          <p:nvPr/>
-        </p:nvPicPr>
-        <p:blipFill>
-          <a:blip r:embed="rId6">
-            <a:lum bright="70000" contrast="-70000"/>
-          </a:blip>
-          <a:stretch>
-            <a:fillRect/>
-          </a:stretch>
-        </p:blipFill>
-        <p:spPr>
-          <a:xfrm>
-            <a:off x="10995829" y="1539287"/>
-            <a:ext cx="860811" cy="860811"/>
-          </a:xfrm>
-          <a:prstGeom prst="rect">
-            <a:avLst/>
-          </a:prstGeom>
-        </p:spPr>
-      </p:pic>
-      <p:sp>
-        <p:nvSpPr>
-          <p:cNvPr id="3" name="Date Placeholder 2">
-            <a:extLst>
-              <a:ext uri="{FF2B5EF4-FFF2-40B4-BE49-F238E27FC236}">
-                <a16:creationId xmlns:a16="http://schemas.microsoft.com/office/drawing/2014/main" id="{BAAB78FB-DD60-75C6-EF35-77AABE3524E6}"/>
-              </a:ext>
-            </a:extLst>
-          </p:cNvPr>
-          <p:cNvSpPr>
-            <a:spLocks noGrp="1"/>
-          </p:cNvSpPr>
-          <p:nvPr>
-            <p:ph type="dt" sz="half" idx="10"/>
-          </p:nvPr>
-        </p:nvSpPr>
-        <p:spPr>
-          <a:xfrm>
-            <a:off x="5118641" y="2778753"/>
-            <a:ext cx="6892121" cy="620499"/>
-          </a:xfrm>
-        </p:spPr>
-        <p:txBody>
-          <a:bodyPr/>
-          <a:lstStyle/>
-          <a:p>
-            <a:pPr algn="r"/>
-            <a:fld id="{262A5D92-C80E-4DBB-870F-20F2BA8487B9}" type="datetime2">
-              <a:rPr lang="en-US" altLang="en-US" sz="3600" b="1" smtClean="0">
-                <a:solidFill>
-                  <a:schemeClr val="bg1"/>
-                </a:solidFill>
-                <a:latin typeface="Segoe UI" panose="020B0502040204020203" pitchFamily="34" charset="0"/>
-                <a:cs typeface="Segoe UI" panose="020B0502040204020203" pitchFamily="34" charset="0"/>
-              </a:rPr>
-              <a:pPr algn="r"/>
-              <a:t>Thursday, December 8, 2022</a:t>
-            </a:fld>
-            <a:endParaRPr lang="en-US" altLang="en-US" sz="3600" b="1" dirty="0">
-              <a:solidFill>
-                <a:schemeClr val="bg1"/>
-              </a:solidFill>
-              <a:latin typeface="Segoe UI" panose="020B0502040204020203" pitchFamily="34" charset="0"/>
-              <a:cs typeface="Segoe UI" panose="020B0502040204020203" pitchFamily="34" charset="0"/>
-            </a:endParaRPr>
-          </a:p>
-        </p:txBody>
-      </p:sp>
-    </p:spTree>
-    <p:extLst>
-      <p:ext uri="{BB962C8B-B14F-4D97-AF65-F5344CB8AC3E}">
-        <p14:creationId xmlns:p14="http://schemas.microsoft.com/office/powerpoint/2010/main" val="35723793"/>
-      </p:ext>
-    </p:extLst>
-  </p:cSld>
-  <p:clrMapOvr>
-    <a:masterClrMapping/>
-  </p:clrMapOvr>
-</p:sld>
-</file>
-
-<file path=ppt/slides/slide7.xml><?xml version="1.0" encoding="utf-8"?>
-<p:sld xmlns:a="http://schemas.openxmlformats.org/drawingml/2006/main" xmlns:r="http://schemas.openxmlformats.org/officeDocument/2006/relationships" xmlns:p="http://schemas.openxmlformats.org/presentationml/2006/main">
-  <p:cSld>
-    <p:bg>
-      <p:bgPr>
-        <a:solidFill>
-          <a:schemeClr val="tx1">
-            <a:lumMod val="65000"/>
-            <a:lumOff val="35000"/>
-          </a:schemeClr>
-        </a:solidFill>
-        <a:effectLst/>
-      </p:bgPr>
-    </p:bg>
-    <p:spTree>
-      <p:nvGrpSpPr>
-        <p:cNvPr id="1" name=""/>
-        <p:cNvGrpSpPr/>
-        <p:nvPr/>
-      </p:nvGrpSpPr>
-      <p:grpSpPr>
-        <a:xfrm>
-          <a:off x="0" y="0"/>
-          <a:ext cx="0" cy="0"/>
-          <a:chOff x="0" y="0"/>
-          <a:chExt cx="0" cy="0"/>
-        </a:xfrm>
-      </p:grpSpPr>
-      <p:sp>
-        <p:nvSpPr>
-          <p:cNvPr id="9" name="TextBox 8">
-            <a:extLst>
-              <a:ext uri="{FF2B5EF4-FFF2-40B4-BE49-F238E27FC236}">
-                <a16:creationId xmlns:a16="http://schemas.microsoft.com/office/drawing/2014/main" id="{EB7FD2AF-7F03-5326-A748-9D97F0B7E43C}"/>
-              </a:ext>
-            </a:extLst>
-          </p:cNvPr>
-          <p:cNvSpPr txBox="1"/>
-          <p:nvPr/>
-        </p:nvSpPr>
-        <p:spPr>
-          <a:xfrm>
-            <a:off x="479376" y="637429"/>
-            <a:ext cx="11233247" cy="1446550"/>
-          </a:xfrm>
-          <a:prstGeom prst="rect">
-            <a:avLst/>
-          </a:prstGeom>
-          <a:noFill/>
-          <a:ln w="63500">
-            <a:noFill/>
-          </a:ln>
-        </p:spPr>
-        <p:txBody>
-          <a:bodyPr wrap="square" rtlCol="0">
-            <a:spAutoFit/>
-          </a:bodyPr>
-          <a:lstStyle/>
-          <a:p>
-            <a:pPr algn="ctr"/>
-            <a:r>
-              <a:rPr lang="en-GB" altLang="en-US" sz="4400" b="1" dirty="0">
-                <a:solidFill>
-                  <a:schemeClr val="bg1"/>
-                </a:solidFill>
-                <a:latin typeface="Segoe UI" panose="020B0502040204020203" pitchFamily="34" charset="0"/>
-                <a:cs typeface="Segoe UI" panose="020B0502040204020203" pitchFamily="34" charset="0"/>
-              </a:rPr>
-              <a:t>Please Turn Off/Silence Your Devices</a:t>
-            </a:r>
-            <a:endParaRPr lang="zh-TW" altLang="en-US" sz="4400" b="1" dirty="0">
-              <a:solidFill>
-                <a:schemeClr val="bg1"/>
-              </a:solidFill>
-              <a:latin typeface="Microsoft JhengHei" panose="020B0604030504040204" pitchFamily="34" charset="-120"/>
-              <a:ea typeface="Microsoft JhengHei" panose="020B0604030504040204" pitchFamily="34" charset="-120"/>
-            </a:endParaRPr>
-          </a:p>
-          <a:p>
-            <a:pPr algn="ctr"/>
-            <a:r>
-              <a:rPr lang="zh-TW" altLang="en-US" sz="4400" b="1" dirty="0">
-                <a:solidFill>
-                  <a:schemeClr val="bg1"/>
-                </a:solidFill>
-                <a:latin typeface="Microsoft JhengHei" panose="020B0604030504040204" pitchFamily="34" charset="-120"/>
-                <a:ea typeface="Microsoft JhengHei" panose="020B0604030504040204" pitchFamily="34" charset="-120"/>
-              </a:rPr>
-              <a:t>請靜音或關閉所有電子設備</a:t>
-            </a:r>
-            <a:endParaRPr lang="en-GB" sz="4400" b="1" dirty="0">
-              <a:solidFill>
-                <a:schemeClr val="bg1"/>
-              </a:solidFill>
-              <a:latin typeface="Microsoft JhengHei" panose="020B0604030504040204" pitchFamily="34" charset="-120"/>
-              <a:ea typeface="Microsoft JhengHei" panose="020B0604030504040204" pitchFamily="34" charset="-120"/>
-            </a:endParaRPr>
-          </a:p>
-        </p:txBody>
-      </p:sp>
-      <p:pic>
-        <p:nvPicPr>
-          <p:cNvPr id="7" name="Picture 6" descr="Logo&#10;&#10;Description automatically generated with medium confidence">
-            <a:extLst>
-              <a:ext uri="{FF2B5EF4-FFF2-40B4-BE49-F238E27FC236}">
-                <a16:creationId xmlns:a16="http://schemas.microsoft.com/office/drawing/2014/main" id="{7D8F5CB1-CB81-80C7-2EEC-931ED922A40D}"/>
-              </a:ext>
-            </a:extLst>
-          </p:cNvPr>
-          <p:cNvPicPr>
-            <a:picLocks noChangeAspect="1"/>
-          </p:cNvPicPr>
-          <p:nvPr/>
-        </p:nvPicPr>
-        <p:blipFill>
-          <a:blip r:embed="rId2" cstate="print">
-            <a:extLst>
-              <a:ext uri="{28A0092B-C50C-407E-A947-70E740481C1C}">
-                <a14:useLocalDpi xmlns:a14="http://schemas.microsoft.com/office/drawing/2010/main" val="0"/>
-              </a:ext>
-            </a:extLst>
-          </a:blip>
-          <a:stretch>
-            <a:fillRect/>
-          </a:stretch>
-        </p:blipFill>
-        <p:spPr>
-          <a:xfrm>
-            <a:off x="335359" y="6269250"/>
-            <a:ext cx="2664297" cy="344791"/>
-          </a:xfrm>
-          <a:prstGeom prst="rect">
-            <a:avLst/>
-          </a:prstGeom>
-        </p:spPr>
-      </p:pic>
-      <p:pic>
-        <p:nvPicPr>
-          <p:cNvPr id="5" name="Picture 4" descr="Shape&#10;&#10;Description automatically generated with low confidence">
-            <a:extLst>
-              <a:ext uri="{FF2B5EF4-FFF2-40B4-BE49-F238E27FC236}">
-                <a16:creationId xmlns:a16="http://schemas.microsoft.com/office/drawing/2014/main" id="{AC9BD3E1-856D-B518-3D09-AA2FCBC6B91A}"/>
-              </a:ext>
-            </a:extLst>
-          </p:cNvPr>
-          <p:cNvPicPr>
-            <a:picLocks noChangeAspect="1"/>
-          </p:cNvPicPr>
-          <p:nvPr/>
-        </p:nvPicPr>
-        <p:blipFill>
-          <a:blip r:embed="rId3" cstate="print">
-            <a:extLst>
-              <a:ext uri="{BEBA8EAE-BF5A-486C-A8C5-ECC9F3942E4B}">
-                <a14:imgProps xmlns:a14="http://schemas.microsoft.com/office/drawing/2010/main">
-                  <a14:imgLayer r:embed="rId4">
-                    <a14:imgEffect>
-                      <a14:colorTemperature colorTemp="11500"/>
-                    </a14:imgEffect>
-                    <a14:imgEffect>
-                      <a14:saturation sat="400000"/>
-                    </a14:imgEffect>
-                    <a14:imgEffect>
-                      <a14:brightnessContrast bright="100000" contrast="100000"/>
-                    </a14:imgEffect>
-                  </a14:imgLayer>
-                </a14:imgProps>
-              </a:ext>
-              <a:ext uri="{28A0092B-C50C-407E-A947-70E740481C1C}">
-                <a14:useLocalDpi xmlns:a14="http://schemas.microsoft.com/office/drawing/2010/main" val="0"/>
-              </a:ext>
-            </a:extLst>
-          </a:blip>
-          <a:stretch>
-            <a:fillRect/>
-          </a:stretch>
-        </p:blipFill>
-        <p:spPr>
-          <a:xfrm>
-            <a:off x="1710701" y="2869813"/>
-            <a:ext cx="2359386" cy="2359386"/>
-          </a:xfrm>
-          <a:prstGeom prst="rect">
-            <a:avLst/>
-          </a:prstGeom>
-        </p:spPr>
-      </p:pic>
-      <p:pic>
-        <p:nvPicPr>
-          <p:cNvPr id="3" name="Picture 2" descr="Shape&#10;&#10;Description automatically generated with low confidence">
-            <a:extLst>
-              <a:ext uri="{FF2B5EF4-FFF2-40B4-BE49-F238E27FC236}">
-                <a16:creationId xmlns:a16="http://schemas.microsoft.com/office/drawing/2014/main" id="{F2B8EEB5-A2A8-2246-92B8-D793C3FDC5FE}"/>
-              </a:ext>
-            </a:extLst>
-          </p:cNvPr>
-          <p:cNvPicPr>
-            <a:picLocks noChangeAspect="1"/>
-          </p:cNvPicPr>
-          <p:nvPr/>
-        </p:nvPicPr>
-        <p:blipFill>
-          <a:blip r:embed="rId5">
-            <a:extLst>
-              <a:ext uri="{BEBA8EAE-BF5A-486C-A8C5-ECC9F3942E4B}">
-                <a14:imgProps xmlns:a14="http://schemas.microsoft.com/office/drawing/2010/main">
-                  <a14:imgLayer r:embed="rId6">
-                    <a14:imgEffect>
-                      <a14:brightnessContrast bright="100000" contrast="100000"/>
-                    </a14:imgEffect>
-                  </a14:imgLayer>
-                </a14:imgProps>
-              </a:ext>
-              <a:ext uri="{28A0092B-C50C-407E-A947-70E740481C1C}">
-                <a14:useLocalDpi xmlns:a14="http://schemas.microsoft.com/office/drawing/2010/main" val="0"/>
-              </a:ext>
-            </a:extLst>
-          </a:blip>
-          <a:stretch>
-            <a:fillRect/>
-          </a:stretch>
-        </p:blipFill>
-        <p:spPr>
-          <a:xfrm>
-            <a:off x="5015880" y="2869814"/>
-            <a:ext cx="2359385" cy="2359385"/>
-          </a:xfrm>
-          <a:prstGeom prst="rect">
-            <a:avLst/>
-          </a:prstGeom>
-        </p:spPr>
-      </p:pic>
-      <p:pic>
-        <p:nvPicPr>
-          <p:cNvPr id="6" name="Picture 5" descr="Shape&#10;&#10;Description automatically generated with low confidence">
-            <a:extLst>
-              <a:ext uri="{FF2B5EF4-FFF2-40B4-BE49-F238E27FC236}">
-                <a16:creationId xmlns:a16="http://schemas.microsoft.com/office/drawing/2014/main" id="{E4E05851-7A29-58F2-A0E9-7AFC98E740B6}"/>
-              </a:ext>
-            </a:extLst>
-          </p:cNvPr>
-          <p:cNvPicPr>
-            <a:picLocks noChangeAspect="1"/>
-          </p:cNvPicPr>
-          <p:nvPr/>
-        </p:nvPicPr>
-        <p:blipFill>
-          <a:blip r:embed="rId7">
-            <a:extLst>
-              <a:ext uri="{BEBA8EAE-BF5A-486C-A8C5-ECC9F3942E4B}">
-                <a14:imgProps xmlns:a14="http://schemas.microsoft.com/office/drawing/2010/main">
-                  <a14:imgLayer r:embed="rId8">
-                    <a14:imgEffect>
-                      <a14:brightnessContrast bright="100000" contrast="100000"/>
-                    </a14:imgEffect>
-                  </a14:imgLayer>
-                </a14:imgProps>
-              </a:ext>
-              <a:ext uri="{28A0092B-C50C-407E-A947-70E740481C1C}">
-                <a14:useLocalDpi xmlns:a14="http://schemas.microsoft.com/office/drawing/2010/main" val="0"/>
-              </a:ext>
-            </a:extLst>
-          </a:blip>
-          <a:stretch>
-            <a:fillRect/>
-          </a:stretch>
-        </p:blipFill>
-        <p:spPr>
-          <a:xfrm>
-            <a:off x="8121914" y="2866900"/>
-            <a:ext cx="2359385" cy="2359385"/>
-          </a:xfrm>
-          <a:prstGeom prst="rect">
-            <a:avLst/>
-          </a:prstGeom>
-        </p:spPr>
-      </p:pic>
-    </p:spTree>
-    <p:extLst>
-      <p:ext uri="{BB962C8B-B14F-4D97-AF65-F5344CB8AC3E}">
-        <p14:creationId xmlns:p14="http://schemas.microsoft.com/office/powerpoint/2010/main" val="1579287213"/>
-      </p:ext>
-    </p:extLst>
-  </p:cSld>
-  <p:clrMapOvr>
-    <a:masterClrMapping/>
-  </p:clrMapOvr>
-</p:sld>
-</file>
-
-<file path=ppt/slides/slide8.xml><?xml version="1.0" encoding="utf-8"?>
-<p:sld xmlns:a="http://schemas.openxmlformats.org/drawingml/2006/main" xmlns:r="http://schemas.openxmlformats.org/officeDocument/2006/relationships" xmlns:p="http://schemas.openxmlformats.org/presentationml/2006/main">
-  <p:cSld>
-    <p:bg>
-      <p:bgPr>
-        <a:solidFill>
-          <a:schemeClr val="tx1"/>
-        </a:solidFill>
-        <a:effectLst/>
-      </p:bgPr>
-    </p:bg>
-    <p:spTree>
-      <p:nvGrpSpPr>
-        <p:cNvPr id="1" name=""/>
-        <p:cNvGrpSpPr/>
-        <p:nvPr/>
-      </p:nvGrpSpPr>
-      <p:grpSpPr>
-        <a:xfrm>
-          <a:off x="0" y="0"/>
-          <a:ext cx="0" cy="0"/>
-          <a:chOff x="0" y="0"/>
-          <a:chExt cx="0" cy="0"/>
-        </a:xfrm>
-      </p:grpSpPr>
-      <p:sp>
-        <p:nvSpPr>
-          <p:cNvPr id="10" name="Title 1">
-            <a:extLst>
-              <a:ext uri="{FF2B5EF4-FFF2-40B4-BE49-F238E27FC236}">
-                <a16:creationId xmlns:a16="http://schemas.microsoft.com/office/drawing/2014/main" id="{A29A4E1D-6B90-5AD8-9DB2-C35F6160DFE2}"/>
-              </a:ext>
-            </a:extLst>
-          </p:cNvPr>
-          <p:cNvSpPr txBox="1">
-            <a:spLocks/>
-          </p:cNvSpPr>
-          <p:nvPr/>
-        </p:nvSpPr>
-        <p:spPr>
-          <a:xfrm>
-            <a:off x="-7741368" y="2619557"/>
-            <a:ext cx="6858000" cy="2387600"/>
-          </a:xfrm>
-          <a:prstGeom prst="rect">
-            <a:avLst/>
-          </a:prstGeom>
-        </p:spPr>
-        <p:txBody>
-          <a:bodyPr vert="horz" lIns="91440" tIns="45720" rIns="91440" bIns="45720" rtlCol="0" anchor="ctr">
-            <a:normAutofit/>
-          </a:bodyPr>
-          <a:lstStyle>
-            <a:lvl1pPr algn="l" defTabSz="914400" rtl="0" eaLnBrk="1" latinLnBrk="0" hangingPunct="1">
-              <a:lnSpc>
-                <a:spcPct val="90000"/>
-              </a:lnSpc>
-              <a:spcBef>
-                <a:spcPct val="0"/>
-              </a:spcBef>
-              <a:buNone/>
-              <a:defRPr sz="4400" kern="1200">
-                <a:solidFill>
-                  <a:schemeClr val="tx1"/>
-                </a:solidFill>
-                <a:latin typeface="+mj-lt"/>
-                <a:ea typeface="+mj-ea"/>
-                <a:cs typeface="+mj-cs"/>
-              </a:defRPr>
-            </a:lvl1pPr>
-          </a:lstStyle>
-          <a:p>
-            <a:pPr algn="ctr"/>
-            <a:r>
-              <a:rPr lang="en-GB" dirty="0">
-                <a:solidFill>
-                  <a:schemeClr val="bg1"/>
-                </a:solidFill>
-                <a:latin typeface="Century Gothic" panose="020B0502020202020204" pitchFamily="34" charset="0"/>
-              </a:rPr>
-              <a:t>Service Times</a:t>
-            </a:r>
-          </a:p>
-        </p:txBody>
-      </p:sp>
-      <p:sp>
-        <p:nvSpPr>
-          <p:cNvPr id="11" name="TextBox 10">
-            <a:extLst>
-              <a:ext uri="{FF2B5EF4-FFF2-40B4-BE49-F238E27FC236}">
-                <a16:creationId xmlns:a16="http://schemas.microsoft.com/office/drawing/2014/main" id="{ADA8455D-134F-486C-C096-FFC55CA1AF07}"/>
-              </a:ext>
-            </a:extLst>
-          </p:cNvPr>
-          <p:cNvSpPr txBox="1"/>
-          <p:nvPr/>
-        </p:nvSpPr>
-        <p:spPr>
-          <a:xfrm>
-            <a:off x="3575720" y="3105834"/>
-            <a:ext cx="5040560" cy="646331"/>
-          </a:xfrm>
-          <a:prstGeom prst="rect">
-            <a:avLst/>
-          </a:prstGeom>
-          <a:noFill/>
-        </p:spPr>
-        <p:txBody>
-          <a:bodyPr wrap="square" rtlCol="0">
-            <a:spAutoFit/>
-          </a:bodyPr>
-          <a:lstStyle/>
-          <a:p>
-            <a:pPr algn="ctr"/>
-            <a:r>
-              <a:rPr lang="en-GB" sz="3600" b="1" dirty="0">
-                <a:solidFill>
-                  <a:schemeClr val="bg1"/>
-                </a:solidFill>
-                <a:latin typeface="Segoe UI" panose="020B0502040204020203" pitchFamily="34" charset="0"/>
-                <a:cs typeface="Segoe UI" panose="020B0502040204020203" pitchFamily="34" charset="0"/>
-              </a:rPr>
-              <a:t>SERVICE TIMES IMAGE</a:t>
-            </a:r>
-          </a:p>
-        </p:txBody>
-      </p:sp>
-      <p:pic>
-        <p:nvPicPr>
-          <p:cNvPr id="12" name="Picture 11" descr="Logo&#10;&#10;Description automatically generated with medium confidence">
-            <a:extLst>
-              <a:ext uri="{FF2B5EF4-FFF2-40B4-BE49-F238E27FC236}">
-                <a16:creationId xmlns:a16="http://schemas.microsoft.com/office/drawing/2014/main" id="{FC6FCAC7-28DE-2AD7-A34C-985D97CD84F3}"/>
-              </a:ext>
-            </a:extLst>
-          </p:cNvPr>
-          <p:cNvPicPr>
-            <a:picLocks noChangeAspect="1"/>
-          </p:cNvPicPr>
-          <p:nvPr/>
-        </p:nvPicPr>
-        <p:blipFill>
-          <a:blip r:embed="rId2" cstate="print">
-            <a:extLst>
-              <a:ext uri="{28A0092B-C50C-407E-A947-70E740481C1C}">
-                <a14:useLocalDpi xmlns:a14="http://schemas.microsoft.com/office/drawing/2010/main" val="0"/>
-              </a:ext>
-            </a:extLst>
-          </a:blip>
-          <a:stretch>
-            <a:fillRect/>
-          </a:stretch>
-        </p:blipFill>
-        <p:spPr>
-          <a:xfrm>
             <a:off x="335359" y="6269250"/>
             <a:ext cx="2664297" cy="344791"/>
           </a:xfrm>
@@ -7945,10 +8456,10 @@
       </p:pic>
       <p:grpSp>
         <p:nvGrpSpPr>
-          <p:cNvPr id="5" name="Group 4">
+          <p:cNvPr id="6" name="Group 5">
             <a:extLst>
               <a:ext uri="{FF2B5EF4-FFF2-40B4-BE49-F238E27FC236}">
-                <a16:creationId xmlns:a16="http://schemas.microsoft.com/office/drawing/2014/main" id="{277B2C79-2A8B-B992-9C76-550EEBEAE835}"/>
+                <a16:creationId xmlns:a16="http://schemas.microsoft.com/office/drawing/2014/main" id="{931966DB-ABCE-F8A1-071A-23EBFD547BCE}"/>
               </a:ext>
             </a:extLst>
           </p:cNvPr>
@@ -7957,18 +8468,18 @@
         </p:nvGrpSpPr>
         <p:grpSpPr>
           <a:xfrm>
-            <a:off x="4943872" y="6269250"/>
-            <a:ext cx="7030907" cy="369332"/>
-            <a:chOff x="4943872" y="6269250"/>
-            <a:chExt cx="7030907" cy="369332"/>
+            <a:off x="4943872" y="6249605"/>
+            <a:ext cx="7030907" cy="408623"/>
+            <a:chOff x="4943872" y="6249605"/>
+            <a:chExt cx="7030907" cy="408623"/>
           </a:xfrm>
         </p:grpSpPr>
         <p:sp>
           <p:nvSpPr>
-            <p:cNvPr id="6" name="TextBox 5">
+            <p:cNvPr id="9" name="TextBox 8">
               <a:extLst>
                 <a:ext uri="{FF2B5EF4-FFF2-40B4-BE49-F238E27FC236}">
-                  <a16:creationId xmlns:a16="http://schemas.microsoft.com/office/drawing/2014/main" id="{CAB4616D-1493-C0B1-6B24-457549FC9E10}"/>
+                  <a16:creationId xmlns:a16="http://schemas.microsoft.com/office/drawing/2014/main" id="{ED9CA979-6AEF-0EF1-B95C-A301A79D2687}"/>
                 </a:ext>
               </a:extLst>
             </p:cNvPr>
@@ -7977,11 +8488,13 @@
           </p:nvSpPr>
           <p:spPr>
             <a:xfrm>
-              <a:off x="4943872" y="6269250"/>
-              <a:ext cx="7030907" cy="369332"/>
+              <a:off x="4943872" y="6249605"/>
+              <a:ext cx="7030907" cy="408623"/>
             </a:xfrm>
-            <a:prstGeom prst="rect">
-              <a:avLst/>
+            <a:prstGeom prst="roundRect">
+              <a:avLst>
+                <a:gd name="adj" fmla="val 20010"/>
+              </a:avLst>
             </a:prstGeom>
             <a:noFill/>
             <a:ln w="19050">
@@ -7998,9 +8511,6 @@
             <a:p>
               <a:r>
                 <a:rPr lang="en-GB" dirty="0">
-                  <a:solidFill>
-                    <a:schemeClr val="bg1"/>
-                  </a:solidFill>
                   <a:latin typeface="Segoe UI Semibold" panose="020B0702040204020203" pitchFamily="34" charset="0"/>
                   <a:cs typeface="Segoe UI Semibold" panose="020B0702040204020203" pitchFamily="34" charset="0"/>
                 </a:rPr>
@@ -8008,18 +8518,12 @@
               </a:r>
               <a:r>
                 <a:rPr lang="zh-TW" altLang="en-US" b="1" dirty="0">
-                  <a:solidFill>
-                    <a:schemeClr val="bg1"/>
-                  </a:solidFill>
                   <a:latin typeface="Microsoft JhengHei" panose="020B0604030504040204" pitchFamily="34" charset="-120"/>
                   <a:ea typeface="Microsoft JhengHei" panose="020B0604030504040204" pitchFamily="34" charset="-120"/>
                 </a:rPr>
                 <a:t>請靜音或關閉所有電子設備</a:t>
               </a:r>
               <a:endParaRPr lang="ja-JP" altLang="en-US" b="1" dirty="0">
-                <a:solidFill>
-                  <a:schemeClr val="bg1"/>
-                </a:solidFill>
                 <a:latin typeface="Microsoft JhengHei" panose="020B0604030504040204" pitchFamily="34" charset="-120"/>
                 <a:ea typeface="Microsoft JhengHei" panose="020B0604030504040204" pitchFamily="34" charset="-120"/>
               </a:endParaRPr>
@@ -8028,10 +8532,10 @@
         </p:sp>
         <p:pic>
           <p:nvPicPr>
-            <p:cNvPr id="7" name="Picture 6" descr="Shape&#10;&#10;Description automatically generated with low confidence">
+            <p:cNvPr id="10" name="Picture 9" descr="Shape&#10;&#10;Description automatically generated with low confidence">
               <a:extLst>
                 <a:ext uri="{FF2B5EF4-FFF2-40B4-BE49-F238E27FC236}">
-                  <a16:creationId xmlns:a16="http://schemas.microsoft.com/office/drawing/2014/main" id="{162933C6-905E-45A4-702C-E8273197FEE3}"/>
+                  <a16:creationId xmlns:a16="http://schemas.microsoft.com/office/drawing/2014/main" id="{E526CB96-AB45-19A1-DFEF-BB6D1C6E94A8}"/>
                 </a:ext>
               </a:extLst>
             </p:cNvPr>
@@ -8041,11 +8545,11 @@
             <p:nvPr/>
           </p:nvPicPr>
           <p:blipFill>
-            <a:blip r:embed="rId3" cstate="print">
+            <a:blip r:embed="rId4" cstate="print">
               <a:extLst>
                 <a:ext uri="{BEBA8EAE-BF5A-486C-A8C5-ECC9F3942E4B}">
                   <a14:imgProps xmlns:a14="http://schemas.microsoft.com/office/drawing/2010/main">
-                    <a14:imgLayer r:embed="rId4">
+                    <a14:imgLayer r:embed="rId5">
                       <a14:imgEffect>
                         <a14:colorTemperature colorTemp="11500"/>
                       </a14:imgEffect>
@@ -8053,7 +8557,7 @@
                         <a14:saturation sat="400000"/>
                       </a14:imgEffect>
                       <a14:imgEffect>
-                        <a14:brightnessContrast bright="100000" contrast="100000"/>
+                        <a14:brightnessContrast bright="-40000" contrast="-40000"/>
                       </a14:imgEffect>
                     </a14:imgLayer>
                   </a14:imgProps>
@@ -8081,7 +8585,284 @@
     </p:spTree>
     <p:extLst>
       <p:ext uri="{BB962C8B-B14F-4D97-AF65-F5344CB8AC3E}">
-        <p14:creationId xmlns:p14="http://schemas.microsoft.com/office/powerpoint/2010/main" val="3742231344"/>
+        <p14:creationId xmlns:p14="http://schemas.microsoft.com/office/powerpoint/2010/main" val="2970436884"/>
+      </p:ext>
+    </p:extLst>
+  </p:cSld>
+  <p:clrMapOvr>
+    <a:masterClrMapping/>
+  </p:clrMapOvr>
+</p:sld>
+</file>
+
+<file path=ppt/slides/slide9.xml><?xml version="1.0" encoding="utf-8"?>
+<p:sld xmlns:a="http://schemas.openxmlformats.org/drawingml/2006/main" xmlns:r="http://schemas.openxmlformats.org/officeDocument/2006/relationships" xmlns:p="http://schemas.openxmlformats.org/presentationml/2006/main">
+  <p:cSld>
+    <p:spTree>
+      <p:nvGrpSpPr>
+        <p:cNvPr id="1" name=""/>
+        <p:cNvGrpSpPr/>
+        <p:nvPr/>
+      </p:nvGrpSpPr>
+      <p:grpSpPr>
+        <a:xfrm>
+          <a:off x="0" y="0"/>
+          <a:ext cx="0" cy="0"/>
+          <a:chOff x="0" y="0"/>
+          <a:chExt cx="0" cy="0"/>
+        </a:xfrm>
+      </p:grpSpPr>
+      <p:sp>
+        <p:nvSpPr>
+          <p:cNvPr id="9" name="TextBox 8">
+            <a:extLst>
+              <a:ext uri="{FF2B5EF4-FFF2-40B4-BE49-F238E27FC236}">
+                <a16:creationId xmlns:a16="http://schemas.microsoft.com/office/drawing/2014/main" id="{EB7FD2AF-7F03-5326-A748-9D97F0B7E43C}"/>
+              </a:ext>
+            </a:extLst>
+          </p:cNvPr>
+          <p:cNvSpPr txBox="1"/>
+          <p:nvPr/>
+        </p:nvSpPr>
+        <p:spPr>
+          <a:xfrm>
+            <a:off x="479376" y="637429"/>
+            <a:ext cx="11233247" cy="1446550"/>
+          </a:xfrm>
+          <a:prstGeom prst="rect">
+            <a:avLst/>
+          </a:prstGeom>
+          <a:noFill/>
+          <a:ln w="63500">
+            <a:noFill/>
+          </a:ln>
+        </p:spPr>
+        <p:txBody>
+          <a:bodyPr wrap="square" rtlCol="0">
+            <a:spAutoFit/>
+          </a:bodyPr>
+          <a:lstStyle/>
+          <a:p>
+            <a:pPr algn="ctr"/>
+            <a:r>
+              <a:rPr lang="en-GB" altLang="en-US" sz="4400" b="1" dirty="0">
+                <a:latin typeface="Segoe UI" panose="020B0502040204020203" pitchFamily="34" charset="0"/>
+                <a:cs typeface="Segoe UI" panose="020B0502040204020203" pitchFamily="34" charset="0"/>
+              </a:rPr>
+              <a:t>Please Turn Off/Silence Your Devices</a:t>
+            </a:r>
+            <a:endParaRPr lang="zh-TW" altLang="en-US" sz="4400" b="1" dirty="0">
+              <a:latin typeface="Microsoft JhengHei" panose="020B0604030504040204" pitchFamily="34" charset="-120"/>
+              <a:ea typeface="Microsoft JhengHei" panose="020B0604030504040204" pitchFamily="34" charset="-120"/>
+            </a:endParaRPr>
+          </a:p>
+          <a:p>
+            <a:pPr algn="ctr"/>
+            <a:r>
+              <a:rPr lang="zh-TW" altLang="en-US" sz="4400" b="1" dirty="0">
+                <a:latin typeface="Microsoft JhengHei" panose="020B0604030504040204" pitchFamily="34" charset="-120"/>
+                <a:ea typeface="Microsoft JhengHei" panose="020B0604030504040204" pitchFamily="34" charset="-120"/>
+              </a:rPr>
+              <a:t>請靜音或關閉所有電子設備</a:t>
+            </a:r>
+            <a:endParaRPr lang="en-GB" sz="4400" b="1" dirty="0">
+              <a:latin typeface="Microsoft JhengHei" panose="020B0604030504040204" pitchFamily="34" charset="-120"/>
+              <a:ea typeface="Microsoft JhengHei" panose="020B0604030504040204" pitchFamily="34" charset="-120"/>
+            </a:endParaRPr>
+          </a:p>
+        </p:txBody>
+      </p:sp>
+      <p:pic>
+        <p:nvPicPr>
+          <p:cNvPr id="5" name="Picture 4" descr="Shape&#10;&#10;Description automatically generated with low confidence">
+            <a:extLst>
+              <a:ext uri="{FF2B5EF4-FFF2-40B4-BE49-F238E27FC236}">
+                <a16:creationId xmlns:a16="http://schemas.microsoft.com/office/drawing/2014/main" id="{AC9BD3E1-856D-B518-3D09-AA2FCBC6B91A}"/>
+              </a:ext>
+            </a:extLst>
+          </p:cNvPr>
+          <p:cNvPicPr>
+            <a:picLocks noChangeAspect="1"/>
+          </p:cNvPicPr>
+          <p:nvPr/>
+        </p:nvPicPr>
+        <p:blipFill>
+          <a:blip r:embed="rId2" cstate="print">
+            <a:extLst>
+              <a:ext uri="{BEBA8EAE-BF5A-486C-A8C5-ECC9F3942E4B}">
+                <a14:imgProps xmlns:a14="http://schemas.microsoft.com/office/drawing/2010/main">
+                  <a14:imgLayer r:embed="rId3">
+                    <a14:imgEffect>
+                      <a14:colorTemperature colorTemp="11500"/>
+                    </a14:imgEffect>
+                    <a14:imgEffect>
+                      <a14:saturation sat="400000"/>
+                    </a14:imgEffect>
+                    <a14:imgEffect>
+                      <a14:brightnessContrast bright="-40000" contrast="-40000"/>
+                    </a14:imgEffect>
+                  </a14:imgLayer>
+                </a14:imgProps>
+              </a:ext>
+              <a:ext uri="{28A0092B-C50C-407E-A947-70E740481C1C}">
+                <a14:useLocalDpi xmlns:a14="http://schemas.microsoft.com/office/drawing/2010/main" val="0"/>
+              </a:ext>
+            </a:extLst>
+          </a:blip>
+          <a:stretch>
+            <a:fillRect/>
+          </a:stretch>
+        </p:blipFill>
+        <p:spPr>
+          <a:xfrm>
+            <a:off x="1710701" y="2869813"/>
+            <a:ext cx="2359386" cy="2359386"/>
+          </a:xfrm>
+          <a:prstGeom prst="rect">
+            <a:avLst/>
+          </a:prstGeom>
+        </p:spPr>
+      </p:pic>
+      <p:pic>
+        <p:nvPicPr>
+          <p:cNvPr id="3" name="Picture 2" descr="Shape&#10;&#10;Description automatically generated with low confidence">
+            <a:extLst>
+              <a:ext uri="{FF2B5EF4-FFF2-40B4-BE49-F238E27FC236}">
+                <a16:creationId xmlns:a16="http://schemas.microsoft.com/office/drawing/2014/main" id="{F2B8EEB5-A2A8-2246-92B8-D793C3FDC5FE}"/>
+              </a:ext>
+            </a:extLst>
+          </p:cNvPr>
+          <p:cNvPicPr>
+            <a:picLocks noChangeAspect="1"/>
+          </p:cNvPicPr>
+          <p:nvPr/>
+        </p:nvPicPr>
+        <p:blipFill>
+          <a:blip r:embed="rId4">
+            <a:extLst>
+              <a:ext uri="{BEBA8EAE-BF5A-486C-A8C5-ECC9F3942E4B}">
+                <a14:imgProps xmlns:a14="http://schemas.microsoft.com/office/drawing/2010/main">
+                  <a14:imgLayer r:embed="rId5">
+                    <a14:imgEffect>
+                      <a14:brightnessContrast bright="-40000" contrast="-40000"/>
+                    </a14:imgEffect>
+                  </a14:imgLayer>
+                </a14:imgProps>
+              </a:ext>
+              <a:ext uri="{28A0092B-C50C-407E-A947-70E740481C1C}">
+                <a14:useLocalDpi xmlns:a14="http://schemas.microsoft.com/office/drawing/2010/main" val="0"/>
+              </a:ext>
+            </a:extLst>
+          </a:blip>
+          <a:stretch>
+            <a:fillRect/>
+          </a:stretch>
+        </p:blipFill>
+        <p:spPr>
+          <a:xfrm>
+            <a:off x="5015880" y="2869814"/>
+            <a:ext cx="2359385" cy="2359385"/>
+          </a:xfrm>
+          <a:prstGeom prst="rect">
+            <a:avLst/>
+          </a:prstGeom>
+        </p:spPr>
+      </p:pic>
+      <p:pic>
+        <p:nvPicPr>
+          <p:cNvPr id="6" name="Picture 5" descr="Shape&#10;&#10;Description automatically generated with low confidence">
+            <a:extLst>
+              <a:ext uri="{FF2B5EF4-FFF2-40B4-BE49-F238E27FC236}">
+                <a16:creationId xmlns:a16="http://schemas.microsoft.com/office/drawing/2014/main" id="{E4E05851-7A29-58F2-A0E9-7AFC98E740B6}"/>
+              </a:ext>
+            </a:extLst>
+          </p:cNvPr>
+          <p:cNvPicPr>
+            <a:picLocks noChangeAspect="1"/>
+          </p:cNvPicPr>
+          <p:nvPr/>
+        </p:nvPicPr>
+        <p:blipFill>
+          <a:blip r:embed="rId6">
+            <a:extLst>
+              <a:ext uri="{BEBA8EAE-BF5A-486C-A8C5-ECC9F3942E4B}">
+                <a14:imgProps xmlns:a14="http://schemas.microsoft.com/office/drawing/2010/main">
+                  <a14:imgLayer r:embed="rId7">
+                    <a14:imgEffect>
+                      <a14:brightnessContrast bright="-40000" contrast="-40000"/>
+                    </a14:imgEffect>
+                  </a14:imgLayer>
+                </a14:imgProps>
+              </a:ext>
+              <a:ext uri="{28A0092B-C50C-407E-A947-70E740481C1C}">
+                <a14:useLocalDpi xmlns:a14="http://schemas.microsoft.com/office/drawing/2010/main" val="0"/>
+              </a:ext>
+            </a:extLst>
+          </a:blip>
+          <a:stretch>
+            <a:fillRect/>
+          </a:stretch>
+        </p:blipFill>
+        <p:spPr>
+          <a:xfrm>
+            <a:off x="8121914" y="2866900"/>
+            <a:ext cx="2359385" cy="2359385"/>
+          </a:xfrm>
+          <a:prstGeom prst="rect">
+            <a:avLst/>
+          </a:prstGeom>
+        </p:spPr>
+      </p:pic>
+      <p:pic>
+        <p:nvPicPr>
+          <p:cNvPr id="2" name="Picture 1" descr="Logo&#10;&#10;Description automatically generated with medium confidence">
+            <a:extLst>
+              <a:ext uri="{FF2B5EF4-FFF2-40B4-BE49-F238E27FC236}">
+                <a16:creationId xmlns:a16="http://schemas.microsoft.com/office/drawing/2014/main" id="{97EAE857-49D3-7B8C-B57E-A881B4864B2E}"/>
+              </a:ext>
+            </a:extLst>
+          </p:cNvPr>
+          <p:cNvPicPr>
+            <a:picLocks noChangeAspect="1"/>
+          </p:cNvPicPr>
+          <p:nvPr/>
+        </p:nvPicPr>
+        <p:blipFill>
+          <a:blip r:embed="rId8" cstate="print">
+            <a:biLevel thresh="75000"/>
+            <a:extLst>
+              <a:ext uri="{BEBA8EAE-BF5A-486C-A8C5-ECC9F3942E4B}">
+                <a14:imgProps xmlns:a14="http://schemas.microsoft.com/office/drawing/2010/main">
+                  <a14:imgLayer r:embed="rId9">
+                    <a14:imgEffect>
+                      <a14:brightnessContrast bright="-40000" contrast="-40000"/>
+                    </a14:imgEffect>
+                  </a14:imgLayer>
+                </a14:imgProps>
+              </a:ext>
+              <a:ext uri="{28A0092B-C50C-407E-A947-70E740481C1C}">
+                <a14:useLocalDpi xmlns:a14="http://schemas.microsoft.com/office/drawing/2010/main" val="0"/>
+              </a:ext>
+            </a:extLst>
+          </a:blip>
+          <a:stretch>
+            <a:fillRect/>
+          </a:stretch>
+        </p:blipFill>
+        <p:spPr>
+          <a:xfrm>
+            <a:off x="335359" y="6269250"/>
+            <a:ext cx="2664297" cy="344791"/>
+          </a:xfrm>
+          <a:prstGeom prst="rect">
+            <a:avLst/>
+          </a:prstGeom>
+        </p:spPr>
+      </p:pic>
+    </p:spTree>
+    <p:extLst>
+      <p:ext uri="{BB962C8B-B14F-4D97-AF65-F5344CB8AC3E}">
+        <p14:creationId xmlns:p14="http://schemas.microsoft.com/office/powerpoint/2010/main" val="1579287213"/>
       </p:ext>
     </p:extLst>
   </p:cSld>

--- a/TJCPowerPoint/bin/Debug/Files/ServiceWidescreen.pptx
+++ b/TJCPowerPoint/bin/Debug/Files/ServiceWidescreen.pptx
@@ -4981,7 +4981,7 @@
         <p:spPr bwMode="auto">
           <a:xfrm>
             <a:off x="1519747" y="3025408"/>
-            <a:ext cx="9144000" cy="707886"/>
+            <a:ext cx="9144000" cy="646331"/>
           </a:xfrm>
           <a:prstGeom prst="rect">
             <a:avLst/>
@@ -5007,19 +5007,19 @@
               </a:spcBef>
             </a:pPr>
             <a:r>
-              <a:rPr lang="en-GB" altLang="en-US" sz="4000" dirty="0">
+              <a:rPr lang="en-GB" altLang="en-US" sz="3600" dirty="0">
                 <a:latin typeface="Century Gothic" panose="020B0502020202020204" pitchFamily="34" charset="0"/>
               </a:rPr>
               <a:t>Hymns </a:t>
             </a:r>
             <a:r>
-              <a:rPr lang="zh-TW" altLang="en-US" sz="4000" dirty="0">
+              <a:rPr lang="zh-TW" altLang="en-US" sz="3600" dirty="0">
                 <a:latin typeface="Microsoft JhengHei" panose="020B0604030504040204" pitchFamily="34" charset="-120"/>
                 <a:ea typeface="Microsoft JhengHei" panose="020B0604030504040204" pitchFamily="34" charset="-120"/>
               </a:rPr>
               <a:t>詩</a:t>
             </a:r>
-            <a:endParaRPr lang="en-US" altLang="en-US" sz="4000" b="1" dirty="0">
+            <a:endParaRPr lang="en-US" altLang="en-US" sz="3600" b="1" dirty="0">
               <a:latin typeface="Century Gothic" panose="020B0502020202020204" pitchFamily="34" charset="0"/>
             </a:endParaRPr>
           </a:p>
@@ -5035,7 +5035,7 @@
         </p:nvSpPr>
         <p:spPr bwMode="auto">
           <a:xfrm>
-            <a:off x="1530570" y="3924345"/>
+            <a:off x="1530570" y="3789040"/>
             <a:ext cx="9137431" cy="584775"/>
           </a:xfrm>
           <a:prstGeom prst="rect">
@@ -5417,7 +5417,7 @@
         </p:nvSpPr>
         <p:spPr bwMode="auto">
           <a:xfrm>
-            <a:off x="0" y="210344"/>
+            <a:off x="0" y="354360"/>
             <a:ext cx="12192000" cy="914400"/>
           </a:xfrm>
           <a:prstGeom prst="rect">
@@ -5489,7 +5489,7 @@
         </p:nvSpPr>
         <p:spPr bwMode="auto">
           <a:xfrm>
-            <a:off x="0" y="1198389"/>
+            <a:off x="0" y="1342405"/>
             <a:ext cx="12192000" cy="1006475"/>
           </a:xfrm>
           <a:prstGeom prst="rect">
@@ -5565,8 +5565,8 @@
         </p:nvSpPr>
         <p:spPr bwMode="auto">
           <a:xfrm>
-            <a:off x="222502" y="2505090"/>
-            <a:ext cx="5004520" cy="707886"/>
+            <a:off x="222502" y="2420888"/>
+            <a:ext cx="5004520" cy="646331"/>
           </a:xfrm>
           <a:prstGeom prst="rect">
             <a:avLst/>
@@ -5619,19 +5619,19 @@
               <a:buNone/>
             </a:pPr>
             <a:r>
-              <a:rPr lang="en-GB" altLang="en-US" sz="4000" dirty="0">
+              <a:rPr lang="en-GB" altLang="en-US" sz="3600" dirty="0">
                 <a:latin typeface="Century Gothic" panose="020B0502020202020204" pitchFamily="34" charset="0"/>
               </a:rPr>
               <a:t>Bible Verse </a:t>
             </a:r>
             <a:r>
-              <a:rPr lang="zh-TW" altLang="en-US" sz="4000" dirty="0">
+              <a:rPr lang="zh-TW" altLang="en-US" sz="3600" dirty="0">
                 <a:latin typeface="Microsoft JhengHei" panose="020B0604030504040204" pitchFamily="34" charset="-120"/>
                 <a:ea typeface="Microsoft JhengHei" panose="020B0604030504040204" pitchFamily="34" charset="-120"/>
               </a:rPr>
               <a:t>經文</a:t>
             </a:r>
-            <a:endParaRPr lang="en-US" altLang="en-US" sz="4000" dirty="0">
+            <a:endParaRPr lang="en-US" altLang="en-US" sz="3600" dirty="0">
               <a:latin typeface="Microsoft JhengHei" panose="020B0604030504040204" pitchFamily="34" charset="-120"/>
               <a:ea typeface="Microsoft JhengHei" panose="020B0604030504040204" pitchFamily="34" charset="-120"/>
             </a:endParaRPr>
@@ -5648,7 +5648,7 @@
         </p:nvSpPr>
         <p:spPr bwMode="auto">
           <a:xfrm>
-            <a:off x="119336" y="3429000"/>
+            <a:off x="119336" y="3344798"/>
             <a:ext cx="5652192" cy="830997"/>
           </a:xfrm>
           <a:prstGeom prst="rect">
@@ -5718,7 +5718,7 @@
         </p:nvSpPr>
         <p:spPr bwMode="auto">
           <a:xfrm>
-            <a:off x="300061" y="4365104"/>
+            <a:off x="300061" y="4280902"/>
             <a:ext cx="5471467" cy="830997"/>
           </a:xfrm>
           <a:prstGeom prst="rect">
@@ -5794,7 +5794,7 @@
         </p:nvSpPr>
         <p:spPr bwMode="auto">
           <a:xfrm>
-            <a:off x="5952253" y="3819128"/>
+            <a:off x="5952253" y="3734926"/>
             <a:ext cx="6239747" cy="2308324"/>
           </a:xfrm>
           <a:prstGeom prst="rect">

--- a/TJCPowerPoint/bin/Debug/Files/ServiceWidescreen.pptx
+++ b/TJCPowerPoint/bin/Debug/Files/ServiceWidescreen.pptx
@@ -4145,62 +4145,6 @@
           </a:p>
         </p:txBody>
       </p:sp>
-      <p:sp>
-        <p:nvSpPr>
-          <p:cNvPr id="10" name="TextBox 9">
-            <a:extLst>
-              <a:ext uri="{FF2B5EF4-FFF2-40B4-BE49-F238E27FC236}">
-                <a16:creationId xmlns:a16="http://schemas.microsoft.com/office/drawing/2014/main" id="{6DA65BC6-CF8D-7742-7648-A497F05CD732}"/>
-              </a:ext>
-            </a:extLst>
-          </p:cNvPr>
-          <p:cNvSpPr txBox="1"/>
-          <p:nvPr/>
-        </p:nvSpPr>
-        <p:spPr>
-          <a:xfrm>
-            <a:off x="5231904" y="6023029"/>
-            <a:ext cx="6395128" cy="646331"/>
-          </a:xfrm>
-          <a:prstGeom prst="rect">
-            <a:avLst/>
-          </a:prstGeom>
-          <a:noFill/>
-          <a:ln w="19050">
-            <a:noFill/>
-          </a:ln>
-        </p:spPr>
-        <p:txBody>
-          <a:bodyPr wrap="square" rtlCol="0" anchor="ctr">
-            <a:spAutoFit/>
-          </a:bodyPr>
-          <a:lstStyle/>
-          <a:p>
-            <a:pPr algn="r"/>
-            <a:r>
-              <a:rPr lang="en-GB" dirty="0">
-                <a:latin typeface="Segoe UI Semibold" panose="020B0702040204020203" pitchFamily="34" charset="0"/>
-                <a:cs typeface="Segoe UI Semibold" panose="020B0702040204020203" pitchFamily="34" charset="0"/>
-              </a:rPr>
-              <a:t>Please Turn Off/Silence Your Devices </a:t>
-            </a:r>
-          </a:p>
-          <a:p>
-            <a:pPr algn="r"/>
-            <a:r>
-              <a:rPr lang="zh-TW" altLang="en-US" b="1" dirty="0">
-                <a:latin typeface="Microsoft JhengHei" panose="020B0604030504040204" pitchFamily="34" charset="-120"/>
-                <a:ea typeface="Microsoft JhengHei" panose="020B0604030504040204" pitchFamily="34" charset="-120"/>
-              </a:rPr>
-              <a:t>請靜音或關閉所有電子設備</a:t>
-            </a:r>
-            <a:endParaRPr lang="ja-JP" altLang="en-US" b="1" dirty="0">
-              <a:latin typeface="Microsoft JhengHei" panose="020B0604030504040204" pitchFamily="34" charset="-120"/>
-              <a:ea typeface="Microsoft JhengHei" panose="020B0604030504040204" pitchFamily="34" charset="-120"/>
-            </a:endParaRPr>
-          </a:p>
-        </p:txBody>
-      </p:sp>
       <p:pic>
         <p:nvPicPr>
           <p:cNvPr id="11" name="Picture 10" descr="Shape&#10;&#10;Description automatically generated with low confidence">
@@ -4244,7 +4188,7 @@
         </p:blipFill>
         <p:spPr>
           <a:xfrm>
-            <a:off x="11544706" y="6093296"/>
+            <a:off x="11502624" y="6021645"/>
             <a:ext cx="508138" cy="508138"/>
           </a:xfrm>
           <a:prstGeom prst="rect">
@@ -4434,7 +4378,7 @@
                 <a:cs typeface="Segoe UI" panose="020B0502040204020203" pitchFamily="34" charset="0"/>
               </a:rPr>
               <a:pPr algn="r"/>
-              <a:t>Tuesday, December 27, 2022</a:t>
+              <a:t>Monday, January 2, 2023</a:t>
             </a:fld>
             <a:endParaRPr lang="en-US" altLang="en-US" sz="3600" b="1" dirty="0">
               <a:solidFill>
@@ -4492,6 +4436,64 @@
           </a:prstGeom>
         </p:spPr>
       </p:pic>
+      <p:sp>
+        <p:nvSpPr>
+          <p:cNvPr id="7" name="TextBox 6">
+            <a:extLst>
+              <a:ext uri="{FF2B5EF4-FFF2-40B4-BE49-F238E27FC236}">
+                <a16:creationId xmlns:a16="http://schemas.microsoft.com/office/drawing/2014/main" id="{416F70EC-4301-ED90-9F3F-3259823B803F}"/>
+              </a:ext>
+            </a:extLst>
+          </p:cNvPr>
+          <p:cNvSpPr txBox="1"/>
+          <p:nvPr/>
+        </p:nvSpPr>
+        <p:spPr>
+          <a:xfrm>
+            <a:off x="7115825" y="5877272"/>
+            <a:ext cx="4524791" cy="796885"/>
+          </a:xfrm>
+          <a:prstGeom prst="roundRect">
+            <a:avLst>
+              <a:gd name="adj" fmla="val 20010"/>
+            </a:avLst>
+          </a:prstGeom>
+          <a:noFill/>
+          <a:ln w="19050">
+            <a:noFill/>
+          </a:ln>
+        </p:spPr>
+        <p:txBody>
+          <a:bodyPr wrap="square" rtlCol="0" anchor="ctr">
+            <a:spAutoFit/>
+          </a:bodyPr>
+          <a:lstStyle/>
+          <a:p>
+            <a:pPr algn="r"/>
+            <a:r>
+              <a:rPr lang="en-GB" sz="2000" dirty="0">
+                <a:latin typeface="Segoe UI Semibold" panose="020B0702040204020203" pitchFamily="34" charset="0"/>
+                <a:cs typeface="Segoe UI Semibold" panose="020B0702040204020203" pitchFamily="34" charset="0"/>
+              </a:rPr>
+              <a:t>Please Turn Off/Silence Your Devices</a:t>
+            </a:r>
+          </a:p>
+          <a:p>
+            <a:pPr algn="r"/>
+            <a:r>
+              <a:rPr lang="zh-TW" altLang="en-US" sz="2000" b="1" dirty="0">
+                <a:latin typeface="Microsoft JhengHei" panose="020B0604030504040204" pitchFamily="34" charset="-120"/>
+                <a:ea typeface="Microsoft JhengHei" panose="020B0604030504040204" pitchFamily="34" charset="-120"/>
+              </a:rPr>
+              <a:t>請靜音或關閉所有電子設備</a:t>
+            </a:r>
+            <a:endParaRPr lang="ja-JP" altLang="en-US" sz="2000" b="1" dirty="0">
+              <a:latin typeface="Microsoft JhengHei" panose="020B0604030504040204" pitchFamily="34" charset="-120"/>
+              <a:ea typeface="Microsoft JhengHei" panose="020B0604030504040204" pitchFamily="34" charset="-120"/>
+            </a:endParaRPr>
+          </a:p>
+        </p:txBody>
+      </p:sp>
     </p:spTree>
     <p:extLst>
       <p:ext uri="{BB962C8B-B14F-4D97-AF65-F5344CB8AC3E}">
@@ -6235,7 +6237,7 @@
                 <a:latin typeface="Century Gothic" panose="020B0502020202020204" pitchFamily="34" charset="0"/>
                 <a:ea typeface="金梅新中楷全字體" panose="02010509060101010101" pitchFamily="49" charset="-120"/>
               </a:rPr>
-              <a:t>Hymn Nos</a:t>
+              <a:t>Hymn No.</a:t>
             </a:r>
           </a:p>
         </p:txBody>
@@ -7443,12 +7445,16 @@
               </a:lnSpc>
             </a:pPr>
             <a:r>
-              <a:rPr lang="en-GB" sz="4400" dirty="0">
+              <a:rPr lang="en-GB" sz="4400">
                 <a:latin typeface="Century Gothic" panose="020B0502020202020204" pitchFamily="34" charset="0"/>
                 <a:cs typeface="Segoe UI" panose="020B0502040204020203" pitchFamily="34" charset="0"/>
               </a:rPr>
-              <a:t>HYMN No</a:t>
-            </a:r>
+              <a:t>Hymn No.</a:t>
+            </a:r>
+            <a:endParaRPr lang="en-GB" sz="4400" dirty="0">
+              <a:latin typeface="Century Gothic" panose="020B0502020202020204" pitchFamily="34" charset="0"/>
+              <a:cs typeface="Segoe UI" panose="020B0502040204020203" pitchFamily="34" charset="0"/>
+            </a:endParaRPr>
           </a:p>
         </p:txBody>
       </p:sp>

--- a/TJCPowerPoint/bin/Debug/Files/ServiceWidescreen.pptx
+++ b/TJCPowerPoint/bin/Debug/Files/ServiceWidescreen.pptx
@@ -4378,7 +4378,7 @@
                 <a:cs typeface="Segoe UI" panose="020B0502040204020203" pitchFamily="34" charset="0"/>
               </a:rPr>
               <a:pPr algn="r"/>
-              <a:t>Monday, January 2, 2023</a:t>
+              <a:t>Thursday, January 5, 2023</a:t>
             </a:fld>
             <a:endParaRPr lang="en-US" altLang="en-US" sz="3600" b="1" dirty="0">
               <a:solidFill>
@@ -5012,7 +5012,7 @@
               <a:rPr lang="en-GB" altLang="en-US" sz="3600" dirty="0">
                 <a:latin typeface="Century Gothic" panose="020B0502020202020204" pitchFamily="34" charset="0"/>
               </a:rPr>
-              <a:t>Hymns </a:t>
+              <a:t>HYMNS </a:t>
             </a:r>
             <a:r>
               <a:rPr lang="zh-TW" altLang="en-US" sz="3600" dirty="0">
@@ -5567,8 +5567,8 @@
         </p:nvSpPr>
         <p:spPr bwMode="auto">
           <a:xfrm>
-            <a:off x="222502" y="2420888"/>
-            <a:ext cx="5004520" cy="646331"/>
+            <a:off x="252966" y="2677849"/>
+            <a:ext cx="5004520" cy="584775"/>
           </a:xfrm>
           <a:prstGeom prst="rect">
             <a:avLst/>
@@ -5621,19 +5621,19 @@
               <a:buNone/>
             </a:pPr>
             <a:r>
-              <a:rPr lang="en-GB" altLang="en-US" sz="3600" dirty="0">
+              <a:rPr lang="en-GB" altLang="en-US" sz="3200" dirty="0">
                 <a:latin typeface="Century Gothic" panose="020B0502020202020204" pitchFamily="34" charset="0"/>
               </a:rPr>
-              <a:t>Bible Verse </a:t>
-            </a:r>
-            <a:r>
-              <a:rPr lang="zh-TW" altLang="en-US" sz="3600" dirty="0">
+              <a:t>BIBLE VERSE </a:t>
+            </a:r>
+            <a:r>
+              <a:rPr lang="zh-TW" altLang="en-US" sz="3200" dirty="0">
                 <a:latin typeface="Microsoft JhengHei" panose="020B0604030504040204" pitchFamily="34" charset="-120"/>
                 <a:ea typeface="Microsoft JhengHei" panose="020B0604030504040204" pitchFamily="34" charset="-120"/>
               </a:rPr>
               <a:t>經文</a:t>
             </a:r>
-            <a:endParaRPr lang="en-US" altLang="en-US" sz="3600" dirty="0">
+            <a:endParaRPr lang="en-US" altLang="en-US" sz="3200" dirty="0">
               <a:latin typeface="Microsoft JhengHei" panose="020B0604030504040204" pitchFamily="34" charset="-120"/>
               <a:ea typeface="Microsoft JhengHei" panose="020B0604030504040204" pitchFamily="34" charset="-120"/>
             </a:endParaRPr>
@@ -6181,8 +6181,8 @@
         </p:nvSpPr>
         <p:spPr bwMode="auto">
           <a:xfrm>
-            <a:off x="1" y="1700808"/>
-            <a:ext cx="12192000" cy="4464496"/>
+            <a:off x="1" y="1628800"/>
+            <a:ext cx="12192000" cy="4536504"/>
           </a:xfrm>
           <a:prstGeom prst="rect">
             <a:avLst/>
@@ -6233,7 +6233,7 @@
               </a:lnSpc>
             </a:pPr>
             <a:r>
-              <a:rPr lang="en-GB" altLang="zh-TW" sz="4000" dirty="0">
+              <a:rPr lang="en-GB" altLang="zh-TW" sz="4800" dirty="0">
                 <a:latin typeface="Century Gothic" panose="020B0502020202020204" pitchFamily="34" charset="0"/>
                 <a:ea typeface="金梅新中楷全字體" panose="02010509060101010101" pitchFamily="49" charset="-120"/>
               </a:rPr>
@@ -6258,8 +6258,8 @@
         </p:nvSpPr>
         <p:spPr bwMode="auto">
           <a:xfrm>
-            <a:off x="1871470" y="704601"/>
-            <a:ext cx="8449060" cy="648072"/>
+            <a:off x="1871470" y="476672"/>
+            <a:ext cx="8449060" cy="924199"/>
           </a:xfrm>
           <a:prstGeom prst="rect">
             <a:avLst/>
@@ -6306,20 +6306,20 @@
           <a:p>
             <a:pPr algn="ctr"/>
             <a:r>
-              <a:rPr lang="en-GB" altLang="en-US" sz="4400" b="1" dirty="0">
+              <a:rPr lang="en-GB" altLang="en-US" sz="6000" b="1" dirty="0">
                 <a:latin typeface="Segoe UI" panose="020B0502040204020203" pitchFamily="34" charset="0"/>
                 <a:cs typeface="Segoe UI" panose="020B0502040204020203" pitchFamily="34" charset="0"/>
               </a:rPr>
               <a:t>HYMNAL </a:t>
             </a:r>
             <a:r>
-              <a:rPr lang="ja-JP" altLang="en-US" sz="4400" b="1" dirty="0">
+              <a:rPr lang="ja-JP" altLang="en-US" sz="6000" b="1" dirty="0">
                 <a:latin typeface="Segoe UI" panose="020B0502040204020203" pitchFamily="34" charset="0"/>
                 <a:cs typeface="Segoe UI" panose="020B0502040204020203" pitchFamily="34" charset="0"/>
               </a:rPr>
               <a:t>詩頌</a:t>
             </a:r>
-            <a:endParaRPr lang="en-GB" altLang="zh-TW" sz="4400" b="1" dirty="0">
+            <a:endParaRPr lang="en-GB" altLang="zh-TW" sz="6000" b="1" dirty="0">
               <a:latin typeface="Century Gothic" panose="020B0502020202020204" pitchFamily="34" charset="0"/>
               <a:ea typeface="金梅新中楷全字體" panose="02010509060101010101" pitchFamily="49" charset="-120"/>
             </a:endParaRPr>

--- a/TJCPowerPoint/bin/Debug/Files/ServiceWidescreen.pptx
+++ b/TJCPowerPoint/bin/Debug/Files/ServiceWidescreen.pptx
@@ -4378,7 +4378,7 @@
                 <a:cs typeface="Segoe UI" panose="020B0502040204020203" pitchFamily="34" charset="0"/>
               </a:rPr>
               <a:pPr algn="r"/>
-              <a:t>Thursday, January 5, 2023</a:t>
+              <a:t>Friday, January 6, 2023</a:t>
             </a:fld>
             <a:endParaRPr lang="en-US" altLang="en-US" sz="3600" b="1" dirty="0">
               <a:solidFill>
@@ -4983,7 +4983,7 @@
         <p:spPr bwMode="auto">
           <a:xfrm>
             <a:off x="1519747" y="3025408"/>
-            <a:ext cx="9144000" cy="646331"/>
+            <a:ext cx="9144000" cy="584775"/>
           </a:xfrm>
           <a:prstGeom prst="rect">
             <a:avLst/>
@@ -5009,19 +5009,19 @@
               </a:spcBef>
             </a:pPr>
             <a:r>
-              <a:rPr lang="en-GB" altLang="en-US" sz="3600" dirty="0">
+              <a:rPr lang="en-GB" altLang="en-US" sz="3200" dirty="0">
                 <a:latin typeface="Century Gothic" panose="020B0502020202020204" pitchFamily="34" charset="0"/>
               </a:rPr>
               <a:t>HYMNS </a:t>
             </a:r>
             <a:r>
-              <a:rPr lang="zh-TW" altLang="en-US" sz="3600" dirty="0">
+              <a:rPr lang="zh-TW" altLang="en-US" sz="3200" dirty="0">
                 <a:latin typeface="Microsoft JhengHei" panose="020B0604030504040204" pitchFamily="34" charset="-120"/>
                 <a:ea typeface="Microsoft JhengHei" panose="020B0604030504040204" pitchFamily="34" charset="-120"/>
               </a:rPr>
               <a:t>詩</a:t>
             </a:r>
-            <a:endParaRPr lang="en-US" altLang="en-US" sz="3600" b="1" dirty="0">
+            <a:endParaRPr lang="en-US" altLang="en-US" sz="3200" b="1" dirty="0">
               <a:latin typeface="Century Gothic" panose="020B0502020202020204" pitchFamily="34" charset="0"/>
             </a:endParaRPr>
           </a:p>

--- a/TJCPowerPoint/bin/Debug/Files/ServiceWidescreen.pptx
+++ b/TJCPowerPoint/bin/Debug/Files/ServiceWidescreen.pptx
@@ -4378,7 +4378,7 @@
                 <a:cs typeface="Segoe UI" panose="020B0502040204020203" pitchFamily="34" charset="0"/>
               </a:rPr>
               <a:pPr algn="r"/>
-              <a:t>Friday, January 6, 2023</a:t>
+              <a:t>Monday, January 9, 2023</a:t>
             </a:fld>
             <a:endParaRPr lang="en-US" altLang="en-US" sz="3600" b="1" dirty="0">
               <a:solidFill>
@@ -6181,8 +6181,8 @@
         </p:nvSpPr>
         <p:spPr bwMode="auto">
           <a:xfrm>
-            <a:off x="1" y="1628800"/>
-            <a:ext cx="12192000" cy="4536504"/>
+            <a:off x="1" y="1460586"/>
+            <a:ext cx="12192000" cy="4704718"/>
           </a:xfrm>
           <a:prstGeom prst="rect">
             <a:avLst/>
@@ -6306,20 +6306,20 @@
           <a:p>
             <a:pPr algn="ctr"/>
             <a:r>
-              <a:rPr lang="en-GB" altLang="en-US" sz="6000" b="1" dirty="0">
+              <a:rPr lang="en-GB" altLang="en-US" sz="4400" b="1" dirty="0">
                 <a:latin typeface="Segoe UI" panose="020B0502040204020203" pitchFamily="34" charset="0"/>
                 <a:cs typeface="Segoe UI" panose="020B0502040204020203" pitchFamily="34" charset="0"/>
               </a:rPr>
               <a:t>HYMNAL </a:t>
             </a:r>
             <a:r>
-              <a:rPr lang="ja-JP" altLang="en-US" sz="6000" b="1" dirty="0">
+              <a:rPr lang="ja-JP" altLang="en-US" sz="4400" b="1" dirty="0">
                 <a:latin typeface="Segoe UI" panose="020B0502040204020203" pitchFamily="34" charset="0"/>
                 <a:cs typeface="Segoe UI" panose="020B0502040204020203" pitchFamily="34" charset="0"/>
               </a:rPr>
               <a:t>詩頌</a:t>
             </a:r>
-            <a:endParaRPr lang="en-GB" altLang="zh-TW" sz="6000" b="1" dirty="0">
+            <a:endParaRPr lang="en-GB" altLang="zh-TW" sz="4400" b="1" dirty="0">
               <a:latin typeface="Century Gothic" panose="020B0502020202020204" pitchFamily="34" charset="0"/>
               <a:ea typeface="金梅新中楷全字體" panose="02010509060101010101" pitchFamily="49" charset="-120"/>
             </a:endParaRPr>
@@ -6651,7 +6651,7 @@
         </p:nvSpPr>
         <p:spPr bwMode="auto">
           <a:xfrm>
-            <a:off x="1871470" y="116632"/>
+            <a:off x="1871470" y="188640"/>
             <a:ext cx="8449060" cy="648072"/>
           </a:xfrm>
           <a:prstGeom prst="rect">
@@ -7039,7 +7039,7 @@
         </p:nvSpPr>
         <p:spPr bwMode="auto">
           <a:xfrm>
-            <a:off x="2615493" y="116632"/>
+            <a:off x="2615493" y="188640"/>
             <a:ext cx="6961014" cy="576064"/>
           </a:xfrm>
           <a:prstGeom prst="rect">

--- a/TJCPowerPoint/bin/Debug/Files/ServiceWidescreen.pptx
+++ b/TJCPowerPoint/bin/Debug/Files/ServiceWidescreen.pptx
@@ -4378,7 +4378,7 @@
                 <a:cs typeface="Segoe UI" panose="020B0502040204020203" pitchFamily="34" charset="0"/>
               </a:rPr>
               <a:pPr algn="r"/>
-              <a:t>Monday, January 9, 2023</a:t>
+              <a:t>Tuesday, January 10, 2023</a:t>
             </a:fld>
             <a:endParaRPr lang="en-US" altLang="en-US" sz="3600" b="1" dirty="0">
               <a:solidFill>
@@ -5009,13 +5009,13 @@
               </a:spcBef>
             </a:pPr>
             <a:r>
-              <a:rPr lang="en-GB" altLang="en-US" sz="3200" dirty="0">
+              <a:rPr lang="en-GB" altLang="en-US" sz="3200" b="1" dirty="0">
                 <a:latin typeface="Century Gothic" panose="020B0502020202020204" pitchFamily="34" charset="0"/>
               </a:rPr>
               <a:t>HYMNS </a:t>
             </a:r>
             <a:r>
-              <a:rPr lang="zh-TW" altLang="en-US" sz="3200" dirty="0">
+              <a:rPr lang="zh-TW" altLang="en-US" sz="3200" b="1" dirty="0">
                 <a:latin typeface="Microsoft JhengHei" panose="020B0604030504040204" pitchFamily="34" charset="-120"/>
                 <a:ea typeface="Microsoft JhengHei" panose="020B0604030504040204" pitchFamily="34" charset="-120"/>
               </a:rPr>
@@ -5621,19 +5621,19 @@
               <a:buNone/>
             </a:pPr>
             <a:r>
-              <a:rPr lang="en-GB" altLang="en-US" sz="3200" dirty="0">
+              <a:rPr lang="en-GB" altLang="en-US" sz="3200" b="1" dirty="0">
                 <a:latin typeface="Century Gothic" panose="020B0502020202020204" pitchFamily="34" charset="0"/>
               </a:rPr>
               <a:t>BIBLE VERSE </a:t>
             </a:r>
             <a:r>
-              <a:rPr lang="zh-TW" altLang="en-US" sz="3200" dirty="0">
+              <a:rPr lang="zh-TW" altLang="en-US" sz="3200" b="1" dirty="0">
                 <a:latin typeface="Microsoft JhengHei" panose="020B0604030504040204" pitchFamily="34" charset="-120"/>
                 <a:ea typeface="Microsoft JhengHei" panose="020B0604030504040204" pitchFamily="34" charset="-120"/>
               </a:rPr>
               <a:t>經文</a:t>
             </a:r>
-            <a:endParaRPr lang="en-US" altLang="en-US" sz="3200" dirty="0">
+            <a:endParaRPr lang="en-US" altLang="en-US" sz="3200" b="1" dirty="0">
               <a:latin typeface="Microsoft JhengHei" panose="020B0604030504040204" pitchFamily="34" charset="-120"/>
               <a:ea typeface="Microsoft JhengHei" panose="020B0604030504040204" pitchFamily="34" charset="-120"/>
             </a:endParaRPr>

--- a/TJCPowerPoint/bin/Debug/Files/ServiceWidescreen.pptx
+++ b/TJCPowerPoint/bin/Debug/Files/ServiceWidescreen.pptx
@@ -4378,7 +4378,7 @@
                 <a:cs typeface="Segoe UI" panose="020B0502040204020203" pitchFamily="34" charset="0"/>
               </a:rPr>
               <a:pPr algn="r"/>
-              <a:t>Tuesday, January 10, 2023</a:t>
+              <a:t>Thursday, January 12, 2023</a:t>
             </a:fld>
             <a:endParaRPr lang="en-US" altLang="en-US" sz="3600" b="1" dirty="0">
               <a:solidFill>
@@ -5419,7 +5419,7 @@
         </p:nvSpPr>
         <p:spPr bwMode="auto">
           <a:xfrm>
-            <a:off x="0" y="354360"/>
+            <a:off x="0" y="498376"/>
             <a:ext cx="12192000" cy="914400"/>
           </a:xfrm>
           <a:prstGeom prst="rect">
@@ -5491,7 +5491,7 @@
         </p:nvSpPr>
         <p:spPr bwMode="auto">
           <a:xfrm>
-            <a:off x="0" y="1342405"/>
+            <a:off x="0" y="1486421"/>
             <a:ext cx="12192000" cy="1006475"/>
           </a:xfrm>
           <a:prstGeom prst="rect">
@@ -6181,8 +6181,8 @@
         </p:nvSpPr>
         <p:spPr bwMode="auto">
           <a:xfrm>
-            <a:off x="1" y="1460586"/>
-            <a:ext cx="12192000" cy="4704718"/>
+            <a:off x="1" y="1400871"/>
+            <a:ext cx="12192000" cy="4764433"/>
           </a:xfrm>
           <a:prstGeom prst="rect">
             <a:avLst/>

--- a/TJCPowerPoint/bin/Debug/Files/ServiceWidescreen.pptx
+++ b/TJCPowerPoint/bin/Debug/Files/ServiceWidescreen.pptx
@@ -4378,7 +4378,7 @@
                 <a:cs typeface="Segoe UI" panose="020B0502040204020203" pitchFamily="34" charset="0"/>
               </a:rPr>
               <a:pPr algn="r"/>
-              <a:t>Thursday, January 12, 2023</a:t>
+              <a:t>Saturday, January 14, 2023</a:t>
             </a:fld>
             <a:endParaRPr lang="en-US" altLang="en-US" sz="3600" b="1" dirty="0">
               <a:solidFill>
@@ -4524,63 +4524,6 @@
           <a:chExt cx="0" cy="0"/>
         </a:xfrm>
       </p:grpSpPr>
-      <p:sp>
-        <p:nvSpPr>
-          <p:cNvPr id="10" name="Title 1">
-            <a:extLst>
-              <a:ext uri="{FF2B5EF4-FFF2-40B4-BE49-F238E27FC236}">
-                <a16:creationId xmlns:a16="http://schemas.microsoft.com/office/drawing/2014/main" id="{A29A4E1D-6B90-5AD8-9DB2-C35F6160DFE2}"/>
-              </a:ext>
-            </a:extLst>
-          </p:cNvPr>
-          <p:cNvSpPr txBox="1">
-            <a:spLocks/>
-          </p:cNvSpPr>
-          <p:nvPr/>
-        </p:nvSpPr>
-        <p:spPr>
-          <a:xfrm>
-            <a:off x="-7741368" y="2619557"/>
-            <a:ext cx="6858000" cy="2387600"/>
-          </a:xfrm>
-          <a:prstGeom prst="rect">
-            <a:avLst/>
-          </a:prstGeom>
-        </p:spPr>
-        <p:txBody>
-          <a:bodyPr vert="horz" lIns="91440" tIns="45720" rIns="91440" bIns="45720" rtlCol="0" anchor="ctr">
-            <a:normAutofit/>
-          </a:bodyPr>
-          <a:lstStyle>
-            <a:lvl1pPr algn="l" defTabSz="914400" rtl="0" eaLnBrk="1" latinLnBrk="0" hangingPunct="1">
-              <a:lnSpc>
-                <a:spcPct val="90000"/>
-              </a:lnSpc>
-              <a:spcBef>
-                <a:spcPct val="0"/>
-              </a:spcBef>
-              <a:buNone/>
-              <a:defRPr sz="4400" kern="1200">
-                <a:solidFill>
-                  <a:schemeClr val="tx1"/>
-                </a:solidFill>
-                <a:latin typeface="+mj-lt"/>
-                <a:ea typeface="+mj-ea"/>
-                <a:cs typeface="+mj-cs"/>
-              </a:defRPr>
-            </a:lvl1pPr>
-          </a:lstStyle>
-          <a:p>
-            <a:pPr algn="ctr"/>
-            <a:r>
-              <a:rPr lang="en-GB" dirty="0">
-                <a:latin typeface="Century Gothic" panose="020B0502020202020204" pitchFamily="34" charset="0"/>
-              </a:rPr>
-              <a:t>Service Times</a:t>
-            </a:r>
-          </a:p>
-        </p:txBody>
-      </p:sp>
       <p:sp>
         <p:nvSpPr>
           <p:cNvPr id="11" name="TextBox 10">
@@ -4835,7 +4778,7 @@
         <p:spPr bwMode="auto">
           <a:xfrm>
             <a:off x="0" y="814864"/>
-            <a:ext cx="12192000" cy="914400"/>
+            <a:ext cx="12192000" cy="830997"/>
           </a:xfrm>
           <a:prstGeom prst="rect">
             <a:avLst/>
@@ -4886,7 +4829,7 @@
               </a:spcBef>
             </a:pPr>
             <a:r>
-              <a:rPr lang="en-US" altLang="zh-CN" sz="5400" b="1" dirty="0">
+              <a:rPr lang="en-US" altLang="zh-CN" sz="4800" b="1" dirty="0">
                 <a:latin typeface="Segoe UI" panose="020B0502040204020203" pitchFamily="34" charset="0"/>
                 <a:ea typeface="宋体" panose="02010600030101010101" pitchFamily="2" charset="-122"/>
                 <a:cs typeface="Segoe UI" panose="020B0502040204020203" pitchFamily="34" charset="0"/>
@@ -4907,7 +4850,7 @@
         <p:spPr bwMode="auto">
           <a:xfrm>
             <a:off x="0" y="1802909"/>
-            <a:ext cx="12192000" cy="1006475"/>
+            <a:ext cx="12192000" cy="830997"/>
           </a:xfrm>
           <a:prstGeom prst="rect">
             <a:avLst/>
@@ -4958,7 +4901,7 @@
               </a:spcBef>
             </a:pPr>
             <a:r>
-              <a:rPr lang="en-US" altLang="zh-CN" sz="6000" b="1" dirty="0">
+              <a:rPr lang="en-US" altLang="zh-CN" sz="4800" b="1" dirty="0">
                 <a:solidFill>
                   <a:schemeClr val="accent1">
                     <a:lumMod val="50000"/>
@@ -4999,7 +4942,7 @@
         </p:spPr>
         <p:txBody>
           <a:bodyPr wrap="square">
-            <a:spAutoFit/>
+            <a:noAutofit/>
           </a:bodyPr>
           <a:lstStyle/>
           <a:p>
@@ -5117,7 +5060,7 @@
         <p:spPr bwMode="auto">
           <a:xfrm>
             <a:off x="252966" y="5877272"/>
-            <a:ext cx="4330866" cy="400110"/>
+            <a:ext cx="4330866" cy="338554"/>
           </a:xfrm>
           <a:prstGeom prst="rect">
             <a:avLst/>
@@ -5168,38 +5111,11 @@
               </a:spcBef>
             </a:pPr>
             <a:r>
-              <a:rPr lang="en-US" altLang="zh-CN" sz="2000" dirty="0">
+              <a:rPr lang="en-US" altLang="zh-CN" sz="1600" dirty="0">
                 <a:latin typeface="Century Gothic" panose="020B0502020202020204" pitchFamily="34" charset="0"/>
                 <a:ea typeface="宋体" panose="02010600030101010101" pitchFamily="2" charset="-122"/>
               </a:rPr>
               <a:t>Service Type</a:t>
-            </a:r>
-          </a:p>
-        </p:txBody>
-      </p:sp>
-      <p:sp>
-        <p:nvSpPr>
-          <p:cNvPr id="2" name="Title 1"/>
-          <p:cNvSpPr>
-            <a:spLocks noGrp="1"/>
-          </p:cNvSpPr>
-          <p:nvPr>
-            <p:ph type="ctrTitle"/>
-          </p:nvPr>
-        </p:nvSpPr>
-        <p:spPr>
-          <a:xfrm>
-            <a:off x="-8533456" y="2706867"/>
-            <a:ext cx="6539934" cy="1008018"/>
-          </a:xfrm>
-        </p:spPr>
-        <p:txBody>
-          <a:bodyPr/>
-          <a:lstStyle/>
-          <a:p>
-            <a:r>
-              <a:rPr lang="en-GB" dirty="0"/>
-              <a:t>Service/Hymnal</a:t>
             </a:r>
           </a:p>
         </p:txBody>
@@ -5420,7 +5336,7 @@
         <p:spPr bwMode="auto">
           <a:xfrm>
             <a:off x="0" y="498376"/>
-            <a:ext cx="12192000" cy="914400"/>
+            <a:ext cx="12192000" cy="830997"/>
           </a:xfrm>
           <a:prstGeom prst="rect">
             <a:avLst/>
@@ -5471,7 +5387,7 @@
               </a:spcBef>
             </a:pPr>
             <a:r>
-              <a:rPr lang="en-US" altLang="zh-CN" sz="5400" b="1" dirty="0">
+              <a:rPr lang="en-US" altLang="zh-CN" sz="4800" b="1" dirty="0">
                 <a:latin typeface="Segoe UI" panose="020B0502040204020203" pitchFamily="34" charset="0"/>
                 <a:ea typeface="宋体" panose="02010600030101010101" pitchFamily="2" charset="-122"/>
                 <a:cs typeface="Segoe UI" panose="020B0502040204020203" pitchFamily="34" charset="0"/>
@@ -5492,7 +5408,7 @@
         <p:spPr bwMode="auto">
           <a:xfrm>
             <a:off x="0" y="1486421"/>
-            <a:ext cx="12192000" cy="1006475"/>
+            <a:ext cx="12192000" cy="830997"/>
           </a:xfrm>
           <a:prstGeom prst="rect">
             <a:avLst/>
@@ -5543,7 +5459,7 @@
               </a:spcBef>
             </a:pPr>
             <a:r>
-              <a:rPr lang="en-US" altLang="zh-CN" sz="6000" b="1" dirty="0">
+              <a:rPr lang="en-US" altLang="zh-CN" sz="4800" b="1" dirty="0">
                 <a:solidFill>
                   <a:schemeClr val="accent1">
                     <a:lumMod val="50000"/>
@@ -5567,8 +5483,67 @@
         </p:nvSpPr>
         <p:spPr bwMode="auto">
           <a:xfrm>
-            <a:off x="252966" y="2677849"/>
-            <a:ext cx="5004520" cy="584775"/>
+            <a:off x="252966" y="2585329"/>
+            <a:ext cx="11685790" cy="3291944"/>
+          </a:xfrm>
+          <a:prstGeom prst="rect">
+            <a:avLst/>
+          </a:prstGeom>
+          <a:solidFill>
+            <a:srgbClr val="B2B2B2">
+              <a:alpha val="30196"/>
+            </a:srgbClr>
+          </a:solidFill>
+          <a:ln>
+            <a:noFill/>
+          </a:ln>
+          <a:effectLst/>
+        </p:spPr>
+        <p:txBody>
+          <a:bodyPr wrap="square">
+            <a:noAutofit/>
+          </a:bodyPr>
+          <a:lstStyle/>
+          <a:p>
+            <a:pPr eaLnBrk="1" hangingPunct="1">
+              <a:spcBef>
+                <a:spcPct val="50000"/>
+              </a:spcBef>
+              <a:buFontTx/>
+              <a:buNone/>
+            </a:pPr>
+            <a:r>
+              <a:rPr lang="en-GB" altLang="en-US" sz="3200" b="1" dirty="0">
+                <a:latin typeface="Century Gothic" panose="020B0502020202020204" pitchFamily="34" charset="0"/>
+              </a:rPr>
+              <a:t>BIBLE VERSE </a:t>
+            </a:r>
+            <a:r>
+              <a:rPr lang="zh-TW" altLang="en-US" sz="3200" b="1" dirty="0">
+                <a:latin typeface="Microsoft JhengHei" panose="020B0604030504040204" pitchFamily="34" charset="-120"/>
+                <a:ea typeface="Microsoft JhengHei" panose="020B0604030504040204" pitchFamily="34" charset="-120"/>
+              </a:rPr>
+              <a:t>經文</a:t>
+            </a:r>
+            <a:endParaRPr lang="en-US" altLang="en-US" sz="3200" b="1" dirty="0">
+              <a:latin typeface="Microsoft JhengHei" panose="020B0604030504040204" pitchFamily="34" charset="-120"/>
+              <a:ea typeface="Microsoft JhengHei" panose="020B0604030504040204" pitchFamily="34" charset="-120"/>
+            </a:endParaRPr>
+          </a:p>
+        </p:txBody>
+      </p:sp>
+      <p:sp>
+        <p:nvSpPr>
+          <p:cNvPr id="344071" name="Text Box 7"/>
+          <p:cNvSpPr txBox="1">
+            <a:spLocks noChangeArrowheads="1"/>
+          </p:cNvSpPr>
+          <p:nvPr/>
+        </p:nvSpPr>
+        <p:spPr bwMode="auto">
+          <a:xfrm>
+            <a:off x="0" y="3344798"/>
+            <a:ext cx="5771528" cy="954107"/>
           </a:xfrm>
           <a:prstGeom prst="rect">
             <a:avLst/>
@@ -5613,36 +5588,23 @@
           </a:bodyPr>
           <a:lstStyle/>
           <a:p>
-            <a:pPr eaLnBrk="1" hangingPunct="1">
+            <a:pPr algn="r">
               <a:spcBef>
                 <a:spcPct val="50000"/>
               </a:spcBef>
-              <a:buFontTx/>
-              <a:buNone/>
             </a:pPr>
             <a:r>
-              <a:rPr lang="en-GB" altLang="en-US" sz="3200" b="1" dirty="0">
+              <a:rPr lang="en-US" altLang="en-US" sz="5600" dirty="0">
                 <a:latin typeface="Century Gothic" panose="020B0502020202020204" pitchFamily="34" charset="0"/>
               </a:rPr>
-              <a:t>BIBLE VERSE </a:t>
-            </a:r>
-            <a:r>
-              <a:rPr lang="zh-TW" altLang="en-US" sz="3200" b="1" dirty="0">
-                <a:latin typeface="Microsoft JhengHei" panose="020B0604030504040204" pitchFamily="34" charset="-120"/>
-                <a:ea typeface="Microsoft JhengHei" panose="020B0604030504040204" pitchFamily="34" charset="-120"/>
-              </a:rPr>
-              <a:t>經文</a:t>
-            </a:r>
-            <a:endParaRPr lang="en-US" altLang="en-US" sz="3200" b="1" dirty="0">
-              <a:latin typeface="Microsoft JhengHei" panose="020B0604030504040204" pitchFamily="34" charset="-120"/>
-              <a:ea typeface="Microsoft JhengHei" panose="020B0604030504040204" pitchFamily="34" charset="-120"/>
-            </a:endParaRPr>
-          </a:p>
-        </p:txBody>
-      </p:sp>
-      <p:sp>
-        <p:nvSpPr>
-          <p:cNvPr id="344071" name="Text Box 7"/>
+              <a:t>English Book</a:t>
+            </a:r>
+          </a:p>
+        </p:txBody>
+      </p:sp>
+      <p:sp>
+        <p:nvSpPr>
+          <p:cNvPr id="344072" name="Text Box 8"/>
           <p:cNvSpPr txBox="1">
             <a:spLocks noChangeArrowheads="1"/>
           </p:cNvSpPr>
@@ -5650,8 +5612,8 @@
         </p:nvSpPr>
         <p:spPr bwMode="auto">
           <a:xfrm>
-            <a:off x="119336" y="3344798"/>
-            <a:ext cx="5652192" cy="830997"/>
+            <a:off x="1" y="4280902"/>
+            <a:ext cx="5771528" cy="954107"/>
           </a:xfrm>
           <a:prstGeom prst="rect">
             <a:avLst/>
@@ -5702,17 +5664,23 @@
               </a:spcBef>
             </a:pPr>
             <a:r>
-              <a:rPr lang="en-US" altLang="en-US" sz="4800" dirty="0">
-                <a:latin typeface="Century Gothic" panose="020B0502020202020204" pitchFamily="34" charset="0"/>
+              <a:rPr lang="en-US" altLang="en-US" sz="5600" dirty="0">
+                <a:solidFill>
+                  <a:schemeClr val="accent1">
+                    <a:lumMod val="50000"/>
+                  </a:schemeClr>
+                </a:solidFill>
+                <a:latin typeface="Microsoft JhengHei" panose="020B0604030504040204" pitchFamily="34" charset="-120"/>
+                <a:ea typeface="Microsoft JhengHei" panose="020B0604030504040204" pitchFamily="34" charset="-120"/>
               </a:rPr>
-              <a:t>English Book</a:t>
-            </a:r>
-          </a:p>
-        </p:txBody>
-      </p:sp>
-      <p:sp>
-        <p:nvSpPr>
-          <p:cNvPr id="344072" name="Text Box 8"/>
+              <a:t>Chinese Book</a:t>
+            </a:r>
+          </a:p>
+        </p:txBody>
+      </p:sp>
+      <p:sp>
+        <p:nvSpPr>
+          <p:cNvPr id="344073" name="Text Box 9"/>
           <p:cNvSpPr txBox="1">
             <a:spLocks noChangeArrowheads="1"/>
           </p:cNvSpPr>
@@ -5720,8 +5688,8 @@
         </p:nvSpPr>
         <p:spPr bwMode="auto">
           <a:xfrm>
-            <a:off x="300061" y="4280902"/>
-            <a:ext cx="5471467" cy="830997"/>
+            <a:off x="5952253" y="3734926"/>
+            <a:ext cx="6239747" cy="2246769"/>
           </a:xfrm>
           <a:prstGeom prst="rect">
             <a:avLst/>
@@ -5761,34 +5729,35 @@
           </a:extLst>
         </p:spPr>
         <p:txBody>
-          <a:bodyPr wrap="square">
+          <a:bodyPr wrap="square" lIns="0" rIns="0">
             <a:spAutoFit/>
           </a:bodyPr>
           <a:lstStyle/>
           <a:p>
-            <a:pPr algn="r">
+            <a:pPr>
               <a:spcBef>
                 <a:spcPct val="50000"/>
               </a:spcBef>
             </a:pPr>
             <a:r>
-              <a:rPr lang="en-US" altLang="en-US" sz="4800" dirty="0">
-                <a:solidFill>
-                  <a:schemeClr val="accent1">
-                    <a:lumMod val="50000"/>
-                  </a:schemeClr>
-                </a:solidFill>
-                <a:latin typeface="Microsoft JhengHei" panose="020B0604030504040204" pitchFamily="34" charset="-120"/>
-                <a:ea typeface="Microsoft JhengHei" panose="020B0604030504040204" pitchFamily="34" charset="-120"/>
+              <a:rPr lang="en-US" altLang="zh-CN" sz="7000" dirty="0">
+                <a:latin typeface="Century Gothic" panose="020B0502020202020204" pitchFamily="34" charset="0"/>
+                <a:ea typeface="宋体" panose="02010600030101010101" pitchFamily="2" charset="-122"/>
               </a:rPr>
-              <a:t>Chinese Book</a:t>
-            </a:r>
-          </a:p>
-        </p:txBody>
-      </p:sp>
-      <p:sp>
-        <p:nvSpPr>
-          <p:cNvPr id="344073" name="Text Box 9"/>
+              <a:t>Chapter &amp; Verse</a:t>
+            </a:r>
+          </a:p>
+        </p:txBody>
+      </p:sp>
+      <p:sp>
+        <p:nvSpPr>
+          <p:cNvPr id="15" name="Text Box 10">
+            <a:extLst>
+              <a:ext uri="{FF2B5EF4-FFF2-40B4-BE49-F238E27FC236}">
+                <a16:creationId xmlns:a16="http://schemas.microsoft.com/office/drawing/2014/main" id="{90246C2A-6C5E-406F-8738-05ACA671C742}"/>
+              </a:ext>
+            </a:extLst>
+          </p:cNvPr>
           <p:cNvSpPr txBox="1">
             <a:spLocks noChangeArrowheads="1"/>
           </p:cNvSpPr>
@@ -5796,8 +5765,8 @@
         </p:nvSpPr>
         <p:spPr bwMode="auto">
           <a:xfrm>
-            <a:off x="5952253" y="3734926"/>
-            <a:ext cx="6239747" cy="2308324"/>
+            <a:off x="252966" y="5877272"/>
+            <a:ext cx="4330866" cy="338554"/>
           </a:xfrm>
           <a:prstGeom prst="rect">
             <a:avLst/>
@@ -5837,7 +5806,7 @@
           </a:extLst>
         </p:spPr>
         <p:txBody>
-          <a:bodyPr wrap="square" lIns="0" rIns="0">
+          <a:bodyPr wrap="square">
             <a:spAutoFit/>
           </a:bodyPr>
           <a:lstStyle/>
@@ -5848,115 +5817,11 @@
               </a:spcBef>
             </a:pPr>
             <a:r>
-              <a:rPr lang="en-US" altLang="zh-CN" sz="7200" dirty="0">
-                <a:latin typeface="Century Gothic" panose="020B0502020202020204" pitchFamily="34" charset="0"/>
-                <a:ea typeface="宋体" panose="02010600030101010101" pitchFamily="2" charset="-122"/>
-              </a:rPr>
-              <a:t>Chapter &amp; Verse</a:t>
-            </a:r>
-          </a:p>
-        </p:txBody>
-      </p:sp>
-      <p:sp>
-        <p:nvSpPr>
-          <p:cNvPr id="15" name="Text Box 10">
-            <a:extLst>
-              <a:ext uri="{FF2B5EF4-FFF2-40B4-BE49-F238E27FC236}">
-                <a16:creationId xmlns:a16="http://schemas.microsoft.com/office/drawing/2014/main" id="{90246C2A-6C5E-406F-8738-05ACA671C742}"/>
-              </a:ext>
-            </a:extLst>
-          </p:cNvPr>
-          <p:cNvSpPr txBox="1">
-            <a:spLocks noChangeArrowheads="1"/>
-          </p:cNvSpPr>
-          <p:nvPr/>
-        </p:nvSpPr>
-        <p:spPr bwMode="auto">
-          <a:xfrm>
-            <a:off x="252966" y="5877272"/>
-            <a:ext cx="4330866" cy="400110"/>
-          </a:xfrm>
-          <a:prstGeom prst="rect">
-            <a:avLst/>
-          </a:prstGeom>
-          <a:noFill/>
-          <a:ln>
-            <a:noFill/>
-          </a:ln>
-          <a:effectLst/>
-          <a:extLst>
-            <a:ext uri="{909E8E84-426E-40DD-AFC4-6F175D3DCCD1}">
-              <a14:hiddenFill xmlns:a14="http://schemas.microsoft.com/office/drawing/2010/main">
-                <a:solidFill>
-                  <a:schemeClr val="accent1"/>
-                </a:solidFill>
-              </a14:hiddenFill>
-            </a:ext>
-            <a:ext uri="{91240B29-F687-4F45-9708-019B960494DF}">
-              <a14:hiddenLine xmlns:a14="http://schemas.microsoft.com/office/drawing/2010/main" w="9525">
-                <a:solidFill>
-                  <a:schemeClr val="tx1"/>
-                </a:solidFill>
-                <a:miter lim="800000"/>
-                <a:headEnd/>
-                <a:tailEnd/>
-              </a14:hiddenLine>
-            </a:ext>
-            <a:ext uri="{AF507438-7753-43E0-B8FC-AC1667EBCBE1}">
-              <a14:hiddenEffects xmlns:a14="http://schemas.microsoft.com/office/drawing/2010/main">
-                <a:effectLst>
-                  <a:outerShdw dist="35921" dir="2700000" algn="ctr" rotWithShape="0">
-                    <a:schemeClr val="bg2"/>
-                  </a:outerShdw>
-                </a:effectLst>
-              </a14:hiddenEffects>
-            </a:ext>
-          </a:extLst>
-        </p:spPr>
-        <p:txBody>
-          <a:bodyPr wrap="square">
-            <a:spAutoFit/>
-          </a:bodyPr>
-          <a:lstStyle/>
-          <a:p>
-            <a:pPr>
-              <a:spcBef>
-                <a:spcPct val="50000"/>
-              </a:spcBef>
-            </a:pPr>
-            <a:r>
-              <a:rPr lang="en-US" altLang="zh-CN" sz="2000" dirty="0">
+              <a:rPr lang="en-US" altLang="zh-CN" sz="1600" dirty="0">
                 <a:latin typeface="Century Gothic" panose="020B0502020202020204" pitchFamily="34" charset="0"/>
                 <a:ea typeface="宋体" panose="02010600030101010101" pitchFamily="2" charset="-122"/>
               </a:rPr>
               <a:t>Service Type</a:t>
-            </a:r>
-          </a:p>
-        </p:txBody>
-      </p:sp>
-      <p:sp>
-        <p:nvSpPr>
-          <p:cNvPr id="2" name="Title 1"/>
-          <p:cNvSpPr>
-            <a:spLocks noGrp="1"/>
-          </p:cNvSpPr>
-          <p:nvPr>
-            <p:ph type="ctrTitle"/>
-          </p:nvPr>
-        </p:nvSpPr>
-        <p:spPr>
-          <a:xfrm>
-            <a:off x="-8533456" y="2706867"/>
-            <a:ext cx="6539934" cy="1008018"/>
-          </a:xfrm>
-        </p:spPr>
-        <p:txBody>
-          <a:bodyPr/>
-          <a:lstStyle/>
-          <a:p>
-            <a:r>
-              <a:rPr lang="en-GB" dirty="0"/>
-              <a:t>Service/Hymnal</a:t>
             </a:r>
           </a:p>
         </p:txBody>
@@ -6326,41 +6191,6 @@
           </a:p>
         </p:txBody>
       </p:sp>
-      <p:sp>
-        <p:nvSpPr>
-          <p:cNvPr id="8" name="Title 1">
-            <a:extLst>
-              <a:ext uri="{FF2B5EF4-FFF2-40B4-BE49-F238E27FC236}">
-                <a16:creationId xmlns:a16="http://schemas.microsoft.com/office/drawing/2014/main" id="{3DD2CCF3-660C-4B35-8262-BE8668E0E220}"/>
-              </a:ext>
-            </a:extLst>
-          </p:cNvPr>
-          <p:cNvSpPr>
-            <a:spLocks noGrp="1"/>
-          </p:cNvSpPr>
-          <p:nvPr>
-            <p:ph type="ctrTitle"/>
-          </p:nvPr>
-        </p:nvSpPr>
-        <p:spPr>
-          <a:xfrm>
-            <a:off x="-7741368" y="2619557"/>
-            <a:ext cx="6858000" cy="2387600"/>
-          </a:xfrm>
-        </p:spPr>
-        <p:txBody>
-          <a:bodyPr/>
-          <a:lstStyle/>
-          <a:p>
-            <a:r>
-              <a:rPr lang="en-GB" dirty="0">
-                <a:latin typeface="Century Gothic" panose="020B0502020202020204" pitchFamily="34" charset="0"/>
-              </a:rPr>
-              <a:t>Prayer Requests</a:t>
-            </a:r>
-          </a:p>
-        </p:txBody>
-      </p:sp>
       <p:pic>
         <p:nvPicPr>
           <p:cNvPr id="2" name="Picture 1" descr="Logo&#10;&#10;Description automatically generated with medium confidence">
@@ -6719,41 +6549,6 @@
           </a:p>
         </p:txBody>
       </p:sp>
-      <p:sp>
-        <p:nvSpPr>
-          <p:cNvPr id="8" name="Title 1">
-            <a:extLst>
-              <a:ext uri="{FF2B5EF4-FFF2-40B4-BE49-F238E27FC236}">
-                <a16:creationId xmlns:a16="http://schemas.microsoft.com/office/drawing/2014/main" id="{3DD2CCF3-660C-4B35-8262-BE8668E0E220}"/>
-              </a:ext>
-            </a:extLst>
-          </p:cNvPr>
-          <p:cNvSpPr>
-            <a:spLocks noGrp="1"/>
-          </p:cNvSpPr>
-          <p:nvPr>
-            <p:ph type="ctrTitle"/>
-          </p:nvPr>
-        </p:nvSpPr>
-        <p:spPr>
-          <a:xfrm>
-            <a:off x="-7741368" y="2619557"/>
-            <a:ext cx="6858000" cy="2387600"/>
-          </a:xfrm>
-        </p:spPr>
-        <p:txBody>
-          <a:bodyPr/>
-          <a:lstStyle/>
-          <a:p>
-            <a:r>
-              <a:rPr lang="en-GB" dirty="0">
-                <a:latin typeface="Century Gothic" panose="020B0502020202020204" pitchFamily="34" charset="0"/>
-              </a:rPr>
-              <a:t>Prayer Requests</a:t>
-            </a:r>
-          </a:p>
-        </p:txBody>
-      </p:sp>
       <p:pic>
         <p:nvPicPr>
           <p:cNvPr id="2" name="Picture 1" descr="Logo&#10;&#10;Description automatically generated with medium confidence">
@@ -6969,7 +6764,7 @@
         </p:nvSpPr>
         <p:spPr bwMode="auto">
           <a:xfrm>
-            <a:off x="0" y="908720"/>
+            <a:off x="0" y="876782"/>
             <a:ext cx="12192000" cy="5360530"/>
           </a:xfrm>
           <a:prstGeom prst="rect">
@@ -7110,42 +6905,6 @@
               <a:latin typeface="Microsoft JhengHei" panose="020B0604030504040204" pitchFamily="34" charset="-120"/>
               <a:ea typeface="Microsoft JhengHei" panose="020B0604030504040204" pitchFamily="34" charset="-120"/>
             </a:endParaRPr>
-          </a:p>
-        </p:txBody>
-      </p:sp>
-      <p:sp>
-        <p:nvSpPr>
-          <p:cNvPr id="14" name="Title 1">
-            <a:extLst>
-              <a:ext uri="{FF2B5EF4-FFF2-40B4-BE49-F238E27FC236}">
-                <a16:creationId xmlns:a16="http://schemas.microsoft.com/office/drawing/2014/main" id="{24CDB64D-DDA9-4535-BAD4-A67954A30EFA}"/>
-              </a:ext>
-            </a:extLst>
-          </p:cNvPr>
-          <p:cNvSpPr>
-            <a:spLocks noGrp="1"/>
-          </p:cNvSpPr>
-          <p:nvPr>
-            <p:ph type="title"/>
-          </p:nvPr>
-        </p:nvSpPr>
-        <p:spPr>
-          <a:xfrm>
-            <a:off x="-8677472" y="1772816"/>
-            <a:ext cx="8229600" cy="1143000"/>
-          </a:xfrm>
-        </p:spPr>
-        <p:txBody>
-          <a:bodyPr/>
-          <a:lstStyle/>
-          <a:p>
-            <a:pPr algn="ctr"/>
-            <a:r>
-              <a:rPr lang="en-GB" dirty="0">
-                <a:latin typeface="Century Gothic" panose="020B0502020202020204" pitchFamily="34" charset="0"/>
-              </a:rPr>
-              <a:t>Announcements</a:t>
-            </a:r>
           </a:p>
         </p:txBody>
       </p:sp>
@@ -7445,16 +7204,12 @@
               </a:lnSpc>
             </a:pPr>
             <a:r>
-              <a:rPr lang="en-GB" sz="4400">
+              <a:rPr lang="en-GB" sz="4400" dirty="0">
                 <a:latin typeface="Century Gothic" panose="020B0502020202020204" pitchFamily="34" charset="0"/>
                 <a:cs typeface="Segoe UI" panose="020B0502040204020203" pitchFamily="34" charset="0"/>
               </a:rPr>
               <a:t>Hymn No.</a:t>
             </a:r>
-            <a:endParaRPr lang="en-GB" sz="4400" dirty="0">
-              <a:latin typeface="Century Gothic" panose="020B0502020202020204" pitchFamily="34" charset="0"/>
-              <a:cs typeface="Segoe UI" panose="020B0502040204020203" pitchFamily="34" charset="0"/>
-            </a:endParaRPr>
           </a:p>
         </p:txBody>
       </p:sp>
@@ -7629,42 +7384,6 @@
       </p:sp>
       <p:sp>
         <p:nvSpPr>
-          <p:cNvPr id="14" name="Title 1">
-            <a:extLst>
-              <a:ext uri="{FF2B5EF4-FFF2-40B4-BE49-F238E27FC236}">
-                <a16:creationId xmlns:a16="http://schemas.microsoft.com/office/drawing/2014/main" id="{24CDB64D-DDA9-4535-BAD4-A67954A30EFA}"/>
-              </a:ext>
-            </a:extLst>
-          </p:cNvPr>
-          <p:cNvSpPr>
-            <a:spLocks noGrp="1"/>
-          </p:cNvSpPr>
-          <p:nvPr>
-            <p:ph type="title"/>
-          </p:nvPr>
-        </p:nvSpPr>
-        <p:spPr>
-          <a:xfrm>
-            <a:off x="-8677472" y="1772816"/>
-            <a:ext cx="8229600" cy="1143000"/>
-          </a:xfrm>
-        </p:spPr>
-        <p:txBody>
-          <a:bodyPr/>
-          <a:lstStyle/>
-          <a:p>
-            <a:pPr algn="ctr"/>
-            <a:r>
-              <a:rPr lang="en-GB" dirty="0">
-                <a:latin typeface="Century Gothic" panose="020B0502020202020204" pitchFamily="34" charset="0"/>
-              </a:rPr>
-              <a:t>Holy Communion</a:t>
-            </a:r>
-          </a:p>
-        </p:txBody>
-      </p:sp>
-      <p:sp>
-        <p:nvSpPr>
           <p:cNvPr id="6" name="TextBox 5">
             <a:extLst>
               <a:ext uri="{FF2B5EF4-FFF2-40B4-BE49-F238E27FC236}">
@@ -7697,7 +7416,7 @@
                 <a:latin typeface="Century Gothic" panose="020B0502020202020204" pitchFamily="34" charset="0"/>
                 <a:cs typeface="Segoe UI" panose="020B0502040204020203" pitchFamily="34" charset="0"/>
               </a:rPr>
-              <a:t>Hymns</a:t>
+              <a:t>HYMNS</a:t>
             </a:r>
             <a:r>
               <a:rPr lang="en-GB" sz="3200" u="sng" dirty="0">
@@ -7887,42 +7606,6 @@
           <a:chExt cx="0" cy="0"/>
         </a:xfrm>
       </p:grpSpPr>
-      <p:sp>
-        <p:nvSpPr>
-          <p:cNvPr id="7170" name="Title 1"/>
-          <p:cNvSpPr>
-            <a:spLocks noGrp="1"/>
-          </p:cNvSpPr>
-          <p:nvPr>
-            <p:ph type="title"/>
-          </p:nvPr>
-        </p:nvSpPr>
-        <p:spPr>
-          <a:xfrm>
-            <a:off x="-8737648" y="2060848"/>
-            <a:ext cx="8507412" cy="1498600"/>
-          </a:xfrm>
-        </p:spPr>
-        <p:txBody>
-          <a:bodyPr>
-            <a:normAutofit/>
-          </a:bodyPr>
-          <a:lstStyle/>
-          <a:p>
-            <a:pPr algn="ctr"/>
-            <a:r>
-              <a:rPr lang="en-GB" altLang="en-US" dirty="0">
-                <a:latin typeface="Century Gothic" panose="020B0502020202020204" pitchFamily="34" charset="0"/>
-              </a:rPr>
-              <a:t>How to Pray</a:t>
-            </a:r>
-            <a:endParaRPr lang="en-GB" altLang="en-US" dirty="0">
-              <a:latin typeface="Century Gothic" panose="020B0502020202020204" pitchFamily="34" charset="0"/>
-              <a:ea typeface="金梅新中楷全字體" pitchFamily="49" charset="-120"/>
-            </a:endParaRPr>
-          </a:p>
-        </p:txBody>
-      </p:sp>
       <p:sp>
         <p:nvSpPr>
           <p:cNvPr id="2" name="TextBox 1"/>

--- a/TJCPowerPoint/bin/Debug/Files/ServiceWidescreen.pptx
+++ b/TJCPowerPoint/bin/Debug/Files/ServiceWidescreen.pptx
@@ -5,22 +5,23 @@
     <p:sldMasterId id="2147483660" r:id="rId1"/>
   </p:sldMasterIdLst>
   <p:notesMasterIdLst>
-    <p:notesMasterId r:id="rId12"/>
+    <p:notesMasterId r:id="rId13"/>
   </p:notesMasterIdLst>
   <p:handoutMasterIdLst>
-    <p:handoutMasterId r:id="rId13"/>
+    <p:handoutMasterId r:id="rId14"/>
   </p:handoutMasterIdLst>
   <p:sldIdLst>
     <p:sldId id="365" r:id="rId2"/>
     <p:sldId id="357" r:id="rId3"/>
-    <p:sldId id="367" r:id="rId4"/>
-    <p:sldId id="366" r:id="rId5"/>
-    <p:sldId id="358" r:id="rId6"/>
-    <p:sldId id="360" r:id="rId7"/>
-    <p:sldId id="361" r:id="rId8"/>
-    <p:sldId id="359" r:id="rId9"/>
-    <p:sldId id="363" r:id="rId10"/>
-    <p:sldId id="364" r:id="rId11"/>
+    <p:sldId id="368" r:id="rId4"/>
+    <p:sldId id="367" r:id="rId5"/>
+    <p:sldId id="366" r:id="rId6"/>
+    <p:sldId id="358" r:id="rId7"/>
+    <p:sldId id="360" r:id="rId8"/>
+    <p:sldId id="361" r:id="rId9"/>
+    <p:sldId id="359" r:id="rId10"/>
+    <p:sldId id="363" r:id="rId11"/>
+    <p:sldId id="364" r:id="rId12"/>
   </p:sldIdLst>
   <p:sldSz cx="12192000" cy="6858000"/>
   <p:notesSz cx="6858000" cy="9144000"/>
@@ -1186,6 +1187,96 @@
               <a:rPr lang="en-US" altLang="en-US" smtClean="0"/>
               <a:pPr/>
               <a:t>3</a:t>
+            </a:fld>
+            <a:endParaRPr lang="en-US" altLang="en-US"/>
+          </a:p>
+        </p:txBody>
+      </p:sp>
+    </p:spTree>
+    <p:extLst>
+      <p:ext uri="{BB962C8B-B14F-4D97-AF65-F5344CB8AC3E}">
+        <p14:creationId xmlns:p14="http://schemas.microsoft.com/office/powerpoint/2010/main" val="1863552247"/>
+      </p:ext>
+    </p:extLst>
+  </p:cSld>
+  <p:clrMapOvr>
+    <a:masterClrMapping/>
+  </p:clrMapOvr>
+</p:notes>
+</file>
+
+<file path=ppt/notesSlides/notesSlide3.xml><?xml version="1.0" encoding="utf-8"?>
+<p:notes xmlns:a="http://schemas.openxmlformats.org/drawingml/2006/main" xmlns:r="http://schemas.openxmlformats.org/officeDocument/2006/relationships" xmlns:p="http://schemas.openxmlformats.org/presentationml/2006/main">
+  <p:cSld>
+    <p:spTree>
+      <p:nvGrpSpPr>
+        <p:cNvPr id="1" name=""/>
+        <p:cNvGrpSpPr/>
+        <p:nvPr/>
+      </p:nvGrpSpPr>
+      <p:grpSpPr>
+        <a:xfrm>
+          <a:off x="0" y="0"/>
+          <a:ext cx="0" cy="0"/>
+          <a:chOff x="0" y="0"/>
+          <a:chExt cx="0" cy="0"/>
+        </a:xfrm>
+      </p:grpSpPr>
+      <p:sp>
+        <p:nvSpPr>
+          <p:cNvPr id="2" name="Slide Image Placeholder 1"/>
+          <p:cNvSpPr>
+            <a:spLocks noGrp="1" noRot="1" noChangeAspect="1"/>
+          </p:cNvSpPr>
+          <p:nvPr>
+            <p:ph type="sldImg"/>
+          </p:nvPr>
+        </p:nvSpPr>
+        <p:spPr>
+          <a:xfrm>
+            <a:off x="381000" y="685800"/>
+            <a:ext cx="6096000" cy="3429000"/>
+          </a:xfrm>
+        </p:spPr>
+      </p:sp>
+      <p:sp>
+        <p:nvSpPr>
+          <p:cNvPr id="3" name="Notes Placeholder 2"/>
+          <p:cNvSpPr>
+            <a:spLocks noGrp="1"/>
+          </p:cNvSpPr>
+          <p:nvPr>
+            <p:ph type="body" idx="1"/>
+          </p:nvPr>
+        </p:nvSpPr>
+        <p:spPr/>
+        <p:txBody>
+          <a:bodyPr/>
+          <a:lstStyle/>
+          <a:p>
+            <a:endParaRPr lang="en-GB" dirty="0"/>
+          </a:p>
+        </p:txBody>
+      </p:sp>
+      <p:sp>
+        <p:nvSpPr>
+          <p:cNvPr id="4" name="Slide Number Placeholder 3"/>
+          <p:cNvSpPr>
+            <a:spLocks noGrp="1"/>
+          </p:cNvSpPr>
+          <p:nvPr>
+            <p:ph type="sldNum" sz="quarter" idx="10"/>
+          </p:nvPr>
+        </p:nvSpPr>
+        <p:spPr/>
+        <p:txBody>
+          <a:bodyPr/>
+          <a:lstStyle/>
+          <a:p>
+            <a:fld id="{41DDB78E-45AE-4915-A272-867B43D17459}" type="slidenum">
+              <a:rPr lang="en-US" altLang="en-US" smtClean="0"/>
+              <a:pPr/>
+              <a:t>4</a:t>
             </a:fld>
             <a:endParaRPr lang="en-US" altLang="en-US"/>
           </a:p>
@@ -4378,7 +4469,7 @@
                 <a:cs typeface="Segoe UI" panose="020B0502040204020203" pitchFamily="34" charset="0"/>
               </a:rPr>
               <a:pPr algn="r"/>
-              <a:t>Saturday, January 14, 2023</a:t>
+              <a:t>Sunday, January 15, 2023</a:t>
             </a:fld>
             <a:endParaRPr lang="en-US" altLang="en-US" sz="3600" b="1" dirty="0">
               <a:solidFill>
@@ -4508,6 +4599,283 @@
 </file>
 
 <file path=ppt/slides/slide10.xml><?xml version="1.0" encoding="utf-8"?>
+<p:sld xmlns:a="http://schemas.openxmlformats.org/drawingml/2006/main" xmlns:r="http://schemas.openxmlformats.org/officeDocument/2006/relationships" xmlns:p="http://schemas.openxmlformats.org/presentationml/2006/main">
+  <p:cSld>
+    <p:spTree>
+      <p:nvGrpSpPr>
+        <p:cNvPr id="1" name=""/>
+        <p:cNvGrpSpPr/>
+        <p:nvPr/>
+      </p:nvGrpSpPr>
+      <p:grpSpPr>
+        <a:xfrm>
+          <a:off x="0" y="0"/>
+          <a:ext cx="0" cy="0"/>
+          <a:chOff x="0" y="0"/>
+          <a:chExt cx="0" cy="0"/>
+        </a:xfrm>
+      </p:grpSpPr>
+      <p:sp>
+        <p:nvSpPr>
+          <p:cNvPr id="9" name="TextBox 8">
+            <a:extLst>
+              <a:ext uri="{FF2B5EF4-FFF2-40B4-BE49-F238E27FC236}">
+                <a16:creationId xmlns:a16="http://schemas.microsoft.com/office/drawing/2014/main" id="{EB7FD2AF-7F03-5326-A748-9D97F0B7E43C}"/>
+              </a:ext>
+            </a:extLst>
+          </p:cNvPr>
+          <p:cNvSpPr txBox="1"/>
+          <p:nvPr/>
+        </p:nvSpPr>
+        <p:spPr>
+          <a:xfrm>
+            <a:off x="479376" y="637429"/>
+            <a:ext cx="11233247" cy="1446550"/>
+          </a:xfrm>
+          <a:prstGeom prst="rect">
+            <a:avLst/>
+          </a:prstGeom>
+          <a:noFill/>
+          <a:ln w="63500">
+            <a:noFill/>
+          </a:ln>
+        </p:spPr>
+        <p:txBody>
+          <a:bodyPr wrap="square" rtlCol="0">
+            <a:spAutoFit/>
+          </a:bodyPr>
+          <a:lstStyle/>
+          <a:p>
+            <a:pPr algn="ctr"/>
+            <a:r>
+              <a:rPr lang="en-GB" altLang="en-US" sz="4400" b="1" dirty="0">
+                <a:latin typeface="Segoe UI" panose="020B0502040204020203" pitchFamily="34" charset="0"/>
+                <a:cs typeface="Segoe UI" panose="020B0502040204020203" pitchFamily="34" charset="0"/>
+              </a:rPr>
+              <a:t>Please Turn Off/Silence Your Devices</a:t>
+            </a:r>
+            <a:endParaRPr lang="zh-TW" altLang="en-US" sz="4400" b="1" dirty="0">
+              <a:latin typeface="Microsoft JhengHei" panose="020B0604030504040204" pitchFamily="34" charset="-120"/>
+              <a:ea typeface="Microsoft JhengHei" panose="020B0604030504040204" pitchFamily="34" charset="-120"/>
+            </a:endParaRPr>
+          </a:p>
+          <a:p>
+            <a:pPr algn="ctr"/>
+            <a:r>
+              <a:rPr lang="zh-TW" altLang="en-US" sz="4400" b="1" dirty="0">
+                <a:latin typeface="Microsoft JhengHei" panose="020B0604030504040204" pitchFamily="34" charset="-120"/>
+                <a:ea typeface="Microsoft JhengHei" panose="020B0604030504040204" pitchFamily="34" charset="-120"/>
+              </a:rPr>
+              <a:t>請靜音或關閉所有電子設備</a:t>
+            </a:r>
+            <a:endParaRPr lang="en-GB" sz="4400" b="1" dirty="0">
+              <a:latin typeface="Microsoft JhengHei" panose="020B0604030504040204" pitchFamily="34" charset="-120"/>
+              <a:ea typeface="Microsoft JhengHei" panose="020B0604030504040204" pitchFamily="34" charset="-120"/>
+            </a:endParaRPr>
+          </a:p>
+        </p:txBody>
+      </p:sp>
+      <p:pic>
+        <p:nvPicPr>
+          <p:cNvPr id="5" name="Picture 4" descr="Shape&#10;&#10;Description automatically generated with low confidence">
+            <a:extLst>
+              <a:ext uri="{FF2B5EF4-FFF2-40B4-BE49-F238E27FC236}">
+                <a16:creationId xmlns:a16="http://schemas.microsoft.com/office/drawing/2014/main" id="{AC9BD3E1-856D-B518-3D09-AA2FCBC6B91A}"/>
+              </a:ext>
+            </a:extLst>
+          </p:cNvPr>
+          <p:cNvPicPr>
+            <a:picLocks noChangeAspect="1"/>
+          </p:cNvPicPr>
+          <p:nvPr/>
+        </p:nvPicPr>
+        <p:blipFill>
+          <a:blip r:embed="rId2" cstate="print">
+            <a:extLst>
+              <a:ext uri="{BEBA8EAE-BF5A-486C-A8C5-ECC9F3942E4B}">
+                <a14:imgProps xmlns:a14="http://schemas.microsoft.com/office/drawing/2010/main">
+                  <a14:imgLayer r:embed="rId3">
+                    <a14:imgEffect>
+                      <a14:colorTemperature colorTemp="11500"/>
+                    </a14:imgEffect>
+                    <a14:imgEffect>
+                      <a14:saturation sat="400000"/>
+                    </a14:imgEffect>
+                    <a14:imgEffect>
+                      <a14:brightnessContrast bright="-40000" contrast="-40000"/>
+                    </a14:imgEffect>
+                  </a14:imgLayer>
+                </a14:imgProps>
+              </a:ext>
+              <a:ext uri="{28A0092B-C50C-407E-A947-70E740481C1C}">
+                <a14:useLocalDpi xmlns:a14="http://schemas.microsoft.com/office/drawing/2010/main" val="0"/>
+              </a:ext>
+            </a:extLst>
+          </a:blip>
+          <a:stretch>
+            <a:fillRect/>
+          </a:stretch>
+        </p:blipFill>
+        <p:spPr>
+          <a:xfrm>
+            <a:off x="1710701" y="2869813"/>
+            <a:ext cx="2359386" cy="2359386"/>
+          </a:xfrm>
+          <a:prstGeom prst="rect">
+            <a:avLst/>
+          </a:prstGeom>
+        </p:spPr>
+      </p:pic>
+      <p:pic>
+        <p:nvPicPr>
+          <p:cNvPr id="3" name="Picture 2" descr="Shape&#10;&#10;Description automatically generated with low confidence">
+            <a:extLst>
+              <a:ext uri="{FF2B5EF4-FFF2-40B4-BE49-F238E27FC236}">
+                <a16:creationId xmlns:a16="http://schemas.microsoft.com/office/drawing/2014/main" id="{F2B8EEB5-A2A8-2246-92B8-D793C3FDC5FE}"/>
+              </a:ext>
+            </a:extLst>
+          </p:cNvPr>
+          <p:cNvPicPr>
+            <a:picLocks noChangeAspect="1"/>
+          </p:cNvPicPr>
+          <p:nvPr/>
+        </p:nvPicPr>
+        <p:blipFill>
+          <a:blip r:embed="rId4">
+            <a:extLst>
+              <a:ext uri="{BEBA8EAE-BF5A-486C-A8C5-ECC9F3942E4B}">
+                <a14:imgProps xmlns:a14="http://schemas.microsoft.com/office/drawing/2010/main">
+                  <a14:imgLayer r:embed="rId5">
+                    <a14:imgEffect>
+                      <a14:brightnessContrast bright="-40000" contrast="-40000"/>
+                    </a14:imgEffect>
+                  </a14:imgLayer>
+                </a14:imgProps>
+              </a:ext>
+              <a:ext uri="{28A0092B-C50C-407E-A947-70E740481C1C}">
+                <a14:useLocalDpi xmlns:a14="http://schemas.microsoft.com/office/drawing/2010/main" val="0"/>
+              </a:ext>
+            </a:extLst>
+          </a:blip>
+          <a:stretch>
+            <a:fillRect/>
+          </a:stretch>
+        </p:blipFill>
+        <p:spPr>
+          <a:xfrm>
+            <a:off x="5015880" y="2869814"/>
+            <a:ext cx="2359385" cy="2359385"/>
+          </a:xfrm>
+          <a:prstGeom prst="rect">
+            <a:avLst/>
+          </a:prstGeom>
+        </p:spPr>
+      </p:pic>
+      <p:pic>
+        <p:nvPicPr>
+          <p:cNvPr id="6" name="Picture 5" descr="Shape&#10;&#10;Description automatically generated with low confidence">
+            <a:extLst>
+              <a:ext uri="{FF2B5EF4-FFF2-40B4-BE49-F238E27FC236}">
+                <a16:creationId xmlns:a16="http://schemas.microsoft.com/office/drawing/2014/main" id="{E4E05851-7A29-58F2-A0E9-7AFC98E740B6}"/>
+              </a:ext>
+            </a:extLst>
+          </p:cNvPr>
+          <p:cNvPicPr>
+            <a:picLocks noChangeAspect="1"/>
+          </p:cNvPicPr>
+          <p:nvPr/>
+        </p:nvPicPr>
+        <p:blipFill>
+          <a:blip r:embed="rId6">
+            <a:extLst>
+              <a:ext uri="{BEBA8EAE-BF5A-486C-A8C5-ECC9F3942E4B}">
+                <a14:imgProps xmlns:a14="http://schemas.microsoft.com/office/drawing/2010/main">
+                  <a14:imgLayer r:embed="rId7">
+                    <a14:imgEffect>
+                      <a14:brightnessContrast bright="-40000" contrast="-40000"/>
+                    </a14:imgEffect>
+                  </a14:imgLayer>
+                </a14:imgProps>
+              </a:ext>
+              <a:ext uri="{28A0092B-C50C-407E-A947-70E740481C1C}">
+                <a14:useLocalDpi xmlns:a14="http://schemas.microsoft.com/office/drawing/2010/main" val="0"/>
+              </a:ext>
+            </a:extLst>
+          </a:blip>
+          <a:stretch>
+            <a:fillRect/>
+          </a:stretch>
+        </p:blipFill>
+        <p:spPr>
+          <a:xfrm>
+            <a:off x="8121914" y="2866900"/>
+            <a:ext cx="2359385" cy="2359385"/>
+          </a:xfrm>
+          <a:prstGeom prst="rect">
+            <a:avLst/>
+          </a:prstGeom>
+        </p:spPr>
+      </p:pic>
+      <p:pic>
+        <p:nvPicPr>
+          <p:cNvPr id="2" name="Picture 1" descr="Logo&#10;&#10;Description automatically generated with medium confidence">
+            <a:extLst>
+              <a:ext uri="{FF2B5EF4-FFF2-40B4-BE49-F238E27FC236}">
+                <a16:creationId xmlns:a16="http://schemas.microsoft.com/office/drawing/2014/main" id="{97EAE857-49D3-7B8C-B57E-A881B4864B2E}"/>
+              </a:ext>
+            </a:extLst>
+          </p:cNvPr>
+          <p:cNvPicPr>
+            <a:picLocks noChangeAspect="1"/>
+          </p:cNvPicPr>
+          <p:nvPr/>
+        </p:nvPicPr>
+        <p:blipFill>
+          <a:blip r:embed="rId8" cstate="print">
+            <a:biLevel thresh="75000"/>
+            <a:extLst>
+              <a:ext uri="{BEBA8EAE-BF5A-486C-A8C5-ECC9F3942E4B}">
+                <a14:imgProps xmlns:a14="http://schemas.microsoft.com/office/drawing/2010/main">
+                  <a14:imgLayer r:embed="rId9">
+                    <a14:imgEffect>
+                      <a14:brightnessContrast bright="-40000" contrast="-40000"/>
+                    </a14:imgEffect>
+                  </a14:imgLayer>
+                </a14:imgProps>
+              </a:ext>
+              <a:ext uri="{28A0092B-C50C-407E-A947-70E740481C1C}">
+                <a14:useLocalDpi xmlns:a14="http://schemas.microsoft.com/office/drawing/2010/main" val="0"/>
+              </a:ext>
+            </a:extLst>
+          </a:blip>
+          <a:stretch>
+            <a:fillRect/>
+          </a:stretch>
+        </p:blipFill>
+        <p:spPr>
+          <a:xfrm>
+            <a:off x="335359" y="6269250"/>
+            <a:ext cx="2664297" cy="344791"/>
+          </a:xfrm>
+          <a:prstGeom prst="rect">
+            <a:avLst/>
+          </a:prstGeom>
+        </p:spPr>
+      </p:pic>
+    </p:spTree>
+    <p:extLst>
+      <p:ext uri="{BB962C8B-B14F-4D97-AF65-F5344CB8AC3E}">
+        <p14:creationId xmlns:p14="http://schemas.microsoft.com/office/powerpoint/2010/main" val="1579287213"/>
+      </p:ext>
+    </p:extLst>
+  </p:cSld>
+  <p:clrMapOvr>
+    <a:masterClrMapping/>
+  </p:clrMapOvr>
+</p:sld>
+</file>
+
+<file path=ppt/slides/slide11.xml><?xml version="1.0" encoding="utf-8"?>
 <p:sld xmlns:a="http://schemas.openxmlformats.org/drawingml/2006/main" xmlns:r="http://schemas.openxmlformats.org/officeDocument/2006/relationships" xmlns:p="http://schemas.openxmlformats.org/presentationml/2006/main">
   <p:cSld>
     <p:spTree>
@@ -4777,7 +5145,7 @@
         </p:nvSpPr>
         <p:spPr bwMode="auto">
           <a:xfrm>
-            <a:off x="0" y="814864"/>
+            <a:off x="1" y="2077398"/>
             <a:ext cx="12192000" cy="830997"/>
           </a:xfrm>
           <a:prstGeom prst="rect">
@@ -4818,7 +5186,7 @@
           </a:extLst>
         </p:spPr>
         <p:txBody>
-          <a:bodyPr wrap="square">
+          <a:bodyPr wrap="square" anchor="b">
             <a:spAutoFit/>
           </a:bodyPr>
           <a:lstStyle/>
@@ -4849,7 +5217,7 @@
         </p:nvSpPr>
         <p:spPr bwMode="auto">
           <a:xfrm>
-            <a:off x="0" y="1802909"/>
+            <a:off x="0" y="3102059"/>
             <a:ext cx="12192000" cy="830997"/>
           </a:xfrm>
           <a:prstGeom prst="rect">
@@ -4911,134 +5279,6 @@
                 <a:ea typeface="金梅新中楷全字體" panose="02010509060101010101" pitchFamily="49" charset="-120"/>
               </a:rPr>
               <a:t>Chinese</a:t>
-            </a:r>
-          </a:p>
-        </p:txBody>
-      </p:sp>
-      <p:sp>
-        <p:nvSpPr>
-          <p:cNvPr id="344068" name="Text Box 4"/>
-          <p:cNvSpPr txBox="1">
-            <a:spLocks noChangeArrowheads="1"/>
-          </p:cNvSpPr>
-          <p:nvPr/>
-        </p:nvSpPr>
-        <p:spPr bwMode="auto">
-          <a:xfrm>
-            <a:off x="1519747" y="3025408"/>
-            <a:ext cx="9144000" cy="584775"/>
-          </a:xfrm>
-          <a:prstGeom prst="rect">
-            <a:avLst/>
-          </a:prstGeom>
-          <a:noFill/>
-          <a:ln w="9525">
-            <a:noFill/>
-            <a:miter lim="800000"/>
-            <a:headEnd/>
-            <a:tailEnd/>
-          </a:ln>
-          <a:effectLst/>
-        </p:spPr>
-        <p:txBody>
-          <a:bodyPr wrap="square">
-            <a:noAutofit/>
-          </a:bodyPr>
-          <a:lstStyle/>
-          <a:p>
-            <a:pPr algn="ctr">
-              <a:spcBef>
-                <a:spcPct val="50000"/>
-              </a:spcBef>
-            </a:pPr>
-            <a:r>
-              <a:rPr lang="en-GB" altLang="en-US" sz="3200" b="1" dirty="0">
-                <a:latin typeface="Century Gothic" panose="020B0502020202020204" pitchFamily="34" charset="0"/>
-              </a:rPr>
-              <a:t>HYMNS </a:t>
-            </a:r>
-            <a:r>
-              <a:rPr lang="zh-TW" altLang="en-US" sz="3200" b="1" dirty="0">
-                <a:latin typeface="Microsoft JhengHei" panose="020B0604030504040204" pitchFamily="34" charset="-120"/>
-                <a:ea typeface="Microsoft JhengHei" panose="020B0604030504040204" pitchFamily="34" charset="-120"/>
-              </a:rPr>
-              <a:t>詩</a:t>
-            </a:r>
-            <a:endParaRPr lang="en-US" altLang="en-US" sz="3200" b="1" dirty="0">
-              <a:latin typeface="Century Gothic" panose="020B0502020202020204" pitchFamily="34" charset="0"/>
-            </a:endParaRPr>
-          </a:p>
-        </p:txBody>
-      </p:sp>
-      <p:sp>
-        <p:nvSpPr>
-          <p:cNvPr id="344069" name="Text Box 5"/>
-          <p:cNvSpPr txBox="1">
-            <a:spLocks noChangeArrowheads="1"/>
-          </p:cNvSpPr>
-          <p:nvPr/>
-        </p:nvSpPr>
-        <p:spPr bwMode="auto">
-          <a:xfrm>
-            <a:off x="1530570" y="3789040"/>
-            <a:ext cx="9137431" cy="584775"/>
-          </a:xfrm>
-          <a:prstGeom prst="rect">
-            <a:avLst/>
-          </a:prstGeom>
-          <a:noFill/>
-          <a:ln>
-            <a:noFill/>
-          </a:ln>
-          <a:effectLst/>
-          <a:extLst>
-            <a:ext uri="{909E8E84-426E-40DD-AFC4-6F175D3DCCD1}">
-              <a14:hiddenFill xmlns:a14="http://schemas.microsoft.com/office/drawing/2010/main">
-                <a:solidFill>
-                  <a:schemeClr val="accent1"/>
-                </a:solidFill>
-              </a14:hiddenFill>
-            </a:ext>
-            <a:ext uri="{91240B29-F687-4F45-9708-019B960494DF}">
-              <a14:hiddenLine xmlns:a14="http://schemas.microsoft.com/office/drawing/2010/main" w="9525">
-                <a:solidFill>
-                  <a:schemeClr val="tx1"/>
-                </a:solidFill>
-                <a:miter lim="800000"/>
-                <a:headEnd/>
-                <a:tailEnd/>
-              </a14:hiddenLine>
-            </a:ext>
-            <a:ext uri="{AF507438-7753-43E0-B8FC-AC1667EBCBE1}">
-              <a14:hiddenEffects xmlns:a14="http://schemas.microsoft.com/office/drawing/2010/main">
-                <a:effectLst>
-                  <a:outerShdw dist="35921" dir="2700000" algn="ctr" rotWithShape="0">
-                    <a:schemeClr val="bg2"/>
-                  </a:outerShdw>
-                </a:effectLst>
-              </a14:hiddenEffects>
-            </a:ext>
-          </a:extLst>
-        </p:spPr>
-        <p:txBody>
-          <a:bodyPr wrap="square">
-            <a:spAutoFit/>
-          </a:bodyPr>
-          <a:lstStyle/>
-          <a:p>
-            <a:pPr algn="ctr">
-              <a:lnSpc>
-                <a:spcPct val="80000"/>
-              </a:lnSpc>
-              <a:spcBef>
-                <a:spcPct val="50000"/>
-              </a:spcBef>
-            </a:pPr>
-            <a:r>
-              <a:rPr lang="en-US" altLang="en-US" sz="4000" dirty="0">
-                <a:latin typeface="Century Gothic" panose="020B0502020202020204" pitchFamily="34" charset="0"/>
-              </a:rPr>
-              <a:t>Hymn No.</a:t>
             </a:r>
           </a:p>
         </p:txBody>
@@ -5321,13 +5561,7 @@
       </p:grpSpPr>
       <p:sp>
         <p:nvSpPr>
-          <p:cNvPr id="4" name="Text Box 2">
-            <a:extLst>
-              <a:ext uri="{FF2B5EF4-FFF2-40B4-BE49-F238E27FC236}">
-                <a16:creationId xmlns:a16="http://schemas.microsoft.com/office/drawing/2014/main" id="{21384A1C-6723-8919-8628-8B11E6CBD507}"/>
-              </a:ext>
-            </a:extLst>
-          </p:cNvPr>
+          <p:cNvPr id="344066" name="Text Box 2"/>
           <p:cNvSpPr txBox="1">
             <a:spLocks noChangeArrowheads="1"/>
           </p:cNvSpPr>
@@ -5335,7 +5569,7 @@
         </p:nvSpPr>
         <p:spPr bwMode="auto">
           <a:xfrm>
-            <a:off x="0" y="498376"/>
+            <a:off x="0" y="814864"/>
             <a:ext cx="12192000" cy="830997"/>
           </a:xfrm>
           <a:prstGeom prst="rect">
@@ -5407,7 +5641,7 @@
         </p:nvSpPr>
         <p:spPr bwMode="auto">
           <a:xfrm>
-            <a:off x="0" y="1486421"/>
+            <a:off x="0" y="1802909"/>
             <a:ext cx="12192000" cy="830997"/>
           </a:xfrm>
           <a:prstGeom prst="rect">
@@ -5475,7 +5709,7 @@
       </p:sp>
       <p:sp>
         <p:nvSpPr>
-          <p:cNvPr id="344070" name="Text Box 6"/>
+          <p:cNvPr id="344068" name="Text Box 4"/>
           <p:cNvSpPr txBox="1">
             <a:spLocks noChangeArrowheads="1"/>
           </p:cNvSpPr>
@@ -5483,19 +5717,18 @@
         </p:nvSpPr>
         <p:spPr bwMode="auto">
           <a:xfrm>
-            <a:off x="252966" y="2585329"/>
-            <a:ext cx="11685790" cy="3291944"/>
+            <a:off x="1519747" y="3025408"/>
+            <a:ext cx="9144000" cy="584775"/>
           </a:xfrm>
           <a:prstGeom prst="rect">
             <a:avLst/>
           </a:prstGeom>
-          <a:solidFill>
-            <a:srgbClr val="B2B2B2">
-              <a:alpha val="30196"/>
-            </a:srgbClr>
-          </a:solidFill>
-          <a:ln>
+          <a:noFill/>
+          <a:ln w="9525">
             <a:noFill/>
+            <a:miter lim="800000"/>
+            <a:headEnd/>
+            <a:tailEnd/>
           </a:ln>
           <a:effectLst/>
         </p:spPr>
@@ -5505,36 +5738,33 @@
           </a:bodyPr>
           <a:lstStyle/>
           <a:p>
-            <a:pPr eaLnBrk="1" hangingPunct="1">
+            <a:pPr algn="ctr">
               <a:spcBef>
                 <a:spcPct val="50000"/>
               </a:spcBef>
-              <a:buFontTx/>
-              <a:buNone/>
             </a:pPr>
             <a:r>
               <a:rPr lang="en-GB" altLang="en-US" sz="3200" b="1" dirty="0">
                 <a:latin typeface="Century Gothic" panose="020B0502020202020204" pitchFamily="34" charset="0"/>
               </a:rPr>
-              <a:t>BIBLE VERSE </a:t>
+              <a:t>HYMNS </a:t>
             </a:r>
             <a:r>
               <a:rPr lang="zh-TW" altLang="en-US" sz="3200" b="1" dirty="0">
                 <a:latin typeface="Microsoft JhengHei" panose="020B0604030504040204" pitchFamily="34" charset="-120"/>
                 <a:ea typeface="Microsoft JhengHei" panose="020B0604030504040204" pitchFamily="34" charset="-120"/>
               </a:rPr>
-              <a:t>經文</a:t>
+              <a:t>詩</a:t>
             </a:r>
             <a:endParaRPr lang="en-US" altLang="en-US" sz="3200" b="1" dirty="0">
-              <a:latin typeface="Microsoft JhengHei" panose="020B0604030504040204" pitchFamily="34" charset="-120"/>
-              <a:ea typeface="Microsoft JhengHei" panose="020B0604030504040204" pitchFamily="34" charset="-120"/>
+              <a:latin typeface="Century Gothic" panose="020B0502020202020204" pitchFamily="34" charset="0"/>
             </a:endParaRPr>
           </a:p>
         </p:txBody>
       </p:sp>
       <p:sp>
         <p:nvSpPr>
-          <p:cNvPr id="344071" name="Text Box 7"/>
+          <p:cNvPr id="344069" name="Text Box 5"/>
           <p:cNvSpPr txBox="1">
             <a:spLocks noChangeArrowheads="1"/>
           </p:cNvSpPr>
@@ -5542,8 +5772,8 @@
         </p:nvSpPr>
         <p:spPr bwMode="auto">
           <a:xfrm>
-            <a:off x="0" y="3344798"/>
-            <a:ext cx="5771528" cy="954107"/>
+            <a:off x="1530570" y="3789040"/>
+            <a:ext cx="9137431" cy="584775"/>
           </a:xfrm>
           <a:prstGeom prst="rect">
             <a:avLst/>
@@ -5588,163 +5818,19 @@
           </a:bodyPr>
           <a:lstStyle/>
           <a:p>
-            <a:pPr algn="r">
+            <a:pPr algn="ctr">
+              <a:lnSpc>
+                <a:spcPct val="80000"/>
+              </a:lnSpc>
               <a:spcBef>
                 <a:spcPct val="50000"/>
               </a:spcBef>
             </a:pPr>
             <a:r>
-              <a:rPr lang="en-US" altLang="en-US" sz="5600" dirty="0">
+              <a:rPr lang="en-US" altLang="en-US" sz="4000" dirty="0">
                 <a:latin typeface="Century Gothic" panose="020B0502020202020204" pitchFamily="34" charset="0"/>
               </a:rPr>
-              <a:t>English Book</a:t>
-            </a:r>
-          </a:p>
-        </p:txBody>
-      </p:sp>
-      <p:sp>
-        <p:nvSpPr>
-          <p:cNvPr id="344072" name="Text Box 8"/>
-          <p:cNvSpPr txBox="1">
-            <a:spLocks noChangeArrowheads="1"/>
-          </p:cNvSpPr>
-          <p:nvPr/>
-        </p:nvSpPr>
-        <p:spPr bwMode="auto">
-          <a:xfrm>
-            <a:off x="1" y="4280902"/>
-            <a:ext cx="5771528" cy="954107"/>
-          </a:xfrm>
-          <a:prstGeom prst="rect">
-            <a:avLst/>
-          </a:prstGeom>
-          <a:noFill/>
-          <a:ln>
-            <a:noFill/>
-          </a:ln>
-          <a:effectLst/>
-          <a:extLst>
-            <a:ext uri="{909E8E84-426E-40DD-AFC4-6F175D3DCCD1}">
-              <a14:hiddenFill xmlns:a14="http://schemas.microsoft.com/office/drawing/2010/main">
-                <a:solidFill>
-                  <a:schemeClr val="accent1"/>
-                </a:solidFill>
-              </a14:hiddenFill>
-            </a:ext>
-            <a:ext uri="{91240B29-F687-4F45-9708-019B960494DF}">
-              <a14:hiddenLine xmlns:a14="http://schemas.microsoft.com/office/drawing/2010/main" w="9525">
-                <a:solidFill>
-                  <a:schemeClr val="tx1"/>
-                </a:solidFill>
-                <a:miter lim="800000"/>
-                <a:headEnd/>
-                <a:tailEnd/>
-              </a14:hiddenLine>
-            </a:ext>
-            <a:ext uri="{AF507438-7753-43E0-B8FC-AC1667EBCBE1}">
-              <a14:hiddenEffects xmlns:a14="http://schemas.microsoft.com/office/drawing/2010/main">
-                <a:effectLst>
-                  <a:outerShdw dist="35921" dir="2700000" algn="ctr" rotWithShape="0">
-                    <a:schemeClr val="bg2"/>
-                  </a:outerShdw>
-                </a:effectLst>
-              </a14:hiddenEffects>
-            </a:ext>
-          </a:extLst>
-        </p:spPr>
-        <p:txBody>
-          <a:bodyPr wrap="square">
-            <a:spAutoFit/>
-          </a:bodyPr>
-          <a:lstStyle/>
-          <a:p>
-            <a:pPr algn="r">
-              <a:spcBef>
-                <a:spcPct val="50000"/>
-              </a:spcBef>
-            </a:pPr>
-            <a:r>
-              <a:rPr lang="en-US" altLang="en-US" sz="5600" dirty="0">
-                <a:solidFill>
-                  <a:schemeClr val="accent1">
-                    <a:lumMod val="50000"/>
-                  </a:schemeClr>
-                </a:solidFill>
-                <a:latin typeface="Microsoft JhengHei" panose="020B0604030504040204" pitchFamily="34" charset="-120"/>
-                <a:ea typeface="Microsoft JhengHei" panose="020B0604030504040204" pitchFamily="34" charset="-120"/>
-              </a:rPr>
-              <a:t>Chinese Book</a:t>
-            </a:r>
-          </a:p>
-        </p:txBody>
-      </p:sp>
-      <p:sp>
-        <p:nvSpPr>
-          <p:cNvPr id="344073" name="Text Box 9"/>
-          <p:cNvSpPr txBox="1">
-            <a:spLocks noChangeArrowheads="1"/>
-          </p:cNvSpPr>
-          <p:nvPr/>
-        </p:nvSpPr>
-        <p:spPr bwMode="auto">
-          <a:xfrm>
-            <a:off x="5952253" y="3734926"/>
-            <a:ext cx="6239747" cy="2246769"/>
-          </a:xfrm>
-          <a:prstGeom prst="rect">
-            <a:avLst/>
-          </a:prstGeom>
-          <a:noFill/>
-          <a:ln>
-            <a:noFill/>
-          </a:ln>
-          <a:effectLst/>
-          <a:extLst>
-            <a:ext uri="{909E8E84-426E-40DD-AFC4-6F175D3DCCD1}">
-              <a14:hiddenFill xmlns:a14="http://schemas.microsoft.com/office/drawing/2010/main">
-                <a:solidFill>
-                  <a:schemeClr val="accent1"/>
-                </a:solidFill>
-              </a14:hiddenFill>
-            </a:ext>
-            <a:ext uri="{91240B29-F687-4F45-9708-019B960494DF}">
-              <a14:hiddenLine xmlns:a14="http://schemas.microsoft.com/office/drawing/2010/main" w="9525">
-                <a:solidFill>
-                  <a:schemeClr val="tx1"/>
-                </a:solidFill>
-                <a:miter lim="800000"/>
-                <a:headEnd/>
-                <a:tailEnd/>
-              </a14:hiddenLine>
-            </a:ext>
-            <a:ext uri="{AF507438-7753-43E0-B8FC-AC1667EBCBE1}">
-              <a14:hiddenEffects xmlns:a14="http://schemas.microsoft.com/office/drawing/2010/main">
-                <a:effectLst>
-                  <a:outerShdw dist="35921" dir="2700000" algn="ctr" rotWithShape="0">
-                    <a:schemeClr val="bg2"/>
-                  </a:outerShdw>
-                </a:effectLst>
-              </a14:hiddenEffects>
-            </a:ext>
-          </a:extLst>
-        </p:spPr>
-        <p:txBody>
-          <a:bodyPr wrap="square" lIns="0" rIns="0">
-            <a:spAutoFit/>
-          </a:bodyPr>
-          <a:lstStyle/>
-          <a:p>
-            <a:pPr>
-              <a:spcBef>
-                <a:spcPct val="50000"/>
-              </a:spcBef>
-            </a:pPr>
-            <a:r>
-              <a:rPr lang="en-US" altLang="zh-CN" sz="7000" dirty="0">
-                <a:latin typeface="Century Gothic" panose="020B0502020202020204" pitchFamily="34" charset="0"/>
-                <a:ea typeface="宋体" panose="02010600030101010101" pitchFamily="2" charset="-122"/>
-              </a:rPr>
-              <a:t>Chapter &amp; Verse</a:t>
+              <a:t>Hymn No.</a:t>
             </a:r>
           </a:p>
         </p:txBody>
@@ -6003,6 +6089,715 @@
     </p:spTree>
     <p:extLst>
       <p:ext uri="{BB962C8B-B14F-4D97-AF65-F5344CB8AC3E}">
+        <p14:creationId xmlns:p14="http://schemas.microsoft.com/office/powerpoint/2010/main" val="4174124207"/>
+      </p:ext>
+    </p:extLst>
+  </p:cSld>
+  <p:clrMapOvr>
+    <a:masterClrMapping/>
+  </p:clrMapOvr>
+</p:sld>
+</file>
+
+<file path=ppt/slides/slide4.xml><?xml version="1.0" encoding="utf-8"?>
+<p:sld xmlns:a="http://schemas.openxmlformats.org/drawingml/2006/main" xmlns:r="http://schemas.openxmlformats.org/officeDocument/2006/relationships" xmlns:p="http://schemas.openxmlformats.org/presentationml/2006/main">
+  <p:cSld>
+    <p:spTree>
+      <p:nvGrpSpPr>
+        <p:cNvPr id="1" name=""/>
+        <p:cNvGrpSpPr/>
+        <p:nvPr/>
+      </p:nvGrpSpPr>
+      <p:grpSpPr>
+        <a:xfrm>
+          <a:off x="0" y="0"/>
+          <a:ext cx="0" cy="0"/>
+          <a:chOff x="0" y="0"/>
+          <a:chExt cx="0" cy="0"/>
+        </a:xfrm>
+      </p:grpSpPr>
+      <p:sp>
+        <p:nvSpPr>
+          <p:cNvPr id="4" name="Text Box 2">
+            <a:extLst>
+              <a:ext uri="{FF2B5EF4-FFF2-40B4-BE49-F238E27FC236}">
+                <a16:creationId xmlns:a16="http://schemas.microsoft.com/office/drawing/2014/main" id="{21384A1C-6723-8919-8628-8B11E6CBD507}"/>
+              </a:ext>
+            </a:extLst>
+          </p:cNvPr>
+          <p:cNvSpPr txBox="1">
+            <a:spLocks noChangeArrowheads="1"/>
+          </p:cNvSpPr>
+          <p:nvPr/>
+        </p:nvSpPr>
+        <p:spPr bwMode="auto">
+          <a:xfrm>
+            <a:off x="0" y="498376"/>
+            <a:ext cx="12192000" cy="830997"/>
+          </a:xfrm>
+          <a:prstGeom prst="rect">
+            <a:avLst/>
+          </a:prstGeom>
+          <a:noFill/>
+          <a:ln>
+            <a:noFill/>
+          </a:ln>
+          <a:effectLst/>
+          <a:extLst>
+            <a:ext uri="{909E8E84-426E-40DD-AFC4-6F175D3DCCD1}">
+              <a14:hiddenFill xmlns:a14="http://schemas.microsoft.com/office/drawing/2010/main">
+                <a:solidFill>
+                  <a:schemeClr val="accent1"/>
+                </a:solidFill>
+              </a14:hiddenFill>
+            </a:ext>
+            <a:ext uri="{91240B29-F687-4F45-9708-019B960494DF}">
+              <a14:hiddenLine xmlns:a14="http://schemas.microsoft.com/office/drawing/2010/main" w="9525">
+                <a:solidFill>
+                  <a:schemeClr val="tx1"/>
+                </a:solidFill>
+                <a:miter lim="800000"/>
+                <a:headEnd/>
+                <a:tailEnd/>
+              </a14:hiddenLine>
+            </a:ext>
+            <a:ext uri="{AF507438-7753-43E0-B8FC-AC1667EBCBE1}">
+              <a14:hiddenEffects xmlns:a14="http://schemas.microsoft.com/office/drawing/2010/main">
+                <a:effectLst>
+                  <a:outerShdw dist="35921" dir="2700000" algn="ctr" rotWithShape="0">
+                    <a:schemeClr val="bg2"/>
+                  </a:outerShdw>
+                </a:effectLst>
+              </a14:hiddenEffects>
+            </a:ext>
+          </a:extLst>
+        </p:spPr>
+        <p:txBody>
+          <a:bodyPr wrap="square">
+            <a:spAutoFit/>
+          </a:bodyPr>
+          <a:lstStyle/>
+          <a:p>
+            <a:pPr algn="ctr">
+              <a:spcBef>
+                <a:spcPct val="50000"/>
+              </a:spcBef>
+            </a:pPr>
+            <a:r>
+              <a:rPr lang="en-US" altLang="zh-CN" sz="4800" b="1" dirty="0">
+                <a:latin typeface="Segoe UI" panose="020B0502040204020203" pitchFamily="34" charset="0"/>
+                <a:ea typeface="宋体" panose="02010600030101010101" pitchFamily="2" charset="-122"/>
+                <a:cs typeface="Segoe UI" panose="020B0502040204020203" pitchFamily="34" charset="0"/>
+              </a:rPr>
+              <a:t>English</a:t>
+            </a:r>
+          </a:p>
+        </p:txBody>
+      </p:sp>
+      <p:sp>
+        <p:nvSpPr>
+          <p:cNvPr id="344067" name="Text Box 3"/>
+          <p:cNvSpPr txBox="1">
+            <a:spLocks noChangeArrowheads="1"/>
+          </p:cNvSpPr>
+          <p:nvPr/>
+        </p:nvSpPr>
+        <p:spPr bwMode="auto">
+          <a:xfrm>
+            <a:off x="0" y="1486421"/>
+            <a:ext cx="12192000" cy="830997"/>
+          </a:xfrm>
+          <a:prstGeom prst="rect">
+            <a:avLst/>
+          </a:prstGeom>
+          <a:noFill/>
+          <a:ln>
+            <a:noFill/>
+          </a:ln>
+          <a:effectLst/>
+          <a:extLst>
+            <a:ext uri="{909E8E84-426E-40DD-AFC4-6F175D3DCCD1}">
+              <a14:hiddenFill xmlns:a14="http://schemas.microsoft.com/office/drawing/2010/main">
+                <a:solidFill>
+                  <a:schemeClr val="accent1"/>
+                </a:solidFill>
+              </a14:hiddenFill>
+            </a:ext>
+            <a:ext uri="{91240B29-F687-4F45-9708-019B960494DF}">
+              <a14:hiddenLine xmlns:a14="http://schemas.microsoft.com/office/drawing/2010/main" w="9525">
+                <a:solidFill>
+                  <a:schemeClr val="tx1"/>
+                </a:solidFill>
+                <a:miter lim="800000"/>
+                <a:headEnd/>
+                <a:tailEnd/>
+              </a14:hiddenLine>
+            </a:ext>
+            <a:ext uri="{AF507438-7753-43E0-B8FC-AC1667EBCBE1}">
+              <a14:hiddenEffects xmlns:a14="http://schemas.microsoft.com/office/drawing/2010/main">
+                <a:effectLst>
+                  <a:outerShdw dist="35921" dir="2700000" algn="ctr" rotWithShape="0">
+                    <a:schemeClr val="bg2"/>
+                  </a:outerShdw>
+                </a:effectLst>
+              </a14:hiddenEffects>
+            </a:ext>
+          </a:extLst>
+        </p:spPr>
+        <p:txBody>
+          <a:bodyPr wrap="square">
+            <a:spAutoFit/>
+          </a:bodyPr>
+          <a:lstStyle/>
+          <a:p>
+            <a:pPr algn="ctr">
+              <a:spcBef>
+                <a:spcPct val="50000"/>
+              </a:spcBef>
+            </a:pPr>
+            <a:r>
+              <a:rPr lang="en-US" altLang="zh-CN" sz="4800" b="1" dirty="0">
+                <a:solidFill>
+                  <a:schemeClr val="accent1">
+                    <a:lumMod val="50000"/>
+                  </a:schemeClr>
+                </a:solidFill>
+                <a:latin typeface="金梅新中楷全字體" panose="02010509060101010101" pitchFamily="49" charset="-120"/>
+                <a:ea typeface="金梅新中楷全字體" panose="02010509060101010101" pitchFamily="49" charset="-120"/>
+              </a:rPr>
+              <a:t>Chinese</a:t>
+            </a:r>
+          </a:p>
+        </p:txBody>
+      </p:sp>
+      <p:sp>
+        <p:nvSpPr>
+          <p:cNvPr id="344070" name="Text Box 6"/>
+          <p:cNvSpPr txBox="1">
+            <a:spLocks noChangeArrowheads="1"/>
+          </p:cNvSpPr>
+          <p:nvPr/>
+        </p:nvSpPr>
+        <p:spPr bwMode="auto">
+          <a:xfrm>
+            <a:off x="252966" y="2474466"/>
+            <a:ext cx="11685790" cy="3402807"/>
+          </a:xfrm>
+          <a:prstGeom prst="roundRect">
+            <a:avLst>
+              <a:gd name="adj" fmla="val 2956"/>
+            </a:avLst>
+          </a:prstGeom>
+          <a:noFill/>
+          <a:ln w="57150">
+            <a:noFill/>
+          </a:ln>
+          <a:effectLst/>
+        </p:spPr>
+        <p:txBody>
+          <a:bodyPr wrap="square">
+            <a:noAutofit/>
+          </a:bodyPr>
+          <a:lstStyle/>
+          <a:p>
+            <a:pPr eaLnBrk="1" hangingPunct="1">
+              <a:spcBef>
+                <a:spcPct val="50000"/>
+              </a:spcBef>
+              <a:buFontTx/>
+              <a:buNone/>
+            </a:pPr>
+            <a:r>
+              <a:rPr lang="en-GB" altLang="en-US" sz="3200" b="1" dirty="0">
+                <a:latin typeface="Century Gothic" panose="020B0502020202020204" pitchFamily="34" charset="0"/>
+              </a:rPr>
+              <a:t>BIBLE VERSE </a:t>
+            </a:r>
+            <a:r>
+              <a:rPr lang="zh-TW" altLang="en-US" sz="3200" b="1" dirty="0">
+                <a:latin typeface="Microsoft JhengHei" panose="020B0604030504040204" pitchFamily="34" charset="-120"/>
+                <a:ea typeface="Microsoft JhengHei" panose="020B0604030504040204" pitchFamily="34" charset="-120"/>
+              </a:rPr>
+              <a:t>經文</a:t>
+            </a:r>
+            <a:endParaRPr lang="en-US" altLang="en-US" sz="3200" b="1" dirty="0">
+              <a:latin typeface="Microsoft JhengHei" panose="020B0604030504040204" pitchFamily="34" charset="-120"/>
+              <a:ea typeface="Microsoft JhengHei" panose="020B0604030504040204" pitchFamily="34" charset="-120"/>
+            </a:endParaRPr>
+          </a:p>
+        </p:txBody>
+      </p:sp>
+      <p:sp>
+        <p:nvSpPr>
+          <p:cNvPr id="344071" name="Text Box 7"/>
+          <p:cNvSpPr txBox="1">
+            <a:spLocks noChangeArrowheads="1"/>
+          </p:cNvSpPr>
+          <p:nvPr/>
+        </p:nvSpPr>
+        <p:spPr bwMode="auto">
+          <a:xfrm>
+            <a:off x="0" y="3344798"/>
+            <a:ext cx="5771528" cy="954107"/>
+          </a:xfrm>
+          <a:prstGeom prst="rect">
+            <a:avLst/>
+          </a:prstGeom>
+          <a:noFill/>
+          <a:ln>
+            <a:noFill/>
+          </a:ln>
+          <a:effectLst/>
+          <a:extLst>
+            <a:ext uri="{909E8E84-426E-40DD-AFC4-6F175D3DCCD1}">
+              <a14:hiddenFill xmlns:a14="http://schemas.microsoft.com/office/drawing/2010/main">
+                <a:solidFill>
+                  <a:schemeClr val="accent1"/>
+                </a:solidFill>
+              </a14:hiddenFill>
+            </a:ext>
+            <a:ext uri="{91240B29-F687-4F45-9708-019B960494DF}">
+              <a14:hiddenLine xmlns:a14="http://schemas.microsoft.com/office/drawing/2010/main" w="9525">
+                <a:solidFill>
+                  <a:schemeClr val="tx1"/>
+                </a:solidFill>
+                <a:miter lim="800000"/>
+                <a:headEnd/>
+                <a:tailEnd/>
+              </a14:hiddenLine>
+            </a:ext>
+            <a:ext uri="{AF507438-7753-43E0-B8FC-AC1667EBCBE1}">
+              <a14:hiddenEffects xmlns:a14="http://schemas.microsoft.com/office/drawing/2010/main">
+                <a:effectLst>
+                  <a:outerShdw dist="35921" dir="2700000" algn="ctr" rotWithShape="0">
+                    <a:schemeClr val="bg2"/>
+                  </a:outerShdw>
+                </a:effectLst>
+              </a14:hiddenEffects>
+            </a:ext>
+          </a:extLst>
+        </p:spPr>
+        <p:txBody>
+          <a:bodyPr wrap="square">
+            <a:spAutoFit/>
+          </a:bodyPr>
+          <a:lstStyle/>
+          <a:p>
+            <a:pPr algn="r">
+              <a:spcBef>
+                <a:spcPct val="50000"/>
+              </a:spcBef>
+            </a:pPr>
+            <a:r>
+              <a:rPr lang="en-US" altLang="en-US" sz="5600" dirty="0">
+                <a:latin typeface="Century Gothic" panose="020B0502020202020204" pitchFamily="34" charset="0"/>
+              </a:rPr>
+              <a:t>English Book</a:t>
+            </a:r>
+          </a:p>
+        </p:txBody>
+      </p:sp>
+      <p:sp>
+        <p:nvSpPr>
+          <p:cNvPr id="344072" name="Text Box 8"/>
+          <p:cNvSpPr txBox="1">
+            <a:spLocks noChangeArrowheads="1"/>
+          </p:cNvSpPr>
+          <p:nvPr/>
+        </p:nvSpPr>
+        <p:spPr bwMode="auto">
+          <a:xfrm>
+            <a:off x="1" y="4280902"/>
+            <a:ext cx="5771528" cy="954107"/>
+          </a:xfrm>
+          <a:prstGeom prst="rect">
+            <a:avLst/>
+          </a:prstGeom>
+          <a:noFill/>
+          <a:ln>
+            <a:noFill/>
+          </a:ln>
+          <a:effectLst/>
+          <a:extLst>
+            <a:ext uri="{909E8E84-426E-40DD-AFC4-6F175D3DCCD1}">
+              <a14:hiddenFill xmlns:a14="http://schemas.microsoft.com/office/drawing/2010/main">
+                <a:solidFill>
+                  <a:schemeClr val="accent1"/>
+                </a:solidFill>
+              </a14:hiddenFill>
+            </a:ext>
+            <a:ext uri="{91240B29-F687-4F45-9708-019B960494DF}">
+              <a14:hiddenLine xmlns:a14="http://schemas.microsoft.com/office/drawing/2010/main" w="9525">
+                <a:solidFill>
+                  <a:schemeClr val="tx1"/>
+                </a:solidFill>
+                <a:miter lim="800000"/>
+                <a:headEnd/>
+                <a:tailEnd/>
+              </a14:hiddenLine>
+            </a:ext>
+            <a:ext uri="{AF507438-7753-43E0-B8FC-AC1667EBCBE1}">
+              <a14:hiddenEffects xmlns:a14="http://schemas.microsoft.com/office/drawing/2010/main">
+                <a:effectLst>
+                  <a:outerShdw dist="35921" dir="2700000" algn="ctr" rotWithShape="0">
+                    <a:schemeClr val="bg2"/>
+                  </a:outerShdw>
+                </a:effectLst>
+              </a14:hiddenEffects>
+            </a:ext>
+          </a:extLst>
+        </p:spPr>
+        <p:txBody>
+          <a:bodyPr wrap="square">
+            <a:spAutoFit/>
+          </a:bodyPr>
+          <a:lstStyle/>
+          <a:p>
+            <a:pPr algn="r">
+              <a:spcBef>
+                <a:spcPct val="50000"/>
+              </a:spcBef>
+            </a:pPr>
+            <a:r>
+              <a:rPr lang="en-US" altLang="en-US" sz="5600" dirty="0">
+                <a:solidFill>
+                  <a:schemeClr val="accent1">
+                    <a:lumMod val="50000"/>
+                  </a:schemeClr>
+                </a:solidFill>
+                <a:latin typeface="Microsoft JhengHei" panose="020B0604030504040204" pitchFamily="34" charset="-120"/>
+                <a:ea typeface="Microsoft JhengHei" panose="020B0604030504040204" pitchFamily="34" charset="-120"/>
+              </a:rPr>
+              <a:t>Chinese Book</a:t>
+            </a:r>
+          </a:p>
+        </p:txBody>
+      </p:sp>
+      <p:sp>
+        <p:nvSpPr>
+          <p:cNvPr id="344073" name="Text Box 9"/>
+          <p:cNvSpPr txBox="1">
+            <a:spLocks noChangeArrowheads="1"/>
+          </p:cNvSpPr>
+          <p:nvPr/>
+        </p:nvSpPr>
+        <p:spPr bwMode="auto">
+          <a:xfrm>
+            <a:off x="5952252" y="3734926"/>
+            <a:ext cx="6239747" cy="1015663"/>
+          </a:xfrm>
+          <a:prstGeom prst="rect">
+            <a:avLst/>
+          </a:prstGeom>
+          <a:noFill/>
+          <a:ln>
+            <a:noFill/>
+          </a:ln>
+          <a:effectLst/>
+          <a:extLst>
+            <a:ext uri="{909E8E84-426E-40DD-AFC4-6F175D3DCCD1}">
+              <a14:hiddenFill xmlns:a14="http://schemas.microsoft.com/office/drawing/2010/main">
+                <a:solidFill>
+                  <a:schemeClr val="accent1"/>
+                </a:solidFill>
+              </a14:hiddenFill>
+            </a:ext>
+            <a:ext uri="{91240B29-F687-4F45-9708-019B960494DF}">
+              <a14:hiddenLine xmlns:a14="http://schemas.microsoft.com/office/drawing/2010/main" w="9525">
+                <a:solidFill>
+                  <a:schemeClr val="tx1"/>
+                </a:solidFill>
+                <a:miter lim="800000"/>
+                <a:headEnd/>
+                <a:tailEnd/>
+              </a14:hiddenLine>
+            </a:ext>
+            <a:ext uri="{AF507438-7753-43E0-B8FC-AC1667EBCBE1}">
+              <a14:hiddenEffects xmlns:a14="http://schemas.microsoft.com/office/drawing/2010/main">
+                <a:effectLst>
+                  <a:outerShdw dist="35921" dir="2700000" algn="ctr" rotWithShape="0">
+                    <a:schemeClr val="bg2"/>
+                  </a:outerShdw>
+                </a:effectLst>
+              </a14:hiddenEffects>
+            </a:ext>
+          </a:extLst>
+        </p:spPr>
+        <p:txBody>
+          <a:bodyPr wrap="square" lIns="0" rIns="0">
+            <a:noAutofit/>
+          </a:bodyPr>
+          <a:lstStyle/>
+          <a:p>
+            <a:pPr>
+              <a:spcBef>
+                <a:spcPct val="50000"/>
+              </a:spcBef>
+            </a:pPr>
+            <a:r>
+              <a:rPr lang="en-US" altLang="zh-CN" sz="6600" dirty="0">
+                <a:latin typeface="Century Gothic" panose="020B0502020202020204" pitchFamily="34" charset="0"/>
+                <a:ea typeface="宋体" panose="02010600030101010101" pitchFamily="2" charset="-122"/>
+              </a:rPr>
+              <a:t>Chapter &amp; Verse</a:t>
+            </a:r>
+          </a:p>
+        </p:txBody>
+      </p:sp>
+      <p:sp>
+        <p:nvSpPr>
+          <p:cNvPr id="15" name="Text Box 10">
+            <a:extLst>
+              <a:ext uri="{FF2B5EF4-FFF2-40B4-BE49-F238E27FC236}">
+                <a16:creationId xmlns:a16="http://schemas.microsoft.com/office/drawing/2014/main" id="{90246C2A-6C5E-406F-8738-05ACA671C742}"/>
+              </a:ext>
+            </a:extLst>
+          </p:cNvPr>
+          <p:cNvSpPr txBox="1">
+            <a:spLocks noChangeArrowheads="1"/>
+          </p:cNvSpPr>
+          <p:nvPr/>
+        </p:nvSpPr>
+        <p:spPr bwMode="auto">
+          <a:xfrm>
+            <a:off x="252966" y="5877272"/>
+            <a:ext cx="4330866" cy="338554"/>
+          </a:xfrm>
+          <a:prstGeom prst="rect">
+            <a:avLst/>
+          </a:prstGeom>
+          <a:noFill/>
+          <a:ln>
+            <a:noFill/>
+          </a:ln>
+          <a:effectLst/>
+          <a:extLst>
+            <a:ext uri="{909E8E84-426E-40DD-AFC4-6F175D3DCCD1}">
+              <a14:hiddenFill xmlns:a14="http://schemas.microsoft.com/office/drawing/2010/main">
+                <a:solidFill>
+                  <a:schemeClr val="accent1"/>
+                </a:solidFill>
+              </a14:hiddenFill>
+            </a:ext>
+            <a:ext uri="{91240B29-F687-4F45-9708-019B960494DF}">
+              <a14:hiddenLine xmlns:a14="http://schemas.microsoft.com/office/drawing/2010/main" w="9525">
+                <a:solidFill>
+                  <a:schemeClr val="tx1"/>
+                </a:solidFill>
+                <a:miter lim="800000"/>
+                <a:headEnd/>
+                <a:tailEnd/>
+              </a14:hiddenLine>
+            </a:ext>
+            <a:ext uri="{AF507438-7753-43E0-B8FC-AC1667EBCBE1}">
+              <a14:hiddenEffects xmlns:a14="http://schemas.microsoft.com/office/drawing/2010/main">
+                <a:effectLst>
+                  <a:outerShdw dist="35921" dir="2700000" algn="ctr" rotWithShape="0">
+                    <a:schemeClr val="bg2"/>
+                  </a:outerShdw>
+                </a:effectLst>
+              </a14:hiddenEffects>
+            </a:ext>
+          </a:extLst>
+        </p:spPr>
+        <p:txBody>
+          <a:bodyPr wrap="square">
+            <a:spAutoFit/>
+          </a:bodyPr>
+          <a:lstStyle/>
+          <a:p>
+            <a:pPr>
+              <a:spcBef>
+                <a:spcPct val="50000"/>
+              </a:spcBef>
+            </a:pPr>
+            <a:r>
+              <a:rPr lang="en-US" altLang="zh-CN" sz="1600" dirty="0">
+                <a:latin typeface="Century Gothic" panose="020B0502020202020204" pitchFamily="34" charset="0"/>
+                <a:ea typeface="宋体" panose="02010600030101010101" pitchFamily="2" charset="-122"/>
+              </a:rPr>
+              <a:t>Service Type</a:t>
+            </a:r>
+          </a:p>
+        </p:txBody>
+      </p:sp>
+      <p:grpSp>
+        <p:nvGrpSpPr>
+          <p:cNvPr id="22" name="Group 21">
+            <a:extLst>
+              <a:ext uri="{FF2B5EF4-FFF2-40B4-BE49-F238E27FC236}">
+                <a16:creationId xmlns:a16="http://schemas.microsoft.com/office/drawing/2014/main" id="{DCC0CD01-B0C7-17AF-454C-CAB88B5C80D6}"/>
+              </a:ext>
+            </a:extLst>
+          </p:cNvPr>
+          <p:cNvGrpSpPr/>
+          <p:nvPr/>
+        </p:nvGrpSpPr>
+        <p:grpSpPr>
+          <a:xfrm>
+            <a:off x="4943872" y="6249605"/>
+            <a:ext cx="7030907" cy="408623"/>
+            <a:chOff x="4943872" y="6249605"/>
+            <a:chExt cx="7030907" cy="408623"/>
+          </a:xfrm>
+        </p:grpSpPr>
+        <p:sp>
+          <p:nvSpPr>
+            <p:cNvPr id="23" name="TextBox 22">
+              <a:extLst>
+                <a:ext uri="{FF2B5EF4-FFF2-40B4-BE49-F238E27FC236}">
+                  <a16:creationId xmlns:a16="http://schemas.microsoft.com/office/drawing/2014/main" id="{05BB4C74-D38F-A3C1-A90A-E680D921BA2A}"/>
+                </a:ext>
+              </a:extLst>
+            </p:cNvPr>
+            <p:cNvSpPr txBox="1"/>
+            <p:nvPr/>
+          </p:nvSpPr>
+          <p:spPr>
+            <a:xfrm>
+              <a:off x="4943872" y="6249605"/>
+              <a:ext cx="7030907" cy="408623"/>
+            </a:xfrm>
+            <a:prstGeom prst="roundRect">
+              <a:avLst>
+                <a:gd name="adj" fmla="val 20010"/>
+              </a:avLst>
+            </a:prstGeom>
+            <a:noFill/>
+            <a:ln w="19050">
+              <a:solidFill>
+                <a:srgbClr val="FF0000"/>
+              </a:solidFill>
+            </a:ln>
+          </p:spPr>
+          <p:txBody>
+            <a:bodyPr wrap="square" rtlCol="0" anchor="ctr">
+              <a:spAutoFit/>
+            </a:bodyPr>
+            <a:lstStyle/>
+            <a:p>
+              <a:r>
+                <a:rPr lang="en-GB" dirty="0">
+                  <a:latin typeface="Segoe UI Semibold" panose="020B0702040204020203" pitchFamily="34" charset="0"/>
+                  <a:cs typeface="Segoe UI Semibold" panose="020B0702040204020203" pitchFamily="34" charset="0"/>
+                </a:rPr>
+                <a:t>Please Turn Off/Silence Your Devices </a:t>
+              </a:r>
+              <a:r>
+                <a:rPr lang="zh-TW" altLang="en-US" b="1" dirty="0">
+                  <a:latin typeface="Microsoft JhengHei" panose="020B0604030504040204" pitchFamily="34" charset="-120"/>
+                  <a:ea typeface="Microsoft JhengHei" panose="020B0604030504040204" pitchFamily="34" charset="-120"/>
+                </a:rPr>
+                <a:t>請靜音或關閉所有電子設備</a:t>
+              </a:r>
+              <a:endParaRPr lang="ja-JP" altLang="en-US" b="1" dirty="0">
+                <a:latin typeface="Microsoft JhengHei" panose="020B0604030504040204" pitchFamily="34" charset="-120"/>
+                <a:ea typeface="Microsoft JhengHei" panose="020B0604030504040204" pitchFamily="34" charset="-120"/>
+              </a:endParaRPr>
+            </a:p>
+          </p:txBody>
+        </p:sp>
+        <p:pic>
+          <p:nvPicPr>
+            <p:cNvPr id="24" name="Picture 23" descr="Shape&#10;&#10;Description automatically generated with low confidence">
+              <a:extLst>
+                <a:ext uri="{FF2B5EF4-FFF2-40B4-BE49-F238E27FC236}">
+                  <a16:creationId xmlns:a16="http://schemas.microsoft.com/office/drawing/2014/main" id="{10B15791-20DE-9334-AE79-E03696114A61}"/>
+                </a:ext>
+              </a:extLst>
+            </p:cNvPr>
+            <p:cNvPicPr>
+              <a:picLocks noChangeAspect="1"/>
+            </p:cNvPicPr>
+            <p:nvPr/>
+          </p:nvPicPr>
+          <p:blipFill>
+            <a:blip r:embed="rId3" cstate="print">
+              <a:extLst>
+                <a:ext uri="{BEBA8EAE-BF5A-486C-A8C5-ECC9F3942E4B}">
+                  <a14:imgProps xmlns:a14="http://schemas.microsoft.com/office/drawing/2010/main">
+                    <a14:imgLayer r:embed="rId4">
+                      <a14:imgEffect>
+                        <a14:colorTemperature colorTemp="11500"/>
+                      </a14:imgEffect>
+                      <a14:imgEffect>
+                        <a14:saturation sat="400000"/>
+                      </a14:imgEffect>
+                      <a14:imgEffect>
+                        <a14:brightnessContrast bright="-40000" contrast="-40000"/>
+                      </a14:imgEffect>
+                    </a14:imgLayer>
+                  </a14:imgProps>
+                </a:ext>
+                <a:ext uri="{28A0092B-C50C-407E-A947-70E740481C1C}">
+                  <a14:useLocalDpi xmlns:a14="http://schemas.microsoft.com/office/drawing/2010/main" val="0"/>
+                </a:ext>
+              </a:extLst>
+            </a:blip>
+            <a:stretch>
+              <a:fillRect/>
+            </a:stretch>
+          </p:blipFill>
+          <p:spPr>
+            <a:xfrm>
+              <a:off x="11658489" y="6309320"/>
+              <a:ext cx="280267" cy="280267"/>
+            </a:xfrm>
+            <a:prstGeom prst="rect">
+              <a:avLst/>
+            </a:prstGeom>
+          </p:spPr>
+        </p:pic>
+      </p:grpSp>
+      <p:pic>
+        <p:nvPicPr>
+          <p:cNvPr id="3" name="Picture 2" descr="Logo&#10;&#10;Description automatically generated with medium confidence">
+            <a:extLst>
+              <a:ext uri="{FF2B5EF4-FFF2-40B4-BE49-F238E27FC236}">
+                <a16:creationId xmlns:a16="http://schemas.microsoft.com/office/drawing/2014/main" id="{D9FAAAA7-28DF-9604-C947-11910295E41A}"/>
+              </a:ext>
+            </a:extLst>
+          </p:cNvPr>
+          <p:cNvPicPr>
+            <a:picLocks noChangeAspect="1"/>
+          </p:cNvPicPr>
+          <p:nvPr/>
+        </p:nvPicPr>
+        <p:blipFill>
+          <a:blip r:embed="rId5" cstate="print">
+            <a:biLevel thresh="75000"/>
+            <a:extLst>
+              <a:ext uri="{BEBA8EAE-BF5A-486C-A8C5-ECC9F3942E4B}">
+                <a14:imgProps xmlns:a14="http://schemas.microsoft.com/office/drawing/2010/main">
+                  <a14:imgLayer r:embed="rId6">
+                    <a14:imgEffect>
+                      <a14:brightnessContrast bright="-40000" contrast="-40000"/>
+                    </a14:imgEffect>
+                  </a14:imgLayer>
+                </a14:imgProps>
+              </a:ext>
+              <a:ext uri="{28A0092B-C50C-407E-A947-70E740481C1C}">
+                <a14:useLocalDpi xmlns:a14="http://schemas.microsoft.com/office/drawing/2010/main" val="0"/>
+              </a:ext>
+            </a:extLst>
+          </a:blip>
+          <a:stretch>
+            <a:fillRect/>
+          </a:stretch>
+        </p:blipFill>
+        <p:spPr>
+          <a:xfrm>
+            <a:off x="335359" y="6269250"/>
+            <a:ext cx="2664297" cy="344791"/>
+          </a:xfrm>
+          <a:prstGeom prst="rect">
+            <a:avLst/>
+          </a:prstGeom>
+        </p:spPr>
+      </p:pic>
+    </p:spTree>
+    <p:extLst>
+      <p:ext uri="{BB962C8B-B14F-4D97-AF65-F5344CB8AC3E}">
         <p14:creationId xmlns:p14="http://schemas.microsoft.com/office/powerpoint/2010/main" val="2369020613"/>
       </p:ext>
     </p:extLst>
@@ -6013,7 +6808,7 @@
 </p:sld>
 </file>
 
-<file path=ppt/slides/slide4.xml><?xml version="1.0" encoding="utf-8"?>
+<file path=ppt/slides/slide5.xml><?xml version="1.0" encoding="utf-8"?>
 <p:sld xmlns:a="http://schemas.openxmlformats.org/drawingml/2006/main" xmlns:r="http://schemas.openxmlformats.org/officeDocument/2006/relationships" xmlns:p="http://schemas.openxmlformats.org/presentationml/2006/main">
   <p:cSld>
     <p:spTree>
@@ -6378,7 +7173,7 @@
 </p:sld>
 </file>
 
-<file path=ppt/slides/slide5.xml><?xml version="1.0" encoding="utf-8"?>
+<file path=ppt/slides/slide6.xml><?xml version="1.0" encoding="utf-8"?>
 <p:sld xmlns:a="http://schemas.openxmlformats.org/drawingml/2006/main" xmlns:r="http://schemas.openxmlformats.org/officeDocument/2006/relationships" xmlns:p="http://schemas.openxmlformats.org/presentationml/2006/main">
   <p:cSld>
     <p:spTree>
@@ -6731,7 +7526,7 @@
 </p:sld>
 </file>
 
-<file path=ppt/slides/slide6.xml><?xml version="1.0" encoding="utf-8"?>
+<file path=ppt/slides/slide7.xml><?xml version="1.0" encoding="utf-8"?>
 <p:sld xmlns:a="http://schemas.openxmlformats.org/drawingml/2006/main" xmlns:r="http://schemas.openxmlformats.org/officeDocument/2006/relationships" xmlns:p="http://schemas.openxmlformats.org/presentationml/2006/main">
   <p:cSld>
     <p:spTree>
@@ -7095,7 +7890,7 @@
 </p:sld>
 </file>
 
-<file path=ppt/slides/slide7.xml><?xml version="1.0" encoding="utf-8"?>
+<file path=ppt/slides/slide8.xml><?xml version="1.0" encoding="utf-8"?>
 <p:sld xmlns:a="http://schemas.openxmlformats.org/drawingml/2006/main" xmlns:r="http://schemas.openxmlformats.org/officeDocument/2006/relationships" xmlns:p="http://schemas.openxmlformats.org/presentationml/2006/main">
   <p:cSld>
     <p:spTree>
@@ -7589,7 +8384,7 @@
 </p:sld>
 </file>
 
-<file path=ppt/slides/slide8.xml><?xml version="1.0" encoding="utf-8"?>
+<file path=ppt/slides/slide9.xml><?xml version="1.0" encoding="utf-8"?>
 <p:sld xmlns:a="http://schemas.openxmlformats.org/drawingml/2006/main" xmlns:r="http://schemas.openxmlformats.org/officeDocument/2006/relationships" xmlns:p="http://schemas.openxmlformats.org/presentationml/2006/main">
   <p:cSld>
     <p:spTree>
@@ -8275,283 +9070,6 @@
     <p:extLst>
       <p:ext uri="{BB962C8B-B14F-4D97-AF65-F5344CB8AC3E}">
         <p14:creationId xmlns:p14="http://schemas.microsoft.com/office/powerpoint/2010/main" val="2970436884"/>
-      </p:ext>
-    </p:extLst>
-  </p:cSld>
-  <p:clrMapOvr>
-    <a:masterClrMapping/>
-  </p:clrMapOvr>
-</p:sld>
-</file>
-
-<file path=ppt/slides/slide9.xml><?xml version="1.0" encoding="utf-8"?>
-<p:sld xmlns:a="http://schemas.openxmlformats.org/drawingml/2006/main" xmlns:r="http://schemas.openxmlformats.org/officeDocument/2006/relationships" xmlns:p="http://schemas.openxmlformats.org/presentationml/2006/main">
-  <p:cSld>
-    <p:spTree>
-      <p:nvGrpSpPr>
-        <p:cNvPr id="1" name=""/>
-        <p:cNvGrpSpPr/>
-        <p:nvPr/>
-      </p:nvGrpSpPr>
-      <p:grpSpPr>
-        <a:xfrm>
-          <a:off x="0" y="0"/>
-          <a:ext cx="0" cy="0"/>
-          <a:chOff x="0" y="0"/>
-          <a:chExt cx="0" cy="0"/>
-        </a:xfrm>
-      </p:grpSpPr>
-      <p:sp>
-        <p:nvSpPr>
-          <p:cNvPr id="9" name="TextBox 8">
-            <a:extLst>
-              <a:ext uri="{FF2B5EF4-FFF2-40B4-BE49-F238E27FC236}">
-                <a16:creationId xmlns:a16="http://schemas.microsoft.com/office/drawing/2014/main" id="{EB7FD2AF-7F03-5326-A748-9D97F0B7E43C}"/>
-              </a:ext>
-            </a:extLst>
-          </p:cNvPr>
-          <p:cNvSpPr txBox="1"/>
-          <p:nvPr/>
-        </p:nvSpPr>
-        <p:spPr>
-          <a:xfrm>
-            <a:off x="479376" y="637429"/>
-            <a:ext cx="11233247" cy="1446550"/>
-          </a:xfrm>
-          <a:prstGeom prst="rect">
-            <a:avLst/>
-          </a:prstGeom>
-          <a:noFill/>
-          <a:ln w="63500">
-            <a:noFill/>
-          </a:ln>
-        </p:spPr>
-        <p:txBody>
-          <a:bodyPr wrap="square" rtlCol="0">
-            <a:spAutoFit/>
-          </a:bodyPr>
-          <a:lstStyle/>
-          <a:p>
-            <a:pPr algn="ctr"/>
-            <a:r>
-              <a:rPr lang="en-GB" altLang="en-US" sz="4400" b="1" dirty="0">
-                <a:latin typeface="Segoe UI" panose="020B0502040204020203" pitchFamily="34" charset="0"/>
-                <a:cs typeface="Segoe UI" panose="020B0502040204020203" pitchFamily="34" charset="0"/>
-              </a:rPr>
-              <a:t>Please Turn Off/Silence Your Devices</a:t>
-            </a:r>
-            <a:endParaRPr lang="zh-TW" altLang="en-US" sz="4400" b="1" dirty="0">
-              <a:latin typeface="Microsoft JhengHei" panose="020B0604030504040204" pitchFamily="34" charset="-120"/>
-              <a:ea typeface="Microsoft JhengHei" panose="020B0604030504040204" pitchFamily="34" charset="-120"/>
-            </a:endParaRPr>
-          </a:p>
-          <a:p>
-            <a:pPr algn="ctr"/>
-            <a:r>
-              <a:rPr lang="zh-TW" altLang="en-US" sz="4400" b="1" dirty="0">
-                <a:latin typeface="Microsoft JhengHei" panose="020B0604030504040204" pitchFamily="34" charset="-120"/>
-                <a:ea typeface="Microsoft JhengHei" panose="020B0604030504040204" pitchFamily="34" charset="-120"/>
-              </a:rPr>
-              <a:t>請靜音或關閉所有電子設備</a:t>
-            </a:r>
-            <a:endParaRPr lang="en-GB" sz="4400" b="1" dirty="0">
-              <a:latin typeface="Microsoft JhengHei" panose="020B0604030504040204" pitchFamily="34" charset="-120"/>
-              <a:ea typeface="Microsoft JhengHei" panose="020B0604030504040204" pitchFamily="34" charset="-120"/>
-            </a:endParaRPr>
-          </a:p>
-        </p:txBody>
-      </p:sp>
-      <p:pic>
-        <p:nvPicPr>
-          <p:cNvPr id="5" name="Picture 4" descr="Shape&#10;&#10;Description automatically generated with low confidence">
-            <a:extLst>
-              <a:ext uri="{FF2B5EF4-FFF2-40B4-BE49-F238E27FC236}">
-                <a16:creationId xmlns:a16="http://schemas.microsoft.com/office/drawing/2014/main" id="{AC9BD3E1-856D-B518-3D09-AA2FCBC6B91A}"/>
-              </a:ext>
-            </a:extLst>
-          </p:cNvPr>
-          <p:cNvPicPr>
-            <a:picLocks noChangeAspect="1"/>
-          </p:cNvPicPr>
-          <p:nvPr/>
-        </p:nvPicPr>
-        <p:blipFill>
-          <a:blip r:embed="rId2" cstate="print">
-            <a:extLst>
-              <a:ext uri="{BEBA8EAE-BF5A-486C-A8C5-ECC9F3942E4B}">
-                <a14:imgProps xmlns:a14="http://schemas.microsoft.com/office/drawing/2010/main">
-                  <a14:imgLayer r:embed="rId3">
-                    <a14:imgEffect>
-                      <a14:colorTemperature colorTemp="11500"/>
-                    </a14:imgEffect>
-                    <a14:imgEffect>
-                      <a14:saturation sat="400000"/>
-                    </a14:imgEffect>
-                    <a14:imgEffect>
-                      <a14:brightnessContrast bright="-40000" contrast="-40000"/>
-                    </a14:imgEffect>
-                  </a14:imgLayer>
-                </a14:imgProps>
-              </a:ext>
-              <a:ext uri="{28A0092B-C50C-407E-A947-70E740481C1C}">
-                <a14:useLocalDpi xmlns:a14="http://schemas.microsoft.com/office/drawing/2010/main" val="0"/>
-              </a:ext>
-            </a:extLst>
-          </a:blip>
-          <a:stretch>
-            <a:fillRect/>
-          </a:stretch>
-        </p:blipFill>
-        <p:spPr>
-          <a:xfrm>
-            <a:off x="1710701" y="2869813"/>
-            <a:ext cx="2359386" cy="2359386"/>
-          </a:xfrm>
-          <a:prstGeom prst="rect">
-            <a:avLst/>
-          </a:prstGeom>
-        </p:spPr>
-      </p:pic>
-      <p:pic>
-        <p:nvPicPr>
-          <p:cNvPr id="3" name="Picture 2" descr="Shape&#10;&#10;Description automatically generated with low confidence">
-            <a:extLst>
-              <a:ext uri="{FF2B5EF4-FFF2-40B4-BE49-F238E27FC236}">
-                <a16:creationId xmlns:a16="http://schemas.microsoft.com/office/drawing/2014/main" id="{F2B8EEB5-A2A8-2246-92B8-D793C3FDC5FE}"/>
-              </a:ext>
-            </a:extLst>
-          </p:cNvPr>
-          <p:cNvPicPr>
-            <a:picLocks noChangeAspect="1"/>
-          </p:cNvPicPr>
-          <p:nvPr/>
-        </p:nvPicPr>
-        <p:blipFill>
-          <a:blip r:embed="rId4">
-            <a:extLst>
-              <a:ext uri="{BEBA8EAE-BF5A-486C-A8C5-ECC9F3942E4B}">
-                <a14:imgProps xmlns:a14="http://schemas.microsoft.com/office/drawing/2010/main">
-                  <a14:imgLayer r:embed="rId5">
-                    <a14:imgEffect>
-                      <a14:brightnessContrast bright="-40000" contrast="-40000"/>
-                    </a14:imgEffect>
-                  </a14:imgLayer>
-                </a14:imgProps>
-              </a:ext>
-              <a:ext uri="{28A0092B-C50C-407E-A947-70E740481C1C}">
-                <a14:useLocalDpi xmlns:a14="http://schemas.microsoft.com/office/drawing/2010/main" val="0"/>
-              </a:ext>
-            </a:extLst>
-          </a:blip>
-          <a:stretch>
-            <a:fillRect/>
-          </a:stretch>
-        </p:blipFill>
-        <p:spPr>
-          <a:xfrm>
-            <a:off x="5015880" y="2869814"/>
-            <a:ext cx="2359385" cy="2359385"/>
-          </a:xfrm>
-          <a:prstGeom prst="rect">
-            <a:avLst/>
-          </a:prstGeom>
-        </p:spPr>
-      </p:pic>
-      <p:pic>
-        <p:nvPicPr>
-          <p:cNvPr id="6" name="Picture 5" descr="Shape&#10;&#10;Description automatically generated with low confidence">
-            <a:extLst>
-              <a:ext uri="{FF2B5EF4-FFF2-40B4-BE49-F238E27FC236}">
-                <a16:creationId xmlns:a16="http://schemas.microsoft.com/office/drawing/2014/main" id="{E4E05851-7A29-58F2-A0E9-7AFC98E740B6}"/>
-              </a:ext>
-            </a:extLst>
-          </p:cNvPr>
-          <p:cNvPicPr>
-            <a:picLocks noChangeAspect="1"/>
-          </p:cNvPicPr>
-          <p:nvPr/>
-        </p:nvPicPr>
-        <p:blipFill>
-          <a:blip r:embed="rId6">
-            <a:extLst>
-              <a:ext uri="{BEBA8EAE-BF5A-486C-A8C5-ECC9F3942E4B}">
-                <a14:imgProps xmlns:a14="http://schemas.microsoft.com/office/drawing/2010/main">
-                  <a14:imgLayer r:embed="rId7">
-                    <a14:imgEffect>
-                      <a14:brightnessContrast bright="-40000" contrast="-40000"/>
-                    </a14:imgEffect>
-                  </a14:imgLayer>
-                </a14:imgProps>
-              </a:ext>
-              <a:ext uri="{28A0092B-C50C-407E-A947-70E740481C1C}">
-                <a14:useLocalDpi xmlns:a14="http://schemas.microsoft.com/office/drawing/2010/main" val="0"/>
-              </a:ext>
-            </a:extLst>
-          </a:blip>
-          <a:stretch>
-            <a:fillRect/>
-          </a:stretch>
-        </p:blipFill>
-        <p:spPr>
-          <a:xfrm>
-            <a:off x="8121914" y="2866900"/>
-            <a:ext cx="2359385" cy="2359385"/>
-          </a:xfrm>
-          <a:prstGeom prst="rect">
-            <a:avLst/>
-          </a:prstGeom>
-        </p:spPr>
-      </p:pic>
-      <p:pic>
-        <p:nvPicPr>
-          <p:cNvPr id="2" name="Picture 1" descr="Logo&#10;&#10;Description automatically generated with medium confidence">
-            <a:extLst>
-              <a:ext uri="{FF2B5EF4-FFF2-40B4-BE49-F238E27FC236}">
-                <a16:creationId xmlns:a16="http://schemas.microsoft.com/office/drawing/2014/main" id="{97EAE857-49D3-7B8C-B57E-A881B4864B2E}"/>
-              </a:ext>
-            </a:extLst>
-          </p:cNvPr>
-          <p:cNvPicPr>
-            <a:picLocks noChangeAspect="1"/>
-          </p:cNvPicPr>
-          <p:nvPr/>
-        </p:nvPicPr>
-        <p:blipFill>
-          <a:blip r:embed="rId8" cstate="print">
-            <a:biLevel thresh="75000"/>
-            <a:extLst>
-              <a:ext uri="{BEBA8EAE-BF5A-486C-A8C5-ECC9F3942E4B}">
-                <a14:imgProps xmlns:a14="http://schemas.microsoft.com/office/drawing/2010/main">
-                  <a14:imgLayer r:embed="rId9">
-                    <a14:imgEffect>
-                      <a14:brightnessContrast bright="-40000" contrast="-40000"/>
-                    </a14:imgEffect>
-                  </a14:imgLayer>
-                </a14:imgProps>
-              </a:ext>
-              <a:ext uri="{28A0092B-C50C-407E-A947-70E740481C1C}">
-                <a14:useLocalDpi xmlns:a14="http://schemas.microsoft.com/office/drawing/2010/main" val="0"/>
-              </a:ext>
-            </a:extLst>
-          </a:blip>
-          <a:stretch>
-            <a:fillRect/>
-          </a:stretch>
-        </p:blipFill>
-        <p:spPr>
-          <a:xfrm>
-            <a:off x="335359" y="6269250"/>
-            <a:ext cx="2664297" cy="344791"/>
-          </a:xfrm>
-          <a:prstGeom prst="rect">
-            <a:avLst/>
-          </a:prstGeom>
-        </p:spPr>
-      </p:pic>
-    </p:spTree>
-    <p:extLst>
-      <p:ext uri="{BB962C8B-B14F-4D97-AF65-F5344CB8AC3E}">
-        <p14:creationId xmlns:p14="http://schemas.microsoft.com/office/powerpoint/2010/main" val="1579287213"/>
       </p:ext>
     </p:extLst>
   </p:cSld>

--- a/TJCPowerPoint/bin/Debug/Files/ServiceWidescreen.pptx
+++ b/TJCPowerPoint/bin/Debug/Files/ServiceWidescreen.pptx
@@ -1074,7 +1074,10 @@
           <a:bodyPr/>
           <a:lstStyle/>
           <a:p>
-            <a:endParaRPr lang="en-GB" dirty="0"/>
+            <a:r>
+              <a:rPr lang="en-GB" dirty="0"/>
+              <a:t>Sermon Titles Only</a:t>
+            </a:r>
           </a:p>
         </p:txBody>
       </p:sp>
@@ -1106,6 +1109,94 @@
     <p:extLst>
       <p:ext uri="{BB962C8B-B14F-4D97-AF65-F5344CB8AC3E}">
         <p14:creationId xmlns:p14="http://schemas.microsoft.com/office/powerpoint/2010/main" val="6809023"/>
+      </p:ext>
+    </p:extLst>
+  </p:cSld>
+  <p:clrMapOvr>
+    <a:masterClrMapping/>
+  </p:clrMapOvr>
+</p:notes>
+</file>
+
+<file path=ppt/notesSlides/notesSlide10.xml><?xml version="1.0" encoding="utf-8"?>
+<p:notes xmlns:a="http://schemas.openxmlformats.org/drawingml/2006/main" xmlns:r="http://schemas.openxmlformats.org/officeDocument/2006/relationships" xmlns:p="http://schemas.openxmlformats.org/presentationml/2006/main">
+  <p:cSld>
+    <p:spTree>
+      <p:nvGrpSpPr>
+        <p:cNvPr id="1" name=""/>
+        <p:cNvGrpSpPr/>
+        <p:nvPr/>
+      </p:nvGrpSpPr>
+      <p:grpSpPr>
+        <a:xfrm>
+          <a:off x="0" y="0"/>
+          <a:ext cx="0" cy="0"/>
+          <a:chOff x="0" y="0"/>
+          <a:chExt cx="0" cy="0"/>
+        </a:xfrm>
+      </p:grpSpPr>
+      <p:sp>
+        <p:nvSpPr>
+          <p:cNvPr id="2" name="Slide Image Placeholder 1"/>
+          <p:cNvSpPr>
+            <a:spLocks noGrp="1" noRot="1" noChangeAspect="1"/>
+          </p:cNvSpPr>
+          <p:nvPr>
+            <p:ph type="sldImg"/>
+          </p:nvPr>
+        </p:nvSpPr>
+        <p:spPr/>
+      </p:sp>
+      <p:sp>
+        <p:nvSpPr>
+          <p:cNvPr id="3" name="Notes Placeholder 2"/>
+          <p:cNvSpPr>
+            <a:spLocks noGrp="1"/>
+          </p:cNvSpPr>
+          <p:nvPr>
+            <p:ph type="body" idx="1"/>
+          </p:nvPr>
+        </p:nvSpPr>
+        <p:spPr/>
+        <p:txBody>
+          <a:bodyPr/>
+          <a:lstStyle/>
+          <a:p>
+            <a:r>
+              <a:rPr lang="en-GB" dirty="0"/>
+              <a:t>Service Timetable</a:t>
+            </a:r>
+          </a:p>
+        </p:txBody>
+      </p:sp>
+      <p:sp>
+        <p:nvSpPr>
+          <p:cNvPr id="4" name="Slide Number Placeholder 3"/>
+          <p:cNvSpPr>
+            <a:spLocks noGrp="1"/>
+          </p:cNvSpPr>
+          <p:nvPr>
+            <p:ph type="sldNum" sz="quarter" idx="5"/>
+          </p:nvPr>
+        </p:nvSpPr>
+        <p:spPr/>
+        <p:txBody>
+          <a:bodyPr/>
+          <a:lstStyle/>
+          <a:p>
+            <a:fld id="{41DDB78E-45AE-4915-A272-867B43D17459}" type="slidenum">
+              <a:rPr lang="en-US" altLang="en-US" smtClean="0"/>
+              <a:pPr/>
+              <a:t>11</a:t>
+            </a:fld>
+            <a:endParaRPr lang="en-US" altLang="en-US"/>
+          </a:p>
+        </p:txBody>
+      </p:sp>
+    </p:spTree>
+    <p:extLst>
+      <p:ext uri="{BB962C8B-B14F-4D97-AF65-F5344CB8AC3E}">
+        <p14:creationId xmlns:p14="http://schemas.microsoft.com/office/powerpoint/2010/main" val="370275210"/>
       </p:ext>
     </p:extLst>
   </p:cSld>
@@ -1164,7 +1255,10 @@
           <a:bodyPr/>
           <a:lstStyle/>
           <a:p>
-            <a:endParaRPr lang="en-GB" dirty="0"/>
+            <a:r>
+              <a:rPr lang="en-GB" dirty="0"/>
+              <a:t>Sermon titles and sermon hymns</a:t>
+            </a:r>
           </a:p>
         </p:txBody>
       </p:sp>
@@ -1254,7 +1348,10 @@
           <a:bodyPr/>
           <a:lstStyle/>
           <a:p>
-            <a:endParaRPr lang="en-GB" dirty="0"/>
+            <a:r>
+              <a:rPr lang="en-GB" dirty="0"/>
+              <a:t>Sermon titles and sermon hymns</a:t>
+            </a:r>
           </a:p>
         </p:txBody>
       </p:sp>
@@ -1286,6 +1383,534 @@
     <p:extLst>
       <p:ext uri="{BB962C8B-B14F-4D97-AF65-F5344CB8AC3E}">
         <p14:creationId xmlns:p14="http://schemas.microsoft.com/office/powerpoint/2010/main" val="5168465"/>
+      </p:ext>
+    </p:extLst>
+  </p:cSld>
+  <p:clrMapOvr>
+    <a:masterClrMapping/>
+  </p:clrMapOvr>
+</p:notes>
+</file>
+
+<file path=ppt/notesSlides/notesSlide4.xml><?xml version="1.0" encoding="utf-8"?>
+<p:notes xmlns:a="http://schemas.openxmlformats.org/drawingml/2006/main" xmlns:r="http://schemas.openxmlformats.org/officeDocument/2006/relationships" xmlns:p="http://schemas.openxmlformats.org/presentationml/2006/main">
+  <p:cSld>
+    <p:spTree>
+      <p:nvGrpSpPr>
+        <p:cNvPr id="1" name=""/>
+        <p:cNvGrpSpPr/>
+        <p:nvPr/>
+      </p:nvGrpSpPr>
+      <p:grpSpPr>
+        <a:xfrm>
+          <a:off x="0" y="0"/>
+          <a:ext cx="0" cy="0"/>
+          <a:chOff x="0" y="0"/>
+          <a:chExt cx="0" cy="0"/>
+        </a:xfrm>
+      </p:grpSpPr>
+      <p:sp>
+        <p:nvSpPr>
+          <p:cNvPr id="2" name="Slide Image Placeholder 1"/>
+          <p:cNvSpPr>
+            <a:spLocks noGrp="1" noRot="1" noChangeAspect="1"/>
+          </p:cNvSpPr>
+          <p:nvPr>
+            <p:ph type="sldImg"/>
+          </p:nvPr>
+        </p:nvSpPr>
+        <p:spPr/>
+      </p:sp>
+      <p:sp>
+        <p:nvSpPr>
+          <p:cNvPr id="3" name="Notes Placeholder 2"/>
+          <p:cNvSpPr>
+            <a:spLocks noGrp="1"/>
+          </p:cNvSpPr>
+          <p:nvPr>
+            <p:ph type="body" idx="1"/>
+          </p:nvPr>
+        </p:nvSpPr>
+        <p:spPr/>
+        <p:txBody>
+          <a:bodyPr/>
+          <a:lstStyle/>
+          <a:p>
+            <a:r>
+              <a:rPr lang="en-GB" dirty="0"/>
+              <a:t>Hymnal Hymns</a:t>
+            </a:r>
+          </a:p>
+        </p:txBody>
+      </p:sp>
+      <p:sp>
+        <p:nvSpPr>
+          <p:cNvPr id="4" name="Slide Number Placeholder 3"/>
+          <p:cNvSpPr>
+            <a:spLocks noGrp="1"/>
+          </p:cNvSpPr>
+          <p:nvPr>
+            <p:ph type="sldNum" sz="quarter" idx="5"/>
+          </p:nvPr>
+        </p:nvSpPr>
+        <p:spPr/>
+        <p:txBody>
+          <a:bodyPr/>
+          <a:lstStyle/>
+          <a:p>
+            <a:fld id="{41DDB78E-45AE-4915-A272-867B43D17459}" type="slidenum">
+              <a:rPr lang="en-US" altLang="en-US" smtClean="0"/>
+              <a:pPr/>
+              <a:t>5</a:t>
+            </a:fld>
+            <a:endParaRPr lang="en-US" altLang="en-US"/>
+          </a:p>
+        </p:txBody>
+      </p:sp>
+    </p:spTree>
+    <p:extLst>
+      <p:ext uri="{BB962C8B-B14F-4D97-AF65-F5344CB8AC3E}">
+        <p14:creationId xmlns:p14="http://schemas.microsoft.com/office/powerpoint/2010/main" val="1531590815"/>
+      </p:ext>
+    </p:extLst>
+  </p:cSld>
+  <p:clrMapOvr>
+    <a:masterClrMapping/>
+  </p:clrMapOvr>
+</p:notes>
+</file>
+
+<file path=ppt/notesSlides/notesSlide5.xml><?xml version="1.0" encoding="utf-8"?>
+<p:notes xmlns:a="http://schemas.openxmlformats.org/drawingml/2006/main" xmlns:r="http://schemas.openxmlformats.org/officeDocument/2006/relationships" xmlns:p="http://schemas.openxmlformats.org/presentationml/2006/main">
+  <p:cSld>
+    <p:spTree>
+      <p:nvGrpSpPr>
+        <p:cNvPr id="1" name=""/>
+        <p:cNvGrpSpPr/>
+        <p:nvPr/>
+      </p:nvGrpSpPr>
+      <p:grpSpPr>
+        <a:xfrm>
+          <a:off x="0" y="0"/>
+          <a:ext cx="0" cy="0"/>
+          <a:chOff x="0" y="0"/>
+          <a:chExt cx="0" cy="0"/>
+        </a:xfrm>
+      </p:grpSpPr>
+      <p:sp>
+        <p:nvSpPr>
+          <p:cNvPr id="2" name="Slide Image Placeholder 1"/>
+          <p:cNvSpPr>
+            <a:spLocks noGrp="1" noRot="1" noChangeAspect="1"/>
+          </p:cNvSpPr>
+          <p:nvPr>
+            <p:ph type="sldImg"/>
+          </p:nvPr>
+        </p:nvSpPr>
+        <p:spPr/>
+      </p:sp>
+      <p:sp>
+        <p:nvSpPr>
+          <p:cNvPr id="3" name="Notes Placeholder 2"/>
+          <p:cNvSpPr>
+            <a:spLocks noGrp="1"/>
+          </p:cNvSpPr>
+          <p:nvPr>
+            <p:ph type="body" idx="1"/>
+          </p:nvPr>
+        </p:nvSpPr>
+        <p:spPr/>
+        <p:txBody>
+          <a:bodyPr/>
+          <a:lstStyle/>
+          <a:p>
+            <a:r>
+              <a:rPr lang="en-GB" dirty="0"/>
+              <a:t>Prayer Requests</a:t>
+            </a:r>
+          </a:p>
+        </p:txBody>
+      </p:sp>
+      <p:sp>
+        <p:nvSpPr>
+          <p:cNvPr id="4" name="Slide Number Placeholder 3"/>
+          <p:cNvSpPr>
+            <a:spLocks noGrp="1"/>
+          </p:cNvSpPr>
+          <p:nvPr>
+            <p:ph type="sldNum" sz="quarter" idx="5"/>
+          </p:nvPr>
+        </p:nvSpPr>
+        <p:spPr/>
+        <p:txBody>
+          <a:bodyPr/>
+          <a:lstStyle/>
+          <a:p>
+            <a:fld id="{41DDB78E-45AE-4915-A272-867B43D17459}" type="slidenum">
+              <a:rPr lang="en-US" altLang="en-US" smtClean="0"/>
+              <a:pPr/>
+              <a:t>6</a:t>
+            </a:fld>
+            <a:endParaRPr lang="en-US" altLang="en-US"/>
+          </a:p>
+        </p:txBody>
+      </p:sp>
+    </p:spTree>
+    <p:extLst>
+      <p:ext uri="{BB962C8B-B14F-4D97-AF65-F5344CB8AC3E}">
+        <p14:creationId xmlns:p14="http://schemas.microsoft.com/office/powerpoint/2010/main" val="1753537169"/>
+      </p:ext>
+    </p:extLst>
+  </p:cSld>
+  <p:clrMapOvr>
+    <a:masterClrMapping/>
+  </p:clrMapOvr>
+</p:notes>
+</file>
+
+<file path=ppt/notesSlides/notesSlide6.xml><?xml version="1.0" encoding="utf-8"?>
+<p:notes xmlns:a="http://schemas.openxmlformats.org/drawingml/2006/main" xmlns:r="http://schemas.openxmlformats.org/officeDocument/2006/relationships" xmlns:p="http://schemas.openxmlformats.org/presentationml/2006/main">
+  <p:cSld>
+    <p:spTree>
+      <p:nvGrpSpPr>
+        <p:cNvPr id="1" name=""/>
+        <p:cNvGrpSpPr/>
+        <p:nvPr/>
+      </p:nvGrpSpPr>
+      <p:grpSpPr>
+        <a:xfrm>
+          <a:off x="0" y="0"/>
+          <a:ext cx="0" cy="0"/>
+          <a:chOff x="0" y="0"/>
+          <a:chExt cx="0" cy="0"/>
+        </a:xfrm>
+      </p:grpSpPr>
+      <p:sp>
+        <p:nvSpPr>
+          <p:cNvPr id="2" name="Slide Image Placeholder 1"/>
+          <p:cNvSpPr>
+            <a:spLocks noGrp="1" noRot="1" noChangeAspect="1"/>
+          </p:cNvSpPr>
+          <p:nvPr>
+            <p:ph type="sldImg"/>
+          </p:nvPr>
+        </p:nvSpPr>
+        <p:spPr/>
+      </p:sp>
+      <p:sp>
+        <p:nvSpPr>
+          <p:cNvPr id="3" name="Notes Placeholder 2"/>
+          <p:cNvSpPr>
+            <a:spLocks noGrp="1"/>
+          </p:cNvSpPr>
+          <p:nvPr>
+            <p:ph type="body" idx="1"/>
+          </p:nvPr>
+        </p:nvSpPr>
+        <p:spPr/>
+        <p:txBody>
+          <a:bodyPr/>
+          <a:lstStyle/>
+          <a:p>
+            <a:r>
+              <a:rPr lang="en-GB" dirty="0"/>
+              <a:t>Announcements</a:t>
+            </a:r>
+          </a:p>
+        </p:txBody>
+      </p:sp>
+      <p:sp>
+        <p:nvSpPr>
+          <p:cNvPr id="4" name="Slide Number Placeholder 3"/>
+          <p:cNvSpPr>
+            <a:spLocks noGrp="1"/>
+          </p:cNvSpPr>
+          <p:nvPr>
+            <p:ph type="sldNum" sz="quarter" idx="5"/>
+          </p:nvPr>
+        </p:nvSpPr>
+        <p:spPr/>
+        <p:txBody>
+          <a:bodyPr/>
+          <a:lstStyle/>
+          <a:p>
+            <a:fld id="{41DDB78E-45AE-4915-A272-867B43D17459}" type="slidenum">
+              <a:rPr lang="en-US" altLang="en-US" smtClean="0"/>
+              <a:pPr/>
+              <a:t>7</a:t>
+            </a:fld>
+            <a:endParaRPr lang="en-US" altLang="en-US"/>
+          </a:p>
+        </p:txBody>
+      </p:sp>
+    </p:spTree>
+    <p:extLst>
+      <p:ext uri="{BB962C8B-B14F-4D97-AF65-F5344CB8AC3E}">
+        <p14:creationId xmlns:p14="http://schemas.microsoft.com/office/powerpoint/2010/main" val="4273205934"/>
+      </p:ext>
+    </p:extLst>
+  </p:cSld>
+  <p:clrMapOvr>
+    <a:masterClrMapping/>
+  </p:clrMapOvr>
+</p:notes>
+</file>
+
+<file path=ppt/notesSlides/notesSlide7.xml><?xml version="1.0" encoding="utf-8"?>
+<p:notes xmlns:a="http://schemas.openxmlformats.org/drawingml/2006/main" xmlns:r="http://schemas.openxmlformats.org/officeDocument/2006/relationships" xmlns:p="http://schemas.openxmlformats.org/presentationml/2006/main">
+  <p:cSld>
+    <p:spTree>
+      <p:nvGrpSpPr>
+        <p:cNvPr id="1" name=""/>
+        <p:cNvGrpSpPr/>
+        <p:nvPr/>
+      </p:nvGrpSpPr>
+      <p:grpSpPr>
+        <a:xfrm>
+          <a:off x="0" y="0"/>
+          <a:ext cx="0" cy="0"/>
+          <a:chOff x="0" y="0"/>
+          <a:chExt cx="0" cy="0"/>
+        </a:xfrm>
+      </p:grpSpPr>
+      <p:sp>
+        <p:nvSpPr>
+          <p:cNvPr id="2" name="Slide Image Placeholder 1"/>
+          <p:cNvSpPr>
+            <a:spLocks noGrp="1" noRot="1" noChangeAspect="1"/>
+          </p:cNvSpPr>
+          <p:nvPr>
+            <p:ph type="sldImg"/>
+          </p:nvPr>
+        </p:nvSpPr>
+        <p:spPr/>
+      </p:sp>
+      <p:sp>
+        <p:nvSpPr>
+          <p:cNvPr id="3" name="Notes Placeholder 2"/>
+          <p:cNvSpPr>
+            <a:spLocks noGrp="1"/>
+          </p:cNvSpPr>
+          <p:nvPr>
+            <p:ph type="body" idx="1"/>
+          </p:nvPr>
+        </p:nvSpPr>
+        <p:spPr/>
+        <p:txBody>
+          <a:bodyPr/>
+          <a:lstStyle/>
+          <a:p>
+            <a:r>
+              <a:rPr lang="en-GB" dirty="0"/>
+              <a:t>Holy Communion</a:t>
+            </a:r>
+          </a:p>
+        </p:txBody>
+      </p:sp>
+      <p:sp>
+        <p:nvSpPr>
+          <p:cNvPr id="4" name="Slide Number Placeholder 3"/>
+          <p:cNvSpPr>
+            <a:spLocks noGrp="1"/>
+          </p:cNvSpPr>
+          <p:nvPr>
+            <p:ph type="sldNum" sz="quarter" idx="5"/>
+          </p:nvPr>
+        </p:nvSpPr>
+        <p:spPr/>
+        <p:txBody>
+          <a:bodyPr/>
+          <a:lstStyle/>
+          <a:p>
+            <a:fld id="{41DDB78E-45AE-4915-A272-867B43D17459}" type="slidenum">
+              <a:rPr lang="en-US" altLang="en-US" smtClean="0"/>
+              <a:pPr/>
+              <a:t>8</a:t>
+            </a:fld>
+            <a:endParaRPr lang="en-US" altLang="en-US"/>
+          </a:p>
+        </p:txBody>
+      </p:sp>
+    </p:spTree>
+    <p:extLst>
+      <p:ext uri="{BB962C8B-B14F-4D97-AF65-F5344CB8AC3E}">
+        <p14:creationId xmlns:p14="http://schemas.microsoft.com/office/powerpoint/2010/main" val="2692544895"/>
+      </p:ext>
+    </p:extLst>
+  </p:cSld>
+  <p:clrMapOvr>
+    <a:masterClrMapping/>
+  </p:clrMapOvr>
+</p:notes>
+</file>
+
+<file path=ppt/notesSlides/notesSlide8.xml><?xml version="1.0" encoding="utf-8"?>
+<p:notes xmlns:a="http://schemas.openxmlformats.org/drawingml/2006/main" xmlns:r="http://schemas.openxmlformats.org/officeDocument/2006/relationships" xmlns:p="http://schemas.openxmlformats.org/presentationml/2006/main">
+  <p:cSld>
+    <p:spTree>
+      <p:nvGrpSpPr>
+        <p:cNvPr id="1" name=""/>
+        <p:cNvGrpSpPr/>
+        <p:nvPr/>
+      </p:nvGrpSpPr>
+      <p:grpSpPr>
+        <a:xfrm>
+          <a:off x="0" y="0"/>
+          <a:ext cx="0" cy="0"/>
+          <a:chOff x="0" y="0"/>
+          <a:chExt cx="0" cy="0"/>
+        </a:xfrm>
+      </p:grpSpPr>
+      <p:sp>
+        <p:nvSpPr>
+          <p:cNvPr id="2" name="Slide Image Placeholder 1"/>
+          <p:cNvSpPr>
+            <a:spLocks noGrp="1" noRot="1" noChangeAspect="1"/>
+          </p:cNvSpPr>
+          <p:nvPr>
+            <p:ph type="sldImg"/>
+          </p:nvPr>
+        </p:nvSpPr>
+        <p:spPr/>
+      </p:sp>
+      <p:sp>
+        <p:nvSpPr>
+          <p:cNvPr id="3" name="Notes Placeholder 2"/>
+          <p:cNvSpPr>
+            <a:spLocks noGrp="1"/>
+          </p:cNvSpPr>
+          <p:nvPr>
+            <p:ph type="body" idx="1"/>
+          </p:nvPr>
+        </p:nvSpPr>
+        <p:spPr/>
+        <p:txBody>
+          <a:bodyPr/>
+          <a:lstStyle/>
+          <a:p>
+            <a:r>
+              <a:rPr lang="en-GB" dirty="0"/>
+              <a:t>How To Pray</a:t>
+            </a:r>
+          </a:p>
+        </p:txBody>
+      </p:sp>
+      <p:sp>
+        <p:nvSpPr>
+          <p:cNvPr id="4" name="Slide Number Placeholder 3"/>
+          <p:cNvSpPr>
+            <a:spLocks noGrp="1"/>
+          </p:cNvSpPr>
+          <p:nvPr>
+            <p:ph type="sldNum" sz="quarter" idx="5"/>
+          </p:nvPr>
+        </p:nvSpPr>
+        <p:spPr/>
+        <p:txBody>
+          <a:bodyPr/>
+          <a:lstStyle/>
+          <a:p>
+            <a:fld id="{41DDB78E-45AE-4915-A272-867B43D17459}" type="slidenum">
+              <a:rPr lang="en-US" altLang="en-US" smtClean="0"/>
+              <a:pPr/>
+              <a:t>9</a:t>
+            </a:fld>
+            <a:endParaRPr lang="en-US" altLang="en-US"/>
+          </a:p>
+        </p:txBody>
+      </p:sp>
+    </p:spTree>
+    <p:extLst>
+      <p:ext uri="{BB962C8B-B14F-4D97-AF65-F5344CB8AC3E}">
+        <p14:creationId xmlns:p14="http://schemas.microsoft.com/office/powerpoint/2010/main" val="2609291502"/>
+      </p:ext>
+    </p:extLst>
+  </p:cSld>
+  <p:clrMapOvr>
+    <a:masterClrMapping/>
+  </p:clrMapOvr>
+</p:notes>
+</file>
+
+<file path=ppt/notesSlides/notesSlide9.xml><?xml version="1.0" encoding="utf-8"?>
+<p:notes xmlns:a="http://schemas.openxmlformats.org/drawingml/2006/main" xmlns:r="http://schemas.openxmlformats.org/officeDocument/2006/relationships" xmlns:p="http://schemas.openxmlformats.org/presentationml/2006/main">
+  <p:cSld>
+    <p:spTree>
+      <p:nvGrpSpPr>
+        <p:cNvPr id="1" name=""/>
+        <p:cNvGrpSpPr/>
+        <p:nvPr/>
+      </p:nvGrpSpPr>
+      <p:grpSpPr>
+        <a:xfrm>
+          <a:off x="0" y="0"/>
+          <a:ext cx="0" cy="0"/>
+          <a:chOff x="0" y="0"/>
+          <a:chExt cx="0" cy="0"/>
+        </a:xfrm>
+      </p:grpSpPr>
+      <p:sp>
+        <p:nvSpPr>
+          <p:cNvPr id="2" name="Slide Image Placeholder 1"/>
+          <p:cNvSpPr>
+            <a:spLocks noGrp="1" noRot="1" noChangeAspect="1"/>
+          </p:cNvSpPr>
+          <p:nvPr>
+            <p:ph type="sldImg"/>
+          </p:nvPr>
+        </p:nvSpPr>
+        <p:spPr/>
+      </p:sp>
+      <p:sp>
+        <p:nvSpPr>
+          <p:cNvPr id="3" name="Notes Placeholder 2"/>
+          <p:cNvSpPr>
+            <a:spLocks noGrp="1"/>
+          </p:cNvSpPr>
+          <p:nvPr>
+            <p:ph type="body" idx="1"/>
+          </p:nvPr>
+        </p:nvSpPr>
+        <p:spPr/>
+        <p:txBody>
+          <a:bodyPr/>
+          <a:lstStyle/>
+          <a:p>
+            <a:r>
+              <a:rPr lang="en-GB" dirty="0"/>
+              <a:t>Turn of devices</a:t>
+            </a:r>
+          </a:p>
+        </p:txBody>
+      </p:sp>
+      <p:sp>
+        <p:nvSpPr>
+          <p:cNvPr id="4" name="Slide Number Placeholder 3"/>
+          <p:cNvSpPr>
+            <a:spLocks noGrp="1"/>
+          </p:cNvSpPr>
+          <p:nvPr>
+            <p:ph type="sldNum" sz="quarter" idx="5"/>
+          </p:nvPr>
+        </p:nvSpPr>
+        <p:spPr/>
+        <p:txBody>
+          <a:bodyPr/>
+          <a:lstStyle/>
+          <a:p>
+            <a:fld id="{41DDB78E-45AE-4915-A272-867B43D17459}" type="slidenum">
+              <a:rPr lang="en-US" altLang="en-US" smtClean="0"/>
+              <a:pPr/>
+              <a:t>10</a:t>
+            </a:fld>
+            <a:endParaRPr lang="en-US" altLang="en-US"/>
+          </a:p>
+        </p:txBody>
+      </p:sp>
+    </p:spTree>
+    <p:extLst>
+      <p:ext uri="{BB962C8B-B14F-4D97-AF65-F5344CB8AC3E}">
+        <p14:creationId xmlns:p14="http://schemas.microsoft.com/office/powerpoint/2010/main" val="2207894853"/>
       </p:ext>
     </p:extLst>
   </p:cSld>
@@ -4690,11 +5315,11 @@
           <p:nvPr/>
         </p:nvPicPr>
         <p:blipFill>
-          <a:blip r:embed="rId2" cstate="print">
+          <a:blip r:embed="rId3" cstate="print">
             <a:extLst>
               <a:ext uri="{BEBA8EAE-BF5A-486C-A8C5-ECC9F3942E4B}">
                 <a14:imgProps xmlns:a14="http://schemas.microsoft.com/office/drawing/2010/main">
-                  <a14:imgLayer r:embed="rId3">
+                  <a14:imgLayer r:embed="rId4">
                     <a14:imgEffect>
                       <a14:colorTemperature colorTemp="11500"/>
                     </a14:imgEffect>
@@ -4741,11 +5366,11 @@
           <p:nvPr/>
         </p:nvPicPr>
         <p:blipFill>
-          <a:blip r:embed="rId4">
+          <a:blip r:embed="rId5">
             <a:extLst>
               <a:ext uri="{BEBA8EAE-BF5A-486C-A8C5-ECC9F3942E4B}">
                 <a14:imgProps xmlns:a14="http://schemas.microsoft.com/office/drawing/2010/main">
-                  <a14:imgLayer r:embed="rId5">
+                  <a14:imgLayer r:embed="rId6">
                     <a14:imgEffect>
                       <a14:brightnessContrast bright="-40000" contrast="-40000"/>
                     </a14:imgEffect>
@@ -4786,11 +5411,11 @@
           <p:nvPr/>
         </p:nvPicPr>
         <p:blipFill>
-          <a:blip r:embed="rId6">
+          <a:blip r:embed="rId7">
             <a:extLst>
               <a:ext uri="{BEBA8EAE-BF5A-486C-A8C5-ECC9F3942E4B}">
                 <a14:imgProps xmlns:a14="http://schemas.microsoft.com/office/drawing/2010/main">
-                  <a14:imgLayer r:embed="rId7">
+                  <a14:imgLayer r:embed="rId8">
                     <a14:imgEffect>
                       <a14:brightnessContrast bright="-40000" contrast="-40000"/>
                     </a14:imgEffect>
@@ -4831,12 +5456,12 @@
           <p:nvPr/>
         </p:nvPicPr>
         <p:blipFill>
-          <a:blip r:embed="rId8" cstate="print">
+          <a:blip r:embed="rId9" cstate="print">
             <a:biLevel thresh="75000"/>
             <a:extLst>
               <a:ext uri="{BEBA8EAE-BF5A-486C-A8C5-ECC9F3942E4B}">
                 <a14:imgProps xmlns:a14="http://schemas.microsoft.com/office/drawing/2010/main">
-                  <a14:imgLayer r:embed="rId9">
+                  <a14:imgLayer r:embed="rId10">
                     <a14:imgEffect>
                       <a14:brightnessContrast bright="-40000" contrast="-40000"/>
                     </a14:imgEffect>
@@ -4946,12 +5571,12 @@
           <p:nvPr/>
         </p:nvPicPr>
         <p:blipFill>
-          <a:blip r:embed="rId2" cstate="print">
+          <a:blip r:embed="rId3" cstate="print">
             <a:biLevel thresh="75000"/>
             <a:extLst>
               <a:ext uri="{BEBA8EAE-BF5A-486C-A8C5-ECC9F3942E4B}">
                 <a14:imgProps xmlns:a14="http://schemas.microsoft.com/office/drawing/2010/main">
-                  <a14:imgLayer r:embed="rId3">
+                  <a14:imgLayer r:embed="rId4">
                     <a14:imgEffect>
                       <a14:brightnessContrast bright="-40000" contrast="-40000"/>
                     </a14:imgEffect>
@@ -5068,11 +5693,11 @@
             <p:nvPr/>
           </p:nvPicPr>
           <p:blipFill>
-            <a:blip r:embed="rId4" cstate="print">
+            <a:blip r:embed="rId5" cstate="print">
               <a:extLst>
                 <a:ext uri="{BEBA8EAE-BF5A-486C-A8C5-ECC9F3942E4B}">
                   <a14:imgProps xmlns:a14="http://schemas.microsoft.com/office/drawing/2010/main">
-                    <a14:imgLayer r:embed="rId5">
+                    <a14:imgLayer r:embed="rId6">
                       <a14:imgEffect>
                         <a14:colorTemperature colorTemp="11500"/>
                       </a14:imgEffect>
@@ -6980,8 +7605,9 @@
               <a:t>詩頌</a:t>
             </a:r>
             <a:endParaRPr lang="en-GB" altLang="zh-TW" sz="4400" b="1" dirty="0">
-              <a:latin typeface="Century Gothic" panose="020B0502020202020204" pitchFamily="34" charset="0"/>
+              <a:latin typeface="Segoe UI" panose="020B0502040204020203" pitchFamily="34" charset="0"/>
               <a:ea typeface="金梅新中楷全字體" panose="02010509060101010101" pitchFamily="49" charset="-120"/>
+              <a:cs typeface="Segoe UI" panose="020B0502040204020203" pitchFamily="34" charset="0"/>
             </a:endParaRPr>
           </a:p>
         </p:txBody>
@@ -7001,12 +7627,12 @@
           <p:nvPr/>
         </p:nvPicPr>
         <p:blipFill>
-          <a:blip r:embed="rId2" cstate="print">
+          <a:blip r:embed="rId3" cstate="print">
             <a:biLevel thresh="75000"/>
             <a:extLst>
               <a:ext uri="{BEBA8EAE-BF5A-486C-A8C5-ECC9F3942E4B}">
                 <a14:imgProps xmlns:a14="http://schemas.microsoft.com/office/drawing/2010/main">
-                  <a14:imgLayer r:embed="rId3">
+                  <a14:imgLayer r:embed="rId4">
                     <a14:imgEffect>
                       <a14:brightnessContrast bright="-40000" contrast="-40000"/>
                     </a14:imgEffect>
@@ -7123,11 +7749,11 @@
             <p:nvPr/>
           </p:nvPicPr>
           <p:blipFill>
-            <a:blip r:embed="rId4" cstate="print">
+            <a:blip r:embed="rId5" cstate="print">
               <a:extLst>
                 <a:ext uri="{BEBA8EAE-BF5A-486C-A8C5-ECC9F3942E4B}">
                   <a14:imgProps xmlns:a14="http://schemas.microsoft.com/office/drawing/2010/main">
-                    <a14:imgLayer r:embed="rId5">
+                    <a14:imgLayer r:embed="rId6">
                       <a14:imgEffect>
                         <a14:colorTemperature colorTemp="11500"/>
                       </a14:imgEffect>
@@ -7332,14 +7958,16 @@
             </a:r>
             <a:r>
               <a:rPr lang="zh-TW" altLang="en-US" sz="4400" b="1" dirty="0">
-                <a:latin typeface="Century Gothic" panose="020B0502020202020204" pitchFamily="34" charset="0"/>
+                <a:latin typeface="Segoe UI" panose="020B0502040204020203" pitchFamily="34" charset="0"/>
                 <a:ea typeface="金梅新中楷全字體" panose="02010509060101010101" pitchFamily="49" charset="-120"/>
+                <a:cs typeface="Segoe UI" panose="020B0502040204020203" pitchFamily="34" charset="0"/>
               </a:rPr>
               <a:t>代禱</a:t>
             </a:r>
             <a:endParaRPr lang="en-GB" altLang="zh-TW" sz="4400" b="1" dirty="0">
-              <a:latin typeface="Century Gothic" panose="020B0502020202020204" pitchFamily="34" charset="0"/>
+              <a:latin typeface="Segoe UI" panose="020B0502040204020203" pitchFamily="34" charset="0"/>
               <a:ea typeface="金梅新中楷全字體" panose="02010509060101010101" pitchFamily="49" charset="-120"/>
+              <a:cs typeface="Segoe UI" panose="020B0502040204020203" pitchFamily="34" charset="0"/>
             </a:endParaRPr>
           </a:p>
         </p:txBody>
@@ -7359,12 +7987,12 @@
           <p:nvPr/>
         </p:nvPicPr>
         <p:blipFill>
-          <a:blip r:embed="rId2" cstate="print">
+          <a:blip r:embed="rId3" cstate="print">
             <a:biLevel thresh="75000"/>
             <a:extLst>
               <a:ext uri="{BEBA8EAE-BF5A-486C-A8C5-ECC9F3942E4B}">
                 <a14:imgProps xmlns:a14="http://schemas.microsoft.com/office/drawing/2010/main">
-                  <a14:imgLayer r:embed="rId3">
+                  <a14:imgLayer r:embed="rId4">
                     <a14:imgEffect>
                       <a14:brightnessContrast bright="-40000" contrast="-40000"/>
                     </a14:imgEffect>
@@ -7481,11 +8109,11 @@
             <p:nvPr/>
           </p:nvPicPr>
           <p:blipFill>
-            <a:blip r:embed="rId4" cstate="print">
+            <a:blip r:embed="rId5" cstate="print">
               <a:extLst>
                 <a:ext uri="{BEBA8EAE-BF5A-486C-A8C5-ECC9F3942E4B}">
                   <a14:imgProps xmlns:a14="http://schemas.microsoft.com/office/drawing/2010/main">
-                    <a14:imgLayer r:embed="rId5">
+                    <a14:imgLayer r:embed="rId6">
                       <a14:imgEffect>
                         <a14:colorTemperature colorTemp="11500"/>
                       </a14:imgEffect>
@@ -7718,12 +8346,12 @@
           <p:nvPr/>
         </p:nvPicPr>
         <p:blipFill>
-          <a:blip r:embed="rId2" cstate="print">
+          <a:blip r:embed="rId3" cstate="print">
             <a:biLevel thresh="75000"/>
             <a:extLst>
               <a:ext uri="{BEBA8EAE-BF5A-486C-A8C5-ECC9F3942E4B}">
                 <a14:imgProps xmlns:a14="http://schemas.microsoft.com/office/drawing/2010/main">
-                  <a14:imgLayer r:embed="rId3">
+                  <a14:imgLayer r:embed="rId4">
                     <a14:imgEffect>
                       <a14:brightnessContrast bright="-40000" contrast="-40000"/>
                     </a14:imgEffect>
@@ -7840,11 +8468,11 @@
             <p:nvPr/>
           </p:nvPicPr>
           <p:blipFill>
-            <a:blip r:embed="rId4" cstate="print">
+            <a:blip r:embed="rId5" cstate="print">
               <a:extLst>
                 <a:ext uri="{BEBA8EAE-BF5A-486C-A8C5-ECC9F3942E4B}">
                   <a14:imgProps xmlns:a14="http://schemas.microsoft.com/office/drawing/2010/main">
-                    <a14:imgLayer r:embed="rId5">
+                    <a14:imgLayer r:embed="rId6">
                       <a14:imgEffect>
                         <a14:colorTemperature colorTemp="11500"/>
                       </a14:imgEffect>
@@ -8340,12 +8968,12 @@
           <p:nvPr/>
         </p:nvPicPr>
         <p:blipFill>
-          <a:blip r:embed="rId2" cstate="print">
+          <a:blip r:embed="rId3" cstate="print">
             <a:biLevel thresh="75000"/>
             <a:extLst>
               <a:ext uri="{BEBA8EAE-BF5A-486C-A8C5-ECC9F3942E4B}">
                 <a14:imgProps xmlns:a14="http://schemas.microsoft.com/office/drawing/2010/main">
-                  <a14:imgLayer r:embed="rId3">
+                  <a14:imgLayer r:embed="rId4">
                     <a14:imgEffect>
                       <a14:brightnessContrast bright="-40000" contrast="-40000"/>
                     </a14:imgEffect>
@@ -8870,9 +9498,8 @@
           </a:prstGeom>
           <a:ln w="76200">
             <a:solidFill>
-              <a:schemeClr val="tx1">
-                <a:lumMod val="85000"/>
-                <a:lumOff val="15000"/>
+              <a:schemeClr val="tx2">
+                <a:lumMod val="75000"/>
               </a:schemeClr>
             </a:solidFill>
           </a:ln>
@@ -8907,12 +9534,12 @@
           <p:nvPr/>
         </p:nvPicPr>
         <p:blipFill>
-          <a:blip r:embed="rId2" cstate="print">
+          <a:blip r:embed="rId3" cstate="print">
             <a:biLevel thresh="75000"/>
             <a:extLst>
               <a:ext uri="{BEBA8EAE-BF5A-486C-A8C5-ECC9F3942E4B}">
                 <a14:imgProps xmlns:a14="http://schemas.microsoft.com/office/drawing/2010/main">
-                  <a14:imgLayer r:embed="rId3">
+                  <a14:imgLayer r:embed="rId4">
                     <a14:imgEffect>
                       <a14:brightnessContrast bright="-40000" contrast="-40000"/>
                     </a14:imgEffect>
@@ -9029,11 +9656,11 @@
             <p:nvPr/>
           </p:nvPicPr>
           <p:blipFill>
-            <a:blip r:embed="rId4" cstate="print">
+            <a:blip r:embed="rId5" cstate="print">
               <a:extLst>
                 <a:ext uri="{BEBA8EAE-BF5A-486C-A8C5-ECC9F3942E4B}">
                   <a14:imgProps xmlns:a14="http://schemas.microsoft.com/office/drawing/2010/main">
-                    <a14:imgLayer r:embed="rId5">
+                    <a14:imgLayer r:embed="rId6">
                       <a14:imgEffect>
                         <a14:colorTemperature colorTemp="11500"/>
                       </a14:imgEffect>

--- a/TJCPowerPoint/bin/Debug/Files/ServiceWidescreen.pptx
+++ b/TJCPowerPoint/bin/Debug/Files/ServiceWidescreen.pptx
@@ -4203,7 +4203,7 @@
           </a:blip>
           <a:srcRect/>
           <a:stretch>
-            <a:fillRect/>
+            <a:fillRect l="-10000" b="-9000"/>
           </a:stretch>
         </a:blipFill>
         <a:effectLst/>
@@ -6757,7 +6757,7 @@
         </p:nvSpPr>
         <p:spPr bwMode="auto">
           <a:xfrm>
-            <a:off x="0" y="498376"/>
+            <a:off x="0" y="529838"/>
             <a:ext cx="12192000" cy="830997"/>
           </a:xfrm>
           <a:prstGeom prst="rect">
@@ -6829,7 +6829,7 @@
         </p:nvSpPr>
         <p:spPr bwMode="auto">
           <a:xfrm>
-            <a:off x="0" y="1486421"/>
+            <a:off x="0" y="1517883"/>
             <a:ext cx="12192000" cy="830997"/>
           </a:xfrm>
           <a:prstGeom prst="rect">
@@ -6905,8 +6905,8 @@
         </p:nvSpPr>
         <p:spPr bwMode="auto">
           <a:xfrm>
-            <a:off x="252966" y="2474466"/>
-            <a:ext cx="11685790" cy="3402807"/>
+            <a:off x="252966" y="2612674"/>
+            <a:ext cx="3610786" cy="666501"/>
           </a:xfrm>
           <a:prstGeom prst="roundRect">
             <a:avLst>
@@ -6962,7 +6962,7 @@
         </p:nvSpPr>
         <p:spPr bwMode="auto">
           <a:xfrm>
-            <a:off x="0" y="3344798"/>
+            <a:off x="0" y="3483005"/>
             <a:ext cx="5771528" cy="954107"/>
           </a:xfrm>
           <a:prstGeom prst="rect">
@@ -7032,7 +7032,7 @@
         </p:nvSpPr>
         <p:spPr bwMode="auto">
           <a:xfrm>
-            <a:off x="1" y="4280902"/>
+            <a:off x="1" y="4419109"/>
             <a:ext cx="5771528" cy="954107"/>
           </a:xfrm>
           <a:prstGeom prst="rect">
@@ -7108,7 +7108,7 @@
         </p:nvSpPr>
         <p:spPr bwMode="auto">
           <a:xfrm>
-            <a:off x="5952252" y="3734926"/>
+            <a:off x="5952252" y="3873133"/>
             <a:ext cx="6239747" cy="1015663"/>
           </a:xfrm>
           <a:prstGeom prst="rect">

--- a/TJCPowerPoint/bin/Debug/Files/ServiceWidescreen.pptx
+++ b/TJCPowerPoint/bin/Debug/Files/ServiceWidescreen.pptx
@@ -4203,7 +4203,7 @@
           </a:blip>
           <a:srcRect/>
           <a:stretch>
-            <a:fillRect l="-10000" b="-9000"/>
+            <a:fillRect l="-17000" b="-14000"/>
           </a:stretch>
         </a:blipFill>
         <a:effectLst/>
@@ -5094,7 +5094,7 @@
                 <a:cs typeface="Segoe UI" panose="020B0502040204020203" pitchFamily="34" charset="0"/>
               </a:rPr>
               <a:pPr algn="r"/>
-              <a:t>Sunday, January 15, 2023</a:t>
+              <a:t>Tuesday, January 17, 2023</a:t>
             </a:fld>
             <a:endParaRPr lang="en-US" altLang="en-US" sz="3600" b="1" dirty="0">
               <a:solidFill>
@@ -6370,19 +6370,22 @@
             </a:pPr>
             <a:r>
               <a:rPr lang="en-GB" altLang="en-US" sz="3200" b="1" dirty="0">
-                <a:latin typeface="Century Gothic" panose="020B0502020202020204" pitchFamily="34" charset="0"/>
+                <a:latin typeface="Segoe UI" panose="020B0502040204020203" pitchFamily="34" charset="0"/>
+                <a:cs typeface="Segoe UI" panose="020B0502040204020203" pitchFamily="34" charset="0"/>
               </a:rPr>
               <a:t>HYMNS </a:t>
             </a:r>
             <a:r>
               <a:rPr lang="zh-TW" altLang="en-US" sz="3200" b="1" dirty="0">
-                <a:latin typeface="Microsoft JhengHei" panose="020B0604030504040204" pitchFamily="34" charset="-120"/>
+                <a:latin typeface="Segoe UI" panose="020B0502040204020203" pitchFamily="34" charset="0"/>
                 <a:ea typeface="Microsoft JhengHei" panose="020B0604030504040204" pitchFamily="34" charset="-120"/>
+                <a:cs typeface="Segoe UI" panose="020B0502040204020203" pitchFamily="34" charset="0"/>
               </a:rPr>
               <a:t>詩</a:t>
             </a:r>
             <a:endParaRPr lang="en-US" altLang="en-US" sz="3200" b="1" dirty="0">
-              <a:latin typeface="Century Gothic" panose="020B0502020202020204" pitchFamily="34" charset="0"/>
+              <a:latin typeface="Segoe UI" panose="020B0502040204020203" pitchFamily="34" charset="0"/>
+              <a:cs typeface="Segoe UI" panose="020B0502040204020203" pitchFamily="34" charset="0"/>
             </a:endParaRPr>
           </a:p>
         </p:txBody>
@@ -6934,20 +6937,23 @@
             </a:pPr>
             <a:r>
               <a:rPr lang="en-GB" altLang="en-US" sz="3200" b="1" dirty="0">
-                <a:latin typeface="Century Gothic" panose="020B0502020202020204" pitchFamily="34" charset="0"/>
+                <a:latin typeface="Segoe UI" panose="020B0502040204020203" pitchFamily="34" charset="0"/>
+                <a:cs typeface="Segoe UI" panose="020B0502040204020203" pitchFamily="34" charset="0"/>
               </a:rPr>
               <a:t>BIBLE VERSE </a:t>
             </a:r>
             <a:r>
               <a:rPr lang="zh-TW" altLang="en-US" sz="3200" b="1" dirty="0">
-                <a:latin typeface="Microsoft JhengHei" panose="020B0604030504040204" pitchFamily="34" charset="-120"/>
+                <a:latin typeface="Segoe UI" panose="020B0502040204020203" pitchFamily="34" charset="0"/>
                 <a:ea typeface="Microsoft JhengHei" panose="020B0604030504040204" pitchFamily="34" charset="-120"/>
+                <a:cs typeface="Segoe UI" panose="020B0502040204020203" pitchFamily="34" charset="0"/>
               </a:rPr>
               <a:t>經文</a:t>
             </a:r>
             <a:endParaRPr lang="en-US" altLang="en-US" sz="3200" b="1" dirty="0">
-              <a:latin typeface="Microsoft JhengHei" panose="020B0604030504040204" pitchFamily="34" charset="-120"/>
+              <a:latin typeface="Segoe UI" panose="020B0502040204020203" pitchFamily="34" charset="0"/>
               <a:ea typeface="Microsoft JhengHei" panose="020B0604030504040204" pitchFamily="34" charset="-120"/>
+              <a:cs typeface="Segoe UI" panose="020B0502040204020203" pitchFamily="34" charset="0"/>
             </a:endParaRPr>
           </a:p>
         </p:txBody>

--- a/TJCPowerPoint/bin/Debug/Files/ServiceWidescreen.pptx
+++ b/TJCPowerPoint/bin/Debug/Files/ServiceWidescreen.pptx
@@ -4825,7 +4825,7 @@
           </a:prstGeom>
           <a:solidFill>
             <a:srgbClr val="BFBFBF">
-              <a:alpha val="60000"/>
+              <a:alpha val="50196"/>
             </a:srgbClr>
           </a:solidFill>
           <a:ln>
@@ -4949,7 +4949,17 @@
                 <a:latin typeface="Segoe UI" panose="020B0502040204020203" pitchFamily="34" charset="0"/>
                 <a:cs typeface="Segoe UI" panose="020B0502040204020203" pitchFamily="34" charset="0"/>
               </a:rPr>
-              <a:t>Welcome To True Jesus Church</a:t>
+              <a:t>Welcome To </a:t>
+            </a:r>
+          </a:p>
+          <a:p>
+            <a:pPr algn="ctr"/>
+            <a:r>
+              <a:rPr lang="en-GB" altLang="en-US" sz="3600" b="1" dirty="0">
+                <a:latin typeface="Segoe UI" panose="020B0502040204020203" pitchFamily="34" charset="0"/>
+                <a:cs typeface="Segoe UI" panose="020B0502040204020203" pitchFamily="34" charset="0"/>
+              </a:rPr>
+              <a:t>True Jesus Church</a:t>
             </a:r>
             <a:r>
               <a:rPr lang="en-GB" altLang="en-US" sz="3600" b="1" dirty="0">
@@ -4999,11 +5009,13 @@
         <p:blipFill>
           <a:blip r:embed="rId4">
             <a:duotone>
-              <a:schemeClr val="accent3">
-                <a:shade val="45000"/>
-                <a:satMod val="135000"/>
+              <a:prstClr val="black"/>
+              <a:schemeClr val="tx1">
+                <a:lumMod val="75000"/>
+                <a:lumOff val="25000"/>
+                <a:tint val="45000"/>
+                <a:satMod val="400000"/>
               </a:schemeClr>
-              <a:prstClr val="white"/>
             </a:duotone>
           </a:blip>
           <a:stretch>
@@ -5037,11 +5049,13 @@
         <p:blipFill>
           <a:blip r:embed="rId5">
             <a:duotone>
-              <a:schemeClr val="accent3">
-                <a:shade val="45000"/>
-                <a:satMod val="135000"/>
+              <a:prstClr val="black"/>
+              <a:schemeClr val="tx1">
+                <a:lumMod val="75000"/>
+                <a:lumOff val="25000"/>
+                <a:tint val="45000"/>
+                <a:satMod val="400000"/>
               </a:schemeClr>
-              <a:prstClr val="white"/>
             </a:duotone>
           </a:blip>
           <a:stretch>
@@ -5770,7 +5784,7 @@
         </p:nvSpPr>
         <p:spPr bwMode="auto">
           <a:xfrm>
-            <a:off x="1" y="2077398"/>
+            <a:off x="1" y="1988840"/>
             <a:ext cx="12192000" cy="830997"/>
           </a:xfrm>
           <a:prstGeom prst="rect">
@@ -5842,7 +5856,7 @@
         </p:nvSpPr>
         <p:spPr bwMode="auto">
           <a:xfrm>
-            <a:off x="0" y="3102059"/>
+            <a:off x="0" y="3157517"/>
             <a:ext cx="12192000" cy="830997"/>
           </a:xfrm>
           <a:prstGeom prst="rect">
@@ -5924,7 +5938,7 @@
         </p:nvSpPr>
         <p:spPr bwMode="auto">
           <a:xfrm>
-            <a:off x="252966" y="5877272"/>
+            <a:off x="3930564" y="683404"/>
             <a:ext cx="4330866" cy="338554"/>
           </a:xfrm>
           <a:prstGeom prst="rect">
@@ -5965,12 +5979,12 @@
           </a:extLst>
         </p:spPr>
         <p:txBody>
-          <a:bodyPr wrap="square">
+          <a:bodyPr wrap="square" anchor="b">
             <a:spAutoFit/>
           </a:bodyPr>
           <a:lstStyle/>
           <a:p>
-            <a:pPr>
+            <a:pPr algn="ctr">
               <a:spcBef>
                 <a:spcPct val="50000"/>
               </a:spcBef>
@@ -5999,7 +6013,7 @@
         </p:nvGrpSpPr>
         <p:grpSpPr>
           <a:xfrm>
-            <a:off x="4943872" y="6249605"/>
+            <a:off x="2580546" y="6249501"/>
             <a:ext cx="7030907" cy="408623"/>
             <a:chOff x="4943872" y="6249605"/>
             <a:chExt cx="7030907" cy="408623"/>
@@ -6151,7 +6165,7 @@
         </p:blipFill>
         <p:spPr>
           <a:xfrm>
-            <a:off x="335359" y="6269250"/>
+            <a:off x="4763849" y="343893"/>
             <a:ext cx="2664297" cy="344791"/>
           </a:xfrm>
           <a:prstGeom prst="rect">
@@ -6369,21 +6383,21 @@
               </a:spcBef>
             </a:pPr>
             <a:r>
-              <a:rPr lang="en-GB" altLang="en-US" sz="3200" b="1" dirty="0">
+              <a:rPr lang="en-GB" altLang="en-US" sz="2800" b="1" dirty="0">
                 <a:latin typeface="Segoe UI" panose="020B0502040204020203" pitchFamily="34" charset="0"/>
                 <a:cs typeface="Segoe UI" panose="020B0502040204020203" pitchFamily="34" charset="0"/>
               </a:rPr>
               <a:t>HYMNS </a:t>
             </a:r>
             <a:r>
-              <a:rPr lang="zh-TW" altLang="en-US" sz="3200" b="1" dirty="0">
+              <a:rPr lang="zh-TW" altLang="en-US" sz="2800" b="1" dirty="0">
                 <a:latin typeface="Segoe UI" panose="020B0502040204020203" pitchFamily="34" charset="0"/>
                 <a:ea typeface="Microsoft JhengHei" panose="020B0604030504040204" pitchFamily="34" charset="-120"/>
                 <a:cs typeface="Segoe UI" panose="020B0502040204020203" pitchFamily="34" charset="0"/>
               </a:rPr>
               <a:t>詩</a:t>
             </a:r>
-            <a:endParaRPr lang="en-US" altLang="en-US" sz="3200" b="1" dirty="0">
+            <a:endParaRPr lang="en-US" altLang="en-US" sz="2800" b="1" dirty="0">
               <a:latin typeface="Segoe UI" panose="020B0502040204020203" pitchFamily="34" charset="0"/>
               <a:cs typeface="Segoe UI" panose="020B0502040204020203" pitchFamily="34" charset="0"/>
             </a:endParaRPr>
@@ -6832,7 +6846,7 @@
         </p:nvSpPr>
         <p:spPr bwMode="auto">
           <a:xfrm>
-            <a:off x="0" y="1517883"/>
+            <a:off x="0" y="1589891"/>
             <a:ext cx="12192000" cy="830997"/>
           </a:xfrm>
           <a:prstGeom prst="rect">
@@ -6908,7 +6922,7 @@
         </p:nvSpPr>
         <p:spPr bwMode="auto">
           <a:xfrm>
-            <a:off x="252966" y="2612674"/>
+            <a:off x="191344" y="2762499"/>
             <a:ext cx="3610786" cy="666501"/>
           </a:xfrm>
           <a:prstGeom prst="roundRect">
@@ -6923,7 +6937,7 @@
           <a:effectLst/>
         </p:spPr>
         <p:txBody>
-          <a:bodyPr wrap="square">
+          <a:bodyPr wrap="square" anchor="ctr">
             <a:noAutofit/>
           </a:bodyPr>
           <a:lstStyle/>
@@ -6936,21 +6950,21 @@
               <a:buNone/>
             </a:pPr>
             <a:r>
-              <a:rPr lang="en-GB" altLang="en-US" sz="3200" b="1" dirty="0">
+              <a:rPr lang="en-GB" altLang="en-US" sz="2800" b="1" dirty="0">
                 <a:latin typeface="Segoe UI" panose="020B0502040204020203" pitchFamily="34" charset="0"/>
                 <a:cs typeface="Segoe UI" panose="020B0502040204020203" pitchFamily="34" charset="0"/>
               </a:rPr>
               <a:t>BIBLE VERSE </a:t>
             </a:r>
             <a:r>
-              <a:rPr lang="zh-TW" altLang="en-US" sz="3200" b="1" dirty="0">
+              <a:rPr lang="zh-TW" altLang="en-US" sz="2800" b="1" dirty="0">
                 <a:latin typeface="Segoe UI" panose="020B0502040204020203" pitchFamily="34" charset="0"/>
                 <a:ea typeface="Microsoft JhengHei" panose="020B0604030504040204" pitchFamily="34" charset="-120"/>
                 <a:cs typeface="Segoe UI" panose="020B0502040204020203" pitchFamily="34" charset="0"/>
               </a:rPr>
               <a:t>經文</a:t>
             </a:r>
-            <a:endParaRPr lang="en-US" altLang="en-US" sz="3200" b="1" dirty="0">
+            <a:endParaRPr lang="en-US" altLang="en-US" sz="2800" b="1" dirty="0">
               <a:latin typeface="Segoe UI" panose="020B0502040204020203" pitchFamily="34" charset="0"/>
               <a:ea typeface="Microsoft JhengHei" panose="020B0604030504040204" pitchFamily="34" charset="-120"/>
               <a:cs typeface="Segoe UI" panose="020B0502040204020203" pitchFamily="34" charset="0"/>
@@ -8562,9 +8576,10 @@
             <a:avLst/>
           </a:prstGeom>
           <a:solidFill>
-            <a:srgbClr val="BFBFBF">
+            <a:schemeClr val="bg1">
+              <a:lumMod val="75000"/>
               <a:alpha val="50196"/>
-            </a:srgbClr>
+            </a:schemeClr>
           </a:solidFill>
           <a:ln>
             <a:noFill/>
@@ -8841,31 +8856,31 @@
           <a:p>
             <a:pPr algn="ctr"/>
             <a:r>
-              <a:rPr lang="en-GB" sz="3200" u="sng" dirty="0">
-                <a:latin typeface="Century Gothic" panose="020B0502020202020204" pitchFamily="34" charset="0"/>
+              <a:rPr lang="en-GB" sz="3200" b="1" u="sng" dirty="0">
+                <a:latin typeface="Segoe UI" panose="020B0502040204020203" pitchFamily="34" charset="0"/>
                 <a:cs typeface="Segoe UI" panose="020B0502040204020203" pitchFamily="34" charset="0"/>
               </a:rPr>
               <a:t>HYMNS</a:t>
             </a:r>
             <a:r>
-              <a:rPr lang="en-GB" sz="3200" u="sng" dirty="0">
-                <a:latin typeface="Microsoft JhengHei" panose="020B0604030504040204" pitchFamily="34" charset="-120"/>
+              <a:rPr lang="en-GB" sz="3200" b="1" u="sng" dirty="0">
+                <a:latin typeface="Segoe UI" panose="020B0502040204020203" pitchFamily="34" charset="0"/>
                 <a:ea typeface="Microsoft JhengHei" panose="020B0604030504040204" pitchFamily="34" charset="-120"/>
                 <a:cs typeface="Segoe UI" panose="020B0502040204020203" pitchFamily="34" charset="0"/>
               </a:rPr>
               <a:t> </a:t>
             </a:r>
             <a:r>
-              <a:rPr lang="ja-JP" altLang="en-US" sz="3200" u="sng" dirty="0">
-                <a:latin typeface="Microsoft JhengHei" panose="020B0604030504040204" pitchFamily="34" charset="-120"/>
+              <a:rPr lang="ja-JP" altLang="en-US" sz="3200" b="1" u="sng" dirty="0">
+                <a:latin typeface="Segoe UI" panose="020B0502040204020203" pitchFamily="34" charset="0"/>
                 <a:ea typeface="Microsoft JhengHei" panose="020B0604030504040204" pitchFamily="34" charset="-120"/>
                 <a:cs typeface="Segoe UI" panose="020B0502040204020203" pitchFamily="34" charset="0"/>
               </a:rPr>
               <a:t>詩</a:t>
             </a:r>
             <a:r>
-              <a:rPr lang="en-GB" sz="3200" u="sng" dirty="0">
-                <a:latin typeface="Century Gothic" panose="020B0502020202020204" pitchFamily="34" charset="0"/>
+              <a:rPr lang="en-GB" sz="3200" b="1" u="sng" dirty="0">
+                <a:latin typeface="Segoe UI" panose="020B0502040204020203" pitchFamily="34" charset="0"/>
                 <a:cs typeface="Segoe UI" panose="020B0502040204020203" pitchFamily="34" charset="0"/>
               </a:rPr>
               <a:t> </a:t>

--- a/TJCPowerPoint/bin/Debug/Files/ServiceWidescreen.pptx
+++ b/TJCPowerPoint/bin/Debug/Files/ServiceWidescreen.pptx
@@ -5938,8 +5938,8 @@
         </p:nvSpPr>
         <p:spPr bwMode="auto">
           <a:xfrm>
-            <a:off x="3930564" y="683404"/>
-            <a:ext cx="4330866" cy="338554"/>
+            <a:off x="3930564" y="652626"/>
+            <a:ext cx="4330866" cy="369332"/>
           </a:xfrm>
           <a:prstGeom prst="rect">
             <a:avLst/>
@@ -5990,7 +5990,7 @@
               </a:spcBef>
             </a:pPr>
             <a:r>
-              <a:rPr lang="en-US" altLang="zh-CN" sz="1600" dirty="0">
+              <a:rPr lang="en-US" altLang="zh-CN" dirty="0">
                 <a:latin typeface="Century Gothic" panose="020B0502020202020204" pitchFamily="34" charset="0"/>
                 <a:ea typeface="宋体" panose="02010600030101010101" pitchFamily="2" charset="-122"/>
               </a:rPr>
@@ -6494,7 +6494,7 @@
         <p:spPr bwMode="auto">
           <a:xfrm>
             <a:off x="252966" y="5877272"/>
-            <a:ext cx="4330866" cy="338554"/>
+            <a:ext cx="4330866" cy="369332"/>
           </a:xfrm>
           <a:prstGeom prst="rect">
             <a:avLst/>
@@ -6545,7 +6545,7 @@
               </a:spcBef>
             </a:pPr>
             <a:r>
-              <a:rPr lang="en-US" altLang="zh-CN" sz="1600" dirty="0">
+              <a:rPr lang="en-US" altLang="zh-CN" dirty="0">
                 <a:latin typeface="Century Gothic" panose="020B0502020202020204" pitchFamily="34" charset="0"/>
                 <a:ea typeface="宋体" panose="02010600030101010101" pitchFamily="2" charset="-122"/>
               </a:rPr>
@@ -6922,7 +6922,7 @@
         </p:nvSpPr>
         <p:spPr bwMode="auto">
           <a:xfrm>
-            <a:off x="191344" y="2762499"/>
+            <a:off x="234980" y="2793858"/>
             <a:ext cx="3610786" cy="666501"/>
           </a:xfrm>
           <a:prstGeom prst="roundRect">
@@ -6950,21 +6950,21 @@
               <a:buNone/>
             </a:pPr>
             <a:r>
-              <a:rPr lang="en-GB" altLang="en-US" sz="2800" b="1" dirty="0">
+              <a:rPr lang="en-GB" altLang="en-US" sz="2600" b="1" dirty="0">
                 <a:latin typeface="Segoe UI" panose="020B0502040204020203" pitchFamily="34" charset="0"/>
                 <a:cs typeface="Segoe UI" panose="020B0502040204020203" pitchFamily="34" charset="0"/>
               </a:rPr>
               <a:t>BIBLE VERSE </a:t>
             </a:r>
             <a:r>
-              <a:rPr lang="zh-TW" altLang="en-US" sz="2800" b="1" dirty="0">
+              <a:rPr lang="zh-TW" altLang="en-US" sz="2600" b="1" dirty="0">
                 <a:latin typeface="Segoe UI" panose="020B0502040204020203" pitchFamily="34" charset="0"/>
                 <a:ea typeface="Microsoft JhengHei" panose="020B0604030504040204" pitchFamily="34" charset="-120"/>
                 <a:cs typeface="Segoe UI" panose="020B0502040204020203" pitchFamily="34" charset="0"/>
               </a:rPr>
               <a:t>經文</a:t>
             </a:r>
-            <a:endParaRPr lang="en-US" altLang="en-US" sz="2800" b="1" dirty="0">
+            <a:endParaRPr lang="en-US" altLang="en-US" sz="2600" b="1" dirty="0">
               <a:latin typeface="Segoe UI" panose="020B0502040204020203" pitchFamily="34" charset="0"/>
               <a:ea typeface="Microsoft JhengHei" panose="020B0604030504040204" pitchFamily="34" charset="-120"/>
               <a:cs typeface="Segoe UI" panose="020B0502040204020203" pitchFamily="34" charset="0"/>
@@ -7034,7 +7034,7 @@
               </a:spcBef>
             </a:pPr>
             <a:r>
-              <a:rPr lang="en-US" altLang="en-US" sz="5600" dirty="0">
+              <a:rPr lang="en-US" altLang="en-US" sz="5400" dirty="0">
                 <a:latin typeface="Century Gothic" panose="020B0502020202020204" pitchFamily="34" charset="0"/>
               </a:rPr>
               <a:t>English Book</a:t>
@@ -7104,7 +7104,7 @@
               </a:spcBef>
             </a:pPr>
             <a:r>
-              <a:rPr lang="en-US" altLang="en-US" sz="5600" dirty="0">
+              <a:rPr lang="en-US" altLang="en-US" sz="5400" dirty="0">
                 <a:solidFill>
                   <a:schemeClr val="accent1">
                     <a:lumMod val="50000"/>
@@ -7180,7 +7180,7 @@
               </a:spcBef>
             </a:pPr>
             <a:r>
-              <a:rPr lang="en-US" altLang="zh-CN" sz="6600" dirty="0">
+              <a:rPr lang="en-US" altLang="zh-CN" sz="6400" dirty="0">
                 <a:latin typeface="Century Gothic" panose="020B0502020202020204" pitchFamily="34" charset="0"/>
                 <a:ea typeface="宋体" panose="02010600030101010101" pitchFamily="2" charset="-122"/>
               </a:rPr>
@@ -7206,7 +7206,7 @@
         <p:spPr bwMode="auto">
           <a:xfrm>
             <a:off x="252966" y="5877272"/>
-            <a:ext cx="4330866" cy="338554"/>
+            <a:ext cx="4330866" cy="369332"/>
           </a:xfrm>
           <a:prstGeom prst="rect">
             <a:avLst/>
@@ -7257,7 +7257,7 @@
               </a:spcBef>
             </a:pPr>
             <a:r>
-              <a:rPr lang="en-US" altLang="zh-CN" sz="1600" dirty="0">
+              <a:rPr lang="en-US" altLang="zh-CN" dirty="0">
                 <a:latin typeface="Century Gothic" panose="020B0502020202020204" pitchFamily="34" charset="0"/>
                 <a:ea typeface="宋体" panose="02010600030101010101" pitchFamily="2" charset="-122"/>
               </a:rPr>

--- a/TJCPowerPoint/bin/Debug/Files/ServiceWidescreen.pptx
+++ b/TJCPowerPoint/bin/Debug/Files/ServiceWidescreen.pptx
@@ -4440,9 +4440,7 @@
               <a:schemeClr val="bg1"/>
             </a:gs>
             <a:gs pos="100000">
-              <a:srgbClr val="DFE4EF">
-                <a:alpha val="50000"/>
-              </a:srgbClr>
+              <a:srgbClr val="DFE4EF"/>
             </a:gs>
           </a:gsLst>
           <a:lin ang="5400000" scaled="1"/>

--- a/TJCPowerPoint/bin/Debug/Files/ServiceWidescreen.pptx
+++ b/TJCPowerPoint/bin/Debug/Files/ServiceWidescreen.pptx
@@ -4439,8 +4439,10 @@
             <a:gs pos="0">
               <a:schemeClr val="bg1"/>
             </a:gs>
-            <a:gs pos="100000">
-              <a:srgbClr val="DFE4EF"/>
+            <a:gs pos="95000">
+              <a:srgbClr val="DFE4EF">
+                <a:lumMod val="93000"/>
+              </a:srgbClr>
             </a:gs>
           </a:gsLst>
           <a:lin ang="5400000" scaled="1"/>
@@ -5080,7 +5082,7 @@
                 <a:cs typeface="Segoe UI" panose="020B0502040204020203" pitchFamily="34" charset="0"/>
               </a:rPr>
               <a:pPr algn="ctr"/>
-              <a:t>Thursday, January 19, 2023</a:t>
+              <a:t>Friday, January 20, 2023</a:t>
             </a:fld>
             <a:endParaRPr lang="en-US" altLang="en-US" sz="5400" b="1" dirty="0">
               <a:solidFill>

--- a/TJCPowerPoint/bin/Debug/Files/ServiceWidescreen.pptx
+++ b/TJCPowerPoint/bin/Debug/Files/ServiceWidescreen.pptx
@@ -4434,20 +4434,9 @@
   <p:cSld>
     <p:bg>
       <p:bgPr>
-        <a:gradFill flip="none" rotWithShape="1">
-          <a:gsLst>
-            <a:gs pos="0">
-              <a:schemeClr val="bg1"/>
-            </a:gs>
-            <a:gs pos="95000">
-              <a:srgbClr val="DFE4EF">
-                <a:lumMod val="93000"/>
-              </a:srgbClr>
-            </a:gs>
-          </a:gsLst>
-          <a:lin ang="5400000" scaled="1"/>
-          <a:tileRect/>
-        </a:gradFill>
+        <a:solidFill>
+          <a:srgbClr val="DFE4EF"/>
+        </a:solidFill>
         <a:effectLst/>
       </p:bgPr>
     </p:bg>
@@ -5082,7 +5071,7 @@
                 <a:cs typeface="Segoe UI" panose="020B0502040204020203" pitchFamily="34" charset="0"/>
               </a:rPr>
               <a:pPr algn="ctr"/>
-              <a:t>Friday, January 20, 2023</a:t>
+              <a:t>Sunday, January 22, 2023</a:t>
             </a:fld>
             <a:endParaRPr lang="en-US" altLang="en-US" sz="5400" b="1" dirty="0">
               <a:solidFill>
@@ -5668,135 +5657,6 @@
       </p:sp>
       <p:grpSp>
         <p:nvGrpSpPr>
-          <p:cNvPr id="2" name="Group 1">
-            <a:extLst>
-              <a:ext uri="{FF2B5EF4-FFF2-40B4-BE49-F238E27FC236}">
-                <a16:creationId xmlns:a16="http://schemas.microsoft.com/office/drawing/2014/main" id="{CDA21167-098A-9040-28D3-29D5E6636198}"/>
-              </a:ext>
-            </a:extLst>
-          </p:cNvPr>
-          <p:cNvGrpSpPr/>
-          <p:nvPr/>
-        </p:nvGrpSpPr>
-        <p:grpSpPr>
-          <a:xfrm>
-            <a:off x="6744072" y="6335420"/>
-            <a:ext cx="5337952" cy="346472"/>
-            <a:chOff x="4943872" y="6231733"/>
-            <a:chExt cx="7030907" cy="444368"/>
-          </a:xfrm>
-        </p:grpSpPr>
-        <p:sp>
-          <p:nvSpPr>
-            <p:cNvPr id="3" name="TextBox 2">
-              <a:extLst>
-                <a:ext uri="{FF2B5EF4-FFF2-40B4-BE49-F238E27FC236}">
-                  <a16:creationId xmlns:a16="http://schemas.microsoft.com/office/drawing/2014/main" id="{0790F6C1-39D9-8891-FFA1-90548FCF8757}"/>
-                </a:ext>
-              </a:extLst>
-            </p:cNvPr>
-            <p:cNvSpPr txBox="1"/>
-            <p:nvPr/>
-          </p:nvSpPr>
-          <p:spPr>
-            <a:xfrm>
-              <a:off x="4943872" y="6231733"/>
-              <a:ext cx="7030907" cy="444368"/>
-            </a:xfrm>
-            <a:prstGeom prst="roundRect">
-              <a:avLst>
-                <a:gd name="adj" fmla="val 20010"/>
-              </a:avLst>
-            </a:prstGeom>
-            <a:noFill/>
-            <a:ln w="19050">
-              <a:solidFill>
-                <a:srgbClr val="FF0000"/>
-              </a:solidFill>
-            </a:ln>
-          </p:spPr>
-          <p:txBody>
-            <a:bodyPr wrap="square" rtlCol="0" anchor="ctr">
-              <a:spAutoFit/>
-            </a:bodyPr>
-            <a:lstStyle/>
-            <a:p>
-              <a:r>
-                <a:rPr lang="en-GB" sz="1400" b="1" dirty="0">
-                  <a:latin typeface="Source Sans Pro" panose="020B0503030403020204" pitchFamily="34" charset="0"/>
-                  <a:ea typeface="Source Sans Pro" panose="020B0503030403020204" pitchFamily="34" charset="0"/>
-                  <a:cs typeface="Segoe UI Semibold" panose="020B0702040204020203" pitchFamily="34" charset="0"/>
-                </a:rPr>
-                <a:t>Please Turn Off/Silence Your Devices </a:t>
-              </a:r>
-              <a:r>
-                <a:rPr lang="zh-TW" altLang="en-US" sz="1400" b="1" dirty="0">
-                  <a:latin typeface="Source Sans Pro" panose="020B0503030403020204" pitchFamily="34" charset="0"/>
-                  <a:ea typeface="Microsoft JhengHei" panose="020B0604030504040204" pitchFamily="34" charset="-120"/>
-                </a:rPr>
-                <a:t>請靜音或關閉所有電子設備</a:t>
-              </a:r>
-              <a:endParaRPr lang="ja-JP" altLang="en-US" sz="1400" b="1" dirty="0">
-                <a:latin typeface="Source Sans Pro" panose="020B0503030403020204" pitchFamily="34" charset="0"/>
-                <a:ea typeface="Microsoft JhengHei" panose="020B0604030504040204" pitchFamily="34" charset="-120"/>
-              </a:endParaRPr>
-            </a:p>
-          </p:txBody>
-        </p:sp>
-        <p:pic>
-          <p:nvPicPr>
-            <p:cNvPr id="4" name="Picture 3" descr="Shape&#10;&#10;Description automatically generated with low confidence">
-              <a:extLst>
-                <a:ext uri="{FF2B5EF4-FFF2-40B4-BE49-F238E27FC236}">
-                  <a16:creationId xmlns:a16="http://schemas.microsoft.com/office/drawing/2014/main" id="{45CB1242-3B09-A576-316B-A11BB94B74E1}"/>
-                </a:ext>
-              </a:extLst>
-            </p:cNvPr>
-            <p:cNvPicPr>
-              <a:picLocks noChangeAspect="1"/>
-            </p:cNvPicPr>
-            <p:nvPr/>
-          </p:nvPicPr>
-          <p:blipFill>
-            <a:blip r:embed="rId3" cstate="print">
-              <a:extLst>
-                <a:ext uri="{BEBA8EAE-BF5A-486C-A8C5-ECC9F3942E4B}">
-                  <a14:imgProps xmlns:a14="http://schemas.microsoft.com/office/drawing/2010/main">
-                    <a14:imgLayer r:embed="rId4">
-                      <a14:imgEffect>
-                        <a14:colorTemperature colorTemp="11500"/>
-                      </a14:imgEffect>
-                      <a14:imgEffect>
-                        <a14:saturation sat="400000"/>
-                      </a14:imgEffect>
-                      <a14:imgEffect>
-                        <a14:brightnessContrast bright="-40000" contrast="-40000"/>
-                      </a14:imgEffect>
-                    </a14:imgLayer>
-                  </a14:imgProps>
-                </a:ext>
-                <a:ext uri="{28A0092B-C50C-407E-A947-70E740481C1C}">
-                  <a14:useLocalDpi xmlns:a14="http://schemas.microsoft.com/office/drawing/2010/main" val="0"/>
-                </a:ext>
-              </a:extLst>
-            </a:blip>
-            <a:stretch>
-              <a:fillRect/>
-            </a:stretch>
-          </p:blipFill>
-          <p:spPr>
-            <a:xfrm>
-              <a:off x="11658489" y="6309320"/>
-              <a:ext cx="280267" cy="280267"/>
-            </a:xfrm>
-            <a:prstGeom prst="rect">
-              <a:avLst/>
-            </a:prstGeom>
-          </p:spPr>
-        </p:pic>
-      </p:grpSp>
-      <p:grpSp>
-        <p:nvGrpSpPr>
           <p:cNvPr id="6" name="Group 5">
             <a:extLst>
               <a:ext uri="{FF2B5EF4-FFF2-40B4-BE49-F238E27FC236}">
@@ -5830,7 +5690,7 @@
             <p:nvPr/>
           </p:nvPicPr>
           <p:blipFill>
-            <a:blip r:embed="rId5" cstate="print">
+            <a:blip r:embed="rId3" cstate="print">
               <a:biLevel thresh="75000"/>
               <a:extLst>
                 <a:ext uri="{28A0092B-C50C-407E-A947-70E740481C1C}">
@@ -5867,7 +5727,7 @@
             <p:nvPr/>
           </p:nvPicPr>
           <p:blipFill rotWithShape="1">
-            <a:blip r:embed="rId6" cstate="print">
+            <a:blip r:embed="rId4" cstate="print">
               <a:biLevel thresh="75000"/>
               <a:extLst>
                 <a:ext uri="{28A0092B-C50C-407E-A947-70E740481C1C}">
@@ -5882,6 +5742,135 @@
             <a:xfrm>
               <a:off x="6745384" y="4609005"/>
               <a:ext cx="3595842" cy="841456"/>
+            </a:xfrm>
+            <a:prstGeom prst="rect">
+              <a:avLst/>
+            </a:prstGeom>
+          </p:spPr>
+        </p:pic>
+      </p:grpSp>
+      <p:grpSp>
+        <p:nvGrpSpPr>
+          <p:cNvPr id="12" name="Group 11">
+            <a:extLst>
+              <a:ext uri="{FF2B5EF4-FFF2-40B4-BE49-F238E27FC236}">
+                <a16:creationId xmlns:a16="http://schemas.microsoft.com/office/drawing/2014/main" id="{1BA6BC62-6F78-C802-AA56-E6AE52E2D600}"/>
+              </a:ext>
+            </a:extLst>
+          </p:cNvPr>
+          <p:cNvGrpSpPr/>
+          <p:nvPr/>
+        </p:nvGrpSpPr>
+        <p:grpSpPr>
+          <a:xfrm>
+            <a:off x="5951984" y="6318094"/>
+            <a:ext cx="6130040" cy="381119"/>
+            <a:chOff x="3900570" y="6209512"/>
+            <a:chExt cx="8074208" cy="488804"/>
+          </a:xfrm>
+        </p:grpSpPr>
+        <p:sp>
+          <p:nvSpPr>
+            <p:cNvPr id="13" name="TextBox 12">
+              <a:extLst>
+                <a:ext uri="{FF2B5EF4-FFF2-40B4-BE49-F238E27FC236}">
+                  <a16:creationId xmlns:a16="http://schemas.microsoft.com/office/drawing/2014/main" id="{FCA5E6AC-05AA-9E2C-D56D-CB9F9AB12C50}"/>
+                </a:ext>
+              </a:extLst>
+            </p:cNvPr>
+            <p:cNvSpPr txBox="1"/>
+            <p:nvPr/>
+          </p:nvSpPr>
+          <p:spPr>
+            <a:xfrm>
+              <a:off x="3900570" y="6209512"/>
+              <a:ext cx="8074208" cy="488804"/>
+            </a:xfrm>
+            <a:prstGeom prst="roundRect">
+              <a:avLst>
+                <a:gd name="adj" fmla="val 20010"/>
+              </a:avLst>
+            </a:prstGeom>
+            <a:noFill/>
+            <a:ln w="19050">
+              <a:solidFill>
+                <a:srgbClr val="FF0000"/>
+              </a:solidFill>
+            </a:ln>
+          </p:spPr>
+          <p:txBody>
+            <a:bodyPr wrap="square" rtlCol="0" anchor="ctr">
+              <a:spAutoFit/>
+            </a:bodyPr>
+            <a:lstStyle/>
+            <a:p>
+              <a:r>
+                <a:rPr lang="en-GB" sz="1600" b="1" dirty="0">
+                  <a:latin typeface="Source Sans Pro" panose="020B0503030403020204" pitchFamily="34" charset="0"/>
+                  <a:ea typeface="Source Sans Pro" panose="020B0503030403020204" pitchFamily="34" charset="0"/>
+                  <a:cs typeface="Segoe UI Semibold" panose="020B0702040204020203" pitchFamily="34" charset="0"/>
+                </a:rPr>
+                <a:t>Please Turn Off/Silence Your Devices </a:t>
+              </a:r>
+              <a:r>
+                <a:rPr lang="zh-TW" altLang="en-US" sz="1600" b="1" dirty="0">
+                  <a:latin typeface="Source Sans Pro" panose="020B0503030403020204" pitchFamily="34" charset="0"/>
+                  <a:ea typeface="Microsoft JhengHei" panose="020B0604030504040204" pitchFamily="34" charset="-120"/>
+                </a:rPr>
+                <a:t>請靜音或關閉所有電子設備</a:t>
+              </a:r>
+              <a:endParaRPr lang="ja-JP" altLang="en-US" sz="1600" b="1" dirty="0">
+                <a:latin typeface="Source Sans Pro" panose="020B0503030403020204" pitchFamily="34" charset="0"/>
+                <a:ea typeface="Microsoft JhengHei" panose="020B0604030504040204" pitchFamily="34" charset="-120"/>
+              </a:endParaRPr>
+            </a:p>
+          </p:txBody>
+        </p:sp>
+        <p:pic>
+          <p:nvPicPr>
+            <p:cNvPr id="14" name="Picture 13" descr="Shape&#10;&#10;Description automatically generated with low confidence">
+              <a:extLst>
+                <a:ext uri="{FF2B5EF4-FFF2-40B4-BE49-F238E27FC236}">
+                  <a16:creationId xmlns:a16="http://schemas.microsoft.com/office/drawing/2014/main" id="{6332E253-2426-9EEA-8968-F1F3F92FC20F}"/>
+                </a:ext>
+              </a:extLst>
+            </p:cNvPr>
+            <p:cNvPicPr>
+              <a:picLocks noChangeAspect="1"/>
+            </p:cNvPicPr>
+            <p:nvPr/>
+          </p:nvPicPr>
+          <p:blipFill>
+            <a:blip r:embed="rId5" cstate="print">
+              <a:extLst>
+                <a:ext uri="{BEBA8EAE-BF5A-486C-A8C5-ECC9F3942E4B}">
+                  <a14:imgProps xmlns:a14="http://schemas.microsoft.com/office/drawing/2010/main">
+                    <a14:imgLayer r:embed="rId6">
+                      <a14:imgEffect>
+                        <a14:colorTemperature colorTemp="11500"/>
+                      </a14:imgEffect>
+                      <a14:imgEffect>
+                        <a14:saturation sat="400000"/>
+                      </a14:imgEffect>
+                      <a14:imgEffect>
+                        <a14:brightnessContrast bright="-40000" contrast="-40000"/>
+                      </a14:imgEffect>
+                    </a14:imgLayer>
+                  </a14:imgProps>
+                </a:ext>
+                <a:ext uri="{28A0092B-C50C-407E-A947-70E740481C1C}">
+                  <a14:useLocalDpi xmlns:a14="http://schemas.microsoft.com/office/drawing/2010/main" val="0"/>
+                </a:ext>
+              </a:extLst>
+            </a:blip>
+            <a:stretch>
+              <a:fillRect/>
+            </a:stretch>
+          </p:blipFill>
+          <p:spPr>
+            <a:xfrm>
+              <a:off x="11583067" y="6279910"/>
+              <a:ext cx="348008" cy="348008"/>
             </a:xfrm>
             <a:prstGeom prst="rect">
               <a:avLst/>
@@ -6158,10 +6147,10 @@
         </p:nvGrpSpPr>
         <p:grpSpPr>
           <a:xfrm>
-            <a:off x="6744072" y="6335420"/>
-            <a:ext cx="5337952" cy="346472"/>
-            <a:chOff x="4943872" y="6231733"/>
-            <a:chExt cx="7030907" cy="444368"/>
+            <a:off x="5951984" y="6318094"/>
+            <a:ext cx="6130040" cy="381119"/>
+            <a:chOff x="3900570" y="6209512"/>
+            <a:chExt cx="8074208" cy="488804"/>
           </a:xfrm>
         </p:grpSpPr>
         <p:sp>
@@ -6178,8 +6167,8 @@
           </p:nvSpPr>
           <p:spPr>
             <a:xfrm>
-              <a:off x="4943872" y="6231733"/>
-              <a:ext cx="7030907" cy="444368"/>
+              <a:off x="3900570" y="6209512"/>
+              <a:ext cx="8074208" cy="488804"/>
             </a:xfrm>
             <a:prstGeom prst="roundRect">
               <a:avLst>
@@ -6200,7 +6189,7 @@
             <a:lstStyle/>
             <a:p>
               <a:r>
-                <a:rPr lang="en-GB" sz="1400" b="1" dirty="0">
+                <a:rPr lang="en-GB" sz="1600" b="1" dirty="0">
                   <a:latin typeface="Source Sans Pro" panose="020B0503030403020204" pitchFamily="34" charset="0"/>
                   <a:ea typeface="Source Sans Pro" panose="020B0503030403020204" pitchFamily="34" charset="0"/>
                   <a:cs typeface="Segoe UI Semibold" panose="020B0702040204020203" pitchFamily="34" charset="0"/>
@@ -6208,13 +6197,13 @@
                 <a:t>Please Turn Off/Silence Your Devices </a:t>
               </a:r>
               <a:r>
-                <a:rPr lang="zh-TW" altLang="en-US" sz="1400" b="1" dirty="0">
+                <a:rPr lang="zh-TW" altLang="en-US" sz="1600" b="1" dirty="0">
                   <a:latin typeface="Source Sans Pro" panose="020B0503030403020204" pitchFamily="34" charset="0"/>
                   <a:ea typeface="Microsoft JhengHei" panose="020B0604030504040204" pitchFamily="34" charset="-120"/>
                 </a:rPr>
                 <a:t>請靜音或關閉所有電子設備</a:t>
               </a:r>
-              <a:endParaRPr lang="ja-JP" altLang="en-US" sz="1400" b="1" dirty="0">
+              <a:endParaRPr lang="ja-JP" altLang="en-US" sz="1600" b="1" dirty="0">
                 <a:latin typeface="Source Sans Pro" panose="020B0503030403020204" pitchFamily="34" charset="0"/>
                 <a:ea typeface="Microsoft JhengHei" panose="020B0604030504040204" pitchFamily="34" charset="-120"/>
               </a:endParaRPr>
@@ -6264,8 +6253,8 @@
           </p:blipFill>
           <p:spPr>
             <a:xfrm>
-              <a:off x="11658489" y="6309320"/>
-              <a:ext cx="280267" cy="280267"/>
+              <a:off x="11583067" y="6279910"/>
+              <a:ext cx="348008" cy="348008"/>
             </a:xfrm>
             <a:prstGeom prst="rect">
               <a:avLst/>
@@ -6621,7 +6610,7 @@
         </p:nvSpPr>
         <p:spPr bwMode="auto">
           <a:xfrm>
-            <a:off x="1519747" y="2780928"/>
+            <a:off x="1519747" y="2412740"/>
             <a:ext cx="9144000" cy="584775"/>
           </a:xfrm>
           <a:prstGeom prst="rect">
@@ -6681,7 +6670,7 @@
         </p:nvSpPr>
         <p:spPr bwMode="auto">
           <a:xfrm>
-            <a:off x="1530570" y="3544560"/>
+            <a:off x="1519747" y="3140968"/>
             <a:ext cx="9137431" cy="830997"/>
           </a:xfrm>
           <a:prstGeom prst="rect">
@@ -6823,135 +6812,6 @@
       </p:sp>
       <p:grpSp>
         <p:nvGrpSpPr>
-          <p:cNvPr id="9" name="Group 8">
-            <a:extLst>
-              <a:ext uri="{FF2B5EF4-FFF2-40B4-BE49-F238E27FC236}">
-                <a16:creationId xmlns:a16="http://schemas.microsoft.com/office/drawing/2014/main" id="{3AC90EAB-3AE3-8F61-0DE3-5DED10278E6D}"/>
-              </a:ext>
-            </a:extLst>
-          </p:cNvPr>
-          <p:cNvGrpSpPr/>
-          <p:nvPr/>
-        </p:nvGrpSpPr>
-        <p:grpSpPr>
-          <a:xfrm>
-            <a:off x="6744072" y="6335420"/>
-            <a:ext cx="5337952" cy="346472"/>
-            <a:chOff x="4943872" y="6231733"/>
-            <a:chExt cx="7030907" cy="444368"/>
-          </a:xfrm>
-        </p:grpSpPr>
-        <p:sp>
-          <p:nvSpPr>
-            <p:cNvPr id="10" name="TextBox 9">
-              <a:extLst>
-                <a:ext uri="{FF2B5EF4-FFF2-40B4-BE49-F238E27FC236}">
-                  <a16:creationId xmlns:a16="http://schemas.microsoft.com/office/drawing/2014/main" id="{AACE4DFA-3ED5-6D38-E84C-99B529CAE267}"/>
-                </a:ext>
-              </a:extLst>
-            </p:cNvPr>
-            <p:cNvSpPr txBox="1"/>
-            <p:nvPr/>
-          </p:nvSpPr>
-          <p:spPr>
-            <a:xfrm>
-              <a:off x="4943872" y="6231733"/>
-              <a:ext cx="7030907" cy="444368"/>
-            </a:xfrm>
-            <a:prstGeom prst="roundRect">
-              <a:avLst>
-                <a:gd name="adj" fmla="val 20010"/>
-              </a:avLst>
-            </a:prstGeom>
-            <a:noFill/>
-            <a:ln w="19050">
-              <a:solidFill>
-                <a:srgbClr val="FF0000"/>
-              </a:solidFill>
-            </a:ln>
-          </p:spPr>
-          <p:txBody>
-            <a:bodyPr wrap="square" rtlCol="0" anchor="ctr">
-              <a:spAutoFit/>
-            </a:bodyPr>
-            <a:lstStyle/>
-            <a:p>
-              <a:r>
-                <a:rPr lang="en-GB" sz="1400" b="1" dirty="0">
-                  <a:latin typeface="Source Sans Pro" panose="020B0503030403020204" pitchFamily="34" charset="0"/>
-                  <a:ea typeface="Source Sans Pro" panose="020B0503030403020204" pitchFamily="34" charset="0"/>
-                  <a:cs typeface="Segoe UI Semibold" panose="020B0702040204020203" pitchFamily="34" charset="0"/>
-                </a:rPr>
-                <a:t>Please Turn Off/Silence Your Devices </a:t>
-              </a:r>
-              <a:r>
-                <a:rPr lang="zh-TW" altLang="en-US" sz="1400" b="1" dirty="0">
-                  <a:latin typeface="Source Sans Pro" panose="020B0503030403020204" pitchFamily="34" charset="0"/>
-                  <a:ea typeface="Microsoft JhengHei" panose="020B0604030504040204" pitchFamily="34" charset="-120"/>
-                </a:rPr>
-                <a:t>請靜音或關閉所有電子設備</a:t>
-              </a:r>
-              <a:endParaRPr lang="ja-JP" altLang="en-US" sz="1400" b="1" dirty="0">
-                <a:latin typeface="Source Sans Pro" panose="020B0503030403020204" pitchFamily="34" charset="0"/>
-                <a:ea typeface="Microsoft JhengHei" panose="020B0604030504040204" pitchFamily="34" charset="-120"/>
-              </a:endParaRPr>
-            </a:p>
-          </p:txBody>
-        </p:sp>
-        <p:pic>
-          <p:nvPicPr>
-            <p:cNvPr id="11" name="Picture 10" descr="Shape&#10;&#10;Description automatically generated with low confidence">
-              <a:extLst>
-                <a:ext uri="{FF2B5EF4-FFF2-40B4-BE49-F238E27FC236}">
-                  <a16:creationId xmlns:a16="http://schemas.microsoft.com/office/drawing/2014/main" id="{E7439301-21C0-AB65-D00F-E94A396B95E5}"/>
-                </a:ext>
-              </a:extLst>
-            </p:cNvPr>
-            <p:cNvPicPr>
-              <a:picLocks noChangeAspect="1"/>
-            </p:cNvPicPr>
-            <p:nvPr/>
-          </p:nvPicPr>
-          <p:blipFill>
-            <a:blip r:embed="rId3" cstate="print">
-              <a:extLst>
-                <a:ext uri="{BEBA8EAE-BF5A-486C-A8C5-ECC9F3942E4B}">
-                  <a14:imgProps xmlns:a14="http://schemas.microsoft.com/office/drawing/2010/main">
-                    <a14:imgLayer r:embed="rId4">
-                      <a14:imgEffect>
-                        <a14:colorTemperature colorTemp="11500"/>
-                      </a14:imgEffect>
-                      <a14:imgEffect>
-                        <a14:saturation sat="400000"/>
-                      </a14:imgEffect>
-                      <a14:imgEffect>
-                        <a14:brightnessContrast bright="-40000" contrast="-40000"/>
-                      </a14:imgEffect>
-                    </a14:imgLayer>
-                  </a14:imgProps>
-                </a:ext>
-                <a:ext uri="{28A0092B-C50C-407E-A947-70E740481C1C}">
-                  <a14:useLocalDpi xmlns:a14="http://schemas.microsoft.com/office/drawing/2010/main" val="0"/>
-                </a:ext>
-              </a:extLst>
-            </a:blip>
-            <a:stretch>
-              <a:fillRect/>
-            </a:stretch>
-          </p:blipFill>
-          <p:spPr>
-            <a:xfrm>
-              <a:off x="11658489" y="6309320"/>
-              <a:ext cx="280267" cy="280267"/>
-            </a:xfrm>
-            <a:prstGeom prst="rect">
-              <a:avLst/>
-            </a:prstGeom>
-          </p:spPr>
-        </p:pic>
-      </p:grpSp>
-      <p:grpSp>
-        <p:nvGrpSpPr>
           <p:cNvPr id="12" name="Group 11">
             <a:extLst>
               <a:ext uri="{FF2B5EF4-FFF2-40B4-BE49-F238E27FC236}">
@@ -6985,7 +6845,7 @@
             <p:nvPr/>
           </p:nvPicPr>
           <p:blipFill>
-            <a:blip r:embed="rId5" cstate="print">
+            <a:blip r:embed="rId3" cstate="print">
               <a:biLevel thresh="75000"/>
               <a:extLst>
                 <a:ext uri="{28A0092B-C50C-407E-A947-70E740481C1C}">
@@ -7022,7 +6882,7 @@
             <p:nvPr/>
           </p:nvPicPr>
           <p:blipFill rotWithShape="1">
-            <a:blip r:embed="rId6" cstate="print">
+            <a:blip r:embed="rId4" cstate="print">
               <a:biLevel thresh="75000"/>
               <a:extLst>
                 <a:ext uri="{28A0092B-C50C-407E-A947-70E740481C1C}">
@@ -7037,6 +6897,135 @@
             <a:xfrm>
               <a:off x="6745384" y="4609005"/>
               <a:ext cx="3595842" cy="841456"/>
+            </a:xfrm>
+            <a:prstGeom prst="rect">
+              <a:avLst/>
+            </a:prstGeom>
+          </p:spPr>
+        </p:pic>
+      </p:grpSp>
+      <p:grpSp>
+        <p:nvGrpSpPr>
+          <p:cNvPr id="4" name="Group 3">
+            <a:extLst>
+              <a:ext uri="{FF2B5EF4-FFF2-40B4-BE49-F238E27FC236}">
+                <a16:creationId xmlns:a16="http://schemas.microsoft.com/office/drawing/2014/main" id="{17FDF6B0-AED5-8AD6-3A96-68D07DD91030}"/>
+              </a:ext>
+            </a:extLst>
+          </p:cNvPr>
+          <p:cNvGrpSpPr/>
+          <p:nvPr/>
+        </p:nvGrpSpPr>
+        <p:grpSpPr>
+          <a:xfrm>
+            <a:off x="5951984" y="6318094"/>
+            <a:ext cx="6130040" cy="381119"/>
+            <a:chOff x="3900570" y="6209512"/>
+            <a:chExt cx="8074208" cy="488804"/>
+          </a:xfrm>
+        </p:grpSpPr>
+        <p:sp>
+          <p:nvSpPr>
+            <p:cNvPr id="5" name="TextBox 4">
+              <a:extLst>
+                <a:ext uri="{FF2B5EF4-FFF2-40B4-BE49-F238E27FC236}">
+                  <a16:creationId xmlns:a16="http://schemas.microsoft.com/office/drawing/2014/main" id="{834E9ADC-F8FF-E7F4-9C09-314716E5FCC3}"/>
+                </a:ext>
+              </a:extLst>
+            </p:cNvPr>
+            <p:cNvSpPr txBox="1"/>
+            <p:nvPr/>
+          </p:nvSpPr>
+          <p:spPr>
+            <a:xfrm>
+              <a:off x="3900570" y="6209512"/>
+              <a:ext cx="8074208" cy="488804"/>
+            </a:xfrm>
+            <a:prstGeom prst="roundRect">
+              <a:avLst>
+                <a:gd name="adj" fmla="val 20010"/>
+              </a:avLst>
+            </a:prstGeom>
+            <a:noFill/>
+            <a:ln w="19050">
+              <a:solidFill>
+                <a:srgbClr val="FF0000"/>
+              </a:solidFill>
+            </a:ln>
+          </p:spPr>
+          <p:txBody>
+            <a:bodyPr wrap="square" rtlCol="0" anchor="ctr">
+              <a:spAutoFit/>
+            </a:bodyPr>
+            <a:lstStyle/>
+            <a:p>
+              <a:r>
+                <a:rPr lang="en-GB" sz="1600" b="1" dirty="0">
+                  <a:latin typeface="Source Sans Pro" panose="020B0503030403020204" pitchFamily="34" charset="0"/>
+                  <a:ea typeface="Source Sans Pro" panose="020B0503030403020204" pitchFamily="34" charset="0"/>
+                  <a:cs typeface="Segoe UI Semibold" panose="020B0702040204020203" pitchFamily="34" charset="0"/>
+                </a:rPr>
+                <a:t>Please Turn Off/Silence Your Devices </a:t>
+              </a:r>
+              <a:r>
+                <a:rPr lang="zh-TW" altLang="en-US" sz="1600" b="1" dirty="0">
+                  <a:latin typeface="Source Sans Pro" panose="020B0503030403020204" pitchFamily="34" charset="0"/>
+                  <a:ea typeface="Microsoft JhengHei" panose="020B0604030504040204" pitchFamily="34" charset="-120"/>
+                </a:rPr>
+                <a:t>請靜音或關閉所有電子設備</a:t>
+              </a:r>
+              <a:endParaRPr lang="ja-JP" altLang="en-US" sz="1600" b="1" dirty="0">
+                <a:latin typeface="Source Sans Pro" panose="020B0503030403020204" pitchFamily="34" charset="0"/>
+                <a:ea typeface="Microsoft JhengHei" panose="020B0604030504040204" pitchFamily="34" charset="-120"/>
+              </a:endParaRPr>
+            </a:p>
+          </p:txBody>
+        </p:sp>
+        <p:pic>
+          <p:nvPicPr>
+            <p:cNvPr id="6" name="Picture 5" descr="Shape&#10;&#10;Description automatically generated with low confidence">
+              <a:extLst>
+                <a:ext uri="{FF2B5EF4-FFF2-40B4-BE49-F238E27FC236}">
+                  <a16:creationId xmlns:a16="http://schemas.microsoft.com/office/drawing/2014/main" id="{ECB84A56-E5B7-DB3B-25F6-4B70CF33C6EA}"/>
+                </a:ext>
+              </a:extLst>
+            </p:cNvPr>
+            <p:cNvPicPr>
+              <a:picLocks noChangeAspect="1"/>
+            </p:cNvPicPr>
+            <p:nvPr/>
+          </p:nvPicPr>
+          <p:blipFill>
+            <a:blip r:embed="rId5" cstate="print">
+              <a:extLst>
+                <a:ext uri="{BEBA8EAE-BF5A-486C-A8C5-ECC9F3942E4B}">
+                  <a14:imgProps xmlns:a14="http://schemas.microsoft.com/office/drawing/2010/main">
+                    <a14:imgLayer r:embed="rId6">
+                      <a14:imgEffect>
+                        <a14:colorTemperature colorTemp="11500"/>
+                      </a14:imgEffect>
+                      <a14:imgEffect>
+                        <a14:saturation sat="400000"/>
+                      </a14:imgEffect>
+                      <a14:imgEffect>
+                        <a14:brightnessContrast bright="-40000" contrast="-40000"/>
+                      </a14:imgEffect>
+                    </a14:imgLayer>
+                  </a14:imgProps>
+                </a:ext>
+                <a:ext uri="{28A0092B-C50C-407E-A947-70E740481C1C}">
+                  <a14:useLocalDpi xmlns:a14="http://schemas.microsoft.com/office/drawing/2010/main" val="0"/>
+                </a:ext>
+              </a:extLst>
+            </a:blip>
+            <a:stretch>
+              <a:fillRect/>
+            </a:stretch>
+          </p:blipFill>
+          <p:spPr>
+            <a:xfrm>
+              <a:off x="11583067" y="6279910"/>
+              <a:ext cx="348008" cy="348008"/>
             </a:xfrm>
             <a:prstGeom prst="rect">
               <a:avLst/>
@@ -7304,7 +7293,7 @@
         </p:nvSpPr>
         <p:spPr bwMode="auto">
           <a:xfrm>
-            <a:off x="2160742" y="2348880"/>
+            <a:off x="2160742" y="2318320"/>
             <a:ext cx="3610786" cy="666501"/>
           </a:xfrm>
           <a:prstGeom prst="roundRect">
@@ -7380,7 +7369,7 @@
         </p:nvSpPr>
         <p:spPr bwMode="auto">
           <a:xfrm>
-            <a:off x="0" y="3064140"/>
+            <a:off x="0" y="3033580"/>
             <a:ext cx="5771528" cy="1015663"/>
           </a:xfrm>
           <a:prstGeom prst="rect">
@@ -7451,7 +7440,7 @@
         </p:nvSpPr>
         <p:spPr bwMode="auto">
           <a:xfrm>
-            <a:off x="0" y="4100081"/>
+            <a:off x="0" y="4069521"/>
             <a:ext cx="5771528" cy="1015663"/>
           </a:xfrm>
           <a:prstGeom prst="rect">
@@ -7527,7 +7516,7 @@
         </p:nvSpPr>
         <p:spPr bwMode="auto">
           <a:xfrm>
-            <a:off x="5952252" y="3493457"/>
+            <a:off x="5952252" y="3462897"/>
             <a:ext cx="6239747" cy="1015663"/>
           </a:xfrm>
           <a:prstGeom prst="rect">
@@ -7579,7 +7568,7 @@
               </a:spcBef>
             </a:pPr>
             <a:r>
-              <a:rPr lang="en-US" altLang="zh-CN" sz="6800" b="1" dirty="0">
+              <a:rPr lang="en-US" altLang="zh-CN" sz="7200" b="1" dirty="0">
                 <a:latin typeface="Century Gothic" panose="020B0502020202020204" pitchFamily="34" charset="0"/>
                 <a:ea typeface="Source Sans Pro Semibold" panose="020B0603030403020204" pitchFamily="34" charset="0"/>
               </a:rPr>
@@ -7667,135 +7656,6 @@
       </p:sp>
       <p:grpSp>
         <p:nvGrpSpPr>
-          <p:cNvPr id="3" name="Group 2">
-            <a:extLst>
-              <a:ext uri="{FF2B5EF4-FFF2-40B4-BE49-F238E27FC236}">
-                <a16:creationId xmlns:a16="http://schemas.microsoft.com/office/drawing/2014/main" id="{F5D36BDF-8FA1-95EC-D778-39F15D11C587}"/>
-              </a:ext>
-            </a:extLst>
-          </p:cNvPr>
-          <p:cNvGrpSpPr/>
-          <p:nvPr/>
-        </p:nvGrpSpPr>
-        <p:grpSpPr>
-          <a:xfrm>
-            <a:off x="6744072" y="6335420"/>
-            <a:ext cx="5337952" cy="346472"/>
-            <a:chOff x="4943872" y="6231733"/>
-            <a:chExt cx="7030907" cy="444368"/>
-          </a:xfrm>
-        </p:grpSpPr>
-        <p:sp>
-          <p:nvSpPr>
-            <p:cNvPr id="10" name="TextBox 9">
-              <a:extLst>
-                <a:ext uri="{FF2B5EF4-FFF2-40B4-BE49-F238E27FC236}">
-                  <a16:creationId xmlns:a16="http://schemas.microsoft.com/office/drawing/2014/main" id="{62E60AFB-A8DC-ABD8-F529-0E53531DA4F1}"/>
-                </a:ext>
-              </a:extLst>
-            </p:cNvPr>
-            <p:cNvSpPr txBox="1"/>
-            <p:nvPr/>
-          </p:nvSpPr>
-          <p:spPr>
-            <a:xfrm>
-              <a:off x="4943872" y="6231733"/>
-              <a:ext cx="7030907" cy="444368"/>
-            </a:xfrm>
-            <a:prstGeom prst="roundRect">
-              <a:avLst>
-                <a:gd name="adj" fmla="val 20010"/>
-              </a:avLst>
-            </a:prstGeom>
-            <a:noFill/>
-            <a:ln w="19050">
-              <a:solidFill>
-                <a:srgbClr val="FF0000"/>
-              </a:solidFill>
-            </a:ln>
-          </p:spPr>
-          <p:txBody>
-            <a:bodyPr wrap="square" rtlCol="0" anchor="ctr">
-              <a:spAutoFit/>
-            </a:bodyPr>
-            <a:lstStyle/>
-            <a:p>
-              <a:r>
-                <a:rPr lang="en-GB" sz="1400" b="1" dirty="0">
-                  <a:latin typeface="Source Sans Pro" panose="020B0503030403020204" pitchFamily="34" charset="0"/>
-                  <a:ea typeface="Source Sans Pro" panose="020B0503030403020204" pitchFamily="34" charset="0"/>
-                  <a:cs typeface="Segoe UI Semibold" panose="020B0702040204020203" pitchFamily="34" charset="0"/>
-                </a:rPr>
-                <a:t>Please Turn Off/Silence Your Devices </a:t>
-              </a:r>
-              <a:r>
-                <a:rPr lang="zh-TW" altLang="en-US" sz="1400" b="1" dirty="0">
-                  <a:latin typeface="Source Sans Pro" panose="020B0503030403020204" pitchFamily="34" charset="0"/>
-                  <a:ea typeface="Microsoft JhengHei" panose="020B0604030504040204" pitchFamily="34" charset="-120"/>
-                </a:rPr>
-                <a:t>請靜音或關閉所有電子設備</a:t>
-              </a:r>
-              <a:endParaRPr lang="ja-JP" altLang="en-US" sz="1400" b="1" dirty="0">
-                <a:latin typeface="Source Sans Pro" panose="020B0503030403020204" pitchFamily="34" charset="0"/>
-                <a:ea typeface="Microsoft JhengHei" panose="020B0604030504040204" pitchFamily="34" charset="-120"/>
-              </a:endParaRPr>
-            </a:p>
-          </p:txBody>
-        </p:sp>
-        <p:pic>
-          <p:nvPicPr>
-            <p:cNvPr id="11" name="Picture 10" descr="Shape&#10;&#10;Description automatically generated with low confidence">
-              <a:extLst>
-                <a:ext uri="{FF2B5EF4-FFF2-40B4-BE49-F238E27FC236}">
-                  <a16:creationId xmlns:a16="http://schemas.microsoft.com/office/drawing/2014/main" id="{B2C4DDAE-60BE-BC6D-D06B-224CC9E9D450}"/>
-                </a:ext>
-              </a:extLst>
-            </p:cNvPr>
-            <p:cNvPicPr>
-              <a:picLocks noChangeAspect="1"/>
-            </p:cNvPicPr>
-            <p:nvPr/>
-          </p:nvPicPr>
-          <p:blipFill>
-            <a:blip r:embed="rId3" cstate="print">
-              <a:extLst>
-                <a:ext uri="{BEBA8EAE-BF5A-486C-A8C5-ECC9F3942E4B}">
-                  <a14:imgProps xmlns:a14="http://schemas.microsoft.com/office/drawing/2010/main">
-                    <a14:imgLayer r:embed="rId4">
-                      <a14:imgEffect>
-                        <a14:colorTemperature colorTemp="11500"/>
-                      </a14:imgEffect>
-                      <a14:imgEffect>
-                        <a14:saturation sat="400000"/>
-                      </a14:imgEffect>
-                      <a14:imgEffect>
-                        <a14:brightnessContrast bright="-40000" contrast="-40000"/>
-                      </a14:imgEffect>
-                    </a14:imgLayer>
-                  </a14:imgProps>
-                </a:ext>
-                <a:ext uri="{28A0092B-C50C-407E-A947-70E740481C1C}">
-                  <a14:useLocalDpi xmlns:a14="http://schemas.microsoft.com/office/drawing/2010/main" val="0"/>
-                </a:ext>
-              </a:extLst>
-            </a:blip>
-            <a:stretch>
-              <a:fillRect/>
-            </a:stretch>
-          </p:blipFill>
-          <p:spPr>
-            <a:xfrm>
-              <a:off x="11658489" y="6309320"/>
-              <a:ext cx="280267" cy="280267"/>
-            </a:xfrm>
-            <a:prstGeom prst="rect">
-              <a:avLst/>
-            </a:prstGeom>
-          </p:spPr>
-        </p:pic>
-      </p:grpSp>
-      <p:grpSp>
-        <p:nvGrpSpPr>
           <p:cNvPr id="7" name="Group 6">
             <a:extLst>
               <a:ext uri="{FF2B5EF4-FFF2-40B4-BE49-F238E27FC236}">
@@ -7829,7 +7689,7 @@
             <p:nvPr/>
           </p:nvPicPr>
           <p:blipFill>
-            <a:blip r:embed="rId5" cstate="print">
+            <a:blip r:embed="rId3" cstate="print">
               <a:biLevel thresh="75000"/>
               <a:extLst>
                 <a:ext uri="{28A0092B-C50C-407E-A947-70E740481C1C}">
@@ -7866,7 +7726,7 @@
             <p:nvPr/>
           </p:nvPicPr>
           <p:blipFill rotWithShape="1">
-            <a:blip r:embed="rId6" cstate="print">
+            <a:blip r:embed="rId4" cstate="print">
               <a:biLevel thresh="75000"/>
               <a:extLst>
                 <a:ext uri="{28A0092B-C50C-407E-A947-70E740481C1C}">
@@ -7881,6 +7741,135 @@
             <a:xfrm>
               <a:off x="6745384" y="4609005"/>
               <a:ext cx="3595842" cy="841456"/>
+            </a:xfrm>
+            <a:prstGeom prst="rect">
+              <a:avLst/>
+            </a:prstGeom>
+          </p:spPr>
+        </p:pic>
+      </p:grpSp>
+      <p:grpSp>
+        <p:nvGrpSpPr>
+          <p:cNvPr id="12" name="Group 11">
+            <a:extLst>
+              <a:ext uri="{FF2B5EF4-FFF2-40B4-BE49-F238E27FC236}">
+                <a16:creationId xmlns:a16="http://schemas.microsoft.com/office/drawing/2014/main" id="{80F5226D-30D1-E385-621D-D5BF5B3AEE47}"/>
+              </a:ext>
+            </a:extLst>
+          </p:cNvPr>
+          <p:cNvGrpSpPr/>
+          <p:nvPr/>
+        </p:nvGrpSpPr>
+        <p:grpSpPr>
+          <a:xfrm>
+            <a:off x="5951984" y="6318094"/>
+            <a:ext cx="6130040" cy="381119"/>
+            <a:chOff x="3900570" y="6209512"/>
+            <a:chExt cx="8074208" cy="488804"/>
+          </a:xfrm>
+        </p:grpSpPr>
+        <p:sp>
+          <p:nvSpPr>
+            <p:cNvPr id="13" name="TextBox 12">
+              <a:extLst>
+                <a:ext uri="{FF2B5EF4-FFF2-40B4-BE49-F238E27FC236}">
+                  <a16:creationId xmlns:a16="http://schemas.microsoft.com/office/drawing/2014/main" id="{AF69CD71-8B27-7762-1389-A7E372787B3C}"/>
+                </a:ext>
+              </a:extLst>
+            </p:cNvPr>
+            <p:cNvSpPr txBox="1"/>
+            <p:nvPr/>
+          </p:nvSpPr>
+          <p:spPr>
+            <a:xfrm>
+              <a:off x="3900570" y="6209512"/>
+              <a:ext cx="8074208" cy="488804"/>
+            </a:xfrm>
+            <a:prstGeom prst="roundRect">
+              <a:avLst>
+                <a:gd name="adj" fmla="val 20010"/>
+              </a:avLst>
+            </a:prstGeom>
+            <a:noFill/>
+            <a:ln w="19050">
+              <a:solidFill>
+                <a:srgbClr val="FF0000"/>
+              </a:solidFill>
+            </a:ln>
+          </p:spPr>
+          <p:txBody>
+            <a:bodyPr wrap="square" rtlCol="0" anchor="ctr">
+              <a:spAutoFit/>
+            </a:bodyPr>
+            <a:lstStyle/>
+            <a:p>
+              <a:r>
+                <a:rPr lang="en-GB" sz="1600" b="1" dirty="0">
+                  <a:latin typeface="Source Sans Pro" panose="020B0503030403020204" pitchFamily="34" charset="0"/>
+                  <a:ea typeface="Source Sans Pro" panose="020B0503030403020204" pitchFamily="34" charset="0"/>
+                  <a:cs typeface="Segoe UI Semibold" panose="020B0702040204020203" pitchFamily="34" charset="0"/>
+                </a:rPr>
+                <a:t>Please Turn Off/Silence Your Devices </a:t>
+              </a:r>
+              <a:r>
+                <a:rPr lang="zh-TW" altLang="en-US" sz="1600" b="1" dirty="0">
+                  <a:latin typeface="Source Sans Pro" panose="020B0503030403020204" pitchFamily="34" charset="0"/>
+                  <a:ea typeface="Microsoft JhengHei" panose="020B0604030504040204" pitchFamily="34" charset="-120"/>
+                </a:rPr>
+                <a:t>請靜音或關閉所有電子設備</a:t>
+              </a:r>
+              <a:endParaRPr lang="ja-JP" altLang="en-US" sz="1600" b="1" dirty="0">
+                <a:latin typeface="Source Sans Pro" panose="020B0503030403020204" pitchFamily="34" charset="0"/>
+                <a:ea typeface="Microsoft JhengHei" panose="020B0604030504040204" pitchFamily="34" charset="-120"/>
+              </a:endParaRPr>
+            </a:p>
+          </p:txBody>
+        </p:sp>
+        <p:pic>
+          <p:nvPicPr>
+            <p:cNvPr id="14" name="Picture 13" descr="Shape&#10;&#10;Description automatically generated with low confidence">
+              <a:extLst>
+                <a:ext uri="{FF2B5EF4-FFF2-40B4-BE49-F238E27FC236}">
+                  <a16:creationId xmlns:a16="http://schemas.microsoft.com/office/drawing/2014/main" id="{92750C7C-CA6C-4AA6-B792-86C275BAB652}"/>
+                </a:ext>
+              </a:extLst>
+            </p:cNvPr>
+            <p:cNvPicPr>
+              <a:picLocks noChangeAspect="1"/>
+            </p:cNvPicPr>
+            <p:nvPr/>
+          </p:nvPicPr>
+          <p:blipFill>
+            <a:blip r:embed="rId5" cstate="print">
+              <a:extLst>
+                <a:ext uri="{BEBA8EAE-BF5A-486C-A8C5-ECC9F3942E4B}">
+                  <a14:imgProps xmlns:a14="http://schemas.microsoft.com/office/drawing/2010/main">
+                    <a14:imgLayer r:embed="rId6">
+                      <a14:imgEffect>
+                        <a14:colorTemperature colorTemp="11500"/>
+                      </a14:imgEffect>
+                      <a14:imgEffect>
+                        <a14:saturation sat="400000"/>
+                      </a14:imgEffect>
+                      <a14:imgEffect>
+                        <a14:brightnessContrast bright="-40000" contrast="-40000"/>
+                      </a14:imgEffect>
+                    </a14:imgLayer>
+                  </a14:imgProps>
+                </a:ext>
+                <a:ext uri="{28A0092B-C50C-407E-A947-70E740481C1C}">
+                  <a14:useLocalDpi xmlns:a14="http://schemas.microsoft.com/office/drawing/2010/main" val="0"/>
+                </a:ext>
+              </a:extLst>
+            </a:blip>
+            <a:stretch>
+              <a:fillRect/>
+            </a:stretch>
+          </p:blipFill>
+          <p:spPr>
+            <a:xfrm>
+              <a:off x="11583067" y="6279910"/>
+              <a:ext cx="348008" cy="348008"/>
             </a:xfrm>
             <a:prstGeom prst="rect">
               <a:avLst/>
@@ -7934,8 +7923,8 @@
         </p:nvSpPr>
         <p:spPr bwMode="auto">
           <a:xfrm>
-            <a:off x="0" y="1340769"/>
-            <a:ext cx="12192000" cy="3816422"/>
+            <a:off x="0" y="1217231"/>
+            <a:ext cx="12192000" cy="4299997"/>
           </a:xfrm>
           <a:prstGeom prst="rect">
             <a:avLst/>
@@ -8011,7 +8000,7 @@
         </p:nvSpPr>
         <p:spPr bwMode="auto">
           <a:xfrm>
-            <a:off x="1871470" y="312177"/>
+            <a:off x="1871470" y="188640"/>
             <a:ext cx="8449060" cy="596543"/>
           </a:xfrm>
           <a:prstGeom prst="rect">
@@ -8174,7 +8163,7 @@
         </p:nvCxnSpPr>
         <p:spPr>
           <a:xfrm>
-            <a:off x="371364" y="1124744"/>
+            <a:off x="371364" y="1001207"/>
             <a:ext cx="11449272" cy="0"/>
           </a:xfrm>
           <a:prstGeom prst="line">
@@ -8203,135 +8192,6 @@
           </a:fontRef>
         </p:style>
       </p:cxnSp>
-      <p:grpSp>
-        <p:nvGrpSpPr>
-          <p:cNvPr id="2" name="Group 1">
-            <a:extLst>
-              <a:ext uri="{FF2B5EF4-FFF2-40B4-BE49-F238E27FC236}">
-                <a16:creationId xmlns:a16="http://schemas.microsoft.com/office/drawing/2014/main" id="{8367902A-50ED-D26E-3B4F-901961BBD302}"/>
-              </a:ext>
-            </a:extLst>
-          </p:cNvPr>
-          <p:cNvGrpSpPr/>
-          <p:nvPr/>
-        </p:nvGrpSpPr>
-        <p:grpSpPr>
-          <a:xfrm>
-            <a:off x="6744072" y="6335420"/>
-            <a:ext cx="5337952" cy="346472"/>
-            <a:chOff x="4943872" y="6231733"/>
-            <a:chExt cx="7030907" cy="444368"/>
-          </a:xfrm>
-        </p:grpSpPr>
-        <p:sp>
-          <p:nvSpPr>
-            <p:cNvPr id="10" name="TextBox 9">
-              <a:extLst>
-                <a:ext uri="{FF2B5EF4-FFF2-40B4-BE49-F238E27FC236}">
-                  <a16:creationId xmlns:a16="http://schemas.microsoft.com/office/drawing/2014/main" id="{36BC2124-799E-F669-5360-19FDAD42A2C6}"/>
-                </a:ext>
-              </a:extLst>
-            </p:cNvPr>
-            <p:cNvSpPr txBox="1"/>
-            <p:nvPr/>
-          </p:nvSpPr>
-          <p:spPr>
-            <a:xfrm>
-              <a:off x="4943872" y="6231733"/>
-              <a:ext cx="7030907" cy="444368"/>
-            </a:xfrm>
-            <a:prstGeom prst="roundRect">
-              <a:avLst>
-                <a:gd name="adj" fmla="val 20010"/>
-              </a:avLst>
-            </a:prstGeom>
-            <a:noFill/>
-            <a:ln w="19050">
-              <a:solidFill>
-                <a:srgbClr val="FF0000"/>
-              </a:solidFill>
-            </a:ln>
-          </p:spPr>
-          <p:txBody>
-            <a:bodyPr wrap="square" rtlCol="0" anchor="ctr">
-              <a:spAutoFit/>
-            </a:bodyPr>
-            <a:lstStyle/>
-            <a:p>
-              <a:r>
-                <a:rPr lang="en-GB" sz="1400" b="1" dirty="0">
-                  <a:latin typeface="Source Sans Pro" panose="020B0503030403020204" pitchFamily="34" charset="0"/>
-                  <a:ea typeface="Source Sans Pro" panose="020B0503030403020204" pitchFamily="34" charset="0"/>
-                  <a:cs typeface="Segoe UI Semibold" panose="020B0702040204020203" pitchFamily="34" charset="0"/>
-                </a:rPr>
-                <a:t>Please Turn Off/Silence Your Devices </a:t>
-              </a:r>
-              <a:r>
-                <a:rPr lang="zh-TW" altLang="en-US" sz="1400" b="1" dirty="0">
-                  <a:latin typeface="Source Sans Pro" panose="020B0503030403020204" pitchFamily="34" charset="0"/>
-                  <a:ea typeface="Microsoft JhengHei" panose="020B0604030504040204" pitchFamily="34" charset="-120"/>
-                </a:rPr>
-                <a:t>請靜音或關閉所有電子設備</a:t>
-              </a:r>
-              <a:endParaRPr lang="ja-JP" altLang="en-US" sz="1400" b="1" dirty="0">
-                <a:latin typeface="Source Sans Pro" panose="020B0503030403020204" pitchFamily="34" charset="0"/>
-                <a:ea typeface="Microsoft JhengHei" panose="020B0604030504040204" pitchFamily="34" charset="-120"/>
-              </a:endParaRPr>
-            </a:p>
-          </p:txBody>
-        </p:sp>
-        <p:pic>
-          <p:nvPicPr>
-            <p:cNvPr id="11" name="Picture 10" descr="Shape&#10;&#10;Description automatically generated with low confidence">
-              <a:extLst>
-                <a:ext uri="{FF2B5EF4-FFF2-40B4-BE49-F238E27FC236}">
-                  <a16:creationId xmlns:a16="http://schemas.microsoft.com/office/drawing/2014/main" id="{B41129D8-806A-B795-B5EE-141DE47DE010}"/>
-                </a:ext>
-              </a:extLst>
-            </p:cNvPr>
-            <p:cNvPicPr>
-              <a:picLocks noChangeAspect="1"/>
-            </p:cNvPicPr>
-            <p:nvPr/>
-          </p:nvPicPr>
-          <p:blipFill>
-            <a:blip r:embed="rId3" cstate="print">
-              <a:extLst>
-                <a:ext uri="{BEBA8EAE-BF5A-486C-A8C5-ECC9F3942E4B}">
-                  <a14:imgProps xmlns:a14="http://schemas.microsoft.com/office/drawing/2010/main">
-                    <a14:imgLayer r:embed="rId4">
-                      <a14:imgEffect>
-                        <a14:colorTemperature colorTemp="11500"/>
-                      </a14:imgEffect>
-                      <a14:imgEffect>
-                        <a14:saturation sat="400000"/>
-                      </a14:imgEffect>
-                      <a14:imgEffect>
-                        <a14:brightnessContrast bright="-40000" contrast="-40000"/>
-                      </a14:imgEffect>
-                    </a14:imgLayer>
-                  </a14:imgProps>
-                </a:ext>
-                <a:ext uri="{28A0092B-C50C-407E-A947-70E740481C1C}">
-                  <a14:useLocalDpi xmlns:a14="http://schemas.microsoft.com/office/drawing/2010/main" val="0"/>
-                </a:ext>
-              </a:extLst>
-            </a:blip>
-            <a:stretch>
-              <a:fillRect/>
-            </a:stretch>
-          </p:blipFill>
-          <p:spPr>
-            <a:xfrm>
-              <a:off x="11658489" y="6309320"/>
-              <a:ext cx="280267" cy="280267"/>
-            </a:xfrm>
-            <a:prstGeom prst="rect">
-              <a:avLst/>
-            </a:prstGeom>
-          </p:spPr>
-        </p:pic>
-      </p:grpSp>
       <p:grpSp>
         <p:nvGrpSpPr>
           <p:cNvPr id="12" name="Group 11">
@@ -8367,7 +8227,7 @@
             <p:nvPr/>
           </p:nvPicPr>
           <p:blipFill>
-            <a:blip r:embed="rId5" cstate="print">
+            <a:blip r:embed="rId3" cstate="print">
               <a:biLevel thresh="75000"/>
               <a:extLst>
                 <a:ext uri="{28A0092B-C50C-407E-A947-70E740481C1C}">
@@ -8404,7 +8264,7 @@
             <p:nvPr/>
           </p:nvPicPr>
           <p:blipFill rotWithShape="1">
-            <a:blip r:embed="rId6" cstate="print">
+            <a:blip r:embed="rId4" cstate="print">
               <a:biLevel thresh="75000"/>
               <a:extLst>
                 <a:ext uri="{28A0092B-C50C-407E-A947-70E740481C1C}">
@@ -8419,6 +8279,135 @@
             <a:xfrm>
               <a:off x="6745384" y="4609005"/>
               <a:ext cx="3595842" cy="841456"/>
+            </a:xfrm>
+            <a:prstGeom prst="rect">
+              <a:avLst/>
+            </a:prstGeom>
+          </p:spPr>
+        </p:pic>
+      </p:grpSp>
+      <p:grpSp>
+        <p:nvGrpSpPr>
+          <p:cNvPr id="4" name="Group 3">
+            <a:extLst>
+              <a:ext uri="{FF2B5EF4-FFF2-40B4-BE49-F238E27FC236}">
+                <a16:creationId xmlns:a16="http://schemas.microsoft.com/office/drawing/2014/main" id="{1E0372FE-5AA9-B8A6-0C22-5EC9CFB8AB40}"/>
+              </a:ext>
+            </a:extLst>
+          </p:cNvPr>
+          <p:cNvGrpSpPr/>
+          <p:nvPr/>
+        </p:nvGrpSpPr>
+        <p:grpSpPr>
+          <a:xfrm>
+            <a:off x="5951984" y="6318094"/>
+            <a:ext cx="6130040" cy="381119"/>
+            <a:chOff x="3900570" y="6209512"/>
+            <a:chExt cx="8074208" cy="488804"/>
+          </a:xfrm>
+        </p:grpSpPr>
+        <p:sp>
+          <p:nvSpPr>
+            <p:cNvPr id="5" name="TextBox 4">
+              <a:extLst>
+                <a:ext uri="{FF2B5EF4-FFF2-40B4-BE49-F238E27FC236}">
+                  <a16:creationId xmlns:a16="http://schemas.microsoft.com/office/drawing/2014/main" id="{EB56B832-7D00-1ED3-CB34-50FC4A9CA726}"/>
+                </a:ext>
+              </a:extLst>
+            </p:cNvPr>
+            <p:cNvSpPr txBox="1"/>
+            <p:nvPr/>
+          </p:nvSpPr>
+          <p:spPr>
+            <a:xfrm>
+              <a:off x="3900570" y="6209512"/>
+              <a:ext cx="8074208" cy="488804"/>
+            </a:xfrm>
+            <a:prstGeom prst="roundRect">
+              <a:avLst>
+                <a:gd name="adj" fmla="val 20010"/>
+              </a:avLst>
+            </a:prstGeom>
+            <a:noFill/>
+            <a:ln w="19050">
+              <a:solidFill>
+                <a:srgbClr val="FF0000"/>
+              </a:solidFill>
+            </a:ln>
+          </p:spPr>
+          <p:txBody>
+            <a:bodyPr wrap="square" rtlCol="0" anchor="ctr">
+              <a:spAutoFit/>
+            </a:bodyPr>
+            <a:lstStyle/>
+            <a:p>
+              <a:r>
+                <a:rPr lang="en-GB" sz="1600" b="1" dirty="0">
+                  <a:latin typeface="Source Sans Pro" panose="020B0503030403020204" pitchFamily="34" charset="0"/>
+                  <a:ea typeface="Source Sans Pro" panose="020B0503030403020204" pitchFamily="34" charset="0"/>
+                  <a:cs typeface="Segoe UI Semibold" panose="020B0702040204020203" pitchFamily="34" charset="0"/>
+                </a:rPr>
+                <a:t>Please Turn Off/Silence Your Devices </a:t>
+              </a:r>
+              <a:r>
+                <a:rPr lang="zh-TW" altLang="en-US" sz="1600" b="1" dirty="0">
+                  <a:latin typeface="Source Sans Pro" panose="020B0503030403020204" pitchFamily="34" charset="0"/>
+                  <a:ea typeface="Microsoft JhengHei" panose="020B0604030504040204" pitchFamily="34" charset="-120"/>
+                </a:rPr>
+                <a:t>請靜音或關閉所有電子設備</a:t>
+              </a:r>
+              <a:endParaRPr lang="ja-JP" altLang="en-US" sz="1600" b="1" dirty="0">
+                <a:latin typeface="Source Sans Pro" panose="020B0503030403020204" pitchFamily="34" charset="0"/>
+                <a:ea typeface="Microsoft JhengHei" panose="020B0604030504040204" pitchFamily="34" charset="-120"/>
+              </a:endParaRPr>
+            </a:p>
+          </p:txBody>
+        </p:sp>
+        <p:pic>
+          <p:nvPicPr>
+            <p:cNvPr id="8" name="Picture 7" descr="Shape&#10;&#10;Description automatically generated with low confidence">
+              <a:extLst>
+                <a:ext uri="{FF2B5EF4-FFF2-40B4-BE49-F238E27FC236}">
+                  <a16:creationId xmlns:a16="http://schemas.microsoft.com/office/drawing/2014/main" id="{5473835D-54C0-38F1-4A61-4A4FA9F1A7DB}"/>
+                </a:ext>
+              </a:extLst>
+            </p:cNvPr>
+            <p:cNvPicPr>
+              <a:picLocks noChangeAspect="1"/>
+            </p:cNvPicPr>
+            <p:nvPr/>
+          </p:nvPicPr>
+          <p:blipFill>
+            <a:blip r:embed="rId5" cstate="print">
+              <a:extLst>
+                <a:ext uri="{BEBA8EAE-BF5A-486C-A8C5-ECC9F3942E4B}">
+                  <a14:imgProps xmlns:a14="http://schemas.microsoft.com/office/drawing/2010/main">
+                    <a14:imgLayer r:embed="rId6">
+                      <a14:imgEffect>
+                        <a14:colorTemperature colorTemp="11500"/>
+                      </a14:imgEffect>
+                      <a14:imgEffect>
+                        <a14:saturation sat="400000"/>
+                      </a14:imgEffect>
+                      <a14:imgEffect>
+                        <a14:brightnessContrast bright="-40000" contrast="-40000"/>
+                      </a14:imgEffect>
+                    </a14:imgLayer>
+                  </a14:imgProps>
+                </a:ext>
+                <a:ext uri="{28A0092B-C50C-407E-A947-70E740481C1C}">
+                  <a14:useLocalDpi xmlns:a14="http://schemas.microsoft.com/office/drawing/2010/main" val="0"/>
+                </a:ext>
+              </a:extLst>
+            </a:blip>
+            <a:stretch>
+              <a:fillRect/>
+            </a:stretch>
+          </p:blipFill>
+          <p:spPr>
+            <a:xfrm>
+              <a:off x="11583067" y="6279910"/>
+              <a:ext cx="348008" cy="348008"/>
             </a:xfrm>
             <a:prstGeom prst="rect">
               <a:avLst/>
@@ -8660,135 +8649,6 @@
       </p:cxnSp>
       <p:grpSp>
         <p:nvGrpSpPr>
-          <p:cNvPr id="11" name="Group 10">
-            <a:extLst>
-              <a:ext uri="{FF2B5EF4-FFF2-40B4-BE49-F238E27FC236}">
-                <a16:creationId xmlns:a16="http://schemas.microsoft.com/office/drawing/2014/main" id="{73DB8264-F158-55BC-5A07-EBEA03C1601B}"/>
-              </a:ext>
-            </a:extLst>
-          </p:cNvPr>
-          <p:cNvGrpSpPr/>
-          <p:nvPr/>
-        </p:nvGrpSpPr>
-        <p:grpSpPr>
-          <a:xfrm>
-            <a:off x="6744072" y="6335420"/>
-            <a:ext cx="5337952" cy="346472"/>
-            <a:chOff x="4943872" y="6231733"/>
-            <a:chExt cx="7030907" cy="444368"/>
-          </a:xfrm>
-        </p:grpSpPr>
-        <p:sp>
-          <p:nvSpPr>
-            <p:cNvPr id="13" name="TextBox 12">
-              <a:extLst>
-                <a:ext uri="{FF2B5EF4-FFF2-40B4-BE49-F238E27FC236}">
-                  <a16:creationId xmlns:a16="http://schemas.microsoft.com/office/drawing/2014/main" id="{AA091F8C-56CC-67B8-DD5F-BB0BCB61B42B}"/>
-                </a:ext>
-              </a:extLst>
-            </p:cNvPr>
-            <p:cNvSpPr txBox="1"/>
-            <p:nvPr/>
-          </p:nvSpPr>
-          <p:spPr>
-            <a:xfrm>
-              <a:off x="4943872" y="6231733"/>
-              <a:ext cx="7030907" cy="444368"/>
-            </a:xfrm>
-            <a:prstGeom prst="roundRect">
-              <a:avLst>
-                <a:gd name="adj" fmla="val 20010"/>
-              </a:avLst>
-            </a:prstGeom>
-            <a:noFill/>
-            <a:ln w="19050">
-              <a:solidFill>
-                <a:srgbClr val="FF0000"/>
-              </a:solidFill>
-            </a:ln>
-          </p:spPr>
-          <p:txBody>
-            <a:bodyPr wrap="square" rtlCol="0" anchor="ctr">
-              <a:spAutoFit/>
-            </a:bodyPr>
-            <a:lstStyle/>
-            <a:p>
-              <a:r>
-                <a:rPr lang="en-GB" sz="1400" b="1" dirty="0">
-                  <a:latin typeface="Source Sans Pro" panose="020B0503030403020204" pitchFamily="34" charset="0"/>
-                  <a:ea typeface="Source Sans Pro" panose="020B0503030403020204" pitchFamily="34" charset="0"/>
-                  <a:cs typeface="Segoe UI Semibold" panose="020B0702040204020203" pitchFamily="34" charset="0"/>
-                </a:rPr>
-                <a:t>Please Turn Off/Silence Your Devices </a:t>
-              </a:r>
-              <a:r>
-                <a:rPr lang="zh-TW" altLang="en-US" sz="1400" b="1" dirty="0">
-                  <a:latin typeface="Source Sans Pro" panose="020B0503030403020204" pitchFamily="34" charset="0"/>
-                  <a:ea typeface="Microsoft JhengHei" panose="020B0604030504040204" pitchFamily="34" charset="-120"/>
-                </a:rPr>
-                <a:t>請靜音或關閉所有電子設備</a:t>
-              </a:r>
-              <a:endParaRPr lang="ja-JP" altLang="en-US" sz="1400" b="1" dirty="0">
-                <a:latin typeface="Source Sans Pro" panose="020B0503030403020204" pitchFamily="34" charset="0"/>
-                <a:ea typeface="Microsoft JhengHei" panose="020B0604030504040204" pitchFamily="34" charset="-120"/>
-              </a:endParaRPr>
-            </a:p>
-          </p:txBody>
-        </p:sp>
-        <p:pic>
-          <p:nvPicPr>
-            <p:cNvPr id="14" name="Picture 13" descr="Shape&#10;&#10;Description automatically generated with low confidence">
-              <a:extLst>
-                <a:ext uri="{FF2B5EF4-FFF2-40B4-BE49-F238E27FC236}">
-                  <a16:creationId xmlns:a16="http://schemas.microsoft.com/office/drawing/2014/main" id="{B326A042-3BCF-3CF8-3EC2-EA401CCDC1D0}"/>
-                </a:ext>
-              </a:extLst>
-            </p:cNvPr>
-            <p:cNvPicPr>
-              <a:picLocks noChangeAspect="1"/>
-            </p:cNvPicPr>
-            <p:nvPr/>
-          </p:nvPicPr>
-          <p:blipFill>
-            <a:blip r:embed="rId3" cstate="print">
-              <a:extLst>
-                <a:ext uri="{BEBA8EAE-BF5A-486C-A8C5-ECC9F3942E4B}">
-                  <a14:imgProps xmlns:a14="http://schemas.microsoft.com/office/drawing/2010/main">
-                    <a14:imgLayer r:embed="rId4">
-                      <a14:imgEffect>
-                        <a14:colorTemperature colorTemp="11500"/>
-                      </a14:imgEffect>
-                      <a14:imgEffect>
-                        <a14:saturation sat="400000"/>
-                      </a14:imgEffect>
-                      <a14:imgEffect>
-                        <a14:brightnessContrast bright="-40000" contrast="-40000"/>
-                      </a14:imgEffect>
-                    </a14:imgLayer>
-                  </a14:imgProps>
-                </a:ext>
-                <a:ext uri="{28A0092B-C50C-407E-A947-70E740481C1C}">
-                  <a14:useLocalDpi xmlns:a14="http://schemas.microsoft.com/office/drawing/2010/main" val="0"/>
-                </a:ext>
-              </a:extLst>
-            </a:blip>
-            <a:stretch>
-              <a:fillRect/>
-            </a:stretch>
-          </p:blipFill>
-          <p:spPr>
-            <a:xfrm>
-              <a:off x="11658489" y="6309320"/>
-              <a:ext cx="280267" cy="280267"/>
-            </a:xfrm>
-            <a:prstGeom prst="rect">
-              <a:avLst/>
-            </a:prstGeom>
-          </p:spPr>
-        </p:pic>
-      </p:grpSp>
-      <p:grpSp>
-        <p:nvGrpSpPr>
           <p:cNvPr id="9" name="Group 8">
             <a:extLst>
               <a:ext uri="{FF2B5EF4-FFF2-40B4-BE49-F238E27FC236}">
@@ -8822,7 +8682,7 @@
             <p:nvPr/>
           </p:nvPicPr>
           <p:blipFill>
-            <a:blip r:embed="rId5" cstate="print">
+            <a:blip r:embed="rId3" cstate="print">
               <a:biLevel thresh="75000"/>
               <a:extLst>
                 <a:ext uri="{28A0092B-C50C-407E-A947-70E740481C1C}">
@@ -8859,7 +8719,7 @@
             <p:nvPr/>
           </p:nvPicPr>
           <p:blipFill rotWithShape="1">
-            <a:blip r:embed="rId6" cstate="print">
+            <a:blip r:embed="rId4" cstate="print">
               <a:biLevel thresh="75000"/>
               <a:extLst>
                 <a:ext uri="{28A0092B-C50C-407E-A947-70E740481C1C}">
@@ -8874,6 +8734,135 @@
             <a:xfrm>
               <a:off x="6745384" y="4609005"/>
               <a:ext cx="3595842" cy="841456"/>
+            </a:xfrm>
+            <a:prstGeom prst="rect">
+              <a:avLst/>
+            </a:prstGeom>
+          </p:spPr>
+        </p:pic>
+      </p:grpSp>
+      <p:grpSp>
+        <p:nvGrpSpPr>
+          <p:cNvPr id="2" name="Group 1">
+            <a:extLst>
+              <a:ext uri="{FF2B5EF4-FFF2-40B4-BE49-F238E27FC236}">
+                <a16:creationId xmlns:a16="http://schemas.microsoft.com/office/drawing/2014/main" id="{0C4DCD01-F533-D0DB-7F33-AE31162B0AE9}"/>
+              </a:ext>
+            </a:extLst>
+          </p:cNvPr>
+          <p:cNvGrpSpPr/>
+          <p:nvPr/>
+        </p:nvGrpSpPr>
+        <p:grpSpPr>
+          <a:xfrm>
+            <a:off x="5951984" y="6318094"/>
+            <a:ext cx="6130040" cy="381119"/>
+            <a:chOff x="3900570" y="6209512"/>
+            <a:chExt cx="8074208" cy="488804"/>
+          </a:xfrm>
+        </p:grpSpPr>
+        <p:sp>
+          <p:nvSpPr>
+            <p:cNvPr id="4" name="TextBox 3">
+              <a:extLst>
+                <a:ext uri="{FF2B5EF4-FFF2-40B4-BE49-F238E27FC236}">
+                  <a16:creationId xmlns:a16="http://schemas.microsoft.com/office/drawing/2014/main" id="{CA779E26-5AE4-C061-0771-74282A5EFBFC}"/>
+                </a:ext>
+              </a:extLst>
+            </p:cNvPr>
+            <p:cNvSpPr txBox="1"/>
+            <p:nvPr/>
+          </p:nvSpPr>
+          <p:spPr>
+            <a:xfrm>
+              <a:off x="3900570" y="6209512"/>
+              <a:ext cx="8074208" cy="488804"/>
+            </a:xfrm>
+            <a:prstGeom prst="roundRect">
+              <a:avLst>
+                <a:gd name="adj" fmla="val 20010"/>
+              </a:avLst>
+            </a:prstGeom>
+            <a:noFill/>
+            <a:ln w="19050">
+              <a:solidFill>
+                <a:srgbClr val="FF0000"/>
+              </a:solidFill>
+            </a:ln>
+          </p:spPr>
+          <p:txBody>
+            <a:bodyPr wrap="square" rtlCol="0" anchor="ctr">
+              <a:spAutoFit/>
+            </a:bodyPr>
+            <a:lstStyle/>
+            <a:p>
+              <a:r>
+                <a:rPr lang="en-GB" sz="1600" b="1" dirty="0">
+                  <a:latin typeface="Source Sans Pro" panose="020B0503030403020204" pitchFamily="34" charset="0"/>
+                  <a:ea typeface="Source Sans Pro" panose="020B0503030403020204" pitchFamily="34" charset="0"/>
+                  <a:cs typeface="Segoe UI Semibold" panose="020B0702040204020203" pitchFamily="34" charset="0"/>
+                </a:rPr>
+                <a:t>Please Turn Off/Silence Your Devices </a:t>
+              </a:r>
+              <a:r>
+                <a:rPr lang="zh-TW" altLang="en-US" sz="1600" b="1" dirty="0">
+                  <a:latin typeface="Source Sans Pro" panose="020B0503030403020204" pitchFamily="34" charset="0"/>
+                  <a:ea typeface="Microsoft JhengHei" panose="020B0604030504040204" pitchFamily="34" charset="-120"/>
+                </a:rPr>
+                <a:t>請靜音或關閉所有電子設備</a:t>
+              </a:r>
+              <a:endParaRPr lang="ja-JP" altLang="en-US" sz="1600" b="1" dirty="0">
+                <a:latin typeface="Source Sans Pro" panose="020B0503030403020204" pitchFamily="34" charset="0"/>
+                <a:ea typeface="Microsoft JhengHei" panose="020B0604030504040204" pitchFamily="34" charset="-120"/>
+              </a:endParaRPr>
+            </a:p>
+          </p:txBody>
+        </p:sp>
+        <p:pic>
+          <p:nvPicPr>
+            <p:cNvPr id="5" name="Picture 4" descr="Shape&#10;&#10;Description automatically generated with low confidence">
+              <a:extLst>
+                <a:ext uri="{FF2B5EF4-FFF2-40B4-BE49-F238E27FC236}">
+                  <a16:creationId xmlns:a16="http://schemas.microsoft.com/office/drawing/2014/main" id="{FE203ED7-5A90-07EA-C1AB-C2B10D34433D}"/>
+                </a:ext>
+              </a:extLst>
+            </p:cNvPr>
+            <p:cNvPicPr>
+              <a:picLocks noChangeAspect="1"/>
+            </p:cNvPicPr>
+            <p:nvPr/>
+          </p:nvPicPr>
+          <p:blipFill>
+            <a:blip r:embed="rId5" cstate="print">
+              <a:extLst>
+                <a:ext uri="{BEBA8EAE-BF5A-486C-A8C5-ECC9F3942E4B}">
+                  <a14:imgProps xmlns:a14="http://schemas.microsoft.com/office/drawing/2010/main">
+                    <a14:imgLayer r:embed="rId6">
+                      <a14:imgEffect>
+                        <a14:colorTemperature colorTemp="11500"/>
+                      </a14:imgEffect>
+                      <a14:imgEffect>
+                        <a14:saturation sat="400000"/>
+                      </a14:imgEffect>
+                      <a14:imgEffect>
+                        <a14:brightnessContrast bright="-40000" contrast="-40000"/>
+                      </a14:imgEffect>
+                    </a14:imgLayer>
+                  </a14:imgProps>
+                </a:ext>
+                <a:ext uri="{28A0092B-C50C-407E-A947-70E740481C1C}">
+                  <a14:useLocalDpi xmlns:a14="http://schemas.microsoft.com/office/drawing/2010/main" val="0"/>
+                </a:ext>
+              </a:extLst>
+            </a:blip>
+            <a:stretch>
+              <a:fillRect/>
+            </a:stretch>
+          </p:blipFill>
+          <p:spPr>
+            <a:xfrm>
+              <a:off x="11583067" y="6279910"/>
+              <a:ext cx="348008" cy="348008"/>
             </a:xfrm>
             <a:prstGeom prst="rect">
               <a:avLst/>
@@ -9115,135 +9104,6 @@
       </p:cxnSp>
       <p:grpSp>
         <p:nvGrpSpPr>
-          <p:cNvPr id="8" name="Group 7">
-            <a:extLst>
-              <a:ext uri="{FF2B5EF4-FFF2-40B4-BE49-F238E27FC236}">
-                <a16:creationId xmlns:a16="http://schemas.microsoft.com/office/drawing/2014/main" id="{878809A9-4ADC-F8CC-4A5F-0615899B85EF}"/>
-              </a:ext>
-            </a:extLst>
-          </p:cNvPr>
-          <p:cNvGrpSpPr/>
-          <p:nvPr/>
-        </p:nvGrpSpPr>
-        <p:grpSpPr>
-          <a:xfrm>
-            <a:off x="6744072" y="6335420"/>
-            <a:ext cx="5337952" cy="346472"/>
-            <a:chOff x="4943872" y="6231733"/>
-            <a:chExt cx="7030907" cy="444368"/>
-          </a:xfrm>
-        </p:grpSpPr>
-        <p:sp>
-          <p:nvSpPr>
-            <p:cNvPr id="11" name="TextBox 10">
-              <a:extLst>
-                <a:ext uri="{FF2B5EF4-FFF2-40B4-BE49-F238E27FC236}">
-                  <a16:creationId xmlns:a16="http://schemas.microsoft.com/office/drawing/2014/main" id="{0F6C6C20-ED22-5979-0F5C-FD476ED21FE4}"/>
-                </a:ext>
-              </a:extLst>
-            </p:cNvPr>
-            <p:cNvSpPr txBox="1"/>
-            <p:nvPr/>
-          </p:nvSpPr>
-          <p:spPr>
-            <a:xfrm>
-              <a:off x="4943872" y="6231733"/>
-              <a:ext cx="7030907" cy="444368"/>
-            </a:xfrm>
-            <a:prstGeom prst="roundRect">
-              <a:avLst>
-                <a:gd name="adj" fmla="val 20010"/>
-              </a:avLst>
-            </a:prstGeom>
-            <a:noFill/>
-            <a:ln w="19050">
-              <a:solidFill>
-                <a:srgbClr val="FF0000"/>
-              </a:solidFill>
-            </a:ln>
-          </p:spPr>
-          <p:txBody>
-            <a:bodyPr wrap="square" rtlCol="0" anchor="ctr">
-              <a:spAutoFit/>
-            </a:bodyPr>
-            <a:lstStyle/>
-            <a:p>
-              <a:r>
-                <a:rPr lang="en-GB" sz="1400" b="1" dirty="0">
-                  <a:latin typeface="Source Sans Pro" panose="020B0503030403020204" pitchFamily="34" charset="0"/>
-                  <a:ea typeface="Source Sans Pro" panose="020B0503030403020204" pitchFamily="34" charset="0"/>
-                  <a:cs typeface="Segoe UI Semibold" panose="020B0702040204020203" pitchFamily="34" charset="0"/>
-                </a:rPr>
-                <a:t>Please Turn Off/Silence Your Devices </a:t>
-              </a:r>
-              <a:r>
-                <a:rPr lang="zh-TW" altLang="en-US" sz="1400" b="1" dirty="0">
-                  <a:latin typeface="Source Sans Pro" panose="020B0503030403020204" pitchFamily="34" charset="0"/>
-                  <a:ea typeface="Microsoft JhengHei" panose="020B0604030504040204" pitchFamily="34" charset="-120"/>
-                </a:rPr>
-                <a:t>請靜音或關閉所有電子設備</a:t>
-              </a:r>
-              <a:endParaRPr lang="ja-JP" altLang="en-US" sz="1400" b="1" dirty="0">
-                <a:latin typeface="Source Sans Pro" panose="020B0503030403020204" pitchFamily="34" charset="0"/>
-                <a:ea typeface="Microsoft JhengHei" panose="020B0604030504040204" pitchFamily="34" charset="-120"/>
-              </a:endParaRPr>
-            </a:p>
-          </p:txBody>
-        </p:sp>
-        <p:pic>
-          <p:nvPicPr>
-            <p:cNvPr id="14" name="Picture 13" descr="Shape&#10;&#10;Description automatically generated with low confidence">
-              <a:extLst>
-                <a:ext uri="{FF2B5EF4-FFF2-40B4-BE49-F238E27FC236}">
-                  <a16:creationId xmlns:a16="http://schemas.microsoft.com/office/drawing/2014/main" id="{B995DAF9-696A-0966-F82A-F13D7D3B3C81}"/>
-                </a:ext>
-              </a:extLst>
-            </p:cNvPr>
-            <p:cNvPicPr>
-              <a:picLocks noChangeAspect="1"/>
-            </p:cNvPicPr>
-            <p:nvPr/>
-          </p:nvPicPr>
-          <p:blipFill>
-            <a:blip r:embed="rId3" cstate="print">
-              <a:extLst>
-                <a:ext uri="{BEBA8EAE-BF5A-486C-A8C5-ECC9F3942E4B}">
-                  <a14:imgProps xmlns:a14="http://schemas.microsoft.com/office/drawing/2010/main">
-                    <a14:imgLayer r:embed="rId4">
-                      <a14:imgEffect>
-                        <a14:colorTemperature colorTemp="11500"/>
-                      </a14:imgEffect>
-                      <a14:imgEffect>
-                        <a14:saturation sat="400000"/>
-                      </a14:imgEffect>
-                      <a14:imgEffect>
-                        <a14:brightnessContrast bright="-40000" contrast="-40000"/>
-                      </a14:imgEffect>
-                    </a14:imgLayer>
-                  </a14:imgProps>
-                </a:ext>
-                <a:ext uri="{28A0092B-C50C-407E-A947-70E740481C1C}">
-                  <a14:useLocalDpi xmlns:a14="http://schemas.microsoft.com/office/drawing/2010/main" val="0"/>
-                </a:ext>
-              </a:extLst>
-            </a:blip>
-            <a:stretch>
-              <a:fillRect/>
-            </a:stretch>
-          </p:blipFill>
-          <p:spPr>
-            <a:xfrm>
-              <a:off x="11658489" y="6309320"/>
-              <a:ext cx="280267" cy="280267"/>
-            </a:xfrm>
-            <a:prstGeom prst="rect">
-              <a:avLst/>
-            </a:prstGeom>
-          </p:spPr>
-        </p:pic>
-      </p:grpSp>
-      <p:grpSp>
-        <p:nvGrpSpPr>
           <p:cNvPr id="2" name="Group 1">
             <a:extLst>
               <a:ext uri="{FF2B5EF4-FFF2-40B4-BE49-F238E27FC236}">
@@ -9277,7 +9137,7 @@
             <p:nvPr/>
           </p:nvPicPr>
           <p:blipFill>
-            <a:blip r:embed="rId5" cstate="print">
+            <a:blip r:embed="rId3" cstate="print">
               <a:biLevel thresh="75000"/>
               <a:extLst>
                 <a:ext uri="{28A0092B-C50C-407E-A947-70E740481C1C}">
@@ -9314,7 +9174,7 @@
             <p:nvPr/>
           </p:nvPicPr>
           <p:blipFill rotWithShape="1">
-            <a:blip r:embed="rId6" cstate="print">
+            <a:blip r:embed="rId4" cstate="print">
               <a:biLevel thresh="75000"/>
               <a:extLst>
                 <a:ext uri="{28A0092B-C50C-407E-A947-70E740481C1C}">
@@ -9329,6 +9189,135 @@
             <a:xfrm>
               <a:off x="6745384" y="4609005"/>
               <a:ext cx="3595842" cy="841456"/>
+            </a:xfrm>
+            <a:prstGeom prst="rect">
+              <a:avLst/>
+            </a:prstGeom>
+          </p:spPr>
+        </p:pic>
+      </p:grpSp>
+      <p:grpSp>
+        <p:nvGrpSpPr>
+          <p:cNvPr id="6" name="Group 5">
+            <a:extLst>
+              <a:ext uri="{FF2B5EF4-FFF2-40B4-BE49-F238E27FC236}">
+                <a16:creationId xmlns:a16="http://schemas.microsoft.com/office/drawing/2014/main" id="{702E56C3-3C87-EB7C-8382-9F614BEFE1E2}"/>
+              </a:ext>
+            </a:extLst>
+          </p:cNvPr>
+          <p:cNvGrpSpPr/>
+          <p:nvPr/>
+        </p:nvGrpSpPr>
+        <p:grpSpPr>
+          <a:xfrm>
+            <a:off x="5951984" y="6318094"/>
+            <a:ext cx="6130040" cy="381119"/>
+            <a:chOff x="3900570" y="6209512"/>
+            <a:chExt cx="8074208" cy="488804"/>
+          </a:xfrm>
+        </p:grpSpPr>
+        <p:sp>
+          <p:nvSpPr>
+            <p:cNvPr id="7" name="TextBox 6">
+              <a:extLst>
+                <a:ext uri="{FF2B5EF4-FFF2-40B4-BE49-F238E27FC236}">
+                  <a16:creationId xmlns:a16="http://schemas.microsoft.com/office/drawing/2014/main" id="{0A55337A-AADB-6D6B-F423-3C94AEFD8966}"/>
+                </a:ext>
+              </a:extLst>
+            </p:cNvPr>
+            <p:cNvSpPr txBox="1"/>
+            <p:nvPr/>
+          </p:nvSpPr>
+          <p:spPr>
+            <a:xfrm>
+              <a:off x="3900570" y="6209512"/>
+              <a:ext cx="8074208" cy="488804"/>
+            </a:xfrm>
+            <a:prstGeom prst="roundRect">
+              <a:avLst>
+                <a:gd name="adj" fmla="val 20010"/>
+              </a:avLst>
+            </a:prstGeom>
+            <a:noFill/>
+            <a:ln w="19050">
+              <a:solidFill>
+                <a:srgbClr val="FF0000"/>
+              </a:solidFill>
+            </a:ln>
+          </p:spPr>
+          <p:txBody>
+            <a:bodyPr wrap="square" rtlCol="0" anchor="ctr">
+              <a:spAutoFit/>
+            </a:bodyPr>
+            <a:lstStyle/>
+            <a:p>
+              <a:r>
+                <a:rPr lang="en-GB" sz="1600" b="1" dirty="0">
+                  <a:latin typeface="Source Sans Pro" panose="020B0503030403020204" pitchFamily="34" charset="0"/>
+                  <a:ea typeface="Source Sans Pro" panose="020B0503030403020204" pitchFamily="34" charset="0"/>
+                  <a:cs typeface="Segoe UI Semibold" panose="020B0702040204020203" pitchFamily="34" charset="0"/>
+                </a:rPr>
+                <a:t>Please Turn Off/Silence Your Devices </a:t>
+              </a:r>
+              <a:r>
+                <a:rPr lang="zh-TW" altLang="en-US" sz="1600" b="1" dirty="0">
+                  <a:latin typeface="Source Sans Pro" panose="020B0503030403020204" pitchFamily="34" charset="0"/>
+                  <a:ea typeface="Microsoft JhengHei" panose="020B0604030504040204" pitchFamily="34" charset="-120"/>
+                </a:rPr>
+                <a:t>請靜音或關閉所有電子設備</a:t>
+              </a:r>
+              <a:endParaRPr lang="ja-JP" altLang="en-US" sz="1600" b="1" dirty="0">
+                <a:latin typeface="Source Sans Pro" panose="020B0503030403020204" pitchFamily="34" charset="0"/>
+                <a:ea typeface="Microsoft JhengHei" panose="020B0604030504040204" pitchFamily="34" charset="-120"/>
+              </a:endParaRPr>
+            </a:p>
+          </p:txBody>
+        </p:sp>
+        <p:pic>
+          <p:nvPicPr>
+            <p:cNvPr id="9" name="Picture 8" descr="Shape&#10;&#10;Description automatically generated with low confidence">
+              <a:extLst>
+                <a:ext uri="{FF2B5EF4-FFF2-40B4-BE49-F238E27FC236}">
+                  <a16:creationId xmlns:a16="http://schemas.microsoft.com/office/drawing/2014/main" id="{D9FC682E-3882-3060-F7AB-43EE5A9993B9}"/>
+                </a:ext>
+              </a:extLst>
+            </p:cNvPr>
+            <p:cNvPicPr>
+              <a:picLocks noChangeAspect="1"/>
+            </p:cNvPicPr>
+            <p:nvPr/>
+          </p:nvPicPr>
+          <p:blipFill>
+            <a:blip r:embed="rId5" cstate="print">
+              <a:extLst>
+                <a:ext uri="{BEBA8EAE-BF5A-486C-A8C5-ECC9F3942E4B}">
+                  <a14:imgProps xmlns:a14="http://schemas.microsoft.com/office/drawing/2010/main">
+                    <a14:imgLayer r:embed="rId6">
+                      <a14:imgEffect>
+                        <a14:colorTemperature colorTemp="11500"/>
+                      </a14:imgEffect>
+                      <a14:imgEffect>
+                        <a14:saturation sat="400000"/>
+                      </a14:imgEffect>
+                      <a14:imgEffect>
+                        <a14:brightnessContrast bright="-40000" contrast="-40000"/>
+                      </a14:imgEffect>
+                    </a14:imgLayer>
+                  </a14:imgProps>
+                </a:ext>
+                <a:ext uri="{28A0092B-C50C-407E-A947-70E740481C1C}">
+                  <a14:useLocalDpi xmlns:a14="http://schemas.microsoft.com/office/drawing/2010/main" val="0"/>
+                </a:ext>
+              </a:extLst>
+            </a:blip>
+            <a:stretch>
+              <a:fillRect/>
+            </a:stretch>
+          </p:blipFill>
+          <p:spPr>
+            <a:xfrm>
+              <a:off x="11583067" y="6279910"/>
+              <a:ext cx="348008" cy="348008"/>
             </a:xfrm>
             <a:prstGeom prst="rect">
               <a:avLst/>
@@ -9842,135 +9831,6 @@
       </p:cxnSp>
       <p:grpSp>
         <p:nvGrpSpPr>
-          <p:cNvPr id="4" name="Group 3">
-            <a:extLst>
-              <a:ext uri="{FF2B5EF4-FFF2-40B4-BE49-F238E27FC236}">
-                <a16:creationId xmlns:a16="http://schemas.microsoft.com/office/drawing/2014/main" id="{693E133D-DF1B-7F7D-6550-2495E4BBD097}"/>
-              </a:ext>
-            </a:extLst>
-          </p:cNvPr>
-          <p:cNvGrpSpPr/>
-          <p:nvPr/>
-        </p:nvGrpSpPr>
-        <p:grpSpPr>
-          <a:xfrm>
-            <a:off x="6744072" y="6335420"/>
-            <a:ext cx="5337952" cy="346472"/>
-            <a:chOff x="4943872" y="6231733"/>
-            <a:chExt cx="7030907" cy="444368"/>
-          </a:xfrm>
-        </p:grpSpPr>
-        <p:sp>
-          <p:nvSpPr>
-            <p:cNvPr id="9" name="TextBox 8">
-              <a:extLst>
-                <a:ext uri="{FF2B5EF4-FFF2-40B4-BE49-F238E27FC236}">
-                  <a16:creationId xmlns:a16="http://schemas.microsoft.com/office/drawing/2014/main" id="{4FAE7F7B-A496-507F-A835-8274147A0967}"/>
-                </a:ext>
-              </a:extLst>
-            </p:cNvPr>
-            <p:cNvSpPr txBox="1"/>
-            <p:nvPr/>
-          </p:nvSpPr>
-          <p:spPr>
-            <a:xfrm>
-              <a:off x="4943872" y="6231733"/>
-              <a:ext cx="7030907" cy="444368"/>
-            </a:xfrm>
-            <a:prstGeom prst="roundRect">
-              <a:avLst>
-                <a:gd name="adj" fmla="val 20010"/>
-              </a:avLst>
-            </a:prstGeom>
-            <a:noFill/>
-            <a:ln w="19050">
-              <a:solidFill>
-                <a:srgbClr val="FF0000"/>
-              </a:solidFill>
-            </a:ln>
-          </p:spPr>
-          <p:txBody>
-            <a:bodyPr wrap="square" rtlCol="0" anchor="ctr">
-              <a:spAutoFit/>
-            </a:bodyPr>
-            <a:lstStyle/>
-            <a:p>
-              <a:r>
-                <a:rPr lang="en-GB" sz="1400" b="1" dirty="0">
-                  <a:latin typeface="Source Sans Pro" panose="020B0503030403020204" pitchFamily="34" charset="0"/>
-                  <a:ea typeface="Source Sans Pro" panose="020B0503030403020204" pitchFamily="34" charset="0"/>
-                  <a:cs typeface="Segoe UI Semibold" panose="020B0702040204020203" pitchFamily="34" charset="0"/>
-                </a:rPr>
-                <a:t>Please Turn Off/Silence Your Devices </a:t>
-              </a:r>
-              <a:r>
-                <a:rPr lang="zh-TW" altLang="en-US" sz="1400" b="1" dirty="0">
-                  <a:latin typeface="Source Sans Pro" panose="020B0503030403020204" pitchFamily="34" charset="0"/>
-                  <a:ea typeface="Microsoft JhengHei" panose="020B0604030504040204" pitchFamily="34" charset="-120"/>
-                </a:rPr>
-                <a:t>請靜音或關閉所有電子設備</a:t>
-              </a:r>
-              <a:endParaRPr lang="ja-JP" altLang="en-US" sz="1400" b="1" dirty="0">
-                <a:latin typeface="Source Sans Pro" panose="020B0503030403020204" pitchFamily="34" charset="0"/>
-                <a:ea typeface="Microsoft JhengHei" panose="020B0604030504040204" pitchFamily="34" charset="-120"/>
-              </a:endParaRPr>
-            </a:p>
-          </p:txBody>
-        </p:sp>
-        <p:pic>
-          <p:nvPicPr>
-            <p:cNvPr id="10" name="Picture 9" descr="Shape&#10;&#10;Description automatically generated with low confidence">
-              <a:extLst>
-                <a:ext uri="{FF2B5EF4-FFF2-40B4-BE49-F238E27FC236}">
-                  <a16:creationId xmlns:a16="http://schemas.microsoft.com/office/drawing/2014/main" id="{40D80585-4F91-1EB0-DBD6-D5F00DF97B6B}"/>
-                </a:ext>
-              </a:extLst>
-            </p:cNvPr>
-            <p:cNvPicPr>
-              <a:picLocks noChangeAspect="1"/>
-            </p:cNvPicPr>
-            <p:nvPr/>
-          </p:nvPicPr>
-          <p:blipFill>
-            <a:blip r:embed="rId3" cstate="print">
-              <a:extLst>
-                <a:ext uri="{BEBA8EAE-BF5A-486C-A8C5-ECC9F3942E4B}">
-                  <a14:imgProps xmlns:a14="http://schemas.microsoft.com/office/drawing/2010/main">
-                    <a14:imgLayer r:embed="rId4">
-                      <a14:imgEffect>
-                        <a14:colorTemperature colorTemp="11500"/>
-                      </a14:imgEffect>
-                      <a14:imgEffect>
-                        <a14:saturation sat="400000"/>
-                      </a14:imgEffect>
-                      <a14:imgEffect>
-                        <a14:brightnessContrast bright="-40000" contrast="-40000"/>
-                      </a14:imgEffect>
-                    </a14:imgLayer>
-                  </a14:imgProps>
-                </a:ext>
-                <a:ext uri="{28A0092B-C50C-407E-A947-70E740481C1C}">
-                  <a14:useLocalDpi xmlns:a14="http://schemas.microsoft.com/office/drawing/2010/main" val="0"/>
-                </a:ext>
-              </a:extLst>
-            </a:blip>
-            <a:stretch>
-              <a:fillRect/>
-            </a:stretch>
-          </p:blipFill>
-          <p:spPr>
-            <a:xfrm>
-              <a:off x="11658489" y="6309320"/>
-              <a:ext cx="280267" cy="280267"/>
-            </a:xfrm>
-            <a:prstGeom prst="rect">
-              <a:avLst/>
-            </a:prstGeom>
-          </p:spPr>
-        </p:pic>
-      </p:grpSp>
-      <p:grpSp>
-        <p:nvGrpSpPr>
           <p:cNvPr id="12" name="Group 11">
             <a:extLst>
               <a:ext uri="{FF2B5EF4-FFF2-40B4-BE49-F238E27FC236}">
@@ -10004,7 +9864,7 @@
             <p:nvPr/>
           </p:nvPicPr>
           <p:blipFill>
-            <a:blip r:embed="rId5" cstate="print">
+            <a:blip r:embed="rId3" cstate="print">
               <a:biLevel thresh="75000"/>
               <a:extLst>
                 <a:ext uri="{28A0092B-C50C-407E-A947-70E740481C1C}">
@@ -10041,7 +9901,7 @@
             <p:nvPr/>
           </p:nvPicPr>
           <p:blipFill rotWithShape="1">
-            <a:blip r:embed="rId6" cstate="print">
+            <a:blip r:embed="rId4" cstate="print">
               <a:biLevel thresh="75000"/>
               <a:extLst>
                 <a:ext uri="{28A0092B-C50C-407E-A947-70E740481C1C}">
@@ -10056,6 +9916,135 @@
             <a:xfrm>
               <a:off x="6745384" y="4609005"/>
               <a:ext cx="3595842" cy="841456"/>
+            </a:xfrm>
+            <a:prstGeom prst="rect">
+              <a:avLst/>
+            </a:prstGeom>
+          </p:spPr>
+        </p:pic>
+      </p:grpSp>
+      <p:grpSp>
+        <p:nvGrpSpPr>
+          <p:cNvPr id="3" name="Group 2">
+            <a:extLst>
+              <a:ext uri="{FF2B5EF4-FFF2-40B4-BE49-F238E27FC236}">
+                <a16:creationId xmlns:a16="http://schemas.microsoft.com/office/drawing/2014/main" id="{FB1FC76F-617A-2EDC-4039-7724B4CD712D}"/>
+              </a:ext>
+            </a:extLst>
+          </p:cNvPr>
+          <p:cNvGrpSpPr/>
+          <p:nvPr/>
+        </p:nvGrpSpPr>
+        <p:grpSpPr>
+          <a:xfrm>
+            <a:off x="5951984" y="6318094"/>
+            <a:ext cx="6130040" cy="381119"/>
+            <a:chOff x="3900570" y="6209512"/>
+            <a:chExt cx="8074208" cy="488804"/>
+          </a:xfrm>
+        </p:grpSpPr>
+        <p:sp>
+          <p:nvSpPr>
+            <p:cNvPr id="16" name="TextBox 15">
+              <a:extLst>
+                <a:ext uri="{FF2B5EF4-FFF2-40B4-BE49-F238E27FC236}">
+                  <a16:creationId xmlns:a16="http://schemas.microsoft.com/office/drawing/2014/main" id="{55F25537-3667-C3B7-D198-34E47B23F579}"/>
+                </a:ext>
+              </a:extLst>
+            </p:cNvPr>
+            <p:cNvSpPr txBox="1"/>
+            <p:nvPr/>
+          </p:nvSpPr>
+          <p:spPr>
+            <a:xfrm>
+              <a:off x="3900570" y="6209512"/>
+              <a:ext cx="8074208" cy="488804"/>
+            </a:xfrm>
+            <a:prstGeom prst="roundRect">
+              <a:avLst>
+                <a:gd name="adj" fmla="val 20010"/>
+              </a:avLst>
+            </a:prstGeom>
+            <a:noFill/>
+            <a:ln w="19050">
+              <a:solidFill>
+                <a:srgbClr val="FF0000"/>
+              </a:solidFill>
+            </a:ln>
+          </p:spPr>
+          <p:txBody>
+            <a:bodyPr wrap="square" rtlCol="0" anchor="ctr">
+              <a:spAutoFit/>
+            </a:bodyPr>
+            <a:lstStyle/>
+            <a:p>
+              <a:r>
+                <a:rPr lang="en-GB" sz="1600" b="1" dirty="0">
+                  <a:latin typeface="Source Sans Pro" panose="020B0503030403020204" pitchFamily="34" charset="0"/>
+                  <a:ea typeface="Source Sans Pro" panose="020B0503030403020204" pitchFamily="34" charset="0"/>
+                  <a:cs typeface="Segoe UI Semibold" panose="020B0702040204020203" pitchFamily="34" charset="0"/>
+                </a:rPr>
+                <a:t>Please Turn Off/Silence Your Devices </a:t>
+              </a:r>
+              <a:r>
+                <a:rPr lang="zh-TW" altLang="en-US" sz="1600" b="1" dirty="0">
+                  <a:latin typeface="Source Sans Pro" panose="020B0503030403020204" pitchFamily="34" charset="0"/>
+                  <a:ea typeface="Microsoft JhengHei" panose="020B0604030504040204" pitchFamily="34" charset="-120"/>
+                </a:rPr>
+                <a:t>請靜音或關閉所有電子設備</a:t>
+              </a:r>
+              <a:endParaRPr lang="ja-JP" altLang="en-US" sz="1600" b="1" dirty="0">
+                <a:latin typeface="Source Sans Pro" panose="020B0503030403020204" pitchFamily="34" charset="0"/>
+                <a:ea typeface="Microsoft JhengHei" panose="020B0604030504040204" pitchFamily="34" charset="-120"/>
+              </a:endParaRPr>
+            </a:p>
+          </p:txBody>
+        </p:sp>
+        <p:pic>
+          <p:nvPicPr>
+            <p:cNvPr id="18" name="Picture 17" descr="Shape&#10;&#10;Description automatically generated with low confidence">
+              <a:extLst>
+                <a:ext uri="{FF2B5EF4-FFF2-40B4-BE49-F238E27FC236}">
+                  <a16:creationId xmlns:a16="http://schemas.microsoft.com/office/drawing/2014/main" id="{D24884B4-E9EB-80EE-3B6F-640FA2B31C12}"/>
+                </a:ext>
+              </a:extLst>
+            </p:cNvPr>
+            <p:cNvPicPr>
+              <a:picLocks noChangeAspect="1"/>
+            </p:cNvPicPr>
+            <p:nvPr/>
+          </p:nvPicPr>
+          <p:blipFill>
+            <a:blip r:embed="rId5" cstate="print">
+              <a:extLst>
+                <a:ext uri="{BEBA8EAE-BF5A-486C-A8C5-ECC9F3942E4B}">
+                  <a14:imgProps xmlns:a14="http://schemas.microsoft.com/office/drawing/2010/main">
+                    <a14:imgLayer r:embed="rId6">
+                      <a14:imgEffect>
+                        <a14:colorTemperature colorTemp="11500"/>
+                      </a14:imgEffect>
+                      <a14:imgEffect>
+                        <a14:saturation sat="400000"/>
+                      </a14:imgEffect>
+                      <a14:imgEffect>
+                        <a14:brightnessContrast bright="-40000" contrast="-40000"/>
+                      </a14:imgEffect>
+                    </a14:imgLayer>
+                  </a14:imgProps>
+                </a:ext>
+                <a:ext uri="{28A0092B-C50C-407E-A947-70E740481C1C}">
+                  <a14:useLocalDpi xmlns:a14="http://schemas.microsoft.com/office/drawing/2010/main" val="0"/>
+                </a:ext>
+              </a:extLst>
+            </a:blip>
+            <a:stretch>
+              <a:fillRect/>
+            </a:stretch>
+          </p:blipFill>
+          <p:spPr>
+            <a:xfrm>
+              <a:off x="11583067" y="6279910"/>
+              <a:ext cx="348008" cy="348008"/>
             </a:xfrm>
             <a:prstGeom prst="rect">
               <a:avLst/>
@@ -10101,7 +10090,7 @@
         </p:nvSpPr>
         <p:spPr>
           <a:xfrm>
-            <a:off x="0" y="391868"/>
+            <a:off x="0" y="116632"/>
             <a:ext cx="12191999" cy="954107"/>
           </a:xfrm>
           <a:prstGeom prst="rect">
@@ -10158,8 +10147,8 @@
         </p:nvSpPr>
         <p:spPr>
           <a:xfrm>
-            <a:off x="335360" y="1988840"/>
-            <a:ext cx="5760640" cy="3416320"/>
+            <a:off x="335359" y="1679897"/>
+            <a:ext cx="5760640" cy="3693319"/>
           </a:xfrm>
           <a:prstGeom prst="rect">
             <a:avLst/>
@@ -10167,14 +10156,14 @@
           <a:noFill/>
         </p:spPr>
         <p:txBody>
-          <a:bodyPr wrap="square" lIns="0" rtlCol="0" anchor="ctr">
+          <a:bodyPr wrap="square" lIns="0" rtlCol="0" anchor="t">
             <a:spAutoFit/>
           </a:bodyPr>
           <a:lstStyle/>
           <a:p>
             <a:pPr algn="l"/>
             <a:r>
-              <a:rPr lang="en-GB" sz="2400" i="0" dirty="0">
+              <a:rPr lang="en-GB" sz="2600" i="0" dirty="0">
                 <a:effectLst/>
                 <a:latin typeface="Source Sans Pro Semibold" panose="020B0603030403020204" pitchFamily="34" charset="0"/>
                 <a:ea typeface="Source Sans Pro Semibold" panose="020B0603030403020204" pitchFamily="34" charset="0"/>
@@ -10185,7 +10174,7 @@
           <a:p>
             <a:pPr algn="l"/>
             <a:r>
-              <a:rPr lang="en-GB" sz="2400" i="0" dirty="0">
+              <a:rPr lang="en-GB" sz="2600" i="0" dirty="0">
                 <a:effectLst/>
                 <a:latin typeface="Source Sans Pro Semibold" panose="020B0603030403020204" pitchFamily="34" charset="0"/>
                 <a:ea typeface="Source Sans Pro Semibold" panose="020B0603030403020204" pitchFamily="34" charset="0"/>
@@ -10196,7 +10185,7 @@
           <a:p>
             <a:pPr algn="l"/>
             <a:r>
-              <a:rPr lang="en-GB" sz="2400" i="0" dirty="0">
+              <a:rPr lang="en-GB" sz="2600" i="0" dirty="0">
                 <a:effectLst/>
                 <a:latin typeface="Source Sans Pro Semibold" panose="020B0603030403020204" pitchFamily="34" charset="0"/>
                 <a:ea typeface="Source Sans Pro Semibold" panose="020B0603030403020204" pitchFamily="34" charset="0"/>
@@ -10204,7 +10193,7 @@
               <a:t>Begin by saying, </a:t>
             </a:r>
             <a:r>
-              <a:rPr lang="en-GB" sz="2400" b="1" i="1" dirty="0">
+              <a:rPr lang="en-GB" sz="2600" b="1" i="1" dirty="0">
                 <a:solidFill>
                   <a:schemeClr val="accent1">
                     <a:lumMod val="75000"/>
@@ -10216,7 +10205,7 @@
               </a:rPr>
               <a:t>“In the name of the Lord Jesus Christ I pray.”</a:t>
             </a:r>
-            <a:endParaRPr lang="en-GB" sz="2400" b="1" i="0" dirty="0">
+            <a:endParaRPr lang="en-GB" sz="2600" b="1" i="0" dirty="0">
               <a:solidFill>
                 <a:schemeClr val="accent1">
                   <a:lumMod val="75000"/>
@@ -10230,7 +10219,7 @@
           <a:p>
             <a:pPr algn="l"/>
             <a:r>
-              <a:rPr lang="en-GB" sz="2400" i="0" dirty="0">
+              <a:rPr lang="en-GB" sz="2600" i="0" dirty="0">
                 <a:effectLst/>
                 <a:latin typeface="Source Sans Pro Semibold" panose="020B0603030403020204" pitchFamily="34" charset="0"/>
                 <a:ea typeface="Source Sans Pro Semibold" panose="020B0603030403020204" pitchFamily="34" charset="0"/>
@@ -10238,7 +10227,7 @@
               <a:t>Praise the Lord by saying, </a:t>
             </a:r>
             <a:r>
-              <a:rPr lang="en-GB" sz="2400" b="1" i="1" dirty="0">
+              <a:rPr lang="en-GB" sz="2600" b="1" i="1" dirty="0">
                 <a:solidFill>
                   <a:schemeClr val="accent1">
                     <a:lumMod val="75000"/>
@@ -10250,7 +10239,7 @@
               </a:rPr>
               <a:t>“Hallelujah!”</a:t>
             </a:r>
-            <a:endParaRPr lang="en-GB" sz="2400" b="1" i="0" dirty="0">
+            <a:endParaRPr lang="en-GB" sz="2600" b="1" i="0" dirty="0">
               <a:solidFill>
                 <a:schemeClr val="accent1">
                   <a:lumMod val="75000"/>
@@ -10264,7 +10253,7 @@
           <a:p>
             <a:pPr algn="l"/>
             <a:r>
-              <a:rPr lang="en-GB" sz="2400" i="0" dirty="0">
+              <a:rPr lang="en-GB" sz="2600" i="0" dirty="0">
                 <a:effectLst/>
                 <a:latin typeface="Source Sans Pro Semibold" panose="020B0603030403020204" pitchFamily="34" charset="0"/>
                 <a:ea typeface="Source Sans Pro Semibold" panose="020B0603030403020204" pitchFamily="34" charset="0"/>
@@ -10275,7 +10264,7 @@
           <a:p>
             <a:pPr algn="l"/>
             <a:r>
-              <a:rPr lang="en-GB" sz="2400" i="0" dirty="0">
+              <a:rPr lang="en-GB" sz="2600" i="0" dirty="0">
                 <a:effectLst/>
                 <a:latin typeface="Source Sans Pro Semibold" panose="020B0603030403020204" pitchFamily="34" charset="0"/>
                 <a:ea typeface="Source Sans Pro Semibold" panose="020B0603030403020204" pitchFamily="34" charset="0"/>
@@ -10283,7 +10272,7 @@
               <a:t>Conclude your prayer with, </a:t>
             </a:r>
             <a:r>
-              <a:rPr lang="en-GB" sz="2400" b="1" i="1" dirty="0">
+              <a:rPr lang="en-GB" sz="2600" b="1" i="1" dirty="0">
                 <a:solidFill>
                   <a:schemeClr val="accent1">
                     <a:lumMod val="75000"/>
@@ -10295,7 +10284,7 @@
               </a:rPr>
               <a:t>“Amen.”</a:t>
             </a:r>
-            <a:endParaRPr lang="en-GB" sz="2400" b="1" i="0" dirty="0">
+            <a:endParaRPr lang="en-GB" sz="2600" b="1" i="0" dirty="0">
               <a:solidFill>
                 <a:schemeClr val="accent1">
                   <a:lumMod val="75000"/>
@@ -10322,7 +10311,7 @@
         </p:nvSpPr>
         <p:spPr>
           <a:xfrm>
-            <a:off x="6168008" y="1988840"/>
+            <a:off x="6168009" y="1679897"/>
             <a:ext cx="6023991" cy="3539430"/>
           </a:xfrm>
           <a:prstGeom prst="rect">
@@ -10568,7 +10557,7 @@
         </p:nvCxnSpPr>
         <p:spPr>
           <a:xfrm>
-            <a:off x="294302" y="1484784"/>
+            <a:off x="294302" y="1196752"/>
             <a:ext cx="11603397" cy="0"/>
           </a:xfrm>
           <a:prstGeom prst="line">
@@ -10597,63 +10586,12 @@
           </a:fontRef>
         </p:style>
       </p:cxnSp>
-      <p:pic>
-        <p:nvPicPr>
-          <p:cNvPr id="12" name="Picture 11" descr="Shape&#10;&#10;Description automatically generated with low confidence">
+      <p:grpSp>
+        <p:nvGrpSpPr>
+          <p:cNvPr id="7" name="Group 6">
             <a:extLst>
               <a:ext uri="{FF2B5EF4-FFF2-40B4-BE49-F238E27FC236}">
-                <a16:creationId xmlns:a16="http://schemas.microsoft.com/office/drawing/2014/main" id="{FEC4D4CE-A7C1-BCBC-7A85-5B9B3572D951}"/>
-              </a:ext>
-            </a:extLst>
-          </p:cNvPr>
-          <p:cNvPicPr>
-            <a:picLocks noChangeAspect="1"/>
-          </p:cNvPicPr>
-          <p:nvPr/>
-        </p:nvPicPr>
-        <p:blipFill>
-          <a:blip r:embed="rId3" cstate="print">
-            <a:extLst>
-              <a:ext uri="{BEBA8EAE-BF5A-486C-A8C5-ECC9F3942E4B}">
-                <a14:imgProps xmlns:a14="http://schemas.microsoft.com/office/drawing/2010/main">
-                  <a14:imgLayer r:embed="rId4">
-                    <a14:imgEffect>
-                      <a14:colorTemperature colorTemp="11500"/>
-                    </a14:imgEffect>
-                    <a14:imgEffect>
-                      <a14:saturation sat="400000"/>
-                    </a14:imgEffect>
-                    <a14:imgEffect>
-                      <a14:brightnessContrast bright="-40000" contrast="-40000"/>
-                    </a14:imgEffect>
-                  </a14:imgLayer>
-                </a14:imgProps>
-              </a:ext>
-              <a:ext uri="{28A0092B-C50C-407E-A947-70E740481C1C}">
-                <a14:useLocalDpi xmlns:a14="http://schemas.microsoft.com/office/drawing/2010/main" val="0"/>
-              </a:ext>
-            </a:extLst>
-          </a:blip>
-          <a:stretch>
-            <a:fillRect/>
-          </a:stretch>
-        </p:blipFill>
-        <p:spPr>
-          <a:xfrm>
-            <a:off x="11835414" y="6395917"/>
-            <a:ext cx="218523" cy="218523"/>
-          </a:xfrm>
-          <a:prstGeom prst="rect">
-            <a:avLst/>
-          </a:prstGeom>
-        </p:spPr>
-      </p:pic>
-      <p:grpSp>
-        <p:nvGrpSpPr>
-          <p:cNvPr id="4" name="Group 3">
-            <a:extLst>
-              <a:ext uri="{FF2B5EF4-FFF2-40B4-BE49-F238E27FC236}">
-                <a16:creationId xmlns:a16="http://schemas.microsoft.com/office/drawing/2014/main" id="{D9786849-9205-B85E-F066-F6175FCE0F47}"/>
+                <a16:creationId xmlns:a16="http://schemas.microsoft.com/office/drawing/2014/main" id="{AC2557A4-1DE5-B506-624D-F4E57A9EDDFD}"/>
               </a:ext>
             </a:extLst>
           </p:cNvPr>
@@ -10662,18 +10600,112 @@
         </p:nvGrpSpPr>
         <p:grpSpPr>
           <a:xfrm>
-            <a:off x="6744072" y="6335420"/>
-            <a:ext cx="5337952" cy="346472"/>
-            <a:chOff x="4943872" y="6231733"/>
-            <a:chExt cx="7030907" cy="444368"/>
+            <a:off x="220248" y="6400838"/>
+            <a:ext cx="3139448" cy="268522"/>
+            <a:chOff x="503270" y="4609005"/>
+            <a:chExt cx="9837956" cy="841457"/>
+          </a:xfrm>
+        </p:grpSpPr>
+        <p:pic>
+          <p:nvPicPr>
+            <p:cNvPr id="8" name="Picture 7" descr="Logo&#10;&#10;Description automatically generated">
+              <a:extLst>
+                <a:ext uri="{FF2B5EF4-FFF2-40B4-BE49-F238E27FC236}">
+                  <a16:creationId xmlns:a16="http://schemas.microsoft.com/office/drawing/2014/main" id="{BD467B69-75C5-D531-2D7C-EA62D5D6B7E8}"/>
+                </a:ext>
+              </a:extLst>
+            </p:cNvPr>
+            <p:cNvPicPr>
+              <a:picLocks noChangeAspect="1"/>
+            </p:cNvPicPr>
+            <p:nvPr/>
+          </p:nvPicPr>
+          <p:blipFill>
+            <a:blip r:embed="rId3" cstate="print">
+              <a:biLevel thresh="75000"/>
+              <a:extLst>
+                <a:ext uri="{28A0092B-C50C-407E-A947-70E740481C1C}">
+                  <a14:useLocalDpi xmlns:a14="http://schemas.microsoft.com/office/drawing/2010/main" val="0"/>
+                </a:ext>
+              </a:extLst>
+            </a:blip>
+            <a:stretch>
+              <a:fillRect/>
+            </a:stretch>
+          </p:blipFill>
+          <p:spPr>
+            <a:xfrm>
+              <a:off x="503270" y="4661782"/>
+              <a:ext cx="6094347" cy="788680"/>
+            </a:xfrm>
+            <a:prstGeom prst="rect">
+              <a:avLst/>
+            </a:prstGeom>
+          </p:spPr>
+        </p:pic>
+        <p:pic>
+          <p:nvPicPr>
+            <p:cNvPr id="10" name="Picture 9" descr="A picture containing icon&#10;&#10;Description automatically generated">
+              <a:extLst>
+                <a:ext uri="{FF2B5EF4-FFF2-40B4-BE49-F238E27FC236}">
+                  <a16:creationId xmlns:a16="http://schemas.microsoft.com/office/drawing/2014/main" id="{0E0FDBFE-3370-231C-E16B-EBAD1F93563C}"/>
+                </a:ext>
+              </a:extLst>
+            </p:cNvPr>
+            <p:cNvPicPr>
+              <a:picLocks noChangeAspect="1"/>
+            </p:cNvPicPr>
+            <p:nvPr/>
+          </p:nvPicPr>
+          <p:blipFill rotWithShape="1">
+            <a:blip r:embed="rId4" cstate="print">
+              <a:biLevel thresh="75000"/>
+              <a:extLst>
+                <a:ext uri="{28A0092B-C50C-407E-A947-70E740481C1C}">
+                  <a14:useLocalDpi xmlns:a14="http://schemas.microsoft.com/office/drawing/2010/main" val="0"/>
+                </a:ext>
+              </a:extLst>
+            </a:blip>
+            <a:srcRect l="27488"/>
+            <a:stretch/>
+          </p:blipFill>
+          <p:spPr>
+            <a:xfrm>
+              <a:off x="6745384" y="4609005"/>
+              <a:ext cx="3595842" cy="841456"/>
+            </a:xfrm>
+            <a:prstGeom prst="rect">
+              <a:avLst/>
+            </a:prstGeom>
+          </p:spPr>
+        </p:pic>
+      </p:grpSp>
+      <p:grpSp>
+        <p:nvGrpSpPr>
+          <p:cNvPr id="3" name="Group 2">
+            <a:extLst>
+              <a:ext uri="{FF2B5EF4-FFF2-40B4-BE49-F238E27FC236}">
+                <a16:creationId xmlns:a16="http://schemas.microsoft.com/office/drawing/2014/main" id="{0C117D11-0BC7-0B3D-9531-40EA33203852}"/>
+              </a:ext>
+            </a:extLst>
+          </p:cNvPr>
+          <p:cNvGrpSpPr/>
+          <p:nvPr/>
+        </p:nvGrpSpPr>
+        <p:grpSpPr>
+          <a:xfrm>
+            <a:off x="5951984" y="6318094"/>
+            <a:ext cx="6130040" cy="381119"/>
+            <a:chOff x="3900570" y="6209512"/>
+            <a:chExt cx="8074208" cy="488804"/>
           </a:xfrm>
         </p:grpSpPr>
         <p:sp>
           <p:nvSpPr>
-            <p:cNvPr id="6" name="TextBox 5">
+            <p:cNvPr id="14" name="TextBox 13">
               <a:extLst>
                 <a:ext uri="{FF2B5EF4-FFF2-40B4-BE49-F238E27FC236}">
-                  <a16:creationId xmlns:a16="http://schemas.microsoft.com/office/drawing/2014/main" id="{14DEC182-9EF8-EAB6-94C7-9396D690208A}"/>
+                  <a16:creationId xmlns:a16="http://schemas.microsoft.com/office/drawing/2014/main" id="{1F20659A-912A-A3F5-7438-9DCDEDE4CF19}"/>
                 </a:ext>
               </a:extLst>
             </p:cNvPr>
@@ -10682,8 +10714,8 @@
           </p:nvSpPr>
           <p:spPr>
             <a:xfrm>
-              <a:off x="4943872" y="6231733"/>
-              <a:ext cx="7030907" cy="444368"/>
+              <a:off x="3900570" y="6209512"/>
+              <a:ext cx="8074208" cy="488804"/>
             </a:xfrm>
             <a:prstGeom prst="roundRect">
               <a:avLst>
@@ -10704,7 +10736,7 @@
             <a:lstStyle/>
             <a:p>
               <a:r>
-                <a:rPr lang="en-GB" sz="1400" b="1" dirty="0">
+                <a:rPr lang="en-GB" sz="1600" b="1" dirty="0">
                   <a:latin typeface="Source Sans Pro" panose="020B0503030403020204" pitchFamily="34" charset="0"/>
                   <a:ea typeface="Source Sans Pro" panose="020B0503030403020204" pitchFamily="34" charset="0"/>
                   <a:cs typeface="Segoe UI Semibold" panose="020B0702040204020203" pitchFamily="34" charset="0"/>
@@ -10712,13 +10744,13 @@
                 <a:t>Please Turn Off/Silence Your Devices </a:t>
               </a:r>
               <a:r>
-                <a:rPr lang="zh-TW" altLang="en-US" sz="1400" b="1" dirty="0">
+                <a:rPr lang="zh-TW" altLang="en-US" sz="1600" b="1" dirty="0">
                   <a:latin typeface="Source Sans Pro" panose="020B0503030403020204" pitchFamily="34" charset="0"/>
                   <a:ea typeface="Microsoft JhengHei" panose="020B0604030504040204" pitchFamily="34" charset="-120"/>
                 </a:rPr>
                 <a:t>請靜音或關閉所有電子設備</a:t>
               </a:r>
-              <a:endParaRPr lang="ja-JP" altLang="en-US" sz="1400" b="1" dirty="0">
+              <a:endParaRPr lang="ja-JP" altLang="en-US" sz="1600" b="1" dirty="0">
                 <a:latin typeface="Source Sans Pro" panose="020B0503030403020204" pitchFamily="34" charset="0"/>
                 <a:ea typeface="Microsoft JhengHei" panose="020B0604030504040204" pitchFamily="34" charset="-120"/>
               </a:endParaRPr>
@@ -10727,10 +10759,10 @@
         </p:sp>
         <p:pic>
           <p:nvPicPr>
-            <p:cNvPr id="9" name="Picture 8" descr="Shape&#10;&#10;Description automatically generated with low confidence">
+            <p:cNvPr id="15" name="Picture 14" descr="Shape&#10;&#10;Description automatically generated with low confidence">
               <a:extLst>
                 <a:ext uri="{FF2B5EF4-FFF2-40B4-BE49-F238E27FC236}">
-                  <a16:creationId xmlns:a16="http://schemas.microsoft.com/office/drawing/2014/main" id="{74E2B17A-B797-DFF3-75E3-4A476DDBC4D0}"/>
+                  <a16:creationId xmlns:a16="http://schemas.microsoft.com/office/drawing/2014/main" id="{2519B31D-8076-C37B-E4E3-6FA3747760A2}"/>
                 </a:ext>
               </a:extLst>
             </p:cNvPr>
@@ -10768,102 +10800,8 @@
           </p:blipFill>
           <p:spPr>
             <a:xfrm>
-              <a:off x="11658489" y="6309320"/>
-              <a:ext cx="280267" cy="280267"/>
-            </a:xfrm>
-            <a:prstGeom prst="rect">
-              <a:avLst/>
-            </a:prstGeom>
-          </p:spPr>
-        </p:pic>
-      </p:grpSp>
-      <p:grpSp>
-        <p:nvGrpSpPr>
-          <p:cNvPr id="7" name="Group 6">
-            <a:extLst>
-              <a:ext uri="{FF2B5EF4-FFF2-40B4-BE49-F238E27FC236}">
-                <a16:creationId xmlns:a16="http://schemas.microsoft.com/office/drawing/2014/main" id="{AC2557A4-1DE5-B506-624D-F4E57A9EDDFD}"/>
-              </a:ext>
-            </a:extLst>
-          </p:cNvPr>
-          <p:cNvGrpSpPr/>
-          <p:nvPr/>
-        </p:nvGrpSpPr>
-        <p:grpSpPr>
-          <a:xfrm>
-            <a:off x="220248" y="6400838"/>
-            <a:ext cx="3139448" cy="268522"/>
-            <a:chOff x="503270" y="4609005"/>
-            <a:chExt cx="9837956" cy="841457"/>
-          </a:xfrm>
-        </p:grpSpPr>
-        <p:pic>
-          <p:nvPicPr>
-            <p:cNvPr id="8" name="Picture 7" descr="Logo&#10;&#10;Description automatically generated">
-              <a:extLst>
-                <a:ext uri="{FF2B5EF4-FFF2-40B4-BE49-F238E27FC236}">
-                  <a16:creationId xmlns:a16="http://schemas.microsoft.com/office/drawing/2014/main" id="{BD467B69-75C5-D531-2D7C-EA62D5D6B7E8}"/>
-                </a:ext>
-              </a:extLst>
-            </p:cNvPr>
-            <p:cNvPicPr>
-              <a:picLocks noChangeAspect="1"/>
-            </p:cNvPicPr>
-            <p:nvPr/>
-          </p:nvPicPr>
-          <p:blipFill>
-            <a:blip r:embed="rId7" cstate="print">
-              <a:biLevel thresh="75000"/>
-              <a:extLst>
-                <a:ext uri="{28A0092B-C50C-407E-A947-70E740481C1C}">
-                  <a14:useLocalDpi xmlns:a14="http://schemas.microsoft.com/office/drawing/2010/main" val="0"/>
-                </a:ext>
-              </a:extLst>
-            </a:blip>
-            <a:stretch>
-              <a:fillRect/>
-            </a:stretch>
-          </p:blipFill>
-          <p:spPr>
-            <a:xfrm>
-              <a:off x="503270" y="4661782"/>
-              <a:ext cx="6094347" cy="788680"/>
-            </a:xfrm>
-            <a:prstGeom prst="rect">
-              <a:avLst/>
-            </a:prstGeom>
-          </p:spPr>
-        </p:pic>
-        <p:pic>
-          <p:nvPicPr>
-            <p:cNvPr id="10" name="Picture 9" descr="A picture containing icon&#10;&#10;Description automatically generated">
-              <a:extLst>
-                <a:ext uri="{FF2B5EF4-FFF2-40B4-BE49-F238E27FC236}">
-                  <a16:creationId xmlns:a16="http://schemas.microsoft.com/office/drawing/2014/main" id="{0E0FDBFE-3370-231C-E16B-EBAD1F93563C}"/>
-                </a:ext>
-              </a:extLst>
-            </p:cNvPr>
-            <p:cNvPicPr>
-              <a:picLocks noChangeAspect="1"/>
-            </p:cNvPicPr>
-            <p:nvPr/>
-          </p:nvPicPr>
-          <p:blipFill rotWithShape="1">
-            <a:blip r:embed="rId8" cstate="print">
-              <a:biLevel thresh="75000"/>
-              <a:extLst>
-                <a:ext uri="{28A0092B-C50C-407E-A947-70E740481C1C}">
-                  <a14:useLocalDpi xmlns:a14="http://schemas.microsoft.com/office/drawing/2010/main" val="0"/>
-                </a:ext>
-              </a:extLst>
-            </a:blip>
-            <a:srcRect l="27488"/>
-            <a:stretch/>
-          </p:blipFill>
-          <p:spPr>
-            <a:xfrm>
-              <a:off x="6745384" y="4609005"/>
-              <a:ext cx="3595842" cy="841456"/>
+              <a:off x="11583067" y="6279910"/>
+              <a:ext cx="348008" cy="348008"/>
             </a:xfrm>
             <a:prstGeom prst="rect">
               <a:avLst/>

--- a/TJCPowerPoint/bin/Debug/Files/ServiceWidescreen.pptx
+++ b/TJCPowerPoint/bin/Debug/Files/ServiceWidescreen.pptx
@@ -5071,7 +5071,7 @@
                 <a:cs typeface="Segoe UI" panose="020B0502040204020203" pitchFamily="34" charset="0"/>
               </a:rPr>
               <a:pPr algn="ctr"/>
-              <a:t>Friday, February 3, 2023</a:t>
+              <a:t>Friday, February 17, 2023</a:t>
             </a:fld>
             <a:endParaRPr lang="en-US" altLang="en-US" sz="5400" b="1" dirty="0">
               <a:solidFill>
@@ -5493,10 +5493,10 @@
       </p:grpSp>
       <p:grpSp>
         <p:nvGrpSpPr>
-          <p:cNvPr id="2" name="Group 1">
+          <p:cNvPr id="7" name="Group 6">
             <a:extLst>
               <a:ext uri="{FF2B5EF4-FFF2-40B4-BE49-F238E27FC236}">
-                <a16:creationId xmlns:a16="http://schemas.microsoft.com/office/drawing/2014/main" id="{5FEFCB6F-AF9D-89DF-18CC-9AB63DC9BB45}"/>
+                <a16:creationId xmlns:a16="http://schemas.microsoft.com/office/drawing/2014/main" id="{809615FA-75EE-A623-CE85-45DE391CE464}"/>
               </a:ext>
             </a:extLst>
           </p:cNvPr>
@@ -5505,18 +5505,18 @@
         </p:nvGrpSpPr>
         <p:grpSpPr>
           <a:xfrm>
-            <a:off x="220248" y="6400838"/>
-            <a:ext cx="3139448" cy="268522"/>
+            <a:off x="220247" y="6381328"/>
+            <a:ext cx="3367551" cy="288032"/>
             <a:chOff x="503270" y="4609005"/>
             <a:chExt cx="9837956" cy="841457"/>
           </a:xfrm>
         </p:grpSpPr>
         <p:pic>
           <p:nvPicPr>
-            <p:cNvPr id="6" name="Picture 5" descr="Logo&#10;&#10;Description automatically generated">
+            <p:cNvPr id="10" name="Picture 9" descr="Logo&#10;&#10;Description automatically generated">
               <a:extLst>
                 <a:ext uri="{FF2B5EF4-FFF2-40B4-BE49-F238E27FC236}">
-                  <a16:creationId xmlns:a16="http://schemas.microsoft.com/office/drawing/2014/main" id="{F5C53D60-443F-7C38-04FF-E7595E9FCC6A}"/>
+                  <a16:creationId xmlns:a16="http://schemas.microsoft.com/office/drawing/2014/main" id="{8BE94FF0-EA8B-C2B2-C1F6-48BC91E6475F}"/>
                 </a:ext>
               </a:extLst>
             </p:cNvPr>
@@ -5550,10 +5550,10 @@
         </p:pic>
         <p:pic>
           <p:nvPicPr>
-            <p:cNvPr id="8" name="Picture 7" descr="A picture containing icon&#10;&#10;Description automatically generated">
+            <p:cNvPr id="11" name="Picture 10" descr="A picture containing icon&#10;&#10;Description automatically generated">
               <a:extLst>
                 <a:ext uri="{FF2B5EF4-FFF2-40B4-BE49-F238E27FC236}">
-                  <a16:creationId xmlns:a16="http://schemas.microsoft.com/office/drawing/2014/main" id="{21FA6D0C-7545-149D-8265-91EF6E586359}"/>
+                  <a16:creationId xmlns:a16="http://schemas.microsoft.com/office/drawing/2014/main" id="{F22E8FA5-34D2-62E2-E552-999BEA4FC6A1}"/>
                 </a:ext>
               </a:extLst>
             </p:cNvPr>
@@ -5655,100 +5655,6 @@
           </a:p>
         </p:txBody>
       </p:sp>
-      <p:grpSp>
-        <p:nvGrpSpPr>
-          <p:cNvPr id="6" name="Group 5">
-            <a:extLst>
-              <a:ext uri="{FF2B5EF4-FFF2-40B4-BE49-F238E27FC236}">
-                <a16:creationId xmlns:a16="http://schemas.microsoft.com/office/drawing/2014/main" id="{9F2C0C91-DEF5-EC36-666F-475C85F29FBB}"/>
-              </a:ext>
-            </a:extLst>
-          </p:cNvPr>
-          <p:cNvGrpSpPr/>
-          <p:nvPr/>
-        </p:nvGrpSpPr>
-        <p:grpSpPr>
-          <a:xfrm>
-            <a:off x="220248" y="6400838"/>
-            <a:ext cx="3139448" cy="268522"/>
-            <a:chOff x="503270" y="4609005"/>
-            <a:chExt cx="9837956" cy="841457"/>
-          </a:xfrm>
-        </p:grpSpPr>
-        <p:pic>
-          <p:nvPicPr>
-            <p:cNvPr id="7" name="Picture 6" descr="Logo&#10;&#10;Description automatically generated">
-              <a:extLst>
-                <a:ext uri="{FF2B5EF4-FFF2-40B4-BE49-F238E27FC236}">
-                  <a16:creationId xmlns:a16="http://schemas.microsoft.com/office/drawing/2014/main" id="{8E4774EA-F947-B9F2-D418-83CC73340FCD}"/>
-                </a:ext>
-              </a:extLst>
-            </p:cNvPr>
-            <p:cNvPicPr>
-              <a:picLocks noChangeAspect="1"/>
-            </p:cNvPicPr>
-            <p:nvPr/>
-          </p:nvPicPr>
-          <p:blipFill>
-            <a:blip r:embed="rId3" cstate="print">
-              <a:biLevel thresh="75000"/>
-              <a:extLst>
-                <a:ext uri="{28A0092B-C50C-407E-A947-70E740481C1C}">
-                  <a14:useLocalDpi xmlns:a14="http://schemas.microsoft.com/office/drawing/2010/main" val="0"/>
-                </a:ext>
-              </a:extLst>
-            </a:blip>
-            <a:stretch>
-              <a:fillRect/>
-            </a:stretch>
-          </p:blipFill>
-          <p:spPr>
-            <a:xfrm>
-              <a:off x="503270" y="4661782"/>
-              <a:ext cx="6094347" cy="788680"/>
-            </a:xfrm>
-            <a:prstGeom prst="rect">
-              <a:avLst/>
-            </a:prstGeom>
-          </p:spPr>
-        </p:pic>
-        <p:pic>
-          <p:nvPicPr>
-            <p:cNvPr id="8" name="Picture 7" descr="A picture containing icon&#10;&#10;Description automatically generated">
-              <a:extLst>
-                <a:ext uri="{FF2B5EF4-FFF2-40B4-BE49-F238E27FC236}">
-                  <a16:creationId xmlns:a16="http://schemas.microsoft.com/office/drawing/2014/main" id="{653ECAB9-48E8-01D6-528A-80CE7A559414}"/>
-                </a:ext>
-              </a:extLst>
-            </p:cNvPr>
-            <p:cNvPicPr>
-              <a:picLocks noChangeAspect="1"/>
-            </p:cNvPicPr>
-            <p:nvPr/>
-          </p:nvPicPr>
-          <p:blipFill rotWithShape="1">
-            <a:blip r:embed="rId4" cstate="print">
-              <a:biLevel thresh="75000"/>
-              <a:extLst>
-                <a:ext uri="{28A0092B-C50C-407E-A947-70E740481C1C}">
-                  <a14:useLocalDpi xmlns:a14="http://schemas.microsoft.com/office/drawing/2010/main" val="0"/>
-                </a:ext>
-              </a:extLst>
-            </a:blip>
-            <a:srcRect l="27488"/>
-            <a:stretch/>
-          </p:blipFill>
-          <p:spPr>
-            <a:xfrm>
-              <a:off x="6745384" y="4609005"/>
-              <a:ext cx="3595842" cy="841456"/>
-            </a:xfrm>
-            <a:prstGeom prst="rect">
-              <a:avLst/>
-            </a:prstGeom>
-          </p:spPr>
-        </p:pic>
-      </p:grpSp>
       <p:grpSp>
         <p:nvGrpSpPr>
           <p:cNvPr id="12" name="Group 11">
@@ -5841,11 +5747,11 @@
             <p:nvPr/>
           </p:nvPicPr>
           <p:blipFill>
-            <a:blip r:embed="rId5" cstate="print">
+            <a:blip r:embed="rId3" cstate="print">
               <a:extLst>
                 <a:ext uri="{BEBA8EAE-BF5A-486C-A8C5-ECC9F3942E4B}">
                   <a14:imgProps xmlns:a14="http://schemas.microsoft.com/office/drawing/2010/main">
-                    <a14:imgLayer r:embed="rId6">
+                    <a14:imgLayer r:embed="rId4">
                       <a14:imgEffect>
                         <a14:colorTemperature colorTemp="11500"/>
                       </a14:imgEffect>
@@ -5871,6 +5777,100 @@
             <a:xfrm>
               <a:off x="11583067" y="6279910"/>
               <a:ext cx="348008" cy="348008"/>
+            </a:xfrm>
+            <a:prstGeom prst="rect">
+              <a:avLst/>
+            </a:prstGeom>
+          </p:spPr>
+        </p:pic>
+      </p:grpSp>
+      <p:grpSp>
+        <p:nvGrpSpPr>
+          <p:cNvPr id="2" name="Group 1">
+            <a:extLst>
+              <a:ext uri="{FF2B5EF4-FFF2-40B4-BE49-F238E27FC236}">
+                <a16:creationId xmlns:a16="http://schemas.microsoft.com/office/drawing/2014/main" id="{3A25FCFF-20D4-53F8-7873-DDC68870D0F2}"/>
+              </a:ext>
+            </a:extLst>
+          </p:cNvPr>
+          <p:cNvGrpSpPr/>
+          <p:nvPr/>
+        </p:nvGrpSpPr>
+        <p:grpSpPr>
+          <a:xfrm>
+            <a:off x="220247" y="6381328"/>
+            <a:ext cx="3367551" cy="288032"/>
+            <a:chOff x="503270" y="4609005"/>
+            <a:chExt cx="9837956" cy="841457"/>
+          </a:xfrm>
+        </p:grpSpPr>
+        <p:pic>
+          <p:nvPicPr>
+            <p:cNvPr id="3" name="Picture 2" descr="Logo&#10;&#10;Description automatically generated">
+              <a:extLst>
+                <a:ext uri="{FF2B5EF4-FFF2-40B4-BE49-F238E27FC236}">
+                  <a16:creationId xmlns:a16="http://schemas.microsoft.com/office/drawing/2014/main" id="{ED6615E2-37A3-BF9B-4F66-59BE2230FB35}"/>
+                </a:ext>
+              </a:extLst>
+            </p:cNvPr>
+            <p:cNvPicPr>
+              <a:picLocks noChangeAspect="1"/>
+            </p:cNvPicPr>
+            <p:nvPr/>
+          </p:nvPicPr>
+          <p:blipFill>
+            <a:blip r:embed="rId5" cstate="print">
+              <a:biLevel thresh="75000"/>
+              <a:extLst>
+                <a:ext uri="{28A0092B-C50C-407E-A947-70E740481C1C}">
+                  <a14:useLocalDpi xmlns:a14="http://schemas.microsoft.com/office/drawing/2010/main" val="0"/>
+                </a:ext>
+              </a:extLst>
+            </a:blip>
+            <a:stretch>
+              <a:fillRect/>
+            </a:stretch>
+          </p:blipFill>
+          <p:spPr>
+            <a:xfrm>
+              <a:off x="503270" y="4661782"/>
+              <a:ext cx="6094347" cy="788680"/>
+            </a:xfrm>
+            <a:prstGeom prst="rect">
+              <a:avLst/>
+            </a:prstGeom>
+          </p:spPr>
+        </p:pic>
+        <p:pic>
+          <p:nvPicPr>
+            <p:cNvPr id="4" name="Picture 3" descr="A picture containing icon&#10;&#10;Description automatically generated">
+              <a:extLst>
+                <a:ext uri="{FF2B5EF4-FFF2-40B4-BE49-F238E27FC236}">
+                  <a16:creationId xmlns:a16="http://schemas.microsoft.com/office/drawing/2014/main" id="{B89C5FCE-32EE-6802-CD07-D83CC191DD0C}"/>
+                </a:ext>
+              </a:extLst>
+            </p:cNvPr>
+            <p:cNvPicPr>
+              <a:picLocks noChangeAspect="1"/>
+            </p:cNvPicPr>
+            <p:nvPr/>
+          </p:nvPicPr>
+          <p:blipFill rotWithShape="1">
+            <a:blip r:embed="rId6" cstate="print">
+              <a:biLevel thresh="75000"/>
+              <a:extLst>
+                <a:ext uri="{28A0092B-C50C-407E-A947-70E740481C1C}">
+                  <a14:useLocalDpi xmlns:a14="http://schemas.microsoft.com/office/drawing/2010/main" val="0"/>
+                </a:ext>
+              </a:extLst>
+            </a:blip>
+            <a:srcRect l="27488"/>
+            <a:stretch/>
+          </p:blipFill>
+          <p:spPr>
+            <a:xfrm>
+              <a:off x="6745384" y="4609005"/>
+              <a:ext cx="3595842" cy="841456"/>
             </a:xfrm>
             <a:prstGeom prst="rect">
               <a:avLst/>
@@ -6610,7 +6610,7 @@
         </p:nvSpPr>
         <p:spPr bwMode="auto">
           <a:xfrm>
-            <a:off x="1524000" y="2385820"/>
+            <a:off x="1524000" y="2529836"/>
             <a:ext cx="9144000" cy="584775"/>
           </a:xfrm>
           <a:prstGeom prst="rect">
@@ -6670,7 +6670,7 @@
         </p:nvSpPr>
         <p:spPr bwMode="auto">
           <a:xfrm>
-            <a:off x="1527285" y="3040779"/>
+            <a:off x="1527285" y="3184795"/>
             <a:ext cx="9137431" cy="2980509"/>
           </a:xfrm>
           <a:prstGeom prst="rect">
@@ -7370,7 +7370,7 @@
         <p:spPr bwMode="auto">
           <a:xfrm>
             <a:off x="-1" y="3033580"/>
-            <a:ext cx="5951985" cy="1015663"/>
+            <a:ext cx="5951985" cy="1077218"/>
           </a:xfrm>
           <a:prstGeom prst="rect">
             <a:avLst/>
@@ -7421,7 +7421,7 @@
               </a:spcBef>
             </a:pPr>
             <a:r>
-              <a:rPr lang="en-US" altLang="en-US" sz="6000" dirty="0">
+              <a:rPr lang="en-US" altLang="en-US" sz="6400" b="1" dirty="0">
                 <a:latin typeface="Source Sans Pro Semibold" panose="020B0603030403020204" pitchFamily="34" charset="0"/>
                 <a:ea typeface="Source Sans Pro Semibold" panose="020B0603030403020204" pitchFamily="34" charset="0"/>
               </a:rPr>
@@ -7441,7 +7441,7 @@
         <p:spPr bwMode="auto">
           <a:xfrm>
             <a:off x="0" y="4069521"/>
-            <a:ext cx="5951984" cy="1015663"/>
+            <a:ext cx="5951984" cy="1077218"/>
           </a:xfrm>
           <a:prstGeom prst="rect">
             <a:avLst/>
@@ -7492,7 +7492,7 @@
               </a:spcBef>
             </a:pPr>
             <a:r>
-              <a:rPr lang="en-US" altLang="en-US" sz="6000" b="1" dirty="0">
+              <a:rPr lang="en-US" altLang="en-US" sz="6400" b="1" dirty="0">
                 <a:solidFill>
                   <a:schemeClr val="accent1">
                     <a:lumMod val="75000"/>
@@ -7668,8 +7668,8 @@
         </p:nvGrpSpPr>
         <p:grpSpPr>
           <a:xfrm>
-            <a:off x="220248" y="6400838"/>
-            <a:ext cx="3139448" cy="268522"/>
+            <a:off x="220247" y="6381328"/>
+            <a:ext cx="3367551" cy="288032"/>
             <a:chOff x="503270" y="4609005"/>
             <a:chExt cx="9837956" cy="841457"/>
           </a:xfrm>
@@ -8194,100 +8194,6 @@
       </p:cxnSp>
       <p:grpSp>
         <p:nvGrpSpPr>
-          <p:cNvPr id="12" name="Group 11">
-            <a:extLst>
-              <a:ext uri="{FF2B5EF4-FFF2-40B4-BE49-F238E27FC236}">
-                <a16:creationId xmlns:a16="http://schemas.microsoft.com/office/drawing/2014/main" id="{6A4162FD-A609-9C0E-EA2A-6296E2AFD6A1}"/>
-              </a:ext>
-            </a:extLst>
-          </p:cNvPr>
-          <p:cNvGrpSpPr/>
-          <p:nvPr/>
-        </p:nvGrpSpPr>
-        <p:grpSpPr>
-          <a:xfrm>
-            <a:off x="220248" y="6400838"/>
-            <a:ext cx="3139448" cy="268522"/>
-            <a:chOff x="503270" y="4609005"/>
-            <a:chExt cx="9837956" cy="841457"/>
-          </a:xfrm>
-        </p:grpSpPr>
-        <p:pic>
-          <p:nvPicPr>
-            <p:cNvPr id="13" name="Picture 12" descr="Logo&#10;&#10;Description automatically generated">
-              <a:extLst>
-                <a:ext uri="{FF2B5EF4-FFF2-40B4-BE49-F238E27FC236}">
-                  <a16:creationId xmlns:a16="http://schemas.microsoft.com/office/drawing/2014/main" id="{320C9716-CBC7-1A59-3C80-5AB8E6B2F23F}"/>
-                </a:ext>
-              </a:extLst>
-            </p:cNvPr>
-            <p:cNvPicPr>
-              <a:picLocks noChangeAspect="1"/>
-            </p:cNvPicPr>
-            <p:nvPr/>
-          </p:nvPicPr>
-          <p:blipFill>
-            <a:blip r:embed="rId3" cstate="print">
-              <a:biLevel thresh="75000"/>
-              <a:extLst>
-                <a:ext uri="{28A0092B-C50C-407E-A947-70E740481C1C}">
-                  <a14:useLocalDpi xmlns:a14="http://schemas.microsoft.com/office/drawing/2010/main" val="0"/>
-                </a:ext>
-              </a:extLst>
-            </a:blip>
-            <a:stretch>
-              <a:fillRect/>
-            </a:stretch>
-          </p:blipFill>
-          <p:spPr>
-            <a:xfrm>
-              <a:off x="503270" y="4661782"/>
-              <a:ext cx="6094347" cy="788680"/>
-            </a:xfrm>
-            <a:prstGeom prst="rect">
-              <a:avLst/>
-            </a:prstGeom>
-          </p:spPr>
-        </p:pic>
-        <p:pic>
-          <p:nvPicPr>
-            <p:cNvPr id="14" name="Picture 13" descr="A picture containing icon&#10;&#10;Description automatically generated">
-              <a:extLst>
-                <a:ext uri="{FF2B5EF4-FFF2-40B4-BE49-F238E27FC236}">
-                  <a16:creationId xmlns:a16="http://schemas.microsoft.com/office/drawing/2014/main" id="{5339119A-4E70-D210-B565-F375059635D8}"/>
-                </a:ext>
-              </a:extLst>
-            </p:cNvPr>
-            <p:cNvPicPr>
-              <a:picLocks noChangeAspect="1"/>
-            </p:cNvPicPr>
-            <p:nvPr/>
-          </p:nvPicPr>
-          <p:blipFill rotWithShape="1">
-            <a:blip r:embed="rId4" cstate="print">
-              <a:biLevel thresh="75000"/>
-              <a:extLst>
-                <a:ext uri="{28A0092B-C50C-407E-A947-70E740481C1C}">
-                  <a14:useLocalDpi xmlns:a14="http://schemas.microsoft.com/office/drawing/2010/main" val="0"/>
-                </a:ext>
-              </a:extLst>
-            </a:blip>
-            <a:srcRect l="27488"/>
-            <a:stretch/>
-          </p:blipFill>
-          <p:spPr>
-            <a:xfrm>
-              <a:off x="6745384" y="4609005"/>
-              <a:ext cx="3595842" cy="841456"/>
-            </a:xfrm>
-            <a:prstGeom prst="rect">
-              <a:avLst/>
-            </a:prstGeom>
-          </p:spPr>
-        </p:pic>
-      </p:grpSp>
-      <p:grpSp>
-        <p:nvGrpSpPr>
           <p:cNvPr id="4" name="Group 3">
             <a:extLst>
               <a:ext uri="{FF2B5EF4-FFF2-40B4-BE49-F238E27FC236}">
@@ -8378,11 +8284,11 @@
             <p:nvPr/>
           </p:nvPicPr>
           <p:blipFill>
-            <a:blip r:embed="rId5" cstate="print">
+            <a:blip r:embed="rId3" cstate="print">
               <a:extLst>
                 <a:ext uri="{BEBA8EAE-BF5A-486C-A8C5-ECC9F3942E4B}">
                   <a14:imgProps xmlns:a14="http://schemas.microsoft.com/office/drawing/2010/main">
-                    <a14:imgLayer r:embed="rId6">
+                    <a14:imgLayer r:embed="rId4">
                       <a14:imgEffect>
                         <a14:colorTemperature colorTemp="11500"/>
                       </a14:imgEffect>
@@ -8408,6 +8314,100 @@
             <a:xfrm>
               <a:off x="11583067" y="6279910"/>
               <a:ext cx="348008" cy="348008"/>
+            </a:xfrm>
+            <a:prstGeom prst="rect">
+              <a:avLst/>
+            </a:prstGeom>
+          </p:spPr>
+        </p:pic>
+      </p:grpSp>
+      <p:grpSp>
+        <p:nvGrpSpPr>
+          <p:cNvPr id="2" name="Group 1">
+            <a:extLst>
+              <a:ext uri="{FF2B5EF4-FFF2-40B4-BE49-F238E27FC236}">
+                <a16:creationId xmlns:a16="http://schemas.microsoft.com/office/drawing/2014/main" id="{87FED79B-F10A-0FCD-D534-F24CE5CEEFCD}"/>
+              </a:ext>
+            </a:extLst>
+          </p:cNvPr>
+          <p:cNvGrpSpPr/>
+          <p:nvPr/>
+        </p:nvGrpSpPr>
+        <p:grpSpPr>
+          <a:xfrm>
+            <a:off x="220247" y="6381328"/>
+            <a:ext cx="3367551" cy="288032"/>
+            <a:chOff x="503270" y="4609005"/>
+            <a:chExt cx="9837956" cy="841457"/>
+          </a:xfrm>
+        </p:grpSpPr>
+        <p:pic>
+          <p:nvPicPr>
+            <p:cNvPr id="9" name="Picture 8" descr="Logo&#10;&#10;Description automatically generated">
+              <a:extLst>
+                <a:ext uri="{FF2B5EF4-FFF2-40B4-BE49-F238E27FC236}">
+                  <a16:creationId xmlns:a16="http://schemas.microsoft.com/office/drawing/2014/main" id="{D5091D81-EABC-F254-ED2A-EB2100BBF390}"/>
+                </a:ext>
+              </a:extLst>
+            </p:cNvPr>
+            <p:cNvPicPr>
+              <a:picLocks noChangeAspect="1"/>
+            </p:cNvPicPr>
+            <p:nvPr/>
+          </p:nvPicPr>
+          <p:blipFill>
+            <a:blip r:embed="rId5" cstate="print">
+              <a:biLevel thresh="75000"/>
+              <a:extLst>
+                <a:ext uri="{28A0092B-C50C-407E-A947-70E740481C1C}">
+                  <a14:useLocalDpi xmlns:a14="http://schemas.microsoft.com/office/drawing/2010/main" val="0"/>
+                </a:ext>
+              </a:extLst>
+            </a:blip>
+            <a:stretch>
+              <a:fillRect/>
+            </a:stretch>
+          </p:blipFill>
+          <p:spPr>
+            <a:xfrm>
+              <a:off x="503270" y="4661782"/>
+              <a:ext cx="6094347" cy="788680"/>
+            </a:xfrm>
+            <a:prstGeom prst="rect">
+              <a:avLst/>
+            </a:prstGeom>
+          </p:spPr>
+        </p:pic>
+        <p:pic>
+          <p:nvPicPr>
+            <p:cNvPr id="10" name="Picture 9" descr="A picture containing icon&#10;&#10;Description automatically generated">
+              <a:extLst>
+                <a:ext uri="{FF2B5EF4-FFF2-40B4-BE49-F238E27FC236}">
+                  <a16:creationId xmlns:a16="http://schemas.microsoft.com/office/drawing/2014/main" id="{A4CA5380-F497-1A89-C991-0DC290F018CF}"/>
+                </a:ext>
+              </a:extLst>
+            </p:cNvPr>
+            <p:cNvPicPr>
+              <a:picLocks noChangeAspect="1"/>
+            </p:cNvPicPr>
+            <p:nvPr/>
+          </p:nvPicPr>
+          <p:blipFill rotWithShape="1">
+            <a:blip r:embed="rId6" cstate="print">
+              <a:biLevel thresh="75000"/>
+              <a:extLst>
+                <a:ext uri="{28A0092B-C50C-407E-A947-70E740481C1C}">
+                  <a14:useLocalDpi xmlns:a14="http://schemas.microsoft.com/office/drawing/2010/main" val="0"/>
+                </a:ext>
+              </a:extLst>
+            </a:blip>
+            <a:srcRect l="27488"/>
+            <a:stretch/>
+          </p:blipFill>
+          <p:spPr>
+            <a:xfrm>
+              <a:off x="6745384" y="4609005"/>
+              <a:ext cx="3595842" cy="841456"/>
             </a:xfrm>
             <a:prstGeom prst="rect">
               <a:avLst/>
@@ -8647,100 +8647,6 @@
           </a:fontRef>
         </p:style>
       </p:cxnSp>
-      <p:grpSp>
-        <p:nvGrpSpPr>
-          <p:cNvPr id="9" name="Group 8">
-            <a:extLst>
-              <a:ext uri="{FF2B5EF4-FFF2-40B4-BE49-F238E27FC236}">
-                <a16:creationId xmlns:a16="http://schemas.microsoft.com/office/drawing/2014/main" id="{EF8E42D2-FDDC-7302-0D2A-33B51639FDD9}"/>
-              </a:ext>
-            </a:extLst>
-          </p:cNvPr>
-          <p:cNvGrpSpPr/>
-          <p:nvPr/>
-        </p:nvGrpSpPr>
-        <p:grpSpPr>
-          <a:xfrm>
-            <a:off x="220248" y="6400838"/>
-            <a:ext cx="3139448" cy="268522"/>
-            <a:chOff x="503270" y="4609005"/>
-            <a:chExt cx="9837956" cy="841457"/>
-          </a:xfrm>
-        </p:grpSpPr>
-        <p:pic>
-          <p:nvPicPr>
-            <p:cNvPr id="10" name="Picture 9" descr="Logo&#10;&#10;Description automatically generated">
-              <a:extLst>
-                <a:ext uri="{FF2B5EF4-FFF2-40B4-BE49-F238E27FC236}">
-                  <a16:creationId xmlns:a16="http://schemas.microsoft.com/office/drawing/2014/main" id="{157D5E6B-FDF3-D13E-03C6-C347953BB8C8}"/>
-                </a:ext>
-              </a:extLst>
-            </p:cNvPr>
-            <p:cNvPicPr>
-              <a:picLocks noChangeAspect="1"/>
-            </p:cNvPicPr>
-            <p:nvPr/>
-          </p:nvPicPr>
-          <p:blipFill>
-            <a:blip r:embed="rId3" cstate="print">
-              <a:biLevel thresh="75000"/>
-              <a:extLst>
-                <a:ext uri="{28A0092B-C50C-407E-A947-70E740481C1C}">
-                  <a14:useLocalDpi xmlns:a14="http://schemas.microsoft.com/office/drawing/2010/main" val="0"/>
-                </a:ext>
-              </a:extLst>
-            </a:blip>
-            <a:stretch>
-              <a:fillRect/>
-            </a:stretch>
-          </p:blipFill>
-          <p:spPr>
-            <a:xfrm>
-              <a:off x="503270" y="4661782"/>
-              <a:ext cx="6094347" cy="788680"/>
-            </a:xfrm>
-            <a:prstGeom prst="rect">
-              <a:avLst/>
-            </a:prstGeom>
-          </p:spPr>
-        </p:pic>
-        <p:pic>
-          <p:nvPicPr>
-            <p:cNvPr id="12" name="Picture 11" descr="A picture containing icon&#10;&#10;Description automatically generated">
-              <a:extLst>
-                <a:ext uri="{FF2B5EF4-FFF2-40B4-BE49-F238E27FC236}">
-                  <a16:creationId xmlns:a16="http://schemas.microsoft.com/office/drawing/2014/main" id="{C2BFEF65-EC53-E095-88E5-917E4A40CABE}"/>
-                </a:ext>
-              </a:extLst>
-            </p:cNvPr>
-            <p:cNvPicPr>
-              <a:picLocks noChangeAspect="1"/>
-            </p:cNvPicPr>
-            <p:nvPr/>
-          </p:nvPicPr>
-          <p:blipFill rotWithShape="1">
-            <a:blip r:embed="rId4" cstate="print">
-              <a:biLevel thresh="75000"/>
-              <a:extLst>
-                <a:ext uri="{28A0092B-C50C-407E-A947-70E740481C1C}">
-                  <a14:useLocalDpi xmlns:a14="http://schemas.microsoft.com/office/drawing/2010/main" val="0"/>
-                </a:ext>
-              </a:extLst>
-            </a:blip>
-            <a:srcRect l="27488"/>
-            <a:stretch/>
-          </p:blipFill>
-          <p:spPr>
-            <a:xfrm>
-              <a:off x="6745384" y="4609005"/>
-              <a:ext cx="3595842" cy="841456"/>
-            </a:xfrm>
-            <a:prstGeom prst="rect">
-              <a:avLst/>
-            </a:prstGeom>
-          </p:spPr>
-        </p:pic>
-      </p:grpSp>
       <p:grpSp>
         <p:nvGrpSpPr>
           <p:cNvPr id="2" name="Group 1">
@@ -8833,11 +8739,11 @@
             <p:nvPr/>
           </p:nvPicPr>
           <p:blipFill>
-            <a:blip r:embed="rId5" cstate="print">
+            <a:blip r:embed="rId3" cstate="print">
               <a:extLst>
                 <a:ext uri="{BEBA8EAE-BF5A-486C-A8C5-ECC9F3942E4B}">
                   <a14:imgProps xmlns:a14="http://schemas.microsoft.com/office/drawing/2010/main">
-                    <a14:imgLayer r:embed="rId6">
+                    <a14:imgLayer r:embed="rId4">
                       <a14:imgEffect>
                         <a14:colorTemperature colorTemp="11500"/>
                       </a14:imgEffect>
@@ -8863,6 +8769,100 @@
             <a:xfrm>
               <a:off x="11583067" y="6279910"/>
               <a:ext cx="348008" cy="348008"/>
+            </a:xfrm>
+            <a:prstGeom prst="rect">
+              <a:avLst/>
+            </a:prstGeom>
+          </p:spPr>
+        </p:pic>
+      </p:grpSp>
+      <p:grpSp>
+        <p:nvGrpSpPr>
+          <p:cNvPr id="8" name="Group 7">
+            <a:extLst>
+              <a:ext uri="{FF2B5EF4-FFF2-40B4-BE49-F238E27FC236}">
+                <a16:creationId xmlns:a16="http://schemas.microsoft.com/office/drawing/2014/main" id="{235CE32E-B4E5-9746-79A9-51845A8D035C}"/>
+              </a:ext>
+            </a:extLst>
+          </p:cNvPr>
+          <p:cNvGrpSpPr/>
+          <p:nvPr/>
+        </p:nvGrpSpPr>
+        <p:grpSpPr>
+          <a:xfrm>
+            <a:off x="220247" y="6381328"/>
+            <a:ext cx="3367551" cy="288032"/>
+            <a:chOff x="503270" y="4609005"/>
+            <a:chExt cx="9837956" cy="841457"/>
+          </a:xfrm>
+        </p:grpSpPr>
+        <p:pic>
+          <p:nvPicPr>
+            <p:cNvPr id="11" name="Picture 10" descr="Logo&#10;&#10;Description automatically generated">
+              <a:extLst>
+                <a:ext uri="{FF2B5EF4-FFF2-40B4-BE49-F238E27FC236}">
+                  <a16:creationId xmlns:a16="http://schemas.microsoft.com/office/drawing/2014/main" id="{56A02108-2A87-8A00-9C2A-A0AB0154259B}"/>
+                </a:ext>
+              </a:extLst>
+            </p:cNvPr>
+            <p:cNvPicPr>
+              <a:picLocks noChangeAspect="1"/>
+            </p:cNvPicPr>
+            <p:nvPr/>
+          </p:nvPicPr>
+          <p:blipFill>
+            <a:blip r:embed="rId5" cstate="print">
+              <a:biLevel thresh="75000"/>
+              <a:extLst>
+                <a:ext uri="{28A0092B-C50C-407E-A947-70E740481C1C}">
+                  <a14:useLocalDpi xmlns:a14="http://schemas.microsoft.com/office/drawing/2010/main" val="0"/>
+                </a:ext>
+              </a:extLst>
+            </a:blip>
+            <a:stretch>
+              <a:fillRect/>
+            </a:stretch>
+          </p:blipFill>
+          <p:spPr>
+            <a:xfrm>
+              <a:off x="503270" y="4661782"/>
+              <a:ext cx="6094347" cy="788680"/>
+            </a:xfrm>
+            <a:prstGeom prst="rect">
+              <a:avLst/>
+            </a:prstGeom>
+          </p:spPr>
+        </p:pic>
+        <p:pic>
+          <p:nvPicPr>
+            <p:cNvPr id="13" name="Picture 12" descr="A picture containing icon&#10;&#10;Description automatically generated">
+              <a:extLst>
+                <a:ext uri="{FF2B5EF4-FFF2-40B4-BE49-F238E27FC236}">
+                  <a16:creationId xmlns:a16="http://schemas.microsoft.com/office/drawing/2014/main" id="{BD8BF4EB-8A09-B264-823F-12DCE6A7414F}"/>
+                </a:ext>
+              </a:extLst>
+            </p:cNvPr>
+            <p:cNvPicPr>
+              <a:picLocks noChangeAspect="1"/>
+            </p:cNvPicPr>
+            <p:nvPr/>
+          </p:nvPicPr>
+          <p:blipFill rotWithShape="1">
+            <a:blip r:embed="rId6" cstate="print">
+              <a:biLevel thresh="75000"/>
+              <a:extLst>
+                <a:ext uri="{28A0092B-C50C-407E-A947-70E740481C1C}">
+                  <a14:useLocalDpi xmlns:a14="http://schemas.microsoft.com/office/drawing/2010/main" val="0"/>
+                </a:ext>
+              </a:extLst>
+            </a:blip>
+            <a:srcRect l="27488"/>
+            <a:stretch/>
+          </p:blipFill>
+          <p:spPr>
+            <a:xfrm>
+              <a:off x="6745384" y="4609005"/>
+              <a:ext cx="3595842" cy="841456"/>
             </a:xfrm>
             <a:prstGeom prst="rect">
               <a:avLst/>
@@ -9102,100 +9102,6 @@
           </a:fontRef>
         </p:style>
       </p:cxnSp>
-      <p:grpSp>
-        <p:nvGrpSpPr>
-          <p:cNvPr id="2" name="Group 1">
-            <a:extLst>
-              <a:ext uri="{FF2B5EF4-FFF2-40B4-BE49-F238E27FC236}">
-                <a16:creationId xmlns:a16="http://schemas.microsoft.com/office/drawing/2014/main" id="{F7BD3A45-AC6B-F563-CA6F-15BE8E743924}"/>
-              </a:ext>
-            </a:extLst>
-          </p:cNvPr>
-          <p:cNvGrpSpPr/>
-          <p:nvPr/>
-        </p:nvGrpSpPr>
-        <p:grpSpPr>
-          <a:xfrm>
-            <a:off x="220248" y="6400838"/>
-            <a:ext cx="3139448" cy="268522"/>
-            <a:chOff x="503270" y="4609005"/>
-            <a:chExt cx="9837956" cy="841457"/>
-          </a:xfrm>
-        </p:grpSpPr>
-        <p:pic>
-          <p:nvPicPr>
-            <p:cNvPr id="3" name="Picture 2" descr="Logo&#10;&#10;Description automatically generated">
-              <a:extLst>
-                <a:ext uri="{FF2B5EF4-FFF2-40B4-BE49-F238E27FC236}">
-                  <a16:creationId xmlns:a16="http://schemas.microsoft.com/office/drawing/2014/main" id="{97581DE5-FB88-E5EB-3784-84E880AB6FAD}"/>
-                </a:ext>
-              </a:extLst>
-            </p:cNvPr>
-            <p:cNvPicPr>
-              <a:picLocks noChangeAspect="1"/>
-            </p:cNvPicPr>
-            <p:nvPr/>
-          </p:nvPicPr>
-          <p:blipFill>
-            <a:blip r:embed="rId3" cstate="print">
-              <a:biLevel thresh="75000"/>
-              <a:extLst>
-                <a:ext uri="{28A0092B-C50C-407E-A947-70E740481C1C}">
-                  <a14:useLocalDpi xmlns:a14="http://schemas.microsoft.com/office/drawing/2010/main" val="0"/>
-                </a:ext>
-              </a:extLst>
-            </a:blip>
-            <a:stretch>
-              <a:fillRect/>
-            </a:stretch>
-          </p:blipFill>
-          <p:spPr>
-            <a:xfrm>
-              <a:off x="503270" y="4661782"/>
-              <a:ext cx="6094347" cy="788680"/>
-            </a:xfrm>
-            <a:prstGeom prst="rect">
-              <a:avLst/>
-            </a:prstGeom>
-          </p:spPr>
-        </p:pic>
-        <p:pic>
-          <p:nvPicPr>
-            <p:cNvPr id="4" name="Picture 3" descr="A picture containing icon&#10;&#10;Description automatically generated">
-              <a:extLst>
-                <a:ext uri="{FF2B5EF4-FFF2-40B4-BE49-F238E27FC236}">
-                  <a16:creationId xmlns:a16="http://schemas.microsoft.com/office/drawing/2014/main" id="{6CFA4AF5-9D8E-8171-6ABA-DA2B611421FA}"/>
-                </a:ext>
-              </a:extLst>
-            </p:cNvPr>
-            <p:cNvPicPr>
-              <a:picLocks noChangeAspect="1"/>
-            </p:cNvPicPr>
-            <p:nvPr/>
-          </p:nvPicPr>
-          <p:blipFill rotWithShape="1">
-            <a:blip r:embed="rId4" cstate="print">
-              <a:biLevel thresh="75000"/>
-              <a:extLst>
-                <a:ext uri="{28A0092B-C50C-407E-A947-70E740481C1C}">
-                  <a14:useLocalDpi xmlns:a14="http://schemas.microsoft.com/office/drawing/2010/main" val="0"/>
-                </a:ext>
-              </a:extLst>
-            </a:blip>
-            <a:srcRect l="27488"/>
-            <a:stretch/>
-          </p:blipFill>
-          <p:spPr>
-            <a:xfrm>
-              <a:off x="6745384" y="4609005"/>
-              <a:ext cx="3595842" cy="841456"/>
-            </a:xfrm>
-            <a:prstGeom prst="rect">
-              <a:avLst/>
-            </a:prstGeom>
-          </p:spPr>
-        </p:pic>
-      </p:grpSp>
       <p:grpSp>
         <p:nvGrpSpPr>
           <p:cNvPr id="6" name="Group 5">
@@ -9288,11 +9194,11 @@
             <p:nvPr/>
           </p:nvPicPr>
           <p:blipFill>
-            <a:blip r:embed="rId5" cstate="print">
+            <a:blip r:embed="rId3" cstate="print">
               <a:extLst>
                 <a:ext uri="{BEBA8EAE-BF5A-486C-A8C5-ECC9F3942E4B}">
                   <a14:imgProps xmlns:a14="http://schemas.microsoft.com/office/drawing/2010/main">
-                    <a14:imgLayer r:embed="rId6">
+                    <a14:imgLayer r:embed="rId4">
                       <a14:imgEffect>
                         <a14:colorTemperature colorTemp="11500"/>
                       </a14:imgEffect>
@@ -9318,6 +9224,100 @@
             <a:xfrm>
               <a:off x="11583067" y="6279910"/>
               <a:ext cx="348008" cy="348008"/>
+            </a:xfrm>
+            <a:prstGeom prst="rect">
+              <a:avLst/>
+            </a:prstGeom>
+          </p:spPr>
+        </p:pic>
+      </p:grpSp>
+      <p:grpSp>
+        <p:nvGrpSpPr>
+          <p:cNvPr id="8" name="Group 7">
+            <a:extLst>
+              <a:ext uri="{FF2B5EF4-FFF2-40B4-BE49-F238E27FC236}">
+                <a16:creationId xmlns:a16="http://schemas.microsoft.com/office/drawing/2014/main" id="{AF7526A1-2211-EB1C-EA11-20399FCF7205}"/>
+              </a:ext>
+            </a:extLst>
+          </p:cNvPr>
+          <p:cNvGrpSpPr/>
+          <p:nvPr/>
+        </p:nvGrpSpPr>
+        <p:grpSpPr>
+          <a:xfrm>
+            <a:off x="220247" y="6381328"/>
+            <a:ext cx="3367551" cy="288032"/>
+            <a:chOff x="503270" y="4609005"/>
+            <a:chExt cx="9837956" cy="841457"/>
+          </a:xfrm>
+        </p:grpSpPr>
+        <p:pic>
+          <p:nvPicPr>
+            <p:cNvPr id="10" name="Picture 9" descr="Logo&#10;&#10;Description automatically generated">
+              <a:extLst>
+                <a:ext uri="{FF2B5EF4-FFF2-40B4-BE49-F238E27FC236}">
+                  <a16:creationId xmlns:a16="http://schemas.microsoft.com/office/drawing/2014/main" id="{28349FCA-8B8A-2791-BE1E-DA5C14643C08}"/>
+                </a:ext>
+              </a:extLst>
+            </p:cNvPr>
+            <p:cNvPicPr>
+              <a:picLocks noChangeAspect="1"/>
+            </p:cNvPicPr>
+            <p:nvPr/>
+          </p:nvPicPr>
+          <p:blipFill>
+            <a:blip r:embed="rId5" cstate="print">
+              <a:biLevel thresh="75000"/>
+              <a:extLst>
+                <a:ext uri="{28A0092B-C50C-407E-A947-70E740481C1C}">
+                  <a14:useLocalDpi xmlns:a14="http://schemas.microsoft.com/office/drawing/2010/main" val="0"/>
+                </a:ext>
+              </a:extLst>
+            </a:blip>
+            <a:stretch>
+              <a:fillRect/>
+            </a:stretch>
+          </p:blipFill>
+          <p:spPr>
+            <a:xfrm>
+              <a:off x="503270" y="4661782"/>
+              <a:ext cx="6094347" cy="788680"/>
+            </a:xfrm>
+            <a:prstGeom prst="rect">
+              <a:avLst/>
+            </a:prstGeom>
+          </p:spPr>
+        </p:pic>
+        <p:pic>
+          <p:nvPicPr>
+            <p:cNvPr id="11" name="Picture 10" descr="A picture containing icon&#10;&#10;Description automatically generated">
+              <a:extLst>
+                <a:ext uri="{FF2B5EF4-FFF2-40B4-BE49-F238E27FC236}">
+                  <a16:creationId xmlns:a16="http://schemas.microsoft.com/office/drawing/2014/main" id="{2A6626B5-6385-E0C7-1672-4558C84DE0AC}"/>
+                </a:ext>
+              </a:extLst>
+            </p:cNvPr>
+            <p:cNvPicPr>
+              <a:picLocks noChangeAspect="1"/>
+            </p:cNvPicPr>
+            <p:nvPr/>
+          </p:nvPicPr>
+          <p:blipFill rotWithShape="1">
+            <a:blip r:embed="rId6" cstate="print">
+              <a:biLevel thresh="75000"/>
+              <a:extLst>
+                <a:ext uri="{28A0092B-C50C-407E-A947-70E740481C1C}">
+                  <a14:useLocalDpi xmlns:a14="http://schemas.microsoft.com/office/drawing/2010/main" val="0"/>
+                </a:ext>
+              </a:extLst>
+            </a:blip>
+            <a:srcRect l="27488"/>
+            <a:stretch/>
+          </p:blipFill>
+          <p:spPr>
+            <a:xfrm>
+              <a:off x="6745384" y="4609005"/>
+              <a:ext cx="3595842" cy="841456"/>
             </a:xfrm>
             <a:prstGeom prst="rect">
               <a:avLst/>
@@ -9831,100 +9831,6 @@
       </p:cxnSp>
       <p:grpSp>
         <p:nvGrpSpPr>
-          <p:cNvPr id="12" name="Group 11">
-            <a:extLst>
-              <a:ext uri="{FF2B5EF4-FFF2-40B4-BE49-F238E27FC236}">
-                <a16:creationId xmlns:a16="http://schemas.microsoft.com/office/drawing/2014/main" id="{CFE96D1B-C19A-CB16-1070-D2DB8EE8C292}"/>
-              </a:ext>
-            </a:extLst>
-          </p:cNvPr>
-          <p:cNvGrpSpPr/>
-          <p:nvPr/>
-        </p:nvGrpSpPr>
-        <p:grpSpPr>
-          <a:xfrm>
-            <a:off x="220248" y="6400838"/>
-            <a:ext cx="3139448" cy="268522"/>
-            <a:chOff x="503270" y="4609005"/>
-            <a:chExt cx="9837956" cy="841457"/>
-          </a:xfrm>
-        </p:grpSpPr>
-        <p:pic>
-          <p:nvPicPr>
-            <p:cNvPr id="14" name="Picture 13" descr="Logo&#10;&#10;Description automatically generated">
-              <a:extLst>
-                <a:ext uri="{FF2B5EF4-FFF2-40B4-BE49-F238E27FC236}">
-                  <a16:creationId xmlns:a16="http://schemas.microsoft.com/office/drawing/2014/main" id="{C354D0DF-6820-B032-FDF1-D5CBC74F6E8B}"/>
-                </a:ext>
-              </a:extLst>
-            </p:cNvPr>
-            <p:cNvPicPr>
-              <a:picLocks noChangeAspect="1"/>
-            </p:cNvPicPr>
-            <p:nvPr/>
-          </p:nvPicPr>
-          <p:blipFill>
-            <a:blip r:embed="rId3" cstate="print">
-              <a:biLevel thresh="75000"/>
-              <a:extLst>
-                <a:ext uri="{28A0092B-C50C-407E-A947-70E740481C1C}">
-                  <a14:useLocalDpi xmlns:a14="http://schemas.microsoft.com/office/drawing/2010/main" val="0"/>
-                </a:ext>
-              </a:extLst>
-            </a:blip>
-            <a:stretch>
-              <a:fillRect/>
-            </a:stretch>
-          </p:blipFill>
-          <p:spPr>
-            <a:xfrm>
-              <a:off x="503270" y="4661782"/>
-              <a:ext cx="6094347" cy="788680"/>
-            </a:xfrm>
-            <a:prstGeom prst="rect">
-              <a:avLst/>
-            </a:prstGeom>
-          </p:spPr>
-        </p:pic>
-        <p:pic>
-          <p:nvPicPr>
-            <p:cNvPr id="15" name="Picture 14" descr="A picture containing icon&#10;&#10;Description automatically generated">
-              <a:extLst>
-                <a:ext uri="{FF2B5EF4-FFF2-40B4-BE49-F238E27FC236}">
-                  <a16:creationId xmlns:a16="http://schemas.microsoft.com/office/drawing/2014/main" id="{2680809D-7743-6305-DA4F-A67C5F43BB6C}"/>
-                </a:ext>
-              </a:extLst>
-            </p:cNvPr>
-            <p:cNvPicPr>
-              <a:picLocks noChangeAspect="1"/>
-            </p:cNvPicPr>
-            <p:nvPr/>
-          </p:nvPicPr>
-          <p:blipFill rotWithShape="1">
-            <a:blip r:embed="rId4" cstate="print">
-              <a:biLevel thresh="75000"/>
-              <a:extLst>
-                <a:ext uri="{28A0092B-C50C-407E-A947-70E740481C1C}">
-                  <a14:useLocalDpi xmlns:a14="http://schemas.microsoft.com/office/drawing/2010/main" val="0"/>
-                </a:ext>
-              </a:extLst>
-            </a:blip>
-            <a:srcRect l="27488"/>
-            <a:stretch/>
-          </p:blipFill>
-          <p:spPr>
-            <a:xfrm>
-              <a:off x="6745384" y="4609005"/>
-              <a:ext cx="3595842" cy="841456"/>
-            </a:xfrm>
-            <a:prstGeom prst="rect">
-              <a:avLst/>
-            </a:prstGeom>
-          </p:spPr>
-        </p:pic>
-      </p:grpSp>
-      <p:grpSp>
-        <p:nvGrpSpPr>
           <p:cNvPr id="3" name="Group 2">
             <a:extLst>
               <a:ext uri="{FF2B5EF4-FFF2-40B4-BE49-F238E27FC236}">
@@ -10015,11 +9921,11 @@
             <p:nvPr/>
           </p:nvPicPr>
           <p:blipFill>
-            <a:blip r:embed="rId5" cstate="print">
+            <a:blip r:embed="rId3" cstate="print">
               <a:extLst>
                 <a:ext uri="{BEBA8EAE-BF5A-486C-A8C5-ECC9F3942E4B}">
                   <a14:imgProps xmlns:a14="http://schemas.microsoft.com/office/drawing/2010/main">
-                    <a14:imgLayer r:embed="rId6">
+                    <a14:imgLayer r:embed="rId4">
                       <a14:imgEffect>
                         <a14:colorTemperature colorTemp="11500"/>
                       </a14:imgEffect>
@@ -10045,6 +9951,100 @@
             <a:xfrm>
               <a:off x="11583067" y="6279910"/>
               <a:ext cx="348008" cy="348008"/>
+            </a:xfrm>
+            <a:prstGeom prst="rect">
+              <a:avLst/>
+            </a:prstGeom>
+          </p:spPr>
+        </p:pic>
+      </p:grpSp>
+      <p:grpSp>
+        <p:nvGrpSpPr>
+          <p:cNvPr id="4" name="Group 3">
+            <a:extLst>
+              <a:ext uri="{FF2B5EF4-FFF2-40B4-BE49-F238E27FC236}">
+                <a16:creationId xmlns:a16="http://schemas.microsoft.com/office/drawing/2014/main" id="{71A0711C-9D4E-883C-6D34-14B664B913D8}"/>
+              </a:ext>
+            </a:extLst>
+          </p:cNvPr>
+          <p:cNvGrpSpPr/>
+          <p:nvPr/>
+        </p:nvGrpSpPr>
+        <p:grpSpPr>
+          <a:xfrm>
+            <a:off x="220247" y="6381328"/>
+            <a:ext cx="3367551" cy="288032"/>
+            <a:chOff x="503270" y="4609005"/>
+            <a:chExt cx="9837956" cy="841457"/>
+          </a:xfrm>
+        </p:grpSpPr>
+        <p:pic>
+          <p:nvPicPr>
+            <p:cNvPr id="9" name="Picture 8" descr="Logo&#10;&#10;Description automatically generated">
+              <a:extLst>
+                <a:ext uri="{FF2B5EF4-FFF2-40B4-BE49-F238E27FC236}">
+                  <a16:creationId xmlns:a16="http://schemas.microsoft.com/office/drawing/2014/main" id="{CBF3AE04-BF95-E8EE-BC5D-D8BF74B7B4EF}"/>
+                </a:ext>
+              </a:extLst>
+            </p:cNvPr>
+            <p:cNvPicPr>
+              <a:picLocks noChangeAspect="1"/>
+            </p:cNvPicPr>
+            <p:nvPr/>
+          </p:nvPicPr>
+          <p:blipFill>
+            <a:blip r:embed="rId5" cstate="print">
+              <a:biLevel thresh="75000"/>
+              <a:extLst>
+                <a:ext uri="{28A0092B-C50C-407E-A947-70E740481C1C}">
+                  <a14:useLocalDpi xmlns:a14="http://schemas.microsoft.com/office/drawing/2010/main" val="0"/>
+                </a:ext>
+              </a:extLst>
+            </a:blip>
+            <a:stretch>
+              <a:fillRect/>
+            </a:stretch>
+          </p:blipFill>
+          <p:spPr>
+            <a:xfrm>
+              <a:off x="503270" y="4661782"/>
+              <a:ext cx="6094347" cy="788680"/>
+            </a:xfrm>
+            <a:prstGeom prst="rect">
+              <a:avLst/>
+            </a:prstGeom>
+          </p:spPr>
+        </p:pic>
+        <p:pic>
+          <p:nvPicPr>
+            <p:cNvPr id="10" name="Picture 9" descr="A picture containing icon&#10;&#10;Description automatically generated">
+              <a:extLst>
+                <a:ext uri="{FF2B5EF4-FFF2-40B4-BE49-F238E27FC236}">
+                  <a16:creationId xmlns:a16="http://schemas.microsoft.com/office/drawing/2014/main" id="{47F2BEE1-6CA9-20C6-FDC5-8F46E9CB4DAC}"/>
+                </a:ext>
+              </a:extLst>
+            </p:cNvPr>
+            <p:cNvPicPr>
+              <a:picLocks noChangeAspect="1"/>
+            </p:cNvPicPr>
+            <p:nvPr/>
+          </p:nvPicPr>
+          <p:blipFill rotWithShape="1">
+            <a:blip r:embed="rId6" cstate="print">
+              <a:biLevel thresh="75000"/>
+              <a:extLst>
+                <a:ext uri="{28A0092B-C50C-407E-A947-70E740481C1C}">
+                  <a14:useLocalDpi xmlns:a14="http://schemas.microsoft.com/office/drawing/2010/main" val="0"/>
+                </a:ext>
+              </a:extLst>
+            </a:blip>
+            <a:srcRect l="27488"/>
+            <a:stretch/>
+          </p:blipFill>
+          <p:spPr>
+            <a:xfrm>
+              <a:off x="6745384" y="4609005"/>
+              <a:ext cx="3595842" cy="841456"/>
             </a:xfrm>
             <a:prstGeom prst="rect">
               <a:avLst/>
@@ -10586,100 +10586,6 @@
           </a:fontRef>
         </p:style>
       </p:cxnSp>
-      <p:grpSp>
-        <p:nvGrpSpPr>
-          <p:cNvPr id="7" name="Group 6">
-            <a:extLst>
-              <a:ext uri="{FF2B5EF4-FFF2-40B4-BE49-F238E27FC236}">
-                <a16:creationId xmlns:a16="http://schemas.microsoft.com/office/drawing/2014/main" id="{AC2557A4-1DE5-B506-624D-F4E57A9EDDFD}"/>
-              </a:ext>
-            </a:extLst>
-          </p:cNvPr>
-          <p:cNvGrpSpPr/>
-          <p:nvPr/>
-        </p:nvGrpSpPr>
-        <p:grpSpPr>
-          <a:xfrm>
-            <a:off x="220248" y="6400838"/>
-            <a:ext cx="3139448" cy="268522"/>
-            <a:chOff x="503270" y="4609005"/>
-            <a:chExt cx="9837956" cy="841457"/>
-          </a:xfrm>
-        </p:grpSpPr>
-        <p:pic>
-          <p:nvPicPr>
-            <p:cNvPr id="8" name="Picture 7" descr="Logo&#10;&#10;Description automatically generated">
-              <a:extLst>
-                <a:ext uri="{FF2B5EF4-FFF2-40B4-BE49-F238E27FC236}">
-                  <a16:creationId xmlns:a16="http://schemas.microsoft.com/office/drawing/2014/main" id="{BD467B69-75C5-D531-2D7C-EA62D5D6B7E8}"/>
-                </a:ext>
-              </a:extLst>
-            </p:cNvPr>
-            <p:cNvPicPr>
-              <a:picLocks noChangeAspect="1"/>
-            </p:cNvPicPr>
-            <p:nvPr/>
-          </p:nvPicPr>
-          <p:blipFill>
-            <a:blip r:embed="rId3" cstate="print">
-              <a:biLevel thresh="75000"/>
-              <a:extLst>
-                <a:ext uri="{28A0092B-C50C-407E-A947-70E740481C1C}">
-                  <a14:useLocalDpi xmlns:a14="http://schemas.microsoft.com/office/drawing/2010/main" val="0"/>
-                </a:ext>
-              </a:extLst>
-            </a:blip>
-            <a:stretch>
-              <a:fillRect/>
-            </a:stretch>
-          </p:blipFill>
-          <p:spPr>
-            <a:xfrm>
-              <a:off x="503270" y="4661782"/>
-              <a:ext cx="6094347" cy="788680"/>
-            </a:xfrm>
-            <a:prstGeom prst="rect">
-              <a:avLst/>
-            </a:prstGeom>
-          </p:spPr>
-        </p:pic>
-        <p:pic>
-          <p:nvPicPr>
-            <p:cNvPr id="10" name="Picture 9" descr="A picture containing icon&#10;&#10;Description automatically generated">
-              <a:extLst>
-                <a:ext uri="{FF2B5EF4-FFF2-40B4-BE49-F238E27FC236}">
-                  <a16:creationId xmlns:a16="http://schemas.microsoft.com/office/drawing/2014/main" id="{0E0FDBFE-3370-231C-E16B-EBAD1F93563C}"/>
-                </a:ext>
-              </a:extLst>
-            </p:cNvPr>
-            <p:cNvPicPr>
-              <a:picLocks noChangeAspect="1"/>
-            </p:cNvPicPr>
-            <p:nvPr/>
-          </p:nvPicPr>
-          <p:blipFill rotWithShape="1">
-            <a:blip r:embed="rId4" cstate="print">
-              <a:biLevel thresh="75000"/>
-              <a:extLst>
-                <a:ext uri="{28A0092B-C50C-407E-A947-70E740481C1C}">
-                  <a14:useLocalDpi xmlns:a14="http://schemas.microsoft.com/office/drawing/2010/main" val="0"/>
-                </a:ext>
-              </a:extLst>
-            </a:blip>
-            <a:srcRect l="27488"/>
-            <a:stretch/>
-          </p:blipFill>
-          <p:spPr>
-            <a:xfrm>
-              <a:off x="6745384" y="4609005"/>
-              <a:ext cx="3595842" cy="841456"/>
-            </a:xfrm>
-            <a:prstGeom prst="rect">
-              <a:avLst/>
-            </a:prstGeom>
-          </p:spPr>
-        </p:pic>
-      </p:grpSp>
       <p:grpSp>
         <p:nvGrpSpPr>
           <p:cNvPr id="3" name="Group 2">
@@ -10772,11 +10678,11 @@
             <p:nvPr/>
           </p:nvPicPr>
           <p:blipFill>
-            <a:blip r:embed="rId5" cstate="print">
+            <a:blip r:embed="rId3" cstate="print">
               <a:extLst>
                 <a:ext uri="{BEBA8EAE-BF5A-486C-A8C5-ECC9F3942E4B}">
                   <a14:imgProps xmlns:a14="http://schemas.microsoft.com/office/drawing/2010/main">
-                    <a14:imgLayer r:embed="rId6">
+                    <a14:imgLayer r:embed="rId4">
                       <a14:imgEffect>
                         <a14:colorTemperature colorTemp="11500"/>
                       </a14:imgEffect>
@@ -10802,6 +10708,100 @@
             <a:xfrm>
               <a:off x="11583067" y="6279910"/>
               <a:ext cx="348008" cy="348008"/>
+            </a:xfrm>
+            <a:prstGeom prst="rect">
+              <a:avLst/>
+            </a:prstGeom>
+          </p:spPr>
+        </p:pic>
+      </p:grpSp>
+      <p:grpSp>
+        <p:nvGrpSpPr>
+          <p:cNvPr id="4" name="Group 3">
+            <a:extLst>
+              <a:ext uri="{FF2B5EF4-FFF2-40B4-BE49-F238E27FC236}">
+                <a16:creationId xmlns:a16="http://schemas.microsoft.com/office/drawing/2014/main" id="{03693CCC-5425-94EC-76C5-1DBC756C591A}"/>
+              </a:ext>
+            </a:extLst>
+          </p:cNvPr>
+          <p:cNvGrpSpPr/>
+          <p:nvPr/>
+        </p:nvGrpSpPr>
+        <p:grpSpPr>
+          <a:xfrm>
+            <a:off x="220247" y="6381328"/>
+            <a:ext cx="3367551" cy="288032"/>
+            <a:chOff x="503270" y="4609005"/>
+            <a:chExt cx="9837956" cy="841457"/>
+          </a:xfrm>
+        </p:grpSpPr>
+        <p:pic>
+          <p:nvPicPr>
+            <p:cNvPr id="6" name="Picture 5" descr="Logo&#10;&#10;Description automatically generated">
+              <a:extLst>
+                <a:ext uri="{FF2B5EF4-FFF2-40B4-BE49-F238E27FC236}">
+                  <a16:creationId xmlns:a16="http://schemas.microsoft.com/office/drawing/2014/main" id="{8F4932B8-6137-D64C-532C-A72C1663C1AE}"/>
+                </a:ext>
+              </a:extLst>
+            </p:cNvPr>
+            <p:cNvPicPr>
+              <a:picLocks noChangeAspect="1"/>
+            </p:cNvPicPr>
+            <p:nvPr/>
+          </p:nvPicPr>
+          <p:blipFill>
+            <a:blip r:embed="rId5" cstate="print">
+              <a:biLevel thresh="75000"/>
+              <a:extLst>
+                <a:ext uri="{28A0092B-C50C-407E-A947-70E740481C1C}">
+                  <a14:useLocalDpi xmlns:a14="http://schemas.microsoft.com/office/drawing/2010/main" val="0"/>
+                </a:ext>
+              </a:extLst>
+            </a:blip>
+            <a:stretch>
+              <a:fillRect/>
+            </a:stretch>
+          </p:blipFill>
+          <p:spPr>
+            <a:xfrm>
+              <a:off x="503270" y="4661782"/>
+              <a:ext cx="6094347" cy="788680"/>
+            </a:xfrm>
+            <a:prstGeom prst="rect">
+              <a:avLst/>
+            </a:prstGeom>
+          </p:spPr>
+        </p:pic>
+        <p:pic>
+          <p:nvPicPr>
+            <p:cNvPr id="9" name="Picture 8" descr="A picture containing icon&#10;&#10;Description automatically generated">
+              <a:extLst>
+                <a:ext uri="{FF2B5EF4-FFF2-40B4-BE49-F238E27FC236}">
+                  <a16:creationId xmlns:a16="http://schemas.microsoft.com/office/drawing/2014/main" id="{CC75F0FE-0AD0-1716-B7E0-2D9E9C28B89A}"/>
+                </a:ext>
+              </a:extLst>
+            </p:cNvPr>
+            <p:cNvPicPr>
+              <a:picLocks noChangeAspect="1"/>
+            </p:cNvPicPr>
+            <p:nvPr/>
+          </p:nvPicPr>
+          <p:blipFill rotWithShape="1">
+            <a:blip r:embed="rId6" cstate="print">
+              <a:biLevel thresh="75000"/>
+              <a:extLst>
+                <a:ext uri="{28A0092B-C50C-407E-A947-70E740481C1C}">
+                  <a14:useLocalDpi xmlns:a14="http://schemas.microsoft.com/office/drawing/2010/main" val="0"/>
+                </a:ext>
+              </a:extLst>
+            </a:blip>
+            <a:srcRect l="27488"/>
+            <a:stretch/>
+          </p:blipFill>
+          <p:spPr>
+            <a:xfrm>
+              <a:off x="6745384" y="4609005"/>
+              <a:ext cx="3595842" cy="841456"/>
             </a:xfrm>
             <a:prstGeom prst="rect">
               <a:avLst/>

--- a/TJCPowerPoint/bin/Debug/Files/ServiceWidescreen.pptx
+++ b/TJCPowerPoint/bin/Debug/Files/ServiceWidescreen.pptx
@@ -5071,7 +5071,7 @@
                 <a:cs typeface="Segoe UI" panose="020B0502040204020203" pitchFamily="34" charset="0"/>
               </a:rPr>
               <a:pPr algn="ctr"/>
-              <a:t>Friday, February 17, 2023</a:t>
+              <a:t>Saturday, February 25, 2023</a:t>
             </a:fld>
             <a:endParaRPr lang="en-US" altLang="en-US" sz="5400" b="1" dirty="0">
               <a:solidFill>
@@ -5918,8 +5918,8 @@
         </p:nvSpPr>
         <p:spPr bwMode="auto">
           <a:xfrm>
-            <a:off x="0" y="2169918"/>
-            <a:ext cx="12192000" cy="923330"/>
+            <a:off x="0" y="2420888"/>
+            <a:ext cx="12192000" cy="830997"/>
           </a:xfrm>
           <a:prstGeom prst="rect">
             <a:avLst/>
@@ -5970,7 +5970,7 @@
               </a:spcBef>
             </a:pPr>
             <a:r>
-              <a:rPr lang="en-US" altLang="zh-CN" sz="5400" b="1" dirty="0">
+              <a:rPr lang="en-US" altLang="zh-CN" sz="4800" b="1" dirty="0">
                 <a:latin typeface="Source Sans Pro" panose="020B0503030403020204" pitchFamily="34" charset="0"/>
                 <a:ea typeface="Source Sans Pro" panose="020B0503030403020204" pitchFamily="34" charset="0"/>
                 <a:cs typeface="Segoe UI" panose="020B0502040204020203" pitchFamily="34" charset="0"/>
@@ -5990,8 +5990,8 @@
         </p:nvSpPr>
         <p:spPr bwMode="auto">
           <a:xfrm>
-            <a:off x="0" y="3153742"/>
-            <a:ext cx="12192000" cy="923330"/>
+            <a:off x="0" y="3312379"/>
+            <a:ext cx="12192000" cy="830997"/>
           </a:xfrm>
           <a:prstGeom prst="rect">
             <a:avLst/>
@@ -6042,7 +6042,7 @@
               </a:spcBef>
             </a:pPr>
             <a:r>
-              <a:rPr lang="en-US" altLang="zh-CN" sz="5400" b="1" dirty="0">
+              <a:rPr lang="en-US" altLang="zh-CN" sz="4800" b="1" dirty="0">
                 <a:solidFill>
                   <a:schemeClr val="accent1">
                     <a:lumMod val="75000"/>

--- a/TJCPowerPoint/bin/Debug/Files/ServiceWidescreen.pptx
+++ b/TJCPowerPoint/bin/Debug/Files/ServiceWidescreen.pptx
@@ -21,7 +21,7 @@
     <p:sldId id="361" r:id="rId9"/>
     <p:sldId id="359" r:id="rId10"/>
     <p:sldId id="363" r:id="rId11"/>
-    <p:sldId id="364" r:id="rId12"/>
+    <p:sldId id="370" r:id="rId12"/>
   </p:sldIdLst>
   <p:sldSz cx="12192000" cy="6858000"/>
   <p:notesSz cx="6858000" cy="9144000"/>
@@ -1258,7 +1258,7 @@
           <a:p>
             <a:r>
               <a:rPr lang="en-GB" dirty="0"/>
-              <a:t>Service Timetable</a:t>
+              <a:t>Service Times</a:t>
             </a:r>
           </a:p>
         </p:txBody>
@@ -1290,7 +1290,7 @@
     </p:spTree>
     <p:extLst>
       <p:ext uri="{BB962C8B-B14F-4D97-AF65-F5344CB8AC3E}">
-        <p14:creationId xmlns:p14="http://schemas.microsoft.com/office/powerpoint/2010/main" val="370275210"/>
+        <p14:creationId xmlns:p14="http://schemas.microsoft.com/office/powerpoint/2010/main" val="3795032222"/>
       </p:ext>
     </p:extLst>
   </p:cSld>
@@ -5071,7 +5071,7 @@
                 <a:cs typeface="Segoe UI" panose="020B0502040204020203" pitchFamily="34" charset="0"/>
               </a:rPr>
               <a:pPr algn="ctr"/>
-              <a:t>Saturday, February 25, 2023</a:t>
+              <a:t>Friday, May 12, 2023</a:t>
             </a:fld>
             <a:endParaRPr lang="en-US" altLang="en-US" sz="5400" b="1" dirty="0">
               <a:solidFill>
@@ -5617,50 +5617,217 @@
       </p:grpSpPr>
       <p:sp>
         <p:nvSpPr>
-          <p:cNvPr id="11" name="TextBox 10">
+          <p:cNvPr id="12" name="Text Box 12">
             <a:extLst>
               <a:ext uri="{FF2B5EF4-FFF2-40B4-BE49-F238E27FC236}">
-                <a16:creationId xmlns:a16="http://schemas.microsoft.com/office/drawing/2014/main" id="{ADA8455D-134F-486C-C096-FFC55CA1AF07}"/>
+                <a16:creationId xmlns:a16="http://schemas.microsoft.com/office/drawing/2014/main" id="{591C97DC-F419-4C94-A84E-E8038EFB7F71}"/>
               </a:ext>
             </a:extLst>
           </p:cNvPr>
-          <p:cNvSpPr txBox="1"/>
+          <p:cNvSpPr txBox="1">
+            <a:spLocks noChangeArrowheads="1"/>
+          </p:cNvSpPr>
           <p:nvPr/>
         </p:nvSpPr>
-        <p:spPr>
+        <p:spPr bwMode="auto">
           <a:xfrm>
-            <a:off x="3575720" y="3105834"/>
-            <a:ext cx="5040560" cy="646331"/>
+            <a:off x="0" y="876782"/>
+            <a:ext cx="12192000" cy="5360530"/>
           </a:xfrm>
           <a:prstGeom prst="rect">
             <a:avLst/>
           </a:prstGeom>
           <a:noFill/>
+          <a:ln>
+            <a:noFill/>
+          </a:ln>
+          <a:effectLst/>
+          <a:extLst>
+            <a:ext uri="{909E8E84-426E-40DD-AFC4-6F175D3DCCD1}">
+              <a14:hiddenFill xmlns:a14="http://schemas.microsoft.com/office/drawing/2010/main">
+                <a:solidFill>
+                  <a:schemeClr val="accent1"/>
+                </a:solidFill>
+              </a14:hiddenFill>
+            </a:ext>
+            <a:ext uri="{91240B29-F687-4F45-9708-019B960494DF}">
+              <a14:hiddenLine xmlns:a14="http://schemas.microsoft.com/office/drawing/2010/main" w="9525">
+                <a:solidFill>
+                  <a:schemeClr val="tx1"/>
+                </a:solidFill>
+                <a:miter lim="800000"/>
+                <a:headEnd/>
+                <a:tailEnd/>
+              </a14:hiddenLine>
+            </a:ext>
+            <a:ext uri="{AF507438-7753-43E0-B8FC-AC1667EBCBE1}">
+              <a14:hiddenEffects xmlns:a14="http://schemas.microsoft.com/office/drawing/2010/main">
+                <a:effectLst>
+                  <a:outerShdw dist="35921" dir="2700000" algn="ctr" rotWithShape="0">
+                    <a:schemeClr val="bg2"/>
+                  </a:outerShdw>
+                </a:effectLst>
+              </a14:hiddenEffects>
+            </a:ext>
+          </a:extLst>
         </p:spPr>
         <p:txBody>
-          <a:bodyPr wrap="square" rtlCol="0">
-            <a:spAutoFit/>
+          <a:bodyPr wrap="square">
+            <a:noAutofit/>
           </a:bodyPr>
           <a:lstStyle/>
           <a:p>
             <a:pPr algn="ctr"/>
-            <a:r>
-              <a:rPr lang="en-GB" sz="3600" b="1" dirty="0">
+            <a:endParaRPr lang="en-GB" altLang="zh-TW" sz="2400" dirty="0">
+              <a:latin typeface="Century Gothic" panose="020B0502020202020204" pitchFamily="34" charset="0"/>
+              <a:ea typeface="金梅新中楷全字體" panose="02010509060101010101" pitchFamily="49" charset="-120"/>
+            </a:endParaRPr>
+          </a:p>
+        </p:txBody>
+      </p:sp>
+      <p:sp>
+        <p:nvSpPr>
+          <p:cNvPr id="13" name="Text Box 12">
+            <a:extLst>
+              <a:ext uri="{FF2B5EF4-FFF2-40B4-BE49-F238E27FC236}">
+                <a16:creationId xmlns:a16="http://schemas.microsoft.com/office/drawing/2014/main" id="{977E556A-8801-4241-B610-C5D48A41FAF4}"/>
+              </a:ext>
+            </a:extLst>
+          </p:cNvPr>
+          <p:cNvSpPr txBox="1">
+            <a:spLocks noChangeArrowheads="1"/>
+          </p:cNvSpPr>
+          <p:nvPr/>
+        </p:nvSpPr>
+        <p:spPr bwMode="auto">
+          <a:xfrm>
+            <a:off x="2615493" y="188640"/>
+            <a:ext cx="6961014" cy="576064"/>
+          </a:xfrm>
+          <a:prstGeom prst="rect">
+            <a:avLst/>
+          </a:prstGeom>
+          <a:noFill/>
+          <a:ln>
+            <a:noFill/>
+          </a:ln>
+          <a:effectLst/>
+          <a:extLst>
+            <a:ext uri="{909E8E84-426E-40DD-AFC4-6F175D3DCCD1}">
+              <a14:hiddenFill xmlns:a14="http://schemas.microsoft.com/office/drawing/2010/main">
+                <a:solidFill>
+                  <a:schemeClr val="accent1"/>
+                </a:solidFill>
+              </a14:hiddenFill>
+            </a:ext>
+            <a:ext uri="{91240B29-F687-4F45-9708-019B960494DF}">
+              <a14:hiddenLine xmlns:a14="http://schemas.microsoft.com/office/drawing/2010/main" w="9525">
+                <a:solidFill>
+                  <a:schemeClr val="tx1"/>
+                </a:solidFill>
+                <a:miter lim="800000"/>
+                <a:headEnd/>
+                <a:tailEnd/>
+              </a14:hiddenLine>
+            </a:ext>
+            <a:ext uri="{AF507438-7753-43E0-B8FC-AC1667EBCBE1}">
+              <a14:hiddenEffects xmlns:a14="http://schemas.microsoft.com/office/drawing/2010/main">
+                <a:effectLst>
+                  <a:outerShdw dist="35921" dir="2700000" algn="ctr" rotWithShape="0">
+                    <a:schemeClr val="bg2"/>
+                  </a:outerShdw>
+                </a:effectLst>
+              </a14:hiddenEffects>
+            </a:ext>
+          </a:extLst>
+        </p:spPr>
+        <p:txBody>
+          <a:bodyPr wrap="square">
+            <a:noAutofit/>
+          </a:bodyPr>
+          <a:lstStyle/>
+          <a:p>
+            <a:pPr algn="ctr"/>
+            <a:r>
+              <a:rPr lang="en-GB" altLang="en-US" sz="2800" b="1" dirty="0">
                 <a:latin typeface="Source Sans Pro" panose="020B0503030403020204" pitchFamily="34" charset="0"/>
                 <a:ea typeface="Source Sans Pro" panose="020B0503030403020204" pitchFamily="34" charset="0"/>
                 <a:cs typeface="Segoe UI" panose="020B0502040204020203" pitchFamily="34" charset="0"/>
               </a:rPr>
-              <a:t>SERVICE TIMES IMAGE</a:t>
-            </a:r>
-          </a:p>
-        </p:txBody>
-      </p:sp>
+              <a:t>SERVICE TIMES</a:t>
+            </a:r>
+            <a:r>
+              <a:rPr lang="en-GB" altLang="en-US" sz="2800" b="1" dirty="0">
+                <a:latin typeface="Source Sans Pro" panose="020B0503030403020204" pitchFamily="34" charset="0"/>
+                <a:ea typeface="Source Sans Pro" panose="020B0503030403020204" pitchFamily="34" charset="0"/>
+              </a:rPr>
+              <a:t> </a:t>
+            </a:r>
+            <a:r>
+              <a:rPr lang="zh-TW" altLang="en-US" sz="2800" b="1" dirty="0">
+                <a:latin typeface="Source Sans Pro" panose="020B0503030403020204" pitchFamily="34" charset="0"/>
+                <a:ea typeface="Microsoft JhengHei" panose="020B0604030504040204" pitchFamily="34" charset="-120"/>
+              </a:rPr>
+              <a:t>佈告</a:t>
+            </a:r>
+            <a:endParaRPr lang="en-GB" altLang="zh-TW" sz="2800" b="1" dirty="0">
+              <a:latin typeface="Source Sans Pro" panose="020B0503030403020204" pitchFamily="34" charset="0"/>
+              <a:ea typeface="Source Sans Pro" panose="020B0503030403020204" pitchFamily="34" charset="0"/>
+            </a:endParaRPr>
+          </a:p>
+        </p:txBody>
+      </p:sp>
+      <p:cxnSp>
+        <p:nvCxnSpPr>
+          <p:cNvPr id="5" name="Straight Connector 4">
+            <a:extLst>
+              <a:ext uri="{FF2B5EF4-FFF2-40B4-BE49-F238E27FC236}">
+                <a16:creationId xmlns:a16="http://schemas.microsoft.com/office/drawing/2014/main" id="{B04EBCD1-ED31-BE05-65B6-951653243CCF}"/>
+              </a:ext>
+            </a:extLst>
+          </p:cNvPr>
+          <p:cNvCxnSpPr>
+            <a:cxnSpLocks/>
+          </p:cNvCxnSpPr>
+          <p:nvPr/>
+        </p:nvCxnSpPr>
+        <p:spPr>
+          <a:xfrm>
+            <a:off x="371364" y="779695"/>
+            <a:ext cx="11449272" cy="0"/>
+          </a:xfrm>
+          <a:prstGeom prst="line">
+            <a:avLst/>
+          </a:prstGeom>
+          <a:ln w="38100">
+            <a:solidFill>
+              <a:schemeClr val="accent1">
+                <a:lumMod val="75000"/>
+              </a:schemeClr>
+            </a:solidFill>
+          </a:ln>
+        </p:spPr>
+        <p:style>
+          <a:lnRef idx="1">
+            <a:schemeClr val="accent4"/>
+          </a:lnRef>
+          <a:fillRef idx="0">
+            <a:schemeClr val="accent4"/>
+          </a:fillRef>
+          <a:effectRef idx="0">
+            <a:schemeClr val="accent4"/>
+          </a:effectRef>
+          <a:fontRef idx="minor">
+            <a:schemeClr val="tx1"/>
+          </a:fontRef>
+        </p:style>
+      </p:cxnSp>
       <p:grpSp>
         <p:nvGrpSpPr>
-          <p:cNvPr id="12" name="Group 11">
+          <p:cNvPr id="6" name="Group 5">
             <a:extLst>
               <a:ext uri="{FF2B5EF4-FFF2-40B4-BE49-F238E27FC236}">
-                <a16:creationId xmlns:a16="http://schemas.microsoft.com/office/drawing/2014/main" id="{1BA6BC62-6F78-C802-AA56-E6AE52E2D600}"/>
+                <a16:creationId xmlns:a16="http://schemas.microsoft.com/office/drawing/2014/main" id="{702E56C3-3C87-EB7C-8382-9F614BEFE1E2}"/>
               </a:ext>
             </a:extLst>
           </p:cNvPr>
@@ -5677,10 +5844,10 @@
         </p:grpSpPr>
         <p:sp>
           <p:nvSpPr>
-            <p:cNvPr id="13" name="TextBox 12">
+            <p:cNvPr id="7" name="TextBox 6">
               <a:extLst>
                 <a:ext uri="{FF2B5EF4-FFF2-40B4-BE49-F238E27FC236}">
-                  <a16:creationId xmlns:a16="http://schemas.microsoft.com/office/drawing/2014/main" id="{FCA5E6AC-05AA-9E2C-D56D-CB9F9AB12C50}"/>
+                  <a16:creationId xmlns:a16="http://schemas.microsoft.com/office/drawing/2014/main" id="{0A55337A-AADB-6D6B-F423-3C94AEFD8966}"/>
                 </a:ext>
               </a:extLst>
             </p:cNvPr>
@@ -5734,10 +5901,10 @@
         </p:sp>
         <p:pic>
           <p:nvPicPr>
-            <p:cNvPr id="14" name="Picture 13" descr="Shape&#10;&#10;Description automatically generated with low confidence">
+            <p:cNvPr id="9" name="Picture 8" descr="Shape&#10;&#10;Description automatically generated with low confidence">
               <a:extLst>
                 <a:ext uri="{FF2B5EF4-FFF2-40B4-BE49-F238E27FC236}">
-                  <a16:creationId xmlns:a16="http://schemas.microsoft.com/office/drawing/2014/main" id="{6332E253-2426-9EEA-8968-F1F3F92FC20F}"/>
+                  <a16:creationId xmlns:a16="http://schemas.microsoft.com/office/drawing/2014/main" id="{D9FC682E-3882-3060-F7AB-43EE5A9993B9}"/>
                 </a:ext>
               </a:extLst>
             </p:cNvPr>
@@ -5786,10 +5953,10 @@
       </p:grpSp>
       <p:grpSp>
         <p:nvGrpSpPr>
-          <p:cNvPr id="2" name="Group 1">
+          <p:cNvPr id="8" name="Group 7">
             <a:extLst>
               <a:ext uri="{FF2B5EF4-FFF2-40B4-BE49-F238E27FC236}">
-                <a16:creationId xmlns:a16="http://schemas.microsoft.com/office/drawing/2014/main" id="{3A25FCFF-20D4-53F8-7873-DDC68870D0F2}"/>
+                <a16:creationId xmlns:a16="http://schemas.microsoft.com/office/drawing/2014/main" id="{AF7526A1-2211-EB1C-EA11-20399FCF7205}"/>
               </a:ext>
             </a:extLst>
           </p:cNvPr>
@@ -5806,10 +5973,10 @@
         </p:grpSpPr>
         <p:pic>
           <p:nvPicPr>
-            <p:cNvPr id="3" name="Picture 2" descr="Logo&#10;&#10;Description automatically generated">
+            <p:cNvPr id="10" name="Picture 9" descr="Logo&#10;&#10;Description automatically generated">
               <a:extLst>
                 <a:ext uri="{FF2B5EF4-FFF2-40B4-BE49-F238E27FC236}">
-                  <a16:creationId xmlns:a16="http://schemas.microsoft.com/office/drawing/2014/main" id="{ED6615E2-37A3-BF9B-4F66-59BE2230FB35}"/>
+                  <a16:creationId xmlns:a16="http://schemas.microsoft.com/office/drawing/2014/main" id="{28349FCA-8B8A-2791-BE1E-DA5C14643C08}"/>
                 </a:ext>
               </a:extLst>
             </p:cNvPr>
@@ -5843,10 +6010,10 @@
         </p:pic>
         <p:pic>
           <p:nvPicPr>
-            <p:cNvPr id="4" name="Picture 3" descr="A picture containing icon&#10;&#10;Description automatically generated">
+            <p:cNvPr id="11" name="Picture 10" descr="A picture containing icon&#10;&#10;Description automatically generated">
               <a:extLst>
                 <a:ext uri="{FF2B5EF4-FFF2-40B4-BE49-F238E27FC236}">
-                  <a16:creationId xmlns:a16="http://schemas.microsoft.com/office/drawing/2014/main" id="{B89C5FCE-32EE-6802-CD07-D83CC191DD0C}"/>
+                  <a16:creationId xmlns:a16="http://schemas.microsoft.com/office/drawing/2014/main" id="{2A6626B5-6385-E0C7-1672-4558C84DE0AC}"/>
                 </a:ext>
               </a:extLst>
             </p:cNvPr>
@@ -5881,7 +6048,7 @@
     </p:spTree>
     <p:extLst>
       <p:ext uri="{BB962C8B-B14F-4D97-AF65-F5344CB8AC3E}">
-        <p14:creationId xmlns:p14="http://schemas.microsoft.com/office/powerpoint/2010/main" val="3742231344"/>
+        <p14:creationId xmlns:p14="http://schemas.microsoft.com/office/powerpoint/2010/main" val="491890482"/>
       </p:ext>
     </p:extLst>
   </p:cSld>

--- a/TJCPowerPoint/bin/Debug/Files/ServiceWidescreen.pptx
+++ b/TJCPowerPoint/bin/Debug/Files/ServiceWidescreen.pptx
@@ -5071,7 +5071,7 @@
                 <a:cs typeface="Segoe UI" panose="020B0502040204020203" pitchFamily="34" charset="0"/>
               </a:rPr>
               <a:pPr algn="ctr"/>
-              <a:t>Friday, May 12, 2023</a:t>
+              <a:t>Tuesday, May 16, 2023</a:t>
             </a:fld>
             <a:endParaRPr lang="en-US" altLang="en-US" sz="5400" b="1" dirty="0">
               <a:solidFill>
@@ -6605,7 +6605,7 @@
         </p:spPr>
         <p:txBody>
           <a:bodyPr wrap="square">
-            <a:spAutoFit/>
+            <a:normAutofit/>
           </a:bodyPr>
           <a:lstStyle/>
           <a:p>
@@ -9579,7 +9579,7 @@
         </p:nvSpPr>
         <p:spPr>
           <a:xfrm>
-            <a:off x="6096000" y="1579416"/>
+            <a:off x="6096000" y="1462160"/>
             <a:ext cx="5958672" cy="670696"/>
           </a:xfrm>
           <a:prstGeom prst="rect">
@@ -9622,7 +9622,7 @@
         </p:nvSpPr>
         <p:spPr>
           <a:xfrm>
-            <a:off x="6095999" y="4156369"/>
+            <a:off x="6095999" y="4243712"/>
             <a:ext cx="5958672" cy="670696"/>
           </a:xfrm>
           <a:prstGeom prst="rect">
@@ -9751,7 +9751,7 @@
         </p:nvSpPr>
         <p:spPr>
           <a:xfrm>
-            <a:off x="488682" y="976344"/>
+            <a:off x="488682" y="908720"/>
             <a:ext cx="5118640" cy="584775"/>
           </a:xfrm>
           <a:prstGeom prst="rect">
@@ -9822,7 +9822,7 @@
         </p:nvSpPr>
         <p:spPr>
           <a:xfrm>
-            <a:off x="6096001" y="908720"/>
+            <a:off x="6096001" y="791464"/>
             <a:ext cx="5958670" cy="670696"/>
           </a:xfrm>
           <a:prstGeom prst="rect">
@@ -9871,7 +9871,7 @@
         </p:nvSpPr>
         <p:spPr>
           <a:xfrm>
-            <a:off x="6095999" y="3485673"/>
+            <a:off x="6095999" y="3573016"/>
             <a:ext cx="5958671" cy="670696"/>
           </a:xfrm>
           <a:prstGeom prst="rect">
@@ -9923,7 +9923,7 @@
         <p:spPr>
           <a:xfrm>
             <a:off x="6096000" y="1051553"/>
-            <a:ext cx="0" cy="5041743"/>
+            <a:ext cx="0" cy="5473791"/>
           </a:xfrm>
           <a:prstGeom prst="line">
             <a:avLst/>
@@ -9998,135 +9998,6 @@
       </p:cxnSp>
       <p:grpSp>
         <p:nvGrpSpPr>
-          <p:cNvPr id="3" name="Group 2">
-            <a:extLst>
-              <a:ext uri="{FF2B5EF4-FFF2-40B4-BE49-F238E27FC236}">
-                <a16:creationId xmlns:a16="http://schemas.microsoft.com/office/drawing/2014/main" id="{FB1FC76F-617A-2EDC-4039-7724B4CD712D}"/>
-              </a:ext>
-            </a:extLst>
-          </p:cNvPr>
-          <p:cNvGrpSpPr/>
-          <p:nvPr/>
-        </p:nvGrpSpPr>
-        <p:grpSpPr>
-          <a:xfrm>
-            <a:off x="5951984" y="6318094"/>
-            <a:ext cx="6130040" cy="381119"/>
-            <a:chOff x="3900570" y="6209512"/>
-            <a:chExt cx="8074208" cy="488804"/>
-          </a:xfrm>
-        </p:grpSpPr>
-        <p:sp>
-          <p:nvSpPr>
-            <p:cNvPr id="16" name="TextBox 15">
-              <a:extLst>
-                <a:ext uri="{FF2B5EF4-FFF2-40B4-BE49-F238E27FC236}">
-                  <a16:creationId xmlns:a16="http://schemas.microsoft.com/office/drawing/2014/main" id="{55F25537-3667-C3B7-D198-34E47B23F579}"/>
-                </a:ext>
-              </a:extLst>
-            </p:cNvPr>
-            <p:cNvSpPr txBox="1"/>
-            <p:nvPr/>
-          </p:nvSpPr>
-          <p:spPr>
-            <a:xfrm>
-              <a:off x="3900570" y="6209512"/>
-              <a:ext cx="8074208" cy="488804"/>
-            </a:xfrm>
-            <a:prstGeom prst="roundRect">
-              <a:avLst>
-                <a:gd name="adj" fmla="val 20010"/>
-              </a:avLst>
-            </a:prstGeom>
-            <a:noFill/>
-            <a:ln w="19050">
-              <a:solidFill>
-                <a:srgbClr val="FF0000"/>
-              </a:solidFill>
-            </a:ln>
-          </p:spPr>
-          <p:txBody>
-            <a:bodyPr wrap="square" rtlCol="0" anchor="ctr">
-              <a:spAutoFit/>
-            </a:bodyPr>
-            <a:lstStyle/>
-            <a:p>
-              <a:r>
-                <a:rPr lang="en-GB" sz="1600" b="1" dirty="0">
-                  <a:latin typeface="Source Sans Pro" panose="020B0503030403020204" pitchFamily="34" charset="0"/>
-                  <a:ea typeface="Source Sans Pro" panose="020B0503030403020204" pitchFamily="34" charset="0"/>
-                  <a:cs typeface="Segoe UI Semibold" panose="020B0702040204020203" pitchFamily="34" charset="0"/>
-                </a:rPr>
-                <a:t>Please Turn Off/Silence Your Devices </a:t>
-              </a:r>
-              <a:r>
-                <a:rPr lang="zh-TW" altLang="en-US" sz="1600" b="1" dirty="0">
-                  <a:latin typeface="Source Sans Pro" panose="020B0503030403020204" pitchFamily="34" charset="0"/>
-                  <a:ea typeface="Microsoft JhengHei" panose="020B0604030504040204" pitchFamily="34" charset="-120"/>
-                </a:rPr>
-                <a:t>請靜音或關閉所有電子設備</a:t>
-              </a:r>
-              <a:endParaRPr lang="ja-JP" altLang="en-US" sz="1600" b="1" dirty="0">
-                <a:latin typeface="Source Sans Pro" panose="020B0503030403020204" pitchFamily="34" charset="0"/>
-                <a:ea typeface="Microsoft JhengHei" panose="020B0604030504040204" pitchFamily="34" charset="-120"/>
-              </a:endParaRPr>
-            </a:p>
-          </p:txBody>
-        </p:sp>
-        <p:pic>
-          <p:nvPicPr>
-            <p:cNvPr id="18" name="Picture 17" descr="Shape&#10;&#10;Description automatically generated with low confidence">
-              <a:extLst>
-                <a:ext uri="{FF2B5EF4-FFF2-40B4-BE49-F238E27FC236}">
-                  <a16:creationId xmlns:a16="http://schemas.microsoft.com/office/drawing/2014/main" id="{D24884B4-E9EB-80EE-3B6F-640FA2B31C12}"/>
-                </a:ext>
-              </a:extLst>
-            </p:cNvPr>
-            <p:cNvPicPr>
-              <a:picLocks noChangeAspect="1"/>
-            </p:cNvPicPr>
-            <p:nvPr/>
-          </p:nvPicPr>
-          <p:blipFill>
-            <a:blip r:embed="rId3" cstate="print">
-              <a:extLst>
-                <a:ext uri="{BEBA8EAE-BF5A-486C-A8C5-ECC9F3942E4B}">
-                  <a14:imgProps xmlns:a14="http://schemas.microsoft.com/office/drawing/2010/main">
-                    <a14:imgLayer r:embed="rId4">
-                      <a14:imgEffect>
-                        <a14:colorTemperature colorTemp="11500"/>
-                      </a14:imgEffect>
-                      <a14:imgEffect>
-                        <a14:saturation sat="400000"/>
-                      </a14:imgEffect>
-                      <a14:imgEffect>
-                        <a14:brightnessContrast bright="-40000" contrast="-40000"/>
-                      </a14:imgEffect>
-                    </a14:imgLayer>
-                  </a14:imgProps>
-                </a:ext>
-                <a:ext uri="{28A0092B-C50C-407E-A947-70E740481C1C}">
-                  <a14:useLocalDpi xmlns:a14="http://schemas.microsoft.com/office/drawing/2010/main" val="0"/>
-                </a:ext>
-              </a:extLst>
-            </a:blip>
-            <a:stretch>
-              <a:fillRect/>
-            </a:stretch>
-          </p:blipFill>
-          <p:spPr>
-            <a:xfrm>
-              <a:off x="11583067" y="6279910"/>
-              <a:ext cx="348008" cy="348008"/>
-            </a:xfrm>
-            <a:prstGeom prst="rect">
-              <a:avLst/>
-            </a:prstGeom>
-          </p:spPr>
-        </p:pic>
-      </p:grpSp>
-      <p:grpSp>
-        <p:nvGrpSpPr>
           <p:cNvPr id="4" name="Group 3">
             <a:extLst>
               <a:ext uri="{FF2B5EF4-FFF2-40B4-BE49-F238E27FC236}">
@@ -10160,7 +10031,7 @@
             <p:nvPr/>
           </p:nvPicPr>
           <p:blipFill>
-            <a:blip r:embed="rId5" cstate="print">
+            <a:blip r:embed="rId3" cstate="print">
               <a:biLevel thresh="75000"/>
               <a:extLst>
                 <a:ext uri="{28A0092B-C50C-407E-A947-70E740481C1C}">
@@ -10197,7 +10068,7 @@
             <p:nvPr/>
           </p:nvPicPr>
           <p:blipFill rotWithShape="1">
-            <a:blip r:embed="rId6" cstate="print">
+            <a:blip r:embed="rId4" cstate="print">
               <a:biLevel thresh="75000"/>
               <a:extLst>
                 <a:ext uri="{28A0092B-C50C-407E-A947-70E740481C1C}">

--- a/TJCPowerPoint/bin/Debug/Files/ServiceWidescreen.pptx
+++ b/TJCPowerPoint/bin/Debug/Files/ServiceWidescreen.pptx
@@ -5071,7 +5071,7 @@
                 <a:cs typeface="Segoe UI" panose="020B0502040204020203" pitchFamily="34" charset="0"/>
               </a:rPr>
               <a:pPr algn="ctr"/>
-              <a:t>Tuesday, May 16, 2023</a:t>
+              <a:t>Thursday, May 18, 2023</a:t>
             </a:fld>
             <a:endParaRPr lang="en-US" altLang="en-US" sz="5400" b="1" dirty="0">
               <a:solidFill>
@@ -5678,9 +5678,9 @@
           <a:lstStyle/>
           <a:p>
             <a:pPr algn="ctr"/>
-            <a:endParaRPr lang="en-GB" altLang="zh-TW" sz="2400" dirty="0">
-              <a:latin typeface="Century Gothic" panose="020B0502020202020204" pitchFamily="34" charset="0"/>
-              <a:ea typeface="金梅新中楷全字體" panose="02010509060101010101" pitchFamily="49" charset="-120"/>
+            <a:endParaRPr lang="en-GB" altLang="zh-TW" sz="3200" dirty="0">
+              <a:latin typeface="Source Sans Pro" panose="020B0503030403020204" pitchFamily="34" charset="0"/>
+              <a:ea typeface="Source Sans Pro" panose="020B0503030403020204" pitchFamily="34" charset="0"/>
             </a:endParaRPr>
           </a:p>
         </p:txBody>
@@ -8675,9 +8675,9 @@
           <a:lstStyle/>
           <a:p>
             <a:pPr algn="ctr"/>
-            <a:endParaRPr lang="en-GB" altLang="zh-TW" sz="2400" dirty="0">
-              <a:latin typeface="Century Gothic" panose="020B0502020202020204" pitchFamily="34" charset="0"/>
-              <a:ea typeface="金梅新中楷全字體" panose="02010509060101010101" pitchFamily="49" charset="-120"/>
+            <a:endParaRPr lang="en-GB" altLang="zh-TW" sz="3200" dirty="0">
+              <a:latin typeface="Source Sans Pro" panose="020B0503030403020204" pitchFamily="34" charset="0"/>
+              <a:ea typeface="Source Sans Pro" panose="020B0503030403020204" pitchFamily="34" charset="0"/>
             </a:endParaRPr>
           </a:p>
         </p:txBody>
@@ -9125,9 +9125,9 @@
           <a:lstStyle/>
           <a:p>
             <a:pPr algn="ctr"/>
-            <a:endParaRPr lang="en-GB" altLang="zh-TW" sz="2400" dirty="0">
-              <a:latin typeface="Century Gothic" panose="020B0502020202020204" pitchFamily="34" charset="0"/>
-              <a:ea typeface="金梅新中楷全字體" panose="02010509060101010101" pitchFamily="49" charset="-120"/>
+            <a:endParaRPr lang="en-GB" altLang="zh-TW" sz="3200" dirty="0">
+              <a:latin typeface="Source Sans Pro" panose="020B0503030403020204" pitchFamily="34" charset="0"/>
+              <a:ea typeface="Source Sans Pro" panose="020B0503030403020204" pitchFamily="34" charset="0"/>
             </a:endParaRPr>
           </a:p>
         </p:txBody>
@@ -9579,8 +9579,8 @@
         </p:nvSpPr>
         <p:spPr>
           <a:xfrm>
-            <a:off x="6096000" y="1462160"/>
-            <a:ext cx="5958672" cy="670696"/>
+            <a:off x="6095999" y="1412776"/>
+            <a:ext cx="6095993" cy="588046"/>
           </a:xfrm>
           <a:prstGeom prst="rect">
             <a:avLst/>
@@ -9599,9 +9599,9 @@
               </a:lnSpc>
             </a:pPr>
             <a:r>
-              <a:rPr lang="en-GB" sz="2800" dirty="0">
-                <a:latin typeface="Source Sans Pro Semibold" panose="020B0603030403020204" pitchFamily="34" charset="0"/>
-                <a:ea typeface="Source Sans Pro Semibold" panose="020B0603030403020204" pitchFamily="34" charset="0"/>
+              <a:rPr lang="en-GB" sz="2400" dirty="0">
+                <a:latin typeface="Source Sans Pro" panose="020B0503030403020204" pitchFamily="34" charset="0"/>
+                <a:ea typeface="Source Sans Pro" panose="020B0503030403020204" pitchFamily="34" charset="0"/>
               </a:rPr>
               <a:t>-</a:t>
             </a:r>
@@ -9622,8 +9622,8 @@
         </p:nvSpPr>
         <p:spPr>
           <a:xfrm>
-            <a:off x="6095999" y="4243712"/>
-            <a:ext cx="5958672" cy="670696"/>
+            <a:off x="6095998" y="4194328"/>
+            <a:ext cx="6095999" cy="588046"/>
           </a:xfrm>
           <a:prstGeom prst="rect">
             <a:avLst/>
@@ -9642,9 +9642,9 @@
               </a:lnSpc>
             </a:pPr>
             <a:r>
-              <a:rPr lang="en-GB" sz="2800" dirty="0">
-                <a:latin typeface="Source Sans Pro Semibold" panose="020B0603030403020204" pitchFamily="34" charset="0"/>
-                <a:ea typeface="Source Sans Pro Semibold" panose="020B0603030403020204" pitchFamily="34" charset="0"/>
+              <a:rPr lang="en-GB" sz="2400" dirty="0">
+                <a:latin typeface="Source Sans Pro" panose="020B0503030403020204" pitchFamily="34" charset="0"/>
+                <a:ea typeface="Source Sans Pro" panose="020B0503030403020204" pitchFamily="34" charset="0"/>
               </a:rPr>
               <a:t>-</a:t>
             </a:r>
@@ -9822,8 +9822,8 @@
         </p:nvSpPr>
         <p:spPr>
           <a:xfrm>
-            <a:off x="6096001" y="791464"/>
-            <a:ext cx="5958670" cy="670696"/>
+            <a:off x="6096000" y="791464"/>
+            <a:ext cx="6095999" cy="670696"/>
           </a:xfrm>
           <a:prstGeom prst="rect">
             <a:avLst/>
@@ -9872,7 +9872,7 @@
         <p:spPr>
           <a:xfrm>
             <a:off x="6095999" y="3573016"/>
-            <a:ext cx="5958671" cy="670696"/>
+            <a:ext cx="6095992" cy="670696"/>
           </a:xfrm>
           <a:prstGeom prst="rect">
             <a:avLst/>

--- a/TJCPowerPoint/bin/Debug/Files/ServiceWidescreen.pptx
+++ b/TJCPowerPoint/bin/Debug/Files/ServiceWidescreen.pptx
@@ -5768,7 +5768,7 @@
                 <a:latin typeface="Source Sans Pro" panose="020B0503030403020204" pitchFamily="34" charset="0"/>
                 <a:ea typeface="Microsoft JhengHei" panose="020B0604030504040204" pitchFamily="34" charset="-120"/>
               </a:rPr>
-              <a:t>佈告</a:t>
+              <a:t>時間表</a:t>
             </a:r>
             <a:endParaRPr lang="en-GB" altLang="zh-TW" sz="2800" b="1" dirty="0">
               <a:latin typeface="Source Sans Pro" panose="020B0503030403020204" pitchFamily="34" charset="0"/>

--- a/TJCPowerPoint/bin/Debug/Files/ServiceWidescreen.pptx
+++ b/TJCPowerPoint/bin/Debug/Files/ServiceWidescreen.pptx
@@ -5071,7 +5071,7 @@
                 <a:cs typeface="Segoe UI" panose="020B0502040204020203" pitchFamily="34" charset="0"/>
               </a:rPr>
               <a:pPr algn="ctr"/>
-              <a:t>Thursday, May 18, 2023</a:t>
+              <a:t>Thursday, June 22, 2023</a:t>
             </a:fld>
             <a:endParaRPr lang="en-US" altLang="en-US" sz="5400" b="1" dirty="0">
               <a:solidFill>
@@ -5196,10 +5196,10 @@
       </p:sp>
       <p:grpSp>
         <p:nvGrpSpPr>
-          <p:cNvPr id="18" name="Group 17">
+          <p:cNvPr id="12" name="Group 11">
             <a:extLst>
               <a:ext uri="{FF2B5EF4-FFF2-40B4-BE49-F238E27FC236}">
-                <a16:creationId xmlns:a16="http://schemas.microsoft.com/office/drawing/2014/main" id="{C95A4823-73E1-7D36-9679-4836E506D962}"/>
+                <a16:creationId xmlns:a16="http://schemas.microsoft.com/office/drawing/2014/main" id="{04620E52-7B5B-C0F5-3E40-BA58C5F82396}"/>
               </a:ext>
             </a:extLst>
           </p:cNvPr>
@@ -5208,18 +5208,18 @@
         </p:nvGrpSpPr>
         <p:grpSpPr>
           <a:xfrm>
-            <a:off x="3803688" y="305481"/>
-            <a:ext cx="4584618" cy="392130"/>
-            <a:chOff x="503270" y="4609005"/>
-            <a:chExt cx="9837956" cy="841457"/>
+            <a:off x="3718599" y="328470"/>
+            <a:ext cx="4754803" cy="396343"/>
+            <a:chOff x="3719736" y="328470"/>
+            <a:chExt cx="4754803" cy="396343"/>
           </a:xfrm>
         </p:grpSpPr>
         <p:pic>
           <p:nvPicPr>
-            <p:cNvPr id="15" name="Picture 14" descr="Logo&#10;&#10;Description automatically generated">
+            <p:cNvPr id="4" name="Picture 3">
               <a:extLst>
                 <a:ext uri="{FF2B5EF4-FFF2-40B4-BE49-F238E27FC236}">
-                  <a16:creationId xmlns:a16="http://schemas.microsoft.com/office/drawing/2014/main" id="{97D954FD-4C49-EBCD-071F-33D0D00EED91}"/>
+                  <a16:creationId xmlns:a16="http://schemas.microsoft.com/office/drawing/2014/main" id="{993ECB1B-3015-5D9D-13A4-92BE55C44244}"/>
                 </a:ext>
               </a:extLst>
             </p:cNvPr>
@@ -5230,7 +5230,6 @@
           </p:nvPicPr>
           <p:blipFill>
             <a:blip r:embed="rId3">
-              <a:biLevel thresh="75000"/>
               <a:extLst>
                 <a:ext uri="{28A0092B-C50C-407E-A947-70E740481C1C}">
                   <a14:useLocalDpi xmlns:a14="http://schemas.microsoft.com/office/drawing/2010/main" val="0"/>
@@ -5243,8 +5242,8 @@
           </p:blipFill>
           <p:spPr>
             <a:xfrm>
-              <a:off x="503270" y="4661782"/>
-              <a:ext cx="6094347" cy="788680"/>
+              <a:off x="3719736" y="328470"/>
+              <a:ext cx="3030311" cy="392158"/>
             </a:xfrm>
             <a:prstGeom prst="rect">
               <a:avLst/>
@@ -5253,10 +5252,10 @@
         </p:pic>
         <p:pic>
           <p:nvPicPr>
-            <p:cNvPr id="17" name="Picture 16" descr="A picture containing icon&#10;&#10;Description automatically generated">
+            <p:cNvPr id="6" name="Picture 5" descr="A blue text on a black background&#10;&#10;Description automatically generated with low confidence">
               <a:extLst>
                 <a:ext uri="{FF2B5EF4-FFF2-40B4-BE49-F238E27FC236}">
-                  <a16:creationId xmlns:a16="http://schemas.microsoft.com/office/drawing/2014/main" id="{D6997496-4F6A-7A6B-DA48-631512238283}"/>
+                  <a16:creationId xmlns:a16="http://schemas.microsoft.com/office/drawing/2014/main" id="{821F2D92-0E16-54AC-56A2-674E715F7840}"/>
                 </a:ext>
               </a:extLst>
             </p:cNvPr>
@@ -5267,20 +5266,19 @@
           </p:nvPicPr>
           <p:blipFill rotWithShape="1">
             <a:blip r:embed="rId4" cstate="print">
-              <a:biLevel thresh="75000"/>
               <a:extLst>
                 <a:ext uri="{28A0092B-C50C-407E-A947-70E740481C1C}">
                   <a14:useLocalDpi xmlns:a14="http://schemas.microsoft.com/office/drawing/2010/main" val="0"/>
                 </a:ext>
               </a:extLst>
             </a:blip>
-            <a:srcRect l="27488"/>
+            <a:srcRect l="28239" r="1"/>
             <a:stretch/>
           </p:blipFill>
           <p:spPr>
             <a:xfrm>
-              <a:off x="6745384" y="4609005"/>
-              <a:ext cx="3595842" cy="841456"/>
+              <a:off x="6816080" y="332656"/>
+              <a:ext cx="1658459" cy="392157"/>
             </a:xfrm>
             <a:prstGeom prst="rect">
               <a:avLst/>
@@ -5327,7 +5325,7 @@
         </p:nvSpPr>
         <p:spPr>
           <a:xfrm>
-            <a:off x="479377" y="980728"/>
+            <a:off x="479377" y="1332015"/>
             <a:ext cx="11233247" cy="1323439"/>
           </a:xfrm>
           <a:prstGeom prst="rect">
@@ -5388,7 +5386,7 @@
         </p:nvGrpSpPr>
         <p:grpSpPr>
           <a:xfrm>
-            <a:off x="3578711" y="2708920"/>
+            <a:off x="3578711" y="3060207"/>
             <a:ext cx="5034575" cy="2096985"/>
             <a:chOff x="1710701" y="2869813"/>
             <a:chExt cx="5664564" cy="2359386"/>
@@ -5493,10 +5491,10 @@
       </p:grpSp>
       <p:grpSp>
         <p:nvGrpSpPr>
-          <p:cNvPr id="7" name="Group 6">
+          <p:cNvPr id="2" name="Group 1">
             <a:extLst>
               <a:ext uri="{FF2B5EF4-FFF2-40B4-BE49-F238E27FC236}">
-                <a16:creationId xmlns:a16="http://schemas.microsoft.com/office/drawing/2014/main" id="{809615FA-75EE-A623-CE85-45DE391CE464}"/>
+                <a16:creationId xmlns:a16="http://schemas.microsoft.com/office/drawing/2014/main" id="{8DDFE1AF-AC7B-B360-10C7-84813443D507}"/>
               </a:ext>
             </a:extLst>
           </p:cNvPr>
@@ -5505,18 +5503,18 @@
         </p:nvGrpSpPr>
         <p:grpSpPr>
           <a:xfrm>
-            <a:off x="220247" y="6381328"/>
-            <a:ext cx="3367551" cy="288032"/>
-            <a:chOff x="503270" y="4609005"/>
-            <a:chExt cx="9837956" cy="841457"/>
+            <a:off x="3718599" y="328470"/>
+            <a:ext cx="4754803" cy="396343"/>
+            <a:chOff x="3719736" y="328470"/>
+            <a:chExt cx="4754803" cy="396343"/>
           </a:xfrm>
         </p:grpSpPr>
         <p:pic>
           <p:nvPicPr>
-            <p:cNvPr id="10" name="Picture 9" descr="Logo&#10;&#10;Description automatically generated">
+            <p:cNvPr id="6" name="Picture 5">
               <a:extLst>
                 <a:ext uri="{FF2B5EF4-FFF2-40B4-BE49-F238E27FC236}">
-                  <a16:creationId xmlns:a16="http://schemas.microsoft.com/office/drawing/2014/main" id="{8BE94FF0-EA8B-C2B2-C1F6-48BC91E6475F}"/>
+                  <a16:creationId xmlns:a16="http://schemas.microsoft.com/office/drawing/2014/main" id="{AFAF29F9-FD1F-926F-E8E7-E3C4C89562AF}"/>
                 </a:ext>
               </a:extLst>
             </p:cNvPr>
@@ -5526,8 +5524,7 @@
             <p:nvPr/>
           </p:nvPicPr>
           <p:blipFill>
-            <a:blip r:embed="rId7" cstate="print">
-              <a:biLevel thresh="75000"/>
+            <a:blip r:embed="rId7">
               <a:extLst>
                 <a:ext uri="{28A0092B-C50C-407E-A947-70E740481C1C}">
                   <a14:useLocalDpi xmlns:a14="http://schemas.microsoft.com/office/drawing/2010/main" val="0"/>
@@ -5540,8 +5537,8 @@
           </p:blipFill>
           <p:spPr>
             <a:xfrm>
-              <a:off x="503270" y="4661782"/>
-              <a:ext cx="6094347" cy="788680"/>
+              <a:off x="3719736" y="328470"/>
+              <a:ext cx="3030311" cy="392158"/>
             </a:xfrm>
             <a:prstGeom prst="rect">
               <a:avLst/>
@@ -5550,10 +5547,10 @@
         </p:pic>
         <p:pic>
           <p:nvPicPr>
-            <p:cNvPr id="11" name="Picture 10" descr="A picture containing icon&#10;&#10;Description automatically generated">
+            <p:cNvPr id="8" name="Picture 7" descr="A blue text on a black background&#10;&#10;Description automatically generated with low confidence">
               <a:extLst>
                 <a:ext uri="{FF2B5EF4-FFF2-40B4-BE49-F238E27FC236}">
-                  <a16:creationId xmlns:a16="http://schemas.microsoft.com/office/drawing/2014/main" id="{F22E8FA5-34D2-62E2-E552-999BEA4FC6A1}"/>
+                  <a16:creationId xmlns:a16="http://schemas.microsoft.com/office/drawing/2014/main" id="{97DE0D3E-B869-6933-E1E3-24DBDF4A0FFE}"/>
                 </a:ext>
               </a:extLst>
             </p:cNvPr>
@@ -5564,20 +5561,19 @@
           </p:nvPicPr>
           <p:blipFill rotWithShape="1">
             <a:blip r:embed="rId8" cstate="print">
-              <a:biLevel thresh="75000"/>
               <a:extLst>
                 <a:ext uri="{28A0092B-C50C-407E-A947-70E740481C1C}">
                   <a14:useLocalDpi xmlns:a14="http://schemas.microsoft.com/office/drawing/2010/main" val="0"/>
                 </a:ext>
               </a:extLst>
             </a:blip>
-            <a:srcRect l="27488"/>
+            <a:srcRect l="28239" r="1"/>
             <a:stretch/>
           </p:blipFill>
           <p:spPr>
             <a:xfrm>
-              <a:off x="6745384" y="4609005"/>
-              <a:ext cx="3595842" cy="841456"/>
+              <a:off x="6816080" y="332656"/>
+              <a:ext cx="1658459" cy="392157"/>
             </a:xfrm>
             <a:prstGeom prst="rect">
               <a:avLst/>
@@ -5801,9 +5797,7 @@
           </a:prstGeom>
           <a:ln w="38100">
             <a:solidFill>
-              <a:schemeClr val="accent1">
-                <a:lumMod val="75000"/>
-              </a:schemeClr>
+              <a:srgbClr val="004D91"/>
             </a:solidFill>
           </a:ln>
         </p:spPr>
@@ -5824,10 +5818,10 @@
       </p:cxnSp>
       <p:grpSp>
         <p:nvGrpSpPr>
-          <p:cNvPr id="6" name="Group 5">
+          <p:cNvPr id="2" name="Group 1">
             <a:extLst>
               <a:ext uri="{FF2B5EF4-FFF2-40B4-BE49-F238E27FC236}">
-                <a16:creationId xmlns:a16="http://schemas.microsoft.com/office/drawing/2014/main" id="{702E56C3-3C87-EB7C-8382-9F614BEFE1E2}"/>
+                <a16:creationId xmlns:a16="http://schemas.microsoft.com/office/drawing/2014/main" id="{46FB9DC8-35C6-B361-F2BE-0B1F559C93A7}"/>
               </a:ext>
             </a:extLst>
           </p:cNvPr>
@@ -5838,16 +5832,16 @@
           <a:xfrm>
             <a:off x="5951984" y="6318094"/>
             <a:ext cx="6130040" cy="381119"/>
-            <a:chOff x="3900570" y="6209512"/>
-            <a:chExt cx="8074208" cy="488804"/>
+            <a:chOff x="5951984" y="6318094"/>
+            <a:chExt cx="6130040" cy="381119"/>
           </a:xfrm>
         </p:grpSpPr>
         <p:sp>
           <p:nvSpPr>
-            <p:cNvPr id="7" name="TextBox 6">
+            <p:cNvPr id="3" name="TextBox 2">
               <a:extLst>
                 <a:ext uri="{FF2B5EF4-FFF2-40B4-BE49-F238E27FC236}">
-                  <a16:creationId xmlns:a16="http://schemas.microsoft.com/office/drawing/2014/main" id="{0A55337A-AADB-6D6B-F423-3C94AEFD8966}"/>
+                  <a16:creationId xmlns:a16="http://schemas.microsoft.com/office/drawing/2014/main" id="{951DA20E-0A6F-419F-0929-9648E41E8981}"/>
                 </a:ext>
               </a:extLst>
             </p:cNvPr>
@@ -5856,19 +5850,19 @@
           </p:nvSpPr>
           <p:spPr>
             <a:xfrm>
-              <a:off x="3900570" y="6209512"/>
-              <a:ext cx="8074208" cy="488804"/>
+              <a:off x="5951984" y="6318094"/>
+              <a:ext cx="6130040" cy="381119"/>
             </a:xfrm>
             <a:prstGeom prst="roundRect">
               <a:avLst>
                 <a:gd name="adj" fmla="val 20010"/>
               </a:avLst>
             </a:prstGeom>
-            <a:noFill/>
+            <a:solidFill>
+              <a:srgbClr val="004B8D"/>
+            </a:solidFill>
             <a:ln w="19050">
-              <a:solidFill>
-                <a:srgbClr val="FF0000"/>
-              </a:solidFill>
+              <a:noFill/>
             </a:ln>
           </p:spPr>
           <p:txBody>
@@ -5879,6 +5873,9 @@
             <a:p>
               <a:r>
                 <a:rPr lang="en-GB" sz="1600" b="1" dirty="0">
+                  <a:solidFill>
+                    <a:schemeClr val="bg1"/>
+                  </a:solidFill>
                   <a:latin typeface="Source Sans Pro" panose="020B0503030403020204" pitchFamily="34" charset="0"/>
                   <a:ea typeface="Source Sans Pro" panose="020B0503030403020204" pitchFamily="34" charset="0"/>
                   <a:cs typeface="Segoe UI Semibold" panose="020B0702040204020203" pitchFamily="34" charset="0"/>
@@ -5887,12 +5884,18 @@
               </a:r>
               <a:r>
                 <a:rPr lang="zh-TW" altLang="en-US" sz="1600" b="1" dirty="0">
+                  <a:solidFill>
+                    <a:schemeClr val="bg1"/>
+                  </a:solidFill>
                   <a:latin typeface="Source Sans Pro" panose="020B0503030403020204" pitchFamily="34" charset="0"/>
                   <a:ea typeface="Microsoft JhengHei" panose="020B0604030504040204" pitchFamily="34" charset="-120"/>
                 </a:rPr>
                 <a:t>請靜音或關閉所有電子設備</a:t>
               </a:r>
               <a:endParaRPr lang="ja-JP" altLang="en-US" sz="1600" b="1" dirty="0">
+                <a:solidFill>
+                  <a:schemeClr val="bg1"/>
+                </a:solidFill>
                 <a:latin typeface="Source Sans Pro" panose="020B0503030403020204" pitchFamily="34" charset="0"/>
                 <a:ea typeface="Microsoft JhengHei" panose="020B0604030504040204" pitchFamily="34" charset="-120"/>
               </a:endParaRPr>
@@ -5901,10 +5904,10 @@
         </p:sp>
         <p:pic>
           <p:nvPicPr>
-            <p:cNvPr id="9" name="Picture 8" descr="Shape&#10;&#10;Description automatically generated with low confidence">
+            <p:cNvPr id="4" name="Picture 3" descr="Shape&#10;&#10;Description automatically generated with low confidence">
               <a:extLst>
                 <a:ext uri="{FF2B5EF4-FFF2-40B4-BE49-F238E27FC236}">
-                  <a16:creationId xmlns:a16="http://schemas.microsoft.com/office/drawing/2014/main" id="{D9FC682E-3882-3060-F7AB-43EE5A9993B9}"/>
+                  <a16:creationId xmlns:a16="http://schemas.microsoft.com/office/drawing/2014/main" id="{C304BA47-78DC-6B31-60E7-C59741B55AFC}"/>
                 </a:ext>
               </a:extLst>
             </p:cNvPr>
@@ -5915,12 +5918,16 @@
           </p:nvPicPr>
           <p:blipFill>
             <a:blip r:embed="rId3" cstate="print">
+              <a:lum bright="70000" contrast="-70000"/>
               <a:extLst>
                 <a:ext uri="{BEBA8EAE-BF5A-486C-A8C5-ECC9F3942E4B}">
                   <a14:imgProps xmlns:a14="http://schemas.microsoft.com/office/drawing/2010/main">
                     <a14:imgLayer r:embed="rId4">
                       <a14:imgEffect>
-                        <a14:colorTemperature colorTemp="11500"/>
+                        <a14:artisticPhotocopy/>
+                      </a14:imgEffect>
+                      <a14:imgEffect>
+                        <a14:colorTemperature colorTemp="11200"/>
                       </a14:imgEffect>
                       <a14:imgEffect>
                         <a14:saturation sat="400000"/>
@@ -5942,21 +5949,24 @@
           </p:blipFill>
           <p:spPr>
             <a:xfrm>
-              <a:off x="11583067" y="6279910"/>
-              <a:ext cx="348008" cy="348008"/>
+              <a:off x="11784632" y="6372983"/>
+              <a:ext cx="264212" cy="271341"/>
             </a:xfrm>
             <a:prstGeom prst="rect">
               <a:avLst/>
             </a:prstGeom>
+            <a:solidFill>
+              <a:srgbClr val="004B8D"/>
+            </a:solidFill>
           </p:spPr>
         </p:pic>
       </p:grpSp>
       <p:grpSp>
         <p:nvGrpSpPr>
-          <p:cNvPr id="8" name="Group 7">
+          <p:cNvPr id="14" name="Group 13">
             <a:extLst>
               <a:ext uri="{FF2B5EF4-FFF2-40B4-BE49-F238E27FC236}">
-                <a16:creationId xmlns:a16="http://schemas.microsoft.com/office/drawing/2014/main" id="{AF7526A1-2211-EB1C-EA11-20399FCF7205}"/>
+                <a16:creationId xmlns:a16="http://schemas.microsoft.com/office/drawing/2014/main" id="{BE757074-DE35-1B2E-A2C5-5646BFC302AF}"/>
               </a:ext>
             </a:extLst>
           </p:cNvPr>
@@ -5965,18 +5975,18 @@
         </p:nvGrpSpPr>
         <p:grpSpPr>
           <a:xfrm>
-            <a:off x="220247" y="6381328"/>
-            <a:ext cx="3367551" cy="288032"/>
-            <a:chOff x="503270" y="4609005"/>
-            <a:chExt cx="9837956" cy="841457"/>
+            <a:off x="191344" y="6381328"/>
+            <a:ext cx="3312368" cy="276107"/>
+            <a:chOff x="3719736" y="328470"/>
+            <a:chExt cx="4754803" cy="396343"/>
           </a:xfrm>
         </p:grpSpPr>
         <p:pic>
           <p:nvPicPr>
-            <p:cNvPr id="10" name="Picture 9" descr="Logo&#10;&#10;Description automatically generated">
+            <p:cNvPr id="15" name="Picture 14">
               <a:extLst>
                 <a:ext uri="{FF2B5EF4-FFF2-40B4-BE49-F238E27FC236}">
-                  <a16:creationId xmlns:a16="http://schemas.microsoft.com/office/drawing/2014/main" id="{28349FCA-8B8A-2791-BE1E-DA5C14643C08}"/>
+                  <a16:creationId xmlns:a16="http://schemas.microsoft.com/office/drawing/2014/main" id="{793CC90E-DC89-C740-3A3E-80EF08F44E25}"/>
                 </a:ext>
               </a:extLst>
             </p:cNvPr>
@@ -5987,7 +5997,6 @@
           </p:nvPicPr>
           <p:blipFill>
             <a:blip r:embed="rId5" cstate="print">
-              <a:biLevel thresh="75000"/>
               <a:extLst>
                 <a:ext uri="{28A0092B-C50C-407E-A947-70E740481C1C}">
                   <a14:useLocalDpi xmlns:a14="http://schemas.microsoft.com/office/drawing/2010/main" val="0"/>
@@ -6000,8 +6009,8 @@
           </p:blipFill>
           <p:spPr>
             <a:xfrm>
-              <a:off x="503270" y="4661782"/>
-              <a:ext cx="6094347" cy="788680"/>
+              <a:off x="3719736" y="328470"/>
+              <a:ext cx="3030311" cy="392158"/>
             </a:xfrm>
             <a:prstGeom prst="rect">
               <a:avLst/>
@@ -6010,10 +6019,10 @@
         </p:pic>
         <p:pic>
           <p:nvPicPr>
-            <p:cNvPr id="11" name="Picture 10" descr="A picture containing icon&#10;&#10;Description automatically generated">
+            <p:cNvPr id="16" name="Picture 15" descr="A blue text on a black background&#10;&#10;Description automatically generated with low confidence">
               <a:extLst>
                 <a:ext uri="{FF2B5EF4-FFF2-40B4-BE49-F238E27FC236}">
-                  <a16:creationId xmlns:a16="http://schemas.microsoft.com/office/drawing/2014/main" id="{2A6626B5-6385-E0C7-1672-4558C84DE0AC}"/>
+                  <a16:creationId xmlns:a16="http://schemas.microsoft.com/office/drawing/2014/main" id="{0A351EDF-5530-4A06-D6AD-F2569775A0CB}"/>
                 </a:ext>
               </a:extLst>
             </p:cNvPr>
@@ -6024,20 +6033,19 @@
           </p:nvPicPr>
           <p:blipFill rotWithShape="1">
             <a:blip r:embed="rId6" cstate="print">
-              <a:biLevel thresh="75000"/>
               <a:extLst>
                 <a:ext uri="{28A0092B-C50C-407E-A947-70E740481C1C}">
                   <a14:useLocalDpi xmlns:a14="http://schemas.microsoft.com/office/drawing/2010/main" val="0"/>
                 </a:ext>
               </a:extLst>
             </a:blip>
-            <a:srcRect l="27488"/>
+            <a:srcRect l="28239" r="1"/>
             <a:stretch/>
           </p:blipFill>
           <p:spPr>
             <a:xfrm>
-              <a:off x="6745384" y="4609005"/>
-              <a:ext cx="3595842" cy="841456"/>
+              <a:off x="6816080" y="332656"/>
+              <a:ext cx="1658459" cy="392157"/>
             </a:xfrm>
             <a:prstGeom prst="rect">
               <a:avLst/>
@@ -6211,9 +6219,7 @@
             <a:r>
               <a:rPr lang="en-US" altLang="zh-CN" sz="4800" b="1" dirty="0">
                 <a:solidFill>
-                  <a:schemeClr val="accent1">
-                    <a:lumMod val="75000"/>
-                  </a:schemeClr>
+                  <a:srgbClr val="004B8D"/>
                 </a:solidFill>
                 <a:latin typeface="Microsoft JhengHei" panose="020B0604030504040204" pitchFamily="34" charset="-120"/>
                 <a:ea typeface="Microsoft JhengHei" panose="020B0604030504040204" pitchFamily="34" charset="-120"/>
@@ -6302,10 +6308,10 @@
       </p:sp>
       <p:grpSp>
         <p:nvGrpSpPr>
-          <p:cNvPr id="4" name="Group 3">
+          <p:cNvPr id="14" name="Group 13">
             <a:extLst>
               <a:ext uri="{FF2B5EF4-FFF2-40B4-BE49-F238E27FC236}">
-                <a16:creationId xmlns:a16="http://schemas.microsoft.com/office/drawing/2014/main" id="{4AEC406B-5B23-72C8-4A8F-20618A8FDE41}"/>
+                <a16:creationId xmlns:a16="http://schemas.microsoft.com/office/drawing/2014/main" id="{595402E6-F458-30E3-1C6D-348805A5A772}"/>
               </a:ext>
             </a:extLst>
           </p:cNvPr>
@@ -6316,8 +6322,8 @@
           <a:xfrm>
             <a:off x="5951984" y="6318094"/>
             <a:ext cx="6130040" cy="381119"/>
-            <a:chOff x="3900570" y="6209512"/>
-            <a:chExt cx="8074208" cy="488804"/>
+            <a:chOff x="5951984" y="6318094"/>
+            <a:chExt cx="6130040" cy="381119"/>
           </a:xfrm>
         </p:grpSpPr>
         <p:sp>
@@ -6334,19 +6340,19 @@
           </p:nvSpPr>
           <p:spPr>
             <a:xfrm>
-              <a:off x="3900570" y="6209512"/>
-              <a:ext cx="8074208" cy="488804"/>
+              <a:off x="5951984" y="6318094"/>
+              <a:ext cx="6130040" cy="381119"/>
             </a:xfrm>
             <a:prstGeom prst="roundRect">
               <a:avLst>
                 <a:gd name="adj" fmla="val 20010"/>
               </a:avLst>
             </a:prstGeom>
-            <a:noFill/>
+            <a:solidFill>
+              <a:srgbClr val="004B8D"/>
+            </a:solidFill>
             <a:ln w="19050">
-              <a:solidFill>
-                <a:srgbClr val="FF0000"/>
-              </a:solidFill>
+              <a:noFill/>
             </a:ln>
           </p:spPr>
           <p:txBody>
@@ -6357,6 +6363,9 @@
             <a:p>
               <a:r>
                 <a:rPr lang="en-GB" sz="1600" b="1" dirty="0">
+                  <a:solidFill>
+                    <a:schemeClr val="bg1"/>
+                  </a:solidFill>
                   <a:latin typeface="Source Sans Pro" panose="020B0503030403020204" pitchFamily="34" charset="0"/>
                   <a:ea typeface="Source Sans Pro" panose="020B0503030403020204" pitchFamily="34" charset="0"/>
                   <a:cs typeface="Segoe UI Semibold" panose="020B0702040204020203" pitchFamily="34" charset="0"/>
@@ -6365,12 +6374,18 @@
               </a:r>
               <a:r>
                 <a:rPr lang="zh-TW" altLang="en-US" sz="1600" b="1" dirty="0">
+                  <a:solidFill>
+                    <a:schemeClr val="bg1"/>
+                  </a:solidFill>
                   <a:latin typeface="Source Sans Pro" panose="020B0503030403020204" pitchFamily="34" charset="0"/>
                   <a:ea typeface="Microsoft JhengHei" panose="020B0604030504040204" pitchFamily="34" charset="-120"/>
                 </a:rPr>
                 <a:t>請靜音或關閉所有電子設備</a:t>
               </a:r>
               <a:endParaRPr lang="ja-JP" altLang="en-US" sz="1600" b="1" dirty="0">
+                <a:solidFill>
+                  <a:schemeClr val="bg1"/>
+                </a:solidFill>
                 <a:latin typeface="Source Sans Pro" panose="020B0503030403020204" pitchFamily="34" charset="0"/>
                 <a:ea typeface="Microsoft JhengHei" panose="020B0604030504040204" pitchFamily="34" charset="-120"/>
               </a:endParaRPr>
@@ -6393,12 +6408,16 @@
           </p:nvPicPr>
           <p:blipFill>
             <a:blip r:embed="rId3" cstate="print">
+              <a:lum bright="70000" contrast="-70000"/>
               <a:extLst>
                 <a:ext uri="{BEBA8EAE-BF5A-486C-A8C5-ECC9F3942E4B}">
                   <a14:imgProps xmlns:a14="http://schemas.microsoft.com/office/drawing/2010/main">
                     <a14:imgLayer r:embed="rId4">
                       <a14:imgEffect>
-                        <a14:colorTemperature colorTemp="11500"/>
+                        <a14:artisticPhotocopy/>
+                      </a14:imgEffect>
+                      <a14:imgEffect>
+                        <a14:colorTemperature colorTemp="11200"/>
                       </a14:imgEffect>
                       <a14:imgEffect>
                         <a14:saturation sat="400000"/>
@@ -6420,21 +6439,24 @@
           </p:blipFill>
           <p:spPr>
             <a:xfrm>
-              <a:off x="11583067" y="6279910"/>
-              <a:ext cx="348008" cy="348008"/>
+              <a:off x="11784632" y="6372983"/>
+              <a:ext cx="264212" cy="271341"/>
             </a:xfrm>
             <a:prstGeom prst="rect">
               <a:avLst/>
             </a:prstGeom>
+            <a:solidFill>
+              <a:srgbClr val="004B8D"/>
+            </a:solidFill>
           </p:spPr>
         </p:pic>
       </p:grpSp>
       <p:grpSp>
         <p:nvGrpSpPr>
-          <p:cNvPr id="3" name="Group 2">
+          <p:cNvPr id="19" name="Group 18">
             <a:extLst>
               <a:ext uri="{FF2B5EF4-FFF2-40B4-BE49-F238E27FC236}">
-                <a16:creationId xmlns:a16="http://schemas.microsoft.com/office/drawing/2014/main" id="{B5A03BA5-464A-3AF1-0556-ACFFBF228C35}"/>
+                <a16:creationId xmlns:a16="http://schemas.microsoft.com/office/drawing/2014/main" id="{2FDD7E67-6056-6C1C-5B32-D2C15C318D99}"/>
               </a:ext>
             </a:extLst>
           </p:cNvPr>
@@ -6443,18 +6465,18 @@
         </p:nvGrpSpPr>
         <p:grpSpPr>
           <a:xfrm>
-            <a:off x="3803688" y="305481"/>
-            <a:ext cx="4584618" cy="392130"/>
-            <a:chOff x="503270" y="4609005"/>
-            <a:chExt cx="9837956" cy="841457"/>
+            <a:off x="3718599" y="328470"/>
+            <a:ext cx="4754803" cy="396343"/>
+            <a:chOff x="3719736" y="328470"/>
+            <a:chExt cx="4754803" cy="396343"/>
           </a:xfrm>
         </p:grpSpPr>
         <p:pic>
           <p:nvPicPr>
-            <p:cNvPr id="9" name="Picture 8" descr="Logo&#10;&#10;Description automatically generated">
+            <p:cNvPr id="20" name="Picture 19">
               <a:extLst>
                 <a:ext uri="{FF2B5EF4-FFF2-40B4-BE49-F238E27FC236}">
-                  <a16:creationId xmlns:a16="http://schemas.microsoft.com/office/drawing/2014/main" id="{E06FCD63-070E-0CEA-BAF0-3EFE274B6E68}"/>
+                  <a16:creationId xmlns:a16="http://schemas.microsoft.com/office/drawing/2014/main" id="{432469CB-BE82-455D-81F7-7AFA46601562}"/>
                 </a:ext>
               </a:extLst>
             </p:cNvPr>
@@ -6465,7 +6487,6 @@
           </p:nvPicPr>
           <p:blipFill>
             <a:blip r:embed="rId5">
-              <a:biLevel thresh="75000"/>
               <a:extLst>
                 <a:ext uri="{28A0092B-C50C-407E-A947-70E740481C1C}">
                   <a14:useLocalDpi xmlns:a14="http://schemas.microsoft.com/office/drawing/2010/main" val="0"/>
@@ -6478,8 +6499,8 @@
           </p:blipFill>
           <p:spPr>
             <a:xfrm>
-              <a:off x="503270" y="4661782"/>
-              <a:ext cx="6094347" cy="788680"/>
+              <a:off x="3719736" y="328470"/>
+              <a:ext cx="3030311" cy="392158"/>
             </a:xfrm>
             <a:prstGeom prst="rect">
               <a:avLst/>
@@ -6488,10 +6509,10 @@
         </p:pic>
         <p:pic>
           <p:nvPicPr>
-            <p:cNvPr id="10" name="Picture 9" descr="A picture containing icon&#10;&#10;Description automatically generated">
+            <p:cNvPr id="21" name="Picture 20" descr="A blue text on a black background&#10;&#10;Description automatically generated with low confidence">
               <a:extLst>
                 <a:ext uri="{FF2B5EF4-FFF2-40B4-BE49-F238E27FC236}">
-                  <a16:creationId xmlns:a16="http://schemas.microsoft.com/office/drawing/2014/main" id="{BD46DD56-07CD-A3F2-9CFA-3709C5D2C208}"/>
+                  <a16:creationId xmlns:a16="http://schemas.microsoft.com/office/drawing/2014/main" id="{0B597627-5DF6-47E1-4E44-12CB7D85340C}"/>
                 </a:ext>
               </a:extLst>
             </p:cNvPr>
@@ -6502,20 +6523,19 @@
           </p:nvPicPr>
           <p:blipFill rotWithShape="1">
             <a:blip r:embed="rId6" cstate="print">
-              <a:biLevel thresh="75000"/>
               <a:extLst>
                 <a:ext uri="{28A0092B-C50C-407E-A947-70E740481C1C}">
                   <a14:useLocalDpi xmlns:a14="http://schemas.microsoft.com/office/drawing/2010/main" val="0"/>
                 </a:ext>
               </a:extLst>
             </a:blip>
-            <a:srcRect l="27488"/>
+            <a:srcRect l="28239" r="1"/>
             <a:stretch/>
           </p:blipFill>
           <p:spPr>
             <a:xfrm>
-              <a:off x="6745384" y="4609005"/>
-              <a:ext cx="3595842" cy="841456"/>
+              <a:off x="6816080" y="332656"/>
+              <a:ext cx="1658459" cy="392157"/>
             </a:xfrm>
             <a:prstGeom prst="rect">
               <a:avLst/>
@@ -6709,9 +6729,7 @@
               <a:r>
                 <a:rPr lang="en-US" altLang="zh-CN" sz="4800" b="1" dirty="0">
                   <a:solidFill>
-                    <a:schemeClr val="accent1">
-                      <a:lumMod val="75000"/>
-                    </a:schemeClr>
+                    <a:srgbClr val="004B8D"/>
                   </a:solidFill>
                   <a:latin typeface="Microsoft JhengHei" panose="020B0604030504040204" pitchFamily="34" charset="-120"/>
                   <a:ea typeface="Microsoft JhengHei" panose="020B0604030504040204" pitchFamily="34" charset="-120"/>
@@ -6745,9 +6763,7 @@
             </a:prstGeom>
             <a:ln w="38100">
               <a:solidFill>
-                <a:schemeClr val="accent1">
-                  <a:lumMod val="75000"/>
-                </a:schemeClr>
+                <a:srgbClr val="004B8D"/>
               </a:solidFill>
             </a:ln>
           </p:spPr>
@@ -6979,10 +6995,10 @@
       </p:sp>
       <p:grpSp>
         <p:nvGrpSpPr>
-          <p:cNvPr id="12" name="Group 11">
+          <p:cNvPr id="8" name="Group 7">
             <a:extLst>
               <a:ext uri="{FF2B5EF4-FFF2-40B4-BE49-F238E27FC236}">
-                <a16:creationId xmlns:a16="http://schemas.microsoft.com/office/drawing/2014/main" id="{A38B7C7F-C60D-A3CD-ED43-998BB57525D4}"/>
+                <a16:creationId xmlns:a16="http://schemas.microsoft.com/office/drawing/2014/main" id="{CA8DC233-92CB-DDF6-DFDD-1CE43038E2B0}"/>
               </a:ext>
             </a:extLst>
           </p:cNvPr>
@@ -6991,18 +7007,84 @@
         </p:nvGrpSpPr>
         <p:grpSpPr>
           <a:xfrm>
-            <a:off x="220248" y="6400838"/>
-            <a:ext cx="3139448" cy="268522"/>
-            <a:chOff x="503270" y="4609005"/>
-            <a:chExt cx="9837956" cy="841457"/>
+            <a:off x="5951984" y="6318094"/>
+            <a:ext cx="6130040" cy="381119"/>
+            <a:chOff x="5951984" y="6318094"/>
+            <a:chExt cx="6130040" cy="381119"/>
           </a:xfrm>
         </p:grpSpPr>
+        <p:sp>
+          <p:nvSpPr>
+            <p:cNvPr id="9" name="TextBox 8">
+              <a:extLst>
+                <a:ext uri="{FF2B5EF4-FFF2-40B4-BE49-F238E27FC236}">
+                  <a16:creationId xmlns:a16="http://schemas.microsoft.com/office/drawing/2014/main" id="{51135275-7A97-21D8-9DD3-AB216F7864DA}"/>
+                </a:ext>
+              </a:extLst>
+            </p:cNvPr>
+            <p:cNvSpPr txBox="1"/>
+            <p:nvPr/>
+          </p:nvSpPr>
+          <p:spPr>
+            <a:xfrm>
+              <a:off x="5951984" y="6318094"/>
+              <a:ext cx="6130040" cy="381119"/>
+            </a:xfrm>
+            <a:prstGeom prst="roundRect">
+              <a:avLst>
+                <a:gd name="adj" fmla="val 20010"/>
+              </a:avLst>
+            </a:prstGeom>
+            <a:solidFill>
+              <a:srgbClr val="004B8D"/>
+            </a:solidFill>
+            <a:ln w="19050">
+              <a:noFill/>
+            </a:ln>
+          </p:spPr>
+          <p:txBody>
+            <a:bodyPr wrap="square" rtlCol="0" anchor="ctr">
+              <a:spAutoFit/>
+            </a:bodyPr>
+            <a:lstStyle/>
+            <a:p>
+              <a:r>
+                <a:rPr lang="en-GB" sz="1600" b="1" dirty="0">
+                  <a:solidFill>
+                    <a:schemeClr val="bg1"/>
+                  </a:solidFill>
+                  <a:latin typeface="Source Sans Pro" panose="020B0503030403020204" pitchFamily="34" charset="0"/>
+                  <a:ea typeface="Source Sans Pro" panose="020B0503030403020204" pitchFamily="34" charset="0"/>
+                  <a:cs typeface="Segoe UI Semibold" panose="020B0702040204020203" pitchFamily="34" charset="0"/>
+                </a:rPr>
+                <a:t>Please Turn Off/Silence Your Devices </a:t>
+              </a:r>
+              <a:r>
+                <a:rPr lang="zh-TW" altLang="en-US" sz="1600" b="1" dirty="0">
+                  <a:solidFill>
+                    <a:schemeClr val="bg1"/>
+                  </a:solidFill>
+                  <a:latin typeface="Source Sans Pro" panose="020B0503030403020204" pitchFamily="34" charset="0"/>
+                  <a:ea typeface="Microsoft JhengHei" panose="020B0604030504040204" pitchFamily="34" charset="-120"/>
+                </a:rPr>
+                <a:t>請靜音或關閉所有電子設備</a:t>
+              </a:r>
+              <a:endParaRPr lang="ja-JP" altLang="en-US" sz="1600" b="1" dirty="0">
+                <a:solidFill>
+                  <a:schemeClr val="bg1"/>
+                </a:solidFill>
+                <a:latin typeface="Source Sans Pro" panose="020B0503030403020204" pitchFamily="34" charset="0"/>
+                <a:ea typeface="Microsoft JhengHei" panose="020B0604030504040204" pitchFamily="34" charset="-120"/>
+              </a:endParaRPr>
+            </a:p>
+          </p:txBody>
+        </p:sp>
         <p:pic>
           <p:nvPicPr>
-            <p:cNvPr id="13" name="Picture 12" descr="Logo&#10;&#10;Description automatically generated">
+            <p:cNvPr id="10" name="Picture 9" descr="Shape&#10;&#10;Description automatically generated with low confidence">
               <a:extLst>
                 <a:ext uri="{FF2B5EF4-FFF2-40B4-BE49-F238E27FC236}">
-                  <a16:creationId xmlns:a16="http://schemas.microsoft.com/office/drawing/2014/main" id="{D1428430-D715-0181-127F-0FF871A5AA36}"/>
+                  <a16:creationId xmlns:a16="http://schemas.microsoft.com/office/drawing/2014/main" id="{8FDA1062-532B-35D2-5284-2BF2EA2FD338}"/>
                 </a:ext>
               </a:extLst>
             </p:cNvPr>
@@ -7013,163 +7095,16 @@
           </p:nvPicPr>
           <p:blipFill>
             <a:blip r:embed="rId3" cstate="print">
-              <a:biLevel thresh="75000"/>
-              <a:extLst>
-                <a:ext uri="{28A0092B-C50C-407E-A947-70E740481C1C}">
-                  <a14:useLocalDpi xmlns:a14="http://schemas.microsoft.com/office/drawing/2010/main" val="0"/>
-                </a:ext>
-              </a:extLst>
-            </a:blip>
-            <a:stretch>
-              <a:fillRect/>
-            </a:stretch>
-          </p:blipFill>
-          <p:spPr>
-            <a:xfrm>
-              <a:off x="503270" y="4661782"/>
-              <a:ext cx="6094347" cy="788680"/>
-            </a:xfrm>
-            <a:prstGeom prst="rect">
-              <a:avLst/>
-            </a:prstGeom>
-          </p:spPr>
-        </p:pic>
-        <p:pic>
-          <p:nvPicPr>
-            <p:cNvPr id="14" name="Picture 13" descr="A picture containing icon&#10;&#10;Description automatically generated">
-              <a:extLst>
-                <a:ext uri="{FF2B5EF4-FFF2-40B4-BE49-F238E27FC236}">
-                  <a16:creationId xmlns:a16="http://schemas.microsoft.com/office/drawing/2014/main" id="{86D42523-F166-DD50-7562-E636386F59EE}"/>
-                </a:ext>
-              </a:extLst>
-            </p:cNvPr>
-            <p:cNvPicPr>
-              <a:picLocks noChangeAspect="1"/>
-            </p:cNvPicPr>
-            <p:nvPr/>
-          </p:nvPicPr>
-          <p:blipFill rotWithShape="1">
-            <a:blip r:embed="rId4" cstate="print">
-              <a:biLevel thresh="75000"/>
-              <a:extLst>
-                <a:ext uri="{28A0092B-C50C-407E-A947-70E740481C1C}">
-                  <a14:useLocalDpi xmlns:a14="http://schemas.microsoft.com/office/drawing/2010/main" val="0"/>
-                </a:ext>
-              </a:extLst>
-            </a:blip>
-            <a:srcRect l="27488"/>
-            <a:stretch/>
-          </p:blipFill>
-          <p:spPr>
-            <a:xfrm>
-              <a:off x="6745384" y="4609005"/>
-              <a:ext cx="3595842" cy="841456"/>
-            </a:xfrm>
-            <a:prstGeom prst="rect">
-              <a:avLst/>
-            </a:prstGeom>
-          </p:spPr>
-        </p:pic>
-      </p:grpSp>
-      <p:grpSp>
-        <p:nvGrpSpPr>
-          <p:cNvPr id="4" name="Group 3">
-            <a:extLst>
-              <a:ext uri="{FF2B5EF4-FFF2-40B4-BE49-F238E27FC236}">
-                <a16:creationId xmlns:a16="http://schemas.microsoft.com/office/drawing/2014/main" id="{17FDF6B0-AED5-8AD6-3A96-68D07DD91030}"/>
-              </a:ext>
-            </a:extLst>
-          </p:cNvPr>
-          <p:cNvGrpSpPr/>
-          <p:nvPr/>
-        </p:nvGrpSpPr>
-        <p:grpSpPr>
-          <a:xfrm>
-            <a:off x="5951984" y="6318094"/>
-            <a:ext cx="6130040" cy="381119"/>
-            <a:chOff x="3900570" y="6209512"/>
-            <a:chExt cx="8074208" cy="488804"/>
-          </a:xfrm>
-        </p:grpSpPr>
-        <p:sp>
-          <p:nvSpPr>
-            <p:cNvPr id="5" name="TextBox 4">
-              <a:extLst>
-                <a:ext uri="{FF2B5EF4-FFF2-40B4-BE49-F238E27FC236}">
-                  <a16:creationId xmlns:a16="http://schemas.microsoft.com/office/drawing/2014/main" id="{834E9ADC-F8FF-E7F4-9C09-314716E5FCC3}"/>
-                </a:ext>
-              </a:extLst>
-            </p:cNvPr>
-            <p:cNvSpPr txBox="1"/>
-            <p:nvPr/>
-          </p:nvSpPr>
-          <p:spPr>
-            <a:xfrm>
-              <a:off x="3900570" y="6209512"/>
-              <a:ext cx="8074208" cy="488804"/>
-            </a:xfrm>
-            <a:prstGeom prst="roundRect">
-              <a:avLst>
-                <a:gd name="adj" fmla="val 20010"/>
-              </a:avLst>
-            </a:prstGeom>
-            <a:noFill/>
-            <a:ln w="19050">
-              <a:solidFill>
-                <a:srgbClr val="FF0000"/>
-              </a:solidFill>
-            </a:ln>
-          </p:spPr>
-          <p:txBody>
-            <a:bodyPr wrap="square" rtlCol="0" anchor="ctr">
-              <a:spAutoFit/>
-            </a:bodyPr>
-            <a:lstStyle/>
-            <a:p>
-              <a:r>
-                <a:rPr lang="en-GB" sz="1600" b="1" dirty="0">
-                  <a:latin typeface="Source Sans Pro" panose="020B0503030403020204" pitchFamily="34" charset="0"/>
-                  <a:ea typeface="Source Sans Pro" panose="020B0503030403020204" pitchFamily="34" charset="0"/>
-                  <a:cs typeface="Segoe UI Semibold" panose="020B0702040204020203" pitchFamily="34" charset="0"/>
-                </a:rPr>
-                <a:t>Please Turn Off/Silence Your Devices </a:t>
-              </a:r>
-              <a:r>
-                <a:rPr lang="zh-TW" altLang="en-US" sz="1600" b="1" dirty="0">
-                  <a:latin typeface="Source Sans Pro" panose="020B0503030403020204" pitchFamily="34" charset="0"/>
-                  <a:ea typeface="Microsoft JhengHei" panose="020B0604030504040204" pitchFamily="34" charset="-120"/>
-                </a:rPr>
-                <a:t>請靜音或關閉所有電子設備</a:t>
-              </a:r>
-              <a:endParaRPr lang="ja-JP" altLang="en-US" sz="1600" b="1" dirty="0">
-                <a:latin typeface="Source Sans Pro" panose="020B0503030403020204" pitchFamily="34" charset="0"/>
-                <a:ea typeface="Microsoft JhengHei" panose="020B0604030504040204" pitchFamily="34" charset="-120"/>
-              </a:endParaRPr>
-            </a:p>
-          </p:txBody>
-        </p:sp>
-        <p:pic>
-          <p:nvPicPr>
-            <p:cNvPr id="6" name="Picture 5" descr="Shape&#10;&#10;Description automatically generated with low confidence">
-              <a:extLst>
-                <a:ext uri="{FF2B5EF4-FFF2-40B4-BE49-F238E27FC236}">
-                  <a16:creationId xmlns:a16="http://schemas.microsoft.com/office/drawing/2014/main" id="{ECB84A56-E5B7-DB3B-25F6-4B70CF33C6EA}"/>
-                </a:ext>
-              </a:extLst>
-            </p:cNvPr>
-            <p:cNvPicPr>
-              <a:picLocks noChangeAspect="1"/>
-            </p:cNvPicPr>
-            <p:nvPr/>
-          </p:nvPicPr>
-          <p:blipFill>
-            <a:blip r:embed="rId5" cstate="print">
+              <a:lum bright="70000" contrast="-70000"/>
               <a:extLst>
                 <a:ext uri="{BEBA8EAE-BF5A-486C-A8C5-ECC9F3942E4B}">
                   <a14:imgProps xmlns:a14="http://schemas.microsoft.com/office/drawing/2010/main">
-                    <a14:imgLayer r:embed="rId6">
+                    <a14:imgLayer r:embed="rId4">
                       <a14:imgEffect>
-                        <a14:colorTemperature colorTemp="11500"/>
+                        <a14:artisticPhotocopy/>
+                      </a14:imgEffect>
+                      <a14:imgEffect>
+                        <a14:colorTemperature colorTemp="11200"/>
                       </a14:imgEffect>
                       <a14:imgEffect>
                         <a14:saturation sat="400000"/>
@@ -7191,8 +7126,103 @@
           </p:blipFill>
           <p:spPr>
             <a:xfrm>
-              <a:off x="11583067" y="6279910"/>
-              <a:ext cx="348008" cy="348008"/>
+              <a:off x="11784632" y="6372983"/>
+              <a:ext cx="264212" cy="271341"/>
+            </a:xfrm>
+            <a:prstGeom prst="rect">
+              <a:avLst/>
+            </a:prstGeom>
+            <a:solidFill>
+              <a:srgbClr val="004B8D"/>
+            </a:solidFill>
+          </p:spPr>
+        </p:pic>
+      </p:grpSp>
+      <p:grpSp>
+        <p:nvGrpSpPr>
+          <p:cNvPr id="23" name="Group 22">
+            <a:extLst>
+              <a:ext uri="{FF2B5EF4-FFF2-40B4-BE49-F238E27FC236}">
+                <a16:creationId xmlns:a16="http://schemas.microsoft.com/office/drawing/2014/main" id="{F69244F0-5CED-B1EA-477F-EF651A9CDE84}"/>
+              </a:ext>
+            </a:extLst>
+          </p:cNvPr>
+          <p:cNvGrpSpPr/>
+          <p:nvPr/>
+        </p:nvGrpSpPr>
+        <p:grpSpPr>
+          <a:xfrm>
+            <a:off x="191344" y="6381328"/>
+            <a:ext cx="3312368" cy="276107"/>
+            <a:chOff x="3719736" y="328470"/>
+            <a:chExt cx="4754803" cy="396343"/>
+          </a:xfrm>
+        </p:grpSpPr>
+        <p:pic>
+          <p:nvPicPr>
+            <p:cNvPr id="24" name="Picture 23">
+              <a:extLst>
+                <a:ext uri="{FF2B5EF4-FFF2-40B4-BE49-F238E27FC236}">
+                  <a16:creationId xmlns:a16="http://schemas.microsoft.com/office/drawing/2014/main" id="{C0B7A978-65DC-ED9D-326B-24E71B4415A2}"/>
+                </a:ext>
+              </a:extLst>
+            </p:cNvPr>
+            <p:cNvPicPr>
+              <a:picLocks noChangeAspect="1"/>
+            </p:cNvPicPr>
+            <p:nvPr/>
+          </p:nvPicPr>
+          <p:blipFill>
+            <a:blip r:embed="rId5" cstate="print">
+              <a:extLst>
+                <a:ext uri="{28A0092B-C50C-407E-A947-70E740481C1C}">
+                  <a14:useLocalDpi xmlns:a14="http://schemas.microsoft.com/office/drawing/2010/main" val="0"/>
+                </a:ext>
+              </a:extLst>
+            </a:blip>
+            <a:stretch>
+              <a:fillRect/>
+            </a:stretch>
+          </p:blipFill>
+          <p:spPr>
+            <a:xfrm>
+              <a:off x="3719736" y="328470"/>
+              <a:ext cx="3030311" cy="392158"/>
+            </a:xfrm>
+            <a:prstGeom prst="rect">
+              <a:avLst/>
+            </a:prstGeom>
+          </p:spPr>
+        </p:pic>
+        <p:pic>
+          <p:nvPicPr>
+            <p:cNvPr id="25" name="Picture 24" descr="A blue text on a black background&#10;&#10;Description automatically generated with low confidence">
+              <a:extLst>
+                <a:ext uri="{FF2B5EF4-FFF2-40B4-BE49-F238E27FC236}">
+                  <a16:creationId xmlns:a16="http://schemas.microsoft.com/office/drawing/2014/main" id="{F8F8CAAA-40AB-55FD-5681-5CD1DE027733}"/>
+                </a:ext>
+              </a:extLst>
+            </p:cNvPr>
+            <p:cNvPicPr>
+              <a:picLocks noChangeAspect="1"/>
+            </p:cNvPicPr>
+            <p:nvPr/>
+          </p:nvPicPr>
+          <p:blipFill rotWithShape="1">
+            <a:blip r:embed="rId6" cstate="print">
+              <a:extLst>
+                <a:ext uri="{28A0092B-C50C-407E-A947-70E740481C1C}">
+                  <a14:useLocalDpi xmlns:a14="http://schemas.microsoft.com/office/drawing/2010/main" val="0"/>
+                </a:ext>
+              </a:extLst>
+            </a:blip>
+            <a:srcRect l="28239" r="1"/>
+            <a:stretch/>
+          </p:blipFill>
+          <p:spPr>
+            <a:xfrm>
+              <a:off x="6816080" y="332656"/>
+              <a:ext cx="1658459" cy="392157"/>
             </a:xfrm>
             <a:prstGeom prst="rect">
               <a:avLst/>
@@ -7823,10 +7853,10 @@
       </p:sp>
       <p:grpSp>
         <p:nvGrpSpPr>
-          <p:cNvPr id="7" name="Group 6">
+          <p:cNvPr id="3" name="Group 2">
             <a:extLst>
               <a:ext uri="{FF2B5EF4-FFF2-40B4-BE49-F238E27FC236}">
-                <a16:creationId xmlns:a16="http://schemas.microsoft.com/office/drawing/2014/main" id="{3133E815-7F3F-056F-427A-BA35F78A2C80}"/>
+                <a16:creationId xmlns:a16="http://schemas.microsoft.com/office/drawing/2014/main" id="{D37B60FB-5A8B-DE0F-E7A3-C0CAD80A4A94}"/>
               </a:ext>
             </a:extLst>
           </p:cNvPr>
@@ -7835,18 +7865,84 @@
         </p:nvGrpSpPr>
         <p:grpSpPr>
           <a:xfrm>
-            <a:off x="220247" y="6381328"/>
-            <a:ext cx="3367551" cy="288032"/>
-            <a:chOff x="503270" y="4609005"/>
-            <a:chExt cx="9837956" cy="841457"/>
+            <a:off x="5951984" y="6318094"/>
+            <a:ext cx="6130040" cy="381119"/>
+            <a:chOff x="5951984" y="6318094"/>
+            <a:chExt cx="6130040" cy="381119"/>
           </a:xfrm>
         </p:grpSpPr>
+        <p:sp>
+          <p:nvSpPr>
+            <p:cNvPr id="10" name="TextBox 9">
+              <a:extLst>
+                <a:ext uri="{FF2B5EF4-FFF2-40B4-BE49-F238E27FC236}">
+                  <a16:creationId xmlns:a16="http://schemas.microsoft.com/office/drawing/2014/main" id="{C681487A-C1BB-EB06-10DD-66228D86DAEF}"/>
+                </a:ext>
+              </a:extLst>
+            </p:cNvPr>
+            <p:cNvSpPr txBox="1"/>
+            <p:nvPr/>
+          </p:nvSpPr>
+          <p:spPr>
+            <a:xfrm>
+              <a:off x="5951984" y="6318094"/>
+              <a:ext cx="6130040" cy="381119"/>
+            </a:xfrm>
+            <a:prstGeom prst="roundRect">
+              <a:avLst>
+                <a:gd name="adj" fmla="val 20010"/>
+              </a:avLst>
+            </a:prstGeom>
+            <a:solidFill>
+              <a:srgbClr val="004B8D"/>
+            </a:solidFill>
+            <a:ln w="19050">
+              <a:noFill/>
+            </a:ln>
+          </p:spPr>
+          <p:txBody>
+            <a:bodyPr wrap="square" rtlCol="0" anchor="ctr">
+              <a:spAutoFit/>
+            </a:bodyPr>
+            <a:lstStyle/>
+            <a:p>
+              <a:r>
+                <a:rPr lang="en-GB" sz="1600" b="1" dirty="0">
+                  <a:solidFill>
+                    <a:schemeClr val="bg1"/>
+                  </a:solidFill>
+                  <a:latin typeface="Source Sans Pro" panose="020B0503030403020204" pitchFamily="34" charset="0"/>
+                  <a:ea typeface="Source Sans Pro" panose="020B0503030403020204" pitchFamily="34" charset="0"/>
+                  <a:cs typeface="Segoe UI Semibold" panose="020B0702040204020203" pitchFamily="34" charset="0"/>
+                </a:rPr>
+                <a:t>Please Turn Off/Silence Your Devices </a:t>
+              </a:r>
+              <a:r>
+                <a:rPr lang="zh-TW" altLang="en-US" sz="1600" b="1" dirty="0">
+                  <a:solidFill>
+                    <a:schemeClr val="bg1"/>
+                  </a:solidFill>
+                  <a:latin typeface="Source Sans Pro" panose="020B0503030403020204" pitchFamily="34" charset="0"/>
+                  <a:ea typeface="Microsoft JhengHei" panose="020B0604030504040204" pitchFamily="34" charset="-120"/>
+                </a:rPr>
+                <a:t>請靜音或關閉所有電子設備</a:t>
+              </a:r>
+              <a:endParaRPr lang="ja-JP" altLang="en-US" sz="1600" b="1" dirty="0">
+                <a:solidFill>
+                  <a:schemeClr val="bg1"/>
+                </a:solidFill>
+                <a:latin typeface="Source Sans Pro" panose="020B0503030403020204" pitchFamily="34" charset="0"/>
+                <a:ea typeface="Microsoft JhengHei" panose="020B0604030504040204" pitchFamily="34" charset="-120"/>
+              </a:endParaRPr>
+            </a:p>
+          </p:txBody>
+        </p:sp>
         <p:pic>
           <p:nvPicPr>
-            <p:cNvPr id="8" name="Picture 7" descr="Logo&#10;&#10;Description automatically generated">
+            <p:cNvPr id="11" name="Picture 10" descr="Shape&#10;&#10;Description automatically generated with low confidence">
               <a:extLst>
                 <a:ext uri="{FF2B5EF4-FFF2-40B4-BE49-F238E27FC236}">
-                  <a16:creationId xmlns:a16="http://schemas.microsoft.com/office/drawing/2014/main" id="{2440C703-349D-5187-8D2E-26BB7927AEA2}"/>
+                  <a16:creationId xmlns:a16="http://schemas.microsoft.com/office/drawing/2014/main" id="{6DEE7500-FE87-D395-FB3D-73ED4800F9BC}"/>
                 </a:ext>
               </a:extLst>
             </p:cNvPr>
@@ -7857,163 +7953,16 @@
           </p:nvPicPr>
           <p:blipFill>
             <a:blip r:embed="rId3" cstate="print">
-              <a:biLevel thresh="75000"/>
-              <a:extLst>
-                <a:ext uri="{28A0092B-C50C-407E-A947-70E740481C1C}">
-                  <a14:useLocalDpi xmlns:a14="http://schemas.microsoft.com/office/drawing/2010/main" val="0"/>
-                </a:ext>
-              </a:extLst>
-            </a:blip>
-            <a:stretch>
-              <a:fillRect/>
-            </a:stretch>
-          </p:blipFill>
-          <p:spPr>
-            <a:xfrm>
-              <a:off x="503270" y="4661782"/>
-              <a:ext cx="6094347" cy="788680"/>
-            </a:xfrm>
-            <a:prstGeom prst="rect">
-              <a:avLst/>
-            </a:prstGeom>
-          </p:spPr>
-        </p:pic>
-        <p:pic>
-          <p:nvPicPr>
-            <p:cNvPr id="9" name="Picture 8" descr="A picture containing icon&#10;&#10;Description automatically generated">
-              <a:extLst>
-                <a:ext uri="{FF2B5EF4-FFF2-40B4-BE49-F238E27FC236}">
-                  <a16:creationId xmlns:a16="http://schemas.microsoft.com/office/drawing/2014/main" id="{6FBA67FE-19C7-15E8-C4F7-C711EA8B5D44}"/>
-                </a:ext>
-              </a:extLst>
-            </p:cNvPr>
-            <p:cNvPicPr>
-              <a:picLocks noChangeAspect="1"/>
-            </p:cNvPicPr>
-            <p:nvPr/>
-          </p:nvPicPr>
-          <p:blipFill rotWithShape="1">
-            <a:blip r:embed="rId4" cstate="print">
-              <a:biLevel thresh="75000"/>
-              <a:extLst>
-                <a:ext uri="{28A0092B-C50C-407E-A947-70E740481C1C}">
-                  <a14:useLocalDpi xmlns:a14="http://schemas.microsoft.com/office/drawing/2010/main" val="0"/>
-                </a:ext>
-              </a:extLst>
-            </a:blip>
-            <a:srcRect l="27488"/>
-            <a:stretch/>
-          </p:blipFill>
-          <p:spPr>
-            <a:xfrm>
-              <a:off x="6745384" y="4609005"/>
-              <a:ext cx="3595842" cy="841456"/>
-            </a:xfrm>
-            <a:prstGeom prst="rect">
-              <a:avLst/>
-            </a:prstGeom>
-          </p:spPr>
-        </p:pic>
-      </p:grpSp>
-      <p:grpSp>
-        <p:nvGrpSpPr>
-          <p:cNvPr id="12" name="Group 11">
-            <a:extLst>
-              <a:ext uri="{FF2B5EF4-FFF2-40B4-BE49-F238E27FC236}">
-                <a16:creationId xmlns:a16="http://schemas.microsoft.com/office/drawing/2014/main" id="{80F5226D-30D1-E385-621D-D5BF5B3AEE47}"/>
-              </a:ext>
-            </a:extLst>
-          </p:cNvPr>
-          <p:cNvGrpSpPr/>
-          <p:nvPr/>
-        </p:nvGrpSpPr>
-        <p:grpSpPr>
-          <a:xfrm>
-            <a:off x="5951984" y="6318094"/>
-            <a:ext cx="6130040" cy="381119"/>
-            <a:chOff x="3900570" y="6209512"/>
-            <a:chExt cx="8074208" cy="488804"/>
-          </a:xfrm>
-        </p:grpSpPr>
-        <p:sp>
-          <p:nvSpPr>
-            <p:cNvPr id="13" name="TextBox 12">
-              <a:extLst>
-                <a:ext uri="{FF2B5EF4-FFF2-40B4-BE49-F238E27FC236}">
-                  <a16:creationId xmlns:a16="http://schemas.microsoft.com/office/drawing/2014/main" id="{AF69CD71-8B27-7762-1389-A7E372787B3C}"/>
-                </a:ext>
-              </a:extLst>
-            </p:cNvPr>
-            <p:cNvSpPr txBox="1"/>
-            <p:nvPr/>
-          </p:nvSpPr>
-          <p:spPr>
-            <a:xfrm>
-              <a:off x="3900570" y="6209512"/>
-              <a:ext cx="8074208" cy="488804"/>
-            </a:xfrm>
-            <a:prstGeom prst="roundRect">
-              <a:avLst>
-                <a:gd name="adj" fmla="val 20010"/>
-              </a:avLst>
-            </a:prstGeom>
-            <a:noFill/>
-            <a:ln w="19050">
-              <a:solidFill>
-                <a:srgbClr val="FF0000"/>
-              </a:solidFill>
-            </a:ln>
-          </p:spPr>
-          <p:txBody>
-            <a:bodyPr wrap="square" rtlCol="0" anchor="ctr">
-              <a:spAutoFit/>
-            </a:bodyPr>
-            <a:lstStyle/>
-            <a:p>
-              <a:r>
-                <a:rPr lang="en-GB" sz="1600" b="1" dirty="0">
-                  <a:latin typeface="Source Sans Pro" panose="020B0503030403020204" pitchFamily="34" charset="0"/>
-                  <a:ea typeface="Source Sans Pro" panose="020B0503030403020204" pitchFamily="34" charset="0"/>
-                  <a:cs typeface="Segoe UI Semibold" panose="020B0702040204020203" pitchFamily="34" charset="0"/>
-                </a:rPr>
-                <a:t>Please Turn Off/Silence Your Devices </a:t>
-              </a:r>
-              <a:r>
-                <a:rPr lang="zh-TW" altLang="en-US" sz="1600" b="1" dirty="0">
-                  <a:latin typeface="Source Sans Pro" panose="020B0503030403020204" pitchFamily="34" charset="0"/>
-                  <a:ea typeface="Microsoft JhengHei" panose="020B0604030504040204" pitchFamily="34" charset="-120"/>
-                </a:rPr>
-                <a:t>請靜音或關閉所有電子設備</a:t>
-              </a:r>
-              <a:endParaRPr lang="ja-JP" altLang="en-US" sz="1600" b="1" dirty="0">
-                <a:latin typeface="Source Sans Pro" panose="020B0503030403020204" pitchFamily="34" charset="0"/>
-                <a:ea typeface="Microsoft JhengHei" panose="020B0604030504040204" pitchFamily="34" charset="-120"/>
-              </a:endParaRPr>
-            </a:p>
-          </p:txBody>
-        </p:sp>
-        <p:pic>
-          <p:nvPicPr>
-            <p:cNvPr id="14" name="Picture 13" descr="Shape&#10;&#10;Description automatically generated with low confidence">
-              <a:extLst>
-                <a:ext uri="{FF2B5EF4-FFF2-40B4-BE49-F238E27FC236}">
-                  <a16:creationId xmlns:a16="http://schemas.microsoft.com/office/drawing/2014/main" id="{92750C7C-CA6C-4AA6-B792-86C275BAB652}"/>
-                </a:ext>
-              </a:extLst>
-            </p:cNvPr>
-            <p:cNvPicPr>
-              <a:picLocks noChangeAspect="1"/>
-            </p:cNvPicPr>
-            <p:nvPr/>
-          </p:nvPicPr>
-          <p:blipFill>
-            <a:blip r:embed="rId5" cstate="print">
+              <a:lum bright="70000" contrast="-70000"/>
               <a:extLst>
                 <a:ext uri="{BEBA8EAE-BF5A-486C-A8C5-ECC9F3942E4B}">
                   <a14:imgProps xmlns:a14="http://schemas.microsoft.com/office/drawing/2010/main">
-                    <a14:imgLayer r:embed="rId6">
+                    <a14:imgLayer r:embed="rId4">
                       <a14:imgEffect>
-                        <a14:colorTemperature colorTemp="11500"/>
+                        <a14:artisticPhotocopy/>
+                      </a14:imgEffect>
+                      <a14:imgEffect>
+                        <a14:colorTemperature colorTemp="11200"/>
                       </a14:imgEffect>
                       <a14:imgEffect>
                         <a14:saturation sat="400000"/>
@@ -8035,8 +7984,103 @@
           </p:blipFill>
           <p:spPr>
             <a:xfrm>
-              <a:off x="11583067" y="6279910"/>
-              <a:ext cx="348008" cy="348008"/>
+              <a:off x="11784632" y="6372983"/>
+              <a:ext cx="264212" cy="271341"/>
+            </a:xfrm>
+            <a:prstGeom prst="rect">
+              <a:avLst/>
+            </a:prstGeom>
+            <a:solidFill>
+              <a:srgbClr val="004B8D"/>
+            </a:solidFill>
+          </p:spPr>
+        </p:pic>
+      </p:grpSp>
+      <p:grpSp>
+        <p:nvGrpSpPr>
+          <p:cNvPr id="18" name="Group 17">
+            <a:extLst>
+              <a:ext uri="{FF2B5EF4-FFF2-40B4-BE49-F238E27FC236}">
+                <a16:creationId xmlns:a16="http://schemas.microsoft.com/office/drawing/2014/main" id="{14D2BF5B-6D58-206A-F500-59F1D48D6064}"/>
+              </a:ext>
+            </a:extLst>
+          </p:cNvPr>
+          <p:cNvGrpSpPr/>
+          <p:nvPr/>
+        </p:nvGrpSpPr>
+        <p:grpSpPr>
+          <a:xfrm>
+            <a:off x="191344" y="6381328"/>
+            <a:ext cx="3312368" cy="276107"/>
+            <a:chOff x="3719736" y="328470"/>
+            <a:chExt cx="4754803" cy="396343"/>
+          </a:xfrm>
+        </p:grpSpPr>
+        <p:pic>
+          <p:nvPicPr>
+            <p:cNvPr id="19" name="Picture 18">
+              <a:extLst>
+                <a:ext uri="{FF2B5EF4-FFF2-40B4-BE49-F238E27FC236}">
+                  <a16:creationId xmlns:a16="http://schemas.microsoft.com/office/drawing/2014/main" id="{B105F02E-20FD-EE41-26B6-7043E046CC0B}"/>
+                </a:ext>
+              </a:extLst>
+            </p:cNvPr>
+            <p:cNvPicPr>
+              <a:picLocks noChangeAspect="1"/>
+            </p:cNvPicPr>
+            <p:nvPr/>
+          </p:nvPicPr>
+          <p:blipFill>
+            <a:blip r:embed="rId5" cstate="print">
+              <a:extLst>
+                <a:ext uri="{28A0092B-C50C-407E-A947-70E740481C1C}">
+                  <a14:useLocalDpi xmlns:a14="http://schemas.microsoft.com/office/drawing/2010/main" val="0"/>
+                </a:ext>
+              </a:extLst>
+            </a:blip>
+            <a:stretch>
+              <a:fillRect/>
+            </a:stretch>
+          </p:blipFill>
+          <p:spPr>
+            <a:xfrm>
+              <a:off x="3719736" y="328470"/>
+              <a:ext cx="3030311" cy="392158"/>
+            </a:xfrm>
+            <a:prstGeom prst="rect">
+              <a:avLst/>
+            </a:prstGeom>
+          </p:spPr>
+        </p:pic>
+        <p:pic>
+          <p:nvPicPr>
+            <p:cNvPr id="20" name="Picture 19" descr="A blue text on a black background&#10;&#10;Description automatically generated with low confidence">
+              <a:extLst>
+                <a:ext uri="{FF2B5EF4-FFF2-40B4-BE49-F238E27FC236}">
+                  <a16:creationId xmlns:a16="http://schemas.microsoft.com/office/drawing/2014/main" id="{FC2C347B-A107-FE3B-0E6E-4634C115D5D1}"/>
+                </a:ext>
+              </a:extLst>
+            </p:cNvPr>
+            <p:cNvPicPr>
+              <a:picLocks noChangeAspect="1"/>
+            </p:cNvPicPr>
+            <p:nvPr/>
+          </p:nvPicPr>
+          <p:blipFill rotWithShape="1">
+            <a:blip r:embed="rId6" cstate="print">
+              <a:extLst>
+                <a:ext uri="{28A0092B-C50C-407E-A947-70E740481C1C}">
+                  <a14:useLocalDpi xmlns:a14="http://schemas.microsoft.com/office/drawing/2010/main" val="0"/>
+                </a:ext>
+              </a:extLst>
+            </a:blip>
+            <a:srcRect l="28239" r="1"/>
+            <a:stretch/>
+          </p:blipFill>
+          <p:spPr>
+            <a:xfrm>
+              <a:off x="6816080" y="332656"/>
+              <a:ext cx="1658459" cy="392157"/>
             </a:xfrm>
             <a:prstGeom prst="rect">
               <a:avLst/>
@@ -8338,9 +8382,7 @@
           </a:prstGeom>
           <a:ln w="38100">
             <a:solidFill>
-              <a:schemeClr val="accent1">
-                <a:lumMod val="75000"/>
-              </a:schemeClr>
+              <a:srgbClr val="004B8D"/>
             </a:solidFill>
           </a:ln>
         </p:spPr>
@@ -8361,10 +8403,10 @@
       </p:cxnSp>
       <p:grpSp>
         <p:nvGrpSpPr>
-          <p:cNvPr id="4" name="Group 3">
+          <p:cNvPr id="11" name="Group 10">
             <a:extLst>
               <a:ext uri="{FF2B5EF4-FFF2-40B4-BE49-F238E27FC236}">
-                <a16:creationId xmlns:a16="http://schemas.microsoft.com/office/drawing/2014/main" id="{1E0372FE-5AA9-B8A6-0C22-5EC9CFB8AB40}"/>
+                <a16:creationId xmlns:a16="http://schemas.microsoft.com/office/drawing/2014/main" id="{F4F183C5-3ED9-E762-9F8F-FA5586BC7315}"/>
               </a:ext>
             </a:extLst>
           </p:cNvPr>
@@ -8375,16 +8417,16 @@
           <a:xfrm>
             <a:off x="5951984" y="6318094"/>
             <a:ext cx="6130040" cy="381119"/>
-            <a:chOff x="3900570" y="6209512"/>
-            <a:chExt cx="8074208" cy="488804"/>
+            <a:chOff x="5951984" y="6318094"/>
+            <a:chExt cx="6130040" cy="381119"/>
           </a:xfrm>
         </p:grpSpPr>
         <p:sp>
           <p:nvSpPr>
-            <p:cNvPr id="5" name="TextBox 4">
+            <p:cNvPr id="12" name="TextBox 11">
               <a:extLst>
                 <a:ext uri="{FF2B5EF4-FFF2-40B4-BE49-F238E27FC236}">
-                  <a16:creationId xmlns:a16="http://schemas.microsoft.com/office/drawing/2014/main" id="{EB56B832-7D00-1ED3-CB34-50FC4A9CA726}"/>
+                  <a16:creationId xmlns:a16="http://schemas.microsoft.com/office/drawing/2014/main" id="{62DBDB56-9D21-60BC-B6C6-E46E8A2C9620}"/>
                 </a:ext>
               </a:extLst>
             </p:cNvPr>
@@ -8393,19 +8435,19 @@
           </p:nvSpPr>
           <p:spPr>
             <a:xfrm>
-              <a:off x="3900570" y="6209512"/>
-              <a:ext cx="8074208" cy="488804"/>
+              <a:off x="5951984" y="6318094"/>
+              <a:ext cx="6130040" cy="381119"/>
             </a:xfrm>
             <a:prstGeom prst="roundRect">
               <a:avLst>
                 <a:gd name="adj" fmla="val 20010"/>
               </a:avLst>
             </a:prstGeom>
-            <a:noFill/>
+            <a:solidFill>
+              <a:srgbClr val="004B8D"/>
+            </a:solidFill>
             <a:ln w="19050">
-              <a:solidFill>
-                <a:srgbClr val="FF0000"/>
-              </a:solidFill>
+              <a:noFill/>
             </a:ln>
           </p:spPr>
           <p:txBody>
@@ -8416,6 +8458,9 @@
             <a:p>
               <a:r>
                 <a:rPr lang="en-GB" sz="1600" b="1" dirty="0">
+                  <a:solidFill>
+                    <a:schemeClr val="bg1"/>
+                  </a:solidFill>
                   <a:latin typeface="Source Sans Pro" panose="020B0503030403020204" pitchFamily="34" charset="0"/>
                   <a:ea typeface="Source Sans Pro" panose="020B0503030403020204" pitchFamily="34" charset="0"/>
                   <a:cs typeface="Segoe UI Semibold" panose="020B0702040204020203" pitchFamily="34" charset="0"/>
@@ -8424,12 +8469,18 @@
               </a:r>
               <a:r>
                 <a:rPr lang="zh-TW" altLang="en-US" sz="1600" b="1" dirty="0">
+                  <a:solidFill>
+                    <a:schemeClr val="bg1"/>
+                  </a:solidFill>
                   <a:latin typeface="Source Sans Pro" panose="020B0503030403020204" pitchFamily="34" charset="0"/>
                   <a:ea typeface="Microsoft JhengHei" panose="020B0604030504040204" pitchFamily="34" charset="-120"/>
                 </a:rPr>
                 <a:t>請靜音或關閉所有電子設備</a:t>
               </a:r>
               <a:endParaRPr lang="ja-JP" altLang="en-US" sz="1600" b="1" dirty="0">
+                <a:solidFill>
+                  <a:schemeClr val="bg1"/>
+                </a:solidFill>
                 <a:latin typeface="Source Sans Pro" panose="020B0503030403020204" pitchFamily="34" charset="0"/>
                 <a:ea typeface="Microsoft JhengHei" panose="020B0604030504040204" pitchFamily="34" charset="-120"/>
               </a:endParaRPr>
@@ -8438,10 +8489,10 @@
         </p:sp>
         <p:pic>
           <p:nvPicPr>
-            <p:cNvPr id="8" name="Picture 7" descr="Shape&#10;&#10;Description automatically generated with low confidence">
+            <p:cNvPr id="13" name="Picture 12" descr="Shape&#10;&#10;Description automatically generated with low confidence">
               <a:extLst>
                 <a:ext uri="{FF2B5EF4-FFF2-40B4-BE49-F238E27FC236}">
-                  <a16:creationId xmlns:a16="http://schemas.microsoft.com/office/drawing/2014/main" id="{5473835D-54C0-38F1-4A61-4A4FA9F1A7DB}"/>
+                  <a16:creationId xmlns:a16="http://schemas.microsoft.com/office/drawing/2014/main" id="{04537517-CAC7-D7A3-2323-B2EE8031BA44}"/>
                 </a:ext>
               </a:extLst>
             </p:cNvPr>
@@ -8452,12 +8503,16 @@
           </p:nvPicPr>
           <p:blipFill>
             <a:blip r:embed="rId3" cstate="print">
+              <a:lum bright="70000" contrast="-70000"/>
               <a:extLst>
                 <a:ext uri="{BEBA8EAE-BF5A-486C-A8C5-ECC9F3942E4B}">
                   <a14:imgProps xmlns:a14="http://schemas.microsoft.com/office/drawing/2010/main">
                     <a14:imgLayer r:embed="rId4">
                       <a14:imgEffect>
-                        <a14:colorTemperature colorTemp="11500"/>
+                        <a14:artisticPhotocopy/>
+                      </a14:imgEffect>
+                      <a14:imgEffect>
+                        <a14:colorTemperature colorTemp="11200"/>
                       </a14:imgEffect>
                       <a14:imgEffect>
                         <a14:saturation sat="400000"/>
@@ -8479,21 +8534,24 @@
           </p:blipFill>
           <p:spPr>
             <a:xfrm>
-              <a:off x="11583067" y="6279910"/>
-              <a:ext cx="348008" cy="348008"/>
+              <a:off x="11784632" y="6372983"/>
+              <a:ext cx="264212" cy="271341"/>
             </a:xfrm>
             <a:prstGeom prst="rect">
               <a:avLst/>
             </a:prstGeom>
+            <a:solidFill>
+              <a:srgbClr val="004B8D"/>
+            </a:solidFill>
           </p:spPr>
         </p:pic>
       </p:grpSp>
       <p:grpSp>
         <p:nvGrpSpPr>
-          <p:cNvPr id="2" name="Group 1">
+          <p:cNvPr id="14" name="Group 13">
             <a:extLst>
               <a:ext uri="{FF2B5EF4-FFF2-40B4-BE49-F238E27FC236}">
-                <a16:creationId xmlns:a16="http://schemas.microsoft.com/office/drawing/2014/main" id="{87FED79B-F10A-0FCD-D534-F24CE5CEEFCD}"/>
+                <a16:creationId xmlns:a16="http://schemas.microsoft.com/office/drawing/2014/main" id="{3911759B-A7C6-8804-91FF-0F93B331B372}"/>
               </a:ext>
             </a:extLst>
           </p:cNvPr>
@@ -8502,18 +8560,18 @@
         </p:nvGrpSpPr>
         <p:grpSpPr>
           <a:xfrm>
-            <a:off x="220247" y="6381328"/>
-            <a:ext cx="3367551" cy="288032"/>
-            <a:chOff x="503270" y="4609005"/>
-            <a:chExt cx="9837956" cy="841457"/>
+            <a:off x="191344" y="6381328"/>
+            <a:ext cx="3312368" cy="276107"/>
+            <a:chOff x="3719736" y="328470"/>
+            <a:chExt cx="4754803" cy="396343"/>
           </a:xfrm>
         </p:grpSpPr>
         <p:pic>
           <p:nvPicPr>
-            <p:cNvPr id="9" name="Picture 8" descr="Logo&#10;&#10;Description automatically generated">
+            <p:cNvPr id="16" name="Picture 15">
               <a:extLst>
                 <a:ext uri="{FF2B5EF4-FFF2-40B4-BE49-F238E27FC236}">
-                  <a16:creationId xmlns:a16="http://schemas.microsoft.com/office/drawing/2014/main" id="{D5091D81-EABC-F254-ED2A-EB2100BBF390}"/>
+                  <a16:creationId xmlns:a16="http://schemas.microsoft.com/office/drawing/2014/main" id="{6ED8EFDC-4DF0-C0C0-634A-705600B0CC71}"/>
                 </a:ext>
               </a:extLst>
             </p:cNvPr>
@@ -8524,7 +8582,6 @@
           </p:nvPicPr>
           <p:blipFill>
             <a:blip r:embed="rId5" cstate="print">
-              <a:biLevel thresh="75000"/>
               <a:extLst>
                 <a:ext uri="{28A0092B-C50C-407E-A947-70E740481C1C}">
                   <a14:useLocalDpi xmlns:a14="http://schemas.microsoft.com/office/drawing/2010/main" val="0"/>
@@ -8537,8 +8594,8 @@
           </p:blipFill>
           <p:spPr>
             <a:xfrm>
-              <a:off x="503270" y="4661782"/>
-              <a:ext cx="6094347" cy="788680"/>
+              <a:off x="3719736" y="328470"/>
+              <a:ext cx="3030311" cy="392158"/>
             </a:xfrm>
             <a:prstGeom prst="rect">
               <a:avLst/>
@@ -8547,10 +8604,10 @@
         </p:pic>
         <p:pic>
           <p:nvPicPr>
-            <p:cNvPr id="10" name="Picture 9" descr="A picture containing icon&#10;&#10;Description automatically generated">
+            <p:cNvPr id="17" name="Picture 16" descr="A blue text on a black background&#10;&#10;Description automatically generated with low confidence">
               <a:extLst>
                 <a:ext uri="{FF2B5EF4-FFF2-40B4-BE49-F238E27FC236}">
-                  <a16:creationId xmlns:a16="http://schemas.microsoft.com/office/drawing/2014/main" id="{A4CA5380-F497-1A89-C991-0DC290F018CF}"/>
+                  <a16:creationId xmlns:a16="http://schemas.microsoft.com/office/drawing/2014/main" id="{B9EEBFE4-EA73-2472-1C65-58DEC85CCE82}"/>
                 </a:ext>
               </a:extLst>
             </p:cNvPr>
@@ -8561,20 +8618,19 @@
           </p:nvPicPr>
           <p:blipFill rotWithShape="1">
             <a:blip r:embed="rId6" cstate="print">
-              <a:biLevel thresh="75000"/>
               <a:extLst>
                 <a:ext uri="{28A0092B-C50C-407E-A947-70E740481C1C}">
                   <a14:useLocalDpi xmlns:a14="http://schemas.microsoft.com/office/drawing/2010/main" val="0"/>
                 </a:ext>
               </a:extLst>
             </a:blip>
-            <a:srcRect l="27488"/>
+            <a:srcRect l="28239" r="1"/>
             <a:stretch/>
           </p:blipFill>
           <p:spPr>
             <a:xfrm>
-              <a:off x="6745384" y="4609005"/>
-              <a:ext cx="3595842" cy="841456"/>
+              <a:off x="6816080" y="332656"/>
+              <a:ext cx="1658459" cy="392157"/>
             </a:xfrm>
             <a:prstGeom prst="rect">
               <a:avLst/>
@@ -8793,9 +8849,7 @@
           </a:prstGeom>
           <a:ln w="38100">
             <a:solidFill>
-              <a:schemeClr val="accent1">
-                <a:lumMod val="75000"/>
-              </a:schemeClr>
+              <a:srgbClr val="004B8D"/>
             </a:solidFill>
           </a:ln>
         </p:spPr>
@@ -8816,10 +8870,10 @@
       </p:cxnSp>
       <p:grpSp>
         <p:nvGrpSpPr>
-          <p:cNvPr id="2" name="Group 1">
+          <p:cNvPr id="9" name="Group 8">
             <a:extLst>
               <a:ext uri="{FF2B5EF4-FFF2-40B4-BE49-F238E27FC236}">
-                <a16:creationId xmlns:a16="http://schemas.microsoft.com/office/drawing/2014/main" id="{0C4DCD01-F533-D0DB-7F33-AE31162B0AE9}"/>
+                <a16:creationId xmlns:a16="http://schemas.microsoft.com/office/drawing/2014/main" id="{2EF57000-0D73-1528-7661-C8EF84183CF2}"/>
               </a:ext>
             </a:extLst>
           </p:cNvPr>
@@ -8830,16 +8884,16 @@
           <a:xfrm>
             <a:off x="5951984" y="6318094"/>
             <a:ext cx="6130040" cy="381119"/>
-            <a:chOff x="3900570" y="6209512"/>
-            <a:chExt cx="8074208" cy="488804"/>
+            <a:chOff x="5951984" y="6318094"/>
+            <a:chExt cx="6130040" cy="381119"/>
           </a:xfrm>
         </p:grpSpPr>
         <p:sp>
           <p:nvSpPr>
-            <p:cNvPr id="4" name="TextBox 3">
+            <p:cNvPr id="10" name="TextBox 9">
               <a:extLst>
                 <a:ext uri="{FF2B5EF4-FFF2-40B4-BE49-F238E27FC236}">
-                  <a16:creationId xmlns:a16="http://schemas.microsoft.com/office/drawing/2014/main" id="{CA779E26-5AE4-C061-0771-74282A5EFBFC}"/>
+                  <a16:creationId xmlns:a16="http://schemas.microsoft.com/office/drawing/2014/main" id="{B3CB4E3F-A187-31E5-11E8-7B677D21C0C6}"/>
                 </a:ext>
               </a:extLst>
             </p:cNvPr>
@@ -8848,19 +8902,19 @@
           </p:nvSpPr>
           <p:spPr>
             <a:xfrm>
-              <a:off x="3900570" y="6209512"/>
-              <a:ext cx="8074208" cy="488804"/>
+              <a:off x="5951984" y="6318094"/>
+              <a:ext cx="6130040" cy="381119"/>
             </a:xfrm>
             <a:prstGeom prst="roundRect">
               <a:avLst>
                 <a:gd name="adj" fmla="val 20010"/>
               </a:avLst>
             </a:prstGeom>
-            <a:noFill/>
+            <a:solidFill>
+              <a:srgbClr val="004B8D"/>
+            </a:solidFill>
             <a:ln w="19050">
-              <a:solidFill>
-                <a:srgbClr val="FF0000"/>
-              </a:solidFill>
+              <a:noFill/>
             </a:ln>
           </p:spPr>
           <p:txBody>
@@ -8871,6 +8925,9 @@
             <a:p>
               <a:r>
                 <a:rPr lang="en-GB" sz="1600" b="1" dirty="0">
+                  <a:solidFill>
+                    <a:schemeClr val="bg1"/>
+                  </a:solidFill>
                   <a:latin typeface="Source Sans Pro" panose="020B0503030403020204" pitchFamily="34" charset="0"/>
                   <a:ea typeface="Source Sans Pro" panose="020B0503030403020204" pitchFamily="34" charset="0"/>
                   <a:cs typeface="Segoe UI Semibold" panose="020B0702040204020203" pitchFamily="34" charset="0"/>
@@ -8879,12 +8936,18 @@
               </a:r>
               <a:r>
                 <a:rPr lang="zh-TW" altLang="en-US" sz="1600" b="1" dirty="0">
+                  <a:solidFill>
+                    <a:schemeClr val="bg1"/>
+                  </a:solidFill>
                   <a:latin typeface="Source Sans Pro" panose="020B0503030403020204" pitchFamily="34" charset="0"/>
                   <a:ea typeface="Microsoft JhengHei" panose="020B0604030504040204" pitchFamily="34" charset="-120"/>
                 </a:rPr>
                 <a:t>請靜音或關閉所有電子設備</a:t>
               </a:r>
               <a:endParaRPr lang="ja-JP" altLang="en-US" sz="1600" b="1" dirty="0">
+                <a:solidFill>
+                  <a:schemeClr val="bg1"/>
+                </a:solidFill>
                 <a:latin typeface="Source Sans Pro" panose="020B0503030403020204" pitchFamily="34" charset="0"/>
                 <a:ea typeface="Microsoft JhengHei" panose="020B0604030504040204" pitchFamily="34" charset="-120"/>
               </a:endParaRPr>
@@ -8893,10 +8956,10 @@
         </p:sp>
         <p:pic>
           <p:nvPicPr>
-            <p:cNvPr id="5" name="Picture 4" descr="Shape&#10;&#10;Description automatically generated with low confidence">
+            <p:cNvPr id="12" name="Picture 11" descr="Shape&#10;&#10;Description automatically generated with low confidence">
               <a:extLst>
                 <a:ext uri="{FF2B5EF4-FFF2-40B4-BE49-F238E27FC236}">
-                  <a16:creationId xmlns:a16="http://schemas.microsoft.com/office/drawing/2014/main" id="{FE203ED7-5A90-07EA-C1AB-C2B10D34433D}"/>
+                  <a16:creationId xmlns:a16="http://schemas.microsoft.com/office/drawing/2014/main" id="{6BDE222E-477F-DABC-688B-6CA8472B6B6D}"/>
                 </a:ext>
               </a:extLst>
             </p:cNvPr>
@@ -8907,12 +8970,16 @@
           </p:nvPicPr>
           <p:blipFill>
             <a:blip r:embed="rId3" cstate="print">
+              <a:lum bright="70000" contrast="-70000"/>
               <a:extLst>
                 <a:ext uri="{BEBA8EAE-BF5A-486C-A8C5-ECC9F3942E4B}">
                   <a14:imgProps xmlns:a14="http://schemas.microsoft.com/office/drawing/2010/main">
                     <a14:imgLayer r:embed="rId4">
                       <a14:imgEffect>
-                        <a14:colorTemperature colorTemp="11500"/>
+                        <a14:artisticPhotocopy/>
+                      </a14:imgEffect>
+                      <a14:imgEffect>
+                        <a14:colorTemperature colorTemp="11200"/>
                       </a14:imgEffect>
                       <a14:imgEffect>
                         <a14:saturation sat="400000"/>
@@ -8934,21 +9001,24 @@
           </p:blipFill>
           <p:spPr>
             <a:xfrm>
-              <a:off x="11583067" y="6279910"/>
-              <a:ext cx="348008" cy="348008"/>
+              <a:off x="11784632" y="6372983"/>
+              <a:ext cx="264212" cy="271341"/>
             </a:xfrm>
             <a:prstGeom prst="rect">
               <a:avLst/>
             </a:prstGeom>
+            <a:solidFill>
+              <a:srgbClr val="004B8D"/>
+            </a:solidFill>
           </p:spPr>
         </p:pic>
       </p:grpSp>
       <p:grpSp>
         <p:nvGrpSpPr>
-          <p:cNvPr id="8" name="Group 7">
+          <p:cNvPr id="14" name="Group 13">
             <a:extLst>
               <a:ext uri="{FF2B5EF4-FFF2-40B4-BE49-F238E27FC236}">
-                <a16:creationId xmlns:a16="http://schemas.microsoft.com/office/drawing/2014/main" id="{235CE32E-B4E5-9746-79A9-51845A8D035C}"/>
+                <a16:creationId xmlns:a16="http://schemas.microsoft.com/office/drawing/2014/main" id="{3D332699-DD03-D5CA-D3EC-0D5647EBBA57}"/>
               </a:ext>
             </a:extLst>
           </p:cNvPr>
@@ -8957,18 +9027,18 @@
         </p:nvGrpSpPr>
         <p:grpSpPr>
           <a:xfrm>
-            <a:off x="220247" y="6381328"/>
-            <a:ext cx="3367551" cy="288032"/>
-            <a:chOff x="503270" y="4609005"/>
-            <a:chExt cx="9837956" cy="841457"/>
+            <a:off x="191344" y="6381328"/>
+            <a:ext cx="3312368" cy="276107"/>
+            <a:chOff x="3719736" y="328470"/>
+            <a:chExt cx="4754803" cy="396343"/>
           </a:xfrm>
         </p:grpSpPr>
         <p:pic>
           <p:nvPicPr>
-            <p:cNvPr id="11" name="Picture 10" descr="Logo&#10;&#10;Description automatically generated">
+            <p:cNvPr id="15" name="Picture 14">
               <a:extLst>
                 <a:ext uri="{FF2B5EF4-FFF2-40B4-BE49-F238E27FC236}">
-                  <a16:creationId xmlns:a16="http://schemas.microsoft.com/office/drawing/2014/main" id="{56A02108-2A87-8A00-9C2A-A0AB0154259B}"/>
+                  <a16:creationId xmlns:a16="http://schemas.microsoft.com/office/drawing/2014/main" id="{C720BD72-31C1-03E9-CE55-B467603EDF59}"/>
                 </a:ext>
               </a:extLst>
             </p:cNvPr>
@@ -8979,7 +9049,6 @@
           </p:nvPicPr>
           <p:blipFill>
             <a:blip r:embed="rId5" cstate="print">
-              <a:biLevel thresh="75000"/>
               <a:extLst>
                 <a:ext uri="{28A0092B-C50C-407E-A947-70E740481C1C}">
                   <a14:useLocalDpi xmlns:a14="http://schemas.microsoft.com/office/drawing/2010/main" val="0"/>
@@ -8992,8 +9061,8 @@
           </p:blipFill>
           <p:spPr>
             <a:xfrm>
-              <a:off x="503270" y="4661782"/>
-              <a:ext cx="6094347" cy="788680"/>
+              <a:off x="3719736" y="328470"/>
+              <a:ext cx="3030311" cy="392158"/>
             </a:xfrm>
             <a:prstGeom prst="rect">
               <a:avLst/>
@@ -9002,10 +9071,10 @@
         </p:pic>
         <p:pic>
           <p:nvPicPr>
-            <p:cNvPr id="13" name="Picture 12" descr="A picture containing icon&#10;&#10;Description automatically generated">
+            <p:cNvPr id="16" name="Picture 15" descr="A blue text on a black background&#10;&#10;Description automatically generated with low confidence">
               <a:extLst>
                 <a:ext uri="{FF2B5EF4-FFF2-40B4-BE49-F238E27FC236}">
-                  <a16:creationId xmlns:a16="http://schemas.microsoft.com/office/drawing/2014/main" id="{BD8BF4EB-8A09-B264-823F-12DCE6A7414F}"/>
+                  <a16:creationId xmlns:a16="http://schemas.microsoft.com/office/drawing/2014/main" id="{8D11CD00-EB4D-CD0F-527B-4F26520F980F}"/>
                 </a:ext>
               </a:extLst>
             </p:cNvPr>
@@ -9016,20 +9085,19 @@
           </p:nvPicPr>
           <p:blipFill rotWithShape="1">
             <a:blip r:embed="rId6" cstate="print">
-              <a:biLevel thresh="75000"/>
               <a:extLst>
                 <a:ext uri="{28A0092B-C50C-407E-A947-70E740481C1C}">
                   <a14:useLocalDpi xmlns:a14="http://schemas.microsoft.com/office/drawing/2010/main" val="0"/>
                 </a:ext>
               </a:extLst>
             </a:blip>
-            <a:srcRect l="27488"/>
+            <a:srcRect l="28239" r="1"/>
             <a:stretch/>
           </p:blipFill>
           <p:spPr>
             <a:xfrm>
-              <a:off x="6745384" y="4609005"/>
-              <a:ext cx="3595842" cy="841456"/>
+              <a:off x="6816080" y="332656"/>
+              <a:ext cx="1658459" cy="392157"/>
             </a:xfrm>
             <a:prstGeom prst="rect">
               <a:avLst/>
@@ -9248,9 +9316,7 @@
           </a:prstGeom>
           <a:ln w="38100">
             <a:solidFill>
-              <a:schemeClr val="accent1">
-                <a:lumMod val="75000"/>
-              </a:schemeClr>
+              <a:srgbClr val="004B8D"/>
             </a:solidFill>
           </a:ln>
         </p:spPr>
@@ -9271,10 +9337,10 @@
       </p:cxnSp>
       <p:grpSp>
         <p:nvGrpSpPr>
-          <p:cNvPr id="6" name="Group 5">
+          <p:cNvPr id="2" name="Group 1">
             <a:extLst>
               <a:ext uri="{FF2B5EF4-FFF2-40B4-BE49-F238E27FC236}">
-                <a16:creationId xmlns:a16="http://schemas.microsoft.com/office/drawing/2014/main" id="{702E56C3-3C87-EB7C-8382-9F614BEFE1E2}"/>
+                <a16:creationId xmlns:a16="http://schemas.microsoft.com/office/drawing/2014/main" id="{25583494-A4A7-E1A3-30DD-55BE5A8F8715}"/>
               </a:ext>
             </a:extLst>
           </p:cNvPr>
@@ -9285,16 +9351,16 @@
           <a:xfrm>
             <a:off x="5951984" y="6318094"/>
             <a:ext cx="6130040" cy="381119"/>
-            <a:chOff x="3900570" y="6209512"/>
-            <a:chExt cx="8074208" cy="488804"/>
+            <a:chOff x="5951984" y="6318094"/>
+            <a:chExt cx="6130040" cy="381119"/>
           </a:xfrm>
         </p:grpSpPr>
         <p:sp>
           <p:nvSpPr>
-            <p:cNvPr id="7" name="TextBox 6">
+            <p:cNvPr id="3" name="TextBox 2">
               <a:extLst>
                 <a:ext uri="{FF2B5EF4-FFF2-40B4-BE49-F238E27FC236}">
-                  <a16:creationId xmlns:a16="http://schemas.microsoft.com/office/drawing/2014/main" id="{0A55337A-AADB-6D6B-F423-3C94AEFD8966}"/>
+                  <a16:creationId xmlns:a16="http://schemas.microsoft.com/office/drawing/2014/main" id="{CA665FB4-42D0-C154-F14A-E1EE732FE24A}"/>
                 </a:ext>
               </a:extLst>
             </p:cNvPr>
@@ -9303,19 +9369,19 @@
           </p:nvSpPr>
           <p:spPr>
             <a:xfrm>
-              <a:off x="3900570" y="6209512"/>
-              <a:ext cx="8074208" cy="488804"/>
+              <a:off x="5951984" y="6318094"/>
+              <a:ext cx="6130040" cy="381119"/>
             </a:xfrm>
             <a:prstGeom prst="roundRect">
               <a:avLst>
                 <a:gd name="adj" fmla="val 20010"/>
               </a:avLst>
             </a:prstGeom>
-            <a:noFill/>
+            <a:solidFill>
+              <a:srgbClr val="004B8D"/>
+            </a:solidFill>
             <a:ln w="19050">
-              <a:solidFill>
-                <a:srgbClr val="FF0000"/>
-              </a:solidFill>
+              <a:noFill/>
             </a:ln>
           </p:spPr>
           <p:txBody>
@@ -9326,6 +9392,9 @@
             <a:p>
               <a:r>
                 <a:rPr lang="en-GB" sz="1600" b="1" dirty="0">
+                  <a:solidFill>
+                    <a:schemeClr val="bg1"/>
+                  </a:solidFill>
                   <a:latin typeface="Source Sans Pro" panose="020B0503030403020204" pitchFamily="34" charset="0"/>
                   <a:ea typeface="Source Sans Pro" panose="020B0503030403020204" pitchFamily="34" charset="0"/>
                   <a:cs typeface="Segoe UI Semibold" panose="020B0702040204020203" pitchFamily="34" charset="0"/>
@@ -9334,12 +9403,18 @@
               </a:r>
               <a:r>
                 <a:rPr lang="zh-TW" altLang="en-US" sz="1600" b="1" dirty="0">
+                  <a:solidFill>
+                    <a:schemeClr val="bg1"/>
+                  </a:solidFill>
                   <a:latin typeface="Source Sans Pro" panose="020B0503030403020204" pitchFamily="34" charset="0"/>
                   <a:ea typeface="Microsoft JhengHei" panose="020B0604030504040204" pitchFamily="34" charset="-120"/>
                 </a:rPr>
                 <a:t>請靜音或關閉所有電子設備</a:t>
               </a:r>
               <a:endParaRPr lang="ja-JP" altLang="en-US" sz="1600" b="1" dirty="0">
+                <a:solidFill>
+                  <a:schemeClr val="bg1"/>
+                </a:solidFill>
                 <a:latin typeface="Source Sans Pro" panose="020B0503030403020204" pitchFamily="34" charset="0"/>
                 <a:ea typeface="Microsoft JhengHei" panose="020B0604030504040204" pitchFamily="34" charset="-120"/>
               </a:endParaRPr>
@@ -9348,10 +9423,10 @@
         </p:sp>
         <p:pic>
           <p:nvPicPr>
-            <p:cNvPr id="9" name="Picture 8" descr="Shape&#10;&#10;Description automatically generated with low confidence">
+            <p:cNvPr id="4" name="Picture 3" descr="Shape&#10;&#10;Description automatically generated with low confidence">
               <a:extLst>
                 <a:ext uri="{FF2B5EF4-FFF2-40B4-BE49-F238E27FC236}">
-                  <a16:creationId xmlns:a16="http://schemas.microsoft.com/office/drawing/2014/main" id="{D9FC682E-3882-3060-F7AB-43EE5A9993B9}"/>
+                  <a16:creationId xmlns:a16="http://schemas.microsoft.com/office/drawing/2014/main" id="{0AD2B9C4-B659-F256-54CB-94DCC920968A}"/>
                 </a:ext>
               </a:extLst>
             </p:cNvPr>
@@ -9362,12 +9437,16 @@
           </p:nvPicPr>
           <p:blipFill>
             <a:blip r:embed="rId3" cstate="print">
+              <a:lum bright="70000" contrast="-70000"/>
               <a:extLst>
                 <a:ext uri="{BEBA8EAE-BF5A-486C-A8C5-ECC9F3942E4B}">
                   <a14:imgProps xmlns:a14="http://schemas.microsoft.com/office/drawing/2010/main">
                     <a14:imgLayer r:embed="rId4">
                       <a14:imgEffect>
-                        <a14:colorTemperature colorTemp="11500"/>
+                        <a14:artisticPhotocopy/>
+                      </a14:imgEffect>
+                      <a14:imgEffect>
+                        <a14:colorTemperature colorTemp="11200"/>
                       </a14:imgEffect>
                       <a14:imgEffect>
                         <a14:saturation sat="400000"/>
@@ -9389,21 +9468,24 @@
           </p:blipFill>
           <p:spPr>
             <a:xfrm>
-              <a:off x="11583067" y="6279910"/>
-              <a:ext cx="348008" cy="348008"/>
+              <a:off x="11784632" y="6372983"/>
+              <a:ext cx="264212" cy="271341"/>
             </a:xfrm>
             <a:prstGeom prst="rect">
               <a:avLst/>
             </a:prstGeom>
+            <a:solidFill>
+              <a:srgbClr val="004B8D"/>
+            </a:solidFill>
           </p:spPr>
         </p:pic>
       </p:grpSp>
       <p:grpSp>
         <p:nvGrpSpPr>
-          <p:cNvPr id="8" name="Group 7">
+          <p:cNvPr id="14" name="Group 13">
             <a:extLst>
               <a:ext uri="{FF2B5EF4-FFF2-40B4-BE49-F238E27FC236}">
-                <a16:creationId xmlns:a16="http://schemas.microsoft.com/office/drawing/2014/main" id="{AF7526A1-2211-EB1C-EA11-20399FCF7205}"/>
+                <a16:creationId xmlns:a16="http://schemas.microsoft.com/office/drawing/2014/main" id="{CDB6F33C-2A84-5482-333C-60222242A092}"/>
               </a:ext>
             </a:extLst>
           </p:cNvPr>
@@ -9412,18 +9494,18 @@
         </p:nvGrpSpPr>
         <p:grpSpPr>
           <a:xfrm>
-            <a:off x="220247" y="6381328"/>
-            <a:ext cx="3367551" cy="288032"/>
-            <a:chOff x="503270" y="4609005"/>
-            <a:chExt cx="9837956" cy="841457"/>
+            <a:off x="191344" y="6381328"/>
+            <a:ext cx="3312368" cy="276107"/>
+            <a:chOff x="3719736" y="328470"/>
+            <a:chExt cx="4754803" cy="396343"/>
           </a:xfrm>
         </p:grpSpPr>
         <p:pic>
           <p:nvPicPr>
-            <p:cNvPr id="10" name="Picture 9" descr="Logo&#10;&#10;Description automatically generated">
+            <p:cNvPr id="15" name="Picture 14">
               <a:extLst>
                 <a:ext uri="{FF2B5EF4-FFF2-40B4-BE49-F238E27FC236}">
-                  <a16:creationId xmlns:a16="http://schemas.microsoft.com/office/drawing/2014/main" id="{28349FCA-8B8A-2791-BE1E-DA5C14643C08}"/>
+                  <a16:creationId xmlns:a16="http://schemas.microsoft.com/office/drawing/2014/main" id="{DB3A339E-31CA-53FE-DCC3-F6516E0FFE54}"/>
                 </a:ext>
               </a:extLst>
             </p:cNvPr>
@@ -9434,7 +9516,6 @@
           </p:nvPicPr>
           <p:blipFill>
             <a:blip r:embed="rId5" cstate="print">
-              <a:biLevel thresh="75000"/>
               <a:extLst>
                 <a:ext uri="{28A0092B-C50C-407E-A947-70E740481C1C}">
                   <a14:useLocalDpi xmlns:a14="http://schemas.microsoft.com/office/drawing/2010/main" val="0"/>
@@ -9447,8 +9528,8 @@
           </p:blipFill>
           <p:spPr>
             <a:xfrm>
-              <a:off x="503270" y="4661782"/>
-              <a:ext cx="6094347" cy="788680"/>
+              <a:off x="3719736" y="328470"/>
+              <a:ext cx="3030311" cy="392158"/>
             </a:xfrm>
             <a:prstGeom prst="rect">
               <a:avLst/>
@@ -9457,10 +9538,10 @@
         </p:pic>
         <p:pic>
           <p:nvPicPr>
-            <p:cNvPr id="11" name="Picture 10" descr="A picture containing icon&#10;&#10;Description automatically generated">
+            <p:cNvPr id="16" name="Picture 15" descr="A blue text on a black background&#10;&#10;Description automatically generated with low confidence">
               <a:extLst>
                 <a:ext uri="{FF2B5EF4-FFF2-40B4-BE49-F238E27FC236}">
-                  <a16:creationId xmlns:a16="http://schemas.microsoft.com/office/drawing/2014/main" id="{2A6626B5-6385-E0C7-1672-4558C84DE0AC}"/>
+                  <a16:creationId xmlns:a16="http://schemas.microsoft.com/office/drawing/2014/main" id="{D62A02D3-0C97-A2A6-7C37-D95C56FC8728}"/>
                 </a:ext>
               </a:extLst>
             </p:cNvPr>
@@ -9471,20 +9552,19 @@
           </p:nvPicPr>
           <p:blipFill rotWithShape="1">
             <a:blip r:embed="rId6" cstate="print">
-              <a:biLevel thresh="75000"/>
               <a:extLst>
                 <a:ext uri="{28A0092B-C50C-407E-A947-70E740481C1C}">
                   <a14:useLocalDpi xmlns:a14="http://schemas.microsoft.com/office/drawing/2010/main" val="0"/>
                 </a:ext>
               </a:extLst>
             </a:blip>
-            <a:srcRect l="27488"/>
+            <a:srcRect l="28239" r="1"/>
             <a:stretch/>
           </p:blipFill>
           <p:spPr>
             <a:xfrm>
-              <a:off x="6745384" y="4609005"/>
-              <a:ext cx="3595842" cy="841456"/>
+              <a:off x="6816080" y="332656"/>
+              <a:ext cx="1658459" cy="392157"/>
             </a:xfrm>
             <a:prstGeom prst="rect">
               <a:avLst/>
@@ -9769,9 +9849,7 @@
             <a:r>
               <a:rPr lang="en-GB" sz="3200" b="1" dirty="0">
                 <a:solidFill>
-                  <a:schemeClr val="accent1">
-                    <a:lumMod val="75000"/>
-                  </a:schemeClr>
+                  <a:srgbClr val="004D91"/>
                 </a:solidFill>
                 <a:latin typeface="Source Sans Pro" panose="020B0503030403020204" pitchFamily="34" charset="0"/>
                 <a:ea typeface="Source Sans Pro" panose="020B0503030403020204" pitchFamily="34" charset="0"/>
@@ -9782,9 +9860,7 @@
             <a:r>
               <a:rPr lang="ja-JP" altLang="en-US" sz="3200" b="1" dirty="0">
                 <a:solidFill>
-                  <a:schemeClr val="accent1">
-                    <a:lumMod val="75000"/>
-                  </a:schemeClr>
+                  <a:srgbClr val="004D91"/>
                 </a:solidFill>
                 <a:latin typeface="Source Sans Pro" panose="020B0503030403020204" pitchFamily="34" charset="0"/>
                 <a:ea typeface="Microsoft JhengHei" panose="020B0604030504040204" pitchFamily="34" charset="-120"/>
@@ -9795,9 +9871,7 @@
             <a:r>
               <a:rPr lang="en-GB" sz="3200" b="1" dirty="0">
                 <a:solidFill>
-                  <a:schemeClr val="accent1">
-                    <a:lumMod val="75000"/>
-                  </a:schemeClr>
+                  <a:srgbClr val="004D91"/>
                 </a:solidFill>
                 <a:latin typeface="Source Sans Pro" panose="020B0503030403020204" pitchFamily="34" charset="0"/>
                 <a:ea typeface="Source Sans Pro" panose="020B0503030403020204" pitchFamily="34" charset="0"/>
@@ -9844,9 +9918,7 @@
             <a:r>
               <a:rPr lang="en-GB" sz="2800" b="1" dirty="0">
                 <a:solidFill>
-                  <a:schemeClr val="accent1">
-                    <a:lumMod val="75000"/>
-                  </a:schemeClr>
+                  <a:srgbClr val="004D91"/>
                 </a:solidFill>
                 <a:latin typeface="Source Sans Pro" panose="020B0503030403020204" pitchFamily="34" charset="0"/>
                 <a:ea typeface="Source Sans Pro" panose="020B0503030403020204" pitchFamily="34" charset="0"/>
@@ -9893,9 +9965,7 @@
             <a:r>
               <a:rPr lang="en-GB" sz="2800" b="1" dirty="0">
                 <a:solidFill>
-                  <a:schemeClr val="accent1">
-                    <a:lumMod val="75000"/>
-                  </a:schemeClr>
+                  <a:srgbClr val="004D91"/>
                 </a:solidFill>
                 <a:latin typeface="Source Sans Pro" panose="020B0503030403020204" pitchFamily="34" charset="0"/>
                 <a:ea typeface="Source Sans Pro" panose="020B0503030403020204" pitchFamily="34" charset="0"/>
@@ -9930,9 +10000,7 @@
           </a:prstGeom>
           <a:ln w="38100">
             <a:solidFill>
-              <a:schemeClr val="accent1">
-                <a:lumMod val="75000"/>
-              </a:schemeClr>
+              <a:srgbClr val="004B8D"/>
             </a:solidFill>
           </a:ln>
         </p:spPr>
@@ -9975,9 +10043,7 @@
           </a:prstGeom>
           <a:ln w="38100">
             <a:solidFill>
-              <a:schemeClr val="accent1">
-                <a:lumMod val="75000"/>
-              </a:schemeClr>
+              <a:srgbClr val="004B8D"/>
             </a:solidFill>
           </a:ln>
         </p:spPr>
@@ -9998,10 +10064,10 @@
       </p:cxnSp>
       <p:grpSp>
         <p:nvGrpSpPr>
-          <p:cNvPr id="4" name="Group 3">
+          <p:cNvPr id="15" name="Group 14">
             <a:extLst>
               <a:ext uri="{FF2B5EF4-FFF2-40B4-BE49-F238E27FC236}">
-                <a16:creationId xmlns:a16="http://schemas.microsoft.com/office/drawing/2014/main" id="{71A0711C-9D4E-883C-6D34-14B664B913D8}"/>
+                <a16:creationId xmlns:a16="http://schemas.microsoft.com/office/drawing/2014/main" id="{0B17F78B-2B64-EF2E-DB80-DB0D6C30AC74}"/>
               </a:ext>
             </a:extLst>
           </p:cNvPr>
@@ -10010,18 +10076,18 @@
         </p:nvGrpSpPr>
         <p:grpSpPr>
           <a:xfrm>
-            <a:off x="220247" y="6381328"/>
-            <a:ext cx="3367551" cy="288032"/>
-            <a:chOff x="503270" y="4609005"/>
-            <a:chExt cx="9837956" cy="841457"/>
+            <a:off x="191344" y="6381328"/>
+            <a:ext cx="3312368" cy="276107"/>
+            <a:chOff x="3719736" y="328470"/>
+            <a:chExt cx="4754803" cy="396343"/>
           </a:xfrm>
         </p:grpSpPr>
         <p:pic>
           <p:nvPicPr>
-            <p:cNvPr id="9" name="Picture 8" descr="Logo&#10;&#10;Description automatically generated">
+            <p:cNvPr id="16" name="Picture 15">
               <a:extLst>
                 <a:ext uri="{FF2B5EF4-FFF2-40B4-BE49-F238E27FC236}">
-                  <a16:creationId xmlns:a16="http://schemas.microsoft.com/office/drawing/2014/main" id="{CBF3AE04-BF95-E8EE-BC5D-D8BF74B7B4EF}"/>
+                  <a16:creationId xmlns:a16="http://schemas.microsoft.com/office/drawing/2014/main" id="{BA2CA04B-E272-DCD7-2BB8-6702A3B6EB27}"/>
                 </a:ext>
               </a:extLst>
             </p:cNvPr>
@@ -10032,7 +10098,6 @@
           </p:nvPicPr>
           <p:blipFill>
             <a:blip r:embed="rId3" cstate="print">
-              <a:biLevel thresh="75000"/>
               <a:extLst>
                 <a:ext uri="{28A0092B-C50C-407E-A947-70E740481C1C}">
                   <a14:useLocalDpi xmlns:a14="http://schemas.microsoft.com/office/drawing/2010/main" val="0"/>
@@ -10045,8 +10110,8 @@
           </p:blipFill>
           <p:spPr>
             <a:xfrm>
-              <a:off x="503270" y="4661782"/>
-              <a:ext cx="6094347" cy="788680"/>
+              <a:off x="3719736" y="328470"/>
+              <a:ext cx="3030311" cy="392158"/>
             </a:xfrm>
             <a:prstGeom prst="rect">
               <a:avLst/>
@@ -10055,10 +10120,10 @@
         </p:pic>
         <p:pic>
           <p:nvPicPr>
-            <p:cNvPr id="10" name="Picture 9" descr="A picture containing icon&#10;&#10;Description automatically generated">
+            <p:cNvPr id="18" name="Picture 17" descr="A blue text on a black background&#10;&#10;Description automatically generated with low confidence">
               <a:extLst>
                 <a:ext uri="{FF2B5EF4-FFF2-40B4-BE49-F238E27FC236}">
-                  <a16:creationId xmlns:a16="http://schemas.microsoft.com/office/drawing/2014/main" id="{47F2BEE1-6CA9-20C6-FDC5-8F46E9CB4DAC}"/>
+                  <a16:creationId xmlns:a16="http://schemas.microsoft.com/office/drawing/2014/main" id="{28FFCDB1-92EC-C8E9-C4D1-6BA6FAC550FC}"/>
                 </a:ext>
               </a:extLst>
             </p:cNvPr>
@@ -10069,20 +10134,19 @@
           </p:nvPicPr>
           <p:blipFill rotWithShape="1">
             <a:blip r:embed="rId4" cstate="print">
-              <a:biLevel thresh="75000"/>
               <a:extLst>
                 <a:ext uri="{28A0092B-C50C-407E-A947-70E740481C1C}">
                   <a14:useLocalDpi xmlns:a14="http://schemas.microsoft.com/office/drawing/2010/main" val="0"/>
                 </a:ext>
               </a:extLst>
             </a:blip>
-            <a:srcRect l="27488"/>
+            <a:srcRect l="28239" r="1"/>
             <a:stretch/>
           </p:blipFill>
           <p:spPr>
             <a:xfrm>
-              <a:off x="6745384" y="4609005"/>
-              <a:ext cx="3595842" cy="841456"/>
+              <a:off x="6816080" y="332656"/>
+              <a:ext cx="1658459" cy="392157"/>
             </a:xfrm>
             <a:prstGeom prst="rect">
               <a:avLst/>
@@ -10233,9 +10297,7 @@
             <a:r>
               <a:rPr lang="en-GB" sz="2600" b="1" i="1" dirty="0">
                 <a:solidFill>
-                  <a:schemeClr val="accent1">
-                    <a:lumMod val="75000"/>
-                  </a:schemeClr>
+                  <a:srgbClr val="004D91"/>
                 </a:solidFill>
                 <a:effectLst/>
                 <a:latin typeface="Source Sans Pro" panose="020B0503030403020204" pitchFamily="34" charset="0"/>
@@ -10245,9 +10307,7 @@
             </a:r>
             <a:endParaRPr lang="en-GB" sz="2600" b="1" i="0" dirty="0">
               <a:solidFill>
-                <a:schemeClr val="accent1">
-                  <a:lumMod val="75000"/>
-                </a:schemeClr>
+                <a:srgbClr val="004D91"/>
               </a:solidFill>
               <a:effectLst/>
               <a:latin typeface="Source Sans Pro" panose="020B0503030403020204" pitchFamily="34" charset="0"/>
@@ -10267,9 +10327,7 @@
             <a:r>
               <a:rPr lang="en-GB" sz="2600" b="1" i="1" dirty="0">
                 <a:solidFill>
-                  <a:schemeClr val="accent1">
-                    <a:lumMod val="75000"/>
-                  </a:schemeClr>
+                  <a:srgbClr val="004D91"/>
                 </a:solidFill>
                 <a:effectLst/>
                 <a:latin typeface="Source Sans Pro" panose="020B0503030403020204" pitchFamily="34" charset="0"/>
@@ -10279,9 +10337,7 @@
             </a:r>
             <a:endParaRPr lang="en-GB" sz="2600" b="1" i="0" dirty="0">
               <a:solidFill>
-                <a:schemeClr val="accent1">
-                  <a:lumMod val="75000"/>
-                </a:schemeClr>
+                <a:srgbClr val="004D91"/>
               </a:solidFill>
               <a:effectLst/>
               <a:latin typeface="Source Sans Pro" panose="020B0503030403020204" pitchFamily="34" charset="0"/>
@@ -10312,9 +10368,7 @@
             <a:r>
               <a:rPr lang="en-GB" sz="2600" b="1" i="1" dirty="0">
                 <a:solidFill>
-                  <a:schemeClr val="accent1">
-                    <a:lumMod val="75000"/>
-                  </a:schemeClr>
+                  <a:srgbClr val="004D91"/>
                 </a:solidFill>
                 <a:effectLst/>
                 <a:latin typeface="Source Sans Pro" panose="020B0503030403020204" pitchFamily="34" charset="0"/>
@@ -10324,9 +10378,7 @@
             </a:r>
             <a:endParaRPr lang="en-GB" sz="2600" b="1" i="0" dirty="0">
               <a:solidFill>
-                <a:schemeClr val="accent1">
-                  <a:lumMod val="75000"/>
-                </a:schemeClr>
+                <a:srgbClr val="004D91"/>
               </a:solidFill>
               <a:effectLst/>
               <a:latin typeface="Source Sans Pro" panose="020B0503030403020204" pitchFamily="34" charset="0"/>
@@ -10405,9 +10457,7 @@
             <a:r>
               <a:rPr lang="en-US" altLang="zh-TW" sz="3200" b="1" i="0" dirty="0">
                 <a:solidFill>
-                  <a:schemeClr val="accent1">
-                    <a:lumMod val="75000"/>
-                  </a:schemeClr>
+                  <a:srgbClr val="004D91"/>
                 </a:solidFill>
                 <a:effectLst/>
                 <a:latin typeface="Microsoft JhengHei" panose="020B0604030504040204" pitchFamily="34" charset="-120"/>
@@ -10418,9 +10468,7 @@
             <a:r>
               <a:rPr lang="zh-TW" altLang="en-US" sz="3200" b="1" i="0" dirty="0">
                 <a:solidFill>
-                  <a:schemeClr val="accent1">
-                    <a:lumMod val="75000"/>
-                  </a:schemeClr>
+                  <a:srgbClr val="004D91"/>
                 </a:solidFill>
                 <a:effectLst/>
                 <a:latin typeface="Microsoft JhengHei" panose="020B0604030504040204" pitchFamily="34" charset="-120"/>
@@ -10450,9 +10498,7 @@
             <a:r>
               <a:rPr lang="en-US" altLang="zh-TW" sz="3200" b="1" i="0" dirty="0">
                 <a:solidFill>
-                  <a:schemeClr val="accent1">
-                    <a:lumMod val="75000"/>
-                  </a:schemeClr>
+                  <a:srgbClr val="004D91"/>
                 </a:solidFill>
                 <a:effectLst/>
                 <a:latin typeface="Microsoft JhengHei" panose="020B0604030504040204" pitchFamily="34" charset="-120"/>
@@ -10463,9 +10509,7 @@
             <a:r>
               <a:rPr lang="zh-TW" altLang="en-US" sz="3200" b="1" i="0" dirty="0">
                 <a:solidFill>
-                  <a:schemeClr val="accent1">
-                    <a:lumMod val="75000"/>
-                  </a:schemeClr>
+                  <a:srgbClr val="004D91"/>
                 </a:solidFill>
                 <a:effectLst/>
                 <a:latin typeface="Microsoft JhengHei" panose="020B0604030504040204" pitchFamily="34" charset="-120"/>
@@ -10476,9 +10520,7 @@
             <a:r>
               <a:rPr lang="en-US" altLang="zh-TW" sz="3200" b="1" i="0" dirty="0">
                 <a:solidFill>
-                  <a:schemeClr val="accent1">
-                    <a:lumMod val="75000"/>
-                  </a:schemeClr>
+                  <a:srgbClr val="004D91"/>
                 </a:solidFill>
                 <a:effectLst/>
                 <a:latin typeface="Microsoft JhengHei" panose="020B0604030504040204" pitchFamily="34" charset="-120"/>
@@ -10489,9 +10531,7 @@
             <a:r>
               <a:rPr lang="zh-TW" altLang="en-US" sz="3200" b="1" i="0" dirty="0">
                 <a:solidFill>
-                  <a:schemeClr val="accent1">
-                    <a:lumMod val="75000"/>
-                  </a:schemeClr>
+                  <a:srgbClr val="004D91"/>
                 </a:solidFill>
                 <a:effectLst/>
                 <a:latin typeface="Microsoft JhengHei" panose="020B0604030504040204" pitchFamily="34" charset="-120"/>
@@ -10540,9 +10580,7 @@
             <a:r>
               <a:rPr lang="zh-TW" altLang="en-US" sz="3200" b="1" i="0" dirty="0">
                 <a:solidFill>
-                  <a:schemeClr val="accent1">
-                    <a:lumMod val="75000"/>
-                  </a:schemeClr>
+                  <a:srgbClr val="004D91"/>
                 </a:solidFill>
                 <a:effectLst/>
                 <a:latin typeface="Microsoft JhengHei" panose="020B0604030504040204" pitchFamily="34" charset="-120"/>
@@ -10553,9 +10591,7 @@
             <a:r>
               <a:rPr lang="en-US" altLang="zh-TW" sz="3200" b="1" i="0" dirty="0">
                 <a:solidFill>
-                  <a:schemeClr val="accent1">
-                    <a:lumMod val="75000"/>
-                  </a:schemeClr>
+                  <a:srgbClr val="004D91"/>
                 </a:solidFill>
                 <a:effectLst/>
                 <a:latin typeface="Microsoft JhengHei" panose="020B0604030504040204" pitchFamily="34" charset="-120"/>
@@ -10626,10 +10662,10 @@
       </p:cxnSp>
       <p:grpSp>
         <p:nvGrpSpPr>
-          <p:cNvPr id="3" name="Group 2">
+          <p:cNvPr id="7" name="Group 6">
             <a:extLst>
               <a:ext uri="{FF2B5EF4-FFF2-40B4-BE49-F238E27FC236}">
-                <a16:creationId xmlns:a16="http://schemas.microsoft.com/office/drawing/2014/main" id="{0C117D11-0BC7-0B3D-9531-40EA33203852}"/>
+                <a16:creationId xmlns:a16="http://schemas.microsoft.com/office/drawing/2014/main" id="{72DC5880-BDED-92C0-586D-1160A0C3A6C1}"/>
               </a:ext>
             </a:extLst>
           </p:cNvPr>
@@ -10640,16 +10676,16 @@
           <a:xfrm>
             <a:off x="5951984" y="6318094"/>
             <a:ext cx="6130040" cy="381119"/>
-            <a:chOff x="3900570" y="6209512"/>
-            <a:chExt cx="8074208" cy="488804"/>
+            <a:chOff x="5951984" y="6318094"/>
+            <a:chExt cx="6130040" cy="381119"/>
           </a:xfrm>
         </p:grpSpPr>
         <p:sp>
           <p:nvSpPr>
-            <p:cNvPr id="14" name="TextBox 13">
+            <p:cNvPr id="8" name="TextBox 7">
               <a:extLst>
                 <a:ext uri="{FF2B5EF4-FFF2-40B4-BE49-F238E27FC236}">
-                  <a16:creationId xmlns:a16="http://schemas.microsoft.com/office/drawing/2014/main" id="{1F20659A-912A-A3F5-7438-9DCDEDE4CF19}"/>
+                  <a16:creationId xmlns:a16="http://schemas.microsoft.com/office/drawing/2014/main" id="{6DCD3134-7024-047D-5EAB-0FBC0300B30E}"/>
                 </a:ext>
               </a:extLst>
             </p:cNvPr>
@@ -10658,19 +10694,19 @@
           </p:nvSpPr>
           <p:spPr>
             <a:xfrm>
-              <a:off x="3900570" y="6209512"/>
-              <a:ext cx="8074208" cy="488804"/>
+              <a:off x="5951984" y="6318094"/>
+              <a:ext cx="6130040" cy="381119"/>
             </a:xfrm>
             <a:prstGeom prst="roundRect">
               <a:avLst>
                 <a:gd name="adj" fmla="val 20010"/>
               </a:avLst>
             </a:prstGeom>
-            <a:noFill/>
+            <a:solidFill>
+              <a:srgbClr val="004B8D"/>
+            </a:solidFill>
             <a:ln w="19050">
-              <a:solidFill>
-                <a:srgbClr val="FF0000"/>
-              </a:solidFill>
+              <a:noFill/>
             </a:ln>
           </p:spPr>
           <p:txBody>
@@ -10681,6 +10717,9 @@
             <a:p>
               <a:r>
                 <a:rPr lang="en-GB" sz="1600" b="1" dirty="0">
+                  <a:solidFill>
+                    <a:schemeClr val="bg1"/>
+                  </a:solidFill>
                   <a:latin typeface="Source Sans Pro" panose="020B0503030403020204" pitchFamily="34" charset="0"/>
                   <a:ea typeface="Source Sans Pro" panose="020B0503030403020204" pitchFamily="34" charset="0"/>
                   <a:cs typeface="Segoe UI Semibold" panose="020B0702040204020203" pitchFamily="34" charset="0"/>
@@ -10689,12 +10728,18 @@
               </a:r>
               <a:r>
                 <a:rPr lang="zh-TW" altLang="en-US" sz="1600" b="1" dirty="0">
+                  <a:solidFill>
+                    <a:schemeClr val="bg1"/>
+                  </a:solidFill>
                   <a:latin typeface="Source Sans Pro" panose="020B0503030403020204" pitchFamily="34" charset="0"/>
                   <a:ea typeface="Microsoft JhengHei" panose="020B0604030504040204" pitchFamily="34" charset="-120"/>
                 </a:rPr>
                 <a:t>請靜音或關閉所有電子設備</a:t>
               </a:r>
               <a:endParaRPr lang="ja-JP" altLang="en-US" sz="1600" b="1" dirty="0">
+                <a:solidFill>
+                  <a:schemeClr val="bg1"/>
+                </a:solidFill>
                 <a:latin typeface="Source Sans Pro" panose="020B0503030403020204" pitchFamily="34" charset="0"/>
                 <a:ea typeface="Microsoft JhengHei" panose="020B0604030504040204" pitchFamily="34" charset="-120"/>
               </a:endParaRPr>
@@ -10703,10 +10748,10 @@
         </p:sp>
         <p:pic>
           <p:nvPicPr>
-            <p:cNvPr id="15" name="Picture 14" descr="Shape&#10;&#10;Description automatically generated with low confidence">
+            <p:cNvPr id="10" name="Picture 9" descr="Shape&#10;&#10;Description automatically generated with low confidence">
               <a:extLst>
                 <a:ext uri="{FF2B5EF4-FFF2-40B4-BE49-F238E27FC236}">
-                  <a16:creationId xmlns:a16="http://schemas.microsoft.com/office/drawing/2014/main" id="{2519B31D-8076-C37B-E4E3-6FA3747760A2}"/>
+                  <a16:creationId xmlns:a16="http://schemas.microsoft.com/office/drawing/2014/main" id="{65957422-7A97-498E-9DEE-5954AFEE2526}"/>
                 </a:ext>
               </a:extLst>
             </p:cNvPr>
@@ -10717,12 +10762,16 @@
           </p:nvPicPr>
           <p:blipFill>
             <a:blip r:embed="rId3" cstate="print">
+              <a:lum bright="70000" contrast="-70000"/>
               <a:extLst>
                 <a:ext uri="{BEBA8EAE-BF5A-486C-A8C5-ECC9F3942E4B}">
                   <a14:imgProps xmlns:a14="http://schemas.microsoft.com/office/drawing/2010/main">
                     <a14:imgLayer r:embed="rId4">
                       <a14:imgEffect>
-                        <a14:colorTemperature colorTemp="11500"/>
+                        <a14:artisticPhotocopy/>
+                      </a14:imgEffect>
+                      <a14:imgEffect>
+                        <a14:colorTemperature colorTemp="11200"/>
                       </a14:imgEffect>
                       <a14:imgEffect>
                         <a14:saturation sat="400000"/>
@@ -10744,21 +10793,24 @@
           </p:blipFill>
           <p:spPr>
             <a:xfrm>
-              <a:off x="11583067" y="6279910"/>
-              <a:ext cx="348008" cy="348008"/>
+              <a:off x="11784632" y="6372983"/>
+              <a:ext cx="264212" cy="271341"/>
             </a:xfrm>
             <a:prstGeom prst="rect">
               <a:avLst/>
             </a:prstGeom>
+            <a:solidFill>
+              <a:srgbClr val="004B8D"/>
+            </a:solidFill>
           </p:spPr>
         </p:pic>
       </p:grpSp>
       <p:grpSp>
         <p:nvGrpSpPr>
-          <p:cNvPr id="4" name="Group 3">
+          <p:cNvPr id="12" name="Group 11">
             <a:extLst>
               <a:ext uri="{FF2B5EF4-FFF2-40B4-BE49-F238E27FC236}">
-                <a16:creationId xmlns:a16="http://schemas.microsoft.com/office/drawing/2014/main" id="{03693CCC-5425-94EC-76C5-1DBC756C591A}"/>
+                <a16:creationId xmlns:a16="http://schemas.microsoft.com/office/drawing/2014/main" id="{9993B85C-7609-546F-2D6C-4BE5BCFD19BE}"/>
               </a:ext>
             </a:extLst>
           </p:cNvPr>
@@ -10767,18 +10819,18 @@
         </p:nvGrpSpPr>
         <p:grpSpPr>
           <a:xfrm>
-            <a:off x="220247" y="6381328"/>
-            <a:ext cx="3367551" cy="288032"/>
-            <a:chOff x="503270" y="4609005"/>
-            <a:chExt cx="9837956" cy="841457"/>
+            <a:off x="191344" y="6381328"/>
+            <a:ext cx="3312368" cy="276107"/>
+            <a:chOff x="3719736" y="328470"/>
+            <a:chExt cx="4754803" cy="396343"/>
           </a:xfrm>
         </p:grpSpPr>
         <p:pic>
           <p:nvPicPr>
-            <p:cNvPr id="6" name="Picture 5" descr="Logo&#10;&#10;Description automatically generated">
+            <p:cNvPr id="16" name="Picture 15">
               <a:extLst>
                 <a:ext uri="{FF2B5EF4-FFF2-40B4-BE49-F238E27FC236}">
-                  <a16:creationId xmlns:a16="http://schemas.microsoft.com/office/drawing/2014/main" id="{8F4932B8-6137-D64C-532C-A72C1663C1AE}"/>
+                  <a16:creationId xmlns:a16="http://schemas.microsoft.com/office/drawing/2014/main" id="{C57D1458-A84E-1BC4-77A5-0DDADFD44293}"/>
                 </a:ext>
               </a:extLst>
             </p:cNvPr>
@@ -10789,7 +10841,6 @@
           </p:nvPicPr>
           <p:blipFill>
             <a:blip r:embed="rId5" cstate="print">
-              <a:biLevel thresh="75000"/>
               <a:extLst>
                 <a:ext uri="{28A0092B-C50C-407E-A947-70E740481C1C}">
                   <a14:useLocalDpi xmlns:a14="http://schemas.microsoft.com/office/drawing/2010/main" val="0"/>
@@ -10802,8 +10853,8 @@
           </p:blipFill>
           <p:spPr>
             <a:xfrm>
-              <a:off x="503270" y="4661782"/>
-              <a:ext cx="6094347" cy="788680"/>
+              <a:off x="3719736" y="328470"/>
+              <a:ext cx="3030311" cy="392158"/>
             </a:xfrm>
             <a:prstGeom prst="rect">
               <a:avLst/>
@@ -10812,10 +10863,10 @@
         </p:pic>
         <p:pic>
           <p:nvPicPr>
-            <p:cNvPr id="9" name="Picture 8" descr="A picture containing icon&#10;&#10;Description automatically generated">
+            <p:cNvPr id="17" name="Picture 16" descr="A blue text on a black background&#10;&#10;Description automatically generated with low confidence">
               <a:extLst>
                 <a:ext uri="{FF2B5EF4-FFF2-40B4-BE49-F238E27FC236}">
-                  <a16:creationId xmlns:a16="http://schemas.microsoft.com/office/drawing/2014/main" id="{CC75F0FE-0AD0-1716-B7E0-2D9E9C28B89A}"/>
+                  <a16:creationId xmlns:a16="http://schemas.microsoft.com/office/drawing/2014/main" id="{FD5E27C1-1E2D-D98E-B7FF-3096F1473D09}"/>
                 </a:ext>
               </a:extLst>
             </p:cNvPr>
@@ -10826,20 +10877,19 @@
           </p:nvPicPr>
           <p:blipFill rotWithShape="1">
             <a:blip r:embed="rId6" cstate="print">
-              <a:biLevel thresh="75000"/>
               <a:extLst>
                 <a:ext uri="{28A0092B-C50C-407E-A947-70E740481C1C}">
                   <a14:useLocalDpi xmlns:a14="http://schemas.microsoft.com/office/drawing/2010/main" val="0"/>
                 </a:ext>
               </a:extLst>
             </a:blip>
-            <a:srcRect l="27488"/>
+            <a:srcRect l="28239" r="1"/>
             <a:stretch/>
           </p:blipFill>
           <p:spPr>
             <a:xfrm>
-              <a:off x="6745384" y="4609005"/>
-              <a:ext cx="3595842" cy="841456"/>
+              <a:off x="6816080" y="332656"/>
+              <a:ext cx="1658459" cy="392157"/>
             </a:xfrm>
             <a:prstGeom prst="rect">
               <a:avLst/>

--- a/TJCPowerPoint/bin/Debug/Files/ServiceWidescreen.pptx
+++ b/TJCPowerPoint/bin/Debug/Files/ServiceWidescreen.pptx
@@ -5000,7 +5000,7 @@
         </p:nvSpPr>
         <p:spPr>
           <a:xfrm>
-            <a:off x="2474920" y="3278594"/>
+            <a:off x="2374605" y="3278594"/>
             <a:ext cx="7442790" cy="1446550"/>
           </a:xfrm>
           <a:prstGeom prst="rect">
@@ -5052,7 +5052,7 @@
         </p:nvSpPr>
         <p:spPr>
           <a:xfrm>
-            <a:off x="983432" y="2636912"/>
+            <a:off x="883117" y="2636912"/>
             <a:ext cx="10425767" cy="620499"/>
           </a:xfrm>
         </p:spPr>
@@ -5071,7 +5071,7 @@
                 <a:cs typeface="Segoe UI" panose="020B0502040204020203" pitchFamily="34" charset="0"/>
               </a:rPr>
               <a:pPr algn="ctr"/>
-              <a:t>Thursday, June 22, 2023</a:t>
+              <a:t>Wednesday, June 28, 2023</a:t>
             </a:fld>
             <a:endParaRPr lang="en-US" altLang="en-US" sz="5400" b="1" dirty="0">
               <a:solidFill>
@@ -5098,7 +5098,7 @@
         </p:nvSpPr>
         <p:spPr>
           <a:xfrm>
-            <a:off x="1850768" y="765629"/>
+            <a:off x="1850771" y="765629"/>
             <a:ext cx="8490458" cy="954107"/>
           </a:xfrm>
           <a:prstGeom prst="rect">
@@ -5134,62 +5134,6 @@
             <a:endParaRPr lang="en-GB" sz="2800" b="1" dirty="0">
               <a:latin typeface="Source Sans Pro" panose="020B0503030403020204" pitchFamily="34" charset="0"/>
               <a:ea typeface="Source Sans Pro" panose="020B0503030403020204" pitchFamily="34" charset="0"/>
-            </a:endParaRPr>
-          </a:p>
-        </p:txBody>
-      </p:sp>
-      <p:sp>
-        <p:nvSpPr>
-          <p:cNvPr id="8" name="TextBox 7">
-            <a:extLst>
-              <a:ext uri="{FF2B5EF4-FFF2-40B4-BE49-F238E27FC236}">
-                <a16:creationId xmlns:a16="http://schemas.microsoft.com/office/drawing/2014/main" id="{FC586B8D-08C4-F60F-059E-092427966925}"/>
-              </a:ext>
-            </a:extLst>
-          </p:cNvPr>
-          <p:cNvSpPr txBox="1"/>
-          <p:nvPr/>
-        </p:nvSpPr>
-        <p:spPr>
-          <a:xfrm>
-            <a:off x="2277851" y="6165304"/>
-            <a:ext cx="7836928" cy="450413"/>
-          </a:xfrm>
-          <a:prstGeom prst="roundRect">
-            <a:avLst>
-              <a:gd name="adj" fmla="val 20010"/>
-            </a:avLst>
-          </a:prstGeom>
-          <a:noFill/>
-          <a:ln w="19050">
-            <a:noFill/>
-          </a:ln>
-        </p:spPr>
-        <p:txBody>
-          <a:bodyPr wrap="square" rtlCol="0" anchor="ctr">
-            <a:spAutoFit/>
-          </a:bodyPr>
-          <a:lstStyle/>
-          <a:p>
-            <a:pPr algn="r"/>
-            <a:r>
-              <a:rPr lang="en-GB" sz="2000" b="1" dirty="0">
-                <a:latin typeface="Source Sans Pro" panose="020B0503030403020204" pitchFamily="34" charset="0"/>
-                <a:ea typeface="Source Sans Pro" panose="020B0503030403020204" pitchFamily="34" charset="0"/>
-                <a:cs typeface="Segoe UI Semibold" panose="020B0702040204020203" pitchFamily="34" charset="0"/>
-              </a:rPr>
-              <a:t>Please Turn Off/Silence Your Devices </a:t>
-            </a:r>
-            <a:r>
-              <a:rPr lang="zh-TW" altLang="en-US" sz="2000" b="1" dirty="0">
-                <a:latin typeface="Source Sans Pro" panose="020B0503030403020204" pitchFamily="34" charset="0"/>
-                <a:ea typeface="Microsoft JhengHei" panose="020B0604030504040204" pitchFamily="34" charset="-120"/>
-              </a:rPr>
-              <a:t>請靜音或關閉所有電子設備</a:t>
-            </a:r>
-            <a:endParaRPr lang="ja-JP" altLang="en-US" sz="2000" b="1" dirty="0">
-              <a:latin typeface="Source Sans Pro" panose="020B0503030403020204" pitchFamily="34" charset="0"/>
-              <a:ea typeface="Microsoft JhengHei" panose="020B0604030504040204" pitchFamily="34" charset="-120"/>
             </a:endParaRPr>
           </a:p>
         </p:txBody>
@@ -5286,6 +5230,151 @@
           </p:spPr>
         </p:pic>
       </p:grpSp>
+      <p:grpSp>
+        <p:nvGrpSpPr>
+          <p:cNvPr id="3" name="Group 2">
+            <a:extLst>
+              <a:ext uri="{FF2B5EF4-FFF2-40B4-BE49-F238E27FC236}">
+                <a16:creationId xmlns:a16="http://schemas.microsoft.com/office/drawing/2014/main" id="{0C838017-E1CE-E3B6-402F-8E790F12AA10}"/>
+              </a:ext>
+            </a:extLst>
+          </p:cNvPr>
+          <p:cNvGrpSpPr/>
+          <p:nvPr/>
+        </p:nvGrpSpPr>
+        <p:grpSpPr>
+          <a:xfrm>
+            <a:off x="2451880" y="6092371"/>
+            <a:ext cx="7288240" cy="433090"/>
+            <a:chOff x="5951984" y="6326519"/>
+            <a:chExt cx="6130040" cy="364266"/>
+          </a:xfrm>
+        </p:grpSpPr>
+        <p:sp>
+          <p:nvSpPr>
+            <p:cNvPr id="5" name="TextBox 4">
+              <a:extLst>
+                <a:ext uri="{FF2B5EF4-FFF2-40B4-BE49-F238E27FC236}">
+                  <a16:creationId xmlns:a16="http://schemas.microsoft.com/office/drawing/2014/main" id="{D45E9405-75DA-51A6-AB95-FE27F674F03B}"/>
+                </a:ext>
+              </a:extLst>
+            </p:cNvPr>
+            <p:cNvSpPr txBox="1"/>
+            <p:nvPr/>
+          </p:nvSpPr>
+          <p:spPr>
+            <a:xfrm>
+              <a:off x="5951984" y="6326519"/>
+              <a:ext cx="6130040" cy="364266"/>
+            </a:xfrm>
+            <a:prstGeom prst="roundRect">
+              <a:avLst>
+                <a:gd name="adj" fmla="val 20010"/>
+              </a:avLst>
+            </a:prstGeom>
+            <a:solidFill>
+              <a:srgbClr val="004B8D"/>
+            </a:solidFill>
+            <a:ln w="19050">
+              <a:noFill/>
+            </a:ln>
+          </p:spPr>
+          <p:txBody>
+            <a:bodyPr wrap="square" rtlCol="0" anchor="ctr">
+              <a:spAutoFit/>
+            </a:bodyPr>
+            <a:lstStyle/>
+            <a:p>
+              <a:r>
+                <a:rPr lang="en-GB" sz="1900" b="1" dirty="0">
+                  <a:solidFill>
+                    <a:schemeClr val="bg1"/>
+                  </a:solidFill>
+                  <a:latin typeface="Source Sans Pro" panose="020B0503030403020204" pitchFamily="34" charset="0"/>
+                  <a:ea typeface="Source Sans Pro" panose="020B0503030403020204" pitchFamily="34" charset="0"/>
+                  <a:cs typeface="Segoe UI Semibold" panose="020B0702040204020203" pitchFamily="34" charset="0"/>
+                </a:rPr>
+                <a:t>Please Turn Off/Silence Your Devices </a:t>
+              </a:r>
+              <a:r>
+                <a:rPr lang="zh-TW" altLang="en-US" sz="1900" b="1" dirty="0">
+                  <a:solidFill>
+                    <a:schemeClr val="bg1"/>
+                  </a:solidFill>
+                  <a:latin typeface="Source Sans Pro" panose="020B0503030403020204" pitchFamily="34" charset="0"/>
+                  <a:ea typeface="Microsoft JhengHei" panose="020B0604030504040204" pitchFamily="34" charset="-120"/>
+                </a:rPr>
+                <a:t>請靜音或關閉所有電子設備</a:t>
+              </a:r>
+              <a:endParaRPr lang="ja-JP" altLang="en-US" sz="1900" b="1" dirty="0">
+                <a:solidFill>
+                  <a:schemeClr val="bg1"/>
+                </a:solidFill>
+                <a:latin typeface="Source Sans Pro" panose="020B0503030403020204" pitchFamily="34" charset="0"/>
+                <a:ea typeface="Microsoft JhengHei" panose="020B0604030504040204" pitchFamily="34" charset="-120"/>
+              </a:endParaRPr>
+            </a:p>
+          </p:txBody>
+        </p:sp>
+        <p:pic>
+          <p:nvPicPr>
+            <p:cNvPr id="7" name="Picture 6" descr="Shape&#10;&#10;Description automatically generated with low confidence">
+              <a:extLst>
+                <a:ext uri="{FF2B5EF4-FFF2-40B4-BE49-F238E27FC236}">
+                  <a16:creationId xmlns:a16="http://schemas.microsoft.com/office/drawing/2014/main" id="{FB39BDA6-052D-8BCF-5374-07AC5A1469E4}"/>
+                </a:ext>
+              </a:extLst>
+            </p:cNvPr>
+            <p:cNvPicPr>
+              <a:picLocks noChangeAspect="1"/>
+            </p:cNvPicPr>
+            <p:nvPr/>
+          </p:nvPicPr>
+          <p:blipFill>
+            <a:blip r:embed="rId5" cstate="print">
+              <a:lum bright="70000" contrast="-70000"/>
+              <a:extLst>
+                <a:ext uri="{BEBA8EAE-BF5A-486C-A8C5-ECC9F3942E4B}">
+                  <a14:imgProps xmlns:a14="http://schemas.microsoft.com/office/drawing/2010/main">
+                    <a14:imgLayer r:embed="rId6">
+                      <a14:imgEffect>
+                        <a14:artisticPhotocopy/>
+                      </a14:imgEffect>
+                      <a14:imgEffect>
+                        <a14:colorTemperature colorTemp="11200"/>
+                      </a14:imgEffect>
+                      <a14:imgEffect>
+                        <a14:saturation sat="400000"/>
+                      </a14:imgEffect>
+                      <a14:imgEffect>
+                        <a14:brightnessContrast bright="-40000" contrast="-40000"/>
+                      </a14:imgEffect>
+                    </a14:imgLayer>
+                  </a14:imgProps>
+                </a:ext>
+                <a:ext uri="{28A0092B-C50C-407E-A947-70E740481C1C}">
+                  <a14:useLocalDpi xmlns:a14="http://schemas.microsoft.com/office/drawing/2010/main" val="0"/>
+                </a:ext>
+              </a:extLst>
+            </a:blip>
+            <a:stretch>
+              <a:fillRect/>
+            </a:stretch>
+          </p:blipFill>
+          <p:spPr>
+            <a:xfrm>
+              <a:off x="11784632" y="6372983"/>
+              <a:ext cx="264212" cy="271341"/>
+            </a:xfrm>
+            <a:prstGeom prst="rect">
+              <a:avLst/>
+            </a:prstGeom>
+            <a:solidFill>
+              <a:srgbClr val="004B8D"/>
+            </a:solidFill>
+          </p:spPr>
+        </p:pic>
+      </p:grpSp>
     </p:spTree>
   </p:cSld>
   <p:clrMapOvr>
@@ -5325,26 +5414,31 @@
         </p:nvSpPr>
         <p:spPr>
           <a:xfrm>
-            <a:off x="479377" y="1332015"/>
-            <a:ext cx="11233247" cy="1323439"/>
+            <a:off x="0" y="1332015"/>
+            <a:ext cx="12191999" cy="1664937"/>
           </a:xfrm>
           <a:prstGeom prst="rect">
             <a:avLst/>
           </a:prstGeom>
-          <a:noFill/>
+          <a:solidFill>
+            <a:srgbClr val="004D91"/>
+          </a:solidFill>
           <a:ln w="63500">
             <a:noFill/>
           </a:ln>
         </p:spPr>
         <p:txBody>
-          <a:bodyPr wrap="square" rtlCol="0">
-            <a:spAutoFit/>
+          <a:bodyPr wrap="square" rtlCol="0" anchor="ctr" anchorCtr="0">
+            <a:noAutofit/>
           </a:bodyPr>
           <a:lstStyle/>
           <a:p>
             <a:pPr algn="ctr"/>
             <a:r>
               <a:rPr lang="en-GB" altLang="en-US" sz="4000" b="1" dirty="0">
+                <a:solidFill>
+                  <a:schemeClr val="bg1"/>
+                </a:solidFill>
                 <a:latin typeface="Source Sans Pro" panose="020B0503030403020204" pitchFamily="34" charset="0"/>
                 <a:ea typeface="Source Sans Pro" panose="020B0503030403020204" pitchFamily="34" charset="0"/>
                 <a:cs typeface="Segoe UI" panose="020B0502040204020203" pitchFamily="34" charset="0"/>
@@ -5352,6 +5446,9 @@
               <a:t>Please Turn Off/Silence Your Devices</a:t>
             </a:r>
             <a:endParaRPr lang="zh-TW" altLang="en-US" sz="4000" b="1" dirty="0">
+              <a:solidFill>
+                <a:schemeClr val="bg1"/>
+              </a:solidFill>
               <a:latin typeface="Source Sans Pro" panose="020B0503030403020204" pitchFamily="34" charset="0"/>
               <a:ea typeface="Microsoft JhengHei" panose="020B0604030504040204" pitchFamily="34" charset="-120"/>
             </a:endParaRPr>
@@ -5360,12 +5457,18 @@
             <a:pPr algn="ctr"/>
             <a:r>
               <a:rPr lang="zh-TW" altLang="en-US" sz="4000" b="1" dirty="0">
+                <a:solidFill>
+                  <a:schemeClr val="bg1"/>
+                </a:solidFill>
                 <a:latin typeface="Source Sans Pro" panose="020B0503030403020204" pitchFamily="34" charset="0"/>
                 <a:ea typeface="Microsoft JhengHei" panose="020B0604030504040204" pitchFamily="34" charset="-120"/>
               </a:rPr>
               <a:t>請靜音或關閉所有電子設備</a:t>
             </a:r>
             <a:endParaRPr lang="en-GB" sz="4000" b="1" dirty="0">
+              <a:solidFill>
+                <a:schemeClr val="bg1"/>
+              </a:solidFill>
               <a:latin typeface="Source Sans Pro" panose="020B0503030403020204" pitchFamily="34" charset="0"/>
               <a:ea typeface="Source Sans Pro" panose="020B0503030403020204" pitchFamily="34" charset="0"/>
             </a:endParaRPr>
@@ -5386,7 +5489,7 @@
         </p:nvGrpSpPr>
         <p:grpSpPr>
           <a:xfrm>
-            <a:off x="3578711" y="3060207"/>
+            <a:off x="3578712" y="3572871"/>
             <a:ext cx="5034575" cy="2096985"/>
             <a:chOff x="1710701" y="2869813"/>
             <a:chExt cx="5664564" cy="2359386"/>
@@ -5503,7 +5606,7 @@
         </p:nvGrpSpPr>
         <p:grpSpPr>
           <a:xfrm>
-            <a:off x="3718599" y="328470"/>
+            <a:off x="3718597" y="359753"/>
             <a:ext cx="4754803" cy="396343"/>
             <a:chOff x="3719736" y="328470"/>
             <a:chExt cx="4754803" cy="396343"/>
@@ -6245,7 +6348,7 @@
         </p:nvSpPr>
         <p:spPr bwMode="auto">
           <a:xfrm>
-            <a:off x="3930564" y="652626"/>
+            <a:off x="3930567" y="652626"/>
             <a:ext cx="4330866" cy="400110"/>
           </a:xfrm>
           <a:prstGeom prst="rect">

--- a/TJCPowerPoint/bin/Debug/Files/ServiceWidescreen.pptx
+++ b/TJCPowerPoint/bin/Debug/Files/ServiceWidescreen.pptx
@@ -5071,7 +5071,7 @@
                 <a:cs typeface="Segoe UI" panose="020B0502040204020203" pitchFamily="34" charset="0"/>
               </a:rPr>
               <a:pPr algn="ctr"/>
-              <a:t>Wednesday, June 28, 2023</a:t>
+              <a:t>Tuesday, July 4, 2023</a:t>
             </a:fld>
             <a:endParaRPr lang="en-US" altLang="en-US" sz="5400" b="1" dirty="0">
               <a:solidFill>
@@ -6411,10 +6411,10 @@
       </p:sp>
       <p:grpSp>
         <p:nvGrpSpPr>
-          <p:cNvPr id="14" name="Group 13">
+          <p:cNvPr id="19" name="Group 18">
             <a:extLst>
               <a:ext uri="{FF2B5EF4-FFF2-40B4-BE49-F238E27FC236}">
-                <a16:creationId xmlns:a16="http://schemas.microsoft.com/office/drawing/2014/main" id="{595402E6-F458-30E3-1C6D-348805A5A772}"/>
+                <a16:creationId xmlns:a16="http://schemas.microsoft.com/office/drawing/2014/main" id="{2FDD7E67-6056-6C1C-5B32-D2C15C318D99}"/>
               </a:ext>
             </a:extLst>
           </p:cNvPr>
@@ -6423,18 +6423,110 @@
         </p:nvGrpSpPr>
         <p:grpSpPr>
           <a:xfrm>
-            <a:off x="5951984" y="6318094"/>
-            <a:ext cx="6130040" cy="381119"/>
-            <a:chOff x="5951984" y="6318094"/>
-            <a:chExt cx="6130040" cy="381119"/>
+            <a:off x="3718599" y="328470"/>
+            <a:ext cx="4754803" cy="396343"/>
+            <a:chOff x="3719736" y="328470"/>
+            <a:chExt cx="4754803" cy="396343"/>
+          </a:xfrm>
+        </p:grpSpPr>
+        <p:pic>
+          <p:nvPicPr>
+            <p:cNvPr id="20" name="Picture 19">
+              <a:extLst>
+                <a:ext uri="{FF2B5EF4-FFF2-40B4-BE49-F238E27FC236}">
+                  <a16:creationId xmlns:a16="http://schemas.microsoft.com/office/drawing/2014/main" id="{432469CB-BE82-455D-81F7-7AFA46601562}"/>
+                </a:ext>
+              </a:extLst>
+            </p:cNvPr>
+            <p:cNvPicPr>
+              <a:picLocks noChangeAspect="1"/>
+            </p:cNvPicPr>
+            <p:nvPr/>
+          </p:nvPicPr>
+          <p:blipFill>
+            <a:blip r:embed="rId3">
+              <a:extLst>
+                <a:ext uri="{28A0092B-C50C-407E-A947-70E740481C1C}">
+                  <a14:useLocalDpi xmlns:a14="http://schemas.microsoft.com/office/drawing/2010/main" val="0"/>
+                </a:ext>
+              </a:extLst>
+            </a:blip>
+            <a:stretch>
+              <a:fillRect/>
+            </a:stretch>
+          </p:blipFill>
+          <p:spPr>
+            <a:xfrm>
+              <a:off x="3719736" y="328470"/>
+              <a:ext cx="3030311" cy="392158"/>
+            </a:xfrm>
+            <a:prstGeom prst="rect">
+              <a:avLst/>
+            </a:prstGeom>
+          </p:spPr>
+        </p:pic>
+        <p:pic>
+          <p:nvPicPr>
+            <p:cNvPr id="21" name="Picture 20" descr="A blue text on a black background&#10;&#10;Description automatically generated with low confidence">
+              <a:extLst>
+                <a:ext uri="{FF2B5EF4-FFF2-40B4-BE49-F238E27FC236}">
+                  <a16:creationId xmlns:a16="http://schemas.microsoft.com/office/drawing/2014/main" id="{0B597627-5DF6-47E1-4E44-12CB7D85340C}"/>
+                </a:ext>
+              </a:extLst>
+            </p:cNvPr>
+            <p:cNvPicPr>
+              <a:picLocks noChangeAspect="1"/>
+            </p:cNvPicPr>
+            <p:nvPr/>
+          </p:nvPicPr>
+          <p:blipFill rotWithShape="1">
+            <a:blip r:embed="rId4" cstate="print">
+              <a:extLst>
+                <a:ext uri="{28A0092B-C50C-407E-A947-70E740481C1C}">
+                  <a14:useLocalDpi xmlns:a14="http://schemas.microsoft.com/office/drawing/2010/main" val="0"/>
+                </a:ext>
+              </a:extLst>
+            </a:blip>
+            <a:srcRect l="28239" r="1"/>
+            <a:stretch/>
+          </p:blipFill>
+          <p:spPr>
+            <a:xfrm>
+              <a:off x="6816080" y="332656"/>
+              <a:ext cx="1658459" cy="392157"/>
+            </a:xfrm>
+            <a:prstGeom prst="rect">
+              <a:avLst/>
+            </a:prstGeom>
+          </p:spPr>
+        </p:pic>
+      </p:grpSp>
+      <p:grpSp>
+        <p:nvGrpSpPr>
+          <p:cNvPr id="2" name="Group 1">
+            <a:extLst>
+              <a:ext uri="{FF2B5EF4-FFF2-40B4-BE49-F238E27FC236}">
+                <a16:creationId xmlns:a16="http://schemas.microsoft.com/office/drawing/2014/main" id="{C7BA03B7-1FA0-8730-7C9F-3A1101E189B0}"/>
+              </a:ext>
+            </a:extLst>
+          </p:cNvPr>
+          <p:cNvGrpSpPr/>
+          <p:nvPr/>
+        </p:nvGrpSpPr>
+        <p:grpSpPr>
+          <a:xfrm>
+            <a:off x="2451880" y="6092371"/>
+            <a:ext cx="7288240" cy="433090"/>
+            <a:chOff x="5951984" y="6326519"/>
+            <a:chExt cx="6130040" cy="364266"/>
           </a:xfrm>
         </p:grpSpPr>
         <p:sp>
           <p:nvSpPr>
-            <p:cNvPr id="5" name="TextBox 4">
+            <p:cNvPr id="3" name="TextBox 2">
               <a:extLst>
                 <a:ext uri="{FF2B5EF4-FFF2-40B4-BE49-F238E27FC236}">
-                  <a16:creationId xmlns:a16="http://schemas.microsoft.com/office/drawing/2014/main" id="{F04EA94B-8CF8-6DD4-9369-193C910E7D86}"/>
+                  <a16:creationId xmlns:a16="http://schemas.microsoft.com/office/drawing/2014/main" id="{76F0863A-EABA-83FF-9495-0A36089D05AF}"/>
                 </a:ext>
               </a:extLst>
             </p:cNvPr>
@@ -6443,8 +6535,8 @@
           </p:nvSpPr>
           <p:spPr>
             <a:xfrm>
-              <a:off x="5951984" y="6318094"/>
-              <a:ext cx="6130040" cy="381119"/>
+              <a:off x="5951984" y="6326519"/>
+              <a:ext cx="6130040" cy="364266"/>
             </a:xfrm>
             <a:prstGeom prst="roundRect">
               <a:avLst>
@@ -6465,7 +6557,7 @@
             <a:lstStyle/>
             <a:p>
               <a:r>
-                <a:rPr lang="en-GB" sz="1600" b="1" dirty="0">
+                <a:rPr lang="en-GB" sz="1900" b="1" dirty="0">
                   <a:solidFill>
                     <a:schemeClr val="bg1"/>
                   </a:solidFill>
@@ -6476,7 +6568,7 @@
                 <a:t>Please Turn Off/Silence Your Devices </a:t>
               </a:r>
               <a:r>
-                <a:rPr lang="zh-TW" altLang="en-US" sz="1600" b="1" dirty="0">
+                <a:rPr lang="zh-TW" altLang="en-US" sz="1900" b="1" dirty="0">
                   <a:solidFill>
                     <a:schemeClr val="bg1"/>
                   </a:solidFill>
@@ -6485,7 +6577,7 @@
                 </a:rPr>
                 <a:t>請靜音或關閉所有電子設備</a:t>
               </a:r>
-              <a:endParaRPr lang="ja-JP" altLang="en-US" sz="1600" b="1" dirty="0">
+              <a:endParaRPr lang="ja-JP" altLang="en-US" sz="1900" b="1" dirty="0">
                 <a:solidFill>
                   <a:schemeClr val="bg1"/>
                 </a:solidFill>
@@ -6497,10 +6589,10 @@
         </p:sp>
         <p:pic>
           <p:nvPicPr>
-            <p:cNvPr id="6" name="Picture 5" descr="Shape&#10;&#10;Description automatically generated with low confidence">
+            <p:cNvPr id="4" name="Picture 3" descr="Shape&#10;&#10;Description automatically generated with low confidence">
               <a:extLst>
                 <a:ext uri="{FF2B5EF4-FFF2-40B4-BE49-F238E27FC236}">
-                  <a16:creationId xmlns:a16="http://schemas.microsoft.com/office/drawing/2014/main" id="{92544927-EBFE-5115-8F6B-D5CA3D6ECF49}"/>
+                  <a16:creationId xmlns:a16="http://schemas.microsoft.com/office/drawing/2014/main" id="{95508692-41E3-24BF-2FFB-31448704623D}"/>
                 </a:ext>
               </a:extLst>
             </p:cNvPr>
@@ -6510,12 +6602,12 @@
             <p:nvPr/>
           </p:nvPicPr>
           <p:blipFill>
-            <a:blip r:embed="rId3" cstate="print">
+            <a:blip r:embed="rId5" cstate="print">
               <a:lum bright="70000" contrast="-70000"/>
               <a:extLst>
                 <a:ext uri="{BEBA8EAE-BF5A-486C-A8C5-ECC9F3942E4B}">
                   <a14:imgProps xmlns:a14="http://schemas.microsoft.com/office/drawing/2010/main">
-                    <a14:imgLayer r:embed="rId4">
+                    <a14:imgLayer r:embed="rId6">
                       <a14:imgEffect>
                         <a14:artisticPhotocopy/>
                       </a14:imgEffect>
@@ -6551,98 +6643,6 @@
             <a:solidFill>
               <a:srgbClr val="004B8D"/>
             </a:solidFill>
-          </p:spPr>
-        </p:pic>
-      </p:grpSp>
-      <p:grpSp>
-        <p:nvGrpSpPr>
-          <p:cNvPr id="19" name="Group 18">
-            <a:extLst>
-              <a:ext uri="{FF2B5EF4-FFF2-40B4-BE49-F238E27FC236}">
-                <a16:creationId xmlns:a16="http://schemas.microsoft.com/office/drawing/2014/main" id="{2FDD7E67-6056-6C1C-5B32-D2C15C318D99}"/>
-              </a:ext>
-            </a:extLst>
-          </p:cNvPr>
-          <p:cNvGrpSpPr/>
-          <p:nvPr/>
-        </p:nvGrpSpPr>
-        <p:grpSpPr>
-          <a:xfrm>
-            <a:off x="3718599" y="328470"/>
-            <a:ext cx="4754803" cy="396343"/>
-            <a:chOff x="3719736" y="328470"/>
-            <a:chExt cx="4754803" cy="396343"/>
-          </a:xfrm>
-        </p:grpSpPr>
-        <p:pic>
-          <p:nvPicPr>
-            <p:cNvPr id="20" name="Picture 19">
-              <a:extLst>
-                <a:ext uri="{FF2B5EF4-FFF2-40B4-BE49-F238E27FC236}">
-                  <a16:creationId xmlns:a16="http://schemas.microsoft.com/office/drawing/2014/main" id="{432469CB-BE82-455D-81F7-7AFA46601562}"/>
-                </a:ext>
-              </a:extLst>
-            </p:cNvPr>
-            <p:cNvPicPr>
-              <a:picLocks noChangeAspect="1"/>
-            </p:cNvPicPr>
-            <p:nvPr/>
-          </p:nvPicPr>
-          <p:blipFill>
-            <a:blip r:embed="rId5">
-              <a:extLst>
-                <a:ext uri="{28A0092B-C50C-407E-A947-70E740481C1C}">
-                  <a14:useLocalDpi xmlns:a14="http://schemas.microsoft.com/office/drawing/2010/main" val="0"/>
-                </a:ext>
-              </a:extLst>
-            </a:blip>
-            <a:stretch>
-              <a:fillRect/>
-            </a:stretch>
-          </p:blipFill>
-          <p:spPr>
-            <a:xfrm>
-              <a:off x="3719736" y="328470"/>
-              <a:ext cx="3030311" cy="392158"/>
-            </a:xfrm>
-            <a:prstGeom prst="rect">
-              <a:avLst/>
-            </a:prstGeom>
-          </p:spPr>
-        </p:pic>
-        <p:pic>
-          <p:nvPicPr>
-            <p:cNvPr id="21" name="Picture 20" descr="A blue text on a black background&#10;&#10;Description automatically generated with low confidence">
-              <a:extLst>
-                <a:ext uri="{FF2B5EF4-FFF2-40B4-BE49-F238E27FC236}">
-                  <a16:creationId xmlns:a16="http://schemas.microsoft.com/office/drawing/2014/main" id="{0B597627-5DF6-47E1-4E44-12CB7D85340C}"/>
-                </a:ext>
-              </a:extLst>
-            </p:cNvPr>
-            <p:cNvPicPr>
-              <a:picLocks noChangeAspect="1"/>
-            </p:cNvPicPr>
-            <p:nvPr/>
-          </p:nvPicPr>
-          <p:blipFill rotWithShape="1">
-            <a:blip r:embed="rId6" cstate="print">
-              <a:extLst>
-                <a:ext uri="{28A0092B-C50C-407E-A947-70E740481C1C}">
-                  <a14:useLocalDpi xmlns:a14="http://schemas.microsoft.com/office/drawing/2010/main" val="0"/>
-                </a:ext>
-              </a:extLst>
-            </a:blip>
-            <a:srcRect l="28239" r="1"/>
-            <a:stretch/>
-          </p:blipFill>
-          <p:spPr>
-            <a:xfrm>
-              <a:off x="6816080" y="332656"/>
-              <a:ext cx="1658459" cy="392157"/>
-            </a:xfrm>
-            <a:prstGeom prst="rect">
-              <a:avLst/>
-            </a:prstGeom>
           </p:spPr>
         </p:pic>
       </p:grpSp>

--- a/TJCPowerPoint/bin/Debug/Files/ServiceWidescreen.pptx
+++ b/TJCPowerPoint/bin/Debug/Files/ServiceWidescreen.pptx
@@ -5071,7 +5071,7 @@
                 <a:cs typeface="Segoe UI" panose="020B0502040204020203" pitchFamily="34" charset="0"/>
               </a:rPr>
               <a:pPr algn="ctr"/>
-              <a:t>Tuesday, July 4, 2023</a:t>
+              <a:t>Wednesday, July 12, 2023</a:t>
             </a:fld>
             <a:endParaRPr lang="en-US" altLang="en-US" sz="5400" b="1" dirty="0">
               <a:solidFill>
@@ -5232,10 +5232,10 @@
       </p:grpSp>
       <p:grpSp>
         <p:nvGrpSpPr>
-          <p:cNvPr id="3" name="Group 2">
+          <p:cNvPr id="8" name="Group 7">
             <a:extLst>
               <a:ext uri="{FF2B5EF4-FFF2-40B4-BE49-F238E27FC236}">
-                <a16:creationId xmlns:a16="http://schemas.microsoft.com/office/drawing/2014/main" id="{0C838017-E1CE-E3B6-402F-8E790F12AA10}"/>
+                <a16:creationId xmlns:a16="http://schemas.microsoft.com/office/drawing/2014/main" id="{D62CAE8B-72DF-AE97-F546-421ACFCAE381}"/>
               </a:ext>
             </a:extLst>
           </p:cNvPr>
@@ -5244,18 +5244,18 @@
         </p:nvGrpSpPr>
         <p:grpSpPr>
           <a:xfrm>
-            <a:off x="2451880" y="6092371"/>
-            <a:ext cx="7288240" cy="433090"/>
-            <a:chOff x="5951984" y="6326519"/>
-            <a:chExt cx="6130040" cy="364266"/>
+            <a:off x="2440607" y="6092254"/>
+            <a:ext cx="7310786" cy="433090"/>
+            <a:chOff x="5933021" y="6326519"/>
+            <a:chExt cx="6149003" cy="364266"/>
           </a:xfrm>
         </p:grpSpPr>
         <p:sp>
           <p:nvSpPr>
-            <p:cNvPr id="5" name="TextBox 4">
+            <p:cNvPr id="11" name="TextBox 10">
               <a:extLst>
                 <a:ext uri="{FF2B5EF4-FFF2-40B4-BE49-F238E27FC236}">
-                  <a16:creationId xmlns:a16="http://schemas.microsoft.com/office/drawing/2014/main" id="{D45E9405-75DA-51A6-AB95-FE27F674F03B}"/>
+                  <a16:creationId xmlns:a16="http://schemas.microsoft.com/office/drawing/2014/main" id="{08BE583C-B3A5-EBA5-8222-36AC1AB7AB2F}"/>
                 </a:ext>
               </a:extLst>
             </p:cNvPr>
@@ -5264,8 +5264,8 @@
           </p:nvSpPr>
           <p:spPr>
             <a:xfrm>
-              <a:off x="5951984" y="6326519"/>
-              <a:ext cx="6130040" cy="364266"/>
+              <a:off x="5933021" y="6326519"/>
+              <a:ext cx="6149003" cy="364266"/>
             </a:xfrm>
             <a:prstGeom prst="roundRect">
               <a:avLst>
@@ -5292,7 +5292,7 @@
                   </a:solidFill>
                   <a:latin typeface="Source Sans Pro" panose="020B0503030403020204" pitchFamily="34" charset="0"/>
                   <a:ea typeface="Source Sans Pro" panose="020B0503030403020204" pitchFamily="34" charset="0"/>
-                  <a:cs typeface="Segoe UI Semibold" panose="020B0702040204020203" pitchFamily="34" charset="0"/>
+                  <a:cs typeface="Segoe UI" panose="020B0502040204020203" pitchFamily="34" charset="0"/>
                 </a:rPr>
                 <a:t>Please Turn Off/Silence Your Devices </a:t>
               </a:r>
@@ -5301,8 +5301,9 @@
                   <a:solidFill>
                     <a:schemeClr val="bg1"/>
                   </a:solidFill>
-                  <a:latin typeface="Source Sans Pro" panose="020B0503030403020204" pitchFamily="34" charset="0"/>
+                  <a:latin typeface="Segoe UI" panose="020B0502040204020203" pitchFamily="34" charset="0"/>
                   <a:ea typeface="Microsoft JhengHei" panose="020B0604030504040204" pitchFamily="34" charset="-120"/>
+                  <a:cs typeface="Segoe UI" panose="020B0502040204020203" pitchFamily="34" charset="0"/>
                 </a:rPr>
                 <a:t>請靜音或關閉所有電子設備</a:t>
               </a:r>
@@ -5310,18 +5311,19 @@
                 <a:solidFill>
                   <a:schemeClr val="bg1"/>
                 </a:solidFill>
-                <a:latin typeface="Source Sans Pro" panose="020B0503030403020204" pitchFamily="34" charset="0"/>
+                <a:latin typeface="Segoe UI" panose="020B0502040204020203" pitchFamily="34" charset="0"/>
                 <a:ea typeface="Microsoft JhengHei" panose="020B0604030504040204" pitchFamily="34" charset="-120"/>
+                <a:cs typeface="Segoe UI" panose="020B0502040204020203" pitchFamily="34" charset="0"/>
               </a:endParaRPr>
             </a:p>
           </p:txBody>
         </p:sp>
         <p:pic>
           <p:nvPicPr>
-            <p:cNvPr id="7" name="Picture 6" descr="Shape&#10;&#10;Description automatically generated with low confidence">
+            <p:cNvPr id="13" name="Picture 12" descr="Shape&#10;&#10;Description automatically generated with low confidence">
               <a:extLst>
                 <a:ext uri="{FF2B5EF4-FFF2-40B4-BE49-F238E27FC236}">
-                  <a16:creationId xmlns:a16="http://schemas.microsoft.com/office/drawing/2014/main" id="{FB39BDA6-052D-8BCF-5374-07AC5A1469E4}"/>
+                  <a16:creationId xmlns:a16="http://schemas.microsoft.com/office/drawing/2014/main" id="{C67057C2-5E28-4A2A-2706-EF519E22A3AB}"/>
                 </a:ext>
               </a:extLst>
             </p:cNvPr>
@@ -6503,10 +6505,10 @@
       </p:grpSp>
       <p:grpSp>
         <p:nvGrpSpPr>
-          <p:cNvPr id="2" name="Group 1">
+          <p:cNvPr id="5" name="Group 4">
             <a:extLst>
               <a:ext uri="{FF2B5EF4-FFF2-40B4-BE49-F238E27FC236}">
-                <a16:creationId xmlns:a16="http://schemas.microsoft.com/office/drawing/2014/main" id="{C7BA03B7-1FA0-8730-7C9F-3A1101E189B0}"/>
+                <a16:creationId xmlns:a16="http://schemas.microsoft.com/office/drawing/2014/main" id="{4E631C18-72C9-FB8D-5A58-F4527705D10F}"/>
               </a:ext>
             </a:extLst>
           </p:cNvPr>
@@ -6515,18 +6517,18 @@
         </p:nvGrpSpPr>
         <p:grpSpPr>
           <a:xfrm>
-            <a:off x="2451880" y="6092371"/>
-            <a:ext cx="7288240" cy="433090"/>
-            <a:chOff x="5951984" y="6326519"/>
-            <a:chExt cx="6130040" cy="364266"/>
+            <a:off x="2440607" y="6092254"/>
+            <a:ext cx="7310786" cy="433090"/>
+            <a:chOff x="5933021" y="6326519"/>
+            <a:chExt cx="6149003" cy="364266"/>
           </a:xfrm>
         </p:grpSpPr>
         <p:sp>
           <p:nvSpPr>
-            <p:cNvPr id="3" name="TextBox 2">
+            <p:cNvPr id="6" name="TextBox 5">
               <a:extLst>
                 <a:ext uri="{FF2B5EF4-FFF2-40B4-BE49-F238E27FC236}">
-                  <a16:creationId xmlns:a16="http://schemas.microsoft.com/office/drawing/2014/main" id="{76F0863A-EABA-83FF-9495-0A36089D05AF}"/>
+                  <a16:creationId xmlns:a16="http://schemas.microsoft.com/office/drawing/2014/main" id="{F46F5070-83D3-0307-7CBF-3C04B56AE194}"/>
                 </a:ext>
               </a:extLst>
             </p:cNvPr>
@@ -6535,8 +6537,8 @@
           </p:nvSpPr>
           <p:spPr>
             <a:xfrm>
-              <a:off x="5951984" y="6326519"/>
-              <a:ext cx="6130040" cy="364266"/>
+              <a:off x="5933021" y="6326519"/>
+              <a:ext cx="6149003" cy="364266"/>
             </a:xfrm>
             <a:prstGeom prst="roundRect">
               <a:avLst>
@@ -6563,7 +6565,7 @@
                   </a:solidFill>
                   <a:latin typeface="Source Sans Pro" panose="020B0503030403020204" pitchFamily="34" charset="0"/>
                   <a:ea typeface="Source Sans Pro" panose="020B0503030403020204" pitchFamily="34" charset="0"/>
-                  <a:cs typeface="Segoe UI Semibold" panose="020B0702040204020203" pitchFamily="34" charset="0"/>
+                  <a:cs typeface="Segoe UI" panose="020B0502040204020203" pitchFamily="34" charset="0"/>
                 </a:rPr>
                 <a:t>Please Turn Off/Silence Your Devices </a:t>
               </a:r>
@@ -6572,8 +6574,9 @@
                   <a:solidFill>
                     <a:schemeClr val="bg1"/>
                   </a:solidFill>
-                  <a:latin typeface="Source Sans Pro" panose="020B0503030403020204" pitchFamily="34" charset="0"/>
+                  <a:latin typeface="Segoe UI" panose="020B0502040204020203" pitchFamily="34" charset="0"/>
                   <a:ea typeface="Microsoft JhengHei" panose="020B0604030504040204" pitchFamily="34" charset="-120"/>
+                  <a:cs typeface="Segoe UI" panose="020B0502040204020203" pitchFamily="34" charset="0"/>
                 </a:rPr>
                 <a:t>請靜音或關閉所有電子設備</a:t>
               </a:r>
@@ -6581,18 +6584,19 @@
                 <a:solidFill>
                   <a:schemeClr val="bg1"/>
                 </a:solidFill>
-                <a:latin typeface="Source Sans Pro" panose="020B0503030403020204" pitchFamily="34" charset="0"/>
+                <a:latin typeface="Segoe UI" panose="020B0502040204020203" pitchFamily="34" charset="0"/>
                 <a:ea typeface="Microsoft JhengHei" panose="020B0604030504040204" pitchFamily="34" charset="-120"/>
+                <a:cs typeface="Segoe UI" panose="020B0502040204020203" pitchFamily="34" charset="0"/>
               </a:endParaRPr>
             </a:p>
           </p:txBody>
         </p:sp>
         <p:pic>
           <p:nvPicPr>
-            <p:cNvPr id="4" name="Picture 3" descr="Shape&#10;&#10;Description automatically generated with low confidence">
+            <p:cNvPr id="7" name="Picture 6" descr="Shape&#10;&#10;Description automatically generated with low confidence">
               <a:extLst>
                 <a:ext uri="{FF2B5EF4-FFF2-40B4-BE49-F238E27FC236}">
-                  <a16:creationId xmlns:a16="http://schemas.microsoft.com/office/drawing/2014/main" id="{95508692-41E3-24BF-2FFB-31448704623D}"/>
+                  <a16:creationId xmlns:a16="http://schemas.microsoft.com/office/drawing/2014/main" id="{7E2A0DE7-DB97-0BE4-6CBF-ECEEC316ADB1}"/>
                 </a:ext>
               </a:extLst>
             </p:cNvPr>

--- a/TJCPowerPoint/bin/Debug/Files/ServiceWidescreen.pptx
+++ b/TJCPowerPoint/bin/Debug/Files/ServiceWidescreen.pptx
@@ -5000,7 +5000,7 @@
         </p:nvSpPr>
         <p:spPr>
           <a:xfrm>
-            <a:off x="2374605" y="3278594"/>
+            <a:off x="2374605" y="3350602"/>
             <a:ext cx="7442790" cy="1446550"/>
           </a:xfrm>
           <a:prstGeom prst="rect">
@@ -5020,16 +5020,16 @@
             <a:pPr algn="ctr"/>
             <a:r>
               <a:rPr lang="en-GB" altLang="ja-JP" sz="8800" b="1" dirty="0">
-                <a:latin typeface="Century Gothic" panose="020B0502020202020204" pitchFamily="34" charset="0"/>
-                <a:ea typeface="Source Sans Pro" panose="020B0503030403020204" pitchFamily="34" charset="0"/>
-                <a:cs typeface="Segoe UI" panose="020B0502040204020203" pitchFamily="34" charset="0"/>
+                <a:latin typeface="Roboto" panose="02000000000000000000" pitchFamily="2" charset="0"/>
+                <a:ea typeface="Roboto" panose="02000000000000000000" pitchFamily="2" charset="0"/>
+                <a:cs typeface="Arial" panose="020B0604020202020204" pitchFamily="34" charset="0"/>
               </a:rPr>
               <a:t>TIME</a:t>
             </a:r>
             <a:endParaRPr lang="ja-JP" altLang="en-US" sz="8800" b="1" dirty="0">
-              <a:latin typeface="Century Gothic" panose="020B0502020202020204" pitchFamily="34" charset="0"/>
+              <a:latin typeface="Roboto" panose="02000000000000000000" pitchFamily="2" charset="0"/>
               <a:ea typeface="Microsoft JhengHei" panose="020B0604030504040204" pitchFamily="34" charset="-120"/>
-              <a:cs typeface="Segoe UI" panose="020B0502040204020203" pitchFamily="34" charset="0"/>
+              <a:cs typeface="Arial" panose="020B0604020202020204" pitchFamily="34" charset="0"/>
             </a:endParaRPr>
           </a:p>
         </p:txBody>
@@ -5052,7 +5052,7 @@
         </p:nvSpPr>
         <p:spPr>
           <a:xfrm>
-            <a:off x="883117" y="2636912"/>
+            <a:off x="883117" y="2708920"/>
             <a:ext cx="10425767" cy="620499"/>
           </a:xfrm>
         </p:spPr>
@@ -5066,20 +5066,20 @@
                 <a:solidFill>
                   <a:schemeClr val="tx1"/>
                 </a:solidFill>
-                <a:latin typeface="Source Sans Pro" panose="020B0503030403020204" pitchFamily="34" charset="0"/>
-                <a:ea typeface="Source Sans Pro" panose="020B0503030403020204" pitchFamily="34" charset="0"/>
-                <a:cs typeface="Segoe UI" panose="020B0502040204020203" pitchFamily="34" charset="0"/>
+                <a:latin typeface="Roboto" panose="02000000000000000000" pitchFamily="2" charset="0"/>
+                <a:ea typeface="Roboto" panose="02000000000000000000" pitchFamily="2" charset="0"/>
+                <a:cs typeface="Arial" panose="020B0604020202020204" pitchFamily="34" charset="0"/>
               </a:rPr>
               <a:pPr algn="ctr"/>
-              <a:t>Wednesday, July 12, 2023</a:t>
+              <a:t>Wednesday, August 30, 2023</a:t>
             </a:fld>
             <a:endParaRPr lang="en-US" altLang="en-US" sz="5400" b="1" dirty="0">
               <a:solidFill>
                 <a:schemeClr val="tx1"/>
               </a:solidFill>
-              <a:latin typeface="Source Sans Pro" panose="020B0503030403020204" pitchFamily="34" charset="0"/>
-              <a:ea typeface="Source Sans Pro" panose="020B0503030403020204" pitchFamily="34" charset="0"/>
-              <a:cs typeface="Segoe UI" panose="020B0502040204020203" pitchFamily="34" charset="0"/>
+              <a:latin typeface="Roboto" panose="02000000000000000000" pitchFamily="2" charset="0"/>
+              <a:ea typeface="Roboto" panose="02000000000000000000" pitchFamily="2" charset="0"/>
+              <a:cs typeface="Arial" panose="020B0604020202020204" pitchFamily="34" charset="0"/>
             </a:endParaRPr>
           </a:p>
         </p:txBody>
@@ -5098,7 +5098,7 @@
         </p:nvSpPr>
         <p:spPr>
           <a:xfrm>
-            <a:off x="1850771" y="765629"/>
+            <a:off x="1850771" y="792748"/>
             <a:ext cx="8490458" cy="954107"/>
           </a:xfrm>
           <a:prstGeom prst="rect">
@@ -5115,9 +5115,9 @@
             <a:pPr algn="ctr"/>
             <a:r>
               <a:rPr lang="en-GB" altLang="en-US" sz="2800" b="1" dirty="0">
-                <a:latin typeface="Source Sans Pro" panose="020B0503030403020204" pitchFamily="34" charset="0"/>
-                <a:ea typeface="Source Sans Pro" panose="020B0503030403020204" pitchFamily="34" charset="0"/>
-                <a:cs typeface="Segoe UI" panose="020B0502040204020203" pitchFamily="34" charset="0"/>
+                <a:latin typeface="Roboto" panose="02000000000000000000" pitchFamily="2" charset="0"/>
+                <a:ea typeface="Roboto" panose="02000000000000000000" pitchFamily="2" charset="0"/>
+                <a:cs typeface="Arial" panose="020B0604020202020204" pitchFamily="34" charset="0"/>
               </a:rPr>
               <a:t>Welcome To True Jesus Church </a:t>
             </a:r>
@@ -5235,7 +5235,7 @@
           <p:cNvPr id="8" name="Group 7">
             <a:extLst>
               <a:ext uri="{FF2B5EF4-FFF2-40B4-BE49-F238E27FC236}">
-                <a16:creationId xmlns:a16="http://schemas.microsoft.com/office/drawing/2014/main" id="{D62CAE8B-72DF-AE97-F546-421ACFCAE381}"/>
+                <a16:creationId xmlns:a16="http://schemas.microsoft.com/office/drawing/2014/main" id="{FC4383F5-92DA-8DF6-F885-EB1D6152FD1A}"/>
               </a:ext>
             </a:extLst>
           </p:cNvPr>
@@ -5244,10 +5244,10 @@
         </p:nvGrpSpPr>
         <p:grpSpPr>
           <a:xfrm>
-            <a:off x="2440607" y="6092254"/>
-            <a:ext cx="7310786" cy="433090"/>
-            <a:chOff x="5933021" y="6326519"/>
-            <a:chExt cx="6149003" cy="364266"/>
+            <a:off x="2963652" y="6272458"/>
+            <a:ext cx="6264696" cy="381119"/>
+            <a:chOff x="5807968" y="6327364"/>
+            <a:chExt cx="6264696" cy="381119"/>
           </a:xfrm>
         </p:grpSpPr>
         <p:sp>
@@ -5255,7 +5255,7 @@
             <p:cNvPr id="11" name="TextBox 10">
               <a:extLst>
                 <a:ext uri="{FF2B5EF4-FFF2-40B4-BE49-F238E27FC236}">
-                  <a16:creationId xmlns:a16="http://schemas.microsoft.com/office/drawing/2014/main" id="{08BE583C-B3A5-EBA5-8222-36AC1AB7AB2F}"/>
+                  <a16:creationId xmlns:a16="http://schemas.microsoft.com/office/drawing/2014/main" id="{CBD1F7FF-AF2E-162B-A4CC-87D8AE96912E}"/>
                 </a:ext>
               </a:extLst>
             </p:cNvPr>
@@ -5264,8 +5264,8 @@
           </p:nvSpPr>
           <p:spPr>
             <a:xfrm>
-              <a:off x="5933021" y="6326519"/>
-              <a:ext cx="6149003" cy="364266"/>
+              <a:off x="5807968" y="6327364"/>
+              <a:ext cx="6264696" cy="381119"/>
             </a:xfrm>
             <a:prstGeom prst="roundRect">
               <a:avLst>
@@ -5286,34 +5286,32 @@
             <a:lstStyle/>
             <a:p>
               <a:r>
-                <a:rPr lang="en-GB" sz="1900" b="1" dirty="0">
+                <a:rPr lang="en-GB" sz="1600" dirty="0">
+                  <a:solidFill>
+                    <a:schemeClr val="bg1"/>
+                  </a:solidFill>
+                  <a:latin typeface="Roboto" panose="02000000000000000000" pitchFamily="2" charset="0"/>
+                  <a:ea typeface="Roboto" panose="02000000000000000000" pitchFamily="2" charset="0"/>
+                  <a:cs typeface="Segoe UI Semibold" panose="020B0702040204020203" pitchFamily="34" charset="0"/>
+                </a:rPr>
+                <a:t>Please Turn Off/Silence Your Devices </a:t>
+              </a:r>
+              <a:r>
+                <a:rPr lang="zh-TW" altLang="en-US" sz="1600" dirty="0">
                   <a:solidFill>
                     <a:schemeClr val="bg1"/>
                   </a:solidFill>
                   <a:latin typeface="Source Sans Pro" panose="020B0503030403020204" pitchFamily="34" charset="0"/>
-                  <a:ea typeface="Source Sans Pro" panose="020B0503030403020204" pitchFamily="34" charset="0"/>
-                  <a:cs typeface="Segoe UI" panose="020B0502040204020203" pitchFamily="34" charset="0"/>
-                </a:rPr>
-                <a:t>Please Turn Off/Silence Your Devices </a:t>
-              </a:r>
-              <a:r>
-                <a:rPr lang="zh-TW" altLang="en-US" sz="1900" b="1" dirty="0">
-                  <a:solidFill>
-                    <a:schemeClr val="bg1"/>
-                  </a:solidFill>
-                  <a:latin typeface="Segoe UI" panose="020B0502040204020203" pitchFamily="34" charset="0"/>
                   <a:ea typeface="Microsoft JhengHei" panose="020B0604030504040204" pitchFamily="34" charset="-120"/>
-                  <a:cs typeface="Segoe UI" panose="020B0502040204020203" pitchFamily="34" charset="0"/>
                 </a:rPr>
                 <a:t>請靜音或關閉所有電子設備</a:t>
               </a:r>
-              <a:endParaRPr lang="ja-JP" altLang="en-US" sz="1900" b="1" dirty="0">
+              <a:endParaRPr lang="ja-JP" altLang="en-US" sz="1600" dirty="0">
                 <a:solidFill>
                   <a:schemeClr val="bg1"/>
                 </a:solidFill>
-                <a:latin typeface="Segoe UI" panose="020B0502040204020203" pitchFamily="34" charset="0"/>
+                <a:latin typeface="Source Sans Pro" panose="020B0503030403020204" pitchFamily="34" charset="0"/>
                 <a:ea typeface="Microsoft JhengHei" panose="020B0604030504040204" pitchFamily="34" charset="-120"/>
-                <a:cs typeface="Segoe UI" panose="020B0502040204020203" pitchFamily="34" charset="0"/>
               </a:endParaRPr>
             </a:p>
           </p:txBody>
@@ -5323,7 +5321,7 @@
             <p:cNvPr id="13" name="Picture 12" descr="Shape&#10;&#10;Description automatically generated with low confidence">
               <a:extLst>
                 <a:ext uri="{FF2B5EF4-FFF2-40B4-BE49-F238E27FC236}">
-                  <a16:creationId xmlns:a16="http://schemas.microsoft.com/office/drawing/2014/main" id="{C67057C2-5E28-4A2A-2706-EF519E22A3AB}"/>
+                  <a16:creationId xmlns:a16="http://schemas.microsoft.com/office/drawing/2014/main" id="{47463D50-60ED-B612-F9D1-60997220AA43}"/>
                 </a:ext>
               </a:extLst>
             </p:cNvPr>
@@ -5437,28 +5435,28 @@
           <a:p>
             <a:pPr algn="ctr"/>
             <a:r>
-              <a:rPr lang="en-GB" altLang="en-US" sz="4000" b="1" dirty="0">
+              <a:rPr lang="en-GB" altLang="en-US" sz="4000" dirty="0">
                 <a:solidFill>
                   <a:schemeClr val="bg1"/>
                 </a:solidFill>
-                <a:latin typeface="Source Sans Pro" panose="020B0503030403020204" pitchFamily="34" charset="0"/>
-                <a:ea typeface="Source Sans Pro" panose="020B0503030403020204" pitchFamily="34" charset="0"/>
+                <a:latin typeface="Roboto" panose="02000000000000000000" pitchFamily="2" charset="0"/>
+                <a:ea typeface="Roboto" panose="02000000000000000000" pitchFamily="2" charset="0"/>
                 <a:cs typeface="Segoe UI" panose="020B0502040204020203" pitchFamily="34" charset="0"/>
               </a:rPr>
               <a:t>Please Turn Off/Silence Your Devices</a:t>
             </a:r>
-            <a:endParaRPr lang="zh-TW" altLang="en-US" sz="4000" b="1" dirty="0">
+            <a:endParaRPr lang="zh-TW" altLang="en-US" sz="4000" dirty="0">
               <a:solidFill>
                 <a:schemeClr val="bg1"/>
               </a:solidFill>
-              <a:latin typeface="Source Sans Pro" panose="020B0503030403020204" pitchFamily="34" charset="0"/>
+              <a:latin typeface="Roboto" panose="02000000000000000000" pitchFamily="2" charset="0"/>
               <a:ea typeface="Microsoft JhengHei" panose="020B0604030504040204" pitchFamily="34" charset="-120"/>
             </a:endParaRPr>
           </a:p>
           <a:p>
             <a:pPr algn="ctr"/>
             <a:r>
-              <a:rPr lang="zh-TW" altLang="en-US" sz="4000" b="1" dirty="0">
+              <a:rPr lang="zh-TW" altLang="en-US" sz="4000" dirty="0">
                 <a:solidFill>
                   <a:schemeClr val="bg1"/>
                 </a:solidFill>
@@ -5467,7 +5465,7 @@
               </a:rPr>
               <a:t>請靜音或關閉所有電子設備</a:t>
             </a:r>
-            <a:endParaRPr lang="en-GB" sz="4000" b="1" dirty="0">
+            <a:endParaRPr lang="en-GB" sz="4000" dirty="0">
               <a:solidFill>
                 <a:schemeClr val="bg1"/>
               </a:solidFill>
@@ -5780,8 +5778,8 @@
           <a:p>
             <a:pPr algn="ctr"/>
             <a:endParaRPr lang="en-GB" altLang="zh-TW" sz="3200" dirty="0">
-              <a:latin typeface="Source Sans Pro" panose="020B0503030403020204" pitchFamily="34" charset="0"/>
-              <a:ea typeface="Source Sans Pro" panose="020B0503030403020204" pitchFamily="34" charset="0"/>
+              <a:latin typeface="Roboto" panose="02000000000000000000" pitchFamily="2" charset="0"/>
+              <a:ea typeface="Roboto" panose="02000000000000000000" pitchFamily="2" charset="0"/>
             </a:endParaRPr>
           </a:p>
         </p:txBody>
@@ -5851,16 +5849,16 @@
             <a:pPr algn="ctr"/>
             <a:r>
               <a:rPr lang="en-GB" altLang="en-US" sz="2800" b="1" dirty="0">
-                <a:latin typeface="Source Sans Pro" panose="020B0503030403020204" pitchFamily="34" charset="0"/>
-                <a:ea typeface="Source Sans Pro" panose="020B0503030403020204" pitchFamily="34" charset="0"/>
+                <a:latin typeface="Roboto" panose="02000000000000000000" pitchFamily="2" charset="0"/>
+                <a:ea typeface="Roboto" panose="02000000000000000000" pitchFamily="2" charset="0"/>
                 <a:cs typeface="Segoe UI" panose="020B0502040204020203" pitchFamily="34" charset="0"/>
               </a:rPr>
               <a:t>SERVICE TIMES</a:t>
             </a:r>
             <a:r>
               <a:rPr lang="en-GB" altLang="en-US" sz="2800" b="1" dirty="0">
-                <a:latin typeface="Source Sans Pro" panose="020B0503030403020204" pitchFamily="34" charset="0"/>
-                <a:ea typeface="Source Sans Pro" panose="020B0503030403020204" pitchFamily="34" charset="0"/>
+                <a:latin typeface="Roboto" panose="02000000000000000000" pitchFamily="2" charset="0"/>
+                <a:ea typeface="Roboto" panose="02000000000000000000" pitchFamily="2" charset="0"/>
               </a:rPr>
               <a:t> </a:t>
             </a:r>
@@ -5900,7 +5898,7 @@
           <a:prstGeom prst="line">
             <a:avLst/>
           </a:prstGeom>
-          <a:ln w="38100">
+          <a:ln w="19050">
             <a:solidFill>
               <a:srgbClr val="004D91"/>
             </a:solidFill>
@@ -5923,10 +5921,10 @@
       </p:cxnSp>
       <p:grpSp>
         <p:nvGrpSpPr>
-          <p:cNvPr id="2" name="Group 1">
+          <p:cNvPr id="14" name="Group 13">
             <a:extLst>
               <a:ext uri="{FF2B5EF4-FFF2-40B4-BE49-F238E27FC236}">
-                <a16:creationId xmlns:a16="http://schemas.microsoft.com/office/drawing/2014/main" id="{46FB9DC8-35C6-B361-F2BE-0B1F559C93A7}"/>
+                <a16:creationId xmlns:a16="http://schemas.microsoft.com/office/drawing/2014/main" id="{BE757074-DE35-1B2E-A2C5-5646BFC302AF}"/>
               </a:ext>
             </a:extLst>
           </p:cNvPr>
@@ -5935,18 +5933,110 @@
         </p:nvGrpSpPr>
         <p:grpSpPr>
           <a:xfrm>
-            <a:off x="5951984" y="6318094"/>
-            <a:ext cx="6130040" cy="381119"/>
-            <a:chOff x="5951984" y="6318094"/>
-            <a:chExt cx="6130040" cy="381119"/>
+            <a:off x="191344" y="6381328"/>
+            <a:ext cx="3312368" cy="276107"/>
+            <a:chOff x="3719736" y="328470"/>
+            <a:chExt cx="4754803" cy="396343"/>
+          </a:xfrm>
+        </p:grpSpPr>
+        <p:pic>
+          <p:nvPicPr>
+            <p:cNvPr id="15" name="Picture 14">
+              <a:extLst>
+                <a:ext uri="{FF2B5EF4-FFF2-40B4-BE49-F238E27FC236}">
+                  <a16:creationId xmlns:a16="http://schemas.microsoft.com/office/drawing/2014/main" id="{793CC90E-DC89-C740-3A3E-80EF08F44E25}"/>
+                </a:ext>
+              </a:extLst>
+            </p:cNvPr>
+            <p:cNvPicPr>
+              <a:picLocks noChangeAspect="1"/>
+            </p:cNvPicPr>
+            <p:nvPr/>
+          </p:nvPicPr>
+          <p:blipFill>
+            <a:blip r:embed="rId3" cstate="print">
+              <a:extLst>
+                <a:ext uri="{28A0092B-C50C-407E-A947-70E740481C1C}">
+                  <a14:useLocalDpi xmlns:a14="http://schemas.microsoft.com/office/drawing/2010/main" val="0"/>
+                </a:ext>
+              </a:extLst>
+            </a:blip>
+            <a:stretch>
+              <a:fillRect/>
+            </a:stretch>
+          </p:blipFill>
+          <p:spPr>
+            <a:xfrm>
+              <a:off x="3719736" y="328470"/>
+              <a:ext cx="3030311" cy="392158"/>
+            </a:xfrm>
+            <a:prstGeom prst="rect">
+              <a:avLst/>
+            </a:prstGeom>
+          </p:spPr>
+        </p:pic>
+        <p:pic>
+          <p:nvPicPr>
+            <p:cNvPr id="16" name="Picture 15" descr="A blue text on a black background&#10;&#10;Description automatically generated with low confidence">
+              <a:extLst>
+                <a:ext uri="{FF2B5EF4-FFF2-40B4-BE49-F238E27FC236}">
+                  <a16:creationId xmlns:a16="http://schemas.microsoft.com/office/drawing/2014/main" id="{0A351EDF-5530-4A06-D6AD-F2569775A0CB}"/>
+                </a:ext>
+              </a:extLst>
+            </p:cNvPr>
+            <p:cNvPicPr>
+              <a:picLocks noChangeAspect="1"/>
+            </p:cNvPicPr>
+            <p:nvPr/>
+          </p:nvPicPr>
+          <p:blipFill rotWithShape="1">
+            <a:blip r:embed="rId4" cstate="print">
+              <a:extLst>
+                <a:ext uri="{28A0092B-C50C-407E-A947-70E740481C1C}">
+                  <a14:useLocalDpi xmlns:a14="http://schemas.microsoft.com/office/drawing/2010/main" val="0"/>
+                </a:ext>
+              </a:extLst>
+            </a:blip>
+            <a:srcRect l="28239" r="1"/>
+            <a:stretch/>
+          </p:blipFill>
+          <p:spPr>
+            <a:xfrm>
+              <a:off x="6816080" y="332656"/>
+              <a:ext cx="1658459" cy="392157"/>
+            </a:xfrm>
+            <a:prstGeom prst="rect">
+              <a:avLst/>
+            </a:prstGeom>
+          </p:spPr>
+        </p:pic>
+      </p:grpSp>
+      <p:grpSp>
+        <p:nvGrpSpPr>
+          <p:cNvPr id="6" name="Group 5">
+            <a:extLst>
+              <a:ext uri="{FF2B5EF4-FFF2-40B4-BE49-F238E27FC236}">
+                <a16:creationId xmlns:a16="http://schemas.microsoft.com/office/drawing/2014/main" id="{FF586E6E-6C6B-7726-7830-A8900184C7D8}"/>
+              </a:ext>
+            </a:extLst>
+          </p:cNvPr>
+          <p:cNvGrpSpPr/>
+          <p:nvPr/>
+        </p:nvGrpSpPr>
+        <p:grpSpPr>
+          <a:xfrm>
+            <a:off x="5807968" y="6327364"/>
+            <a:ext cx="6264696" cy="381119"/>
+            <a:chOff x="5807968" y="6327364"/>
+            <a:chExt cx="6264696" cy="381119"/>
           </a:xfrm>
         </p:grpSpPr>
         <p:sp>
           <p:nvSpPr>
-            <p:cNvPr id="3" name="TextBox 2">
+            <p:cNvPr id="7" name="TextBox 6">
               <a:extLst>
                 <a:ext uri="{FF2B5EF4-FFF2-40B4-BE49-F238E27FC236}">
-                  <a16:creationId xmlns:a16="http://schemas.microsoft.com/office/drawing/2014/main" id="{951DA20E-0A6F-419F-0929-9648E41E8981}"/>
+                  <a16:creationId xmlns:a16="http://schemas.microsoft.com/office/drawing/2014/main" id="{051713FF-0768-1623-E43B-60D920D8C2EF}"/>
                 </a:ext>
               </a:extLst>
             </p:cNvPr>
@@ -5955,8 +6045,8 @@
           </p:nvSpPr>
           <p:spPr>
             <a:xfrm>
-              <a:off x="5951984" y="6318094"/>
-              <a:ext cx="6130040" cy="381119"/>
+              <a:off x="5807968" y="6327364"/>
+              <a:ext cx="6264696" cy="381119"/>
             </a:xfrm>
             <a:prstGeom prst="roundRect">
               <a:avLst>
@@ -5977,18 +6067,18 @@
             <a:lstStyle/>
             <a:p>
               <a:r>
-                <a:rPr lang="en-GB" sz="1600" b="1" dirty="0">
+                <a:rPr lang="en-GB" sz="1600" dirty="0">
                   <a:solidFill>
                     <a:schemeClr val="bg1"/>
                   </a:solidFill>
-                  <a:latin typeface="Source Sans Pro" panose="020B0503030403020204" pitchFamily="34" charset="0"/>
-                  <a:ea typeface="Source Sans Pro" panose="020B0503030403020204" pitchFamily="34" charset="0"/>
+                  <a:latin typeface="Roboto" panose="02000000000000000000" pitchFamily="2" charset="0"/>
+                  <a:ea typeface="Roboto" panose="02000000000000000000" pitchFamily="2" charset="0"/>
                   <a:cs typeface="Segoe UI Semibold" panose="020B0702040204020203" pitchFamily="34" charset="0"/>
                 </a:rPr>
                 <a:t>Please Turn Off/Silence Your Devices </a:t>
               </a:r>
               <a:r>
-                <a:rPr lang="zh-TW" altLang="en-US" sz="1600" b="1" dirty="0">
+                <a:rPr lang="zh-TW" altLang="en-US" sz="1600" dirty="0">
                   <a:solidFill>
                     <a:schemeClr val="bg1"/>
                   </a:solidFill>
@@ -5997,7 +6087,7 @@
                 </a:rPr>
                 <a:t>請靜音或關閉所有電子設備</a:t>
               </a:r>
-              <a:endParaRPr lang="ja-JP" altLang="en-US" sz="1600" b="1" dirty="0">
+              <a:endParaRPr lang="ja-JP" altLang="en-US" sz="1600" dirty="0">
                 <a:solidFill>
                   <a:schemeClr val="bg1"/>
                 </a:solidFill>
@@ -6009,10 +6099,10 @@
         </p:sp>
         <p:pic>
           <p:nvPicPr>
-            <p:cNvPr id="4" name="Picture 3" descr="Shape&#10;&#10;Description automatically generated with low confidence">
+            <p:cNvPr id="8" name="Picture 7" descr="Shape&#10;&#10;Description automatically generated with low confidence">
               <a:extLst>
                 <a:ext uri="{FF2B5EF4-FFF2-40B4-BE49-F238E27FC236}">
-                  <a16:creationId xmlns:a16="http://schemas.microsoft.com/office/drawing/2014/main" id="{C304BA47-78DC-6B31-60E7-C59741B55AFC}"/>
+                  <a16:creationId xmlns:a16="http://schemas.microsoft.com/office/drawing/2014/main" id="{83D4579A-2EBC-6DEA-525B-E0F1E9FDD410}"/>
                 </a:ext>
               </a:extLst>
             </p:cNvPr>
@@ -6022,12 +6112,12 @@
             <p:nvPr/>
           </p:nvPicPr>
           <p:blipFill>
-            <a:blip r:embed="rId3" cstate="print">
+            <a:blip r:embed="rId5" cstate="print">
               <a:lum bright="70000" contrast="-70000"/>
               <a:extLst>
                 <a:ext uri="{BEBA8EAE-BF5A-486C-A8C5-ECC9F3942E4B}">
                   <a14:imgProps xmlns:a14="http://schemas.microsoft.com/office/drawing/2010/main">
-                    <a14:imgLayer r:embed="rId4">
+                    <a14:imgLayer r:embed="rId6">
                       <a14:imgEffect>
                         <a14:artisticPhotocopy/>
                       </a14:imgEffect>
@@ -6063,98 +6153,6 @@
             <a:solidFill>
               <a:srgbClr val="004B8D"/>
             </a:solidFill>
-          </p:spPr>
-        </p:pic>
-      </p:grpSp>
-      <p:grpSp>
-        <p:nvGrpSpPr>
-          <p:cNvPr id="14" name="Group 13">
-            <a:extLst>
-              <a:ext uri="{FF2B5EF4-FFF2-40B4-BE49-F238E27FC236}">
-                <a16:creationId xmlns:a16="http://schemas.microsoft.com/office/drawing/2014/main" id="{BE757074-DE35-1B2E-A2C5-5646BFC302AF}"/>
-              </a:ext>
-            </a:extLst>
-          </p:cNvPr>
-          <p:cNvGrpSpPr/>
-          <p:nvPr/>
-        </p:nvGrpSpPr>
-        <p:grpSpPr>
-          <a:xfrm>
-            <a:off x="191344" y="6381328"/>
-            <a:ext cx="3312368" cy="276107"/>
-            <a:chOff x="3719736" y="328470"/>
-            <a:chExt cx="4754803" cy="396343"/>
-          </a:xfrm>
-        </p:grpSpPr>
-        <p:pic>
-          <p:nvPicPr>
-            <p:cNvPr id="15" name="Picture 14">
-              <a:extLst>
-                <a:ext uri="{FF2B5EF4-FFF2-40B4-BE49-F238E27FC236}">
-                  <a16:creationId xmlns:a16="http://schemas.microsoft.com/office/drawing/2014/main" id="{793CC90E-DC89-C740-3A3E-80EF08F44E25}"/>
-                </a:ext>
-              </a:extLst>
-            </p:cNvPr>
-            <p:cNvPicPr>
-              <a:picLocks noChangeAspect="1"/>
-            </p:cNvPicPr>
-            <p:nvPr/>
-          </p:nvPicPr>
-          <p:blipFill>
-            <a:blip r:embed="rId5" cstate="print">
-              <a:extLst>
-                <a:ext uri="{28A0092B-C50C-407E-A947-70E740481C1C}">
-                  <a14:useLocalDpi xmlns:a14="http://schemas.microsoft.com/office/drawing/2010/main" val="0"/>
-                </a:ext>
-              </a:extLst>
-            </a:blip>
-            <a:stretch>
-              <a:fillRect/>
-            </a:stretch>
-          </p:blipFill>
-          <p:spPr>
-            <a:xfrm>
-              <a:off x="3719736" y="328470"/>
-              <a:ext cx="3030311" cy="392158"/>
-            </a:xfrm>
-            <a:prstGeom prst="rect">
-              <a:avLst/>
-            </a:prstGeom>
-          </p:spPr>
-        </p:pic>
-        <p:pic>
-          <p:nvPicPr>
-            <p:cNvPr id="16" name="Picture 15" descr="A blue text on a black background&#10;&#10;Description automatically generated with low confidence">
-              <a:extLst>
-                <a:ext uri="{FF2B5EF4-FFF2-40B4-BE49-F238E27FC236}">
-                  <a16:creationId xmlns:a16="http://schemas.microsoft.com/office/drawing/2014/main" id="{0A351EDF-5530-4A06-D6AD-F2569775A0CB}"/>
-                </a:ext>
-              </a:extLst>
-            </p:cNvPr>
-            <p:cNvPicPr>
-              <a:picLocks noChangeAspect="1"/>
-            </p:cNvPicPr>
-            <p:nvPr/>
-          </p:nvPicPr>
-          <p:blipFill rotWithShape="1">
-            <a:blip r:embed="rId6" cstate="print">
-              <a:extLst>
-                <a:ext uri="{28A0092B-C50C-407E-A947-70E740481C1C}">
-                  <a14:useLocalDpi xmlns:a14="http://schemas.microsoft.com/office/drawing/2010/main" val="0"/>
-                </a:ext>
-              </a:extLst>
-            </a:blip>
-            <a:srcRect l="28239" r="1"/>
-            <a:stretch/>
-          </p:blipFill>
-          <p:spPr>
-            <a:xfrm>
-              <a:off x="6816080" y="332656"/>
-              <a:ext cx="1658459" cy="392157"/>
-            </a:xfrm>
-            <a:prstGeom prst="rect">
-              <a:avLst/>
-            </a:prstGeom>
           </p:spPr>
         </p:pic>
       </p:grpSp>
@@ -6251,8 +6249,8 @@
             </a:pPr>
             <a:r>
               <a:rPr lang="en-US" altLang="zh-CN" sz="4800" b="1" dirty="0">
-                <a:latin typeface="Source Sans Pro" panose="020B0503030403020204" pitchFamily="34" charset="0"/>
-                <a:ea typeface="Source Sans Pro" panose="020B0503030403020204" pitchFamily="34" charset="0"/>
+                <a:latin typeface="Roboto" panose="02000000000000000000" pitchFamily="2" charset="0"/>
+                <a:ea typeface="Roboto" panose="02000000000000000000" pitchFamily="2" charset="0"/>
                 <a:cs typeface="Segoe UI" panose="020B0502040204020203" pitchFamily="34" charset="0"/>
               </a:rPr>
               <a:t>English</a:t>
@@ -6350,7 +6348,7 @@
         </p:nvSpPr>
         <p:spPr bwMode="auto">
           <a:xfrm>
-            <a:off x="3930567" y="652626"/>
+            <a:off x="3930567" y="582020"/>
             <a:ext cx="4330866" cy="400110"/>
           </a:xfrm>
           <a:prstGeom prst="rect">
@@ -6425,8 +6423,8 @@
         </p:nvGrpSpPr>
         <p:grpSpPr>
           <a:xfrm>
-            <a:off x="3718599" y="328470"/>
-            <a:ext cx="4754803" cy="396343"/>
+            <a:off x="4422474" y="306692"/>
+            <a:ext cx="3347052" cy="278997"/>
             <a:chOff x="3719736" y="328470"/>
             <a:chExt cx="4754803" cy="396343"/>
           </a:xfrm>
@@ -6446,7 +6444,7 @@
             <p:nvPr/>
           </p:nvPicPr>
           <p:blipFill>
-            <a:blip r:embed="rId3">
+            <a:blip r:embed="rId3" cstate="print">
               <a:extLst>
                 <a:ext uri="{28A0092B-C50C-407E-A947-70E740481C1C}">
                   <a14:useLocalDpi xmlns:a14="http://schemas.microsoft.com/office/drawing/2010/main" val="0"/>
@@ -6505,10 +6503,10 @@
       </p:grpSp>
       <p:grpSp>
         <p:nvGrpSpPr>
-          <p:cNvPr id="5" name="Group 4">
+          <p:cNvPr id="2" name="Group 1">
             <a:extLst>
               <a:ext uri="{FF2B5EF4-FFF2-40B4-BE49-F238E27FC236}">
-                <a16:creationId xmlns:a16="http://schemas.microsoft.com/office/drawing/2014/main" id="{4E631C18-72C9-FB8D-5A58-F4527705D10F}"/>
+                <a16:creationId xmlns:a16="http://schemas.microsoft.com/office/drawing/2014/main" id="{4519ECDE-7B7F-1E88-3CF4-C4DBAE73DA4F}"/>
               </a:ext>
             </a:extLst>
           </p:cNvPr>
@@ -6517,18 +6515,18 @@
         </p:nvGrpSpPr>
         <p:grpSpPr>
           <a:xfrm>
-            <a:off x="2440607" y="6092254"/>
-            <a:ext cx="7310786" cy="433090"/>
-            <a:chOff x="5933021" y="6326519"/>
-            <a:chExt cx="6149003" cy="364266"/>
+            <a:off x="2963652" y="6272458"/>
+            <a:ext cx="6264696" cy="381119"/>
+            <a:chOff x="5807968" y="6327364"/>
+            <a:chExt cx="6264696" cy="381119"/>
           </a:xfrm>
         </p:grpSpPr>
         <p:sp>
           <p:nvSpPr>
-            <p:cNvPr id="6" name="TextBox 5">
+            <p:cNvPr id="3" name="TextBox 2">
               <a:extLst>
                 <a:ext uri="{FF2B5EF4-FFF2-40B4-BE49-F238E27FC236}">
-                  <a16:creationId xmlns:a16="http://schemas.microsoft.com/office/drawing/2014/main" id="{F46F5070-83D3-0307-7CBF-3C04B56AE194}"/>
+                  <a16:creationId xmlns:a16="http://schemas.microsoft.com/office/drawing/2014/main" id="{8971E9E0-EB35-5896-D7BC-7FA265B12818}"/>
                 </a:ext>
               </a:extLst>
             </p:cNvPr>
@@ -6537,8 +6535,8 @@
           </p:nvSpPr>
           <p:spPr>
             <a:xfrm>
-              <a:off x="5933021" y="6326519"/>
-              <a:ext cx="6149003" cy="364266"/>
+              <a:off x="5807968" y="6327364"/>
+              <a:ext cx="6264696" cy="381119"/>
             </a:xfrm>
             <a:prstGeom prst="roundRect">
               <a:avLst>
@@ -6559,44 +6557,42 @@
             <a:lstStyle/>
             <a:p>
               <a:r>
-                <a:rPr lang="en-GB" sz="1900" b="1" dirty="0">
+                <a:rPr lang="en-GB" sz="1600" dirty="0">
+                  <a:solidFill>
+                    <a:schemeClr val="bg1"/>
+                  </a:solidFill>
+                  <a:latin typeface="Roboto" panose="02000000000000000000" pitchFamily="2" charset="0"/>
+                  <a:ea typeface="Roboto" panose="02000000000000000000" pitchFamily="2" charset="0"/>
+                  <a:cs typeface="Segoe UI Semibold" panose="020B0702040204020203" pitchFamily="34" charset="0"/>
+                </a:rPr>
+                <a:t>Please Turn Off/Silence Your Devices </a:t>
+              </a:r>
+              <a:r>
+                <a:rPr lang="zh-TW" altLang="en-US" sz="1600" dirty="0">
                   <a:solidFill>
                     <a:schemeClr val="bg1"/>
                   </a:solidFill>
                   <a:latin typeface="Source Sans Pro" panose="020B0503030403020204" pitchFamily="34" charset="0"/>
-                  <a:ea typeface="Source Sans Pro" panose="020B0503030403020204" pitchFamily="34" charset="0"/>
-                  <a:cs typeface="Segoe UI" panose="020B0502040204020203" pitchFamily="34" charset="0"/>
-                </a:rPr>
-                <a:t>Please Turn Off/Silence Your Devices </a:t>
-              </a:r>
-              <a:r>
-                <a:rPr lang="zh-TW" altLang="en-US" sz="1900" b="1" dirty="0">
-                  <a:solidFill>
-                    <a:schemeClr val="bg1"/>
-                  </a:solidFill>
-                  <a:latin typeface="Segoe UI" panose="020B0502040204020203" pitchFamily="34" charset="0"/>
                   <a:ea typeface="Microsoft JhengHei" panose="020B0604030504040204" pitchFamily="34" charset="-120"/>
-                  <a:cs typeface="Segoe UI" panose="020B0502040204020203" pitchFamily="34" charset="0"/>
                 </a:rPr>
                 <a:t>請靜音或關閉所有電子設備</a:t>
               </a:r>
-              <a:endParaRPr lang="ja-JP" altLang="en-US" sz="1900" b="1" dirty="0">
+              <a:endParaRPr lang="ja-JP" altLang="en-US" sz="1600" dirty="0">
                 <a:solidFill>
                   <a:schemeClr val="bg1"/>
                 </a:solidFill>
-                <a:latin typeface="Segoe UI" panose="020B0502040204020203" pitchFamily="34" charset="0"/>
+                <a:latin typeface="Source Sans Pro" panose="020B0503030403020204" pitchFamily="34" charset="0"/>
                 <a:ea typeface="Microsoft JhengHei" panose="020B0604030504040204" pitchFamily="34" charset="-120"/>
-                <a:cs typeface="Segoe UI" panose="020B0502040204020203" pitchFamily="34" charset="0"/>
               </a:endParaRPr>
             </a:p>
           </p:txBody>
         </p:sp>
         <p:pic>
           <p:nvPicPr>
-            <p:cNvPr id="7" name="Picture 6" descr="Shape&#10;&#10;Description automatically generated with low confidence">
+            <p:cNvPr id="4" name="Picture 3" descr="Shape&#10;&#10;Description automatically generated with low confidence">
               <a:extLst>
                 <a:ext uri="{FF2B5EF4-FFF2-40B4-BE49-F238E27FC236}">
-                  <a16:creationId xmlns:a16="http://schemas.microsoft.com/office/drawing/2014/main" id="{7E2A0DE7-DB97-0BE4-6CBF-ECEEC316ADB1}"/>
+                  <a16:creationId xmlns:a16="http://schemas.microsoft.com/office/drawing/2014/main" id="{AB6BE041-EBBF-969A-6C70-EB02A3643863}"/>
                 </a:ext>
               </a:extLst>
             </p:cNvPr>
@@ -6743,8 +6739,8 @@
             </a:pPr>
             <a:r>
               <a:rPr lang="en-US" altLang="zh-CN" sz="4800" b="1" dirty="0">
-                <a:latin typeface="Source Sans Pro" panose="020B0503030403020204" pitchFamily="34" charset="0"/>
-                <a:ea typeface="Source Sans Pro" panose="020B0503030403020204" pitchFamily="34" charset="0"/>
+                <a:latin typeface="Roboto" panose="02000000000000000000" pitchFamily="2" charset="0"/>
+                <a:ea typeface="Roboto" panose="02000000000000000000" pitchFamily="2" charset="0"/>
                 <a:cs typeface="Segoe UI" panose="020B0502040204020203" pitchFamily="34" charset="0"/>
               </a:rPr>
               <a:t>English</a:t>
@@ -6868,7 +6864,7 @@
             <a:prstGeom prst="line">
               <a:avLst/>
             </a:prstGeom>
-            <a:ln w="38100">
+            <a:ln w="19050">
               <a:solidFill>
                 <a:srgbClr val="004B8D"/>
               </a:solidFill>
@@ -6928,11 +6924,19 @@
             </a:pPr>
             <a:r>
               <a:rPr lang="en-GB" altLang="en-US" sz="2800" b="1" dirty="0">
+                <a:latin typeface="Roboto" panose="02000000000000000000" pitchFamily="2" charset="0"/>
+                <a:ea typeface="Roboto" panose="02000000000000000000" pitchFamily="2" charset="0"/>
+                <a:cs typeface="Segoe UI" panose="020B0502040204020203" pitchFamily="34" charset="0"/>
+              </a:rPr>
+              <a:t>HYMNS</a:t>
+            </a:r>
+            <a:r>
+              <a:rPr lang="en-GB" altLang="en-US" sz="2800" b="1" dirty="0">
                 <a:latin typeface="Source Sans Pro" panose="020B0503030403020204" pitchFamily="34" charset="0"/>
                 <a:ea typeface="Source Sans Pro" panose="020B0503030403020204" pitchFamily="34" charset="0"/>
                 <a:cs typeface="Segoe UI" panose="020B0502040204020203" pitchFamily="34" charset="0"/>
               </a:rPr>
-              <a:t>HYMNS </a:t>
+              <a:t> </a:t>
             </a:r>
             <a:r>
               <a:rPr lang="zh-TW" altLang="en-US" sz="2800" b="1" dirty="0">
@@ -7016,7 +7020,8 @@
             </a:pPr>
             <a:r>
               <a:rPr lang="en-US" altLang="en-US" sz="6000" dirty="0">
-                <a:latin typeface="Century Gothic" panose="020B0502020202020204" pitchFamily="34" charset="0"/>
+                <a:latin typeface="Roboto" panose="02000000000000000000" pitchFamily="2" charset="0"/>
+                <a:ea typeface="Roboto" panose="02000000000000000000" pitchFamily="2" charset="0"/>
               </a:rPr>
               <a:t>Hymn No.</a:t>
             </a:r>
@@ -7114,10 +7119,10 @@
         </p:nvGrpSpPr>
         <p:grpSpPr>
           <a:xfrm>
-            <a:off x="5951984" y="6318094"/>
-            <a:ext cx="6130040" cy="381119"/>
-            <a:chOff x="5951984" y="6318094"/>
-            <a:chExt cx="6130040" cy="381119"/>
+            <a:off x="5807968" y="6327364"/>
+            <a:ext cx="6264696" cy="381119"/>
+            <a:chOff x="5807968" y="6327364"/>
+            <a:chExt cx="6264696" cy="381119"/>
           </a:xfrm>
         </p:grpSpPr>
         <p:sp>
@@ -7134,8 +7139,8 @@
           </p:nvSpPr>
           <p:spPr>
             <a:xfrm>
-              <a:off x="5951984" y="6318094"/>
-              <a:ext cx="6130040" cy="381119"/>
+              <a:off x="5807968" y="6327364"/>
+              <a:ext cx="6264696" cy="381119"/>
             </a:xfrm>
             <a:prstGeom prst="roundRect">
               <a:avLst>
@@ -7156,18 +7161,18 @@
             <a:lstStyle/>
             <a:p>
               <a:r>
-                <a:rPr lang="en-GB" sz="1600" b="1" dirty="0">
+                <a:rPr lang="en-GB" sz="1600" dirty="0">
                   <a:solidFill>
                     <a:schemeClr val="bg1"/>
                   </a:solidFill>
-                  <a:latin typeface="Source Sans Pro" panose="020B0503030403020204" pitchFamily="34" charset="0"/>
-                  <a:ea typeface="Source Sans Pro" panose="020B0503030403020204" pitchFamily="34" charset="0"/>
+                  <a:latin typeface="Roboto" panose="02000000000000000000" pitchFamily="2" charset="0"/>
+                  <a:ea typeface="Roboto" panose="02000000000000000000" pitchFamily="2" charset="0"/>
                   <a:cs typeface="Segoe UI Semibold" panose="020B0702040204020203" pitchFamily="34" charset="0"/>
                 </a:rPr>
                 <a:t>Please Turn Off/Silence Your Devices </a:t>
               </a:r>
               <a:r>
-                <a:rPr lang="zh-TW" altLang="en-US" sz="1600" b="1" dirty="0">
+                <a:rPr lang="zh-TW" altLang="en-US" sz="1600" dirty="0">
                   <a:solidFill>
                     <a:schemeClr val="bg1"/>
                   </a:solidFill>
@@ -7176,7 +7181,7 @@
                 </a:rPr>
                 <a:t>請靜音或關閉所有電子設備</a:t>
               </a:r>
-              <a:endParaRPr lang="ja-JP" altLang="en-US" sz="1600" b="1" dirty="0">
+              <a:endParaRPr lang="ja-JP" altLang="en-US" sz="1600" dirty="0">
                 <a:solidFill>
                   <a:schemeClr val="bg1"/>
                 </a:solidFill>
@@ -7436,8 +7441,8 @@
             </a:pPr>
             <a:r>
               <a:rPr lang="en-US" altLang="zh-CN" sz="3600" b="1" dirty="0">
-                <a:latin typeface="Source Sans Pro" panose="020B0503030403020204" pitchFamily="34" charset="0"/>
-                <a:ea typeface="Source Sans Pro" panose="020B0503030403020204" pitchFamily="34" charset="0"/>
+                <a:latin typeface="Roboto" panose="02000000000000000000" pitchFamily="2" charset="0"/>
+                <a:ea typeface="Roboto" panose="02000000000000000000" pitchFamily="2" charset="0"/>
                 <a:cs typeface="Segoe UI" panose="020B0502040204020203" pitchFamily="34" charset="0"/>
               </a:rPr>
               <a:t>English</a:t>
@@ -7563,7 +7568,7 @@
             <a:prstGeom prst="line">
               <a:avLst/>
             </a:prstGeom>
-            <a:ln w="38100">
+            <a:ln w="19050">
               <a:solidFill>
                 <a:schemeClr val="accent1">
                   <a:lumMod val="75000"/>
@@ -7631,8 +7636,8 @@
                     <a:lumMod val="75000"/>
                   </a:schemeClr>
                 </a:solidFill>
-                <a:latin typeface="Source Sans Pro Semibold" panose="020B0603030403020204" pitchFamily="34" charset="0"/>
-                <a:ea typeface="Source Sans Pro Semibold" panose="020B0603030403020204" pitchFamily="34" charset="0"/>
+                <a:latin typeface="Roboto" panose="02000000000000000000" pitchFamily="2" charset="0"/>
+                <a:ea typeface="Roboto" panose="02000000000000000000" pitchFamily="2" charset="0"/>
                 <a:cs typeface="Segoe UI" panose="020B0502040204020203" pitchFamily="34" charset="0"/>
               </a:rPr>
               <a:t>BIBLE VERSE </a:t>
@@ -7663,224 +7668,245 @@
           </a:p>
         </p:txBody>
       </p:sp>
-      <p:sp>
-        <p:nvSpPr>
-          <p:cNvPr id="344071" name="Text Box 7"/>
-          <p:cNvSpPr txBox="1">
-            <a:spLocks noChangeArrowheads="1"/>
-          </p:cNvSpPr>
+      <p:grpSp>
+        <p:nvGrpSpPr>
+          <p:cNvPr id="10" name="Group 9">
+            <a:extLst>
+              <a:ext uri="{FF2B5EF4-FFF2-40B4-BE49-F238E27FC236}">
+                <a16:creationId xmlns:a16="http://schemas.microsoft.com/office/drawing/2014/main" id="{800E8C85-7B20-E8E0-FE06-83104E083FF4}"/>
+              </a:ext>
+            </a:extLst>
+          </p:cNvPr>
+          <p:cNvGrpSpPr/>
           <p:nvPr/>
-        </p:nvSpPr>
-        <p:spPr bwMode="auto">
+        </p:nvGrpSpPr>
+        <p:grpSpPr>
           <a:xfrm>
             <a:off x="-1" y="3033580"/>
-            <a:ext cx="5951985" cy="1077218"/>
+            <a:ext cx="12192000" cy="2051604"/>
+            <a:chOff x="-1" y="3033580"/>
+            <a:chExt cx="12192001" cy="2051604"/>
           </a:xfrm>
-          <a:prstGeom prst="rect">
-            <a:avLst/>
-          </a:prstGeom>
-          <a:noFill/>
-          <a:ln>
+        </p:grpSpPr>
+        <p:sp>
+          <p:nvSpPr>
+            <p:cNvPr id="344071" name="Text Box 7"/>
+            <p:cNvSpPr txBox="1">
+              <a:spLocks noChangeArrowheads="1"/>
+            </p:cNvSpPr>
+            <p:nvPr/>
+          </p:nvSpPr>
+          <p:spPr bwMode="auto">
+            <a:xfrm>
+              <a:off x="-1" y="3033580"/>
+              <a:ext cx="5951985" cy="1015663"/>
+            </a:xfrm>
+            <a:prstGeom prst="rect">
+              <a:avLst/>
+            </a:prstGeom>
             <a:noFill/>
-          </a:ln>
-          <a:effectLst/>
-          <a:extLst>
-            <a:ext uri="{909E8E84-426E-40DD-AFC4-6F175D3DCCD1}">
-              <a14:hiddenFill xmlns:a14="http://schemas.microsoft.com/office/drawing/2010/main">
-                <a:solidFill>
-                  <a:schemeClr val="accent1"/>
-                </a:solidFill>
-              </a14:hiddenFill>
-            </a:ext>
-            <a:ext uri="{91240B29-F687-4F45-9708-019B960494DF}">
-              <a14:hiddenLine xmlns:a14="http://schemas.microsoft.com/office/drawing/2010/main" w="9525">
-                <a:solidFill>
-                  <a:schemeClr val="tx1"/>
-                </a:solidFill>
-                <a:miter lim="800000"/>
-                <a:headEnd/>
-                <a:tailEnd/>
-              </a14:hiddenLine>
-            </a:ext>
-            <a:ext uri="{AF507438-7753-43E0-B8FC-AC1667EBCBE1}">
-              <a14:hiddenEffects xmlns:a14="http://schemas.microsoft.com/office/drawing/2010/main">
-                <a:effectLst>
-                  <a:outerShdw dist="35921" dir="2700000" algn="ctr" rotWithShape="0">
-                    <a:schemeClr val="bg2"/>
-                  </a:outerShdw>
-                </a:effectLst>
-              </a14:hiddenEffects>
-            </a:ext>
-          </a:extLst>
-        </p:spPr>
-        <p:txBody>
-          <a:bodyPr wrap="square">
-            <a:spAutoFit/>
-          </a:bodyPr>
-          <a:lstStyle/>
-          <a:p>
-            <a:pPr algn="r">
-              <a:spcBef>
-                <a:spcPct val="50000"/>
-              </a:spcBef>
-            </a:pPr>
-            <a:r>
-              <a:rPr lang="en-US" altLang="en-US" sz="6400" b="1" dirty="0">
-                <a:latin typeface="Source Sans Pro Semibold" panose="020B0603030403020204" pitchFamily="34" charset="0"/>
-                <a:ea typeface="Source Sans Pro Semibold" panose="020B0603030403020204" pitchFamily="34" charset="0"/>
-              </a:rPr>
-              <a:t>English Book</a:t>
-            </a:r>
-          </a:p>
-        </p:txBody>
-      </p:sp>
-      <p:sp>
-        <p:nvSpPr>
-          <p:cNvPr id="344072" name="Text Box 8"/>
-          <p:cNvSpPr txBox="1">
-            <a:spLocks noChangeArrowheads="1"/>
-          </p:cNvSpPr>
-          <p:nvPr/>
-        </p:nvSpPr>
-        <p:spPr bwMode="auto">
-          <a:xfrm>
-            <a:off x="0" y="4069521"/>
-            <a:ext cx="5951984" cy="1077218"/>
-          </a:xfrm>
-          <a:prstGeom prst="rect">
-            <a:avLst/>
-          </a:prstGeom>
-          <a:noFill/>
-          <a:ln>
+            <a:ln>
+              <a:noFill/>
+            </a:ln>
+            <a:effectLst/>
+            <a:extLst>
+              <a:ext uri="{909E8E84-426E-40DD-AFC4-6F175D3DCCD1}">
+                <a14:hiddenFill xmlns:a14="http://schemas.microsoft.com/office/drawing/2010/main">
+                  <a:solidFill>
+                    <a:schemeClr val="accent1"/>
+                  </a:solidFill>
+                </a14:hiddenFill>
+              </a:ext>
+              <a:ext uri="{91240B29-F687-4F45-9708-019B960494DF}">
+                <a14:hiddenLine xmlns:a14="http://schemas.microsoft.com/office/drawing/2010/main" w="9525">
+                  <a:solidFill>
+                    <a:schemeClr val="tx1"/>
+                  </a:solidFill>
+                  <a:miter lim="800000"/>
+                  <a:headEnd/>
+                  <a:tailEnd/>
+                </a14:hiddenLine>
+              </a:ext>
+              <a:ext uri="{AF507438-7753-43E0-B8FC-AC1667EBCBE1}">
+                <a14:hiddenEffects xmlns:a14="http://schemas.microsoft.com/office/drawing/2010/main">
+                  <a:effectLst>
+                    <a:outerShdw dist="35921" dir="2700000" algn="ctr" rotWithShape="0">
+                      <a:schemeClr val="bg2"/>
+                    </a:outerShdw>
+                  </a:effectLst>
+                </a14:hiddenEffects>
+              </a:ext>
+            </a:extLst>
+          </p:spPr>
+          <p:txBody>
+            <a:bodyPr wrap="square">
+              <a:spAutoFit/>
+            </a:bodyPr>
+            <a:lstStyle/>
+            <a:p>
+              <a:pPr algn="r">
+                <a:spcBef>
+                  <a:spcPct val="50000"/>
+                </a:spcBef>
+              </a:pPr>
+              <a:r>
+                <a:rPr lang="en-US" altLang="en-US" sz="6000" b="1" dirty="0">
+                  <a:latin typeface="Roboto" panose="02000000000000000000" pitchFamily="2" charset="0"/>
+                  <a:ea typeface="Roboto" panose="02000000000000000000" pitchFamily="2" charset="0"/>
+                </a:rPr>
+                <a:t>English Book</a:t>
+              </a:r>
+            </a:p>
+          </p:txBody>
+        </p:sp>
+        <p:sp>
+          <p:nvSpPr>
+            <p:cNvPr id="344072" name="Text Box 8"/>
+            <p:cNvSpPr txBox="1">
+              <a:spLocks noChangeArrowheads="1"/>
+            </p:cNvSpPr>
+            <p:nvPr/>
+          </p:nvSpPr>
+          <p:spPr bwMode="auto">
+            <a:xfrm>
+              <a:off x="0" y="4069521"/>
+              <a:ext cx="5951984" cy="1015663"/>
+            </a:xfrm>
+            <a:prstGeom prst="rect">
+              <a:avLst/>
+            </a:prstGeom>
             <a:noFill/>
-          </a:ln>
-          <a:effectLst/>
-          <a:extLst>
-            <a:ext uri="{909E8E84-426E-40DD-AFC4-6F175D3DCCD1}">
-              <a14:hiddenFill xmlns:a14="http://schemas.microsoft.com/office/drawing/2010/main">
-                <a:solidFill>
-                  <a:schemeClr val="accent1"/>
-                </a:solidFill>
-              </a14:hiddenFill>
-            </a:ext>
-            <a:ext uri="{91240B29-F687-4F45-9708-019B960494DF}">
-              <a14:hiddenLine xmlns:a14="http://schemas.microsoft.com/office/drawing/2010/main" w="9525">
-                <a:solidFill>
-                  <a:schemeClr val="tx1"/>
-                </a:solidFill>
-                <a:miter lim="800000"/>
-                <a:headEnd/>
-                <a:tailEnd/>
-              </a14:hiddenLine>
-            </a:ext>
-            <a:ext uri="{AF507438-7753-43E0-B8FC-AC1667EBCBE1}">
-              <a14:hiddenEffects xmlns:a14="http://schemas.microsoft.com/office/drawing/2010/main">
-                <a:effectLst>
-                  <a:outerShdw dist="35921" dir="2700000" algn="ctr" rotWithShape="0">
-                    <a:schemeClr val="bg2"/>
-                  </a:outerShdw>
-                </a:effectLst>
-              </a14:hiddenEffects>
-            </a:ext>
-          </a:extLst>
-        </p:spPr>
-        <p:txBody>
-          <a:bodyPr wrap="square">
-            <a:spAutoFit/>
-          </a:bodyPr>
-          <a:lstStyle/>
-          <a:p>
-            <a:pPr algn="r">
-              <a:spcBef>
-                <a:spcPct val="50000"/>
-              </a:spcBef>
-            </a:pPr>
-            <a:r>
-              <a:rPr lang="en-US" altLang="en-US" sz="6400" b="1" dirty="0">
-                <a:solidFill>
-                  <a:schemeClr val="accent1">
-                    <a:lumMod val="75000"/>
-                  </a:schemeClr>
-                </a:solidFill>
-                <a:latin typeface="Microsoft JhengHei" panose="020B0604030504040204" pitchFamily="34" charset="-120"/>
-                <a:ea typeface="Microsoft JhengHei" panose="020B0604030504040204" pitchFamily="34" charset="-120"/>
-              </a:rPr>
-              <a:t>Chinese Book</a:t>
-            </a:r>
-          </a:p>
-        </p:txBody>
-      </p:sp>
-      <p:sp>
-        <p:nvSpPr>
-          <p:cNvPr id="344073" name="Text Box 9"/>
-          <p:cNvSpPr txBox="1">
-            <a:spLocks noChangeArrowheads="1"/>
-          </p:cNvSpPr>
-          <p:nvPr/>
-        </p:nvSpPr>
-        <p:spPr bwMode="auto">
-          <a:xfrm>
-            <a:off x="6096000" y="3462897"/>
-            <a:ext cx="6095999" cy="1015663"/>
-          </a:xfrm>
-          <a:prstGeom prst="rect">
-            <a:avLst/>
-          </a:prstGeom>
-          <a:noFill/>
-          <a:ln>
+            <a:ln>
+              <a:noFill/>
+            </a:ln>
+            <a:effectLst/>
+            <a:extLst>
+              <a:ext uri="{909E8E84-426E-40DD-AFC4-6F175D3DCCD1}">
+                <a14:hiddenFill xmlns:a14="http://schemas.microsoft.com/office/drawing/2010/main">
+                  <a:solidFill>
+                    <a:schemeClr val="accent1"/>
+                  </a:solidFill>
+                </a14:hiddenFill>
+              </a:ext>
+              <a:ext uri="{91240B29-F687-4F45-9708-019B960494DF}">
+                <a14:hiddenLine xmlns:a14="http://schemas.microsoft.com/office/drawing/2010/main" w="9525">
+                  <a:solidFill>
+                    <a:schemeClr val="tx1"/>
+                  </a:solidFill>
+                  <a:miter lim="800000"/>
+                  <a:headEnd/>
+                  <a:tailEnd/>
+                </a14:hiddenLine>
+              </a:ext>
+              <a:ext uri="{AF507438-7753-43E0-B8FC-AC1667EBCBE1}">
+                <a14:hiddenEffects xmlns:a14="http://schemas.microsoft.com/office/drawing/2010/main">
+                  <a:effectLst>
+                    <a:outerShdw dist="35921" dir="2700000" algn="ctr" rotWithShape="0">
+                      <a:schemeClr val="bg2"/>
+                    </a:outerShdw>
+                  </a:effectLst>
+                </a14:hiddenEffects>
+              </a:ext>
+            </a:extLst>
+          </p:spPr>
+          <p:txBody>
+            <a:bodyPr wrap="square">
+              <a:spAutoFit/>
+            </a:bodyPr>
+            <a:lstStyle/>
+            <a:p>
+              <a:pPr algn="r">
+                <a:spcBef>
+                  <a:spcPct val="50000"/>
+                </a:spcBef>
+              </a:pPr>
+              <a:r>
+                <a:rPr lang="en-US" altLang="en-US" sz="6000" b="1" dirty="0">
+                  <a:solidFill>
+                    <a:schemeClr val="accent1">
+                      <a:lumMod val="75000"/>
+                    </a:schemeClr>
+                  </a:solidFill>
+                  <a:latin typeface="Microsoft JhengHei" panose="020B0604030504040204" pitchFamily="34" charset="-120"/>
+                  <a:ea typeface="Microsoft JhengHei" panose="020B0604030504040204" pitchFamily="34" charset="-120"/>
+                </a:rPr>
+                <a:t>Chinese Book</a:t>
+              </a:r>
+            </a:p>
+          </p:txBody>
+        </p:sp>
+        <p:sp>
+          <p:nvSpPr>
+            <p:cNvPr id="344073" name="Text Box 9"/>
+            <p:cNvSpPr txBox="1">
+              <a:spLocks noChangeArrowheads="1"/>
+            </p:cNvSpPr>
+            <p:nvPr/>
+          </p:nvSpPr>
+          <p:spPr bwMode="auto">
+            <a:xfrm>
+              <a:off x="6096000" y="3462897"/>
+              <a:ext cx="6096000" cy="1015663"/>
+            </a:xfrm>
+            <a:prstGeom prst="rect">
+              <a:avLst/>
+            </a:prstGeom>
             <a:noFill/>
-          </a:ln>
-          <a:effectLst/>
-          <a:extLst>
-            <a:ext uri="{909E8E84-426E-40DD-AFC4-6F175D3DCCD1}">
-              <a14:hiddenFill xmlns:a14="http://schemas.microsoft.com/office/drawing/2010/main">
-                <a:solidFill>
-                  <a:schemeClr val="accent1"/>
-                </a:solidFill>
-              </a14:hiddenFill>
-            </a:ext>
-            <a:ext uri="{91240B29-F687-4F45-9708-019B960494DF}">
-              <a14:hiddenLine xmlns:a14="http://schemas.microsoft.com/office/drawing/2010/main" w="9525">
-                <a:solidFill>
-                  <a:schemeClr val="tx1"/>
-                </a:solidFill>
-                <a:miter lim="800000"/>
-                <a:headEnd/>
-                <a:tailEnd/>
-              </a14:hiddenLine>
-            </a:ext>
-            <a:ext uri="{AF507438-7753-43E0-B8FC-AC1667EBCBE1}">
-              <a14:hiddenEffects xmlns:a14="http://schemas.microsoft.com/office/drawing/2010/main">
-                <a:effectLst>
-                  <a:outerShdw dist="35921" dir="2700000" algn="ctr" rotWithShape="0">
-                    <a:schemeClr val="bg2"/>
-                  </a:outerShdw>
-                </a:effectLst>
-              </a14:hiddenEffects>
-            </a:ext>
-          </a:extLst>
-        </p:spPr>
-        <p:txBody>
-          <a:bodyPr wrap="square" lIns="0" rIns="0">
-            <a:noAutofit/>
-          </a:bodyPr>
-          <a:lstStyle/>
-          <a:p>
-            <a:pPr>
-              <a:spcBef>
-                <a:spcPct val="50000"/>
-              </a:spcBef>
-            </a:pPr>
-            <a:r>
-              <a:rPr lang="en-US" altLang="zh-CN" sz="7200" b="1" dirty="0">
-                <a:latin typeface="Century Gothic" panose="020B0502020202020204" pitchFamily="34" charset="0"/>
-                <a:ea typeface="Source Sans Pro Semibold" panose="020B0603030403020204" pitchFamily="34" charset="0"/>
-              </a:rPr>
-              <a:t>Chapter &amp; Verse</a:t>
-            </a:r>
-          </a:p>
-        </p:txBody>
-      </p:sp>
+            <a:ln>
+              <a:noFill/>
+            </a:ln>
+            <a:effectLst/>
+            <a:extLst>
+              <a:ext uri="{909E8E84-426E-40DD-AFC4-6F175D3DCCD1}">
+                <a14:hiddenFill xmlns:a14="http://schemas.microsoft.com/office/drawing/2010/main">
+                  <a:solidFill>
+                    <a:schemeClr val="accent1"/>
+                  </a:solidFill>
+                </a14:hiddenFill>
+              </a:ext>
+              <a:ext uri="{91240B29-F687-4F45-9708-019B960494DF}">
+                <a14:hiddenLine xmlns:a14="http://schemas.microsoft.com/office/drawing/2010/main" w="9525">
+                  <a:solidFill>
+                    <a:schemeClr val="tx1"/>
+                  </a:solidFill>
+                  <a:miter lim="800000"/>
+                  <a:headEnd/>
+                  <a:tailEnd/>
+                </a14:hiddenLine>
+              </a:ext>
+              <a:ext uri="{AF507438-7753-43E0-B8FC-AC1667EBCBE1}">
+                <a14:hiddenEffects xmlns:a14="http://schemas.microsoft.com/office/drawing/2010/main">
+                  <a:effectLst>
+                    <a:outerShdw dist="35921" dir="2700000" algn="ctr" rotWithShape="0">
+                      <a:schemeClr val="bg2"/>
+                    </a:outerShdw>
+                  </a:effectLst>
+                </a14:hiddenEffects>
+              </a:ext>
+            </a:extLst>
+          </p:spPr>
+          <p:txBody>
+            <a:bodyPr wrap="square" lIns="0" rIns="0">
+              <a:noAutofit/>
+            </a:bodyPr>
+            <a:lstStyle/>
+            <a:p>
+              <a:pPr>
+                <a:spcBef>
+                  <a:spcPct val="50000"/>
+                </a:spcBef>
+              </a:pPr>
+              <a:r>
+                <a:rPr lang="en-US" altLang="zh-CN" sz="7000" b="1" dirty="0">
+                  <a:latin typeface="Roboto" panose="02000000000000000000" pitchFamily="2" charset="0"/>
+                  <a:ea typeface="Roboto" panose="02000000000000000000" pitchFamily="2" charset="0"/>
+                </a:rPr>
+                <a:t>Chapter &amp; Verse</a:t>
+              </a:r>
+            </a:p>
+          </p:txBody>
+        </p:sp>
+      </p:grpSp>
       <p:sp>
         <p:nvSpPr>
           <p:cNvPr id="2" name="Text Box 10">
@@ -7960,10 +7986,10 @@
       </p:sp>
       <p:grpSp>
         <p:nvGrpSpPr>
-          <p:cNvPr id="3" name="Group 2">
+          <p:cNvPr id="18" name="Group 17">
             <a:extLst>
               <a:ext uri="{FF2B5EF4-FFF2-40B4-BE49-F238E27FC236}">
-                <a16:creationId xmlns:a16="http://schemas.microsoft.com/office/drawing/2014/main" id="{D37B60FB-5A8B-DE0F-E7A3-C0CAD80A4A94}"/>
+                <a16:creationId xmlns:a16="http://schemas.microsoft.com/office/drawing/2014/main" id="{14D2BF5B-6D58-206A-F500-59F1D48D6064}"/>
               </a:ext>
             </a:extLst>
           </p:cNvPr>
@@ -7972,18 +7998,110 @@
         </p:nvGrpSpPr>
         <p:grpSpPr>
           <a:xfrm>
-            <a:off x="5951984" y="6318094"/>
-            <a:ext cx="6130040" cy="381119"/>
-            <a:chOff x="5951984" y="6318094"/>
-            <a:chExt cx="6130040" cy="381119"/>
+            <a:off x="191344" y="6381328"/>
+            <a:ext cx="3312368" cy="276107"/>
+            <a:chOff x="3719736" y="328470"/>
+            <a:chExt cx="4754803" cy="396343"/>
+          </a:xfrm>
+        </p:grpSpPr>
+        <p:pic>
+          <p:nvPicPr>
+            <p:cNvPr id="19" name="Picture 18">
+              <a:extLst>
+                <a:ext uri="{FF2B5EF4-FFF2-40B4-BE49-F238E27FC236}">
+                  <a16:creationId xmlns:a16="http://schemas.microsoft.com/office/drawing/2014/main" id="{B105F02E-20FD-EE41-26B6-7043E046CC0B}"/>
+                </a:ext>
+              </a:extLst>
+            </p:cNvPr>
+            <p:cNvPicPr>
+              <a:picLocks noChangeAspect="1"/>
+            </p:cNvPicPr>
+            <p:nvPr/>
+          </p:nvPicPr>
+          <p:blipFill>
+            <a:blip r:embed="rId3" cstate="print">
+              <a:extLst>
+                <a:ext uri="{28A0092B-C50C-407E-A947-70E740481C1C}">
+                  <a14:useLocalDpi xmlns:a14="http://schemas.microsoft.com/office/drawing/2010/main" val="0"/>
+                </a:ext>
+              </a:extLst>
+            </a:blip>
+            <a:stretch>
+              <a:fillRect/>
+            </a:stretch>
+          </p:blipFill>
+          <p:spPr>
+            <a:xfrm>
+              <a:off x="3719736" y="328470"/>
+              <a:ext cx="3030311" cy="392158"/>
+            </a:xfrm>
+            <a:prstGeom prst="rect">
+              <a:avLst/>
+            </a:prstGeom>
+          </p:spPr>
+        </p:pic>
+        <p:pic>
+          <p:nvPicPr>
+            <p:cNvPr id="20" name="Picture 19" descr="A blue text on a black background&#10;&#10;Description automatically generated with low confidence">
+              <a:extLst>
+                <a:ext uri="{FF2B5EF4-FFF2-40B4-BE49-F238E27FC236}">
+                  <a16:creationId xmlns:a16="http://schemas.microsoft.com/office/drawing/2014/main" id="{FC2C347B-A107-FE3B-0E6E-4634C115D5D1}"/>
+                </a:ext>
+              </a:extLst>
+            </p:cNvPr>
+            <p:cNvPicPr>
+              <a:picLocks noChangeAspect="1"/>
+            </p:cNvPicPr>
+            <p:nvPr/>
+          </p:nvPicPr>
+          <p:blipFill rotWithShape="1">
+            <a:blip r:embed="rId4" cstate="print">
+              <a:extLst>
+                <a:ext uri="{28A0092B-C50C-407E-A947-70E740481C1C}">
+                  <a14:useLocalDpi xmlns:a14="http://schemas.microsoft.com/office/drawing/2010/main" val="0"/>
+                </a:ext>
+              </a:extLst>
+            </a:blip>
+            <a:srcRect l="28239" r="1"/>
+            <a:stretch/>
+          </p:blipFill>
+          <p:spPr>
+            <a:xfrm>
+              <a:off x="6816080" y="332656"/>
+              <a:ext cx="1658459" cy="392157"/>
+            </a:xfrm>
+            <a:prstGeom prst="rect">
+              <a:avLst/>
+            </a:prstGeom>
+          </p:spPr>
+        </p:pic>
+      </p:grpSp>
+      <p:grpSp>
+        <p:nvGrpSpPr>
+          <p:cNvPr id="7" name="Group 6">
+            <a:extLst>
+              <a:ext uri="{FF2B5EF4-FFF2-40B4-BE49-F238E27FC236}">
+                <a16:creationId xmlns:a16="http://schemas.microsoft.com/office/drawing/2014/main" id="{5C3B6EE5-B972-0F30-6E01-55EA7D6703BC}"/>
+              </a:ext>
+            </a:extLst>
+          </p:cNvPr>
+          <p:cNvGrpSpPr/>
+          <p:nvPr/>
+        </p:nvGrpSpPr>
+        <p:grpSpPr>
+          <a:xfrm>
+            <a:off x="5807968" y="6327364"/>
+            <a:ext cx="6264696" cy="381119"/>
+            <a:chOff x="5807968" y="6327364"/>
+            <a:chExt cx="6264696" cy="381119"/>
           </a:xfrm>
         </p:grpSpPr>
         <p:sp>
           <p:nvSpPr>
-            <p:cNvPr id="10" name="TextBox 9">
+            <p:cNvPr id="8" name="TextBox 7">
               <a:extLst>
                 <a:ext uri="{FF2B5EF4-FFF2-40B4-BE49-F238E27FC236}">
-                  <a16:creationId xmlns:a16="http://schemas.microsoft.com/office/drawing/2014/main" id="{C681487A-C1BB-EB06-10DD-66228D86DAEF}"/>
+                  <a16:creationId xmlns:a16="http://schemas.microsoft.com/office/drawing/2014/main" id="{BB7E1353-CBFE-7117-91DA-0434A071127B}"/>
                 </a:ext>
               </a:extLst>
             </p:cNvPr>
@@ -7992,8 +8110,8 @@
           </p:nvSpPr>
           <p:spPr>
             <a:xfrm>
-              <a:off x="5951984" y="6318094"/>
-              <a:ext cx="6130040" cy="381119"/>
+              <a:off x="5807968" y="6327364"/>
+              <a:ext cx="6264696" cy="381119"/>
             </a:xfrm>
             <a:prstGeom prst="roundRect">
               <a:avLst>
@@ -8014,18 +8132,18 @@
             <a:lstStyle/>
             <a:p>
               <a:r>
-                <a:rPr lang="en-GB" sz="1600" b="1" dirty="0">
+                <a:rPr lang="en-GB" sz="1600" dirty="0">
                   <a:solidFill>
                     <a:schemeClr val="bg1"/>
                   </a:solidFill>
-                  <a:latin typeface="Source Sans Pro" panose="020B0503030403020204" pitchFamily="34" charset="0"/>
-                  <a:ea typeface="Source Sans Pro" panose="020B0503030403020204" pitchFamily="34" charset="0"/>
+                  <a:latin typeface="Roboto" panose="02000000000000000000" pitchFamily="2" charset="0"/>
+                  <a:ea typeface="Roboto" panose="02000000000000000000" pitchFamily="2" charset="0"/>
                   <a:cs typeface="Segoe UI Semibold" panose="020B0702040204020203" pitchFamily="34" charset="0"/>
                 </a:rPr>
                 <a:t>Please Turn Off/Silence Your Devices </a:t>
               </a:r>
               <a:r>
-                <a:rPr lang="zh-TW" altLang="en-US" sz="1600" b="1" dirty="0">
+                <a:rPr lang="zh-TW" altLang="en-US" sz="1600" dirty="0">
                   <a:solidFill>
                     <a:schemeClr val="bg1"/>
                   </a:solidFill>
@@ -8034,7 +8152,7 @@
                 </a:rPr>
                 <a:t>請靜音或關閉所有電子設備</a:t>
               </a:r>
-              <a:endParaRPr lang="ja-JP" altLang="en-US" sz="1600" b="1" dirty="0">
+              <a:endParaRPr lang="ja-JP" altLang="en-US" sz="1600" dirty="0">
                 <a:solidFill>
                   <a:schemeClr val="bg1"/>
                 </a:solidFill>
@@ -8046,10 +8164,10 @@
         </p:sp>
         <p:pic>
           <p:nvPicPr>
-            <p:cNvPr id="11" name="Picture 10" descr="Shape&#10;&#10;Description automatically generated with low confidence">
+            <p:cNvPr id="9" name="Picture 8" descr="Shape&#10;&#10;Description automatically generated with low confidence">
               <a:extLst>
                 <a:ext uri="{FF2B5EF4-FFF2-40B4-BE49-F238E27FC236}">
-                  <a16:creationId xmlns:a16="http://schemas.microsoft.com/office/drawing/2014/main" id="{6DEE7500-FE87-D395-FB3D-73ED4800F9BC}"/>
+                  <a16:creationId xmlns:a16="http://schemas.microsoft.com/office/drawing/2014/main" id="{287B44BF-812C-8A15-780B-715C92A9D6C2}"/>
                 </a:ext>
               </a:extLst>
             </p:cNvPr>
@@ -8059,12 +8177,12 @@
             <p:nvPr/>
           </p:nvPicPr>
           <p:blipFill>
-            <a:blip r:embed="rId3" cstate="print">
+            <a:blip r:embed="rId5" cstate="print">
               <a:lum bright="70000" contrast="-70000"/>
               <a:extLst>
                 <a:ext uri="{BEBA8EAE-BF5A-486C-A8C5-ECC9F3942E4B}">
                   <a14:imgProps xmlns:a14="http://schemas.microsoft.com/office/drawing/2010/main">
-                    <a14:imgLayer r:embed="rId4">
+                    <a14:imgLayer r:embed="rId6">
                       <a14:imgEffect>
                         <a14:artisticPhotocopy/>
                       </a14:imgEffect>
@@ -8100,98 +8218,6 @@
             <a:solidFill>
               <a:srgbClr val="004B8D"/>
             </a:solidFill>
-          </p:spPr>
-        </p:pic>
-      </p:grpSp>
-      <p:grpSp>
-        <p:nvGrpSpPr>
-          <p:cNvPr id="18" name="Group 17">
-            <a:extLst>
-              <a:ext uri="{FF2B5EF4-FFF2-40B4-BE49-F238E27FC236}">
-                <a16:creationId xmlns:a16="http://schemas.microsoft.com/office/drawing/2014/main" id="{14D2BF5B-6D58-206A-F500-59F1D48D6064}"/>
-              </a:ext>
-            </a:extLst>
-          </p:cNvPr>
-          <p:cNvGrpSpPr/>
-          <p:nvPr/>
-        </p:nvGrpSpPr>
-        <p:grpSpPr>
-          <a:xfrm>
-            <a:off x="191344" y="6381328"/>
-            <a:ext cx="3312368" cy="276107"/>
-            <a:chOff x="3719736" y="328470"/>
-            <a:chExt cx="4754803" cy="396343"/>
-          </a:xfrm>
-        </p:grpSpPr>
-        <p:pic>
-          <p:nvPicPr>
-            <p:cNvPr id="19" name="Picture 18">
-              <a:extLst>
-                <a:ext uri="{FF2B5EF4-FFF2-40B4-BE49-F238E27FC236}">
-                  <a16:creationId xmlns:a16="http://schemas.microsoft.com/office/drawing/2014/main" id="{B105F02E-20FD-EE41-26B6-7043E046CC0B}"/>
-                </a:ext>
-              </a:extLst>
-            </p:cNvPr>
-            <p:cNvPicPr>
-              <a:picLocks noChangeAspect="1"/>
-            </p:cNvPicPr>
-            <p:nvPr/>
-          </p:nvPicPr>
-          <p:blipFill>
-            <a:blip r:embed="rId5" cstate="print">
-              <a:extLst>
-                <a:ext uri="{28A0092B-C50C-407E-A947-70E740481C1C}">
-                  <a14:useLocalDpi xmlns:a14="http://schemas.microsoft.com/office/drawing/2010/main" val="0"/>
-                </a:ext>
-              </a:extLst>
-            </a:blip>
-            <a:stretch>
-              <a:fillRect/>
-            </a:stretch>
-          </p:blipFill>
-          <p:spPr>
-            <a:xfrm>
-              <a:off x="3719736" y="328470"/>
-              <a:ext cx="3030311" cy="392158"/>
-            </a:xfrm>
-            <a:prstGeom prst="rect">
-              <a:avLst/>
-            </a:prstGeom>
-          </p:spPr>
-        </p:pic>
-        <p:pic>
-          <p:nvPicPr>
-            <p:cNvPr id="20" name="Picture 19" descr="A blue text on a black background&#10;&#10;Description automatically generated with low confidence">
-              <a:extLst>
-                <a:ext uri="{FF2B5EF4-FFF2-40B4-BE49-F238E27FC236}">
-                  <a16:creationId xmlns:a16="http://schemas.microsoft.com/office/drawing/2014/main" id="{FC2C347B-A107-FE3B-0E6E-4634C115D5D1}"/>
-                </a:ext>
-              </a:extLst>
-            </p:cNvPr>
-            <p:cNvPicPr>
-              <a:picLocks noChangeAspect="1"/>
-            </p:cNvPicPr>
-            <p:nvPr/>
-          </p:nvPicPr>
-          <p:blipFill rotWithShape="1">
-            <a:blip r:embed="rId6" cstate="print">
-              <a:extLst>
-                <a:ext uri="{28A0092B-C50C-407E-A947-70E740481C1C}">
-                  <a14:useLocalDpi xmlns:a14="http://schemas.microsoft.com/office/drawing/2010/main" val="0"/>
-                </a:ext>
-              </a:extLst>
-            </a:blip>
-            <a:srcRect l="28239" r="1"/>
-            <a:stretch/>
-          </p:blipFill>
-          <p:spPr>
-            <a:xfrm>
-              <a:off x="6816080" y="332656"/>
-              <a:ext cx="1658459" cy="392157"/>
-            </a:xfrm>
-            <a:prstGeom prst="rect">
-              <a:avLst/>
-            </a:prstGeom>
           </p:spPr>
         </p:pic>
       </p:grpSp>
@@ -8294,8 +8320,8 @@
             </a:pPr>
             <a:r>
               <a:rPr lang="en-GB" altLang="zh-TW" sz="4800" dirty="0">
-                <a:latin typeface="Century Gothic" panose="020B0502020202020204" pitchFamily="34" charset="0"/>
-                <a:ea typeface="金梅新中楷全字體" panose="02010509060101010101" pitchFamily="49" charset="-120"/>
+                <a:latin typeface="Roboto" panose="02000000000000000000" pitchFamily="2" charset="0"/>
+                <a:ea typeface="Roboto" panose="02000000000000000000" pitchFamily="2" charset="0"/>
               </a:rPr>
               <a:t>Hymn No.</a:t>
             </a:r>
@@ -8367,11 +8393,19 @@
             <a:pPr algn="ctr"/>
             <a:r>
               <a:rPr lang="en-GB" altLang="en-US" sz="4000" b="1" dirty="0">
+                <a:latin typeface="Roboto" panose="02000000000000000000" pitchFamily="2" charset="0"/>
+                <a:ea typeface="Roboto" panose="02000000000000000000" pitchFamily="2" charset="0"/>
+                <a:cs typeface="Segoe UI" panose="020B0502040204020203" pitchFamily="34" charset="0"/>
+              </a:rPr>
+              <a:t>HYMNAL</a:t>
+            </a:r>
+            <a:r>
+              <a:rPr lang="en-GB" altLang="en-US" sz="4000" b="1" dirty="0">
                 <a:latin typeface="Source Sans Pro" panose="020B0503030403020204" pitchFamily="34" charset="0"/>
                 <a:ea typeface="Source Sans Pro" panose="020B0503030403020204" pitchFamily="34" charset="0"/>
                 <a:cs typeface="Segoe UI" panose="020B0502040204020203" pitchFamily="34" charset="0"/>
               </a:rPr>
-              <a:t>HYMNAL </a:t>
+              <a:t> </a:t>
             </a:r>
             <a:r>
               <a:rPr lang="ja-JP" altLang="en-US" sz="4000" b="1" dirty="0">
@@ -8487,7 +8521,7 @@
           <a:prstGeom prst="line">
             <a:avLst/>
           </a:prstGeom>
-          <a:ln w="38100">
+          <a:ln w="19050">
             <a:solidFill>
               <a:srgbClr val="004B8D"/>
             </a:solidFill>
@@ -8510,10 +8544,10 @@
       </p:cxnSp>
       <p:grpSp>
         <p:nvGrpSpPr>
-          <p:cNvPr id="11" name="Group 10">
+          <p:cNvPr id="14" name="Group 13">
             <a:extLst>
               <a:ext uri="{FF2B5EF4-FFF2-40B4-BE49-F238E27FC236}">
-                <a16:creationId xmlns:a16="http://schemas.microsoft.com/office/drawing/2014/main" id="{F4F183C5-3ED9-E762-9F8F-FA5586BC7315}"/>
+                <a16:creationId xmlns:a16="http://schemas.microsoft.com/office/drawing/2014/main" id="{3911759B-A7C6-8804-91FF-0F93B331B372}"/>
               </a:ext>
             </a:extLst>
           </p:cNvPr>
@@ -8522,18 +8556,110 @@
         </p:nvGrpSpPr>
         <p:grpSpPr>
           <a:xfrm>
-            <a:off x="5951984" y="6318094"/>
-            <a:ext cx="6130040" cy="381119"/>
-            <a:chOff x="5951984" y="6318094"/>
-            <a:chExt cx="6130040" cy="381119"/>
+            <a:off x="191344" y="6381328"/>
+            <a:ext cx="3312368" cy="276107"/>
+            <a:chOff x="3719736" y="328470"/>
+            <a:chExt cx="4754803" cy="396343"/>
+          </a:xfrm>
+        </p:grpSpPr>
+        <p:pic>
+          <p:nvPicPr>
+            <p:cNvPr id="16" name="Picture 15">
+              <a:extLst>
+                <a:ext uri="{FF2B5EF4-FFF2-40B4-BE49-F238E27FC236}">
+                  <a16:creationId xmlns:a16="http://schemas.microsoft.com/office/drawing/2014/main" id="{6ED8EFDC-4DF0-C0C0-634A-705600B0CC71}"/>
+                </a:ext>
+              </a:extLst>
+            </p:cNvPr>
+            <p:cNvPicPr>
+              <a:picLocks noChangeAspect="1"/>
+            </p:cNvPicPr>
+            <p:nvPr/>
+          </p:nvPicPr>
+          <p:blipFill>
+            <a:blip r:embed="rId3" cstate="print">
+              <a:extLst>
+                <a:ext uri="{28A0092B-C50C-407E-A947-70E740481C1C}">
+                  <a14:useLocalDpi xmlns:a14="http://schemas.microsoft.com/office/drawing/2010/main" val="0"/>
+                </a:ext>
+              </a:extLst>
+            </a:blip>
+            <a:stretch>
+              <a:fillRect/>
+            </a:stretch>
+          </p:blipFill>
+          <p:spPr>
+            <a:xfrm>
+              <a:off x="3719736" y="328470"/>
+              <a:ext cx="3030311" cy="392158"/>
+            </a:xfrm>
+            <a:prstGeom prst="rect">
+              <a:avLst/>
+            </a:prstGeom>
+          </p:spPr>
+        </p:pic>
+        <p:pic>
+          <p:nvPicPr>
+            <p:cNvPr id="17" name="Picture 16" descr="A blue text on a black background&#10;&#10;Description automatically generated with low confidence">
+              <a:extLst>
+                <a:ext uri="{FF2B5EF4-FFF2-40B4-BE49-F238E27FC236}">
+                  <a16:creationId xmlns:a16="http://schemas.microsoft.com/office/drawing/2014/main" id="{B9EEBFE4-EA73-2472-1C65-58DEC85CCE82}"/>
+                </a:ext>
+              </a:extLst>
+            </p:cNvPr>
+            <p:cNvPicPr>
+              <a:picLocks noChangeAspect="1"/>
+            </p:cNvPicPr>
+            <p:nvPr/>
+          </p:nvPicPr>
+          <p:blipFill rotWithShape="1">
+            <a:blip r:embed="rId4" cstate="print">
+              <a:extLst>
+                <a:ext uri="{28A0092B-C50C-407E-A947-70E740481C1C}">
+                  <a14:useLocalDpi xmlns:a14="http://schemas.microsoft.com/office/drawing/2010/main" val="0"/>
+                </a:ext>
+              </a:extLst>
+            </a:blip>
+            <a:srcRect l="28239" r="1"/>
+            <a:stretch/>
+          </p:blipFill>
+          <p:spPr>
+            <a:xfrm>
+              <a:off x="6816080" y="332656"/>
+              <a:ext cx="1658459" cy="392157"/>
+            </a:xfrm>
+            <a:prstGeom prst="rect">
+              <a:avLst/>
+            </a:prstGeom>
+          </p:spPr>
+        </p:pic>
+      </p:grpSp>
+      <p:grpSp>
+        <p:nvGrpSpPr>
+          <p:cNvPr id="2" name="Group 1">
+            <a:extLst>
+              <a:ext uri="{FF2B5EF4-FFF2-40B4-BE49-F238E27FC236}">
+                <a16:creationId xmlns:a16="http://schemas.microsoft.com/office/drawing/2014/main" id="{5BCA0B0B-98AE-59E1-915A-892F0D493E85}"/>
+              </a:ext>
+            </a:extLst>
+          </p:cNvPr>
+          <p:cNvGrpSpPr/>
+          <p:nvPr/>
+        </p:nvGrpSpPr>
+        <p:grpSpPr>
+          <a:xfrm>
+            <a:off x="5807968" y="6327364"/>
+            <a:ext cx="6264696" cy="381119"/>
+            <a:chOff x="5807968" y="6327364"/>
+            <a:chExt cx="6264696" cy="381119"/>
           </a:xfrm>
         </p:grpSpPr>
         <p:sp>
           <p:nvSpPr>
-            <p:cNvPr id="12" name="TextBox 11">
+            <p:cNvPr id="4" name="TextBox 3">
               <a:extLst>
                 <a:ext uri="{FF2B5EF4-FFF2-40B4-BE49-F238E27FC236}">
-                  <a16:creationId xmlns:a16="http://schemas.microsoft.com/office/drawing/2014/main" id="{62DBDB56-9D21-60BC-B6C6-E46E8A2C9620}"/>
+                  <a16:creationId xmlns:a16="http://schemas.microsoft.com/office/drawing/2014/main" id="{7E8F94B5-C57C-2FD3-B030-399C6EB7ABAD}"/>
                 </a:ext>
               </a:extLst>
             </p:cNvPr>
@@ -8542,8 +8668,8 @@
           </p:nvSpPr>
           <p:spPr>
             <a:xfrm>
-              <a:off x="5951984" y="6318094"/>
-              <a:ext cx="6130040" cy="381119"/>
+              <a:off x="5807968" y="6327364"/>
+              <a:ext cx="6264696" cy="381119"/>
             </a:xfrm>
             <a:prstGeom prst="roundRect">
               <a:avLst>
@@ -8564,18 +8690,18 @@
             <a:lstStyle/>
             <a:p>
               <a:r>
-                <a:rPr lang="en-GB" sz="1600" b="1" dirty="0">
+                <a:rPr lang="en-GB" sz="1600" dirty="0">
                   <a:solidFill>
                     <a:schemeClr val="bg1"/>
                   </a:solidFill>
-                  <a:latin typeface="Source Sans Pro" panose="020B0503030403020204" pitchFamily="34" charset="0"/>
-                  <a:ea typeface="Source Sans Pro" panose="020B0503030403020204" pitchFamily="34" charset="0"/>
+                  <a:latin typeface="Roboto" panose="02000000000000000000" pitchFamily="2" charset="0"/>
+                  <a:ea typeface="Roboto" panose="02000000000000000000" pitchFamily="2" charset="0"/>
                   <a:cs typeface="Segoe UI Semibold" panose="020B0702040204020203" pitchFamily="34" charset="0"/>
                 </a:rPr>
                 <a:t>Please Turn Off/Silence Your Devices </a:t>
               </a:r>
               <a:r>
-                <a:rPr lang="zh-TW" altLang="en-US" sz="1600" b="1" dirty="0">
+                <a:rPr lang="zh-TW" altLang="en-US" sz="1600" dirty="0">
                   <a:solidFill>
                     <a:schemeClr val="bg1"/>
                   </a:solidFill>
@@ -8584,7 +8710,7 @@
                 </a:rPr>
                 <a:t>請靜音或關閉所有電子設備</a:t>
               </a:r>
-              <a:endParaRPr lang="ja-JP" altLang="en-US" sz="1600" b="1" dirty="0">
+              <a:endParaRPr lang="ja-JP" altLang="en-US" sz="1600" dirty="0">
                 <a:solidFill>
                   <a:schemeClr val="bg1"/>
                 </a:solidFill>
@@ -8596,10 +8722,10 @@
         </p:sp>
         <p:pic>
           <p:nvPicPr>
-            <p:cNvPr id="13" name="Picture 12" descr="Shape&#10;&#10;Description automatically generated with low confidence">
+            <p:cNvPr id="5" name="Picture 4" descr="Shape&#10;&#10;Description automatically generated with low confidence">
               <a:extLst>
                 <a:ext uri="{FF2B5EF4-FFF2-40B4-BE49-F238E27FC236}">
-                  <a16:creationId xmlns:a16="http://schemas.microsoft.com/office/drawing/2014/main" id="{04537517-CAC7-D7A3-2323-B2EE8031BA44}"/>
+                  <a16:creationId xmlns:a16="http://schemas.microsoft.com/office/drawing/2014/main" id="{CCD3F959-C1F4-C385-A2F7-EF95F49873D3}"/>
                 </a:ext>
               </a:extLst>
             </p:cNvPr>
@@ -8609,12 +8735,12 @@
             <p:nvPr/>
           </p:nvPicPr>
           <p:blipFill>
-            <a:blip r:embed="rId3" cstate="print">
+            <a:blip r:embed="rId5" cstate="print">
               <a:lum bright="70000" contrast="-70000"/>
               <a:extLst>
                 <a:ext uri="{BEBA8EAE-BF5A-486C-A8C5-ECC9F3942E4B}">
                   <a14:imgProps xmlns:a14="http://schemas.microsoft.com/office/drawing/2010/main">
-                    <a14:imgLayer r:embed="rId4">
+                    <a14:imgLayer r:embed="rId6">
                       <a14:imgEffect>
                         <a14:artisticPhotocopy/>
                       </a14:imgEffect>
@@ -8650,98 +8776,6 @@
             <a:solidFill>
               <a:srgbClr val="004B8D"/>
             </a:solidFill>
-          </p:spPr>
-        </p:pic>
-      </p:grpSp>
-      <p:grpSp>
-        <p:nvGrpSpPr>
-          <p:cNvPr id="14" name="Group 13">
-            <a:extLst>
-              <a:ext uri="{FF2B5EF4-FFF2-40B4-BE49-F238E27FC236}">
-                <a16:creationId xmlns:a16="http://schemas.microsoft.com/office/drawing/2014/main" id="{3911759B-A7C6-8804-91FF-0F93B331B372}"/>
-              </a:ext>
-            </a:extLst>
-          </p:cNvPr>
-          <p:cNvGrpSpPr/>
-          <p:nvPr/>
-        </p:nvGrpSpPr>
-        <p:grpSpPr>
-          <a:xfrm>
-            <a:off x="191344" y="6381328"/>
-            <a:ext cx="3312368" cy="276107"/>
-            <a:chOff x="3719736" y="328470"/>
-            <a:chExt cx="4754803" cy="396343"/>
-          </a:xfrm>
-        </p:grpSpPr>
-        <p:pic>
-          <p:nvPicPr>
-            <p:cNvPr id="16" name="Picture 15">
-              <a:extLst>
-                <a:ext uri="{FF2B5EF4-FFF2-40B4-BE49-F238E27FC236}">
-                  <a16:creationId xmlns:a16="http://schemas.microsoft.com/office/drawing/2014/main" id="{6ED8EFDC-4DF0-C0C0-634A-705600B0CC71}"/>
-                </a:ext>
-              </a:extLst>
-            </p:cNvPr>
-            <p:cNvPicPr>
-              <a:picLocks noChangeAspect="1"/>
-            </p:cNvPicPr>
-            <p:nvPr/>
-          </p:nvPicPr>
-          <p:blipFill>
-            <a:blip r:embed="rId5" cstate="print">
-              <a:extLst>
-                <a:ext uri="{28A0092B-C50C-407E-A947-70E740481C1C}">
-                  <a14:useLocalDpi xmlns:a14="http://schemas.microsoft.com/office/drawing/2010/main" val="0"/>
-                </a:ext>
-              </a:extLst>
-            </a:blip>
-            <a:stretch>
-              <a:fillRect/>
-            </a:stretch>
-          </p:blipFill>
-          <p:spPr>
-            <a:xfrm>
-              <a:off x="3719736" y="328470"/>
-              <a:ext cx="3030311" cy="392158"/>
-            </a:xfrm>
-            <a:prstGeom prst="rect">
-              <a:avLst/>
-            </a:prstGeom>
-          </p:spPr>
-        </p:pic>
-        <p:pic>
-          <p:nvPicPr>
-            <p:cNvPr id="17" name="Picture 16" descr="A blue text on a black background&#10;&#10;Description automatically generated with low confidence">
-              <a:extLst>
-                <a:ext uri="{FF2B5EF4-FFF2-40B4-BE49-F238E27FC236}">
-                  <a16:creationId xmlns:a16="http://schemas.microsoft.com/office/drawing/2014/main" id="{B9EEBFE4-EA73-2472-1C65-58DEC85CCE82}"/>
-                </a:ext>
-              </a:extLst>
-            </p:cNvPr>
-            <p:cNvPicPr>
-              <a:picLocks noChangeAspect="1"/>
-            </p:cNvPicPr>
-            <p:nvPr/>
-          </p:nvPicPr>
-          <p:blipFill rotWithShape="1">
-            <a:blip r:embed="rId6" cstate="print">
-              <a:extLst>
-                <a:ext uri="{28A0092B-C50C-407E-A947-70E740481C1C}">
-                  <a14:useLocalDpi xmlns:a14="http://schemas.microsoft.com/office/drawing/2010/main" val="0"/>
-                </a:ext>
-              </a:extLst>
-            </a:blip>
-            <a:srcRect l="28239" r="1"/>
-            <a:stretch/>
-          </p:blipFill>
-          <p:spPr>
-            <a:xfrm>
-              <a:off x="6816080" y="332656"/>
-              <a:ext cx="1658459" cy="392157"/>
-            </a:xfrm>
-            <a:prstGeom prst="rect">
-              <a:avLst/>
-            </a:prstGeom>
           </p:spPr>
         </p:pic>
       </p:grpSp>
@@ -8839,8 +8873,8 @@
           <a:p>
             <a:pPr algn="ctr"/>
             <a:endParaRPr lang="en-GB" altLang="zh-TW" sz="3200" dirty="0">
-              <a:latin typeface="Source Sans Pro" panose="020B0503030403020204" pitchFamily="34" charset="0"/>
-              <a:ea typeface="Source Sans Pro" panose="020B0503030403020204" pitchFamily="34" charset="0"/>
+              <a:latin typeface="Roboto" panose="02000000000000000000" pitchFamily="2" charset="0"/>
+              <a:ea typeface="Roboto" panose="02000000000000000000" pitchFamily="2" charset="0"/>
             </a:endParaRPr>
           </a:p>
         </p:txBody>
@@ -8910,8 +8944,8 @@
             <a:pPr algn="ctr"/>
             <a:r>
               <a:rPr lang="en-GB" altLang="en-US" sz="2800" b="1" dirty="0">
-                <a:latin typeface="Source Sans Pro" panose="020B0503030403020204" pitchFamily="34" charset="0"/>
-                <a:ea typeface="Source Sans Pro" panose="020B0503030403020204" pitchFamily="34" charset="0"/>
+                <a:latin typeface="Roboto" panose="02000000000000000000" pitchFamily="2" charset="0"/>
+                <a:ea typeface="Roboto" panose="02000000000000000000" pitchFamily="2" charset="0"/>
                 <a:cs typeface="Segoe UI" panose="020B0502040204020203" pitchFamily="34" charset="0"/>
               </a:rPr>
               <a:t>PRAYER REQUESTS </a:t>
@@ -8954,7 +8988,7 @@
           <a:prstGeom prst="line">
             <a:avLst/>
           </a:prstGeom>
-          <a:ln w="38100">
+          <a:ln w="19050">
             <a:solidFill>
               <a:srgbClr val="004B8D"/>
             </a:solidFill>
@@ -8977,10 +9011,10 @@
       </p:cxnSp>
       <p:grpSp>
         <p:nvGrpSpPr>
-          <p:cNvPr id="9" name="Group 8">
+          <p:cNvPr id="14" name="Group 13">
             <a:extLst>
               <a:ext uri="{FF2B5EF4-FFF2-40B4-BE49-F238E27FC236}">
-                <a16:creationId xmlns:a16="http://schemas.microsoft.com/office/drawing/2014/main" id="{2EF57000-0D73-1528-7661-C8EF84183CF2}"/>
+                <a16:creationId xmlns:a16="http://schemas.microsoft.com/office/drawing/2014/main" id="{3D332699-DD03-D5CA-D3EC-0D5647EBBA57}"/>
               </a:ext>
             </a:extLst>
           </p:cNvPr>
@@ -8989,18 +9023,110 @@
         </p:nvGrpSpPr>
         <p:grpSpPr>
           <a:xfrm>
-            <a:off x="5951984" y="6318094"/>
-            <a:ext cx="6130040" cy="381119"/>
-            <a:chOff x="5951984" y="6318094"/>
-            <a:chExt cx="6130040" cy="381119"/>
+            <a:off x="191344" y="6381328"/>
+            <a:ext cx="3312368" cy="276107"/>
+            <a:chOff x="3719736" y="328470"/>
+            <a:chExt cx="4754803" cy="396343"/>
+          </a:xfrm>
+        </p:grpSpPr>
+        <p:pic>
+          <p:nvPicPr>
+            <p:cNvPr id="15" name="Picture 14">
+              <a:extLst>
+                <a:ext uri="{FF2B5EF4-FFF2-40B4-BE49-F238E27FC236}">
+                  <a16:creationId xmlns:a16="http://schemas.microsoft.com/office/drawing/2014/main" id="{C720BD72-31C1-03E9-CE55-B467603EDF59}"/>
+                </a:ext>
+              </a:extLst>
+            </p:cNvPr>
+            <p:cNvPicPr>
+              <a:picLocks noChangeAspect="1"/>
+            </p:cNvPicPr>
+            <p:nvPr/>
+          </p:nvPicPr>
+          <p:blipFill>
+            <a:blip r:embed="rId3" cstate="print">
+              <a:extLst>
+                <a:ext uri="{28A0092B-C50C-407E-A947-70E740481C1C}">
+                  <a14:useLocalDpi xmlns:a14="http://schemas.microsoft.com/office/drawing/2010/main" val="0"/>
+                </a:ext>
+              </a:extLst>
+            </a:blip>
+            <a:stretch>
+              <a:fillRect/>
+            </a:stretch>
+          </p:blipFill>
+          <p:spPr>
+            <a:xfrm>
+              <a:off x="3719736" y="328470"/>
+              <a:ext cx="3030311" cy="392158"/>
+            </a:xfrm>
+            <a:prstGeom prst="rect">
+              <a:avLst/>
+            </a:prstGeom>
+          </p:spPr>
+        </p:pic>
+        <p:pic>
+          <p:nvPicPr>
+            <p:cNvPr id="16" name="Picture 15" descr="A blue text on a black background&#10;&#10;Description automatically generated with low confidence">
+              <a:extLst>
+                <a:ext uri="{FF2B5EF4-FFF2-40B4-BE49-F238E27FC236}">
+                  <a16:creationId xmlns:a16="http://schemas.microsoft.com/office/drawing/2014/main" id="{8D11CD00-EB4D-CD0F-527B-4F26520F980F}"/>
+                </a:ext>
+              </a:extLst>
+            </p:cNvPr>
+            <p:cNvPicPr>
+              <a:picLocks noChangeAspect="1"/>
+            </p:cNvPicPr>
+            <p:nvPr/>
+          </p:nvPicPr>
+          <p:blipFill rotWithShape="1">
+            <a:blip r:embed="rId4" cstate="print">
+              <a:extLst>
+                <a:ext uri="{28A0092B-C50C-407E-A947-70E740481C1C}">
+                  <a14:useLocalDpi xmlns:a14="http://schemas.microsoft.com/office/drawing/2010/main" val="0"/>
+                </a:ext>
+              </a:extLst>
+            </a:blip>
+            <a:srcRect l="28239" r="1"/>
+            <a:stretch/>
+          </p:blipFill>
+          <p:spPr>
+            <a:xfrm>
+              <a:off x="6816080" y="332656"/>
+              <a:ext cx="1658459" cy="392157"/>
+            </a:xfrm>
+            <a:prstGeom prst="rect">
+              <a:avLst/>
+            </a:prstGeom>
+          </p:spPr>
+        </p:pic>
+      </p:grpSp>
+      <p:grpSp>
+        <p:nvGrpSpPr>
+          <p:cNvPr id="2" name="Group 1">
+            <a:extLst>
+              <a:ext uri="{FF2B5EF4-FFF2-40B4-BE49-F238E27FC236}">
+                <a16:creationId xmlns:a16="http://schemas.microsoft.com/office/drawing/2014/main" id="{5F6C5687-CD33-A6A1-A0DA-8DE6F87B2B5A}"/>
+              </a:ext>
+            </a:extLst>
+          </p:cNvPr>
+          <p:cNvGrpSpPr/>
+          <p:nvPr/>
+        </p:nvGrpSpPr>
+        <p:grpSpPr>
+          <a:xfrm>
+            <a:off x="5807968" y="6327364"/>
+            <a:ext cx="6264696" cy="381119"/>
+            <a:chOff x="5807968" y="6327364"/>
+            <a:chExt cx="6264696" cy="381119"/>
           </a:xfrm>
         </p:grpSpPr>
         <p:sp>
           <p:nvSpPr>
-            <p:cNvPr id="10" name="TextBox 9">
+            <p:cNvPr id="4" name="TextBox 3">
               <a:extLst>
                 <a:ext uri="{FF2B5EF4-FFF2-40B4-BE49-F238E27FC236}">
-                  <a16:creationId xmlns:a16="http://schemas.microsoft.com/office/drawing/2014/main" id="{B3CB4E3F-A187-31E5-11E8-7B677D21C0C6}"/>
+                  <a16:creationId xmlns:a16="http://schemas.microsoft.com/office/drawing/2014/main" id="{E6A1E79F-0D9F-0223-4FDD-F9A68520AA54}"/>
                 </a:ext>
               </a:extLst>
             </p:cNvPr>
@@ -9009,8 +9135,8 @@
           </p:nvSpPr>
           <p:spPr>
             <a:xfrm>
-              <a:off x="5951984" y="6318094"/>
-              <a:ext cx="6130040" cy="381119"/>
+              <a:off x="5807968" y="6327364"/>
+              <a:ext cx="6264696" cy="381119"/>
             </a:xfrm>
             <a:prstGeom prst="roundRect">
               <a:avLst>
@@ -9031,18 +9157,18 @@
             <a:lstStyle/>
             <a:p>
               <a:r>
-                <a:rPr lang="en-GB" sz="1600" b="1" dirty="0">
+                <a:rPr lang="en-GB" sz="1600" dirty="0">
                   <a:solidFill>
                     <a:schemeClr val="bg1"/>
                   </a:solidFill>
-                  <a:latin typeface="Source Sans Pro" panose="020B0503030403020204" pitchFamily="34" charset="0"/>
-                  <a:ea typeface="Source Sans Pro" panose="020B0503030403020204" pitchFamily="34" charset="0"/>
+                  <a:latin typeface="Roboto" panose="02000000000000000000" pitchFamily="2" charset="0"/>
+                  <a:ea typeface="Roboto" panose="02000000000000000000" pitchFamily="2" charset="0"/>
                   <a:cs typeface="Segoe UI Semibold" panose="020B0702040204020203" pitchFamily="34" charset="0"/>
                 </a:rPr>
                 <a:t>Please Turn Off/Silence Your Devices </a:t>
               </a:r>
               <a:r>
-                <a:rPr lang="zh-TW" altLang="en-US" sz="1600" b="1" dirty="0">
+                <a:rPr lang="zh-TW" altLang="en-US" sz="1600" dirty="0">
                   <a:solidFill>
                     <a:schemeClr val="bg1"/>
                   </a:solidFill>
@@ -9051,7 +9177,7 @@
                 </a:rPr>
                 <a:t>請靜音或關閉所有電子設備</a:t>
               </a:r>
-              <a:endParaRPr lang="ja-JP" altLang="en-US" sz="1600" b="1" dirty="0">
+              <a:endParaRPr lang="ja-JP" altLang="en-US" sz="1600" dirty="0">
                 <a:solidFill>
                   <a:schemeClr val="bg1"/>
                 </a:solidFill>
@@ -9063,10 +9189,10 @@
         </p:sp>
         <p:pic>
           <p:nvPicPr>
-            <p:cNvPr id="12" name="Picture 11" descr="Shape&#10;&#10;Description automatically generated with low confidence">
+            <p:cNvPr id="5" name="Picture 4" descr="Shape&#10;&#10;Description automatically generated with low confidence">
               <a:extLst>
                 <a:ext uri="{FF2B5EF4-FFF2-40B4-BE49-F238E27FC236}">
-                  <a16:creationId xmlns:a16="http://schemas.microsoft.com/office/drawing/2014/main" id="{6BDE222E-477F-DABC-688B-6CA8472B6B6D}"/>
+                  <a16:creationId xmlns:a16="http://schemas.microsoft.com/office/drawing/2014/main" id="{44EA96AE-5C19-DFB2-7B46-B9D6CFD2640A}"/>
                 </a:ext>
               </a:extLst>
             </p:cNvPr>
@@ -9076,12 +9202,12 @@
             <p:nvPr/>
           </p:nvPicPr>
           <p:blipFill>
-            <a:blip r:embed="rId3" cstate="print">
+            <a:blip r:embed="rId5" cstate="print">
               <a:lum bright="70000" contrast="-70000"/>
               <a:extLst>
                 <a:ext uri="{BEBA8EAE-BF5A-486C-A8C5-ECC9F3942E4B}">
                   <a14:imgProps xmlns:a14="http://schemas.microsoft.com/office/drawing/2010/main">
-                    <a14:imgLayer r:embed="rId4">
+                    <a14:imgLayer r:embed="rId6">
                       <a14:imgEffect>
                         <a14:artisticPhotocopy/>
                       </a14:imgEffect>
@@ -9117,98 +9243,6 @@
             <a:solidFill>
               <a:srgbClr val="004B8D"/>
             </a:solidFill>
-          </p:spPr>
-        </p:pic>
-      </p:grpSp>
-      <p:grpSp>
-        <p:nvGrpSpPr>
-          <p:cNvPr id="14" name="Group 13">
-            <a:extLst>
-              <a:ext uri="{FF2B5EF4-FFF2-40B4-BE49-F238E27FC236}">
-                <a16:creationId xmlns:a16="http://schemas.microsoft.com/office/drawing/2014/main" id="{3D332699-DD03-D5CA-D3EC-0D5647EBBA57}"/>
-              </a:ext>
-            </a:extLst>
-          </p:cNvPr>
-          <p:cNvGrpSpPr/>
-          <p:nvPr/>
-        </p:nvGrpSpPr>
-        <p:grpSpPr>
-          <a:xfrm>
-            <a:off x="191344" y="6381328"/>
-            <a:ext cx="3312368" cy="276107"/>
-            <a:chOff x="3719736" y="328470"/>
-            <a:chExt cx="4754803" cy="396343"/>
-          </a:xfrm>
-        </p:grpSpPr>
-        <p:pic>
-          <p:nvPicPr>
-            <p:cNvPr id="15" name="Picture 14">
-              <a:extLst>
-                <a:ext uri="{FF2B5EF4-FFF2-40B4-BE49-F238E27FC236}">
-                  <a16:creationId xmlns:a16="http://schemas.microsoft.com/office/drawing/2014/main" id="{C720BD72-31C1-03E9-CE55-B467603EDF59}"/>
-                </a:ext>
-              </a:extLst>
-            </p:cNvPr>
-            <p:cNvPicPr>
-              <a:picLocks noChangeAspect="1"/>
-            </p:cNvPicPr>
-            <p:nvPr/>
-          </p:nvPicPr>
-          <p:blipFill>
-            <a:blip r:embed="rId5" cstate="print">
-              <a:extLst>
-                <a:ext uri="{28A0092B-C50C-407E-A947-70E740481C1C}">
-                  <a14:useLocalDpi xmlns:a14="http://schemas.microsoft.com/office/drawing/2010/main" val="0"/>
-                </a:ext>
-              </a:extLst>
-            </a:blip>
-            <a:stretch>
-              <a:fillRect/>
-            </a:stretch>
-          </p:blipFill>
-          <p:spPr>
-            <a:xfrm>
-              <a:off x="3719736" y="328470"/>
-              <a:ext cx="3030311" cy="392158"/>
-            </a:xfrm>
-            <a:prstGeom prst="rect">
-              <a:avLst/>
-            </a:prstGeom>
-          </p:spPr>
-        </p:pic>
-        <p:pic>
-          <p:nvPicPr>
-            <p:cNvPr id="16" name="Picture 15" descr="A blue text on a black background&#10;&#10;Description automatically generated with low confidence">
-              <a:extLst>
-                <a:ext uri="{FF2B5EF4-FFF2-40B4-BE49-F238E27FC236}">
-                  <a16:creationId xmlns:a16="http://schemas.microsoft.com/office/drawing/2014/main" id="{8D11CD00-EB4D-CD0F-527B-4F26520F980F}"/>
-                </a:ext>
-              </a:extLst>
-            </p:cNvPr>
-            <p:cNvPicPr>
-              <a:picLocks noChangeAspect="1"/>
-            </p:cNvPicPr>
-            <p:nvPr/>
-          </p:nvPicPr>
-          <p:blipFill rotWithShape="1">
-            <a:blip r:embed="rId6" cstate="print">
-              <a:extLst>
-                <a:ext uri="{28A0092B-C50C-407E-A947-70E740481C1C}">
-                  <a14:useLocalDpi xmlns:a14="http://schemas.microsoft.com/office/drawing/2010/main" val="0"/>
-                </a:ext>
-              </a:extLst>
-            </a:blip>
-            <a:srcRect l="28239" r="1"/>
-            <a:stretch/>
-          </p:blipFill>
-          <p:spPr>
-            <a:xfrm>
-              <a:off x="6816080" y="332656"/>
-              <a:ext cx="1658459" cy="392157"/>
-            </a:xfrm>
-            <a:prstGeom prst="rect">
-              <a:avLst/>
-            </a:prstGeom>
           </p:spPr>
         </p:pic>
       </p:grpSp>
@@ -9301,8 +9335,8 @@
           <a:p>
             <a:pPr algn="ctr"/>
             <a:endParaRPr lang="en-GB" altLang="zh-TW" sz="3200" dirty="0">
-              <a:latin typeface="Source Sans Pro" panose="020B0503030403020204" pitchFamily="34" charset="0"/>
-              <a:ea typeface="Source Sans Pro" panose="020B0503030403020204" pitchFamily="34" charset="0"/>
+              <a:latin typeface="Roboto" panose="02000000000000000000" pitchFamily="2" charset="0"/>
+              <a:ea typeface="Roboto" panose="02000000000000000000" pitchFamily="2" charset="0"/>
             </a:endParaRPr>
           </a:p>
         </p:txBody>
@@ -9372,16 +9406,16 @@
             <a:pPr algn="ctr"/>
             <a:r>
               <a:rPr lang="en-GB" altLang="en-US" sz="2800" b="1" dirty="0">
-                <a:latin typeface="Source Sans Pro" panose="020B0503030403020204" pitchFamily="34" charset="0"/>
-                <a:ea typeface="Source Sans Pro" panose="020B0503030403020204" pitchFamily="34" charset="0"/>
+                <a:latin typeface="Roboto" panose="02000000000000000000" pitchFamily="2" charset="0"/>
+                <a:ea typeface="Roboto" panose="02000000000000000000" pitchFamily="2" charset="0"/>
                 <a:cs typeface="Segoe UI" panose="020B0502040204020203" pitchFamily="34" charset="0"/>
               </a:rPr>
               <a:t>ANNOUNCEMENTS</a:t>
             </a:r>
             <a:r>
               <a:rPr lang="en-GB" altLang="en-US" sz="2800" b="1" dirty="0">
-                <a:latin typeface="Source Sans Pro" panose="020B0503030403020204" pitchFamily="34" charset="0"/>
-                <a:ea typeface="Source Sans Pro" panose="020B0503030403020204" pitchFamily="34" charset="0"/>
+                <a:latin typeface="Roboto" panose="02000000000000000000" pitchFamily="2" charset="0"/>
+                <a:ea typeface="Roboto" panose="02000000000000000000" pitchFamily="2" charset="0"/>
               </a:rPr>
               <a:t> </a:t>
             </a:r>
@@ -9421,7 +9455,7 @@
           <a:prstGeom prst="line">
             <a:avLst/>
           </a:prstGeom>
-          <a:ln w="38100">
+          <a:ln w="19050">
             <a:solidFill>
               <a:srgbClr val="004B8D"/>
             </a:solidFill>
@@ -9444,10 +9478,10 @@
       </p:cxnSp>
       <p:grpSp>
         <p:nvGrpSpPr>
-          <p:cNvPr id="2" name="Group 1">
+          <p:cNvPr id="14" name="Group 13">
             <a:extLst>
               <a:ext uri="{FF2B5EF4-FFF2-40B4-BE49-F238E27FC236}">
-                <a16:creationId xmlns:a16="http://schemas.microsoft.com/office/drawing/2014/main" id="{25583494-A4A7-E1A3-30DD-55BE5A8F8715}"/>
+                <a16:creationId xmlns:a16="http://schemas.microsoft.com/office/drawing/2014/main" id="{CDB6F33C-2A84-5482-333C-60222242A092}"/>
               </a:ext>
             </a:extLst>
           </p:cNvPr>
@@ -9456,18 +9490,110 @@
         </p:nvGrpSpPr>
         <p:grpSpPr>
           <a:xfrm>
-            <a:off x="5951984" y="6318094"/>
-            <a:ext cx="6130040" cy="381119"/>
-            <a:chOff x="5951984" y="6318094"/>
-            <a:chExt cx="6130040" cy="381119"/>
+            <a:off x="191344" y="6381328"/>
+            <a:ext cx="3312368" cy="276107"/>
+            <a:chOff x="3719736" y="328470"/>
+            <a:chExt cx="4754803" cy="396343"/>
+          </a:xfrm>
+        </p:grpSpPr>
+        <p:pic>
+          <p:nvPicPr>
+            <p:cNvPr id="15" name="Picture 14">
+              <a:extLst>
+                <a:ext uri="{FF2B5EF4-FFF2-40B4-BE49-F238E27FC236}">
+                  <a16:creationId xmlns:a16="http://schemas.microsoft.com/office/drawing/2014/main" id="{DB3A339E-31CA-53FE-DCC3-F6516E0FFE54}"/>
+                </a:ext>
+              </a:extLst>
+            </p:cNvPr>
+            <p:cNvPicPr>
+              <a:picLocks noChangeAspect="1"/>
+            </p:cNvPicPr>
+            <p:nvPr/>
+          </p:nvPicPr>
+          <p:blipFill>
+            <a:blip r:embed="rId3" cstate="print">
+              <a:extLst>
+                <a:ext uri="{28A0092B-C50C-407E-A947-70E740481C1C}">
+                  <a14:useLocalDpi xmlns:a14="http://schemas.microsoft.com/office/drawing/2010/main" val="0"/>
+                </a:ext>
+              </a:extLst>
+            </a:blip>
+            <a:stretch>
+              <a:fillRect/>
+            </a:stretch>
+          </p:blipFill>
+          <p:spPr>
+            <a:xfrm>
+              <a:off x="3719736" y="328470"/>
+              <a:ext cx="3030311" cy="392158"/>
+            </a:xfrm>
+            <a:prstGeom prst="rect">
+              <a:avLst/>
+            </a:prstGeom>
+          </p:spPr>
+        </p:pic>
+        <p:pic>
+          <p:nvPicPr>
+            <p:cNvPr id="16" name="Picture 15" descr="A blue text on a black background&#10;&#10;Description automatically generated with low confidence">
+              <a:extLst>
+                <a:ext uri="{FF2B5EF4-FFF2-40B4-BE49-F238E27FC236}">
+                  <a16:creationId xmlns:a16="http://schemas.microsoft.com/office/drawing/2014/main" id="{D62A02D3-0C97-A2A6-7C37-D95C56FC8728}"/>
+                </a:ext>
+              </a:extLst>
+            </p:cNvPr>
+            <p:cNvPicPr>
+              <a:picLocks noChangeAspect="1"/>
+            </p:cNvPicPr>
+            <p:nvPr/>
+          </p:nvPicPr>
+          <p:blipFill rotWithShape="1">
+            <a:blip r:embed="rId4" cstate="print">
+              <a:extLst>
+                <a:ext uri="{28A0092B-C50C-407E-A947-70E740481C1C}">
+                  <a14:useLocalDpi xmlns:a14="http://schemas.microsoft.com/office/drawing/2010/main" val="0"/>
+                </a:ext>
+              </a:extLst>
+            </a:blip>
+            <a:srcRect l="28239" r="1"/>
+            <a:stretch/>
+          </p:blipFill>
+          <p:spPr>
+            <a:xfrm>
+              <a:off x="6816080" y="332656"/>
+              <a:ext cx="1658459" cy="392157"/>
+            </a:xfrm>
+            <a:prstGeom prst="rect">
+              <a:avLst/>
+            </a:prstGeom>
+          </p:spPr>
+        </p:pic>
+      </p:grpSp>
+      <p:grpSp>
+        <p:nvGrpSpPr>
+          <p:cNvPr id="6" name="Group 5">
+            <a:extLst>
+              <a:ext uri="{FF2B5EF4-FFF2-40B4-BE49-F238E27FC236}">
+                <a16:creationId xmlns:a16="http://schemas.microsoft.com/office/drawing/2014/main" id="{B9011AB9-798B-3EEF-D4DB-3B6D008A25B8}"/>
+              </a:ext>
+            </a:extLst>
+          </p:cNvPr>
+          <p:cNvGrpSpPr/>
+          <p:nvPr/>
+        </p:nvGrpSpPr>
+        <p:grpSpPr>
+          <a:xfrm>
+            <a:off x="5807968" y="6327364"/>
+            <a:ext cx="6264696" cy="381119"/>
+            <a:chOff x="5807968" y="6327364"/>
+            <a:chExt cx="6264696" cy="381119"/>
           </a:xfrm>
         </p:grpSpPr>
         <p:sp>
           <p:nvSpPr>
-            <p:cNvPr id="3" name="TextBox 2">
+            <p:cNvPr id="7" name="TextBox 6">
               <a:extLst>
                 <a:ext uri="{FF2B5EF4-FFF2-40B4-BE49-F238E27FC236}">
-                  <a16:creationId xmlns:a16="http://schemas.microsoft.com/office/drawing/2014/main" id="{CA665FB4-42D0-C154-F14A-E1EE732FE24A}"/>
+                  <a16:creationId xmlns:a16="http://schemas.microsoft.com/office/drawing/2014/main" id="{36536680-46C7-1F27-4772-238E5283DEF0}"/>
                 </a:ext>
               </a:extLst>
             </p:cNvPr>
@@ -9476,8 +9602,8 @@
           </p:nvSpPr>
           <p:spPr>
             <a:xfrm>
-              <a:off x="5951984" y="6318094"/>
-              <a:ext cx="6130040" cy="381119"/>
+              <a:off x="5807968" y="6327364"/>
+              <a:ext cx="6264696" cy="381119"/>
             </a:xfrm>
             <a:prstGeom prst="roundRect">
               <a:avLst>
@@ -9498,18 +9624,18 @@
             <a:lstStyle/>
             <a:p>
               <a:r>
-                <a:rPr lang="en-GB" sz="1600" b="1" dirty="0">
+                <a:rPr lang="en-GB" sz="1600" dirty="0">
                   <a:solidFill>
                     <a:schemeClr val="bg1"/>
                   </a:solidFill>
-                  <a:latin typeface="Source Sans Pro" panose="020B0503030403020204" pitchFamily="34" charset="0"/>
-                  <a:ea typeface="Source Sans Pro" panose="020B0503030403020204" pitchFamily="34" charset="0"/>
+                  <a:latin typeface="Roboto" panose="02000000000000000000" pitchFamily="2" charset="0"/>
+                  <a:ea typeface="Roboto" panose="02000000000000000000" pitchFamily="2" charset="0"/>
                   <a:cs typeface="Segoe UI Semibold" panose="020B0702040204020203" pitchFamily="34" charset="0"/>
                 </a:rPr>
                 <a:t>Please Turn Off/Silence Your Devices </a:t>
               </a:r>
               <a:r>
-                <a:rPr lang="zh-TW" altLang="en-US" sz="1600" b="1" dirty="0">
+                <a:rPr lang="zh-TW" altLang="en-US" sz="1600" dirty="0">
                   <a:solidFill>
                     <a:schemeClr val="bg1"/>
                   </a:solidFill>
@@ -9518,7 +9644,7 @@
                 </a:rPr>
                 <a:t>請靜音或關閉所有電子設備</a:t>
               </a:r>
-              <a:endParaRPr lang="ja-JP" altLang="en-US" sz="1600" b="1" dirty="0">
+              <a:endParaRPr lang="ja-JP" altLang="en-US" sz="1600" dirty="0">
                 <a:solidFill>
                   <a:schemeClr val="bg1"/>
                 </a:solidFill>
@@ -9530,10 +9656,10 @@
         </p:sp>
         <p:pic>
           <p:nvPicPr>
-            <p:cNvPr id="4" name="Picture 3" descr="Shape&#10;&#10;Description automatically generated with low confidence">
+            <p:cNvPr id="8" name="Picture 7" descr="Shape&#10;&#10;Description automatically generated with low confidence">
               <a:extLst>
                 <a:ext uri="{FF2B5EF4-FFF2-40B4-BE49-F238E27FC236}">
-                  <a16:creationId xmlns:a16="http://schemas.microsoft.com/office/drawing/2014/main" id="{0AD2B9C4-B659-F256-54CB-94DCC920968A}"/>
+                  <a16:creationId xmlns:a16="http://schemas.microsoft.com/office/drawing/2014/main" id="{05257657-1A92-9166-BE9F-6CE3263CC690}"/>
                 </a:ext>
               </a:extLst>
             </p:cNvPr>
@@ -9543,12 +9669,12 @@
             <p:nvPr/>
           </p:nvPicPr>
           <p:blipFill>
-            <a:blip r:embed="rId3" cstate="print">
+            <a:blip r:embed="rId5" cstate="print">
               <a:lum bright="70000" contrast="-70000"/>
               <a:extLst>
                 <a:ext uri="{BEBA8EAE-BF5A-486C-A8C5-ECC9F3942E4B}">
                   <a14:imgProps xmlns:a14="http://schemas.microsoft.com/office/drawing/2010/main">
-                    <a14:imgLayer r:embed="rId4">
+                    <a14:imgLayer r:embed="rId6">
                       <a14:imgEffect>
                         <a14:artisticPhotocopy/>
                       </a14:imgEffect>
@@ -9587,98 +9713,6 @@
           </p:spPr>
         </p:pic>
       </p:grpSp>
-      <p:grpSp>
-        <p:nvGrpSpPr>
-          <p:cNvPr id="14" name="Group 13">
-            <a:extLst>
-              <a:ext uri="{FF2B5EF4-FFF2-40B4-BE49-F238E27FC236}">
-                <a16:creationId xmlns:a16="http://schemas.microsoft.com/office/drawing/2014/main" id="{CDB6F33C-2A84-5482-333C-60222242A092}"/>
-              </a:ext>
-            </a:extLst>
-          </p:cNvPr>
-          <p:cNvGrpSpPr/>
-          <p:nvPr/>
-        </p:nvGrpSpPr>
-        <p:grpSpPr>
-          <a:xfrm>
-            <a:off x="191344" y="6381328"/>
-            <a:ext cx="3312368" cy="276107"/>
-            <a:chOff x="3719736" y="328470"/>
-            <a:chExt cx="4754803" cy="396343"/>
-          </a:xfrm>
-        </p:grpSpPr>
-        <p:pic>
-          <p:nvPicPr>
-            <p:cNvPr id="15" name="Picture 14">
-              <a:extLst>
-                <a:ext uri="{FF2B5EF4-FFF2-40B4-BE49-F238E27FC236}">
-                  <a16:creationId xmlns:a16="http://schemas.microsoft.com/office/drawing/2014/main" id="{DB3A339E-31CA-53FE-DCC3-F6516E0FFE54}"/>
-                </a:ext>
-              </a:extLst>
-            </p:cNvPr>
-            <p:cNvPicPr>
-              <a:picLocks noChangeAspect="1"/>
-            </p:cNvPicPr>
-            <p:nvPr/>
-          </p:nvPicPr>
-          <p:blipFill>
-            <a:blip r:embed="rId5" cstate="print">
-              <a:extLst>
-                <a:ext uri="{28A0092B-C50C-407E-A947-70E740481C1C}">
-                  <a14:useLocalDpi xmlns:a14="http://schemas.microsoft.com/office/drawing/2010/main" val="0"/>
-                </a:ext>
-              </a:extLst>
-            </a:blip>
-            <a:stretch>
-              <a:fillRect/>
-            </a:stretch>
-          </p:blipFill>
-          <p:spPr>
-            <a:xfrm>
-              <a:off x="3719736" y="328470"/>
-              <a:ext cx="3030311" cy="392158"/>
-            </a:xfrm>
-            <a:prstGeom prst="rect">
-              <a:avLst/>
-            </a:prstGeom>
-          </p:spPr>
-        </p:pic>
-        <p:pic>
-          <p:nvPicPr>
-            <p:cNvPr id="16" name="Picture 15" descr="A blue text on a black background&#10;&#10;Description automatically generated with low confidence">
-              <a:extLst>
-                <a:ext uri="{FF2B5EF4-FFF2-40B4-BE49-F238E27FC236}">
-                  <a16:creationId xmlns:a16="http://schemas.microsoft.com/office/drawing/2014/main" id="{D62A02D3-0C97-A2A6-7C37-D95C56FC8728}"/>
-                </a:ext>
-              </a:extLst>
-            </p:cNvPr>
-            <p:cNvPicPr>
-              <a:picLocks noChangeAspect="1"/>
-            </p:cNvPicPr>
-            <p:nvPr/>
-          </p:nvPicPr>
-          <p:blipFill rotWithShape="1">
-            <a:blip r:embed="rId6" cstate="print">
-              <a:extLst>
-                <a:ext uri="{28A0092B-C50C-407E-A947-70E740481C1C}">
-                  <a14:useLocalDpi xmlns:a14="http://schemas.microsoft.com/office/drawing/2010/main" val="0"/>
-                </a:ext>
-              </a:extLst>
-            </a:blip>
-            <a:srcRect l="28239" r="1"/>
-            <a:stretch/>
-          </p:blipFill>
-          <p:spPr>
-            <a:xfrm>
-              <a:off x="6816080" y="332656"/>
-              <a:ext cx="1658459" cy="392157"/>
-            </a:xfrm>
-            <a:prstGeom prst="rect">
-              <a:avLst/>
-            </a:prstGeom>
-          </p:spPr>
-        </p:pic>
-      </p:grpSp>
     </p:spTree>
     <p:extLst>
       <p:ext uri="{BB962C8B-B14F-4D97-AF65-F5344CB8AC3E}">
@@ -9723,8 +9757,8 @@
         </p:nvSpPr>
         <p:spPr>
           <a:xfrm>
-            <a:off x="488682" y="2852936"/>
-            <a:ext cx="5118640" cy="979242"/>
+            <a:off x="488682" y="2844985"/>
+            <a:ext cx="5118640" cy="995144"/>
           </a:xfrm>
           <a:prstGeom prst="rect">
             <a:avLst/>
@@ -9744,7 +9778,8 @@
             </a:pPr>
             <a:r>
               <a:rPr lang="en-GB" sz="4400" dirty="0">
-                <a:latin typeface="Century Gothic" panose="020B0502020202020204" pitchFamily="34" charset="0"/>
+                <a:latin typeface="Roboto" panose="02000000000000000000" pitchFamily="2" charset="0"/>
+                <a:ea typeface="Roboto" panose="02000000000000000000" pitchFamily="2" charset="0"/>
                 <a:cs typeface="Segoe UI" panose="020B0502040204020203" pitchFamily="34" charset="0"/>
               </a:rPr>
               <a:t>Hymn No.</a:t>
@@ -9787,8 +9822,8 @@
             </a:pPr>
             <a:r>
               <a:rPr lang="en-GB" sz="2400" dirty="0">
-                <a:latin typeface="Source Sans Pro" panose="020B0503030403020204" pitchFamily="34" charset="0"/>
-                <a:ea typeface="Source Sans Pro" panose="020B0503030403020204" pitchFamily="34" charset="0"/>
+                <a:latin typeface="Roboto" panose="02000000000000000000" pitchFamily="2" charset="0"/>
+                <a:ea typeface="Roboto" panose="02000000000000000000" pitchFamily="2" charset="0"/>
               </a:rPr>
               <a:t>-</a:t>
             </a:r>
@@ -9830,8 +9865,8 @@
             </a:pPr>
             <a:r>
               <a:rPr lang="en-GB" sz="2400" dirty="0">
-                <a:latin typeface="Source Sans Pro" panose="020B0503030403020204" pitchFamily="34" charset="0"/>
-                <a:ea typeface="Source Sans Pro" panose="020B0503030403020204" pitchFamily="34" charset="0"/>
+                <a:latin typeface="Roboto" panose="02000000000000000000" pitchFamily="2" charset="0"/>
+                <a:ea typeface="Roboto" panose="02000000000000000000" pitchFamily="2" charset="0"/>
               </a:rPr>
               <a:t>-</a:t>
             </a:r>
@@ -9903,8 +9938,8 @@
             <a:pPr algn="ctr"/>
             <a:r>
               <a:rPr lang="en-GB" altLang="en-US" sz="2800" b="1" dirty="0">
-                <a:latin typeface="Source Sans Pro" panose="020B0503030403020204" pitchFamily="34" charset="0"/>
-                <a:ea typeface="Source Sans Pro" panose="020B0503030403020204" pitchFamily="34" charset="0"/>
+                <a:latin typeface="Roboto" panose="02000000000000000000" pitchFamily="2" charset="0"/>
+                <a:ea typeface="Roboto" panose="02000000000000000000" pitchFamily="2" charset="0"/>
                 <a:cs typeface="Segoe UI" panose="020B0502040204020203" pitchFamily="34" charset="0"/>
               </a:rPr>
               <a:t>HOLY COMMUNION </a:t>
@@ -9958,11 +9993,22 @@
                 <a:solidFill>
                   <a:srgbClr val="004D91"/>
                 </a:solidFill>
+                <a:latin typeface="Roboto" panose="02000000000000000000" pitchFamily="2" charset="0"/>
+                <a:ea typeface="Roboto" panose="02000000000000000000" pitchFamily="2" charset="0"/>
+                <a:cs typeface="Segoe UI" panose="020B0502040204020203" pitchFamily="34" charset="0"/>
+              </a:rPr>
+              <a:t>HYMNS</a:t>
+            </a:r>
+            <a:r>
+              <a:rPr lang="en-GB" sz="3200" b="1" dirty="0">
+                <a:solidFill>
+                  <a:srgbClr val="004D91"/>
+                </a:solidFill>
                 <a:latin typeface="Source Sans Pro" panose="020B0503030403020204" pitchFamily="34" charset="0"/>
                 <a:ea typeface="Source Sans Pro" panose="020B0503030403020204" pitchFamily="34" charset="0"/>
                 <a:cs typeface="Segoe UI" panose="020B0502040204020203" pitchFamily="34" charset="0"/>
               </a:rPr>
-              <a:t>HYMNS </a:t>
+              <a:t> </a:t>
             </a:r>
             <a:r>
               <a:rPr lang="ja-JP" altLang="en-US" sz="3200" b="1" dirty="0">
@@ -10027,8 +10073,8 @@
                 <a:solidFill>
                   <a:srgbClr val="004D91"/>
                 </a:solidFill>
-                <a:latin typeface="Source Sans Pro" panose="020B0503030403020204" pitchFamily="34" charset="0"/>
-                <a:ea typeface="Source Sans Pro" panose="020B0503030403020204" pitchFamily="34" charset="0"/>
+                <a:latin typeface="Roboto" panose="02000000000000000000" pitchFamily="2" charset="0"/>
+                <a:ea typeface="Roboto" panose="02000000000000000000" pitchFamily="2" charset="0"/>
                 <a:cs typeface="Segoe UI" panose="020B0502040204020203" pitchFamily="34" charset="0"/>
               </a:rPr>
               <a:t>BREAD</a:t>
@@ -10074,8 +10120,8 @@
                 <a:solidFill>
                   <a:srgbClr val="004D91"/>
                 </a:solidFill>
-                <a:latin typeface="Source Sans Pro" panose="020B0503030403020204" pitchFamily="34" charset="0"/>
-                <a:ea typeface="Source Sans Pro" panose="020B0503030403020204" pitchFamily="34" charset="0"/>
+                <a:latin typeface="Roboto" panose="02000000000000000000" pitchFamily="2" charset="0"/>
+                <a:ea typeface="Roboto" panose="02000000000000000000" pitchFamily="2" charset="0"/>
                 <a:cs typeface="Segoe UI" panose="020B0502040204020203" pitchFamily="34" charset="0"/>
               </a:rPr>
               <a:t>CUP</a:t>
@@ -10105,7 +10151,7 @@
           <a:prstGeom prst="line">
             <a:avLst/>
           </a:prstGeom>
-          <a:ln w="38100">
+          <a:ln w="19050">
             <a:solidFill>
               <a:srgbClr val="004B8D"/>
             </a:solidFill>
@@ -10148,7 +10194,7 @@
           <a:prstGeom prst="line">
             <a:avLst/>
           </a:prstGeom>
-          <a:ln w="38100">
+          <a:ln w="19050">
             <a:solidFill>
               <a:srgbClr val="004B8D"/>
             </a:solidFill>
@@ -10299,8 +10345,8 @@
         </p:nvSpPr>
         <p:spPr>
           <a:xfrm>
-            <a:off x="0" y="116632"/>
-            <a:ext cx="12191999" cy="954107"/>
+            <a:off x="-1" y="213676"/>
+            <a:ext cx="12191999" cy="892552"/>
           </a:xfrm>
           <a:prstGeom prst="rect">
             <a:avLst/>
@@ -10315,27 +10361,51 @@
           <a:p>
             <a:pPr algn="ctr"/>
             <a:r>
-              <a:rPr lang="en-GB" altLang="en-US" sz="2800" b="1" dirty="0">
-                <a:latin typeface="Source Sans Pro" panose="020B0503030403020204" pitchFamily="34" charset="0"/>
-                <a:ea typeface="Source Sans Pro" panose="020B0503030403020204" pitchFamily="34" charset="0"/>
+              <a:rPr lang="en-GB" altLang="en-US" sz="2400" b="1" dirty="0">
+                <a:solidFill>
+                  <a:schemeClr val="tx1">
+                    <a:lumMod val="85000"/>
+                    <a:lumOff val="15000"/>
+                  </a:schemeClr>
+                </a:solidFill>
+                <a:latin typeface="Roboto" panose="02000000000000000000" pitchFamily="2" charset="0"/>
+                <a:ea typeface="Roboto" panose="02000000000000000000" pitchFamily="2" charset="0"/>
                 <a:cs typeface="Segoe UI" panose="020B0502040204020203" pitchFamily="34" charset="0"/>
               </a:rPr>
-              <a:t>Welcome To True Jesus Church , Please Join Us In Prayer </a:t>
+              <a:t>WELCOME TO TRUE JESUS CHURCH, PLEASE JOIN US IN PRAYER</a:t>
             </a:r>
             <a:br>
               <a:rPr lang="en-GB" altLang="en-US" sz="2800" b="1" dirty="0">
+                <a:solidFill>
+                  <a:schemeClr val="tx1">
+                    <a:lumMod val="85000"/>
+                    <a:lumOff val="15000"/>
+                  </a:schemeClr>
+                </a:solidFill>
                 <a:latin typeface="Source Sans Pro" panose="020B0503030403020204" pitchFamily="34" charset="0"/>
                 <a:ea typeface="Source Sans Pro" panose="020B0503030403020204" pitchFamily="34" charset="0"/>
               </a:rPr>
             </a:br>
             <a:r>
               <a:rPr lang="zh-TW" altLang="en-US" sz="2800" b="1" dirty="0">
+                <a:solidFill>
+                  <a:schemeClr val="tx1">
+                    <a:lumMod val="85000"/>
+                    <a:lumOff val="15000"/>
+                  </a:schemeClr>
+                </a:solidFill>
                 <a:latin typeface="Source Sans Pro" panose="020B0503030403020204" pitchFamily="34" charset="0"/>
                 <a:ea typeface="Microsoft JhengHei" panose="020B0604030504040204" pitchFamily="34" charset="-120"/>
               </a:rPr>
               <a:t>歡迎光臨真耶穌教會，請跟我們一起禱告</a:t>
             </a:r>
             <a:endParaRPr lang="en-GB" sz="2800" b="1" dirty="0">
+              <a:solidFill>
+                <a:schemeClr val="tx1">
+                  <a:lumMod val="85000"/>
+                  <a:lumOff val="15000"/>
+                </a:schemeClr>
+              </a:solidFill>
               <a:latin typeface="Source Sans Pro" panose="020B0503030403020204" pitchFamily="34" charset="0"/>
               <a:ea typeface="Source Sans Pro" panose="020B0503030403020204" pitchFamily="34" charset="0"/>
             </a:endParaRPr>
@@ -10374,8 +10444,8 @@
             <a:r>
               <a:rPr lang="en-GB" sz="2600" i="0" dirty="0">
                 <a:effectLst/>
-                <a:latin typeface="Source Sans Pro Semibold" panose="020B0603030403020204" pitchFamily="34" charset="0"/>
-                <a:ea typeface="Source Sans Pro Semibold" panose="020B0603030403020204" pitchFamily="34" charset="0"/>
+                <a:latin typeface="Roboto" panose="02000000000000000000" pitchFamily="2" charset="0"/>
+                <a:ea typeface="Roboto" panose="02000000000000000000" pitchFamily="2" charset="0"/>
               </a:rPr>
               <a:t>Kneel with humility.</a:t>
             </a:r>
@@ -10385,8 +10455,8 @@
             <a:r>
               <a:rPr lang="en-GB" sz="2600" i="0" dirty="0">
                 <a:effectLst/>
-                <a:latin typeface="Source Sans Pro Semibold" panose="020B0603030403020204" pitchFamily="34" charset="0"/>
-                <a:ea typeface="Source Sans Pro Semibold" panose="020B0603030403020204" pitchFamily="34" charset="0"/>
+                <a:latin typeface="Roboto" panose="02000000000000000000" pitchFamily="2" charset="0"/>
+                <a:ea typeface="Roboto" panose="02000000000000000000" pitchFamily="2" charset="0"/>
               </a:rPr>
               <a:t>Close your eyes to concentrate.</a:t>
             </a:r>
@@ -10396,8 +10466,8 @@
             <a:r>
               <a:rPr lang="en-GB" sz="2600" i="0" dirty="0">
                 <a:effectLst/>
-                <a:latin typeface="Source Sans Pro Semibold" panose="020B0603030403020204" pitchFamily="34" charset="0"/>
-                <a:ea typeface="Source Sans Pro Semibold" panose="020B0603030403020204" pitchFamily="34" charset="0"/>
+                <a:latin typeface="Roboto" panose="02000000000000000000" pitchFamily="2" charset="0"/>
+                <a:ea typeface="Roboto" panose="02000000000000000000" pitchFamily="2" charset="0"/>
               </a:rPr>
               <a:t>Begin by saying, </a:t>
             </a:r>
@@ -10407,8 +10477,8 @@
                   <a:srgbClr val="004D91"/>
                 </a:solidFill>
                 <a:effectLst/>
-                <a:latin typeface="Source Sans Pro" panose="020B0503030403020204" pitchFamily="34" charset="0"/>
-                <a:ea typeface="Source Sans Pro" panose="020B0503030403020204" pitchFamily="34" charset="0"/>
+                <a:latin typeface="Roboto" panose="02000000000000000000" pitchFamily="2" charset="0"/>
+                <a:ea typeface="Roboto" panose="02000000000000000000" pitchFamily="2" charset="0"/>
               </a:rPr>
               <a:t>“In the name of the Lord Jesus Christ I pray.”</a:t>
             </a:r>
@@ -10417,8 +10487,8 @@
                 <a:srgbClr val="004D91"/>
               </a:solidFill>
               <a:effectLst/>
-              <a:latin typeface="Source Sans Pro" panose="020B0503030403020204" pitchFamily="34" charset="0"/>
-              <a:ea typeface="Source Sans Pro" panose="020B0503030403020204" pitchFamily="34" charset="0"/>
+              <a:latin typeface="Roboto" panose="02000000000000000000" pitchFamily="2" charset="0"/>
+              <a:ea typeface="Roboto" panose="02000000000000000000" pitchFamily="2" charset="0"/>
             </a:endParaRPr>
           </a:p>
           <a:p>
@@ -10426,8 +10496,8 @@
             <a:r>
               <a:rPr lang="en-GB" sz="2600" i="0" dirty="0">
                 <a:effectLst/>
-                <a:latin typeface="Source Sans Pro Semibold" panose="020B0603030403020204" pitchFamily="34" charset="0"/>
-                <a:ea typeface="Source Sans Pro Semibold" panose="020B0603030403020204" pitchFamily="34" charset="0"/>
+                <a:latin typeface="Roboto" panose="02000000000000000000" pitchFamily="2" charset="0"/>
+                <a:ea typeface="Roboto" panose="02000000000000000000" pitchFamily="2" charset="0"/>
               </a:rPr>
               <a:t>Praise the Lord by saying, </a:t>
             </a:r>
@@ -10437,8 +10507,8 @@
                   <a:srgbClr val="004D91"/>
                 </a:solidFill>
                 <a:effectLst/>
-                <a:latin typeface="Source Sans Pro" panose="020B0503030403020204" pitchFamily="34" charset="0"/>
-                <a:ea typeface="Source Sans Pro" panose="020B0503030403020204" pitchFamily="34" charset="0"/>
+                <a:latin typeface="Roboto" panose="02000000000000000000" pitchFamily="2" charset="0"/>
+                <a:ea typeface="Roboto" panose="02000000000000000000" pitchFamily="2" charset="0"/>
               </a:rPr>
               <a:t>“Hallelujah!”</a:t>
             </a:r>
@@ -10447,8 +10517,8 @@
                 <a:srgbClr val="004D91"/>
               </a:solidFill>
               <a:effectLst/>
-              <a:latin typeface="Source Sans Pro" panose="020B0503030403020204" pitchFamily="34" charset="0"/>
-              <a:ea typeface="Source Sans Pro" panose="020B0503030403020204" pitchFamily="34" charset="0"/>
+              <a:latin typeface="Roboto" panose="02000000000000000000" pitchFamily="2" charset="0"/>
+              <a:ea typeface="Roboto" panose="02000000000000000000" pitchFamily="2" charset="0"/>
             </a:endParaRPr>
           </a:p>
           <a:p>
@@ -10456,8 +10526,8 @@
             <a:r>
               <a:rPr lang="en-GB" sz="2600" i="0" dirty="0">
                 <a:effectLst/>
-                <a:latin typeface="Source Sans Pro Semibold" panose="020B0603030403020204" pitchFamily="34" charset="0"/>
-                <a:ea typeface="Source Sans Pro Semibold" panose="020B0603030403020204" pitchFamily="34" charset="0"/>
+                <a:latin typeface="Roboto" panose="02000000000000000000" pitchFamily="2" charset="0"/>
+                <a:ea typeface="Roboto" panose="02000000000000000000" pitchFamily="2" charset="0"/>
               </a:rPr>
               <a:t>Spend time to speak with God from your heart and ask Him to fill you with the Holy Spirit.</a:t>
             </a:r>
@@ -10467,8 +10537,8 @@
             <a:r>
               <a:rPr lang="en-GB" sz="2600" i="0" dirty="0">
                 <a:effectLst/>
-                <a:latin typeface="Source Sans Pro Semibold" panose="020B0603030403020204" pitchFamily="34" charset="0"/>
-                <a:ea typeface="Source Sans Pro Semibold" panose="020B0603030403020204" pitchFamily="34" charset="0"/>
+                <a:latin typeface="Roboto" panose="02000000000000000000" pitchFamily="2" charset="0"/>
+                <a:ea typeface="Roboto" panose="02000000000000000000" pitchFamily="2" charset="0"/>
               </a:rPr>
               <a:t>Conclude your prayer with, </a:t>
             </a:r>
@@ -10478,8 +10548,8 @@
                   <a:srgbClr val="004D91"/>
                 </a:solidFill>
                 <a:effectLst/>
-                <a:latin typeface="Source Sans Pro" panose="020B0503030403020204" pitchFamily="34" charset="0"/>
-                <a:ea typeface="Source Sans Pro" panose="020B0503030403020204" pitchFamily="34" charset="0"/>
+                <a:latin typeface="Roboto" panose="02000000000000000000" pitchFamily="2" charset="0"/>
+                <a:ea typeface="Roboto" panose="02000000000000000000" pitchFamily="2" charset="0"/>
               </a:rPr>
               <a:t>“Amen.”</a:t>
             </a:r>
@@ -10488,8 +10558,8 @@
                 <a:srgbClr val="004D91"/>
               </a:solidFill>
               <a:effectLst/>
-              <a:latin typeface="Source Sans Pro" panose="020B0503030403020204" pitchFamily="34" charset="0"/>
-              <a:ea typeface="Source Sans Pro" panose="020B0503030403020204" pitchFamily="34" charset="0"/>
+              <a:latin typeface="Roboto" panose="02000000000000000000" pitchFamily="2" charset="0"/>
+              <a:ea typeface="Roboto" panose="02000000000000000000" pitchFamily="2" charset="0"/>
             </a:endParaRPr>
           </a:p>
         </p:txBody>
@@ -10524,7 +10594,7 @@
           <a:p>
             <a:pPr algn="l"/>
             <a:r>
-              <a:rPr lang="zh-TW" altLang="en-US" sz="3200" b="1" i="0" dirty="0">
+              <a:rPr lang="zh-TW" altLang="en-US" sz="3200" i="0" dirty="0">
                 <a:effectLst/>
                 <a:latin typeface="Microsoft JhengHei" panose="020B0604030504040204" pitchFamily="34" charset="-120"/>
                 <a:ea typeface="Microsoft JhengHei" panose="020B0604030504040204" pitchFamily="34" charset="-120"/>
@@ -10535,7 +10605,7 @@
           <a:p>
             <a:pPr algn="l"/>
             <a:r>
-              <a:rPr lang="zh-TW" altLang="en-US" sz="3200" b="1" i="0" dirty="0">
+              <a:rPr lang="zh-TW" altLang="en-US" sz="3200" i="0" dirty="0">
                 <a:effectLst/>
                 <a:latin typeface="Microsoft JhengHei" panose="020B0604030504040204" pitchFamily="34" charset="-120"/>
                 <a:ea typeface="Microsoft JhengHei" panose="020B0604030504040204" pitchFamily="34" charset="-120"/>
@@ -10546,7 +10616,7 @@
           <a:p>
             <a:pPr algn="l"/>
             <a:r>
-              <a:rPr lang="zh-TW" altLang="en-US" sz="3200" b="1" i="0" dirty="0">
+              <a:rPr lang="zh-TW" altLang="en-US" sz="3200" i="0" dirty="0">
                 <a:effectLst/>
                 <a:latin typeface="Microsoft JhengHei" panose="020B0604030504040204" pitchFamily="34" charset="-120"/>
                 <a:ea typeface="Microsoft JhengHei" panose="020B0604030504040204" pitchFamily="34" charset="-120"/>
@@ -10554,7 +10624,48 @@
               <a:t>先唸</a:t>
             </a:r>
             <a:r>
-              <a:rPr lang="en-US" altLang="zh-TW" sz="3200" b="1" i="0" dirty="0">
+              <a:rPr lang="en-US" altLang="zh-TW" sz="3200" i="0" dirty="0">
+                <a:effectLst/>
+                <a:latin typeface="Microsoft JhengHei" panose="020B0604030504040204" pitchFamily="34" charset="-120"/>
+                <a:ea typeface="Microsoft JhengHei" panose="020B0604030504040204" pitchFamily="34" charset="-120"/>
+              </a:rPr>
+              <a:t>, </a:t>
+            </a:r>
+            <a:r>
+              <a:rPr lang="en-US" altLang="zh-TW" sz="3200" b="1" dirty="0">
+                <a:solidFill>
+                  <a:srgbClr val="004D91"/>
+                </a:solidFill>
+                <a:effectLst/>
+                <a:latin typeface="Microsoft JhengHei" panose="020B0604030504040204" pitchFamily="34" charset="-120"/>
+                <a:ea typeface="Microsoft JhengHei" panose="020B0604030504040204" pitchFamily="34" charset="-120"/>
+              </a:rPr>
+              <a:t>“</a:t>
+            </a:r>
+            <a:r>
+              <a:rPr lang="zh-TW" altLang="en-US" sz="3200" b="1" dirty="0">
+                <a:solidFill>
+                  <a:srgbClr val="004D91"/>
+                </a:solidFill>
+                <a:effectLst/>
+                <a:latin typeface="Microsoft JhengHei" panose="020B0604030504040204" pitchFamily="34" charset="-120"/>
+                <a:ea typeface="Microsoft JhengHei" panose="020B0604030504040204" pitchFamily="34" charset="-120"/>
+              </a:rPr>
+              <a:t>奉主耶穌聖名禱告”</a:t>
+            </a:r>
+          </a:p>
+          <a:p>
+            <a:pPr algn="l"/>
+            <a:r>
+              <a:rPr lang="zh-TW" altLang="en-US" sz="3200" i="0" dirty="0">
+                <a:effectLst/>
+                <a:latin typeface="Microsoft JhengHei" panose="020B0604030504040204" pitchFamily="34" charset="-120"/>
+                <a:ea typeface="Microsoft JhengHei" panose="020B0604030504040204" pitchFamily="34" charset="-120"/>
+              </a:rPr>
+              <a:t>重複唸</a:t>
+            </a:r>
+            <a:r>
+              <a:rPr lang="en-US" altLang="zh-TW" sz="3200" i="0" dirty="0">
                 <a:effectLst/>
                 <a:latin typeface="Microsoft JhengHei" panose="020B0604030504040204" pitchFamily="34" charset="-120"/>
                 <a:ea typeface="Microsoft JhengHei" panose="020B0604030504040204" pitchFamily="34" charset="-120"/>
@@ -10581,47 +10692,6 @@
                 <a:latin typeface="Microsoft JhengHei" panose="020B0604030504040204" pitchFamily="34" charset="-120"/>
                 <a:ea typeface="Microsoft JhengHei" panose="020B0604030504040204" pitchFamily="34" charset="-120"/>
               </a:rPr>
-              <a:t>奉主耶穌聖名禱告”</a:t>
-            </a:r>
-          </a:p>
-          <a:p>
-            <a:pPr algn="l"/>
-            <a:r>
-              <a:rPr lang="zh-TW" altLang="en-US" sz="3200" b="1" i="0" dirty="0">
-                <a:effectLst/>
-                <a:latin typeface="Microsoft JhengHei" panose="020B0604030504040204" pitchFamily="34" charset="-120"/>
-                <a:ea typeface="Microsoft JhengHei" panose="020B0604030504040204" pitchFamily="34" charset="-120"/>
-              </a:rPr>
-              <a:t>重複唸</a:t>
-            </a:r>
-            <a:r>
-              <a:rPr lang="en-US" altLang="zh-TW" sz="3200" b="1" i="0" dirty="0">
-                <a:effectLst/>
-                <a:latin typeface="Microsoft JhengHei" panose="020B0604030504040204" pitchFamily="34" charset="-120"/>
-                <a:ea typeface="Microsoft JhengHei" panose="020B0604030504040204" pitchFamily="34" charset="-120"/>
-              </a:rPr>
-              <a:t>, </a:t>
-            </a:r>
-            <a:r>
-              <a:rPr lang="en-US" altLang="zh-TW" sz="3200" b="1" i="0" dirty="0">
-                <a:solidFill>
-                  <a:srgbClr val="004D91"/>
-                </a:solidFill>
-                <a:effectLst/>
-                <a:latin typeface="Microsoft JhengHei" panose="020B0604030504040204" pitchFamily="34" charset="-120"/>
-                <a:ea typeface="Microsoft JhengHei" panose="020B0604030504040204" pitchFamily="34" charset="-120"/>
-              </a:rPr>
-              <a:t>“</a:t>
-            </a:r>
-            <a:r>
-              <a:rPr lang="zh-TW" altLang="en-US" sz="3200" b="1" i="0" dirty="0">
-                <a:solidFill>
-                  <a:srgbClr val="004D91"/>
-                </a:solidFill>
-                <a:effectLst/>
-                <a:latin typeface="Microsoft JhengHei" panose="020B0604030504040204" pitchFamily="34" charset="-120"/>
-                <a:ea typeface="Microsoft JhengHei" panose="020B0604030504040204" pitchFamily="34" charset="-120"/>
-              </a:rPr>
               <a:t>哈利路亞</a:t>
             </a:r>
             <a:r>
@@ -10650,7 +10720,7 @@
           <a:p>
             <a:pPr algn="l"/>
             <a:r>
-              <a:rPr lang="zh-TW" altLang="en-US" sz="3200" b="1" i="0" dirty="0">
+              <a:rPr lang="zh-TW" altLang="en-US" sz="3200" i="0" dirty="0">
                 <a:effectLst/>
                 <a:latin typeface="Microsoft JhengHei" panose="020B0604030504040204" pitchFamily="34" charset="-120"/>
                 <a:ea typeface="Microsoft JhengHei" panose="020B0604030504040204" pitchFamily="34" charset="-120"/>
@@ -10658,7 +10728,7 @@
               <a:t>您也可以將您的需要告訴神</a:t>
             </a:r>
             <a:r>
-              <a:rPr lang="en-US" altLang="zh-TW" sz="3200" b="1" i="0" dirty="0">
+              <a:rPr lang="en-US" altLang="zh-TW" sz="3200" i="0" dirty="0">
                 <a:effectLst/>
                 <a:latin typeface="Microsoft JhengHei" panose="020B0604030504040204" pitchFamily="34" charset="-120"/>
                 <a:ea typeface="Microsoft JhengHei" panose="020B0604030504040204" pitchFamily="34" charset="-120"/>
@@ -10666,7 +10736,7 @@
               <a:t>, </a:t>
             </a:r>
             <a:r>
-              <a:rPr lang="zh-TW" altLang="en-US" sz="3200" b="1" i="0" dirty="0">
+              <a:rPr lang="zh-TW" altLang="en-US" sz="3200" i="0" dirty="0">
                 <a:effectLst/>
                 <a:latin typeface="Microsoft JhengHei" panose="020B0604030504040204" pitchFamily="34" charset="-120"/>
                 <a:ea typeface="Microsoft JhengHei" panose="020B0604030504040204" pitchFamily="34" charset="-120"/>
@@ -10677,7 +10747,7 @@
           <a:p>
             <a:pPr algn="l"/>
             <a:r>
-              <a:rPr lang="zh-TW" altLang="en-US" sz="3200" b="1" i="0" dirty="0">
+              <a:rPr lang="zh-TW" altLang="en-US" sz="3200" i="0" dirty="0">
                 <a:effectLst/>
                 <a:latin typeface="Microsoft JhengHei" panose="020B0604030504040204" pitchFamily="34" charset="-120"/>
                 <a:ea typeface="Microsoft JhengHei" panose="020B0604030504040204" pitchFamily="34" charset="-120"/>
@@ -10707,14 +10777,14 @@
               <a:t>!” </a:t>
             </a:r>
             <a:r>
-              <a:rPr lang="zh-TW" altLang="en-US" sz="3200" b="1" i="0" dirty="0">
+              <a:rPr lang="zh-TW" altLang="en-US" sz="3200" i="0" dirty="0">
                 <a:effectLst/>
                 <a:latin typeface="Microsoft JhengHei" panose="020B0604030504040204" pitchFamily="34" charset="-120"/>
                 <a:ea typeface="Microsoft JhengHei" panose="020B0604030504040204" pitchFamily="34" charset="-120"/>
               </a:rPr>
               <a:t>結束禱告</a:t>
             </a:r>
-            <a:endParaRPr lang="en-GB" sz="3200" b="1" i="0" dirty="0">
+            <a:endParaRPr lang="en-GB" sz="3200" i="0" dirty="0">
               <a:effectLst/>
               <a:latin typeface="Microsoft JhengHei" panose="020B0604030504040204" pitchFamily="34" charset="-120"/>
               <a:ea typeface="Microsoft JhengHei" panose="020B0604030504040204" pitchFamily="34" charset="-120"/>
@@ -10744,7 +10814,7 @@
           <a:prstGeom prst="line">
             <a:avLst/>
           </a:prstGeom>
-          <a:ln w="38100">
+          <a:ln w="19050">
             <a:solidFill>
               <a:schemeClr val="accent1">
                 <a:lumMod val="75000"/>
@@ -10769,10 +10839,10 @@
       </p:cxnSp>
       <p:grpSp>
         <p:nvGrpSpPr>
-          <p:cNvPr id="7" name="Group 6">
+          <p:cNvPr id="12" name="Group 11">
             <a:extLst>
               <a:ext uri="{FF2B5EF4-FFF2-40B4-BE49-F238E27FC236}">
-                <a16:creationId xmlns:a16="http://schemas.microsoft.com/office/drawing/2014/main" id="{72DC5880-BDED-92C0-586D-1160A0C3A6C1}"/>
+                <a16:creationId xmlns:a16="http://schemas.microsoft.com/office/drawing/2014/main" id="{9993B85C-7609-546F-2D6C-4BE5BCFD19BE}"/>
               </a:ext>
             </a:extLst>
           </p:cNvPr>
@@ -10781,18 +10851,110 @@
         </p:nvGrpSpPr>
         <p:grpSpPr>
           <a:xfrm>
-            <a:off x="5951984" y="6318094"/>
-            <a:ext cx="6130040" cy="381119"/>
-            <a:chOff x="5951984" y="6318094"/>
-            <a:chExt cx="6130040" cy="381119"/>
+            <a:off x="191344" y="6381328"/>
+            <a:ext cx="3312368" cy="276107"/>
+            <a:chOff x="3719736" y="328470"/>
+            <a:chExt cx="4754803" cy="396343"/>
+          </a:xfrm>
+        </p:grpSpPr>
+        <p:pic>
+          <p:nvPicPr>
+            <p:cNvPr id="16" name="Picture 15">
+              <a:extLst>
+                <a:ext uri="{FF2B5EF4-FFF2-40B4-BE49-F238E27FC236}">
+                  <a16:creationId xmlns:a16="http://schemas.microsoft.com/office/drawing/2014/main" id="{C57D1458-A84E-1BC4-77A5-0DDADFD44293}"/>
+                </a:ext>
+              </a:extLst>
+            </p:cNvPr>
+            <p:cNvPicPr>
+              <a:picLocks noChangeAspect="1"/>
+            </p:cNvPicPr>
+            <p:nvPr/>
+          </p:nvPicPr>
+          <p:blipFill>
+            <a:blip r:embed="rId3" cstate="print">
+              <a:extLst>
+                <a:ext uri="{28A0092B-C50C-407E-A947-70E740481C1C}">
+                  <a14:useLocalDpi xmlns:a14="http://schemas.microsoft.com/office/drawing/2010/main" val="0"/>
+                </a:ext>
+              </a:extLst>
+            </a:blip>
+            <a:stretch>
+              <a:fillRect/>
+            </a:stretch>
+          </p:blipFill>
+          <p:spPr>
+            <a:xfrm>
+              <a:off x="3719736" y="328470"/>
+              <a:ext cx="3030311" cy="392158"/>
+            </a:xfrm>
+            <a:prstGeom prst="rect">
+              <a:avLst/>
+            </a:prstGeom>
+          </p:spPr>
+        </p:pic>
+        <p:pic>
+          <p:nvPicPr>
+            <p:cNvPr id="17" name="Picture 16" descr="A blue text on a black background&#10;&#10;Description automatically generated with low confidence">
+              <a:extLst>
+                <a:ext uri="{FF2B5EF4-FFF2-40B4-BE49-F238E27FC236}">
+                  <a16:creationId xmlns:a16="http://schemas.microsoft.com/office/drawing/2014/main" id="{FD5E27C1-1E2D-D98E-B7FF-3096F1473D09}"/>
+                </a:ext>
+              </a:extLst>
+            </p:cNvPr>
+            <p:cNvPicPr>
+              <a:picLocks noChangeAspect="1"/>
+            </p:cNvPicPr>
+            <p:nvPr/>
+          </p:nvPicPr>
+          <p:blipFill rotWithShape="1">
+            <a:blip r:embed="rId4" cstate="print">
+              <a:extLst>
+                <a:ext uri="{28A0092B-C50C-407E-A947-70E740481C1C}">
+                  <a14:useLocalDpi xmlns:a14="http://schemas.microsoft.com/office/drawing/2010/main" val="0"/>
+                </a:ext>
+              </a:extLst>
+            </a:blip>
+            <a:srcRect l="28239" r="1"/>
+            <a:stretch/>
+          </p:blipFill>
+          <p:spPr>
+            <a:xfrm>
+              <a:off x="6816080" y="332656"/>
+              <a:ext cx="1658459" cy="392157"/>
+            </a:xfrm>
+            <a:prstGeom prst="rect">
+              <a:avLst/>
+            </a:prstGeom>
+          </p:spPr>
+        </p:pic>
+      </p:grpSp>
+      <p:grpSp>
+        <p:nvGrpSpPr>
+          <p:cNvPr id="9" name="Group 8">
+            <a:extLst>
+              <a:ext uri="{FF2B5EF4-FFF2-40B4-BE49-F238E27FC236}">
+                <a16:creationId xmlns:a16="http://schemas.microsoft.com/office/drawing/2014/main" id="{2CEC43C3-0008-9ABB-03CB-9D577B58A1E1}"/>
+              </a:ext>
+            </a:extLst>
+          </p:cNvPr>
+          <p:cNvGrpSpPr/>
+          <p:nvPr/>
+        </p:nvGrpSpPr>
+        <p:grpSpPr>
+          <a:xfrm>
+            <a:off x="5807968" y="6327364"/>
+            <a:ext cx="6264696" cy="381119"/>
+            <a:chOff x="5807968" y="6327364"/>
+            <a:chExt cx="6264696" cy="381119"/>
           </a:xfrm>
         </p:grpSpPr>
         <p:sp>
           <p:nvSpPr>
-            <p:cNvPr id="8" name="TextBox 7">
+            <p:cNvPr id="14" name="TextBox 13">
               <a:extLst>
                 <a:ext uri="{FF2B5EF4-FFF2-40B4-BE49-F238E27FC236}">
-                  <a16:creationId xmlns:a16="http://schemas.microsoft.com/office/drawing/2014/main" id="{6DCD3134-7024-047D-5EAB-0FBC0300B30E}"/>
+                  <a16:creationId xmlns:a16="http://schemas.microsoft.com/office/drawing/2014/main" id="{0520127B-7F44-CC98-7D2A-DBFCFE72FD31}"/>
                 </a:ext>
               </a:extLst>
             </p:cNvPr>
@@ -10801,8 +10963,8 @@
           </p:nvSpPr>
           <p:spPr>
             <a:xfrm>
-              <a:off x="5951984" y="6318094"/>
-              <a:ext cx="6130040" cy="381119"/>
+              <a:off x="5807968" y="6327364"/>
+              <a:ext cx="6264696" cy="381119"/>
             </a:xfrm>
             <a:prstGeom prst="roundRect">
               <a:avLst>
@@ -10823,18 +10985,18 @@
             <a:lstStyle/>
             <a:p>
               <a:r>
-                <a:rPr lang="en-GB" sz="1600" b="1" dirty="0">
+                <a:rPr lang="en-GB" sz="1600" dirty="0">
                   <a:solidFill>
                     <a:schemeClr val="bg1"/>
                   </a:solidFill>
-                  <a:latin typeface="Source Sans Pro" panose="020B0503030403020204" pitchFamily="34" charset="0"/>
-                  <a:ea typeface="Source Sans Pro" panose="020B0503030403020204" pitchFamily="34" charset="0"/>
+                  <a:latin typeface="Roboto" panose="02000000000000000000" pitchFamily="2" charset="0"/>
+                  <a:ea typeface="Roboto" panose="02000000000000000000" pitchFamily="2" charset="0"/>
                   <a:cs typeface="Segoe UI Semibold" panose="020B0702040204020203" pitchFamily="34" charset="0"/>
                 </a:rPr>
                 <a:t>Please Turn Off/Silence Your Devices </a:t>
               </a:r>
               <a:r>
-                <a:rPr lang="zh-TW" altLang="en-US" sz="1600" b="1" dirty="0">
+                <a:rPr lang="zh-TW" altLang="en-US" sz="1600" dirty="0">
                   <a:solidFill>
                     <a:schemeClr val="bg1"/>
                   </a:solidFill>
@@ -10843,7 +11005,7 @@
                 </a:rPr>
                 <a:t>請靜音或關閉所有電子設備</a:t>
               </a:r>
-              <a:endParaRPr lang="ja-JP" altLang="en-US" sz="1600" b="1" dirty="0">
+              <a:endParaRPr lang="ja-JP" altLang="en-US" sz="1600" dirty="0">
                 <a:solidFill>
                   <a:schemeClr val="bg1"/>
                 </a:solidFill>
@@ -10855,10 +11017,10 @@
         </p:sp>
         <p:pic>
           <p:nvPicPr>
-            <p:cNvPr id="10" name="Picture 9" descr="Shape&#10;&#10;Description automatically generated with low confidence">
+            <p:cNvPr id="15" name="Picture 14" descr="Shape&#10;&#10;Description automatically generated with low confidence">
               <a:extLst>
                 <a:ext uri="{FF2B5EF4-FFF2-40B4-BE49-F238E27FC236}">
-                  <a16:creationId xmlns:a16="http://schemas.microsoft.com/office/drawing/2014/main" id="{65957422-7A97-498E-9DEE-5954AFEE2526}"/>
+                  <a16:creationId xmlns:a16="http://schemas.microsoft.com/office/drawing/2014/main" id="{27D35DFB-481C-870F-CFBD-85D61BC88AB0}"/>
                 </a:ext>
               </a:extLst>
             </p:cNvPr>
@@ -10868,12 +11030,12 @@
             <p:nvPr/>
           </p:nvPicPr>
           <p:blipFill>
-            <a:blip r:embed="rId3" cstate="print">
+            <a:blip r:embed="rId5" cstate="print">
               <a:lum bright="70000" contrast="-70000"/>
               <a:extLst>
                 <a:ext uri="{BEBA8EAE-BF5A-486C-A8C5-ECC9F3942E4B}">
                   <a14:imgProps xmlns:a14="http://schemas.microsoft.com/office/drawing/2010/main">
-                    <a14:imgLayer r:embed="rId4">
+                    <a14:imgLayer r:embed="rId6">
                       <a14:imgEffect>
                         <a14:artisticPhotocopy/>
                       </a14:imgEffect>
@@ -10909,98 +11071,6 @@
             <a:solidFill>
               <a:srgbClr val="004B8D"/>
             </a:solidFill>
-          </p:spPr>
-        </p:pic>
-      </p:grpSp>
-      <p:grpSp>
-        <p:nvGrpSpPr>
-          <p:cNvPr id="12" name="Group 11">
-            <a:extLst>
-              <a:ext uri="{FF2B5EF4-FFF2-40B4-BE49-F238E27FC236}">
-                <a16:creationId xmlns:a16="http://schemas.microsoft.com/office/drawing/2014/main" id="{9993B85C-7609-546F-2D6C-4BE5BCFD19BE}"/>
-              </a:ext>
-            </a:extLst>
-          </p:cNvPr>
-          <p:cNvGrpSpPr/>
-          <p:nvPr/>
-        </p:nvGrpSpPr>
-        <p:grpSpPr>
-          <a:xfrm>
-            <a:off x="191344" y="6381328"/>
-            <a:ext cx="3312368" cy="276107"/>
-            <a:chOff x="3719736" y="328470"/>
-            <a:chExt cx="4754803" cy="396343"/>
-          </a:xfrm>
-        </p:grpSpPr>
-        <p:pic>
-          <p:nvPicPr>
-            <p:cNvPr id="16" name="Picture 15">
-              <a:extLst>
-                <a:ext uri="{FF2B5EF4-FFF2-40B4-BE49-F238E27FC236}">
-                  <a16:creationId xmlns:a16="http://schemas.microsoft.com/office/drawing/2014/main" id="{C57D1458-A84E-1BC4-77A5-0DDADFD44293}"/>
-                </a:ext>
-              </a:extLst>
-            </p:cNvPr>
-            <p:cNvPicPr>
-              <a:picLocks noChangeAspect="1"/>
-            </p:cNvPicPr>
-            <p:nvPr/>
-          </p:nvPicPr>
-          <p:blipFill>
-            <a:blip r:embed="rId5" cstate="print">
-              <a:extLst>
-                <a:ext uri="{28A0092B-C50C-407E-A947-70E740481C1C}">
-                  <a14:useLocalDpi xmlns:a14="http://schemas.microsoft.com/office/drawing/2010/main" val="0"/>
-                </a:ext>
-              </a:extLst>
-            </a:blip>
-            <a:stretch>
-              <a:fillRect/>
-            </a:stretch>
-          </p:blipFill>
-          <p:spPr>
-            <a:xfrm>
-              <a:off x="3719736" y="328470"/>
-              <a:ext cx="3030311" cy="392158"/>
-            </a:xfrm>
-            <a:prstGeom prst="rect">
-              <a:avLst/>
-            </a:prstGeom>
-          </p:spPr>
-        </p:pic>
-        <p:pic>
-          <p:nvPicPr>
-            <p:cNvPr id="17" name="Picture 16" descr="A blue text on a black background&#10;&#10;Description automatically generated with low confidence">
-              <a:extLst>
-                <a:ext uri="{FF2B5EF4-FFF2-40B4-BE49-F238E27FC236}">
-                  <a16:creationId xmlns:a16="http://schemas.microsoft.com/office/drawing/2014/main" id="{FD5E27C1-1E2D-D98E-B7FF-3096F1473D09}"/>
-                </a:ext>
-              </a:extLst>
-            </p:cNvPr>
-            <p:cNvPicPr>
-              <a:picLocks noChangeAspect="1"/>
-            </p:cNvPicPr>
-            <p:nvPr/>
-          </p:nvPicPr>
-          <p:blipFill rotWithShape="1">
-            <a:blip r:embed="rId6" cstate="print">
-              <a:extLst>
-                <a:ext uri="{28A0092B-C50C-407E-A947-70E740481C1C}">
-                  <a14:useLocalDpi xmlns:a14="http://schemas.microsoft.com/office/drawing/2010/main" val="0"/>
-                </a:ext>
-              </a:extLst>
-            </a:blip>
-            <a:srcRect l="28239" r="1"/>
-            <a:stretch/>
-          </p:blipFill>
-          <p:spPr>
-            <a:xfrm>
-              <a:off x="6816080" y="332656"/>
-              <a:ext cx="1658459" cy="392157"/>
-            </a:xfrm>
-            <a:prstGeom prst="rect">
-              <a:avLst/>
-            </a:prstGeom>
           </p:spPr>
         </p:pic>
       </p:grpSp>

--- a/TJCPowerPoint/bin/Debug/Files/ServiceWidescreen.pptx
+++ b/TJCPowerPoint/bin/Debug/Files/ServiceWidescreen.pptx
@@ -5071,7 +5071,7 @@
                 <a:cs typeface="Arial" panose="020B0604020202020204" pitchFamily="34" charset="0"/>
               </a:rPr>
               <a:pPr algn="ctr"/>
-              <a:t>Wednesday, August 30, 2023</a:t>
+              <a:t>Thursday, August 31, 2023</a:t>
             </a:fld>
             <a:endParaRPr lang="en-US" altLang="en-US" sz="5400" b="1" dirty="0">
               <a:solidFill>
@@ -8267,8 +8267,8 @@
         </p:nvSpPr>
         <p:spPr bwMode="auto">
           <a:xfrm>
-            <a:off x="0" y="1224129"/>
-            <a:ext cx="12192000" cy="4352498"/>
+            <a:off x="0" y="1046827"/>
+            <a:ext cx="12192000" cy="4529800"/>
           </a:xfrm>
           <a:prstGeom prst="rect">
             <a:avLst/>
@@ -9757,7 +9757,7 @@
         </p:nvSpPr>
         <p:spPr>
           <a:xfrm>
-            <a:off x="488682" y="2844985"/>
+            <a:off x="488675" y="1413897"/>
             <a:ext cx="5118640" cy="995144"/>
           </a:xfrm>
           <a:prstGeom prst="rect">
@@ -9766,7 +9766,7 @@
           <a:noFill/>
         </p:spPr>
         <p:txBody>
-          <a:bodyPr wrap="square" rtlCol="0" anchor="ctr">
+          <a:bodyPr wrap="square" rtlCol="0" anchor="t">
             <a:spAutoFit/>
           </a:bodyPr>
           <a:lstStyle/>
